--- a/final ppt.pptx
+++ b/final ppt.pptx
@@ -8,15 +8,19 @@
     <p:sldId id="257" r:id="rId2"/>
     <p:sldId id="258" r:id="rId3"/>
     <p:sldId id="259" r:id="rId4"/>
-    <p:sldId id="260" r:id="rId5"/>
+    <p:sldId id="273" r:id="rId5"/>
     <p:sldId id="261" r:id="rId6"/>
     <p:sldId id="269" r:id="rId7"/>
-    <p:sldId id="265" r:id="rId8"/>
-    <p:sldId id="262" r:id="rId9"/>
-    <p:sldId id="263" r:id="rId10"/>
-    <p:sldId id="264" r:id="rId11"/>
-    <p:sldId id="266" r:id="rId12"/>
-    <p:sldId id="270" r:id="rId13"/>
+    <p:sldId id="276" r:id="rId8"/>
+    <p:sldId id="265" r:id="rId9"/>
+    <p:sldId id="262" r:id="rId10"/>
+    <p:sldId id="263" r:id="rId11"/>
+    <p:sldId id="264" r:id="rId12"/>
+    <p:sldId id="266" r:id="rId13"/>
+    <p:sldId id="270" r:id="rId14"/>
+    <p:sldId id="272" r:id="rId15"/>
+    <p:sldId id="274" r:id="rId16"/>
+    <p:sldId id="271" r:id="rId17"/>
   </p:sldIdLst>
   <p:sldSz cx="12192000" cy="6858000"/>
   <p:notesSz cx="6858000" cy="9144000"/>
@@ -115,6 +119,11 @@
       </a:defRPr>
     </a:lvl9pPr>
   </p:defaultTextStyle>
+  <p:extLst>
+    <p:ext uri="{EFAFB233-063F-42B5-8137-9DF3F51BA10A}">
+      <p15:sldGuideLst xmlns:p15="http://schemas.microsoft.com/office/powerpoint/2012/main"/>
+    </p:ext>
+  </p:extLst>
 </p:presentation>
 </file>
 
@@ -2596,11 +2605,11 @@
         <a:lstStyle/>
         <a:p>
           <a:r>
-            <a:rPr lang="en-US" sz="2200" dirty="0" err="1" smtClean="0">
+            <a:rPr lang="en-US" sz="2200" dirty="0" smtClean="0">
               <a:latin typeface="Times New Roman" panose="02020603050405020304" pitchFamily="18" charset="0"/>
               <a:cs typeface="Times New Roman" panose="02020603050405020304" pitchFamily="18" charset="0"/>
             </a:rPr>
-            <a:t>FinalizeDatabase</a:t>
+            <a:t>Finalize Database</a:t>
           </a:r>
           <a:endParaRPr lang="en-US" sz="2200" dirty="0">
             <a:latin typeface="Times New Roman" panose="02020603050405020304" pitchFamily="18" charset="0"/>
@@ -3119,8 +3128,8 @@
     <dgm:cxn modelId="{FB8541C0-3895-4553-A4C7-34B81A3C4A0B}" srcId="{E5E95E82-EF79-43CA-AA86-43B0E1CBCD3F}" destId="{A81358E0-3DE7-41AD-A28C-ABB22548B1F6}" srcOrd="0" destOrd="0" parTransId="{262E0B94-6EA9-4797-B705-959D7B185F91}" sibTransId="{77756FBB-BF6C-4D78-803E-BCC851F1DA03}"/>
     <dgm:cxn modelId="{CC1A92EB-2672-4443-858D-BCA16F76F740}" type="presOf" srcId="{F3256203-D9D1-492A-B801-68C1A32486F0}" destId="{25A33852-3C4B-4406-8856-3A4D6201948C}" srcOrd="0" destOrd="1" presId="urn:microsoft.com/office/officeart/2005/8/layout/hList6"/>
     <dgm:cxn modelId="{2FA258D4-5B38-426D-B0D7-CD8F217A1137}" type="presOf" srcId="{E5E95E82-EF79-43CA-AA86-43B0E1CBCD3F}" destId="{86146B22-5360-4D1B-AC91-3378F10134EE}" srcOrd="0" destOrd="0" presId="urn:microsoft.com/office/officeart/2005/8/layout/hList6"/>
+    <dgm:cxn modelId="{68ED9B74-A67A-41A0-BDAD-6E6FDB344D57}" srcId="{6D0E5D9F-7263-4526-A227-51301233F549}" destId="{16208C88-5337-4797-9F05-5AC2E7EB8C59}" srcOrd="2" destOrd="0" parTransId="{79633DA8-5657-4B11-8E98-98132FCC65B8}" sibTransId="{0C8BE7E8-90F4-4597-A5DF-A0A8749AAF4E}"/>
     <dgm:cxn modelId="{F4F3BD4C-7DE7-449F-8ECF-B43B2B86F2EB}" type="presOf" srcId="{CBCC21F5-552F-4D39-812E-6FCD4A366F58}" destId="{DAD9059A-916A-4916-A2A8-B42491568DD3}" srcOrd="0" destOrd="1" presId="urn:microsoft.com/office/officeart/2005/8/layout/hList6"/>
-    <dgm:cxn modelId="{68ED9B74-A67A-41A0-BDAD-6E6FDB344D57}" srcId="{6D0E5D9F-7263-4526-A227-51301233F549}" destId="{16208C88-5337-4797-9F05-5AC2E7EB8C59}" srcOrd="2" destOrd="0" parTransId="{79633DA8-5657-4B11-8E98-98132FCC65B8}" sibTransId="{0C8BE7E8-90F4-4597-A5DF-A0A8749AAF4E}"/>
     <dgm:cxn modelId="{AB981D0D-0AD5-4DD6-BA19-D4E75ECF1C7D}" type="presOf" srcId="{A97FC57D-50D6-4D43-99C3-06D09820F122}" destId="{98302F07-D6A9-46A5-9807-EBF6C9F5B2DD}" srcOrd="0" destOrd="3" presId="urn:microsoft.com/office/officeart/2005/8/layout/hList6"/>
     <dgm:cxn modelId="{2986897A-7787-444F-B6C8-41F3823EF3C1}" srcId="{CF9055CF-8DEB-4A02-949A-DE72B6AC5D37}" destId="{082E8A29-955A-4C7C-A174-3E9DCD4DC89B}" srcOrd="0" destOrd="0" parTransId="{BA7938E6-8DFA-40B7-B4C4-EACC6D85FC31}" sibTransId="{C2176686-D23E-48EB-9D1B-1A1B46236638}"/>
     <dgm:cxn modelId="{5351B217-259B-4E6A-85F5-2E408BEB0764}" type="presOf" srcId="{082E8A29-955A-4C7C-A174-3E9DCD4DC89B}" destId="{98302F07-D6A9-46A5-9807-EBF6C9F5B2DD}" srcOrd="0" destOrd="0" presId="urn:microsoft.com/office/officeart/2005/8/layout/hList6"/>
@@ -3179,13 +3188,13 @@
         <a:lstStyle/>
         <a:p>
           <a:r>
-            <a:rPr lang="en-US" sz="1800" dirty="0" smtClean="0">
+            <a:rPr lang="en-US" sz="2000" dirty="0" smtClean="0">
               <a:latin typeface="Times New Roman" panose="02020603050405020304" pitchFamily="18" charset="0"/>
               <a:cs typeface="Times New Roman" panose="02020603050405020304" pitchFamily="18" charset="0"/>
             </a:rPr>
             <a:t>Requirements Gathering </a:t>
           </a:r>
-          <a:endParaRPr lang="en-US" sz="1800" dirty="0">
+          <a:endParaRPr lang="en-US" sz="2000" dirty="0">
             <a:latin typeface="Times New Roman" panose="02020603050405020304" pitchFamily="18" charset="0"/>
             <a:cs typeface="Times New Roman" panose="02020603050405020304" pitchFamily="18" charset="0"/>
           </a:endParaRPr>
@@ -3351,13 +3360,13 @@
         <a:lstStyle/>
         <a:p>
           <a:r>
-            <a:rPr lang="en-US" sz="2000" dirty="0" smtClean="0">
+            <a:rPr lang="en-US" sz="2400" dirty="0" smtClean="0">
               <a:latin typeface="Times New Roman" panose="02020603050405020304" pitchFamily="18" charset="0"/>
               <a:cs typeface="Times New Roman" panose="02020603050405020304" pitchFamily="18" charset="0"/>
             </a:rPr>
             <a:t>PMP Plan</a:t>
           </a:r>
-          <a:endParaRPr lang="en-US" sz="2000" dirty="0">
+          <a:endParaRPr lang="en-US" sz="2400" dirty="0">
             <a:latin typeface="Times New Roman" panose="02020603050405020304" pitchFamily="18" charset="0"/>
             <a:cs typeface="Times New Roman" panose="02020603050405020304" pitchFamily="18" charset="0"/>
           </a:endParaRPr>
@@ -3523,13 +3532,13 @@
         <a:lstStyle/>
         <a:p>
           <a:r>
-            <a:rPr lang="en-US" sz="2000" dirty="0" smtClean="0">
+            <a:rPr lang="en-US" sz="2400" dirty="0" smtClean="0">
               <a:latin typeface="Times New Roman" panose="02020603050405020304" pitchFamily="18" charset="0"/>
               <a:cs typeface="Times New Roman" panose="02020603050405020304" pitchFamily="18" charset="0"/>
             </a:rPr>
             <a:t>Iteration Plan</a:t>
           </a:r>
-          <a:endParaRPr lang="en-US" sz="2000" dirty="0">
+          <a:endParaRPr lang="en-US" sz="2400" dirty="0">
             <a:latin typeface="Times New Roman" panose="02020603050405020304" pitchFamily="18" charset="0"/>
             <a:cs typeface="Times New Roman" panose="02020603050405020304" pitchFamily="18" charset="0"/>
           </a:endParaRPr>
@@ -3652,13 +3661,13 @@
         <a:lstStyle/>
         <a:p>
           <a:r>
-            <a:rPr lang="en-US" sz="2000" dirty="0" smtClean="0">
+            <a:rPr lang="en-US" sz="2400" dirty="0" smtClean="0">
               <a:latin typeface="Times New Roman" panose="02020603050405020304" pitchFamily="18" charset="0"/>
               <a:cs typeface="Times New Roman" panose="02020603050405020304" pitchFamily="18" charset="0"/>
             </a:rPr>
             <a:t>Testing Strategy</a:t>
           </a:r>
-          <a:endParaRPr lang="en-US" sz="2000" dirty="0">
+          <a:endParaRPr lang="en-US" sz="2400" dirty="0">
             <a:latin typeface="Times New Roman" panose="02020603050405020304" pitchFamily="18" charset="0"/>
             <a:cs typeface="Times New Roman" panose="02020603050405020304" pitchFamily="18" charset="0"/>
           </a:endParaRPr>
@@ -4412,11 +4421,11 @@
             <a:buChar char="••"/>
           </a:pPr>
           <a:r>
-            <a:rPr lang="en-US" sz="2200" kern="1200" dirty="0" err="1" smtClean="0">
+            <a:rPr lang="en-US" sz="2200" kern="1200" dirty="0" smtClean="0">
               <a:latin typeface="Times New Roman" panose="02020603050405020304" pitchFamily="18" charset="0"/>
               <a:cs typeface="Times New Roman" panose="02020603050405020304" pitchFamily="18" charset="0"/>
             </a:rPr>
-            <a:t>FinalizeDatabase</a:t>
+            <a:t>Finalize Database</a:t>
           </a:r>
           <a:endParaRPr lang="en-US" sz="2200" kern="1200" dirty="0">
             <a:latin typeface="Times New Roman" panose="02020603050405020304" pitchFamily="18" charset="0"/>
@@ -4828,12 +4837,12 @@
         </a:fontRef>
       </dsp:style>
       <dsp:txBody>
-        <a:bodyPr spcFirstLastPara="0" vert="horz" wrap="square" lIns="114300" tIns="0" rIns="114300" bIns="0" numCol="1" spcCol="1270" anchor="t" anchorCtr="0">
+        <a:bodyPr spcFirstLastPara="0" vert="horz" wrap="square" lIns="127000" tIns="0" rIns="127000" bIns="0" numCol="1" spcCol="1270" anchor="t" anchorCtr="0">
           <a:noAutofit/>
         </a:bodyPr>
         <a:lstStyle/>
         <a:p>
-          <a:pPr lvl="0" algn="l" defTabSz="800100">
+          <a:pPr lvl="0" algn="l" defTabSz="889000">
             <a:lnSpc>
               <a:spcPct val="90000"/>
             </a:lnSpc>
@@ -4845,13 +4854,13 @@
             </a:spcAft>
           </a:pPr>
           <a:r>
-            <a:rPr lang="en-US" sz="1800" kern="1200" dirty="0" smtClean="0">
+            <a:rPr lang="en-US" sz="2000" kern="1200" dirty="0" smtClean="0">
               <a:latin typeface="Times New Roman" panose="02020603050405020304" pitchFamily="18" charset="0"/>
               <a:cs typeface="Times New Roman" panose="02020603050405020304" pitchFamily="18" charset="0"/>
             </a:rPr>
             <a:t>Requirements Gathering </a:t>
           </a:r>
-          <a:endParaRPr lang="en-US" sz="1800" kern="1200" dirty="0">
+          <a:endParaRPr lang="en-US" sz="2000" kern="1200" dirty="0">
             <a:latin typeface="Times New Roman" panose="02020603050405020304" pitchFamily="18" charset="0"/>
             <a:cs typeface="Times New Roman" panose="02020603050405020304" pitchFamily="18" charset="0"/>
           </a:endParaRPr>
@@ -5010,12 +5019,12 @@
         </a:fontRef>
       </dsp:style>
       <dsp:txBody>
-        <a:bodyPr spcFirstLastPara="0" vert="horz" wrap="square" lIns="127000" tIns="0" rIns="127000" bIns="0" numCol="1" spcCol="1270" anchor="t" anchorCtr="0">
+        <a:bodyPr spcFirstLastPara="0" vert="horz" wrap="square" lIns="152400" tIns="0" rIns="152400" bIns="0" numCol="1" spcCol="1270" anchor="t" anchorCtr="0">
           <a:noAutofit/>
         </a:bodyPr>
         <a:lstStyle/>
         <a:p>
-          <a:pPr lvl="0" algn="l" defTabSz="889000">
+          <a:pPr lvl="0" algn="l" defTabSz="1066800">
             <a:lnSpc>
               <a:spcPct val="90000"/>
             </a:lnSpc>
@@ -5027,13 +5036,13 @@
             </a:spcAft>
           </a:pPr>
           <a:r>
-            <a:rPr lang="en-US" sz="2000" kern="1200" dirty="0" smtClean="0">
+            <a:rPr lang="en-US" sz="2400" kern="1200" dirty="0" smtClean="0">
               <a:latin typeface="Times New Roman" panose="02020603050405020304" pitchFamily="18" charset="0"/>
               <a:cs typeface="Times New Roman" panose="02020603050405020304" pitchFamily="18" charset="0"/>
             </a:rPr>
             <a:t>PMP Plan</a:t>
           </a:r>
-          <a:endParaRPr lang="en-US" sz="2000" kern="1200" dirty="0">
+          <a:endParaRPr lang="en-US" sz="2400" kern="1200" dirty="0">
             <a:latin typeface="Times New Roman" panose="02020603050405020304" pitchFamily="18" charset="0"/>
             <a:cs typeface="Times New Roman" panose="02020603050405020304" pitchFamily="18" charset="0"/>
           </a:endParaRPr>
@@ -5167,12 +5176,12 @@
         </a:fontRef>
       </dsp:style>
       <dsp:txBody>
-        <a:bodyPr spcFirstLastPara="0" vert="horz" wrap="square" lIns="127000" tIns="0" rIns="127000" bIns="0" numCol="1" spcCol="1270" anchor="t" anchorCtr="0">
+        <a:bodyPr spcFirstLastPara="0" vert="horz" wrap="square" lIns="152400" tIns="0" rIns="152400" bIns="0" numCol="1" spcCol="1270" anchor="t" anchorCtr="0">
           <a:noAutofit/>
         </a:bodyPr>
         <a:lstStyle/>
         <a:p>
-          <a:pPr lvl="0" algn="l" defTabSz="889000">
+          <a:pPr lvl="0" algn="l" defTabSz="1066800">
             <a:lnSpc>
               <a:spcPct val="90000"/>
             </a:lnSpc>
@@ -5184,13 +5193,13 @@
             </a:spcAft>
           </a:pPr>
           <a:r>
-            <a:rPr lang="en-US" sz="2000" kern="1200" dirty="0" smtClean="0">
+            <a:rPr lang="en-US" sz="2400" kern="1200" dirty="0" smtClean="0">
               <a:latin typeface="Times New Roman" panose="02020603050405020304" pitchFamily="18" charset="0"/>
               <a:cs typeface="Times New Roman" panose="02020603050405020304" pitchFamily="18" charset="0"/>
             </a:rPr>
             <a:t>Iteration Plan</a:t>
           </a:r>
-          <a:endParaRPr lang="en-US" sz="2000" kern="1200" dirty="0">
+          <a:endParaRPr lang="en-US" sz="2400" kern="1200" dirty="0">
             <a:latin typeface="Times New Roman" panose="02020603050405020304" pitchFamily="18" charset="0"/>
             <a:cs typeface="Times New Roman" panose="02020603050405020304" pitchFamily="18" charset="0"/>
           </a:endParaRPr>
@@ -5299,12 +5308,12 @@
         </a:fontRef>
       </dsp:style>
       <dsp:txBody>
-        <a:bodyPr spcFirstLastPara="0" vert="horz" wrap="square" lIns="127000" tIns="0" rIns="127000" bIns="0" numCol="1" spcCol="1270" anchor="t" anchorCtr="0">
+        <a:bodyPr spcFirstLastPara="0" vert="horz" wrap="square" lIns="152400" tIns="0" rIns="152400" bIns="0" numCol="1" spcCol="1270" anchor="t" anchorCtr="0">
           <a:noAutofit/>
         </a:bodyPr>
         <a:lstStyle/>
         <a:p>
-          <a:pPr lvl="0" algn="l" defTabSz="889000">
+          <a:pPr lvl="0" algn="l" defTabSz="1066800">
             <a:lnSpc>
               <a:spcPct val="90000"/>
             </a:lnSpc>
@@ -5316,13 +5325,13 @@
             </a:spcAft>
           </a:pPr>
           <a:r>
-            <a:rPr lang="en-US" sz="2000" kern="1200" dirty="0" smtClean="0">
+            <a:rPr lang="en-US" sz="2400" kern="1200" dirty="0" smtClean="0">
               <a:latin typeface="Times New Roman" panose="02020603050405020304" pitchFamily="18" charset="0"/>
               <a:cs typeface="Times New Roman" panose="02020603050405020304" pitchFamily="18" charset="0"/>
             </a:rPr>
             <a:t>Testing Strategy</a:t>
           </a:r>
-          <a:endParaRPr lang="en-US" sz="2000" kern="1200" dirty="0">
+          <a:endParaRPr lang="en-US" sz="2400" kern="1200" dirty="0">
             <a:latin typeface="Times New Roman" panose="02020603050405020304" pitchFamily="18" charset="0"/>
             <a:cs typeface="Times New Roman" panose="02020603050405020304" pitchFamily="18" charset="0"/>
           </a:endParaRPr>
@@ -9846,7 +9855,7 @@
           <a:p>
             <a:fld id="{00374A3D-E549-4259-8714-A9DCBD56E69C}" type="datetimeFigureOut">
               <a:rPr lang="en-US" smtClean="0"/>
-              <a:t>11/13/2017</a:t>
+              <a:t>11/15/2017</a:t>
             </a:fld>
             <a:endParaRPr lang="en-US"/>
           </a:p>
@@ -10178,7 +10187,7 @@
           <a:p>
             <a:fld id="{00374A3D-E549-4259-8714-A9DCBD56E69C}" type="datetimeFigureOut">
               <a:rPr lang="en-US" smtClean="0"/>
-              <a:t>11/13/2017</a:t>
+              <a:t>11/15/2017</a:t>
             </a:fld>
             <a:endParaRPr lang="en-US"/>
           </a:p>
@@ -10374,7 +10383,7 @@
           <a:p>
             <a:fld id="{00374A3D-E549-4259-8714-A9DCBD56E69C}" type="datetimeFigureOut">
               <a:rPr lang="en-US" smtClean="0"/>
-              <a:t>11/13/2017</a:t>
+              <a:t>11/15/2017</a:t>
             </a:fld>
             <a:endParaRPr lang="en-US"/>
           </a:p>
@@ -10644,7 +10653,7 @@
           <a:p>
             <a:fld id="{00374A3D-E549-4259-8714-A9DCBD56E69C}" type="datetimeFigureOut">
               <a:rPr lang="en-US" smtClean="0"/>
-              <a:t>11/13/2017</a:t>
+              <a:t>11/15/2017</a:t>
             </a:fld>
             <a:endParaRPr lang="en-US"/>
           </a:p>
@@ -11072,7 +11081,7 @@
           <a:p>
             <a:fld id="{00374A3D-E549-4259-8714-A9DCBD56E69C}" type="datetimeFigureOut">
               <a:rPr lang="en-US" smtClean="0"/>
-              <a:t>11/13/2017</a:t>
+              <a:t>11/15/2017</a:t>
             </a:fld>
             <a:endParaRPr lang="en-US"/>
           </a:p>
@@ -11622,7 +11631,7 @@
           <a:p>
             <a:fld id="{00374A3D-E549-4259-8714-A9DCBD56E69C}" type="datetimeFigureOut">
               <a:rPr lang="en-US" smtClean="0"/>
-              <a:t>11/13/2017</a:t>
+              <a:t>11/15/2017</a:t>
             </a:fld>
             <a:endParaRPr lang="en-US"/>
           </a:p>
@@ -12412,7 +12421,7 @@
           <a:p>
             <a:fld id="{00374A3D-E549-4259-8714-A9DCBD56E69C}" type="datetimeFigureOut">
               <a:rPr lang="en-US" smtClean="0"/>
-              <a:t>11/13/2017</a:t>
+              <a:t>11/15/2017</a:t>
             </a:fld>
             <a:endParaRPr lang="en-US"/>
           </a:p>
@@ -12591,7 +12600,7 @@
           <a:p>
             <a:fld id="{00374A3D-E549-4259-8714-A9DCBD56E69C}" type="datetimeFigureOut">
               <a:rPr lang="en-US" smtClean="0"/>
-              <a:t>11/13/2017</a:t>
+              <a:t>11/15/2017</a:t>
             </a:fld>
             <a:endParaRPr lang="en-US"/>
           </a:p>
@@ -12775,7 +12784,7 @@
           <a:p>
             <a:fld id="{00374A3D-E549-4259-8714-A9DCBD56E69C}" type="datetimeFigureOut">
               <a:rPr lang="en-US" smtClean="0"/>
-              <a:t>11/13/2017</a:t>
+              <a:t>11/15/2017</a:t>
             </a:fld>
             <a:endParaRPr lang="en-US"/>
           </a:p>
@@ -12949,7 +12958,7 @@
           <a:p>
             <a:fld id="{00374A3D-E549-4259-8714-A9DCBD56E69C}" type="datetimeFigureOut">
               <a:rPr lang="en-US" smtClean="0"/>
-              <a:t>11/13/2017</a:t>
+              <a:t>11/15/2017</a:t>
             </a:fld>
             <a:endParaRPr lang="en-US"/>
           </a:p>
@@ -13001,243 +13010,6 @@
     <p:extLst>
       <p:ext uri="{BB962C8B-B14F-4D97-AF65-F5344CB8AC3E}">
         <p14:creationId xmlns:p14="http://schemas.microsoft.com/office/powerpoint/2010/main" val="622532167"/>
-      </p:ext>
-    </p:extLst>
-  </p:cSld>
-  <p:clrMapOvr>
-    <a:masterClrMapping/>
-  </p:clrMapOvr>
-</p:sldLayout>
-</file>
-
-<file path=ppt/slideLayouts/slideLayout19.xml><?xml version="1.0" encoding="utf-8"?>
-<p:sldLayout xmlns:a="http://schemas.openxmlformats.org/drawingml/2006/main" xmlns:r="http://schemas.openxmlformats.org/officeDocument/2006/relationships" xmlns:p="http://schemas.openxmlformats.org/presentationml/2006/main" type="twoObj">
-  <p:cSld name="1_Two Content">
-    <p:spTree>
-      <p:nvGrpSpPr>
-        <p:cNvPr id="1" name=""/>
-        <p:cNvGrpSpPr/>
-        <p:nvPr/>
-      </p:nvGrpSpPr>
-      <p:grpSpPr>
-        <a:xfrm>
-          <a:off x="0" y="0"/>
-          <a:ext cx="0" cy="0"/>
-          <a:chOff x="0" y="0"/>
-          <a:chExt cx="0" cy="0"/>
-        </a:xfrm>
-      </p:grpSpPr>
-      <p:sp>
-        <p:nvSpPr>
-          <p:cNvPr id="8" name="Title 7"/>
-          <p:cNvSpPr>
-            <a:spLocks noGrp="1"/>
-          </p:cNvSpPr>
-          <p:nvPr>
-            <p:ph type="title"/>
-          </p:nvPr>
-        </p:nvSpPr>
-        <p:spPr>
-          <a:xfrm>
-            <a:off x="1097280" y="286603"/>
-            <a:ext cx="10058400" cy="1450757"/>
-          </a:xfrm>
-        </p:spPr>
-        <p:txBody>
-          <a:bodyPr/>
-          <a:lstStyle/>
-          <a:p>
-            <a:r>
-              <a:rPr lang="en-US" smtClean="0"/>
-              <a:t>Click to edit Master title style</a:t>
-            </a:r>
-            <a:endParaRPr lang="en-US" dirty="0"/>
-          </a:p>
-        </p:txBody>
-      </p:sp>
-      <p:sp>
-        <p:nvSpPr>
-          <p:cNvPr id="3" name="Content Placeholder 2"/>
-          <p:cNvSpPr>
-            <a:spLocks noGrp="1"/>
-          </p:cNvSpPr>
-          <p:nvPr>
-            <p:ph sz="half" idx="1"/>
-          </p:nvPr>
-        </p:nvSpPr>
-        <p:spPr>
-          <a:xfrm>
-            <a:off x="1097279" y="1845734"/>
-            <a:ext cx="4937760" cy="4023360"/>
-          </a:xfrm>
-        </p:spPr>
-        <p:txBody>
-          <a:bodyPr/>
-          <a:lstStyle/>
-          <a:p>
-            <a:pPr lvl="0"/>
-            <a:r>
-              <a:rPr lang="en-US" smtClean="0"/>
-              <a:t>Edit Master text styles</a:t>
-            </a:r>
-          </a:p>
-          <a:p>
-            <a:pPr lvl="1"/>
-            <a:r>
-              <a:rPr lang="en-US" smtClean="0"/>
-              <a:t>Second level</a:t>
-            </a:r>
-          </a:p>
-          <a:p>
-            <a:pPr lvl="2"/>
-            <a:r>
-              <a:rPr lang="en-US" smtClean="0"/>
-              <a:t>Third level</a:t>
-            </a:r>
-          </a:p>
-          <a:p>
-            <a:pPr lvl="3"/>
-            <a:r>
-              <a:rPr lang="en-US" smtClean="0"/>
-              <a:t>Fourth level</a:t>
-            </a:r>
-          </a:p>
-          <a:p>
-            <a:pPr lvl="4"/>
-            <a:r>
-              <a:rPr lang="en-US" smtClean="0"/>
-              <a:t>Fifth level</a:t>
-            </a:r>
-            <a:endParaRPr lang="en-US" dirty="0"/>
-          </a:p>
-        </p:txBody>
-      </p:sp>
-      <p:sp>
-        <p:nvSpPr>
-          <p:cNvPr id="4" name="Content Placeholder 3"/>
-          <p:cNvSpPr>
-            <a:spLocks noGrp="1"/>
-          </p:cNvSpPr>
-          <p:nvPr>
-            <p:ph sz="half" idx="2"/>
-          </p:nvPr>
-        </p:nvSpPr>
-        <p:spPr>
-          <a:xfrm>
-            <a:off x="6217920" y="1845735"/>
-            <a:ext cx="4937760" cy="4023360"/>
-          </a:xfrm>
-        </p:spPr>
-        <p:txBody>
-          <a:bodyPr/>
-          <a:lstStyle/>
-          <a:p>
-            <a:pPr lvl="0"/>
-            <a:r>
-              <a:rPr lang="en-US" smtClean="0"/>
-              <a:t>Edit Master text styles</a:t>
-            </a:r>
-          </a:p>
-          <a:p>
-            <a:pPr lvl="1"/>
-            <a:r>
-              <a:rPr lang="en-US" smtClean="0"/>
-              <a:t>Second level</a:t>
-            </a:r>
-          </a:p>
-          <a:p>
-            <a:pPr lvl="2"/>
-            <a:r>
-              <a:rPr lang="en-US" smtClean="0"/>
-              <a:t>Third level</a:t>
-            </a:r>
-          </a:p>
-          <a:p>
-            <a:pPr lvl="3"/>
-            <a:r>
-              <a:rPr lang="en-US" smtClean="0"/>
-              <a:t>Fourth level</a:t>
-            </a:r>
-          </a:p>
-          <a:p>
-            <a:pPr lvl="4"/>
-            <a:r>
-              <a:rPr lang="en-US" smtClean="0"/>
-              <a:t>Fifth level</a:t>
-            </a:r>
-            <a:endParaRPr lang="en-US" dirty="0"/>
-          </a:p>
-        </p:txBody>
-      </p:sp>
-      <p:sp>
-        <p:nvSpPr>
-          <p:cNvPr id="5" name="Date Placeholder 4"/>
-          <p:cNvSpPr>
-            <a:spLocks noGrp="1"/>
-          </p:cNvSpPr>
-          <p:nvPr>
-            <p:ph type="dt" sz="half" idx="10"/>
-          </p:nvPr>
-        </p:nvSpPr>
-        <p:spPr/>
-        <p:txBody>
-          <a:bodyPr/>
-          <a:lstStyle/>
-          <a:p>
-            <a:fld id="{00374A3D-E549-4259-8714-A9DCBD56E69C}" type="datetimeFigureOut">
-              <a:rPr lang="en-US" smtClean="0"/>
-              <a:t>11/13/2017</a:t>
-            </a:fld>
-            <a:endParaRPr lang="en-US"/>
-          </a:p>
-        </p:txBody>
-      </p:sp>
-      <p:sp>
-        <p:nvSpPr>
-          <p:cNvPr id="6" name="Footer Placeholder 5"/>
-          <p:cNvSpPr>
-            <a:spLocks noGrp="1"/>
-          </p:cNvSpPr>
-          <p:nvPr>
-            <p:ph type="ftr" sz="quarter" idx="11"/>
-          </p:nvPr>
-        </p:nvSpPr>
-        <p:spPr/>
-        <p:txBody>
-          <a:bodyPr/>
-          <a:lstStyle/>
-          <a:p>
-            <a:endParaRPr lang="en-US"/>
-          </a:p>
-        </p:txBody>
-      </p:sp>
-      <p:sp>
-        <p:nvSpPr>
-          <p:cNvPr id="7" name="Slide Number Placeholder 6"/>
-          <p:cNvSpPr>
-            <a:spLocks noGrp="1"/>
-          </p:cNvSpPr>
-          <p:nvPr>
-            <p:ph type="sldNum" sz="quarter" idx="12"/>
-          </p:nvPr>
-        </p:nvSpPr>
-        <p:spPr/>
-        <p:txBody>
-          <a:bodyPr/>
-          <a:lstStyle/>
-          <a:p>
-            <a:fld id="{E69CE304-8936-478E-AEC3-58FE262EB35F}" type="slidenum">
-              <a:rPr lang="en-US" smtClean="0"/>
-              <a:t>‹#›</a:t>
-            </a:fld>
-            <a:endParaRPr lang="en-US"/>
-          </a:p>
-        </p:txBody>
-      </p:sp>
-    </p:spTree>
-    <p:extLst>
-      <p:ext uri="{BB962C8B-B14F-4D97-AF65-F5344CB8AC3E}">
-        <p14:creationId xmlns:p14="http://schemas.microsoft.com/office/powerpoint/2010/main" val="2022631544"/>
       </p:ext>
     </p:extLst>
   </p:cSld>
@@ -13361,7 +13133,7 @@
           <a:p>
             <a:fld id="{00374A3D-E549-4259-8714-A9DCBD56E69C}" type="datetimeFigureOut">
               <a:rPr lang="en-US" smtClean="0"/>
-              <a:t>11/13/2017</a:t>
+              <a:t>11/15/2017</a:t>
             </a:fld>
             <a:endParaRPr lang="en-US"/>
           </a:p>
@@ -13611,7 +13383,7 @@
           <a:p>
             <a:fld id="{00374A3D-E549-4259-8714-A9DCBD56E69C}" type="datetimeFigureOut">
               <a:rPr lang="en-US" smtClean="0"/>
-              <a:t>11/13/2017</a:t>
+              <a:t>11/15/2017</a:t>
             </a:fld>
             <a:endParaRPr lang="en-US"/>
           </a:p>
@@ -13848,7 +13620,7 @@
           <a:p>
             <a:fld id="{00374A3D-E549-4259-8714-A9DCBD56E69C}" type="datetimeFigureOut">
               <a:rPr lang="en-US" smtClean="0"/>
-              <a:t>11/13/2017</a:t>
+              <a:t>11/15/2017</a:t>
             </a:fld>
             <a:endParaRPr lang="en-US"/>
           </a:p>
@@ -14233,7 +14005,7 @@
           <a:p>
             <a:fld id="{00374A3D-E549-4259-8714-A9DCBD56E69C}" type="datetimeFigureOut">
               <a:rPr lang="en-US" smtClean="0"/>
-              <a:t>11/13/2017</a:t>
+              <a:t>11/15/2017</a:t>
             </a:fld>
             <a:endParaRPr lang="en-US"/>
           </a:p>
@@ -14351,7 +14123,7 @@
           <a:p>
             <a:fld id="{00374A3D-E549-4259-8714-A9DCBD56E69C}" type="datetimeFigureOut">
               <a:rPr lang="en-US" smtClean="0"/>
-              <a:t>11/13/2017</a:t>
+              <a:t>11/15/2017</a:t>
             </a:fld>
             <a:endParaRPr lang="en-US"/>
           </a:p>
@@ -14446,7 +14218,7 @@
           <a:p>
             <a:fld id="{00374A3D-E549-4259-8714-A9DCBD56E69C}" type="datetimeFigureOut">
               <a:rPr lang="en-US" smtClean="0"/>
-              <a:t>11/13/2017</a:t>
+              <a:t>11/15/2017</a:t>
             </a:fld>
             <a:endParaRPr lang="en-US"/>
           </a:p>
@@ -14699,7 +14471,7 @@
           <a:p>
             <a:fld id="{00374A3D-E549-4259-8714-A9DCBD56E69C}" type="datetimeFigureOut">
               <a:rPr lang="en-US" smtClean="0"/>
-              <a:t>11/13/2017</a:t>
+              <a:t>11/15/2017</a:t>
             </a:fld>
             <a:endParaRPr lang="en-US"/>
           </a:p>
@@ -14968,7 +14740,7 @@
           <a:p>
             <a:fld id="{00374A3D-E549-4259-8714-A9DCBD56E69C}" type="datetimeFigureOut">
               <a:rPr lang="en-US" smtClean="0"/>
-              <a:t>11/13/2017</a:t>
+              <a:t>11/15/2017</a:t>
             </a:fld>
             <a:endParaRPr lang="en-US"/>
           </a:p>
@@ -15060,7 +14832,7 @@
           <p:nvPr/>
         </p:nvPicPr>
         <p:blipFill>
-          <a:blip r:embed="rId21">
+          <a:blip r:embed="rId20">
             <a:extLst>
               <a:ext uri="{28A0092B-C50C-407E-A947-70E740481C1C}">
                 <a14:useLocalDpi xmlns:a14="http://schemas.microsoft.com/office/drawing/2010/main" val="0"/>
@@ -15371,7 +15143,7 @@
           <a:p>
             <a:fld id="{00374A3D-E549-4259-8714-A9DCBD56E69C}" type="datetimeFigureOut">
               <a:rPr lang="en-US" smtClean="0"/>
-              <a:t>11/13/2017</a:t>
+              <a:t>11/15/2017</a:t>
             </a:fld>
             <a:endParaRPr lang="en-US"/>
           </a:p>
@@ -15482,7 +15254,6 @@
     <p:sldLayoutId id="2147483690" r:id="rId16"/>
     <p:sldLayoutId id="2147483691" r:id="rId17"/>
     <p:sldLayoutId id="2147483692" r:id="rId18"/>
-    <p:sldLayoutId id="2147483693" r:id="rId19"/>
   </p:sldLayoutIdLst>
   <p:txStyles>
     <p:titleStyle>
@@ -15900,15 +15671,27 @@
               </a:rPr>
               <a:t>Team B – Code Green </a:t>
             </a:r>
-            <a:endParaRPr lang="en-US" sz="1600" dirty="0" smtClean="0">
-              <a:solidFill>
-                <a:schemeClr val="tx1"/>
-              </a:solidFill>
-              <a:latin typeface="Algerian" panose="04020705040A02060702" pitchFamily="82" charset="0"/>
-            </a:endParaRPr>
           </a:p>
           <a:p>
             <a:pPr algn="ctr"/>
+            <a:r>
+              <a:rPr lang="en-US" sz="1600" dirty="0" smtClean="0">
+                <a:solidFill>
+                  <a:schemeClr val="tx1"/>
+                </a:solidFill>
+                <a:latin typeface="Algerian" panose="04020705040A02060702" pitchFamily="82" charset="0"/>
+              </a:rPr>
+              <a:t> Sirisha Vanamali, </a:t>
+            </a:r>
+            <a:r>
+              <a:rPr lang="en-US" sz="1600" dirty="0" err="1" smtClean="0">
+                <a:solidFill>
+                  <a:schemeClr val="tx1"/>
+                </a:solidFill>
+                <a:latin typeface="Algerian" panose="04020705040A02060702" pitchFamily="82" charset="0"/>
+              </a:rPr>
+              <a:t>Vamsi</a:t>
+            </a:r>
             <a:r>
               <a:rPr lang="en-US" sz="1600" dirty="0" smtClean="0">
                 <a:solidFill>
@@ -15919,33 +15702,6 @@
               <a:t> </a:t>
             </a:r>
             <a:r>
-              <a:rPr lang="en-US" sz="1600" dirty="0" smtClean="0">
-                <a:solidFill>
-                  <a:schemeClr val="tx1"/>
-                </a:solidFill>
-                <a:latin typeface="Algerian" panose="04020705040A02060702" pitchFamily="82" charset="0"/>
-              </a:rPr>
-              <a:t>Sirisha Vanamali, </a:t>
-            </a:r>
-            <a:r>
-              <a:rPr lang="en-US" sz="1600" dirty="0" err="1" smtClean="0">
-                <a:solidFill>
-                  <a:schemeClr val="tx1"/>
-                </a:solidFill>
-                <a:latin typeface="Algerian" panose="04020705040A02060702" pitchFamily="82" charset="0"/>
-              </a:rPr>
-              <a:t>Vamsi</a:t>
-            </a:r>
-            <a:r>
-              <a:rPr lang="en-US" sz="1600" dirty="0" smtClean="0">
-                <a:solidFill>
-                  <a:schemeClr val="tx1"/>
-                </a:solidFill>
-                <a:latin typeface="Algerian" panose="04020705040A02060702" pitchFamily="82" charset="0"/>
-              </a:rPr>
-              <a:t> </a:t>
-            </a:r>
-            <a:r>
               <a:rPr lang="en-US" sz="1600" dirty="0" err="1" smtClean="0">
                 <a:solidFill>
                   <a:schemeClr val="tx1"/>
@@ -15961,16 +15717,7 @@
                 </a:solidFill>
                 <a:latin typeface="Algerian" panose="04020705040A02060702" pitchFamily="82" charset="0"/>
               </a:rPr>
-              <a:t>, Rohith Babu Sadhu</a:t>
-            </a:r>
-            <a:r>
-              <a:rPr lang="en-US" sz="1600" dirty="0" smtClean="0">
-                <a:solidFill>
-                  <a:schemeClr val="tx1"/>
-                </a:solidFill>
-                <a:latin typeface="Algerian" panose="04020705040A02060702" pitchFamily="82" charset="0"/>
-              </a:rPr>
-              <a:t>, </a:t>
+              <a:t>, Rohith Babu Sadhu, </a:t>
             </a:r>
             <a:r>
               <a:rPr lang="en-US" sz="1600" dirty="0" err="1" smtClean="0">
@@ -16096,6 +15843,255 @@
         </p:nvSpPr>
         <p:spPr/>
         <p:txBody>
+          <a:bodyPr>
+            <a:normAutofit fontScale="90000"/>
+          </a:bodyPr>
+          <a:lstStyle/>
+          <a:p>
+            <a:r>
+              <a:rPr lang="en-US" dirty="0" smtClean="0">
+                <a:solidFill>
+                  <a:schemeClr val="tx1"/>
+                </a:solidFill>
+              </a:rPr>
+              <a:t>Challenges Faced and How did we overcome?</a:t>
+            </a:r>
+            <a:endParaRPr lang="en-US" dirty="0">
+              <a:solidFill>
+                <a:schemeClr val="tx1"/>
+              </a:solidFill>
+            </a:endParaRPr>
+          </a:p>
+        </p:txBody>
+      </p:sp>
+      <p:sp>
+        <p:nvSpPr>
+          <p:cNvPr id="3" name="Content Placeholder 2"/>
+          <p:cNvSpPr>
+            <a:spLocks noGrp="1"/>
+          </p:cNvSpPr>
+          <p:nvPr>
+            <p:ph sz="quarter" idx="13"/>
+          </p:nvPr>
+        </p:nvSpPr>
+        <p:spPr>
+          <a:xfrm>
+            <a:off x="685801" y="5081449"/>
+            <a:ext cx="10394707" cy="1776551"/>
+          </a:xfrm>
+        </p:spPr>
+        <p:txBody>
+          <a:bodyPr>
+            <a:noAutofit/>
+          </a:bodyPr>
+          <a:lstStyle/>
+          <a:p>
+            <a:r>
+              <a:rPr lang="en" sz="2200" dirty="0" smtClean="0">
+                <a:latin typeface="Times New Roman" panose="02020603050405020304" pitchFamily="18" charset="0"/>
+                <a:cs typeface="Times New Roman" panose="02020603050405020304" pitchFamily="18" charset="0"/>
+              </a:rPr>
+              <a:t>Generation of the Unique QR code for each time</a:t>
+            </a:r>
+          </a:p>
+          <a:p>
+            <a:pPr lvl="1"/>
+            <a:r>
+              <a:rPr lang="en-US" sz="2000" dirty="0" smtClean="0">
+                <a:latin typeface="Times New Roman" panose="02020603050405020304" pitchFamily="18" charset="0"/>
+                <a:cs typeface="Times New Roman" panose="02020603050405020304" pitchFamily="18" charset="0"/>
+              </a:rPr>
+              <a:t>Using the google API for generation of the QR code</a:t>
+            </a:r>
+          </a:p>
+          <a:p>
+            <a:r>
+              <a:rPr lang="en-US" sz="2200" dirty="0" smtClean="0">
+                <a:latin typeface="Times New Roman" panose="02020603050405020304" pitchFamily="18" charset="0"/>
+                <a:cs typeface="Times New Roman" panose="02020603050405020304" pitchFamily="18" charset="0"/>
+              </a:rPr>
+              <a:t>Scanning the QR</a:t>
+            </a:r>
+          </a:p>
+          <a:p>
+            <a:pPr lvl="1"/>
+            <a:r>
+              <a:rPr lang="en-US" sz="2000" dirty="0" smtClean="0">
+                <a:latin typeface="Times New Roman" panose="02020603050405020304" pitchFamily="18" charset="0"/>
+                <a:cs typeface="Times New Roman" panose="02020603050405020304" pitchFamily="18" charset="0"/>
+              </a:rPr>
+              <a:t>Using the google API</a:t>
+            </a:r>
+          </a:p>
+          <a:p>
+            <a:r>
+              <a:rPr lang="en-US" sz="2200" dirty="0" smtClean="0">
+                <a:latin typeface="Times New Roman" panose="02020603050405020304" pitchFamily="18" charset="0"/>
+                <a:cs typeface="Times New Roman" panose="02020603050405020304" pitchFamily="18" charset="0"/>
+              </a:rPr>
+              <a:t>Managing a team of seven members</a:t>
+            </a:r>
+          </a:p>
+          <a:p>
+            <a:pPr lvl="1"/>
+            <a:r>
+              <a:rPr lang="en-US" sz="2000" dirty="0" smtClean="0">
+                <a:latin typeface="Times New Roman" panose="02020603050405020304" pitchFamily="18" charset="0"/>
+                <a:cs typeface="Times New Roman" panose="02020603050405020304" pitchFamily="18" charset="0"/>
+              </a:rPr>
+              <a:t>Following the iteration plan and pushing the working code end of every week</a:t>
+            </a:r>
+          </a:p>
+          <a:p>
+            <a:pPr lvl="1"/>
+            <a:r>
+              <a:rPr lang="en-US" sz="2000" dirty="0" smtClean="0">
+                <a:latin typeface="Times New Roman" panose="02020603050405020304" pitchFamily="18" charset="0"/>
+                <a:cs typeface="Times New Roman" panose="02020603050405020304" pitchFamily="18" charset="0"/>
+              </a:rPr>
+              <a:t>Honesty among team members in expressing the difficulties and issues.</a:t>
+            </a:r>
+          </a:p>
+          <a:p>
+            <a:endParaRPr lang="en-US" sz="2200" dirty="0" smtClean="0">
+              <a:latin typeface="Times New Roman" panose="02020603050405020304" pitchFamily="18" charset="0"/>
+              <a:cs typeface="Times New Roman" panose="02020603050405020304" pitchFamily="18" charset="0"/>
+            </a:endParaRPr>
+          </a:p>
+          <a:p>
+            <a:endParaRPr lang="en-US" sz="2200" dirty="0" smtClean="0">
+              <a:latin typeface="Times New Roman" panose="02020603050405020304" pitchFamily="18" charset="0"/>
+              <a:cs typeface="Times New Roman" panose="02020603050405020304" pitchFamily="18" charset="0"/>
+            </a:endParaRPr>
+          </a:p>
+          <a:p>
+            <a:endParaRPr lang="en-US" sz="2200" dirty="0" smtClean="0">
+              <a:latin typeface="Times New Roman" panose="02020603050405020304" pitchFamily="18" charset="0"/>
+              <a:cs typeface="Times New Roman" panose="02020603050405020304" pitchFamily="18" charset="0"/>
+            </a:endParaRPr>
+          </a:p>
+          <a:p>
+            <a:endParaRPr lang="en-US" sz="2200" dirty="0" smtClean="0">
+              <a:latin typeface="Times New Roman" panose="02020603050405020304" pitchFamily="18" charset="0"/>
+              <a:cs typeface="Times New Roman" panose="02020603050405020304" pitchFamily="18" charset="0"/>
+            </a:endParaRPr>
+          </a:p>
+          <a:p>
+            <a:endParaRPr lang="en-US" sz="2200" dirty="0" smtClean="0">
+              <a:latin typeface="Times New Roman" panose="02020603050405020304" pitchFamily="18" charset="0"/>
+              <a:cs typeface="Times New Roman" panose="02020603050405020304" pitchFamily="18" charset="0"/>
+            </a:endParaRPr>
+          </a:p>
+          <a:p>
+            <a:endParaRPr lang="en-US" sz="2200" dirty="0" smtClean="0">
+              <a:latin typeface="Times New Roman" panose="02020603050405020304" pitchFamily="18" charset="0"/>
+              <a:cs typeface="Times New Roman" panose="02020603050405020304" pitchFamily="18" charset="0"/>
+            </a:endParaRPr>
+          </a:p>
+          <a:p>
+            <a:endParaRPr lang="en-US" sz="2200" dirty="0" smtClean="0">
+              <a:latin typeface="Times New Roman" panose="02020603050405020304" pitchFamily="18" charset="0"/>
+              <a:cs typeface="Times New Roman" panose="02020603050405020304" pitchFamily="18" charset="0"/>
+            </a:endParaRPr>
+          </a:p>
+          <a:p>
+            <a:endParaRPr lang="en-US" sz="2200" dirty="0">
+              <a:latin typeface="Times New Roman" panose="02020603050405020304" pitchFamily="18" charset="0"/>
+              <a:cs typeface="Times New Roman" panose="02020603050405020304" pitchFamily="18" charset="0"/>
+            </a:endParaRPr>
+          </a:p>
+        </p:txBody>
+      </p:sp>
+      <p:pic>
+        <p:nvPicPr>
+          <p:cNvPr id="1028" name="Picture 4" descr="Image result for how"/>
+          <p:cNvPicPr>
+            <a:picLocks noChangeAspect="1" noChangeArrowheads="1"/>
+          </p:cNvPicPr>
+          <p:nvPr/>
+        </p:nvPicPr>
+        <p:blipFill>
+          <a:blip r:embed="rId2" cstate="print">
+            <a:extLst>
+              <a:ext uri="{28A0092B-C50C-407E-A947-70E740481C1C}">
+                <a14:useLocalDpi xmlns:a14="http://schemas.microsoft.com/office/drawing/2010/main" val="0"/>
+              </a:ext>
+            </a:extLst>
+          </a:blip>
+          <a:srcRect/>
+          <a:stretch>
+            <a:fillRect/>
+          </a:stretch>
+        </p:blipFill>
+        <p:spPr bwMode="auto">
+          <a:xfrm>
+            <a:off x="9888968" y="685799"/>
+            <a:ext cx="1282979" cy="1282979"/>
+          </a:xfrm>
+          <a:prstGeom prst="rect">
+            <a:avLst/>
+          </a:prstGeom>
+          <a:noFill/>
+          <a:extLst>
+            <a:ext uri="{909E8E84-426E-40DD-AFC4-6F175D3DCCD1}">
+              <a14:hiddenFill xmlns:a14="http://schemas.microsoft.com/office/drawing/2010/main">
+                <a:solidFill>
+                  <a:srgbClr val="FFFFFF"/>
+                </a:solidFill>
+              </a14:hiddenFill>
+            </a:ext>
+          </a:extLst>
+        </p:spPr>
+      </p:pic>
+    </p:spTree>
+    <p:extLst>
+      <p:ext uri="{BB962C8B-B14F-4D97-AF65-F5344CB8AC3E}">
+        <p14:creationId xmlns:p14="http://schemas.microsoft.com/office/powerpoint/2010/main" val="236189111"/>
+      </p:ext>
+    </p:extLst>
+  </p:cSld>
+  <p:clrMapOvr>
+    <a:masterClrMapping/>
+  </p:clrMapOvr>
+  <p:timing>
+    <p:tnLst>
+      <p:par>
+        <p:cTn id="1" dur="indefinite" restart="never" nodeType="tmRoot"/>
+      </p:par>
+    </p:tnLst>
+  </p:timing>
+</p:sld>
+</file>
+
+<file path=ppt/slides/slide11.xml><?xml version="1.0" encoding="utf-8"?>
+<p:sld xmlns:a="http://schemas.openxmlformats.org/drawingml/2006/main" xmlns:r="http://schemas.openxmlformats.org/officeDocument/2006/relationships" xmlns:p="http://schemas.openxmlformats.org/presentationml/2006/main">
+  <p:cSld>
+    <p:spTree>
+      <p:nvGrpSpPr>
+        <p:cNvPr id="1" name=""/>
+        <p:cNvGrpSpPr/>
+        <p:nvPr/>
+      </p:nvGrpSpPr>
+      <p:grpSpPr>
+        <a:xfrm>
+          <a:off x="0" y="0"/>
+          <a:ext cx="0" cy="0"/>
+          <a:chOff x="0" y="0"/>
+          <a:chExt cx="0" cy="0"/>
+        </a:xfrm>
+      </p:grpSpPr>
+      <p:sp>
+        <p:nvSpPr>
+          <p:cNvPr id="2" name="Title 1"/>
+          <p:cNvSpPr>
+            <a:spLocks noGrp="1"/>
+          </p:cNvSpPr>
+          <p:nvPr>
+            <p:ph type="title"/>
+          </p:nvPr>
+        </p:nvSpPr>
+        <p:spPr/>
+        <p:txBody>
           <a:bodyPr/>
           <a:lstStyle/>
           <a:p>
@@ -16125,7 +16121,7 @@
             <p:ph idx="1"/>
             <p:extLst>
               <p:ext uri="{D42A27DB-BD31-4B8C-83A1-F6EECF244321}">
-                <p14:modId xmlns:p14="http://schemas.microsoft.com/office/powerpoint/2010/main" val="3101995398"/>
+                <p14:modId xmlns:p14="http://schemas.microsoft.com/office/powerpoint/2010/main" val="362003368"/>
               </p:ext>
             </p:extLst>
           </p:nvPr>
@@ -16172,7 +16168,7 @@
 </p:sld>
 </file>
 
-<file path=ppt/slides/slide11.xml><?xml version="1.0" encoding="utf-8"?>
+<file path=ppt/slides/slide12.xml><?xml version="1.0" encoding="utf-8"?>
 <p:sld xmlns:a="http://schemas.openxmlformats.org/drawingml/2006/main" xmlns:r="http://schemas.openxmlformats.org/officeDocument/2006/relationships" xmlns:p="http://schemas.openxmlformats.org/presentationml/2006/main">
   <p:cSld>
     <p:spTree>
@@ -16229,7 +16225,7 @@
           <p:nvPr>
             <p:extLst>
               <p:ext uri="{D42A27DB-BD31-4B8C-83A1-F6EECF244321}">
-                <p14:modId xmlns:p14="http://schemas.microsoft.com/office/powerpoint/2010/main" val="626410650"/>
+                <p14:modId xmlns:p14="http://schemas.microsoft.com/office/powerpoint/2010/main" val="456150253"/>
               </p:ext>
             </p:extLst>
           </p:nvPr>
@@ -16254,11 +16250,11 @@
   <p:clrMapOvr>
     <a:masterClrMapping/>
   </p:clrMapOvr>
-  <mc:AlternateContent xmlns:mc="http://schemas.openxmlformats.org/markup-compatibility/2006">
-    <mc:Choice xmlns:p14="http://schemas.microsoft.com/office/powerpoint/2010/main" Requires="p14">
+  <mc:AlternateContent xmlns:mc="http://schemas.openxmlformats.org/markup-compatibility/2006" xmlns:p14="http://schemas.microsoft.com/office/powerpoint/2010/main">
+    <mc:Choice Requires="p14">
       <p:transition spd="slow" p14:dur="2000"/>
     </mc:Choice>
-    <mc:Fallback>
+    <mc:Fallback xmlns="">
       <p:transition spd="slow"/>
     </mc:Fallback>
   </mc:AlternateContent>
@@ -16272,7 +16268,7 @@
 </p:sld>
 </file>
 
-<file path=ppt/slides/slide12.xml><?xml version="1.0" encoding="utf-8"?>
+<file path=ppt/slides/slide13.xml><?xml version="1.0" encoding="utf-8"?>
 <p:sld xmlns:a="http://schemas.openxmlformats.org/drawingml/2006/main" xmlns:r="http://schemas.openxmlformats.org/officeDocument/2006/relationships" xmlns:p="http://schemas.openxmlformats.org/presentationml/2006/main">
   <p:cSld>
     <p:spTree>
@@ -16549,6 +16545,7 @@
             </a:lvl9pPr>
           </a:lstStyle>
           <a:p>
+            <a:pPr algn="just"/>
             <a:r>
               <a:rPr lang="en-US" dirty="0" smtClean="0">
                 <a:latin typeface="Times New Roman" panose="02020603050405020304" pitchFamily="18" charset="0"/>
@@ -16558,6 +16555,7 @@
             </a:r>
           </a:p>
           <a:p>
+            <a:pPr algn="just"/>
             <a:r>
               <a:rPr lang="en-US" dirty="0" smtClean="0">
                 <a:latin typeface="Times New Roman" panose="02020603050405020304" pitchFamily="18" charset="0"/>
@@ -16567,6 +16565,7 @@
             </a:r>
           </a:p>
           <a:p>
+            <a:pPr algn="just"/>
             <a:r>
               <a:rPr lang="en-US" dirty="0" smtClean="0">
                 <a:latin typeface="Times New Roman" panose="02020603050405020304" pitchFamily="18" charset="0"/>
@@ -16576,6 +16575,7 @@
             </a:r>
           </a:p>
           <a:p>
+            <a:pPr algn="just"/>
             <a:r>
               <a:rPr lang="en-US" dirty="0" smtClean="0">
                 <a:latin typeface="Times New Roman" panose="02020603050405020304" pitchFamily="18" charset="0"/>
@@ -16616,6 +16616,427 @@
     <p:extLst>
       <p:ext uri="{BB962C8B-B14F-4D97-AF65-F5344CB8AC3E}">
         <p14:creationId xmlns:p14="http://schemas.microsoft.com/office/powerpoint/2010/main" val="739800474"/>
+      </p:ext>
+    </p:extLst>
+  </p:cSld>
+  <p:clrMapOvr>
+    <a:masterClrMapping/>
+  </p:clrMapOvr>
+</p:sld>
+</file>
+
+<file path=ppt/slides/slide14.xml><?xml version="1.0" encoding="utf-8"?>
+<p:sld xmlns:a="http://schemas.openxmlformats.org/drawingml/2006/main" xmlns:r="http://schemas.openxmlformats.org/officeDocument/2006/relationships" xmlns:p="http://schemas.openxmlformats.org/presentationml/2006/main">
+  <p:cSld>
+    <p:spTree>
+      <p:nvGrpSpPr>
+        <p:cNvPr id="1" name=""/>
+        <p:cNvGrpSpPr/>
+        <p:nvPr/>
+      </p:nvGrpSpPr>
+      <p:grpSpPr>
+        <a:xfrm>
+          <a:off x="0" y="0"/>
+          <a:ext cx="0" cy="0"/>
+          <a:chOff x="0" y="0"/>
+          <a:chExt cx="0" cy="0"/>
+        </a:xfrm>
+      </p:grpSpPr>
+      <p:sp>
+        <p:nvSpPr>
+          <p:cNvPr id="2" name="Title 1"/>
+          <p:cNvSpPr>
+            <a:spLocks noGrp="1"/>
+          </p:cNvSpPr>
+          <p:nvPr>
+            <p:ph type="title"/>
+          </p:nvPr>
+        </p:nvSpPr>
+        <p:spPr/>
+        <p:txBody>
+          <a:bodyPr/>
+          <a:lstStyle/>
+          <a:p>
+            <a:r>
+              <a:rPr lang="en-US" dirty="0">
+                <a:solidFill>
+                  <a:schemeClr val="tx1"/>
+                </a:solidFill>
+              </a:rPr>
+              <a:t>Bugs</a:t>
+            </a:r>
+            <a:r>
+              <a:rPr lang="en-US" dirty="0" smtClean="0"/>
+              <a:t> </a:t>
+            </a:r>
+            <a:r>
+              <a:rPr lang="en-US" dirty="0">
+                <a:solidFill>
+                  <a:schemeClr val="tx1"/>
+                </a:solidFill>
+              </a:rPr>
+              <a:t>Identified</a:t>
+            </a:r>
+          </a:p>
+        </p:txBody>
+      </p:sp>
+      <p:sp>
+        <p:nvSpPr>
+          <p:cNvPr id="3" name="Content Placeholder 2"/>
+          <p:cNvSpPr>
+            <a:spLocks noGrp="1"/>
+          </p:cNvSpPr>
+          <p:nvPr>
+            <p:ph sz="quarter" idx="13"/>
+          </p:nvPr>
+        </p:nvSpPr>
+        <p:spPr/>
+        <p:txBody>
+          <a:bodyPr>
+            <a:normAutofit/>
+          </a:bodyPr>
+          <a:lstStyle/>
+          <a:p>
+            <a:r>
+              <a:rPr lang="en-US" sz="2400" dirty="0" smtClean="0">
+                <a:latin typeface="Times New Roman" panose="02020603050405020304" pitchFamily="18" charset="0"/>
+                <a:cs typeface="Times New Roman" panose="02020603050405020304" pitchFamily="18" charset="0"/>
+              </a:rPr>
+              <a:t>Database changes can be made by the developer </a:t>
+            </a:r>
+            <a:r>
+              <a:rPr lang="en-US" sz="2400" dirty="0" smtClean="0">
+                <a:latin typeface="Times New Roman" panose="02020603050405020304" pitchFamily="18" charset="0"/>
+                <a:cs typeface="Times New Roman" panose="02020603050405020304" pitchFamily="18" charset="0"/>
+              </a:rPr>
+              <a:t>only</a:t>
+            </a:r>
+            <a:endParaRPr lang="en-US" sz="2400" dirty="0" smtClean="0">
+              <a:latin typeface="Times New Roman" panose="02020603050405020304" pitchFamily="18" charset="0"/>
+              <a:cs typeface="Times New Roman" panose="02020603050405020304" pitchFamily="18" charset="0"/>
+            </a:endParaRPr>
+          </a:p>
+          <a:p>
+            <a:r>
+              <a:rPr lang="en-US" sz="2400" dirty="0" smtClean="0">
+                <a:latin typeface="Times New Roman" panose="02020603050405020304" pitchFamily="18" charset="0"/>
+                <a:cs typeface="Times New Roman" panose="02020603050405020304" pitchFamily="18" charset="0"/>
+              </a:rPr>
+              <a:t>Constant qr. QR code doesn’t change when we go through history page yet </a:t>
+            </a:r>
+            <a:r>
+              <a:rPr lang="en-US" sz="2400" dirty="0" smtClean="0">
+                <a:latin typeface="Times New Roman" panose="02020603050405020304" pitchFamily="18" charset="0"/>
+                <a:cs typeface="Times New Roman" panose="02020603050405020304" pitchFamily="18" charset="0"/>
+              </a:rPr>
+              <a:t>again</a:t>
+            </a:r>
+            <a:endParaRPr lang="en-US" sz="2400" dirty="0" smtClean="0">
+              <a:latin typeface="Times New Roman" panose="02020603050405020304" pitchFamily="18" charset="0"/>
+              <a:cs typeface="Times New Roman" panose="02020603050405020304" pitchFamily="18" charset="0"/>
+            </a:endParaRPr>
+          </a:p>
+          <a:p>
+            <a:r>
+              <a:rPr lang="en-US" sz="2400" dirty="0" smtClean="0">
+                <a:latin typeface="Times New Roman" panose="02020603050405020304" pitchFamily="18" charset="0"/>
+                <a:cs typeface="Times New Roman" panose="02020603050405020304" pitchFamily="18" charset="0"/>
+              </a:rPr>
+              <a:t>Validations in place to avoid erroneous data </a:t>
+            </a:r>
+            <a:r>
+              <a:rPr lang="en-US" sz="2400" dirty="0" smtClean="0">
+                <a:latin typeface="Times New Roman" panose="02020603050405020304" pitchFamily="18" charset="0"/>
+                <a:cs typeface="Times New Roman" panose="02020603050405020304" pitchFamily="18" charset="0"/>
+              </a:rPr>
+              <a:t>input</a:t>
+            </a:r>
+          </a:p>
+          <a:p>
+            <a:r>
+              <a:rPr lang="en-US" sz="2400" dirty="0" smtClean="0">
+                <a:latin typeface="Times New Roman" panose="02020603050405020304" pitchFamily="18" charset="0"/>
+                <a:cs typeface="Times New Roman" panose="02020603050405020304" pitchFamily="18" charset="0"/>
+              </a:rPr>
+              <a:t>Persistent Login for the </a:t>
+            </a:r>
+            <a:r>
+              <a:rPr lang="en-US" sz="2400" dirty="0" err="1" smtClean="0">
+                <a:latin typeface="Times New Roman" panose="02020603050405020304" pitchFamily="18" charset="0"/>
+                <a:cs typeface="Times New Roman" panose="02020603050405020304" pitchFamily="18" charset="0"/>
+              </a:rPr>
+              <a:t>Ios</a:t>
+            </a:r>
+            <a:r>
+              <a:rPr lang="en-US" sz="2400" dirty="0" smtClean="0">
+                <a:latin typeface="Times New Roman" panose="02020603050405020304" pitchFamily="18" charset="0"/>
+                <a:cs typeface="Times New Roman" panose="02020603050405020304" pitchFamily="18" charset="0"/>
+              </a:rPr>
+              <a:t> application</a:t>
+            </a:r>
+            <a:endParaRPr lang="en-US" sz="2400" dirty="0" smtClean="0">
+              <a:latin typeface="Times New Roman" panose="02020603050405020304" pitchFamily="18" charset="0"/>
+              <a:cs typeface="Times New Roman" panose="02020603050405020304" pitchFamily="18" charset="0"/>
+            </a:endParaRPr>
+          </a:p>
+          <a:p>
+            <a:pPr marL="0" indent="0">
+              <a:buNone/>
+            </a:pPr>
+            <a:endParaRPr lang="en-US" sz="2400" dirty="0" smtClean="0"/>
+          </a:p>
+          <a:p>
+            <a:endParaRPr lang="en-US" sz="2400" dirty="0"/>
+          </a:p>
+        </p:txBody>
+      </p:sp>
+    </p:spTree>
+    <p:extLst>
+      <p:ext uri="{BB962C8B-B14F-4D97-AF65-F5344CB8AC3E}">
+        <p14:creationId xmlns:p14="http://schemas.microsoft.com/office/powerpoint/2010/main" val="2481008713"/>
+      </p:ext>
+    </p:extLst>
+  </p:cSld>
+  <p:clrMapOvr>
+    <a:masterClrMapping/>
+  </p:clrMapOvr>
+</p:sld>
+</file>
+
+<file path=ppt/slides/slide15.xml><?xml version="1.0" encoding="utf-8"?>
+<p:sld xmlns:a="http://schemas.openxmlformats.org/drawingml/2006/main" xmlns:r="http://schemas.openxmlformats.org/officeDocument/2006/relationships" xmlns:p="http://schemas.openxmlformats.org/presentationml/2006/main">
+  <p:cSld>
+    <p:spTree>
+      <p:nvGrpSpPr>
+        <p:cNvPr id="1" name=""/>
+        <p:cNvGrpSpPr/>
+        <p:nvPr/>
+      </p:nvGrpSpPr>
+      <p:grpSpPr>
+        <a:xfrm>
+          <a:off x="0" y="0"/>
+          <a:ext cx="0" cy="0"/>
+          <a:chOff x="0" y="0"/>
+          <a:chExt cx="0" cy="0"/>
+        </a:xfrm>
+      </p:grpSpPr>
+      <p:sp>
+        <p:nvSpPr>
+          <p:cNvPr id="2" name="Title 1"/>
+          <p:cNvSpPr>
+            <a:spLocks noGrp="1"/>
+          </p:cNvSpPr>
+          <p:nvPr>
+            <p:ph type="title"/>
+          </p:nvPr>
+        </p:nvSpPr>
+        <p:spPr/>
+        <p:txBody>
+          <a:bodyPr/>
+          <a:lstStyle/>
+          <a:p>
+            <a:r>
+              <a:rPr lang="en-US" dirty="0" smtClean="0"/>
+              <a:t>Limitations</a:t>
+            </a:r>
+            <a:endParaRPr lang="en-US" dirty="0"/>
+          </a:p>
+        </p:txBody>
+      </p:sp>
+      <p:sp>
+        <p:nvSpPr>
+          <p:cNvPr id="3" name="Content Placeholder 2"/>
+          <p:cNvSpPr>
+            <a:spLocks noGrp="1"/>
+          </p:cNvSpPr>
+          <p:nvPr>
+            <p:ph sz="quarter" idx="13"/>
+          </p:nvPr>
+        </p:nvSpPr>
+        <p:spPr>
+          <a:xfrm>
+            <a:off x="685801" y="1837765"/>
+            <a:ext cx="10394707" cy="3311189"/>
+          </a:xfrm>
+        </p:spPr>
+        <p:txBody>
+          <a:bodyPr>
+            <a:normAutofit/>
+          </a:bodyPr>
+          <a:lstStyle/>
+          <a:p>
+            <a:r>
+              <a:rPr lang="en-US" sz="2200" dirty="0" smtClean="0">
+                <a:latin typeface="Times New Roman" panose="02020603050405020304" pitchFamily="18" charset="0"/>
+                <a:cs typeface="Times New Roman" panose="02020603050405020304" pitchFamily="18" charset="0"/>
+              </a:rPr>
+              <a:t>Only for the </a:t>
+            </a:r>
+            <a:r>
+              <a:rPr lang="en-US" sz="2200" dirty="0" err="1" smtClean="0">
+                <a:latin typeface="Times New Roman" panose="02020603050405020304" pitchFamily="18" charset="0"/>
+                <a:cs typeface="Times New Roman" panose="02020603050405020304" pitchFamily="18" charset="0"/>
+              </a:rPr>
+              <a:t>ios</a:t>
+            </a:r>
+            <a:r>
+              <a:rPr lang="en-US" sz="2200" dirty="0" smtClean="0">
+                <a:latin typeface="Times New Roman" panose="02020603050405020304" pitchFamily="18" charset="0"/>
+                <a:cs typeface="Times New Roman" panose="02020603050405020304" pitchFamily="18" charset="0"/>
+              </a:rPr>
+              <a:t> users</a:t>
+            </a:r>
+          </a:p>
+          <a:p>
+            <a:r>
+              <a:rPr lang="en-US" sz="2200" dirty="0" smtClean="0">
+                <a:latin typeface="Times New Roman" panose="02020603050405020304" pitchFamily="18" charset="0"/>
+                <a:cs typeface="Times New Roman" panose="02020603050405020304" pitchFamily="18" charset="0"/>
+              </a:rPr>
+              <a:t>Any user can sign up for the web application</a:t>
+            </a:r>
+          </a:p>
+          <a:p>
+            <a:r>
+              <a:rPr lang="en-US" sz="2200" dirty="0" smtClean="0">
+                <a:latin typeface="Times New Roman" panose="02020603050405020304" pitchFamily="18" charset="0"/>
+                <a:cs typeface="Times New Roman" panose="02020603050405020304" pitchFamily="18" charset="0"/>
+              </a:rPr>
+              <a:t>Database can only be maintained by the maintenance person</a:t>
+            </a:r>
+            <a:endParaRPr lang="en-US" sz="2200" dirty="0">
+              <a:latin typeface="Times New Roman" panose="02020603050405020304" pitchFamily="18" charset="0"/>
+              <a:cs typeface="Times New Roman" panose="02020603050405020304" pitchFamily="18" charset="0"/>
+            </a:endParaRPr>
+          </a:p>
+        </p:txBody>
+      </p:sp>
+    </p:spTree>
+    <p:extLst>
+      <p:ext uri="{BB962C8B-B14F-4D97-AF65-F5344CB8AC3E}">
+        <p14:creationId xmlns:p14="http://schemas.microsoft.com/office/powerpoint/2010/main" val="3144484405"/>
+      </p:ext>
+    </p:extLst>
+  </p:cSld>
+  <p:clrMapOvr>
+    <a:masterClrMapping/>
+  </p:clrMapOvr>
+</p:sld>
+</file>
+
+<file path=ppt/slides/slide16.xml><?xml version="1.0" encoding="utf-8"?>
+<p:sld xmlns:a="http://schemas.openxmlformats.org/drawingml/2006/main" xmlns:r="http://schemas.openxmlformats.org/officeDocument/2006/relationships" xmlns:p="http://schemas.openxmlformats.org/presentationml/2006/main">
+  <p:cSld>
+    <p:spTree>
+      <p:nvGrpSpPr>
+        <p:cNvPr id="1" name=""/>
+        <p:cNvGrpSpPr/>
+        <p:nvPr/>
+      </p:nvGrpSpPr>
+      <p:grpSpPr>
+        <a:xfrm>
+          <a:off x="0" y="0"/>
+          <a:ext cx="0" cy="0"/>
+          <a:chOff x="0" y="0"/>
+          <a:chExt cx="0" cy="0"/>
+        </a:xfrm>
+      </p:grpSpPr>
+      <p:sp>
+        <p:nvSpPr>
+          <p:cNvPr id="2" name="Title 1"/>
+          <p:cNvSpPr>
+            <a:spLocks noGrp="1"/>
+          </p:cNvSpPr>
+          <p:nvPr>
+            <p:ph type="title"/>
+          </p:nvPr>
+        </p:nvSpPr>
+        <p:spPr/>
+        <p:txBody>
+          <a:bodyPr/>
+          <a:lstStyle/>
+          <a:p>
+            <a:r>
+              <a:rPr lang="en-US" dirty="0">
+                <a:solidFill>
+                  <a:schemeClr val="tx1"/>
+                </a:solidFill>
+              </a:rPr>
+              <a:t>Status</a:t>
+            </a:r>
+          </a:p>
+        </p:txBody>
+      </p:sp>
+      <p:sp>
+        <p:nvSpPr>
+          <p:cNvPr id="3" name="Content Placeholder 2"/>
+          <p:cNvSpPr>
+            <a:spLocks noGrp="1"/>
+          </p:cNvSpPr>
+          <p:nvPr>
+            <p:ph sz="quarter" idx="13"/>
+          </p:nvPr>
+        </p:nvSpPr>
+        <p:spPr>
+          <a:xfrm>
+            <a:off x="685801" y="1837765"/>
+            <a:ext cx="10394707" cy="3311189"/>
+          </a:xfrm>
+        </p:spPr>
+        <p:txBody>
+          <a:bodyPr/>
+          <a:lstStyle/>
+          <a:p>
+            <a:r>
+              <a:rPr lang="en-US" dirty="0">
+                <a:latin typeface="Times New Roman" panose="02020603050405020304" pitchFamily="18" charset="0"/>
+                <a:cs typeface="Times New Roman" panose="02020603050405020304" pitchFamily="18" charset="0"/>
+              </a:rPr>
+              <a:t>IOS Application - Check.</a:t>
+            </a:r>
+          </a:p>
+          <a:p>
+            <a:r>
+              <a:rPr lang="en-US" dirty="0">
+                <a:latin typeface="Times New Roman" panose="02020603050405020304" pitchFamily="18" charset="0"/>
+                <a:cs typeface="Times New Roman" panose="02020603050405020304" pitchFamily="18" charset="0"/>
+              </a:rPr>
+              <a:t>Web Application - Check.</a:t>
+            </a:r>
+          </a:p>
+          <a:p>
+            <a:r>
+              <a:rPr lang="en-US" dirty="0">
+                <a:latin typeface="Times New Roman" panose="02020603050405020304" pitchFamily="18" charset="0"/>
+                <a:cs typeface="Times New Roman" panose="02020603050405020304" pitchFamily="18" charset="0"/>
+              </a:rPr>
+              <a:t>Manual Testing and bug identification - In Progress.</a:t>
+            </a:r>
+          </a:p>
+          <a:p>
+            <a:r>
+              <a:rPr lang="en-US" dirty="0">
+                <a:latin typeface="Times New Roman" panose="02020603050405020304" pitchFamily="18" charset="0"/>
+                <a:cs typeface="Times New Roman" panose="02020603050405020304" pitchFamily="18" charset="0"/>
+              </a:rPr>
+              <a:t>CSS file for Web Application - In progress.</a:t>
+            </a:r>
+          </a:p>
+          <a:p>
+            <a:r>
+              <a:rPr lang="en-US" dirty="0">
+                <a:latin typeface="Times New Roman" panose="02020603050405020304" pitchFamily="18" charset="0"/>
+                <a:cs typeface="Times New Roman" panose="02020603050405020304" pitchFamily="18" charset="0"/>
+              </a:rPr>
+              <a:t>Documentation changes - In progress.</a:t>
+            </a:r>
+          </a:p>
+        </p:txBody>
+      </p:sp>
+    </p:spTree>
+    <p:extLst>
+      <p:ext uri="{BB962C8B-B14F-4D97-AF65-F5344CB8AC3E}">
+        <p14:creationId xmlns:p14="http://schemas.microsoft.com/office/powerpoint/2010/main" val="466284332"/>
       </p:ext>
     </p:extLst>
   </p:cSld>
@@ -16700,8 +17121,28 @@
                 <a:latin typeface="Arial" panose="020B0604020202020204" pitchFamily="34" charset="0"/>
                 <a:cs typeface="Arial" panose="020B0604020202020204" pitchFamily="34" charset="0"/>
               </a:rPr>
-              <a:t>Problem Statement</a:t>
-            </a:r>
+              <a:t>Problem </a:t>
+            </a:r>
+            <a:r>
+              <a:rPr lang="en-US" dirty="0" smtClean="0">
+                <a:latin typeface="Arial" panose="020B0604020202020204" pitchFamily="34" charset="0"/>
+                <a:cs typeface="Arial" panose="020B0604020202020204" pitchFamily="34" charset="0"/>
+              </a:rPr>
+              <a:t>Statement</a:t>
+            </a:r>
+          </a:p>
+          <a:p>
+            <a:r>
+              <a:rPr lang="en-US" dirty="0" smtClean="0">
+                <a:latin typeface="Arial" panose="020B0604020202020204" pitchFamily="34" charset="0"/>
+                <a:cs typeface="Arial" panose="020B0604020202020204" pitchFamily="34" charset="0"/>
+              </a:rPr>
+              <a:t>Existing systems</a:t>
+            </a:r>
+            <a:endParaRPr lang="en-US" dirty="0" smtClean="0">
+              <a:latin typeface="Arial" panose="020B0604020202020204" pitchFamily="34" charset="0"/>
+              <a:cs typeface="Arial" panose="020B0604020202020204" pitchFamily="34" charset="0"/>
+            </a:endParaRPr>
           </a:p>
           <a:p>
             <a:r>
@@ -16776,21 +17217,6 @@
               </a:rPr>
               <a:t>Status </a:t>
             </a:r>
-            <a:endParaRPr lang="en-US" dirty="0" smtClean="0">
-              <a:latin typeface="Arial" panose="020B0604020202020204" pitchFamily="34" charset="0"/>
-              <a:cs typeface="Arial" panose="020B0604020202020204" pitchFamily="34" charset="0"/>
-            </a:endParaRPr>
-          </a:p>
-          <a:p>
-            <a:r>
-              <a:rPr lang="en-US" dirty="0" smtClean="0">
-                <a:latin typeface="Arial" panose="020B0604020202020204" pitchFamily="34" charset="0"/>
-                <a:cs typeface="Arial" panose="020B0604020202020204" pitchFamily="34" charset="0"/>
-              </a:rPr>
-              <a:t>Experience so far.</a:t>
-            </a:r>
-          </a:p>
-          <a:p>
             <a:endParaRPr lang="en-US" dirty="0" smtClean="0">
               <a:latin typeface="Arial" panose="020B0604020202020204" pitchFamily="34" charset="0"/>
               <a:cs typeface="Arial" panose="020B0604020202020204" pitchFamily="34" charset="0"/>
@@ -16952,10 +17378,6 @@
               </a:rPr>
               <a:t>We will be using the QR codes for tracking the attendance of the students.</a:t>
             </a:r>
-            <a:endParaRPr lang="en" sz="2400" dirty="0">
-              <a:latin typeface="Times New Roman" panose="02020603050405020304" pitchFamily="18" charset="0"/>
-              <a:cs typeface="Times New Roman" panose="02020603050405020304" pitchFamily="18" charset="0"/>
-            </a:endParaRPr>
           </a:p>
         </p:txBody>
       </p:sp>
@@ -17018,12 +17440,7 @@
             <p:ph type="title"/>
           </p:nvPr>
         </p:nvSpPr>
-        <p:spPr>
-          <a:xfrm>
-            <a:off x="685801" y="382525"/>
-            <a:ext cx="10058400" cy="1450757"/>
-          </a:xfrm>
-        </p:spPr>
+        <p:spPr/>
         <p:txBody>
           <a:bodyPr/>
           <a:lstStyle/>
@@ -17034,7 +17451,7 @@
                   <a:schemeClr val="tx1"/>
                 </a:solidFill>
               </a:rPr>
-              <a:t>Previous requirements</a:t>
+              <a:t>Exiting system</a:t>
             </a:r>
             <a:endParaRPr lang="en-US" dirty="0">
               <a:solidFill>
@@ -17051,157 +17468,225 @@
             <a:spLocks noGrp="1"/>
           </p:cNvSpPr>
           <p:nvPr>
-            <p:ph sz="half" idx="1"/>
+            <p:ph idx="1"/>
           </p:nvPr>
         </p:nvSpPr>
-        <p:spPr>
-          <a:xfrm>
-            <a:off x="5741126" y="1846730"/>
-            <a:ext cx="5832565" cy="1405498"/>
-          </a:xfrm>
-        </p:spPr>
+        <p:spPr/>
         <p:txBody>
           <a:bodyPr>
-            <a:normAutofit fontScale="92500" lnSpcReduction="20000"/>
+            <a:noAutofit/>
           </a:bodyPr>
           <a:lstStyle/>
           <a:p>
-            <a:pPr marL="0" indent="0">
-              <a:buNone/>
+            <a:pPr marL="457200" lvl="0">
+              <a:lnSpc>
+                <a:spcPct val="100000"/>
+              </a:lnSpc>
+              <a:spcBef>
+                <a:spcPts val="0"/>
+              </a:spcBef>
             </a:pPr>
             <a:r>
-              <a:rPr lang="en-US" sz="2400" b="1" dirty="0" smtClean="0">
+              <a:rPr lang="en-US" dirty="0">
                 <a:latin typeface="Times New Roman" panose="02020603050405020304" pitchFamily="18" charset="0"/>
                 <a:cs typeface="Times New Roman" panose="02020603050405020304" pitchFamily="18" charset="0"/>
               </a:rPr>
-              <a:t>Instructor</a:t>
-            </a:r>
-            <a:endParaRPr lang="en-US" sz="2400" b="1" dirty="0">
+              <a:t>Magnetic chip readers</a:t>
+            </a:r>
+          </a:p>
+          <a:p>
+            <a:pPr marL="914400" lvl="1">
+              <a:lnSpc>
+                <a:spcPct val="100000"/>
+              </a:lnSpc>
+              <a:spcBef>
+                <a:spcPts val="0"/>
+              </a:spcBef>
+            </a:pPr>
+            <a:r>
+              <a:rPr lang="en-US" sz="2000" dirty="0">
+                <a:latin typeface="Times New Roman" panose="02020603050405020304" pitchFamily="18" charset="0"/>
+                <a:cs typeface="Times New Roman" panose="02020603050405020304" pitchFamily="18" charset="0"/>
+              </a:rPr>
+              <a:t>Installing new hardware devices</a:t>
+            </a:r>
+          </a:p>
+          <a:p>
+            <a:pPr marL="914400" lvl="1">
+              <a:lnSpc>
+                <a:spcPct val="100000"/>
+              </a:lnSpc>
+              <a:spcBef>
+                <a:spcPts val="0"/>
+              </a:spcBef>
+            </a:pPr>
+            <a:r>
+              <a:rPr lang="en-US" sz="2000" dirty="0">
+                <a:latin typeface="Times New Roman" panose="02020603050405020304" pitchFamily="18" charset="0"/>
+                <a:cs typeface="Times New Roman" panose="02020603050405020304" pitchFamily="18" charset="0"/>
+              </a:rPr>
+              <a:t>Time constraint </a:t>
+            </a:r>
+          </a:p>
+          <a:p>
+            <a:pPr marL="457200" lvl="0">
+              <a:lnSpc>
+                <a:spcPct val="100000"/>
+              </a:lnSpc>
+              <a:spcBef>
+                <a:spcPts val="0"/>
+              </a:spcBef>
+            </a:pPr>
+            <a:r>
+              <a:rPr lang="en-US" dirty="0">
+                <a:latin typeface="Times New Roman" panose="02020603050405020304" pitchFamily="18" charset="0"/>
+                <a:cs typeface="Times New Roman" panose="02020603050405020304" pitchFamily="18" charset="0"/>
+              </a:rPr>
+              <a:t>Sign sheet</a:t>
+            </a:r>
+          </a:p>
+          <a:p>
+            <a:pPr marL="914400" lvl="1">
+              <a:lnSpc>
+                <a:spcPct val="100000"/>
+              </a:lnSpc>
+              <a:spcBef>
+                <a:spcPts val="0"/>
+              </a:spcBef>
+            </a:pPr>
+            <a:r>
+              <a:rPr lang="en-US" sz="2000" dirty="0">
+                <a:latin typeface="Times New Roman" panose="02020603050405020304" pitchFamily="18" charset="0"/>
+                <a:cs typeface="Times New Roman" panose="02020603050405020304" pitchFamily="18" charset="0"/>
+              </a:rPr>
+              <a:t>Time constraint</a:t>
+            </a:r>
+          </a:p>
+          <a:p>
+            <a:pPr marL="914400" lvl="1">
+              <a:lnSpc>
+                <a:spcPct val="100000"/>
+              </a:lnSpc>
+              <a:spcBef>
+                <a:spcPts val="0"/>
+              </a:spcBef>
+            </a:pPr>
+            <a:r>
+              <a:rPr lang="en-US" sz="2000" dirty="0">
+                <a:latin typeface="Times New Roman" panose="02020603050405020304" pitchFamily="18" charset="0"/>
+                <a:cs typeface="Times New Roman" panose="02020603050405020304" pitchFamily="18" charset="0"/>
+              </a:rPr>
+              <a:t>Easy abuse</a:t>
+            </a:r>
+          </a:p>
+          <a:p>
+            <a:pPr marL="457200" lvl="0">
+              <a:lnSpc>
+                <a:spcPct val="100000"/>
+              </a:lnSpc>
+              <a:spcBef>
+                <a:spcPts val="0"/>
+              </a:spcBef>
+            </a:pPr>
+            <a:r>
+              <a:rPr lang="en-US" dirty="0">
+                <a:latin typeface="Times New Roman" panose="02020603050405020304" pitchFamily="18" charset="0"/>
+                <a:cs typeface="Times New Roman" panose="02020603050405020304" pitchFamily="18" charset="0"/>
+              </a:rPr>
+              <a:t>Roll call</a:t>
+            </a:r>
+          </a:p>
+          <a:p>
+            <a:pPr marL="914400" lvl="1">
+              <a:lnSpc>
+                <a:spcPct val="100000"/>
+              </a:lnSpc>
+              <a:spcBef>
+                <a:spcPts val="0"/>
+              </a:spcBef>
+            </a:pPr>
+            <a:r>
+              <a:rPr lang="en-US" sz="2000" dirty="0">
+                <a:latin typeface="Times New Roman" panose="02020603050405020304" pitchFamily="18" charset="0"/>
+                <a:cs typeface="Times New Roman" panose="02020603050405020304" pitchFamily="18" charset="0"/>
+              </a:rPr>
+              <a:t>Time constraint</a:t>
+            </a:r>
+          </a:p>
+          <a:p>
+            <a:pPr marL="457200" lvl="0">
+              <a:lnSpc>
+                <a:spcPct val="100000"/>
+              </a:lnSpc>
+              <a:spcBef>
+                <a:spcPts val="0"/>
+              </a:spcBef>
+            </a:pPr>
+            <a:r>
+              <a:rPr lang="en-US" dirty="0">
+                <a:latin typeface="Times New Roman" panose="02020603050405020304" pitchFamily="18" charset="0"/>
+                <a:cs typeface="Times New Roman" panose="02020603050405020304" pitchFamily="18" charset="0"/>
+              </a:rPr>
+              <a:t>Finger Prints</a:t>
+            </a:r>
+          </a:p>
+          <a:p>
+            <a:pPr marL="914400" lvl="1">
+              <a:lnSpc>
+                <a:spcPct val="100000"/>
+              </a:lnSpc>
+              <a:spcBef>
+                <a:spcPts val="0"/>
+              </a:spcBef>
+            </a:pPr>
+            <a:r>
+              <a:rPr lang="en-US" sz="2000" dirty="0">
+                <a:latin typeface="Times New Roman" panose="02020603050405020304" pitchFamily="18" charset="0"/>
+                <a:cs typeface="Times New Roman" panose="02020603050405020304" pitchFamily="18" charset="0"/>
+              </a:rPr>
+              <a:t>Expensive </a:t>
+            </a:r>
+          </a:p>
+          <a:p>
+            <a:pPr marL="914400" lvl="1">
+              <a:lnSpc>
+                <a:spcPct val="100000"/>
+              </a:lnSpc>
+              <a:spcBef>
+                <a:spcPts val="0"/>
+              </a:spcBef>
+            </a:pPr>
+            <a:r>
+              <a:rPr lang="en-US" sz="2000" dirty="0">
+                <a:latin typeface="Times New Roman" panose="02020603050405020304" pitchFamily="18" charset="0"/>
+                <a:cs typeface="Times New Roman" panose="02020603050405020304" pitchFamily="18" charset="0"/>
+              </a:rPr>
+              <a:t>Installing new hardware </a:t>
+            </a:r>
+            <a:r>
+              <a:rPr lang="en-US" sz="2000" dirty="0" smtClean="0">
+                <a:latin typeface="Times New Roman" panose="02020603050405020304" pitchFamily="18" charset="0"/>
+                <a:cs typeface="Times New Roman" panose="02020603050405020304" pitchFamily="18" charset="0"/>
+              </a:rPr>
+              <a:t>devices</a:t>
+            </a:r>
+            <a:endParaRPr lang="en-US" sz="2000" dirty="0">
               <a:latin typeface="Times New Roman" panose="02020603050405020304" pitchFamily="18" charset="0"/>
               <a:cs typeface="Times New Roman" panose="02020603050405020304" pitchFamily="18" charset="0"/>
             </a:endParaRPr>
-          </a:p>
-          <a:p>
-            <a:r>
-              <a:rPr lang="en-US" sz="2400" dirty="0">
-                <a:latin typeface="Times New Roman" panose="02020603050405020304" pitchFamily="18" charset="0"/>
-                <a:cs typeface="Times New Roman" panose="02020603050405020304" pitchFamily="18" charset="0"/>
-              </a:rPr>
-              <a:t>QR code Generation</a:t>
-            </a:r>
-          </a:p>
-          <a:p>
-            <a:r>
-              <a:rPr lang="en-US" sz="2400" dirty="0">
-                <a:latin typeface="Times New Roman" panose="02020603050405020304" pitchFamily="18" charset="0"/>
-                <a:cs typeface="Times New Roman" panose="02020603050405020304" pitchFamily="18" charset="0"/>
-              </a:rPr>
-              <a:t>Manage the students attendance</a:t>
-            </a:r>
-            <a:endParaRPr lang="en-US" dirty="0"/>
-          </a:p>
-        </p:txBody>
-      </p:sp>
-      <p:sp>
-        <p:nvSpPr>
-          <p:cNvPr id="5" name="Content Placeholder 4"/>
-          <p:cNvSpPr>
-            <a:spLocks noGrp="1"/>
-          </p:cNvSpPr>
-          <p:nvPr>
-            <p:ph sz="half" idx="2"/>
-          </p:nvPr>
-        </p:nvSpPr>
-        <p:spPr>
-          <a:xfrm>
-            <a:off x="685801" y="1837765"/>
-            <a:ext cx="5451565" cy="2482228"/>
-          </a:xfrm>
-        </p:spPr>
-        <p:txBody>
-          <a:bodyPr>
-            <a:normAutofit fontScale="92500" lnSpcReduction="20000"/>
-          </a:bodyPr>
-          <a:lstStyle/>
-          <a:p>
-            <a:pPr marL="0" indent="0">
-              <a:buNone/>
-            </a:pPr>
-            <a:r>
-              <a:rPr lang="en-US" sz="2400" b="1" dirty="0">
-                <a:latin typeface="Times New Roman" panose="02020603050405020304" pitchFamily="18" charset="0"/>
-                <a:cs typeface="Times New Roman" panose="02020603050405020304" pitchFamily="18" charset="0"/>
-              </a:rPr>
-              <a:t>Student</a:t>
-            </a:r>
-          </a:p>
-          <a:p>
-            <a:r>
-              <a:rPr lang="en-US" sz="2400" dirty="0">
-                <a:latin typeface="Times New Roman" panose="02020603050405020304" pitchFamily="18" charset="0"/>
-                <a:cs typeface="Times New Roman" panose="02020603050405020304" pitchFamily="18" charset="0"/>
-              </a:rPr>
-              <a:t>Scan QR and Capture it</a:t>
-            </a:r>
-          </a:p>
-          <a:p>
-            <a:r>
-              <a:rPr lang="en-US" sz="2400" dirty="0">
-                <a:latin typeface="Times New Roman" panose="02020603050405020304" pitchFamily="18" charset="0"/>
-                <a:cs typeface="Times New Roman" panose="02020603050405020304" pitchFamily="18" charset="0"/>
-              </a:rPr>
-              <a:t>View courses registered</a:t>
-            </a:r>
-          </a:p>
-          <a:p>
-            <a:r>
-              <a:rPr lang="en-US" sz="2400" dirty="0">
-                <a:latin typeface="Times New Roman" panose="02020603050405020304" pitchFamily="18" charset="0"/>
-                <a:cs typeface="Times New Roman" panose="02020603050405020304" pitchFamily="18" charset="0"/>
-              </a:rPr>
-              <a:t>View attendance percentage</a:t>
-            </a:r>
-          </a:p>
-          <a:p>
-            <a:r>
-              <a:rPr lang="en-US" sz="2400" dirty="0">
-                <a:latin typeface="Times New Roman" panose="02020603050405020304" pitchFamily="18" charset="0"/>
-                <a:cs typeface="Times New Roman" panose="02020603050405020304" pitchFamily="18" charset="0"/>
-              </a:rPr>
-              <a:t>Feedback</a:t>
-            </a:r>
           </a:p>
         </p:txBody>
       </p:sp>
     </p:spTree>
     <p:extLst>
       <p:ext uri="{BB962C8B-B14F-4D97-AF65-F5344CB8AC3E}">
-        <p14:creationId xmlns:p14="http://schemas.microsoft.com/office/powerpoint/2010/main" val="4280786653"/>
+        <p14:creationId xmlns:p14="http://schemas.microsoft.com/office/powerpoint/2010/main" val="1072666190"/>
       </p:ext>
     </p:extLst>
   </p:cSld>
   <p:clrMapOvr>
     <a:masterClrMapping/>
   </p:clrMapOvr>
-  <mc:AlternateContent xmlns:mc="http://schemas.openxmlformats.org/markup-compatibility/2006" xmlns:p14="http://schemas.microsoft.com/office/powerpoint/2010/main">
-    <mc:Choice Requires="p14">
-      <p:transition spd="med" p14:dur="700">
-        <p:fade/>
-      </p:transition>
-    </mc:Choice>
-    <mc:Fallback xmlns="">
-      <p:transition spd="med">
-        <p:fade/>
-      </p:transition>
-    </mc:Fallback>
-  </mc:AlternateContent>
-  <p:timing>
-    <p:tnLst>
-      <p:par>
-        <p:cTn id="1" dur="indefinite" restart="never" nodeType="tmRoot"/>
-      </p:par>
-    </p:tnLst>
-  </p:timing>
 </p:sld>
 </file>
 
@@ -18602,6 +19087,253 @@
                   <a:schemeClr val="tx1"/>
                 </a:solidFill>
               </a:rPr>
+              <a:t>Technologies used</a:t>
+            </a:r>
+            <a:endParaRPr lang="en-US" dirty="0">
+              <a:solidFill>
+                <a:schemeClr val="tx1"/>
+              </a:solidFill>
+            </a:endParaRPr>
+          </a:p>
+        </p:txBody>
+      </p:sp>
+      <p:sp>
+        <p:nvSpPr>
+          <p:cNvPr id="4" name="Content Placeholder 3"/>
+          <p:cNvSpPr>
+            <a:spLocks noGrp="1"/>
+          </p:cNvSpPr>
+          <p:nvPr>
+            <p:ph sz="quarter" idx="13"/>
+          </p:nvPr>
+        </p:nvSpPr>
+        <p:spPr>
+          <a:xfrm>
+            <a:off x="685801" y="1844907"/>
+            <a:ext cx="5088712" cy="2512852"/>
+          </a:xfrm>
+        </p:spPr>
+        <p:txBody>
+          <a:bodyPr>
+            <a:noAutofit/>
+          </a:bodyPr>
+          <a:lstStyle/>
+          <a:p>
+            <a:r>
+              <a:rPr lang="en-US" sz="2400" dirty="0">
+                <a:latin typeface="Times New Roman" panose="02020603050405020304" pitchFamily="18" charset="0"/>
+                <a:cs typeface="Times New Roman" panose="02020603050405020304" pitchFamily="18" charset="0"/>
+              </a:rPr>
+              <a:t>Languages</a:t>
+            </a:r>
+          </a:p>
+          <a:p>
+            <a:pPr lvl="1"/>
+            <a:r>
+              <a:rPr lang="en-US" sz="2400" dirty="0">
+                <a:latin typeface="Times New Roman" panose="02020603050405020304" pitchFamily="18" charset="0"/>
+                <a:cs typeface="Times New Roman" panose="02020603050405020304" pitchFamily="18" charset="0"/>
+              </a:rPr>
+              <a:t>Java Script</a:t>
+            </a:r>
+          </a:p>
+          <a:p>
+            <a:pPr lvl="1"/>
+            <a:r>
+              <a:rPr lang="en-US" sz="2400" dirty="0">
+                <a:latin typeface="Times New Roman" panose="02020603050405020304" pitchFamily="18" charset="0"/>
+                <a:cs typeface="Times New Roman" panose="02020603050405020304" pitchFamily="18" charset="0"/>
+              </a:rPr>
+              <a:t>Swift 3.0</a:t>
+            </a:r>
+          </a:p>
+          <a:p>
+            <a:pPr lvl="1"/>
+            <a:r>
+              <a:rPr lang="en-US" sz="2400" dirty="0">
+                <a:latin typeface="Times New Roman" panose="02020603050405020304" pitchFamily="18" charset="0"/>
+                <a:cs typeface="Times New Roman" panose="02020603050405020304" pitchFamily="18" charset="0"/>
+              </a:rPr>
+              <a:t>Html, </a:t>
+            </a:r>
+            <a:r>
+              <a:rPr lang="en-US" sz="2400" dirty="0" err="1">
+                <a:latin typeface="Times New Roman" panose="02020603050405020304" pitchFamily="18" charset="0"/>
+                <a:cs typeface="Times New Roman" panose="02020603050405020304" pitchFamily="18" charset="0"/>
+              </a:rPr>
+              <a:t>css</a:t>
+            </a:r>
+            <a:endParaRPr lang="en-US" sz="2400" dirty="0">
+              <a:latin typeface="Times New Roman" panose="02020603050405020304" pitchFamily="18" charset="0"/>
+              <a:cs typeface="Times New Roman" panose="02020603050405020304" pitchFamily="18" charset="0"/>
+            </a:endParaRPr>
+          </a:p>
+          <a:p>
+            <a:r>
+              <a:rPr lang="en-US" sz="2400" dirty="0">
+                <a:latin typeface="Times New Roman" panose="02020603050405020304" pitchFamily="18" charset="0"/>
+                <a:cs typeface="Times New Roman" panose="02020603050405020304" pitchFamily="18" charset="0"/>
+              </a:rPr>
+              <a:t>Frame work</a:t>
+            </a:r>
+          </a:p>
+          <a:p>
+            <a:pPr lvl="1"/>
+            <a:r>
+              <a:rPr lang="en-US" sz="2400" dirty="0">
+                <a:latin typeface="Times New Roman" panose="02020603050405020304" pitchFamily="18" charset="0"/>
+                <a:cs typeface="Times New Roman" panose="02020603050405020304" pitchFamily="18" charset="0"/>
+              </a:rPr>
+              <a:t>express</a:t>
+            </a:r>
+          </a:p>
+          <a:p>
+            <a:endParaRPr lang="en-US" sz="2400" dirty="0"/>
+          </a:p>
+        </p:txBody>
+      </p:sp>
+      <p:sp>
+        <p:nvSpPr>
+          <p:cNvPr id="6" name="Content Placeholder 5"/>
+          <p:cNvSpPr>
+            <a:spLocks noGrp="1"/>
+          </p:cNvSpPr>
+          <p:nvPr>
+            <p:ph sz="quarter" idx="14"/>
+          </p:nvPr>
+        </p:nvSpPr>
+        <p:spPr>
+          <a:xfrm>
+            <a:off x="5991795" y="1843940"/>
+            <a:ext cx="5088713" cy="2512852"/>
+          </a:xfrm>
+        </p:spPr>
+        <p:txBody>
+          <a:bodyPr>
+            <a:noAutofit/>
+          </a:bodyPr>
+          <a:lstStyle/>
+          <a:p>
+            <a:r>
+              <a:rPr lang="en-US" sz="2400" dirty="0">
+                <a:latin typeface="Times New Roman" panose="02020603050405020304" pitchFamily="18" charset="0"/>
+                <a:cs typeface="Times New Roman" panose="02020603050405020304" pitchFamily="18" charset="0"/>
+              </a:rPr>
+              <a:t>server</a:t>
+            </a:r>
+          </a:p>
+          <a:p>
+            <a:pPr lvl="1"/>
+            <a:r>
+              <a:rPr lang="en-US" sz="2400" dirty="0">
+                <a:latin typeface="Times New Roman" panose="02020603050405020304" pitchFamily="18" charset="0"/>
+                <a:cs typeface="Times New Roman" panose="02020603050405020304" pitchFamily="18" charset="0"/>
+              </a:rPr>
+              <a:t>Node.js</a:t>
+            </a:r>
+          </a:p>
+          <a:p>
+            <a:r>
+              <a:rPr lang="en-US" sz="2400" dirty="0">
+                <a:latin typeface="Times New Roman" panose="02020603050405020304" pitchFamily="18" charset="0"/>
+                <a:cs typeface="Times New Roman" panose="02020603050405020304" pitchFamily="18" charset="0"/>
+              </a:rPr>
+              <a:t>Database </a:t>
+            </a:r>
+          </a:p>
+          <a:p>
+            <a:pPr lvl="1"/>
+            <a:r>
+              <a:rPr lang="en-US" sz="2400" dirty="0">
+                <a:latin typeface="Times New Roman" panose="02020603050405020304" pitchFamily="18" charset="0"/>
+                <a:cs typeface="Times New Roman" panose="02020603050405020304" pitchFamily="18" charset="0"/>
+              </a:rPr>
+              <a:t>Parse </a:t>
+            </a:r>
+            <a:r>
+              <a:rPr lang="en-US" sz="2400" dirty="0" smtClean="0">
+                <a:latin typeface="Times New Roman" panose="02020603050405020304" pitchFamily="18" charset="0"/>
+                <a:cs typeface="Times New Roman" panose="02020603050405020304" pitchFamily="18" charset="0"/>
+              </a:rPr>
+              <a:t>SDK</a:t>
+            </a:r>
+          </a:p>
+          <a:p>
+            <a:r>
+              <a:rPr lang="en-US" sz="2400" dirty="0" smtClean="0">
+                <a:latin typeface="Times New Roman" panose="02020603050405020304" pitchFamily="18" charset="0"/>
+                <a:cs typeface="Times New Roman" panose="02020603050405020304" pitchFamily="18" charset="0"/>
+              </a:rPr>
+              <a:t>Repository</a:t>
+            </a:r>
+          </a:p>
+          <a:p>
+            <a:pPr lvl="1"/>
+            <a:r>
+              <a:rPr lang="en-US" sz="2400" dirty="0" err="1" smtClean="0">
+                <a:latin typeface="Times New Roman" panose="02020603050405020304" pitchFamily="18" charset="0"/>
+                <a:cs typeface="Times New Roman" panose="02020603050405020304" pitchFamily="18" charset="0"/>
+              </a:rPr>
+              <a:t>github</a:t>
+            </a:r>
+            <a:endParaRPr lang="en-US" sz="2400" dirty="0">
+              <a:latin typeface="Times New Roman" panose="02020603050405020304" pitchFamily="18" charset="0"/>
+              <a:cs typeface="Times New Roman" panose="02020603050405020304" pitchFamily="18" charset="0"/>
+            </a:endParaRPr>
+          </a:p>
+        </p:txBody>
+      </p:sp>
+    </p:spTree>
+    <p:extLst>
+      <p:ext uri="{BB962C8B-B14F-4D97-AF65-F5344CB8AC3E}">
+        <p14:creationId xmlns:p14="http://schemas.microsoft.com/office/powerpoint/2010/main" val="1819547468"/>
+      </p:ext>
+    </p:extLst>
+  </p:cSld>
+  <p:clrMapOvr>
+    <a:masterClrMapping/>
+  </p:clrMapOvr>
+</p:sld>
+</file>
+
+<file path=ppt/slides/slide8.xml><?xml version="1.0" encoding="utf-8"?>
+<p:sld xmlns:a="http://schemas.openxmlformats.org/drawingml/2006/main" xmlns:r="http://schemas.openxmlformats.org/officeDocument/2006/relationships" xmlns:p="http://schemas.openxmlformats.org/presentationml/2006/main">
+  <p:cSld>
+    <p:spTree>
+      <p:nvGrpSpPr>
+        <p:cNvPr id="1" name=""/>
+        <p:cNvGrpSpPr/>
+        <p:nvPr/>
+      </p:nvGrpSpPr>
+      <p:grpSpPr>
+        <a:xfrm>
+          <a:off x="0" y="0"/>
+          <a:ext cx="0" cy="0"/>
+          <a:chOff x="0" y="0"/>
+          <a:chExt cx="0" cy="0"/>
+        </a:xfrm>
+      </p:grpSpPr>
+      <p:sp>
+        <p:nvSpPr>
+          <p:cNvPr id="2" name="Title 1"/>
+          <p:cNvSpPr>
+            <a:spLocks noGrp="1"/>
+          </p:cNvSpPr>
+          <p:nvPr>
+            <p:ph type="title"/>
+          </p:nvPr>
+        </p:nvSpPr>
+        <p:spPr/>
+        <p:txBody>
+          <a:bodyPr/>
+          <a:lstStyle/>
+          <a:p>
+            <a:r>
+              <a:rPr lang="en-US" dirty="0" smtClean="0">
+                <a:solidFill>
+                  <a:schemeClr val="tx1"/>
+                </a:solidFill>
+              </a:rPr>
               <a:t>Data flow</a:t>
             </a:r>
             <a:endParaRPr lang="en-US" dirty="0">
@@ -19521,11 +20253,11 @@
   <p:clrMapOvr>
     <a:masterClrMapping/>
   </p:clrMapOvr>
-  <mc:AlternateContent xmlns:mc="http://schemas.openxmlformats.org/markup-compatibility/2006">
-    <mc:Choice xmlns:p14="http://schemas.microsoft.com/office/powerpoint/2010/main" Requires="p14">
+  <mc:AlternateContent xmlns:mc="http://schemas.openxmlformats.org/markup-compatibility/2006" xmlns:p14="http://schemas.microsoft.com/office/powerpoint/2010/main">
+    <mc:Choice Requires="p14">
       <p:transition spd="slow" p14:dur="2000"/>
     </mc:Choice>
-    <mc:Fallback>
+    <mc:Fallback xmlns="">
       <p:transition spd="slow"/>
     </mc:Fallback>
   </mc:AlternateContent>
@@ -19662,7 +20394,7 @@
 </p:sld>
 </file>
 
-<file path=ppt/slides/slide8.xml><?xml version="1.0" encoding="utf-8"?>
+<file path=ppt/slides/slide9.xml><?xml version="1.0" encoding="utf-8"?>
 <p:sld xmlns:a="http://schemas.openxmlformats.org/drawingml/2006/main" xmlns:r="http://schemas.openxmlformats.org/officeDocument/2006/relationships" xmlns:p="http://schemas.openxmlformats.org/presentationml/2006/main">
   <p:cSld>
     <p:spTree>
@@ -19702,15 +20434,7 @@
                   <a:schemeClr val="tx1"/>
                 </a:solidFill>
               </a:rPr>
-              <a:t>Challenges </a:t>
-            </a:r>
-            <a:r>
-              <a:rPr lang="en-US" dirty="0" smtClean="0">
-                <a:solidFill>
-                  <a:schemeClr val="tx1"/>
-                </a:solidFill>
-              </a:rPr>
-              <a:t>Faced and How did we overcome?</a:t>
+              <a:t>Challenges Faced and How did we overcome?</a:t>
             </a:r>
             <a:endParaRPr lang="en-US" dirty="0">
               <a:solidFill>
@@ -19895,255 +20619,6 @@
       </p:transition>
     </mc:Fallback>
   </mc:AlternateContent>
-  <p:timing>
-    <p:tnLst>
-      <p:par>
-        <p:cTn id="1" dur="indefinite" restart="never" nodeType="tmRoot"/>
-      </p:par>
-    </p:tnLst>
-  </p:timing>
-</p:sld>
-</file>
-
-<file path=ppt/slides/slide9.xml><?xml version="1.0" encoding="utf-8"?>
-<p:sld xmlns:a="http://schemas.openxmlformats.org/drawingml/2006/main" xmlns:r="http://schemas.openxmlformats.org/officeDocument/2006/relationships" xmlns:p="http://schemas.openxmlformats.org/presentationml/2006/main">
-  <p:cSld>
-    <p:spTree>
-      <p:nvGrpSpPr>
-        <p:cNvPr id="1" name=""/>
-        <p:cNvGrpSpPr/>
-        <p:nvPr/>
-      </p:nvGrpSpPr>
-      <p:grpSpPr>
-        <a:xfrm>
-          <a:off x="0" y="0"/>
-          <a:ext cx="0" cy="0"/>
-          <a:chOff x="0" y="0"/>
-          <a:chExt cx="0" cy="0"/>
-        </a:xfrm>
-      </p:grpSpPr>
-      <p:sp>
-        <p:nvSpPr>
-          <p:cNvPr id="2" name="Title 1"/>
-          <p:cNvSpPr>
-            <a:spLocks noGrp="1"/>
-          </p:cNvSpPr>
-          <p:nvPr>
-            <p:ph type="title"/>
-          </p:nvPr>
-        </p:nvSpPr>
-        <p:spPr/>
-        <p:txBody>
-          <a:bodyPr>
-            <a:normAutofit fontScale="90000"/>
-          </a:bodyPr>
-          <a:lstStyle/>
-          <a:p>
-            <a:r>
-              <a:rPr lang="en-US" dirty="0" smtClean="0">
-                <a:solidFill>
-                  <a:schemeClr val="tx1"/>
-                </a:solidFill>
-              </a:rPr>
-              <a:t>Challenges Faced and How did we overcome?</a:t>
-            </a:r>
-            <a:endParaRPr lang="en-US" dirty="0">
-              <a:solidFill>
-                <a:schemeClr val="tx1"/>
-              </a:solidFill>
-            </a:endParaRPr>
-          </a:p>
-        </p:txBody>
-      </p:sp>
-      <p:sp>
-        <p:nvSpPr>
-          <p:cNvPr id="3" name="Content Placeholder 2"/>
-          <p:cNvSpPr>
-            <a:spLocks noGrp="1"/>
-          </p:cNvSpPr>
-          <p:nvPr>
-            <p:ph sz="quarter" idx="13"/>
-          </p:nvPr>
-        </p:nvSpPr>
-        <p:spPr>
-          <a:xfrm>
-            <a:off x="685801" y="5081449"/>
-            <a:ext cx="10394707" cy="1776551"/>
-          </a:xfrm>
-        </p:spPr>
-        <p:txBody>
-          <a:bodyPr>
-            <a:noAutofit/>
-          </a:bodyPr>
-          <a:lstStyle/>
-          <a:p>
-            <a:r>
-              <a:rPr lang="en" sz="2200" dirty="0" smtClean="0">
-                <a:latin typeface="Times New Roman" panose="02020603050405020304" pitchFamily="18" charset="0"/>
-                <a:cs typeface="Times New Roman" panose="02020603050405020304" pitchFamily="18" charset="0"/>
-              </a:rPr>
-              <a:t>Generation of the Unique QR code for each time</a:t>
-            </a:r>
-          </a:p>
-          <a:p>
-            <a:pPr lvl="1"/>
-            <a:r>
-              <a:rPr lang="en-US" sz="2000" dirty="0" smtClean="0">
-                <a:latin typeface="Times New Roman" panose="02020603050405020304" pitchFamily="18" charset="0"/>
-                <a:cs typeface="Times New Roman" panose="02020603050405020304" pitchFamily="18" charset="0"/>
-              </a:rPr>
-              <a:t>Using the google API for generation of the QR code</a:t>
-            </a:r>
-          </a:p>
-          <a:p>
-            <a:r>
-              <a:rPr lang="en-US" sz="2200" dirty="0" smtClean="0">
-                <a:latin typeface="Times New Roman" panose="02020603050405020304" pitchFamily="18" charset="0"/>
-                <a:cs typeface="Times New Roman" panose="02020603050405020304" pitchFamily="18" charset="0"/>
-              </a:rPr>
-              <a:t>Scanning the QR</a:t>
-            </a:r>
-          </a:p>
-          <a:p>
-            <a:pPr lvl="1"/>
-            <a:r>
-              <a:rPr lang="en-US" sz="2000" dirty="0" smtClean="0">
-                <a:latin typeface="Times New Roman" panose="02020603050405020304" pitchFamily="18" charset="0"/>
-                <a:cs typeface="Times New Roman" panose="02020603050405020304" pitchFamily="18" charset="0"/>
-              </a:rPr>
-              <a:t>Using the google API</a:t>
-            </a:r>
-          </a:p>
-          <a:p>
-            <a:r>
-              <a:rPr lang="en-US" sz="2200" dirty="0" smtClean="0">
-                <a:latin typeface="Times New Roman" panose="02020603050405020304" pitchFamily="18" charset="0"/>
-                <a:cs typeface="Times New Roman" panose="02020603050405020304" pitchFamily="18" charset="0"/>
-              </a:rPr>
-              <a:t>Managing a team of seven members</a:t>
-            </a:r>
-          </a:p>
-          <a:p>
-            <a:pPr lvl="1"/>
-            <a:r>
-              <a:rPr lang="en-US" sz="2000" dirty="0" smtClean="0">
-                <a:latin typeface="Times New Roman" panose="02020603050405020304" pitchFamily="18" charset="0"/>
-                <a:cs typeface="Times New Roman" panose="02020603050405020304" pitchFamily="18" charset="0"/>
-              </a:rPr>
-              <a:t>Following the iteration plan and pushing the working code end of every week</a:t>
-            </a:r>
-          </a:p>
-          <a:p>
-            <a:pPr lvl="1"/>
-            <a:r>
-              <a:rPr lang="en-US" sz="2000" dirty="0" smtClean="0">
-                <a:latin typeface="Times New Roman" panose="02020603050405020304" pitchFamily="18" charset="0"/>
-                <a:cs typeface="Times New Roman" panose="02020603050405020304" pitchFamily="18" charset="0"/>
-              </a:rPr>
-              <a:t>Honesty among team members in expressing the difficulties and issues.</a:t>
-            </a:r>
-          </a:p>
-          <a:p>
-            <a:endParaRPr lang="en-US" sz="2200" dirty="0" smtClean="0">
-              <a:latin typeface="Times New Roman" panose="02020603050405020304" pitchFamily="18" charset="0"/>
-              <a:cs typeface="Times New Roman" panose="02020603050405020304" pitchFamily="18" charset="0"/>
-            </a:endParaRPr>
-          </a:p>
-          <a:p>
-            <a:endParaRPr lang="en-US" sz="2200" dirty="0" smtClean="0">
-              <a:latin typeface="Times New Roman" panose="02020603050405020304" pitchFamily="18" charset="0"/>
-              <a:cs typeface="Times New Roman" panose="02020603050405020304" pitchFamily="18" charset="0"/>
-            </a:endParaRPr>
-          </a:p>
-          <a:p>
-            <a:endParaRPr lang="en-US" sz="2200" dirty="0" smtClean="0">
-              <a:latin typeface="Times New Roman" panose="02020603050405020304" pitchFamily="18" charset="0"/>
-              <a:cs typeface="Times New Roman" panose="02020603050405020304" pitchFamily="18" charset="0"/>
-            </a:endParaRPr>
-          </a:p>
-          <a:p>
-            <a:endParaRPr lang="en-US" sz="2200" dirty="0" smtClean="0">
-              <a:latin typeface="Times New Roman" panose="02020603050405020304" pitchFamily="18" charset="0"/>
-              <a:cs typeface="Times New Roman" panose="02020603050405020304" pitchFamily="18" charset="0"/>
-            </a:endParaRPr>
-          </a:p>
-          <a:p>
-            <a:endParaRPr lang="en-US" sz="2200" dirty="0" smtClean="0">
-              <a:latin typeface="Times New Roman" panose="02020603050405020304" pitchFamily="18" charset="0"/>
-              <a:cs typeface="Times New Roman" panose="02020603050405020304" pitchFamily="18" charset="0"/>
-            </a:endParaRPr>
-          </a:p>
-          <a:p>
-            <a:endParaRPr lang="en-US" sz="2200" dirty="0" smtClean="0">
-              <a:latin typeface="Times New Roman" panose="02020603050405020304" pitchFamily="18" charset="0"/>
-              <a:cs typeface="Times New Roman" panose="02020603050405020304" pitchFamily="18" charset="0"/>
-            </a:endParaRPr>
-          </a:p>
-          <a:p>
-            <a:endParaRPr lang="en-US" sz="2200" dirty="0" smtClean="0">
-              <a:latin typeface="Times New Roman" panose="02020603050405020304" pitchFamily="18" charset="0"/>
-              <a:cs typeface="Times New Roman" panose="02020603050405020304" pitchFamily="18" charset="0"/>
-            </a:endParaRPr>
-          </a:p>
-          <a:p>
-            <a:endParaRPr lang="en-US" sz="2200" dirty="0">
-              <a:latin typeface="Times New Roman" panose="02020603050405020304" pitchFamily="18" charset="0"/>
-              <a:cs typeface="Times New Roman" panose="02020603050405020304" pitchFamily="18" charset="0"/>
-            </a:endParaRPr>
-          </a:p>
-        </p:txBody>
-      </p:sp>
-      <p:pic>
-        <p:nvPicPr>
-          <p:cNvPr id="1028" name="Picture 4" descr="Image result for how"/>
-          <p:cNvPicPr>
-            <a:picLocks noChangeAspect="1" noChangeArrowheads="1"/>
-          </p:cNvPicPr>
-          <p:nvPr/>
-        </p:nvPicPr>
-        <p:blipFill>
-          <a:blip r:embed="rId2" cstate="print">
-            <a:extLst>
-              <a:ext uri="{28A0092B-C50C-407E-A947-70E740481C1C}">
-                <a14:useLocalDpi xmlns:a14="http://schemas.microsoft.com/office/drawing/2010/main" val="0"/>
-              </a:ext>
-            </a:extLst>
-          </a:blip>
-          <a:srcRect/>
-          <a:stretch>
-            <a:fillRect/>
-          </a:stretch>
-        </p:blipFill>
-        <p:spPr bwMode="auto">
-          <a:xfrm>
-            <a:off x="9888968" y="685799"/>
-            <a:ext cx="1282979" cy="1282979"/>
-          </a:xfrm>
-          <a:prstGeom prst="rect">
-            <a:avLst/>
-          </a:prstGeom>
-          <a:noFill/>
-          <a:extLst>
-            <a:ext uri="{909E8E84-426E-40DD-AFC4-6F175D3DCCD1}">
-              <a14:hiddenFill xmlns:a14="http://schemas.microsoft.com/office/drawing/2010/main">
-                <a:solidFill>
-                  <a:srgbClr val="FFFFFF"/>
-                </a:solidFill>
-              </a14:hiddenFill>
-            </a:ext>
-          </a:extLst>
-        </p:spPr>
-      </p:pic>
-    </p:spTree>
-    <p:extLst>
-      <p:ext uri="{BB962C8B-B14F-4D97-AF65-F5344CB8AC3E}">
-        <p14:creationId xmlns:p14="http://schemas.microsoft.com/office/powerpoint/2010/main" val="236189111"/>
-      </p:ext>
-    </p:extLst>
-  </p:cSld>
-  <p:clrMapOvr>
-    <a:masterClrMapping/>
-  </p:clrMapOvr>
   <p:timing>
     <p:tnLst>
       <p:par>

--- a/final ppt.pptx
+++ b/final ppt.pptx
@@ -11,16 +11,17 @@
     <p:sldId id="273" r:id="rId5"/>
     <p:sldId id="261" r:id="rId6"/>
     <p:sldId id="269" r:id="rId7"/>
-    <p:sldId id="276" r:id="rId8"/>
-    <p:sldId id="265" r:id="rId9"/>
+    <p:sldId id="265" r:id="rId8"/>
+    <p:sldId id="276" r:id="rId9"/>
     <p:sldId id="262" r:id="rId10"/>
     <p:sldId id="263" r:id="rId11"/>
     <p:sldId id="264" r:id="rId12"/>
     <p:sldId id="266" r:id="rId13"/>
     <p:sldId id="270" r:id="rId14"/>
-    <p:sldId id="272" r:id="rId15"/>
-    <p:sldId id="274" r:id="rId16"/>
-    <p:sldId id="271" r:id="rId17"/>
+    <p:sldId id="277" r:id="rId15"/>
+    <p:sldId id="272" r:id="rId16"/>
+    <p:sldId id="274" r:id="rId17"/>
+    <p:sldId id="271" r:id="rId18"/>
   </p:sldIdLst>
   <p:sldSz cx="12192000" cy="6858000"/>
   <p:notesSz cx="6858000" cy="9144000"/>
@@ -15841,7 +15842,12 @@
             <p:ph type="title"/>
           </p:nvPr>
         </p:nvSpPr>
-        <p:spPr/>
+        <p:spPr>
+          <a:xfrm>
+            <a:off x="685801" y="463731"/>
+            <a:ext cx="10396882" cy="1151965"/>
+          </a:xfrm>
+        </p:spPr>
         <p:txBody>
           <a:bodyPr>
             <a:normAutofit fontScale="90000"/>
@@ -15876,7 +15882,7 @@
         </p:nvSpPr>
         <p:spPr>
           <a:xfrm>
-            <a:off x="685801" y="5081449"/>
+            <a:off x="685801" y="4950820"/>
             <a:ext cx="10394707" cy="1776551"/>
           </a:xfrm>
         </p:spPr>
@@ -16121,7 +16127,7 @@
             <p:ph idx="1"/>
             <p:extLst>
               <p:ext uri="{D42A27DB-BD31-4B8C-83A1-F6EECF244321}">
-                <p14:modId xmlns:p14="http://schemas.microsoft.com/office/powerpoint/2010/main" val="362003368"/>
+                <p14:modId xmlns:p14="http://schemas.microsoft.com/office/powerpoint/2010/main" val="1128456966"/>
               </p:ext>
             </p:extLst>
           </p:nvPr>
@@ -16295,7 +16301,12 @@
             <p:ph type="title"/>
           </p:nvPr>
         </p:nvSpPr>
-        <p:spPr/>
+        <p:spPr>
+          <a:xfrm>
+            <a:off x="672738" y="267789"/>
+            <a:ext cx="10396882" cy="1151965"/>
+          </a:xfrm>
+        </p:spPr>
         <p:txBody>
           <a:bodyPr/>
           <a:lstStyle/>
@@ -16326,8 +16337,8 @@
         </p:nvSpPr>
         <p:spPr>
           <a:xfrm>
-            <a:off x="914400" y="1837765"/>
-            <a:ext cx="9628632" cy="3986213"/>
+            <a:off x="901337" y="1419754"/>
+            <a:ext cx="9628632" cy="3021617"/>
           </a:xfrm>
           <a:prstGeom prst="rect">
             <a:avLst/>
@@ -16597,13 +16608,13 @@
           <p:nvPr>
             <p:extLst>
               <p:ext uri="{D42A27DB-BD31-4B8C-83A1-F6EECF244321}">
-                <p14:modId xmlns:p14="http://schemas.microsoft.com/office/powerpoint/2010/main" val="2573619427"/>
+                <p14:modId xmlns:p14="http://schemas.microsoft.com/office/powerpoint/2010/main" val="3611283254"/>
               </p:ext>
             </p:extLst>
           </p:nvPr>
         </p:nvGraphicFramePr>
         <p:xfrm>
-          <a:off x="2032000" y="5081450"/>
+          <a:off x="1807179" y="4441371"/>
           <a:ext cx="8128000" cy="1293223"/>
         </p:xfrm>
         <a:graphic>
@@ -16658,25 +16669,18 @@
           <a:lstStyle/>
           <a:p>
             <a:r>
-              <a:rPr lang="en-US" dirty="0">
+              <a:rPr lang="en-US" dirty="0" smtClean="0">
                 <a:solidFill>
                   <a:schemeClr val="tx1"/>
                 </a:solidFill>
               </a:rPr>
-              <a:t>Bugs</a:t>
-            </a:r>
-            <a:r>
-              <a:rPr lang="en-US" dirty="0" smtClean="0"/>
-              <a:t> </a:t>
-            </a:r>
-            <a:r>
-              <a:rPr lang="en-US" dirty="0">
-                <a:solidFill>
-                  <a:schemeClr val="tx1"/>
-                </a:solidFill>
-              </a:rPr>
-              <a:t>Identified</a:t>
-            </a:r>
+              <a:t>Testing techniques</a:t>
+            </a:r>
+            <a:endParaRPr lang="en-US" dirty="0">
+              <a:solidFill>
+                <a:schemeClr val="tx1"/>
+              </a:solidFill>
+            </a:endParaRPr>
           </a:p>
         </p:txBody>
       </p:sp>
@@ -16698,102 +16702,77 @@
           <a:lstStyle/>
           <a:p>
             <a:r>
-              <a:rPr lang="en-US" sz="2400" dirty="0" smtClean="0">
+              <a:rPr lang="en-US" sz="2200" dirty="0" smtClean="0">
                 <a:latin typeface="Times New Roman" panose="02020603050405020304" pitchFamily="18" charset="0"/>
                 <a:cs typeface="Times New Roman" panose="02020603050405020304" pitchFamily="18" charset="0"/>
               </a:rPr>
-              <a:t>Database changes can be made by the developer </a:t>
-            </a:r>
-            <a:r>
-              <a:rPr lang="en-US" sz="2400" dirty="0" smtClean="0">
+              <a:t>Manual testing</a:t>
+            </a:r>
+          </a:p>
+          <a:p>
+            <a:pPr lvl="1"/>
+            <a:r>
+              <a:rPr lang="en-US" sz="2200" dirty="0" smtClean="0">
                 <a:latin typeface="Times New Roman" panose="02020603050405020304" pitchFamily="18" charset="0"/>
                 <a:cs typeface="Times New Roman" panose="02020603050405020304" pitchFamily="18" charset="0"/>
               </a:rPr>
-              <a:t>only</a:t>
-            </a:r>
-            <a:endParaRPr lang="en-US" sz="2400" dirty="0" smtClean="0">
+              <a:t>Testing the functionalities of the application</a:t>
+            </a:r>
+          </a:p>
+          <a:p>
+            <a:r>
+              <a:rPr lang="en-US" sz="2200" dirty="0" smtClean="0">
+                <a:latin typeface="Times New Roman" panose="02020603050405020304" pitchFamily="18" charset="0"/>
+                <a:cs typeface="Times New Roman" panose="02020603050405020304" pitchFamily="18" charset="0"/>
+              </a:rPr>
+              <a:t>Unit testing </a:t>
+            </a:r>
+          </a:p>
+          <a:p>
+            <a:pPr lvl="1"/>
+            <a:r>
+              <a:rPr lang="en-US" sz="2200" dirty="0" smtClean="0">
+                <a:latin typeface="Times New Roman" panose="02020603050405020304" pitchFamily="18" charset="0"/>
+                <a:cs typeface="Times New Roman" panose="02020603050405020304" pitchFamily="18" charset="0"/>
+              </a:rPr>
+              <a:t>Testing each and every method of the application</a:t>
+            </a:r>
+          </a:p>
+          <a:p>
+            <a:r>
+              <a:rPr lang="en-US" sz="2200" dirty="0" smtClean="0">
+                <a:latin typeface="Times New Roman" panose="02020603050405020304" pitchFamily="18" charset="0"/>
+                <a:cs typeface="Times New Roman" panose="02020603050405020304" pitchFamily="18" charset="0"/>
+              </a:rPr>
+              <a:t>W3c tool</a:t>
+            </a:r>
+          </a:p>
+          <a:p>
+            <a:pPr lvl="1"/>
+            <a:r>
+              <a:rPr lang="en-US" sz="2200" dirty="0">
+                <a:latin typeface="Times New Roman" panose="02020603050405020304" pitchFamily="18" charset="0"/>
+                <a:cs typeface="Times New Roman" panose="02020603050405020304" pitchFamily="18" charset="0"/>
+              </a:rPr>
+              <a:t>for validating the input fields</a:t>
+            </a:r>
+            <a:endParaRPr lang="en-US" sz="2200" dirty="0" smtClean="0">
               <a:latin typeface="Times New Roman" panose="02020603050405020304" pitchFamily="18" charset="0"/>
               <a:cs typeface="Times New Roman" panose="02020603050405020304" pitchFamily="18" charset="0"/>
             </a:endParaRPr>
           </a:p>
           <a:p>
-            <a:r>
-              <a:rPr lang="en-US" sz="2400" dirty="0" smtClean="0">
-                <a:latin typeface="Times New Roman" panose="02020603050405020304" pitchFamily="18" charset="0"/>
-                <a:cs typeface="Times New Roman" panose="02020603050405020304" pitchFamily="18" charset="0"/>
-              </a:rPr>
-              <a:t>Constant qr. QR code doesn’t change when we go through history page yet </a:t>
-            </a:r>
-            <a:r>
-              <a:rPr lang="en-US" sz="2400" dirty="0" smtClean="0">
-                <a:latin typeface="Times New Roman" panose="02020603050405020304" pitchFamily="18" charset="0"/>
-                <a:cs typeface="Times New Roman" panose="02020603050405020304" pitchFamily="18" charset="0"/>
-              </a:rPr>
-              <a:t>again</a:t>
-            </a:r>
-            <a:endParaRPr lang="en-US" sz="2400" dirty="0" smtClean="0">
+            <a:endParaRPr lang="en-US" sz="2200" dirty="0">
               <a:latin typeface="Times New Roman" panose="02020603050405020304" pitchFamily="18" charset="0"/>
               <a:cs typeface="Times New Roman" panose="02020603050405020304" pitchFamily="18" charset="0"/>
             </a:endParaRPr>
-          </a:p>
-          <a:p>
-            <a:r>
-              <a:rPr lang="en-US" sz="2400" dirty="0" smtClean="0">
-                <a:latin typeface="Times New Roman" panose="02020603050405020304" pitchFamily="18" charset="0"/>
-                <a:cs typeface="Times New Roman" panose="02020603050405020304" pitchFamily="18" charset="0"/>
-              </a:rPr>
-              <a:t>Validations in place to avoid erroneous data </a:t>
-            </a:r>
-            <a:r>
-              <a:rPr lang="en-US" sz="2400" dirty="0" smtClean="0">
-                <a:latin typeface="Times New Roman" panose="02020603050405020304" pitchFamily="18" charset="0"/>
-                <a:cs typeface="Times New Roman" panose="02020603050405020304" pitchFamily="18" charset="0"/>
-              </a:rPr>
-              <a:t>input</a:t>
-            </a:r>
-          </a:p>
-          <a:p>
-            <a:r>
-              <a:rPr lang="en-US" sz="2400" dirty="0" smtClean="0">
-                <a:latin typeface="Times New Roman" panose="02020603050405020304" pitchFamily="18" charset="0"/>
-                <a:cs typeface="Times New Roman" panose="02020603050405020304" pitchFamily="18" charset="0"/>
-              </a:rPr>
-              <a:t>Persistent Login for the </a:t>
-            </a:r>
-            <a:r>
-              <a:rPr lang="en-US" sz="2400" dirty="0" err="1" smtClean="0">
-                <a:latin typeface="Times New Roman" panose="02020603050405020304" pitchFamily="18" charset="0"/>
-                <a:cs typeface="Times New Roman" panose="02020603050405020304" pitchFamily="18" charset="0"/>
-              </a:rPr>
-              <a:t>Ios</a:t>
-            </a:r>
-            <a:r>
-              <a:rPr lang="en-US" sz="2400" dirty="0" smtClean="0">
-                <a:latin typeface="Times New Roman" panose="02020603050405020304" pitchFamily="18" charset="0"/>
-                <a:cs typeface="Times New Roman" panose="02020603050405020304" pitchFamily="18" charset="0"/>
-              </a:rPr>
-              <a:t> application</a:t>
-            </a:r>
-            <a:endParaRPr lang="en-US" sz="2400" dirty="0" smtClean="0">
-              <a:latin typeface="Times New Roman" panose="02020603050405020304" pitchFamily="18" charset="0"/>
-              <a:cs typeface="Times New Roman" panose="02020603050405020304" pitchFamily="18" charset="0"/>
-            </a:endParaRPr>
-          </a:p>
-          <a:p>
-            <a:pPr marL="0" indent="0">
-              <a:buNone/>
-            </a:pPr>
-            <a:endParaRPr lang="en-US" sz="2400" dirty="0" smtClean="0"/>
-          </a:p>
-          <a:p>
-            <a:endParaRPr lang="en-US" sz="2400" dirty="0"/>
           </a:p>
         </p:txBody>
       </p:sp>
     </p:spTree>
     <p:extLst>
       <p:ext uri="{BB962C8B-B14F-4D97-AF65-F5344CB8AC3E}">
-        <p14:creationId xmlns:p14="http://schemas.microsoft.com/office/powerpoint/2010/main" val="2481008713"/>
+        <p14:creationId xmlns:p14="http://schemas.microsoft.com/office/powerpoint/2010/main" val="2279760112"/>
       </p:ext>
     </p:extLst>
   </p:cSld>
@@ -16836,10 +16815,163 @@
           <a:lstStyle/>
           <a:p>
             <a:r>
+              <a:rPr lang="en-US" dirty="0">
+                <a:solidFill>
+                  <a:schemeClr val="tx1"/>
+                </a:solidFill>
+              </a:rPr>
+              <a:t>Bugs</a:t>
+            </a:r>
+            <a:r>
               <a:rPr lang="en-US" dirty="0" smtClean="0"/>
+              <a:t> </a:t>
+            </a:r>
+            <a:r>
+              <a:rPr lang="en-US" dirty="0">
+                <a:solidFill>
+                  <a:schemeClr val="tx1"/>
+                </a:solidFill>
+              </a:rPr>
+              <a:t>Identified</a:t>
+            </a:r>
+          </a:p>
+        </p:txBody>
+      </p:sp>
+      <p:sp>
+        <p:nvSpPr>
+          <p:cNvPr id="3" name="Content Placeholder 2"/>
+          <p:cNvSpPr>
+            <a:spLocks noGrp="1"/>
+          </p:cNvSpPr>
+          <p:nvPr>
+            <p:ph sz="quarter" idx="13"/>
+          </p:nvPr>
+        </p:nvSpPr>
+        <p:spPr/>
+        <p:txBody>
+          <a:bodyPr>
+            <a:normAutofit/>
+          </a:bodyPr>
+          <a:lstStyle/>
+          <a:p>
+            <a:r>
+              <a:rPr lang="en-US" sz="2400" dirty="0" smtClean="0">
+                <a:latin typeface="Times New Roman" panose="02020603050405020304" pitchFamily="18" charset="0"/>
+                <a:cs typeface="Times New Roman" panose="02020603050405020304" pitchFamily="18" charset="0"/>
+              </a:rPr>
+              <a:t>Database changes can be made by the developer only</a:t>
+            </a:r>
+          </a:p>
+          <a:p>
+            <a:r>
+              <a:rPr lang="en-US" sz="2400" dirty="0" smtClean="0">
+                <a:latin typeface="Times New Roman" panose="02020603050405020304" pitchFamily="18" charset="0"/>
+                <a:cs typeface="Times New Roman" panose="02020603050405020304" pitchFamily="18" charset="0"/>
+              </a:rPr>
+              <a:t>Constant qr. QR code doesn’t change when we go through history page yet again</a:t>
+            </a:r>
+          </a:p>
+          <a:p>
+            <a:r>
+              <a:rPr lang="en-US" sz="2400" dirty="0" smtClean="0">
+                <a:latin typeface="Times New Roman" panose="02020603050405020304" pitchFamily="18" charset="0"/>
+                <a:cs typeface="Times New Roman" panose="02020603050405020304" pitchFamily="18" charset="0"/>
+              </a:rPr>
+              <a:t>Validations in place to avoid erroneous data input</a:t>
+            </a:r>
+          </a:p>
+          <a:p>
+            <a:r>
+              <a:rPr lang="en-US" sz="2400" dirty="0" smtClean="0">
+                <a:latin typeface="Times New Roman" panose="02020603050405020304" pitchFamily="18" charset="0"/>
+                <a:cs typeface="Times New Roman" panose="02020603050405020304" pitchFamily="18" charset="0"/>
+              </a:rPr>
+              <a:t>Persistent Login for the </a:t>
+            </a:r>
+            <a:r>
+              <a:rPr lang="en-US" sz="2400" dirty="0" err="1" smtClean="0">
+                <a:latin typeface="Times New Roman" panose="02020603050405020304" pitchFamily="18" charset="0"/>
+                <a:cs typeface="Times New Roman" panose="02020603050405020304" pitchFamily="18" charset="0"/>
+              </a:rPr>
+              <a:t>Ios</a:t>
+            </a:r>
+            <a:r>
+              <a:rPr lang="en-US" sz="2400" dirty="0" smtClean="0">
+                <a:latin typeface="Times New Roman" panose="02020603050405020304" pitchFamily="18" charset="0"/>
+                <a:cs typeface="Times New Roman" panose="02020603050405020304" pitchFamily="18" charset="0"/>
+              </a:rPr>
+              <a:t> application</a:t>
+            </a:r>
+          </a:p>
+          <a:p>
+            <a:pPr marL="0" indent="0">
+              <a:buNone/>
+            </a:pPr>
+            <a:endParaRPr lang="en-US" sz="2400" dirty="0" smtClean="0"/>
+          </a:p>
+          <a:p>
+            <a:endParaRPr lang="en-US" sz="2400" dirty="0"/>
+          </a:p>
+        </p:txBody>
+      </p:sp>
+    </p:spTree>
+    <p:extLst>
+      <p:ext uri="{BB962C8B-B14F-4D97-AF65-F5344CB8AC3E}">
+        <p14:creationId xmlns:p14="http://schemas.microsoft.com/office/powerpoint/2010/main" val="2481008713"/>
+      </p:ext>
+    </p:extLst>
+  </p:cSld>
+  <p:clrMapOvr>
+    <a:masterClrMapping/>
+  </p:clrMapOvr>
+</p:sld>
+</file>
+
+<file path=ppt/slides/slide16.xml><?xml version="1.0" encoding="utf-8"?>
+<p:sld xmlns:a="http://schemas.openxmlformats.org/drawingml/2006/main" xmlns:r="http://schemas.openxmlformats.org/officeDocument/2006/relationships" xmlns:p="http://schemas.openxmlformats.org/presentationml/2006/main">
+  <p:cSld>
+    <p:spTree>
+      <p:nvGrpSpPr>
+        <p:cNvPr id="1" name=""/>
+        <p:cNvGrpSpPr/>
+        <p:nvPr/>
+      </p:nvGrpSpPr>
+      <p:grpSpPr>
+        <a:xfrm>
+          <a:off x="0" y="0"/>
+          <a:ext cx="0" cy="0"/>
+          <a:chOff x="0" y="0"/>
+          <a:chExt cx="0" cy="0"/>
+        </a:xfrm>
+      </p:grpSpPr>
+      <p:sp>
+        <p:nvSpPr>
+          <p:cNvPr id="2" name="Title 1"/>
+          <p:cNvSpPr>
+            <a:spLocks noGrp="1"/>
+          </p:cNvSpPr>
+          <p:nvPr>
+            <p:ph type="title"/>
+          </p:nvPr>
+        </p:nvSpPr>
+        <p:spPr/>
+        <p:txBody>
+          <a:bodyPr/>
+          <a:lstStyle/>
+          <a:p>
+            <a:r>
+              <a:rPr lang="en-US" dirty="0" smtClean="0">
+                <a:solidFill>
+                  <a:schemeClr val="tx1"/>
+                </a:solidFill>
+              </a:rPr>
               <a:t>Limitations</a:t>
             </a:r>
-            <a:endParaRPr lang="en-US" dirty="0"/>
+            <a:endParaRPr lang="en-US" dirty="0">
+              <a:solidFill>
+                <a:schemeClr val="tx1"/>
+              </a:solidFill>
+            </a:endParaRPr>
           </a:p>
         </p:txBody>
       </p:sp>
@@ -16924,7 +17056,7 @@
 </p:sld>
 </file>
 
-<file path=ppt/slides/slide16.xml><?xml version="1.0" encoding="utf-8"?>
+<file path=ppt/slides/slide17.xml><?xml version="1.0" encoding="utf-8"?>
 <p:sld xmlns:a="http://schemas.openxmlformats.org/drawingml/2006/main" xmlns:r="http://schemas.openxmlformats.org/officeDocument/2006/relationships" xmlns:p="http://schemas.openxmlformats.org/presentationml/2006/main">
   <p:cSld>
     <p:spTree>
@@ -17121,14 +17253,7 @@
                 <a:latin typeface="Arial" panose="020B0604020202020204" pitchFamily="34" charset="0"/>
                 <a:cs typeface="Arial" panose="020B0604020202020204" pitchFamily="34" charset="0"/>
               </a:rPr>
-              <a:t>Problem </a:t>
-            </a:r>
-            <a:r>
-              <a:rPr lang="en-US" dirty="0" smtClean="0">
-                <a:latin typeface="Arial" panose="020B0604020202020204" pitchFamily="34" charset="0"/>
-                <a:cs typeface="Arial" panose="020B0604020202020204" pitchFamily="34" charset="0"/>
-              </a:rPr>
-              <a:t>Statement</a:t>
+              <a:t>Problem Statement</a:t>
             </a:r>
           </a:p>
           <a:p>
@@ -17139,10 +17264,6 @@
               </a:rPr>
               <a:t>Existing systems</a:t>
             </a:r>
-            <a:endParaRPr lang="en-US" dirty="0" smtClean="0">
-              <a:latin typeface="Arial" panose="020B0604020202020204" pitchFamily="34" charset="0"/>
-              <a:cs typeface="Arial" panose="020B0604020202020204" pitchFamily="34" charset="0"/>
-            </a:endParaRPr>
           </a:p>
           <a:p>
             <a:r>
@@ -18458,7 +18579,7 @@
         </p:spPr>
         <p:txBody>
           <a:bodyPr>
-            <a:normAutofit/>
+            <a:normAutofit lnSpcReduction="10000"/>
           </a:bodyPr>
           <a:lstStyle>
             <a:lvl1pPr marL="228600" indent="-228600" algn="l" defTabSz="914400" rtl="0" eaLnBrk="1" latinLnBrk="0" hangingPunct="1">
@@ -18706,8 +18827,35 @@
                 <a:latin typeface="Times New Roman" panose="02020603050405020304" pitchFamily="18" charset="0"/>
                 <a:cs typeface="Times New Roman" panose="02020603050405020304" pitchFamily="18" charset="0"/>
               </a:rPr>
-              <a:t>Scan QR</a:t>
-            </a:r>
+              <a:t>Scan </a:t>
+            </a:r>
+            <a:r>
+              <a:rPr lang="en-US" sz="2200" dirty="0" smtClean="0">
+                <a:latin typeface="Times New Roman" panose="02020603050405020304" pitchFamily="18" charset="0"/>
+                <a:cs typeface="Times New Roman" panose="02020603050405020304" pitchFamily="18" charset="0"/>
+              </a:rPr>
+              <a:t>QR</a:t>
+            </a:r>
+          </a:p>
+          <a:p>
+            <a:r>
+              <a:rPr lang="en-US" dirty="0">
+                <a:latin typeface="Times New Roman" panose="02020603050405020304" pitchFamily="18" charset="0"/>
+                <a:cs typeface="Times New Roman" panose="02020603050405020304" pitchFamily="18" charset="0"/>
+              </a:rPr>
+              <a:t>View courses </a:t>
+            </a:r>
+            <a:r>
+              <a:rPr lang="en-US" dirty="0" smtClean="0">
+                <a:latin typeface="Times New Roman" panose="02020603050405020304" pitchFamily="18" charset="0"/>
+                <a:cs typeface="Times New Roman" panose="02020603050405020304" pitchFamily="18" charset="0"/>
+              </a:rPr>
+              <a:t>registered</a:t>
+            </a:r>
+            <a:endParaRPr lang="en-US" sz="2200" dirty="0" smtClean="0">
+              <a:latin typeface="Times New Roman" panose="02020603050405020304" pitchFamily="18" charset="0"/>
+              <a:cs typeface="Times New Roman" panose="02020603050405020304" pitchFamily="18" charset="0"/>
+            </a:endParaRPr>
           </a:p>
           <a:p>
             <a:r>
@@ -19076,254 +19224,12 @@
             <p:ph type="title"/>
           </p:nvPr>
         </p:nvSpPr>
-        <p:spPr/>
-        <p:txBody>
-          <a:bodyPr/>
-          <a:lstStyle/>
-          <a:p>
-            <a:r>
-              <a:rPr lang="en-US" dirty="0" smtClean="0">
-                <a:solidFill>
-                  <a:schemeClr val="tx1"/>
-                </a:solidFill>
-              </a:rPr>
-              <a:t>Technologies used</a:t>
-            </a:r>
-            <a:endParaRPr lang="en-US" dirty="0">
-              <a:solidFill>
-                <a:schemeClr val="tx1"/>
-              </a:solidFill>
-            </a:endParaRPr>
-          </a:p>
-        </p:txBody>
-      </p:sp>
-      <p:sp>
-        <p:nvSpPr>
-          <p:cNvPr id="4" name="Content Placeholder 3"/>
-          <p:cNvSpPr>
-            <a:spLocks noGrp="1"/>
-          </p:cNvSpPr>
-          <p:nvPr>
-            <p:ph sz="quarter" idx="13"/>
-          </p:nvPr>
-        </p:nvSpPr>
         <p:spPr>
           <a:xfrm>
-            <a:off x="685801" y="1844907"/>
-            <a:ext cx="5088712" cy="2512852"/>
+            <a:off x="224793" y="58193"/>
+            <a:ext cx="10396882" cy="1151965"/>
           </a:xfrm>
         </p:spPr>
-        <p:txBody>
-          <a:bodyPr>
-            <a:noAutofit/>
-          </a:bodyPr>
-          <a:lstStyle/>
-          <a:p>
-            <a:r>
-              <a:rPr lang="en-US" sz="2400" dirty="0">
-                <a:latin typeface="Times New Roman" panose="02020603050405020304" pitchFamily="18" charset="0"/>
-                <a:cs typeface="Times New Roman" panose="02020603050405020304" pitchFamily="18" charset="0"/>
-              </a:rPr>
-              <a:t>Languages</a:t>
-            </a:r>
-          </a:p>
-          <a:p>
-            <a:pPr lvl="1"/>
-            <a:r>
-              <a:rPr lang="en-US" sz="2400" dirty="0">
-                <a:latin typeface="Times New Roman" panose="02020603050405020304" pitchFamily="18" charset="0"/>
-                <a:cs typeface="Times New Roman" panose="02020603050405020304" pitchFamily="18" charset="0"/>
-              </a:rPr>
-              <a:t>Java Script</a:t>
-            </a:r>
-          </a:p>
-          <a:p>
-            <a:pPr lvl="1"/>
-            <a:r>
-              <a:rPr lang="en-US" sz="2400" dirty="0">
-                <a:latin typeface="Times New Roman" panose="02020603050405020304" pitchFamily="18" charset="0"/>
-                <a:cs typeface="Times New Roman" panose="02020603050405020304" pitchFamily="18" charset="0"/>
-              </a:rPr>
-              <a:t>Swift 3.0</a:t>
-            </a:r>
-          </a:p>
-          <a:p>
-            <a:pPr lvl="1"/>
-            <a:r>
-              <a:rPr lang="en-US" sz="2400" dirty="0">
-                <a:latin typeface="Times New Roman" panose="02020603050405020304" pitchFamily="18" charset="0"/>
-                <a:cs typeface="Times New Roman" panose="02020603050405020304" pitchFamily="18" charset="0"/>
-              </a:rPr>
-              <a:t>Html, </a:t>
-            </a:r>
-            <a:r>
-              <a:rPr lang="en-US" sz="2400" dirty="0" err="1">
-                <a:latin typeface="Times New Roman" panose="02020603050405020304" pitchFamily="18" charset="0"/>
-                <a:cs typeface="Times New Roman" panose="02020603050405020304" pitchFamily="18" charset="0"/>
-              </a:rPr>
-              <a:t>css</a:t>
-            </a:r>
-            <a:endParaRPr lang="en-US" sz="2400" dirty="0">
-              <a:latin typeface="Times New Roman" panose="02020603050405020304" pitchFamily="18" charset="0"/>
-              <a:cs typeface="Times New Roman" panose="02020603050405020304" pitchFamily="18" charset="0"/>
-            </a:endParaRPr>
-          </a:p>
-          <a:p>
-            <a:r>
-              <a:rPr lang="en-US" sz="2400" dirty="0">
-                <a:latin typeface="Times New Roman" panose="02020603050405020304" pitchFamily="18" charset="0"/>
-                <a:cs typeface="Times New Roman" panose="02020603050405020304" pitchFamily="18" charset="0"/>
-              </a:rPr>
-              <a:t>Frame work</a:t>
-            </a:r>
-          </a:p>
-          <a:p>
-            <a:pPr lvl="1"/>
-            <a:r>
-              <a:rPr lang="en-US" sz="2400" dirty="0">
-                <a:latin typeface="Times New Roman" panose="02020603050405020304" pitchFamily="18" charset="0"/>
-                <a:cs typeface="Times New Roman" panose="02020603050405020304" pitchFamily="18" charset="0"/>
-              </a:rPr>
-              <a:t>express</a:t>
-            </a:r>
-          </a:p>
-          <a:p>
-            <a:endParaRPr lang="en-US" sz="2400" dirty="0"/>
-          </a:p>
-        </p:txBody>
-      </p:sp>
-      <p:sp>
-        <p:nvSpPr>
-          <p:cNvPr id="6" name="Content Placeholder 5"/>
-          <p:cNvSpPr>
-            <a:spLocks noGrp="1"/>
-          </p:cNvSpPr>
-          <p:nvPr>
-            <p:ph sz="quarter" idx="14"/>
-          </p:nvPr>
-        </p:nvSpPr>
-        <p:spPr>
-          <a:xfrm>
-            <a:off x="5991795" y="1843940"/>
-            <a:ext cx="5088713" cy="2512852"/>
-          </a:xfrm>
-        </p:spPr>
-        <p:txBody>
-          <a:bodyPr>
-            <a:noAutofit/>
-          </a:bodyPr>
-          <a:lstStyle/>
-          <a:p>
-            <a:r>
-              <a:rPr lang="en-US" sz="2400" dirty="0">
-                <a:latin typeface="Times New Roman" panose="02020603050405020304" pitchFamily="18" charset="0"/>
-                <a:cs typeface="Times New Roman" panose="02020603050405020304" pitchFamily="18" charset="0"/>
-              </a:rPr>
-              <a:t>server</a:t>
-            </a:r>
-          </a:p>
-          <a:p>
-            <a:pPr lvl="1"/>
-            <a:r>
-              <a:rPr lang="en-US" sz="2400" dirty="0">
-                <a:latin typeface="Times New Roman" panose="02020603050405020304" pitchFamily="18" charset="0"/>
-                <a:cs typeface="Times New Roman" panose="02020603050405020304" pitchFamily="18" charset="0"/>
-              </a:rPr>
-              <a:t>Node.js</a:t>
-            </a:r>
-          </a:p>
-          <a:p>
-            <a:r>
-              <a:rPr lang="en-US" sz="2400" dirty="0">
-                <a:latin typeface="Times New Roman" panose="02020603050405020304" pitchFamily="18" charset="0"/>
-                <a:cs typeface="Times New Roman" panose="02020603050405020304" pitchFamily="18" charset="0"/>
-              </a:rPr>
-              <a:t>Database </a:t>
-            </a:r>
-          </a:p>
-          <a:p>
-            <a:pPr lvl="1"/>
-            <a:r>
-              <a:rPr lang="en-US" sz="2400" dirty="0">
-                <a:latin typeface="Times New Roman" panose="02020603050405020304" pitchFamily="18" charset="0"/>
-                <a:cs typeface="Times New Roman" panose="02020603050405020304" pitchFamily="18" charset="0"/>
-              </a:rPr>
-              <a:t>Parse </a:t>
-            </a:r>
-            <a:r>
-              <a:rPr lang="en-US" sz="2400" dirty="0" smtClean="0">
-                <a:latin typeface="Times New Roman" panose="02020603050405020304" pitchFamily="18" charset="0"/>
-                <a:cs typeface="Times New Roman" panose="02020603050405020304" pitchFamily="18" charset="0"/>
-              </a:rPr>
-              <a:t>SDK</a:t>
-            </a:r>
-          </a:p>
-          <a:p>
-            <a:r>
-              <a:rPr lang="en-US" sz="2400" dirty="0" smtClean="0">
-                <a:latin typeface="Times New Roman" panose="02020603050405020304" pitchFamily="18" charset="0"/>
-                <a:cs typeface="Times New Roman" panose="02020603050405020304" pitchFamily="18" charset="0"/>
-              </a:rPr>
-              <a:t>Repository</a:t>
-            </a:r>
-          </a:p>
-          <a:p>
-            <a:pPr lvl="1"/>
-            <a:r>
-              <a:rPr lang="en-US" sz="2400" dirty="0" err="1" smtClean="0">
-                <a:latin typeface="Times New Roman" panose="02020603050405020304" pitchFamily="18" charset="0"/>
-                <a:cs typeface="Times New Roman" panose="02020603050405020304" pitchFamily="18" charset="0"/>
-              </a:rPr>
-              <a:t>github</a:t>
-            </a:r>
-            <a:endParaRPr lang="en-US" sz="2400" dirty="0">
-              <a:latin typeface="Times New Roman" panose="02020603050405020304" pitchFamily="18" charset="0"/>
-              <a:cs typeface="Times New Roman" panose="02020603050405020304" pitchFamily="18" charset="0"/>
-            </a:endParaRPr>
-          </a:p>
-        </p:txBody>
-      </p:sp>
-    </p:spTree>
-    <p:extLst>
-      <p:ext uri="{BB962C8B-B14F-4D97-AF65-F5344CB8AC3E}">
-        <p14:creationId xmlns:p14="http://schemas.microsoft.com/office/powerpoint/2010/main" val="1819547468"/>
-      </p:ext>
-    </p:extLst>
-  </p:cSld>
-  <p:clrMapOvr>
-    <a:masterClrMapping/>
-  </p:clrMapOvr>
-</p:sld>
-</file>
-
-<file path=ppt/slides/slide8.xml><?xml version="1.0" encoding="utf-8"?>
-<p:sld xmlns:a="http://schemas.openxmlformats.org/drawingml/2006/main" xmlns:r="http://schemas.openxmlformats.org/officeDocument/2006/relationships" xmlns:p="http://schemas.openxmlformats.org/presentationml/2006/main">
-  <p:cSld>
-    <p:spTree>
-      <p:nvGrpSpPr>
-        <p:cNvPr id="1" name=""/>
-        <p:cNvGrpSpPr/>
-        <p:nvPr/>
-      </p:nvGrpSpPr>
-      <p:grpSpPr>
-        <a:xfrm>
-          <a:off x="0" y="0"/>
-          <a:ext cx="0" cy="0"/>
-          <a:chOff x="0" y="0"/>
-          <a:chExt cx="0" cy="0"/>
-        </a:xfrm>
-      </p:grpSpPr>
-      <p:sp>
-        <p:nvSpPr>
-          <p:cNvPr id="2" name="Title 1"/>
-          <p:cNvSpPr>
-            <a:spLocks noGrp="1"/>
-          </p:cNvSpPr>
-          <p:nvPr>
-            <p:ph type="title"/>
-          </p:nvPr>
-        </p:nvSpPr>
-        <p:spPr/>
         <p:txBody>
           <a:bodyPr/>
           <a:lstStyle/>
@@ -19352,7 +19258,7 @@
         </p:nvCxnSpPr>
         <p:spPr>
           <a:xfrm flipH="1">
-            <a:off x="7180203" y="3001772"/>
+            <a:off x="7180203" y="1936361"/>
             <a:ext cx="1730003" cy="2"/>
           </a:xfrm>
           <a:prstGeom prst="line">
@@ -19388,7 +19294,7 @@
         </p:nvCxnSpPr>
         <p:spPr>
           <a:xfrm>
-            <a:off x="3248326" y="3001772"/>
+            <a:off x="3248326" y="1936361"/>
             <a:ext cx="1828780" cy="0"/>
           </a:xfrm>
           <a:prstGeom prst="line">
@@ -19424,7 +19330,7 @@
         </p:nvSpPr>
         <p:spPr>
           <a:xfrm>
-            <a:off x="224793" y="2308822"/>
+            <a:off x="224793" y="1243411"/>
             <a:ext cx="2951384" cy="1188707"/>
           </a:xfrm>
           <a:prstGeom prst="rect">
@@ -19467,7 +19373,7 @@
         </p:nvSpPr>
         <p:spPr>
           <a:xfrm>
-            <a:off x="584410" y="2379955"/>
+            <a:off x="584410" y="1314544"/>
             <a:ext cx="2232150" cy="707886"/>
           </a:xfrm>
           <a:prstGeom prst="rect">
@@ -19522,7 +19428,7 @@
         </p:nvSpPr>
         <p:spPr>
           <a:xfrm>
-            <a:off x="5057865" y="1904504"/>
+            <a:off x="5057865" y="839093"/>
             <a:ext cx="2103097" cy="2194536"/>
           </a:xfrm>
           <a:prstGeom prst="flowChartMagneticDisk">
@@ -19549,7 +19455,7 @@
           <a:p>
             <a:pPr algn="ctr"/>
             <a:r>
-              <a:rPr lang="en-US" sz="4000" dirty="0" smtClean="0">
+              <a:rPr lang="en-US" sz="3900" dirty="0" smtClean="0">
                 <a:ln w="0"/>
                 <a:solidFill>
                   <a:schemeClr val="accent6"/>
@@ -19564,7 +19470,7 @@
               </a:rPr>
               <a:t>Database</a:t>
             </a:r>
-            <a:endParaRPr lang="en-US" sz="4000" dirty="0">
+            <a:endParaRPr lang="en-US" sz="3900" dirty="0">
               <a:ln w="0"/>
               <a:solidFill>
                 <a:schemeClr val="accent6"/>
@@ -19588,7 +19494,7 @@
         </p:nvSpPr>
         <p:spPr>
           <a:xfrm>
-            <a:off x="3421419" y="2364566"/>
+            <a:off x="3421419" y="1299155"/>
             <a:ext cx="1480149" cy="369332"/>
           </a:xfrm>
           <a:prstGeom prst="rect">
@@ -19618,7 +19524,7 @@
         </p:nvSpPr>
         <p:spPr>
           <a:xfrm>
-            <a:off x="3421419" y="3257118"/>
+            <a:off x="3421419" y="2191707"/>
             <a:ext cx="1349600" cy="369332"/>
           </a:xfrm>
           <a:prstGeom prst="rect">
@@ -19648,7 +19554,7 @@
         </p:nvSpPr>
         <p:spPr>
           <a:xfrm>
-            <a:off x="834543" y="2974308"/>
+            <a:off x="834543" y="1908897"/>
             <a:ext cx="1731884" cy="369332"/>
           </a:xfrm>
           <a:prstGeom prst="rect">
@@ -19678,7 +19584,7 @@
         </p:nvSpPr>
         <p:spPr>
           <a:xfrm>
-            <a:off x="8965385" y="2482611"/>
+            <a:off x="8965385" y="1417200"/>
             <a:ext cx="2951384" cy="1188707"/>
           </a:xfrm>
           <a:prstGeom prst="rect">
@@ -19721,7 +19627,7 @@
         </p:nvSpPr>
         <p:spPr>
           <a:xfrm>
-            <a:off x="9530378" y="2508182"/>
+            <a:off x="9530378" y="1442771"/>
             <a:ext cx="1821397" cy="707886"/>
           </a:xfrm>
           <a:prstGeom prst="rect">
@@ -19776,7 +19682,7 @@
         </p:nvSpPr>
         <p:spPr>
           <a:xfrm>
-            <a:off x="9636625" y="3128197"/>
+            <a:off x="9636625" y="2062786"/>
             <a:ext cx="1608902" cy="369332"/>
           </a:xfrm>
           <a:prstGeom prst="rect">
@@ -19806,7 +19712,7 @@
         </p:nvSpPr>
         <p:spPr>
           <a:xfrm>
-            <a:off x="7217589" y="3239498"/>
+            <a:off x="7217589" y="2174087"/>
             <a:ext cx="1709314" cy="369332"/>
           </a:xfrm>
           <a:prstGeom prst="rect">
@@ -19836,7 +19742,7 @@
         </p:nvSpPr>
         <p:spPr>
           <a:xfrm>
-            <a:off x="7596702" y="2479443"/>
+            <a:off x="7596702" y="1414032"/>
             <a:ext cx="952184" cy="369332"/>
           </a:xfrm>
           <a:prstGeom prst="rect">
@@ -19866,8 +19772,8 @@
         </p:nvSpPr>
         <p:spPr>
           <a:xfrm>
-            <a:off x="7160962" y="4750974"/>
-            <a:ext cx="1992736" cy="1902921"/>
+            <a:off x="7160962" y="3675307"/>
+            <a:ext cx="1992736" cy="1913177"/>
           </a:xfrm>
           <a:prstGeom prst="diamond">
             <a:avLst/>
@@ -19904,7 +19810,7 @@
         </p:nvCxnSpPr>
         <p:spPr>
           <a:xfrm flipH="1" flipV="1">
-            <a:off x="6096000" y="5700071"/>
+            <a:off x="6096000" y="4634660"/>
             <a:ext cx="1064963" cy="2363"/>
           </a:xfrm>
           <a:prstGeom prst="straightConnector1">
@@ -19939,7 +19845,7 @@
         </p:nvCxnSpPr>
         <p:spPr>
           <a:xfrm flipH="1" flipV="1">
-            <a:off x="6109414" y="4099040"/>
+            <a:off x="6109414" y="3033629"/>
             <a:ext cx="22799" cy="1601031"/>
           </a:xfrm>
           <a:prstGeom prst="straightConnector1">
@@ -19972,7 +19878,7 @@
         </p:nvSpPr>
         <p:spPr>
           <a:xfrm>
-            <a:off x="7506165" y="5474098"/>
+            <a:off x="7506165" y="4408687"/>
             <a:ext cx="1425135" cy="461665"/>
           </a:xfrm>
           <a:prstGeom prst="rect">
@@ -20027,7 +19933,7 @@
         </p:nvSpPr>
         <p:spPr>
           <a:xfrm>
-            <a:off x="6463302" y="5330739"/>
+            <a:off x="6463302" y="4265328"/>
             <a:ext cx="491225" cy="369332"/>
           </a:xfrm>
           <a:prstGeom prst="rect">
@@ -20057,7 +19963,7 @@
         </p:nvSpPr>
         <p:spPr>
           <a:xfrm>
-            <a:off x="4385047" y="4772918"/>
+            <a:off x="4385047" y="3707507"/>
             <a:ext cx="1798320" cy="646331"/>
           </a:xfrm>
           <a:prstGeom prst="rect">
@@ -20090,8 +19996,8 @@
         </p:nvCxnSpPr>
         <p:spPr>
           <a:xfrm rot="5400000">
-            <a:off x="8759376" y="3069273"/>
-            <a:ext cx="1079656" cy="2283747"/>
+            <a:off x="8764504" y="1998734"/>
+            <a:ext cx="1069400" cy="2283747"/>
           </a:xfrm>
           <a:prstGeom prst="bentConnector3">
             <a:avLst/>
@@ -20124,9 +20030,9 @@
           <p:nvPr/>
         </p:nvCxnSpPr>
         <p:spPr>
-          <a:xfrm flipV="1">
-            <a:off x="9153698" y="5700071"/>
-            <a:ext cx="2198077" cy="2364"/>
+          <a:xfrm>
+            <a:off x="9153698" y="4631896"/>
+            <a:ext cx="2198077" cy="2764"/>
           </a:xfrm>
           <a:prstGeom prst="bentConnector3">
             <a:avLst/>
@@ -20158,7 +20064,7 @@
         </p:nvCxnSpPr>
         <p:spPr>
           <a:xfrm flipH="1" flipV="1">
-            <a:off x="11351775" y="3671318"/>
+            <a:off x="11351775" y="2605907"/>
             <a:ext cx="1" cy="2028753"/>
           </a:xfrm>
           <a:prstGeom prst="straightConnector1">
@@ -20191,7 +20097,7 @@
         </p:nvSpPr>
         <p:spPr>
           <a:xfrm>
-            <a:off x="9965228" y="5267716"/>
+            <a:off x="9965228" y="4202305"/>
             <a:ext cx="455574" cy="369332"/>
           </a:xfrm>
           <a:prstGeom prst="rect">
@@ -20221,7 +20127,7 @@
         </p:nvSpPr>
         <p:spPr>
           <a:xfrm>
-            <a:off x="9449745" y="5830623"/>
+            <a:off x="9449745" y="4765212"/>
             <a:ext cx="1902029" cy="646331"/>
           </a:xfrm>
           <a:prstGeom prst="rect">
@@ -20391,6 +20297,253 @@
       </p:par>
     </p:tnLst>
   </p:timing>
+</p:sld>
+</file>
+
+<file path=ppt/slides/slide8.xml><?xml version="1.0" encoding="utf-8"?>
+<p:sld xmlns:a="http://schemas.openxmlformats.org/drawingml/2006/main" xmlns:r="http://schemas.openxmlformats.org/officeDocument/2006/relationships" xmlns:p="http://schemas.openxmlformats.org/presentationml/2006/main">
+  <p:cSld>
+    <p:spTree>
+      <p:nvGrpSpPr>
+        <p:cNvPr id="1" name=""/>
+        <p:cNvGrpSpPr/>
+        <p:nvPr/>
+      </p:nvGrpSpPr>
+      <p:grpSpPr>
+        <a:xfrm>
+          <a:off x="0" y="0"/>
+          <a:ext cx="0" cy="0"/>
+          <a:chOff x="0" y="0"/>
+          <a:chExt cx="0" cy="0"/>
+        </a:xfrm>
+      </p:grpSpPr>
+      <p:sp>
+        <p:nvSpPr>
+          <p:cNvPr id="2" name="Title 1"/>
+          <p:cNvSpPr>
+            <a:spLocks noGrp="1"/>
+          </p:cNvSpPr>
+          <p:nvPr>
+            <p:ph type="title"/>
+          </p:nvPr>
+        </p:nvSpPr>
+        <p:spPr/>
+        <p:txBody>
+          <a:bodyPr/>
+          <a:lstStyle/>
+          <a:p>
+            <a:r>
+              <a:rPr lang="en-US" dirty="0" smtClean="0">
+                <a:solidFill>
+                  <a:schemeClr val="tx1"/>
+                </a:solidFill>
+              </a:rPr>
+              <a:t>Technologies used</a:t>
+            </a:r>
+            <a:endParaRPr lang="en-US" dirty="0">
+              <a:solidFill>
+                <a:schemeClr val="tx1"/>
+              </a:solidFill>
+            </a:endParaRPr>
+          </a:p>
+        </p:txBody>
+      </p:sp>
+      <p:sp>
+        <p:nvSpPr>
+          <p:cNvPr id="4" name="Content Placeholder 3"/>
+          <p:cNvSpPr>
+            <a:spLocks noGrp="1"/>
+          </p:cNvSpPr>
+          <p:nvPr>
+            <p:ph sz="quarter" idx="13"/>
+          </p:nvPr>
+        </p:nvSpPr>
+        <p:spPr>
+          <a:xfrm>
+            <a:off x="685801" y="1844907"/>
+            <a:ext cx="5088712" cy="2512852"/>
+          </a:xfrm>
+        </p:spPr>
+        <p:txBody>
+          <a:bodyPr>
+            <a:noAutofit/>
+          </a:bodyPr>
+          <a:lstStyle/>
+          <a:p>
+            <a:r>
+              <a:rPr lang="en-US" sz="2400" dirty="0">
+                <a:latin typeface="Times New Roman" panose="02020603050405020304" pitchFamily="18" charset="0"/>
+                <a:cs typeface="Times New Roman" panose="02020603050405020304" pitchFamily="18" charset="0"/>
+              </a:rPr>
+              <a:t>Languages</a:t>
+            </a:r>
+          </a:p>
+          <a:p>
+            <a:pPr lvl="1"/>
+            <a:r>
+              <a:rPr lang="en-US" sz="2400" dirty="0">
+                <a:latin typeface="Times New Roman" panose="02020603050405020304" pitchFamily="18" charset="0"/>
+                <a:cs typeface="Times New Roman" panose="02020603050405020304" pitchFamily="18" charset="0"/>
+              </a:rPr>
+              <a:t>Java Script</a:t>
+            </a:r>
+          </a:p>
+          <a:p>
+            <a:pPr lvl="1"/>
+            <a:r>
+              <a:rPr lang="en-US" sz="2400" dirty="0">
+                <a:latin typeface="Times New Roman" panose="02020603050405020304" pitchFamily="18" charset="0"/>
+                <a:cs typeface="Times New Roman" panose="02020603050405020304" pitchFamily="18" charset="0"/>
+              </a:rPr>
+              <a:t>Swift 3.0</a:t>
+            </a:r>
+          </a:p>
+          <a:p>
+            <a:pPr lvl="1"/>
+            <a:r>
+              <a:rPr lang="en-US" sz="2400" dirty="0">
+                <a:latin typeface="Times New Roman" panose="02020603050405020304" pitchFamily="18" charset="0"/>
+                <a:cs typeface="Times New Roman" panose="02020603050405020304" pitchFamily="18" charset="0"/>
+              </a:rPr>
+              <a:t>Html, </a:t>
+            </a:r>
+            <a:r>
+              <a:rPr lang="en-US" sz="2400" dirty="0" err="1">
+                <a:latin typeface="Times New Roman" panose="02020603050405020304" pitchFamily="18" charset="0"/>
+                <a:cs typeface="Times New Roman" panose="02020603050405020304" pitchFamily="18" charset="0"/>
+              </a:rPr>
+              <a:t>css</a:t>
+            </a:r>
+            <a:endParaRPr lang="en-US" sz="2400" dirty="0">
+              <a:latin typeface="Times New Roman" panose="02020603050405020304" pitchFamily="18" charset="0"/>
+              <a:cs typeface="Times New Roman" panose="02020603050405020304" pitchFamily="18" charset="0"/>
+            </a:endParaRPr>
+          </a:p>
+          <a:p>
+            <a:r>
+              <a:rPr lang="en-US" sz="2400" dirty="0">
+                <a:latin typeface="Times New Roman" panose="02020603050405020304" pitchFamily="18" charset="0"/>
+                <a:cs typeface="Times New Roman" panose="02020603050405020304" pitchFamily="18" charset="0"/>
+              </a:rPr>
+              <a:t>Frame work</a:t>
+            </a:r>
+          </a:p>
+          <a:p>
+            <a:pPr lvl="1"/>
+            <a:r>
+              <a:rPr lang="en-US" sz="2400" dirty="0">
+                <a:latin typeface="Times New Roman" panose="02020603050405020304" pitchFamily="18" charset="0"/>
+                <a:cs typeface="Times New Roman" panose="02020603050405020304" pitchFamily="18" charset="0"/>
+              </a:rPr>
+              <a:t>express</a:t>
+            </a:r>
+          </a:p>
+          <a:p>
+            <a:endParaRPr lang="en-US" sz="2400" dirty="0"/>
+          </a:p>
+        </p:txBody>
+      </p:sp>
+      <p:sp>
+        <p:nvSpPr>
+          <p:cNvPr id="6" name="Content Placeholder 5"/>
+          <p:cNvSpPr>
+            <a:spLocks noGrp="1"/>
+          </p:cNvSpPr>
+          <p:nvPr>
+            <p:ph sz="quarter" idx="14"/>
+          </p:nvPr>
+        </p:nvSpPr>
+        <p:spPr>
+          <a:xfrm>
+            <a:off x="5991795" y="1843940"/>
+            <a:ext cx="5088713" cy="2512852"/>
+          </a:xfrm>
+        </p:spPr>
+        <p:txBody>
+          <a:bodyPr>
+            <a:noAutofit/>
+          </a:bodyPr>
+          <a:lstStyle/>
+          <a:p>
+            <a:r>
+              <a:rPr lang="en-US" sz="2400" dirty="0">
+                <a:latin typeface="Times New Roman" panose="02020603050405020304" pitchFamily="18" charset="0"/>
+                <a:cs typeface="Times New Roman" panose="02020603050405020304" pitchFamily="18" charset="0"/>
+              </a:rPr>
+              <a:t>server</a:t>
+            </a:r>
+          </a:p>
+          <a:p>
+            <a:pPr lvl="1"/>
+            <a:r>
+              <a:rPr lang="en-US" sz="2400" dirty="0">
+                <a:latin typeface="Times New Roman" panose="02020603050405020304" pitchFamily="18" charset="0"/>
+                <a:cs typeface="Times New Roman" panose="02020603050405020304" pitchFamily="18" charset="0"/>
+              </a:rPr>
+              <a:t>Node.js</a:t>
+            </a:r>
+          </a:p>
+          <a:p>
+            <a:r>
+              <a:rPr lang="en-US" sz="2400" dirty="0">
+                <a:latin typeface="Times New Roman" panose="02020603050405020304" pitchFamily="18" charset="0"/>
+                <a:cs typeface="Times New Roman" panose="02020603050405020304" pitchFamily="18" charset="0"/>
+              </a:rPr>
+              <a:t>Database </a:t>
+            </a:r>
+          </a:p>
+          <a:p>
+            <a:pPr lvl="1"/>
+            <a:r>
+              <a:rPr lang="en-US" sz="2400" dirty="0">
+                <a:latin typeface="Times New Roman" panose="02020603050405020304" pitchFamily="18" charset="0"/>
+                <a:cs typeface="Times New Roman" panose="02020603050405020304" pitchFamily="18" charset="0"/>
+              </a:rPr>
+              <a:t>Parse </a:t>
+            </a:r>
+            <a:r>
+              <a:rPr lang="en-US" sz="2400" dirty="0" smtClean="0">
+                <a:latin typeface="Times New Roman" panose="02020603050405020304" pitchFamily="18" charset="0"/>
+                <a:cs typeface="Times New Roman" panose="02020603050405020304" pitchFamily="18" charset="0"/>
+              </a:rPr>
+              <a:t>SDK</a:t>
+            </a:r>
+          </a:p>
+          <a:p>
+            <a:r>
+              <a:rPr lang="en-US" sz="2400" dirty="0" smtClean="0">
+                <a:latin typeface="Times New Roman" panose="02020603050405020304" pitchFamily="18" charset="0"/>
+                <a:cs typeface="Times New Roman" panose="02020603050405020304" pitchFamily="18" charset="0"/>
+              </a:rPr>
+              <a:t>Repository</a:t>
+            </a:r>
+          </a:p>
+          <a:p>
+            <a:pPr lvl="1"/>
+            <a:r>
+              <a:rPr lang="en-US" sz="2400" dirty="0" err="1" smtClean="0">
+                <a:latin typeface="Times New Roman" panose="02020603050405020304" pitchFamily="18" charset="0"/>
+                <a:cs typeface="Times New Roman" panose="02020603050405020304" pitchFamily="18" charset="0"/>
+              </a:rPr>
+              <a:t>github</a:t>
+            </a:r>
+            <a:endParaRPr lang="en-US" sz="2400" dirty="0">
+              <a:latin typeface="Times New Roman" panose="02020603050405020304" pitchFamily="18" charset="0"/>
+              <a:cs typeface="Times New Roman" panose="02020603050405020304" pitchFamily="18" charset="0"/>
+            </a:endParaRPr>
+          </a:p>
+        </p:txBody>
+      </p:sp>
+    </p:spTree>
+    <p:extLst>
+      <p:ext uri="{BB962C8B-B14F-4D97-AF65-F5344CB8AC3E}">
+        <p14:creationId xmlns:p14="http://schemas.microsoft.com/office/powerpoint/2010/main" val="1819547468"/>
+      </p:ext>
+    </p:extLst>
+  </p:cSld>
+  <p:clrMapOvr>
+    <a:masterClrMapping/>
+  </p:clrMapOvr>
 </p:sld>
 </file>
 

--- a/final ppt.pptx
+++ b/final ppt.pptx
@@ -8,15 +8,16 @@
     <p:sldId id="257" r:id="rId2"/>
     <p:sldId id="258" r:id="rId3"/>
     <p:sldId id="259" r:id="rId4"/>
-    <p:sldId id="260" r:id="rId5"/>
-    <p:sldId id="261" r:id="rId6"/>
-    <p:sldId id="269" r:id="rId7"/>
-    <p:sldId id="265" r:id="rId8"/>
-    <p:sldId id="262" r:id="rId9"/>
-    <p:sldId id="263" r:id="rId10"/>
-    <p:sldId id="264" r:id="rId11"/>
-    <p:sldId id="266" r:id="rId12"/>
-    <p:sldId id="270" r:id="rId13"/>
+    <p:sldId id="261" r:id="rId5"/>
+    <p:sldId id="269" r:id="rId6"/>
+    <p:sldId id="265" r:id="rId7"/>
+    <p:sldId id="262" r:id="rId8"/>
+    <p:sldId id="263" r:id="rId9"/>
+    <p:sldId id="264" r:id="rId10"/>
+    <p:sldId id="266" r:id="rId11"/>
+    <p:sldId id="270" r:id="rId12"/>
+    <p:sldId id="272" r:id="rId13"/>
+    <p:sldId id="271" r:id="rId14"/>
   </p:sldIdLst>
   <p:sldSz cx="12192000" cy="6858000"/>
   <p:notesSz cx="6858000" cy="9144000"/>
@@ -115,6 +116,11 @@
       </a:defRPr>
     </a:lvl9pPr>
   </p:defaultTextStyle>
+  <p:extLst>
+    <p:ext uri="{EFAFB233-063F-42B5-8137-9DF3F51BA10A}">
+      <p15:sldGuideLst xmlns:p15="http://schemas.microsoft.com/office/powerpoint/2012/main"/>
+    </p:ext>
+  </p:extLst>
 </p:presentation>
 </file>
 
@@ -2363,7 +2369,7 @@
 <dgm:dataModel xmlns:dgm="http://schemas.openxmlformats.org/drawingml/2006/diagram" xmlns:a="http://schemas.openxmlformats.org/drawingml/2006/main">
   <dgm:ptLst>
     <dgm:pt modelId="{CF9055CF-8DEB-4A02-949A-DE72B6AC5D37}" type="doc">
-      <dgm:prSet loTypeId="urn:microsoft.com/office/officeart/2005/8/layout/hList6" loCatId="list" qsTypeId="urn:microsoft.com/office/officeart/2005/8/quickstyle/simple3" qsCatId="simple" csTypeId="urn:microsoft.com/office/officeart/2005/8/colors/accent1_2" csCatId="accent1" phldr="1"/>
+      <dgm:prSet loTypeId="urn:microsoft.com/office/officeart/2009/3/layout/PieProcess" loCatId="list" qsTypeId="urn:microsoft.com/office/officeart/2005/8/quickstyle/simple3" qsCatId="simple" csTypeId="urn:microsoft.com/office/officeart/2005/8/colors/accent1_2" csCatId="accent1" phldr="1"/>
       <dgm:spPr/>
       <dgm:t>
         <a:bodyPr/>
@@ -2596,11 +2602,11 @@
         <a:lstStyle/>
         <a:p>
           <a:r>
-            <a:rPr lang="en-US" sz="2200" dirty="0" err="1" smtClean="0">
+            <a:rPr lang="en-US" sz="2200" dirty="0" smtClean="0">
               <a:latin typeface="Times New Roman" panose="02020603050405020304" pitchFamily="18" charset="0"/>
               <a:cs typeface="Times New Roman" panose="02020603050405020304" pitchFamily="18" charset="0"/>
             </a:rPr>
-            <a:t>FinalizeDatabase</a:t>
+            <a:t>Finalize Database</a:t>
           </a:r>
           <a:endParaRPr lang="en-US" sz="2200" dirty="0">
             <a:latin typeface="Times New Roman" panose="02020603050405020304" pitchFamily="18" charset="0"/>
@@ -3018,11 +3024,14 @@
         </a:p>
       </dgm:t>
     </dgm:pt>
-    <dgm:pt modelId="{6F1872F4-A030-4D64-A17C-72EA1ABBD62E}" type="pres">
+    <dgm:pt modelId="{CB01CF51-F723-4F8D-80F7-D236155D2300}" type="pres">
       <dgm:prSet presAssocID="{CF9055CF-8DEB-4A02-949A-DE72B6AC5D37}" presName="Name0" presStyleCnt="0">
         <dgm:presLayoutVars>
+          <dgm:chMax val="7"/>
+          <dgm:chPref val="7"/>
           <dgm:dir/>
-          <dgm:resizeHandles val="exact"/>
+          <dgm:animOne val="branch"/>
+          <dgm:animLvl val="lvl"/>
         </dgm:presLayoutVars>
       </dgm:prSet>
       <dgm:spPr/>
@@ -3034,9 +3043,23 @@
         </a:p>
       </dgm:t>
     </dgm:pt>
-    <dgm:pt modelId="{98302F07-D6A9-46A5-9807-EBF6C9F5B2DD}" type="pres">
-      <dgm:prSet presAssocID="{082E8A29-955A-4C7C-A174-3E9DCD4DC89B}" presName="node" presStyleLbl="node1" presStyleIdx="0" presStyleCnt="4">
+    <dgm:pt modelId="{C8BC21FD-556C-40FC-81CC-FBE0FB65A039}" type="pres">
+      <dgm:prSet presAssocID="{082E8A29-955A-4C7C-A174-3E9DCD4DC89B}" presName="ParentComposite" presStyleCnt="0"/>
+      <dgm:spPr/>
+    </dgm:pt>
+    <dgm:pt modelId="{8ED7BCA2-C1D0-4998-9B75-278A1B905C47}" type="pres">
+      <dgm:prSet presAssocID="{082E8A29-955A-4C7C-A174-3E9DCD4DC89B}" presName="Chord" presStyleLbl="bgShp" presStyleIdx="0" presStyleCnt="4"/>
+      <dgm:spPr/>
+    </dgm:pt>
+    <dgm:pt modelId="{59596444-DE5B-470F-9D02-95BA2AD06BDF}" type="pres">
+      <dgm:prSet presAssocID="{082E8A29-955A-4C7C-A174-3E9DCD4DC89B}" presName="Pie" presStyleLbl="alignNode1" presStyleIdx="0" presStyleCnt="4"/>
+      <dgm:spPr/>
+    </dgm:pt>
+    <dgm:pt modelId="{3738601E-7288-4CE8-B6B3-708FCF66B198}" type="pres">
+      <dgm:prSet presAssocID="{082E8A29-955A-4C7C-A174-3E9DCD4DC89B}" presName="Parent" presStyleLbl="revTx" presStyleIdx="0" presStyleCnt="8">
         <dgm:presLayoutVars>
+          <dgm:chMax val="1"/>
+          <dgm:chPref val="1"/>
           <dgm:bulletEnabled val="1"/>
         </dgm:presLayoutVars>
       </dgm:prSet>
@@ -3049,13 +3072,19 @@
         </a:p>
       </dgm:t>
     </dgm:pt>
-    <dgm:pt modelId="{6681DF6F-8E98-430C-9A87-14BEC6C3269E}" type="pres">
-      <dgm:prSet presAssocID="{C2176686-D23E-48EB-9D1B-1A1B46236638}" presName="sibTrans" presStyleCnt="0"/>
+    <dgm:pt modelId="{5C7566F6-C13E-4509-A9A7-CD09BAF0870E}" type="pres">
+      <dgm:prSet presAssocID="{D5C26250-A06D-4B41-BC14-92648809C21F}" presName="negSibTrans" presStyleCnt="0"/>
       <dgm:spPr/>
     </dgm:pt>
-    <dgm:pt modelId="{DAD9059A-916A-4916-A2A8-B42491568DD3}" type="pres">
-      <dgm:prSet presAssocID="{B6E26FFC-9977-4BBC-BEC7-3D6B63754E52}" presName="node" presStyleLbl="node1" presStyleIdx="1" presStyleCnt="4">
+    <dgm:pt modelId="{C26315DD-2D54-4476-8280-736218FB378C}" type="pres">
+      <dgm:prSet presAssocID="{082E8A29-955A-4C7C-A174-3E9DCD4DC89B}" presName="composite" presStyleCnt="0"/>
+      <dgm:spPr/>
+    </dgm:pt>
+    <dgm:pt modelId="{2D1C1CB8-58C2-46AC-93F8-7D14C8828C6D}" type="pres">
+      <dgm:prSet presAssocID="{082E8A29-955A-4C7C-A174-3E9DCD4DC89B}" presName="Child" presStyleLbl="revTx" presStyleIdx="1" presStyleCnt="8">
         <dgm:presLayoutVars>
+          <dgm:chMax val="0"/>
+          <dgm:chPref val="0"/>
           <dgm:bulletEnabled val="1"/>
         </dgm:presLayoutVars>
       </dgm:prSet>
@@ -3068,13 +3097,27 @@
         </a:p>
       </dgm:t>
     </dgm:pt>
-    <dgm:pt modelId="{39AEACD1-F8CF-4528-8379-DAA829B3790B}" type="pres">
-      <dgm:prSet presAssocID="{48634C00-2335-4923-9072-EB7482323D9C}" presName="sibTrans" presStyleCnt="0"/>
+    <dgm:pt modelId="{388B3605-5608-4D75-A447-2786C48796D3}" type="pres">
+      <dgm:prSet presAssocID="{C2176686-D23E-48EB-9D1B-1A1B46236638}" presName="sibTrans" presStyleCnt="0"/>
       <dgm:spPr/>
     </dgm:pt>
-    <dgm:pt modelId="{25A33852-3C4B-4406-8856-3A4D6201948C}" type="pres">
-      <dgm:prSet presAssocID="{6D0E5D9F-7263-4526-A227-51301233F549}" presName="node" presStyleLbl="node1" presStyleIdx="2" presStyleCnt="4">
+    <dgm:pt modelId="{2F1A9009-F98C-419B-9DD1-0E1C5E2F45A4}" type="pres">
+      <dgm:prSet presAssocID="{B6E26FFC-9977-4BBC-BEC7-3D6B63754E52}" presName="ParentComposite" presStyleCnt="0"/>
+      <dgm:spPr/>
+    </dgm:pt>
+    <dgm:pt modelId="{13A57D11-4E37-4805-8691-A175E10E868B}" type="pres">
+      <dgm:prSet presAssocID="{B6E26FFC-9977-4BBC-BEC7-3D6B63754E52}" presName="Chord" presStyleLbl="bgShp" presStyleIdx="1" presStyleCnt="4"/>
+      <dgm:spPr/>
+    </dgm:pt>
+    <dgm:pt modelId="{5678EE1E-BA84-41B0-894E-505B199402B8}" type="pres">
+      <dgm:prSet presAssocID="{B6E26FFC-9977-4BBC-BEC7-3D6B63754E52}" presName="Pie" presStyleLbl="alignNode1" presStyleIdx="1" presStyleCnt="4"/>
+      <dgm:spPr/>
+    </dgm:pt>
+    <dgm:pt modelId="{BC4B5C02-E286-4891-A251-DC2B2E3F436B}" type="pres">
+      <dgm:prSet presAssocID="{B6E26FFC-9977-4BBC-BEC7-3D6B63754E52}" presName="Parent" presStyleLbl="revTx" presStyleIdx="2" presStyleCnt="8">
         <dgm:presLayoutVars>
+          <dgm:chMax val="1"/>
+          <dgm:chPref val="1"/>
           <dgm:bulletEnabled val="1"/>
         </dgm:presLayoutVars>
       </dgm:prSet>
@@ -3087,13 +3130,135 @@
         </a:p>
       </dgm:t>
     </dgm:pt>
-    <dgm:pt modelId="{562EDDC3-60FD-463F-A6DB-A597D604B642}" type="pres">
+    <dgm:pt modelId="{28E47D28-1AC9-4674-BF31-83CBB825DA83}" type="pres">
+      <dgm:prSet presAssocID="{3640B940-6901-481F-ADF7-6B77DEEED764}" presName="negSibTrans" presStyleCnt="0"/>
+      <dgm:spPr/>
+    </dgm:pt>
+    <dgm:pt modelId="{DB5212A8-CDC7-4610-88D7-C245602727FC}" type="pres">
+      <dgm:prSet presAssocID="{B6E26FFC-9977-4BBC-BEC7-3D6B63754E52}" presName="composite" presStyleCnt="0"/>
+      <dgm:spPr/>
+    </dgm:pt>
+    <dgm:pt modelId="{AD586D5E-6D5D-4C38-A2CC-FCF6A2523532}" type="pres">
+      <dgm:prSet presAssocID="{B6E26FFC-9977-4BBC-BEC7-3D6B63754E52}" presName="Child" presStyleLbl="revTx" presStyleIdx="3" presStyleCnt="8">
+        <dgm:presLayoutVars>
+          <dgm:chMax val="0"/>
+          <dgm:chPref val="0"/>
+          <dgm:bulletEnabled val="1"/>
+        </dgm:presLayoutVars>
+      </dgm:prSet>
+      <dgm:spPr/>
+      <dgm:t>
+        <a:bodyPr/>
+        <a:lstStyle/>
+        <a:p>
+          <a:endParaRPr lang="en-US"/>
+        </a:p>
+      </dgm:t>
+    </dgm:pt>
+    <dgm:pt modelId="{63F744B1-319A-47E4-B03C-7B9910615014}" type="pres">
+      <dgm:prSet presAssocID="{48634C00-2335-4923-9072-EB7482323D9C}" presName="sibTrans" presStyleCnt="0"/>
+      <dgm:spPr/>
+    </dgm:pt>
+    <dgm:pt modelId="{3069745A-B63C-4A18-9A3A-7AFB83869B86}" type="pres">
+      <dgm:prSet presAssocID="{6D0E5D9F-7263-4526-A227-51301233F549}" presName="ParentComposite" presStyleCnt="0"/>
+      <dgm:spPr/>
+    </dgm:pt>
+    <dgm:pt modelId="{23B3ED49-A8DF-469D-9786-48B701A5EF23}" type="pres">
+      <dgm:prSet presAssocID="{6D0E5D9F-7263-4526-A227-51301233F549}" presName="Chord" presStyleLbl="bgShp" presStyleIdx="2" presStyleCnt="4"/>
+      <dgm:spPr/>
+    </dgm:pt>
+    <dgm:pt modelId="{966F4581-CA55-495D-A121-EB41790B682F}" type="pres">
+      <dgm:prSet presAssocID="{6D0E5D9F-7263-4526-A227-51301233F549}" presName="Pie" presStyleLbl="alignNode1" presStyleIdx="2" presStyleCnt="4"/>
+      <dgm:spPr/>
+    </dgm:pt>
+    <dgm:pt modelId="{CA9AEAE3-E1C9-456F-BBFA-1FA519C78A4E}" type="pres">
+      <dgm:prSet presAssocID="{6D0E5D9F-7263-4526-A227-51301233F549}" presName="Parent" presStyleLbl="revTx" presStyleIdx="4" presStyleCnt="8">
+        <dgm:presLayoutVars>
+          <dgm:chMax val="1"/>
+          <dgm:chPref val="1"/>
+          <dgm:bulletEnabled val="1"/>
+        </dgm:presLayoutVars>
+      </dgm:prSet>
+      <dgm:spPr/>
+      <dgm:t>
+        <a:bodyPr/>
+        <a:lstStyle/>
+        <a:p>
+          <a:endParaRPr lang="en-US"/>
+        </a:p>
+      </dgm:t>
+    </dgm:pt>
+    <dgm:pt modelId="{4059FA52-BA29-436C-B01E-F625A31B39D5}" type="pres">
+      <dgm:prSet presAssocID="{6C9440D0-8847-40C0-98BC-2B5EA5745C3A}" presName="negSibTrans" presStyleCnt="0"/>
+      <dgm:spPr/>
+    </dgm:pt>
+    <dgm:pt modelId="{D61A1E74-1A3F-423B-B020-3BA19056AA68}" type="pres">
+      <dgm:prSet presAssocID="{6D0E5D9F-7263-4526-A227-51301233F549}" presName="composite" presStyleCnt="0"/>
+      <dgm:spPr/>
+    </dgm:pt>
+    <dgm:pt modelId="{986877C7-5555-4471-A423-DCAF7AEC96DE}" type="pres">
+      <dgm:prSet presAssocID="{6D0E5D9F-7263-4526-A227-51301233F549}" presName="Child" presStyleLbl="revTx" presStyleIdx="5" presStyleCnt="8">
+        <dgm:presLayoutVars>
+          <dgm:chMax val="0"/>
+          <dgm:chPref val="0"/>
+          <dgm:bulletEnabled val="1"/>
+        </dgm:presLayoutVars>
+      </dgm:prSet>
+      <dgm:spPr/>
+      <dgm:t>
+        <a:bodyPr/>
+        <a:lstStyle/>
+        <a:p>
+          <a:endParaRPr lang="en-US"/>
+        </a:p>
+      </dgm:t>
+    </dgm:pt>
+    <dgm:pt modelId="{0CF3F78D-59EA-412D-A1D1-233489C3EBF6}" type="pres">
       <dgm:prSet presAssocID="{DE289E29-1989-4D8E-8AA6-F030105B3F13}" presName="sibTrans" presStyleCnt="0"/>
       <dgm:spPr/>
     </dgm:pt>
-    <dgm:pt modelId="{86146B22-5360-4D1B-AC91-3378F10134EE}" type="pres">
-      <dgm:prSet presAssocID="{E5E95E82-EF79-43CA-AA86-43B0E1CBCD3F}" presName="node" presStyleLbl="node1" presStyleIdx="3" presStyleCnt="4">
+    <dgm:pt modelId="{BA5B4443-6B78-4A97-8013-721CF4666F24}" type="pres">
+      <dgm:prSet presAssocID="{E5E95E82-EF79-43CA-AA86-43B0E1CBCD3F}" presName="ParentComposite" presStyleCnt="0"/>
+      <dgm:spPr/>
+    </dgm:pt>
+    <dgm:pt modelId="{2F91C5D8-3B13-44B4-8C71-0652A1FA3FB4}" type="pres">
+      <dgm:prSet presAssocID="{E5E95E82-EF79-43CA-AA86-43B0E1CBCD3F}" presName="Chord" presStyleLbl="bgShp" presStyleIdx="3" presStyleCnt="4"/>
+      <dgm:spPr/>
+    </dgm:pt>
+    <dgm:pt modelId="{EB62602B-5B52-4E2C-86E4-406EDE0E8B5C}" type="pres">
+      <dgm:prSet presAssocID="{E5E95E82-EF79-43CA-AA86-43B0E1CBCD3F}" presName="Pie" presStyleLbl="alignNode1" presStyleIdx="3" presStyleCnt="4"/>
+      <dgm:spPr/>
+    </dgm:pt>
+    <dgm:pt modelId="{5A148C6B-0CFB-4CDB-B2E0-0CF7320A2CD8}" type="pres">
+      <dgm:prSet presAssocID="{E5E95E82-EF79-43CA-AA86-43B0E1CBCD3F}" presName="Parent" presStyleLbl="revTx" presStyleIdx="6" presStyleCnt="8">
         <dgm:presLayoutVars>
+          <dgm:chMax val="1"/>
+          <dgm:chPref val="1"/>
+          <dgm:bulletEnabled val="1"/>
+        </dgm:presLayoutVars>
+      </dgm:prSet>
+      <dgm:spPr/>
+      <dgm:t>
+        <a:bodyPr/>
+        <a:lstStyle/>
+        <a:p>
+          <a:endParaRPr lang="en-US"/>
+        </a:p>
+      </dgm:t>
+    </dgm:pt>
+    <dgm:pt modelId="{97CD814A-57C6-4E77-81D0-DF5F94515A11}" type="pres">
+      <dgm:prSet presAssocID="{77756FBB-BF6C-4D78-803E-BCC851F1DA03}" presName="negSibTrans" presStyleCnt="0"/>
+      <dgm:spPr/>
+    </dgm:pt>
+    <dgm:pt modelId="{FA6A02B3-80DA-4CB3-9E0B-AFCEFA744C14}" type="pres">
+      <dgm:prSet presAssocID="{E5E95E82-EF79-43CA-AA86-43B0E1CBCD3F}" presName="composite" presStyleCnt="0"/>
+      <dgm:spPr/>
+    </dgm:pt>
+    <dgm:pt modelId="{FDC79394-E0CB-4CB1-9269-8658F340BC8D}" type="pres">
+      <dgm:prSet presAssocID="{E5E95E82-EF79-43CA-AA86-43B0E1CBCD3F}" presName="Child" presStyleLbl="revTx" presStyleIdx="7" presStyleCnt="8">
+        <dgm:presLayoutVars>
+          <dgm:chMax val="0"/>
+          <dgm:chPref val="0"/>
           <dgm:bulletEnabled val="1"/>
         </dgm:presLayoutVars>
       </dgm:prSet>
@@ -3108,44 +3273,68 @@
     </dgm:pt>
   </dgm:ptLst>
   <dgm:cxnLst>
-    <dgm:cxn modelId="{1B9593D8-0118-451B-8B48-CC6C91B73C1B}" type="presOf" srcId="{B86124A4-14C7-49C7-A342-9B2C2B94980B}" destId="{98302F07-D6A9-46A5-9807-EBF6C9F5B2DD}" srcOrd="0" destOrd="2" presId="urn:microsoft.com/office/officeart/2005/8/layout/hList6"/>
-    <dgm:cxn modelId="{1B8E71B0-2D3A-4AB0-8843-CFDACEDC3198}" srcId="{6D0E5D9F-7263-4526-A227-51301233F549}" destId="{F3256203-D9D1-492A-B801-68C1A32486F0}" srcOrd="0" destOrd="0" parTransId="{E9A20291-2E30-4C14-BB7D-DC095A20ECB6}" sibTransId="{6C9440D0-8847-40C0-98BC-2B5EA5745C3A}"/>
-    <dgm:cxn modelId="{508A9F6A-C4F1-4147-A5F6-B89293B446E8}" srcId="{082E8A29-955A-4C7C-A174-3E9DCD4DC89B}" destId="{B86124A4-14C7-49C7-A342-9B2C2B94980B}" srcOrd="1" destOrd="0" parTransId="{B2F6F8FA-C3EE-485C-BFEC-A81570DC47D8}" sibTransId="{1114C752-8188-4E63-BFFC-E4081ACE9882}"/>
-    <dgm:cxn modelId="{F89EA6DF-D106-435E-9337-D23286A767A6}" srcId="{B6E26FFC-9977-4BBC-BEC7-3D6B63754E52}" destId="{44B2544A-D122-4B95-A36C-B03D9E272B48}" srcOrd="2" destOrd="0" parTransId="{9EE40E78-C1B8-4A87-A668-53AD816CED24}" sibTransId="{F32DECE0-DC7F-4DCF-A10D-96A117A49197}"/>
-    <dgm:cxn modelId="{3B50A2DD-8777-42C9-93E1-40A37E404C87}" type="presOf" srcId="{44B2544A-D122-4B95-A36C-B03D9E272B48}" destId="{DAD9059A-916A-4916-A2A8-B42491568DD3}" srcOrd="0" destOrd="3" presId="urn:microsoft.com/office/officeart/2005/8/layout/hList6"/>
-    <dgm:cxn modelId="{C8C462C6-33A3-4E8B-91FE-36DBE92F1C4A}" srcId="{CF9055CF-8DEB-4A02-949A-DE72B6AC5D37}" destId="{6D0E5D9F-7263-4526-A227-51301233F549}" srcOrd="2" destOrd="0" parTransId="{23416D07-25F8-426C-BC65-639E6BCF4D6D}" sibTransId="{DE289E29-1989-4D8E-8AA6-F030105B3F13}"/>
-    <dgm:cxn modelId="{59DDA576-1BA9-49E8-9D1D-361FF667A19A}" srcId="{B6E26FFC-9977-4BBC-BEC7-3D6B63754E52}" destId="{62831651-7C26-466C-BAA4-31EA8D14E47A}" srcOrd="1" destOrd="0" parTransId="{0F3EB6E4-07A5-4199-9C2F-8B91F53579FE}" sibTransId="{0D19FA60-5F9C-420B-AD2F-A0656A7F0783}"/>
-    <dgm:cxn modelId="{A76240AD-13F6-40C0-BD9B-102D5EC0AE51}" srcId="{CF9055CF-8DEB-4A02-949A-DE72B6AC5D37}" destId="{E5E95E82-EF79-43CA-AA86-43B0E1CBCD3F}" srcOrd="3" destOrd="0" parTransId="{FD76A3AE-1B6C-45A0-8E84-63160283749F}" sibTransId="{BF76010C-5523-4E13-B3E7-886DCE6AEBD4}"/>
-    <dgm:cxn modelId="{FB8541C0-3895-4553-A4C7-34B81A3C4A0B}" srcId="{E5E95E82-EF79-43CA-AA86-43B0E1CBCD3F}" destId="{A81358E0-3DE7-41AD-A28C-ABB22548B1F6}" srcOrd="0" destOrd="0" parTransId="{262E0B94-6EA9-4797-B705-959D7B185F91}" sibTransId="{77756FBB-BF6C-4D78-803E-BCC851F1DA03}"/>
-    <dgm:cxn modelId="{CC1A92EB-2672-4443-858D-BCA16F76F740}" type="presOf" srcId="{F3256203-D9D1-492A-B801-68C1A32486F0}" destId="{25A33852-3C4B-4406-8856-3A4D6201948C}" srcOrd="0" destOrd="1" presId="urn:microsoft.com/office/officeart/2005/8/layout/hList6"/>
-    <dgm:cxn modelId="{2FA258D4-5B38-426D-B0D7-CD8F217A1137}" type="presOf" srcId="{E5E95E82-EF79-43CA-AA86-43B0E1CBCD3F}" destId="{86146B22-5360-4D1B-AC91-3378F10134EE}" srcOrd="0" destOrd="0" presId="urn:microsoft.com/office/officeart/2005/8/layout/hList6"/>
-    <dgm:cxn modelId="{F4F3BD4C-7DE7-449F-8ECF-B43B2B86F2EB}" type="presOf" srcId="{CBCC21F5-552F-4D39-812E-6FCD4A366F58}" destId="{DAD9059A-916A-4916-A2A8-B42491568DD3}" srcOrd="0" destOrd="1" presId="urn:microsoft.com/office/officeart/2005/8/layout/hList6"/>
-    <dgm:cxn modelId="{68ED9B74-A67A-41A0-BDAD-6E6FDB344D57}" srcId="{6D0E5D9F-7263-4526-A227-51301233F549}" destId="{16208C88-5337-4797-9F05-5AC2E7EB8C59}" srcOrd="2" destOrd="0" parTransId="{79633DA8-5657-4B11-8E98-98132FCC65B8}" sibTransId="{0C8BE7E8-90F4-4597-A5DF-A0A8749AAF4E}"/>
-    <dgm:cxn modelId="{AB981D0D-0AD5-4DD6-BA19-D4E75ECF1C7D}" type="presOf" srcId="{A97FC57D-50D6-4D43-99C3-06D09820F122}" destId="{98302F07-D6A9-46A5-9807-EBF6C9F5B2DD}" srcOrd="0" destOrd="3" presId="urn:microsoft.com/office/officeart/2005/8/layout/hList6"/>
-    <dgm:cxn modelId="{2986897A-7787-444F-B6C8-41F3823EF3C1}" srcId="{CF9055CF-8DEB-4A02-949A-DE72B6AC5D37}" destId="{082E8A29-955A-4C7C-A174-3E9DCD4DC89B}" srcOrd="0" destOrd="0" parTransId="{BA7938E6-8DFA-40B7-B4C4-EACC6D85FC31}" sibTransId="{C2176686-D23E-48EB-9D1B-1A1B46236638}"/>
-    <dgm:cxn modelId="{5351B217-259B-4E6A-85F5-2E408BEB0764}" type="presOf" srcId="{082E8A29-955A-4C7C-A174-3E9DCD4DC89B}" destId="{98302F07-D6A9-46A5-9807-EBF6C9F5B2DD}" srcOrd="0" destOrd="0" presId="urn:microsoft.com/office/officeart/2005/8/layout/hList6"/>
-    <dgm:cxn modelId="{9CB4B27D-95A7-458D-A9CA-7754788DD095}" type="presOf" srcId="{62831651-7C26-466C-BAA4-31EA8D14E47A}" destId="{DAD9059A-916A-4916-A2A8-B42491568DD3}" srcOrd="0" destOrd="2" presId="urn:microsoft.com/office/officeart/2005/8/layout/hList6"/>
-    <dgm:cxn modelId="{0676BA07-1135-49D0-993A-27A9F99FC0CD}" type="presOf" srcId="{B6E26FFC-9977-4BBC-BEC7-3D6B63754E52}" destId="{DAD9059A-916A-4916-A2A8-B42491568DD3}" srcOrd="0" destOrd="0" presId="urn:microsoft.com/office/officeart/2005/8/layout/hList6"/>
+    <dgm:cxn modelId="{0F5879C4-E67B-4EF6-B34A-7C943703A97C}" type="presOf" srcId="{E5E95E82-EF79-43CA-AA86-43B0E1CBCD3F}" destId="{5A148C6B-0CFB-4CDB-B2E0-0CF7320A2CD8}" srcOrd="0" destOrd="0" presId="urn:microsoft.com/office/officeart/2009/3/layout/PieProcess"/>
+    <dgm:cxn modelId="{B8464EB7-B7C2-4FAB-8CA2-A7F788408F70}" type="presOf" srcId="{16208C88-5337-4797-9F05-5AC2E7EB8C59}" destId="{986877C7-5555-4471-A423-DCAF7AEC96DE}" srcOrd="0" destOrd="2" presId="urn:microsoft.com/office/officeart/2009/3/layout/PieProcess"/>
     <dgm:cxn modelId="{D286A548-6BB0-4DED-9FB5-D87042DDBE0A}" srcId="{082E8A29-955A-4C7C-A174-3E9DCD4DC89B}" destId="{A97FC57D-50D6-4D43-99C3-06D09820F122}" srcOrd="2" destOrd="0" parTransId="{5DD877C7-E4D9-4A68-A305-5A7689D3DBE7}" sibTransId="{C17BCABE-BEF2-4CC4-B037-B6B4866665CD}"/>
-    <dgm:cxn modelId="{5FE93856-FABA-450A-B83F-F3088B6765B1}" type="presOf" srcId="{16208C88-5337-4797-9F05-5AC2E7EB8C59}" destId="{25A33852-3C4B-4406-8856-3A4D6201948C}" srcOrd="0" destOrd="3" presId="urn:microsoft.com/office/officeart/2005/8/layout/hList6"/>
-    <dgm:cxn modelId="{DC53BA63-76BA-413A-ACCE-B7609C3FDC8E}" type="presOf" srcId="{A81358E0-3DE7-41AD-A28C-ABB22548B1F6}" destId="{86146B22-5360-4D1B-AC91-3378F10134EE}" srcOrd="0" destOrd="1" presId="urn:microsoft.com/office/officeart/2005/8/layout/hList6"/>
-    <dgm:cxn modelId="{94BB775D-0B73-483D-9A65-75AF296E5DF9}" type="presOf" srcId="{422AACC2-0BA9-4098-8E51-7BBB903AF3DB}" destId="{25A33852-3C4B-4406-8856-3A4D6201948C}" srcOrd="0" destOrd="2" presId="urn:microsoft.com/office/officeart/2005/8/layout/hList6"/>
-    <dgm:cxn modelId="{24179AE2-AA7E-4702-A358-E95F80152CCA}" type="presOf" srcId="{CF9055CF-8DEB-4A02-949A-DE72B6AC5D37}" destId="{6F1872F4-A030-4D64-A17C-72EA1ABBD62E}" srcOrd="0" destOrd="0" presId="urn:microsoft.com/office/officeart/2005/8/layout/hList6"/>
-    <dgm:cxn modelId="{729DA21F-0A99-4CC3-ACFF-2A00EDCAA358}" type="presOf" srcId="{37A7C994-CC74-44DD-8777-ED6736B35821}" destId="{86146B22-5360-4D1B-AC91-3378F10134EE}" srcOrd="0" destOrd="2" presId="urn:microsoft.com/office/officeart/2005/8/layout/hList6"/>
     <dgm:cxn modelId="{97004F90-D1DB-4A84-A8AE-504DE1F07341}" srcId="{082E8A29-955A-4C7C-A174-3E9DCD4DC89B}" destId="{97AFB725-9839-43BA-B026-0DD6AA03AD9C}" srcOrd="0" destOrd="0" parTransId="{CC01022B-5039-457F-931E-79459E3C1DC4}" sibTransId="{D5C26250-A06D-4B41-BC14-92648809C21F}"/>
     <dgm:cxn modelId="{17E73148-9C08-4999-B21E-F3C5A0E3FC0C}" srcId="{CF9055CF-8DEB-4A02-949A-DE72B6AC5D37}" destId="{B6E26FFC-9977-4BBC-BEC7-3D6B63754E52}" srcOrd="1" destOrd="0" parTransId="{5CEFBD89-2F4F-4B51-A98A-0F3C86494166}" sibTransId="{48634C00-2335-4923-9072-EB7482323D9C}"/>
+    <dgm:cxn modelId="{58F02963-6103-4BE1-8EFB-FC841CBFF260}" type="presOf" srcId="{62831651-7C26-466C-BAA4-31EA8D14E47A}" destId="{AD586D5E-6D5D-4C38-A2CC-FCF6A2523532}" srcOrd="0" destOrd="1" presId="urn:microsoft.com/office/officeart/2009/3/layout/PieProcess"/>
+    <dgm:cxn modelId="{7AE93886-F830-46EF-8947-2D3BD71DE3AE}" type="presOf" srcId="{B6E26FFC-9977-4BBC-BEC7-3D6B63754E52}" destId="{BC4B5C02-E286-4891-A251-DC2B2E3F436B}" srcOrd="0" destOrd="0" presId="urn:microsoft.com/office/officeart/2009/3/layout/PieProcess"/>
+    <dgm:cxn modelId="{B011A044-8BC6-4A2F-A46E-FB04D5D0C086}" type="presOf" srcId="{97AFB725-9839-43BA-B026-0DD6AA03AD9C}" destId="{2D1C1CB8-58C2-46AC-93F8-7D14C8828C6D}" srcOrd="0" destOrd="0" presId="urn:microsoft.com/office/officeart/2009/3/layout/PieProcess"/>
+    <dgm:cxn modelId="{1C5CE732-A00F-4C06-A1A8-B209BC6B496D}" srcId="{E5E95E82-EF79-43CA-AA86-43B0E1CBCD3F}" destId="{37A7C994-CC74-44DD-8777-ED6736B35821}" srcOrd="1" destOrd="0" parTransId="{03F017E7-7E3C-4E2C-9CEF-B07099F38801}" sibTransId="{118572A4-3B5E-487E-8015-6A319369077F}"/>
+    <dgm:cxn modelId="{5EF5D55D-D88A-4885-BFBE-B52166978109}" type="presOf" srcId="{6D0E5D9F-7263-4526-A227-51301233F549}" destId="{CA9AEAE3-E1C9-456F-BBFA-1FA519C78A4E}" srcOrd="0" destOrd="0" presId="urn:microsoft.com/office/officeart/2009/3/layout/PieProcess"/>
+    <dgm:cxn modelId="{3C755D53-78EF-4E69-9076-3238E975E57E}" type="presOf" srcId="{A81358E0-3DE7-41AD-A28C-ABB22548B1F6}" destId="{FDC79394-E0CB-4CB1-9269-8658F340BC8D}" srcOrd="0" destOrd="0" presId="urn:microsoft.com/office/officeart/2009/3/layout/PieProcess"/>
+    <dgm:cxn modelId="{68ED9B74-A67A-41A0-BDAD-6E6FDB344D57}" srcId="{6D0E5D9F-7263-4526-A227-51301233F549}" destId="{16208C88-5337-4797-9F05-5AC2E7EB8C59}" srcOrd="2" destOrd="0" parTransId="{79633DA8-5657-4B11-8E98-98132FCC65B8}" sibTransId="{0C8BE7E8-90F4-4597-A5DF-A0A8749AAF4E}"/>
+    <dgm:cxn modelId="{B055C91B-9D3C-49A8-99B5-F11DA4FEA935}" type="presOf" srcId="{F3256203-D9D1-492A-B801-68C1A32486F0}" destId="{986877C7-5555-4471-A423-DCAF7AEC96DE}" srcOrd="0" destOrd="0" presId="urn:microsoft.com/office/officeart/2009/3/layout/PieProcess"/>
+    <dgm:cxn modelId="{3C41F2E0-4620-40B4-9857-68872B278EFB}" srcId="{B6E26FFC-9977-4BBC-BEC7-3D6B63754E52}" destId="{CBCC21F5-552F-4D39-812E-6FCD4A366F58}" srcOrd="0" destOrd="0" parTransId="{4A973A1C-85F1-4969-A536-D29940229E2C}" sibTransId="{3640B940-6901-481F-ADF7-6B77DEEED764}"/>
+    <dgm:cxn modelId="{25AF28C0-EE18-4E0F-8B01-F10F3096BC86}" type="presOf" srcId="{B86124A4-14C7-49C7-A342-9B2C2B94980B}" destId="{2D1C1CB8-58C2-46AC-93F8-7D14C8828C6D}" srcOrd="0" destOrd="1" presId="urn:microsoft.com/office/officeart/2009/3/layout/PieProcess"/>
+    <dgm:cxn modelId="{5CB77846-4F8B-4461-B835-28D27CFCEB72}" type="presOf" srcId="{44B2544A-D122-4B95-A36C-B03D9E272B48}" destId="{AD586D5E-6D5D-4C38-A2CC-FCF6A2523532}" srcOrd="0" destOrd="2" presId="urn:microsoft.com/office/officeart/2009/3/layout/PieProcess"/>
+    <dgm:cxn modelId="{DB859658-33CE-4587-95EE-FB3377C31B44}" type="presOf" srcId="{CBCC21F5-552F-4D39-812E-6FCD4A366F58}" destId="{AD586D5E-6D5D-4C38-A2CC-FCF6A2523532}" srcOrd="0" destOrd="0" presId="urn:microsoft.com/office/officeart/2009/3/layout/PieProcess"/>
+    <dgm:cxn modelId="{59DDA576-1BA9-49E8-9D1D-361FF667A19A}" srcId="{B6E26FFC-9977-4BBC-BEC7-3D6B63754E52}" destId="{62831651-7C26-466C-BAA4-31EA8D14E47A}" srcOrd="1" destOrd="0" parTransId="{0F3EB6E4-07A5-4199-9C2F-8B91F53579FE}" sibTransId="{0D19FA60-5F9C-420B-AD2F-A0656A7F0783}"/>
+    <dgm:cxn modelId="{3CE1E068-DAFD-4DED-8F95-3517E57F6221}" type="presOf" srcId="{37A7C994-CC74-44DD-8777-ED6736B35821}" destId="{FDC79394-E0CB-4CB1-9269-8658F340BC8D}" srcOrd="0" destOrd="1" presId="urn:microsoft.com/office/officeart/2009/3/layout/PieProcess"/>
+    <dgm:cxn modelId="{56DED42F-8763-49B1-B10F-B89D85A55BA2}" type="presOf" srcId="{422AACC2-0BA9-4098-8E51-7BBB903AF3DB}" destId="{986877C7-5555-4471-A423-DCAF7AEC96DE}" srcOrd="0" destOrd="1" presId="urn:microsoft.com/office/officeart/2009/3/layout/PieProcess"/>
+    <dgm:cxn modelId="{FB8541C0-3895-4553-A4C7-34B81A3C4A0B}" srcId="{E5E95E82-EF79-43CA-AA86-43B0E1CBCD3F}" destId="{A81358E0-3DE7-41AD-A28C-ABB22548B1F6}" srcOrd="0" destOrd="0" parTransId="{262E0B94-6EA9-4797-B705-959D7B185F91}" sibTransId="{77756FBB-BF6C-4D78-803E-BCC851F1DA03}"/>
+    <dgm:cxn modelId="{0F01CEBE-F1E6-459D-8F2E-85505CF54DA8}" type="presOf" srcId="{A97FC57D-50D6-4D43-99C3-06D09820F122}" destId="{2D1C1CB8-58C2-46AC-93F8-7D14C8828C6D}" srcOrd="0" destOrd="2" presId="urn:microsoft.com/office/officeart/2009/3/layout/PieProcess"/>
     <dgm:cxn modelId="{2E2AA5AF-25C8-4FAD-A68E-3FA1132BED79}" srcId="{6D0E5D9F-7263-4526-A227-51301233F549}" destId="{422AACC2-0BA9-4098-8E51-7BBB903AF3DB}" srcOrd="1" destOrd="0" parTransId="{11DAD3B5-F1B9-444B-8EA3-1E482FF1214A}" sibTransId="{1C5069E3-05F5-4148-88FE-11E4D98108D1}"/>
-    <dgm:cxn modelId="{1C5CE732-A00F-4C06-A1A8-B209BC6B496D}" srcId="{E5E95E82-EF79-43CA-AA86-43B0E1CBCD3F}" destId="{37A7C994-CC74-44DD-8777-ED6736B35821}" srcOrd="1" destOrd="0" parTransId="{03F017E7-7E3C-4E2C-9CEF-B07099F38801}" sibTransId="{118572A4-3B5E-487E-8015-6A319369077F}"/>
-    <dgm:cxn modelId="{3C41F2E0-4620-40B4-9857-68872B278EFB}" srcId="{B6E26FFC-9977-4BBC-BEC7-3D6B63754E52}" destId="{CBCC21F5-552F-4D39-812E-6FCD4A366F58}" srcOrd="0" destOrd="0" parTransId="{4A973A1C-85F1-4969-A536-D29940229E2C}" sibTransId="{3640B940-6901-481F-ADF7-6B77DEEED764}"/>
-    <dgm:cxn modelId="{77BD0D2D-7C4E-49B3-9A72-0FD33F32D294}" type="presOf" srcId="{6D0E5D9F-7263-4526-A227-51301233F549}" destId="{25A33852-3C4B-4406-8856-3A4D6201948C}" srcOrd="0" destOrd="0" presId="urn:microsoft.com/office/officeart/2005/8/layout/hList6"/>
-    <dgm:cxn modelId="{3AE2742D-7673-4553-BCDD-292AE3B4BC50}" type="presOf" srcId="{97AFB725-9839-43BA-B026-0DD6AA03AD9C}" destId="{98302F07-D6A9-46A5-9807-EBF6C9F5B2DD}" srcOrd="0" destOrd="1" presId="urn:microsoft.com/office/officeart/2005/8/layout/hList6"/>
-    <dgm:cxn modelId="{D4055BC1-25B1-4CD1-BF08-20C154FADF73}" type="presParOf" srcId="{6F1872F4-A030-4D64-A17C-72EA1ABBD62E}" destId="{98302F07-D6A9-46A5-9807-EBF6C9F5B2DD}" srcOrd="0" destOrd="0" presId="urn:microsoft.com/office/officeart/2005/8/layout/hList6"/>
-    <dgm:cxn modelId="{584E2F3E-994B-49B2-AD46-0E8D6E4A468B}" type="presParOf" srcId="{6F1872F4-A030-4D64-A17C-72EA1ABBD62E}" destId="{6681DF6F-8E98-430C-9A87-14BEC6C3269E}" srcOrd="1" destOrd="0" presId="urn:microsoft.com/office/officeart/2005/8/layout/hList6"/>
-    <dgm:cxn modelId="{FD54A181-98DF-439C-9CA4-93CD1333DEC4}" type="presParOf" srcId="{6F1872F4-A030-4D64-A17C-72EA1ABBD62E}" destId="{DAD9059A-916A-4916-A2A8-B42491568DD3}" srcOrd="2" destOrd="0" presId="urn:microsoft.com/office/officeart/2005/8/layout/hList6"/>
-    <dgm:cxn modelId="{B910F504-589D-4168-B820-FECB0EF26955}" type="presParOf" srcId="{6F1872F4-A030-4D64-A17C-72EA1ABBD62E}" destId="{39AEACD1-F8CF-4528-8379-DAA829B3790B}" srcOrd="3" destOrd="0" presId="urn:microsoft.com/office/officeart/2005/8/layout/hList6"/>
-    <dgm:cxn modelId="{AEDC4C6E-DC7C-4364-8563-E748313EFA17}" type="presParOf" srcId="{6F1872F4-A030-4D64-A17C-72EA1ABBD62E}" destId="{25A33852-3C4B-4406-8856-3A4D6201948C}" srcOrd="4" destOrd="0" presId="urn:microsoft.com/office/officeart/2005/8/layout/hList6"/>
-    <dgm:cxn modelId="{CBF7D188-2B16-4153-AEAE-C484C833188A}" type="presParOf" srcId="{6F1872F4-A030-4D64-A17C-72EA1ABBD62E}" destId="{562EDDC3-60FD-463F-A6DB-A597D604B642}" srcOrd="5" destOrd="0" presId="urn:microsoft.com/office/officeart/2005/8/layout/hList6"/>
-    <dgm:cxn modelId="{A7220034-7FD2-4082-91F9-5EDDE0F524D0}" type="presParOf" srcId="{6F1872F4-A030-4D64-A17C-72EA1ABBD62E}" destId="{86146B22-5360-4D1B-AC91-3378F10134EE}" srcOrd="6" destOrd="0" presId="urn:microsoft.com/office/officeart/2005/8/layout/hList6"/>
+    <dgm:cxn modelId="{A76240AD-13F6-40C0-BD9B-102D5EC0AE51}" srcId="{CF9055CF-8DEB-4A02-949A-DE72B6AC5D37}" destId="{E5E95E82-EF79-43CA-AA86-43B0E1CBCD3F}" srcOrd="3" destOrd="0" parTransId="{FD76A3AE-1B6C-45A0-8E84-63160283749F}" sibTransId="{BF76010C-5523-4E13-B3E7-886DCE6AEBD4}"/>
+    <dgm:cxn modelId="{C8C462C6-33A3-4E8B-91FE-36DBE92F1C4A}" srcId="{CF9055CF-8DEB-4A02-949A-DE72B6AC5D37}" destId="{6D0E5D9F-7263-4526-A227-51301233F549}" srcOrd="2" destOrd="0" parTransId="{23416D07-25F8-426C-BC65-639E6BCF4D6D}" sibTransId="{DE289E29-1989-4D8E-8AA6-F030105B3F13}"/>
+    <dgm:cxn modelId="{B8E8ABDE-9AC8-47CE-A780-378F6122DFF9}" type="presOf" srcId="{CF9055CF-8DEB-4A02-949A-DE72B6AC5D37}" destId="{CB01CF51-F723-4F8D-80F7-D236155D2300}" srcOrd="0" destOrd="0" presId="urn:microsoft.com/office/officeart/2009/3/layout/PieProcess"/>
+    <dgm:cxn modelId="{D2985AA5-A2DA-491D-8D79-7197674A4AB0}" type="presOf" srcId="{082E8A29-955A-4C7C-A174-3E9DCD4DC89B}" destId="{3738601E-7288-4CE8-B6B3-708FCF66B198}" srcOrd="0" destOrd="0" presId="urn:microsoft.com/office/officeart/2009/3/layout/PieProcess"/>
+    <dgm:cxn modelId="{2986897A-7787-444F-B6C8-41F3823EF3C1}" srcId="{CF9055CF-8DEB-4A02-949A-DE72B6AC5D37}" destId="{082E8A29-955A-4C7C-A174-3E9DCD4DC89B}" srcOrd="0" destOrd="0" parTransId="{BA7938E6-8DFA-40B7-B4C4-EACC6D85FC31}" sibTransId="{C2176686-D23E-48EB-9D1B-1A1B46236638}"/>
+    <dgm:cxn modelId="{F89EA6DF-D106-435E-9337-D23286A767A6}" srcId="{B6E26FFC-9977-4BBC-BEC7-3D6B63754E52}" destId="{44B2544A-D122-4B95-A36C-B03D9E272B48}" srcOrd="2" destOrd="0" parTransId="{9EE40E78-C1B8-4A87-A668-53AD816CED24}" sibTransId="{F32DECE0-DC7F-4DCF-A10D-96A117A49197}"/>
+    <dgm:cxn modelId="{508A9F6A-C4F1-4147-A5F6-B89293B446E8}" srcId="{082E8A29-955A-4C7C-A174-3E9DCD4DC89B}" destId="{B86124A4-14C7-49C7-A342-9B2C2B94980B}" srcOrd="1" destOrd="0" parTransId="{B2F6F8FA-C3EE-485C-BFEC-A81570DC47D8}" sibTransId="{1114C752-8188-4E63-BFFC-E4081ACE9882}"/>
+    <dgm:cxn modelId="{1B8E71B0-2D3A-4AB0-8843-CFDACEDC3198}" srcId="{6D0E5D9F-7263-4526-A227-51301233F549}" destId="{F3256203-D9D1-492A-B801-68C1A32486F0}" srcOrd="0" destOrd="0" parTransId="{E9A20291-2E30-4C14-BB7D-DC095A20ECB6}" sibTransId="{6C9440D0-8847-40C0-98BC-2B5EA5745C3A}"/>
+    <dgm:cxn modelId="{336B408F-4526-4AED-BDE8-A9C48DA3BCE7}" type="presParOf" srcId="{CB01CF51-F723-4F8D-80F7-D236155D2300}" destId="{C8BC21FD-556C-40FC-81CC-FBE0FB65A039}" srcOrd="0" destOrd="0" presId="urn:microsoft.com/office/officeart/2009/3/layout/PieProcess"/>
+    <dgm:cxn modelId="{113764BB-4B9A-497E-B74C-B9898BB87867}" type="presParOf" srcId="{C8BC21FD-556C-40FC-81CC-FBE0FB65A039}" destId="{8ED7BCA2-C1D0-4998-9B75-278A1B905C47}" srcOrd="0" destOrd="0" presId="urn:microsoft.com/office/officeart/2009/3/layout/PieProcess"/>
+    <dgm:cxn modelId="{E0B7A688-314E-4B05-9C22-F03775FC6B22}" type="presParOf" srcId="{C8BC21FD-556C-40FC-81CC-FBE0FB65A039}" destId="{59596444-DE5B-470F-9D02-95BA2AD06BDF}" srcOrd="1" destOrd="0" presId="urn:microsoft.com/office/officeart/2009/3/layout/PieProcess"/>
+    <dgm:cxn modelId="{D4A517F3-EE9A-47BD-8B50-F472862A5811}" type="presParOf" srcId="{C8BC21FD-556C-40FC-81CC-FBE0FB65A039}" destId="{3738601E-7288-4CE8-B6B3-708FCF66B198}" srcOrd="2" destOrd="0" presId="urn:microsoft.com/office/officeart/2009/3/layout/PieProcess"/>
+    <dgm:cxn modelId="{5108A3AA-4B4E-4713-BFA5-A058E121B331}" type="presParOf" srcId="{CB01CF51-F723-4F8D-80F7-D236155D2300}" destId="{5C7566F6-C13E-4509-A9A7-CD09BAF0870E}" srcOrd="1" destOrd="0" presId="urn:microsoft.com/office/officeart/2009/3/layout/PieProcess"/>
+    <dgm:cxn modelId="{631D4BC0-A64C-44EE-8E23-EDEE462A811C}" type="presParOf" srcId="{CB01CF51-F723-4F8D-80F7-D236155D2300}" destId="{C26315DD-2D54-4476-8280-736218FB378C}" srcOrd="2" destOrd="0" presId="urn:microsoft.com/office/officeart/2009/3/layout/PieProcess"/>
+    <dgm:cxn modelId="{912045D9-7D56-4593-9BFC-AB1C08473288}" type="presParOf" srcId="{C26315DD-2D54-4476-8280-736218FB378C}" destId="{2D1C1CB8-58C2-46AC-93F8-7D14C8828C6D}" srcOrd="0" destOrd="0" presId="urn:microsoft.com/office/officeart/2009/3/layout/PieProcess"/>
+    <dgm:cxn modelId="{36E52643-3D7D-4E54-99D6-EDCC47E229E3}" type="presParOf" srcId="{CB01CF51-F723-4F8D-80F7-D236155D2300}" destId="{388B3605-5608-4D75-A447-2786C48796D3}" srcOrd="3" destOrd="0" presId="urn:microsoft.com/office/officeart/2009/3/layout/PieProcess"/>
+    <dgm:cxn modelId="{D49EFC42-27D7-4021-AD98-1F4AF67165DF}" type="presParOf" srcId="{CB01CF51-F723-4F8D-80F7-D236155D2300}" destId="{2F1A9009-F98C-419B-9DD1-0E1C5E2F45A4}" srcOrd="4" destOrd="0" presId="urn:microsoft.com/office/officeart/2009/3/layout/PieProcess"/>
+    <dgm:cxn modelId="{B74D0218-4E60-43D6-99C9-923516B9CFAC}" type="presParOf" srcId="{2F1A9009-F98C-419B-9DD1-0E1C5E2F45A4}" destId="{13A57D11-4E37-4805-8691-A175E10E868B}" srcOrd="0" destOrd="0" presId="urn:microsoft.com/office/officeart/2009/3/layout/PieProcess"/>
+    <dgm:cxn modelId="{AEB30704-3C79-4C12-A77C-B83413AF2392}" type="presParOf" srcId="{2F1A9009-F98C-419B-9DD1-0E1C5E2F45A4}" destId="{5678EE1E-BA84-41B0-894E-505B199402B8}" srcOrd="1" destOrd="0" presId="urn:microsoft.com/office/officeart/2009/3/layout/PieProcess"/>
+    <dgm:cxn modelId="{7929A6F6-721B-4B78-976E-B1938DECE96F}" type="presParOf" srcId="{2F1A9009-F98C-419B-9DD1-0E1C5E2F45A4}" destId="{BC4B5C02-E286-4891-A251-DC2B2E3F436B}" srcOrd="2" destOrd="0" presId="urn:microsoft.com/office/officeart/2009/3/layout/PieProcess"/>
+    <dgm:cxn modelId="{346D5F11-B98C-4A80-935D-767EBFD0FF39}" type="presParOf" srcId="{CB01CF51-F723-4F8D-80F7-D236155D2300}" destId="{28E47D28-1AC9-4674-BF31-83CBB825DA83}" srcOrd="5" destOrd="0" presId="urn:microsoft.com/office/officeart/2009/3/layout/PieProcess"/>
+    <dgm:cxn modelId="{9546A832-087C-4DAE-AF55-A403756AFBFA}" type="presParOf" srcId="{CB01CF51-F723-4F8D-80F7-D236155D2300}" destId="{DB5212A8-CDC7-4610-88D7-C245602727FC}" srcOrd="6" destOrd="0" presId="urn:microsoft.com/office/officeart/2009/3/layout/PieProcess"/>
+    <dgm:cxn modelId="{E65ABF6E-7A39-4AE5-887C-C5879E31C2F7}" type="presParOf" srcId="{DB5212A8-CDC7-4610-88D7-C245602727FC}" destId="{AD586D5E-6D5D-4C38-A2CC-FCF6A2523532}" srcOrd="0" destOrd="0" presId="urn:microsoft.com/office/officeart/2009/3/layout/PieProcess"/>
+    <dgm:cxn modelId="{A2B1907C-26F9-4A67-863A-5604626CFCEE}" type="presParOf" srcId="{CB01CF51-F723-4F8D-80F7-D236155D2300}" destId="{63F744B1-319A-47E4-B03C-7B9910615014}" srcOrd="7" destOrd="0" presId="urn:microsoft.com/office/officeart/2009/3/layout/PieProcess"/>
+    <dgm:cxn modelId="{13171B6C-2B20-4553-945F-C460DAC78059}" type="presParOf" srcId="{CB01CF51-F723-4F8D-80F7-D236155D2300}" destId="{3069745A-B63C-4A18-9A3A-7AFB83869B86}" srcOrd="8" destOrd="0" presId="urn:microsoft.com/office/officeart/2009/3/layout/PieProcess"/>
+    <dgm:cxn modelId="{404074D8-0D0A-4E80-AA4C-94591E86C65C}" type="presParOf" srcId="{3069745A-B63C-4A18-9A3A-7AFB83869B86}" destId="{23B3ED49-A8DF-469D-9786-48B701A5EF23}" srcOrd="0" destOrd="0" presId="urn:microsoft.com/office/officeart/2009/3/layout/PieProcess"/>
+    <dgm:cxn modelId="{C5A3DA9A-F278-4911-9B2B-2FF77BCC2139}" type="presParOf" srcId="{3069745A-B63C-4A18-9A3A-7AFB83869B86}" destId="{966F4581-CA55-495D-A121-EB41790B682F}" srcOrd="1" destOrd="0" presId="urn:microsoft.com/office/officeart/2009/3/layout/PieProcess"/>
+    <dgm:cxn modelId="{42DCC42C-176B-46FF-A1E2-4BFF6E1C1AD0}" type="presParOf" srcId="{3069745A-B63C-4A18-9A3A-7AFB83869B86}" destId="{CA9AEAE3-E1C9-456F-BBFA-1FA519C78A4E}" srcOrd="2" destOrd="0" presId="urn:microsoft.com/office/officeart/2009/3/layout/PieProcess"/>
+    <dgm:cxn modelId="{763CA9EF-059F-41AF-9782-20DD9127E296}" type="presParOf" srcId="{CB01CF51-F723-4F8D-80F7-D236155D2300}" destId="{4059FA52-BA29-436C-B01E-F625A31B39D5}" srcOrd="9" destOrd="0" presId="urn:microsoft.com/office/officeart/2009/3/layout/PieProcess"/>
+    <dgm:cxn modelId="{8FA17F54-C2A6-443A-B758-BC6183DF34E7}" type="presParOf" srcId="{CB01CF51-F723-4F8D-80F7-D236155D2300}" destId="{D61A1E74-1A3F-423B-B020-3BA19056AA68}" srcOrd="10" destOrd="0" presId="urn:microsoft.com/office/officeart/2009/3/layout/PieProcess"/>
+    <dgm:cxn modelId="{5C625B29-C3DB-4A4F-8BF1-4D1704B0C26C}" type="presParOf" srcId="{D61A1E74-1A3F-423B-B020-3BA19056AA68}" destId="{986877C7-5555-4471-A423-DCAF7AEC96DE}" srcOrd="0" destOrd="0" presId="urn:microsoft.com/office/officeart/2009/3/layout/PieProcess"/>
+    <dgm:cxn modelId="{9EDAF5F2-E31F-40E6-8071-39B42749902F}" type="presParOf" srcId="{CB01CF51-F723-4F8D-80F7-D236155D2300}" destId="{0CF3F78D-59EA-412D-A1D1-233489C3EBF6}" srcOrd="11" destOrd="0" presId="urn:microsoft.com/office/officeart/2009/3/layout/PieProcess"/>
+    <dgm:cxn modelId="{885208D8-148D-43AF-82FB-85259EC91B8C}" type="presParOf" srcId="{CB01CF51-F723-4F8D-80F7-D236155D2300}" destId="{BA5B4443-6B78-4A97-8013-721CF4666F24}" srcOrd="12" destOrd="0" presId="urn:microsoft.com/office/officeart/2009/3/layout/PieProcess"/>
+    <dgm:cxn modelId="{0710FDF6-B237-4C81-84CC-2BE6BC4E4EBA}" type="presParOf" srcId="{BA5B4443-6B78-4A97-8013-721CF4666F24}" destId="{2F91C5D8-3B13-44B4-8C71-0652A1FA3FB4}" srcOrd="0" destOrd="0" presId="urn:microsoft.com/office/officeart/2009/3/layout/PieProcess"/>
+    <dgm:cxn modelId="{14788F42-D1B4-4E92-B6D9-79779F22D212}" type="presParOf" srcId="{BA5B4443-6B78-4A97-8013-721CF4666F24}" destId="{EB62602B-5B52-4E2C-86E4-406EDE0E8B5C}" srcOrd="1" destOrd="0" presId="urn:microsoft.com/office/officeart/2009/3/layout/PieProcess"/>
+    <dgm:cxn modelId="{26748783-5ACE-4C80-8919-FC5D21AE7614}" type="presParOf" srcId="{BA5B4443-6B78-4A97-8013-721CF4666F24}" destId="{5A148C6B-0CFB-4CDB-B2E0-0CF7320A2CD8}" srcOrd="2" destOrd="0" presId="urn:microsoft.com/office/officeart/2009/3/layout/PieProcess"/>
+    <dgm:cxn modelId="{7E5BBA92-02E1-4B9B-A52E-CC3F16474DDB}" type="presParOf" srcId="{CB01CF51-F723-4F8D-80F7-D236155D2300}" destId="{97CD814A-57C6-4E77-81D0-DF5F94515A11}" srcOrd="13" destOrd="0" presId="urn:microsoft.com/office/officeart/2009/3/layout/PieProcess"/>
+    <dgm:cxn modelId="{B16B036C-2901-44A4-B1DC-EA8053A0DD7D}" type="presParOf" srcId="{CB01CF51-F723-4F8D-80F7-D236155D2300}" destId="{FA6A02B3-80DA-4CB3-9E0B-AFCEFA744C14}" srcOrd="14" destOrd="0" presId="urn:microsoft.com/office/officeart/2009/3/layout/PieProcess"/>
+    <dgm:cxn modelId="{0B055DA2-EF81-4A04-AA2E-85FEDA576C06}" type="presParOf" srcId="{FA6A02B3-80DA-4CB3-9E0B-AFCEFA744C14}" destId="{FDC79394-E0CB-4CB1-9269-8658F340BC8D}" srcOrd="0" destOrd="0" presId="urn:microsoft.com/office/officeart/2009/3/layout/PieProcess"/>
   </dgm:cxnLst>
   <dgm:bg/>
   <dgm:whole/>
@@ -3161,7 +3350,7 @@
 <dgm:dataModel xmlns:dgm="http://schemas.openxmlformats.org/drawingml/2006/diagram" xmlns:a="http://schemas.openxmlformats.org/drawingml/2006/main">
   <dgm:ptLst>
     <dgm:pt modelId="{CF9055CF-8DEB-4A02-949A-DE72B6AC5D37}" type="doc">
-      <dgm:prSet loTypeId="urn:microsoft.com/office/officeart/2005/8/layout/hList6" loCatId="list" qsTypeId="urn:microsoft.com/office/officeart/2005/8/quickstyle/simple3" qsCatId="simple" csTypeId="urn:microsoft.com/office/officeart/2005/8/colors/accent1_2" csCatId="accent1" phldr="1"/>
+      <dgm:prSet loTypeId="urn:diagrams.loki3.com/BracketList" loCatId="list" qsTypeId="urn:microsoft.com/office/officeart/2005/8/quickstyle/3d3" qsCatId="3D" csTypeId="urn:microsoft.com/office/officeart/2005/8/colors/accent1_2" csCatId="accent1" phldr="1"/>
       <dgm:spPr/>
       <dgm:t>
         <a:bodyPr/>
@@ -3179,13 +3368,13 @@
         <a:lstStyle/>
         <a:p>
           <a:r>
-            <a:rPr lang="en-US" sz="1800" dirty="0" smtClean="0">
+            <a:rPr lang="en-US" sz="2000" dirty="0" smtClean="0">
               <a:latin typeface="Times New Roman" panose="02020603050405020304" pitchFamily="18" charset="0"/>
               <a:cs typeface="Times New Roman" panose="02020603050405020304" pitchFamily="18" charset="0"/>
             </a:rPr>
             <a:t>Requirements Gathering </a:t>
           </a:r>
-          <a:endParaRPr lang="en-US" sz="1800" dirty="0">
+          <a:endParaRPr lang="en-US" sz="2000" dirty="0">
             <a:latin typeface="Times New Roman" panose="02020603050405020304" pitchFamily="18" charset="0"/>
             <a:cs typeface="Times New Roman" panose="02020603050405020304" pitchFamily="18" charset="0"/>
           </a:endParaRPr>
@@ -3222,13 +3411,13 @@
         <a:lstStyle/>
         <a:p>
           <a:r>
-            <a:rPr lang="en-US" sz="1800" dirty="0" smtClean="0">
+            <a:rPr lang="en-US" sz="2000" dirty="0" smtClean="0">
               <a:latin typeface="Times New Roman" panose="02020603050405020304" pitchFamily="18" charset="0"/>
               <a:cs typeface="Times New Roman" panose="02020603050405020304" pitchFamily="18" charset="0"/>
             </a:rPr>
             <a:t>Requirements specification</a:t>
           </a:r>
-          <a:endParaRPr lang="en-US" sz="1800" dirty="0">
+          <a:endParaRPr lang="en-US" sz="2000" dirty="0">
             <a:latin typeface="Times New Roman" panose="02020603050405020304" pitchFamily="18" charset="0"/>
             <a:cs typeface="Times New Roman" panose="02020603050405020304" pitchFamily="18" charset="0"/>
           </a:endParaRPr>
@@ -3265,13 +3454,13 @@
         <a:lstStyle/>
         <a:p>
           <a:r>
-            <a:rPr lang="en-US" sz="1800" dirty="0" smtClean="0">
+            <a:rPr lang="en-US" sz="2000" dirty="0" smtClean="0">
               <a:latin typeface="Times New Roman" panose="02020603050405020304" pitchFamily="18" charset="0"/>
               <a:cs typeface="Times New Roman" panose="02020603050405020304" pitchFamily="18" charset="0"/>
             </a:rPr>
             <a:t>Team and standup Meetings</a:t>
           </a:r>
-          <a:endParaRPr lang="en-US" sz="1800" dirty="0">
+          <a:endParaRPr lang="en-US" sz="2000" dirty="0">
             <a:latin typeface="Times New Roman" panose="02020603050405020304" pitchFamily="18" charset="0"/>
             <a:cs typeface="Times New Roman" panose="02020603050405020304" pitchFamily="18" charset="0"/>
           </a:endParaRPr>
@@ -3308,13 +3497,13 @@
         <a:lstStyle/>
         <a:p>
           <a:r>
-            <a:rPr lang="en-US" sz="1800" dirty="0" smtClean="0">
+            <a:rPr lang="en-US" sz="2000" dirty="0" smtClean="0">
               <a:latin typeface="Times New Roman" panose="02020603050405020304" pitchFamily="18" charset="0"/>
               <a:cs typeface="Times New Roman" panose="02020603050405020304" pitchFamily="18" charset="0"/>
             </a:rPr>
             <a:t>Use Case documentation</a:t>
           </a:r>
-          <a:endParaRPr lang="en-US" sz="1800" dirty="0">
+          <a:endParaRPr lang="en-US" sz="2000" dirty="0">
             <a:latin typeface="Times New Roman" panose="02020603050405020304" pitchFamily="18" charset="0"/>
             <a:cs typeface="Times New Roman" panose="02020603050405020304" pitchFamily="18" charset="0"/>
           </a:endParaRPr>
@@ -3738,13 +3927,13 @@
         <a:lstStyle/>
         <a:p>
           <a:r>
-            <a:rPr lang="en-US" sz="1800" dirty="0" smtClean="0">
+            <a:rPr lang="en-US" sz="2000" dirty="0" smtClean="0">
               <a:latin typeface="Times New Roman" panose="02020603050405020304" pitchFamily="18" charset="0"/>
               <a:cs typeface="Times New Roman" panose="02020603050405020304" pitchFamily="18" charset="0"/>
             </a:rPr>
             <a:t>Problem Statement</a:t>
           </a:r>
-          <a:endParaRPr lang="en-US" sz="1800" dirty="0">
+          <a:endParaRPr lang="en-US" sz="2000" dirty="0">
             <a:latin typeface="Times New Roman" panose="02020603050405020304" pitchFamily="18" charset="0"/>
             <a:cs typeface="Times New Roman" panose="02020603050405020304" pitchFamily="18" charset="0"/>
           </a:endParaRPr>
@@ -3773,10 +3962,11 @@
         </a:p>
       </dgm:t>
     </dgm:pt>
-    <dgm:pt modelId="{6F1872F4-A030-4D64-A17C-72EA1ABBD62E}" type="pres">
+    <dgm:pt modelId="{3AD46912-AB30-4540-8DF5-67AC1488F01C}" type="pres">
       <dgm:prSet presAssocID="{CF9055CF-8DEB-4A02-949A-DE72B6AC5D37}" presName="Name0" presStyleCnt="0">
         <dgm:presLayoutVars>
           <dgm:dir/>
+          <dgm:animLvl val="lvl"/>
           <dgm:resizeHandles val="exact"/>
         </dgm:presLayoutVars>
       </dgm:prSet>
@@ -3789,8 +3979,36 @@
         </a:p>
       </dgm:t>
     </dgm:pt>
-    <dgm:pt modelId="{98302F07-D6A9-46A5-9807-EBF6C9F5B2DD}" type="pres">
-      <dgm:prSet presAssocID="{082E8A29-955A-4C7C-A174-3E9DCD4DC89B}" presName="node" presStyleLbl="node1" presStyleIdx="0" presStyleCnt="4">
+    <dgm:pt modelId="{45590239-E460-41FB-9748-8B7AA6BC7C54}" type="pres">
+      <dgm:prSet presAssocID="{082E8A29-955A-4C7C-A174-3E9DCD4DC89B}" presName="linNode" presStyleCnt="0"/>
+      <dgm:spPr/>
+    </dgm:pt>
+    <dgm:pt modelId="{8F988417-5085-446A-9534-C8E783FFAC0F}" type="pres">
+      <dgm:prSet presAssocID="{082E8A29-955A-4C7C-A174-3E9DCD4DC89B}" presName="parTx" presStyleLbl="revTx" presStyleIdx="0" presStyleCnt="4">
+        <dgm:presLayoutVars>
+          <dgm:chMax val="1"/>
+          <dgm:bulletEnabled val="1"/>
+        </dgm:presLayoutVars>
+      </dgm:prSet>
+      <dgm:spPr/>
+      <dgm:t>
+        <a:bodyPr/>
+        <a:lstStyle/>
+        <a:p>
+          <a:endParaRPr lang="en-US"/>
+        </a:p>
+      </dgm:t>
+    </dgm:pt>
+    <dgm:pt modelId="{D7B4D69F-D437-4019-A697-900DF3BD4189}" type="pres">
+      <dgm:prSet presAssocID="{082E8A29-955A-4C7C-A174-3E9DCD4DC89B}" presName="bracket" presStyleLbl="parChTrans1D1" presStyleIdx="0" presStyleCnt="4"/>
+      <dgm:spPr/>
+    </dgm:pt>
+    <dgm:pt modelId="{58F3DA2A-2F80-4D0C-860E-AB65F54255C6}" type="pres">
+      <dgm:prSet presAssocID="{082E8A29-955A-4C7C-A174-3E9DCD4DC89B}" presName="spH" presStyleCnt="0"/>
+      <dgm:spPr/>
+    </dgm:pt>
+    <dgm:pt modelId="{22850625-2192-463E-8187-DBB37B4DEEE5}" type="pres">
+      <dgm:prSet presAssocID="{082E8A29-955A-4C7C-A174-3E9DCD4DC89B}" presName="desTx" presStyleLbl="node1" presStyleIdx="0" presStyleCnt="4">
         <dgm:presLayoutVars>
           <dgm:bulletEnabled val="1"/>
         </dgm:presLayoutVars>
@@ -3804,12 +4022,40 @@
         </a:p>
       </dgm:t>
     </dgm:pt>
-    <dgm:pt modelId="{6681DF6F-8E98-430C-9A87-14BEC6C3269E}" type="pres">
-      <dgm:prSet presAssocID="{C2176686-D23E-48EB-9D1B-1A1B46236638}" presName="sibTrans" presStyleCnt="0"/>
+    <dgm:pt modelId="{5DD4C92A-2623-4B42-B614-4A2EC37176AB}" type="pres">
+      <dgm:prSet presAssocID="{C2176686-D23E-48EB-9D1B-1A1B46236638}" presName="spV" presStyleCnt="0"/>
       <dgm:spPr/>
     </dgm:pt>
-    <dgm:pt modelId="{DAD9059A-916A-4916-A2A8-B42491568DD3}" type="pres">
-      <dgm:prSet presAssocID="{B6E26FFC-9977-4BBC-BEC7-3D6B63754E52}" presName="node" presStyleLbl="node1" presStyleIdx="1" presStyleCnt="4">
+    <dgm:pt modelId="{CEFD36D4-F43D-4287-A947-416A1F48D045}" type="pres">
+      <dgm:prSet presAssocID="{B6E26FFC-9977-4BBC-BEC7-3D6B63754E52}" presName="linNode" presStyleCnt="0"/>
+      <dgm:spPr/>
+    </dgm:pt>
+    <dgm:pt modelId="{74C582AC-97DE-47F1-B2F7-CEAF5C38053B}" type="pres">
+      <dgm:prSet presAssocID="{B6E26FFC-9977-4BBC-BEC7-3D6B63754E52}" presName="parTx" presStyleLbl="revTx" presStyleIdx="1" presStyleCnt="4">
+        <dgm:presLayoutVars>
+          <dgm:chMax val="1"/>
+          <dgm:bulletEnabled val="1"/>
+        </dgm:presLayoutVars>
+      </dgm:prSet>
+      <dgm:spPr/>
+      <dgm:t>
+        <a:bodyPr/>
+        <a:lstStyle/>
+        <a:p>
+          <a:endParaRPr lang="en-US"/>
+        </a:p>
+      </dgm:t>
+    </dgm:pt>
+    <dgm:pt modelId="{F913C9B7-04F1-448F-AF8C-2EC806DB40E1}" type="pres">
+      <dgm:prSet presAssocID="{B6E26FFC-9977-4BBC-BEC7-3D6B63754E52}" presName="bracket" presStyleLbl="parChTrans1D1" presStyleIdx="1" presStyleCnt="4"/>
+      <dgm:spPr/>
+    </dgm:pt>
+    <dgm:pt modelId="{77469717-6434-4D68-88E8-FEE7196DF771}" type="pres">
+      <dgm:prSet presAssocID="{B6E26FFC-9977-4BBC-BEC7-3D6B63754E52}" presName="spH" presStyleCnt="0"/>
+      <dgm:spPr/>
+    </dgm:pt>
+    <dgm:pt modelId="{8A77D6A0-09A8-4728-B3F6-2488D599D736}" type="pres">
+      <dgm:prSet presAssocID="{B6E26FFC-9977-4BBC-BEC7-3D6B63754E52}" presName="desTx" presStyleLbl="node1" presStyleIdx="1" presStyleCnt="4">
         <dgm:presLayoutVars>
           <dgm:bulletEnabled val="1"/>
         </dgm:presLayoutVars>
@@ -3823,12 +4069,40 @@
         </a:p>
       </dgm:t>
     </dgm:pt>
-    <dgm:pt modelId="{39AEACD1-F8CF-4528-8379-DAA829B3790B}" type="pres">
-      <dgm:prSet presAssocID="{48634C00-2335-4923-9072-EB7482323D9C}" presName="sibTrans" presStyleCnt="0"/>
+    <dgm:pt modelId="{59DCB08E-DDBC-4F73-9609-EB0FA23A7D7F}" type="pres">
+      <dgm:prSet presAssocID="{48634C00-2335-4923-9072-EB7482323D9C}" presName="spV" presStyleCnt="0"/>
       <dgm:spPr/>
     </dgm:pt>
-    <dgm:pt modelId="{25A33852-3C4B-4406-8856-3A4D6201948C}" type="pres">
-      <dgm:prSet presAssocID="{6D0E5D9F-7263-4526-A227-51301233F549}" presName="node" presStyleLbl="node1" presStyleIdx="2" presStyleCnt="4">
+    <dgm:pt modelId="{F63D196E-B163-440B-894F-F36085CE14BC}" type="pres">
+      <dgm:prSet presAssocID="{6D0E5D9F-7263-4526-A227-51301233F549}" presName="linNode" presStyleCnt="0"/>
+      <dgm:spPr/>
+    </dgm:pt>
+    <dgm:pt modelId="{18209124-9853-4B36-9180-55BC384AA84D}" type="pres">
+      <dgm:prSet presAssocID="{6D0E5D9F-7263-4526-A227-51301233F549}" presName="parTx" presStyleLbl="revTx" presStyleIdx="2" presStyleCnt="4">
+        <dgm:presLayoutVars>
+          <dgm:chMax val="1"/>
+          <dgm:bulletEnabled val="1"/>
+        </dgm:presLayoutVars>
+      </dgm:prSet>
+      <dgm:spPr/>
+      <dgm:t>
+        <a:bodyPr/>
+        <a:lstStyle/>
+        <a:p>
+          <a:endParaRPr lang="en-US"/>
+        </a:p>
+      </dgm:t>
+    </dgm:pt>
+    <dgm:pt modelId="{455EC50F-4F82-408F-84F8-D9B651BA263C}" type="pres">
+      <dgm:prSet presAssocID="{6D0E5D9F-7263-4526-A227-51301233F549}" presName="bracket" presStyleLbl="parChTrans1D1" presStyleIdx="2" presStyleCnt="4"/>
+      <dgm:spPr/>
+    </dgm:pt>
+    <dgm:pt modelId="{D3833A24-CC31-4364-8BDA-6718B9536ABE}" type="pres">
+      <dgm:prSet presAssocID="{6D0E5D9F-7263-4526-A227-51301233F549}" presName="spH" presStyleCnt="0"/>
+      <dgm:spPr/>
+    </dgm:pt>
+    <dgm:pt modelId="{9DC88600-C3D9-4AA5-B04F-AC7D55D573B0}" type="pres">
+      <dgm:prSet presAssocID="{6D0E5D9F-7263-4526-A227-51301233F549}" presName="desTx" presStyleLbl="node1" presStyleIdx="2" presStyleCnt="4">
         <dgm:presLayoutVars>
           <dgm:bulletEnabled val="1"/>
         </dgm:presLayoutVars>
@@ -3842,12 +4116,40 @@
         </a:p>
       </dgm:t>
     </dgm:pt>
-    <dgm:pt modelId="{562EDDC3-60FD-463F-A6DB-A597D604B642}" type="pres">
-      <dgm:prSet presAssocID="{DE289E29-1989-4D8E-8AA6-F030105B3F13}" presName="sibTrans" presStyleCnt="0"/>
+    <dgm:pt modelId="{F61087B3-F4D4-4372-BA34-FB9BAD08CAC0}" type="pres">
+      <dgm:prSet presAssocID="{DE289E29-1989-4D8E-8AA6-F030105B3F13}" presName="spV" presStyleCnt="0"/>
       <dgm:spPr/>
     </dgm:pt>
-    <dgm:pt modelId="{EA2D5D8D-3FD5-4FE4-B7E8-BF78685C4C76}" type="pres">
-      <dgm:prSet presAssocID="{A81358E0-3DE7-41AD-A28C-ABB22548B1F6}" presName="node" presStyleLbl="node1" presStyleIdx="3" presStyleCnt="4">
+    <dgm:pt modelId="{6DCC880D-B8D8-455F-BCFE-746ED42D78D4}" type="pres">
+      <dgm:prSet presAssocID="{A81358E0-3DE7-41AD-A28C-ABB22548B1F6}" presName="linNode" presStyleCnt="0"/>
+      <dgm:spPr/>
+    </dgm:pt>
+    <dgm:pt modelId="{AE12AEDB-2669-4D1A-914A-BA7EC0BD59A9}" type="pres">
+      <dgm:prSet presAssocID="{A81358E0-3DE7-41AD-A28C-ABB22548B1F6}" presName="parTx" presStyleLbl="revTx" presStyleIdx="3" presStyleCnt="4">
+        <dgm:presLayoutVars>
+          <dgm:chMax val="1"/>
+          <dgm:bulletEnabled val="1"/>
+        </dgm:presLayoutVars>
+      </dgm:prSet>
+      <dgm:spPr/>
+      <dgm:t>
+        <a:bodyPr/>
+        <a:lstStyle/>
+        <a:p>
+          <a:endParaRPr lang="en-US"/>
+        </a:p>
+      </dgm:t>
+    </dgm:pt>
+    <dgm:pt modelId="{ED72DC66-B720-4641-B186-0DA0DE7AB25F}" type="pres">
+      <dgm:prSet presAssocID="{A81358E0-3DE7-41AD-A28C-ABB22548B1F6}" presName="bracket" presStyleLbl="parChTrans1D1" presStyleIdx="3" presStyleCnt="4"/>
+      <dgm:spPr/>
+    </dgm:pt>
+    <dgm:pt modelId="{4F2AAD7C-E9BD-4DFE-B351-A9DD7CC107A9}" type="pres">
+      <dgm:prSet presAssocID="{A81358E0-3DE7-41AD-A28C-ABB22548B1F6}" presName="spH" presStyleCnt="0"/>
+      <dgm:spPr/>
+    </dgm:pt>
+    <dgm:pt modelId="{2DDF7FCF-0E74-45B4-9880-0E53C8A0FB81}" type="pres">
+      <dgm:prSet presAssocID="{A81358E0-3DE7-41AD-A28C-ABB22548B1F6}" presName="desTx" presStyleLbl="node1" presStyleIdx="3" presStyleCnt="4">
         <dgm:presLayoutVars>
           <dgm:bulletEnabled val="1"/>
         </dgm:presLayoutVars>
@@ -3863,42 +4165,58 @@
     </dgm:pt>
   </dgm:ptLst>
   <dgm:cxnLst>
-    <dgm:cxn modelId="{1B9593D8-0118-451B-8B48-CC6C91B73C1B}" type="presOf" srcId="{B86124A4-14C7-49C7-A342-9B2C2B94980B}" destId="{98302F07-D6A9-46A5-9807-EBF6C9F5B2DD}" srcOrd="0" destOrd="3" presId="urn:microsoft.com/office/officeart/2005/8/layout/hList6"/>
+    <dgm:cxn modelId="{4BF436C2-CB7A-454C-A1D2-41BCB7321C26}" type="presOf" srcId="{A97FC57D-50D6-4D43-99C3-06D09820F122}" destId="{22850625-2192-463E-8187-DBB37B4DEEE5}" srcOrd="0" destOrd="3" presId="urn:diagrams.loki3.com/BracketList"/>
+    <dgm:cxn modelId="{78C415D6-35DF-45BB-8921-595A1C6CA239}" type="presOf" srcId="{B6E26FFC-9977-4BBC-BEC7-3D6B63754E52}" destId="{74C582AC-97DE-47F1-B2F7-CEAF5C38053B}" srcOrd="0" destOrd="0" presId="urn:diagrams.loki3.com/BracketList"/>
+    <dgm:cxn modelId="{CC727F34-AF53-4AC0-9AD6-357E6D15CB8E}" type="presOf" srcId="{97AFB725-9839-43BA-B026-0DD6AA03AD9C}" destId="{22850625-2192-463E-8187-DBB37B4DEEE5}" srcOrd="0" destOrd="1" presId="urn:diagrams.loki3.com/BracketList"/>
+    <dgm:cxn modelId="{A2714790-C7A3-4B92-B748-271A29D614FC}" type="presOf" srcId="{357008B7-F3FD-489F-A410-81C9A9EFE4DA}" destId="{9DC88600-C3D9-4AA5-B04F-AC7D55D573B0}" srcOrd="0" destOrd="1" presId="urn:diagrams.loki3.com/BracketList"/>
+    <dgm:cxn modelId="{D286A548-6BB0-4DED-9FB5-D87042DDBE0A}" srcId="{082E8A29-955A-4C7C-A174-3E9DCD4DC89B}" destId="{A97FC57D-50D6-4D43-99C3-06D09820F122}" srcOrd="3" destOrd="0" parTransId="{5DD877C7-E4D9-4A68-A305-5A7689D3DBE7}" sibTransId="{C17BCABE-BEF2-4CC4-B037-B6B4866665CD}"/>
+    <dgm:cxn modelId="{187CA79C-407F-4248-8324-1976688B47A3}" type="presOf" srcId="{62831651-7C26-466C-BAA4-31EA8D14E47A}" destId="{8A77D6A0-09A8-4728-B3F6-2488D599D736}" srcOrd="0" destOrd="1" presId="urn:diagrams.loki3.com/BracketList"/>
+    <dgm:cxn modelId="{97004F90-D1DB-4A84-A8AE-504DE1F07341}" srcId="{082E8A29-955A-4C7C-A174-3E9DCD4DC89B}" destId="{97AFB725-9839-43BA-B026-0DD6AA03AD9C}" srcOrd="1" destOrd="0" parTransId="{CC01022B-5039-457F-931E-79459E3C1DC4}" sibTransId="{D5C26250-A06D-4B41-BC14-92648809C21F}"/>
+    <dgm:cxn modelId="{8910F93B-7180-4A52-9856-879D102D33F8}" srcId="{6D0E5D9F-7263-4526-A227-51301233F549}" destId="{357008B7-F3FD-489F-A410-81C9A9EFE4DA}" srcOrd="1" destOrd="0" parTransId="{ED5EFE54-4C6D-4A88-939B-CE66C6668425}" sibTransId="{87BC108C-4915-4A4B-8565-E4BD28BA3C35}"/>
+    <dgm:cxn modelId="{17E73148-9C08-4999-B21E-F3C5A0E3FC0C}" srcId="{CF9055CF-8DEB-4A02-949A-DE72B6AC5D37}" destId="{B6E26FFC-9977-4BBC-BEC7-3D6B63754E52}" srcOrd="1" destOrd="0" parTransId="{5CEFBD89-2F4F-4B51-A98A-0F3C86494166}" sibTransId="{48634C00-2335-4923-9072-EB7482323D9C}"/>
+    <dgm:cxn modelId="{F9F24B56-4C40-4CD5-B0B3-335013F9648E}" type="presOf" srcId="{37A7C994-CC74-44DD-8777-ED6736B35821}" destId="{2DDF7FCF-0E74-45B4-9880-0E53C8A0FB81}" srcOrd="0" destOrd="0" presId="urn:diagrams.loki3.com/BracketList"/>
+    <dgm:cxn modelId="{E3D1E441-6DFB-4005-8B07-84971CD049AF}" type="presOf" srcId="{CF9055CF-8DEB-4A02-949A-DE72B6AC5D37}" destId="{3AD46912-AB30-4540-8DF5-67AC1488F01C}" srcOrd="0" destOrd="0" presId="urn:diagrams.loki3.com/BracketList"/>
+    <dgm:cxn modelId="{12609D25-6280-4191-96EC-FC59574CC5FD}" type="presOf" srcId="{B86124A4-14C7-49C7-A342-9B2C2B94980B}" destId="{22850625-2192-463E-8187-DBB37B4DEEE5}" srcOrd="0" destOrd="2" presId="urn:diagrams.loki3.com/BracketList"/>
+    <dgm:cxn modelId="{1C5CE732-A00F-4C06-A1A8-B209BC6B496D}" srcId="{A81358E0-3DE7-41AD-A28C-ABB22548B1F6}" destId="{37A7C994-CC74-44DD-8777-ED6736B35821}" srcOrd="0" destOrd="0" parTransId="{03F017E7-7E3C-4E2C-9CEF-B07099F38801}" sibTransId="{118572A4-3B5E-487E-8015-6A319369077F}"/>
+    <dgm:cxn modelId="{E554777F-9CC2-418D-BFE3-2198586BFE02}" type="presOf" srcId="{F3256203-D9D1-492A-B801-68C1A32486F0}" destId="{9DC88600-C3D9-4AA5-B04F-AC7D55D573B0}" srcOrd="0" destOrd="0" presId="urn:diagrams.loki3.com/BracketList"/>
+    <dgm:cxn modelId="{3C41F2E0-4620-40B4-9857-68872B278EFB}" srcId="{B6E26FFC-9977-4BBC-BEC7-3D6B63754E52}" destId="{CBCC21F5-552F-4D39-812E-6FCD4A366F58}" srcOrd="0" destOrd="0" parTransId="{4A973A1C-85F1-4969-A536-D29940229E2C}" sibTransId="{3640B940-6901-481F-ADF7-6B77DEEED764}"/>
+    <dgm:cxn modelId="{633E5193-1DBF-477B-BE52-E2B5EBEB93C6}" type="presOf" srcId="{6D0E5D9F-7263-4526-A227-51301233F549}" destId="{18209124-9853-4B36-9180-55BC384AA84D}" srcOrd="0" destOrd="0" presId="urn:diagrams.loki3.com/BracketList"/>
+    <dgm:cxn modelId="{59DDA576-1BA9-49E8-9D1D-361FF667A19A}" srcId="{B6E26FFC-9977-4BBC-BEC7-3D6B63754E52}" destId="{62831651-7C26-466C-BAA4-31EA8D14E47A}" srcOrd="1" destOrd="0" parTransId="{0F3EB6E4-07A5-4199-9C2F-8B91F53579FE}" sibTransId="{0D19FA60-5F9C-420B-AD2F-A0656A7F0783}"/>
+    <dgm:cxn modelId="{60685518-1997-4F7B-A98E-F65D7D00962C}" type="presOf" srcId="{CBCC21F5-552F-4D39-812E-6FCD4A366F58}" destId="{8A77D6A0-09A8-4728-B3F6-2488D599D736}" srcOrd="0" destOrd="0" presId="urn:diagrams.loki3.com/BracketList"/>
+    <dgm:cxn modelId="{FB8541C0-3895-4553-A4C7-34B81A3C4A0B}" srcId="{CF9055CF-8DEB-4A02-949A-DE72B6AC5D37}" destId="{A81358E0-3DE7-41AD-A28C-ABB22548B1F6}" srcOrd="3" destOrd="0" parTransId="{262E0B94-6EA9-4797-B705-959D7B185F91}" sibTransId="{77756FBB-BF6C-4D78-803E-BCC851F1DA03}"/>
+    <dgm:cxn modelId="{F454A545-FA11-41F7-9AE3-2B8BC82277C4}" type="presOf" srcId="{23A0DE4A-FE92-496E-B335-3433CEFB74E9}" destId="{22850625-2192-463E-8187-DBB37B4DEEE5}" srcOrd="0" destOrd="0" presId="urn:diagrams.loki3.com/BracketList"/>
+    <dgm:cxn modelId="{40EFBB0B-5BD3-4278-AC4B-0AEBBF83271D}" type="presOf" srcId="{A81358E0-3DE7-41AD-A28C-ABB22548B1F6}" destId="{AE12AEDB-2669-4D1A-914A-BA7EC0BD59A9}" srcOrd="0" destOrd="0" presId="urn:diagrams.loki3.com/BracketList"/>
+    <dgm:cxn modelId="{C8C462C6-33A3-4E8B-91FE-36DBE92F1C4A}" srcId="{CF9055CF-8DEB-4A02-949A-DE72B6AC5D37}" destId="{6D0E5D9F-7263-4526-A227-51301233F549}" srcOrd="2" destOrd="0" parTransId="{23416D07-25F8-426C-BC65-639E6BCF4D6D}" sibTransId="{DE289E29-1989-4D8E-8AA6-F030105B3F13}"/>
+    <dgm:cxn modelId="{791B5989-F5A5-4021-97F2-55841C5BF713}" type="presOf" srcId="{082E8A29-955A-4C7C-A174-3E9DCD4DC89B}" destId="{8F988417-5085-446A-9534-C8E783FFAC0F}" srcOrd="0" destOrd="0" presId="urn:diagrams.loki3.com/BracketList"/>
+    <dgm:cxn modelId="{2986897A-7787-444F-B6C8-41F3823EF3C1}" srcId="{CF9055CF-8DEB-4A02-949A-DE72B6AC5D37}" destId="{082E8A29-955A-4C7C-A174-3E9DCD4DC89B}" srcOrd="0" destOrd="0" parTransId="{BA7938E6-8DFA-40B7-B4C4-EACC6D85FC31}" sibTransId="{C2176686-D23E-48EB-9D1B-1A1B46236638}"/>
+    <dgm:cxn modelId="{67A03D8F-F327-4A9F-ABBC-1EB67EFD1ECB}" srcId="{082E8A29-955A-4C7C-A174-3E9DCD4DC89B}" destId="{23A0DE4A-FE92-496E-B335-3433CEFB74E9}" srcOrd="0" destOrd="0" parTransId="{68935D38-FEDC-4CD3-8002-43CB3944BEAF}" sibTransId="{55DF926D-029A-4E18-95C4-77A5A37CAE40}"/>
+    <dgm:cxn modelId="{2616D543-291D-4A57-BE47-139E70015B80}" type="presOf" srcId="{44B2544A-D122-4B95-A36C-B03D9E272B48}" destId="{8A77D6A0-09A8-4728-B3F6-2488D599D736}" srcOrd="0" destOrd="2" presId="urn:diagrams.loki3.com/BracketList"/>
+    <dgm:cxn modelId="{F89EA6DF-D106-435E-9337-D23286A767A6}" srcId="{B6E26FFC-9977-4BBC-BEC7-3D6B63754E52}" destId="{44B2544A-D122-4B95-A36C-B03D9E272B48}" srcOrd="2" destOrd="0" parTransId="{9EE40E78-C1B8-4A87-A668-53AD816CED24}" sibTransId="{F32DECE0-DC7F-4DCF-A10D-96A117A49197}"/>
+    <dgm:cxn modelId="{508A9F6A-C4F1-4147-A5F6-B89293B446E8}" srcId="{082E8A29-955A-4C7C-A174-3E9DCD4DC89B}" destId="{B86124A4-14C7-49C7-A342-9B2C2B94980B}" srcOrd="2" destOrd="0" parTransId="{B2F6F8FA-C3EE-485C-BFEC-A81570DC47D8}" sibTransId="{1114C752-8188-4E63-BFFC-E4081ACE9882}"/>
     <dgm:cxn modelId="{1B8E71B0-2D3A-4AB0-8843-CFDACEDC3198}" srcId="{6D0E5D9F-7263-4526-A227-51301233F549}" destId="{F3256203-D9D1-492A-B801-68C1A32486F0}" srcOrd="0" destOrd="0" parTransId="{E9A20291-2E30-4C14-BB7D-DC095A20ECB6}" sibTransId="{6C9440D0-8847-40C0-98BC-2B5EA5745C3A}"/>
-    <dgm:cxn modelId="{508A9F6A-C4F1-4147-A5F6-B89293B446E8}" srcId="{082E8A29-955A-4C7C-A174-3E9DCD4DC89B}" destId="{B86124A4-14C7-49C7-A342-9B2C2B94980B}" srcOrd="2" destOrd="0" parTransId="{B2F6F8FA-C3EE-485C-BFEC-A81570DC47D8}" sibTransId="{1114C752-8188-4E63-BFFC-E4081ACE9882}"/>
-    <dgm:cxn modelId="{F89EA6DF-D106-435E-9337-D23286A767A6}" srcId="{B6E26FFC-9977-4BBC-BEC7-3D6B63754E52}" destId="{44B2544A-D122-4B95-A36C-B03D9E272B48}" srcOrd="2" destOrd="0" parTransId="{9EE40E78-C1B8-4A87-A668-53AD816CED24}" sibTransId="{F32DECE0-DC7F-4DCF-A10D-96A117A49197}"/>
-    <dgm:cxn modelId="{3B50A2DD-8777-42C9-93E1-40A37E404C87}" type="presOf" srcId="{44B2544A-D122-4B95-A36C-B03D9E272B48}" destId="{DAD9059A-916A-4916-A2A8-B42491568DD3}" srcOrd="0" destOrd="3" presId="urn:microsoft.com/office/officeart/2005/8/layout/hList6"/>
-    <dgm:cxn modelId="{C8C462C6-33A3-4E8B-91FE-36DBE92F1C4A}" srcId="{CF9055CF-8DEB-4A02-949A-DE72B6AC5D37}" destId="{6D0E5D9F-7263-4526-A227-51301233F549}" srcOrd="2" destOrd="0" parTransId="{23416D07-25F8-426C-BC65-639E6BCF4D6D}" sibTransId="{DE289E29-1989-4D8E-8AA6-F030105B3F13}"/>
-    <dgm:cxn modelId="{59DDA576-1BA9-49E8-9D1D-361FF667A19A}" srcId="{B6E26FFC-9977-4BBC-BEC7-3D6B63754E52}" destId="{62831651-7C26-466C-BAA4-31EA8D14E47A}" srcOrd="1" destOrd="0" parTransId="{0F3EB6E4-07A5-4199-9C2F-8B91F53579FE}" sibTransId="{0D19FA60-5F9C-420B-AD2F-A0656A7F0783}"/>
-    <dgm:cxn modelId="{FB8541C0-3895-4553-A4C7-34B81A3C4A0B}" srcId="{CF9055CF-8DEB-4A02-949A-DE72B6AC5D37}" destId="{A81358E0-3DE7-41AD-A28C-ABB22548B1F6}" srcOrd="3" destOrd="0" parTransId="{262E0B94-6EA9-4797-B705-959D7B185F91}" sibTransId="{77756FBB-BF6C-4D78-803E-BCC851F1DA03}"/>
-    <dgm:cxn modelId="{CC1A92EB-2672-4443-858D-BCA16F76F740}" type="presOf" srcId="{F3256203-D9D1-492A-B801-68C1A32486F0}" destId="{25A33852-3C4B-4406-8856-3A4D6201948C}" srcOrd="0" destOrd="1" presId="urn:microsoft.com/office/officeart/2005/8/layout/hList6"/>
-    <dgm:cxn modelId="{F4F3BD4C-7DE7-449F-8ECF-B43B2B86F2EB}" type="presOf" srcId="{CBCC21F5-552F-4D39-812E-6FCD4A366F58}" destId="{DAD9059A-916A-4916-A2A8-B42491568DD3}" srcOrd="0" destOrd="1" presId="urn:microsoft.com/office/officeart/2005/8/layout/hList6"/>
-    <dgm:cxn modelId="{67A03D8F-F327-4A9F-ABBC-1EB67EFD1ECB}" srcId="{082E8A29-955A-4C7C-A174-3E9DCD4DC89B}" destId="{23A0DE4A-FE92-496E-B335-3433CEFB74E9}" srcOrd="0" destOrd="0" parTransId="{68935D38-FEDC-4CD3-8002-43CB3944BEAF}" sibTransId="{55DF926D-029A-4E18-95C4-77A5A37CAE40}"/>
-    <dgm:cxn modelId="{ECB535CD-5106-41E2-A5E6-D382C3792033}" type="presOf" srcId="{357008B7-F3FD-489F-A410-81C9A9EFE4DA}" destId="{25A33852-3C4B-4406-8856-3A4D6201948C}" srcOrd="0" destOrd="2" presId="urn:microsoft.com/office/officeart/2005/8/layout/hList6"/>
-    <dgm:cxn modelId="{AB981D0D-0AD5-4DD6-BA19-D4E75ECF1C7D}" type="presOf" srcId="{A97FC57D-50D6-4D43-99C3-06D09820F122}" destId="{98302F07-D6A9-46A5-9807-EBF6C9F5B2DD}" srcOrd="0" destOrd="4" presId="urn:microsoft.com/office/officeart/2005/8/layout/hList6"/>
-    <dgm:cxn modelId="{2986897A-7787-444F-B6C8-41F3823EF3C1}" srcId="{CF9055CF-8DEB-4A02-949A-DE72B6AC5D37}" destId="{082E8A29-955A-4C7C-A174-3E9DCD4DC89B}" srcOrd="0" destOrd="0" parTransId="{BA7938E6-8DFA-40B7-B4C4-EACC6D85FC31}" sibTransId="{C2176686-D23E-48EB-9D1B-1A1B46236638}"/>
-    <dgm:cxn modelId="{5351B217-259B-4E6A-85F5-2E408BEB0764}" type="presOf" srcId="{082E8A29-955A-4C7C-A174-3E9DCD4DC89B}" destId="{98302F07-D6A9-46A5-9807-EBF6C9F5B2DD}" srcOrd="0" destOrd="0" presId="urn:microsoft.com/office/officeart/2005/8/layout/hList6"/>
-    <dgm:cxn modelId="{9CB4B27D-95A7-458D-A9CA-7754788DD095}" type="presOf" srcId="{62831651-7C26-466C-BAA4-31EA8D14E47A}" destId="{DAD9059A-916A-4916-A2A8-B42491568DD3}" srcOrd="0" destOrd="2" presId="urn:microsoft.com/office/officeart/2005/8/layout/hList6"/>
-    <dgm:cxn modelId="{0676BA07-1135-49D0-993A-27A9F99FC0CD}" type="presOf" srcId="{B6E26FFC-9977-4BBC-BEC7-3D6B63754E52}" destId="{DAD9059A-916A-4916-A2A8-B42491568DD3}" srcOrd="0" destOrd="0" presId="urn:microsoft.com/office/officeart/2005/8/layout/hList6"/>
-    <dgm:cxn modelId="{D286A548-6BB0-4DED-9FB5-D87042DDBE0A}" srcId="{082E8A29-955A-4C7C-A174-3E9DCD4DC89B}" destId="{A97FC57D-50D6-4D43-99C3-06D09820F122}" srcOrd="3" destOrd="0" parTransId="{5DD877C7-E4D9-4A68-A305-5A7689D3DBE7}" sibTransId="{C17BCABE-BEF2-4CC4-B037-B6B4866665CD}"/>
-    <dgm:cxn modelId="{C96BF60D-B5D7-4E7E-BAFB-67C6FA170BA9}" type="presOf" srcId="{37A7C994-CC74-44DD-8777-ED6736B35821}" destId="{EA2D5D8D-3FD5-4FE4-B7E8-BF78685C4C76}" srcOrd="0" destOrd="1" presId="urn:microsoft.com/office/officeart/2005/8/layout/hList6"/>
-    <dgm:cxn modelId="{C06DA1C3-D38F-43B1-B24E-E80592CC29EC}" type="presOf" srcId="{23A0DE4A-FE92-496E-B335-3433CEFB74E9}" destId="{98302F07-D6A9-46A5-9807-EBF6C9F5B2DD}" srcOrd="0" destOrd="1" presId="urn:microsoft.com/office/officeart/2005/8/layout/hList6"/>
-    <dgm:cxn modelId="{24179AE2-AA7E-4702-A358-E95F80152CCA}" type="presOf" srcId="{CF9055CF-8DEB-4A02-949A-DE72B6AC5D37}" destId="{6F1872F4-A030-4D64-A17C-72EA1ABBD62E}" srcOrd="0" destOrd="0" presId="urn:microsoft.com/office/officeart/2005/8/layout/hList6"/>
-    <dgm:cxn modelId="{97004F90-D1DB-4A84-A8AE-504DE1F07341}" srcId="{082E8A29-955A-4C7C-A174-3E9DCD4DC89B}" destId="{97AFB725-9839-43BA-B026-0DD6AA03AD9C}" srcOrd="1" destOrd="0" parTransId="{CC01022B-5039-457F-931E-79459E3C1DC4}" sibTransId="{D5C26250-A06D-4B41-BC14-92648809C21F}"/>
-    <dgm:cxn modelId="{17E73148-9C08-4999-B21E-F3C5A0E3FC0C}" srcId="{CF9055CF-8DEB-4A02-949A-DE72B6AC5D37}" destId="{B6E26FFC-9977-4BBC-BEC7-3D6B63754E52}" srcOrd="1" destOrd="0" parTransId="{5CEFBD89-2F4F-4B51-A98A-0F3C86494166}" sibTransId="{48634C00-2335-4923-9072-EB7482323D9C}"/>
-    <dgm:cxn modelId="{1C5CE732-A00F-4C06-A1A8-B209BC6B496D}" srcId="{A81358E0-3DE7-41AD-A28C-ABB22548B1F6}" destId="{37A7C994-CC74-44DD-8777-ED6736B35821}" srcOrd="0" destOrd="0" parTransId="{03F017E7-7E3C-4E2C-9CEF-B07099F38801}" sibTransId="{118572A4-3B5E-487E-8015-6A319369077F}"/>
-    <dgm:cxn modelId="{8910F93B-7180-4A52-9856-879D102D33F8}" srcId="{6D0E5D9F-7263-4526-A227-51301233F549}" destId="{357008B7-F3FD-489F-A410-81C9A9EFE4DA}" srcOrd="1" destOrd="0" parTransId="{ED5EFE54-4C6D-4A88-939B-CE66C6668425}" sibTransId="{87BC108C-4915-4A4B-8565-E4BD28BA3C35}"/>
-    <dgm:cxn modelId="{3C41F2E0-4620-40B4-9857-68872B278EFB}" srcId="{B6E26FFC-9977-4BBC-BEC7-3D6B63754E52}" destId="{CBCC21F5-552F-4D39-812E-6FCD4A366F58}" srcOrd="0" destOrd="0" parTransId="{4A973A1C-85F1-4969-A536-D29940229E2C}" sibTransId="{3640B940-6901-481F-ADF7-6B77DEEED764}"/>
-    <dgm:cxn modelId="{77BD0D2D-7C4E-49B3-9A72-0FD33F32D294}" type="presOf" srcId="{6D0E5D9F-7263-4526-A227-51301233F549}" destId="{25A33852-3C4B-4406-8856-3A4D6201948C}" srcOrd="0" destOrd="0" presId="urn:microsoft.com/office/officeart/2005/8/layout/hList6"/>
-    <dgm:cxn modelId="{3AE2742D-7673-4553-BCDD-292AE3B4BC50}" type="presOf" srcId="{97AFB725-9839-43BA-B026-0DD6AA03AD9C}" destId="{98302F07-D6A9-46A5-9807-EBF6C9F5B2DD}" srcOrd="0" destOrd="2" presId="urn:microsoft.com/office/officeart/2005/8/layout/hList6"/>
-    <dgm:cxn modelId="{848AA9C3-2A89-4739-B45E-CA4698753A9F}" type="presOf" srcId="{A81358E0-3DE7-41AD-A28C-ABB22548B1F6}" destId="{EA2D5D8D-3FD5-4FE4-B7E8-BF78685C4C76}" srcOrd="0" destOrd="0" presId="urn:microsoft.com/office/officeart/2005/8/layout/hList6"/>
-    <dgm:cxn modelId="{D4055BC1-25B1-4CD1-BF08-20C154FADF73}" type="presParOf" srcId="{6F1872F4-A030-4D64-A17C-72EA1ABBD62E}" destId="{98302F07-D6A9-46A5-9807-EBF6C9F5B2DD}" srcOrd="0" destOrd="0" presId="urn:microsoft.com/office/officeart/2005/8/layout/hList6"/>
-    <dgm:cxn modelId="{584E2F3E-994B-49B2-AD46-0E8D6E4A468B}" type="presParOf" srcId="{6F1872F4-A030-4D64-A17C-72EA1ABBD62E}" destId="{6681DF6F-8E98-430C-9A87-14BEC6C3269E}" srcOrd="1" destOrd="0" presId="urn:microsoft.com/office/officeart/2005/8/layout/hList6"/>
-    <dgm:cxn modelId="{FD54A181-98DF-439C-9CA4-93CD1333DEC4}" type="presParOf" srcId="{6F1872F4-A030-4D64-A17C-72EA1ABBD62E}" destId="{DAD9059A-916A-4916-A2A8-B42491568DD3}" srcOrd="2" destOrd="0" presId="urn:microsoft.com/office/officeart/2005/8/layout/hList6"/>
-    <dgm:cxn modelId="{B910F504-589D-4168-B820-FECB0EF26955}" type="presParOf" srcId="{6F1872F4-A030-4D64-A17C-72EA1ABBD62E}" destId="{39AEACD1-F8CF-4528-8379-DAA829B3790B}" srcOrd="3" destOrd="0" presId="urn:microsoft.com/office/officeart/2005/8/layout/hList6"/>
-    <dgm:cxn modelId="{AEDC4C6E-DC7C-4364-8563-E748313EFA17}" type="presParOf" srcId="{6F1872F4-A030-4D64-A17C-72EA1ABBD62E}" destId="{25A33852-3C4B-4406-8856-3A4D6201948C}" srcOrd="4" destOrd="0" presId="urn:microsoft.com/office/officeart/2005/8/layout/hList6"/>
-    <dgm:cxn modelId="{CBF7D188-2B16-4153-AEAE-C484C833188A}" type="presParOf" srcId="{6F1872F4-A030-4D64-A17C-72EA1ABBD62E}" destId="{562EDDC3-60FD-463F-A6DB-A597D604B642}" srcOrd="5" destOrd="0" presId="urn:microsoft.com/office/officeart/2005/8/layout/hList6"/>
-    <dgm:cxn modelId="{B6972862-A91C-4195-BC45-0084E643C0A0}" type="presParOf" srcId="{6F1872F4-A030-4D64-A17C-72EA1ABBD62E}" destId="{EA2D5D8D-3FD5-4FE4-B7E8-BF78685C4C76}" srcOrd="6" destOrd="0" presId="urn:microsoft.com/office/officeart/2005/8/layout/hList6"/>
+    <dgm:cxn modelId="{622DEA58-66C1-4249-9C95-351679CB0862}" type="presParOf" srcId="{3AD46912-AB30-4540-8DF5-67AC1488F01C}" destId="{45590239-E460-41FB-9748-8B7AA6BC7C54}" srcOrd="0" destOrd="0" presId="urn:diagrams.loki3.com/BracketList"/>
+    <dgm:cxn modelId="{3E41F798-673D-4216-A5E4-FA56FD5AE79D}" type="presParOf" srcId="{45590239-E460-41FB-9748-8B7AA6BC7C54}" destId="{8F988417-5085-446A-9534-C8E783FFAC0F}" srcOrd="0" destOrd="0" presId="urn:diagrams.loki3.com/BracketList"/>
+    <dgm:cxn modelId="{CFBA8029-81EA-47F3-A8F3-5583ADFAD836}" type="presParOf" srcId="{45590239-E460-41FB-9748-8B7AA6BC7C54}" destId="{D7B4D69F-D437-4019-A697-900DF3BD4189}" srcOrd="1" destOrd="0" presId="urn:diagrams.loki3.com/BracketList"/>
+    <dgm:cxn modelId="{FF7BBAB1-421B-4625-9D96-823BE4FD0821}" type="presParOf" srcId="{45590239-E460-41FB-9748-8B7AA6BC7C54}" destId="{58F3DA2A-2F80-4D0C-860E-AB65F54255C6}" srcOrd="2" destOrd="0" presId="urn:diagrams.loki3.com/BracketList"/>
+    <dgm:cxn modelId="{B3474943-5EA0-4463-9818-554B5E21DA2E}" type="presParOf" srcId="{45590239-E460-41FB-9748-8B7AA6BC7C54}" destId="{22850625-2192-463E-8187-DBB37B4DEEE5}" srcOrd="3" destOrd="0" presId="urn:diagrams.loki3.com/BracketList"/>
+    <dgm:cxn modelId="{6DAD8610-B491-4C37-A614-6F352BE7FB85}" type="presParOf" srcId="{3AD46912-AB30-4540-8DF5-67AC1488F01C}" destId="{5DD4C92A-2623-4B42-B614-4A2EC37176AB}" srcOrd="1" destOrd="0" presId="urn:diagrams.loki3.com/BracketList"/>
+    <dgm:cxn modelId="{D9350D29-CAC2-43CA-B8A7-671FD0991EAB}" type="presParOf" srcId="{3AD46912-AB30-4540-8DF5-67AC1488F01C}" destId="{CEFD36D4-F43D-4287-A947-416A1F48D045}" srcOrd="2" destOrd="0" presId="urn:diagrams.loki3.com/BracketList"/>
+    <dgm:cxn modelId="{1FA8CECE-2659-403A-A679-14BAAD7581D4}" type="presParOf" srcId="{CEFD36D4-F43D-4287-A947-416A1F48D045}" destId="{74C582AC-97DE-47F1-B2F7-CEAF5C38053B}" srcOrd="0" destOrd="0" presId="urn:diagrams.loki3.com/BracketList"/>
+    <dgm:cxn modelId="{908054A5-C9B7-458D-A780-5172776D1999}" type="presParOf" srcId="{CEFD36D4-F43D-4287-A947-416A1F48D045}" destId="{F913C9B7-04F1-448F-AF8C-2EC806DB40E1}" srcOrd="1" destOrd="0" presId="urn:diagrams.loki3.com/BracketList"/>
+    <dgm:cxn modelId="{C13E857A-8DCC-4474-A0CA-70C77594BF1B}" type="presParOf" srcId="{CEFD36D4-F43D-4287-A947-416A1F48D045}" destId="{77469717-6434-4D68-88E8-FEE7196DF771}" srcOrd="2" destOrd="0" presId="urn:diagrams.loki3.com/BracketList"/>
+    <dgm:cxn modelId="{D8FE8E63-8C63-4AEF-AAC5-AEA9E22C4756}" type="presParOf" srcId="{CEFD36D4-F43D-4287-A947-416A1F48D045}" destId="{8A77D6A0-09A8-4728-B3F6-2488D599D736}" srcOrd="3" destOrd="0" presId="urn:diagrams.loki3.com/BracketList"/>
+    <dgm:cxn modelId="{A672209A-5A90-429D-8C35-D40E9C82CEFE}" type="presParOf" srcId="{3AD46912-AB30-4540-8DF5-67AC1488F01C}" destId="{59DCB08E-DDBC-4F73-9609-EB0FA23A7D7F}" srcOrd="3" destOrd="0" presId="urn:diagrams.loki3.com/BracketList"/>
+    <dgm:cxn modelId="{C43FF6CB-6BB2-4C5A-B254-511815C6DEF5}" type="presParOf" srcId="{3AD46912-AB30-4540-8DF5-67AC1488F01C}" destId="{F63D196E-B163-440B-894F-F36085CE14BC}" srcOrd="4" destOrd="0" presId="urn:diagrams.loki3.com/BracketList"/>
+    <dgm:cxn modelId="{526A5070-3C3D-4ED1-B5F1-43FC0B99EA94}" type="presParOf" srcId="{F63D196E-B163-440B-894F-F36085CE14BC}" destId="{18209124-9853-4B36-9180-55BC384AA84D}" srcOrd="0" destOrd="0" presId="urn:diagrams.loki3.com/BracketList"/>
+    <dgm:cxn modelId="{E7A87D6F-8D92-4F88-B9CC-8C8BFEF39D45}" type="presParOf" srcId="{F63D196E-B163-440B-894F-F36085CE14BC}" destId="{455EC50F-4F82-408F-84F8-D9B651BA263C}" srcOrd="1" destOrd="0" presId="urn:diagrams.loki3.com/BracketList"/>
+    <dgm:cxn modelId="{DBB3697E-D3FA-471A-89CB-9987036BA9FA}" type="presParOf" srcId="{F63D196E-B163-440B-894F-F36085CE14BC}" destId="{D3833A24-CC31-4364-8BDA-6718B9536ABE}" srcOrd="2" destOrd="0" presId="urn:diagrams.loki3.com/BracketList"/>
+    <dgm:cxn modelId="{E0F9478D-687A-4749-84EC-1A47C3D06978}" type="presParOf" srcId="{F63D196E-B163-440B-894F-F36085CE14BC}" destId="{9DC88600-C3D9-4AA5-B04F-AC7D55D573B0}" srcOrd="3" destOrd="0" presId="urn:diagrams.loki3.com/BracketList"/>
+    <dgm:cxn modelId="{9815819E-2012-454F-8C97-52FB2ACFF9C2}" type="presParOf" srcId="{3AD46912-AB30-4540-8DF5-67AC1488F01C}" destId="{F61087B3-F4D4-4372-BA34-FB9BAD08CAC0}" srcOrd="5" destOrd="0" presId="urn:diagrams.loki3.com/BracketList"/>
+    <dgm:cxn modelId="{5BC1F1A7-C43F-48CF-B382-81BDF191731D}" type="presParOf" srcId="{3AD46912-AB30-4540-8DF5-67AC1488F01C}" destId="{6DCC880D-B8D8-455F-BCFE-746ED42D78D4}" srcOrd="6" destOrd="0" presId="urn:diagrams.loki3.com/BracketList"/>
+    <dgm:cxn modelId="{84588B64-8C4C-44DF-BA7B-B03F6B16CC3C}" type="presParOf" srcId="{6DCC880D-B8D8-455F-BCFE-746ED42D78D4}" destId="{AE12AEDB-2669-4D1A-914A-BA7EC0BD59A9}" srcOrd="0" destOrd="0" presId="urn:diagrams.loki3.com/BracketList"/>
+    <dgm:cxn modelId="{E5C50E4F-431E-4491-99CD-DDB77CD19733}" type="presParOf" srcId="{6DCC880D-B8D8-455F-BCFE-746ED42D78D4}" destId="{ED72DC66-B720-4641-B186-0DA0DE7AB25F}" srcOrd="1" destOrd="0" presId="urn:diagrams.loki3.com/BracketList"/>
+    <dgm:cxn modelId="{CA954D6E-CCD9-49BD-824C-E79262926669}" type="presParOf" srcId="{6DCC880D-B8D8-455F-BCFE-746ED42D78D4}" destId="{4F2AAD7C-E9BD-4DFE-B351-A9DD7CC107A9}" srcOrd="2" destOrd="0" presId="urn:diagrams.loki3.com/BracketList"/>
+    <dgm:cxn modelId="{9384BEC5-443E-4F30-BD7C-5D317CF91165}" type="presParOf" srcId="{6DCC880D-B8D8-455F-BCFE-746ED42D78D4}" destId="{2DDF7FCF-0E74-45B4-9880-0E53C8A0FB81}" srcOrd="3" destOrd="0" presId="urn:diagrams.loki3.com/BracketList"/>
   </dgm:cxnLst>
   <dgm:bg/>
   <dgm:whole/>
@@ -3914,7 +4232,7 @@
 <dgm:dataModel xmlns:dgm="http://schemas.openxmlformats.org/drawingml/2006/diagram" xmlns:a="http://schemas.openxmlformats.org/drawingml/2006/main">
   <dgm:ptLst>
     <dgm:pt modelId="{5119293E-CFF1-40DC-91B0-4ADC169E690A}" type="doc">
-      <dgm:prSet loTypeId="urn:microsoft.com/office/officeart/2005/8/layout/process1" loCatId="process" qsTypeId="urn:microsoft.com/office/officeart/2005/8/quickstyle/simple1" qsCatId="simple" csTypeId="urn:microsoft.com/office/officeart/2005/8/colors/accent1_2" csCatId="accent1" phldr="1"/>
+      <dgm:prSet loTypeId="urn:microsoft.com/office/officeart/2005/8/layout/vProcess5" loCatId="process" qsTypeId="urn:microsoft.com/office/officeart/2005/8/quickstyle/simple1" qsCatId="simple" csTypeId="urn:microsoft.com/office/officeart/2005/8/colors/accent1_2" csCatId="accent1" phldr="1"/>
       <dgm:spPr/>
     </dgm:pt>
     <dgm:pt modelId="{2D28ACD1-25D9-461F-AFFA-AF0D4524C925}">
@@ -3925,10 +4243,18 @@
         <a:lstStyle/>
         <a:p>
           <a:r>
-            <a:rPr lang="en-US" dirty="0" smtClean="0"/>
+            <a:rPr lang="en-US" dirty="0" smtClean="0">
+              <a:solidFill>
+                <a:schemeClr val="bg1"/>
+              </a:solidFill>
+            </a:rPr>
             <a:t>Build 0 </a:t>
           </a:r>
-          <a:endParaRPr lang="en-US" dirty="0"/>
+          <a:endParaRPr lang="en-US" dirty="0">
+            <a:solidFill>
+              <a:schemeClr val="bg1"/>
+            </a:solidFill>
+          </a:endParaRPr>
         </a:p>
       </dgm:t>
     </dgm:pt>
@@ -4028,17 +4354,24 @@
         </a:p>
       </dgm:t>
     </dgm:pt>
-    <dgm:pt modelId="{D193706C-23D0-466A-B0EF-8C9A48A29242}" type="pres">
-      <dgm:prSet presAssocID="{5119293E-CFF1-40DC-91B0-4ADC169E690A}" presName="Name0" presStyleCnt="0">
+    <dgm:pt modelId="{B24BCCF6-4F1C-4DCC-A666-8A2E435C92FE}" type="pres">
+      <dgm:prSet presAssocID="{5119293E-CFF1-40DC-91B0-4ADC169E690A}" presName="outerComposite" presStyleCnt="0">
         <dgm:presLayoutVars>
+          <dgm:chMax val="5"/>
           <dgm:dir/>
           <dgm:resizeHandles val="exact"/>
         </dgm:presLayoutVars>
       </dgm:prSet>
       <dgm:spPr/>
     </dgm:pt>
-    <dgm:pt modelId="{6F5EA069-494E-4CD1-9E5E-3F58FF91F5FF}" type="pres">
-      <dgm:prSet presAssocID="{2D28ACD1-25D9-461F-AFFA-AF0D4524C925}" presName="node" presStyleLbl="node1" presStyleIdx="0" presStyleCnt="3">
+    <dgm:pt modelId="{42F69F61-DBA8-48C0-9CFD-AA4D17B1E06F}" type="pres">
+      <dgm:prSet presAssocID="{5119293E-CFF1-40DC-91B0-4ADC169E690A}" presName="dummyMaxCanvas" presStyleCnt="0">
+        <dgm:presLayoutVars/>
+      </dgm:prSet>
+      <dgm:spPr/>
+    </dgm:pt>
+    <dgm:pt modelId="{2C56E3B0-DB92-4E32-8395-0D320FDE7304}" type="pres">
+      <dgm:prSet presAssocID="{5119293E-CFF1-40DC-91B0-4ADC169E690A}" presName="ThreeNodes_1" presStyleLbl="node1" presStyleIdx="0" presStyleCnt="3">
         <dgm:presLayoutVars>
           <dgm:bulletEnabled val="1"/>
         </dgm:presLayoutVars>
@@ -4052,30 +4385,8 @@
         </a:p>
       </dgm:t>
     </dgm:pt>
-    <dgm:pt modelId="{92D9BE5F-5428-48C0-8B71-11A06E55A42D}" type="pres">
-      <dgm:prSet presAssocID="{0643BB84-6196-4D47-953E-29DD7A990B54}" presName="sibTrans" presStyleLbl="sibTrans2D1" presStyleIdx="0" presStyleCnt="2"/>
-      <dgm:spPr/>
-      <dgm:t>
-        <a:bodyPr/>
-        <a:lstStyle/>
-        <a:p>
-          <a:endParaRPr lang="en-US"/>
-        </a:p>
-      </dgm:t>
-    </dgm:pt>
-    <dgm:pt modelId="{339198E5-BA16-4E24-8248-265C23FDCCD5}" type="pres">
-      <dgm:prSet presAssocID="{0643BB84-6196-4D47-953E-29DD7A990B54}" presName="connectorText" presStyleLbl="sibTrans2D1" presStyleIdx="0" presStyleCnt="2"/>
-      <dgm:spPr/>
-      <dgm:t>
-        <a:bodyPr/>
-        <a:lstStyle/>
-        <a:p>
-          <a:endParaRPr lang="en-US"/>
-        </a:p>
-      </dgm:t>
-    </dgm:pt>
-    <dgm:pt modelId="{1C7F462B-514B-487F-A5DD-88403B182C44}" type="pres">
-      <dgm:prSet presAssocID="{740F11C0-1918-4491-8E8D-F9E393D6DC62}" presName="node" presStyleLbl="node1" presStyleIdx="1" presStyleCnt="3">
+    <dgm:pt modelId="{CC88045C-E3EE-4D81-A4AE-31DEF16487ED}" type="pres">
+      <dgm:prSet presAssocID="{5119293E-CFF1-40DC-91B0-4ADC169E690A}" presName="ThreeNodes_2" presStyleLbl="node1" presStyleIdx="1" presStyleCnt="3">
         <dgm:presLayoutVars>
           <dgm:bulletEnabled val="1"/>
         </dgm:presLayoutVars>
@@ -4089,8 +4400,12 @@
         </a:p>
       </dgm:t>
     </dgm:pt>
-    <dgm:pt modelId="{BC74093D-3DF0-4AC9-A865-8E35C87E016C}" type="pres">
-      <dgm:prSet presAssocID="{4BF9180C-3D66-4B05-B512-DB0404B3D62A}" presName="sibTrans" presStyleLbl="sibTrans2D1" presStyleIdx="1" presStyleCnt="2"/>
+    <dgm:pt modelId="{038003CC-57D0-452B-9A87-251E2BE8DD24}" type="pres">
+      <dgm:prSet presAssocID="{5119293E-CFF1-40DC-91B0-4ADC169E690A}" presName="ThreeNodes_3" presStyleLbl="node1" presStyleIdx="2" presStyleCnt="3">
+        <dgm:presLayoutVars>
+          <dgm:bulletEnabled val="1"/>
+        </dgm:presLayoutVars>
+      </dgm:prSet>
       <dgm:spPr/>
       <dgm:t>
         <a:bodyPr/>
@@ -4100,8 +4415,12 @@
         </a:p>
       </dgm:t>
     </dgm:pt>
-    <dgm:pt modelId="{6DA5BF30-F533-4E18-AD9E-A0F6A238E33E}" type="pres">
-      <dgm:prSet presAssocID="{4BF9180C-3D66-4B05-B512-DB0404B3D62A}" presName="connectorText" presStyleLbl="sibTrans2D1" presStyleIdx="1" presStyleCnt="2"/>
+    <dgm:pt modelId="{0CD94A37-2283-4723-AF39-0C5B9DE811BF}" type="pres">
+      <dgm:prSet presAssocID="{5119293E-CFF1-40DC-91B0-4ADC169E690A}" presName="ThreeConn_1-2" presStyleLbl="fgAccFollowNode1" presStyleIdx="0" presStyleCnt="2">
+        <dgm:presLayoutVars>
+          <dgm:bulletEnabled val="1"/>
+        </dgm:presLayoutVars>
+      </dgm:prSet>
       <dgm:spPr/>
       <dgm:t>
         <a:bodyPr/>
@@ -4111,8 +4430,53 @@
         </a:p>
       </dgm:t>
     </dgm:pt>
-    <dgm:pt modelId="{AEDB51C8-D1F4-496B-B4DF-5329362ECC57}" type="pres">
-      <dgm:prSet presAssocID="{7773E333-D64C-46E0-BFFB-1ABFC80A563C}" presName="node" presStyleLbl="node1" presStyleIdx="2" presStyleCnt="3">
+    <dgm:pt modelId="{72F63057-082D-42E7-B85C-FC47DD028363}" type="pres">
+      <dgm:prSet presAssocID="{5119293E-CFF1-40DC-91B0-4ADC169E690A}" presName="ThreeConn_2-3" presStyleLbl="fgAccFollowNode1" presStyleIdx="1" presStyleCnt="2">
+        <dgm:presLayoutVars>
+          <dgm:bulletEnabled val="1"/>
+        </dgm:presLayoutVars>
+      </dgm:prSet>
+      <dgm:spPr/>
+      <dgm:t>
+        <a:bodyPr/>
+        <a:lstStyle/>
+        <a:p>
+          <a:endParaRPr lang="en-US"/>
+        </a:p>
+      </dgm:t>
+    </dgm:pt>
+    <dgm:pt modelId="{BF775206-9782-4B74-9469-81B825259D87}" type="pres">
+      <dgm:prSet presAssocID="{5119293E-CFF1-40DC-91B0-4ADC169E690A}" presName="ThreeNodes_1_text" presStyleLbl="node1" presStyleIdx="2" presStyleCnt="3">
+        <dgm:presLayoutVars>
+          <dgm:bulletEnabled val="1"/>
+        </dgm:presLayoutVars>
+      </dgm:prSet>
+      <dgm:spPr/>
+      <dgm:t>
+        <a:bodyPr/>
+        <a:lstStyle/>
+        <a:p>
+          <a:endParaRPr lang="en-US"/>
+        </a:p>
+      </dgm:t>
+    </dgm:pt>
+    <dgm:pt modelId="{04D8DCE0-082C-4FDA-A223-020C34F2DBEB}" type="pres">
+      <dgm:prSet presAssocID="{5119293E-CFF1-40DC-91B0-4ADC169E690A}" presName="ThreeNodes_2_text" presStyleLbl="node1" presStyleIdx="2" presStyleCnt="3">
+        <dgm:presLayoutVars>
+          <dgm:bulletEnabled val="1"/>
+        </dgm:presLayoutVars>
+      </dgm:prSet>
+      <dgm:spPr/>
+      <dgm:t>
+        <a:bodyPr/>
+        <a:lstStyle/>
+        <a:p>
+          <a:endParaRPr lang="en-US"/>
+        </a:p>
+      </dgm:t>
+    </dgm:pt>
+    <dgm:pt modelId="{EC81BC27-7116-465B-AC12-B4720BC34B82}" type="pres">
+      <dgm:prSet presAssocID="{5119293E-CFF1-40DC-91B0-4ADC169E690A}" presName="ThreeNodes_3_text" presStyleLbl="node1" presStyleIdx="2" presStyleCnt="3">
         <dgm:presLayoutVars>
           <dgm:bulletEnabled val="1"/>
         </dgm:presLayoutVars>
@@ -4128,24 +4492,27 @@
     </dgm:pt>
   </dgm:ptLst>
   <dgm:cxnLst>
+    <dgm:cxn modelId="{9678E520-DA97-4D9C-939A-4DCF9B11AA2F}" srcId="{5119293E-CFF1-40DC-91B0-4ADC169E690A}" destId="{740F11C0-1918-4491-8E8D-F9E393D6DC62}" srcOrd="1" destOrd="0" parTransId="{2CB00DC9-C7F6-4607-93B1-38F3306CD7C1}" sibTransId="{4BF9180C-3D66-4B05-B512-DB0404B3D62A}"/>
+    <dgm:cxn modelId="{7A1E6BEF-802B-4533-A187-D1A0A7A0FE31}" type="presOf" srcId="{4BF9180C-3D66-4B05-B512-DB0404B3D62A}" destId="{72F63057-082D-42E7-B85C-FC47DD028363}" srcOrd="0" destOrd="0" presId="urn:microsoft.com/office/officeart/2005/8/layout/vProcess5"/>
+    <dgm:cxn modelId="{5847FDF1-B5CD-4813-9A57-54FC25BEA462}" type="presOf" srcId="{740F11C0-1918-4491-8E8D-F9E393D6DC62}" destId="{CC88045C-E3EE-4D81-A4AE-31DEF16487ED}" srcOrd="0" destOrd="0" presId="urn:microsoft.com/office/officeart/2005/8/layout/vProcess5"/>
+    <dgm:cxn modelId="{6E821108-AA4C-4FCE-906C-7B527205F425}" type="presOf" srcId="{0643BB84-6196-4D47-953E-29DD7A990B54}" destId="{0CD94A37-2283-4723-AF39-0C5B9DE811BF}" srcOrd="0" destOrd="0" presId="urn:microsoft.com/office/officeart/2005/8/layout/vProcess5"/>
+    <dgm:cxn modelId="{AAB844DF-2AAF-4176-B62C-73E030E52A7C}" type="presOf" srcId="{7773E333-D64C-46E0-BFFB-1ABFC80A563C}" destId="{EC81BC27-7116-465B-AC12-B4720BC34B82}" srcOrd="1" destOrd="0" presId="urn:microsoft.com/office/officeart/2005/8/layout/vProcess5"/>
     <dgm:cxn modelId="{62B69662-1BE8-417A-BC23-417EA909952F}" srcId="{5119293E-CFF1-40DC-91B0-4ADC169E690A}" destId="{7773E333-D64C-46E0-BFFB-1ABFC80A563C}" srcOrd="2" destOrd="0" parTransId="{349CA876-3C43-4618-B661-611E3D74539A}" sibTransId="{2839478F-D08F-4173-8D65-0648A498D4AD}"/>
-    <dgm:cxn modelId="{87765968-9DE7-4676-A1BF-BBF0E3DBCA66}" type="presOf" srcId="{2D28ACD1-25D9-461F-AFFA-AF0D4524C925}" destId="{6F5EA069-494E-4CD1-9E5E-3F58FF91F5FF}" srcOrd="0" destOrd="0" presId="urn:microsoft.com/office/officeart/2005/8/layout/process1"/>
-    <dgm:cxn modelId="{3C5BA80F-EA15-475A-AD22-845406CFCB3B}" type="presOf" srcId="{4BF9180C-3D66-4B05-B512-DB0404B3D62A}" destId="{BC74093D-3DF0-4AC9-A865-8E35C87E016C}" srcOrd="0" destOrd="0" presId="urn:microsoft.com/office/officeart/2005/8/layout/process1"/>
-    <dgm:cxn modelId="{B2CCDC51-17AA-49A9-90F0-AA84BF65CD8F}" type="presOf" srcId="{0643BB84-6196-4D47-953E-29DD7A990B54}" destId="{92D9BE5F-5428-48C0-8B71-11A06E55A42D}" srcOrd="0" destOrd="0" presId="urn:microsoft.com/office/officeart/2005/8/layout/process1"/>
-    <dgm:cxn modelId="{274F7139-0367-43AB-805F-99F4E2948D91}" type="presOf" srcId="{0643BB84-6196-4D47-953E-29DD7A990B54}" destId="{339198E5-BA16-4E24-8248-265C23FDCCD5}" srcOrd="1" destOrd="0" presId="urn:microsoft.com/office/officeart/2005/8/layout/process1"/>
-    <dgm:cxn modelId="{9678E520-DA97-4D9C-939A-4DCF9B11AA2F}" srcId="{5119293E-CFF1-40DC-91B0-4ADC169E690A}" destId="{740F11C0-1918-4491-8E8D-F9E393D6DC62}" srcOrd="1" destOrd="0" parTransId="{2CB00DC9-C7F6-4607-93B1-38F3306CD7C1}" sibTransId="{4BF9180C-3D66-4B05-B512-DB0404B3D62A}"/>
+    <dgm:cxn modelId="{C9BCE58D-0797-4C79-94F0-C4B04CD35FE1}" type="presOf" srcId="{5119293E-CFF1-40DC-91B0-4ADC169E690A}" destId="{B24BCCF6-4F1C-4DCC-A666-8A2E435C92FE}" srcOrd="0" destOrd="0" presId="urn:microsoft.com/office/officeart/2005/8/layout/vProcess5"/>
     <dgm:cxn modelId="{4A769CA4-299A-415F-9EAA-DF2A946246BB}" srcId="{5119293E-CFF1-40DC-91B0-4ADC169E690A}" destId="{2D28ACD1-25D9-461F-AFFA-AF0D4524C925}" srcOrd="0" destOrd="0" parTransId="{C8C4723F-FA93-47BC-A192-A522C3D631BB}" sibTransId="{0643BB84-6196-4D47-953E-29DD7A990B54}"/>
-    <dgm:cxn modelId="{9CE707AE-0A61-4580-BC78-82706C29E080}" type="presOf" srcId="{7773E333-D64C-46E0-BFFB-1ABFC80A563C}" destId="{AEDB51C8-D1F4-496B-B4DF-5329362ECC57}" srcOrd="0" destOrd="0" presId="urn:microsoft.com/office/officeart/2005/8/layout/process1"/>
-    <dgm:cxn modelId="{15606F48-E120-4DA7-981B-F7F555C0AC07}" type="presOf" srcId="{740F11C0-1918-4491-8E8D-F9E393D6DC62}" destId="{1C7F462B-514B-487F-A5DD-88403B182C44}" srcOrd="0" destOrd="0" presId="urn:microsoft.com/office/officeart/2005/8/layout/process1"/>
-    <dgm:cxn modelId="{38439CEE-62C7-4721-97A1-4EB9B6936104}" type="presOf" srcId="{5119293E-CFF1-40DC-91B0-4ADC169E690A}" destId="{D193706C-23D0-466A-B0EF-8C9A48A29242}" srcOrd="0" destOrd="0" presId="urn:microsoft.com/office/officeart/2005/8/layout/process1"/>
-    <dgm:cxn modelId="{68411D06-892F-4424-A2F6-769AC0B48E8E}" type="presOf" srcId="{4BF9180C-3D66-4B05-B512-DB0404B3D62A}" destId="{6DA5BF30-F533-4E18-AD9E-A0F6A238E33E}" srcOrd="1" destOrd="0" presId="urn:microsoft.com/office/officeart/2005/8/layout/process1"/>
-    <dgm:cxn modelId="{A90515F5-2AC2-4A46-9EC3-B7BA0FD4D38F}" type="presParOf" srcId="{D193706C-23D0-466A-B0EF-8C9A48A29242}" destId="{6F5EA069-494E-4CD1-9E5E-3F58FF91F5FF}" srcOrd="0" destOrd="0" presId="urn:microsoft.com/office/officeart/2005/8/layout/process1"/>
-    <dgm:cxn modelId="{C829D5E0-5311-4879-A168-A1F34ACBB1D5}" type="presParOf" srcId="{D193706C-23D0-466A-B0EF-8C9A48A29242}" destId="{92D9BE5F-5428-48C0-8B71-11A06E55A42D}" srcOrd="1" destOrd="0" presId="urn:microsoft.com/office/officeart/2005/8/layout/process1"/>
-    <dgm:cxn modelId="{191CACEA-E206-48BA-9D5E-EA77B25567CE}" type="presParOf" srcId="{92D9BE5F-5428-48C0-8B71-11A06E55A42D}" destId="{339198E5-BA16-4E24-8248-265C23FDCCD5}" srcOrd="0" destOrd="0" presId="urn:microsoft.com/office/officeart/2005/8/layout/process1"/>
-    <dgm:cxn modelId="{5CC235BD-327C-4B4A-B8B8-E62D7BB06544}" type="presParOf" srcId="{D193706C-23D0-466A-B0EF-8C9A48A29242}" destId="{1C7F462B-514B-487F-A5DD-88403B182C44}" srcOrd="2" destOrd="0" presId="urn:microsoft.com/office/officeart/2005/8/layout/process1"/>
-    <dgm:cxn modelId="{B0DC1FCF-1051-4441-94C4-934118746544}" type="presParOf" srcId="{D193706C-23D0-466A-B0EF-8C9A48A29242}" destId="{BC74093D-3DF0-4AC9-A865-8E35C87E016C}" srcOrd="3" destOrd="0" presId="urn:microsoft.com/office/officeart/2005/8/layout/process1"/>
-    <dgm:cxn modelId="{E3B8FCD5-315F-4787-9008-AD57CCA10048}" type="presParOf" srcId="{BC74093D-3DF0-4AC9-A865-8E35C87E016C}" destId="{6DA5BF30-F533-4E18-AD9E-A0F6A238E33E}" srcOrd="0" destOrd="0" presId="urn:microsoft.com/office/officeart/2005/8/layout/process1"/>
-    <dgm:cxn modelId="{AC7D2D0B-C2E3-4441-8814-95040E659DB5}" type="presParOf" srcId="{D193706C-23D0-466A-B0EF-8C9A48A29242}" destId="{AEDB51C8-D1F4-496B-B4DF-5329362ECC57}" srcOrd="4" destOrd="0" presId="urn:microsoft.com/office/officeart/2005/8/layout/process1"/>
+    <dgm:cxn modelId="{F4AADE0C-4AF2-4981-840C-CA46AAE80AFF}" type="presOf" srcId="{2D28ACD1-25D9-461F-AFFA-AF0D4524C925}" destId="{2C56E3B0-DB92-4E32-8395-0D320FDE7304}" srcOrd="0" destOrd="0" presId="urn:microsoft.com/office/officeart/2005/8/layout/vProcess5"/>
+    <dgm:cxn modelId="{F8CCF261-9A97-4534-B937-AB878397B7E3}" type="presOf" srcId="{2D28ACD1-25D9-461F-AFFA-AF0D4524C925}" destId="{BF775206-9782-4B74-9469-81B825259D87}" srcOrd="1" destOrd="0" presId="urn:microsoft.com/office/officeart/2005/8/layout/vProcess5"/>
+    <dgm:cxn modelId="{4F48B4CB-5F39-4D50-A374-F942DD055BA4}" type="presOf" srcId="{740F11C0-1918-4491-8E8D-F9E393D6DC62}" destId="{04D8DCE0-082C-4FDA-A223-020C34F2DBEB}" srcOrd="1" destOrd="0" presId="urn:microsoft.com/office/officeart/2005/8/layout/vProcess5"/>
+    <dgm:cxn modelId="{21684859-26A6-4774-A7E3-CA2327F0BEEC}" type="presOf" srcId="{7773E333-D64C-46E0-BFFB-1ABFC80A563C}" destId="{038003CC-57D0-452B-9A87-251E2BE8DD24}" srcOrd="0" destOrd="0" presId="urn:microsoft.com/office/officeart/2005/8/layout/vProcess5"/>
+    <dgm:cxn modelId="{B2660459-02F9-4178-83A6-A226C8F89688}" type="presParOf" srcId="{B24BCCF6-4F1C-4DCC-A666-8A2E435C92FE}" destId="{42F69F61-DBA8-48C0-9CFD-AA4D17B1E06F}" srcOrd="0" destOrd="0" presId="urn:microsoft.com/office/officeart/2005/8/layout/vProcess5"/>
+    <dgm:cxn modelId="{C9E715CD-297A-4561-ABFB-9F6705DBC630}" type="presParOf" srcId="{B24BCCF6-4F1C-4DCC-A666-8A2E435C92FE}" destId="{2C56E3B0-DB92-4E32-8395-0D320FDE7304}" srcOrd="1" destOrd="0" presId="urn:microsoft.com/office/officeart/2005/8/layout/vProcess5"/>
+    <dgm:cxn modelId="{2C6D380E-0DE7-4233-A99E-23ACA1751D78}" type="presParOf" srcId="{B24BCCF6-4F1C-4DCC-A666-8A2E435C92FE}" destId="{CC88045C-E3EE-4D81-A4AE-31DEF16487ED}" srcOrd="2" destOrd="0" presId="urn:microsoft.com/office/officeart/2005/8/layout/vProcess5"/>
+    <dgm:cxn modelId="{7117E814-0033-450F-AE55-9127D88DBA93}" type="presParOf" srcId="{B24BCCF6-4F1C-4DCC-A666-8A2E435C92FE}" destId="{038003CC-57D0-452B-9A87-251E2BE8DD24}" srcOrd="3" destOrd="0" presId="urn:microsoft.com/office/officeart/2005/8/layout/vProcess5"/>
+    <dgm:cxn modelId="{1C7DF7DA-3424-4F0D-B89B-E67521E9BE62}" type="presParOf" srcId="{B24BCCF6-4F1C-4DCC-A666-8A2E435C92FE}" destId="{0CD94A37-2283-4723-AF39-0C5B9DE811BF}" srcOrd="4" destOrd="0" presId="urn:microsoft.com/office/officeart/2005/8/layout/vProcess5"/>
+    <dgm:cxn modelId="{E132BD2D-353B-4EF2-9AF1-A983F6301F2F}" type="presParOf" srcId="{B24BCCF6-4F1C-4DCC-A666-8A2E435C92FE}" destId="{72F63057-082D-42E7-B85C-FC47DD028363}" srcOrd="5" destOrd="0" presId="urn:microsoft.com/office/officeart/2005/8/layout/vProcess5"/>
+    <dgm:cxn modelId="{0FA25207-D5FD-4946-B15F-5CA2C949BC47}" type="presParOf" srcId="{B24BCCF6-4F1C-4DCC-A666-8A2E435C92FE}" destId="{BF775206-9782-4B74-9469-81B825259D87}" srcOrd="6" destOrd="0" presId="urn:microsoft.com/office/officeart/2005/8/layout/vProcess5"/>
+    <dgm:cxn modelId="{992FA351-D503-4BDB-9C85-721F1F337A03}" type="presParOf" srcId="{B24BCCF6-4F1C-4DCC-A666-8A2E435C92FE}" destId="{04D8DCE0-082C-4FDA-A223-020C34F2DBEB}" srcOrd="7" destOrd="0" presId="urn:microsoft.com/office/officeart/2005/8/layout/vProcess5"/>
+    <dgm:cxn modelId="{7EB1950A-A7BA-4E92-B0DE-78A1EA973B8A}" type="presParOf" srcId="{B24BCCF6-4F1C-4DCC-A666-8A2E435C92FE}" destId="{EC81BC27-7116-465B-AC12-B4720BC34B82}" srcOrd="8" destOrd="0" presId="urn:microsoft.com/office/officeart/2005/8/layout/vProcess5"/>
   </dgm:cxnLst>
   <dgm:bg/>
   <dgm:whole/>
@@ -4165,21 +4532,25 @@
       <dsp:cNvGrpSpPr/>
     </dsp:nvGrpSpPr>
     <dsp:grpSpPr/>
-    <dsp:sp modelId="{98302F07-D6A9-46A5-9807-EBF6C9F5B2DD}">
+    <dsp:sp modelId="{8ED7BCA2-C1D0-4998-9B75-278A1B905C47}">
       <dsp:nvSpPr>
         <dsp:cNvPr id="0" name=""/>
         <dsp:cNvSpPr/>
       </dsp:nvSpPr>
       <dsp:spPr>
-        <a:xfrm rot="16200000">
-          <a:off x="-423489" y="425996"/>
-          <a:ext cx="3311524" cy="2459532"/>
+        <a:xfrm>
+          <a:off x="236287" y="0"/>
+          <a:ext cx="808892" cy="808892"/>
         </a:xfrm>
-        <a:prstGeom prst="flowChartManualOperation">
-          <a:avLst/>
+        <a:prstGeom prst="chord">
+          <a:avLst>
+            <a:gd name="adj1" fmla="val 4800000"/>
+            <a:gd name="adj2" fmla="val 16800000"/>
+          </a:avLst>
         </a:prstGeom>
         <a:solidFill>
           <a:schemeClr val="accent1">
+            <a:tint val="40000"/>
             <a:hueOff val="0"/>
             <a:satOff val="0"/>
             <a:lumOff val="0"/>
@@ -4190,16 +4561,59 @@
           <a:noFill/>
         </a:ln>
         <a:effectLst/>
-        <a:scene3d>
-          <a:camera prst="orthographicFront"/>
-          <a:lightRig rig="flat" dir="t"/>
-        </a:scene3d>
-        <a:sp3d prstMaterial="dkEdge">
-          <a:bevelT w="8200" h="38100"/>
-        </a:sp3d>
       </dsp:spPr>
       <dsp:style>
         <a:lnRef idx="0">
+          <a:scrgbClr r="0" g="0" b="0"/>
+        </a:lnRef>
+        <a:fillRef idx="1">
+          <a:scrgbClr r="0" g="0" b="0"/>
+        </a:fillRef>
+        <a:effectRef idx="1">
+          <a:scrgbClr r="0" g="0" b="0"/>
+        </a:effectRef>
+        <a:fontRef idx="minor"/>
+      </dsp:style>
+    </dsp:sp>
+    <dsp:sp modelId="{59596444-DE5B-470F-9D02-95BA2AD06BDF}">
+      <dsp:nvSpPr>
+        <dsp:cNvPr id="0" name=""/>
+        <dsp:cNvSpPr/>
+      </dsp:nvSpPr>
+      <dsp:spPr>
+        <a:xfrm>
+          <a:off x="317176" y="80889"/>
+          <a:ext cx="647114" cy="647114"/>
+        </a:xfrm>
+        <a:prstGeom prst="pie">
+          <a:avLst>
+            <a:gd name="adj1" fmla="val 13500000"/>
+            <a:gd name="adj2" fmla="val 16200000"/>
+          </a:avLst>
+        </a:prstGeom>
+        <a:solidFill>
+          <a:schemeClr val="accent1">
+            <a:hueOff val="0"/>
+            <a:satOff val="0"/>
+            <a:lumOff val="0"/>
+            <a:alphaOff val="0"/>
+          </a:schemeClr>
+        </a:solidFill>
+        <a:ln w="9525" cap="flat" cmpd="sng" algn="ctr">
+          <a:solidFill>
+            <a:schemeClr val="accent1">
+              <a:hueOff val="0"/>
+              <a:satOff val="0"/>
+              <a:lumOff val="0"/>
+              <a:alphaOff val="0"/>
+            </a:schemeClr>
+          </a:solidFill>
+          <a:prstDash val="solid"/>
+        </a:ln>
+        <a:effectLst/>
+      </dsp:spPr>
+      <dsp:style>
+        <a:lnRef idx="1">
           <a:scrgbClr r="0" g="0" b="0"/>
         </a:lnRef>
         <a:fillRef idx="2">
@@ -4212,13 +4626,45 @@
           <a:schemeClr val="dk1"/>
         </a:fontRef>
       </dsp:style>
+    </dsp:sp>
+    <dsp:sp modelId="{3738601E-7288-4CE8-B6B3-708FCF66B198}">
+      <dsp:nvSpPr>
+        <dsp:cNvPr id="0" name=""/>
+        <dsp:cNvSpPr/>
+      </dsp:nvSpPr>
+      <dsp:spPr>
+        <a:xfrm rot="16200000">
+          <a:off x="-693939" y="1820008"/>
+          <a:ext cx="2345788" cy="485335"/>
+        </a:xfrm>
+        <a:prstGeom prst="rect">
+          <a:avLst/>
+        </a:prstGeom>
+        <a:noFill/>
+        <a:ln>
+          <a:noFill/>
+        </a:ln>
+        <a:effectLst/>
+      </dsp:spPr>
+      <dsp:style>
+        <a:lnRef idx="0">
+          <a:scrgbClr r="0" g="0" b="0"/>
+        </a:lnRef>
+        <a:fillRef idx="0">
+          <a:scrgbClr r="0" g="0" b="0"/>
+        </a:fillRef>
+        <a:effectRef idx="0">
+          <a:scrgbClr r="0" g="0" b="0"/>
+        </a:effectRef>
+        <a:fontRef idx="minor"/>
+      </dsp:style>
       <dsp:txBody>
-        <a:bodyPr spcFirstLastPara="0" vert="horz" wrap="square" lIns="139700" tIns="0" rIns="139700" bIns="0" numCol="1" spcCol="1270" anchor="t" anchorCtr="0">
+        <a:bodyPr spcFirstLastPara="0" vert="horz" wrap="square" lIns="0" tIns="0" rIns="0" bIns="0" numCol="1" spcCol="1270" anchor="b" anchorCtr="0">
           <a:noAutofit/>
         </a:bodyPr>
         <a:lstStyle/>
         <a:p>
-          <a:pPr lvl="0" algn="l" defTabSz="977900">
+          <a:pPr lvl="0" algn="r" defTabSz="977900">
             <a:lnSpc>
               <a:spcPct val="90000"/>
             </a:lnSpc>
@@ -4241,8 +4687,50 @@
             <a:cs typeface="Times New Roman" panose="02020603050405020304" pitchFamily="18" charset="0"/>
           </a:endParaRPr>
         </a:p>
+      </dsp:txBody>
+      <dsp:txXfrm>
+        <a:off x="-693939" y="1820008"/>
+        <a:ext cx="2345788" cy="485335"/>
+      </dsp:txXfrm>
+    </dsp:sp>
+    <dsp:sp modelId="{2D1C1CB8-58C2-46AC-93F8-7D14C8828C6D}">
+      <dsp:nvSpPr>
+        <dsp:cNvPr id="0" name=""/>
+        <dsp:cNvSpPr/>
+      </dsp:nvSpPr>
+      <dsp:spPr>
+        <a:xfrm>
+          <a:off x="802512" y="0"/>
+          <a:ext cx="1617785" cy="3235570"/>
+        </a:xfrm>
+        <a:prstGeom prst="rect">
+          <a:avLst/>
+        </a:prstGeom>
+        <a:noFill/>
+        <a:ln>
+          <a:noFill/>
+        </a:ln>
+        <a:effectLst/>
+      </dsp:spPr>
+      <dsp:style>
+        <a:lnRef idx="0">
+          <a:scrgbClr r="0" g="0" b="0"/>
+        </a:lnRef>
+        <a:fillRef idx="0">
+          <a:scrgbClr r="0" g="0" b="0"/>
+        </a:fillRef>
+        <a:effectRef idx="0">
+          <a:scrgbClr r="0" g="0" b="0"/>
+        </a:effectRef>
+        <a:fontRef idx="minor"/>
+      </dsp:style>
+      <dsp:txBody>
+        <a:bodyPr spcFirstLastPara="0" vert="horz" wrap="square" lIns="0" tIns="0" rIns="0" bIns="0" numCol="1" spcCol="1270" anchor="t" anchorCtr="0">
+          <a:noAutofit/>
+        </a:bodyPr>
+        <a:lstStyle/>
         <a:p>
-          <a:pPr marL="228600" lvl="1" indent="-228600" algn="l" defTabSz="977900">
+          <a:pPr lvl="0" algn="l" defTabSz="977900">
             <a:lnSpc>
               <a:spcPct val="90000"/>
             </a:lnSpc>
@@ -4250,9 +4738,8 @@
               <a:spcPct val="0"/>
             </a:spcBef>
             <a:spcAft>
-              <a:spcPct val="15000"/>
+              <a:spcPct val="35000"/>
             </a:spcAft>
-            <a:buChar char="••"/>
           </a:pPr>
           <a:r>
             <a:rPr lang="en-US" sz="2200" kern="1200" dirty="0" smtClean="0">
@@ -4267,7 +4754,7 @@
           </a:endParaRPr>
         </a:p>
         <a:p>
-          <a:pPr marL="228600" lvl="1" indent="-228600" algn="l" defTabSz="977900">
+          <a:pPr lvl="0" algn="l" defTabSz="977900">
             <a:lnSpc>
               <a:spcPct val="90000"/>
             </a:lnSpc>
@@ -4275,9 +4762,8 @@
               <a:spcPct val="0"/>
             </a:spcBef>
             <a:spcAft>
-              <a:spcPct val="15000"/>
+              <a:spcPct val="35000"/>
             </a:spcAft>
-            <a:buChar char="••"/>
           </a:pPr>
           <a:r>
             <a:rPr lang="en-US" sz="2200" kern="1200" dirty="0" smtClean="0">
@@ -4292,7 +4778,7 @@
           </a:endParaRPr>
         </a:p>
         <a:p>
-          <a:pPr marL="228600" lvl="1" indent="-228600" algn="l" defTabSz="977900">
+          <a:pPr lvl="0" algn="l" defTabSz="977900">
             <a:lnSpc>
               <a:spcPct val="90000"/>
             </a:lnSpc>
@@ -4300,9 +4786,8 @@
               <a:spcPct val="0"/>
             </a:spcBef>
             <a:spcAft>
-              <a:spcPct val="15000"/>
+              <a:spcPct val="35000"/>
             </a:spcAft>
-            <a:buChar char="••"/>
           </a:pPr>
           <a:r>
             <a:rPr lang="en-US" sz="2200" kern="1200" dirty="0" smtClean="0">
@@ -4317,26 +4802,30 @@
           </a:endParaRPr>
         </a:p>
       </dsp:txBody>
-      <dsp:txXfrm rot="5400000">
-        <a:off x="2507" y="662305"/>
-        <a:ext cx="2459532" cy="1986914"/>
+      <dsp:txXfrm>
+        <a:off x="802512" y="0"/>
+        <a:ext cx="1617785" cy="3235570"/>
       </dsp:txXfrm>
     </dsp:sp>
-    <dsp:sp modelId="{DAD9059A-916A-4916-A2A8-B42491568DD3}">
+    <dsp:sp modelId="{13A57D11-4E37-4805-8691-A175E10E868B}">
       <dsp:nvSpPr>
         <dsp:cNvPr id="0" name=""/>
         <dsp:cNvSpPr/>
       </dsp:nvSpPr>
       <dsp:spPr>
-        <a:xfrm rot="16200000">
-          <a:off x="2220507" y="425996"/>
-          <a:ext cx="3311524" cy="2459532"/>
+        <a:xfrm>
+          <a:off x="2868854" y="0"/>
+          <a:ext cx="808892" cy="808892"/>
         </a:xfrm>
-        <a:prstGeom prst="flowChartManualOperation">
-          <a:avLst/>
+        <a:prstGeom prst="chord">
+          <a:avLst>
+            <a:gd name="adj1" fmla="val 4800000"/>
+            <a:gd name="adj2" fmla="val 16800000"/>
+          </a:avLst>
         </a:prstGeom>
         <a:solidFill>
           <a:schemeClr val="accent1">
+            <a:tint val="40000"/>
             <a:hueOff val="0"/>
             <a:satOff val="0"/>
             <a:lumOff val="0"/>
@@ -4347,16 +4836,59 @@
           <a:noFill/>
         </a:ln>
         <a:effectLst/>
-        <a:scene3d>
-          <a:camera prst="orthographicFront"/>
-          <a:lightRig rig="flat" dir="t"/>
-        </a:scene3d>
-        <a:sp3d prstMaterial="dkEdge">
-          <a:bevelT w="8200" h="38100"/>
-        </a:sp3d>
       </dsp:spPr>
       <dsp:style>
         <a:lnRef idx="0">
+          <a:scrgbClr r="0" g="0" b="0"/>
+        </a:lnRef>
+        <a:fillRef idx="1">
+          <a:scrgbClr r="0" g="0" b="0"/>
+        </a:fillRef>
+        <a:effectRef idx="1">
+          <a:scrgbClr r="0" g="0" b="0"/>
+        </a:effectRef>
+        <a:fontRef idx="minor"/>
+      </dsp:style>
+    </dsp:sp>
+    <dsp:sp modelId="{5678EE1E-BA84-41B0-894E-505B199402B8}">
+      <dsp:nvSpPr>
+        <dsp:cNvPr id="0" name=""/>
+        <dsp:cNvSpPr/>
+      </dsp:nvSpPr>
+      <dsp:spPr>
+        <a:xfrm>
+          <a:off x="2949743" y="80889"/>
+          <a:ext cx="647114" cy="647114"/>
+        </a:xfrm>
+        <a:prstGeom prst="pie">
+          <a:avLst>
+            <a:gd name="adj1" fmla="val 10800000"/>
+            <a:gd name="adj2" fmla="val 16200000"/>
+          </a:avLst>
+        </a:prstGeom>
+        <a:solidFill>
+          <a:schemeClr val="accent1">
+            <a:hueOff val="0"/>
+            <a:satOff val="0"/>
+            <a:lumOff val="0"/>
+            <a:alphaOff val="0"/>
+          </a:schemeClr>
+        </a:solidFill>
+        <a:ln w="9525" cap="flat" cmpd="sng" algn="ctr">
+          <a:solidFill>
+            <a:schemeClr val="accent1">
+              <a:hueOff val="0"/>
+              <a:satOff val="0"/>
+              <a:lumOff val="0"/>
+              <a:alphaOff val="0"/>
+            </a:schemeClr>
+          </a:solidFill>
+          <a:prstDash val="solid"/>
+        </a:ln>
+        <a:effectLst/>
+      </dsp:spPr>
+      <dsp:style>
+        <a:lnRef idx="1">
           <a:scrgbClr r="0" g="0" b="0"/>
         </a:lnRef>
         <a:fillRef idx="2">
@@ -4369,13 +4901,45 @@
           <a:schemeClr val="dk1"/>
         </a:fontRef>
       </dsp:style>
+    </dsp:sp>
+    <dsp:sp modelId="{BC4B5C02-E286-4891-A251-DC2B2E3F436B}">
+      <dsp:nvSpPr>
+        <dsp:cNvPr id="0" name=""/>
+        <dsp:cNvSpPr/>
+      </dsp:nvSpPr>
+      <dsp:spPr>
+        <a:xfrm rot="16200000">
+          <a:off x="1938627" y="1820008"/>
+          <a:ext cx="2345788" cy="485335"/>
+        </a:xfrm>
+        <a:prstGeom prst="rect">
+          <a:avLst/>
+        </a:prstGeom>
+        <a:noFill/>
+        <a:ln>
+          <a:noFill/>
+        </a:ln>
+        <a:effectLst/>
+      </dsp:spPr>
+      <dsp:style>
+        <a:lnRef idx="0">
+          <a:scrgbClr r="0" g="0" b="0"/>
+        </a:lnRef>
+        <a:fillRef idx="0">
+          <a:scrgbClr r="0" g="0" b="0"/>
+        </a:fillRef>
+        <a:effectRef idx="0">
+          <a:scrgbClr r="0" g="0" b="0"/>
+        </a:effectRef>
+        <a:fontRef idx="minor"/>
+      </dsp:style>
       <dsp:txBody>
-        <a:bodyPr spcFirstLastPara="0" vert="horz" wrap="square" lIns="139700" tIns="0" rIns="139700" bIns="0" numCol="1" spcCol="1270" anchor="t" anchorCtr="0">
+        <a:bodyPr spcFirstLastPara="0" vert="horz" wrap="square" lIns="0" tIns="0" rIns="0" bIns="0" numCol="1" spcCol="1270" anchor="b" anchorCtr="0">
           <a:noAutofit/>
         </a:bodyPr>
         <a:lstStyle/>
         <a:p>
-          <a:pPr lvl="0" algn="l" defTabSz="977900">
+          <a:pPr lvl="0" algn="r" defTabSz="977900">
             <a:lnSpc>
               <a:spcPct val="90000"/>
             </a:lnSpc>
@@ -4398,8 +4962,50 @@
             <a:cs typeface="Times New Roman" panose="02020603050405020304" pitchFamily="18" charset="0"/>
           </a:endParaRPr>
         </a:p>
+      </dsp:txBody>
+      <dsp:txXfrm>
+        <a:off x="1938627" y="1820008"/>
+        <a:ext cx="2345788" cy="485335"/>
+      </dsp:txXfrm>
+    </dsp:sp>
+    <dsp:sp modelId="{AD586D5E-6D5D-4C38-A2CC-FCF6A2523532}">
+      <dsp:nvSpPr>
+        <dsp:cNvPr id="0" name=""/>
+        <dsp:cNvSpPr/>
+      </dsp:nvSpPr>
+      <dsp:spPr>
+        <a:xfrm>
+          <a:off x="3435078" y="0"/>
+          <a:ext cx="1617785" cy="3235570"/>
+        </a:xfrm>
+        <a:prstGeom prst="rect">
+          <a:avLst/>
+        </a:prstGeom>
+        <a:noFill/>
+        <a:ln>
+          <a:noFill/>
+        </a:ln>
+        <a:effectLst/>
+      </dsp:spPr>
+      <dsp:style>
+        <a:lnRef idx="0">
+          <a:scrgbClr r="0" g="0" b="0"/>
+        </a:lnRef>
+        <a:fillRef idx="0">
+          <a:scrgbClr r="0" g="0" b="0"/>
+        </a:fillRef>
+        <a:effectRef idx="0">
+          <a:scrgbClr r="0" g="0" b="0"/>
+        </a:effectRef>
+        <a:fontRef idx="minor"/>
+      </dsp:style>
+      <dsp:txBody>
+        <a:bodyPr spcFirstLastPara="0" vert="horz" wrap="square" lIns="0" tIns="0" rIns="0" bIns="0" numCol="1" spcCol="1270" anchor="t" anchorCtr="0">
+          <a:noAutofit/>
+        </a:bodyPr>
+        <a:lstStyle/>
         <a:p>
-          <a:pPr marL="228600" lvl="1" indent="-228600" algn="l" defTabSz="977900">
+          <a:pPr lvl="0" algn="l" defTabSz="977900">
             <a:lnSpc>
               <a:spcPct val="90000"/>
             </a:lnSpc>
@@ -4407,16 +5013,15 @@
               <a:spcPct val="0"/>
             </a:spcBef>
             <a:spcAft>
-              <a:spcPct val="15000"/>
+              <a:spcPct val="35000"/>
             </a:spcAft>
-            <a:buChar char="••"/>
           </a:pPr>
           <a:r>
-            <a:rPr lang="en-US" sz="2200" kern="1200" dirty="0" err="1" smtClean="0">
+            <a:rPr lang="en-US" sz="2200" kern="1200" dirty="0" smtClean="0">
               <a:latin typeface="Times New Roman" panose="02020603050405020304" pitchFamily="18" charset="0"/>
               <a:cs typeface="Times New Roman" panose="02020603050405020304" pitchFamily="18" charset="0"/>
             </a:rPr>
-            <a:t>FinalizeDatabase</a:t>
+            <a:t>Finalize Database</a:t>
           </a:r>
           <a:endParaRPr lang="en-US" sz="2200" kern="1200" dirty="0">
             <a:latin typeface="Times New Roman" panose="02020603050405020304" pitchFamily="18" charset="0"/>
@@ -4424,7 +5029,7 @@
           </a:endParaRPr>
         </a:p>
         <a:p>
-          <a:pPr marL="228600" lvl="1" indent="-228600" algn="l" defTabSz="977900">
+          <a:pPr lvl="0" algn="l" defTabSz="977900">
             <a:lnSpc>
               <a:spcPct val="90000"/>
             </a:lnSpc>
@@ -4432,9 +5037,8 @@
               <a:spcPct val="0"/>
             </a:spcBef>
             <a:spcAft>
-              <a:spcPct val="15000"/>
+              <a:spcPct val="35000"/>
             </a:spcAft>
-            <a:buChar char="••"/>
           </a:pPr>
           <a:r>
             <a:rPr lang="en-US" sz="2200" kern="1200" dirty="0" smtClean="0">
@@ -4449,7 +5053,7 @@
           </a:endParaRPr>
         </a:p>
         <a:p>
-          <a:pPr marL="228600" lvl="1" indent="-228600" algn="l" defTabSz="977900">
+          <a:pPr lvl="0" algn="l" defTabSz="977900">
             <a:lnSpc>
               <a:spcPct val="90000"/>
             </a:lnSpc>
@@ -4457,9 +5061,8 @@
               <a:spcPct val="0"/>
             </a:spcBef>
             <a:spcAft>
-              <a:spcPct val="15000"/>
+              <a:spcPct val="35000"/>
             </a:spcAft>
-            <a:buChar char="••"/>
           </a:pPr>
           <a:r>
             <a:rPr lang="en-US" sz="2200" kern="1200" dirty="0" smtClean="0">
@@ -4474,26 +5077,30 @@
           </a:endParaRPr>
         </a:p>
       </dsp:txBody>
-      <dsp:txXfrm rot="5400000">
-        <a:off x="2646503" y="662305"/>
-        <a:ext cx="2459532" cy="1986914"/>
+      <dsp:txXfrm>
+        <a:off x="3435078" y="0"/>
+        <a:ext cx="1617785" cy="3235570"/>
       </dsp:txXfrm>
     </dsp:sp>
-    <dsp:sp modelId="{25A33852-3C4B-4406-8856-3A4D6201948C}">
+    <dsp:sp modelId="{23B3ED49-A8DF-469D-9786-48B701A5EF23}">
       <dsp:nvSpPr>
         <dsp:cNvPr id="0" name=""/>
         <dsp:cNvSpPr/>
       </dsp:nvSpPr>
       <dsp:spPr>
-        <a:xfrm rot="16200000">
-          <a:off x="4864505" y="425996"/>
-          <a:ext cx="3311524" cy="2459532"/>
+        <a:xfrm>
+          <a:off x="5501421" y="0"/>
+          <a:ext cx="808892" cy="808892"/>
         </a:xfrm>
-        <a:prstGeom prst="flowChartManualOperation">
-          <a:avLst/>
+        <a:prstGeom prst="chord">
+          <a:avLst>
+            <a:gd name="adj1" fmla="val 4800000"/>
+            <a:gd name="adj2" fmla="val 16800000"/>
+          </a:avLst>
         </a:prstGeom>
         <a:solidFill>
           <a:schemeClr val="accent1">
+            <a:tint val="40000"/>
             <a:hueOff val="0"/>
             <a:satOff val="0"/>
             <a:lumOff val="0"/>
@@ -4504,16 +5111,59 @@
           <a:noFill/>
         </a:ln>
         <a:effectLst/>
-        <a:scene3d>
-          <a:camera prst="orthographicFront"/>
-          <a:lightRig rig="flat" dir="t"/>
-        </a:scene3d>
-        <a:sp3d prstMaterial="dkEdge">
-          <a:bevelT w="8200" h="38100"/>
-        </a:sp3d>
       </dsp:spPr>
       <dsp:style>
         <a:lnRef idx="0">
+          <a:scrgbClr r="0" g="0" b="0"/>
+        </a:lnRef>
+        <a:fillRef idx="1">
+          <a:scrgbClr r="0" g="0" b="0"/>
+        </a:fillRef>
+        <a:effectRef idx="1">
+          <a:scrgbClr r="0" g="0" b="0"/>
+        </a:effectRef>
+        <a:fontRef idx="minor"/>
+      </dsp:style>
+    </dsp:sp>
+    <dsp:sp modelId="{966F4581-CA55-495D-A121-EB41790B682F}">
+      <dsp:nvSpPr>
+        <dsp:cNvPr id="0" name=""/>
+        <dsp:cNvSpPr/>
+      </dsp:nvSpPr>
+      <dsp:spPr>
+        <a:xfrm>
+          <a:off x="5582310" y="80889"/>
+          <a:ext cx="647114" cy="647114"/>
+        </a:xfrm>
+        <a:prstGeom prst="pie">
+          <a:avLst>
+            <a:gd name="adj1" fmla="val 8100000"/>
+            <a:gd name="adj2" fmla="val 16200000"/>
+          </a:avLst>
+        </a:prstGeom>
+        <a:solidFill>
+          <a:schemeClr val="accent1">
+            <a:hueOff val="0"/>
+            <a:satOff val="0"/>
+            <a:lumOff val="0"/>
+            <a:alphaOff val="0"/>
+          </a:schemeClr>
+        </a:solidFill>
+        <a:ln w="9525" cap="flat" cmpd="sng" algn="ctr">
+          <a:solidFill>
+            <a:schemeClr val="accent1">
+              <a:hueOff val="0"/>
+              <a:satOff val="0"/>
+              <a:lumOff val="0"/>
+              <a:alphaOff val="0"/>
+            </a:schemeClr>
+          </a:solidFill>
+          <a:prstDash val="solid"/>
+        </a:ln>
+        <a:effectLst/>
+      </dsp:spPr>
+      <dsp:style>
+        <a:lnRef idx="1">
           <a:scrgbClr r="0" g="0" b="0"/>
         </a:lnRef>
         <a:fillRef idx="2">
@@ -4526,13 +5176,45 @@
           <a:schemeClr val="dk1"/>
         </a:fontRef>
       </dsp:style>
+    </dsp:sp>
+    <dsp:sp modelId="{CA9AEAE3-E1C9-456F-BBFA-1FA519C78A4E}">
+      <dsp:nvSpPr>
+        <dsp:cNvPr id="0" name=""/>
+        <dsp:cNvSpPr/>
+      </dsp:nvSpPr>
+      <dsp:spPr>
+        <a:xfrm rot="16200000">
+          <a:off x="4571194" y="1820008"/>
+          <a:ext cx="2345788" cy="485335"/>
+        </a:xfrm>
+        <a:prstGeom prst="rect">
+          <a:avLst/>
+        </a:prstGeom>
+        <a:noFill/>
+        <a:ln>
+          <a:noFill/>
+        </a:ln>
+        <a:effectLst/>
+      </dsp:spPr>
+      <dsp:style>
+        <a:lnRef idx="0">
+          <a:scrgbClr r="0" g="0" b="0"/>
+        </a:lnRef>
+        <a:fillRef idx="0">
+          <a:scrgbClr r="0" g="0" b="0"/>
+        </a:fillRef>
+        <a:effectRef idx="0">
+          <a:scrgbClr r="0" g="0" b="0"/>
+        </a:effectRef>
+        <a:fontRef idx="minor"/>
+      </dsp:style>
       <dsp:txBody>
-        <a:bodyPr spcFirstLastPara="0" vert="horz" wrap="square" lIns="139700" tIns="0" rIns="139700" bIns="0" numCol="1" spcCol="1270" anchor="t" anchorCtr="0">
+        <a:bodyPr spcFirstLastPara="0" vert="horz" wrap="square" lIns="0" tIns="0" rIns="0" bIns="0" numCol="1" spcCol="1270" anchor="b" anchorCtr="0">
           <a:noAutofit/>
         </a:bodyPr>
         <a:lstStyle/>
         <a:p>
-          <a:pPr lvl="0" algn="l" defTabSz="977900">
+          <a:pPr lvl="0" algn="r" defTabSz="977900">
             <a:lnSpc>
               <a:spcPct val="90000"/>
             </a:lnSpc>
@@ -4555,8 +5237,50 @@
             <a:cs typeface="Times New Roman" panose="02020603050405020304" pitchFamily="18" charset="0"/>
           </a:endParaRPr>
         </a:p>
+      </dsp:txBody>
+      <dsp:txXfrm>
+        <a:off x="4571194" y="1820008"/>
+        <a:ext cx="2345788" cy="485335"/>
+      </dsp:txXfrm>
+    </dsp:sp>
+    <dsp:sp modelId="{986877C7-5555-4471-A423-DCAF7AEC96DE}">
+      <dsp:nvSpPr>
+        <dsp:cNvPr id="0" name=""/>
+        <dsp:cNvSpPr/>
+      </dsp:nvSpPr>
+      <dsp:spPr>
+        <a:xfrm>
+          <a:off x="6067645" y="0"/>
+          <a:ext cx="1617785" cy="3235570"/>
+        </a:xfrm>
+        <a:prstGeom prst="rect">
+          <a:avLst/>
+        </a:prstGeom>
+        <a:noFill/>
+        <a:ln>
+          <a:noFill/>
+        </a:ln>
+        <a:effectLst/>
+      </dsp:spPr>
+      <dsp:style>
+        <a:lnRef idx="0">
+          <a:scrgbClr r="0" g="0" b="0"/>
+        </a:lnRef>
+        <a:fillRef idx="0">
+          <a:scrgbClr r="0" g="0" b="0"/>
+        </a:fillRef>
+        <a:effectRef idx="0">
+          <a:scrgbClr r="0" g="0" b="0"/>
+        </a:effectRef>
+        <a:fontRef idx="minor"/>
+      </dsp:style>
+      <dsp:txBody>
+        <a:bodyPr spcFirstLastPara="0" vert="horz" wrap="square" lIns="0" tIns="0" rIns="0" bIns="0" numCol="1" spcCol="1270" anchor="t" anchorCtr="0">
+          <a:noAutofit/>
+        </a:bodyPr>
+        <a:lstStyle/>
         <a:p>
-          <a:pPr marL="228600" lvl="1" indent="-228600" algn="l" defTabSz="977900">
+          <a:pPr lvl="0" algn="l" defTabSz="977900">
             <a:lnSpc>
               <a:spcPct val="90000"/>
             </a:lnSpc>
@@ -4564,9 +5288,8 @@
               <a:spcPct val="0"/>
             </a:spcBef>
             <a:spcAft>
-              <a:spcPct val="15000"/>
+              <a:spcPct val="35000"/>
             </a:spcAft>
-            <a:buChar char="••"/>
           </a:pPr>
           <a:r>
             <a:rPr lang="en-US" sz="2200" kern="1200" dirty="0" smtClean="0">
@@ -4581,7 +5304,7 @@
           </a:endParaRPr>
         </a:p>
         <a:p>
-          <a:pPr marL="228600" lvl="1" indent="-228600" algn="l" defTabSz="977900">
+          <a:pPr lvl="0" algn="l" defTabSz="977900">
             <a:lnSpc>
               <a:spcPct val="90000"/>
             </a:lnSpc>
@@ -4589,9 +5312,8 @@
               <a:spcPct val="0"/>
             </a:spcBef>
             <a:spcAft>
-              <a:spcPct val="15000"/>
+              <a:spcPct val="35000"/>
             </a:spcAft>
-            <a:buChar char="••"/>
           </a:pPr>
           <a:r>
             <a:rPr lang="en-US" sz="2200" kern="1200" dirty="0" smtClean="0">
@@ -4606,7 +5328,7 @@
           </a:endParaRPr>
         </a:p>
         <a:p>
-          <a:pPr marL="228600" lvl="1" indent="-228600" algn="l" defTabSz="977900">
+          <a:pPr lvl="0" algn="l" defTabSz="977900">
             <a:lnSpc>
               <a:spcPct val="90000"/>
             </a:lnSpc>
@@ -4614,9 +5336,8 @@
               <a:spcPct val="0"/>
             </a:spcBef>
             <a:spcAft>
-              <a:spcPct val="15000"/>
+              <a:spcPct val="35000"/>
             </a:spcAft>
-            <a:buChar char="••"/>
           </a:pPr>
           <a:r>
             <a:rPr lang="en-US" sz="2200" kern="1200" dirty="0" smtClean="0">
@@ -4631,26 +5352,30 @@
           </a:endParaRPr>
         </a:p>
       </dsp:txBody>
-      <dsp:txXfrm rot="5400000">
-        <a:off x="5290501" y="662305"/>
-        <a:ext cx="2459532" cy="1986914"/>
+      <dsp:txXfrm>
+        <a:off x="6067645" y="0"/>
+        <a:ext cx="1617785" cy="3235570"/>
       </dsp:txXfrm>
     </dsp:sp>
-    <dsp:sp modelId="{86146B22-5360-4D1B-AC91-3378F10134EE}">
+    <dsp:sp modelId="{2F91C5D8-3B13-44B4-8C71-0652A1FA3FB4}">
       <dsp:nvSpPr>
         <dsp:cNvPr id="0" name=""/>
         <dsp:cNvSpPr/>
       </dsp:nvSpPr>
       <dsp:spPr>
-        <a:xfrm rot="16200000">
-          <a:off x="7508502" y="425996"/>
-          <a:ext cx="3311524" cy="2459532"/>
+        <a:xfrm>
+          <a:off x="8133987" y="0"/>
+          <a:ext cx="808892" cy="808892"/>
         </a:xfrm>
-        <a:prstGeom prst="flowChartManualOperation">
-          <a:avLst/>
+        <a:prstGeom prst="chord">
+          <a:avLst>
+            <a:gd name="adj1" fmla="val 4800000"/>
+            <a:gd name="adj2" fmla="val 16800000"/>
+          </a:avLst>
         </a:prstGeom>
         <a:solidFill>
           <a:schemeClr val="accent1">
+            <a:tint val="40000"/>
             <a:hueOff val="0"/>
             <a:satOff val="0"/>
             <a:lumOff val="0"/>
@@ -4661,16 +5386,59 @@
           <a:noFill/>
         </a:ln>
         <a:effectLst/>
-        <a:scene3d>
-          <a:camera prst="orthographicFront"/>
-          <a:lightRig rig="flat" dir="t"/>
-        </a:scene3d>
-        <a:sp3d prstMaterial="dkEdge">
-          <a:bevelT w="8200" h="38100"/>
-        </a:sp3d>
       </dsp:spPr>
       <dsp:style>
         <a:lnRef idx="0">
+          <a:scrgbClr r="0" g="0" b="0"/>
+        </a:lnRef>
+        <a:fillRef idx="1">
+          <a:scrgbClr r="0" g="0" b="0"/>
+        </a:fillRef>
+        <a:effectRef idx="1">
+          <a:scrgbClr r="0" g="0" b="0"/>
+        </a:effectRef>
+        <a:fontRef idx="minor"/>
+      </dsp:style>
+    </dsp:sp>
+    <dsp:sp modelId="{EB62602B-5B52-4E2C-86E4-406EDE0E8B5C}">
+      <dsp:nvSpPr>
+        <dsp:cNvPr id="0" name=""/>
+        <dsp:cNvSpPr/>
+      </dsp:nvSpPr>
+      <dsp:spPr>
+        <a:xfrm>
+          <a:off x="8214877" y="80889"/>
+          <a:ext cx="647114" cy="647114"/>
+        </a:xfrm>
+        <a:prstGeom prst="pie">
+          <a:avLst>
+            <a:gd name="adj1" fmla="val 5400000"/>
+            <a:gd name="adj2" fmla="val 16200000"/>
+          </a:avLst>
+        </a:prstGeom>
+        <a:solidFill>
+          <a:schemeClr val="accent1">
+            <a:hueOff val="0"/>
+            <a:satOff val="0"/>
+            <a:lumOff val="0"/>
+            <a:alphaOff val="0"/>
+          </a:schemeClr>
+        </a:solidFill>
+        <a:ln w="9525" cap="flat" cmpd="sng" algn="ctr">
+          <a:solidFill>
+            <a:schemeClr val="accent1">
+              <a:hueOff val="0"/>
+              <a:satOff val="0"/>
+              <a:lumOff val="0"/>
+              <a:alphaOff val="0"/>
+            </a:schemeClr>
+          </a:solidFill>
+          <a:prstDash val="solid"/>
+        </a:ln>
+        <a:effectLst/>
+      </dsp:spPr>
+      <dsp:style>
+        <a:lnRef idx="1">
           <a:scrgbClr r="0" g="0" b="0"/>
         </a:lnRef>
         <a:fillRef idx="2">
@@ -4683,13 +5451,45 @@
           <a:schemeClr val="dk1"/>
         </a:fontRef>
       </dsp:style>
+    </dsp:sp>
+    <dsp:sp modelId="{5A148C6B-0CFB-4CDB-B2E0-0CF7320A2CD8}">
+      <dsp:nvSpPr>
+        <dsp:cNvPr id="0" name=""/>
+        <dsp:cNvSpPr/>
+      </dsp:nvSpPr>
+      <dsp:spPr>
+        <a:xfrm rot="16200000">
+          <a:off x="7203761" y="1820008"/>
+          <a:ext cx="2345788" cy="485335"/>
+        </a:xfrm>
+        <a:prstGeom prst="rect">
+          <a:avLst/>
+        </a:prstGeom>
+        <a:noFill/>
+        <a:ln>
+          <a:noFill/>
+        </a:ln>
+        <a:effectLst/>
+      </dsp:spPr>
+      <dsp:style>
+        <a:lnRef idx="0">
+          <a:scrgbClr r="0" g="0" b="0"/>
+        </a:lnRef>
+        <a:fillRef idx="0">
+          <a:scrgbClr r="0" g="0" b="0"/>
+        </a:fillRef>
+        <a:effectRef idx="0">
+          <a:scrgbClr r="0" g="0" b="0"/>
+        </a:effectRef>
+        <a:fontRef idx="minor"/>
+      </dsp:style>
       <dsp:txBody>
-        <a:bodyPr spcFirstLastPara="0" vert="horz" wrap="square" lIns="139700" tIns="0" rIns="139700" bIns="0" numCol="1" spcCol="1270" anchor="t" anchorCtr="0">
+        <a:bodyPr spcFirstLastPara="0" vert="horz" wrap="square" lIns="0" tIns="0" rIns="0" bIns="0" numCol="1" spcCol="1270" anchor="b" anchorCtr="0">
           <a:noAutofit/>
         </a:bodyPr>
         <a:lstStyle/>
         <a:p>
-          <a:pPr lvl="0" algn="l" defTabSz="977900">
+          <a:pPr lvl="0" algn="r" defTabSz="977900">
             <a:lnSpc>
               <a:spcPct val="90000"/>
             </a:lnSpc>
@@ -4712,8 +5512,50 @@
             <a:cs typeface="Times New Roman" panose="02020603050405020304" pitchFamily="18" charset="0"/>
           </a:endParaRPr>
         </a:p>
+      </dsp:txBody>
+      <dsp:txXfrm>
+        <a:off x="7203761" y="1820008"/>
+        <a:ext cx="2345788" cy="485335"/>
+      </dsp:txXfrm>
+    </dsp:sp>
+    <dsp:sp modelId="{FDC79394-E0CB-4CB1-9269-8658F340BC8D}">
+      <dsp:nvSpPr>
+        <dsp:cNvPr id="0" name=""/>
+        <dsp:cNvSpPr/>
+      </dsp:nvSpPr>
+      <dsp:spPr>
+        <a:xfrm>
+          <a:off x="8700212" y="0"/>
+          <a:ext cx="1617785" cy="3235570"/>
+        </a:xfrm>
+        <a:prstGeom prst="rect">
+          <a:avLst/>
+        </a:prstGeom>
+        <a:noFill/>
+        <a:ln>
+          <a:noFill/>
+        </a:ln>
+        <a:effectLst/>
+      </dsp:spPr>
+      <dsp:style>
+        <a:lnRef idx="0">
+          <a:scrgbClr r="0" g="0" b="0"/>
+        </a:lnRef>
+        <a:fillRef idx="0">
+          <a:scrgbClr r="0" g="0" b="0"/>
+        </a:fillRef>
+        <a:effectRef idx="0">
+          <a:scrgbClr r="0" g="0" b="0"/>
+        </a:effectRef>
+        <a:fontRef idx="minor"/>
+      </dsp:style>
+      <dsp:txBody>
+        <a:bodyPr spcFirstLastPara="0" vert="horz" wrap="square" lIns="0" tIns="0" rIns="0" bIns="0" numCol="1" spcCol="1270" anchor="t" anchorCtr="0">
+          <a:noAutofit/>
+        </a:bodyPr>
+        <a:lstStyle/>
         <a:p>
-          <a:pPr marL="228600" lvl="1" indent="-228600" algn="l" defTabSz="977900">
+          <a:pPr lvl="0" algn="l" defTabSz="977900">
             <a:lnSpc>
               <a:spcPct val="90000"/>
             </a:lnSpc>
@@ -4721,9 +5563,8 @@
               <a:spcPct val="0"/>
             </a:spcBef>
             <a:spcAft>
-              <a:spcPct val="15000"/>
+              <a:spcPct val="35000"/>
             </a:spcAft>
-            <a:buChar char="••"/>
           </a:pPr>
           <a:r>
             <a:rPr lang="en-US" sz="2200" kern="1200" dirty="0" smtClean="0">
@@ -4738,7 +5579,7 @@
           </a:endParaRPr>
         </a:p>
         <a:p>
-          <a:pPr marL="228600" lvl="1" indent="-228600" algn="l" defTabSz="977900">
+          <a:pPr lvl="0" algn="l" defTabSz="977900">
             <a:lnSpc>
               <a:spcPct val="90000"/>
             </a:lnSpc>
@@ -4746,9 +5587,8 @@
               <a:spcPct val="0"/>
             </a:spcBef>
             <a:spcAft>
-              <a:spcPct val="15000"/>
+              <a:spcPct val="35000"/>
             </a:spcAft>
-            <a:buChar char="••"/>
           </a:pPr>
           <a:r>
             <a:rPr lang="en-US" sz="2200" kern="1200" dirty="0" smtClean="0">
@@ -4763,9 +5603,9 @@
           </a:endParaRPr>
         </a:p>
       </dsp:txBody>
-      <dsp:txXfrm rot="5400000">
-        <a:off x="7934498" y="662305"/>
-        <a:ext cx="2459532" cy="1986914"/>
+      <dsp:txXfrm>
+        <a:off x="8700212" y="0"/>
+        <a:ext cx="1617785" cy="3235570"/>
       </dsp:txXfrm>
     </dsp:sp>
   </dsp:spTree>
@@ -4780,17 +5620,145 @@
       <dsp:cNvGrpSpPr/>
     </dsp:nvGrpSpPr>
     <dsp:grpSpPr/>
-    <dsp:sp modelId="{98302F07-D6A9-46A5-9807-EBF6C9F5B2DD}">
+    <dsp:sp modelId="{8F988417-5085-446A-9534-C8E783FFAC0F}">
       <dsp:nvSpPr>
         <dsp:cNvPr id="0" name=""/>
         <dsp:cNvSpPr/>
       </dsp:nvSpPr>
       <dsp:spPr>
-        <a:xfrm rot="16200000">
-          <a:off x="-851716" y="854037"/>
-          <a:ext cx="3986213" cy="2278137"/>
+        <a:xfrm>
+          <a:off x="0" y="215181"/>
+          <a:ext cx="2698358" cy="910800"/>
         </a:xfrm>
-        <a:prstGeom prst="flowChartManualOperation">
+        <a:prstGeom prst="rect">
+          <a:avLst/>
+        </a:prstGeom>
+        <a:noFill/>
+        <a:ln w="9525" cap="flat" cmpd="sng" algn="ctr">
+          <a:solidFill>
+            <a:schemeClr val="dk1">
+              <a:alpha val="0"/>
+              <a:hueOff val="0"/>
+              <a:satOff val="0"/>
+              <a:lumOff val="0"/>
+              <a:alphaOff val="0"/>
+            </a:schemeClr>
+          </a:solidFill>
+          <a:prstDash val="solid"/>
+        </a:ln>
+        <a:effectLst/>
+      </dsp:spPr>
+      <dsp:style>
+        <a:lnRef idx="1">
+          <a:scrgbClr r="0" g="0" b="0"/>
+        </a:lnRef>
+        <a:fillRef idx="0">
+          <a:scrgbClr r="0" g="0" b="0"/>
+        </a:fillRef>
+        <a:effectRef idx="0">
+          <a:scrgbClr r="0" g="0" b="0"/>
+        </a:effectRef>
+        <a:fontRef idx="minor"/>
+      </dsp:style>
+      <dsp:txBody>
+        <a:bodyPr spcFirstLastPara="0" vert="horz" wrap="square" lIns="142240" tIns="50800" rIns="142240" bIns="50800" numCol="1" spcCol="1270" anchor="ctr" anchorCtr="0">
+          <a:noAutofit/>
+        </a:bodyPr>
+        <a:lstStyle/>
+        <a:p>
+          <a:pPr lvl="0" algn="r" defTabSz="889000">
+            <a:lnSpc>
+              <a:spcPct val="90000"/>
+            </a:lnSpc>
+            <a:spcBef>
+              <a:spcPct val="0"/>
+            </a:spcBef>
+            <a:spcAft>
+              <a:spcPct val="35000"/>
+            </a:spcAft>
+          </a:pPr>
+          <a:r>
+            <a:rPr lang="en-US" sz="2000" kern="1200" dirty="0" smtClean="0">
+              <a:latin typeface="Times New Roman" panose="02020603050405020304" pitchFamily="18" charset="0"/>
+              <a:cs typeface="Times New Roman" panose="02020603050405020304" pitchFamily="18" charset="0"/>
+            </a:rPr>
+            <a:t>Requirements Gathering </a:t>
+          </a:r>
+          <a:endParaRPr lang="en-US" sz="2000" kern="1200" dirty="0">
+            <a:latin typeface="Times New Roman" panose="02020603050405020304" pitchFamily="18" charset="0"/>
+            <a:cs typeface="Times New Roman" panose="02020603050405020304" pitchFamily="18" charset="0"/>
+          </a:endParaRPr>
+        </a:p>
+      </dsp:txBody>
+      <dsp:txXfrm>
+        <a:off x="0" y="215181"/>
+        <a:ext cx="2698358" cy="910800"/>
+      </dsp:txXfrm>
+    </dsp:sp>
+    <dsp:sp modelId="{D7B4D69F-D437-4019-A697-900DF3BD4189}">
+      <dsp:nvSpPr>
+        <dsp:cNvPr id="0" name=""/>
+        <dsp:cNvSpPr/>
+      </dsp:nvSpPr>
+      <dsp:spPr>
+        <a:xfrm>
+          <a:off x="2698358" y="1713"/>
+          <a:ext cx="539671" cy="1337737"/>
+        </a:xfrm>
+        <a:prstGeom prst="leftBrace">
+          <a:avLst>
+            <a:gd name="adj1" fmla="val 35000"/>
+            <a:gd name="adj2" fmla="val 50000"/>
+          </a:avLst>
+        </a:prstGeom>
+        <a:noFill/>
+        <a:ln w="19050" cap="flat" cmpd="sng" algn="ctr">
+          <a:solidFill>
+            <a:schemeClr val="accent1">
+              <a:shade val="60000"/>
+              <a:hueOff val="0"/>
+              <a:satOff val="0"/>
+              <a:lumOff val="0"/>
+              <a:alphaOff val="0"/>
+            </a:schemeClr>
+          </a:solidFill>
+          <a:prstDash val="solid"/>
+        </a:ln>
+        <a:effectLst/>
+        <a:scene3d>
+          <a:camera prst="orthographicFront">
+            <a:rot lat="0" lon="0" rev="0"/>
+          </a:camera>
+          <a:lightRig rig="contrasting" dir="t">
+            <a:rot lat="0" lon="0" rev="1200000"/>
+          </a:lightRig>
+        </a:scene3d>
+        <a:sp3d z="-110000"/>
+      </dsp:spPr>
+      <dsp:style>
+        <a:lnRef idx="2">
+          <a:scrgbClr r="0" g="0" b="0"/>
+        </a:lnRef>
+        <a:fillRef idx="0">
+          <a:scrgbClr r="0" g="0" b="0"/>
+        </a:fillRef>
+        <a:effectRef idx="0">
+          <a:scrgbClr r="0" g="0" b="0"/>
+        </a:effectRef>
+        <a:fontRef idx="minor"/>
+      </dsp:style>
+    </dsp:sp>
+    <dsp:sp modelId="{22850625-2192-463E-8187-DBB37B4DEEE5}">
+      <dsp:nvSpPr>
+        <dsp:cNvPr id="0" name=""/>
+        <dsp:cNvSpPr/>
+      </dsp:nvSpPr>
+      <dsp:spPr>
+        <a:xfrm>
+          <a:off x="3453899" y="1713"/>
+          <a:ext cx="7339535" cy="1337737"/>
+        </a:xfrm>
+        <a:prstGeom prst="rect">
           <a:avLst/>
         </a:prstGeom>
         <a:solidFill>
@@ -4806,58 +5774,39 @@
         </a:ln>
         <a:effectLst/>
         <a:scene3d>
-          <a:camera prst="orthographicFront"/>
-          <a:lightRig rig="flat" dir="t"/>
+          <a:camera prst="orthographicFront">
+            <a:rot lat="0" lon="0" rev="0"/>
+          </a:camera>
+          <a:lightRig rig="contrasting" dir="t">
+            <a:rot lat="0" lon="0" rev="1200000"/>
+          </a:lightRig>
         </a:scene3d>
-        <a:sp3d prstMaterial="dkEdge">
-          <a:bevelT w="8200" h="38100"/>
+        <a:sp3d contourW="19050" prstMaterial="metal">
+          <a:bevelT w="88900" h="203200"/>
+          <a:bevelB w="165100" h="254000"/>
         </a:sp3d>
       </dsp:spPr>
       <dsp:style>
         <a:lnRef idx="0">
           <a:scrgbClr r="0" g="0" b="0"/>
         </a:lnRef>
-        <a:fillRef idx="2">
+        <a:fillRef idx="1">
           <a:scrgbClr r="0" g="0" b="0"/>
         </a:fillRef>
-        <a:effectRef idx="1">
+        <a:effectRef idx="2">
           <a:scrgbClr r="0" g="0" b="0"/>
         </a:effectRef>
         <a:fontRef idx="minor">
-          <a:schemeClr val="dk1"/>
+          <a:schemeClr val="lt1"/>
         </a:fontRef>
       </dsp:style>
       <dsp:txBody>
-        <a:bodyPr spcFirstLastPara="0" vert="horz" wrap="square" lIns="114300" tIns="0" rIns="114300" bIns="0" numCol="1" spcCol="1270" anchor="t" anchorCtr="0">
+        <a:bodyPr spcFirstLastPara="0" vert="horz" wrap="square" lIns="76200" tIns="76200" rIns="76200" bIns="76200" numCol="1" spcCol="1270" anchor="ctr" anchorCtr="0">
           <a:noAutofit/>
         </a:bodyPr>
         <a:lstStyle/>
         <a:p>
-          <a:pPr lvl="0" algn="l" defTabSz="800100">
-            <a:lnSpc>
-              <a:spcPct val="90000"/>
-            </a:lnSpc>
-            <a:spcBef>
-              <a:spcPct val="0"/>
-            </a:spcBef>
-            <a:spcAft>
-              <a:spcPct val="35000"/>
-            </a:spcAft>
-          </a:pPr>
-          <a:r>
-            <a:rPr lang="en-US" sz="1800" kern="1200" dirty="0" smtClean="0">
-              <a:latin typeface="Times New Roman" panose="02020603050405020304" pitchFamily="18" charset="0"/>
-              <a:cs typeface="Times New Roman" panose="02020603050405020304" pitchFamily="18" charset="0"/>
-            </a:rPr>
-            <a:t>Requirements Gathering </a:t>
-          </a:r>
-          <a:endParaRPr lang="en-US" sz="1800" kern="1200" dirty="0">
-            <a:latin typeface="Times New Roman" panose="02020603050405020304" pitchFamily="18" charset="0"/>
-            <a:cs typeface="Times New Roman" panose="02020603050405020304" pitchFamily="18" charset="0"/>
-          </a:endParaRPr>
-        </a:p>
-        <a:p>
-          <a:pPr marL="171450" lvl="1" indent="-171450" algn="l" defTabSz="800100">
+          <a:pPr marL="228600" lvl="1" indent="-228600" algn="l" defTabSz="889000">
             <a:lnSpc>
               <a:spcPct val="90000"/>
             </a:lnSpc>
@@ -4870,19 +5819,19 @@
             <a:buChar char="••"/>
           </a:pPr>
           <a:r>
-            <a:rPr lang="en-US" sz="1800" kern="1200" dirty="0" smtClean="0">
+            <a:rPr lang="en-US" sz="2000" kern="1200" dirty="0" smtClean="0">
               <a:latin typeface="Times New Roman" panose="02020603050405020304" pitchFamily="18" charset="0"/>
               <a:cs typeface="Times New Roman" panose="02020603050405020304" pitchFamily="18" charset="0"/>
             </a:rPr>
             <a:t>Problem Statement</a:t>
           </a:r>
-          <a:endParaRPr lang="en-US" sz="1800" kern="1200" dirty="0">
+          <a:endParaRPr lang="en-US" sz="2000" kern="1200" dirty="0">
             <a:latin typeface="Times New Roman" panose="02020603050405020304" pitchFamily="18" charset="0"/>
             <a:cs typeface="Times New Roman" panose="02020603050405020304" pitchFamily="18" charset="0"/>
           </a:endParaRPr>
         </a:p>
         <a:p>
-          <a:pPr marL="171450" lvl="1" indent="-171450" algn="l" defTabSz="800100">
+          <a:pPr marL="228600" lvl="1" indent="-228600" algn="l" defTabSz="889000">
             <a:lnSpc>
               <a:spcPct val="90000"/>
             </a:lnSpc>
@@ -4895,19 +5844,19 @@
             <a:buChar char="••"/>
           </a:pPr>
           <a:r>
-            <a:rPr lang="en-US" sz="1800" kern="1200" dirty="0" smtClean="0">
+            <a:rPr lang="en-US" sz="2000" kern="1200" dirty="0" smtClean="0">
               <a:latin typeface="Times New Roman" panose="02020603050405020304" pitchFamily="18" charset="0"/>
               <a:cs typeface="Times New Roman" panose="02020603050405020304" pitchFamily="18" charset="0"/>
             </a:rPr>
             <a:t>Requirements specification</a:t>
           </a:r>
-          <a:endParaRPr lang="en-US" sz="1800" kern="1200" dirty="0">
+          <a:endParaRPr lang="en-US" sz="2000" kern="1200" dirty="0">
             <a:latin typeface="Times New Roman" panose="02020603050405020304" pitchFamily="18" charset="0"/>
             <a:cs typeface="Times New Roman" panose="02020603050405020304" pitchFamily="18" charset="0"/>
           </a:endParaRPr>
         </a:p>
         <a:p>
-          <a:pPr marL="171450" lvl="1" indent="-171450" algn="l" defTabSz="800100">
+          <a:pPr marL="228600" lvl="1" indent="-228600" algn="l" defTabSz="889000">
             <a:lnSpc>
               <a:spcPct val="90000"/>
             </a:lnSpc>
@@ -4920,19 +5869,19 @@
             <a:buChar char="••"/>
           </a:pPr>
           <a:r>
-            <a:rPr lang="en-US" sz="1800" kern="1200" dirty="0" smtClean="0">
+            <a:rPr lang="en-US" sz="2000" kern="1200" dirty="0" smtClean="0">
               <a:latin typeface="Times New Roman" panose="02020603050405020304" pitchFamily="18" charset="0"/>
               <a:cs typeface="Times New Roman" panose="02020603050405020304" pitchFamily="18" charset="0"/>
             </a:rPr>
             <a:t>Team and standup Meetings</a:t>
           </a:r>
-          <a:endParaRPr lang="en-US" sz="1800" kern="1200" dirty="0">
+          <a:endParaRPr lang="en-US" sz="2000" kern="1200" dirty="0">
             <a:latin typeface="Times New Roman" panose="02020603050405020304" pitchFamily="18" charset="0"/>
             <a:cs typeface="Times New Roman" panose="02020603050405020304" pitchFamily="18" charset="0"/>
           </a:endParaRPr>
         </a:p>
         <a:p>
-          <a:pPr marL="171450" lvl="1" indent="-171450" algn="l" defTabSz="800100">
+          <a:pPr marL="228600" lvl="1" indent="-228600" algn="l" defTabSz="889000">
             <a:lnSpc>
               <a:spcPct val="90000"/>
             </a:lnSpc>
@@ -4945,77 +5894,70 @@
             <a:buChar char="••"/>
           </a:pPr>
           <a:r>
-            <a:rPr lang="en-US" sz="1800" kern="1200" dirty="0" smtClean="0">
+            <a:rPr lang="en-US" sz="2000" kern="1200" dirty="0" smtClean="0">
               <a:latin typeface="Times New Roman" panose="02020603050405020304" pitchFamily="18" charset="0"/>
               <a:cs typeface="Times New Roman" panose="02020603050405020304" pitchFamily="18" charset="0"/>
             </a:rPr>
             <a:t>Use Case documentation</a:t>
           </a:r>
-          <a:endParaRPr lang="en-US" sz="1800" kern="1200" dirty="0">
+          <a:endParaRPr lang="en-US" sz="2000" kern="1200" dirty="0">
             <a:latin typeface="Times New Roman" panose="02020603050405020304" pitchFamily="18" charset="0"/>
             <a:cs typeface="Times New Roman" panose="02020603050405020304" pitchFamily="18" charset="0"/>
           </a:endParaRPr>
         </a:p>
       </dsp:txBody>
-      <dsp:txXfrm rot="5400000">
-        <a:off x="2322" y="797242"/>
-        <a:ext cx="2278137" cy="2391727"/>
+      <dsp:txXfrm>
+        <a:off x="3453899" y="1713"/>
+        <a:ext cx="7339535" cy="1337737"/>
       </dsp:txXfrm>
     </dsp:sp>
-    <dsp:sp modelId="{DAD9059A-916A-4916-A2A8-B42491568DD3}">
+    <dsp:sp modelId="{74C582AC-97DE-47F1-B2F7-CEAF5C38053B}">
       <dsp:nvSpPr>
         <dsp:cNvPr id="0" name=""/>
         <dsp:cNvSpPr/>
       </dsp:nvSpPr>
       <dsp:spPr>
-        <a:xfrm rot="16200000">
-          <a:off x="1597281" y="854037"/>
-          <a:ext cx="3986213" cy="2278137"/>
+        <a:xfrm>
+          <a:off x="0" y="1576206"/>
+          <a:ext cx="2698358" cy="910800"/>
         </a:xfrm>
-        <a:prstGeom prst="flowChartManualOperation">
+        <a:prstGeom prst="rect">
           <a:avLst/>
         </a:prstGeom>
-        <a:solidFill>
-          <a:schemeClr val="accent1">
-            <a:hueOff val="0"/>
-            <a:satOff val="0"/>
-            <a:lumOff val="0"/>
-            <a:alphaOff val="0"/>
-          </a:schemeClr>
-        </a:solidFill>
-        <a:ln>
-          <a:noFill/>
+        <a:noFill/>
+        <a:ln w="9525" cap="flat" cmpd="sng" algn="ctr">
+          <a:solidFill>
+            <a:schemeClr val="dk1">
+              <a:alpha val="0"/>
+              <a:hueOff val="0"/>
+              <a:satOff val="0"/>
+              <a:lumOff val="0"/>
+              <a:alphaOff val="0"/>
+            </a:schemeClr>
+          </a:solidFill>
+          <a:prstDash val="solid"/>
         </a:ln>
         <a:effectLst/>
-        <a:scene3d>
-          <a:camera prst="orthographicFront"/>
-          <a:lightRig rig="flat" dir="t"/>
-        </a:scene3d>
-        <a:sp3d prstMaterial="dkEdge">
-          <a:bevelT w="8200" h="38100"/>
-        </a:sp3d>
       </dsp:spPr>
       <dsp:style>
-        <a:lnRef idx="0">
+        <a:lnRef idx="1">
           <a:scrgbClr r="0" g="0" b="0"/>
         </a:lnRef>
-        <a:fillRef idx="2">
+        <a:fillRef idx="0">
           <a:scrgbClr r="0" g="0" b="0"/>
         </a:fillRef>
-        <a:effectRef idx="1">
+        <a:effectRef idx="0">
           <a:scrgbClr r="0" g="0" b="0"/>
         </a:effectRef>
-        <a:fontRef idx="minor">
-          <a:schemeClr val="dk1"/>
-        </a:fontRef>
+        <a:fontRef idx="minor"/>
       </dsp:style>
       <dsp:txBody>
-        <a:bodyPr spcFirstLastPara="0" vert="horz" wrap="square" lIns="127000" tIns="0" rIns="127000" bIns="0" numCol="1" spcCol="1270" anchor="t" anchorCtr="0">
+        <a:bodyPr spcFirstLastPara="0" vert="horz" wrap="square" lIns="142240" tIns="50800" rIns="142240" bIns="50800" numCol="1" spcCol="1270" anchor="ctr" anchorCtr="0">
           <a:noAutofit/>
         </a:bodyPr>
         <a:lstStyle/>
         <a:p>
-          <a:pPr lvl="0" algn="l" defTabSz="889000">
+          <a:pPr lvl="0" algn="r" defTabSz="889000">
             <a:lnSpc>
               <a:spcPct val="90000"/>
             </a:lnSpc>
@@ -5038,6 +5980,122 @@
             <a:cs typeface="Times New Roman" panose="02020603050405020304" pitchFamily="18" charset="0"/>
           </a:endParaRPr>
         </a:p>
+      </dsp:txBody>
+      <dsp:txXfrm>
+        <a:off x="0" y="1576206"/>
+        <a:ext cx="2698358" cy="910800"/>
+      </dsp:txXfrm>
+    </dsp:sp>
+    <dsp:sp modelId="{F913C9B7-04F1-448F-AF8C-2EC806DB40E1}">
+      <dsp:nvSpPr>
+        <dsp:cNvPr id="0" name=""/>
+        <dsp:cNvSpPr/>
+      </dsp:nvSpPr>
+      <dsp:spPr>
+        <a:xfrm>
+          <a:off x="2698358" y="1505050"/>
+          <a:ext cx="539671" cy="1053112"/>
+        </a:xfrm>
+        <a:prstGeom prst="leftBrace">
+          <a:avLst>
+            <a:gd name="adj1" fmla="val 35000"/>
+            <a:gd name="adj2" fmla="val 50000"/>
+          </a:avLst>
+        </a:prstGeom>
+        <a:noFill/>
+        <a:ln w="19050" cap="flat" cmpd="sng" algn="ctr">
+          <a:solidFill>
+            <a:schemeClr val="accent1">
+              <a:shade val="60000"/>
+              <a:hueOff val="0"/>
+              <a:satOff val="0"/>
+              <a:lumOff val="0"/>
+              <a:alphaOff val="0"/>
+            </a:schemeClr>
+          </a:solidFill>
+          <a:prstDash val="solid"/>
+        </a:ln>
+        <a:effectLst/>
+        <a:scene3d>
+          <a:camera prst="orthographicFront">
+            <a:rot lat="0" lon="0" rev="0"/>
+          </a:camera>
+          <a:lightRig rig="contrasting" dir="t">
+            <a:rot lat="0" lon="0" rev="1200000"/>
+          </a:lightRig>
+        </a:scene3d>
+        <a:sp3d z="-110000"/>
+      </dsp:spPr>
+      <dsp:style>
+        <a:lnRef idx="2">
+          <a:scrgbClr r="0" g="0" b="0"/>
+        </a:lnRef>
+        <a:fillRef idx="0">
+          <a:scrgbClr r="0" g="0" b="0"/>
+        </a:fillRef>
+        <a:effectRef idx="0">
+          <a:scrgbClr r="0" g="0" b="0"/>
+        </a:effectRef>
+        <a:fontRef idx="minor"/>
+      </dsp:style>
+    </dsp:sp>
+    <dsp:sp modelId="{8A77D6A0-09A8-4728-B3F6-2488D599D736}">
+      <dsp:nvSpPr>
+        <dsp:cNvPr id="0" name=""/>
+        <dsp:cNvSpPr/>
+      </dsp:nvSpPr>
+      <dsp:spPr>
+        <a:xfrm>
+          <a:off x="3453899" y="1505050"/>
+          <a:ext cx="7339535" cy="1053112"/>
+        </a:xfrm>
+        <a:prstGeom prst="rect">
+          <a:avLst/>
+        </a:prstGeom>
+        <a:solidFill>
+          <a:schemeClr val="accent1">
+            <a:hueOff val="0"/>
+            <a:satOff val="0"/>
+            <a:lumOff val="0"/>
+            <a:alphaOff val="0"/>
+          </a:schemeClr>
+        </a:solidFill>
+        <a:ln>
+          <a:noFill/>
+        </a:ln>
+        <a:effectLst/>
+        <a:scene3d>
+          <a:camera prst="orthographicFront">
+            <a:rot lat="0" lon="0" rev="0"/>
+          </a:camera>
+          <a:lightRig rig="contrasting" dir="t">
+            <a:rot lat="0" lon="0" rev="1200000"/>
+          </a:lightRig>
+        </a:scene3d>
+        <a:sp3d contourW="19050" prstMaterial="metal">
+          <a:bevelT w="88900" h="203200"/>
+          <a:bevelB w="165100" h="254000"/>
+        </a:sp3d>
+      </dsp:spPr>
+      <dsp:style>
+        <a:lnRef idx="0">
+          <a:scrgbClr r="0" g="0" b="0"/>
+        </a:lnRef>
+        <a:fillRef idx="1">
+          <a:scrgbClr r="0" g="0" b="0"/>
+        </a:fillRef>
+        <a:effectRef idx="2">
+          <a:scrgbClr r="0" g="0" b="0"/>
+        </a:effectRef>
+        <a:fontRef idx="minor">
+          <a:schemeClr val="lt1"/>
+        </a:fontRef>
+      </dsp:style>
+      <dsp:txBody>
+        <a:bodyPr spcFirstLastPara="0" vert="horz" wrap="square" lIns="76200" tIns="76200" rIns="76200" bIns="76200" numCol="1" spcCol="1270" anchor="ctr" anchorCtr="0">
+          <a:noAutofit/>
+        </a:bodyPr>
+        <a:lstStyle/>
         <a:p>
           <a:pPr marL="228600" lvl="1" indent="-228600" algn="l" defTabSz="889000">
             <a:lnSpc>
@@ -5114,65 +6172,58 @@
           </a:endParaRPr>
         </a:p>
       </dsp:txBody>
-      <dsp:txXfrm rot="5400000">
-        <a:off x="2451319" y="797242"/>
-        <a:ext cx="2278137" cy="2391727"/>
+      <dsp:txXfrm>
+        <a:off x="3453899" y="1505050"/>
+        <a:ext cx="7339535" cy="1053112"/>
       </dsp:txXfrm>
     </dsp:sp>
-    <dsp:sp modelId="{25A33852-3C4B-4406-8856-3A4D6201948C}">
+    <dsp:sp modelId="{18209124-9853-4B36-9180-55BC384AA84D}">
       <dsp:nvSpPr>
         <dsp:cNvPr id="0" name=""/>
         <dsp:cNvSpPr/>
       </dsp:nvSpPr>
       <dsp:spPr>
-        <a:xfrm rot="16200000">
-          <a:off x="4046280" y="854037"/>
-          <a:ext cx="3986213" cy="2278137"/>
+        <a:xfrm>
+          <a:off x="0" y="2723763"/>
+          <a:ext cx="2698358" cy="910800"/>
         </a:xfrm>
-        <a:prstGeom prst="flowChartManualOperation">
+        <a:prstGeom prst="rect">
           <a:avLst/>
         </a:prstGeom>
-        <a:solidFill>
-          <a:schemeClr val="accent1">
-            <a:hueOff val="0"/>
-            <a:satOff val="0"/>
-            <a:lumOff val="0"/>
-            <a:alphaOff val="0"/>
-          </a:schemeClr>
-        </a:solidFill>
-        <a:ln>
-          <a:noFill/>
+        <a:noFill/>
+        <a:ln w="9525" cap="flat" cmpd="sng" algn="ctr">
+          <a:solidFill>
+            <a:schemeClr val="dk1">
+              <a:alpha val="0"/>
+              <a:hueOff val="0"/>
+              <a:satOff val="0"/>
+              <a:lumOff val="0"/>
+              <a:alphaOff val="0"/>
+            </a:schemeClr>
+          </a:solidFill>
+          <a:prstDash val="solid"/>
         </a:ln>
         <a:effectLst/>
-        <a:scene3d>
-          <a:camera prst="orthographicFront"/>
-          <a:lightRig rig="flat" dir="t"/>
-        </a:scene3d>
-        <a:sp3d prstMaterial="dkEdge">
-          <a:bevelT w="8200" h="38100"/>
-        </a:sp3d>
       </dsp:spPr>
       <dsp:style>
-        <a:lnRef idx="0">
+        <a:lnRef idx="1">
           <a:scrgbClr r="0" g="0" b="0"/>
         </a:lnRef>
-        <a:fillRef idx="2">
+        <a:fillRef idx="0">
           <a:scrgbClr r="0" g="0" b="0"/>
         </a:fillRef>
-        <a:effectRef idx="1">
+        <a:effectRef idx="0">
           <a:scrgbClr r="0" g="0" b="0"/>
         </a:effectRef>
-        <a:fontRef idx="minor">
-          <a:schemeClr val="dk1"/>
-        </a:fontRef>
+        <a:fontRef idx="minor"/>
       </dsp:style>
       <dsp:txBody>
-        <a:bodyPr spcFirstLastPara="0" vert="horz" wrap="square" lIns="127000" tIns="0" rIns="127000" bIns="0" numCol="1" spcCol="1270" anchor="t" anchorCtr="0">
+        <a:bodyPr spcFirstLastPara="0" vert="horz" wrap="square" lIns="142240" tIns="50800" rIns="142240" bIns="50800" numCol="1" spcCol="1270" anchor="ctr" anchorCtr="0">
           <a:noAutofit/>
         </a:bodyPr>
         <a:lstStyle/>
         <a:p>
-          <a:pPr lvl="0" algn="l" defTabSz="889000">
+          <a:pPr lvl="0" algn="r" defTabSz="889000">
             <a:lnSpc>
               <a:spcPct val="90000"/>
             </a:lnSpc>
@@ -5195,6 +6246,122 @@
             <a:cs typeface="Times New Roman" panose="02020603050405020304" pitchFamily="18" charset="0"/>
           </a:endParaRPr>
         </a:p>
+      </dsp:txBody>
+      <dsp:txXfrm>
+        <a:off x="0" y="2723763"/>
+        <a:ext cx="2698358" cy="910800"/>
+      </dsp:txXfrm>
+    </dsp:sp>
+    <dsp:sp modelId="{455EC50F-4F82-408F-84F8-D9B651BA263C}">
+      <dsp:nvSpPr>
+        <dsp:cNvPr id="0" name=""/>
+        <dsp:cNvSpPr/>
+      </dsp:nvSpPr>
+      <dsp:spPr>
+        <a:xfrm>
+          <a:off x="2698358" y="2723763"/>
+          <a:ext cx="539671" cy="910800"/>
+        </a:xfrm>
+        <a:prstGeom prst="leftBrace">
+          <a:avLst>
+            <a:gd name="adj1" fmla="val 35000"/>
+            <a:gd name="adj2" fmla="val 50000"/>
+          </a:avLst>
+        </a:prstGeom>
+        <a:noFill/>
+        <a:ln w="19050" cap="flat" cmpd="sng" algn="ctr">
+          <a:solidFill>
+            <a:schemeClr val="accent1">
+              <a:shade val="60000"/>
+              <a:hueOff val="0"/>
+              <a:satOff val="0"/>
+              <a:lumOff val="0"/>
+              <a:alphaOff val="0"/>
+            </a:schemeClr>
+          </a:solidFill>
+          <a:prstDash val="solid"/>
+        </a:ln>
+        <a:effectLst/>
+        <a:scene3d>
+          <a:camera prst="orthographicFront">
+            <a:rot lat="0" lon="0" rev="0"/>
+          </a:camera>
+          <a:lightRig rig="contrasting" dir="t">
+            <a:rot lat="0" lon="0" rev="1200000"/>
+          </a:lightRig>
+        </a:scene3d>
+        <a:sp3d z="-110000"/>
+      </dsp:spPr>
+      <dsp:style>
+        <a:lnRef idx="2">
+          <a:scrgbClr r="0" g="0" b="0"/>
+        </a:lnRef>
+        <a:fillRef idx="0">
+          <a:scrgbClr r="0" g="0" b="0"/>
+        </a:fillRef>
+        <a:effectRef idx="0">
+          <a:scrgbClr r="0" g="0" b="0"/>
+        </a:effectRef>
+        <a:fontRef idx="minor"/>
+      </dsp:style>
+    </dsp:sp>
+    <dsp:sp modelId="{9DC88600-C3D9-4AA5-B04F-AC7D55D573B0}">
+      <dsp:nvSpPr>
+        <dsp:cNvPr id="0" name=""/>
+        <dsp:cNvSpPr/>
+      </dsp:nvSpPr>
+      <dsp:spPr>
+        <a:xfrm>
+          <a:off x="3453899" y="2723763"/>
+          <a:ext cx="7339535" cy="910800"/>
+        </a:xfrm>
+        <a:prstGeom prst="rect">
+          <a:avLst/>
+        </a:prstGeom>
+        <a:solidFill>
+          <a:schemeClr val="accent1">
+            <a:hueOff val="0"/>
+            <a:satOff val="0"/>
+            <a:lumOff val="0"/>
+            <a:alphaOff val="0"/>
+          </a:schemeClr>
+        </a:solidFill>
+        <a:ln>
+          <a:noFill/>
+        </a:ln>
+        <a:effectLst/>
+        <a:scene3d>
+          <a:camera prst="orthographicFront">
+            <a:rot lat="0" lon="0" rev="0"/>
+          </a:camera>
+          <a:lightRig rig="contrasting" dir="t">
+            <a:rot lat="0" lon="0" rev="1200000"/>
+          </a:lightRig>
+        </a:scene3d>
+        <a:sp3d contourW="19050" prstMaterial="metal">
+          <a:bevelT w="88900" h="203200"/>
+          <a:bevelB w="165100" h="254000"/>
+        </a:sp3d>
+      </dsp:spPr>
+      <dsp:style>
+        <a:lnRef idx="0">
+          <a:scrgbClr r="0" g="0" b="0"/>
+        </a:lnRef>
+        <a:fillRef idx="1">
+          <a:scrgbClr r="0" g="0" b="0"/>
+        </a:fillRef>
+        <a:effectRef idx="2">
+          <a:scrgbClr r="0" g="0" b="0"/>
+        </a:effectRef>
+        <a:fontRef idx="minor">
+          <a:schemeClr val="lt1"/>
+        </a:fontRef>
+      </dsp:style>
+      <dsp:txBody>
+        <a:bodyPr spcFirstLastPara="0" vert="horz" wrap="square" lIns="76200" tIns="76200" rIns="76200" bIns="76200" numCol="1" spcCol="1270" anchor="ctr" anchorCtr="0">
+          <a:noAutofit/>
+        </a:bodyPr>
+        <a:lstStyle/>
         <a:p>
           <a:pPr marL="228600" lvl="1" indent="-228600" algn="l" defTabSz="889000">
             <a:lnSpc>
@@ -5246,65 +6413,58 @@
           </a:endParaRPr>
         </a:p>
       </dsp:txBody>
-      <dsp:txXfrm rot="5400000">
-        <a:off x="4900318" y="797242"/>
-        <a:ext cx="2278137" cy="2391727"/>
+      <dsp:txXfrm>
+        <a:off x="3453899" y="2723763"/>
+        <a:ext cx="7339535" cy="910800"/>
       </dsp:txXfrm>
     </dsp:sp>
-    <dsp:sp modelId="{EA2D5D8D-3FD5-4FE4-B7E8-BF78685C4C76}">
+    <dsp:sp modelId="{AE12AEDB-2669-4D1A-914A-BA7EC0BD59A9}">
       <dsp:nvSpPr>
         <dsp:cNvPr id="0" name=""/>
         <dsp:cNvSpPr/>
       </dsp:nvSpPr>
       <dsp:spPr>
-        <a:xfrm rot="16200000">
-          <a:off x="6495278" y="854037"/>
-          <a:ext cx="3986213" cy="2278137"/>
+        <a:xfrm>
+          <a:off x="0" y="3800163"/>
+          <a:ext cx="2698358" cy="910800"/>
         </a:xfrm>
-        <a:prstGeom prst="flowChartManualOperation">
+        <a:prstGeom prst="rect">
           <a:avLst/>
         </a:prstGeom>
-        <a:solidFill>
-          <a:schemeClr val="accent1">
-            <a:hueOff val="0"/>
-            <a:satOff val="0"/>
-            <a:lumOff val="0"/>
-            <a:alphaOff val="0"/>
-          </a:schemeClr>
-        </a:solidFill>
-        <a:ln>
-          <a:noFill/>
+        <a:noFill/>
+        <a:ln w="9525" cap="flat" cmpd="sng" algn="ctr">
+          <a:solidFill>
+            <a:schemeClr val="dk1">
+              <a:alpha val="0"/>
+              <a:hueOff val="0"/>
+              <a:satOff val="0"/>
+              <a:lumOff val="0"/>
+              <a:alphaOff val="0"/>
+            </a:schemeClr>
+          </a:solidFill>
+          <a:prstDash val="solid"/>
         </a:ln>
         <a:effectLst/>
-        <a:scene3d>
-          <a:camera prst="orthographicFront"/>
-          <a:lightRig rig="flat" dir="t"/>
-        </a:scene3d>
-        <a:sp3d prstMaterial="dkEdge">
-          <a:bevelT w="8200" h="38100"/>
-        </a:sp3d>
       </dsp:spPr>
       <dsp:style>
-        <a:lnRef idx="0">
+        <a:lnRef idx="1">
           <a:scrgbClr r="0" g="0" b="0"/>
         </a:lnRef>
-        <a:fillRef idx="2">
+        <a:fillRef idx="0">
           <a:scrgbClr r="0" g="0" b="0"/>
         </a:fillRef>
-        <a:effectRef idx="1">
+        <a:effectRef idx="0">
           <a:scrgbClr r="0" g="0" b="0"/>
         </a:effectRef>
-        <a:fontRef idx="minor">
-          <a:schemeClr val="dk1"/>
-        </a:fontRef>
+        <a:fontRef idx="minor"/>
       </dsp:style>
       <dsp:txBody>
-        <a:bodyPr spcFirstLastPara="0" vert="horz" wrap="square" lIns="127000" tIns="0" rIns="127000" bIns="0" numCol="1" spcCol="1270" anchor="t" anchorCtr="0">
+        <a:bodyPr spcFirstLastPara="0" vert="horz" wrap="square" lIns="142240" tIns="50800" rIns="142240" bIns="50800" numCol="1" spcCol="1270" anchor="ctr" anchorCtr="0">
           <a:noAutofit/>
         </a:bodyPr>
         <a:lstStyle/>
         <a:p>
-          <a:pPr lvl="0" algn="l" defTabSz="889000">
+          <a:pPr lvl="0" algn="r" defTabSz="889000">
             <a:lnSpc>
               <a:spcPct val="90000"/>
             </a:lnSpc>
@@ -5327,6 +6487,122 @@
             <a:cs typeface="Times New Roman" panose="02020603050405020304" pitchFamily="18" charset="0"/>
           </a:endParaRPr>
         </a:p>
+      </dsp:txBody>
+      <dsp:txXfrm>
+        <a:off x="0" y="3800163"/>
+        <a:ext cx="2698358" cy="910800"/>
+      </dsp:txXfrm>
+    </dsp:sp>
+    <dsp:sp modelId="{ED72DC66-B720-4641-B186-0DA0DE7AB25F}">
+      <dsp:nvSpPr>
+        <dsp:cNvPr id="0" name=""/>
+        <dsp:cNvSpPr/>
+      </dsp:nvSpPr>
+      <dsp:spPr>
+        <a:xfrm>
+          <a:off x="2698358" y="3800163"/>
+          <a:ext cx="539671" cy="910800"/>
+        </a:xfrm>
+        <a:prstGeom prst="leftBrace">
+          <a:avLst>
+            <a:gd name="adj1" fmla="val 35000"/>
+            <a:gd name="adj2" fmla="val 50000"/>
+          </a:avLst>
+        </a:prstGeom>
+        <a:noFill/>
+        <a:ln w="19050" cap="flat" cmpd="sng" algn="ctr">
+          <a:solidFill>
+            <a:schemeClr val="accent1">
+              <a:shade val="60000"/>
+              <a:hueOff val="0"/>
+              <a:satOff val="0"/>
+              <a:lumOff val="0"/>
+              <a:alphaOff val="0"/>
+            </a:schemeClr>
+          </a:solidFill>
+          <a:prstDash val="solid"/>
+        </a:ln>
+        <a:effectLst/>
+        <a:scene3d>
+          <a:camera prst="orthographicFront">
+            <a:rot lat="0" lon="0" rev="0"/>
+          </a:camera>
+          <a:lightRig rig="contrasting" dir="t">
+            <a:rot lat="0" lon="0" rev="1200000"/>
+          </a:lightRig>
+        </a:scene3d>
+        <a:sp3d z="-110000"/>
+      </dsp:spPr>
+      <dsp:style>
+        <a:lnRef idx="2">
+          <a:scrgbClr r="0" g="0" b="0"/>
+        </a:lnRef>
+        <a:fillRef idx="0">
+          <a:scrgbClr r="0" g="0" b="0"/>
+        </a:fillRef>
+        <a:effectRef idx="0">
+          <a:scrgbClr r="0" g="0" b="0"/>
+        </a:effectRef>
+        <a:fontRef idx="minor"/>
+      </dsp:style>
+    </dsp:sp>
+    <dsp:sp modelId="{2DDF7FCF-0E74-45B4-9880-0E53C8A0FB81}">
+      <dsp:nvSpPr>
+        <dsp:cNvPr id="0" name=""/>
+        <dsp:cNvSpPr/>
+      </dsp:nvSpPr>
+      <dsp:spPr>
+        <a:xfrm>
+          <a:off x="3453899" y="3800163"/>
+          <a:ext cx="7339535" cy="910800"/>
+        </a:xfrm>
+        <a:prstGeom prst="rect">
+          <a:avLst/>
+        </a:prstGeom>
+        <a:solidFill>
+          <a:schemeClr val="accent1">
+            <a:hueOff val="0"/>
+            <a:satOff val="0"/>
+            <a:lumOff val="0"/>
+            <a:alphaOff val="0"/>
+          </a:schemeClr>
+        </a:solidFill>
+        <a:ln>
+          <a:noFill/>
+        </a:ln>
+        <a:effectLst/>
+        <a:scene3d>
+          <a:camera prst="orthographicFront">
+            <a:rot lat="0" lon="0" rev="0"/>
+          </a:camera>
+          <a:lightRig rig="contrasting" dir="t">
+            <a:rot lat="0" lon="0" rev="1200000"/>
+          </a:lightRig>
+        </a:scene3d>
+        <a:sp3d contourW="19050" prstMaterial="metal">
+          <a:bevelT w="88900" h="203200"/>
+          <a:bevelB w="165100" h="254000"/>
+        </a:sp3d>
+      </dsp:spPr>
+      <dsp:style>
+        <a:lnRef idx="0">
+          <a:scrgbClr r="0" g="0" b="0"/>
+        </a:lnRef>
+        <a:fillRef idx="1">
+          <a:scrgbClr r="0" g="0" b="0"/>
+        </a:fillRef>
+        <a:effectRef idx="2">
+          <a:scrgbClr r="0" g="0" b="0"/>
+        </a:effectRef>
+        <a:fontRef idx="minor">
+          <a:schemeClr val="lt1"/>
+        </a:fontRef>
+      </dsp:style>
+      <dsp:txBody>
+        <a:bodyPr spcFirstLastPara="0" vert="horz" wrap="square" lIns="76200" tIns="76200" rIns="76200" bIns="76200" numCol="1" spcCol="1270" anchor="ctr" anchorCtr="0">
+          <a:noAutofit/>
+        </a:bodyPr>
+        <a:lstStyle/>
         <a:p>
           <a:pPr marL="228600" lvl="1" indent="-228600" algn="l" defTabSz="889000">
             <a:lnSpc>
@@ -5353,9 +6629,9 @@
           </a:endParaRPr>
         </a:p>
       </dsp:txBody>
-      <dsp:txXfrm rot="5400000">
-        <a:off x="7349316" y="797242"/>
-        <a:ext cx="2278137" cy="2391727"/>
+      <dsp:txXfrm>
+        <a:off x="3453899" y="3800163"/>
+        <a:ext cx="7339535" cy="910800"/>
       </dsp:txXfrm>
     </dsp:sp>
   </dsp:spTree>
@@ -5370,15 +6646,15 @@
       <dsp:cNvGrpSpPr/>
     </dsp:nvGrpSpPr>
     <dsp:grpSpPr/>
-    <dsp:sp modelId="{6F5EA069-494E-4CD1-9E5E-3F58FF91F5FF}">
+    <dsp:sp modelId="{2C56E3B0-DB92-4E32-8395-0D320FDE7304}">
       <dsp:nvSpPr>
         <dsp:cNvPr id="0" name=""/>
         <dsp:cNvSpPr/>
       </dsp:nvSpPr>
       <dsp:spPr>
         <a:xfrm>
-          <a:off x="7143" y="6055"/>
-          <a:ext cx="2135187" cy="1281112"/>
+          <a:off x="0" y="0"/>
+          <a:ext cx="3527472" cy="1181686"/>
         </a:xfrm>
         <a:prstGeom prst="roundRect">
           <a:avLst>
@@ -5421,12 +6697,12 @@
         </a:fontRef>
       </dsp:style>
       <dsp:txBody>
-        <a:bodyPr spcFirstLastPara="0" vert="horz" wrap="square" lIns="80010" tIns="80010" rIns="80010" bIns="80010" numCol="1" spcCol="1270" anchor="ctr" anchorCtr="0">
+        <a:bodyPr spcFirstLastPara="0" vert="horz" wrap="square" lIns="83820" tIns="83820" rIns="83820" bIns="83820" numCol="1" spcCol="1270" anchor="ctr" anchorCtr="0">
           <a:noAutofit/>
         </a:bodyPr>
         <a:lstStyle/>
         <a:p>
-          <a:pPr lvl="0" algn="ctr" defTabSz="933450">
+          <a:pPr lvl="0" algn="l" defTabSz="977900">
             <a:lnSpc>
               <a:spcPct val="90000"/>
             </a:lnSpc>
@@ -5438,95 +6714,34 @@
             </a:spcAft>
           </a:pPr>
           <a:r>
-            <a:rPr lang="en-US" sz="2100" kern="1200" dirty="0" smtClean="0"/>
+            <a:rPr lang="en-US" sz="2200" kern="1200" dirty="0" smtClean="0">
+              <a:solidFill>
+                <a:schemeClr val="bg1"/>
+              </a:solidFill>
+            </a:rPr>
             <a:t>Build 0 </a:t>
           </a:r>
-          <a:endParaRPr lang="en-US" sz="2100" kern="1200" dirty="0"/>
+          <a:endParaRPr lang="en-US" sz="2200" kern="1200" dirty="0">
+            <a:solidFill>
+              <a:schemeClr val="bg1"/>
+            </a:solidFill>
+          </a:endParaRPr>
         </a:p>
       </dsp:txBody>
       <dsp:txXfrm>
-        <a:off x="44665" y="43577"/>
-        <a:ext cx="2060143" cy="1206068"/>
+        <a:off x="34610" y="34610"/>
+        <a:ext cx="2252341" cy="1112466"/>
       </dsp:txXfrm>
     </dsp:sp>
-    <dsp:sp modelId="{92D9BE5F-5428-48C0-8B71-11A06E55A42D}">
+    <dsp:sp modelId="{CC88045C-E3EE-4D81-A4AE-31DEF16487ED}">
       <dsp:nvSpPr>
         <dsp:cNvPr id="0" name=""/>
         <dsp:cNvSpPr/>
       </dsp:nvSpPr>
       <dsp:spPr>
         <a:xfrm>
-          <a:off x="2355850" y="381848"/>
-          <a:ext cx="452659" cy="529526"/>
-        </a:xfrm>
-        <a:prstGeom prst="rightArrow">
-          <a:avLst>
-            <a:gd name="adj1" fmla="val 60000"/>
-            <a:gd name="adj2" fmla="val 50000"/>
-          </a:avLst>
-        </a:prstGeom>
-        <a:solidFill>
-          <a:schemeClr val="accent1">
-            <a:tint val="60000"/>
-            <a:hueOff val="0"/>
-            <a:satOff val="0"/>
-            <a:lumOff val="0"/>
-            <a:alphaOff val="0"/>
-          </a:schemeClr>
-        </a:solidFill>
-        <a:ln>
-          <a:noFill/>
-        </a:ln>
-        <a:effectLst/>
-      </dsp:spPr>
-      <dsp:style>
-        <a:lnRef idx="0">
-          <a:scrgbClr r="0" g="0" b="0"/>
-        </a:lnRef>
-        <a:fillRef idx="1">
-          <a:scrgbClr r="0" g="0" b="0"/>
-        </a:fillRef>
-        <a:effectRef idx="0">
-          <a:scrgbClr r="0" g="0" b="0"/>
-        </a:effectRef>
-        <a:fontRef idx="minor">
-          <a:schemeClr val="lt1"/>
-        </a:fontRef>
-      </dsp:style>
-      <dsp:txBody>
-        <a:bodyPr spcFirstLastPara="0" vert="horz" wrap="square" lIns="0" tIns="0" rIns="0" bIns="0" numCol="1" spcCol="1270" anchor="ctr" anchorCtr="0">
-          <a:noAutofit/>
-        </a:bodyPr>
-        <a:lstStyle/>
-        <a:p>
-          <a:pPr lvl="0" algn="ctr" defTabSz="755650">
-            <a:lnSpc>
-              <a:spcPct val="90000"/>
-            </a:lnSpc>
-            <a:spcBef>
-              <a:spcPct val="0"/>
-            </a:spcBef>
-            <a:spcAft>
-              <a:spcPct val="35000"/>
-            </a:spcAft>
-          </a:pPr>
-          <a:endParaRPr lang="en-US" sz="1700" kern="1200"/>
-        </a:p>
-      </dsp:txBody>
-      <dsp:txXfrm>
-        <a:off x="2355850" y="487753"/>
-        <a:ext cx="316861" cy="317716"/>
-      </dsp:txXfrm>
-    </dsp:sp>
-    <dsp:sp modelId="{1C7F462B-514B-487F-A5DD-88403B182C44}">
-      <dsp:nvSpPr>
-        <dsp:cNvPr id="0" name=""/>
-        <dsp:cNvSpPr/>
-      </dsp:nvSpPr>
-      <dsp:spPr>
-        <a:xfrm>
-          <a:off x="2996406" y="6055"/>
-          <a:ext cx="2135187" cy="1281112"/>
+          <a:off x="311247" y="1378634"/>
+          <a:ext cx="3527472" cy="1181686"/>
         </a:xfrm>
         <a:prstGeom prst="roundRect">
           <a:avLst>
@@ -5569,12 +6784,12 @@
         </a:fontRef>
       </dsp:style>
       <dsp:txBody>
-        <a:bodyPr spcFirstLastPara="0" vert="horz" wrap="square" lIns="80010" tIns="80010" rIns="80010" bIns="80010" numCol="1" spcCol="1270" anchor="ctr" anchorCtr="0">
+        <a:bodyPr spcFirstLastPara="0" vert="horz" wrap="square" lIns="83820" tIns="83820" rIns="83820" bIns="83820" numCol="1" spcCol="1270" anchor="ctr" anchorCtr="0">
           <a:noAutofit/>
         </a:bodyPr>
         <a:lstStyle/>
         <a:p>
-          <a:pPr lvl="0" algn="ctr" defTabSz="933450">
+          <a:pPr lvl="0" algn="l" defTabSz="977900">
             <a:lnSpc>
               <a:spcPct val="90000"/>
             </a:lnSpc>
@@ -5586,95 +6801,26 @@
             </a:spcAft>
           </a:pPr>
           <a:r>
-            <a:rPr lang="en-US" sz="2100" kern="1200" dirty="0" smtClean="0"/>
+            <a:rPr lang="en-US" sz="2200" kern="1200" dirty="0" smtClean="0"/>
             <a:t>Test</a:t>
           </a:r>
-          <a:endParaRPr lang="en-US" sz="2100" kern="1200" dirty="0"/>
+          <a:endParaRPr lang="en-US" sz="2200" kern="1200" dirty="0"/>
         </a:p>
       </dsp:txBody>
       <dsp:txXfrm>
-        <a:off x="3033928" y="43577"/>
-        <a:ext cx="2060143" cy="1206068"/>
+        <a:off x="345857" y="1413244"/>
+        <a:ext cx="2378908" cy="1112466"/>
       </dsp:txXfrm>
     </dsp:sp>
-    <dsp:sp modelId="{BC74093D-3DF0-4AC9-A865-8E35C87E016C}">
+    <dsp:sp modelId="{038003CC-57D0-452B-9A87-251E2BE8DD24}">
       <dsp:nvSpPr>
         <dsp:cNvPr id="0" name=""/>
         <dsp:cNvSpPr/>
       </dsp:nvSpPr>
       <dsp:spPr>
         <a:xfrm>
-          <a:off x="5345112" y="381848"/>
-          <a:ext cx="452659" cy="529526"/>
-        </a:xfrm>
-        <a:prstGeom prst="rightArrow">
-          <a:avLst>
-            <a:gd name="adj1" fmla="val 60000"/>
-            <a:gd name="adj2" fmla="val 50000"/>
-          </a:avLst>
-        </a:prstGeom>
-        <a:solidFill>
-          <a:schemeClr val="accent1">
-            <a:tint val="60000"/>
-            <a:hueOff val="0"/>
-            <a:satOff val="0"/>
-            <a:lumOff val="0"/>
-            <a:alphaOff val="0"/>
-          </a:schemeClr>
-        </a:solidFill>
-        <a:ln>
-          <a:noFill/>
-        </a:ln>
-        <a:effectLst/>
-      </dsp:spPr>
-      <dsp:style>
-        <a:lnRef idx="0">
-          <a:scrgbClr r="0" g="0" b="0"/>
-        </a:lnRef>
-        <a:fillRef idx="1">
-          <a:scrgbClr r="0" g="0" b="0"/>
-        </a:fillRef>
-        <a:effectRef idx="0">
-          <a:scrgbClr r="0" g="0" b="0"/>
-        </a:effectRef>
-        <a:fontRef idx="minor">
-          <a:schemeClr val="lt1"/>
-        </a:fontRef>
-      </dsp:style>
-      <dsp:txBody>
-        <a:bodyPr spcFirstLastPara="0" vert="horz" wrap="square" lIns="0" tIns="0" rIns="0" bIns="0" numCol="1" spcCol="1270" anchor="ctr" anchorCtr="0">
-          <a:noAutofit/>
-        </a:bodyPr>
-        <a:lstStyle/>
-        <a:p>
-          <a:pPr lvl="0" algn="ctr" defTabSz="755650">
-            <a:lnSpc>
-              <a:spcPct val="90000"/>
-            </a:lnSpc>
-            <a:spcBef>
-              <a:spcPct val="0"/>
-            </a:spcBef>
-            <a:spcAft>
-              <a:spcPct val="35000"/>
-            </a:spcAft>
-          </a:pPr>
-          <a:endParaRPr lang="en-US" sz="1700" kern="1200"/>
-        </a:p>
-      </dsp:txBody>
-      <dsp:txXfrm>
-        <a:off x="5345112" y="487753"/>
-        <a:ext cx="316861" cy="317716"/>
-      </dsp:txXfrm>
-    </dsp:sp>
-    <dsp:sp modelId="{AEDB51C8-D1F4-496B-B4DF-5329362ECC57}">
-      <dsp:nvSpPr>
-        <dsp:cNvPr id="0" name=""/>
-        <dsp:cNvSpPr/>
-      </dsp:nvSpPr>
-      <dsp:spPr>
-        <a:xfrm>
-          <a:off x="5985668" y="6055"/>
-          <a:ext cx="2135187" cy="1281112"/>
+          <a:off x="622495" y="2757268"/>
+          <a:ext cx="3527472" cy="1181686"/>
         </a:xfrm>
         <a:prstGeom prst="roundRect">
           <a:avLst>
@@ -5717,12 +6863,12 @@
         </a:fontRef>
       </dsp:style>
       <dsp:txBody>
-        <a:bodyPr spcFirstLastPara="0" vert="horz" wrap="square" lIns="80010" tIns="80010" rIns="80010" bIns="80010" numCol="1" spcCol="1270" anchor="ctr" anchorCtr="0">
+        <a:bodyPr spcFirstLastPara="0" vert="horz" wrap="square" lIns="83820" tIns="83820" rIns="83820" bIns="83820" numCol="1" spcCol="1270" anchor="ctr" anchorCtr="0">
           <a:noAutofit/>
         </a:bodyPr>
         <a:lstStyle/>
         <a:p>
-          <a:pPr lvl="0" algn="ctr" defTabSz="933450">
+          <a:pPr lvl="0" algn="l" defTabSz="977900">
             <a:lnSpc>
               <a:spcPct val="90000"/>
             </a:lnSpc>
@@ -5734,15 +6880,171 @@
             </a:spcAft>
           </a:pPr>
           <a:r>
-            <a:rPr lang="en-US" sz="2100" kern="1200" dirty="0" smtClean="0"/>
+            <a:rPr lang="en-US" sz="2200" kern="1200" dirty="0" smtClean="0"/>
             <a:t>Tested and ready for Integration- Build 0</a:t>
           </a:r>
-          <a:endParaRPr lang="en-US" sz="2100" kern="1200" dirty="0"/>
+          <a:endParaRPr lang="en-US" sz="2200" kern="1200" dirty="0"/>
         </a:p>
       </dsp:txBody>
       <dsp:txXfrm>
-        <a:off x="6023190" y="43577"/>
-        <a:ext cx="2060143" cy="1206068"/>
+        <a:off x="657105" y="2791878"/>
+        <a:ext cx="2378908" cy="1112466"/>
+      </dsp:txXfrm>
+    </dsp:sp>
+    <dsp:sp modelId="{0CD94A37-2283-4723-AF39-0C5B9DE811BF}">
+      <dsp:nvSpPr>
+        <dsp:cNvPr id="0" name=""/>
+        <dsp:cNvSpPr/>
+      </dsp:nvSpPr>
+      <dsp:spPr>
+        <a:xfrm>
+          <a:off x="2759376" y="896112"/>
+          <a:ext cx="768096" cy="768096"/>
+        </a:xfrm>
+        <a:prstGeom prst="downArrow">
+          <a:avLst>
+            <a:gd name="adj1" fmla="val 55000"/>
+            <a:gd name="adj2" fmla="val 45000"/>
+          </a:avLst>
+        </a:prstGeom>
+        <a:solidFill>
+          <a:schemeClr val="accent1">
+            <a:alpha val="90000"/>
+            <a:tint val="40000"/>
+            <a:hueOff val="0"/>
+            <a:satOff val="0"/>
+            <a:lumOff val="0"/>
+            <a:alphaOff val="0"/>
+          </a:schemeClr>
+        </a:solidFill>
+        <a:ln w="19050" cap="flat" cmpd="sng" algn="ctr">
+          <a:solidFill>
+            <a:schemeClr val="accent1">
+              <a:alpha val="90000"/>
+              <a:tint val="40000"/>
+              <a:hueOff val="0"/>
+              <a:satOff val="0"/>
+              <a:lumOff val="0"/>
+              <a:alphaOff val="0"/>
+            </a:schemeClr>
+          </a:solidFill>
+          <a:prstDash val="solid"/>
+        </a:ln>
+        <a:effectLst/>
+      </dsp:spPr>
+      <dsp:style>
+        <a:lnRef idx="2">
+          <a:scrgbClr r="0" g="0" b="0"/>
+        </a:lnRef>
+        <a:fillRef idx="1">
+          <a:scrgbClr r="0" g="0" b="0"/>
+        </a:fillRef>
+        <a:effectRef idx="0">
+          <a:scrgbClr r="0" g="0" b="0"/>
+        </a:effectRef>
+        <a:fontRef idx="minor"/>
+      </dsp:style>
+      <dsp:txBody>
+        <a:bodyPr spcFirstLastPara="0" vert="horz" wrap="square" lIns="44450" tIns="44450" rIns="44450" bIns="44450" numCol="1" spcCol="1270" anchor="ctr" anchorCtr="0">
+          <a:noAutofit/>
+        </a:bodyPr>
+        <a:lstStyle/>
+        <a:p>
+          <a:pPr lvl="0" algn="ctr" defTabSz="1555750">
+            <a:lnSpc>
+              <a:spcPct val="90000"/>
+            </a:lnSpc>
+            <a:spcBef>
+              <a:spcPct val="0"/>
+            </a:spcBef>
+            <a:spcAft>
+              <a:spcPct val="35000"/>
+            </a:spcAft>
+          </a:pPr>
+          <a:endParaRPr lang="en-US" sz="3500" kern="1200"/>
+        </a:p>
+      </dsp:txBody>
+      <dsp:txXfrm>
+        <a:off x="2932198" y="896112"/>
+        <a:ext cx="422452" cy="577992"/>
+      </dsp:txXfrm>
+    </dsp:sp>
+    <dsp:sp modelId="{72F63057-082D-42E7-B85C-FC47DD028363}">
+      <dsp:nvSpPr>
+        <dsp:cNvPr id="0" name=""/>
+        <dsp:cNvSpPr/>
+      </dsp:nvSpPr>
+      <dsp:spPr>
+        <a:xfrm>
+          <a:off x="3070624" y="2266868"/>
+          <a:ext cx="768096" cy="768096"/>
+        </a:xfrm>
+        <a:prstGeom prst="downArrow">
+          <a:avLst>
+            <a:gd name="adj1" fmla="val 55000"/>
+            <a:gd name="adj2" fmla="val 45000"/>
+          </a:avLst>
+        </a:prstGeom>
+        <a:solidFill>
+          <a:schemeClr val="accent1">
+            <a:alpha val="90000"/>
+            <a:tint val="40000"/>
+            <a:hueOff val="0"/>
+            <a:satOff val="0"/>
+            <a:lumOff val="0"/>
+            <a:alphaOff val="0"/>
+          </a:schemeClr>
+        </a:solidFill>
+        <a:ln w="19050" cap="flat" cmpd="sng" algn="ctr">
+          <a:solidFill>
+            <a:schemeClr val="accent1">
+              <a:alpha val="90000"/>
+              <a:tint val="40000"/>
+              <a:hueOff val="0"/>
+              <a:satOff val="0"/>
+              <a:lumOff val="0"/>
+              <a:alphaOff val="0"/>
+            </a:schemeClr>
+          </a:solidFill>
+          <a:prstDash val="solid"/>
+        </a:ln>
+        <a:effectLst/>
+      </dsp:spPr>
+      <dsp:style>
+        <a:lnRef idx="2">
+          <a:scrgbClr r="0" g="0" b="0"/>
+        </a:lnRef>
+        <a:fillRef idx="1">
+          <a:scrgbClr r="0" g="0" b="0"/>
+        </a:fillRef>
+        <a:effectRef idx="0">
+          <a:scrgbClr r="0" g="0" b="0"/>
+        </a:effectRef>
+        <a:fontRef idx="minor"/>
+      </dsp:style>
+      <dsp:txBody>
+        <a:bodyPr spcFirstLastPara="0" vert="horz" wrap="square" lIns="44450" tIns="44450" rIns="44450" bIns="44450" numCol="1" spcCol="1270" anchor="ctr" anchorCtr="0">
+          <a:noAutofit/>
+        </a:bodyPr>
+        <a:lstStyle/>
+        <a:p>
+          <a:pPr lvl="0" algn="ctr" defTabSz="1555750">
+            <a:lnSpc>
+              <a:spcPct val="90000"/>
+            </a:lnSpc>
+            <a:spcBef>
+              <a:spcPct val="0"/>
+            </a:spcBef>
+            <a:spcAft>
+              <a:spcPct val="35000"/>
+            </a:spcAft>
+          </a:pPr>
+          <a:endParaRPr lang="en-US" sz="3500" kern="1200"/>
+        </a:p>
+      </dsp:txBody>
+      <dsp:txXfrm>
+        <a:off x="3243446" y="2266868"/>
+        <a:ext cx="422452" cy="577992"/>
       </dsp:txXfrm>
     </dsp:sp>
   </dsp:spTree>
@@ -5750,11 +7052,857 @@
 </file>
 
 <file path=ppt/diagrams/layout1.xml><?xml version="1.0" encoding="utf-8"?>
-<dgm:layoutDef xmlns:dgm="http://schemas.openxmlformats.org/drawingml/2006/diagram" xmlns:a="http://schemas.openxmlformats.org/drawingml/2006/main" uniqueId="urn:microsoft.com/office/officeart/2005/8/layout/hList6">
+<dgm:layoutDef xmlns:dgm="http://schemas.openxmlformats.org/drawingml/2006/diagram" xmlns:a="http://schemas.openxmlformats.org/drawingml/2006/main" uniqueId="urn:microsoft.com/office/officeart/2009/3/layout/PieProcess">
   <dgm:title val=""/>
   <dgm:desc val=""/>
   <dgm:catLst>
-    <dgm:cat type="list" pri="18000"/>
+    <dgm:cat type="list" pri="8600"/>
+    <dgm:cat type="process" pri="4600"/>
+  </dgm:catLst>
+  <dgm:sampData>
+    <dgm:dataModel>
+      <dgm:ptLst>
+        <dgm:pt modelId="0" type="doc"/>
+        <dgm:pt modelId="10">
+          <dgm:prSet phldr="1"/>
+        </dgm:pt>
+        <dgm:pt modelId="11">
+          <dgm:prSet phldr="1"/>
+        </dgm:pt>
+        <dgm:pt modelId="20">
+          <dgm:prSet phldr="1"/>
+        </dgm:pt>
+        <dgm:pt modelId="21">
+          <dgm:prSet phldr="1"/>
+        </dgm:pt>
+        <dgm:pt modelId="30">
+          <dgm:prSet phldr="1"/>
+        </dgm:pt>
+        <dgm:pt modelId="31">
+          <dgm:prSet phldr="1"/>
+        </dgm:pt>
+      </dgm:ptLst>
+      <dgm:cxnLst>
+        <dgm:cxn modelId="40" srcId="0" destId="10" srcOrd="0" destOrd="0"/>
+        <dgm:cxn modelId="12" srcId="10" destId="11" srcOrd="0" destOrd="0"/>
+        <dgm:cxn modelId="50" srcId="0" destId="20" srcOrd="1" destOrd="0"/>
+        <dgm:cxn modelId="22" srcId="20" destId="21" srcOrd="0" destOrd="0"/>
+        <dgm:cxn modelId="60" srcId="0" destId="30" srcOrd="2" destOrd="0"/>
+        <dgm:cxn modelId="32" srcId="30" destId="31" srcOrd="0" destOrd="0"/>
+      </dgm:cxnLst>
+      <dgm:bg/>
+      <dgm:whole/>
+    </dgm:dataModel>
+  </dgm:sampData>
+  <dgm:styleData>
+    <dgm:dataModel>
+      <dgm:ptLst>
+        <dgm:pt modelId="0" type="doc"/>
+        <dgm:pt modelId="10">
+          <dgm:prSet phldr="1"/>
+        </dgm:pt>
+        <dgm:pt modelId="20">
+          <dgm:prSet phldr="1"/>
+        </dgm:pt>
+        <dgm:pt modelId="30">
+          <dgm:prSet phldr="1"/>
+        </dgm:pt>
+        <dgm:pt modelId="40">
+          <dgm:prSet phldr="1"/>
+        </dgm:pt>
+      </dgm:ptLst>
+      <dgm:cxnLst>
+        <dgm:cxn modelId="50" srcId="0" destId="10" srcOrd="0" destOrd="0"/>
+        <dgm:cxn modelId="60" srcId="0" destId="20" srcOrd="1" destOrd="0"/>
+        <dgm:cxn modelId="70" srcId="0" destId="30" srcOrd="2" destOrd="0"/>
+        <dgm:cxn modelId="80" srcId="0" destId="40" srcOrd="3" destOrd="0"/>
+      </dgm:cxnLst>
+      <dgm:bg/>
+      <dgm:whole/>
+    </dgm:dataModel>
+  </dgm:styleData>
+  <dgm:clrData>
+    <dgm:dataModel>
+      <dgm:ptLst>
+        <dgm:pt modelId="0" type="doc"/>
+        <dgm:pt modelId="10">
+          <dgm:prSet phldr="1"/>
+        </dgm:pt>
+        <dgm:pt modelId="20">
+          <dgm:prSet phldr="1"/>
+        </dgm:pt>
+        <dgm:pt modelId="30">
+          <dgm:prSet phldr="1"/>
+        </dgm:pt>
+        <dgm:pt modelId="40">
+          <dgm:prSet phldr="1"/>
+        </dgm:pt>
+      </dgm:ptLst>
+      <dgm:cxnLst>
+        <dgm:cxn modelId="50" srcId="0" destId="10" srcOrd="0" destOrd="0"/>
+        <dgm:cxn modelId="60" srcId="0" destId="20" srcOrd="1" destOrd="0"/>
+        <dgm:cxn modelId="70" srcId="0" destId="30" srcOrd="2" destOrd="0"/>
+        <dgm:cxn modelId="80" srcId="0" destId="40" srcOrd="3" destOrd="0"/>
+      </dgm:cxnLst>
+      <dgm:bg/>
+      <dgm:whole/>
+    </dgm:dataModel>
+  </dgm:clrData>
+  <dgm:layoutNode name="Name0">
+    <dgm:varLst>
+      <dgm:chMax val="7"/>
+      <dgm:chPref val="7"/>
+      <dgm:dir/>
+      <dgm:animOne val="branch"/>
+      <dgm:animLvl val="lvl"/>
+    </dgm:varLst>
+    <dgm:choose name="Name1">
+      <dgm:if name="Name2" func="var" arg="dir" op="equ" val="norm">
+        <dgm:alg type="lin">
+          <dgm:param type="linDir" val="fromL"/>
+        </dgm:alg>
+      </dgm:if>
+      <dgm:else name="Name3">
+        <dgm:alg type="lin">
+          <dgm:param type="linDir" val="fromR"/>
+        </dgm:alg>
+      </dgm:else>
+    </dgm:choose>
+    <dgm:shape xmlns:r="http://schemas.openxmlformats.org/officeDocument/2006/relationships" r:blip="">
+      <dgm:adjLst/>
+    </dgm:shape>
+    <dgm:constrLst>
+      <dgm:constr type="primFontSz" for="des" forName="Parent" val="65"/>
+      <dgm:constr type="primFontSz" for="des" forName="Child" refType="primFontSz" refFor="des" refForName="Parent" op="lte"/>
+      <dgm:constr type="w" for="ch" forName="composite" refType="w"/>
+      <dgm:constr type="h" for="ch" forName="composite" refType="h"/>
+      <dgm:constr type="w" for="ch" forName="ParentComposite" refType="w" fact="0.5"/>
+      <dgm:constr type="h" for="ch" forName="ParentComposite" refType="h"/>
+      <dgm:constr type="w" for="ch" forName="negSibTrans" refType="h" refFor="ch" refForName="composite" fact="-0.075"/>
+      <dgm:constr type="w" for="ch" forName="sibTrans" refType="w" refFor="ch" refForName="composite" fact="0.0425"/>
+    </dgm:constrLst>
+    <dgm:forEach name="nodesForEach" axis="ch" ptType="node" cnt="7">
+      <dgm:layoutNode name="ParentComposite">
+        <dgm:alg type="composite">
+          <dgm:param type="ar" val="0.25"/>
+        </dgm:alg>
+        <dgm:shape xmlns:r="http://schemas.openxmlformats.org/officeDocument/2006/relationships" r:blip="">
+          <dgm:adjLst/>
+        </dgm:shape>
+        <dgm:choose name="Name4">
+          <dgm:if name="Name5" func="var" arg="dir" op="equ" val="norm">
+            <dgm:constrLst>
+              <dgm:constr type="l" for="ch" forName="Parent" refType="w" fact="0"/>
+              <dgm:constr type="t" for="ch" forName="Parent" refType="h" fact="0.275"/>
+              <dgm:constr type="w" for="ch" forName="Parent" refType="w" fact="0.6"/>
+              <dgm:constr type="h" for="ch" forName="Parent" refType="h" fact="0.725"/>
+              <dgm:constr type="l" for="ch" forName="Chord" refType="w" fact="0"/>
+              <dgm:constr type="t" for="ch" forName="Chord" refType="h" fact="0"/>
+              <dgm:constr type="w" for="ch" forName="Chord" refType="w"/>
+              <dgm:constr type="h" for="ch" forName="Chord" refType="h" fact="0.25"/>
+              <dgm:constr type="l" for="ch" forName="Pie" refType="w" fact="0.1"/>
+              <dgm:constr type="t" for="ch" forName="Pie" refType="h" fact="0.025"/>
+              <dgm:constr type="w" for="ch" forName="Pie" refType="w" fact="0.8"/>
+              <dgm:constr type="h" for="ch" forName="Pie" refType="h" fact="0.2"/>
+            </dgm:constrLst>
+          </dgm:if>
+          <dgm:else name="Name6">
+            <dgm:constrLst>
+              <dgm:constr type="r" for="ch" forName="Parent" refType="w"/>
+              <dgm:constr type="t" for="ch" forName="Parent" refType="h" fact="0.275"/>
+              <dgm:constr type="w" for="ch" forName="Parent" refType="w" fact="0.6"/>
+              <dgm:constr type="h" for="ch" forName="Parent" refType="h" fact="0.725"/>
+              <dgm:constr type="r" for="ch" forName="Chord" refType="w"/>
+              <dgm:constr type="t" for="ch" forName="Chord" refType="h" fact="0"/>
+              <dgm:constr type="w" for="ch" forName="Chord" refType="w"/>
+              <dgm:constr type="h" for="ch" forName="Chord" refType="h" fact="0.25"/>
+              <dgm:constr type="r" for="ch" forName="Pie" refType="w" fact="0.9"/>
+              <dgm:constr type="t" for="ch" forName="Pie" refType="h" fact="0.025"/>
+              <dgm:constr type="w" for="ch" forName="Pie" refType="w" fact="0.8"/>
+              <dgm:constr type="h" for="ch" forName="Pie" refType="h" fact="0.2"/>
+            </dgm:constrLst>
+          </dgm:else>
+        </dgm:choose>
+        <dgm:layoutNode name="Chord" styleLbl="bgShp">
+          <dgm:alg type="sp"/>
+          <dgm:choose name="Name7">
+            <dgm:if name="Name8" func="var" arg="dir" op="equ" val="norm">
+              <dgm:shape xmlns:r="http://schemas.openxmlformats.org/officeDocument/2006/relationships" type="chord" r:blip="">
+                <dgm:adjLst>
+                  <dgm:adj idx="1" val="80"/>
+                  <dgm:adj idx="2" val="-80"/>
+                </dgm:adjLst>
+              </dgm:shape>
+            </dgm:if>
+            <dgm:else name="Name9">
+              <dgm:shape xmlns:r="http://schemas.openxmlformats.org/officeDocument/2006/relationships" rot="180" type="chord" r:blip="">
+                <dgm:adjLst>
+                  <dgm:adj idx="1" val="80"/>
+                  <dgm:adj idx="2" val="-80"/>
+                </dgm:adjLst>
+              </dgm:shape>
+            </dgm:else>
+          </dgm:choose>
+          <dgm:presOf/>
+        </dgm:layoutNode>
+        <dgm:layoutNode name="Pie" styleLbl="alignNode1">
+          <dgm:alg type="sp"/>
+          <dgm:choose name="Name10">
+            <dgm:if name="Name11" func="var" arg="dir" op="equ" val="norm">
+              <dgm:choose name="Name12">
+                <dgm:if name="Name13" axis="precedSib" ptType="node" func="cnt" op="equ" val="0">
+                  <dgm:choose name="Name14">
+                    <dgm:if name="Name15" axis="followSib" ptType="node" func="cnt" op="equ" val="0">
+                      <dgm:shape xmlns:r="http://schemas.openxmlformats.org/officeDocument/2006/relationships" type="pie" r:blip="">
+                        <dgm:adjLst>
+                          <dgm:adj idx="1" val="90"/>
+                          <dgm:adj idx="2" val="-90"/>
+                        </dgm:adjLst>
+                      </dgm:shape>
+                    </dgm:if>
+                    <dgm:if name="Name16" axis="followSib" ptType="node" func="cnt" op="equ" val="1">
+                      <dgm:shape xmlns:r="http://schemas.openxmlformats.org/officeDocument/2006/relationships" type="pie" r:blip="">
+                        <dgm:adjLst>
+                          <dgm:adj idx="1" val="180"/>
+                          <dgm:adj idx="2" val="-90"/>
+                        </dgm:adjLst>
+                      </dgm:shape>
+                    </dgm:if>
+                    <dgm:if name="Name17" axis="followSib" ptType="node" func="cnt" op="equ" val="2">
+                      <dgm:shape xmlns:r="http://schemas.openxmlformats.org/officeDocument/2006/relationships" type="pie" r:blip="">
+                        <dgm:adjLst>
+                          <dgm:adj idx="1" val="-150"/>
+                          <dgm:adj idx="2" val="-90"/>
+                        </dgm:adjLst>
+                      </dgm:shape>
+                    </dgm:if>
+                    <dgm:if name="Name18" axis="followSib" ptType="node" func="cnt" op="equ" val="3">
+                      <dgm:shape xmlns:r="http://schemas.openxmlformats.org/officeDocument/2006/relationships" type="pie" r:blip="">
+                        <dgm:adjLst>
+                          <dgm:adj idx="1" val="-135"/>
+                          <dgm:adj idx="2" val="-90"/>
+                        </dgm:adjLst>
+                      </dgm:shape>
+                    </dgm:if>
+                    <dgm:if name="Name19" axis="followSib" ptType="node" func="cnt" op="equ" val="4">
+                      <dgm:shape xmlns:r="http://schemas.openxmlformats.org/officeDocument/2006/relationships" type="pie" r:blip="">
+                        <dgm:adjLst>
+                          <dgm:adj idx="1" val="-126"/>
+                          <dgm:adj idx="2" val="-90"/>
+                        </dgm:adjLst>
+                      </dgm:shape>
+                    </dgm:if>
+                    <dgm:if name="Name20" axis="followSib" ptType="node" func="cnt" op="equ" val="5">
+                      <dgm:shape xmlns:r="http://schemas.openxmlformats.org/officeDocument/2006/relationships" type="pie" r:blip="">
+                        <dgm:adjLst>
+                          <dgm:adj idx="1" val="-120"/>
+                          <dgm:adj idx="2" val="-90"/>
+                        </dgm:adjLst>
+                      </dgm:shape>
+                    </dgm:if>
+                    <dgm:else name="Name21">
+                      <dgm:shape xmlns:r="http://schemas.openxmlformats.org/officeDocument/2006/relationships" type="pie" r:blip="">
+                        <dgm:adjLst>
+                          <dgm:adj idx="1" val="-115.7143"/>
+                          <dgm:adj idx="2" val="-90"/>
+                        </dgm:adjLst>
+                      </dgm:shape>
+                    </dgm:else>
+                  </dgm:choose>
+                </dgm:if>
+                <dgm:if name="Name22" axis="precedSib" ptType="node" func="cnt" op="equ" val="1">
+                  <dgm:choose name="Name23">
+                    <dgm:if name="Name24" axis="followSib" ptType="node" func="cnt" op="equ" val="0">
+                      <dgm:shape xmlns:r="http://schemas.openxmlformats.org/officeDocument/2006/relationships" type="pie" r:blip="">
+                        <dgm:adjLst>
+                          <dgm:adj idx="1" val="90"/>
+                          <dgm:adj idx="2" val="-90"/>
+                        </dgm:adjLst>
+                      </dgm:shape>
+                    </dgm:if>
+                    <dgm:if name="Name25" axis="followSib" ptType="node" func="cnt" op="equ" val="1">
+                      <dgm:shape xmlns:r="http://schemas.openxmlformats.org/officeDocument/2006/relationships" type="pie" r:blip="">
+                        <dgm:adjLst>
+                          <dgm:adj idx="1" val="150"/>
+                          <dgm:adj idx="2" val="-90"/>
+                        </dgm:adjLst>
+                      </dgm:shape>
+                    </dgm:if>
+                    <dgm:if name="Name26" axis="followSib" ptType="node" func="cnt" op="equ" val="2">
+                      <dgm:shape xmlns:r="http://schemas.openxmlformats.org/officeDocument/2006/relationships" type="pie" r:blip="">
+                        <dgm:adjLst>
+                          <dgm:adj idx="1" val="180"/>
+                          <dgm:adj idx="2" val="-90"/>
+                        </dgm:adjLst>
+                      </dgm:shape>
+                    </dgm:if>
+                    <dgm:if name="Name27" axis="followSib" ptType="node" func="cnt" op="equ" val="3">
+                      <dgm:shape xmlns:r="http://schemas.openxmlformats.org/officeDocument/2006/relationships" type="pie" r:blip="">
+                        <dgm:adjLst>
+                          <dgm:adj idx="1" val="-162"/>
+                          <dgm:adj idx="2" val="-90"/>
+                        </dgm:adjLst>
+                      </dgm:shape>
+                    </dgm:if>
+                    <dgm:if name="Name28" axis="followSib" ptType="node" func="cnt" op="equ" val="4">
+                      <dgm:shape xmlns:r="http://schemas.openxmlformats.org/officeDocument/2006/relationships" type="pie" r:blip="">
+                        <dgm:adjLst>
+                          <dgm:adj idx="1" val="-150"/>
+                          <dgm:adj idx="2" val="-90"/>
+                        </dgm:adjLst>
+                      </dgm:shape>
+                    </dgm:if>
+                    <dgm:else name="Name29">
+                      <dgm:shape xmlns:r="http://schemas.openxmlformats.org/officeDocument/2006/relationships" type="pie" r:blip="">
+                        <dgm:adjLst>
+                          <dgm:adj idx="1" val="-141.4286"/>
+                          <dgm:adj idx="2" val="-90"/>
+                        </dgm:adjLst>
+                      </dgm:shape>
+                    </dgm:else>
+                  </dgm:choose>
+                </dgm:if>
+                <dgm:if name="Name30" axis="precedSib" ptType="node" func="cnt" op="equ" val="2">
+                  <dgm:choose name="Name31">
+                    <dgm:if name="Name32" axis="followSib" ptType="node" func="cnt" op="equ" val="0">
+                      <dgm:shape xmlns:r="http://schemas.openxmlformats.org/officeDocument/2006/relationships" type="pie" r:blip="">
+                        <dgm:adjLst>
+                          <dgm:adj idx="1" val="90"/>
+                          <dgm:adj idx="2" val="-90"/>
+                        </dgm:adjLst>
+                      </dgm:shape>
+                    </dgm:if>
+                    <dgm:if name="Name33" axis="followSib" ptType="node" func="cnt" op="equ" val="1">
+                      <dgm:shape xmlns:r="http://schemas.openxmlformats.org/officeDocument/2006/relationships" type="pie" r:blip="">
+                        <dgm:adjLst>
+                          <dgm:adj idx="1" val="135"/>
+                          <dgm:adj idx="2" val="-90"/>
+                        </dgm:adjLst>
+                      </dgm:shape>
+                    </dgm:if>
+                    <dgm:if name="Name34" axis="followSib" ptType="node" func="cnt" op="equ" val="2">
+                      <dgm:shape xmlns:r="http://schemas.openxmlformats.org/officeDocument/2006/relationships" type="pie" r:blip="">
+                        <dgm:adjLst>
+                          <dgm:adj idx="1" val="162"/>
+                          <dgm:adj idx="2" val="-90"/>
+                        </dgm:adjLst>
+                      </dgm:shape>
+                    </dgm:if>
+                    <dgm:if name="Name35" axis="followSib" ptType="node" func="cnt" op="equ" val="3">
+                      <dgm:shape xmlns:r="http://schemas.openxmlformats.org/officeDocument/2006/relationships" type="pie" r:blip="">
+                        <dgm:adjLst>
+                          <dgm:adj idx="1" val="180"/>
+                          <dgm:adj idx="2" val="-90"/>
+                        </dgm:adjLst>
+                      </dgm:shape>
+                    </dgm:if>
+                    <dgm:else name="Name36">
+                      <dgm:shape xmlns:r="http://schemas.openxmlformats.org/officeDocument/2006/relationships" type="pie" r:blip="">
+                        <dgm:adjLst>
+                          <dgm:adj idx="1" val="-167.1429"/>
+                          <dgm:adj idx="2" val="-90"/>
+                        </dgm:adjLst>
+                      </dgm:shape>
+                    </dgm:else>
+                  </dgm:choose>
+                </dgm:if>
+                <dgm:if name="Name37" axis="precedSib" ptType="node" func="cnt" op="equ" val="3">
+                  <dgm:choose name="Name38">
+                    <dgm:if name="Name39" axis="followSib" ptType="node" func="cnt" op="equ" val="0">
+                      <dgm:shape xmlns:r="http://schemas.openxmlformats.org/officeDocument/2006/relationships" type="pie" r:blip="">
+                        <dgm:adjLst>
+                          <dgm:adj idx="1" val="90"/>
+                          <dgm:adj idx="2" val="-90"/>
+                        </dgm:adjLst>
+                      </dgm:shape>
+                    </dgm:if>
+                    <dgm:if name="Name40" axis="followSib" ptType="node" func="cnt" op="equ" val="1">
+                      <dgm:shape xmlns:r="http://schemas.openxmlformats.org/officeDocument/2006/relationships" type="pie" r:blip="">
+                        <dgm:adjLst>
+                          <dgm:adj idx="1" val="126"/>
+                          <dgm:adj idx="2" val="-90"/>
+                        </dgm:adjLst>
+                      </dgm:shape>
+                    </dgm:if>
+                    <dgm:if name="Name41" axis="followSib" ptType="node" func="cnt" op="equ" val="2">
+                      <dgm:shape xmlns:r="http://schemas.openxmlformats.org/officeDocument/2006/relationships" type="pie" r:blip="">
+                        <dgm:adjLst>
+                          <dgm:adj idx="1" val="150"/>
+                          <dgm:adj idx="2" val="-90"/>
+                        </dgm:adjLst>
+                      </dgm:shape>
+                    </dgm:if>
+                    <dgm:else name="Name42">
+                      <dgm:shape xmlns:r="http://schemas.openxmlformats.org/officeDocument/2006/relationships" type="pie" r:blip="">
+                        <dgm:adjLst>
+                          <dgm:adj idx="1" val="167.1429"/>
+                          <dgm:adj idx="2" val="-90"/>
+                        </dgm:adjLst>
+                      </dgm:shape>
+                    </dgm:else>
+                  </dgm:choose>
+                </dgm:if>
+                <dgm:if name="Name43" axis="precedSib" ptType="node" func="cnt" op="equ" val="4">
+                  <dgm:choose name="Name44">
+                    <dgm:if name="Name45" axis="followSib" ptType="node" func="cnt" op="equ" val="0">
+                      <dgm:shape xmlns:r="http://schemas.openxmlformats.org/officeDocument/2006/relationships" type="pie" r:blip="">
+                        <dgm:adjLst>
+                          <dgm:adj idx="1" val="90"/>
+                          <dgm:adj idx="2" val="-90"/>
+                        </dgm:adjLst>
+                      </dgm:shape>
+                    </dgm:if>
+                    <dgm:if name="Name46" axis="followSib" ptType="node" func="cnt" op="equ" val="1">
+                      <dgm:shape xmlns:r="http://schemas.openxmlformats.org/officeDocument/2006/relationships" type="pie" r:blip="">
+                        <dgm:adjLst>
+                          <dgm:adj idx="1" val="120"/>
+                          <dgm:adj idx="2" val="-90"/>
+                        </dgm:adjLst>
+                      </dgm:shape>
+                    </dgm:if>
+                    <dgm:else name="Name47">
+                      <dgm:shape xmlns:r="http://schemas.openxmlformats.org/officeDocument/2006/relationships" type="pie" r:blip="">
+                        <dgm:adjLst>
+                          <dgm:adj idx="1" val="141.4286"/>
+                          <dgm:adj idx="2" val="-90"/>
+                        </dgm:adjLst>
+                      </dgm:shape>
+                    </dgm:else>
+                  </dgm:choose>
+                </dgm:if>
+                <dgm:if name="Name48" axis="precedSib" ptType="node" func="cnt" op="equ" val="5">
+                  <dgm:choose name="Name49">
+                    <dgm:if name="Name50" axis="followSib" ptType="node" func="cnt" op="equ" val="0">
+                      <dgm:shape xmlns:r="http://schemas.openxmlformats.org/officeDocument/2006/relationships" type="pie" r:blip="">
+                        <dgm:adjLst>
+                          <dgm:adj idx="1" val="90"/>
+                          <dgm:adj idx="2" val="-90"/>
+                        </dgm:adjLst>
+                      </dgm:shape>
+                    </dgm:if>
+                    <dgm:else name="Name51">
+                      <dgm:shape xmlns:r="http://schemas.openxmlformats.org/officeDocument/2006/relationships" type="pie" r:blip="">
+                        <dgm:adjLst>
+                          <dgm:adj idx="1" val="115.7143"/>
+                          <dgm:adj idx="2" val="-90"/>
+                        </dgm:adjLst>
+                      </dgm:shape>
+                    </dgm:else>
+                  </dgm:choose>
+                </dgm:if>
+                <dgm:else name="Name52">
+                  <dgm:shape xmlns:r="http://schemas.openxmlformats.org/officeDocument/2006/relationships" type="pie" r:blip="">
+                    <dgm:adjLst>
+                      <dgm:adj idx="1" val="90"/>
+                      <dgm:adj idx="2" val="-90"/>
+                    </dgm:adjLst>
+                  </dgm:shape>
+                </dgm:else>
+              </dgm:choose>
+            </dgm:if>
+            <dgm:else name="Name53">
+              <dgm:choose name="Name54">
+                <dgm:if name="Name55" axis="precedSib" ptType="node" func="cnt" op="equ" val="0">
+                  <dgm:choose name="Name56">
+                    <dgm:if name="Name57" axis="followSib" ptType="node" func="cnt" op="equ" val="0">
+                      <dgm:shape xmlns:r="http://schemas.openxmlformats.org/officeDocument/2006/relationships" rot="180" type="pie" r:blip="">
+                        <dgm:adjLst>
+                          <dgm:adj idx="1" val="90"/>
+                          <dgm:adj idx="2" val="-90"/>
+                        </dgm:adjLst>
+                      </dgm:shape>
+                    </dgm:if>
+                    <dgm:if name="Name58" axis="followSib" ptType="node" func="cnt" op="equ" val="1">
+                      <dgm:shape xmlns:r="http://schemas.openxmlformats.org/officeDocument/2006/relationships" rot="180" type="pie" r:blip="">
+                        <dgm:adjLst>
+                          <dgm:adj idx="1" val="90"/>
+                          <dgm:adj idx="2" val="180"/>
+                        </dgm:adjLst>
+                      </dgm:shape>
+                    </dgm:if>
+                    <dgm:if name="Name59" axis="followSib" ptType="node" func="cnt" op="equ" val="2">
+                      <dgm:shape xmlns:r="http://schemas.openxmlformats.org/officeDocument/2006/relationships" rot="180" type="pie" r:blip="">
+                        <dgm:adjLst>
+                          <dgm:adj idx="1" val="90"/>
+                          <dgm:adj idx="2" val="150"/>
+                        </dgm:adjLst>
+                      </dgm:shape>
+                    </dgm:if>
+                    <dgm:if name="Name60" axis="followSib" ptType="node" func="cnt" op="equ" val="3">
+                      <dgm:shape xmlns:r="http://schemas.openxmlformats.org/officeDocument/2006/relationships" rot="180" type="pie" r:blip="">
+                        <dgm:adjLst>
+                          <dgm:adj idx="1" val="90"/>
+                          <dgm:adj idx="2" val="135"/>
+                        </dgm:adjLst>
+                      </dgm:shape>
+                    </dgm:if>
+                    <dgm:if name="Name61" axis="followSib" ptType="node" func="cnt" op="equ" val="4">
+                      <dgm:shape xmlns:r="http://schemas.openxmlformats.org/officeDocument/2006/relationships" rot="180" type="pie" r:blip="">
+                        <dgm:adjLst>
+                          <dgm:adj idx="1" val="90"/>
+                          <dgm:adj idx="2" val="126"/>
+                        </dgm:adjLst>
+                      </dgm:shape>
+                    </dgm:if>
+                    <dgm:if name="Name62" axis="followSib" ptType="node" func="cnt" op="equ" val="5">
+                      <dgm:shape xmlns:r="http://schemas.openxmlformats.org/officeDocument/2006/relationships" rot="180" type="pie" r:blip="">
+                        <dgm:adjLst>
+                          <dgm:adj idx="1" val="90"/>
+                          <dgm:adj idx="2" val="120"/>
+                        </dgm:adjLst>
+                      </dgm:shape>
+                    </dgm:if>
+                    <dgm:else name="Name63">
+                      <dgm:shape xmlns:r="http://schemas.openxmlformats.org/officeDocument/2006/relationships" rot="180" type="pie" r:blip="">
+                        <dgm:adjLst>
+                          <dgm:adj idx="1" val="90"/>
+                          <dgm:adj idx="2" val="115.7143"/>
+                        </dgm:adjLst>
+                      </dgm:shape>
+                    </dgm:else>
+                  </dgm:choose>
+                </dgm:if>
+                <dgm:if name="Name64" axis="precedSib" ptType="node" func="cnt" op="equ" val="1">
+                  <dgm:choose name="Name65">
+                    <dgm:if name="Name66" axis="followSib" ptType="node" func="cnt" op="equ" val="0">
+                      <dgm:shape xmlns:r="http://schemas.openxmlformats.org/officeDocument/2006/relationships" rot="180" type="pie" r:blip="">
+                        <dgm:adjLst>
+                          <dgm:adj idx="1" val="90"/>
+                          <dgm:adj idx="2" val="-90"/>
+                        </dgm:adjLst>
+                      </dgm:shape>
+                    </dgm:if>
+                    <dgm:if name="Name67" axis="followSib" ptType="node" func="cnt" op="equ" val="1">
+                      <dgm:shape xmlns:r="http://schemas.openxmlformats.org/officeDocument/2006/relationships" rot="180" type="pie" r:blip="">
+                        <dgm:adjLst>
+                          <dgm:adj idx="1" val="90"/>
+                          <dgm:adj idx="2" val="-150"/>
+                        </dgm:adjLst>
+                      </dgm:shape>
+                    </dgm:if>
+                    <dgm:if name="Name68" axis="followSib" ptType="node" func="cnt" op="equ" val="2">
+                      <dgm:shape xmlns:r="http://schemas.openxmlformats.org/officeDocument/2006/relationships" rot="180" type="pie" r:blip="">
+                        <dgm:adjLst>
+                          <dgm:adj idx="1" val="90"/>
+                          <dgm:adj idx="2" val="180"/>
+                        </dgm:adjLst>
+                      </dgm:shape>
+                    </dgm:if>
+                    <dgm:if name="Name69" axis="followSib" ptType="node" func="cnt" op="equ" val="3">
+                      <dgm:shape xmlns:r="http://schemas.openxmlformats.org/officeDocument/2006/relationships" rot="180" type="pie" r:blip="">
+                        <dgm:adjLst>
+                          <dgm:adj idx="1" val="90"/>
+                          <dgm:adj idx="2" val="162"/>
+                        </dgm:adjLst>
+                      </dgm:shape>
+                    </dgm:if>
+                    <dgm:if name="Name70" axis="followSib" ptType="node" func="cnt" op="equ" val="4">
+                      <dgm:shape xmlns:r="http://schemas.openxmlformats.org/officeDocument/2006/relationships" rot="180" type="pie" r:blip="">
+                        <dgm:adjLst>
+                          <dgm:adj idx="1" val="90"/>
+                          <dgm:adj idx="2" val="150"/>
+                        </dgm:adjLst>
+                      </dgm:shape>
+                    </dgm:if>
+                    <dgm:else name="Name71">
+                      <dgm:shape xmlns:r="http://schemas.openxmlformats.org/officeDocument/2006/relationships" rot="180" type="pie" r:blip="">
+                        <dgm:adjLst>
+                          <dgm:adj idx="1" val="90"/>
+                          <dgm:adj idx="2" val="141.4286"/>
+                        </dgm:adjLst>
+                      </dgm:shape>
+                    </dgm:else>
+                  </dgm:choose>
+                </dgm:if>
+                <dgm:if name="Name72" axis="precedSib" ptType="node" func="cnt" op="equ" val="2">
+                  <dgm:choose name="Name73">
+                    <dgm:if name="Name74" axis="followSib" ptType="node" func="cnt" op="equ" val="0">
+                      <dgm:shape xmlns:r="http://schemas.openxmlformats.org/officeDocument/2006/relationships" rot="180" type="pie" r:blip="">
+                        <dgm:adjLst>
+                          <dgm:adj idx="1" val="90"/>
+                          <dgm:adj idx="2" val="-90"/>
+                        </dgm:adjLst>
+                      </dgm:shape>
+                    </dgm:if>
+                    <dgm:if name="Name75" axis="followSib" ptType="node" func="cnt" op="equ" val="1">
+                      <dgm:shape xmlns:r="http://schemas.openxmlformats.org/officeDocument/2006/relationships" rot="180" type="pie" r:blip="">
+                        <dgm:adjLst>
+                          <dgm:adj idx="1" val="90"/>
+                          <dgm:adj idx="2" val="-135"/>
+                        </dgm:adjLst>
+                      </dgm:shape>
+                    </dgm:if>
+                    <dgm:if name="Name76" axis="followSib" ptType="node" func="cnt" op="equ" val="2">
+                      <dgm:shape xmlns:r="http://schemas.openxmlformats.org/officeDocument/2006/relationships" rot="180" type="pie" r:blip="">
+                        <dgm:adjLst>
+                          <dgm:adj idx="1" val="90"/>
+                          <dgm:adj idx="2" val="-162"/>
+                        </dgm:adjLst>
+                      </dgm:shape>
+                    </dgm:if>
+                    <dgm:if name="Name77" axis="followSib" ptType="node" func="cnt" op="equ" val="3">
+                      <dgm:shape xmlns:r="http://schemas.openxmlformats.org/officeDocument/2006/relationships" rot="180" type="pie" r:blip="">
+                        <dgm:adjLst>
+                          <dgm:adj idx="1" val="90"/>
+                          <dgm:adj idx="2" val="180"/>
+                        </dgm:adjLst>
+                      </dgm:shape>
+                    </dgm:if>
+                    <dgm:else name="Name78">
+                      <dgm:shape xmlns:r="http://schemas.openxmlformats.org/officeDocument/2006/relationships" rot="180" type="pie" r:blip="">
+                        <dgm:adjLst>
+                          <dgm:adj idx="1" val="90"/>
+                          <dgm:adj idx="2" val="167.1429"/>
+                        </dgm:adjLst>
+                      </dgm:shape>
+                    </dgm:else>
+                  </dgm:choose>
+                </dgm:if>
+                <dgm:if name="Name79" axis="precedSib" ptType="node" func="cnt" op="equ" val="3">
+                  <dgm:choose name="Name80">
+                    <dgm:if name="Name81" axis="followSib" ptType="node" func="cnt" op="equ" val="0">
+                      <dgm:shape xmlns:r="http://schemas.openxmlformats.org/officeDocument/2006/relationships" rot="180" type="pie" r:blip="">
+                        <dgm:adjLst>
+                          <dgm:adj idx="1" val="90"/>
+                          <dgm:adj idx="2" val="-90"/>
+                        </dgm:adjLst>
+                      </dgm:shape>
+                    </dgm:if>
+                    <dgm:if name="Name82" axis="followSib" ptType="node" func="cnt" op="equ" val="1">
+                      <dgm:shape xmlns:r="http://schemas.openxmlformats.org/officeDocument/2006/relationships" rot="180" type="pie" r:blip="">
+                        <dgm:adjLst>
+                          <dgm:adj idx="1" val="90"/>
+                          <dgm:adj idx="2" val="-126"/>
+                        </dgm:adjLst>
+                      </dgm:shape>
+                    </dgm:if>
+                    <dgm:if name="Name83" axis="followSib" ptType="node" func="cnt" op="equ" val="2">
+                      <dgm:shape xmlns:r="http://schemas.openxmlformats.org/officeDocument/2006/relationships" rot="180" type="pie" r:blip="">
+                        <dgm:adjLst>
+                          <dgm:adj idx="1" val="90"/>
+                          <dgm:adj idx="2" val="-150"/>
+                        </dgm:adjLst>
+                      </dgm:shape>
+                    </dgm:if>
+                    <dgm:else name="Name84">
+                      <dgm:shape xmlns:r="http://schemas.openxmlformats.org/officeDocument/2006/relationships" rot="180" type="pie" r:blip="">
+                        <dgm:adjLst>
+                          <dgm:adj idx="1" val="90"/>
+                          <dgm:adj idx="2" val="-167.1429"/>
+                        </dgm:adjLst>
+                      </dgm:shape>
+                    </dgm:else>
+                  </dgm:choose>
+                </dgm:if>
+                <dgm:if name="Name85" axis="precedSib" ptType="node" func="cnt" op="equ" val="4">
+                  <dgm:choose name="Name86">
+                    <dgm:if name="Name87" axis="followSib" ptType="node" func="cnt" op="equ" val="0">
+                      <dgm:shape xmlns:r="http://schemas.openxmlformats.org/officeDocument/2006/relationships" rot="180" type="pie" r:blip="">
+                        <dgm:adjLst>
+                          <dgm:adj idx="1" val="90"/>
+                          <dgm:adj idx="2" val="-90"/>
+                        </dgm:adjLst>
+                      </dgm:shape>
+                    </dgm:if>
+                    <dgm:if name="Name88" axis="followSib" ptType="node" func="cnt" op="equ" val="1">
+                      <dgm:shape xmlns:r="http://schemas.openxmlformats.org/officeDocument/2006/relationships" rot="180" type="pie" r:blip="">
+                        <dgm:adjLst>
+                          <dgm:adj idx="1" val="90"/>
+                          <dgm:adj idx="2" val="-120"/>
+                        </dgm:adjLst>
+                      </dgm:shape>
+                    </dgm:if>
+                    <dgm:else name="Name89">
+                      <dgm:shape xmlns:r="http://schemas.openxmlformats.org/officeDocument/2006/relationships" rot="180" type="pie" r:blip="">
+                        <dgm:adjLst>
+                          <dgm:adj idx="1" val="90"/>
+                          <dgm:adj idx="2" val="-141.4286"/>
+                        </dgm:adjLst>
+                      </dgm:shape>
+                    </dgm:else>
+                  </dgm:choose>
+                </dgm:if>
+                <dgm:if name="Name90" axis="precedSib" ptType="node" func="cnt" op="equ" val="5">
+                  <dgm:choose name="Name91">
+                    <dgm:if name="Name92" axis="followSib" ptType="node" func="cnt" op="equ" val="0">
+                      <dgm:shape xmlns:r="http://schemas.openxmlformats.org/officeDocument/2006/relationships" rot="180" type="pie" r:blip="">
+                        <dgm:adjLst>
+                          <dgm:adj idx="1" val="90"/>
+                          <dgm:adj idx="2" val="-90"/>
+                        </dgm:adjLst>
+                      </dgm:shape>
+                    </dgm:if>
+                    <dgm:else name="Name93">
+                      <dgm:shape xmlns:r="http://schemas.openxmlformats.org/officeDocument/2006/relationships" rot="180" type="pie" r:blip="">
+                        <dgm:adjLst>
+                          <dgm:adj idx="1" val="90"/>
+                          <dgm:adj idx="2" val="-115.7143"/>
+                        </dgm:adjLst>
+                      </dgm:shape>
+                    </dgm:else>
+                  </dgm:choose>
+                </dgm:if>
+                <dgm:else name="Name94">
+                  <dgm:shape xmlns:r="http://schemas.openxmlformats.org/officeDocument/2006/relationships" rot="180" type="pie" r:blip="">
+                    <dgm:adjLst>
+                      <dgm:adj idx="1" val="90"/>
+                      <dgm:adj idx="2" val="-90"/>
+                    </dgm:adjLst>
+                  </dgm:shape>
+                </dgm:else>
+              </dgm:choose>
+            </dgm:else>
+          </dgm:choose>
+          <dgm:presOf/>
+        </dgm:layoutNode>
+        <dgm:layoutNode name="Parent" styleLbl="revTx">
+          <dgm:varLst>
+            <dgm:chMax val="1"/>
+            <dgm:chPref val="1"/>
+            <dgm:bulletEnabled val="1"/>
+          </dgm:varLst>
+          <dgm:choose name="Name95">
+            <dgm:if name="Name96" func="var" arg="dir" op="equ" val="norm">
+              <dgm:alg type="tx">
+                <dgm:param type="parTxLTRAlign" val="r"/>
+                <dgm:param type="parTxRTLAlign" val="r"/>
+                <dgm:param type="shpTxLTRAlignCh" val="r"/>
+                <dgm:param type="shpTxRTLAlignCh" val="r"/>
+                <dgm:param type="txAnchorVert" val="b"/>
+                <dgm:param type="autoTxRot" val="grav"/>
+              </dgm:alg>
+            </dgm:if>
+            <dgm:else name="Name97">
+              <dgm:alg type="tx">
+                <dgm:param type="parTxLTRAlign" val="l"/>
+                <dgm:param type="parTxRTLAlign" val="l"/>
+                <dgm:param type="shpTxLTRAlignCh" val="l"/>
+                <dgm:param type="shpTxRTLAlignCh" val="l"/>
+                <dgm:param type="txAnchorVert" val="b"/>
+                <dgm:param type="autoTxRot" val="grav"/>
+              </dgm:alg>
+            </dgm:else>
+          </dgm:choose>
+          <dgm:choose name="Name98">
+            <dgm:if name="Name99" func="var" arg="dir" op="equ" val="norm">
+              <dgm:shape xmlns:r="http://schemas.openxmlformats.org/officeDocument/2006/relationships" rot="-90" type="rect" r:blip="">
+                <dgm:adjLst/>
+              </dgm:shape>
+            </dgm:if>
+            <dgm:else name="Name100">
+              <dgm:shape xmlns:r="http://schemas.openxmlformats.org/officeDocument/2006/relationships" rot="90" type="rect" r:blip="">
+                <dgm:adjLst/>
+              </dgm:shape>
+            </dgm:else>
+          </dgm:choose>
+          <dgm:presOf axis="self" ptType="node"/>
+          <dgm:constrLst>
+            <dgm:constr type="lMarg" refType="primFontSz" fact="0"/>
+            <dgm:constr type="rMarg" refType="primFontSz" fact="0"/>
+            <dgm:constr type="tMarg" refType="primFontSz" fact="0"/>
+            <dgm:constr type="bMarg" refType="primFontSz" fact="0"/>
+          </dgm:constrLst>
+          <dgm:ruleLst>
+            <dgm:rule type="primFontSz" val="5" fact="NaN" max="NaN"/>
+          </dgm:ruleLst>
+        </dgm:layoutNode>
+      </dgm:layoutNode>
+      <dgm:choose name="Name101">
+        <dgm:if name="Name102" axis="ch" ptType="node" func="cnt" op="gte" val="1">
+          <dgm:forEach name="negSibTransForEach" axis="ch" ptType="sibTrans" hideLastTrans="0" cnt="1">
+            <dgm:layoutNode name="negSibTrans">
+              <dgm:alg type="sp"/>
+              <dgm:shape xmlns:r="http://schemas.openxmlformats.org/officeDocument/2006/relationships" r:blip="">
+                <dgm:adjLst/>
+              </dgm:shape>
+            </dgm:layoutNode>
+          </dgm:forEach>
+          <dgm:layoutNode name="composite">
+            <dgm:alg type="composite">
+              <dgm:param type="ar" val="0.5"/>
+            </dgm:alg>
+            <dgm:shape xmlns:r="http://schemas.openxmlformats.org/officeDocument/2006/relationships" r:blip="">
+              <dgm:adjLst/>
+            </dgm:shape>
+            <dgm:choose name="Name103">
+              <dgm:if name="Name104" func="var" arg="dir" op="equ" val="norm">
+                <dgm:constrLst>
+                  <dgm:constr type="l" for="ch" forName="Child" refType="w" fact="0"/>
+                  <dgm:constr type="t" for="ch" forName="Child" refType="h" fact="0"/>
+                  <dgm:constr type="w" for="ch" forName="Child" refType="w"/>
+                  <dgm:constr type="h" for="ch" forName="Child" refType="h"/>
+                </dgm:constrLst>
+              </dgm:if>
+              <dgm:else name="Name105">
+                <dgm:constrLst>
+                  <dgm:constr type="r" for="ch" forName="Child" refType="w"/>
+                  <dgm:constr type="t" for="ch" forName="Child" refType="h" fact="0"/>
+                  <dgm:constr type="w" for="ch" forName="Child" refType="w"/>
+                  <dgm:constr type="h" for="ch" forName="Child" refType="h"/>
+                </dgm:constrLst>
+              </dgm:else>
+            </dgm:choose>
+            <dgm:ruleLst/>
+            <dgm:layoutNode name="Child" styleLbl="revTx">
+              <dgm:varLst>
+                <dgm:chMax val="0"/>
+                <dgm:chPref val="0"/>
+                <dgm:bulletEnabled val="1"/>
+              </dgm:varLst>
+              <dgm:choose name="Name106">
+                <dgm:if name="Name107" func="var" arg="dir" op="equ" val="norm">
+                  <dgm:alg type="tx">
+                    <dgm:param type="parTxLTRAlign" val="l"/>
+                    <dgm:param type="parTxRTLAlign" val="r"/>
+                    <dgm:param type="txAnchorVert" val="t"/>
+                  </dgm:alg>
+                </dgm:if>
+                <dgm:else name="Name108">
+                  <dgm:alg type="tx">
+                    <dgm:param type="parTxLTRAlign" val="r"/>
+                    <dgm:param type="parTxRTLAlign" val="l"/>
+                    <dgm:param type="txAnchorVert" val="t"/>
+                  </dgm:alg>
+                </dgm:else>
+              </dgm:choose>
+              <dgm:shape xmlns:r="http://schemas.openxmlformats.org/officeDocument/2006/relationships" type="rect" r:blip="">
+                <dgm:adjLst/>
+              </dgm:shape>
+              <dgm:presOf axis="des" ptType="node"/>
+              <dgm:constrLst>
+                <dgm:constr type="lMarg" refType="primFontSz" fact="0"/>
+                <dgm:constr type="rMarg" refType="primFontSz" fact="0"/>
+                <dgm:constr type="tMarg" refType="primFontSz" fact="0"/>
+                <dgm:constr type="bMarg" refType="primFontSz" fact="0"/>
+              </dgm:constrLst>
+              <dgm:ruleLst>
+                <dgm:rule type="primFontSz" val="5" fact="NaN" max="NaN"/>
+              </dgm:ruleLst>
+            </dgm:layoutNode>
+          </dgm:layoutNode>
+          <dgm:forEach name="sibTransForEach" axis="followSib" ptType="sibTrans" cnt="1">
+            <dgm:layoutNode name="sibTrans">
+              <dgm:alg type="sp"/>
+              <dgm:shape xmlns:r="http://schemas.openxmlformats.org/officeDocument/2006/relationships" r:blip="">
+                <dgm:adjLst/>
+              </dgm:shape>
+            </dgm:layoutNode>
+          </dgm:forEach>
+        </dgm:if>
+        <dgm:else name="Name109"/>
+      </dgm:choose>
+    </dgm:forEach>
+  </dgm:layoutNode>
+</dgm:layoutDef>
+</file>
+
+<file path=ppt/diagrams/layout2.xml><?xml version="1.0" encoding="utf-8"?>
+<dgm:layoutDef xmlns:dgm="http://schemas.openxmlformats.org/drawingml/2006/diagram" xmlns:a="http://schemas.openxmlformats.org/drawingml/2006/main" uniqueId="urn:diagrams.loki3.com/BracketList">
+  <dgm:title val="Vertical Bracket List"/>
+  <dgm:desc val="Use to show grouped blocks of information.  Works well with large amounts of Level 2 text."/>
+  <dgm:catLst>
+    <dgm:cat type="list" pri="4110"/>
+    <dgm:cat type="officeonline" pri="3000"/>
   </dgm:catLst>
   <dgm:sampData>
     <dgm:dataModel>
@@ -5766,85 +7914,33 @@
         <dgm:pt modelId="11">
           <dgm:prSet phldr="1"/>
         </dgm:pt>
-        <dgm:pt modelId="12">
-          <dgm:prSet phldr="1"/>
-        </dgm:pt>
         <dgm:pt modelId="2">
           <dgm:prSet phldr="1"/>
         </dgm:pt>
         <dgm:pt modelId="21">
           <dgm:prSet phldr="1"/>
         </dgm:pt>
-        <dgm:pt modelId="22">
-          <dgm:prSet phldr="1"/>
-        </dgm:pt>
-        <dgm:pt modelId="3">
-          <dgm:prSet phldr="1"/>
-        </dgm:pt>
-        <dgm:pt modelId="31">
-          <dgm:prSet phldr="1"/>
-        </dgm:pt>
-        <dgm:pt modelId="32">
-          <dgm:prSet phldr="1"/>
-        </dgm:pt>
       </dgm:ptLst>
       <dgm:cxnLst>
-        <dgm:cxn modelId="4" srcId="0" destId="1" srcOrd="0" destOrd="0"/>
-        <dgm:cxn modelId="5" srcId="0" destId="2" srcOrd="1" destOrd="0"/>
-        <dgm:cxn modelId="6" srcId="0" destId="3" srcOrd="2" destOrd="0"/>
-        <dgm:cxn modelId="13" srcId="1" destId="11" srcOrd="0" destOrd="0"/>
-        <dgm:cxn modelId="14" srcId="1" destId="12" srcOrd="1" destOrd="0"/>
-        <dgm:cxn modelId="23" srcId="2" destId="21" srcOrd="0" destOrd="0"/>
-        <dgm:cxn modelId="24" srcId="2" destId="22" srcOrd="1" destOrd="0"/>
-        <dgm:cxn modelId="33" srcId="3" destId="31" srcOrd="0" destOrd="0"/>
-        <dgm:cxn modelId="34" srcId="3" destId="32" srcOrd="1" destOrd="0"/>
+        <dgm:cxn modelId="3" srcId="0" destId="1" srcOrd="0" destOrd="0"/>
+        <dgm:cxn modelId="4" srcId="1" destId="11" srcOrd="0" destOrd="0"/>
+        <dgm:cxn modelId="5" srcId="0" destId="2" srcOrd="0" destOrd="0"/>
+        <dgm:cxn modelId="6" srcId="2" destId="21" srcOrd="0" destOrd="0"/>
       </dgm:cxnLst>
       <dgm:bg/>
       <dgm:whole/>
     </dgm:dataModel>
   </dgm:sampData>
-  <dgm:styleData>
+  <dgm:styleData useDef="1">
     <dgm:dataModel>
-      <dgm:ptLst>
-        <dgm:pt modelId="0" type="doc"/>
-        <dgm:pt modelId="1"/>
-        <dgm:pt modelId="11"/>
-        <dgm:pt modelId="2"/>
-        <dgm:pt modelId="21"/>
-      </dgm:ptLst>
-      <dgm:cxnLst>
-        <dgm:cxn modelId="4" srcId="0" destId="1" srcOrd="0" destOrd="0"/>
-        <dgm:cxn modelId="5" srcId="0" destId="2" srcOrd="1" destOrd="0"/>
-        <dgm:cxn modelId="13" srcId="1" destId="11" srcOrd="0" destOrd="0"/>
-        <dgm:cxn modelId="23" srcId="2" destId="21" srcOrd="0" destOrd="0"/>
-      </dgm:cxnLst>
+      <dgm:ptLst/>
       <dgm:bg/>
       <dgm:whole/>
     </dgm:dataModel>
   </dgm:styleData>
-  <dgm:clrData>
+  <dgm:clrData useDef="1">
     <dgm:dataModel>
-      <dgm:ptLst>
-        <dgm:pt modelId="0" type="doc"/>
-        <dgm:pt modelId="1"/>
-        <dgm:pt modelId="11"/>
-        <dgm:pt modelId="2"/>
-        <dgm:pt modelId="21"/>
-        <dgm:pt modelId="3"/>
-        <dgm:pt modelId="31"/>
-        <dgm:pt modelId="4"/>
-        <dgm:pt modelId="41"/>
-      </dgm:ptLst>
-      <dgm:cxnLst>
-        <dgm:cxn modelId="5" srcId="0" destId="1" srcOrd="0" destOrd="0"/>
-        <dgm:cxn modelId="6" srcId="0" destId="2" srcOrd="1" destOrd="0"/>
-        <dgm:cxn modelId="7" srcId="0" destId="3" srcOrd="2" destOrd="0"/>
-        <dgm:cxn modelId="8" srcId="0" destId="4" srcOrd="3" destOrd="0"/>
-        <dgm:cxn modelId="13" srcId="1" destId="11" srcOrd="0" destOrd="0"/>
-        <dgm:cxn modelId="23" srcId="2" destId="21" srcOrd="0" destOrd="0"/>
-        <dgm:cxn modelId="33" srcId="3" destId="31" srcOrd="0" destOrd="0"/>
-        <dgm:cxn modelId="43" srcId="4" destId="41" srcOrd="0" destOrd="0"/>
-      </dgm:cxnLst>
+      <dgm:ptLst/>
       <dgm:bg/>
       <dgm:whole/>
     </dgm:dataModel>
@@ -5852,15 +7948,20 @@
   <dgm:layoutNode name="Name0">
     <dgm:varLst>
       <dgm:dir/>
+      <dgm:animLvl val="lvl"/>
       <dgm:resizeHandles val="exact"/>
     </dgm:varLst>
     <dgm:choose name="Name1">
       <dgm:if name="Name2" func="var" arg="dir" op="equ" val="norm">
-        <dgm:alg type="lin"/>
+        <dgm:alg type="lin">
+          <dgm:param type="linDir" val="fromT"/>
+          <dgm:param type="nodeHorzAlign" val="l"/>
+        </dgm:alg>
       </dgm:if>
       <dgm:else name="Name3">
         <dgm:alg type="lin">
-          <dgm:param type="linDir" val="fromR"/>
+          <dgm:param type="linDir" val="fromT"/>
+          <dgm:param type="nodeHorzAlign" val="r"/>
         </dgm:alg>
       </dgm:else>
     </dgm:choose>
@@ -5869,51 +7970,130 @@
     </dgm:shape>
     <dgm:presOf/>
     <dgm:constrLst>
-      <dgm:constr type="h" for="ch" ptType="node" refType="h"/>
-      <dgm:constr type="w" for="ch" ptType="node" refType="w"/>
-      <dgm:constr type="primFontSz" for="ch" ptType="node" op="equ"/>
-      <dgm:constr type="w" for="ch" forName="sibTrans" refType="w" fact="0.075"/>
+      <dgm:constr type="h" for="ch" forName="linNode" refType="h"/>
+      <dgm:constr type="w" for="ch" forName="linNode" refType="w"/>
+      <dgm:constr type="h" for="ch" forName="spV" refType="primFontSz" refFor="des" refForName="parTx" fact="0.1"/>
+      <dgm:constr type="primFontSz" for="des" forName="parTx" val="65"/>
+      <dgm:constr type="primFontSz" for="des" forName="desTx" refType="primFontSz" refFor="des" refForName="parTx"/>
+      <dgm:constr type="h" for="des" forName="parTx" refType="primFontSz" refFor="des" refForName="parTx" fact="0.55"/>
+      <dgm:constr type="h" for="des" forName="bracket" refType="primFontSz" refFor="des" refForName="parTx" fact="0.55"/>
+      <dgm:constr type="h" for="des" forName="desTx" refType="primFontSz" refFor="des" refForName="parTx" fact="0.55"/>
     </dgm:constrLst>
-    <dgm:ruleLst/>
-    <dgm:forEach name="nodesForEach" axis="ch" ptType="node">
-      <dgm:layoutNode name="node">
-        <dgm:varLst>
-          <dgm:bulletEnabled val="1"/>
-        </dgm:varLst>
-        <dgm:alg type="tx"/>
-        <dgm:choose name="Name4">
-          <dgm:if name="Name5" func="var" arg="dir" op="equ" val="norm">
-            <dgm:shape xmlns:r="http://schemas.openxmlformats.org/officeDocument/2006/relationships" rot="-90" type="flowChartManualOperation" r:blip="">
-              <dgm:adjLst/>
-            </dgm:shape>
+    <dgm:ruleLst>
+      <dgm:rule type="primFontSz" for="des" forName="parTx" val="5" fact="NaN" max="NaN"/>
+    </dgm:ruleLst>
+    <dgm:forEach name="Name4" axis="ch" ptType="node">
+      <dgm:layoutNode name="linNode">
+        <dgm:choose name="Name5">
+          <dgm:if name="Name6" func="var" arg="dir" op="equ" val="norm">
+            <dgm:alg type="lin">
+              <dgm:param type="linDir" val="fromL"/>
+            </dgm:alg>
           </dgm:if>
-          <dgm:else name="Name6">
-            <dgm:shape xmlns:r="http://schemas.openxmlformats.org/officeDocument/2006/relationships" rot="90" type="flowChartManualOperation" r:blip="">
-              <dgm:adjLst/>
-            </dgm:shape>
+          <dgm:else name="Name7">
+            <dgm:alg type="lin">
+              <dgm:param type="linDir" val="fromR"/>
+            </dgm:alg>
           </dgm:else>
         </dgm:choose>
-        <dgm:presOf axis="desOrSelf" ptType="node"/>
+        <dgm:shape xmlns:r="http://schemas.openxmlformats.org/officeDocument/2006/relationships" r:blip="">
+          <dgm:adjLst/>
+        </dgm:shape>
+        <dgm:presOf/>
         <dgm:constrLst>
-          <dgm:constr type="primFontSz" val="65"/>
-          <dgm:constr type="tMarg"/>
-          <dgm:constr type="bMarg"/>
-          <dgm:constr type="lMarg" refType="primFontSz" fact="0.5"/>
-          <dgm:constr type="rMarg" refType="lMarg"/>
+          <dgm:constr type="w" for="ch" forName="parTx" refType="w" fact="0.25"/>
+          <dgm:constr type="w" for="ch" forName="bracket" refType="w" fact="0.05"/>
+          <dgm:constr type="w" for="ch" forName="spH" refType="w" fact="0.02"/>
+          <dgm:constr type="w" for="ch" forName="desTx" refType="w" fact="0.68"/>
+          <dgm:constr type="h" for="ch" forName="bracket" refType="h" refFor="ch" refForName="desTx" op="gte"/>
+          <dgm:constr type="h" for="ch" forName="bracket" refType="h" refFor="ch" refForName="parTx" op="gte"/>
+          <dgm:constr type="h" for="ch" forName="desTx" refType="h" refFor="ch" refForName="parTx" op="gte"/>
         </dgm:constrLst>
-        <dgm:ruleLst>
-          <dgm:rule type="primFontSz" val="5" fact="NaN" max="NaN"/>
-        </dgm:ruleLst>
-      </dgm:layoutNode>
-      <dgm:forEach name="sibTransForEach" axis="followSib" ptType="sibTrans" cnt="1">
-        <dgm:layoutNode name="sibTrans">
-          <dgm:alg type="sp"/>
-          <dgm:shape xmlns:r="http://schemas.openxmlformats.org/officeDocument/2006/relationships" r:blip="">
+        <dgm:ruleLst/>
+        <dgm:layoutNode name="parTx" styleLbl="revTx">
+          <dgm:varLst>
+            <dgm:chMax val="1"/>
+            <dgm:bulletEnabled val="1"/>
+          </dgm:varLst>
+          <dgm:choose name="Name8">
+            <dgm:if name="Name9" func="var" arg="dir" op="equ" val="norm">
+              <dgm:alg type="tx">
+                <dgm:param type="parTxLTRAlign" val="r"/>
+              </dgm:alg>
+            </dgm:if>
+            <dgm:else name="Name10">
+              <dgm:alg type="tx">
+                <dgm:param type="parTxLTRAlign" val="l"/>
+              </dgm:alg>
+            </dgm:else>
+          </dgm:choose>
+          <dgm:shape xmlns:r="http://schemas.openxmlformats.org/officeDocument/2006/relationships" type="rect" r:blip="">
             <dgm:adjLst/>
           </dgm:shape>
+          <dgm:presOf axis="self" ptType="node"/>
+          <dgm:constrLst>
+            <dgm:constr type="tMarg" refType="primFontSz" fact="0.2"/>
+            <dgm:constr type="bMarg" refType="primFontSz" fact="0.2"/>
+          </dgm:constrLst>
+          <dgm:ruleLst>
+            <dgm:rule type="h" val="INF" fact="NaN" max="NaN"/>
+          </dgm:ruleLst>
+        </dgm:layoutNode>
+        <dgm:layoutNode name="bracket" styleLbl="parChTrans1D1">
+          <dgm:alg type="sp"/>
+          <dgm:choose name="Name11">
+            <dgm:if name="Name12" func="var" arg="dir" op="equ" val="norm">
+              <dgm:shape xmlns:r="http://schemas.openxmlformats.org/officeDocument/2006/relationships" type="leftBrace" r:blip="">
+                <dgm:adjLst>
+                  <dgm:adj idx="1" val="0.35"/>
+                </dgm:adjLst>
+              </dgm:shape>
+            </dgm:if>
+            <dgm:else name="Name13">
+              <dgm:shape xmlns:r="http://schemas.openxmlformats.org/officeDocument/2006/relationships" rot="180" type="leftBrace" r:blip="">
+                <dgm:adjLst>
+                  <dgm:adj idx="1" val="0.35"/>
+                </dgm:adjLst>
+              </dgm:shape>
+            </dgm:else>
+          </dgm:choose>
           <dgm:presOf/>
-          <dgm:constrLst/>
-          <dgm:ruleLst/>
+        </dgm:layoutNode>
+        <dgm:layoutNode name="spH">
+          <dgm:alg type="sp"/>
+        </dgm:layoutNode>
+        <dgm:choose name="Name14">
+          <dgm:if name="Name15" axis="ch" ptType="node" func="cnt" op="gte" val="1">
+            <dgm:layoutNode name="desTx" styleLbl="node1">
+              <dgm:varLst>
+                <dgm:bulletEnabled val="1"/>
+              </dgm:varLst>
+              <dgm:alg type="tx">
+                <dgm:param type="stBulletLvl" val="1"/>
+                <dgm:param type="txAnchorVertCh" val="mid"/>
+              </dgm:alg>
+              <dgm:shape xmlns:r="http://schemas.openxmlformats.org/officeDocument/2006/relationships" type="rect" r:blip="">
+                <dgm:adjLst/>
+              </dgm:shape>
+              <dgm:presOf axis="des" ptType="node"/>
+              <dgm:constrLst>
+                <dgm:constr type="secFontSz" refType="primFontSz"/>
+                <dgm:constr type="tMarg" refType="primFontSz" fact="0.3"/>
+                <dgm:constr type="bMarg" refType="primFontSz" fact="0.3"/>
+                <dgm:constr type="lMarg" refType="primFontSz" fact="0.3"/>
+                <dgm:constr type="rMarg" refType="primFontSz" fact="0.3"/>
+              </dgm:constrLst>
+              <dgm:ruleLst>
+                <dgm:rule type="h" val="INF" fact="NaN" max="NaN"/>
+              </dgm:ruleLst>
+            </dgm:layoutNode>
+          </dgm:if>
+          <dgm:else name="Name16"/>
+        </dgm:choose>
+      </dgm:layoutNode>
+      <dgm:forEach name="Name17" axis="followSib" ptType="sibTrans" cnt="1">
+        <dgm:layoutNode name="spV">
+          <dgm:alg type="sp"/>
         </dgm:layoutNode>
       </dgm:forEach>
     </dgm:forEach>
@@ -5921,12 +8101,12 @@
 </dgm:layoutDef>
 </file>
 
-<file path=ppt/diagrams/layout2.xml><?xml version="1.0" encoding="utf-8"?>
-<dgm:layoutDef xmlns:dgm="http://schemas.openxmlformats.org/drawingml/2006/diagram" xmlns:a="http://schemas.openxmlformats.org/drawingml/2006/main" uniqueId="urn:microsoft.com/office/officeart/2005/8/layout/hList6">
+<file path=ppt/diagrams/layout3.xml><?xml version="1.0" encoding="utf-8"?>
+<dgm:layoutDef xmlns:dgm="http://schemas.openxmlformats.org/drawingml/2006/diagram" xmlns:a="http://schemas.openxmlformats.org/drawingml/2006/main" uniqueId="urn:microsoft.com/office/officeart/2005/8/layout/vProcess5">
   <dgm:title val=""/>
   <dgm:desc val=""/>
   <dgm:catLst>
-    <dgm:cat type="list" pri="18000"/>
+    <dgm:cat type="process" pri="14000"/>
   </dgm:catLst>
   <dgm:sampData>
     <dgm:dataModel>
@@ -5935,175 +8115,18 @@
         <dgm:pt modelId="1">
           <dgm:prSet phldr="1"/>
         </dgm:pt>
-        <dgm:pt modelId="11">
-          <dgm:prSet phldr="1"/>
-        </dgm:pt>
-        <dgm:pt modelId="12">
-          <dgm:prSet phldr="1"/>
-        </dgm:pt>
         <dgm:pt modelId="2">
-          <dgm:prSet phldr="1"/>
-        </dgm:pt>
-        <dgm:pt modelId="21">
-          <dgm:prSet phldr="1"/>
-        </dgm:pt>
-        <dgm:pt modelId="22">
           <dgm:prSet phldr="1"/>
         </dgm:pt>
         <dgm:pt modelId="3">
           <dgm:prSet phldr="1"/>
         </dgm:pt>
-        <dgm:pt modelId="31">
-          <dgm:prSet phldr="1"/>
-        </dgm:pt>
-        <dgm:pt modelId="32">
-          <dgm:prSet phldr="1"/>
-        </dgm:pt>
-      </dgm:ptLst>
-      <dgm:cxnLst>
-        <dgm:cxn modelId="4" srcId="0" destId="1" srcOrd="0" destOrd="0"/>
-        <dgm:cxn modelId="5" srcId="0" destId="2" srcOrd="1" destOrd="0"/>
-        <dgm:cxn modelId="6" srcId="0" destId="3" srcOrd="2" destOrd="0"/>
-        <dgm:cxn modelId="13" srcId="1" destId="11" srcOrd="0" destOrd="0"/>
-        <dgm:cxn modelId="14" srcId="1" destId="12" srcOrd="1" destOrd="0"/>
-        <dgm:cxn modelId="23" srcId="2" destId="21" srcOrd="0" destOrd="0"/>
-        <dgm:cxn modelId="24" srcId="2" destId="22" srcOrd="1" destOrd="0"/>
-        <dgm:cxn modelId="33" srcId="3" destId="31" srcOrd="0" destOrd="0"/>
-        <dgm:cxn modelId="34" srcId="3" destId="32" srcOrd="1" destOrd="0"/>
-      </dgm:cxnLst>
-      <dgm:bg/>
-      <dgm:whole/>
-    </dgm:dataModel>
-  </dgm:sampData>
-  <dgm:styleData>
-    <dgm:dataModel>
-      <dgm:ptLst>
-        <dgm:pt modelId="0" type="doc"/>
-        <dgm:pt modelId="1"/>
-        <dgm:pt modelId="11"/>
-        <dgm:pt modelId="2"/>
-        <dgm:pt modelId="21"/>
-      </dgm:ptLst>
-      <dgm:cxnLst>
-        <dgm:cxn modelId="4" srcId="0" destId="1" srcOrd="0" destOrd="0"/>
-        <dgm:cxn modelId="5" srcId="0" destId="2" srcOrd="1" destOrd="0"/>
-        <dgm:cxn modelId="13" srcId="1" destId="11" srcOrd="0" destOrd="0"/>
-        <dgm:cxn modelId="23" srcId="2" destId="21" srcOrd="0" destOrd="0"/>
-      </dgm:cxnLst>
-      <dgm:bg/>
-      <dgm:whole/>
-    </dgm:dataModel>
-  </dgm:styleData>
-  <dgm:clrData>
-    <dgm:dataModel>
-      <dgm:ptLst>
-        <dgm:pt modelId="0" type="doc"/>
-        <dgm:pt modelId="1"/>
-        <dgm:pt modelId="11"/>
-        <dgm:pt modelId="2"/>
-        <dgm:pt modelId="21"/>
-        <dgm:pt modelId="3"/>
-        <dgm:pt modelId="31"/>
-        <dgm:pt modelId="4"/>
-        <dgm:pt modelId="41"/>
       </dgm:ptLst>
       <dgm:cxnLst>
         <dgm:cxn modelId="5" srcId="0" destId="1" srcOrd="0" destOrd="0"/>
         <dgm:cxn modelId="6" srcId="0" destId="2" srcOrd="1" destOrd="0"/>
         <dgm:cxn modelId="7" srcId="0" destId="3" srcOrd="2" destOrd="0"/>
-        <dgm:cxn modelId="8" srcId="0" destId="4" srcOrd="3" destOrd="0"/>
-        <dgm:cxn modelId="13" srcId="1" destId="11" srcOrd="0" destOrd="0"/>
-        <dgm:cxn modelId="23" srcId="2" destId="21" srcOrd="0" destOrd="0"/>
-        <dgm:cxn modelId="33" srcId="3" destId="31" srcOrd="0" destOrd="0"/>
-        <dgm:cxn modelId="43" srcId="4" destId="41" srcOrd="0" destOrd="0"/>
       </dgm:cxnLst>
-      <dgm:bg/>
-      <dgm:whole/>
-    </dgm:dataModel>
-  </dgm:clrData>
-  <dgm:layoutNode name="Name0">
-    <dgm:varLst>
-      <dgm:dir/>
-      <dgm:resizeHandles val="exact"/>
-    </dgm:varLst>
-    <dgm:choose name="Name1">
-      <dgm:if name="Name2" func="var" arg="dir" op="equ" val="norm">
-        <dgm:alg type="lin"/>
-      </dgm:if>
-      <dgm:else name="Name3">
-        <dgm:alg type="lin">
-          <dgm:param type="linDir" val="fromR"/>
-        </dgm:alg>
-      </dgm:else>
-    </dgm:choose>
-    <dgm:shape xmlns:r="http://schemas.openxmlformats.org/officeDocument/2006/relationships" r:blip="">
-      <dgm:adjLst/>
-    </dgm:shape>
-    <dgm:presOf/>
-    <dgm:constrLst>
-      <dgm:constr type="h" for="ch" ptType="node" refType="h"/>
-      <dgm:constr type="w" for="ch" ptType="node" refType="w"/>
-      <dgm:constr type="primFontSz" for="ch" ptType="node" op="equ"/>
-      <dgm:constr type="w" for="ch" forName="sibTrans" refType="w" fact="0.075"/>
-    </dgm:constrLst>
-    <dgm:ruleLst/>
-    <dgm:forEach name="nodesForEach" axis="ch" ptType="node">
-      <dgm:layoutNode name="node">
-        <dgm:varLst>
-          <dgm:bulletEnabled val="1"/>
-        </dgm:varLst>
-        <dgm:alg type="tx"/>
-        <dgm:choose name="Name4">
-          <dgm:if name="Name5" func="var" arg="dir" op="equ" val="norm">
-            <dgm:shape xmlns:r="http://schemas.openxmlformats.org/officeDocument/2006/relationships" rot="-90" type="flowChartManualOperation" r:blip="">
-              <dgm:adjLst/>
-            </dgm:shape>
-          </dgm:if>
-          <dgm:else name="Name6">
-            <dgm:shape xmlns:r="http://schemas.openxmlformats.org/officeDocument/2006/relationships" rot="90" type="flowChartManualOperation" r:blip="">
-              <dgm:adjLst/>
-            </dgm:shape>
-          </dgm:else>
-        </dgm:choose>
-        <dgm:presOf axis="desOrSelf" ptType="node"/>
-        <dgm:constrLst>
-          <dgm:constr type="primFontSz" val="65"/>
-          <dgm:constr type="tMarg"/>
-          <dgm:constr type="bMarg"/>
-          <dgm:constr type="lMarg" refType="primFontSz" fact="0.5"/>
-          <dgm:constr type="rMarg" refType="lMarg"/>
-        </dgm:constrLst>
-        <dgm:ruleLst>
-          <dgm:rule type="primFontSz" val="5" fact="NaN" max="NaN"/>
-        </dgm:ruleLst>
-      </dgm:layoutNode>
-      <dgm:forEach name="sibTransForEach" axis="followSib" ptType="sibTrans" cnt="1">
-        <dgm:layoutNode name="sibTrans">
-          <dgm:alg type="sp"/>
-          <dgm:shape xmlns:r="http://schemas.openxmlformats.org/officeDocument/2006/relationships" r:blip="">
-            <dgm:adjLst/>
-          </dgm:shape>
-          <dgm:presOf/>
-          <dgm:constrLst/>
-          <dgm:ruleLst/>
-        </dgm:layoutNode>
-      </dgm:forEach>
-    </dgm:forEach>
-  </dgm:layoutNode>
-</dgm:layoutDef>
-</file>
-
-<file path=ppt/diagrams/layout3.xml><?xml version="1.0" encoding="utf-8"?>
-<dgm:layoutDef xmlns:dgm="http://schemas.openxmlformats.org/drawingml/2006/diagram" xmlns:a="http://schemas.openxmlformats.org/drawingml/2006/main" uniqueId="urn:microsoft.com/office/officeart/2005/8/layout/process1">
-  <dgm:title val=""/>
-  <dgm:desc val=""/>
-  <dgm:catLst>
-    <dgm:cat type="process" pri="1000"/>
-    <dgm:cat type="convert" pri="15000"/>
-  </dgm:catLst>
-  <dgm:sampData useDef="1">
-    <dgm:dataModel>
-      <dgm:ptLst/>
       <dgm:bg/>
       <dgm:whole/>
     </dgm:dataModel>
@@ -6133,108 +8156,1173 @@
         <dgm:pt modelId="4"/>
       </dgm:ptLst>
       <dgm:cxnLst>
-        <dgm:cxn modelId="5" srcId="0" destId="1" srcOrd="0" destOrd="0"/>
-        <dgm:cxn modelId="6" srcId="0" destId="2" srcOrd="1" destOrd="0"/>
-        <dgm:cxn modelId="7" srcId="0" destId="3" srcOrd="2" destOrd="0"/>
-        <dgm:cxn modelId="8" srcId="0" destId="4" srcOrd="3" destOrd="0"/>
+        <dgm:cxn modelId="6" srcId="0" destId="1" srcOrd="0" destOrd="0"/>
+        <dgm:cxn modelId="7" srcId="0" destId="2" srcOrd="1" destOrd="0"/>
+        <dgm:cxn modelId="8" srcId="0" destId="3" srcOrd="2" destOrd="0"/>
+        <dgm:cxn modelId="9" srcId="0" destId="4" srcOrd="3" destOrd="0"/>
       </dgm:cxnLst>
       <dgm:bg/>
       <dgm:whole/>
     </dgm:dataModel>
   </dgm:clrData>
-  <dgm:layoutNode name="Name0">
+  <dgm:layoutNode name="outerComposite">
     <dgm:varLst>
+      <dgm:chMax val="5"/>
       <dgm:dir/>
       <dgm:resizeHandles val="exact"/>
     </dgm:varLst>
-    <dgm:choose name="Name1">
-      <dgm:if name="Name2" func="var" arg="dir" op="equ" val="norm">
-        <dgm:alg type="lin"/>
-      </dgm:if>
-      <dgm:else name="Name3">
-        <dgm:alg type="lin">
-          <dgm:param type="linDir" val="fromR"/>
-        </dgm:alg>
-      </dgm:else>
-    </dgm:choose>
+    <dgm:alg type="composite"/>
     <dgm:shape xmlns:r="http://schemas.openxmlformats.org/officeDocument/2006/relationships" r:blip="">
       <dgm:adjLst/>
     </dgm:shape>
     <dgm:presOf/>
-    <dgm:constrLst>
-      <dgm:constr type="w" for="ch" ptType="node" refType="w"/>
-      <dgm:constr type="h" for="ch" ptType="node" op="equ"/>
-      <dgm:constr type="primFontSz" for="ch" ptType="node" op="equ" val="65"/>
-      <dgm:constr type="w" for="ch" ptType="sibTrans" refType="w" refFor="ch" refPtType="node" op="equ" fact="0.4"/>
-      <dgm:constr type="h" for="ch" ptType="sibTrans" op="equ"/>
-      <dgm:constr type="primFontSz" for="des" forName="connectorText" op="equ" val="55"/>
-      <dgm:constr type="primFontSz" for="des" forName="connectorText" refType="primFontSz" refFor="ch" refPtType="node" op="lte" fact="0.8"/>
-    </dgm:constrLst>
+    <dgm:choose name="Name0">
+      <dgm:if name="Name1" func="var" arg="dir" op="equ" val="norm">
+        <dgm:constrLst>
+          <dgm:constr type="primFontSz" for="ch" ptType="node" op="equ" val="65"/>
+          <dgm:constr type="w" for="ch" forName="dummyMaxCanvas" refType="w"/>
+          <dgm:constr type="h" for="ch" forName="dummyMaxCanvas" refType="h"/>
+          <dgm:constr type="w" for="ch" forName="OneNode_1" refType="w"/>
+          <dgm:constr type="h" for="ch" forName="OneNode_1" refType="h" fact="0.5"/>
+          <dgm:constr type="ctrY" for="ch" forName="OneNode_1" refType="h" fact="0.5"/>
+          <dgm:constr type="w" for="ch" forName="TwoNodes_1" refType="w" fact="0.85"/>
+          <dgm:constr type="h" for="ch" forName="TwoNodes_1" refType="h" fact="0.45"/>
+          <dgm:constr type="t" for="ch" forName="TwoNodes_1"/>
+          <dgm:constr type="l" for="ch" forName="TwoNodes_1"/>
+          <dgm:constr type="w" for="ch" forName="TwoNodes_2" refType="w" fact="0.85"/>
+          <dgm:constr type="h" for="ch" forName="TwoNodes_2" refType="h" fact="0.45"/>
+          <dgm:constr type="b" for="ch" forName="TwoNodes_2" refType="h"/>
+          <dgm:constr type="r" for="ch" forName="TwoNodes_2" refType="w"/>
+          <dgm:constr type="w" for="ch" forName="TwoConn_1-2" refType="h" refFor="ch" refForName="TwoNodes_1" fact="0.65"/>
+          <dgm:constr type="h" for="ch" forName="TwoConn_1-2" refType="h" refFor="ch" refForName="TwoNodes_1" fact="0.65"/>
+          <dgm:constr type="ctrY" for="ch" forName="TwoConn_1-2" refType="h" fact="0.5"/>
+          <dgm:constr type="r" for="ch" forName="TwoConn_1-2" refType="r" refFor="ch" refForName="TwoNodes_1"/>
+          <dgm:constr type="r" for="ch" forName="TwoNodes_1_text" refType="l" refFor="ch" refForName="TwoConn_1-2"/>
+          <dgm:constr type="rOff" for="ch" forName="TwoNodes_1_text" refType="w" refFor="ch" refForName="TwoConn_1-2" fact="-0.5"/>
+          <dgm:constr type="t" for="ch" forName="TwoNodes_1_text" refType="t" refFor="ch" refForName="TwoNodes_1"/>
+          <dgm:constr type="b" for="ch" forName="TwoNodes_1_text" refType="b" refFor="ch" refForName="TwoNodes_1"/>
+          <dgm:constr type="l" for="ch" forName="TwoNodes_1_text" refType="l" refFor="ch" refForName="TwoNodes_1"/>
+          <dgm:constr type="r" for="ch" forName="TwoNodes_2_text" refType="l" refFor="ch" refForName="TwoConn_1-2"/>
+          <dgm:constr type="t" for="ch" forName="TwoNodes_2_text" refType="t" refFor="ch" refForName="TwoNodes_2"/>
+          <dgm:constr type="b" for="ch" forName="TwoNodes_2_text" refType="b" refFor="ch" refForName="TwoNodes_2"/>
+          <dgm:constr type="l" for="ch" forName="TwoNodes_2_text" refType="l" refFor="ch" refForName="TwoNodes_2"/>
+          <dgm:constr type="w" for="ch" forName="ThreeNodes_1" refType="w" fact="0.85"/>
+          <dgm:constr type="h" for="ch" forName="ThreeNodes_1" refType="h" fact="0.3"/>
+          <dgm:constr type="t" for="ch" forName="ThreeNodes_1"/>
+          <dgm:constr type="l" for="ch" forName="ThreeNodes_1"/>
+          <dgm:constr type="w" for="ch" forName="ThreeNodes_2" refType="w" fact="0.85"/>
+          <dgm:constr type="h" for="ch" forName="ThreeNodes_2" refType="h" fact="0.3"/>
+          <dgm:constr type="ctrY" for="ch" forName="ThreeNodes_2" refType="h" fact="0.5"/>
+          <dgm:constr type="ctrX" for="ch" forName="ThreeNodes_2" refType="w" fact="0.5"/>
+          <dgm:constr type="w" for="ch" forName="ThreeNodes_3" refType="w" fact="0.85"/>
+          <dgm:constr type="h" for="ch" forName="ThreeNodes_3" refType="h" fact="0.3"/>
+          <dgm:constr type="b" for="ch" forName="ThreeNodes_3" refType="h"/>
+          <dgm:constr type="r" for="ch" forName="ThreeNodes_3" refType="w"/>
+          <dgm:constr type="w" for="ch" forName="ThreeConn_1-2" refType="h" refFor="ch" refForName="ThreeNodes_1" fact="0.65"/>
+          <dgm:constr type="h" for="ch" forName="ThreeConn_1-2" refType="h" refFor="ch" refForName="ThreeNodes_1" fact="0.65"/>
+          <dgm:constr type="ctrY" for="ch" forName="ThreeConn_1-2" refType="h" fact="0.325"/>
+          <dgm:constr type="r" for="ch" forName="ThreeConn_1-2" refType="r" refFor="ch" refForName="ThreeNodes_1"/>
+          <dgm:constr type="w" for="ch" forName="ThreeConn_2-3" refType="h" refFor="ch" refForName="ThreeNodes_2" fact="0.65"/>
+          <dgm:constr type="h" for="ch" forName="ThreeConn_2-3" refType="h" refFor="ch" refForName="ThreeNodes_2" fact="0.65"/>
+          <dgm:constr type="ctrY" for="ch" forName="ThreeConn_2-3" refType="h" fact="0.673"/>
+          <dgm:constr type="r" for="ch" forName="ThreeConn_2-3" refType="r" refFor="ch" refForName="ThreeNodes_2"/>
+          <dgm:constr type="r" for="ch" forName="ThreeNodes_1_text" refType="l" refFor="ch" refForName="ThreeConn_1-2"/>
+          <dgm:constr type="rOff" for="ch" forName="ThreeNodes_1_text" refType="w" refFor="ch" refForName="ThreeConn_1-2" fact="-0.57"/>
+          <dgm:constr type="t" for="ch" forName="ThreeNodes_1_text" refType="t" refFor="ch" refForName="ThreeNodes_1"/>
+          <dgm:constr type="b" for="ch" forName="ThreeNodes_1_text" refType="b" refFor="ch" refForName="ThreeNodes_1"/>
+          <dgm:constr type="l" for="ch" forName="ThreeNodes_1_text" refType="l" refFor="ch" refForName="ThreeNodes_1"/>
+          <dgm:constr type="r" for="ch" forName="ThreeNodes_2_text" refType="l" refFor="ch" refForName="ThreeConn_1-2"/>
+          <dgm:constr type="t" for="ch" forName="ThreeNodes_2_text" refType="t" refFor="ch" refForName="ThreeNodes_2"/>
+          <dgm:constr type="b" for="ch" forName="ThreeNodes_2_text" refType="b" refFor="ch" refForName="ThreeNodes_2"/>
+          <dgm:constr type="l" for="ch" forName="ThreeNodes_2_text" refType="l" refFor="ch" refForName="ThreeNodes_2"/>
+          <dgm:constr type="r" for="ch" forName="ThreeNodes_3_text" refType="l" refFor="ch" refForName="ThreeConn_2-3"/>
+          <dgm:constr type="t" for="ch" forName="ThreeNodes_3_text" refType="t" refFor="ch" refForName="ThreeNodes_3"/>
+          <dgm:constr type="b" for="ch" forName="ThreeNodes_3_text" refType="b" refFor="ch" refForName="ThreeNodes_3"/>
+          <dgm:constr type="l" for="ch" forName="ThreeNodes_3_text" refType="l" refFor="ch" refForName="ThreeNodes_3"/>
+          <dgm:constr type="w" for="ch" forName="FourNodes_1" refType="w" fact="0.8"/>
+          <dgm:constr type="h" for="ch" forName="FourNodes_1" refType="h" fact="0.22"/>
+          <dgm:constr type="t" for="ch" forName="FourNodes_1"/>
+          <dgm:constr type="l" for="ch" forName="FourNodes_1"/>
+          <dgm:constr type="w" for="ch" forName="FourNodes_2" refType="w" fact="0.8"/>
+          <dgm:constr type="h" for="ch" forName="FourNodes_2" refType="h" fact="0.22"/>
+          <dgm:constr type="ctrY" for="ch" forName="FourNodes_2" refType="h" fact="0.37"/>
+          <dgm:constr type="ctrX" for="ch" forName="FourNodes_2" refType="w" fact="0.467"/>
+          <dgm:constr type="w" for="ch" forName="FourNodes_3" refType="w" fact="0.8"/>
+          <dgm:constr type="h" for="ch" forName="FourNodes_3" refType="h" fact="0.22"/>
+          <dgm:constr type="ctrY" for="ch" forName="FourNodes_3" refType="h" fact="0.63"/>
+          <dgm:constr type="ctrX" for="ch" forName="FourNodes_3" refType="w" fact="0.533"/>
+          <dgm:constr type="w" for="ch" forName="FourNodes_4" refType="w" fact="0.8"/>
+          <dgm:constr type="h" for="ch" forName="FourNodes_4" refType="h" fact="0.22"/>
+          <dgm:constr type="b" for="ch" forName="FourNodes_4" refType="h"/>
+          <dgm:constr type="r" for="ch" forName="FourNodes_4" refType="w"/>
+          <dgm:constr type="w" for="ch" forName="FourConn_1-2" refType="h" refFor="ch" refForName="FourNodes_1" fact="0.65"/>
+          <dgm:constr type="h" for="ch" forName="FourConn_1-2" refType="h" refFor="ch" refForName="FourNodes_1" fact="0.65"/>
+          <dgm:constr type="ctrY" for="ch" forName="FourConn_1-2" refType="h" fact="0.24"/>
+          <dgm:constr type="r" for="ch" forName="FourConn_1-2" refType="r" refFor="ch" refForName="FourNodes_1"/>
+          <dgm:constr type="w" for="ch" forName="FourConn_2-3" refType="h" refFor="ch" refForName="FourNodes_2" fact="0.65"/>
+          <dgm:constr type="h" for="ch" forName="FourConn_2-3" refType="h" refFor="ch" refForName="FourNodes_2" fact="0.65"/>
+          <dgm:constr type="ctrY" for="ch" forName="FourConn_2-3" refType="h" fact="0.5"/>
+          <dgm:constr type="r" for="ch" forName="FourConn_2-3" refType="r" refFor="ch" refForName="FourNodes_2"/>
+          <dgm:constr type="w" for="ch" forName="FourConn_3-4" refType="h" refFor="ch" refForName="FourNodes_3" fact="0.65"/>
+          <dgm:constr type="h" for="ch" forName="FourConn_3-4" refType="h" refFor="ch" refForName="FourNodes_3" fact="0.65"/>
+          <dgm:constr type="ctrY" for="ch" forName="FourConn_3-4" refType="h" fact="0.76"/>
+          <dgm:constr type="r" for="ch" forName="FourConn_3-4" refType="r" refFor="ch" refForName="FourNodes_3"/>
+          <dgm:constr type="r" for="ch" forName="FourNodes_1_text" refType="l" refFor="ch" refForName="FourConn_1-2"/>
+          <dgm:constr type="rOff" for="ch" forName="FourNodes_1_text" refType="w" refFor="ch" refForName="FourConn_1-2" fact="-0.7"/>
+          <dgm:constr type="t" for="ch" forName="FourNodes_1_text" refType="t" refFor="ch" refForName="FourNodes_1"/>
+          <dgm:constr type="b" for="ch" forName="FourNodes_1_text" refType="b" refFor="ch" refForName="FourNodes_1"/>
+          <dgm:constr type="l" for="ch" forName="FourNodes_1_text" refType="l" refFor="ch" refForName="FourNodes_1"/>
+          <dgm:constr type="r" for="ch" forName="FourNodes_2_text" refType="l" refFor="ch" refForName="FourConn_1-2"/>
+          <dgm:constr type="t" for="ch" forName="FourNodes_2_text" refType="t" refFor="ch" refForName="FourNodes_2"/>
+          <dgm:constr type="b" for="ch" forName="FourNodes_2_text" refType="b" refFor="ch" refForName="FourNodes_2"/>
+          <dgm:constr type="l" for="ch" forName="FourNodes_2_text" refType="l" refFor="ch" refForName="FourNodes_2"/>
+          <dgm:constr type="r" for="ch" forName="FourNodes_3_text" refType="l" refFor="ch" refForName="FourConn_2-3"/>
+          <dgm:constr type="t" for="ch" forName="FourNodes_3_text" refType="t" refFor="ch" refForName="FourNodes_3"/>
+          <dgm:constr type="b" for="ch" forName="FourNodes_3_text" refType="b" refFor="ch" refForName="FourNodes_3"/>
+          <dgm:constr type="l" for="ch" forName="FourNodes_3_text" refType="l" refFor="ch" refForName="FourNodes_3"/>
+          <dgm:constr type="r" for="ch" forName="FourNodes_4_text" refType="l" refFor="ch" refForName="FourConn_3-4"/>
+          <dgm:constr type="t" for="ch" forName="FourNodes_4_text" refType="t" refFor="ch" refForName="FourNodes_4"/>
+          <dgm:constr type="b" for="ch" forName="FourNodes_4_text" refType="b" refFor="ch" refForName="FourNodes_4"/>
+          <dgm:constr type="l" for="ch" forName="FourNodes_4_text" refType="l" refFor="ch" refForName="FourNodes_4"/>
+          <dgm:constr type="w" for="ch" forName="FiveNodes_1" refType="w" fact="0.77"/>
+          <dgm:constr type="h" for="ch" forName="FiveNodes_1" refType="h" fact="0.18"/>
+          <dgm:constr type="t" for="ch" forName="FiveNodes_1"/>
+          <dgm:constr type="l" for="ch" forName="FiveNodes_1"/>
+          <dgm:constr type="w" for="ch" forName="FiveNodes_2" refType="w" fact="0.77"/>
+          <dgm:constr type="h" for="ch" forName="FiveNodes_2" refType="h" fact="0.18"/>
+          <dgm:constr type="ctrY" for="ch" forName="FiveNodes_2" refType="h" fact="0.295"/>
+          <dgm:constr type="ctrX" for="ch" forName="FiveNodes_2" refType="w" fact="0.4425"/>
+          <dgm:constr type="w" for="ch" forName="FiveNodes_3" refType="w" fact="0.77"/>
+          <dgm:constr type="h" for="ch" forName="FiveNodes_3" refType="h" fact="0.18"/>
+          <dgm:constr type="ctrY" for="ch" forName="FiveNodes_3" refType="h" fact="0.5"/>
+          <dgm:constr type="ctrX" for="ch" forName="FiveNodes_3" refType="w" fact="0.5"/>
+          <dgm:constr type="w" for="ch" forName="FiveNodes_4" refType="w" fact="0.77"/>
+          <dgm:constr type="h" for="ch" forName="FiveNodes_4" refType="h" fact="0.18"/>
+          <dgm:constr type="ctrY" for="ch" forName="FiveNodes_4" refType="h" fact="0.705"/>
+          <dgm:constr type="ctrX" for="ch" forName="FiveNodes_4" refType="w" fact="0.5575"/>
+          <dgm:constr type="w" for="ch" forName="FiveNodes_5" refType="w" fact="0.77"/>
+          <dgm:constr type="h" for="ch" forName="FiveNodes_5" refType="h" fact="0.18"/>
+          <dgm:constr type="b" for="ch" forName="FiveNodes_5" refType="h"/>
+          <dgm:constr type="r" for="ch" forName="FiveNodes_5" refType="w"/>
+          <dgm:constr type="w" for="ch" forName="FiveConn_1-2" refType="h" refFor="ch" refForName="FiveNodes_1" fact="0.65"/>
+          <dgm:constr type="h" for="ch" forName="FiveConn_1-2" refType="h" refFor="ch" refForName="FiveNodes_1" fact="0.65"/>
+          <dgm:constr type="ctrY" for="ch" forName="FiveConn_1-2" refType="h" fact="0.19"/>
+          <dgm:constr type="r" for="ch" forName="FiveConn_1-2" refType="r" refFor="ch" refForName="FiveNodes_1"/>
+          <dgm:constr type="w" for="ch" forName="FiveConn_2-3" refType="h" refFor="ch" refForName="FiveNodes_2" fact="0.65"/>
+          <dgm:constr type="h" for="ch" forName="FiveConn_2-3" refType="h" refFor="ch" refForName="FiveNodes_2" fact="0.65"/>
+          <dgm:constr type="ctrY" for="ch" forName="FiveConn_2-3" refType="h" fact="0.395"/>
+          <dgm:constr type="r" for="ch" forName="FiveConn_2-3" refType="r" refFor="ch" refForName="FiveNodes_2"/>
+          <dgm:constr type="w" for="ch" forName="FiveConn_3-4" refType="h" refFor="ch" refForName="FiveNodes_3" fact="0.65"/>
+          <dgm:constr type="h" for="ch" forName="FiveConn_3-4" refType="h" refFor="ch" refForName="FiveNodes_3" fact="0.65"/>
+          <dgm:constr type="ctrY" for="ch" forName="FiveConn_3-4" refType="h" fact="0.597"/>
+          <dgm:constr type="r" for="ch" forName="FiveConn_3-4" refType="r" refFor="ch" refForName="FiveNodes_3"/>
+          <dgm:constr type="w" for="ch" forName="FiveConn_4-5" refType="h" refFor="ch" refForName="FiveNodes_4" fact="0.65"/>
+          <dgm:constr type="h" for="ch" forName="FiveConn_4-5" refType="h" refFor="ch" refForName="FiveNodes_4" fact="0.65"/>
+          <dgm:constr type="ctrY" for="ch" forName="FiveConn_4-5" refType="h" fact="0.804"/>
+          <dgm:constr type="r" for="ch" forName="FiveConn_4-5" refType="r" refFor="ch" refForName="FiveNodes_4"/>
+          <dgm:constr type="r" for="ch" forName="FiveNodes_1_text" refType="l" refFor="ch" refForName="FiveConn_1-2"/>
+          <dgm:constr type="rOff" for="ch" forName="FiveNodes_1_text" refType="w" refFor="ch" refForName="FiveConn_1-2" fact="-0.75"/>
+          <dgm:constr type="t" for="ch" forName="FiveNodes_1_text" refType="t" refFor="ch" refForName="FiveNodes_1"/>
+          <dgm:constr type="b" for="ch" forName="FiveNodes_1_text" refType="b" refFor="ch" refForName="FiveNodes_1"/>
+          <dgm:constr type="l" for="ch" forName="FiveNodes_1_text" refType="l" refFor="ch" refForName="FiveNodes_1"/>
+          <dgm:constr type="r" for="ch" forName="FiveNodes_2_text" refType="l" refFor="ch" refForName="FiveConn_1-2"/>
+          <dgm:constr type="t" for="ch" forName="FiveNodes_2_text" refType="t" refFor="ch" refForName="FiveNodes_2"/>
+          <dgm:constr type="b" for="ch" forName="FiveNodes_2_text" refType="b" refFor="ch" refForName="FiveNodes_2"/>
+          <dgm:constr type="l" for="ch" forName="FiveNodes_2_text" refType="l" refFor="ch" refForName="FiveNodes_2"/>
+          <dgm:constr type="r" for="ch" forName="FiveNodes_3_text" refType="l" refFor="ch" refForName="FiveConn_2-3"/>
+          <dgm:constr type="t" for="ch" forName="FiveNodes_3_text" refType="t" refFor="ch" refForName="FiveNodes_3"/>
+          <dgm:constr type="b" for="ch" forName="FiveNodes_3_text" refType="b" refFor="ch" refForName="FiveNodes_3"/>
+          <dgm:constr type="l" for="ch" forName="FiveNodes_3_text" refType="l" refFor="ch" refForName="FiveNodes_3"/>
+          <dgm:constr type="r" for="ch" forName="FiveNodes_4_text" refType="l" refFor="ch" refForName="FiveConn_3-4"/>
+          <dgm:constr type="t" for="ch" forName="FiveNodes_4_text" refType="t" refFor="ch" refForName="FiveNodes_4"/>
+          <dgm:constr type="b" for="ch" forName="FiveNodes_4_text" refType="b" refFor="ch" refForName="FiveNodes_4"/>
+          <dgm:constr type="l" for="ch" forName="FiveNodes_4_text" refType="l" refFor="ch" refForName="FiveNodes_4"/>
+          <dgm:constr type="r" for="ch" forName="FiveNodes_5_text" refType="l" refFor="ch" refForName="FiveConn_4-5"/>
+          <dgm:constr type="t" for="ch" forName="FiveNodes_5_text" refType="t" refFor="ch" refForName="FiveNodes_5"/>
+          <dgm:constr type="b" for="ch" forName="FiveNodes_5_text" refType="b" refFor="ch" refForName="FiveNodes_5"/>
+          <dgm:constr type="l" for="ch" forName="FiveNodes_5_text" refType="l" refFor="ch" refForName="FiveNodes_5"/>
+        </dgm:constrLst>
+      </dgm:if>
+      <dgm:else name="Name2">
+        <dgm:constrLst>
+          <dgm:constr type="primFontSz" for="ch" ptType="node" op="equ" val="65"/>
+          <dgm:constr type="w" for="ch" forName="dummyMaxCanvas" refType="w"/>
+          <dgm:constr type="h" for="ch" forName="dummyMaxCanvas" refType="h"/>
+          <dgm:constr type="w" for="ch" forName="OneNode_1" refType="w"/>
+          <dgm:constr type="h" for="ch" forName="OneNode_1" refType="h" fact="0.5"/>
+          <dgm:constr type="ctrY" for="ch" forName="OneNode_1" refType="h" fact="0.5"/>
+          <dgm:constr type="w" for="ch" forName="TwoNodes_1" refType="w" fact="0.85"/>
+          <dgm:constr type="h" for="ch" forName="TwoNodes_1" refType="h" fact="0.45"/>
+          <dgm:constr type="t" for="ch" forName="TwoNodes_1"/>
+          <dgm:constr type="r" for="ch" forName="TwoNodes_1" refType="w"/>
+          <dgm:constr type="w" for="ch" forName="TwoNodes_2" refType="w" fact="0.85"/>
+          <dgm:constr type="h" for="ch" forName="TwoNodes_2" refType="h" fact="0.45"/>
+          <dgm:constr type="b" for="ch" forName="TwoNodes_2" refType="h"/>
+          <dgm:constr type="l" for="ch" forName="TwoNodes_2"/>
+          <dgm:constr type="w" for="ch" forName="TwoConn_1-2" refType="h" refFor="ch" refForName="TwoNodes_1" fact="0.65"/>
+          <dgm:constr type="h" for="ch" forName="TwoConn_1-2" refType="h" refFor="ch" refForName="TwoNodes_1" fact="0.65"/>
+          <dgm:constr type="ctrY" for="ch" forName="TwoConn_1-2" refType="h" fact="0.5"/>
+          <dgm:constr type="l" for="ch" forName="TwoConn_1-2" refType="l" refFor="ch" refForName="TwoNodes_1"/>
+          <dgm:constr type="l" for="ch" forName="TwoNodes_1_text" refType="r" refFor="ch" refForName="TwoConn_1-2"/>
+          <dgm:constr type="lOff" for="ch" forName="TwoNodes_1_text" refType="w" refFor="ch" refForName="TwoConn_1-2" fact="0.5"/>
+          <dgm:constr type="t" for="ch" forName="TwoNodes_1_text" refType="t" refFor="ch" refForName="TwoNodes_1"/>
+          <dgm:constr type="b" for="ch" forName="TwoNodes_1_text" refType="b" refFor="ch" refForName="TwoNodes_1"/>
+          <dgm:constr type="r" for="ch" forName="TwoNodes_1_text" refType="r" refFor="ch" refForName="TwoNodes_1"/>
+          <dgm:constr type="l" for="ch" forName="TwoNodes_2_text" refType="r" refFor="ch" refForName="TwoConn_1-2"/>
+          <dgm:constr type="t" for="ch" forName="TwoNodes_2_text" refType="t" refFor="ch" refForName="TwoNodes_2"/>
+          <dgm:constr type="b" for="ch" forName="TwoNodes_2_text" refType="b" refFor="ch" refForName="TwoNodes_2"/>
+          <dgm:constr type="r" for="ch" forName="TwoNodes_2_text" refType="r" refFor="ch" refForName="TwoNodes_2"/>
+          <dgm:constr type="w" for="ch" forName="ThreeNodes_1" refType="w" fact="0.85"/>
+          <dgm:constr type="h" for="ch" forName="ThreeNodes_1" refType="h" fact="0.3"/>
+          <dgm:constr type="t" for="ch" forName="ThreeNodes_1"/>
+          <dgm:constr type="r" for="ch" forName="ThreeNodes_1" refType="w"/>
+          <dgm:constr type="w" for="ch" forName="ThreeNodes_2" refType="w" fact="0.85"/>
+          <dgm:constr type="h" for="ch" forName="ThreeNodes_2" refType="h" fact="0.3"/>
+          <dgm:constr type="ctrY" for="ch" forName="ThreeNodes_2" refType="h" fact="0.5"/>
+          <dgm:constr type="ctrX" for="ch" forName="ThreeNodes_2" refType="w" fact="0.5"/>
+          <dgm:constr type="w" for="ch" forName="ThreeNodes_3" refType="w" fact="0.85"/>
+          <dgm:constr type="h" for="ch" forName="ThreeNodes_3" refType="h" fact="0.3"/>
+          <dgm:constr type="b" for="ch" forName="ThreeNodes_3" refType="h"/>
+          <dgm:constr type="l" for="ch" forName="ThreeNodes_3"/>
+          <dgm:constr type="w" for="ch" forName="ThreeConn_1-2" refType="h" refFor="ch" refForName="ThreeNodes_1" fact="0.65"/>
+          <dgm:constr type="h" for="ch" forName="ThreeConn_1-2" refType="h" refFor="ch" refForName="ThreeNodes_1" fact="0.65"/>
+          <dgm:constr type="ctrY" for="ch" forName="ThreeConn_1-2" refType="h" fact="0.325"/>
+          <dgm:constr type="l" for="ch" forName="ThreeConn_1-2" refType="l" refFor="ch" refForName="ThreeNodes_1"/>
+          <dgm:constr type="w" for="ch" forName="ThreeConn_2-3" refType="h" refFor="ch" refForName="ThreeNodes_2" fact="0.65"/>
+          <dgm:constr type="h" for="ch" forName="ThreeConn_2-3" refType="h" refFor="ch" refForName="ThreeNodes_2" fact="0.65"/>
+          <dgm:constr type="ctrY" for="ch" forName="ThreeConn_2-3" refType="h" fact="0.673"/>
+          <dgm:constr type="l" for="ch" forName="ThreeConn_2-3" refType="l" refFor="ch" refForName="ThreeNodes_2"/>
+          <dgm:constr type="l" for="ch" forName="ThreeNodes_1_text" refType="r" refFor="ch" refForName="ThreeConn_1-2"/>
+          <dgm:constr type="lOff" for="ch" forName="ThreeNodes_1_text" refType="w" refFor="ch" refForName="ThreeConn_1-2" fact="0.55"/>
+          <dgm:constr type="t" for="ch" forName="ThreeNodes_1_text" refType="t" refFor="ch" refForName="ThreeNodes_1"/>
+          <dgm:constr type="b" for="ch" forName="ThreeNodes_1_text" refType="b" refFor="ch" refForName="ThreeNodes_1"/>
+          <dgm:constr type="r" for="ch" forName="ThreeNodes_1_text" refType="r" refFor="ch" refForName="ThreeNodes_1"/>
+          <dgm:constr type="l" for="ch" forName="ThreeNodes_2_text" refType="r" refFor="ch" refForName="ThreeConn_1-2"/>
+          <dgm:constr type="t" for="ch" forName="ThreeNodes_2_text" refType="t" refFor="ch" refForName="ThreeNodes_2"/>
+          <dgm:constr type="b" for="ch" forName="ThreeNodes_2_text" refType="b" refFor="ch" refForName="ThreeNodes_2"/>
+          <dgm:constr type="r" for="ch" forName="ThreeNodes_2_text" refType="r" refFor="ch" refForName="ThreeNodes_2"/>
+          <dgm:constr type="l" for="ch" forName="ThreeNodes_3_text" refType="r" refFor="ch" refForName="ThreeConn_2-3"/>
+          <dgm:constr type="t" for="ch" forName="ThreeNodes_3_text" refType="t" refFor="ch" refForName="ThreeNodes_3"/>
+          <dgm:constr type="b" for="ch" forName="ThreeNodes_3_text" refType="b" refFor="ch" refForName="ThreeNodes_3"/>
+          <dgm:constr type="r" for="ch" forName="ThreeNodes_3_text" refType="r" refFor="ch" refForName="ThreeNodes_3"/>
+          <dgm:constr type="w" for="ch" forName="FourNodes_1" refType="w" fact="0.8"/>
+          <dgm:constr type="h" for="ch" forName="FourNodes_1" refType="h" fact="0.22"/>
+          <dgm:constr type="t" for="ch" forName="FourNodes_1"/>
+          <dgm:constr type="r" for="ch" forName="FourNodes_1" refType="w"/>
+          <dgm:constr type="w" for="ch" forName="FourNodes_2" refType="w" fact="0.8"/>
+          <dgm:constr type="h" for="ch" forName="FourNodes_2" refType="h" fact="0.22"/>
+          <dgm:constr type="ctrY" for="ch" forName="FourNodes_2" refType="h" fact="0.37"/>
+          <dgm:constr type="ctrX" for="ch" forName="FourNodes_2" refType="w" fact="0.533"/>
+          <dgm:constr type="w" for="ch" forName="FourNodes_3" refType="w" fact="0.8"/>
+          <dgm:constr type="h" for="ch" forName="FourNodes_3" refType="h" fact="0.22"/>
+          <dgm:constr type="ctrY" for="ch" forName="FourNodes_3" refType="h" fact="0.63"/>
+          <dgm:constr type="ctrX" for="ch" forName="FourNodes_3" refType="w" fact="0.467"/>
+          <dgm:constr type="w" for="ch" forName="FourNodes_4" refType="w" fact="0.8"/>
+          <dgm:constr type="h" for="ch" forName="FourNodes_4" refType="h" fact="0.22"/>
+          <dgm:constr type="b" for="ch" forName="FourNodes_4" refType="h"/>
+          <dgm:constr type="l" for="ch" forName="FourNodes_4"/>
+          <dgm:constr type="w" for="ch" forName="FourConn_1-2" refType="h" refFor="ch" refForName="FourNodes_1" fact="0.65"/>
+          <dgm:constr type="h" for="ch" forName="FourConn_1-2" refType="h" refFor="ch" refForName="FourNodes_1" fact="0.65"/>
+          <dgm:constr type="ctrY" for="ch" forName="FourConn_1-2" refType="h" fact="0.24"/>
+          <dgm:constr type="l" for="ch" forName="FourConn_1-2" refType="l" refFor="ch" refForName="FourNodes_1"/>
+          <dgm:constr type="w" for="ch" forName="FourConn_2-3" refType="h" refFor="ch" refForName="FourNodes_2" fact="0.65"/>
+          <dgm:constr type="h" for="ch" forName="FourConn_2-3" refType="h" refFor="ch" refForName="FourNodes_2" fact="0.65"/>
+          <dgm:constr type="ctrY" for="ch" forName="FourConn_2-3" refType="h" fact="0.5"/>
+          <dgm:constr type="l" for="ch" forName="FourConn_2-3" refType="l" refFor="ch" refForName="FourNodes_2"/>
+          <dgm:constr type="w" for="ch" forName="FourConn_3-4" refType="h" refFor="ch" refForName="FourNodes_3" fact="0.65"/>
+          <dgm:constr type="h" for="ch" forName="FourConn_3-4" refType="h" refFor="ch" refForName="FourNodes_3" fact="0.65"/>
+          <dgm:constr type="ctrY" for="ch" forName="FourConn_3-4" refType="h" fact="0.76"/>
+          <dgm:constr type="l" for="ch" forName="FourConn_3-4" refType="l" refFor="ch" refForName="FourNodes_3"/>
+          <dgm:constr type="l" for="ch" forName="FourNodes_1_text" refType="r" refFor="ch" refForName="FourConn_1-2"/>
+          <dgm:constr type="lOff" for="ch" forName="FourNodes_1_text" refType="w" refFor="ch" refForName="FourConn_1-2" fact="0.69"/>
+          <dgm:constr type="t" for="ch" forName="FourNodes_1_text" refType="t" refFor="ch" refForName="FourNodes_1"/>
+          <dgm:constr type="b" for="ch" forName="FourNodes_1_text" refType="b" refFor="ch" refForName="FourNodes_1"/>
+          <dgm:constr type="r" for="ch" forName="FourNodes_1_text" refType="r" refFor="ch" refForName="FourNodes_1"/>
+          <dgm:constr type="l" for="ch" forName="FourNodes_2_text" refType="r" refFor="ch" refForName="FourConn_1-2"/>
+          <dgm:constr type="t" for="ch" forName="FourNodes_2_text" refType="t" refFor="ch" refForName="FourNodes_2"/>
+          <dgm:constr type="b" for="ch" forName="FourNodes_2_text" refType="b" refFor="ch" refForName="FourNodes_2"/>
+          <dgm:constr type="r" for="ch" forName="FourNodes_2_text" refType="r" refFor="ch" refForName="FourNodes_2"/>
+          <dgm:constr type="l" for="ch" forName="FourNodes_3_text" refType="r" refFor="ch" refForName="FourConn_2-3"/>
+          <dgm:constr type="t" for="ch" forName="FourNodes_3_text" refType="t" refFor="ch" refForName="FourNodes_3"/>
+          <dgm:constr type="b" for="ch" forName="FourNodes_3_text" refType="b" refFor="ch" refForName="FourNodes_3"/>
+          <dgm:constr type="r" for="ch" forName="FourNodes_3_text" refType="r" refFor="ch" refForName="FourNodes_3"/>
+          <dgm:constr type="l" for="ch" forName="FourNodes_4_text" refType="r" refFor="ch" refForName="FourConn_3-4"/>
+          <dgm:constr type="t" for="ch" forName="FourNodes_4_text" refType="t" refFor="ch" refForName="FourNodes_4"/>
+          <dgm:constr type="b" for="ch" forName="FourNodes_4_text" refType="b" refFor="ch" refForName="FourNodes_4"/>
+          <dgm:constr type="r" for="ch" forName="FourNodes_4_text" refType="r" refFor="ch" refForName="FourNodes_4"/>
+          <dgm:constr type="w" for="ch" forName="FiveNodes_1" refType="w" fact="0.77"/>
+          <dgm:constr type="h" for="ch" forName="FiveNodes_1" refType="h" fact="0.18"/>
+          <dgm:constr type="t" for="ch" forName="FiveNodes_1"/>
+          <dgm:constr type="r" for="ch" forName="FiveNodes_1" refType="w"/>
+          <dgm:constr type="w" for="ch" forName="FiveNodes_2" refType="w" fact="0.77"/>
+          <dgm:constr type="h" for="ch" forName="FiveNodes_2" refType="h" fact="0.18"/>
+          <dgm:constr type="ctrY" for="ch" forName="FiveNodes_2" refType="h" fact="0.295"/>
+          <dgm:constr type="ctrX" for="ch" forName="FiveNodes_2" refType="w" fact="0.5575"/>
+          <dgm:constr type="w" for="ch" forName="FiveNodes_3" refType="w" fact="0.77"/>
+          <dgm:constr type="h" for="ch" forName="FiveNodes_3" refType="h" fact="0.18"/>
+          <dgm:constr type="ctrY" for="ch" forName="FiveNodes_3" refType="h" fact="0.5"/>
+          <dgm:constr type="ctrX" for="ch" forName="FiveNodes_3" refType="w" fact="0.5"/>
+          <dgm:constr type="w" for="ch" forName="FiveNodes_4" refType="w" fact="0.77"/>
+          <dgm:constr type="h" for="ch" forName="FiveNodes_4" refType="h" fact="0.18"/>
+          <dgm:constr type="ctrY" for="ch" forName="FiveNodes_4" refType="h" fact="0.705"/>
+          <dgm:constr type="ctrX" for="ch" forName="FiveNodes_4" refType="w" fact="0.4425"/>
+          <dgm:constr type="w" for="ch" forName="FiveNodes_5" refType="w" fact="0.77"/>
+          <dgm:constr type="h" for="ch" forName="FiveNodes_5" refType="h" fact="0.18"/>
+          <dgm:constr type="b" for="ch" forName="FiveNodes_5" refType="h"/>
+          <dgm:constr type="l" for="ch" forName="FiveNodes_5"/>
+          <dgm:constr type="w" for="ch" forName="FiveConn_1-2" refType="h" refFor="ch" refForName="FiveNodes_1" fact="0.65"/>
+          <dgm:constr type="h" for="ch" forName="FiveConn_1-2" refType="h" refFor="ch" refForName="FiveNodes_1" fact="0.65"/>
+          <dgm:constr type="ctrY" for="ch" forName="FiveConn_1-2" refType="h" fact="0.19"/>
+          <dgm:constr type="l" for="ch" forName="FiveConn_1-2" refType="l" refFor="ch" refForName="FiveNodes_1"/>
+          <dgm:constr type="w" for="ch" forName="FiveConn_2-3" refType="h" refFor="ch" refForName="FiveNodes_2" fact="0.65"/>
+          <dgm:constr type="h" for="ch" forName="FiveConn_2-3" refType="h" refFor="ch" refForName="FiveNodes_2" fact="0.65"/>
+          <dgm:constr type="ctrY" for="ch" forName="FiveConn_2-3" refType="h" fact="0.395"/>
+          <dgm:constr type="l" for="ch" forName="FiveConn_2-3" refType="l" refFor="ch" refForName="FiveNodes_2"/>
+          <dgm:constr type="w" for="ch" forName="FiveConn_3-4" refType="h" refFor="ch" refForName="FiveNodes_3" fact="0.65"/>
+          <dgm:constr type="h" for="ch" forName="FiveConn_3-4" refType="h" refFor="ch" refForName="FiveNodes_3" fact="0.65"/>
+          <dgm:constr type="ctrY" for="ch" forName="FiveConn_3-4" refType="h" fact="0.597"/>
+          <dgm:constr type="l" for="ch" forName="FiveConn_3-4" refType="l" refFor="ch" refForName="FiveNodes_3"/>
+          <dgm:constr type="w" for="ch" forName="FiveConn_4-5" refType="h" refFor="ch" refForName="FiveNodes_4" fact="0.65"/>
+          <dgm:constr type="h" for="ch" forName="FiveConn_4-5" refType="h" refFor="ch" refForName="FiveNodes_4" fact="0.65"/>
+          <dgm:constr type="ctrY" for="ch" forName="FiveConn_4-5" refType="h" fact="0.804"/>
+          <dgm:constr type="l" for="ch" forName="FiveConn_4-5" refType="l" refFor="ch" refForName="FiveNodes_4"/>
+          <dgm:constr type="l" for="ch" forName="FiveNodes_1_text" refType="r" refFor="ch" refForName="FiveConn_1-2"/>
+          <dgm:constr type="lOff" for="ch" forName="FiveNodes_1_text" refType="w" refFor="ch" refForName="FiveConn_1-2" fact="0.73"/>
+          <dgm:constr type="t" for="ch" forName="FiveNodes_1_text" refType="t" refFor="ch" refForName="FiveNodes_1"/>
+          <dgm:constr type="b" for="ch" forName="FiveNodes_1_text" refType="b" refFor="ch" refForName="FiveNodes_1"/>
+          <dgm:constr type="r" for="ch" forName="FiveNodes_1_text" refType="r" refFor="ch" refForName="FiveNodes_1"/>
+          <dgm:constr type="l" for="ch" forName="FiveNodes_2_text" refType="r" refFor="ch" refForName="FiveConn_1-2"/>
+          <dgm:constr type="t" for="ch" forName="FiveNodes_2_text" refType="t" refFor="ch" refForName="FiveNodes_2"/>
+          <dgm:constr type="b" for="ch" forName="FiveNodes_2_text" refType="b" refFor="ch" refForName="FiveNodes_2"/>
+          <dgm:constr type="r" for="ch" forName="FiveNodes_2_text" refType="r" refFor="ch" refForName="FiveNodes_2"/>
+          <dgm:constr type="l" for="ch" forName="FiveNodes_3_text" refType="r" refFor="ch" refForName="FiveConn_2-3"/>
+          <dgm:constr type="t" for="ch" forName="FiveNodes_3_text" refType="t" refFor="ch" refForName="FiveNodes_3"/>
+          <dgm:constr type="b" for="ch" forName="FiveNodes_3_text" refType="b" refFor="ch" refForName="FiveNodes_3"/>
+          <dgm:constr type="r" for="ch" forName="FiveNodes_3_text" refType="r" refFor="ch" refForName="FiveNodes_3"/>
+          <dgm:constr type="l" for="ch" forName="FiveNodes_4_text" refType="r" refFor="ch" refForName="FiveConn_3-4"/>
+          <dgm:constr type="t" for="ch" forName="FiveNodes_4_text" refType="t" refFor="ch" refForName="FiveNodes_4"/>
+          <dgm:constr type="b" for="ch" forName="FiveNodes_4_text" refType="b" refFor="ch" refForName="FiveNodes_4"/>
+          <dgm:constr type="r" for="ch" forName="FiveNodes_4_text" refType="r" refFor="ch" refForName="FiveNodes_4"/>
+          <dgm:constr type="l" for="ch" forName="FiveNodes_5_text" refType="r" refFor="ch" refForName="FiveConn_4-5"/>
+          <dgm:constr type="t" for="ch" forName="FiveNodes_5_text" refType="t" refFor="ch" refForName="FiveNodes_5"/>
+          <dgm:constr type="b" for="ch" forName="FiveNodes_5_text" refType="b" refFor="ch" refForName="FiveNodes_5"/>
+          <dgm:constr type="r" for="ch" forName="FiveNodes_5_text" refType="r" refFor="ch" refForName="FiveNodes_5"/>
+        </dgm:constrLst>
+      </dgm:else>
+    </dgm:choose>
     <dgm:ruleLst/>
-    <dgm:forEach name="nodesForEach" axis="ch" ptType="node">
-      <dgm:layoutNode name="node">
-        <dgm:varLst>
-          <dgm:bulletEnabled val="1"/>
-        </dgm:varLst>
-        <dgm:alg type="tx"/>
-        <dgm:shape xmlns:r="http://schemas.openxmlformats.org/officeDocument/2006/relationships" type="roundRect" r:blip="">
-          <dgm:adjLst>
-            <dgm:adj idx="1" val="0.1"/>
-          </dgm:adjLst>
-        </dgm:shape>
-        <dgm:presOf axis="desOrSelf" ptType="node"/>
-        <dgm:constrLst>
-          <dgm:constr type="h" refType="w" fact="0.6"/>
-          <dgm:constr type="tMarg" refType="primFontSz" fact="0.3"/>
-          <dgm:constr type="bMarg" refType="primFontSz" fact="0.3"/>
-          <dgm:constr type="lMarg" refType="primFontSz" fact="0.3"/>
-          <dgm:constr type="rMarg" refType="primFontSz" fact="0.3"/>
-        </dgm:constrLst>
-        <dgm:ruleLst>
-          <dgm:rule type="primFontSz" val="18" fact="NaN" max="NaN"/>
-          <dgm:rule type="h" val="NaN" fact="1.5" max="NaN"/>
-          <dgm:rule type="primFontSz" val="5" fact="NaN" max="NaN"/>
-          <dgm:rule type="h" val="INF" fact="NaN" max="NaN"/>
-        </dgm:ruleLst>
-      </dgm:layoutNode>
-      <dgm:forEach name="sibTransForEach" axis="followSib" ptType="sibTrans" cnt="1">
-        <dgm:layoutNode name="sibTrans">
-          <dgm:alg type="conn">
-            <dgm:param type="begPts" val="auto"/>
-            <dgm:param type="endPts" val="auto"/>
-          </dgm:alg>
-          <dgm:shape xmlns:r="http://schemas.openxmlformats.org/officeDocument/2006/relationships" type="conn" r:blip="">
-            <dgm:adjLst/>
+    <dgm:layoutNode name="dummyMaxCanvas">
+      <dgm:varLst/>
+      <dgm:alg type="sp"/>
+      <dgm:shape xmlns:r="http://schemas.openxmlformats.org/officeDocument/2006/relationships" r:blip="">
+        <dgm:adjLst/>
+      </dgm:shape>
+      <dgm:presOf/>
+      <dgm:constrLst/>
+      <dgm:ruleLst/>
+    </dgm:layoutNode>
+    <dgm:choose name="Name3">
+      <dgm:if name="Name4" axis="ch" ptType="node" func="cnt" op="equ" val="1">
+        <dgm:layoutNode name="OneNode_1">
+          <dgm:varLst>
+            <dgm:bulletEnabled val="1"/>
+          </dgm:varLst>
+          <dgm:alg type="tx"/>
+          <dgm:shape xmlns:r="http://schemas.openxmlformats.org/officeDocument/2006/relationships" type="roundRect" r:blip="">
+            <dgm:adjLst>
+              <dgm:adj idx="1" val="0.1"/>
+            </dgm:adjLst>
           </dgm:shape>
-          <dgm:presOf axis="self"/>
+          <dgm:presOf axis="ch desOrSelf" ptType="node node" st="1 1" cnt="1 0"/>
           <dgm:constrLst>
-            <dgm:constr type="h" refType="w" fact="0.62"/>
-            <dgm:constr type="connDist"/>
-            <dgm:constr type="begPad" refType="connDist" fact="0.25"/>
-            <dgm:constr type="endPad" refType="connDist" fact="0.22"/>
+            <dgm:constr type="lMarg" refType="primFontSz" fact="0.3"/>
+            <dgm:constr type="rMarg" refType="primFontSz" fact="0.3"/>
+            <dgm:constr type="tMarg" refType="primFontSz" fact="0.3"/>
+            <dgm:constr type="bMarg" refType="primFontSz" fact="0.3"/>
           </dgm:constrLst>
-          <dgm:ruleLst/>
-          <dgm:layoutNode name="connectorText">
-            <dgm:alg type="tx">
-              <dgm:param type="autoTxRot" val="grav"/>
-            </dgm:alg>
-            <dgm:shape xmlns:r="http://schemas.openxmlformats.org/officeDocument/2006/relationships" type="conn" r:blip="" hideGeom="1">
-              <dgm:adjLst/>
-            </dgm:shape>
-            <dgm:presOf axis="self"/>
-            <dgm:constrLst>
-              <dgm:constr type="lMarg"/>
-              <dgm:constr type="rMarg"/>
-              <dgm:constr type="tMarg"/>
-              <dgm:constr type="bMarg"/>
-            </dgm:constrLst>
-            <dgm:ruleLst>
-              <dgm:rule type="primFontSz" val="5" fact="NaN" max="NaN"/>
-            </dgm:ruleLst>
-          </dgm:layoutNode>
+          <dgm:ruleLst>
+            <dgm:rule type="primFontSz" val="5" fact="NaN" max="NaN"/>
+          </dgm:ruleLst>
         </dgm:layoutNode>
-      </dgm:forEach>
-    </dgm:forEach>
+      </dgm:if>
+      <dgm:else name="Name5">
+        <dgm:choose name="Name6">
+          <dgm:if name="Name7" axis="ch" ptType="node" func="cnt" op="equ" val="2">
+            <dgm:layoutNode name="TwoNodes_1">
+              <dgm:varLst>
+                <dgm:bulletEnabled val="1"/>
+              </dgm:varLst>
+              <dgm:alg type="sp"/>
+              <dgm:shape xmlns:r="http://schemas.openxmlformats.org/officeDocument/2006/relationships" type="roundRect" r:blip="">
+                <dgm:adjLst>
+                  <dgm:adj idx="1" val="0.1"/>
+                </dgm:adjLst>
+              </dgm:shape>
+              <dgm:presOf axis="ch desOrSelf" ptType="node node" st="1 1" cnt="1 0"/>
+              <dgm:constrLst/>
+              <dgm:ruleLst/>
+            </dgm:layoutNode>
+            <dgm:layoutNode name="TwoNodes_2">
+              <dgm:varLst>
+                <dgm:bulletEnabled val="1"/>
+              </dgm:varLst>
+              <dgm:alg type="sp"/>
+              <dgm:shape xmlns:r="http://schemas.openxmlformats.org/officeDocument/2006/relationships" type="roundRect" r:blip="">
+                <dgm:adjLst>
+                  <dgm:adj idx="1" val="0.1"/>
+                </dgm:adjLst>
+              </dgm:shape>
+              <dgm:presOf axis="ch desOrSelf" ptType="node node" st="2 1" cnt="1 0"/>
+              <dgm:constrLst/>
+              <dgm:ruleLst/>
+            </dgm:layoutNode>
+            <dgm:layoutNode name="TwoConn_1-2" styleLbl="fgAccFollowNode1">
+              <dgm:varLst>
+                <dgm:bulletEnabled val="1"/>
+              </dgm:varLst>
+              <dgm:alg type="tx"/>
+              <dgm:shape xmlns:r="http://schemas.openxmlformats.org/officeDocument/2006/relationships" type="downArrow" r:blip="">
+                <dgm:adjLst>
+                  <dgm:adj idx="1" val="0.55"/>
+                  <dgm:adj idx="2" val="0.45"/>
+                </dgm:adjLst>
+              </dgm:shape>
+              <dgm:presOf axis="ch" ptType="sibTrans" cnt="1"/>
+              <dgm:constrLst>
+                <dgm:constr type="lMarg" refType="primFontSz" fact="0.1"/>
+                <dgm:constr type="rMarg" refType="primFontSz" fact="0.1"/>
+                <dgm:constr type="tMarg" refType="primFontSz" fact="0.1"/>
+                <dgm:constr type="bMarg" refType="primFontSz" fact="0.1"/>
+              </dgm:constrLst>
+              <dgm:ruleLst>
+                <dgm:rule type="primFontSz" val="5" fact="NaN" max="NaN"/>
+              </dgm:ruleLst>
+            </dgm:layoutNode>
+            <dgm:layoutNode name="TwoNodes_1_text">
+              <dgm:varLst>
+                <dgm:bulletEnabled val="1"/>
+              </dgm:varLst>
+              <dgm:alg type="tx">
+                <dgm:param type="parTxLTRAlign" val="l"/>
+                <dgm:param type="txAnchorVertCh" val="mid"/>
+              </dgm:alg>
+              <dgm:shape xmlns:r="http://schemas.openxmlformats.org/officeDocument/2006/relationships" type="roundRect" r:blip="" hideGeom="1">
+                <dgm:adjLst>
+                  <dgm:adj idx="1" val="0.1"/>
+                </dgm:adjLst>
+              </dgm:shape>
+              <dgm:presOf axis="ch desOrSelf" ptType="node node" st="1 1" cnt="1 0"/>
+              <dgm:constrLst>
+                <dgm:constr type="lMarg" refType="primFontSz" fact="0.3"/>
+                <dgm:constr type="rMarg" refType="primFontSz" fact="0.3"/>
+                <dgm:constr type="tMarg" refType="primFontSz" fact="0.3"/>
+                <dgm:constr type="bMarg" refType="primFontSz" fact="0.3"/>
+              </dgm:constrLst>
+              <dgm:ruleLst>
+                <dgm:rule type="primFontSz" val="5" fact="NaN" max="NaN"/>
+              </dgm:ruleLst>
+            </dgm:layoutNode>
+            <dgm:layoutNode name="TwoNodes_2_text">
+              <dgm:varLst>
+                <dgm:bulletEnabled val="1"/>
+              </dgm:varLst>
+              <dgm:alg type="tx">
+                <dgm:param type="parTxLTRAlign" val="l"/>
+                <dgm:param type="txAnchorVertCh" val="mid"/>
+              </dgm:alg>
+              <dgm:shape xmlns:r="http://schemas.openxmlformats.org/officeDocument/2006/relationships" type="roundRect" r:blip="" hideGeom="1">
+                <dgm:adjLst>
+                  <dgm:adj idx="1" val="0.1"/>
+                </dgm:adjLst>
+              </dgm:shape>
+              <dgm:presOf axis="ch desOrSelf" ptType="node node" st="2 1" cnt="1 0"/>
+              <dgm:constrLst>
+                <dgm:constr type="lMarg" refType="primFontSz" fact="0.3"/>
+                <dgm:constr type="rMarg" refType="primFontSz" fact="0.3"/>
+                <dgm:constr type="tMarg" refType="primFontSz" fact="0.3"/>
+                <dgm:constr type="bMarg" refType="primFontSz" fact="0.3"/>
+              </dgm:constrLst>
+              <dgm:ruleLst>
+                <dgm:rule type="primFontSz" val="5" fact="NaN" max="NaN"/>
+              </dgm:ruleLst>
+            </dgm:layoutNode>
+          </dgm:if>
+          <dgm:else name="Name8">
+            <dgm:choose name="Name9">
+              <dgm:if name="Name10" axis="ch" ptType="node" func="cnt" op="equ" val="3">
+                <dgm:layoutNode name="ThreeNodes_1">
+                  <dgm:varLst>
+                    <dgm:bulletEnabled val="1"/>
+                  </dgm:varLst>
+                  <dgm:alg type="sp"/>
+                  <dgm:shape xmlns:r="http://schemas.openxmlformats.org/officeDocument/2006/relationships" type="roundRect" r:blip="">
+                    <dgm:adjLst>
+                      <dgm:adj idx="1" val="0.1"/>
+                    </dgm:adjLst>
+                  </dgm:shape>
+                  <dgm:presOf axis="ch desOrSelf" ptType="node node" st="1 1" cnt="1 0"/>
+                  <dgm:constrLst/>
+                  <dgm:ruleLst/>
+                </dgm:layoutNode>
+                <dgm:layoutNode name="ThreeNodes_2">
+                  <dgm:varLst>
+                    <dgm:bulletEnabled val="1"/>
+                  </dgm:varLst>
+                  <dgm:alg type="sp"/>
+                  <dgm:shape xmlns:r="http://schemas.openxmlformats.org/officeDocument/2006/relationships" type="roundRect" r:blip="">
+                    <dgm:adjLst>
+                      <dgm:adj idx="1" val="0.1"/>
+                    </dgm:adjLst>
+                  </dgm:shape>
+                  <dgm:presOf axis="ch desOrSelf" ptType="node node" st="2 1" cnt="1 0"/>
+                  <dgm:constrLst/>
+                  <dgm:ruleLst/>
+                </dgm:layoutNode>
+                <dgm:layoutNode name="ThreeNodes_3">
+                  <dgm:varLst>
+                    <dgm:bulletEnabled val="1"/>
+                  </dgm:varLst>
+                  <dgm:alg type="sp"/>
+                  <dgm:shape xmlns:r="http://schemas.openxmlformats.org/officeDocument/2006/relationships" type="roundRect" r:blip="">
+                    <dgm:adjLst>
+                      <dgm:adj idx="1" val="0.1"/>
+                    </dgm:adjLst>
+                  </dgm:shape>
+                  <dgm:presOf axis="ch desOrSelf" ptType="node node" st="3 1" cnt="1 0"/>
+                  <dgm:constrLst/>
+                  <dgm:ruleLst/>
+                </dgm:layoutNode>
+                <dgm:layoutNode name="ThreeConn_1-2" styleLbl="fgAccFollowNode1">
+                  <dgm:varLst>
+                    <dgm:bulletEnabled val="1"/>
+                  </dgm:varLst>
+                  <dgm:alg type="tx"/>
+                  <dgm:shape xmlns:r="http://schemas.openxmlformats.org/officeDocument/2006/relationships" type="downArrow" r:blip="">
+                    <dgm:adjLst>
+                      <dgm:adj idx="1" val="0.55"/>
+                      <dgm:adj idx="2" val="0.45"/>
+                    </dgm:adjLst>
+                  </dgm:shape>
+                  <dgm:presOf axis="ch" ptType="sibTrans" cnt="1"/>
+                  <dgm:constrLst>
+                    <dgm:constr type="lMarg" refType="primFontSz" fact="0.1"/>
+                    <dgm:constr type="rMarg" refType="primFontSz" fact="0.1"/>
+                    <dgm:constr type="tMarg" refType="primFontSz" fact="0.1"/>
+                    <dgm:constr type="bMarg" refType="primFontSz" fact="0.1"/>
+                  </dgm:constrLst>
+                  <dgm:ruleLst>
+                    <dgm:rule type="primFontSz" val="5" fact="NaN" max="NaN"/>
+                  </dgm:ruleLst>
+                </dgm:layoutNode>
+                <dgm:layoutNode name="ThreeConn_2-3" styleLbl="fgAccFollowNode1">
+                  <dgm:varLst>
+                    <dgm:bulletEnabled val="1"/>
+                  </dgm:varLst>
+                  <dgm:alg type="tx"/>
+                  <dgm:shape xmlns:r="http://schemas.openxmlformats.org/officeDocument/2006/relationships" type="downArrow" r:blip="">
+                    <dgm:adjLst>
+                      <dgm:adj idx="1" val="0.55"/>
+                      <dgm:adj idx="2" val="0.45"/>
+                    </dgm:adjLst>
+                  </dgm:shape>
+                  <dgm:presOf axis="ch" ptType="sibTrans" st="2" cnt="1"/>
+                  <dgm:constrLst>
+                    <dgm:constr type="lMarg" refType="primFontSz" fact="0.1"/>
+                    <dgm:constr type="rMarg" refType="primFontSz" fact="0.1"/>
+                    <dgm:constr type="tMarg" refType="primFontSz" fact="0.1"/>
+                    <dgm:constr type="bMarg" refType="primFontSz" fact="0.1"/>
+                  </dgm:constrLst>
+                  <dgm:ruleLst>
+                    <dgm:rule type="primFontSz" val="5" fact="NaN" max="NaN"/>
+                  </dgm:ruleLst>
+                </dgm:layoutNode>
+                <dgm:layoutNode name="ThreeNodes_1_text">
+                  <dgm:varLst>
+                    <dgm:bulletEnabled val="1"/>
+                  </dgm:varLst>
+                  <dgm:alg type="tx">
+                    <dgm:param type="parTxLTRAlign" val="l"/>
+                    <dgm:param type="txAnchorVertCh" val="mid"/>
+                  </dgm:alg>
+                  <dgm:shape xmlns:r="http://schemas.openxmlformats.org/officeDocument/2006/relationships" type="roundRect" r:blip="" hideGeom="1">
+                    <dgm:adjLst>
+                      <dgm:adj idx="1" val="0.1"/>
+                    </dgm:adjLst>
+                  </dgm:shape>
+                  <dgm:presOf axis="ch desOrSelf" ptType="node node" st="1 1" cnt="1 0"/>
+                  <dgm:constrLst>
+                    <dgm:constr type="lMarg" refType="primFontSz" fact="0.3"/>
+                    <dgm:constr type="rMarg" refType="primFontSz" fact="0.3"/>
+                    <dgm:constr type="tMarg" refType="primFontSz" fact="0.3"/>
+                    <dgm:constr type="bMarg" refType="primFontSz" fact="0.3"/>
+                  </dgm:constrLst>
+                  <dgm:ruleLst>
+                    <dgm:rule type="primFontSz" val="5" fact="NaN" max="NaN"/>
+                  </dgm:ruleLst>
+                </dgm:layoutNode>
+                <dgm:layoutNode name="ThreeNodes_2_text">
+                  <dgm:varLst>
+                    <dgm:bulletEnabled val="1"/>
+                  </dgm:varLst>
+                  <dgm:alg type="tx">
+                    <dgm:param type="parTxLTRAlign" val="l"/>
+                    <dgm:param type="txAnchorVertCh" val="mid"/>
+                  </dgm:alg>
+                  <dgm:shape xmlns:r="http://schemas.openxmlformats.org/officeDocument/2006/relationships" type="roundRect" r:blip="" hideGeom="1">
+                    <dgm:adjLst>
+                      <dgm:adj idx="1" val="0.1"/>
+                    </dgm:adjLst>
+                  </dgm:shape>
+                  <dgm:presOf axis="ch desOrSelf" ptType="node node" st="2 1" cnt="1 0"/>
+                  <dgm:constrLst>
+                    <dgm:constr type="lMarg" refType="primFontSz" fact="0.3"/>
+                    <dgm:constr type="rMarg" refType="primFontSz" fact="0.3"/>
+                    <dgm:constr type="tMarg" refType="primFontSz" fact="0.3"/>
+                    <dgm:constr type="bMarg" refType="primFontSz" fact="0.3"/>
+                  </dgm:constrLst>
+                  <dgm:ruleLst>
+                    <dgm:rule type="primFontSz" val="5" fact="NaN" max="NaN"/>
+                  </dgm:ruleLst>
+                </dgm:layoutNode>
+                <dgm:layoutNode name="ThreeNodes_3_text">
+                  <dgm:varLst>
+                    <dgm:bulletEnabled val="1"/>
+                  </dgm:varLst>
+                  <dgm:alg type="tx">
+                    <dgm:param type="parTxLTRAlign" val="l"/>
+                    <dgm:param type="txAnchorVertCh" val="mid"/>
+                  </dgm:alg>
+                  <dgm:shape xmlns:r="http://schemas.openxmlformats.org/officeDocument/2006/relationships" type="roundRect" r:blip="" hideGeom="1">
+                    <dgm:adjLst>
+                      <dgm:adj idx="1" val="0.1"/>
+                    </dgm:adjLst>
+                  </dgm:shape>
+                  <dgm:presOf axis="ch desOrSelf" ptType="node node" st="3 1" cnt="1 0"/>
+                  <dgm:constrLst>
+                    <dgm:constr type="lMarg" refType="primFontSz" fact="0.3"/>
+                    <dgm:constr type="rMarg" refType="primFontSz" fact="0.3"/>
+                    <dgm:constr type="tMarg" refType="primFontSz" fact="0.3"/>
+                    <dgm:constr type="bMarg" refType="primFontSz" fact="0.3"/>
+                  </dgm:constrLst>
+                  <dgm:ruleLst>
+                    <dgm:rule type="primFontSz" val="5" fact="NaN" max="NaN"/>
+                  </dgm:ruleLst>
+                </dgm:layoutNode>
+              </dgm:if>
+              <dgm:else name="Name11">
+                <dgm:choose name="Name12">
+                  <dgm:if name="Name13" axis="ch" ptType="node" func="cnt" op="equ" val="4">
+                    <dgm:layoutNode name="FourNodes_1">
+                      <dgm:varLst>
+                        <dgm:bulletEnabled val="1"/>
+                      </dgm:varLst>
+                      <dgm:alg type="sp"/>
+                      <dgm:shape xmlns:r="http://schemas.openxmlformats.org/officeDocument/2006/relationships" type="roundRect" r:blip="">
+                        <dgm:adjLst>
+                          <dgm:adj idx="1" val="0.1"/>
+                        </dgm:adjLst>
+                      </dgm:shape>
+                      <dgm:presOf axis="ch desOrSelf" ptType="node node" st="1 1" cnt="1 0"/>
+                      <dgm:constrLst/>
+                      <dgm:ruleLst/>
+                    </dgm:layoutNode>
+                    <dgm:layoutNode name="FourNodes_2">
+                      <dgm:varLst>
+                        <dgm:bulletEnabled val="1"/>
+                      </dgm:varLst>
+                      <dgm:alg type="sp"/>
+                      <dgm:shape xmlns:r="http://schemas.openxmlformats.org/officeDocument/2006/relationships" type="roundRect" r:blip="">
+                        <dgm:adjLst>
+                          <dgm:adj idx="1" val="0.1"/>
+                        </dgm:adjLst>
+                      </dgm:shape>
+                      <dgm:presOf axis="ch desOrSelf" ptType="node node" st="2 1" cnt="1 0"/>
+                      <dgm:constrLst/>
+                      <dgm:ruleLst/>
+                    </dgm:layoutNode>
+                    <dgm:layoutNode name="FourNodes_3">
+                      <dgm:varLst>
+                        <dgm:bulletEnabled val="1"/>
+                      </dgm:varLst>
+                      <dgm:alg type="sp"/>
+                      <dgm:shape xmlns:r="http://schemas.openxmlformats.org/officeDocument/2006/relationships" type="roundRect" r:blip="">
+                        <dgm:adjLst>
+                          <dgm:adj idx="1" val="0.1"/>
+                        </dgm:adjLst>
+                      </dgm:shape>
+                      <dgm:presOf axis="ch desOrSelf" ptType="node node" st="3 1" cnt="1 0"/>
+                      <dgm:constrLst/>
+                      <dgm:ruleLst/>
+                    </dgm:layoutNode>
+                    <dgm:layoutNode name="FourNodes_4">
+                      <dgm:varLst>
+                        <dgm:bulletEnabled val="1"/>
+                      </dgm:varLst>
+                      <dgm:alg type="sp"/>
+                      <dgm:shape xmlns:r="http://schemas.openxmlformats.org/officeDocument/2006/relationships" type="roundRect" r:blip="">
+                        <dgm:adjLst>
+                          <dgm:adj idx="1" val="0.1"/>
+                        </dgm:adjLst>
+                      </dgm:shape>
+                      <dgm:presOf axis="ch desOrSelf" ptType="node node" st="4 1" cnt="1 0"/>
+                      <dgm:constrLst/>
+                      <dgm:ruleLst/>
+                    </dgm:layoutNode>
+                    <dgm:layoutNode name="FourConn_1-2" styleLbl="fgAccFollowNode1">
+                      <dgm:varLst>
+                        <dgm:bulletEnabled val="1"/>
+                      </dgm:varLst>
+                      <dgm:alg type="tx"/>
+                      <dgm:shape xmlns:r="http://schemas.openxmlformats.org/officeDocument/2006/relationships" type="downArrow" r:blip="">
+                        <dgm:adjLst>
+                          <dgm:adj idx="1" val="0.55"/>
+                          <dgm:adj idx="2" val="0.45"/>
+                        </dgm:adjLst>
+                      </dgm:shape>
+                      <dgm:presOf axis="ch" ptType="sibTrans" cnt="1"/>
+                      <dgm:constrLst>
+                        <dgm:constr type="lMarg" refType="primFontSz" fact="0.1"/>
+                        <dgm:constr type="rMarg" refType="primFontSz" fact="0.1"/>
+                        <dgm:constr type="tMarg" refType="primFontSz" fact="0.1"/>
+                        <dgm:constr type="bMarg" refType="primFontSz" fact="0.1"/>
+                      </dgm:constrLst>
+                      <dgm:ruleLst>
+                        <dgm:rule type="primFontSz" val="5" fact="NaN" max="NaN"/>
+                      </dgm:ruleLst>
+                    </dgm:layoutNode>
+                    <dgm:layoutNode name="FourConn_2-3" styleLbl="fgAccFollowNode1">
+                      <dgm:varLst>
+                        <dgm:bulletEnabled val="1"/>
+                      </dgm:varLst>
+                      <dgm:alg type="tx"/>
+                      <dgm:shape xmlns:r="http://schemas.openxmlformats.org/officeDocument/2006/relationships" type="downArrow" r:blip="">
+                        <dgm:adjLst>
+                          <dgm:adj idx="1" val="0.55"/>
+                          <dgm:adj idx="2" val="0.45"/>
+                        </dgm:adjLst>
+                      </dgm:shape>
+                      <dgm:presOf axis="ch" ptType="sibTrans" st="2" cnt="1"/>
+                      <dgm:constrLst>
+                        <dgm:constr type="lMarg" refType="primFontSz" fact="0.1"/>
+                        <dgm:constr type="rMarg" refType="primFontSz" fact="0.1"/>
+                        <dgm:constr type="tMarg" refType="primFontSz" fact="0.1"/>
+                        <dgm:constr type="bMarg" refType="primFontSz" fact="0.1"/>
+                      </dgm:constrLst>
+                      <dgm:ruleLst>
+                        <dgm:rule type="primFontSz" val="5" fact="NaN" max="NaN"/>
+                      </dgm:ruleLst>
+                    </dgm:layoutNode>
+                    <dgm:layoutNode name="FourConn_3-4" styleLbl="fgAccFollowNode1">
+                      <dgm:varLst>
+                        <dgm:bulletEnabled val="1"/>
+                      </dgm:varLst>
+                      <dgm:alg type="tx"/>
+                      <dgm:shape xmlns:r="http://schemas.openxmlformats.org/officeDocument/2006/relationships" type="downArrow" r:blip="">
+                        <dgm:adjLst>
+                          <dgm:adj idx="1" val="0.55"/>
+                          <dgm:adj idx="2" val="0.45"/>
+                        </dgm:adjLst>
+                      </dgm:shape>
+                      <dgm:presOf axis="ch" ptType="sibTrans" st="3" cnt="1"/>
+                      <dgm:constrLst>
+                        <dgm:constr type="lMarg" refType="primFontSz" fact="0.1"/>
+                        <dgm:constr type="rMarg" refType="primFontSz" fact="0.1"/>
+                        <dgm:constr type="tMarg" refType="primFontSz" fact="0.1"/>
+                        <dgm:constr type="bMarg" refType="primFontSz" fact="0.1"/>
+                      </dgm:constrLst>
+                      <dgm:ruleLst>
+                        <dgm:rule type="primFontSz" val="5" fact="NaN" max="NaN"/>
+                      </dgm:ruleLst>
+                    </dgm:layoutNode>
+                    <dgm:layoutNode name="FourNodes_1_text">
+                      <dgm:varLst>
+                        <dgm:bulletEnabled val="1"/>
+                      </dgm:varLst>
+                      <dgm:alg type="tx">
+                        <dgm:param type="parTxLTRAlign" val="l"/>
+                        <dgm:param type="txAnchorVertCh" val="mid"/>
+                      </dgm:alg>
+                      <dgm:shape xmlns:r="http://schemas.openxmlformats.org/officeDocument/2006/relationships" type="roundRect" r:blip="" hideGeom="1">
+                        <dgm:adjLst>
+                          <dgm:adj idx="1" val="0.1"/>
+                        </dgm:adjLst>
+                      </dgm:shape>
+                      <dgm:presOf axis="ch desOrSelf" ptType="node node" st="1 1" cnt="1 0"/>
+                      <dgm:constrLst>
+                        <dgm:constr type="lMarg" refType="primFontSz" fact="0.3"/>
+                        <dgm:constr type="rMarg" refType="primFontSz" fact="0.3"/>
+                        <dgm:constr type="tMarg" refType="primFontSz" fact="0.3"/>
+                        <dgm:constr type="bMarg" refType="primFontSz" fact="0.3"/>
+                      </dgm:constrLst>
+                      <dgm:ruleLst>
+                        <dgm:rule type="primFontSz" val="5" fact="NaN" max="NaN"/>
+                      </dgm:ruleLst>
+                    </dgm:layoutNode>
+                    <dgm:layoutNode name="FourNodes_2_text">
+                      <dgm:varLst>
+                        <dgm:bulletEnabled val="1"/>
+                      </dgm:varLst>
+                      <dgm:alg type="tx">
+                        <dgm:param type="parTxLTRAlign" val="l"/>
+                        <dgm:param type="txAnchorVertCh" val="mid"/>
+                      </dgm:alg>
+                      <dgm:shape xmlns:r="http://schemas.openxmlformats.org/officeDocument/2006/relationships" type="roundRect" r:blip="" hideGeom="1">
+                        <dgm:adjLst>
+                          <dgm:adj idx="1" val="0.1"/>
+                        </dgm:adjLst>
+                      </dgm:shape>
+                      <dgm:presOf axis="ch desOrSelf" ptType="node node" st="2 1" cnt="1 0"/>
+                      <dgm:constrLst>
+                        <dgm:constr type="lMarg" refType="primFontSz" fact="0.3"/>
+                        <dgm:constr type="rMarg" refType="primFontSz" fact="0.3"/>
+                        <dgm:constr type="tMarg" refType="primFontSz" fact="0.3"/>
+                        <dgm:constr type="bMarg" refType="primFontSz" fact="0.3"/>
+                      </dgm:constrLst>
+                      <dgm:ruleLst>
+                        <dgm:rule type="primFontSz" val="5" fact="NaN" max="NaN"/>
+                      </dgm:ruleLst>
+                    </dgm:layoutNode>
+                    <dgm:layoutNode name="FourNodes_3_text">
+                      <dgm:varLst>
+                        <dgm:bulletEnabled val="1"/>
+                      </dgm:varLst>
+                      <dgm:alg type="tx">
+                        <dgm:param type="parTxLTRAlign" val="l"/>
+                        <dgm:param type="txAnchorVertCh" val="mid"/>
+                      </dgm:alg>
+                      <dgm:shape xmlns:r="http://schemas.openxmlformats.org/officeDocument/2006/relationships" type="roundRect" r:blip="" hideGeom="1">
+                        <dgm:adjLst>
+                          <dgm:adj idx="1" val="0.1"/>
+                        </dgm:adjLst>
+                      </dgm:shape>
+                      <dgm:presOf axis="ch desOrSelf" ptType="node node" st="3 1" cnt="1 0"/>
+                      <dgm:constrLst>
+                        <dgm:constr type="lMarg" refType="primFontSz" fact="0.3"/>
+                        <dgm:constr type="rMarg" refType="primFontSz" fact="0.3"/>
+                        <dgm:constr type="tMarg" refType="primFontSz" fact="0.3"/>
+                        <dgm:constr type="bMarg" refType="primFontSz" fact="0.3"/>
+                      </dgm:constrLst>
+                      <dgm:ruleLst>
+                        <dgm:rule type="primFontSz" val="5" fact="NaN" max="NaN"/>
+                      </dgm:ruleLst>
+                    </dgm:layoutNode>
+                    <dgm:layoutNode name="FourNodes_4_text">
+                      <dgm:varLst>
+                        <dgm:bulletEnabled val="1"/>
+                      </dgm:varLst>
+                      <dgm:alg type="tx">
+                        <dgm:param type="parTxLTRAlign" val="l"/>
+                        <dgm:param type="txAnchorVertCh" val="mid"/>
+                      </dgm:alg>
+                      <dgm:shape xmlns:r="http://schemas.openxmlformats.org/officeDocument/2006/relationships" type="roundRect" r:blip="" hideGeom="1">
+                        <dgm:adjLst>
+                          <dgm:adj idx="1" val="0.1"/>
+                        </dgm:adjLst>
+                      </dgm:shape>
+                      <dgm:presOf axis="ch desOrSelf" ptType="node node" st="4 1" cnt="1 0"/>
+                      <dgm:constrLst>
+                        <dgm:constr type="lMarg" refType="primFontSz" fact="0.3"/>
+                        <dgm:constr type="rMarg" refType="primFontSz" fact="0.3"/>
+                        <dgm:constr type="tMarg" refType="primFontSz" fact="0.3"/>
+                        <dgm:constr type="bMarg" refType="primFontSz" fact="0.3"/>
+                      </dgm:constrLst>
+                      <dgm:ruleLst>
+                        <dgm:rule type="primFontSz" val="5" fact="NaN" max="NaN"/>
+                      </dgm:ruleLst>
+                    </dgm:layoutNode>
+                  </dgm:if>
+                  <dgm:else name="Name14">
+                    <dgm:choose name="Name15">
+                      <dgm:if name="Name16" axis="ch" ptType="node" func="cnt" op="gte" val="5">
+                        <dgm:layoutNode name="FiveNodes_1">
+                          <dgm:varLst>
+                            <dgm:bulletEnabled val="1"/>
+                          </dgm:varLst>
+                          <dgm:alg type="sp"/>
+                          <dgm:shape xmlns:r="http://schemas.openxmlformats.org/officeDocument/2006/relationships" type="roundRect" r:blip="">
+                            <dgm:adjLst>
+                              <dgm:adj idx="1" val="0.1"/>
+                            </dgm:adjLst>
+                          </dgm:shape>
+                          <dgm:presOf axis="ch desOrSelf" ptType="node node" st="1 1" cnt="1 0"/>
+                          <dgm:constrLst/>
+                          <dgm:ruleLst/>
+                        </dgm:layoutNode>
+                        <dgm:layoutNode name="FiveNodes_2">
+                          <dgm:varLst>
+                            <dgm:bulletEnabled val="1"/>
+                          </dgm:varLst>
+                          <dgm:alg type="sp"/>
+                          <dgm:shape xmlns:r="http://schemas.openxmlformats.org/officeDocument/2006/relationships" type="roundRect" r:blip="">
+                            <dgm:adjLst>
+                              <dgm:adj idx="1" val="0.1"/>
+                            </dgm:adjLst>
+                          </dgm:shape>
+                          <dgm:presOf axis="ch desOrSelf" ptType="node node" st="2 1" cnt="1 0"/>
+                          <dgm:constrLst/>
+                          <dgm:ruleLst/>
+                        </dgm:layoutNode>
+                        <dgm:layoutNode name="FiveNodes_3">
+                          <dgm:varLst>
+                            <dgm:bulletEnabled val="1"/>
+                          </dgm:varLst>
+                          <dgm:alg type="sp"/>
+                          <dgm:shape xmlns:r="http://schemas.openxmlformats.org/officeDocument/2006/relationships" type="roundRect" r:blip="">
+                            <dgm:adjLst>
+                              <dgm:adj idx="1" val="0.1"/>
+                            </dgm:adjLst>
+                          </dgm:shape>
+                          <dgm:presOf axis="ch desOrSelf" ptType="node node" st="3 1" cnt="1 0"/>
+                          <dgm:constrLst/>
+                          <dgm:ruleLst/>
+                        </dgm:layoutNode>
+                        <dgm:layoutNode name="FiveNodes_4">
+                          <dgm:varLst>
+                            <dgm:bulletEnabled val="1"/>
+                          </dgm:varLst>
+                          <dgm:alg type="sp"/>
+                          <dgm:shape xmlns:r="http://schemas.openxmlformats.org/officeDocument/2006/relationships" type="roundRect" r:blip="">
+                            <dgm:adjLst>
+                              <dgm:adj idx="1" val="0.1"/>
+                            </dgm:adjLst>
+                          </dgm:shape>
+                          <dgm:presOf axis="ch desOrSelf" ptType="node node" st="4 1" cnt="1 0"/>
+                          <dgm:constrLst/>
+                          <dgm:ruleLst/>
+                        </dgm:layoutNode>
+                        <dgm:layoutNode name="FiveNodes_5">
+                          <dgm:varLst>
+                            <dgm:bulletEnabled val="1"/>
+                          </dgm:varLst>
+                          <dgm:alg type="sp"/>
+                          <dgm:shape xmlns:r="http://schemas.openxmlformats.org/officeDocument/2006/relationships" type="roundRect" r:blip="">
+                            <dgm:adjLst>
+                              <dgm:adj idx="1" val="0.1"/>
+                            </dgm:adjLst>
+                          </dgm:shape>
+                          <dgm:presOf axis="ch desOrSelf" ptType="node node" st="5 1" cnt="1 0"/>
+                          <dgm:constrLst/>
+                          <dgm:ruleLst/>
+                        </dgm:layoutNode>
+                        <dgm:layoutNode name="FiveConn_1-2" styleLbl="fgAccFollowNode1">
+                          <dgm:varLst>
+                            <dgm:bulletEnabled val="1"/>
+                          </dgm:varLst>
+                          <dgm:alg type="tx"/>
+                          <dgm:shape xmlns:r="http://schemas.openxmlformats.org/officeDocument/2006/relationships" type="downArrow" r:blip="">
+                            <dgm:adjLst>
+                              <dgm:adj idx="1" val="0.55"/>
+                              <dgm:adj idx="2" val="0.45"/>
+                            </dgm:adjLst>
+                          </dgm:shape>
+                          <dgm:presOf axis="ch" ptType="sibTrans" cnt="1"/>
+                          <dgm:constrLst>
+                            <dgm:constr type="lMarg" refType="primFontSz" fact="0.1"/>
+                            <dgm:constr type="rMarg" refType="primFontSz" fact="0.1"/>
+                            <dgm:constr type="tMarg" refType="primFontSz" fact="0.1"/>
+                            <dgm:constr type="bMarg" refType="primFontSz" fact="0.1"/>
+                          </dgm:constrLst>
+                          <dgm:ruleLst>
+                            <dgm:rule type="primFontSz" val="5" fact="NaN" max="NaN"/>
+                          </dgm:ruleLst>
+                        </dgm:layoutNode>
+                        <dgm:layoutNode name="FiveConn_2-3" styleLbl="fgAccFollowNode1">
+                          <dgm:varLst>
+                            <dgm:bulletEnabled val="1"/>
+                          </dgm:varLst>
+                          <dgm:alg type="tx"/>
+                          <dgm:shape xmlns:r="http://schemas.openxmlformats.org/officeDocument/2006/relationships" type="downArrow" r:blip="">
+                            <dgm:adjLst>
+                              <dgm:adj idx="1" val="0.55"/>
+                              <dgm:adj idx="2" val="0.45"/>
+                            </dgm:adjLst>
+                          </dgm:shape>
+                          <dgm:presOf axis="ch" ptType="sibTrans" st="2" cnt="1"/>
+                          <dgm:constrLst>
+                            <dgm:constr type="lMarg" refType="primFontSz" fact="0.1"/>
+                            <dgm:constr type="rMarg" refType="primFontSz" fact="0.1"/>
+                            <dgm:constr type="tMarg" refType="primFontSz" fact="0.1"/>
+                            <dgm:constr type="bMarg" refType="primFontSz" fact="0.1"/>
+                          </dgm:constrLst>
+                          <dgm:ruleLst>
+                            <dgm:rule type="primFontSz" val="5" fact="NaN" max="NaN"/>
+                          </dgm:ruleLst>
+                        </dgm:layoutNode>
+                        <dgm:layoutNode name="FiveConn_3-4" styleLbl="fgAccFollowNode1">
+                          <dgm:varLst>
+                            <dgm:bulletEnabled val="1"/>
+                          </dgm:varLst>
+                          <dgm:alg type="tx"/>
+                          <dgm:shape xmlns:r="http://schemas.openxmlformats.org/officeDocument/2006/relationships" type="downArrow" r:blip="">
+                            <dgm:adjLst>
+                              <dgm:adj idx="1" val="0.55"/>
+                              <dgm:adj idx="2" val="0.45"/>
+                            </dgm:adjLst>
+                          </dgm:shape>
+                          <dgm:presOf axis="ch" ptType="sibTrans" st="3" cnt="1"/>
+                          <dgm:constrLst>
+                            <dgm:constr type="lMarg" refType="primFontSz" fact="0.1"/>
+                            <dgm:constr type="rMarg" refType="primFontSz" fact="0.1"/>
+                            <dgm:constr type="tMarg" refType="primFontSz" fact="0.1"/>
+                            <dgm:constr type="bMarg" refType="primFontSz" fact="0.1"/>
+                          </dgm:constrLst>
+                          <dgm:ruleLst>
+                            <dgm:rule type="primFontSz" val="5" fact="NaN" max="NaN"/>
+                          </dgm:ruleLst>
+                        </dgm:layoutNode>
+                        <dgm:layoutNode name="FiveConn_4-5" styleLbl="fgAccFollowNode1">
+                          <dgm:varLst>
+                            <dgm:bulletEnabled val="1"/>
+                          </dgm:varLst>
+                          <dgm:alg type="tx"/>
+                          <dgm:shape xmlns:r="http://schemas.openxmlformats.org/officeDocument/2006/relationships" type="downArrow" r:blip="">
+                            <dgm:adjLst>
+                              <dgm:adj idx="1" val="0.55"/>
+                              <dgm:adj idx="2" val="0.45"/>
+                            </dgm:adjLst>
+                          </dgm:shape>
+                          <dgm:presOf axis="ch" ptType="sibTrans" st="4" cnt="1"/>
+                          <dgm:constrLst>
+                            <dgm:constr type="lMarg" refType="primFontSz" fact="0.1"/>
+                            <dgm:constr type="rMarg" refType="primFontSz" fact="0.1"/>
+                            <dgm:constr type="tMarg" refType="primFontSz" fact="0.1"/>
+                            <dgm:constr type="bMarg" refType="primFontSz" fact="0.1"/>
+                          </dgm:constrLst>
+                          <dgm:ruleLst>
+                            <dgm:rule type="primFontSz" val="5" fact="NaN" max="NaN"/>
+                          </dgm:ruleLst>
+                        </dgm:layoutNode>
+                        <dgm:layoutNode name="FiveNodes_1_text">
+                          <dgm:varLst>
+                            <dgm:bulletEnabled val="1"/>
+                          </dgm:varLst>
+                          <dgm:alg type="tx">
+                            <dgm:param type="parTxLTRAlign" val="l"/>
+                            <dgm:param type="txAnchorVertCh" val="mid"/>
+                          </dgm:alg>
+                          <dgm:shape xmlns:r="http://schemas.openxmlformats.org/officeDocument/2006/relationships" type="roundRect" r:blip="" hideGeom="1">
+                            <dgm:adjLst>
+                              <dgm:adj idx="1" val="0.1"/>
+                            </dgm:adjLst>
+                          </dgm:shape>
+                          <dgm:presOf axis="ch desOrSelf" ptType="node node" st="1 1" cnt="1 0"/>
+                          <dgm:constrLst>
+                            <dgm:constr type="lMarg" refType="primFontSz" fact="0.3"/>
+                            <dgm:constr type="rMarg" refType="primFontSz" fact="0.3"/>
+                            <dgm:constr type="tMarg" refType="primFontSz" fact="0.3"/>
+                            <dgm:constr type="bMarg" refType="primFontSz" fact="0.3"/>
+                          </dgm:constrLst>
+                          <dgm:ruleLst>
+                            <dgm:rule type="primFontSz" val="5" fact="NaN" max="NaN"/>
+                          </dgm:ruleLst>
+                        </dgm:layoutNode>
+                        <dgm:layoutNode name="FiveNodes_2_text">
+                          <dgm:varLst>
+                            <dgm:bulletEnabled val="1"/>
+                          </dgm:varLst>
+                          <dgm:alg type="tx">
+                            <dgm:param type="parTxLTRAlign" val="l"/>
+                            <dgm:param type="txAnchorVertCh" val="mid"/>
+                          </dgm:alg>
+                          <dgm:shape xmlns:r="http://schemas.openxmlformats.org/officeDocument/2006/relationships" type="roundRect" r:blip="" hideGeom="1">
+                            <dgm:adjLst>
+                              <dgm:adj idx="1" val="0.1"/>
+                            </dgm:adjLst>
+                          </dgm:shape>
+                          <dgm:presOf axis="ch desOrSelf" ptType="node node" st="2 1" cnt="1 0"/>
+                          <dgm:constrLst>
+                            <dgm:constr type="lMarg" refType="primFontSz" fact="0.3"/>
+                            <dgm:constr type="rMarg" refType="primFontSz" fact="0.3"/>
+                            <dgm:constr type="tMarg" refType="primFontSz" fact="0.3"/>
+                            <dgm:constr type="bMarg" refType="primFontSz" fact="0.3"/>
+                          </dgm:constrLst>
+                          <dgm:ruleLst>
+                            <dgm:rule type="primFontSz" val="5" fact="NaN" max="NaN"/>
+                          </dgm:ruleLst>
+                        </dgm:layoutNode>
+                        <dgm:layoutNode name="FiveNodes_3_text">
+                          <dgm:varLst>
+                            <dgm:bulletEnabled val="1"/>
+                          </dgm:varLst>
+                          <dgm:alg type="tx">
+                            <dgm:param type="parTxLTRAlign" val="l"/>
+                            <dgm:param type="txAnchorVertCh" val="mid"/>
+                          </dgm:alg>
+                          <dgm:shape xmlns:r="http://schemas.openxmlformats.org/officeDocument/2006/relationships" type="roundRect" r:blip="" hideGeom="1">
+                            <dgm:adjLst>
+                              <dgm:adj idx="1" val="0.1"/>
+                            </dgm:adjLst>
+                          </dgm:shape>
+                          <dgm:presOf axis="ch desOrSelf" ptType="node node" st="3 1" cnt="1 0"/>
+                          <dgm:constrLst>
+                            <dgm:constr type="lMarg" refType="primFontSz" fact="0.3"/>
+                            <dgm:constr type="rMarg" refType="primFontSz" fact="0.3"/>
+                            <dgm:constr type="tMarg" refType="primFontSz" fact="0.3"/>
+                            <dgm:constr type="bMarg" refType="primFontSz" fact="0.3"/>
+                          </dgm:constrLst>
+                          <dgm:ruleLst>
+                            <dgm:rule type="primFontSz" val="5" fact="NaN" max="NaN"/>
+                          </dgm:ruleLst>
+                        </dgm:layoutNode>
+                        <dgm:layoutNode name="FiveNodes_4_text">
+                          <dgm:varLst>
+                            <dgm:bulletEnabled val="1"/>
+                          </dgm:varLst>
+                          <dgm:alg type="tx">
+                            <dgm:param type="parTxLTRAlign" val="l"/>
+                            <dgm:param type="txAnchorVertCh" val="mid"/>
+                          </dgm:alg>
+                          <dgm:shape xmlns:r="http://schemas.openxmlformats.org/officeDocument/2006/relationships" type="roundRect" r:blip="" hideGeom="1">
+                            <dgm:adjLst>
+                              <dgm:adj idx="1" val="0.1"/>
+                            </dgm:adjLst>
+                          </dgm:shape>
+                          <dgm:presOf axis="ch desOrSelf" ptType="node node" st="4 1" cnt="1 0"/>
+                          <dgm:constrLst>
+                            <dgm:constr type="lMarg" refType="primFontSz" fact="0.3"/>
+                            <dgm:constr type="rMarg" refType="primFontSz" fact="0.3"/>
+                            <dgm:constr type="tMarg" refType="primFontSz" fact="0.3"/>
+                            <dgm:constr type="bMarg" refType="primFontSz" fact="0.3"/>
+                          </dgm:constrLst>
+                          <dgm:ruleLst>
+                            <dgm:rule type="primFontSz" val="5" fact="NaN" max="NaN"/>
+                          </dgm:ruleLst>
+                        </dgm:layoutNode>
+                        <dgm:layoutNode name="FiveNodes_5_text">
+                          <dgm:varLst>
+                            <dgm:bulletEnabled val="1"/>
+                          </dgm:varLst>
+                          <dgm:alg type="tx">
+                            <dgm:param type="parTxLTRAlign" val="l"/>
+                            <dgm:param type="txAnchorVertCh" val="mid"/>
+                          </dgm:alg>
+                          <dgm:shape xmlns:r="http://schemas.openxmlformats.org/officeDocument/2006/relationships" type="roundRect" r:blip="" hideGeom="1">
+                            <dgm:adjLst>
+                              <dgm:adj idx="1" val="0.1"/>
+                            </dgm:adjLst>
+                          </dgm:shape>
+                          <dgm:presOf axis="ch desOrSelf" ptType="node node" st="5 1" cnt="1 0"/>
+                          <dgm:constrLst>
+                            <dgm:constr type="lMarg" refType="primFontSz" fact="0.3"/>
+                            <dgm:constr type="rMarg" refType="primFontSz" fact="0.3"/>
+                            <dgm:constr type="tMarg" refType="primFontSz" fact="0.3"/>
+                            <dgm:constr type="bMarg" refType="primFontSz" fact="0.3"/>
+                          </dgm:constrLst>
+                          <dgm:ruleLst>
+                            <dgm:rule type="primFontSz" val="5" fact="NaN" max="NaN"/>
+                          </dgm:ruleLst>
+                        </dgm:layoutNode>
+                      </dgm:if>
+                      <dgm:else name="Name17"/>
+                    </dgm:choose>
+                  </dgm:else>
+                </dgm:choose>
+              </dgm:else>
+            </dgm:choose>
+          </dgm:else>
+        </dgm:choose>
+      </dgm:else>
+    </dgm:choose>
   </dgm:layoutNode>
 </dgm:layoutDef>
 </file>
@@ -7300,11 +10388,11 @@
 </file>
 
 <file path=ppt/diagrams/quickStyle2.xml><?xml version="1.0" encoding="utf-8"?>
-<dgm:styleDef xmlns:dgm="http://schemas.openxmlformats.org/drawingml/2006/diagram" xmlns:a="http://schemas.openxmlformats.org/drawingml/2006/main" uniqueId="urn:microsoft.com/office/officeart/2005/8/quickstyle/simple3">
+<dgm:styleDef xmlns:dgm="http://schemas.openxmlformats.org/drawingml/2006/diagram" xmlns:a="http://schemas.openxmlformats.org/drawingml/2006/main" uniqueId="urn:microsoft.com/office/officeart/2005/8/quickstyle/3d3">
   <dgm:title val=""/>
   <dgm:desc val=""/>
   <dgm:catLst>
-    <dgm:cat type="simple" pri="10300"/>
+    <dgm:cat type="3D" pri="11300"/>
   </dgm:catLst>
   <dgm:scene3d>
     <a:camera prst="orthographicFront"/>
@@ -7312,66 +10400,81 @@
   </dgm:scene3d>
   <dgm:styleLbl name="node0">
     <dgm:scene3d>
-      <a:camera prst="orthographicFront"/>
-      <a:lightRig rig="flat" dir="t"/>
+      <a:camera prst="orthographicFront">
+        <a:rot lat="0" lon="0" rev="0"/>
+      </a:camera>
+      <a:lightRig rig="contrasting" dir="t">
+        <a:rot lat="0" lon="0" rev="1200000"/>
+      </a:lightRig>
     </dgm:scene3d>
-    <dgm:sp3d prstMaterial="dkEdge">
-      <a:bevelT w="8200" h="38100"/>
+    <dgm:sp3d contourW="19050" prstMaterial="metal">
+      <a:bevelT w="88900" h="203200"/>
+      <a:bevelB w="165100" h="254000"/>
     </dgm:sp3d>
     <dgm:txPr/>
     <dgm:style>
       <a:lnRef idx="0">
         <a:scrgbClr r="0" g="0" b="0"/>
       </a:lnRef>
-      <a:fillRef idx="2">
+      <a:fillRef idx="1">
         <a:scrgbClr r="0" g="0" b="0"/>
       </a:fillRef>
       <a:effectRef idx="1">
         <a:scrgbClr r="0" g="0" b="0"/>
       </a:effectRef>
       <a:fontRef idx="minor">
-        <a:schemeClr val="dk1"/>
+        <a:schemeClr val="lt1"/>
       </a:fontRef>
     </dgm:style>
   </dgm:styleLbl>
   <dgm:styleLbl name="lnNode1">
     <dgm:scene3d>
-      <a:camera prst="orthographicFront"/>
-      <a:lightRig rig="flat" dir="t"/>
+      <a:camera prst="orthographicFront">
+        <a:rot lat="0" lon="0" rev="0"/>
+      </a:camera>
+      <a:lightRig rig="contrasting" dir="t">
+        <a:rot lat="0" lon="0" rev="1200000"/>
+      </a:lightRig>
     </dgm:scene3d>
-    <dgm:sp3d prstMaterial="dkEdge">
-      <a:bevelT w="8200" h="38100"/>
-    </dgm:sp3d>
-    <dgm:txPr/>
-    <dgm:style>
-      <a:lnRef idx="1">
-        <a:scrgbClr r="0" g="0" b="0"/>
-      </a:lnRef>
-      <a:fillRef idx="2">
-        <a:scrgbClr r="0" g="0" b="0"/>
-      </a:fillRef>
-      <a:effectRef idx="0">
-        <a:scrgbClr r="0" g="0" b="0"/>
-      </a:effectRef>
-      <a:fontRef idx="minor">
-        <a:schemeClr val="dk1"/>
-      </a:fontRef>
-    </dgm:style>
-  </dgm:styleLbl>
-  <dgm:styleLbl name="vennNode1">
-    <dgm:scene3d>
-      <a:camera prst="orthographicFront"/>
-      <a:lightRig rig="flat" dir="t"/>
-    </dgm:scene3d>
-    <dgm:sp3d prstMaterial="dkEdge">
-      <a:bevelT w="8200" h="38100"/>
+    <dgm:sp3d contourW="19050" prstMaterial="metal">
+      <a:bevelT w="88900" h="203200"/>
+      <a:bevelB w="165100" h="254000"/>
     </dgm:sp3d>
     <dgm:txPr/>
     <dgm:style>
       <a:lnRef idx="0">
         <a:scrgbClr r="0" g="0" b="0"/>
       </a:lnRef>
-      <a:fillRef idx="2">
+      <a:fillRef idx="1">
+        <a:scrgbClr r="0" g="0" b="0"/>
+      </a:fillRef>
+      <a:effectRef idx="1">
+        <a:scrgbClr r="0" g="0" b="0"/>
+      </a:effectRef>
+      <a:fontRef idx="minor">
+        <a:schemeClr val="lt1"/>
+      </a:fontRef>
+    </dgm:style>
+  </dgm:styleLbl>
+  <dgm:styleLbl name="vennNode1">
+    <dgm:scene3d>
+      <a:camera prst="orthographicFront">
+        <a:rot lat="0" lon="0" rev="0"/>
+      </a:camera>
+      <a:lightRig rig="contrasting" dir="t">
+        <a:rot lat="0" lon="0" rev="1200000"/>
+      </a:lightRig>
+    </dgm:scene3d>
+    <dgm:sp3d contourW="12700" prstMaterial="clear">
+      <a:bevelT w="177800" h="254000"/>
+      <a:bevelB w="152400"/>
+    </dgm:sp3d>
+    <dgm:txPr/>
+    <dgm:style>
+      <a:lnRef idx="0">
+        <a:scrgbClr r="0" g="0" b="0"/>
+      </a:lnRef>
+      <a:fillRef idx="1">
         <a:scrgbClr r="0" g="0" b="0"/>
       </a:fillRef>
       <a:effectRef idx="0">
@@ -7383,6 +10486,1215 @@
     </dgm:style>
   </dgm:styleLbl>
   <dgm:styleLbl name="alignNode1">
+    <dgm:scene3d>
+      <a:camera prst="orthographicFront">
+        <a:rot lat="0" lon="0" rev="0"/>
+      </a:camera>
+      <a:lightRig rig="contrasting" dir="t">
+        <a:rot lat="0" lon="0" rev="1200000"/>
+      </a:lightRig>
+    </dgm:scene3d>
+    <dgm:sp3d contourW="19050" prstMaterial="metal">
+      <a:bevelT w="88900" h="203200"/>
+      <a:bevelB w="165100" h="254000"/>
+    </dgm:sp3d>
+    <dgm:txPr/>
+    <dgm:style>
+      <a:lnRef idx="0">
+        <a:scrgbClr r="0" g="0" b="0"/>
+      </a:lnRef>
+      <a:fillRef idx="1">
+        <a:scrgbClr r="0" g="0" b="0"/>
+      </a:fillRef>
+      <a:effectRef idx="2">
+        <a:scrgbClr r="0" g="0" b="0"/>
+      </a:effectRef>
+      <a:fontRef idx="minor">
+        <a:schemeClr val="lt1"/>
+      </a:fontRef>
+    </dgm:style>
+  </dgm:styleLbl>
+  <dgm:styleLbl name="node1">
+    <dgm:scene3d>
+      <a:camera prst="orthographicFront">
+        <a:rot lat="0" lon="0" rev="0"/>
+      </a:camera>
+      <a:lightRig rig="contrasting" dir="t">
+        <a:rot lat="0" lon="0" rev="1200000"/>
+      </a:lightRig>
+    </dgm:scene3d>
+    <dgm:sp3d contourW="19050" prstMaterial="metal">
+      <a:bevelT w="88900" h="203200"/>
+      <a:bevelB w="165100" h="254000"/>
+    </dgm:sp3d>
+    <dgm:txPr/>
+    <dgm:style>
+      <a:lnRef idx="0">
+        <a:scrgbClr r="0" g="0" b="0"/>
+      </a:lnRef>
+      <a:fillRef idx="1">
+        <a:scrgbClr r="0" g="0" b="0"/>
+      </a:fillRef>
+      <a:effectRef idx="2">
+        <a:scrgbClr r="0" g="0" b="0"/>
+      </a:effectRef>
+      <a:fontRef idx="minor">
+        <a:schemeClr val="lt1"/>
+      </a:fontRef>
+    </dgm:style>
+  </dgm:styleLbl>
+  <dgm:styleLbl name="node2">
+    <dgm:scene3d>
+      <a:camera prst="orthographicFront">
+        <a:rot lat="0" lon="0" rev="0"/>
+      </a:camera>
+      <a:lightRig rig="contrasting" dir="t">
+        <a:rot lat="0" lon="0" rev="1200000"/>
+      </a:lightRig>
+    </dgm:scene3d>
+    <dgm:sp3d contourW="19050" prstMaterial="metal">
+      <a:bevelT w="88900" h="203200"/>
+      <a:bevelB w="165100" h="254000"/>
+    </dgm:sp3d>
+    <dgm:txPr/>
+    <dgm:style>
+      <a:lnRef idx="0">
+        <a:scrgbClr r="0" g="0" b="0"/>
+      </a:lnRef>
+      <a:fillRef idx="1">
+        <a:scrgbClr r="0" g="0" b="0"/>
+      </a:fillRef>
+      <a:effectRef idx="1">
+        <a:scrgbClr r="0" g="0" b="0"/>
+      </a:effectRef>
+      <a:fontRef idx="minor">
+        <a:schemeClr val="lt1"/>
+      </a:fontRef>
+    </dgm:style>
+  </dgm:styleLbl>
+  <dgm:styleLbl name="node3">
+    <dgm:scene3d>
+      <a:camera prst="orthographicFront">
+        <a:rot lat="0" lon="0" rev="0"/>
+      </a:camera>
+      <a:lightRig rig="contrasting" dir="t">
+        <a:rot lat="0" lon="0" rev="1200000"/>
+      </a:lightRig>
+    </dgm:scene3d>
+    <dgm:sp3d contourW="19050" prstMaterial="metal">
+      <a:bevelT w="88900" h="203200"/>
+      <a:bevelB w="165100" h="254000"/>
+    </dgm:sp3d>
+    <dgm:txPr/>
+    <dgm:style>
+      <a:lnRef idx="0">
+        <a:scrgbClr r="0" g="0" b="0"/>
+      </a:lnRef>
+      <a:fillRef idx="1">
+        <a:scrgbClr r="0" g="0" b="0"/>
+      </a:fillRef>
+      <a:effectRef idx="1">
+        <a:scrgbClr r="0" g="0" b="0"/>
+      </a:effectRef>
+      <a:fontRef idx="minor">
+        <a:schemeClr val="lt1"/>
+      </a:fontRef>
+    </dgm:style>
+  </dgm:styleLbl>
+  <dgm:styleLbl name="node4">
+    <dgm:scene3d>
+      <a:camera prst="orthographicFront">
+        <a:rot lat="0" lon="0" rev="0"/>
+      </a:camera>
+      <a:lightRig rig="contrasting" dir="t">
+        <a:rot lat="0" lon="0" rev="1200000"/>
+      </a:lightRig>
+    </dgm:scene3d>
+    <dgm:sp3d contourW="19050" prstMaterial="metal">
+      <a:bevelT w="88900" h="203200"/>
+      <a:bevelB w="165100" h="254000"/>
+    </dgm:sp3d>
+    <dgm:txPr/>
+    <dgm:style>
+      <a:lnRef idx="0">
+        <a:scrgbClr r="0" g="0" b="0"/>
+      </a:lnRef>
+      <a:fillRef idx="1">
+        <a:scrgbClr r="0" g="0" b="0"/>
+      </a:fillRef>
+      <a:effectRef idx="1">
+        <a:scrgbClr r="0" g="0" b="0"/>
+      </a:effectRef>
+      <a:fontRef idx="minor">
+        <a:schemeClr val="lt1"/>
+      </a:fontRef>
+    </dgm:style>
+  </dgm:styleLbl>
+  <dgm:styleLbl name="fgImgPlace1">
+    <dgm:scene3d>
+      <a:camera prst="orthographicFront">
+        <a:rot lat="0" lon="0" rev="0"/>
+      </a:camera>
+      <a:lightRig rig="contrasting" dir="t">
+        <a:rot lat="0" lon="0" rev="1200000"/>
+      </a:lightRig>
+    </dgm:scene3d>
+    <dgm:sp3d z="300000" contourW="19050" prstMaterial="metal">
+      <a:bevelT w="88900" h="203200"/>
+      <a:bevelB w="165100" h="254000"/>
+    </dgm:sp3d>
+    <dgm:txPr/>
+    <dgm:style>
+      <a:lnRef idx="0">
+        <a:scrgbClr r="0" g="0" b="0"/>
+      </a:lnRef>
+      <a:fillRef idx="1">
+        <a:scrgbClr r="0" g="0" b="0"/>
+      </a:fillRef>
+      <a:effectRef idx="1">
+        <a:scrgbClr r="0" g="0" b="0"/>
+      </a:effectRef>
+      <a:fontRef idx="minor"/>
+    </dgm:style>
+  </dgm:styleLbl>
+  <dgm:styleLbl name="alignImgPlace1">
+    <dgm:scene3d>
+      <a:camera prst="orthographicFront">
+        <a:rot lat="0" lon="0" rev="0"/>
+      </a:camera>
+      <a:lightRig rig="contrasting" dir="t">
+        <a:rot lat="0" lon="0" rev="1200000"/>
+      </a:lightRig>
+    </dgm:scene3d>
+    <dgm:sp3d contourW="12700" prstMaterial="flat">
+      <a:bevelT w="177800" h="254000"/>
+      <a:bevelB w="152400"/>
+    </dgm:sp3d>
+    <dgm:txPr/>
+    <dgm:style>
+      <a:lnRef idx="0">
+        <a:scrgbClr r="0" g="0" b="0"/>
+      </a:lnRef>
+      <a:fillRef idx="1">
+        <a:scrgbClr r="0" g="0" b="0"/>
+      </a:fillRef>
+      <a:effectRef idx="1">
+        <a:scrgbClr r="0" g="0" b="0"/>
+      </a:effectRef>
+      <a:fontRef idx="minor"/>
+    </dgm:style>
+  </dgm:styleLbl>
+  <dgm:styleLbl name="bgImgPlace1">
+    <dgm:scene3d>
+      <a:camera prst="orthographicFront">
+        <a:rot lat="0" lon="0" rev="0"/>
+      </a:camera>
+      <a:lightRig rig="contrasting" dir="t">
+        <a:rot lat="0" lon="0" rev="1200000"/>
+      </a:lightRig>
+    </dgm:scene3d>
+    <dgm:sp3d z="-300000" contourW="19050" prstMaterial="metal">
+      <a:bevelT w="88900" h="203200"/>
+      <a:bevelB w="165100" h="254000"/>
+    </dgm:sp3d>
+    <dgm:txPr/>
+    <dgm:style>
+      <a:lnRef idx="0">
+        <a:scrgbClr r="0" g="0" b="0"/>
+      </a:lnRef>
+      <a:fillRef idx="1">
+        <a:scrgbClr r="0" g="0" b="0"/>
+      </a:fillRef>
+      <a:effectRef idx="1">
+        <a:scrgbClr r="0" g="0" b="0"/>
+      </a:effectRef>
+      <a:fontRef idx="minor"/>
+    </dgm:style>
+  </dgm:styleLbl>
+  <dgm:styleLbl name="sibTrans2D1">
+    <dgm:scene3d>
+      <a:camera prst="orthographicFront">
+        <a:rot lat="0" lon="0" rev="0"/>
+      </a:camera>
+      <a:lightRig rig="contrasting" dir="t">
+        <a:rot lat="0" lon="0" rev="1200000"/>
+      </a:lightRig>
+    </dgm:scene3d>
+    <dgm:sp3d z="-182000" contourW="19050" prstMaterial="metal">
+      <a:bevelT w="88900" h="203200"/>
+      <a:bevelB w="165100" h="254000"/>
+    </dgm:sp3d>
+    <dgm:txPr/>
+    <dgm:style>
+      <a:lnRef idx="0">
+        <a:scrgbClr r="0" g="0" b="0"/>
+      </a:lnRef>
+      <a:fillRef idx="1">
+        <a:scrgbClr r="0" g="0" b="0"/>
+      </a:fillRef>
+      <a:effectRef idx="0">
+        <a:scrgbClr r="0" g="0" b="0"/>
+      </a:effectRef>
+      <a:fontRef idx="minor">
+        <a:schemeClr val="lt1"/>
+      </a:fontRef>
+    </dgm:style>
+  </dgm:styleLbl>
+  <dgm:styleLbl name="fgSibTrans2D1">
+    <dgm:scene3d>
+      <a:camera prst="orthographicFront">
+        <a:rot lat="0" lon="0" rev="0"/>
+      </a:camera>
+      <a:lightRig rig="contrasting" dir="t">
+        <a:rot lat="0" lon="0" rev="1200000"/>
+      </a:lightRig>
+    </dgm:scene3d>
+    <dgm:sp3d z="300000" contourW="19050" prstMaterial="metal">
+      <a:bevelT w="88900" h="203200"/>
+      <a:bevelB w="165100" h="254000"/>
+    </dgm:sp3d>
+    <dgm:txPr/>
+    <dgm:style>
+      <a:lnRef idx="0">
+        <a:scrgbClr r="0" g="0" b="0"/>
+      </a:lnRef>
+      <a:fillRef idx="1">
+        <a:scrgbClr r="0" g="0" b="0"/>
+      </a:fillRef>
+      <a:effectRef idx="0">
+        <a:scrgbClr r="0" g="0" b="0"/>
+      </a:effectRef>
+      <a:fontRef idx="minor"/>
+    </dgm:style>
+  </dgm:styleLbl>
+  <dgm:styleLbl name="bgSibTrans2D1">
+    <dgm:scene3d>
+      <a:camera prst="orthographicFront">
+        <a:rot lat="0" lon="0" rev="0"/>
+      </a:camera>
+      <a:lightRig rig="contrasting" dir="t">
+        <a:rot lat="0" lon="0" rev="1200000"/>
+      </a:lightRig>
+    </dgm:scene3d>
+    <dgm:sp3d z="-300000" contourW="19050" prstMaterial="metal">
+      <a:bevelT w="88900" h="203200"/>
+      <a:bevelB w="165100" h="254000"/>
+    </dgm:sp3d>
+    <dgm:txPr/>
+    <dgm:style>
+      <a:lnRef idx="0">
+        <a:scrgbClr r="0" g="0" b="0"/>
+      </a:lnRef>
+      <a:fillRef idx="1">
+        <a:scrgbClr r="0" g="0" b="0"/>
+      </a:fillRef>
+      <a:effectRef idx="0">
+        <a:scrgbClr r="0" g="0" b="0"/>
+      </a:effectRef>
+      <a:fontRef idx="minor"/>
+    </dgm:style>
+  </dgm:styleLbl>
+  <dgm:styleLbl name="sibTrans1D1">
+    <dgm:scene3d>
+      <a:camera prst="orthographicFront">
+        <a:rot lat="0" lon="0" rev="0"/>
+      </a:camera>
+      <a:lightRig rig="contrasting" dir="t">
+        <a:rot lat="0" lon="0" rev="1200000"/>
+      </a:lightRig>
+    </dgm:scene3d>
+    <dgm:sp3d z="-110000"/>
+    <dgm:txPr/>
+    <dgm:style>
+      <a:lnRef idx="1">
+        <a:scrgbClr r="0" g="0" b="0"/>
+      </a:lnRef>
+      <a:fillRef idx="0">
+        <a:scrgbClr r="0" g="0" b="0"/>
+      </a:fillRef>
+      <a:effectRef idx="0">
+        <a:scrgbClr r="0" g="0" b="0"/>
+      </a:effectRef>
+      <a:fontRef idx="minor"/>
+    </dgm:style>
+  </dgm:styleLbl>
+  <dgm:styleLbl name="callout">
+    <dgm:scene3d>
+      <a:camera prst="orthographicFront">
+        <a:rot lat="0" lon="0" rev="0"/>
+      </a:camera>
+      <a:lightRig rig="contrasting" dir="t">
+        <a:rot lat="0" lon="0" rev="1200000"/>
+      </a:lightRig>
+    </dgm:scene3d>
+    <dgm:sp3d z="10000"/>
+    <dgm:txPr/>
+    <dgm:style>
+      <a:lnRef idx="2">
+        <a:scrgbClr r="0" g="0" b="0"/>
+      </a:lnRef>
+      <a:fillRef idx="1">
+        <a:scrgbClr r="0" g="0" b="0"/>
+      </a:fillRef>
+      <a:effectRef idx="0">
+        <a:scrgbClr r="0" g="0" b="0"/>
+      </a:effectRef>
+      <a:fontRef idx="minor"/>
+    </dgm:style>
+  </dgm:styleLbl>
+  <dgm:styleLbl name="asst0">
+    <dgm:scene3d>
+      <a:camera prst="orthographicFront">
+        <a:rot lat="0" lon="0" rev="0"/>
+      </a:camera>
+      <a:lightRig rig="contrasting" dir="t">
+        <a:rot lat="0" lon="0" rev="1200000"/>
+      </a:lightRig>
+    </dgm:scene3d>
+    <dgm:sp3d contourW="19050" prstMaterial="metal">
+      <a:bevelT w="88900" h="203200"/>
+      <a:bevelB w="165100" h="254000"/>
+    </dgm:sp3d>
+    <dgm:txPr/>
+    <dgm:style>
+      <a:lnRef idx="0">
+        <a:scrgbClr r="0" g="0" b="0"/>
+      </a:lnRef>
+      <a:fillRef idx="1">
+        <a:scrgbClr r="0" g="0" b="0"/>
+      </a:fillRef>
+      <a:effectRef idx="1">
+        <a:scrgbClr r="0" g="0" b="0"/>
+      </a:effectRef>
+      <a:fontRef idx="minor">
+        <a:schemeClr val="lt1"/>
+      </a:fontRef>
+    </dgm:style>
+  </dgm:styleLbl>
+  <dgm:styleLbl name="asst1">
+    <dgm:scene3d>
+      <a:camera prst="orthographicFront">
+        <a:rot lat="0" lon="0" rev="0"/>
+      </a:camera>
+      <a:lightRig rig="contrasting" dir="t">
+        <a:rot lat="0" lon="0" rev="1200000"/>
+      </a:lightRig>
+    </dgm:scene3d>
+    <dgm:sp3d contourW="19050" prstMaterial="metal">
+      <a:bevelT w="88900" h="203200"/>
+      <a:bevelB w="165100" h="254000"/>
+    </dgm:sp3d>
+    <dgm:txPr/>
+    <dgm:style>
+      <a:lnRef idx="0">
+        <a:scrgbClr r="0" g="0" b="0"/>
+      </a:lnRef>
+      <a:fillRef idx="1">
+        <a:scrgbClr r="0" g="0" b="0"/>
+      </a:fillRef>
+      <a:effectRef idx="1">
+        <a:scrgbClr r="0" g="0" b="0"/>
+      </a:effectRef>
+      <a:fontRef idx="minor">
+        <a:schemeClr val="lt1"/>
+      </a:fontRef>
+    </dgm:style>
+  </dgm:styleLbl>
+  <dgm:styleLbl name="asst2">
+    <dgm:scene3d>
+      <a:camera prst="orthographicFront">
+        <a:rot lat="0" lon="0" rev="0"/>
+      </a:camera>
+      <a:lightRig rig="contrasting" dir="t">
+        <a:rot lat="0" lon="0" rev="1200000"/>
+      </a:lightRig>
+    </dgm:scene3d>
+    <dgm:sp3d contourW="19050" prstMaterial="metal">
+      <a:bevelT w="88900" h="203200"/>
+      <a:bevelB w="165100" h="254000"/>
+    </dgm:sp3d>
+    <dgm:txPr/>
+    <dgm:style>
+      <a:lnRef idx="0">
+        <a:scrgbClr r="0" g="0" b="0"/>
+      </a:lnRef>
+      <a:fillRef idx="1">
+        <a:scrgbClr r="0" g="0" b="0"/>
+      </a:fillRef>
+      <a:effectRef idx="1">
+        <a:scrgbClr r="0" g="0" b="0"/>
+      </a:effectRef>
+      <a:fontRef idx="minor">
+        <a:schemeClr val="lt1"/>
+      </a:fontRef>
+    </dgm:style>
+  </dgm:styleLbl>
+  <dgm:styleLbl name="asst3">
+    <dgm:scene3d>
+      <a:camera prst="orthographicFront">
+        <a:rot lat="0" lon="0" rev="0"/>
+      </a:camera>
+      <a:lightRig rig="contrasting" dir="t">
+        <a:rot lat="0" lon="0" rev="1200000"/>
+      </a:lightRig>
+    </dgm:scene3d>
+    <dgm:sp3d contourW="19050" prstMaterial="metal">
+      <a:bevelT w="88900" h="203200"/>
+      <a:bevelB w="165100" h="254000"/>
+    </dgm:sp3d>
+    <dgm:txPr/>
+    <dgm:style>
+      <a:lnRef idx="0">
+        <a:scrgbClr r="0" g="0" b="0"/>
+      </a:lnRef>
+      <a:fillRef idx="1">
+        <a:scrgbClr r="0" g="0" b="0"/>
+      </a:fillRef>
+      <a:effectRef idx="1">
+        <a:scrgbClr r="0" g="0" b="0"/>
+      </a:effectRef>
+      <a:fontRef idx="minor">
+        <a:schemeClr val="lt1"/>
+      </a:fontRef>
+    </dgm:style>
+  </dgm:styleLbl>
+  <dgm:styleLbl name="asst4">
+    <dgm:scene3d>
+      <a:camera prst="orthographicFront"/>
+      <a:lightRig rig="threePt" dir="t"/>
+    </dgm:scene3d>
+    <dgm:sp3d contourW="19050" prstMaterial="metal">
+      <a:bevelT w="88900" h="203200"/>
+      <a:bevelB w="165100" h="254000"/>
+    </dgm:sp3d>
+    <dgm:txPr/>
+    <dgm:style>
+      <a:lnRef idx="0">
+        <a:scrgbClr r="0" g="0" b="0"/>
+      </a:lnRef>
+      <a:fillRef idx="1">
+        <a:scrgbClr r="0" g="0" b="0"/>
+      </a:fillRef>
+      <a:effectRef idx="1">
+        <a:scrgbClr r="0" g="0" b="0"/>
+      </a:effectRef>
+      <a:fontRef idx="minor">
+        <a:schemeClr val="lt1"/>
+      </a:fontRef>
+    </dgm:style>
+  </dgm:styleLbl>
+  <dgm:styleLbl name="parChTrans2D1">
+    <dgm:scene3d>
+      <a:camera prst="orthographicFront">
+        <a:rot lat="0" lon="0" rev="0"/>
+      </a:camera>
+      <a:lightRig rig="contrasting" dir="t">
+        <a:rot lat="0" lon="0" rev="1200000"/>
+      </a:lightRig>
+    </dgm:scene3d>
+    <dgm:sp3d contourW="19050" prstMaterial="metal">
+      <a:bevelT w="88900" h="203200"/>
+      <a:bevelB w="165100" h="254000"/>
+    </dgm:sp3d>
+    <dgm:txPr/>
+    <dgm:style>
+      <a:lnRef idx="0">
+        <a:scrgbClr r="0" g="0" b="0"/>
+      </a:lnRef>
+      <a:fillRef idx="1">
+        <a:scrgbClr r="0" g="0" b="0"/>
+      </a:fillRef>
+      <a:effectRef idx="0">
+        <a:scrgbClr r="0" g="0" b="0"/>
+      </a:effectRef>
+      <a:fontRef idx="minor"/>
+    </dgm:style>
+  </dgm:styleLbl>
+  <dgm:styleLbl name="parChTrans2D2">
+    <dgm:scene3d>
+      <a:camera prst="orthographicFront">
+        <a:rot lat="0" lon="0" rev="0"/>
+      </a:camera>
+      <a:lightRig rig="contrasting" dir="t">
+        <a:rot lat="0" lon="0" rev="1200000"/>
+      </a:lightRig>
+    </dgm:scene3d>
+    <dgm:sp3d contourW="19050" prstMaterial="metal">
+      <a:bevelT w="88900" h="203200"/>
+      <a:bevelB w="165100" h="254000"/>
+    </dgm:sp3d>
+    <dgm:txPr/>
+    <dgm:style>
+      <a:lnRef idx="0">
+        <a:scrgbClr r="0" g="0" b="0"/>
+      </a:lnRef>
+      <a:fillRef idx="1">
+        <a:scrgbClr r="0" g="0" b="0"/>
+      </a:fillRef>
+      <a:effectRef idx="0">
+        <a:scrgbClr r="0" g="0" b="0"/>
+      </a:effectRef>
+      <a:fontRef idx="minor"/>
+    </dgm:style>
+  </dgm:styleLbl>
+  <dgm:styleLbl name="parChTrans2D3">
+    <dgm:scene3d>
+      <a:camera prst="orthographicFront">
+        <a:rot lat="0" lon="0" rev="0"/>
+      </a:camera>
+      <a:lightRig rig="contrasting" dir="t">
+        <a:rot lat="0" lon="0" rev="1200000"/>
+      </a:lightRig>
+    </dgm:scene3d>
+    <dgm:sp3d contourW="19050" prstMaterial="metal">
+      <a:bevelT w="88900" h="203200"/>
+      <a:bevelB w="165100" h="254000"/>
+    </dgm:sp3d>
+    <dgm:txPr/>
+    <dgm:style>
+      <a:lnRef idx="0">
+        <a:scrgbClr r="0" g="0" b="0"/>
+      </a:lnRef>
+      <a:fillRef idx="1">
+        <a:scrgbClr r="0" g="0" b="0"/>
+      </a:fillRef>
+      <a:effectRef idx="0">
+        <a:scrgbClr r="0" g="0" b="0"/>
+      </a:effectRef>
+      <a:fontRef idx="minor"/>
+    </dgm:style>
+  </dgm:styleLbl>
+  <dgm:styleLbl name="parChTrans2D4">
+    <dgm:scene3d>
+      <a:camera prst="orthographicFront">
+        <a:rot lat="0" lon="0" rev="0"/>
+      </a:camera>
+      <a:lightRig rig="contrasting" dir="t">
+        <a:rot lat="0" lon="0" rev="1200000"/>
+      </a:lightRig>
+    </dgm:scene3d>
+    <dgm:sp3d contourW="19050" prstMaterial="metal">
+      <a:bevelT w="88900" h="203200"/>
+      <a:bevelB w="165100" h="254000"/>
+    </dgm:sp3d>
+    <dgm:txPr/>
+    <dgm:style>
+      <a:lnRef idx="0">
+        <a:scrgbClr r="0" g="0" b="0"/>
+      </a:lnRef>
+      <a:fillRef idx="1">
+        <a:scrgbClr r="0" g="0" b="0"/>
+      </a:fillRef>
+      <a:effectRef idx="0">
+        <a:scrgbClr r="0" g="0" b="0"/>
+      </a:effectRef>
+      <a:fontRef idx="minor"/>
+    </dgm:style>
+  </dgm:styleLbl>
+  <dgm:styleLbl name="parChTrans1D1">
+    <dgm:scene3d>
+      <a:camera prst="orthographicFront">
+        <a:rot lat="0" lon="0" rev="0"/>
+      </a:camera>
+      <a:lightRig rig="contrasting" dir="t">
+        <a:rot lat="0" lon="0" rev="1200000"/>
+      </a:lightRig>
+    </dgm:scene3d>
+    <dgm:sp3d z="-110000"/>
+    <dgm:txPr/>
+    <dgm:style>
+      <a:lnRef idx="2">
+        <a:scrgbClr r="0" g="0" b="0"/>
+      </a:lnRef>
+      <a:fillRef idx="0">
+        <a:scrgbClr r="0" g="0" b="0"/>
+      </a:fillRef>
+      <a:effectRef idx="0">
+        <a:scrgbClr r="0" g="0" b="0"/>
+      </a:effectRef>
+      <a:fontRef idx="minor"/>
+    </dgm:style>
+  </dgm:styleLbl>
+  <dgm:styleLbl name="parChTrans1D2">
+    <dgm:scene3d>
+      <a:camera prst="orthographicFront">
+        <a:rot lat="0" lon="0" rev="0"/>
+      </a:camera>
+      <a:lightRig rig="contrasting" dir="t">
+        <a:rot lat="0" lon="0" rev="1200000"/>
+      </a:lightRig>
+    </dgm:scene3d>
+    <dgm:sp3d z="-110000"/>
+    <dgm:txPr/>
+    <dgm:style>
+      <a:lnRef idx="2">
+        <a:scrgbClr r="0" g="0" b="0"/>
+      </a:lnRef>
+      <a:fillRef idx="0">
+        <a:scrgbClr r="0" g="0" b="0"/>
+      </a:fillRef>
+      <a:effectRef idx="0">
+        <a:scrgbClr r="0" g="0" b="0"/>
+      </a:effectRef>
+      <a:fontRef idx="minor"/>
+    </dgm:style>
+  </dgm:styleLbl>
+  <dgm:styleLbl name="parChTrans1D3">
+    <dgm:scene3d>
+      <a:camera prst="orthographicFront">
+        <a:rot lat="0" lon="0" rev="0"/>
+      </a:camera>
+      <a:lightRig rig="contrasting" dir="t">
+        <a:rot lat="0" lon="0" rev="1200000"/>
+      </a:lightRig>
+    </dgm:scene3d>
+    <dgm:sp3d z="-110000"/>
+    <dgm:txPr/>
+    <dgm:style>
+      <a:lnRef idx="2">
+        <a:scrgbClr r="0" g="0" b="0"/>
+      </a:lnRef>
+      <a:fillRef idx="0">
+        <a:scrgbClr r="0" g="0" b="0"/>
+      </a:fillRef>
+      <a:effectRef idx="0">
+        <a:scrgbClr r="0" g="0" b="0"/>
+      </a:effectRef>
+      <a:fontRef idx="minor"/>
+    </dgm:style>
+  </dgm:styleLbl>
+  <dgm:styleLbl name="parChTrans1D4">
+    <dgm:scene3d>
+      <a:camera prst="orthographicFront">
+        <a:rot lat="0" lon="0" rev="0"/>
+      </a:camera>
+      <a:lightRig rig="contrasting" dir="t">
+        <a:rot lat="0" lon="0" rev="1200000"/>
+      </a:lightRig>
+    </dgm:scene3d>
+    <dgm:sp3d z="-110000"/>
+    <dgm:txPr/>
+    <dgm:style>
+      <a:lnRef idx="2">
+        <a:scrgbClr r="0" g="0" b="0"/>
+      </a:lnRef>
+      <a:fillRef idx="0">
+        <a:scrgbClr r="0" g="0" b="0"/>
+      </a:fillRef>
+      <a:effectRef idx="0">
+        <a:scrgbClr r="0" g="0" b="0"/>
+      </a:effectRef>
+      <a:fontRef idx="minor"/>
+    </dgm:style>
+  </dgm:styleLbl>
+  <dgm:styleLbl name="fgAcc1">
+    <dgm:scene3d>
+      <a:camera prst="orthographicFront">
+        <a:rot lat="0" lon="0" rev="0"/>
+      </a:camera>
+      <a:lightRig rig="contrasting" dir="t">
+        <a:rot lat="0" lon="0" rev="1200000"/>
+      </a:lightRig>
+    </dgm:scene3d>
+    <dgm:sp3d z="300000" contourW="19050" prstMaterial="metal">
+      <a:bevelT w="88900" h="203200"/>
+      <a:bevelB w="165100" h="254000"/>
+    </dgm:sp3d>
+    <dgm:txPr/>
+    <dgm:style>
+      <a:lnRef idx="0">
+        <a:scrgbClr r="0" g="0" b="0"/>
+      </a:lnRef>
+      <a:fillRef idx="1">
+        <a:scrgbClr r="0" g="0" b="0"/>
+      </a:fillRef>
+      <a:effectRef idx="0">
+        <a:scrgbClr r="0" g="0" b="0"/>
+      </a:effectRef>
+      <a:fontRef idx="minor"/>
+    </dgm:style>
+  </dgm:styleLbl>
+  <dgm:styleLbl name="conFgAcc1">
+    <dgm:scene3d>
+      <a:camera prst="orthographicFront">
+        <a:rot lat="0" lon="0" rev="0"/>
+      </a:camera>
+      <a:lightRig rig="contrasting" dir="t">
+        <a:rot lat="0" lon="0" rev="1200000"/>
+      </a:lightRig>
+    </dgm:scene3d>
+    <dgm:sp3d z="300000" contourW="19050" prstMaterial="metal">
+      <a:bevelT w="88900" h="203200"/>
+      <a:bevelB w="165100" h="254000"/>
+    </dgm:sp3d>
+    <dgm:txPr/>
+    <dgm:style>
+      <a:lnRef idx="0">
+        <a:scrgbClr r="0" g="0" b="0"/>
+      </a:lnRef>
+      <a:fillRef idx="1">
+        <a:scrgbClr r="0" g="0" b="0"/>
+      </a:fillRef>
+      <a:effectRef idx="0">
+        <a:scrgbClr r="0" g="0" b="0"/>
+      </a:effectRef>
+      <a:fontRef idx="minor"/>
+    </dgm:style>
+  </dgm:styleLbl>
+  <dgm:styleLbl name="alignAcc1">
+    <dgm:scene3d>
+      <a:camera prst="orthographicFront">
+        <a:rot lat="0" lon="0" rev="0"/>
+      </a:camera>
+      <a:lightRig rig="contrasting" dir="t">
+        <a:rot lat="0" lon="0" rev="1200000"/>
+      </a:lightRig>
+    </dgm:scene3d>
+    <dgm:sp3d contourW="19050" prstMaterial="metal">
+      <a:bevelT w="88900" h="203200"/>
+      <a:bevelB w="165100" h="254000"/>
+    </dgm:sp3d>
+    <dgm:txPr/>
+    <dgm:style>
+      <a:lnRef idx="0">
+        <a:scrgbClr r="0" g="0" b="0"/>
+      </a:lnRef>
+      <a:fillRef idx="1">
+        <a:scrgbClr r="0" g="0" b="0"/>
+      </a:fillRef>
+      <a:effectRef idx="0">
+        <a:scrgbClr r="0" g="0" b="0"/>
+      </a:effectRef>
+      <a:fontRef idx="minor"/>
+    </dgm:style>
+  </dgm:styleLbl>
+  <dgm:styleLbl name="trAlignAcc1">
+    <dgm:scene3d>
+      <a:camera prst="orthographicFront">
+        <a:rot lat="0" lon="0" rev="0"/>
+      </a:camera>
+      <a:lightRig rig="contrasting" dir="t">
+        <a:rot lat="0" lon="0" rev="1200000"/>
+      </a:lightRig>
+    </dgm:scene3d>
+    <dgm:sp3d contourW="19050" prstMaterial="metal">
+      <a:bevelT w="88900" h="203200"/>
+      <a:bevelB w="165100" h="254000"/>
+    </dgm:sp3d>
+    <dgm:txPr/>
+    <dgm:style>
+      <a:lnRef idx="0">
+        <a:scrgbClr r="0" g="0" b="0"/>
+      </a:lnRef>
+      <a:fillRef idx="1">
+        <a:scrgbClr r="0" g="0" b="0"/>
+      </a:fillRef>
+      <a:effectRef idx="1">
+        <a:scrgbClr r="0" g="0" b="0"/>
+      </a:effectRef>
+      <a:fontRef idx="minor"/>
+    </dgm:style>
+  </dgm:styleLbl>
+  <dgm:styleLbl name="bgAcc1">
+    <dgm:scene3d>
+      <a:camera prst="orthographicFront">
+        <a:rot lat="0" lon="0" rev="0"/>
+      </a:camera>
+      <a:lightRig rig="contrasting" dir="t">
+        <a:rot lat="0" lon="0" rev="1200000"/>
+      </a:lightRig>
+    </dgm:scene3d>
+    <dgm:sp3d z="-300000" contourW="19050" prstMaterial="metal">
+      <a:bevelT w="88900" h="203200"/>
+      <a:bevelB w="165100" h="254000"/>
+    </dgm:sp3d>
+    <dgm:txPr/>
+    <dgm:style>
+      <a:lnRef idx="0">
+        <a:scrgbClr r="0" g="0" b="0"/>
+      </a:lnRef>
+      <a:fillRef idx="1">
+        <a:scrgbClr r="0" g="0" b="0"/>
+      </a:fillRef>
+      <a:effectRef idx="0">
+        <a:scrgbClr r="0" g="0" b="0"/>
+      </a:effectRef>
+      <a:fontRef idx="minor"/>
+    </dgm:style>
+  </dgm:styleLbl>
+  <dgm:styleLbl name="solidFgAcc1">
+    <dgm:scene3d>
+      <a:camera prst="orthographicFront">
+        <a:rot lat="0" lon="0" rev="0"/>
+      </a:camera>
+      <a:lightRig rig="contrasting" dir="t">
+        <a:rot lat="0" lon="0" rev="1200000"/>
+      </a:lightRig>
+    </dgm:scene3d>
+    <dgm:sp3d z="300000" contourW="12700" prstMaterial="flat">
+      <a:bevelT w="177800" h="254000"/>
+      <a:bevelB w="152400"/>
+    </dgm:sp3d>
+    <dgm:txPr/>
+    <dgm:style>
+      <a:lnRef idx="0">
+        <a:scrgbClr r="0" g="0" b="0"/>
+      </a:lnRef>
+      <a:fillRef idx="1">
+        <a:scrgbClr r="0" g="0" b="0"/>
+      </a:fillRef>
+      <a:effectRef idx="0">
+        <a:scrgbClr r="0" g="0" b="0"/>
+      </a:effectRef>
+      <a:fontRef idx="minor"/>
+    </dgm:style>
+  </dgm:styleLbl>
+  <dgm:styleLbl name="solidAlignAcc1">
+    <dgm:scene3d>
+      <a:camera prst="orthographicFront">
+        <a:rot lat="0" lon="0" rev="0"/>
+      </a:camera>
+      <a:lightRig rig="contrasting" dir="t">
+        <a:rot lat="0" lon="0" rev="1200000"/>
+      </a:lightRig>
+    </dgm:scene3d>
+    <dgm:sp3d contourW="19050" prstMaterial="metal">
+      <a:bevelT w="88900" h="203200"/>
+      <a:bevelB w="165100" h="254000"/>
+    </dgm:sp3d>
+    <dgm:txPr/>
+    <dgm:style>
+      <a:lnRef idx="0">
+        <a:scrgbClr r="0" g="0" b="0"/>
+      </a:lnRef>
+      <a:fillRef idx="1">
+        <a:scrgbClr r="0" g="0" b="0"/>
+      </a:fillRef>
+      <a:effectRef idx="0">
+        <a:scrgbClr r="0" g="0" b="0"/>
+      </a:effectRef>
+      <a:fontRef idx="minor"/>
+    </dgm:style>
+  </dgm:styleLbl>
+  <dgm:styleLbl name="solidBgAcc1">
+    <dgm:scene3d>
+      <a:camera prst="orthographicFront">
+        <a:rot lat="0" lon="0" rev="0"/>
+      </a:camera>
+      <a:lightRig rig="contrasting" dir="t">
+        <a:rot lat="0" lon="0" rev="1200000"/>
+      </a:lightRig>
+    </dgm:scene3d>
+    <dgm:sp3d z="-300000" contourW="19050" prstMaterial="metal">
+      <a:bevelT w="88900" h="203200"/>
+      <a:bevelB w="165100" h="254000"/>
+    </dgm:sp3d>
+    <dgm:txPr/>
+    <dgm:style>
+      <a:lnRef idx="0">
+        <a:scrgbClr r="0" g="0" b="0"/>
+      </a:lnRef>
+      <a:fillRef idx="1">
+        <a:scrgbClr r="0" g="0" b="0"/>
+      </a:fillRef>
+      <a:effectRef idx="0">
+        <a:scrgbClr r="0" g="0" b="0"/>
+      </a:effectRef>
+      <a:fontRef idx="minor"/>
+    </dgm:style>
+  </dgm:styleLbl>
+  <dgm:styleLbl name="fgAccFollowNode1">
+    <dgm:scene3d>
+      <a:camera prst="orthographicFront">
+        <a:rot lat="0" lon="0" rev="0"/>
+      </a:camera>
+      <a:lightRig rig="contrasting" dir="t">
+        <a:rot lat="0" lon="0" rev="1200000"/>
+      </a:lightRig>
+    </dgm:scene3d>
+    <dgm:sp3d z="300000" contourW="19050" prstMaterial="metal">
+      <a:bevelT w="88900" h="203200"/>
+      <a:bevelB w="165100" h="254000"/>
+    </dgm:sp3d>
+    <dgm:txPr/>
+    <dgm:style>
+      <a:lnRef idx="0">
+        <a:scrgbClr r="0" g="0" b="0"/>
+      </a:lnRef>
+      <a:fillRef idx="1">
+        <a:scrgbClr r="0" g="0" b="0"/>
+      </a:fillRef>
+      <a:effectRef idx="0">
+        <a:scrgbClr r="0" g="0" b="0"/>
+      </a:effectRef>
+      <a:fontRef idx="minor"/>
+    </dgm:style>
+  </dgm:styleLbl>
+  <dgm:styleLbl name="alignAccFollowNode1">
+    <dgm:scene3d>
+      <a:camera prst="orthographicFront">
+        <a:rot lat="0" lon="0" rev="0"/>
+      </a:camera>
+      <a:lightRig rig="contrasting" dir="t">
+        <a:rot lat="0" lon="0" rev="1200000"/>
+      </a:lightRig>
+    </dgm:scene3d>
+    <dgm:sp3d contourW="19050" prstMaterial="metal">
+      <a:bevelT w="88900" h="203200"/>
+      <a:bevelB w="165100" h="254000"/>
+    </dgm:sp3d>
+    <dgm:txPr/>
+    <dgm:style>
+      <a:lnRef idx="0">
+        <a:scrgbClr r="0" g="0" b="0"/>
+      </a:lnRef>
+      <a:fillRef idx="1">
+        <a:scrgbClr r="0" g="0" b="0"/>
+      </a:fillRef>
+      <a:effectRef idx="0">
+        <a:scrgbClr r="0" g="0" b="0"/>
+      </a:effectRef>
+      <a:fontRef idx="minor"/>
+    </dgm:style>
+  </dgm:styleLbl>
+  <dgm:styleLbl name="bgAccFollowNode1">
+    <dgm:scene3d>
+      <a:camera prst="orthographicFront">
+        <a:rot lat="0" lon="0" rev="0"/>
+      </a:camera>
+      <a:lightRig rig="contrasting" dir="t">
+        <a:rot lat="0" lon="0" rev="1200000"/>
+      </a:lightRig>
+    </dgm:scene3d>
+    <dgm:sp3d z="-300000" contourW="19050" prstMaterial="metal">
+      <a:bevelT w="88900" h="203200"/>
+      <a:bevelB w="165100" h="254000"/>
+    </dgm:sp3d>
+    <dgm:txPr/>
+    <dgm:style>
+      <a:lnRef idx="0">
+        <a:scrgbClr r="0" g="0" b="0"/>
+      </a:lnRef>
+      <a:fillRef idx="1">
+        <a:scrgbClr r="0" g="0" b="0"/>
+      </a:fillRef>
+      <a:effectRef idx="0">
+        <a:scrgbClr r="0" g="0" b="0"/>
+      </a:effectRef>
+      <a:fontRef idx="minor"/>
+    </dgm:style>
+  </dgm:styleLbl>
+  <dgm:styleLbl name="fgAcc0">
+    <dgm:scene3d>
+      <a:camera prst="orthographicFront">
+        <a:rot lat="0" lon="0" rev="0"/>
+      </a:camera>
+      <a:lightRig rig="contrasting" dir="t">
+        <a:rot lat="0" lon="0" rev="1200000"/>
+      </a:lightRig>
+    </dgm:scene3d>
+    <dgm:sp3d z="300000" contourW="19050" prstMaterial="metal">
+      <a:bevelT w="88900" h="203200"/>
+      <a:bevelB w="165100" h="254000"/>
+    </dgm:sp3d>
+    <dgm:txPr/>
+    <dgm:style>
+      <a:lnRef idx="0">
+        <a:scrgbClr r="0" g="0" b="0"/>
+      </a:lnRef>
+      <a:fillRef idx="1">
+        <a:scrgbClr r="0" g="0" b="0"/>
+      </a:fillRef>
+      <a:effectRef idx="0">
+        <a:scrgbClr r="0" g="0" b="0"/>
+      </a:effectRef>
+      <a:fontRef idx="minor"/>
+    </dgm:style>
+  </dgm:styleLbl>
+  <dgm:styleLbl name="fgAcc2">
+    <dgm:scene3d>
+      <a:camera prst="orthographicFront">
+        <a:rot lat="0" lon="0" rev="0"/>
+      </a:camera>
+      <a:lightRig rig="contrasting" dir="t">
+        <a:rot lat="0" lon="0" rev="1200000"/>
+      </a:lightRig>
+    </dgm:scene3d>
+    <dgm:sp3d z="300000" contourW="19050" prstMaterial="metal">
+      <a:bevelT w="88900" h="203200"/>
+      <a:bevelB w="165100" h="254000"/>
+    </dgm:sp3d>
+    <dgm:txPr/>
+    <dgm:style>
+      <a:lnRef idx="0">
+        <a:scrgbClr r="0" g="0" b="0"/>
+      </a:lnRef>
+      <a:fillRef idx="1">
+        <a:scrgbClr r="0" g="0" b="0"/>
+      </a:fillRef>
+      <a:effectRef idx="0">
+        <a:scrgbClr r="0" g="0" b="0"/>
+      </a:effectRef>
+      <a:fontRef idx="minor"/>
+    </dgm:style>
+  </dgm:styleLbl>
+  <dgm:styleLbl name="fgAcc3">
+    <dgm:scene3d>
+      <a:camera prst="orthographicFront">
+        <a:rot lat="0" lon="0" rev="0"/>
+      </a:camera>
+      <a:lightRig rig="contrasting" dir="t">
+        <a:rot lat="0" lon="0" rev="1200000"/>
+      </a:lightRig>
+    </dgm:scene3d>
+    <dgm:sp3d z="300000" contourW="19050" prstMaterial="metal">
+      <a:bevelT w="88900" h="203200"/>
+      <a:bevelB w="165100" h="254000"/>
+    </dgm:sp3d>
+    <dgm:txPr/>
+    <dgm:style>
+      <a:lnRef idx="0">
+        <a:scrgbClr r="0" g="0" b="0"/>
+      </a:lnRef>
+      <a:fillRef idx="1">
+        <a:scrgbClr r="0" g="0" b="0"/>
+      </a:fillRef>
+      <a:effectRef idx="0">
+        <a:scrgbClr r="0" g="0" b="0"/>
+      </a:effectRef>
+      <a:fontRef idx="minor"/>
+    </dgm:style>
+  </dgm:styleLbl>
+  <dgm:styleLbl name="fgAcc4">
+    <dgm:scene3d>
+      <a:camera prst="orthographicFront">
+        <a:rot lat="0" lon="0" rev="0"/>
+      </a:camera>
+      <a:lightRig rig="contrasting" dir="t">
+        <a:rot lat="0" lon="0" rev="1200000"/>
+      </a:lightRig>
+    </dgm:scene3d>
+    <dgm:sp3d z="300000" contourW="19050" prstMaterial="metal">
+      <a:bevelT w="88900" h="203200"/>
+      <a:bevelB w="165100" h="254000"/>
+    </dgm:sp3d>
+    <dgm:txPr/>
+    <dgm:style>
+      <a:lnRef idx="0">
+        <a:scrgbClr r="0" g="0" b="0"/>
+      </a:lnRef>
+      <a:fillRef idx="1">
+        <a:scrgbClr r="0" g="0" b="0"/>
+      </a:fillRef>
+      <a:effectRef idx="0">
+        <a:scrgbClr r="0" g="0" b="0"/>
+      </a:effectRef>
+      <a:fontRef idx="minor"/>
+    </dgm:style>
+  </dgm:styleLbl>
+  <dgm:styleLbl name="bgShp">
+    <dgm:scene3d>
+      <a:camera prst="orthographicFront">
+        <a:rot lat="0" lon="0" rev="0"/>
+      </a:camera>
+      <a:lightRig rig="contrasting" dir="t">
+        <a:rot lat="0" lon="0" rev="1200000"/>
+      </a:lightRig>
+    </dgm:scene3d>
+    <dgm:sp3d z="-300000" prstMaterial="plastic"/>
+    <dgm:txPr/>
+    <dgm:style>
+      <a:lnRef idx="1">
+        <a:scrgbClr r="0" g="0" b="0"/>
+      </a:lnRef>
+      <a:fillRef idx="1">
+        <a:scrgbClr r="0" g="0" b="0"/>
+      </a:fillRef>
+      <a:effectRef idx="0">
+        <a:scrgbClr r="0" g="0" b="0"/>
+      </a:effectRef>
+      <a:fontRef idx="minor"/>
+    </dgm:style>
+  </dgm:styleLbl>
+  <dgm:styleLbl name="dkBgShp">
+    <dgm:scene3d>
+      <a:camera prst="orthographicFront">
+        <a:rot lat="0" lon="0" rev="0"/>
+      </a:camera>
+      <a:lightRig rig="contrasting" dir="t">
+        <a:rot lat="0" lon="0" rev="1200000"/>
+      </a:lightRig>
+    </dgm:scene3d>
+    <dgm:sp3d contourW="12700" prstMaterial="flat">
+      <a:bevelT w="100800" h="154000"/>
+      <a:bevelB w="152400"/>
+    </dgm:sp3d>
+    <dgm:txPr/>
+    <dgm:style>
+      <a:lnRef idx="0">
+        <a:scrgbClr r="0" g="0" b="0"/>
+      </a:lnRef>
+      <a:fillRef idx="1">
+        <a:scrgbClr r="0" g="0" b="0"/>
+      </a:fillRef>
+      <a:effectRef idx="0">
+        <a:scrgbClr r="0" g="0" b="0"/>
+      </a:effectRef>
+      <a:fontRef idx="minor"/>
+    </dgm:style>
+  </dgm:styleLbl>
+  <dgm:styleLbl name="trBgShp">
+    <dgm:scene3d>
+      <a:camera prst="orthographicFront">
+        <a:rot lat="0" lon="0" rev="0"/>
+      </a:camera>
+      <a:lightRig rig="contrasting" dir="t">
+        <a:rot lat="0" lon="0" rev="1200000"/>
+      </a:lightRig>
+    </dgm:scene3d>
+    <dgm:sp3d z="-152400" prstMaterial="matte"/>
+    <dgm:txPr/>
+    <dgm:style>
+      <a:lnRef idx="1">
+        <a:scrgbClr r="0" g="0" b="0"/>
+      </a:lnRef>
+      <a:fillRef idx="1">
+        <a:scrgbClr r="0" g="0" b="0"/>
+      </a:fillRef>
+      <a:effectRef idx="0">
+        <a:scrgbClr r="0" g="0" b="0"/>
+      </a:effectRef>
+      <a:fontRef idx="minor"/>
+    </dgm:style>
+  </dgm:styleLbl>
+  <dgm:styleLbl name="fgShp">
+    <dgm:scene3d>
+      <a:camera prst="orthographicFront">
+        <a:rot lat="0" lon="0" rev="0"/>
+      </a:camera>
+      <a:lightRig rig="contrasting" dir="t">
+        <a:rot lat="0" lon="0" rev="1200000"/>
+      </a:lightRig>
+    </dgm:scene3d>
+    <dgm:sp3d z="300000" contourW="19050" prstMaterial="metal">
+      <a:bevelT w="88900" h="203200"/>
+      <a:bevelB w="165100" h="254000"/>
+    </dgm:sp3d>
+    <dgm:txPr/>
+    <dgm:style>
+      <a:lnRef idx="0">
+        <a:scrgbClr r="0" g="0" b="0"/>
+      </a:lnRef>
+      <a:fillRef idx="1">
+        <a:scrgbClr r="0" g="0" b="0"/>
+      </a:fillRef>
+      <a:effectRef idx="0">
+        <a:scrgbClr r="0" g="0" b="0"/>
+      </a:effectRef>
+      <a:fontRef idx="minor"/>
+    </dgm:style>
+  </dgm:styleLbl>
+  <dgm:styleLbl name="revTx">
     <dgm:scene3d>
       <a:camera prst="orthographicFront"/>
       <a:lightRig rig="threePt" dir="t"/>
@@ -7391,960 +11703,6 @@
     <dgm:txPr/>
     <dgm:style>
       <a:lnRef idx="1">
-        <a:scrgbClr r="0" g="0" b="0"/>
-      </a:lnRef>
-      <a:fillRef idx="2">
-        <a:scrgbClr r="0" g="0" b="0"/>
-      </a:fillRef>
-      <a:effectRef idx="1">
-        <a:scrgbClr r="0" g="0" b="0"/>
-      </a:effectRef>
-      <a:fontRef idx="minor">
-        <a:schemeClr val="dk1"/>
-      </a:fontRef>
-    </dgm:style>
-  </dgm:styleLbl>
-  <dgm:styleLbl name="node1">
-    <dgm:scene3d>
-      <a:camera prst="orthographicFront"/>
-      <a:lightRig rig="flat" dir="t"/>
-    </dgm:scene3d>
-    <dgm:sp3d prstMaterial="dkEdge">
-      <a:bevelT w="8200" h="38100"/>
-    </dgm:sp3d>
-    <dgm:txPr/>
-    <dgm:style>
-      <a:lnRef idx="0">
-        <a:scrgbClr r="0" g="0" b="0"/>
-      </a:lnRef>
-      <a:fillRef idx="2">
-        <a:scrgbClr r="0" g="0" b="0"/>
-      </a:fillRef>
-      <a:effectRef idx="1">
-        <a:scrgbClr r="0" g="0" b="0"/>
-      </a:effectRef>
-      <a:fontRef idx="minor">
-        <a:schemeClr val="dk1"/>
-      </a:fontRef>
-    </dgm:style>
-  </dgm:styleLbl>
-  <dgm:styleLbl name="node2">
-    <dgm:scene3d>
-      <a:camera prst="orthographicFront"/>
-      <a:lightRig rig="flat" dir="t"/>
-    </dgm:scene3d>
-    <dgm:sp3d prstMaterial="dkEdge">
-      <a:bevelT w="8200" h="38100"/>
-    </dgm:sp3d>
-    <dgm:txPr/>
-    <dgm:style>
-      <a:lnRef idx="0">
-        <a:scrgbClr r="0" g="0" b="0"/>
-      </a:lnRef>
-      <a:fillRef idx="2">
-        <a:scrgbClr r="0" g="0" b="0"/>
-      </a:fillRef>
-      <a:effectRef idx="1">
-        <a:scrgbClr r="0" g="0" b="0"/>
-      </a:effectRef>
-      <a:fontRef idx="minor">
-        <a:schemeClr val="dk1"/>
-      </a:fontRef>
-    </dgm:style>
-  </dgm:styleLbl>
-  <dgm:styleLbl name="node3">
-    <dgm:scene3d>
-      <a:camera prst="orthographicFront"/>
-      <a:lightRig rig="flat" dir="t"/>
-    </dgm:scene3d>
-    <dgm:sp3d prstMaterial="dkEdge">
-      <a:bevelT w="8200" h="38100"/>
-    </dgm:sp3d>
-    <dgm:txPr/>
-    <dgm:style>
-      <a:lnRef idx="0">
-        <a:scrgbClr r="0" g="0" b="0"/>
-      </a:lnRef>
-      <a:fillRef idx="2">
-        <a:scrgbClr r="0" g="0" b="0"/>
-      </a:fillRef>
-      <a:effectRef idx="1">
-        <a:scrgbClr r="0" g="0" b="0"/>
-      </a:effectRef>
-      <a:fontRef idx="minor">
-        <a:schemeClr val="dk1"/>
-      </a:fontRef>
-    </dgm:style>
-  </dgm:styleLbl>
-  <dgm:styleLbl name="node4">
-    <dgm:scene3d>
-      <a:camera prst="orthographicFront"/>
-      <a:lightRig rig="flat" dir="t"/>
-    </dgm:scene3d>
-    <dgm:sp3d prstMaterial="dkEdge">
-      <a:bevelT w="8200" h="38100"/>
-    </dgm:sp3d>
-    <dgm:txPr/>
-    <dgm:style>
-      <a:lnRef idx="0">
-        <a:scrgbClr r="0" g="0" b="0"/>
-      </a:lnRef>
-      <a:fillRef idx="2">
-        <a:scrgbClr r="0" g="0" b="0"/>
-      </a:fillRef>
-      <a:effectRef idx="1">
-        <a:scrgbClr r="0" g="0" b="0"/>
-      </a:effectRef>
-      <a:fontRef idx="minor">
-        <a:schemeClr val="dk1"/>
-      </a:fontRef>
-    </dgm:style>
-  </dgm:styleLbl>
-  <dgm:styleLbl name="fgImgPlace1">
-    <dgm:scene3d>
-      <a:camera prst="orthographicFront"/>
-      <a:lightRig rig="threePt" dir="t"/>
-    </dgm:scene3d>
-    <dgm:sp3d/>
-    <dgm:txPr/>
-    <dgm:style>
-      <a:lnRef idx="1">
-        <a:scrgbClr r="0" g="0" b="0"/>
-      </a:lnRef>
-      <a:fillRef idx="1">
-        <a:scrgbClr r="0" g="0" b="0"/>
-      </a:fillRef>
-      <a:effectRef idx="1">
-        <a:scrgbClr r="0" g="0" b="0"/>
-      </a:effectRef>
-      <a:fontRef idx="minor"/>
-    </dgm:style>
-  </dgm:styleLbl>
-  <dgm:styleLbl name="alignImgPlace1">
-    <dgm:scene3d>
-      <a:camera prst="orthographicFront"/>
-      <a:lightRig rig="threePt" dir="t"/>
-    </dgm:scene3d>
-    <dgm:sp3d/>
-    <dgm:txPr/>
-    <dgm:style>
-      <a:lnRef idx="1">
-        <a:scrgbClr r="0" g="0" b="0"/>
-      </a:lnRef>
-      <a:fillRef idx="1">
-        <a:scrgbClr r="0" g="0" b="0"/>
-      </a:fillRef>
-      <a:effectRef idx="1">
-        <a:scrgbClr r="0" g="0" b="0"/>
-      </a:effectRef>
-      <a:fontRef idx="minor"/>
-    </dgm:style>
-  </dgm:styleLbl>
-  <dgm:styleLbl name="bgImgPlace1">
-    <dgm:scene3d>
-      <a:camera prst="orthographicFront"/>
-      <a:lightRig rig="threePt" dir="t"/>
-    </dgm:scene3d>
-    <dgm:sp3d/>
-    <dgm:txPr/>
-    <dgm:style>
-      <a:lnRef idx="1">
-        <a:scrgbClr r="0" g="0" b="0"/>
-      </a:lnRef>
-      <a:fillRef idx="1">
-        <a:scrgbClr r="0" g="0" b="0"/>
-      </a:fillRef>
-      <a:effectRef idx="1">
-        <a:scrgbClr r="0" g="0" b="0"/>
-      </a:effectRef>
-      <a:fontRef idx="minor"/>
-    </dgm:style>
-  </dgm:styleLbl>
-  <dgm:styleLbl name="sibTrans2D1">
-    <dgm:scene3d>
-      <a:camera prst="orthographicFront"/>
-      <a:lightRig rig="threePt" dir="t"/>
-    </dgm:scene3d>
-    <dgm:sp3d/>
-    <dgm:txPr/>
-    <dgm:style>
-      <a:lnRef idx="0">
-        <a:scrgbClr r="0" g="0" b="0"/>
-      </a:lnRef>
-      <a:fillRef idx="2">
-        <a:scrgbClr r="0" g="0" b="0"/>
-      </a:fillRef>
-      <a:effectRef idx="1">
-        <a:scrgbClr r="0" g="0" b="0"/>
-      </a:effectRef>
-      <a:fontRef idx="minor">
-        <a:schemeClr val="dk1"/>
-      </a:fontRef>
-    </dgm:style>
-  </dgm:styleLbl>
-  <dgm:styleLbl name="fgSibTrans2D1">
-    <dgm:scene3d>
-      <a:camera prst="orthographicFront"/>
-      <a:lightRig rig="threePt" dir="t"/>
-    </dgm:scene3d>
-    <dgm:sp3d/>
-    <dgm:txPr/>
-    <dgm:style>
-      <a:lnRef idx="0">
-        <a:scrgbClr r="0" g="0" b="0"/>
-      </a:lnRef>
-      <a:fillRef idx="2">
-        <a:scrgbClr r="0" g="0" b="0"/>
-      </a:fillRef>
-      <a:effectRef idx="1">
-        <a:scrgbClr r="0" g="0" b="0"/>
-      </a:effectRef>
-      <a:fontRef idx="minor">
-        <a:schemeClr val="dk1"/>
-      </a:fontRef>
-    </dgm:style>
-  </dgm:styleLbl>
-  <dgm:styleLbl name="bgSibTrans2D1">
-    <dgm:scene3d>
-      <a:camera prst="orthographicFront"/>
-      <a:lightRig rig="threePt" dir="t"/>
-    </dgm:scene3d>
-    <dgm:sp3d/>
-    <dgm:txPr/>
-    <dgm:style>
-      <a:lnRef idx="0">
-        <a:scrgbClr r="0" g="0" b="0"/>
-      </a:lnRef>
-      <a:fillRef idx="2">
-        <a:scrgbClr r="0" g="0" b="0"/>
-      </a:fillRef>
-      <a:effectRef idx="1">
-        <a:scrgbClr r="0" g="0" b="0"/>
-      </a:effectRef>
-      <a:fontRef idx="minor">
-        <a:schemeClr val="dk1"/>
-      </a:fontRef>
-    </dgm:style>
-  </dgm:styleLbl>
-  <dgm:styleLbl name="sibTrans1D1">
-    <dgm:scene3d>
-      <a:camera prst="orthographicFront"/>
-      <a:lightRig rig="threePt" dir="t"/>
-    </dgm:scene3d>
-    <dgm:sp3d/>
-    <dgm:txPr/>
-    <dgm:style>
-      <a:lnRef idx="1">
-        <a:scrgbClr r="0" g="0" b="0"/>
-      </a:lnRef>
-      <a:fillRef idx="0">
-        <a:scrgbClr r="0" g="0" b="0"/>
-      </a:fillRef>
-      <a:effectRef idx="0">
-        <a:scrgbClr r="0" g="0" b="0"/>
-      </a:effectRef>
-      <a:fontRef idx="minor"/>
-    </dgm:style>
-  </dgm:styleLbl>
-  <dgm:styleLbl name="callout">
-    <dgm:scene3d>
-      <a:camera prst="orthographicFront"/>
-      <a:lightRig rig="threePt" dir="t"/>
-    </dgm:scene3d>
-    <dgm:sp3d/>
-    <dgm:txPr/>
-    <dgm:style>
-      <a:lnRef idx="1">
-        <a:scrgbClr r="0" g="0" b="0"/>
-      </a:lnRef>
-      <a:fillRef idx="2">
-        <a:scrgbClr r="0" g="0" b="0"/>
-      </a:fillRef>
-      <a:effectRef idx="1">
-        <a:scrgbClr r="0" g="0" b="0"/>
-      </a:effectRef>
-      <a:fontRef idx="minor"/>
-    </dgm:style>
-  </dgm:styleLbl>
-  <dgm:styleLbl name="asst0">
-    <dgm:scene3d>
-      <a:camera prst="orthographicFront"/>
-      <a:lightRig rig="flat" dir="t"/>
-    </dgm:scene3d>
-    <dgm:sp3d prstMaterial="dkEdge">
-      <a:bevelT w="8200" h="38100"/>
-    </dgm:sp3d>
-    <dgm:txPr/>
-    <dgm:style>
-      <a:lnRef idx="0">
-        <a:scrgbClr r="0" g="0" b="0"/>
-      </a:lnRef>
-      <a:fillRef idx="2">
-        <a:scrgbClr r="0" g="0" b="0"/>
-      </a:fillRef>
-      <a:effectRef idx="1">
-        <a:scrgbClr r="0" g="0" b="0"/>
-      </a:effectRef>
-      <a:fontRef idx="minor">
-        <a:schemeClr val="dk1"/>
-      </a:fontRef>
-    </dgm:style>
-  </dgm:styleLbl>
-  <dgm:styleLbl name="asst1">
-    <dgm:scene3d>
-      <a:camera prst="orthographicFront"/>
-      <a:lightRig rig="flat" dir="t"/>
-    </dgm:scene3d>
-    <dgm:sp3d prstMaterial="dkEdge">
-      <a:bevelT w="8200" h="38100"/>
-    </dgm:sp3d>
-    <dgm:txPr/>
-    <dgm:style>
-      <a:lnRef idx="0">
-        <a:scrgbClr r="0" g="0" b="0"/>
-      </a:lnRef>
-      <a:fillRef idx="2">
-        <a:scrgbClr r="0" g="0" b="0"/>
-      </a:fillRef>
-      <a:effectRef idx="1">
-        <a:scrgbClr r="0" g="0" b="0"/>
-      </a:effectRef>
-      <a:fontRef idx="minor">
-        <a:schemeClr val="dk1"/>
-      </a:fontRef>
-    </dgm:style>
-  </dgm:styleLbl>
-  <dgm:styleLbl name="asst2">
-    <dgm:scene3d>
-      <a:camera prst="orthographicFront"/>
-      <a:lightRig rig="flat" dir="t"/>
-    </dgm:scene3d>
-    <dgm:sp3d prstMaterial="dkEdge">
-      <a:bevelT w="8200" h="38100"/>
-    </dgm:sp3d>
-    <dgm:txPr/>
-    <dgm:style>
-      <a:lnRef idx="0">
-        <a:scrgbClr r="0" g="0" b="0"/>
-      </a:lnRef>
-      <a:fillRef idx="2">
-        <a:scrgbClr r="0" g="0" b="0"/>
-      </a:fillRef>
-      <a:effectRef idx="1">
-        <a:scrgbClr r="0" g="0" b="0"/>
-      </a:effectRef>
-      <a:fontRef idx="minor">
-        <a:schemeClr val="dk1"/>
-      </a:fontRef>
-    </dgm:style>
-  </dgm:styleLbl>
-  <dgm:styleLbl name="asst3">
-    <dgm:scene3d>
-      <a:camera prst="orthographicFront"/>
-      <a:lightRig rig="flat" dir="t"/>
-    </dgm:scene3d>
-    <dgm:sp3d prstMaterial="dkEdge">
-      <a:bevelT w="8200" h="38100"/>
-    </dgm:sp3d>
-    <dgm:txPr/>
-    <dgm:style>
-      <a:lnRef idx="0">
-        <a:scrgbClr r="0" g="0" b="0"/>
-      </a:lnRef>
-      <a:fillRef idx="2">
-        <a:scrgbClr r="0" g="0" b="0"/>
-      </a:fillRef>
-      <a:effectRef idx="1">
-        <a:scrgbClr r="0" g="0" b="0"/>
-      </a:effectRef>
-      <a:fontRef idx="minor">
-        <a:schemeClr val="dk1"/>
-      </a:fontRef>
-    </dgm:style>
-  </dgm:styleLbl>
-  <dgm:styleLbl name="asst4">
-    <dgm:scene3d>
-      <a:camera prst="orthographicFront"/>
-      <a:lightRig rig="flat" dir="t"/>
-    </dgm:scene3d>
-    <dgm:sp3d prstMaterial="dkEdge">
-      <a:bevelT w="8200" h="38100"/>
-    </dgm:sp3d>
-    <dgm:txPr/>
-    <dgm:style>
-      <a:lnRef idx="0">
-        <a:scrgbClr r="0" g="0" b="0"/>
-      </a:lnRef>
-      <a:fillRef idx="2">
-        <a:scrgbClr r="0" g="0" b="0"/>
-      </a:fillRef>
-      <a:effectRef idx="1">
-        <a:scrgbClr r="0" g="0" b="0"/>
-      </a:effectRef>
-      <a:fontRef idx="minor">
-        <a:schemeClr val="dk1"/>
-      </a:fontRef>
-    </dgm:style>
-  </dgm:styleLbl>
-  <dgm:styleLbl name="parChTrans2D1">
-    <dgm:scene3d>
-      <a:camera prst="orthographicFront"/>
-      <a:lightRig rig="threePt" dir="t"/>
-    </dgm:scene3d>
-    <dgm:sp3d/>
-    <dgm:txPr/>
-    <dgm:style>
-      <a:lnRef idx="1">
-        <a:scrgbClr r="0" g="0" b="0"/>
-      </a:lnRef>
-      <a:fillRef idx="2">
-        <a:scrgbClr r="0" g="0" b="0"/>
-      </a:fillRef>
-      <a:effectRef idx="1">
-        <a:scrgbClr r="0" g="0" b="0"/>
-      </a:effectRef>
-      <a:fontRef idx="minor">
-        <a:schemeClr val="dk1"/>
-      </a:fontRef>
-    </dgm:style>
-  </dgm:styleLbl>
-  <dgm:styleLbl name="parChTrans2D2">
-    <dgm:scene3d>
-      <a:camera prst="orthographicFront"/>
-      <a:lightRig rig="threePt" dir="t"/>
-    </dgm:scene3d>
-    <dgm:sp3d/>
-    <dgm:txPr/>
-    <dgm:style>
-      <a:lnRef idx="1">
-        <a:scrgbClr r="0" g="0" b="0"/>
-      </a:lnRef>
-      <a:fillRef idx="2">
-        <a:scrgbClr r="0" g="0" b="0"/>
-      </a:fillRef>
-      <a:effectRef idx="1">
-        <a:scrgbClr r="0" g="0" b="0"/>
-      </a:effectRef>
-      <a:fontRef idx="minor">
-        <a:schemeClr val="dk1"/>
-      </a:fontRef>
-    </dgm:style>
-  </dgm:styleLbl>
-  <dgm:styleLbl name="parChTrans2D3">
-    <dgm:scene3d>
-      <a:camera prst="orthographicFront"/>
-      <a:lightRig rig="threePt" dir="t"/>
-    </dgm:scene3d>
-    <dgm:sp3d/>
-    <dgm:txPr/>
-    <dgm:style>
-      <a:lnRef idx="1">
-        <a:scrgbClr r="0" g="0" b="0"/>
-      </a:lnRef>
-      <a:fillRef idx="2">
-        <a:scrgbClr r="0" g="0" b="0"/>
-      </a:fillRef>
-      <a:effectRef idx="1">
-        <a:scrgbClr r="0" g="0" b="0"/>
-      </a:effectRef>
-      <a:fontRef idx="minor">
-        <a:schemeClr val="dk1"/>
-      </a:fontRef>
-    </dgm:style>
-  </dgm:styleLbl>
-  <dgm:styleLbl name="parChTrans2D4">
-    <dgm:scene3d>
-      <a:camera prst="orthographicFront"/>
-      <a:lightRig rig="threePt" dir="t"/>
-    </dgm:scene3d>
-    <dgm:sp3d/>
-    <dgm:txPr/>
-    <dgm:style>
-      <a:lnRef idx="1">
-        <a:scrgbClr r="0" g="0" b="0"/>
-      </a:lnRef>
-      <a:fillRef idx="2">
-        <a:scrgbClr r="0" g="0" b="0"/>
-      </a:fillRef>
-      <a:effectRef idx="1">
-        <a:scrgbClr r="0" g="0" b="0"/>
-      </a:effectRef>
-      <a:fontRef idx="minor">
-        <a:schemeClr val="dk1"/>
-      </a:fontRef>
-    </dgm:style>
-  </dgm:styleLbl>
-  <dgm:styleLbl name="parChTrans1D1">
-    <dgm:scene3d>
-      <a:camera prst="orthographicFront"/>
-      <a:lightRig rig="threePt" dir="t"/>
-    </dgm:scene3d>
-    <dgm:sp3d/>
-    <dgm:txPr/>
-    <dgm:style>
-      <a:lnRef idx="2">
-        <a:scrgbClr r="0" g="0" b="0"/>
-      </a:lnRef>
-      <a:fillRef idx="0">
-        <a:scrgbClr r="0" g="0" b="0"/>
-      </a:fillRef>
-      <a:effectRef idx="0">
-        <a:scrgbClr r="0" g="0" b="0"/>
-      </a:effectRef>
-      <a:fontRef idx="minor"/>
-    </dgm:style>
-  </dgm:styleLbl>
-  <dgm:styleLbl name="parChTrans1D2">
-    <dgm:scene3d>
-      <a:camera prst="orthographicFront"/>
-      <a:lightRig rig="threePt" dir="t"/>
-    </dgm:scene3d>
-    <dgm:sp3d/>
-    <dgm:txPr/>
-    <dgm:style>
-      <a:lnRef idx="2">
-        <a:scrgbClr r="0" g="0" b="0"/>
-      </a:lnRef>
-      <a:fillRef idx="0">
-        <a:scrgbClr r="0" g="0" b="0"/>
-      </a:fillRef>
-      <a:effectRef idx="0">
-        <a:scrgbClr r="0" g="0" b="0"/>
-      </a:effectRef>
-      <a:fontRef idx="minor"/>
-    </dgm:style>
-  </dgm:styleLbl>
-  <dgm:styleLbl name="parChTrans1D3">
-    <dgm:scene3d>
-      <a:camera prst="orthographicFront"/>
-      <a:lightRig rig="threePt" dir="t"/>
-    </dgm:scene3d>
-    <dgm:sp3d/>
-    <dgm:txPr/>
-    <dgm:style>
-      <a:lnRef idx="2">
-        <a:scrgbClr r="0" g="0" b="0"/>
-      </a:lnRef>
-      <a:fillRef idx="0">
-        <a:scrgbClr r="0" g="0" b="0"/>
-      </a:fillRef>
-      <a:effectRef idx="0">
-        <a:scrgbClr r="0" g="0" b="0"/>
-      </a:effectRef>
-      <a:fontRef idx="minor"/>
-    </dgm:style>
-  </dgm:styleLbl>
-  <dgm:styleLbl name="parChTrans1D4">
-    <dgm:scene3d>
-      <a:camera prst="orthographicFront"/>
-      <a:lightRig rig="threePt" dir="t"/>
-    </dgm:scene3d>
-    <dgm:sp3d/>
-    <dgm:txPr/>
-    <dgm:style>
-      <a:lnRef idx="2">
-        <a:scrgbClr r="0" g="0" b="0"/>
-      </a:lnRef>
-      <a:fillRef idx="0">
-        <a:scrgbClr r="0" g="0" b="0"/>
-      </a:fillRef>
-      <a:effectRef idx="0">
-        <a:scrgbClr r="0" g="0" b="0"/>
-      </a:effectRef>
-      <a:fontRef idx="minor"/>
-    </dgm:style>
-  </dgm:styleLbl>
-  <dgm:styleLbl name="fgAcc1">
-    <dgm:scene3d>
-      <a:camera prst="orthographicFront"/>
-      <a:lightRig rig="threePt" dir="t"/>
-    </dgm:scene3d>
-    <dgm:sp3d/>
-    <dgm:txPr/>
-    <dgm:style>
-      <a:lnRef idx="1">
-        <a:scrgbClr r="0" g="0" b="0"/>
-      </a:lnRef>
-      <a:fillRef idx="1">
-        <a:scrgbClr r="0" g="0" b="0"/>
-      </a:fillRef>
-      <a:effectRef idx="0">
-        <a:scrgbClr r="0" g="0" b="0"/>
-      </a:effectRef>
-      <a:fontRef idx="minor"/>
-    </dgm:style>
-  </dgm:styleLbl>
-  <dgm:styleLbl name="conFgAcc1">
-    <dgm:scene3d>
-      <a:camera prst="orthographicFront"/>
-      <a:lightRig rig="threePt" dir="t"/>
-    </dgm:scene3d>
-    <dgm:sp3d/>
-    <dgm:txPr/>
-    <dgm:style>
-      <a:lnRef idx="1">
-        <a:scrgbClr r="0" g="0" b="0"/>
-      </a:lnRef>
-      <a:fillRef idx="1">
-        <a:scrgbClr r="0" g="0" b="0"/>
-      </a:fillRef>
-      <a:effectRef idx="0">
-        <a:scrgbClr r="0" g="0" b="0"/>
-      </a:effectRef>
-      <a:fontRef idx="minor"/>
-    </dgm:style>
-  </dgm:styleLbl>
-  <dgm:styleLbl name="alignAcc1">
-    <dgm:scene3d>
-      <a:camera prst="orthographicFront"/>
-      <a:lightRig rig="threePt" dir="t"/>
-    </dgm:scene3d>
-    <dgm:sp3d/>
-    <dgm:txPr/>
-    <dgm:style>
-      <a:lnRef idx="1">
-        <a:scrgbClr r="0" g="0" b="0"/>
-      </a:lnRef>
-      <a:fillRef idx="1">
-        <a:scrgbClr r="0" g="0" b="0"/>
-      </a:fillRef>
-      <a:effectRef idx="0">
-        <a:scrgbClr r="0" g="0" b="0"/>
-      </a:effectRef>
-      <a:fontRef idx="minor"/>
-    </dgm:style>
-  </dgm:styleLbl>
-  <dgm:styleLbl name="trAlignAcc1">
-    <dgm:scene3d>
-      <a:camera prst="orthographicFront"/>
-      <a:lightRig rig="threePt" dir="t"/>
-    </dgm:scene3d>
-    <dgm:sp3d/>
-    <dgm:txPr/>
-    <dgm:style>
-      <a:lnRef idx="1">
-        <a:scrgbClr r="0" g="0" b="0"/>
-      </a:lnRef>
-      <a:fillRef idx="1">
-        <a:scrgbClr r="0" g="0" b="0"/>
-      </a:fillRef>
-      <a:effectRef idx="0">
-        <a:scrgbClr r="0" g="0" b="0"/>
-      </a:effectRef>
-      <a:fontRef idx="minor"/>
-    </dgm:style>
-  </dgm:styleLbl>
-  <dgm:styleLbl name="bgAcc1">
-    <dgm:scene3d>
-      <a:camera prst="orthographicFront"/>
-      <a:lightRig rig="threePt" dir="t"/>
-    </dgm:scene3d>
-    <dgm:sp3d/>
-    <dgm:txPr/>
-    <dgm:style>
-      <a:lnRef idx="1">
-        <a:scrgbClr r="0" g="0" b="0"/>
-      </a:lnRef>
-      <a:fillRef idx="1">
-        <a:scrgbClr r="0" g="0" b="0"/>
-      </a:fillRef>
-      <a:effectRef idx="0">
-        <a:scrgbClr r="0" g="0" b="0"/>
-      </a:effectRef>
-      <a:fontRef idx="minor"/>
-    </dgm:style>
-  </dgm:styleLbl>
-  <dgm:styleLbl name="solidFgAcc1">
-    <dgm:scene3d>
-      <a:camera prst="orthographicFront"/>
-      <a:lightRig rig="threePt" dir="t"/>
-    </dgm:scene3d>
-    <dgm:sp3d/>
-    <dgm:txPr/>
-    <dgm:style>
-      <a:lnRef idx="1">
-        <a:scrgbClr r="0" g="0" b="0"/>
-      </a:lnRef>
-      <a:fillRef idx="2">
-        <a:scrgbClr r="0" g="0" b="0"/>
-      </a:fillRef>
-      <a:effectRef idx="0">
-        <a:scrgbClr r="0" g="0" b="0"/>
-      </a:effectRef>
-      <a:fontRef idx="minor"/>
-    </dgm:style>
-  </dgm:styleLbl>
-  <dgm:styleLbl name="solidAlignAcc1">
-    <dgm:scene3d>
-      <a:camera prst="orthographicFront"/>
-      <a:lightRig rig="threePt" dir="t"/>
-    </dgm:scene3d>
-    <dgm:sp3d/>
-    <dgm:txPr/>
-    <dgm:style>
-      <a:lnRef idx="1">
-        <a:scrgbClr r="0" g="0" b="0"/>
-      </a:lnRef>
-      <a:fillRef idx="1">
-        <a:scrgbClr r="0" g="0" b="0"/>
-      </a:fillRef>
-      <a:effectRef idx="0">
-        <a:scrgbClr r="0" g="0" b="0"/>
-      </a:effectRef>
-      <a:fontRef idx="minor"/>
-    </dgm:style>
-  </dgm:styleLbl>
-  <dgm:styleLbl name="solidBgAcc1">
-    <dgm:scene3d>
-      <a:camera prst="orthographicFront"/>
-      <a:lightRig rig="threePt" dir="t"/>
-    </dgm:scene3d>
-    <dgm:sp3d/>
-    <dgm:txPr/>
-    <dgm:style>
-      <a:lnRef idx="1">
-        <a:scrgbClr r="0" g="0" b="0"/>
-      </a:lnRef>
-      <a:fillRef idx="1">
-        <a:scrgbClr r="0" g="0" b="0"/>
-      </a:fillRef>
-      <a:effectRef idx="0">
-        <a:scrgbClr r="0" g="0" b="0"/>
-      </a:effectRef>
-      <a:fontRef idx="minor"/>
-    </dgm:style>
-  </dgm:styleLbl>
-  <dgm:styleLbl name="fgAccFollowNode1">
-    <dgm:scene3d>
-      <a:camera prst="orthographicFront"/>
-      <a:lightRig rig="threePt" dir="t"/>
-    </dgm:scene3d>
-    <dgm:sp3d/>
-    <dgm:txPr/>
-    <dgm:style>
-      <a:lnRef idx="1">
-        <a:scrgbClr r="0" g="0" b="0"/>
-      </a:lnRef>
-      <a:fillRef idx="1">
-        <a:scrgbClr r="0" g="0" b="0"/>
-      </a:fillRef>
-      <a:effectRef idx="0">
-        <a:scrgbClr r="0" g="0" b="0"/>
-      </a:effectRef>
-      <a:fontRef idx="minor"/>
-    </dgm:style>
-  </dgm:styleLbl>
-  <dgm:styleLbl name="alignAccFollowNode1">
-    <dgm:scene3d>
-      <a:camera prst="orthographicFront"/>
-      <a:lightRig rig="threePt" dir="t"/>
-    </dgm:scene3d>
-    <dgm:sp3d/>
-    <dgm:txPr/>
-    <dgm:style>
-      <a:lnRef idx="1">
-        <a:scrgbClr r="0" g="0" b="0"/>
-      </a:lnRef>
-      <a:fillRef idx="1">
-        <a:scrgbClr r="0" g="0" b="0"/>
-      </a:fillRef>
-      <a:effectRef idx="0">
-        <a:scrgbClr r="0" g="0" b="0"/>
-      </a:effectRef>
-      <a:fontRef idx="minor"/>
-    </dgm:style>
-  </dgm:styleLbl>
-  <dgm:styleLbl name="bgAccFollowNode1">
-    <dgm:scene3d>
-      <a:camera prst="orthographicFront"/>
-      <a:lightRig rig="threePt" dir="t"/>
-    </dgm:scene3d>
-    <dgm:sp3d/>
-    <dgm:txPr/>
-    <dgm:style>
-      <a:lnRef idx="1">
-        <a:scrgbClr r="0" g="0" b="0"/>
-      </a:lnRef>
-      <a:fillRef idx="1">
-        <a:scrgbClr r="0" g="0" b="0"/>
-      </a:fillRef>
-      <a:effectRef idx="0">
-        <a:scrgbClr r="0" g="0" b="0"/>
-      </a:effectRef>
-      <a:fontRef idx="minor"/>
-    </dgm:style>
-  </dgm:styleLbl>
-  <dgm:styleLbl name="fgAcc0">
-    <dgm:scene3d>
-      <a:camera prst="orthographicFront"/>
-      <a:lightRig rig="threePt" dir="t"/>
-    </dgm:scene3d>
-    <dgm:sp3d/>
-    <dgm:txPr/>
-    <dgm:style>
-      <a:lnRef idx="1">
-        <a:scrgbClr r="0" g="0" b="0"/>
-      </a:lnRef>
-      <a:fillRef idx="1">
-        <a:scrgbClr r="0" g="0" b="0"/>
-      </a:fillRef>
-      <a:effectRef idx="0">
-        <a:scrgbClr r="0" g="0" b="0"/>
-      </a:effectRef>
-      <a:fontRef idx="minor"/>
-    </dgm:style>
-  </dgm:styleLbl>
-  <dgm:styleLbl name="fgAcc2">
-    <dgm:scene3d>
-      <a:camera prst="orthographicFront"/>
-      <a:lightRig rig="threePt" dir="t"/>
-    </dgm:scene3d>
-    <dgm:sp3d/>
-    <dgm:txPr/>
-    <dgm:style>
-      <a:lnRef idx="1">
-        <a:scrgbClr r="0" g="0" b="0"/>
-      </a:lnRef>
-      <a:fillRef idx="1">
-        <a:scrgbClr r="0" g="0" b="0"/>
-      </a:fillRef>
-      <a:effectRef idx="0">
-        <a:scrgbClr r="0" g="0" b="0"/>
-      </a:effectRef>
-      <a:fontRef idx="minor"/>
-    </dgm:style>
-  </dgm:styleLbl>
-  <dgm:styleLbl name="fgAcc3">
-    <dgm:scene3d>
-      <a:camera prst="orthographicFront"/>
-      <a:lightRig rig="threePt" dir="t"/>
-    </dgm:scene3d>
-    <dgm:sp3d/>
-    <dgm:txPr/>
-    <dgm:style>
-      <a:lnRef idx="1">
-        <a:scrgbClr r="0" g="0" b="0"/>
-      </a:lnRef>
-      <a:fillRef idx="1">
-        <a:scrgbClr r="0" g="0" b="0"/>
-      </a:fillRef>
-      <a:effectRef idx="0">
-        <a:scrgbClr r="0" g="0" b="0"/>
-      </a:effectRef>
-      <a:fontRef idx="minor"/>
-    </dgm:style>
-  </dgm:styleLbl>
-  <dgm:styleLbl name="fgAcc4">
-    <dgm:scene3d>
-      <a:camera prst="orthographicFront"/>
-      <a:lightRig rig="threePt" dir="t"/>
-    </dgm:scene3d>
-    <dgm:sp3d/>
-    <dgm:txPr/>
-    <dgm:style>
-      <a:lnRef idx="1">
-        <a:scrgbClr r="0" g="0" b="0"/>
-      </a:lnRef>
-      <a:fillRef idx="1">
-        <a:scrgbClr r="0" g="0" b="0"/>
-      </a:fillRef>
-      <a:effectRef idx="0">
-        <a:scrgbClr r="0" g="0" b="0"/>
-      </a:effectRef>
-      <a:fontRef idx="minor"/>
-    </dgm:style>
-  </dgm:styleLbl>
-  <dgm:styleLbl name="bgShp">
-    <dgm:scene3d>
-      <a:camera prst="orthographicFront"/>
-      <a:lightRig rig="threePt" dir="t"/>
-    </dgm:scene3d>
-    <dgm:sp3d/>
-    <dgm:txPr/>
-    <dgm:style>
-      <a:lnRef idx="0">
-        <a:scrgbClr r="0" g="0" b="0"/>
-      </a:lnRef>
-      <a:fillRef idx="1">
-        <a:scrgbClr r="0" g="0" b="0"/>
-      </a:fillRef>
-      <a:effectRef idx="1">
-        <a:scrgbClr r="0" g="0" b="0"/>
-      </a:effectRef>
-      <a:fontRef idx="minor"/>
-    </dgm:style>
-  </dgm:styleLbl>
-  <dgm:styleLbl name="dkBgShp">
-    <dgm:scene3d>
-      <a:camera prst="orthographicFront"/>
-      <a:lightRig rig="threePt" dir="t"/>
-    </dgm:scene3d>
-    <dgm:sp3d/>
-    <dgm:txPr/>
-    <dgm:style>
-      <a:lnRef idx="0">
-        <a:scrgbClr r="0" g="0" b="0"/>
-      </a:lnRef>
-      <a:fillRef idx="1">
-        <a:scrgbClr r="0" g="0" b="0"/>
-      </a:fillRef>
-      <a:effectRef idx="1">
-        <a:scrgbClr r="0" g="0" b="0"/>
-      </a:effectRef>
-      <a:fontRef idx="minor"/>
-    </dgm:style>
-  </dgm:styleLbl>
-  <dgm:styleLbl name="trBgShp">
-    <dgm:scene3d>
-      <a:camera prst="orthographicFront"/>
-      <a:lightRig rig="threePt" dir="t"/>
-    </dgm:scene3d>
-    <dgm:sp3d/>
-    <dgm:txPr/>
-    <dgm:style>
-      <a:lnRef idx="0">
-        <a:scrgbClr r="0" g="0" b="0"/>
-      </a:lnRef>
-      <a:fillRef idx="1">
-        <a:scrgbClr r="0" g="0" b="0"/>
-      </a:fillRef>
-      <a:effectRef idx="0">
-        <a:scrgbClr r="0" g="0" b="0"/>
-      </a:effectRef>
-      <a:fontRef idx="minor"/>
-    </dgm:style>
-  </dgm:styleLbl>
-  <dgm:styleLbl name="fgShp">
-    <dgm:scene3d>
-      <a:camera prst="orthographicFront"/>
-      <a:lightRig rig="flat" dir="t"/>
-    </dgm:scene3d>
-    <dgm:sp3d prstMaterial="dkEdge">
-      <a:bevelT w="8200" h="38100"/>
-    </dgm:sp3d>
-    <dgm:txPr/>
-    <dgm:style>
-      <a:lnRef idx="1">
-        <a:scrgbClr r="0" g="0" b="0"/>
-      </a:lnRef>
-      <a:fillRef idx="2">
-        <a:scrgbClr r="0" g="0" b="0"/>
-      </a:fillRef>
-      <a:effectRef idx="1">
-        <a:scrgbClr r="0" g="0" b="0"/>
-      </a:effectRef>
-      <a:fontRef idx="minor"/>
-    </dgm:style>
-  </dgm:styleLbl>
-  <dgm:styleLbl name="revTx">
-    <dgm:scene3d>
-      <a:camera prst="orthographicFront"/>
-      <a:lightRig rig="threePt" dir="t"/>
-    </dgm:scene3d>
-    <dgm:sp3d/>
-    <dgm:txPr/>
-    <dgm:style>
-      <a:lnRef idx="0">
         <a:scrgbClr r="0" g="0" b="0"/>
       </a:lnRef>
       <a:fillRef idx="0">
@@ -9846,7 +13204,7 @@
           <a:p>
             <a:fld id="{00374A3D-E549-4259-8714-A9DCBD56E69C}" type="datetimeFigureOut">
               <a:rPr lang="en-US" smtClean="0"/>
-              <a:t>11/13/2017</a:t>
+              <a:t>11/15/2017</a:t>
             </a:fld>
             <a:endParaRPr lang="en-US"/>
           </a:p>
@@ -10178,7 +13536,7 @@
           <a:p>
             <a:fld id="{00374A3D-E549-4259-8714-A9DCBD56E69C}" type="datetimeFigureOut">
               <a:rPr lang="en-US" smtClean="0"/>
-              <a:t>11/13/2017</a:t>
+              <a:t>11/15/2017</a:t>
             </a:fld>
             <a:endParaRPr lang="en-US"/>
           </a:p>
@@ -10374,7 +13732,7 @@
           <a:p>
             <a:fld id="{00374A3D-E549-4259-8714-A9DCBD56E69C}" type="datetimeFigureOut">
               <a:rPr lang="en-US" smtClean="0"/>
-              <a:t>11/13/2017</a:t>
+              <a:t>11/15/2017</a:t>
             </a:fld>
             <a:endParaRPr lang="en-US"/>
           </a:p>
@@ -10644,7 +14002,7 @@
           <a:p>
             <a:fld id="{00374A3D-E549-4259-8714-A9DCBD56E69C}" type="datetimeFigureOut">
               <a:rPr lang="en-US" smtClean="0"/>
-              <a:t>11/13/2017</a:t>
+              <a:t>11/15/2017</a:t>
             </a:fld>
             <a:endParaRPr lang="en-US"/>
           </a:p>
@@ -11072,7 +14430,7 @@
           <a:p>
             <a:fld id="{00374A3D-E549-4259-8714-A9DCBD56E69C}" type="datetimeFigureOut">
               <a:rPr lang="en-US" smtClean="0"/>
-              <a:t>11/13/2017</a:t>
+              <a:t>11/15/2017</a:t>
             </a:fld>
             <a:endParaRPr lang="en-US"/>
           </a:p>
@@ -11622,7 +14980,7 @@
           <a:p>
             <a:fld id="{00374A3D-E549-4259-8714-A9DCBD56E69C}" type="datetimeFigureOut">
               <a:rPr lang="en-US" smtClean="0"/>
-              <a:t>11/13/2017</a:t>
+              <a:t>11/15/2017</a:t>
             </a:fld>
             <a:endParaRPr lang="en-US"/>
           </a:p>
@@ -12412,7 +15770,7 @@
           <a:p>
             <a:fld id="{00374A3D-E549-4259-8714-A9DCBD56E69C}" type="datetimeFigureOut">
               <a:rPr lang="en-US" smtClean="0"/>
-              <a:t>11/13/2017</a:t>
+              <a:t>11/15/2017</a:t>
             </a:fld>
             <a:endParaRPr lang="en-US"/>
           </a:p>
@@ -12591,7 +15949,7 @@
           <a:p>
             <a:fld id="{00374A3D-E549-4259-8714-A9DCBD56E69C}" type="datetimeFigureOut">
               <a:rPr lang="en-US" smtClean="0"/>
-              <a:t>11/13/2017</a:t>
+              <a:t>11/15/2017</a:t>
             </a:fld>
             <a:endParaRPr lang="en-US"/>
           </a:p>
@@ -12775,7 +16133,7 @@
           <a:p>
             <a:fld id="{00374A3D-E549-4259-8714-A9DCBD56E69C}" type="datetimeFigureOut">
               <a:rPr lang="en-US" smtClean="0"/>
-              <a:t>11/13/2017</a:t>
+              <a:t>11/15/2017</a:t>
             </a:fld>
             <a:endParaRPr lang="en-US"/>
           </a:p>
@@ -12949,7 +16307,7 @@
           <a:p>
             <a:fld id="{00374A3D-E549-4259-8714-A9DCBD56E69C}" type="datetimeFigureOut">
               <a:rPr lang="en-US" smtClean="0"/>
-              <a:t>11/13/2017</a:t>
+              <a:t>11/15/2017</a:t>
             </a:fld>
             <a:endParaRPr lang="en-US"/>
           </a:p>
@@ -13001,243 +16359,6 @@
     <p:extLst>
       <p:ext uri="{BB962C8B-B14F-4D97-AF65-F5344CB8AC3E}">
         <p14:creationId xmlns:p14="http://schemas.microsoft.com/office/powerpoint/2010/main" val="622532167"/>
-      </p:ext>
-    </p:extLst>
-  </p:cSld>
-  <p:clrMapOvr>
-    <a:masterClrMapping/>
-  </p:clrMapOvr>
-</p:sldLayout>
-</file>
-
-<file path=ppt/slideLayouts/slideLayout19.xml><?xml version="1.0" encoding="utf-8"?>
-<p:sldLayout xmlns:a="http://schemas.openxmlformats.org/drawingml/2006/main" xmlns:r="http://schemas.openxmlformats.org/officeDocument/2006/relationships" xmlns:p="http://schemas.openxmlformats.org/presentationml/2006/main" type="twoObj">
-  <p:cSld name="1_Two Content">
-    <p:spTree>
-      <p:nvGrpSpPr>
-        <p:cNvPr id="1" name=""/>
-        <p:cNvGrpSpPr/>
-        <p:nvPr/>
-      </p:nvGrpSpPr>
-      <p:grpSpPr>
-        <a:xfrm>
-          <a:off x="0" y="0"/>
-          <a:ext cx="0" cy="0"/>
-          <a:chOff x="0" y="0"/>
-          <a:chExt cx="0" cy="0"/>
-        </a:xfrm>
-      </p:grpSpPr>
-      <p:sp>
-        <p:nvSpPr>
-          <p:cNvPr id="8" name="Title 7"/>
-          <p:cNvSpPr>
-            <a:spLocks noGrp="1"/>
-          </p:cNvSpPr>
-          <p:nvPr>
-            <p:ph type="title"/>
-          </p:nvPr>
-        </p:nvSpPr>
-        <p:spPr>
-          <a:xfrm>
-            <a:off x="1097280" y="286603"/>
-            <a:ext cx="10058400" cy="1450757"/>
-          </a:xfrm>
-        </p:spPr>
-        <p:txBody>
-          <a:bodyPr/>
-          <a:lstStyle/>
-          <a:p>
-            <a:r>
-              <a:rPr lang="en-US" smtClean="0"/>
-              <a:t>Click to edit Master title style</a:t>
-            </a:r>
-            <a:endParaRPr lang="en-US" dirty="0"/>
-          </a:p>
-        </p:txBody>
-      </p:sp>
-      <p:sp>
-        <p:nvSpPr>
-          <p:cNvPr id="3" name="Content Placeholder 2"/>
-          <p:cNvSpPr>
-            <a:spLocks noGrp="1"/>
-          </p:cNvSpPr>
-          <p:nvPr>
-            <p:ph sz="half" idx="1"/>
-          </p:nvPr>
-        </p:nvSpPr>
-        <p:spPr>
-          <a:xfrm>
-            <a:off x="1097279" y="1845734"/>
-            <a:ext cx="4937760" cy="4023360"/>
-          </a:xfrm>
-        </p:spPr>
-        <p:txBody>
-          <a:bodyPr/>
-          <a:lstStyle/>
-          <a:p>
-            <a:pPr lvl="0"/>
-            <a:r>
-              <a:rPr lang="en-US" smtClean="0"/>
-              <a:t>Edit Master text styles</a:t>
-            </a:r>
-          </a:p>
-          <a:p>
-            <a:pPr lvl="1"/>
-            <a:r>
-              <a:rPr lang="en-US" smtClean="0"/>
-              <a:t>Second level</a:t>
-            </a:r>
-          </a:p>
-          <a:p>
-            <a:pPr lvl="2"/>
-            <a:r>
-              <a:rPr lang="en-US" smtClean="0"/>
-              <a:t>Third level</a:t>
-            </a:r>
-          </a:p>
-          <a:p>
-            <a:pPr lvl="3"/>
-            <a:r>
-              <a:rPr lang="en-US" smtClean="0"/>
-              <a:t>Fourth level</a:t>
-            </a:r>
-          </a:p>
-          <a:p>
-            <a:pPr lvl="4"/>
-            <a:r>
-              <a:rPr lang="en-US" smtClean="0"/>
-              <a:t>Fifth level</a:t>
-            </a:r>
-            <a:endParaRPr lang="en-US" dirty="0"/>
-          </a:p>
-        </p:txBody>
-      </p:sp>
-      <p:sp>
-        <p:nvSpPr>
-          <p:cNvPr id="4" name="Content Placeholder 3"/>
-          <p:cNvSpPr>
-            <a:spLocks noGrp="1"/>
-          </p:cNvSpPr>
-          <p:nvPr>
-            <p:ph sz="half" idx="2"/>
-          </p:nvPr>
-        </p:nvSpPr>
-        <p:spPr>
-          <a:xfrm>
-            <a:off x="6217920" y="1845735"/>
-            <a:ext cx="4937760" cy="4023360"/>
-          </a:xfrm>
-        </p:spPr>
-        <p:txBody>
-          <a:bodyPr/>
-          <a:lstStyle/>
-          <a:p>
-            <a:pPr lvl="0"/>
-            <a:r>
-              <a:rPr lang="en-US" smtClean="0"/>
-              <a:t>Edit Master text styles</a:t>
-            </a:r>
-          </a:p>
-          <a:p>
-            <a:pPr lvl="1"/>
-            <a:r>
-              <a:rPr lang="en-US" smtClean="0"/>
-              <a:t>Second level</a:t>
-            </a:r>
-          </a:p>
-          <a:p>
-            <a:pPr lvl="2"/>
-            <a:r>
-              <a:rPr lang="en-US" smtClean="0"/>
-              <a:t>Third level</a:t>
-            </a:r>
-          </a:p>
-          <a:p>
-            <a:pPr lvl="3"/>
-            <a:r>
-              <a:rPr lang="en-US" smtClean="0"/>
-              <a:t>Fourth level</a:t>
-            </a:r>
-          </a:p>
-          <a:p>
-            <a:pPr lvl="4"/>
-            <a:r>
-              <a:rPr lang="en-US" smtClean="0"/>
-              <a:t>Fifth level</a:t>
-            </a:r>
-            <a:endParaRPr lang="en-US" dirty="0"/>
-          </a:p>
-        </p:txBody>
-      </p:sp>
-      <p:sp>
-        <p:nvSpPr>
-          <p:cNvPr id="5" name="Date Placeholder 4"/>
-          <p:cNvSpPr>
-            <a:spLocks noGrp="1"/>
-          </p:cNvSpPr>
-          <p:nvPr>
-            <p:ph type="dt" sz="half" idx="10"/>
-          </p:nvPr>
-        </p:nvSpPr>
-        <p:spPr/>
-        <p:txBody>
-          <a:bodyPr/>
-          <a:lstStyle/>
-          <a:p>
-            <a:fld id="{00374A3D-E549-4259-8714-A9DCBD56E69C}" type="datetimeFigureOut">
-              <a:rPr lang="en-US" smtClean="0"/>
-              <a:t>11/13/2017</a:t>
-            </a:fld>
-            <a:endParaRPr lang="en-US"/>
-          </a:p>
-        </p:txBody>
-      </p:sp>
-      <p:sp>
-        <p:nvSpPr>
-          <p:cNvPr id="6" name="Footer Placeholder 5"/>
-          <p:cNvSpPr>
-            <a:spLocks noGrp="1"/>
-          </p:cNvSpPr>
-          <p:nvPr>
-            <p:ph type="ftr" sz="quarter" idx="11"/>
-          </p:nvPr>
-        </p:nvSpPr>
-        <p:spPr/>
-        <p:txBody>
-          <a:bodyPr/>
-          <a:lstStyle/>
-          <a:p>
-            <a:endParaRPr lang="en-US"/>
-          </a:p>
-        </p:txBody>
-      </p:sp>
-      <p:sp>
-        <p:nvSpPr>
-          <p:cNvPr id="7" name="Slide Number Placeholder 6"/>
-          <p:cNvSpPr>
-            <a:spLocks noGrp="1"/>
-          </p:cNvSpPr>
-          <p:nvPr>
-            <p:ph type="sldNum" sz="quarter" idx="12"/>
-          </p:nvPr>
-        </p:nvSpPr>
-        <p:spPr/>
-        <p:txBody>
-          <a:bodyPr/>
-          <a:lstStyle/>
-          <a:p>
-            <a:fld id="{E69CE304-8936-478E-AEC3-58FE262EB35F}" type="slidenum">
-              <a:rPr lang="en-US" smtClean="0"/>
-              <a:t>‹#›</a:t>
-            </a:fld>
-            <a:endParaRPr lang="en-US"/>
-          </a:p>
-        </p:txBody>
-      </p:sp>
-    </p:spTree>
-    <p:extLst>
-      <p:ext uri="{BB962C8B-B14F-4D97-AF65-F5344CB8AC3E}">
-        <p14:creationId xmlns:p14="http://schemas.microsoft.com/office/powerpoint/2010/main" val="2022631544"/>
       </p:ext>
     </p:extLst>
   </p:cSld>
@@ -13361,7 +16482,7 @@
           <a:p>
             <a:fld id="{00374A3D-E549-4259-8714-A9DCBD56E69C}" type="datetimeFigureOut">
               <a:rPr lang="en-US" smtClean="0"/>
-              <a:t>11/13/2017</a:t>
+              <a:t>11/15/2017</a:t>
             </a:fld>
             <a:endParaRPr lang="en-US"/>
           </a:p>
@@ -13611,7 +16732,7 @@
           <a:p>
             <a:fld id="{00374A3D-E549-4259-8714-A9DCBD56E69C}" type="datetimeFigureOut">
               <a:rPr lang="en-US" smtClean="0"/>
-              <a:t>11/13/2017</a:t>
+              <a:t>11/15/2017</a:t>
             </a:fld>
             <a:endParaRPr lang="en-US"/>
           </a:p>
@@ -13848,7 +16969,7 @@
           <a:p>
             <a:fld id="{00374A3D-E549-4259-8714-A9DCBD56E69C}" type="datetimeFigureOut">
               <a:rPr lang="en-US" smtClean="0"/>
-              <a:t>11/13/2017</a:t>
+              <a:t>11/15/2017</a:t>
             </a:fld>
             <a:endParaRPr lang="en-US"/>
           </a:p>
@@ -14233,7 +17354,7 @@
           <a:p>
             <a:fld id="{00374A3D-E549-4259-8714-A9DCBD56E69C}" type="datetimeFigureOut">
               <a:rPr lang="en-US" smtClean="0"/>
-              <a:t>11/13/2017</a:t>
+              <a:t>11/15/2017</a:t>
             </a:fld>
             <a:endParaRPr lang="en-US"/>
           </a:p>
@@ -14351,7 +17472,7 @@
           <a:p>
             <a:fld id="{00374A3D-E549-4259-8714-A9DCBD56E69C}" type="datetimeFigureOut">
               <a:rPr lang="en-US" smtClean="0"/>
-              <a:t>11/13/2017</a:t>
+              <a:t>11/15/2017</a:t>
             </a:fld>
             <a:endParaRPr lang="en-US"/>
           </a:p>
@@ -14446,7 +17567,7 @@
           <a:p>
             <a:fld id="{00374A3D-E549-4259-8714-A9DCBD56E69C}" type="datetimeFigureOut">
               <a:rPr lang="en-US" smtClean="0"/>
-              <a:t>11/13/2017</a:t>
+              <a:t>11/15/2017</a:t>
             </a:fld>
             <a:endParaRPr lang="en-US"/>
           </a:p>
@@ -14699,7 +17820,7 @@
           <a:p>
             <a:fld id="{00374A3D-E549-4259-8714-A9DCBD56E69C}" type="datetimeFigureOut">
               <a:rPr lang="en-US" smtClean="0"/>
-              <a:t>11/13/2017</a:t>
+              <a:t>11/15/2017</a:t>
             </a:fld>
             <a:endParaRPr lang="en-US"/>
           </a:p>
@@ -14968,7 +18089,7 @@
           <a:p>
             <a:fld id="{00374A3D-E549-4259-8714-A9DCBD56E69C}" type="datetimeFigureOut">
               <a:rPr lang="en-US" smtClean="0"/>
-              <a:t>11/13/2017</a:t>
+              <a:t>11/15/2017</a:t>
             </a:fld>
             <a:endParaRPr lang="en-US"/>
           </a:p>
@@ -15060,7 +18181,7 @@
           <p:nvPr/>
         </p:nvPicPr>
         <p:blipFill>
-          <a:blip r:embed="rId21">
+          <a:blip r:embed="rId20">
             <a:extLst>
               <a:ext uri="{28A0092B-C50C-407E-A947-70E740481C1C}">
                 <a14:useLocalDpi xmlns:a14="http://schemas.microsoft.com/office/drawing/2010/main" val="0"/>
@@ -15371,7 +18492,7 @@
           <a:p>
             <a:fld id="{00374A3D-E549-4259-8714-A9DCBD56E69C}" type="datetimeFigureOut">
               <a:rPr lang="en-US" smtClean="0"/>
-              <a:t>11/13/2017</a:t>
+              <a:t>11/15/2017</a:t>
             </a:fld>
             <a:endParaRPr lang="en-US"/>
           </a:p>
@@ -15482,7 +18603,6 @@
     <p:sldLayoutId id="2147483690" r:id="rId16"/>
     <p:sldLayoutId id="2147483691" r:id="rId17"/>
     <p:sldLayoutId id="2147483692" r:id="rId18"/>
-    <p:sldLayoutId id="2147483693" r:id="rId19"/>
   </p:sldLayoutIdLst>
   <p:txStyles>
     <p:titleStyle>
@@ -15900,12 +19020,6 @@
               </a:rPr>
               <a:t>Team B – Code Green </a:t>
             </a:r>
-            <a:endParaRPr lang="en-US" sz="1600" dirty="0" smtClean="0">
-              <a:solidFill>
-                <a:schemeClr val="tx1"/>
-              </a:solidFill>
-              <a:latin typeface="Algerian" panose="04020705040A02060702" pitchFamily="82" charset="0"/>
-            </a:endParaRPr>
           </a:p>
           <a:p>
             <a:pPr algn="ctr"/>
@@ -15916,16 +19030,7 @@
                 </a:solidFill>
                 <a:latin typeface="Algerian" panose="04020705040A02060702" pitchFamily="82" charset="0"/>
               </a:rPr>
-              <a:t> </a:t>
-            </a:r>
-            <a:r>
-              <a:rPr lang="en-US" sz="1600" dirty="0" smtClean="0">
-                <a:solidFill>
-                  <a:schemeClr val="tx1"/>
-                </a:solidFill>
-                <a:latin typeface="Algerian" panose="04020705040A02060702" pitchFamily="82" charset="0"/>
-              </a:rPr>
-              <a:t>Sirisha Vanamali, </a:t>
+              <a:t> Sirisha Vanamali, </a:t>
             </a:r>
             <a:r>
               <a:rPr lang="en-US" sz="1600" dirty="0" err="1" smtClean="0">
@@ -15961,16 +19066,7 @@
                 </a:solidFill>
                 <a:latin typeface="Algerian" panose="04020705040A02060702" pitchFamily="82" charset="0"/>
               </a:rPr>
-              <a:t>, Rohith Babu Sadhu</a:t>
-            </a:r>
-            <a:r>
-              <a:rPr lang="en-US" sz="1600" dirty="0" smtClean="0">
-                <a:solidFill>
-                  <a:schemeClr val="tx1"/>
-                </a:solidFill>
-                <a:latin typeface="Algerian" panose="04020705040A02060702" pitchFamily="82" charset="0"/>
-              </a:rPr>
-              <a:t>, </a:t>
+              <a:t>, Rohith Babu Sadhu, </a:t>
             </a:r>
             <a:r>
               <a:rPr lang="en-US" sz="1600" dirty="0" err="1" smtClean="0">
@@ -16105,7 +19201,7 @@
                   <a:schemeClr val="tx1"/>
                 </a:solidFill>
               </a:rPr>
-              <a:t>Iteration Plan</a:t>
+              <a:t>Change of planes</a:t>
             </a:r>
             <a:endParaRPr lang="en-US" dirty="0">
               <a:solidFill>
@@ -16119,20 +19215,19 @@
         <p:nvGraphicFramePr>
           <p:cNvPr id="4" name="Content Placeholder 2" descr="Trapezoid list showing 4 groups arranged from left to right with task descriptions under each group"/>
           <p:cNvGraphicFramePr>
-            <a:graphicFrameLocks noGrp="1"/>
+            <a:graphicFrameLocks/>
           </p:cNvGraphicFramePr>
           <p:nvPr>
-            <p:ph idx="1"/>
             <p:extLst>
               <p:ext uri="{D42A27DB-BD31-4B8C-83A1-F6EECF244321}">
-                <p14:modId xmlns:p14="http://schemas.microsoft.com/office/powerpoint/2010/main" val="3101995398"/>
+                <p14:modId xmlns:p14="http://schemas.microsoft.com/office/powerpoint/2010/main" val="4088322010"/>
               </p:ext>
             </p:extLst>
           </p:nvPr>
         </p:nvGraphicFramePr>
         <p:xfrm>
-          <a:off x="685800" y="2063750"/>
-          <a:ext cx="10396538" cy="3311525"/>
+          <a:off x="685801" y="1631853"/>
+          <a:ext cx="10793435" cy="4712676"/>
         </p:xfrm>
         <a:graphic>
           <a:graphicData uri="http://schemas.openxmlformats.org/drawingml/2006/diagram">
@@ -16143,7 +19238,7 @@
     </p:spTree>
     <p:extLst>
       <p:ext uri="{BB962C8B-B14F-4D97-AF65-F5344CB8AC3E}">
-        <p14:creationId xmlns:p14="http://schemas.microsoft.com/office/powerpoint/2010/main" val="289517682"/>
+        <p14:creationId xmlns:p14="http://schemas.microsoft.com/office/powerpoint/2010/main" val="1257842789"/>
       </p:ext>
     </p:extLst>
   </p:cSld>
@@ -16152,14 +19247,10 @@
   </p:clrMapOvr>
   <mc:AlternateContent xmlns:mc="http://schemas.openxmlformats.org/markup-compatibility/2006" xmlns:p14="http://schemas.microsoft.com/office/powerpoint/2010/main">
     <mc:Choice Requires="p14">
-      <p:transition spd="med" p14:dur="700">
-        <p:fade/>
-      </p:transition>
+      <p:transition spd="slow" p14:dur="2000"/>
     </mc:Choice>
     <mc:Fallback xmlns="">
-      <p:transition spd="med">
-        <p:fade/>
-      </p:transition>
+      <p:transition spd="slow"/>
     </mc:Fallback>
   </mc:AlternateContent>
   <p:timing>
@@ -16210,106 +19301,6 @@
                   <a:schemeClr val="tx1"/>
                 </a:solidFill>
               </a:rPr>
-              <a:t>Change of planes</a:t>
-            </a:r>
-            <a:endParaRPr lang="en-US" dirty="0">
-              <a:solidFill>
-                <a:schemeClr val="tx1"/>
-              </a:solidFill>
-            </a:endParaRPr>
-          </a:p>
-        </p:txBody>
-      </p:sp>
-      <p:graphicFrame>
-        <p:nvGraphicFramePr>
-          <p:cNvPr id="4" name="Content Placeholder 2" descr="Trapezoid list showing 4 groups arranged from left to right with task descriptions under each group"/>
-          <p:cNvGraphicFramePr>
-            <a:graphicFrameLocks/>
-          </p:cNvGraphicFramePr>
-          <p:nvPr>
-            <p:extLst>
-              <p:ext uri="{D42A27DB-BD31-4B8C-83A1-F6EECF244321}">
-                <p14:modId xmlns:p14="http://schemas.microsoft.com/office/powerpoint/2010/main" val="626410650"/>
-              </p:ext>
-            </p:extLst>
-          </p:nvPr>
-        </p:nvGraphicFramePr>
-        <p:xfrm>
-          <a:off x="1069354" y="2033996"/>
-          <a:ext cx="9629775" cy="3986213"/>
-        </p:xfrm>
-        <a:graphic>
-          <a:graphicData uri="http://schemas.openxmlformats.org/drawingml/2006/diagram">
-            <dgm:relIds xmlns:dgm="http://schemas.openxmlformats.org/drawingml/2006/diagram" xmlns:r="http://schemas.openxmlformats.org/officeDocument/2006/relationships" r:dm="rId2" r:lo="rId3" r:qs="rId4" r:cs="rId5"/>
-          </a:graphicData>
-        </a:graphic>
-      </p:graphicFrame>
-    </p:spTree>
-    <p:extLst>
-      <p:ext uri="{BB962C8B-B14F-4D97-AF65-F5344CB8AC3E}">
-        <p14:creationId xmlns:p14="http://schemas.microsoft.com/office/powerpoint/2010/main" val="1257842789"/>
-      </p:ext>
-    </p:extLst>
-  </p:cSld>
-  <p:clrMapOvr>
-    <a:masterClrMapping/>
-  </p:clrMapOvr>
-  <mc:AlternateContent xmlns:mc="http://schemas.openxmlformats.org/markup-compatibility/2006">
-    <mc:Choice xmlns:p14="http://schemas.microsoft.com/office/powerpoint/2010/main" Requires="p14">
-      <p:transition spd="slow" p14:dur="2000"/>
-    </mc:Choice>
-    <mc:Fallback>
-      <p:transition spd="slow"/>
-    </mc:Fallback>
-  </mc:AlternateContent>
-  <p:timing>
-    <p:tnLst>
-      <p:par>
-        <p:cTn id="1" dur="indefinite" restart="never" nodeType="tmRoot"/>
-      </p:par>
-    </p:tnLst>
-  </p:timing>
-</p:sld>
-</file>
-
-<file path=ppt/slides/slide12.xml><?xml version="1.0" encoding="utf-8"?>
-<p:sld xmlns:a="http://schemas.openxmlformats.org/drawingml/2006/main" xmlns:r="http://schemas.openxmlformats.org/officeDocument/2006/relationships" xmlns:p="http://schemas.openxmlformats.org/presentationml/2006/main">
-  <p:cSld>
-    <p:spTree>
-      <p:nvGrpSpPr>
-        <p:cNvPr id="1" name=""/>
-        <p:cNvGrpSpPr/>
-        <p:nvPr/>
-      </p:nvGrpSpPr>
-      <p:grpSpPr>
-        <a:xfrm>
-          <a:off x="0" y="0"/>
-          <a:ext cx="0" cy="0"/>
-          <a:chOff x="0" y="0"/>
-          <a:chExt cx="0" cy="0"/>
-        </a:xfrm>
-      </p:grpSpPr>
-      <p:sp>
-        <p:nvSpPr>
-          <p:cNvPr id="2" name="Title 1"/>
-          <p:cNvSpPr>
-            <a:spLocks noGrp="1"/>
-          </p:cNvSpPr>
-          <p:nvPr>
-            <p:ph type="title"/>
-          </p:nvPr>
-        </p:nvSpPr>
-        <p:spPr/>
-        <p:txBody>
-          <a:bodyPr/>
-          <a:lstStyle/>
-          <a:p>
-            <a:r>
-              <a:rPr lang="en-US" dirty="0" smtClean="0">
-                <a:solidFill>
-                  <a:schemeClr val="tx1"/>
-                </a:solidFill>
-              </a:rPr>
               <a:t>Testing Strategy</a:t>
             </a:r>
             <a:endParaRPr lang="en-US" dirty="0">
@@ -16330,8 +19321,8 @@
         </p:nvSpPr>
         <p:spPr>
           <a:xfrm>
-            <a:off x="914400" y="1837765"/>
-            <a:ext cx="9628632" cy="3986213"/>
+            <a:off x="685802" y="1837765"/>
+            <a:ext cx="6671602" cy="6040143"/>
           </a:xfrm>
           <a:prstGeom prst="rect">
             <a:avLst/>
@@ -16549,44 +19540,33 @@
             </a:lvl9pPr>
           </a:lstStyle>
           <a:p>
+            <a:pPr algn="just"/>
             <a:r>
-              <a:rPr lang="en-US" dirty="0" smtClean="0">
-                <a:latin typeface="Times New Roman" panose="02020603050405020304" pitchFamily="18" charset="0"/>
-                <a:cs typeface="Times New Roman" panose="02020603050405020304" pitchFamily="18" charset="0"/>
-              </a:rPr>
+              <a:rPr lang="en-US" dirty="0"/>
               <a:t>We have 4 builds having several core functionalities being developed in an incremental fashion.</a:t>
             </a:r>
           </a:p>
           <a:p>
+            <a:pPr algn="just"/>
             <a:r>
-              <a:rPr lang="en-US" dirty="0" smtClean="0">
-                <a:latin typeface="Times New Roman" panose="02020603050405020304" pitchFamily="18" charset="0"/>
-                <a:cs typeface="Times New Roman" panose="02020603050405020304" pitchFamily="18" charset="0"/>
-              </a:rPr>
+              <a:rPr lang="en-US" dirty="0"/>
               <a:t>Each build is a collection of several functionalities which are tested by the responsible individual.</a:t>
             </a:r>
           </a:p>
           <a:p>
+            <a:pPr algn="just"/>
             <a:r>
-              <a:rPr lang="en-US" dirty="0" smtClean="0">
-                <a:latin typeface="Times New Roman" panose="02020603050405020304" pitchFamily="18" charset="0"/>
-                <a:cs typeface="Times New Roman" panose="02020603050405020304" pitchFamily="18" charset="0"/>
-              </a:rPr>
+              <a:rPr lang="en-US" dirty="0"/>
               <a:t>Each build went through rigorous testing after every release.</a:t>
             </a:r>
           </a:p>
           <a:p>
+            <a:pPr algn="just"/>
             <a:r>
-              <a:rPr lang="en-US" dirty="0" smtClean="0">
-                <a:latin typeface="Times New Roman" panose="02020603050405020304" pitchFamily="18" charset="0"/>
-                <a:cs typeface="Times New Roman" panose="02020603050405020304" pitchFamily="18" charset="0"/>
-              </a:rPr>
+              <a:rPr lang="en-US" dirty="0"/>
               <a:t>We have used the test suite to test each build and respective functionality. </a:t>
             </a:r>
-            <a:endParaRPr lang="en-US" dirty="0">
-              <a:latin typeface="Times New Roman" panose="02020603050405020304" pitchFamily="18" charset="0"/>
-              <a:cs typeface="Times New Roman" panose="02020603050405020304" pitchFamily="18" charset="0"/>
-            </a:endParaRPr>
+            <a:endParaRPr lang="en-US" dirty="0"/>
           </a:p>
         </p:txBody>
       </p:sp>
@@ -16597,14 +19577,14 @@
           <p:nvPr>
             <p:extLst>
               <p:ext uri="{D42A27DB-BD31-4B8C-83A1-F6EECF244321}">
-                <p14:modId xmlns:p14="http://schemas.microsoft.com/office/powerpoint/2010/main" val="2573619427"/>
+                <p14:modId xmlns:p14="http://schemas.microsoft.com/office/powerpoint/2010/main" val="3259690603"/>
               </p:ext>
             </p:extLst>
           </p:nvPr>
         </p:nvGraphicFramePr>
         <p:xfrm>
-          <a:off x="2032000" y="5081450"/>
-          <a:ext cx="8128000" cy="1293223"/>
+          <a:off x="7455877" y="1533378"/>
+          <a:ext cx="4149968" cy="3938955"/>
         </p:xfrm>
         <a:graphic>
           <a:graphicData uri="http://schemas.openxmlformats.org/drawingml/2006/diagram">
@@ -16616,6 +19596,233 @@
     <p:extLst>
       <p:ext uri="{BB962C8B-B14F-4D97-AF65-F5344CB8AC3E}">
         <p14:creationId xmlns:p14="http://schemas.microsoft.com/office/powerpoint/2010/main" val="739800474"/>
+      </p:ext>
+    </p:extLst>
+  </p:cSld>
+  <p:clrMapOvr>
+    <a:masterClrMapping/>
+  </p:clrMapOvr>
+  <p:timing>
+    <p:tnLst>
+      <p:par>
+        <p:cTn id="1" dur="indefinite" restart="never" nodeType="tmRoot"/>
+      </p:par>
+    </p:tnLst>
+  </p:timing>
+</p:sld>
+</file>
+
+<file path=ppt/slides/slide12.xml><?xml version="1.0" encoding="utf-8"?>
+<p:sld xmlns:a="http://schemas.openxmlformats.org/drawingml/2006/main" xmlns:r="http://schemas.openxmlformats.org/officeDocument/2006/relationships" xmlns:p="http://schemas.openxmlformats.org/presentationml/2006/main">
+  <p:cSld>
+    <p:spTree>
+      <p:nvGrpSpPr>
+        <p:cNvPr id="1" name=""/>
+        <p:cNvGrpSpPr/>
+        <p:nvPr/>
+      </p:nvGrpSpPr>
+      <p:grpSpPr>
+        <a:xfrm>
+          <a:off x="0" y="0"/>
+          <a:ext cx="0" cy="0"/>
+          <a:chOff x="0" y="0"/>
+          <a:chExt cx="0" cy="0"/>
+        </a:xfrm>
+      </p:grpSpPr>
+      <p:sp>
+        <p:nvSpPr>
+          <p:cNvPr id="2" name="Title 1"/>
+          <p:cNvSpPr>
+            <a:spLocks noGrp="1"/>
+          </p:cNvSpPr>
+          <p:nvPr>
+            <p:ph type="title"/>
+          </p:nvPr>
+        </p:nvSpPr>
+        <p:spPr/>
+        <p:txBody>
+          <a:bodyPr/>
+          <a:lstStyle/>
+          <a:p>
+            <a:r>
+              <a:rPr lang="en-US" dirty="0">
+                <a:solidFill>
+                  <a:schemeClr val="tx1"/>
+                </a:solidFill>
+              </a:rPr>
+              <a:t>Bugs</a:t>
+            </a:r>
+            <a:r>
+              <a:rPr lang="en-US" dirty="0" smtClean="0"/>
+              <a:t> </a:t>
+            </a:r>
+            <a:r>
+              <a:rPr lang="en-US" dirty="0">
+                <a:solidFill>
+                  <a:schemeClr val="tx1"/>
+                </a:solidFill>
+              </a:rPr>
+              <a:t>Identified</a:t>
+            </a:r>
+          </a:p>
+        </p:txBody>
+      </p:sp>
+      <p:sp>
+        <p:nvSpPr>
+          <p:cNvPr id="3" name="Content Placeholder 2"/>
+          <p:cNvSpPr>
+            <a:spLocks noGrp="1"/>
+          </p:cNvSpPr>
+          <p:nvPr>
+            <p:ph sz="quarter" idx="13"/>
+          </p:nvPr>
+        </p:nvSpPr>
+        <p:spPr/>
+        <p:txBody>
+          <a:bodyPr/>
+          <a:lstStyle/>
+          <a:p>
+            <a:r>
+              <a:rPr lang="en-US" dirty="0" smtClean="0"/>
+              <a:t>Database changes can be made by the developer only.</a:t>
+            </a:r>
+          </a:p>
+          <a:p>
+            <a:r>
+              <a:rPr lang="en-US" dirty="0" smtClean="0"/>
+              <a:t>Constant qr. QR code doesn’t change when we go through history page yet again.</a:t>
+            </a:r>
+          </a:p>
+          <a:p>
+            <a:r>
+              <a:rPr lang="en-US" dirty="0" smtClean="0"/>
+              <a:t>Validations in place to avoid erroneous data input.</a:t>
+            </a:r>
+          </a:p>
+          <a:p>
+            <a:pPr marL="0" indent="0">
+              <a:buNone/>
+            </a:pPr>
+            <a:endParaRPr lang="en-US" dirty="0" smtClean="0"/>
+          </a:p>
+          <a:p>
+            <a:endParaRPr lang="en-US" dirty="0"/>
+          </a:p>
+        </p:txBody>
+      </p:sp>
+    </p:spTree>
+    <p:extLst>
+      <p:ext uri="{BB962C8B-B14F-4D97-AF65-F5344CB8AC3E}">
+        <p14:creationId xmlns:p14="http://schemas.microsoft.com/office/powerpoint/2010/main" val="2481008713"/>
+      </p:ext>
+    </p:extLst>
+  </p:cSld>
+  <p:clrMapOvr>
+    <a:masterClrMapping/>
+  </p:clrMapOvr>
+  <p:timing>
+    <p:tnLst>
+      <p:par>
+        <p:cTn id="1" dur="indefinite" restart="never" nodeType="tmRoot"/>
+      </p:par>
+    </p:tnLst>
+  </p:timing>
+</p:sld>
+</file>
+
+<file path=ppt/slides/slide13.xml><?xml version="1.0" encoding="utf-8"?>
+<p:sld xmlns:a="http://schemas.openxmlformats.org/drawingml/2006/main" xmlns:r="http://schemas.openxmlformats.org/officeDocument/2006/relationships" xmlns:p="http://schemas.openxmlformats.org/presentationml/2006/main">
+  <p:cSld>
+    <p:spTree>
+      <p:nvGrpSpPr>
+        <p:cNvPr id="1" name=""/>
+        <p:cNvGrpSpPr/>
+        <p:nvPr/>
+      </p:nvGrpSpPr>
+      <p:grpSpPr>
+        <a:xfrm>
+          <a:off x="0" y="0"/>
+          <a:ext cx="0" cy="0"/>
+          <a:chOff x="0" y="0"/>
+          <a:chExt cx="0" cy="0"/>
+        </a:xfrm>
+      </p:grpSpPr>
+      <p:sp>
+        <p:nvSpPr>
+          <p:cNvPr id="2" name="Title 1"/>
+          <p:cNvSpPr>
+            <a:spLocks noGrp="1"/>
+          </p:cNvSpPr>
+          <p:nvPr>
+            <p:ph type="title"/>
+          </p:nvPr>
+        </p:nvSpPr>
+        <p:spPr/>
+        <p:txBody>
+          <a:bodyPr/>
+          <a:lstStyle/>
+          <a:p>
+            <a:r>
+              <a:rPr lang="en-US" dirty="0">
+                <a:solidFill>
+                  <a:schemeClr val="tx1"/>
+                </a:solidFill>
+              </a:rPr>
+              <a:t>Status</a:t>
+            </a:r>
+          </a:p>
+        </p:txBody>
+      </p:sp>
+      <p:sp>
+        <p:nvSpPr>
+          <p:cNvPr id="3" name="Content Placeholder 2"/>
+          <p:cNvSpPr>
+            <a:spLocks noGrp="1"/>
+          </p:cNvSpPr>
+          <p:nvPr>
+            <p:ph sz="quarter" idx="13"/>
+          </p:nvPr>
+        </p:nvSpPr>
+        <p:spPr/>
+        <p:txBody>
+          <a:bodyPr/>
+          <a:lstStyle/>
+          <a:p>
+            <a:r>
+              <a:rPr lang="en-US" dirty="0"/>
+              <a:t>IOS Application - Check.</a:t>
+            </a:r>
+          </a:p>
+          <a:p>
+            <a:r>
+              <a:rPr lang="en-US" dirty="0"/>
+              <a:t>Web Application - Check.</a:t>
+            </a:r>
+          </a:p>
+          <a:p>
+            <a:r>
+              <a:rPr lang="en-US" dirty="0"/>
+              <a:t>Manual Testing and bug identification - In Progress.</a:t>
+            </a:r>
+          </a:p>
+          <a:p>
+            <a:r>
+              <a:rPr lang="en-US" dirty="0"/>
+              <a:t>CSS file for Web Application - In progress.</a:t>
+            </a:r>
+          </a:p>
+          <a:p>
+            <a:r>
+              <a:rPr lang="en-US" dirty="0"/>
+              <a:t>Documentation changes - In progress.</a:t>
+            </a:r>
+          </a:p>
+        </p:txBody>
+      </p:sp>
+    </p:spTree>
+    <p:extLst>
+      <p:ext uri="{BB962C8B-B14F-4D97-AF65-F5344CB8AC3E}">
+        <p14:creationId xmlns:p14="http://schemas.microsoft.com/office/powerpoint/2010/main" val="466284332"/>
       </p:ext>
     </p:extLst>
   </p:cSld>
@@ -16691,7 +19898,7 @@
         </p:spPr>
         <p:txBody>
           <a:bodyPr>
-            <a:normAutofit fontScale="77500" lnSpcReduction="20000"/>
+            <a:normAutofit fontScale="92500" lnSpcReduction="20000"/>
           </a:bodyPr>
           <a:lstStyle/>
           <a:p>
@@ -16776,21 +19983,6 @@
               </a:rPr>
               <a:t>Status </a:t>
             </a:r>
-            <a:endParaRPr lang="en-US" dirty="0" smtClean="0">
-              <a:latin typeface="Arial" panose="020B0604020202020204" pitchFamily="34" charset="0"/>
-              <a:cs typeface="Arial" panose="020B0604020202020204" pitchFamily="34" charset="0"/>
-            </a:endParaRPr>
-          </a:p>
-          <a:p>
-            <a:r>
-              <a:rPr lang="en-US" dirty="0" smtClean="0">
-                <a:latin typeface="Arial" panose="020B0604020202020204" pitchFamily="34" charset="0"/>
-                <a:cs typeface="Arial" panose="020B0604020202020204" pitchFamily="34" charset="0"/>
-              </a:rPr>
-              <a:t>Experience so far.</a:t>
-            </a:r>
-          </a:p>
-          <a:p>
             <a:endParaRPr lang="en-US" dirty="0" smtClean="0">
               <a:latin typeface="Arial" panose="020B0604020202020204" pitchFamily="34" charset="0"/>
               <a:cs typeface="Arial" panose="020B0604020202020204" pitchFamily="34" charset="0"/>
@@ -16952,10 +20144,6 @@
               </a:rPr>
               <a:t>We will be using the QR codes for tracking the attendance of the students.</a:t>
             </a:r>
-            <a:endParaRPr lang="en" sz="2400" dirty="0">
-              <a:latin typeface="Times New Roman" panose="02020603050405020304" pitchFamily="18" charset="0"/>
-              <a:cs typeface="Times New Roman" panose="02020603050405020304" pitchFamily="18" charset="0"/>
-            </a:endParaRPr>
           </a:p>
         </p:txBody>
       </p:sp>
@@ -16992,220 +20180,6 @@
 </file>
 
 <file path=ppt/slides/slide4.xml><?xml version="1.0" encoding="utf-8"?>
-<p:sld xmlns:a="http://schemas.openxmlformats.org/drawingml/2006/main" xmlns:r="http://schemas.openxmlformats.org/officeDocument/2006/relationships" xmlns:p="http://schemas.openxmlformats.org/presentationml/2006/main">
-  <p:cSld>
-    <p:spTree>
-      <p:nvGrpSpPr>
-        <p:cNvPr id="1" name=""/>
-        <p:cNvGrpSpPr/>
-        <p:nvPr/>
-      </p:nvGrpSpPr>
-      <p:grpSpPr>
-        <a:xfrm>
-          <a:off x="0" y="0"/>
-          <a:ext cx="0" cy="0"/>
-          <a:chOff x="0" y="0"/>
-          <a:chExt cx="0" cy="0"/>
-        </a:xfrm>
-      </p:grpSpPr>
-      <p:sp>
-        <p:nvSpPr>
-          <p:cNvPr id="2" name="Title 1"/>
-          <p:cNvSpPr>
-            <a:spLocks noGrp="1"/>
-          </p:cNvSpPr>
-          <p:nvPr>
-            <p:ph type="title"/>
-          </p:nvPr>
-        </p:nvSpPr>
-        <p:spPr>
-          <a:xfrm>
-            <a:off x="685801" y="382525"/>
-            <a:ext cx="10058400" cy="1450757"/>
-          </a:xfrm>
-        </p:spPr>
-        <p:txBody>
-          <a:bodyPr/>
-          <a:lstStyle/>
-          <a:p>
-            <a:r>
-              <a:rPr lang="en-US" dirty="0" smtClean="0">
-                <a:solidFill>
-                  <a:schemeClr val="tx1"/>
-                </a:solidFill>
-              </a:rPr>
-              <a:t>Previous requirements</a:t>
-            </a:r>
-            <a:endParaRPr lang="en-US" dirty="0">
-              <a:solidFill>
-                <a:schemeClr val="tx1"/>
-              </a:solidFill>
-            </a:endParaRPr>
-          </a:p>
-        </p:txBody>
-      </p:sp>
-      <p:sp>
-        <p:nvSpPr>
-          <p:cNvPr id="3" name="Content Placeholder 2"/>
-          <p:cNvSpPr>
-            <a:spLocks noGrp="1"/>
-          </p:cNvSpPr>
-          <p:nvPr>
-            <p:ph sz="half" idx="1"/>
-          </p:nvPr>
-        </p:nvSpPr>
-        <p:spPr>
-          <a:xfrm>
-            <a:off x="5741126" y="1846730"/>
-            <a:ext cx="5832565" cy="1405498"/>
-          </a:xfrm>
-        </p:spPr>
-        <p:txBody>
-          <a:bodyPr>
-            <a:normAutofit fontScale="92500" lnSpcReduction="20000"/>
-          </a:bodyPr>
-          <a:lstStyle/>
-          <a:p>
-            <a:pPr marL="0" indent="0">
-              <a:buNone/>
-            </a:pPr>
-            <a:r>
-              <a:rPr lang="en-US" sz="2400" b="1" dirty="0" smtClean="0">
-                <a:latin typeface="Times New Roman" panose="02020603050405020304" pitchFamily="18" charset="0"/>
-                <a:cs typeface="Times New Roman" panose="02020603050405020304" pitchFamily="18" charset="0"/>
-              </a:rPr>
-              <a:t>Instructor</a:t>
-            </a:r>
-            <a:endParaRPr lang="en-US" sz="2400" b="1" dirty="0">
-              <a:latin typeface="Times New Roman" panose="02020603050405020304" pitchFamily="18" charset="0"/>
-              <a:cs typeface="Times New Roman" panose="02020603050405020304" pitchFamily="18" charset="0"/>
-            </a:endParaRPr>
-          </a:p>
-          <a:p>
-            <a:r>
-              <a:rPr lang="en-US" sz="2400" dirty="0">
-                <a:latin typeface="Times New Roman" panose="02020603050405020304" pitchFamily="18" charset="0"/>
-                <a:cs typeface="Times New Roman" panose="02020603050405020304" pitchFamily="18" charset="0"/>
-              </a:rPr>
-              <a:t>QR code Generation</a:t>
-            </a:r>
-          </a:p>
-          <a:p>
-            <a:r>
-              <a:rPr lang="en-US" sz="2400" dirty="0">
-                <a:latin typeface="Times New Roman" panose="02020603050405020304" pitchFamily="18" charset="0"/>
-                <a:cs typeface="Times New Roman" panose="02020603050405020304" pitchFamily="18" charset="0"/>
-              </a:rPr>
-              <a:t>Manage the students attendance</a:t>
-            </a:r>
-            <a:endParaRPr lang="en-US" dirty="0"/>
-          </a:p>
-        </p:txBody>
-      </p:sp>
-      <p:sp>
-        <p:nvSpPr>
-          <p:cNvPr id="5" name="Content Placeholder 4"/>
-          <p:cNvSpPr>
-            <a:spLocks noGrp="1"/>
-          </p:cNvSpPr>
-          <p:nvPr>
-            <p:ph sz="half" idx="2"/>
-          </p:nvPr>
-        </p:nvSpPr>
-        <p:spPr>
-          <a:xfrm>
-            <a:off x="685801" y="1837765"/>
-            <a:ext cx="5451565" cy="2482228"/>
-          </a:xfrm>
-        </p:spPr>
-        <p:txBody>
-          <a:bodyPr>
-            <a:normAutofit fontScale="92500" lnSpcReduction="20000"/>
-          </a:bodyPr>
-          <a:lstStyle/>
-          <a:p>
-            <a:pPr marL="0" indent="0">
-              <a:buNone/>
-            </a:pPr>
-            <a:r>
-              <a:rPr lang="en-US" sz="2400" b="1" dirty="0">
-                <a:latin typeface="Times New Roman" panose="02020603050405020304" pitchFamily="18" charset="0"/>
-                <a:cs typeface="Times New Roman" panose="02020603050405020304" pitchFamily="18" charset="0"/>
-              </a:rPr>
-              <a:t>Student</a:t>
-            </a:r>
-          </a:p>
-          <a:p>
-            <a:r>
-              <a:rPr lang="en-US" sz="2400" dirty="0">
-                <a:latin typeface="Times New Roman" panose="02020603050405020304" pitchFamily="18" charset="0"/>
-                <a:cs typeface="Times New Roman" panose="02020603050405020304" pitchFamily="18" charset="0"/>
-              </a:rPr>
-              <a:t>Scan QR and Capture it</a:t>
-            </a:r>
-          </a:p>
-          <a:p>
-            <a:r>
-              <a:rPr lang="en-US" sz="2400" dirty="0">
-                <a:latin typeface="Times New Roman" panose="02020603050405020304" pitchFamily="18" charset="0"/>
-                <a:cs typeface="Times New Roman" panose="02020603050405020304" pitchFamily="18" charset="0"/>
-              </a:rPr>
-              <a:t>View courses registered</a:t>
-            </a:r>
-          </a:p>
-          <a:p>
-            <a:r>
-              <a:rPr lang="en-US" sz="2400" dirty="0">
-                <a:latin typeface="Times New Roman" panose="02020603050405020304" pitchFamily="18" charset="0"/>
-                <a:cs typeface="Times New Roman" panose="02020603050405020304" pitchFamily="18" charset="0"/>
-              </a:rPr>
-              <a:t>View attendance percentage</a:t>
-            </a:r>
-          </a:p>
-          <a:p>
-            <a:r>
-              <a:rPr lang="en-US" sz="2400" dirty="0">
-                <a:latin typeface="Times New Roman" panose="02020603050405020304" pitchFamily="18" charset="0"/>
-                <a:cs typeface="Times New Roman" panose="02020603050405020304" pitchFamily="18" charset="0"/>
-              </a:rPr>
-              <a:t>Feedback</a:t>
-            </a:r>
-          </a:p>
-        </p:txBody>
-      </p:sp>
-    </p:spTree>
-    <p:extLst>
-      <p:ext uri="{BB962C8B-B14F-4D97-AF65-F5344CB8AC3E}">
-        <p14:creationId xmlns:p14="http://schemas.microsoft.com/office/powerpoint/2010/main" val="4280786653"/>
-      </p:ext>
-    </p:extLst>
-  </p:cSld>
-  <p:clrMapOvr>
-    <a:masterClrMapping/>
-  </p:clrMapOvr>
-  <mc:AlternateContent xmlns:mc="http://schemas.openxmlformats.org/markup-compatibility/2006" xmlns:p14="http://schemas.microsoft.com/office/powerpoint/2010/main">
-    <mc:Choice Requires="p14">
-      <p:transition spd="med" p14:dur="700">
-        <p:fade/>
-      </p:transition>
-    </mc:Choice>
-    <mc:Fallback xmlns="">
-      <p:transition spd="med">
-        <p:fade/>
-      </p:transition>
-    </mc:Fallback>
-  </mc:AlternateContent>
-  <p:timing>
-    <p:tnLst>
-      <p:par>
-        <p:cTn id="1" dur="indefinite" restart="never" nodeType="tmRoot"/>
-      </p:par>
-    </p:tnLst>
-  </p:timing>
-</p:sld>
-</file>
-
-<file path=ppt/slides/slide5.xml><?xml version="1.0" encoding="utf-8"?>
 <p:sld xmlns:a="http://schemas.openxmlformats.org/drawingml/2006/main" xmlns:r="http://schemas.openxmlformats.org/officeDocument/2006/relationships" xmlns:p="http://schemas.openxmlformats.org/presentationml/2006/main">
   <p:cSld>
     <p:spTree>
@@ -17910,7 +20884,7 @@
 </p:sld>
 </file>
 
-<file path=ppt/slides/slide6.xml><?xml version="1.0" encoding="utf-8"?>
+<file path=ppt/slides/slide5.xml><?xml version="1.0" encoding="utf-8"?>
 <p:sld xmlns:a="http://schemas.openxmlformats.org/drawingml/2006/main" xmlns:r="http://schemas.openxmlformats.org/officeDocument/2006/relationships" xmlns:p="http://schemas.openxmlformats.org/presentationml/2006/main">
   <p:cSld>
     <p:spTree>
@@ -18564,7 +21538,7 @@
 </p:sld>
 </file>
 
-<file path=ppt/slides/slide7.xml><?xml version="1.0" encoding="utf-8"?>
+<file path=ppt/slides/slide6.xml><?xml version="1.0" encoding="utf-8"?>
 <p:sld xmlns:a="http://schemas.openxmlformats.org/drawingml/2006/main" xmlns:r="http://schemas.openxmlformats.org/officeDocument/2006/relationships" xmlns:p="http://schemas.openxmlformats.org/presentationml/2006/main">
   <p:cSld>
     <p:spTree>
@@ -18791,7 +21765,7 @@
         <p:spPr>
           <a:xfrm>
             <a:off x="5057865" y="1904504"/>
-            <a:ext cx="2103097" cy="2194536"/>
+            <a:ext cx="2121242" cy="2194536"/>
           </a:xfrm>
           <a:prstGeom prst="flowChartMagneticDisk">
             <a:avLst/>
@@ -18817,7 +21791,7 @@
           <a:p>
             <a:pPr algn="ctr"/>
             <a:r>
-              <a:rPr lang="en-US" sz="4000" dirty="0" smtClean="0">
+              <a:rPr lang="en-US" sz="3600" dirty="0" smtClean="0">
                 <a:ln w="0"/>
                 <a:solidFill>
                   <a:schemeClr val="accent6"/>
@@ -18832,7 +21806,7 @@
               </a:rPr>
               <a:t>Database</a:t>
             </a:r>
-            <a:endParaRPr lang="en-US" sz="4000" dirty="0">
+            <a:endParaRPr lang="en-US" sz="3600" dirty="0">
               <a:ln w="0"/>
               <a:solidFill>
                 <a:schemeClr val="accent6"/>
@@ -19207,8 +22181,8 @@
         </p:nvCxnSpPr>
         <p:spPr>
           <a:xfrm flipH="1" flipV="1">
-            <a:off x="6109414" y="4099040"/>
-            <a:ext cx="22799" cy="1601031"/>
+            <a:off x="6118486" y="4099040"/>
+            <a:ext cx="13728" cy="1601032"/>
           </a:xfrm>
           <a:prstGeom prst="straightConnector1">
             <a:avLst/>
@@ -19521,11 +22495,11 @@
   <p:clrMapOvr>
     <a:masterClrMapping/>
   </p:clrMapOvr>
-  <mc:AlternateContent xmlns:mc="http://schemas.openxmlformats.org/markup-compatibility/2006">
-    <mc:Choice xmlns:p14="http://schemas.microsoft.com/office/powerpoint/2010/main" Requires="p14">
+  <mc:AlternateContent xmlns:mc="http://schemas.openxmlformats.org/markup-compatibility/2006" xmlns:p14="http://schemas.microsoft.com/office/powerpoint/2010/main">
+    <mc:Choice Requires="p14">
       <p:transition spd="slow" p14:dur="2000"/>
     </mc:Choice>
-    <mc:Fallback>
+    <mc:Fallback xmlns="">
       <p:transition spd="slow"/>
     </mc:Fallback>
   </mc:AlternateContent>
@@ -19662,7 +22636,7 @@
 </p:sld>
 </file>
 
-<file path=ppt/slides/slide8.xml><?xml version="1.0" encoding="utf-8"?>
+<file path=ppt/slides/slide7.xml><?xml version="1.0" encoding="utf-8"?>
 <p:sld xmlns:a="http://schemas.openxmlformats.org/drawingml/2006/main" xmlns:r="http://schemas.openxmlformats.org/officeDocument/2006/relationships" xmlns:p="http://schemas.openxmlformats.org/presentationml/2006/main">
   <p:cSld>
     <p:spTree>
@@ -19702,15 +22676,7 @@
                   <a:schemeClr val="tx1"/>
                 </a:solidFill>
               </a:rPr>
-              <a:t>Challenges </a:t>
-            </a:r>
-            <a:r>
-              <a:rPr lang="en-US" dirty="0" smtClean="0">
-                <a:solidFill>
-                  <a:schemeClr val="tx1"/>
-                </a:solidFill>
-              </a:rPr>
-              <a:t>Faced and How did we overcome?</a:t>
+              <a:t>Challenges Faced and How did we overcome?</a:t>
             </a:r>
             <a:endParaRPr lang="en-US" dirty="0">
               <a:solidFill>
@@ -19905,7 +22871,7 @@
 </p:sld>
 </file>
 
-<file path=ppt/slides/slide9.xml><?xml version="1.0" encoding="utf-8"?>
+<file path=ppt/slides/slide8.xml><?xml version="1.0" encoding="utf-8"?>
 <p:sld xmlns:a="http://schemas.openxmlformats.org/drawingml/2006/main" xmlns:r="http://schemas.openxmlformats.org/officeDocument/2006/relationships" xmlns:p="http://schemas.openxmlformats.org/presentationml/2006/main">
   <p:cSld>
     <p:spTree>
@@ -20144,6 +23110,111 @@
   <p:clrMapOvr>
     <a:masterClrMapping/>
   </p:clrMapOvr>
+  <p:timing>
+    <p:tnLst>
+      <p:par>
+        <p:cTn id="1" dur="indefinite" restart="never" nodeType="tmRoot"/>
+      </p:par>
+    </p:tnLst>
+  </p:timing>
+</p:sld>
+</file>
+
+<file path=ppt/slides/slide9.xml><?xml version="1.0" encoding="utf-8"?>
+<p:sld xmlns:a="http://schemas.openxmlformats.org/drawingml/2006/main" xmlns:r="http://schemas.openxmlformats.org/officeDocument/2006/relationships" xmlns:p="http://schemas.openxmlformats.org/presentationml/2006/main">
+  <p:cSld>
+    <p:spTree>
+      <p:nvGrpSpPr>
+        <p:cNvPr id="1" name=""/>
+        <p:cNvGrpSpPr/>
+        <p:nvPr/>
+      </p:nvGrpSpPr>
+      <p:grpSpPr>
+        <a:xfrm>
+          <a:off x="0" y="0"/>
+          <a:ext cx="0" cy="0"/>
+          <a:chOff x="0" y="0"/>
+          <a:chExt cx="0" cy="0"/>
+        </a:xfrm>
+      </p:grpSpPr>
+      <p:sp>
+        <p:nvSpPr>
+          <p:cNvPr id="2" name="Title 1"/>
+          <p:cNvSpPr>
+            <a:spLocks noGrp="1"/>
+          </p:cNvSpPr>
+          <p:nvPr>
+            <p:ph type="title"/>
+          </p:nvPr>
+        </p:nvSpPr>
+        <p:spPr/>
+        <p:txBody>
+          <a:bodyPr/>
+          <a:lstStyle/>
+          <a:p>
+            <a:r>
+              <a:rPr lang="en-US" dirty="0" smtClean="0">
+                <a:solidFill>
+                  <a:schemeClr val="tx1"/>
+                </a:solidFill>
+              </a:rPr>
+              <a:t>Iteration Plan</a:t>
+            </a:r>
+            <a:endParaRPr lang="en-US" dirty="0">
+              <a:solidFill>
+                <a:schemeClr val="tx1"/>
+              </a:solidFill>
+            </a:endParaRPr>
+          </a:p>
+        </p:txBody>
+      </p:sp>
+      <p:graphicFrame>
+        <p:nvGraphicFramePr>
+          <p:cNvPr id="4" name="Content Placeholder 2" descr="Trapezoid list showing 4 groups arranged from left to right with task descriptions under each group"/>
+          <p:cNvGraphicFramePr>
+            <a:graphicFrameLocks noGrp="1"/>
+          </p:cNvGraphicFramePr>
+          <p:nvPr>
+            <p:ph idx="1"/>
+            <p:extLst>
+              <p:ext uri="{D42A27DB-BD31-4B8C-83A1-F6EECF244321}">
+                <p14:modId xmlns:p14="http://schemas.microsoft.com/office/powerpoint/2010/main" val="2173922169"/>
+              </p:ext>
+            </p:extLst>
+          </p:nvPr>
+        </p:nvGraphicFramePr>
+        <p:xfrm>
+          <a:off x="685800" y="2307102"/>
+          <a:ext cx="10554285" cy="3235570"/>
+        </p:xfrm>
+        <a:graphic>
+          <a:graphicData uri="http://schemas.openxmlformats.org/drawingml/2006/diagram">
+            <dgm:relIds xmlns:dgm="http://schemas.openxmlformats.org/drawingml/2006/diagram" xmlns:r="http://schemas.openxmlformats.org/officeDocument/2006/relationships" r:dm="rId2" r:lo="rId3" r:qs="rId4" r:cs="rId5"/>
+          </a:graphicData>
+        </a:graphic>
+      </p:graphicFrame>
+    </p:spTree>
+    <p:extLst>
+      <p:ext uri="{BB962C8B-B14F-4D97-AF65-F5344CB8AC3E}">
+        <p14:creationId xmlns:p14="http://schemas.microsoft.com/office/powerpoint/2010/main" val="289517682"/>
+      </p:ext>
+    </p:extLst>
+  </p:cSld>
+  <p:clrMapOvr>
+    <a:masterClrMapping/>
+  </p:clrMapOvr>
+  <mc:AlternateContent xmlns:mc="http://schemas.openxmlformats.org/markup-compatibility/2006" xmlns:p14="http://schemas.microsoft.com/office/powerpoint/2010/main">
+    <mc:Choice Requires="p14">
+      <p:transition spd="med" p14:dur="700">
+        <p:fade/>
+      </p:transition>
+    </mc:Choice>
+    <mc:Fallback xmlns="">
+      <p:transition spd="med">
+        <p:fade/>
+      </p:transition>
+    </mc:Fallback>
+  </mc:AlternateContent>
   <p:timing>
     <p:tnLst>
       <p:par>

--- a/final ppt.pptx
+++ b/final ppt.pptx
@@ -8,16 +8,20 @@
     <p:sldId id="257" r:id="rId2"/>
     <p:sldId id="258" r:id="rId3"/>
     <p:sldId id="259" r:id="rId4"/>
-    <p:sldId id="261" r:id="rId5"/>
-    <p:sldId id="269" r:id="rId6"/>
-    <p:sldId id="265" r:id="rId7"/>
-    <p:sldId id="262" r:id="rId8"/>
-    <p:sldId id="263" r:id="rId9"/>
-    <p:sldId id="264" r:id="rId10"/>
-    <p:sldId id="266" r:id="rId11"/>
-    <p:sldId id="270" r:id="rId12"/>
-    <p:sldId id="272" r:id="rId13"/>
-    <p:sldId id="271" r:id="rId14"/>
+    <p:sldId id="273" r:id="rId5"/>
+    <p:sldId id="261" r:id="rId6"/>
+    <p:sldId id="269" r:id="rId7"/>
+    <p:sldId id="265" r:id="rId8"/>
+    <p:sldId id="276" r:id="rId9"/>
+    <p:sldId id="262" r:id="rId10"/>
+    <p:sldId id="263" r:id="rId11"/>
+    <p:sldId id="264" r:id="rId12"/>
+    <p:sldId id="266" r:id="rId13"/>
+    <p:sldId id="270" r:id="rId14"/>
+    <p:sldId id="277" r:id="rId15"/>
+    <p:sldId id="272" r:id="rId16"/>
+    <p:sldId id="274" r:id="rId17"/>
+    <p:sldId id="271" r:id="rId18"/>
   </p:sldIdLst>
   <p:sldSz cx="12192000" cy="6858000"/>
   <p:notesSz cx="6858000" cy="9144000"/>
@@ -124,6 +128,10 @@
 </p:presentation>
 </file>
 
+<file path=ppt/revisionInfo.xml><?xml version="1.0" encoding="utf-8"?>
+<p1510:revInfo xmlns:a="http://schemas.openxmlformats.org/drawingml/2006/main" xmlns:r="http://schemas.openxmlformats.org/officeDocument/2006/relationships" xmlns:p1510="http://schemas.microsoft.com/office/powerpoint/2015/10/main"/>
+</file>
+
 <file path=ppt/diagrams/colors1.xml><?xml version="1.0" encoding="utf-8"?>
 <dgm:colorsDef xmlns:dgm="http://schemas.openxmlformats.org/drawingml/2006/diagram" xmlns:a="http://schemas.openxmlformats.org/drawingml/2006/main" uniqueId="urn:microsoft.com/office/officeart/2005/8/colors/accent1_2">
   <dgm:title val=""/>
@@ -2387,16 +2395,12 @@
         <a:lstStyle/>
         <a:p>
           <a:r>
-            <a:rPr lang="en-US" sz="2200" dirty="0" smtClean="0">
+            <a:rPr lang="en-US" sz="2200" dirty="0">
               <a:latin typeface="Times New Roman" panose="02020603050405020304" pitchFamily="18" charset="0"/>
               <a:cs typeface="Times New Roman" panose="02020603050405020304" pitchFamily="18" charset="0"/>
             </a:rPr>
             <a:t>Build zero</a:t>
           </a:r>
-          <a:endParaRPr lang="en-US" sz="2200" dirty="0">
-            <a:latin typeface="Times New Roman" panose="02020603050405020304" pitchFamily="18" charset="0"/>
-            <a:cs typeface="Times New Roman" panose="02020603050405020304" pitchFamily="18" charset="0"/>
-          </a:endParaRPr>
         </a:p>
       </dgm:t>
     </dgm:pt>
@@ -2430,16 +2434,12 @@
         <a:lstStyle/>
         <a:p>
           <a:r>
-            <a:rPr lang="en-US" sz="2200" dirty="0" smtClean="0">
+            <a:rPr lang="en-US" sz="2200" dirty="0">
               <a:latin typeface="Times New Roman" panose="02020603050405020304" pitchFamily="18" charset="0"/>
               <a:cs typeface="Times New Roman" panose="02020603050405020304" pitchFamily="18" charset="0"/>
             </a:rPr>
             <a:t>Requirements Analysis</a:t>
           </a:r>
-          <a:endParaRPr lang="en-US" sz="2200" dirty="0">
-            <a:latin typeface="Times New Roman" panose="02020603050405020304" pitchFamily="18" charset="0"/>
-            <a:cs typeface="Times New Roman" panose="02020603050405020304" pitchFamily="18" charset="0"/>
-          </a:endParaRPr>
         </a:p>
       </dgm:t>
     </dgm:pt>
@@ -2473,16 +2473,12 @@
         <a:lstStyle/>
         <a:p>
           <a:r>
-            <a:rPr lang="en-US" sz="2200" dirty="0" smtClean="0">
+            <a:rPr lang="en-US" sz="2200" dirty="0">
               <a:latin typeface="Times New Roman" panose="02020603050405020304" pitchFamily="18" charset="0"/>
               <a:cs typeface="Times New Roman" panose="02020603050405020304" pitchFamily="18" charset="0"/>
             </a:rPr>
             <a:t>Prototypes</a:t>
           </a:r>
-          <a:endParaRPr lang="en-US" sz="2200" dirty="0">
-            <a:latin typeface="Times New Roman" panose="02020603050405020304" pitchFamily="18" charset="0"/>
-            <a:cs typeface="Times New Roman" panose="02020603050405020304" pitchFamily="18" charset="0"/>
-          </a:endParaRPr>
         </a:p>
       </dgm:t>
     </dgm:pt>
@@ -2516,16 +2512,12 @@
         <a:lstStyle/>
         <a:p>
           <a:r>
-            <a:rPr lang="en-US" sz="2200" dirty="0" smtClean="0">
+            <a:rPr lang="en-US" sz="2200" dirty="0">
               <a:latin typeface="Times New Roman" panose="02020603050405020304" pitchFamily="18" charset="0"/>
               <a:cs typeface="Times New Roman" panose="02020603050405020304" pitchFamily="18" charset="0"/>
             </a:rPr>
             <a:t>Static UI for the App</a:t>
           </a:r>
-          <a:endParaRPr lang="en-US" sz="2200" dirty="0">
-            <a:latin typeface="Times New Roman" panose="02020603050405020304" pitchFamily="18" charset="0"/>
-            <a:cs typeface="Times New Roman" panose="02020603050405020304" pitchFamily="18" charset="0"/>
-          </a:endParaRPr>
         </a:p>
       </dgm:t>
     </dgm:pt>
@@ -2559,16 +2551,12 @@
         <a:lstStyle/>
         <a:p>
           <a:r>
-            <a:rPr lang="en-US" sz="2200" dirty="0" smtClean="0">
+            <a:rPr lang="en-US" sz="2200" dirty="0">
               <a:latin typeface="Times New Roman" panose="02020603050405020304" pitchFamily="18" charset="0"/>
               <a:cs typeface="Times New Roman" panose="02020603050405020304" pitchFamily="18" charset="0"/>
             </a:rPr>
             <a:t>Build One</a:t>
           </a:r>
-          <a:endParaRPr lang="en-US" sz="2200" dirty="0">
-            <a:latin typeface="Times New Roman" panose="02020603050405020304" pitchFamily="18" charset="0"/>
-            <a:cs typeface="Times New Roman" panose="02020603050405020304" pitchFamily="18" charset="0"/>
-          </a:endParaRPr>
         </a:p>
       </dgm:t>
     </dgm:pt>
@@ -2602,16 +2590,12 @@
         <a:lstStyle/>
         <a:p>
           <a:r>
-            <a:rPr lang="en-US" sz="2200" dirty="0" smtClean="0">
+            <a:rPr lang="en-US" sz="2200" dirty="0">
               <a:latin typeface="Times New Roman" panose="02020603050405020304" pitchFamily="18" charset="0"/>
               <a:cs typeface="Times New Roman" panose="02020603050405020304" pitchFamily="18" charset="0"/>
             </a:rPr>
             <a:t>Finalize Database</a:t>
           </a:r>
-          <a:endParaRPr lang="en-US" sz="2200" dirty="0">
-            <a:latin typeface="Times New Roman" panose="02020603050405020304" pitchFamily="18" charset="0"/>
-            <a:cs typeface="Times New Roman" panose="02020603050405020304" pitchFamily="18" charset="0"/>
-          </a:endParaRPr>
         </a:p>
       </dgm:t>
     </dgm:pt>
@@ -2645,16 +2629,12 @@
         <a:lstStyle/>
         <a:p>
           <a:r>
-            <a:rPr lang="en-US" sz="2200" dirty="0" smtClean="0">
+            <a:rPr lang="en-US" sz="2200" dirty="0">
               <a:latin typeface="Times New Roman" panose="02020603050405020304" pitchFamily="18" charset="0"/>
               <a:cs typeface="Times New Roman" panose="02020603050405020304" pitchFamily="18" charset="0"/>
             </a:rPr>
             <a:t>Dynamic UI for WEB app</a:t>
           </a:r>
-          <a:endParaRPr lang="en-US" sz="2200" dirty="0">
-            <a:latin typeface="Times New Roman" panose="02020603050405020304" pitchFamily="18" charset="0"/>
-            <a:cs typeface="Times New Roman" panose="02020603050405020304" pitchFamily="18" charset="0"/>
-          </a:endParaRPr>
         </a:p>
       </dgm:t>
     </dgm:pt>
@@ -2688,16 +2668,12 @@
         <a:lstStyle/>
         <a:p>
           <a:r>
-            <a:rPr lang="en-US" sz="2200" dirty="0" smtClean="0">
+            <a:rPr lang="en-US" sz="2200" dirty="0">
               <a:latin typeface="Times New Roman" panose="02020603050405020304" pitchFamily="18" charset="0"/>
               <a:cs typeface="Times New Roman" panose="02020603050405020304" pitchFamily="18" charset="0"/>
             </a:rPr>
             <a:t>Connection with database</a:t>
           </a:r>
-          <a:endParaRPr lang="en-US" sz="2200" dirty="0">
-            <a:latin typeface="Times New Roman" panose="02020603050405020304" pitchFamily="18" charset="0"/>
-            <a:cs typeface="Times New Roman" panose="02020603050405020304" pitchFamily="18" charset="0"/>
-          </a:endParaRPr>
         </a:p>
       </dgm:t>
     </dgm:pt>
@@ -2731,16 +2707,12 @@
         <a:lstStyle/>
         <a:p>
           <a:r>
-            <a:rPr lang="en-US" sz="2200" dirty="0" smtClean="0">
+            <a:rPr lang="en-US" sz="2200" dirty="0">
               <a:latin typeface="Times New Roman" panose="02020603050405020304" pitchFamily="18" charset="0"/>
               <a:cs typeface="Times New Roman" panose="02020603050405020304" pitchFamily="18" charset="0"/>
             </a:rPr>
             <a:t>Build Two</a:t>
           </a:r>
-          <a:endParaRPr lang="en-US" sz="2200" dirty="0">
-            <a:latin typeface="Times New Roman" panose="02020603050405020304" pitchFamily="18" charset="0"/>
-            <a:cs typeface="Times New Roman" panose="02020603050405020304" pitchFamily="18" charset="0"/>
-          </a:endParaRPr>
         </a:p>
       </dgm:t>
     </dgm:pt>
@@ -2774,16 +2746,12 @@
         <a:lstStyle/>
         <a:p>
           <a:r>
-            <a:rPr lang="en-US" sz="2200" dirty="0" smtClean="0">
+            <a:rPr lang="en-US" sz="2200" dirty="0">
               <a:latin typeface="Times New Roman" panose="02020603050405020304" pitchFamily="18" charset="0"/>
               <a:cs typeface="Times New Roman" panose="02020603050405020304" pitchFamily="18" charset="0"/>
             </a:rPr>
             <a:t>Dynamic UI for the iOS app</a:t>
           </a:r>
-          <a:endParaRPr lang="en-US" sz="2200" dirty="0">
-            <a:latin typeface="Times New Roman" panose="02020603050405020304" pitchFamily="18" charset="0"/>
-            <a:cs typeface="Times New Roman" panose="02020603050405020304" pitchFamily="18" charset="0"/>
-          </a:endParaRPr>
         </a:p>
       </dgm:t>
     </dgm:pt>
@@ -2817,16 +2785,12 @@
         <a:lstStyle/>
         <a:p>
           <a:r>
-            <a:rPr lang="en-US" sz="2200" dirty="0" smtClean="0">
+            <a:rPr lang="en-US" sz="2200" dirty="0">
               <a:latin typeface="Times New Roman" panose="02020603050405020304" pitchFamily="18" charset="0"/>
               <a:cs typeface="Times New Roman" panose="02020603050405020304" pitchFamily="18" charset="0"/>
             </a:rPr>
             <a:t>Build Three</a:t>
           </a:r>
-          <a:endParaRPr lang="en-US" sz="2200" dirty="0">
-            <a:latin typeface="Times New Roman" panose="02020603050405020304" pitchFamily="18" charset="0"/>
-            <a:cs typeface="Times New Roman" panose="02020603050405020304" pitchFamily="18" charset="0"/>
-          </a:endParaRPr>
         </a:p>
       </dgm:t>
     </dgm:pt>
@@ -2860,16 +2824,12 @@
         <a:lstStyle/>
         <a:p>
           <a:r>
-            <a:rPr lang="en-US" sz="2200" dirty="0" smtClean="0">
+            <a:rPr lang="en-US" sz="2200" dirty="0">
               <a:latin typeface="Times New Roman" panose="02020603050405020304" pitchFamily="18" charset="0"/>
               <a:cs typeface="Times New Roman" panose="02020603050405020304" pitchFamily="18" charset="0"/>
             </a:rPr>
             <a:t>Testing the functionalities</a:t>
           </a:r>
-          <a:endParaRPr lang="en-US" sz="2200" dirty="0">
-            <a:latin typeface="Times New Roman" panose="02020603050405020304" pitchFamily="18" charset="0"/>
-            <a:cs typeface="Times New Roman" panose="02020603050405020304" pitchFamily="18" charset="0"/>
-          </a:endParaRPr>
         </a:p>
       </dgm:t>
     </dgm:pt>
@@ -2903,16 +2863,12 @@
         <a:lstStyle/>
         <a:p>
           <a:r>
-            <a:rPr lang="en-US" sz="2200" dirty="0" smtClean="0">
+            <a:rPr lang="en-US" sz="2200" dirty="0">
               <a:latin typeface="Times New Roman" panose="02020603050405020304" pitchFamily="18" charset="0"/>
               <a:cs typeface="Times New Roman" panose="02020603050405020304" pitchFamily="18" charset="0"/>
             </a:rPr>
             <a:t>Documenting the changes</a:t>
           </a:r>
-          <a:endParaRPr lang="en-US" sz="2200" dirty="0">
-            <a:latin typeface="Times New Roman" panose="02020603050405020304" pitchFamily="18" charset="0"/>
-            <a:cs typeface="Times New Roman" panose="02020603050405020304" pitchFamily="18" charset="0"/>
-          </a:endParaRPr>
         </a:p>
       </dgm:t>
     </dgm:pt>
@@ -2946,16 +2902,12 @@
         <a:lstStyle/>
         <a:p>
           <a:r>
-            <a:rPr lang="en-US" sz="2200" dirty="0" smtClean="0">
+            <a:rPr lang="en-US" sz="2200" dirty="0">
               <a:latin typeface="Times New Roman" panose="02020603050405020304" pitchFamily="18" charset="0"/>
               <a:cs typeface="Times New Roman" panose="02020603050405020304" pitchFamily="18" charset="0"/>
             </a:rPr>
             <a:t>Scanner functionality</a:t>
           </a:r>
-          <a:endParaRPr lang="en-US" sz="2200" dirty="0">
-            <a:latin typeface="Times New Roman" panose="02020603050405020304" pitchFamily="18" charset="0"/>
-            <a:cs typeface="Times New Roman" panose="02020603050405020304" pitchFamily="18" charset="0"/>
-          </a:endParaRPr>
         </a:p>
       </dgm:t>
     </dgm:pt>
@@ -2989,16 +2941,12 @@
         <a:lstStyle/>
         <a:p>
           <a:r>
-            <a:rPr lang="en-US" sz="2200" dirty="0" smtClean="0">
+            <a:rPr lang="en-US" sz="2200" dirty="0">
               <a:latin typeface="Times New Roman" panose="02020603050405020304" pitchFamily="18" charset="0"/>
               <a:cs typeface="Times New Roman" panose="02020603050405020304" pitchFamily="18" charset="0"/>
             </a:rPr>
             <a:t>Connecting both the applications</a:t>
           </a:r>
-          <a:endParaRPr lang="en-US" sz="2200" dirty="0">
-            <a:latin typeface="Times New Roman" panose="02020603050405020304" pitchFamily="18" charset="0"/>
-            <a:cs typeface="Times New Roman" panose="02020603050405020304" pitchFamily="18" charset="0"/>
-          </a:endParaRPr>
         </a:p>
       </dgm:t>
     </dgm:pt>
@@ -3035,13 +2983,6 @@
         </dgm:presLayoutVars>
       </dgm:prSet>
       <dgm:spPr/>
-      <dgm:t>
-        <a:bodyPr/>
-        <a:lstStyle/>
-        <a:p>
-          <a:endParaRPr lang="en-US"/>
-        </a:p>
-      </dgm:t>
     </dgm:pt>
     <dgm:pt modelId="{C8BC21FD-556C-40FC-81CC-FBE0FB65A039}" type="pres">
       <dgm:prSet presAssocID="{082E8A29-955A-4C7C-A174-3E9DCD4DC89B}" presName="ParentComposite" presStyleCnt="0"/>
@@ -3064,13 +3005,6 @@
         </dgm:presLayoutVars>
       </dgm:prSet>
       <dgm:spPr/>
-      <dgm:t>
-        <a:bodyPr/>
-        <a:lstStyle/>
-        <a:p>
-          <a:endParaRPr lang="en-US"/>
-        </a:p>
-      </dgm:t>
     </dgm:pt>
     <dgm:pt modelId="{5C7566F6-C13E-4509-A9A7-CD09BAF0870E}" type="pres">
       <dgm:prSet presAssocID="{D5C26250-A06D-4B41-BC14-92648809C21F}" presName="negSibTrans" presStyleCnt="0"/>
@@ -3089,13 +3023,6 @@
         </dgm:presLayoutVars>
       </dgm:prSet>
       <dgm:spPr/>
-      <dgm:t>
-        <a:bodyPr/>
-        <a:lstStyle/>
-        <a:p>
-          <a:endParaRPr lang="en-US"/>
-        </a:p>
-      </dgm:t>
     </dgm:pt>
     <dgm:pt modelId="{388B3605-5608-4D75-A447-2786C48796D3}" type="pres">
       <dgm:prSet presAssocID="{C2176686-D23E-48EB-9D1B-1A1B46236638}" presName="sibTrans" presStyleCnt="0"/>
@@ -3122,13 +3049,6 @@
         </dgm:presLayoutVars>
       </dgm:prSet>
       <dgm:spPr/>
-      <dgm:t>
-        <a:bodyPr/>
-        <a:lstStyle/>
-        <a:p>
-          <a:endParaRPr lang="en-US"/>
-        </a:p>
-      </dgm:t>
     </dgm:pt>
     <dgm:pt modelId="{28E47D28-1AC9-4674-BF31-83CBB825DA83}" type="pres">
       <dgm:prSet presAssocID="{3640B940-6901-481F-ADF7-6B77DEEED764}" presName="negSibTrans" presStyleCnt="0"/>
@@ -3147,13 +3067,6 @@
         </dgm:presLayoutVars>
       </dgm:prSet>
       <dgm:spPr/>
-      <dgm:t>
-        <a:bodyPr/>
-        <a:lstStyle/>
-        <a:p>
-          <a:endParaRPr lang="en-US"/>
-        </a:p>
-      </dgm:t>
     </dgm:pt>
     <dgm:pt modelId="{63F744B1-319A-47E4-B03C-7B9910615014}" type="pres">
       <dgm:prSet presAssocID="{48634C00-2335-4923-9072-EB7482323D9C}" presName="sibTrans" presStyleCnt="0"/>
@@ -3180,13 +3093,6 @@
         </dgm:presLayoutVars>
       </dgm:prSet>
       <dgm:spPr/>
-      <dgm:t>
-        <a:bodyPr/>
-        <a:lstStyle/>
-        <a:p>
-          <a:endParaRPr lang="en-US"/>
-        </a:p>
-      </dgm:t>
     </dgm:pt>
     <dgm:pt modelId="{4059FA52-BA29-436C-B01E-F625A31B39D5}" type="pres">
       <dgm:prSet presAssocID="{6C9440D0-8847-40C0-98BC-2B5EA5745C3A}" presName="negSibTrans" presStyleCnt="0"/>
@@ -3205,13 +3111,6 @@
         </dgm:presLayoutVars>
       </dgm:prSet>
       <dgm:spPr/>
-      <dgm:t>
-        <a:bodyPr/>
-        <a:lstStyle/>
-        <a:p>
-          <a:endParaRPr lang="en-US"/>
-        </a:p>
-      </dgm:t>
     </dgm:pt>
     <dgm:pt modelId="{0CF3F78D-59EA-412D-A1D1-233489C3EBF6}" type="pres">
       <dgm:prSet presAssocID="{DE289E29-1989-4D8E-8AA6-F030105B3F13}" presName="sibTrans" presStyleCnt="0"/>
@@ -3238,13 +3137,6 @@
         </dgm:presLayoutVars>
       </dgm:prSet>
       <dgm:spPr/>
-      <dgm:t>
-        <a:bodyPr/>
-        <a:lstStyle/>
-        <a:p>
-          <a:endParaRPr lang="en-US"/>
-        </a:p>
-      </dgm:t>
     </dgm:pt>
     <dgm:pt modelId="{97CD814A-57C6-4E77-81D0-DF5F94515A11}" type="pres">
       <dgm:prSet presAssocID="{77756FBB-BF6C-4D78-803E-BCC851F1DA03}" presName="negSibTrans" presStyleCnt="0"/>
@@ -3263,47 +3155,40 @@
         </dgm:presLayoutVars>
       </dgm:prSet>
       <dgm:spPr/>
-      <dgm:t>
-        <a:bodyPr/>
-        <a:lstStyle/>
-        <a:p>
-          <a:endParaRPr lang="en-US"/>
-        </a:p>
-      </dgm:t>
     </dgm:pt>
   </dgm:ptLst>
   <dgm:cxnLst>
+    <dgm:cxn modelId="{B055C91B-9D3C-49A8-99B5-F11DA4FEA935}" type="presOf" srcId="{F3256203-D9D1-492A-B801-68C1A32486F0}" destId="{986877C7-5555-4471-A423-DCAF7AEC96DE}" srcOrd="0" destOrd="0" presId="urn:microsoft.com/office/officeart/2009/3/layout/PieProcess"/>
+    <dgm:cxn modelId="{56DED42F-8763-49B1-B10F-B89D85A55BA2}" type="presOf" srcId="{422AACC2-0BA9-4098-8E51-7BBB903AF3DB}" destId="{986877C7-5555-4471-A423-DCAF7AEC96DE}" srcOrd="0" destOrd="1" presId="urn:microsoft.com/office/officeart/2009/3/layout/PieProcess"/>
+    <dgm:cxn modelId="{1C5CE732-A00F-4C06-A1A8-B209BC6B496D}" srcId="{E5E95E82-EF79-43CA-AA86-43B0E1CBCD3F}" destId="{37A7C994-CC74-44DD-8777-ED6736B35821}" srcOrd="1" destOrd="0" parTransId="{03F017E7-7E3C-4E2C-9CEF-B07099F38801}" sibTransId="{118572A4-3B5E-487E-8015-6A319369077F}"/>
+    <dgm:cxn modelId="{5EF5D55D-D88A-4885-BFBE-B52166978109}" type="presOf" srcId="{6D0E5D9F-7263-4526-A227-51301233F549}" destId="{CA9AEAE3-E1C9-456F-BBFA-1FA519C78A4E}" srcOrd="0" destOrd="0" presId="urn:microsoft.com/office/officeart/2009/3/layout/PieProcess"/>
+    <dgm:cxn modelId="{58F02963-6103-4BE1-8EFB-FC841CBFF260}" type="presOf" srcId="{62831651-7C26-466C-BAA4-31EA8D14E47A}" destId="{AD586D5E-6D5D-4C38-A2CC-FCF6A2523532}" srcOrd="0" destOrd="1" presId="urn:microsoft.com/office/officeart/2009/3/layout/PieProcess"/>
+    <dgm:cxn modelId="{B011A044-8BC6-4A2F-A46E-FB04D5D0C086}" type="presOf" srcId="{97AFB725-9839-43BA-B026-0DD6AA03AD9C}" destId="{2D1C1CB8-58C2-46AC-93F8-7D14C8828C6D}" srcOrd="0" destOrd="0" presId="urn:microsoft.com/office/officeart/2009/3/layout/PieProcess"/>
+    <dgm:cxn modelId="{5CB77846-4F8B-4461-B835-28D27CFCEB72}" type="presOf" srcId="{44B2544A-D122-4B95-A36C-B03D9E272B48}" destId="{AD586D5E-6D5D-4C38-A2CC-FCF6A2523532}" srcOrd="0" destOrd="2" presId="urn:microsoft.com/office/officeart/2009/3/layout/PieProcess"/>
+    <dgm:cxn modelId="{17E73148-9C08-4999-B21E-F3C5A0E3FC0C}" srcId="{CF9055CF-8DEB-4A02-949A-DE72B6AC5D37}" destId="{B6E26FFC-9977-4BBC-BEC7-3D6B63754E52}" srcOrd="1" destOrd="0" parTransId="{5CEFBD89-2F4F-4B51-A98A-0F3C86494166}" sibTransId="{48634C00-2335-4923-9072-EB7482323D9C}"/>
+    <dgm:cxn modelId="{D286A548-6BB0-4DED-9FB5-D87042DDBE0A}" srcId="{082E8A29-955A-4C7C-A174-3E9DCD4DC89B}" destId="{A97FC57D-50D6-4D43-99C3-06D09820F122}" srcOrd="2" destOrd="0" parTransId="{5DD877C7-E4D9-4A68-A305-5A7689D3DBE7}" sibTransId="{C17BCABE-BEF2-4CC4-B037-B6B4866665CD}"/>
+    <dgm:cxn modelId="{3CE1E068-DAFD-4DED-8F95-3517E57F6221}" type="presOf" srcId="{37A7C994-CC74-44DD-8777-ED6736B35821}" destId="{FDC79394-E0CB-4CB1-9269-8658F340BC8D}" srcOrd="0" destOrd="1" presId="urn:microsoft.com/office/officeart/2009/3/layout/PieProcess"/>
+    <dgm:cxn modelId="{508A9F6A-C4F1-4147-A5F6-B89293B446E8}" srcId="{082E8A29-955A-4C7C-A174-3E9DCD4DC89B}" destId="{B86124A4-14C7-49C7-A342-9B2C2B94980B}" srcOrd="1" destOrd="0" parTransId="{B2F6F8FA-C3EE-485C-BFEC-A81570DC47D8}" sibTransId="{1114C752-8188-4E63-BFFC-E4081ACE9882}"/>
+    <dgm:cxn modelId="{3C755D53-78EF-4E69-9076-3238E975E57E}" type="presOf" srcId="{A81358E0-3DE7-41AD-A28C-ABB22548B1F6}" destId="{FDC79394-E0CB-4CB1-9269-8658F340BC8D}" srcOrd="0" destOrd="0" presId="urn:microsoft.com/office/officeart/2009/3/layout/PieProcess"/>
+    <dgm:cxn modelId="{68ED9B74-A67A-41A0-BDAD-6E6FDB344D57}" srcId="{6D0E5D9F-7263-4526-A227-51301233F549}" destId="{16208C88-5337-4797-9F05-5AC2E7EB8C59}" srcOrd="2" destOrd="0" parTransId="{79633DA8-5657-4B11-8E98-98132FCC65B8}" sibTransId="{0C8BE7E8-90F4-4597-A5DF-A0A8749AAF4E}"/>
+    <dgm:cxn modelId="{59DDA576-1BA9-49E8-9D1D-361FF667A19A}" srcId="{B6E26FFC-9977-4BBC-BEC7-3D6B63754E52}" destId="{62831651-7C26-466C-BAA4-31EA8D14E47A}" srcOrd="1" destOrd="0" parTransId="{0F3EB6E4-07A5-4199-9C2F-8B91F53579FE}" sibTransId="{0D19FA60-5F9C-420B-AD2F-A0656A7F0783}"/>
+    <dgm:cxn modelId="{DB859658-33CE-4587-95EE-FB3377C31B44}" type="presOf" srcId="{CBCC21F5-552F-4D39-812E-6FCD4A366F58}" destId="{AD586D5E-6D5D-4C38-A2CC-FCF6A2523532}" srcOrd="0" destOrd="0" presId="urn:microsoft.com/office/officeart/2009/3/layout/PieProcess"/>
+    <dgm:cxn modelId="{2986897A-7787-444F-B6C8-41F3823EF3C1}" srcId="{CF9055CF-8DEB-4A02-949A-DE72B6AC5D37}" destId="{082E8A29-955A-4C7C-A174-3E9DCD4DC89B}" srcOrd="0" destOrd="0" parTransId="{BA7938E6-8DFA-40B7-B4C4-EACC6D85FC31}" sibTransId="{C2176686-D23E-48EB-9D1B-1A1B46236638}"/>
+    <dgm:cxn modelId="{7AE93886-F830-46EF-8947-2D3BD71DE3AE}" type="presOf" srcId="{B6E26FFC-9977-4BBC-BEC7-3D6B63754E52}" destId="{BC4B5C02-E286-4891-A251-DC2B2E3F436B}" srcOrd="0" destOrd="0" presId="urn:microsoft.com/office/officeart/2009/3/layout/PieProcess"/>
+    <dgm:cxn modelId="{97004F90-D1DB-4A84-A8AE-504DE1F07341}" srcId="{082E8A29-955A-4C7C-A174-3E9DCD4DC89B}" destId="{97AFB725-9839-43BA-B026-0DD6AA03AD9C}" srcOrd="0" destOrd="0" parTransId="{CC01022B-5039-457F-931E-79459E3C1DC4}" sibTransId="{D5C26250-A06D-4B41-BC14-92648809C21F}"/>
+    <dgm:cxn modelId="{D2985AA5-A2DA-491D-8D79-7197674A4AB0}" type="presOf" srcId="{082E8A29-955A-4C7C-A174-3E9DCD4DC89B}" destId="{3738601E-7288-4CE8-B6B3-708FCF66B198}" srcOrd="0" destOrd="0" presId="urn:microsoft.com/office/officeart/2009/3/layout/PieProcess"/>
+    <dgm:cxn modelId="{A76240AD-13F6-40C0-BD9B-102D5EC0AE51}" srcId="{CF9055CF-8DEB-4A02-949A-DE72B6AC5D37}" destId="{E5E95E82-EF79-43CA-AA86-43B0E1CBCD3F}" srcOrd="3" destOrd="0" parTransId="{FD76A3AE-1B6C-45A0-8E84-63160283749F}" sibTransId="{BF76010C-5523-4E13-B3E7-886DCE6AEBD4}"/>
+    <dgm:cxn modelId="{2E2AA5AF-25C8-4FAD-A68E-3FA1132BED79}" srcId="{6D0E5D9F-7263-4526-A227-51301233F549}" destId="{422AACC2-0BA9-4098-8E51-7BBB903AF3DB}" srcOrd="1" destOrd="0" parTransId="{11DAD3B5-F1B9-444B-8EA3-1E482FF1214A}" sibTransId="{1C5069E3-05F5-4148-88FE-11E4D98108D1}"/>
+    <dgm:cxn modelId="{1B8E71B0-2D3A-4AB0-8843-CFDACEDC3198}" srcId="{6D0E5D9F-7263-4526-A227-51301233F549}" destId="{F3256203-D9D1-492A-B801-68C1A32486F0}" srcOrd="0" destOrd="0" parTransId="{E9A20291-2E30-4C14-BB7D-DC095A20ECB6}" sibTransId="{6C9440D0-8847-40C0-98BC-2B5EA5745C3A}"/>
+    <dgm:cxn modelId="{B8464EB7-B7C2-4FAB-8CA2-A7F788408F70}" type="presOf" srcId="{16208C88-5337-4797-9F05-5AC2E7EB8C59}" destId="{986877C7-5555-4471-A423-DCAF7AEC96DE}" srcOrd="0" destOrd="2" presId="urn:microsoft.com/office/officeart/2009/3/layout/PieProcess"/>
+    <dgm:cxn modelId="{0F01CEBE-F1E6-459D-8F2E-85505CF54DA8}" type="presOf" srcId="{A97FC57D-50D6-4D43-99C3-06D09820F122}" destId="{2D1C1CB8-58C2-46AC-93F8-7D14C8828C6D}" srcOrd="0" destOrd="2" presId="urn:microsoft.com/office/officeart/2009/3/layout/PieProcess"/>
+    <dgm:cxn modelId="{25AF28C0-EE18-4E0F-8B01-F10F3096BC86}" type="presOf" srcId="{B86124A4-14C7-49C7-A342-9B2C2B94980B}" destId="{2D1C1CB8-58C2-46AC-93F8-7D14C8828C6D}" srcOrd="0" destOrd="1" presId="urn:microsoft.com/office/officeart/2009/3/layout/PieProcess"/>
+    <dgm:cxn modelId="{FB8541C0-3895-4553-A4C7-34B81A3C4A0B}" srcId="{E5E95E82-EF79-43CA-AA86-43B0E1CBCD3F}" destId="{A81358E0-3DE7-41AD-A28C-ABB22548B1F6}" srcOrd="0" destOrd="0" parTransId="{262E0B94-6EA9-4797-B705-959D7B185F91}" sibTransId="{77756FBB-BF6C-4D78-803E-BCC851F1DA03}"/>
     <dgm:cxn modelId="{0F5879C4-E67B-4EF6-B34A-7C943703A97C}" type="presOf" srcId="{E5E95E82-EF79-43CA-AA86-43B0E1CBCD3F}" destId="{5A148C6B-0CFB-4CDB-B2E0-0CF7320A2CD8}" srcOrd="0" destOrd="0" presId="urn:microsoft.com/office/officeart/2009/3/layout/PieProcess"/>
-    <dgm:cxn modelId="{B8464EB7-B7C2-4FAB-8CA2-A7F788408F70}" type="presOf" srcId="{16208C88-5337-4797-9F05-5AC2E7EB8C59}" destId="{986877C7-5555-4471-A423-DCAF7AEC96DE}" srcOrd="0" destOrd="2" presId="urn:microsoft.com/office/officeart/2009/3/layout/PieProcess"/>
-    <dgm:cxn modelId="{D286A548-6BB0-4DED-9FB5-D87042DDBE0A}" srcId="{082E8A29-955A-4C7C-A174-3E9DCD4DC89B}" destId="{A97FC57D-50D6-4D43-99C3-06D09820F122}" srcOrd="2" destOrd="0" parTransId="{5DD877C7-E4D9-4A68-A305-5A7689D3DBE7}" sibTransId="{C17BCABE-BEF2-4CC4-B037-B6B4866665CD}"/>
-    <dgm:cxn modelId="{97004F90-D1DB-4A84-A8AE-504DE1F07341}" srcId="{082E8A29-955A-4C7C-A174-3E9DCD4DC89B}" destId="{97AFB725-9839-43BA-B026-0DD6AA03AD9C}" srcOrd="0" destOrd="0" parTransId="{CC01022B-5039-457F-931E-79459E3C1DC4}" sibTransId="{D5C26250-A06D-4B41-BC14-92648809C21F}"/>
-    <dgm:cxn modelId="{17E73148-9C08-4999-B21E-F3C5A0E3FC0C}" srcId="{CF9055CF-8DEB-4A02-949A-DE72B6AC5D37}" destId="{B6E26FFC-9977-4BBC-BEC7-3D6B63754E52}" srcOrd="1" destOrd="0" parTransId="{5CEFBD89-2F4F-4B51-A98A-0F3C86494166}" sibTransId="{48634C00-2335-4923-9072-EB7482323D9C}"/>
-    <dgm:cxn modelId="{58F02963-6103-4BE1-8EFB-FC841CBFF260}" type="presOf" srcId="{62831651-7C26-466C-BAA4-31EA8D14E47A}" destId="{AD586D5E-6D5D-4C38-A2CC-FCF6A2523532}" srcOrd="0" destOrd="1" presId="urn:microsoft.com/office/officeart/2009/3/layout/PieProcess"/>
-    <dgm:cxn modelId="{7AE93886-F830-46EF-8947-2D3BD71DE3AE}" type="presOf" srcId="{B6E26FFC-9977-4BBC-BEC7-3D6B63754E52}" destId="{BC4B5C02-E286-4891-A251-DC2B2E3F436B}" srcOrd="0" destOrd="0" presId="urn:microsoft.com/office/officeart/2009/3/layout/PieProcess"/>
-    <dgm:cxn modelId="{B011A044-8BC6-4A2F-A46E-FB04D5D0C086}" type="presOf" srcId="{97AFB725-9839-43BA-B026-0DD6AA03AD9C}" destId="{2D1C1CB8-58C2-46AC-93F8-7D14C8828C6D}" srcOrd="0" destOrd="0" presId="urn:microsoft.com/office/officeart/2009/3/layout/PieProcess"/>
-    <dgm:cxn modelId="{1C5CE732-A00F-4C06-A1A8-B209BC6B496D}" srcId="{E5E95E82-EF79-43CA-AA86-43B0E1CBCD3F}" destId="{37A7C994-CC74-44DD-8777-ED6736B35821}" srcOrd="1" destOrd="0" parTransId="{03F017E7-7E3C-4E2C-9CEF-B07099F38801}" sibTransId="{118572A4-3B5E-487E-8015-6A319369077F}"/>
-    <dgm:cxn modelId="{3C755D53-78EF-4E69-9076-3238E975E57E}" type="presOf" srcId="{A81358E0-3DE7-41AD-A28C-ABB22548B1F6}" destId="{FDC79394-E0CB-4CB1-9269-8658F340BC8D}" srcOrd="0" destOrd="0" presId="urn:microsoft.com/office/officeart/2009/3/layout/PieProcess"/>
-    <dgm:cxn modelId="{5EF5D55D-D88A-4885-BFBE-B52166978109}" type="presOf" srcId="{6D0E5D9F-7263-4526-A227-51301233F549}" destId="{CA9AEAE3-E1C9-456F-BBFA-1FA519C78A4E}" srcOrd="0" destOrd="0" presId="urn:microsoft.com/office/officeart/2009/3/layout/PieProcess"/>
-    <dgm:cxn modelId="{68ED9B74-A67A-41A0-BDAD-6E6FDB344D57}" srcId="{6D0E5D9F-7263-4526-A227-51301233F549}" destId="{16208C88-5337-4797-9F05-5AC2E7EB8C59}" srcOrd="2" destOrd="0" parTransId="{79633DA8-5657-4B11-8E98-98132FCC65B8}" sibTransId="{0C8BE7E8-90F4-4597-A5DF-A0A8749AAF4E}"/>
+    <dgm:cxn modelId="{C8C462C6-33A3-4E8B-91FE-36DBE92F1C4A}" srcId="{CF9055CF-8DEB-4A02-949A-DE72B6AC5D37}" destId="{6D0E5D9F-7263-4526-A227-51301233F549}" srcOrd="2" destOrd="0" parTransId="{23416D07-25F8-426C-BC65-639E6BCF4D6D}" sibTransId="{DE289E29-1989-4D8E-8AA6-F030105B3F13}"/>
+    <dgm:cxn modelId="{B8E8ABDE-9AC8-47CE-A780-378F6122DFF9}" type="presOf" srcId="{CF9055CF-8DEB-4A02-949A-DE72B6AC5D37}" destId="{CB01CF51-F723-4F8D-80F7-D236155D2300}" srcOrd="0" destOrd="0" presId="urn:microsoft.com/office/officeart/2009/3/layout/PieProcess"/>
+    <dgm:cxn modelId="{F89EA6DF-D106-435E-9337-D23286A767A6}" srcId="{B6E26FFC-9977-4BBC-BEC7-3D6B63754E52}" destId="{44B2544A-D122-4B95-A36C-B03D9E272B48}" srcOrd="2" destOrd="0" parTransId="{9EE40E78-C1B8-4A87-A668-53AD816CED24}" sibTransId="{F32DECE0-DC7F-4DCF-A10D-96A117A49197}"/>
     <dgm:cxn modelId="{3C41F2E0-4620-40B4-9857-68872B278EFB}" srcId="{B6E26FFC-9977-4BBC-BEC7-3D6B63754E52}" destId="{CBCC21F5-552F-4D39-812E-6FCD4A366F58}" srcOrd="0" destOrd="0" parTransId="{4A973A1C-85F1-4969-A536-D29940229E2C}" sibTransId="{3640B940-6901-481F-ADF7-6B77DEEED764}"/>
-    <dgm:cxn modelId="{B055C91B-9D3C-49A8-99B5-F11DA4FEA935}" type="presOf" srcId="{F3256203-D9D1-492A-B801-68C1A32486F0}" destId="{986877C7-5555-4471-A423-DCAF7AEC96DE}" srcOrd="0" destOrd="0" presId="urn:microsoft.com/office/officeart/2009/3/layout/PieProcess"/>
-    <dgm:cxn modelId="{25AF28C0-EE18-4E0F-8B01-F10F3096BC86}" type="presOf" srcId="{B86124A4-14C7-49C7-A342-9B2C2B94980B}" destId="{2D1C1CB8-58C2-46AC-93F8-7D14C8828C6D}" srcOrd="0" destOrd="1" presId="urn:microsoft.com/office/officeart/2009/3/layout/PieProcess"/>
-    <dgm:cxn modelId="{5CB77846-4F8B-4461-B835-28D27CFCEB72}" type="presOf" srcId="{44B2544A-D122-4B95-A36C-B03D9E272B48}" destId="{AD586D5E-6D5D-4C38-A2CC-FCF6A2523532}" srcOrd="0" destOrd="2" presId="urn:microsoft.com/office/officeart/2009/3/layout/PieProcess"/>
-    <dgm:cxn modelId="{DB859658-33CE-4587-95EE-FB3377C31B44}" type="presOf" srcId="{CBCC21F5-552F-4D39-812E-6FCD4A366F58}" destId="{AD586D5E-6D5D-4C38-A2CC-FCF6A2523532}" srcOrd="0" destOrd="0" presId="urn:microsoft.com/office/officeart/2009/3/layout/PieProcess"/>
-    <dgm:cxn modelId="{59DDA576-1BA9-49E8-9D1D-361FF667A19A}" srcId="{B6E26FFC-9977-4BBC-BEC7-3D6B63754E52}" destId="{62831651-7C26-466C-BAA4-31EA8D14E47A}" srcOrd="1" destOrd="0" parTransId="{0F3EB6E4-07A5-4199-9C2F-8B91F53579FE}" sibTransId="{0D19FA60-5F9C-420B-AD2F-A0656A7F0783}"/>
-    <dgm:cxn modelId="{3CE1E068-DAFD-4DED-8F95-3517E57F6221}" type="presOf" srcId="{37A7C994-CC74-44DD-8777-ED6736B35821}" destId="{FDC79394-E0CB-4CB1-9269-8658F340BC8D}" srcOrd="0" destOrd="1" presId="urn:microsoft.com/office/officeart/2009/3/layout/PieProcess"/>
-    <dgm:cxn modelId="{56DED42F-8763-49B1-B10F-B89D85A55BA2}" type="presOf" srcId="{422AACC2-0BA9-4098-8E51-7BBB903AF3DB}" destId="{986877C7-5555-4471-A423-DCAF7AEC96DE}" srcOrd="0" destOrd="1" presId="urn:microsoft.com/office/officeart/2009/3/layout/PieProcess"/>
-    <dgm:cxn modelId="{FB8541C0-3895-4553-A4C7-34B81A3C4A0B}" srcId="{E5E95E82-EF79-43CA-AA86-43B0E1CBCD3F}" destId="{A81358E0-3DE7-41AD-A28C-ABB22548B1F6}" srcOrd="0" destOrd="0" parTransId="{262E0B94-6EA9-4797-B705-959D7B185F91}" sibTransId="{77756FBB-BF6C-4D78-803E-BCC851F1DA03}"/>
-    <dgm:cxn modelId="{0F01CEBE-F1E6-459D-8F2E-85505CF54DA8}" type="presOf" srcId="{A97FC57D-50D6-4D43-99C3-06D09820F122}" destId="{2D1C1CB8-58C2-46AC-93F8-7D14C8828C6D}" srcOrd="0" destOrd="2" presId="urn:microsoft.com/office/officeart/2009/3/layout/PieProcess"/>
-    <dgm:cxn modelId="{2E2AA5AF-25C8-4FAD-A68E-3FA1132BED79}" srcId="{6D0E5D9F-7263-4526-A227-51301233F549}" destId="{422AACC2-0BA9-4098-8E51-7BBB903AF3DB}" srcOrd="1" destOrd="0" parTransId="{11DAD3B5-F1B9-444B-8EA3-1E482FF1214A}" sibTransId="{1C5069E3-05F5-4148-88FE-11E4D98108D1}"/>
-    <dgm:cxn modelId="{A76240AD-13F6-40C0-BD9B-102D5EC0AE51}" srcId="{CF9055CF-8DEB-4A02-949A-DE72B6AC5D37}" destId="{E5E95E82-EF79-43CA-AA86-43B0E1CBCD3F}" srcOrd="3" destOrd="0" parTransId="{FD76A3AE-1B6C-45A0-8E84-63160283749F}" sibTransId="{BF76010C-5523-4E13-B3E7-886DCE6AEBD4}"/>
-    <dgm:cxn modelId="{C8C462C6-33A3-4E8B-91FE-36DBE92F1C4A}" srcId="{CF9055CF-8DEB-4A02-949A-DE72B6AC5D37}" destId="{6D0E5D9F-7263-4526-A227-51301233F549}" srcOrd="2" destOrd="0" parTransId="{23416D07-25F8-426C-BC65-639E6BCF4D6D}" sibTransId="{DE289E29-1989-4D8E-8AA6-F030105B3F13}"/>
-    <dgm:cxn modelId="{D2985AA5-A2DA-491D-8D79-7197674A4AB0}" type="presOf" srcId="{082E8A29-955A-4C7C-A174-3E9DCD4DC89B}" destId="{3738601E-7288-4CE8-B6B3-708FCF66B198}" srcOrd="0" destOrd="0" presId="urn:microsoft.com/office/officeart/2009/3/layout/PieProcess"/>
-    <dgm:cxn modelId="{B8E8ABDE-9AC8-47CE-A780-378F6122DFF9}" type="presOf" srcId="{CF9055CF-8DEB-4A02-949A-DE72B6AC5D37}" destId="{CB01CF51-F723-4F8D-80F7-D236155D2300}" srcOrd="0" destOrd="0" presId="urn:microsoft.com/office/officeart/2009/3/layout/PieProcess"/>
-    <dgm:cxn modelId="{2986897A-7787-444F-B6C8-41F3823EF3C1}" srcId="{CF9055CF-8DEB-4A02-949A-DE72B6AC5D37}" destId="{082E8A29-955A-4C7C-A174-3E9DCD4DC89B}" srcOrd="0" destOrd="0" parTransId="{BA7938E6-8DFA-40B7-B4C4-EACC6D85FC31}" sibTransId="{C2176686-D23E-48EB-9D1B-1A1B46236638}"/>
-    <dgm:cxn modelId="{F89EA6DF-D106-435E-9337-D23286A767A6}" srcId="{B6E26FFC-9977-4BBC-BEC7-3D6B63754E52}" destId="{44B2544A-D122-4B95-A36C-B03D9E272B48}" srcOrd="2" destOrd="0" parTransId="{9EE40E78-C1B8-4A87-A668-53AD816CED24}" sibTransId="{F32DECE0-DC7F-4DCF-A10D-96A117A49197}"/>
-    <dgm:cxn modelId="{1B8E71B0-2D3A-4AB0-8843-CFDACEDC3198}" srcId="{6D0E5D9F-7263-4526-A227-51301233F549}" destId="{F3256203-D9D1-492A-B801-68C1A32486F0}" srcOrd="0" destOrd="0" parTransId="{E9A20291-2E30-4C14-BB7D-DC095A20ECB6}" sibTransId="{6C9440D0-8847-40C0-98BC-2B5EA5745C3A}"/>
-    <dgm:cxn modelId="{508A9F6A-C4F1-4147-A5F6-B89293B446E8}" srcId="{082E8A29-955A-4C7C-A174-3E9DCD4DC89B}" destId="{B86124A4-14C7-49C7-A342-9B2C2B94980B}" srcOrd="1" destOrd="0" parTransId="{B2F6F8FA-C3EE-485C-BFEC-A81570DC47D8}" sibTransId="{1114C752-8188-4E63-BFFC-E4081ACE9882}"/>
     <dgm:cxn modelId="{336B408F-4526-4AED-BDE8-A9C48DA3BCE7}" type="presParOf" srcId="{CB01CF51-F723-4F8D-80F7-D236155D2300}" destId="{C8BC21FD-556C-40FC-81CC-FBE0FB65A039}" srcOrd="0" destOrd="0" presId="urn:microsoft.com/office/officeart/2009/3/layout/PieProcess"/>
     <dgm:cxn modelId="{113764BB-4B9A-497E-B74C-B9898BB87867}" type="presParOf" srcId="{C8BC21FD-556C-40FC-81CC-FBE0FB65A039}" destId="{8ED7BCA2-C1D0-4998-9B75-278A1B905C47}" srcOrd="0" destOrd="0" presId="urn:microsoft.com/office/officeart/2009/3/layout/PieProcess"/>
     <dgm:cxn modelId="{E0B7A688-314E-4B05-9C22-F03775FC6B22}" type="presParOf" srcId="{C8BC21FD-556C-40FC-81CC-FBE0FB65A039}" destId="{59596444-DE5B-470F-9D02-95BA2AD06BDF}" srcOrd="1" destOrd="0" presId="urn:microsoft.com/office/officeart/2009/3/layout/PieProcess"/>
@@ -3368,16 +3253,12 @@
         <a:lstStyle/>
         <a:p>
           <a:r>
-            <a:rPr lang="en-US" sz="2000" dirty="0" smtClean="0">
+            <a:rPr lang="en-US" sz="2000" dirty="0">
               <a:latin typeface="Times New Roman" panose="02020603050405020304" pitchFamily="18" charset="0"/>
               <a:cs typeface="Times New Roman" panose="02020603050405020304" pitchFamily="18" charset="0"/>
             </a:rPr>
             <a:t>Requirements Gathering </a:t>
           </a:r>
-          <a:endParaRPr lang="en-US" sz="2000" dirty="0">
-            <a:latin typeface="Times New Roman" panose="02020603050405020304" pitchFamily="18" charset="0"/>
-            <a:cs typeface="Times New Roman" panose="02020603050405020304" pitchFamily="18" charset="0"/>
-          </a:endParaRPr>
         </a:p>
       </dgm:t>
     </dgm:pt>
@@ -3411,16 +3292,12 @@
         <a:lstStyle/>
         <a:p>
           <a:r>
-            <a:rPr lang="en-US" sz="2000" dirty="0" smtClean="0">
+            <a:rPr lang="en-US" sz="2000" dirty="0">
               <a:latin typeface="Times New Roman" panose="02020603050405020304" pitchFamily="18" charset="0"/>
               <a:cs typeface="Times New Roman" panose="02020603050405020304" pitchFamily="18" charset="0"/>
             </a:rPr>
             <a:t>Requirements specification</a:t>
           </a:r>
-          <a:endParaRPr lang="en-US" sz="2000" dirty="0">
-            <a:latin typeface="Times New Roman" panose="02020603050405020304" pitchFamily="18" charset="0"/>
-            <a:cs typeface="Times New Roman" panose="02020603050405020304" pitchFamily="18" charset="0"/>
-          </a:endParaRPr>
         </a:p>
       </dgm:t>
     </dgm:pt>
@@ -3454,16 +3331,12 @@
         <a:lstStyle/>
         <a:p>
           <a:r>
-            <a:rPr lang="en-US" sz="2000" dirty="0" smtClean="0">
+            <a:rPr lang="en-US" sz="2000" dirty="0">
               <a:latin typeface="Times New Roman" panose="02020603050405020304" pitchFamily="18" charset="0"/>
               <a:cs typeface="Times New Roman" panose="02020603050405020304" pitchFamily="18" charset="0"/>
             </a:rPr>
             <a:t>Team and standup Meetings</a:t>
           </a:r>
-          <a:endParaRPr lang="en-US" sz="2000" dirty="0">
-            <a:latin typeface="Times New Roman" panose="02020603050405020304" pitchFamily="18" charset="0"/>
-            <a:cs typeface="Times New Roman" panose="02020603050405020304" pitchFamily="18" charset="0"/>
-          </a:endParaRPr>
         </a:p>
       </dgm:t>
     </dgm:pt>
@@ -3497,16 +3370,12 @@
         <a:lstStyle/>
         <a:p>
           <a:r>
-            <a:rPr lang="en-US" sz="2000" dirty="0" smtClean="0">
+            <a:rPr lang="en-US" sz="2000" dirty="0">
               <a:latin typeface="Times New Roman" panose="02020603050405020304" pitchFamily="18" charset="0"/>
               <a:cs typeface="Times New Roman" panose="02020603050405020304" pitchFamily="18" charset="0"/>
             </a:rPr>
             <a:t>Use Case documentation</a:t>
           </a:r>
-          <a:endParaRPr lang="en-US" sz="2000" dirty="0">
-            <a:latin typeface="Times New Roman" panose="02020603050405020304" pitchFamily="18" charset="0"/>
-            <a:cs typeface="Times New Roman" panose="02020603050405020304" pitchFamily="18" charset="0"/>
-          </a:endParaRPr>
         </a:p>
       </dgm:t>
     </dgm:pt>
@@ -3540,16 +3409,12 @@
         <a:lstStyle/>
         <a:p>
           <a:r>
-            <a:rPr lang="en-US" sz="2000" dirty="0" smtClean="0">
+            <a:rPr lang="en-US" sz="2000" dirty="0">
               <a:latin typeface="Times New Roman" panose="02020603050405020304" pitchFamily="18" charset="0"/>
               <a:cs typeface="Times New Roman" panose="02020603050405020304" pitchFamily="18" charset="0"/>
             </a:rPr>
             <a:t>PMP Plan</a:t>
           </a:r>
-          <a:endParaRPr lang="en-US" sz="2000" dirty="0">
-            <a:latin typeface="Times New Roman" panose="02020603050405020304" pitchFamily="18" charset="0"/>
-            <a:cs typeface="Times New Roman" panose="02020603050405020304" pitchFamily="18" charset="0"/>
-          </a:endParaRPr>
         </a:p>
       </dgm:t>
     </dgm:pt>
@@ -3583,16 +3448,12 @@
         <a:lstStyle/>
         <a:p>
           <a:r>
-            <a:rPr lang="en-US" sz="2000" dirty="0" smtClean="0">
+            <a:rPr lang="en-US" sz="2000" dirty="0">
               <a:latin typeface="Times New Roman" panose="02020603050405020304" pitchFamily="18" charset="0"/>
               <a:cs typeface="Times New Roman" panose="02020603050405020304" pitchFamily="18" charset="0"/>
             </a:rPr>
             <a:t>Implementation Strategy</a:t>
           </a:r>
-          <a:endParaRPr lang="en-US" sz="2000" dirty="0">
-            <a:latin typeface="Times New Roman" panose="02020603050405020304" pitchFamily="18" charset="0"/>
-            <a:cs typeface="Times New Roman" panose="02020603050405020304" pitchFamily="18" charset="0"/>
-          </a:endParaRPr>
         </a:p>
       </dgm:t>
     </dgm:pt>
@@ -3626,16 +3487,12 @@
         <a:lstStyle/>
         <a:p>
           <a:r>
-            <a:rPr lang="en-US" sz="2000" dirty="0" smtClean="0">
+            <a:rPr lang="en-US" sz="2000" dirty="0">
               <a:latin typeface="Times New Roman" panose="02020603050405020304" pitchFamily="18" charset="0"/>
               <a:cs typeface="Times New Roman" panose="02020603050405020304" pitchFamily="18" charset="0"/>
             </a:rPr>
             <a:t>Choosing appropriate tools</a:t>
           </a:r>
-          <a:endParaRPr lang="en-US" sz="2000" dirty="0">
-            <a:latin typeface="Times New Roman" panose="02020603050405020304" pitchFamily="18" charset="0"/>
-            <a:cs typeface="Times New Roman" panose="02020603050405020304" pitchFamily="18" charset="0"/>
-          </a:endParaRPr>
         </a:p>
       </dgm:t>
     </dgm:pt>
@@ -3669,16 +3526,12 @@
         <a:lstStyle/>
         <a:p>
           <a:r>
-            <a:rPr lang="en-US" sz="2000" dirty="0" smtClean="0">
+            <a:rPr lang="en-US" sz="2000" dirty="0">
               <a:latin typeface="Times New Roman" panose="02020603050405020304" pitchFamily="18" charset="0"/>
               <a:cs typeface="Times New Roman" panose="02020603050405020304" pitchFamily="18" charset="0"/>
             </a:rPr>
             <a:t>Appropriate language</a:t>
           </a:r>
-          <a:endParaRPr lang="en-US" sz="2000" dirty="0">
-            <a:latin typeface="Times New Roman" panose="02020603050405020304" pitchFamily="18" charset="0"/>
-            <a:cs typeface="Times New Roman" panose="02020603050405020304" pitchFamily="18" charset="0"/>
-          </a:endParaRPr>
         </a:p>
       </dgm:t>
     </dgm:pt>
@@ -3712,16 +3565,12 @@
         <a:lstStyle/>
         <a:p>
           <a:r>
-            <a:rPr lang="en-US" sz="2000" dirty="0" smtClean="0">
+            <a:rPr lang="en-US" sz="2000" dirty="0">
               <a:latin typeface="Times New Roman" panose="02020603050405020304" pitchFamily="18" charset="0"/>
               <a:cs typeface="Times New Roman" panose="02020603050405020304" pitchFamily="18" charset="0"/>
             </a:rPr>
             <a:t>Iteration Plan</a:t>
           </a:r>
-          <a:endParaRPr lang="en-US" sz="2000" dirty="0">
-            <a:latin typeface="Times New Roman" panose="02020603050405020304" pitchFamily="18" charset="0"/>
-            <a:cs typeface="Times New Roman" panose="02020603050405020304" pitchFamily="18" charset="0"/>
-          </a:endParaRPr>
         </a:p>
       </dgm:t>
     </dgm:pt>
@@ -3755,16 +3604,12 @@
         <a:lstStyle/>
         <a:p>
           <a:r>
-            <a:rPr lang="en-US" sz="2000" dirty="0" smtClean="0">
+            <a:rPr lang="en-US" sz="2000" dirty="0">
               <a:latin typeface="Times New Roman" panose="02020603050405020304" pitchFamily="18" charset="0"/>
               <a:cs typeface="Times New Roman" panose="02020603050405020304" pitchFamily="18" charset="0"/>
             </a:rPr>
             <a:t>Description of tasks</a:t>
           </a:r>
-          <a:endParaRPr lang="en-US" sz="2000" dirty="0">
-            <a:latin typeface="Times New Roman" panose="02020603050405020304" pitchFamily="18" charset="0"/>
-            <a:cs typeface="Times New Roman" panose="02020603050405020304" pitchFamily="18" charset="0"/>
-          </a:endParaRPr>
         </a:p>
       </dgm:t>
     </dgm:pt>
@@ -3798,16 +3643,12 @@
         <a:lstStyle/>
         <a:p>
           <a:r>
-            <a:rPr lang="en-US" sz="2000" dirty="0" smtClean="0">
+            <a:rPr lang="en-US" sz="2000" dirty="0">
               <a:latin typeface="Times New Roman" panose="02020603050405020304" pitchFamily="18" charset="0"/>
               <a:cs typeface="Times New Roman" panose="02020603050405020304" pitchFamily="18" charset="0"/>
             </a:rPr>
             <a:t>Schedule, division of responsibilities</a:t>
           </a:r>
-          <a:endParaRPr lang="en-US" sz="2000" dirty="0">
-            <a:latin typeface="Times New Roman" panose="02020603050405020304" pitchFamily="18" charset="0"/>
-            <a:cs typeface="Times New Roman" panose="02020603050405020304" pitchFamily="18" charset="0"/>
-          </a:endParaRPr>
         </a:p>
       </dgm:t>
     </dgm:pt>
@@ -3841,16 +3682,12 @@
         <a:lstStyle/>
         <a:p>
           <a:r>
-            <a:rPr lang="en-US" sz="2000" dirty="0" smtClean="0">
+            <a:rPr lang="en-US" sz="2000" dirty="0">
               <a:latin typeface="Times New Roman" panose="02020603050405020304" pitchFamily="18" charset="0"/>
               <a:cs typeface="Times New Roman" panose="02020603050405020304" pitchFamily="18" charset="0"/>
             </a:rPr>
             <a:t>Testing Strategy</a:t>
           </a:r>
-          <a:endParaRPr lang="en-US" sz="2000" dirty="0">
-            <a:latin typeface="Times New Roman" panose="02020603050405020304" pitchFamily="18" charset="0"/>
-            <a:cs typeface="Times New Roman" panose="02020603050405020304" pitchFamily="18" charset="0"/>
-          </a:endParaRPr>
         </a:p>
       </dgm:t>
     </dgm:pt>
@@ -3884,16 +3721,12 @@
         <a:lstStyle/>
         <a:p>
           <a:r>
-            <a:rPr lang="en-US" sz="2000" dirty="0" smtClean="0">
+            <a:rPr lang="en-US" sz="2000" dirty="0">
               <a:latin typeface="Times New Roman" panose="02020603050405020304" pitchFamily="18" charset="0"/>
               <a:cs typeface="Times New Roman" panose="02020603050405020304" pitchFamily="18" charset="0"/>
             </a:rPr>
             <a:t>Debugging the system using the Test suite  document and test strategy.</a:t>
           </a:r>
-          <a:endParaRPr lang="en-US" sz="2000" dirty="0">
-            <a:latin typeface="Times New Roman" panose="02020603050405020304" pitchFamily="18" charset="0"/>
-            <a:cs typeface="Times New Roman" panose="02020603050405020304" pitchFamily="18" charset="0"/>
-          </a:endParaRPr>
         </a:p>
       </dgm:t>
     </dgm:pt>
@@ -3927,16 +3760,12 @@
         <a:lstStyle/>
         <a:p>
           <a:r>
-            <a:rPr lang="en-US" sz="2000" dirty="0" smtClean="0">
+            <a:rPr lang="en-US" sz="2000" dirty="0">
               <a:latin typeface="Times New Roman" panose="02020603050405020304" pitchFamily="18" charset="0"/>
               <a:cs typeface="Times New Roman" panose="02020603050405020304" pitchFamily="18" charset="0"/>
             </a:rPr>
             <a:t>Problem Statement</a:t>
           </a:r>
-          <a:endParaRPr lang="en-US" sz="2000" dirty="0">
-            <a:latin typeface="Times New Roman" panose="02020603050405020304" pitchFamily="18" charset="0"/>
-            <a:cs typeface="Times New Roman" panose="02020603050405020304" pitchFamily="18" charset="0"/>
-          </a:endParaRPr>
         </a:p>
       </dgm:t>
     </dgm:pt>
@@ -3971,13 +3800,6 @@
         </dgm:presLayoutVars>
       </dgm:prSet>
       <dgm:spPr/>
-      <dgm:t>
-        <a:bodyPr/>
-        <a:lstStyle/>
-        <a:p>
-          <a:endParaRPr lang="en-US"/>
-        </a:p>
-      </dgm:t>
     </dgm:pt>
     <dgm:pt modelId="{45590239-E460-41FB-9748-8B7AA6BC7C54}" type="pres">
       <dgm:prSet presAssocID="{082E8A29-955A-4C7C-A174-3E9DCD4DC89B}" presName="linNode" presStyleCnt="0"/>
@@ -3991,13 +3813,6 @@
         </dgm:presLayoutVars>
       </dgm:prSet>
       <dgm:spPr/>
-      <dgm:t>
-        <a:bodyPr/>
-        <a:lstStyle/>
-        <a:p>
-          <a:endParaRPr lang="en-US"/>
-        </a:p>
-      </dgm:t>
     </dgm:pt>
     <dgm:pt modelId="{D7B4D69F-D437-4019-A697-900DF3BD4189}" type="pres">
       <dgm:prSet presAssocID="{082E8A29-955A-4C7C-A174-3E9DCD4DC89B}" presName="bracket" presStyleLbl="parChTrans1D1" presStyleIdx="0" presStyleCnt="4"/>
@@ -4014,13 +3829,6 @@
         </dgm:presLayoutVars>
       </dgm:prSet>
       <dgm:spPr/>
-      <dgm:t>
-        <a:bodyPr/>
-        <a:lstStyle/>
-        <a:p>
-          <a:endParaRPr lang="en-US"/>
-        </a:p>
-      </dgm:t>
     </dgm:pt>
     <dgm:pt modelId="{5DD4C92A-2623-4B42-B614-4A2EC37176AB}" type="pres">
       <dgm:prSet presAssocID="{C2176686-D23E-48EB-9D1B-1A1B46236638}" presName="spV" presStyleCnt="0"/>
@@ -4038,13 +3846,6 @@
         </dgm:presLayoutVars>
       </dgm:prSet>
       <dgm:spPr/>
-      <dgm:t>
-        <a:bodyPr/>
-        <a:lstStyle/>
-        <a:p>
-          <a:endParaRPr lang="en-US"/>
-        </a:p>
-      </dgm:t>
     </dgm:pt>
     <dgm:pt modelId="{F913C9B7-04F1-448F-AF8C-2EC806DB40E1}" type="pres">
       <dgm:prSet presAssocID="{B6E26FFC-9977-4BBC-BEC7-3D6B63754E52}" presName="bracket" presStyleLbl="parChTrans1D1" presStyleIdx="1" presStyleCnt="4"/>
@@ -4061,13 +3862,6 @@
         </dgm:presLayoutVars>
       </dgm:prSet>
       <dgm:spPr/>
-      <dgm:t>
-        <a:bodyPr/>
-        <a:lstStyle/>
-        <a:p>
-          <a:endParaRPr lang="en-US"/>
-        </a:p>
-      </dgm:t>
     </dgm:pt>
     <dgm:pt modelId="{59DCB08E-DDBC-4F73-9609-EB0FA23A7D7F}" type="pres">
       <dgm:prSet presAssocID="{48634C00-2335-4923-9072-EB7482323D9C}" presName="spV" presStyleCnt="0"/>
@@ -4085,13 +3879,6 @@
         </dgm:presLayoutVars>
       </dgm:prSet>
       <dgm:spPr/>
-      <dgm:t>
-        <a:bodyPr/>
-        <a:lstStyle/>
-        <a:p>
-          <a:endParaRPr lang="en-US"/>
-        </a:p>
-      </dgm:t>
     </dgm:pt>
     <dgm:pt modelId="{455EC50F-4F82-408F-84F8-D9B651BA263C}" type="pres">
       <dgm:prSet presAssocID="{6D0E5D9F-7263-4526-A227-51301233F549}" presName="bracket" presStyleLbl="parChTrans1D1" presStyleIdx="2" presStyleCnt="4"/>
@@ -4108,13 +3895,6 @@
         </dgm:presLayoutVars>
       </dgm:prSet>
       <dgm:spPr/>
-      <dgm:t>
-        <a:bodyPr/>
-        <a:lstStyle/>
-        <a:p>
-          <a:endParaRPr lang="en-US"/>
-        </a:p>
-      </dgm:t>
     </dgm:pt>
     <dgm:pt modelId="{F61087B3-F4D4-4372-BA34-FB9BAD08CAC0}" type="pres">
       <dgm:prSet presAssocID="{DE289E29-1989-4D8E-8AA6-F030105B3F13}" presName="spV" presStyleCnt="0"/>
@@ -4132,13 +3912,6 @@
         </dgm:presLayoutVars>
       </dgm:prSet>
       <dgm:spPr/>
-      <dgm:t>
-        <a:bodyPr/>
-        <a:lstStyle/>
-        <a:p>
-          <a:endParaRPr lang="en-US"/>
-        </a:p>
-      </dgm:t>
     </dgm:pt>
     <dgm:pt modelId="{ED72DC66-B720-4641-B186-0DA0DE7AB25F}" type="pres">
       <dgm:prSet presAssocID="{A81358E0-3DE7-41AD-A28C-ABB22548B1F6}" presName="bracket" presStyleLbl="parChTrans1D1" presStyleIdx="3" presStyleCnt="4"/>
@@ -4155,45 +3928,38 @@
         </dgm:presLayoutVars>
       </dgm:prSet>
       <dgm:spPr/>
-      <dgm:t>
-        <a:bodyPr/>
-        <a:lstStyle/>
-        <a:p>
-          <a:endParaRPr lang="en-US"/>
-        </a:p>
-      </dgm:t>
     </dgm:pt>
   </dgm:ptLst>
   <dgm:cxnLst>
-    <dgm:cxn modelId="{508A9F6A-C4F1-4147-A5F6-B89293B446E8}" srcId="{082E8A29-955A-4C7C-A174-3E9DCD4DC89B}" destId="{B86124A4-14C7-49C7-A342-9B2C2B94980B}" srcOrd="2" destOrd="0" parTransId="{B2F6F8FA-C3EE-485C-BFEC-A81570DC47D8}" sibTransId="{1114C752-8188-4E63-BFFC-E4081ACE9882}"/>
-    <dgm:cxn modelId="{97004F90-D1DB-4A84-A8AE-504DE1F07341}" srcId="{082E8A29-955A-4C7C-A174-3E9DCD4DC89B}" destId="{97AFB725-9839-43BA-B026-0DD6AA03AD9C}" srcOrd="1" destOrd="0" parTransId="{CC01022B-5039-457F-931E-79459E3C1DC4}" sibTransId="{D5C26250-A06D-4B41-BC14-92648809C21F}"/>
-    <dgm:cxn modelId="{791B5989-F5A5-4021-97F2-55841C5BF713}" type="presOf" srcId="{082E8A29-955A-4C7C-A174-3E9DCD4DC89B}" destId="{8F988417-5085-446A-9534-C8E783FFAC0F}" srcOrd="0" destOrd="0" presId="urn:diagrams.loki3.com/BracketList"/>
-    <dgm:cxn modelId="{633E5193-1DBF-477B-BE52-E2B5EBEB93C6}" type="presOf" srcId="{6D0E5D9F-7263-4526-A227-51301233F549}" destId="{18209124-9853-4B36-9180-55BC384AA84D}" srcOrd="0" destOrd="0" presId="urn:diagrams.loki3.com/BracketList"/>
-    <dgm:cxn modelId="{78C415D6-35DF-45BB-8921-595A1C6CA239}" type="presOf" srcId="{B6E26FFC-9977-4BBC-BEC7-3D6B63754E52}" destId="{74C582AC-97DE-47F1-B2F7-CEAF5C38053B}" srcOrd="0" destOrd="0" presId="urn:diagrams.loki3.com/BracketList"/>
-    <dgm:cxn modelId="{4BF436C2-CB7A-454C-A1D2-41BCB7321C26}" type="presOf" srcId="{A97FC57D-50D6-4D43-99C3-06D09820F122}" destId="{22850625-2192-463E-8187-DBB37B4DEEE5}" srcOrd="0" destOrd="3" presId="urn:diagrams.loki3.com/BracketList"/>
+    <dgm:cxn modelId="{40EFBB0B-5BD3-4278-AC4B-0AEBBF83271D}" type="presOf" srcId="{A81358E0-3DE7-41AD-A28C-ABB22548B1F6}" destId="{AE12AEDB-2669-4D1A-914A-BA7EC0BD59A9}" srcOrd="0" destOrd="0" presId="urn:diagrams.loki3.com/BracketList"/>
+    <dgm:cxn modelId="{60685518-1997-4F7B-A98E-F65D7D00962C}" type="presOf" srcId="{CBCC21F5-552F-4D39-812E-6FCD4A366F58}" destId="{8A77D6A0-09A8-4728-B3F6-2488D599D736}" srcOrd="0" destOrd="0" presId="urn:diagrams.loki3.com/BracketList"/>
+    <dgm:cxn modelId="{12609D25-6280-4191-96EC-FC59574CC5FD}" type="presOf" srcId="{B86124A4-14C7-49C7-A342-9B2C2B94980B}" destId="{22850625-2192-463E-8187-DBB37B4DEEE5}" srcOrd="0" destOrd="2" presId="urn:diagrams.loki3.com/BracketList"/>
+    <dgm:cxn modelId="{1C5CE732-A00F-4C06-A1A8-B209BC6B496D}" srcId="{A81358E0-3DE7-41AD-A28C-ABB22548B1F6}" destId="{37A7C994-CC74-44DD-8777-ED6736B35821}" srcOrd="0" destOrd="0" parTransId="{03F017E7-7E3C-4E2C-9CEF-B07099F38801}" sibTransId="{118572A4-3B5E-487E-8015-6A319369077F}"/>
+    <dgm:cxn modelId="{CC727F34-AF53-4AC0-9AD6-357E6D15CB8E}" type="presOf" srcId="{97AFB725-9839-43BA-B026-0DD6AA03AD9C}" destId="{22850625-2192-463E-8187-DBB37B4DEEE5}" srcOrd="0" destOrd="1" presId="urn:diagrams.loki3.com/BracketList"/>
+    <dgm:cxn modelId="{8910F93B-7180-4A52-9856-879D102D33F8}" srcId="{6D0E5D9F-7263-4526-A227-51301233F549}" destId="{357008B7-F3FD-489F-A410-81C9A9EFE4DA}" srcOrd="1" destOrd="0" parTransId="{ED5EFE54-4C6D-4A88-939B-CE66C6668425}" sibTransId="{87BC108C-4915-4A4B-8565-E4BD28BA3C35}"/>
+    <dgm:cxn modelId="{E3D1E441-6DFB-4005-8B07-84971CD049AF}" type="presOf" srcId="{CF9055CF-8DEB-4A02-949A-DE72B6AC5D37}" destId="{3AD46912-AB30-4540-8DF5-67AC1488F01C}" srcOrd="0" destOrd="0" presId="urn:diagrams.loki3.com/BracketList"/>
+    <dgm:cxn modelId="{2616D543-291D-4A57-BE47-139E70015B80}" type="presOf" srcId="{44B2544A-D122-4B95-A36C-B03D9E272B48}" destId="{8A77D6A0-09A8-4728-B3F6-2488D599D736}" srcOrd="0" destOrd="2" presId="urn:diagrams.loki3.com/BracketList"/>
     <dgm:cxn modelId="{F454A545-FA11-41F7-9AE3-2B8BC82277C4}" type="presOf" srcId="{23A0DE4A-FE92-496E-B335-3433CEFB74E9}" destId="{22850625-2192-463E-8187-DBB37B4DEEE5}" srcOrd="0" destOrd="0" presId="urn:diagrams.loki3.com/BracketList"/>
     <dgm:cxn modelId="{17E73148-9C08-4999-B21E-F3C5A0E3FC0C}" srcId="{CF9055CF-8DEB-4A02-949A-DE72B6AC5D37}" destId="{B6E26FFC-9977-4BBC-BEC7-3D6B63754E52}" srcOrd="1" destOrd="0" parTransId="{5CEFBD89-2F4F-4B51-A98A-0F3C86494166}" sibTransId="{48634C00-2335-4923-9072-EB7482323D9C}"/>
+    <dgm:cxn modelId="{D286A548-6BB0-4DED-9FB5-D87042DDBE0A}" srcId="{082E8A29-955A-4C7C-A174-3E9DCD4DC89B}" destId="{A97FC57D-50D6-4D43-99C3-06D09820F122}" srcOrd="3" destOrd="0" parTransId="{5DD877C7-E4D9-4A68-A305-5A7689D3DBE7}" sibTransId="{C17BCABE-BEF2-4CC4-B037-B6B4866665CD}"/>
+    <dgm:cxn modelId="{508A9F6A-C4F1-4147-A5F6-B89293B446E8}" srcId="{082E8A29-955A-4C7C-A174-3E9DCD4DC89B}" destId="{B86124A4-14C7-49C7-A342-9B2C2B94980B}" srcOrd="2" destOrd="0" parTransId="{B2F6F8FA-C3EE-485C-BFEC-A81570DC47D8}" sibTransId="{1114C752-8188-4E63-BFFC-E4081ACE9882}"/>
+    <dgm:cxn modelId="{F9F24B56-4C40-4CD5-B0B3-335013F9648E}" type="presOf" srcId="{37A7C994-CC74-44DD-8777-ED6736B35821}" destId="{2DDF7FCF-0E74-45B4-9880-0E53C8A0FB81}" srcOrd="0" destOrd="0" presId="urn:diagrams.loki3.com/BracketList"/>
+    <dgm:cxn modelId="{59DDA576-1BA9-49E8-9D1D-361FF667A19A}" srcId="{B6E26FFC-9977-4BBC-BEC7-3D6B63754E52}" destId="{62831651-7C26-466C-BAA4-31EA8D14E47A}" srcOrd="1" destOrd="0" parTransId="{0F3EB6E4-07A5-4199-9C2F-8B91F53579FE}" sibTransId="{0D19FA60-5F9C-420B-AD2F-A0656A7F0783}"/>
+    <dgm:cxn modelId="{2986897A-7787-444F-B6C8-41F3823EF3C1}" srcId="{CF9055CF-8DEB-4A02-949A-DE72B6AC5D37}" destId="{082E8A29-955A-4C7C-A174-3E9DCD4DC89B}" srcOrd="0" destOrd="0" parTransId="{BA7938E6-8DFA-40B7-B4C4-EACC6D85FC31}" sibTransId="{C2176686-D23E-48EB-9D1B-1A1B46236638}"/>
+    <dgm:cxn modelId="{E554777F-9CC2-418D-BFE3-2198586BFE02}" type="presOf" srcId="{F3256203-D9D1-492A-B801-68C1A32486F0}" destId="{9DC88600-C3D9-4AA5-B04F-AC7D55D573B0}" srcOrd="0" destOrd="0" presId="urn:diagrams.loki3.com/BracketList"/>
+    <dgm:cxn modelId="{791B5989-F5A5-4021-97F2-55841C5BF713}" type="presOf" srcId="{082E8A29-955A-4C7C-A174-3E9DCD4DC89B}" destId="{8F988417-5085-446A-9534-C8E783FFAC0F}" srcOrd="0" destOrd="0" presId="urn:diagrams.loki3.com/BracketList"/>
+    <dgm:cxn modelId="{67A03D8F-F327-4A9F-ABBC-1EB67EFD1ECB}" srcId="{082E8A29-955A-4C7C-A174-3E9DCD4DC89B}" destId="{23A0DE4A-FE92-496E-B335-3433CEFB74E9}" srcOrd="0" destOrd="0" parTransId="{68935D38-FEDC-4CD3-8002-43CB3944BEAF}" sibTransId="{55DF926D-029A-4E18-95C4-77A5A37CAE40}"/>
+    <dgm:cxn modelId="{A2714790-C7A3-4B92-B748-271A29D614FC}" type="presOf" srcId="{357008B7-F3FD-489F-A410-81C9A9EFE4DA}" destId="{9DC88600-C3D9-4AA5-B04F-AC7D55D573B0}" srcOrd="0" destOrd="1" presId="urn:diagrams.loki3.com/BracketList"/>
+    <dgm:cxn modelId="{97004F90-D1DB-4A84-A8AE-504DE1F07341}" srcId="{082E8A29-955A-4C7C-A174-3E9DCD4DC89B}" destId="{97AFB725-9839-43BA-B026-0DD6AA03AD9C}" srcOrd="1" destOrd="0" parTransId="{CC01022B-5039-457F-931E-79459E3C1DC4}" sibTransId="{D5C26250-A06D-4B41-BC14-92648809C21F}"/>
+    <dgm:cxn modelId="{633E5193-1DBF-477B-BE52-E2B5EBEB93C6}" type="presOf" srcId="{6D0E5D9F-7263-4526-A227-51301233F549}" destId="{18209124-9853-4B36-9180-55BC384AA84D}" srcOrd="0" destOrd="0" presId="urn:diagrams.loki3.com/BracketList"/>
+    <dgm:cxn modelId="{187CA79C-407F-4248-8324-1976688B47A3}" type="presOf" srcId="{62831651-7C26-466C-BAA4-31EA8D14E47A}" destId="{8A77D6A0-09A8-4728-B3F6-2488D599D736}" srcOrd="0" destOrd="1" presId="urn:diagrams.loki3.com/BracketList"/>
+    <dgm:cxn modelId="{1B8E71B0-2D3A-4AB0-8843-CFDACEDC3198}" srcId="{6D0E5D9F-7263-4526-A227-51301233F549}" destId="{F3256203-D9D1-492A-B801-68C1A32486F0}" srcOrd="0" destOrd="0" parTransId="{E9A20291-2E30-4C14-BB7D-DC095A20ECB6}" sibTransId="{6C9440D0-8847-40C0-98BC-2B5EA5745C3A}"/>
+    <dgm:cxn modelId="{FB8541C0-3895-4553-A4C7-34B81A3C4A0B}" srcId="{CF9055CF-8DEB-4A02-949A-DE72B6AC5D37}" destId="{A81358E0-3DE7-41AD-A28C-ABB22548B1F6}" srcOrd="3" destOrd="0" parTransId="{262E0B94-6EA9-4797-B705-959D7B185F91}" sibTransId="{77756FBB-BF6C-4D78-803E-BCC851F1DA03}"/>
+    <dgm:cxn modelId="{4BF436C2-CB7A-454C-A1D2-41BCB7321C26}" type="presOf" srcId="{A97FC57D-50D6-4D43-99C3-06D09820F122}" destId="{22850625-2192-463E-8187-DBB37B4DEEE5}" srcOrd="0" destOrd="3" presId="urn:diagrams.loki3.com/BracketList"/>
     <dgm:cxn modelId="{C8C462C6-33A3-4E8B-91FE-36DBE92F1C4A}" srcId="{CF9055CF-8DEB-4A02-949A-DE72B6AC5D37}" destId="{6D0E5D9F-7263-4526-A227-51301233F549}" srcOrd="2" destOrd="0" parTransId="{23416D07-25F8-426C-BC65-639E6BCF4D6D}" sibTransId="{DE289E29-1989-4D8E-8AA6-F030105B3F13}"/>
-    <dgm:cxn modelId="{59DDA576-1BA9-49E8-9D1D-361FF667A19A}" srcId="{B6E26FFC-9977-4BBC-BEC7-3D6B63754E52}" destId="{62831651-7C26-466C-BAA4-31EA8D14E47A}" srcOrd="1" destOrd="0" parTransId="{0F3EB6E4-07A5-4199-9C2F-8B91F53579FE}" sibTransId="{0D19FA60-5F9C-420B-AD2F-A0656A7F0783}"/>
-    <dgm:cxn modelId="{FB8541C0-3895-4553-A4C7-34B81A3C4A0B}" srcId="{CF9055CF-8DEB-4A02-949A-DE72B6AC5D37}" destId="{A81358E0-3DE7-41AD-A28C-ABB22548B1F6}" srcOrd="3" destOrd="0" parTransId="{262E0B94-6EA9-4797-B705-959D7B185F91}" sibTransId="{77756FBB-BF6C-4D78-803E-BCC851F1DA03}"/>
-    <dgm:cxn modelId="{67A03D8F-F327-4A9F-ABBC-1EB67EFD1ECB}" srcId="{082E8A29-955A-4C7C-A174-3E9DCD4DC89B}" destId="{23A0DE4A-FE92-496E-B335-3433CEFB74E9}" srcOrd="0" destOrd="0" parTransId="{68935D38-FEDC-4CD3-8002-43CB3944BEAF}" sibTransId="{55DF926D-029A-4E18-95C4-77A5A37CAE40}"/>
+    <dgm:cxn modelId="{78C415D6-35DF-45BB-8921-595A1C6CA239}" type="presOf" srcId="{B6E26FFC-9977-4BBC-BEC7-3D6B63754E52}" destId="{74C582AC-97DE-47F1-B2F7-CEAF5C38053B}" srcOrd="0" destOrd="0" presId="urn:diagrams.loki3.com/BracketList"/>
+    <dgm:cxn modelId="{F89EA6DF-D106-435E-9337-D23286A767A6}" srcId="{B6E26FFC-9977-4BBC-BEC7-3D6B63754E52}" destId="{44B2544A-D122-4B95-A36C-B03D9E272B48}" srcOrd="2" destOrd="0" parTransId="{9EE40E78-C1B8-4A87-A668-53AD816CED24}" sibTransId="{F32DECE0-DC7F-4DCF-A10D-96A117A49197}"/>
     <dgm:cxn modelId="{3C41F2E0-4620-40B4-9857-68872B278EFB}" srcId="{B6E26FFC-9977-4BBC-BEC7-3D6B63754E52}" destId="{CBCC21F5-552F-4D39-812E-6FCD4A366F58}" srcOrd="0" destOrd="0" parTransId="{4A973A1C-85F1-4969-A536-D29940229E2C}" sibTransId="{3640B940-6901-481F-ADF7-6B77DEEED764}"/>
-    <dgm:cxn modelId="{8910F93B-7180-4A52-9856-879D102D33F8}" srcId="{6D0E5D9F-7263-4526-A227-51301233F549}" destId="{357008B7-F3FD-489F-A410-81C9A9EFE4DA}" srcOrd="1" destOrd="0" parTransId="{ED5EFE54-4C6D-4A88-939B-CE66C6668425}" sibTransId="{87BC108C-4915-4A4B-8565-E4BD28BA3C35}"/>
-    <dgm:cxn modelId="{E3D1E441-6DFB-4005-8B07-84971CD049AF}" type="presOf" srcId="{CF9055CF-8DEB-4A02-949A-DE72B6AC5D37}" destId="{3AD46912-AB30-4540-8DF5-67AC1488F01C}" srcOrd="0" destOrd="0" presId="urn:diagrams.loki3.com/BracketList"/>
-    <dgm:cxn modelId="{E554777F-9CC2-418D-BFE3-2198586BFE02}" type="presOf" srcId="{F3256203-D9D1-492A-B801-68C1A32486F0}" destId="{9DC88600-C3D9-4AA5-B04F-AC7D55D573B0}" srcOrd="0" destOrd="0" presId="urn:diagrams.loki3.com/BracketList"/>
-    <dgm:cxn modelId="{1B8E71B0-2D3A-4AB0-8843-CFDACEDC3198}" srcId="{6D0E5D9F-7263-4526-A227-51301233F549}" destId="{F3256203-D9D1-492A-B801-68C1A32486F0}" srcOrd="0" destOrd="0" parTransId="{E9A20291-2E30-4C14-BB7D-DC095A20ECB6}" sibTransId="{6C9440D0-8847-40C0-98BC-2B5EA5745C3A}"/>
-    <dgm:cxn modelId="{187CA79C-407F-4248-8324-1976688B47A3}" type="presOf" srcId="{62831651-7C26-466C-BAA4-31EA8D14E47A}" destId="{8A77D6A0-09A8-4728-B3F6-2488D599D736}" srcOrd="0" destOrd="1" presId="urn:diagrams.loki3.com/BracketList"/>
-    <dgm:cxn modelId="{A2714790-C7A3-4B92-B748-271A29D614FC}" type="presOf" srcId="{357008B7-F3FD-489F-A410-81C9A9EFE4DA}" destId="{9DC88600-C3D9-4AA5-B04F-AC7D55D573B0}" srcOrd="0" destOrd="1" presId="urn:diagrams.loki3.com/BracketList"/>
-    <dgm:cxn modelId="{2986897A-7787-444F-B6C8-41F3823EF3C1}" srcId="{CF9055CF-8DEB-4A02-949A-DE72B6AC5D37}" destId="{082E8A29-955A-4C7C-A174-3E9DCD4DC89B}" srcOrd="0" destOrd="0" parTransId="{BA7938E6-8DFA-40B7-B4C4-EACC6D85FC31}" sibTransId="{C2176686-D23E-48EB-9D1B-1A1B46236638}"/>
-    <dgm:cxn modelId="{1C5CE732-A00F-4C06-A1A8-B209BC6B496D}" srcId="{A81358E0-3DE7-41AD-A28C-ABB22548B1F6}" destId="{37A7C994-CC74-44DD-8777-ED6736B35821}" srcOrd="0" destOrd="0" parTransId="{03F017E7-7E3C-4E2C-9CEF-B07099F38801}" sibTransId="{118572A4-3B5E-487E-8015-6A319369077F}"/>
-    <dgm:cxn modelId="{D286A548-6BB0-4DED-9FB5-D87042DDBE0A}" srcId="{082E8A29-955A-4C7C-A174-3E9DCD4DC89B}" destId="{A97FC57D-50D6-4D43-99C3-06D09820F122}" srcOrd="3" destOrd="0" parTransId="{5DD877C7-E4D9-4A68-A305-5A7689D3DBE7}" sibTransId="{C17BCABE-BEF2-4CC4-B037-B6B4866665CD}"/>
-    <dgm:cxn modelId="{12609D25-6280-4191-96EC-FC59574CC5FD}" type="presOf" srcId="{B86124A4-14C7-49C7-A342-9B2C2B94980B}" destId="{22850625-2192-463E-8187-DBB37B4DEEE5}" srcOrd="0" destOrd="2" presId="urn:diagrams.loki3.com/BracketList"/>
-    <dgm:cxn modelId="{F89EA6DF-D106-435E-9337-D23286A767A6}" srcId="{B6E26FFC-9977-4BBC-BEC7-3D6B63754E52}" destId="{44B2544A-D122-4B95-A36C-B03D9E272B48}" srcOrd="2" destOrd="0" parTransId="{9EE40E78-C1B8-4A87-A668-53AD816CED24}" sibTransId="{F32DECE0-DC7F-4DCF-A10D-96A117A49197}"/>
-    <dgm:cxn modelId="{F9F24B56-4C40-4CD5-B0B3-335013F9648E}" type="presOf" srcId="{37A7C994-CC74-44DD-8777-ED6736B35821}" destId="{2DDF7FCF-0E74-45B4-9880-0E53C8A0FB81}" srcOrd="0" destOrd="0" presId="urn:diagrams.loki3.com/BracketList"/>
-    <dgm:cxn modelId="{2616D543-291D-4A57-BE47-139E70015B80}" type="presOf" srcId="{44B2544A-D122-4B95-A36C-B03D9E272B48}" destId="{8A77D6A0-09A8-4728-B3F6-2488D599D736}" srcOrd="0" destOrd="2" presId="urn:diagrams.loki3.com/BracketList"/>
-    <dgm:cxn modelId="{40EFBB0B-5BD3-4278-AC4B-0AEBBF83271D}" type="presOf" srcId="{A81358E0-3DE7-41AD-A28C-ABB22548B1F6}" destId="{AE12AEDB-2669-4D1A-914A-BA7EC0BD59A9}" srcOrd="0" destOrd="0" presId="urn:diagrams.loki3.com/BracketList"/>
-    <dgm:cxn modelId="{60685518-1997-4F7B-A98E-F65D7D00962C}" type="presOf" srcId="{CBCC21F5-552F-4D39-812E-6FCD4A366F58}" destId="{8A77D6A0-09A8-4728-B3F6-2488D599D736}" srcOrd="0" destOrd="0" presId="urn:diagrams.loki3.com/BracketList"/>
-    <dgm:cxn modelId="{CC727F34-AF53-4AC0-9AD6-357E6D15CB8E}" type="presOf" srcId="{97AFB725-9839-43BA-B026-0DD6AA03AD9C}" destId="{22850625-2192-463E-8187-DBB37B4DEEE5}" srcOrd="0" destOrd="1" presId="urn:diagrams.loki3.com/BracketList"/>
     <dgm:cxn modelId="{622DEA58-66C1-4249-9C95-351679CB0862}" type="presParOf" srcId="{3AD46912-AB30-4540-8DF5-67AC1488F01C}" destId="{45590239-E460-41FB-9748-8B7AA6BC7C54}" srcOrd="0" destOrd="0" presId="urn:diagrams.loki3.com/BracketList"/>
     <dgm:cxn modelId="{3E41F798-673D-4216-A5E4-FA56FD5AE79D}" type="presParOf" srcId="{45590239-E460-41FB-9748-8B7AA6BC7C54}" destId="{8F988417-5085-446A-9534-C8E783FFAC0F}" srcOrd="0" destOrd="0" presId="urn:diagrams.loki3.com/BracketList"/>
     <dgm:cxn modelId="{CFBA8029-81EA-47F3-A8F3-5583ADFAD836}" type="presParOf" srcId="{45590239-E460-41FB-9748-8B7AA6BC7C54}" destId="{D7B4D69F-D437-4019-A697-900DF3BD4189}" srcOrd="1" destOrd="0" presId="urn:diagrams.loki3.com/BracketList"/>
@@ -4235,51 +4001,6 @@
       <dgm:prSet loTypeId="urn:microsoft.com/office/officeart/2005/8/layout/vProcess5" loCatId="process" qsTypeId="urn:microsoft.com/office/officeart/2005/8/quickstyle/simple1" qsCatId="simple" csTypeId="urn:microsoft.com/office/officeart/2005/8/colors/accent1_2" csCatId="accent1" phldr="1"/>
       <dgm:spPr/>
     </dgm:pt>
-    <dgm:pt modelId="{2D28ACD1-25D9-461F-AFFA-AF0D4524C925}">
-      <dgm:prSet phldrT="[Text]"/>
-      <dgm:spPr/>
-      <dgm:t>
-        <a:bodyPr/>
-        <a:lstStyle/>
-        <a:p>
-          <a:r>
-            <a:rPr lang="en-US" dirty="0" smtClean="0">
-              <a:solidFill>
-                <a:schemeClr val="bg1"/>
-              </a:solidFill>
-            </a:rPr>
-            <a:t>Build 0 </a:t>
-          </a:r>
-          <a:endParaRPr lang="en-US" dirty="0">
-            <a:solidFill>
-              <a:schemeClr val="bg1"/>
-            </a:solidFill>
-          </a:endParaRPr>
-        </a:p>
-      </dgm:t>
-    </dgm:pt>
-    <dgm:pt modelId="{C8C4723F-FA93-47BC-A192-A522C3D631BB}" type="parTrans" cxnId="{4A769CA4-299A-415F-9EAA-DF2A946246BB}">
-      <dgm:prSet/>
-      <dgm:spPr/>
-      <dgm:t>
-        <a:bodyPr/>
-        <a:lstStyle/>
-        <a:p>
-          <a:endParaRPr lang="en-US"/>
-        </a:p>
-      </dgm:t>
-    </dgm:pt>
-    <dgm:pt modelId="{0643BB84-6196-4D47-953E-29DD7A990B54}" type="sibTrans" cxnId="{4A769CA4-299A-415F-9EAA-DF2A946246BB}">
-      <dgm:prSet/>
-      <dgm:spPr/>
-      <dgm:t>
-        <a:bodyPr/>
-        <a:lstStyle/>
-        <a:p>
-          <a:endParaRPr lang="en-US"/>
-        </a:p>
-      </dgm:t>
-    </dgm:pt>
     <dgm:pt modelId="{740F11C0-1918-4491-8E8D-F9E393D6DC62}">
       <dgm:prSet phldrT="[Text]"/>
       <dgm:spPr/>
@@ -4288,10 +4009,9 @@
         <a:lstStyle/>
         <a:p>
           <a:r>
-            <a:rPr lang="en-US" dirty="0" smtClean="0"/>
+            <a:rPr lang="en-US" dirty="0"/>
             <a:t>Test</a:t>
           </a:r>
-          <a:endParaRPr lang="en-US" dirty="0"/>
         </a:p>
       </dgm:t>
     </dgm:pt>
@@ -4325,10 +4045,9 @@
         <a:lstStyle/>
         <a:p>
           <a:r>
-            <a:rPr lang="en-US" dirty="0" smtClean="0"/>
+            <a:rPr lang="en-US" dirty="0"/>
             <a:t>Tested and ready for Integration- Build 0</a:t>
           </a:r>
-          <a:endParaRPr lang="en-US" dirty="0"/>
         </a:p>
       </dgm:t>
     </dgm:pt>
@@ -4344,6 +4063,46 @@
       </dgm:t>
     </dgm:pt>
     <dgm:pt modelId="{2839478F-D08F-4173-8D65-0648A498D4AD}" type="sibTrans" cxnId="{62B69662-1BE8-417A-BC23-417EA909952F}">
+      <dgm:prSet/>
+      <dgm:spPr/>
+      <dgm:t>
+        <a:bodyPr/>
+        <a:lstStyle/>
+        <a:p>
+          <a:endParaRPr lang="en-US"/>
+        </a:p>
+      </dgm:t>
+    </dgm:pt>
+    <dgm:pt modelId="{2D28ACD1-25D9-461F-AFFA-AF0D4524C925}">
+      <dgm:prSet phldrT="[Text]"/>
+      <dgm:spPr/>
+      <dgm:t>
+        <a:bodyPr/>
+        <a:lstStyle/>
+        <a:p>
+          <a:r>
+            <a:rPr lang="en-US" dirty="0">
+              <a:solidFill>
+                <a:schemeClr val="bg1"/>
+              </a:solidFill>
+            </a:rPr>
+            <a:t>Build 0 </a:t>
+          </a:r>
+        </a:p>
+      </dgm:t>
+    </dgm:pt>
+    <dgm:pt modelId="{0643BB84-6196-4D47-953E-29DD7A990B54}" type="sibTrans" cxnId="{4A769CA4-299A-415F-9EAA-DF2A946246BB}">
+      <dgm:prSet/>
+      <dgm:spPr/>
+      <dgm:t>
+        <a:bodyPr/>
+        <a:lstStyle/>
+        <a:p>
+          <a:endParaRPr lang="en-US"/>
+        </a:p>
+      </dgm:t>
+    </dgm:pt>
+    <dgm:pt modelId="{C8C4723F-FA93-47BC-A192-A522C3D631BB}" type="parTrans" cxnId="{4A769CA4-299A-415F-9EAA-DF2A946246BB}">
       <dgm:prSet/>
       <dgm:spPr/>
       <dgm:t>
@@ -4377,13 +4136,6 @@
         </dgm:presLayoutVars>
       </dgm:prSet>
       <dgm:spPr/>
-      <dgm:t>
-        <a:bodyPr/>
-        <a:lstStyle/>
-        <a:p>
-          <a:endParaRPr lang="en-US"/>
-        </a:p>
-      </dgm:t>
     </dgm:pt>
     <dgm:pt modelId="{CC88045C-E3EE-4D81-A4AE-31DEF16487ED}" type="pres">
       <dgm:prSet presAssocID="{5119293E-CFF1-40DC-91B0-4ADC169E690A}" presName="ThreeNodes_2" presStyleLbl="node1" presStyleIdx="1" presStyleCnt="3">
@@ -4392,13 +4144,6 @@
         </dgm:presLayoutVars>
       </dgm:prSet>
       <dgm:spPr/>
-      <dgm:t>
-        <a:bodyPr/>
-        <a:lstStyle/>
-        <a:p>
-          <a:endParaRPr lang="en-US"/>
-        </a:p>
-      </dgm:t>
     </dgm:pt>
     <dgm:pt modelId="{038003CC-57D0-452B-9A87-251E2BE8DD24}" type="pres">
       <dgm:prSet presAssocID="{5119293E-CFF1-40DC-91B0-4ADC169E690A}" presName="ThreeNodes_3" presStyleLbl="node1" presStyleIdx="2" presStyleCnt="3">
@@ -4407,13 +4152,6 @@
         </dgm:presLayoutVars>
       </dgm:prSet>
       <dgm:spPr/>
-      <dgm:t>
-        <a:bodyPr/>
-        <a:lstStyle/>
-        <a:p>
-          <a:endParaRPr lang="en-US"/>
-        </a:p>
-      </dgm:t>
     </dgm:pt>
     <dgm:pt modelId="{0CD94A37-2283-4723-AF39-0C5B9DE811BF}" type="pres">
       <dgm:prSet presAssocID="{5119293E-CFF1-40DC-91B0-4ADC169E690A}" presName="ThreeConn_1-2" presStyleLbl="fgAccFollowNode1" presStyleIdx="0" presStyleCnt="2">
@@ -4422,13 +4160,6 @@
         </dgm:presLayoutVars>
       </dgm:prSet>
       <dgm:spPr/>
-      <dgm:t>
-        <a:bodyPr/>
-        <a:lstStyle/>
-        <a:p>
-          <a:endParaRPr lang="en-US"/>
-        </a:p>
-      </dgm:t>
     </dgm:pt>
     <dgm:pt modelId="{72F63057-082D-42E7-B85C-FC47DD028363}" type="pres">
       <dgm:prSet presAssocID="{5119293E-CFF1-40DC-91B0-4ADC169E690A}" presName="ThreeConn_2-3" presStyleLbl="fgAccFollowNode1" presStyleIdx="1" presStyleCnt="2">
@@ -4437,13 +4168,6 @@
         </dgm:presLayoutVars>
       </dgm:prSet>
       <dgm:spPr/>
-      <dgm:t>
-        <a:bodyPr/>
-        <a:lstStyle/>
-        <a:p>
-          <a:endParaRPr lang="en-US"/>
-        </a:p>
-      </dgm:t>
     </dgm:pt>
     <dgm:pt modelId="{BF775206-9782-4B74-9469-81B825259D87}" type="pres">
       <dgm:prSet presAssocID="{5119293E-CFF1-40DC-91B0-4ADC169E690A}" presName="ThreeNodes_1_text" presStyleLbl="node1" presStyleIdx="2" presStyleCnt="3">
@@ -4452,13 +4176,6 @@
         </dgm:presLayoutVars>
       </dgm:prSet>
       <dgm:spPr/>
-      <dgm:t>
-        <a:bodyPr/>
-        <a:lstStyle/>
-        <a:p>
-          <a:endParaRPr lang="en-US"/>
-        </a:p>
-      </dgm:t>
     </dgm:pt>
     <dgm:pt modelId="{04D8DCE0-082C-4FDA-A223-020C34F2DBEB}" type="pres">
       <dgm:prSet presAssocID="{5119293E-CFF1-40DC-91B0-4ADC169E690A}" presName="ThreeNodes_2_text" presStyleLbl="node1" presStyleIdx="2" presStyleCnt="3">
@@ -4467,13 +4184,6 @@
         </dgm:presLayoutVars>
       </dgm:prSet>
       <dgm:spPr/>
-      <dgm:t>
-        <a:bodyPr/>
-        <a:lstStyle/>
-        <a:p>
-          <a:endParaRPr lang="en-US"/>
-        </a:p>
-      </dgm:t>
     </dgm:pt>
     <dgm:pt modelId="{EC81BC27-7116-465B-AC12-B4720BC34B82}" type="pres">
       <dgm:prSet presAssocID="{5119293E-CFF1-40DC-91B0-4ADC169E690A}" presName="ThreeNodes_3_text" presStyleLbl="node1" presStyleIdx="2" presStyleCnt="3">
@@ -4482,28 +4192,21 @@
         </dgm:presLayoutVars>
       </dgm:prSet>
       <dgm:spPr/>
-      <dgm:t>
-        <a:bodyPr/>
-        <a:lstStyle/>
-        <a:p>
-          <a:endParaRPr lang="en-US"/>
-        </a:p>
-      </dgm:t>
     </dgm:pt>
   </dgm:ptLst>
   <dgm:cxnLst>
+    <dgm:cxn modelId="{6E821108-AA4C-4FCE-906C-7B527205F425}" type="presOf" srcId="{0643BB84-6196-4D47-953E-29DD7A990B54}" destId="{0CD94A37-2283-4723-AF39-0C5B9DE811BF}" srcOrd="0" destOrd="0" presId="urn:microsoft.com/office/officeart/2005/8/layout/vProcess5"/>
+    <dgm:cxn modelId="{F4AADE0C-4AF2-4981-840C-CA46AAE80AFF}" type="presOf" srcId="{2D28ACD1-25D9-461F-AFFA-AF0D4524C925}" destId="{2C56E3B0-DB92-4E32-8395-0D320FDE7304}" srcOrd="0" destOrd="0" presId="urn:microsoft.com/office/officeart/2005/8/layout/vProcess5"/>
+    <dgm:cxn modelId="{9678E520-DA97-4D9C-939A-4DCF9B11AA2F}" srcId="{5119293E-CFF1-40DC-91B0-4ADC169E690A}" destId="{740F11C0-1918-4491-8E8D-F9E393D6DC62}" srcOrd="1" destOrd="0" parTransId="{2CB00DC9-C7F6-4607-93B1-38F3306CD7C1}" sibTransId="{4BF9180C-3D66-4B05-B512-DB0404B3D62A}"/>
+    <dgm:cxn modelId="{F8CCF261-9A97-4534-B937-AB878397B7E3}" type="presOf" srcId="{2D28ACD1-25D9-461F-AFFA-AF0D4524C925}" destId="{BF775206-9782-4B74-9469-81B825259D87}" srcOrd="1" destOrd="0" presId="urn:microsoft.com/office/officeart/2005/8/layout/vProcess5"/>
     <dgm:cxn modelId="{62B69662-1BE8-417A-BC23-417EA909952F}" srcId="{5119293E-CFF1-40DC-91B0-4ADC169E690A}" destId="{7773E333-D64C-46E0-BFFB-1ABFC80A563C}" srcOrd="2" destOrd="0" parTransId="{349CA876-3C43-4618-B661-611E3D74539A}" sibTransId="{2839478F-D08F-4173-8D65-0648A498D4AD}"/>
     <dgm:cxn modelId="{21684859-26A6-4774-A7E3-CA2327F0BEEC}" type="presOf" srcId="{7773E333-D64C-46E0-BFFB-1ABFC80A563C}" destId="{038003CC-57D0-452B-9A87-251E2BE8DD24}" srcOrd="0" destOrd="0" presId="urn:microsoft.com/office/officeart/2005/8/layout/vProcess5"/>
     <dgm:cxn modelId="{C9BCE58D-0797-4C79-94F0-C4B04CD35FE1}" type="presOf" srcId="{5119293E-CFF1-40DC-91B0-4ADC169E690A}" destId="{B24BCCF6-4F1C-4DCC-A666-8A2E435C92FE}" srcOrd="0" destOrd="0" presId="urn:microsoft.com/office/officeart/2005/8/layout/vProcess5"/>
-    <dgm:cxn modelId="{6E821108-AA4C-4FCE-906C-7B527205F425}" type="presOf" srcId="{0643BB84-6196-4D47-953E-29DD7A990B54}" destId="{0CD94A37-2283-4723-AF39-0C5B9DE811BF}" srcOrd="0" destOrd="0" presId="urn:microsoft.com/office/officeart/2005/8/layout/vProcess5"/>
-    <dgm:cxn modelId="{9678E520-DA97-4D9C-939A-4DCF9B11AA2F}" srcId="{5119293E-CFF1-40DC-91B0-4ADC169E690A}" destId="{740F11C0-1918-4491-8E8D-F9E393D6DC62}" srcOrd="1" destOrd="0" parTransId="{2CB00DC9-C7F6-4607-93B1-38F3306CD7C1}" sibTransId="{4BF9180C-3D66-4B05-B512-DB0404B3D62A}"/>
     <dgm:cxn modelId="{4A769CA4-299A-415F-9EAA-DF2A946246BB}" srcId="{5119293E-CFF1-40DC-91B0-4ADC169E690A}" destId="{2D28ACD1-25D9-461F-AFFA-AF0D4524C925}" srcOrd="0" destOrd="0" parTransId="{C8C4723F-FA93-47BC-A192-A522C3D631BB}" sibTransId="{0643BB84-6196-4D47-953E-29DD7A990B54}"/>
-    <dgm:cxn modelId="{F8CCF261-9A97-4534-B937-AB878397B7E3}" type="presOf" srcId="{2D28ACD1-25D9-461F-AFFA-AF0D4524C925}" destId="{BF775206-9782-4B74-9469-81B825259D87}" srcOrd="1" destOrd="0" presId="urn:microsoft.com/office/officeart/2005/8/layout/vProcess5"/>
     <dgm:cxn modelId="{4F48B4CB-5F39-4D50-A374-F942DD055BA4}" type="presOf" srcId="{740F11C0-1918-4491-8E8D-F9E393D6DC62}" destId="{04D8DCE0-082C-4FDA-A223-020C34F2DBEB}" srcOrd="1" destOrd="0" presId="urn:microsoft.com/office/officeart/2005/8/layout/vProcess5"/>
+    <dgm:cxn modelId="{AAB844DF-2AAF-4176-B62C-73E030E52A7C}" type="presOf" srcId="{7773E333-D64C-46E0-BFFB-1ABFC80A563C}" destId="{EC81BC27-7116-465B-AC12-B4720BC34B82}" srcOrd="1" destOrd="0" presId="urn:microsoft.com/office/officeart/2005/8/layout/vProcess5"/>
+    <dgm:cxn modelId="{7A1E6BEF-802B-4533-A187-D1A0A7A0FE31}" type="presOf" srcId="{4BF9180C-3D66-4B05-B512-DB0404B3D62A}" destId="{72F63057-082D-42E7-B85C-FC47DD028363}" srcOrd="0" destOrd="0" presId="urn:microsoft.com/office/officeart/2005/8/layout/vProcess5"/>
     <dgm:cxn modelId="{5847FDF1-B5CD-4813-9A57-54FC25BEA462}" type="presOf" srcId="{740F11C0-1918-4491-8E8D-F9E393D6DC62}" destId="{CC88045C-E3EE-4D81-A4AE-31DEF16487ED}" srcOrd="0" destOrd="0" presId="urn:microsoft.com/office/officeart/2005/8/layout/vProcess5"/>
-    <dgm:cxn modelId="{7A1E6BEF-802B-4533-A187-D1A0A7A0FE31}" type="presOf" srcId="{4BF9180C-3D66-4B05-B512-DB0404B3D62A}" destId="{72F63057-082D-42E7-B85C-FC47DD028363}" srcOrd="0" destOrd="0" presId="urn:microsoft.com/office/officeart/2005/8/layout/vProcess5"/>
-    <dgm:cxn modelId="{AAB844DF-2AAF-4176-B62C-73E030E52A7C}" type="presOf" srcId="{7773E333-D64C-46E0-BFFB-1ABFC80A563C}" destId="{EC81BC27-7116-465B-AC12-B4720BC34B82}" srcOrd="1" destOrd="0" presId="urn:microsoft.com/office/officeart/2005/8/layout/vProcess5"/>
-    <dgm:cxn modelId="{F4AADE0C-4AF2-4981-840C-CA46AAE80AFF}" type="presOf" srcId="{2D28ACD1-25D9-461F-AFFA-AF0D4524C925}" destId="{2C56E3B0-DB92-4E32-8395-0D320FDE7304}" srcOrd="0" destOrd="0" presId="urn:microsoft.com/office/officeart/2005/8/layout/vProcess5"/>
     <dgm:cxn modelId="{B2660459-02F9-4178-83A6-A226C8F89688}" type="presParOf" srcId="{B24BCCF6-4F1C-4DCC-A666-8A2E435C92FE}" destId="{42F69F61-DBA8-48C0-9CFD-AA4D17B1E06F}" srcOrd="0" destOrd="0" presId="urn:microsoft.com/office/officeart/2005/8/layout/vProcess5"/>
     <dgm:cxn modelId="{C9E715CD-297A-4561-ABFB-9F6705DBC630}" type="presParOf" srcId="{B24BCCF6-4F1C-4DCC-A666-8A2E435C92FE}" destId="{2C56E3B0-DB92-4E32-8395-0D320FDE7304}" srcOrd="1" destOrd="0" presId="urn:microsoft.com/office/officeart/2005/8/layout/vProcess5"/>
     <dgm:cxn modelId="{2C6D380E-0DE7-4233-A99E-23ACA1751D78}" type="presParOf" srcId="{B24BCCF6-4F1C-4DCC-A666-8A2E435C92FE}" destId="{CC88045C-E3EE-4D81-A4AE-31DEF16487ED}" srcOrd="2" destOrd="0" presId="urn:microsoft.com/office/officeart/2005/8/layout/vProcess5"/>
@@ -4539,8 +4242,8 @@
       </dsp:nvSpPr>
       <dsp:spPr>
         <a:xfrm>
-          <a:off x="236287" y="0"/>
-          <a:ext cx="808892" cy="808892"/>
+          <a:off x="64930" y="0"/>
+          <a:ext cx="827881" cy="827881"/>
         </a:xfrm>
         <a:prstGeom prst="chord">
           <a:avLst>
@@ -4582,8 +4285,8 @@
       </dsp:nvSpPr>
       <dsp:spPr>
         <a:xfrm>
-          <a:off x="317176" y="80889"/>
-          <a:ext cx="647114" cy="647114"/>
+          <a:off x="147719" y="82788"/>
+          <a:ext cx="662304" cy="662304"/>
         </a:xfrm>
         <a:prstGeom prst="pie">
           <a:avLst>
@@ -4634,8 +4337,8 @@
       </dsp:nvSpPr>
       <dsp:spPr>
         <a:xfrm rot="16200000">
-          <a:off x="-693939" y="1820008"/>
-          <a:ext cx="2345788" cy="485335"/>
+          <a:off x="-887132" y="1862732"/>
+          <a:ext cx="2400855" cy="496728"/>
         </a:xfrm>
         <a:prstGeom prst="rect">
           <a:avLst/>
@@ -4664,7 +4367,7 @@
         </a:bodyPr>
         <a:lstStyle/>
         <a:p>
-          <a:pPr lvl="0" algn="r" defTabSz="977900">
+          <a:pPr marL="0" lvl="0" indent="0" algn="r" defTabSz="977900">
             <a:lnSpc>
               <a:spcPct val="90000"/>
             </a:lnSpc>
@@ -4674,23 +4377,20 @@
             <a:spcAft>
               <a:spcPct val="35000"/>
             </a:spcAft>
+            <a:buNone/>
           </a:pPr>
           <a:r>
-            <a:rPr lang="en-US" sz="2200" kern="1200" dirty="0" smtClean="0">
+            <a:rPr lang="en-US" sz="2200" kern="1200" dirty="0">
               <a:latin typeface="Times New Roman" panose="02020603050405020304" pitchFamily="18" charset="0"/>
               <a:cs typeface="Times New Roman" panose="02020603050405020304" pitchFamily="18" charset="0"/>
             </a:rPr>
             <a:t>Build zero</a:t>
           </a:r>
-          <a:endParaRPr lang="en-US" sz="2200" kern="1200" dirty="0">
-            <a:latin typeface="Times New Roman" panose="02020603050405020304" pitchFamily="18" charset="0"/>
-            <a:cs typeface="Times New Roman" panose="02020603050405020304" pitchFamily="18" charset="0"/>
-          </a:endParaRPr>
         </a:p>
       </dsp:txBody>
       <dsp:txXfrm>
-        <a:off x="-693939" y="1820008"/>
-        <a:ext cx="2345788" cy="485335"/>
+        <a:off x="-887132" y="1862732"/>
+        <a:ext cx="2400855" cy="496728"/>
       </dsp:txXfrm>
     </dsp:sp>
     <dsp:sp modelId="{2D1C1CB8-58C2-46AC-93F8-7D14C8828C6D}">
@@ -4700,8 +4400,8 @@
       </dsp:nvSpPr>
       <dsp:spPr>
         <a:xfrm>
-          <a:off x="802512" y="0"/>
-          <a:ext cx="1617785" cy="3235570"/>
+          <a:off x="644447" y="0"/>
+          <a:ext cx="1655762" cy="3311524"/>
         </a:xfrm>
         <a:prstGeom prst="rect">
           <a:avLst/>
@@ -4730,7 +4430,7 @@
         </a:bodyPr>
         <a:lstStyle/>
         <a:p>
-          <a:pPr lvl="0" algn="l" defTabSz="977900">
+          <a:pPr marL="0" lvl="0" indent="0" algn="l" defTabSz="977900">
             <a:lnSpc>
               <a:spcPct val="90000"/>
             </a:lnSpc>
@@ -4740,21 +4440,18 @@
             <a:spcAft>
               <a:spcPct val="35000"/>
             </a:spcAft>
+            <a:buNone/>
           </a:pPr>
           <a:r>
-            <a:rPr lang="en-US" sz="2200" kern="1200" dirty="0" smtClean="0">
+            <a:rPr lang="en-US" sz="2200" kern="1200" dirty="0">
               <a:latin typeface="Times New Roman" panose="02020603050405020304" pitchFamily="18" charset="0"/>
               <a:cs typeface="Times New Roman" panose="02020603050405020304" pitchFamily="18" charset="0"/>
             </a:rPr>
             <a:t>Requirements Analysis</a:t>
           </a:r>
-          <a:endParaRPr lang="en-US" sz="2200" kern="1200" dirty="0">
-            <a:latin typeface="Times New Roman" panose="02020603050405020304" pitchFamily="18" charset="0"/>
-            <a:cs typeface="Times New Roman" panose="02020603050405020304" pitchFamily="18" charset="0"/>
-          </a:endParaRPr>
         </a:p>
         <a:p>
-          <a:pPr lvl="0" algn="l" defTabSz="977900">
+          <a:pPr marL="0" lvl="0" indent="0" algn="l" defTabSz="977900">
             <a:lnSpc>
               <a:spcPct val="90000"/>
             </a:lnSpc>
@@ -4764,21 +4461,18 @@
             <a:spcAft>
               <a:spcPct val="35000"/>
             </a:spcAft>
+            <a:buNone/>
           </a:pPr>
           <a:r>
-            <a:rPr lang="en-US" sz="2200" kern="1200" dirty="0" smtClean="0">
+            <a:rPr lang="en-US" sz="2200" kern="1200" dirty="0">
               <a:latin typeface="Times New Roman" panose="02020603050405020304" pitchFamily="18" charset="0"/>
               <a:cs typeface="Times New Roman" panose="02020603050405020304" pitchFamily="18" charset="0"/>
             </a:rPr>
             <a:t>Prototypes</a:t>
           </a:r>
-          <a:endParaRPr lang="en-US" sz="2200" kern="1200" dirty="0">
-            <a:latin typeface="Times New Roman" panose="02020603050405020304" pitchFamily="18" charset="0"/>
-            <a:cs typeface="Times New Roman" panose="02020603050405020304" pitchFamily="18" charset="0"/>
-          </a:endParaRPr>
         </a:p>
         <a:p>
-          <a:pPr lvl="0" algn="l" defTabSz="977900">
+          <a:pPr marL="0" lvl="0" indent="0" algn="l" defTabSz="977900">
             <a:lnSpc>
               <a:spcPct val="90000"/>
             </a:lnSpc>
@@ -4788,23 +4482,20 @@
             <a:spcAft>
               <a:spcPct val="35000"/>
             </a:spcAft>
+            <a:buNone/>
           </a:pPr>
           <a:r>
-            <a:rPr lang="en-US" sz="2200" kern="1200" dirty="0" smtClean="0">
+            <a:rPr lang="en-US" sz="2200" kern="1200" dirty="0">
               <a:latin typeface="Times New Roman" panose="02020603050405020304" pitchFamily="18" charset="0"/>
               <a:cs typeface="Times New Roman" panose="02020603050405020304" pitchFamily="18" charset="0"/>
             </a:rPr>
             <a:t>Static UI for the App</a:t>
           </a:r>
-          <a:endParaRPr lang="en-US" sz="2200" kern="1200" dirty="0">
-            <a:latin typeface="Times New Roman" panose="02020603050405020304" pitchFamily="18" charset="0"/>
-            <a:cs typeface="Times New Roman" panose="02020603050405020304" pitchFamily="18" charset="0"/>
-          </a:endParaRPr>
         </a:p>
       </dsp:txBody>
       <dsp:txXfrm>
-        <a:off x="802512" y="0"/>
-        <a:ext cx="1617785" cy="3235570"/>
+        <a:off x="644447" y="0"/>
+        <a:ext cx="1655762" cy="3311524"/>
       </dsp:txXfrm>
     </dsp:sp>
     <dsp:sp modelId="{13A57D11-4E37-4805-8691-A175E10E868B}">
@@ -4814,8 +4505,8 @@
       </dsp:nvSpPr>
       <dsp:spPr>
         <a:xfrm>
-          <a:off x="2868854" y="0"/>
-          <a:ext cx="808892" cy="808892"/>
+          <a:off x="2742063" y="0"/>
+          <a:ext cx="827881" cy="827881"/>
         </a:xfrm>
         <a:prstGeom prst="chord">
           <a:avLst>
@@ -4857,8 +4548,8 @@
       </dsp:nvSpPr>
       <dsp:spPr>
         <a:xfrm>
-          <a:off x="2949743" y="80889"/>
-          <a:ext cx="647114" cy="647114"/>
+          <a:off x="2824851" y="82788"/>
+          <a:ext cx="662304" cy="662304"/>
         </a:xfrm>
         <a:prstGeom prst="pie">
           <a:avLst>
@@ -4909,8 +4600,8 @@
       </dsp:nvSpPr>
       <dsp:spPr>
         <a:xfrm rot="16200000">
-          <a:off x="1938627" y="1820008"/>
-          <a:ext cx="2345788" cy="485335"/>
+          <a:off x="1789999" y="1862732"/>
+          <a:ext cx="2400855" cy="496728"/>
         </a:xfrm>
         <a:prstGeom prst="rect">
           <a:avLst/>
@@ -4939,7 +4630,7 @@
         </a:bodyPr>
         <a:lstStyle/>
         <a:p>
-          <a:pPr lvl="0" algn="r" defTabSz="977900">
+          <a:pPr marL="0" lvl="0" indent="0" algn="r" defTabSz="977900">
             <a:lnSpc>
               <a:spcPct val="90000"/>
             </a:lnSpc>
@@ -4949,23 +4640,20 @@
             <a:spcAft>
               <a:spcPct val="35000"/>
             </a:spcAft>
+            <a:buNone/>
           </a:pPr>
           <a:r>
-            <a:rPr lang="en-US" sz="2200" kern="1200" dirty="0" smtClean="0">
+            <a:rPr lang="en-US" sz="2200" kern="1200" dirty="0">
               <a:latin typeface="Times New Roman" panose="02020603050405020304" pitchFamily="18" charset="0"/>
               <a:cs typeface="Times New Roman" panose="02020603050405020304" pitchFamily="18" charset="0"/>
             </a:rPr>
             <a:t>Build One</a:t>
           </a:r>
-          <a:endParaRPr lang="en-US" sz="2200" kern="1200" dirty="0">
-            <a:latin typeface="Times New Roman" panose="02020603050405020304" pitchFamily="18" charset="0"/>
-            <a:cs typeface="Times New Roman" panose="02020603050405020304" pitchFamily="18" charset="0"/>
-          </a:endParaRPr>
         </a:p>
       </dsp:txBody>
       <dsp:txXfrm>
-        <a:off x="1938627" y="1820008"/>
-        <a:ext cx="2345788" cy="485335"/>
+        <a:off x="1789999" y="1862732"/>
+        <a:ext cx="2400855" cy="496728"/>
       </dsp:txXfrm>
     </dsp:sp>
     <dsp:sp modelId="{AD586D5E-6D5D-4C38-A2CC-FCF6A2523532}">
@@ -4975,8 +4663,8 @@
       </dsp:nvSpPr>
       <dsp:spPr>
         <a:xfrm>
-          <a:off x="3435078" y="0"/>
-          <a:ext cx="1617785" cy="3235570"/>
+          <a:off x="3321580" y="0"/>
+          <a:ext cx="1655762" cy="3311524"/>
         </a:xfrm>
         <a:prstGeom prst="rect">
           <a:avLst/>
@@ -5005,7 +4693,7 @@
         </a:bodyPr>
         <a:lstStyle/>
         <a:p>
-          <a:pPr lvl="0" algn="l" defTabSz="977900">
+          <a:pPr marL="0" lvl="0" indent="0" algn="l" defTabSz="977900">
             <a:lnSpc>
               <a:spcPct val="90000"/>
             </a:lnSpc>
@@ -5015,21 +4703,18 @@
             <a:spcAft>
               <a:spcPct val="35000"/>
             </a:spcAft>
+            <a:buNone/>
           </a:pPr>
           <a:r>
-            <a:rPr lang="en-US" sz="2200" kern="1200" dirty="0" smtClean="0">
+            <a:rPr lang="en-US" sz="2200" kern="1200" dirty="0">
               <a:latin typeface="Times New Roman" panose="02020603050405020304" pitchFamily="18" charset="0"/>
               <a:cs typeface="Times New Roman" panose="02020603050405020304" pitchFamily="18" charset="0"/>
             </a:rPr>
             <a:t>Finalize Database</a:t>
           </a:r>
-          <a:endParaRPr lang="en-US" sz="2200" kern="1200" dirty="0">
-            <a:latin typeface="Times New Roman" panose="02020603050405020304" pitchFamily="18" charset="0"/>
-            <a:cs typeface="Times New Roman" panose="02020603050405020304" pitchFamily="18" charset="0"/>
-          </a:endParaRPr>
         </a:p>
         <a:p>
-          <a:pPr lvl="0" algn="l" defTabSz="977900">
+          <a:pPr marL="0" lvl="0" indent="0" algn="l" defTabSz="977900">
             <a:lnSpc>
               <a:spcPct val="90000"/>
             </a:lnSpc>
@@ -5039,21 +4724,18 @@
             <a:spcAft>
               <a:spcPct val="35000"/>
             </a:spcAft>
+            <a:buNone/>
           </a:pPr>
           <a:r>
-            <a:rPr lang="en-US" sz="2200" kern="1200" dirty="0" smtClean="0">
+            <a:rPr lang="en-US" sz="2200" kern="1200" dirty="0">
               <a:latin typeface="Times New Roman" panose="02020603050405020304" pitchFamily="18" charset="0"/>
               <a:cs typeface="Times New Roman" panose="02020603050405020304" pitchFamily="18" charset="0"/>
             </a:rPr>
             <a:t>Dynamic UI for WEB app</a:t>
           </a:r>
-          <a:endParaRPr lang="en-US" sz="2200" kern="1200" dirty="0">
-            <a:latin typeface="Times New Roman" panose="02020603050405020304" pitchFamily="18" charset="0"/>
-            <a:cs typeface="Times New Roman" panose="02020603050405020304" pitchFamily="18" charset="0"/>
-          </a:endParaRPr>
         </a:p>
         <a:p>
-          <a:pPr lvl="0" algn="l" defTabSz="977900">
+          <a:pPr marL="0" lvl="0" indent="0" algn="l" defTabSz="977900">
             <a:lnSpc>
               <a:spcPct val="90000"/>
             </a:lnSpc>
@@ -5063,23 +4745,20 @@
             <a:spcAft>
               <a:spcPct val="35000"/>
             </a:spcAft>
+            <a:buNone/>
           </a:pPr>
           <a:r>
-            <a:rPr lang="en-US" sz="2200" kern="1200" dirty="0" smtClean="0">
+            <a:rPr lang="en-US" sz="2200" kern="1200" dirty="0">
               <a:latin typeface="Times New Roman" panose="02020603050405020304" pitchFamily="18" charset="0"/>
               <a:cs typeface="Times New Roman" panose="02020603050405020304" pitchFamily="18" charset="0"/>
             </a:rPr>
             <a:t>Connection with database</a:t>
           </a:r>
-          <a:endParaRPr lang="en-US" sz="2200" kern="1200" dirty="0">
-            <a:latin typeface="Times New Roman" panose="02020603050405020304" pitchFamily="18" charset="0"/>
-            <a:cs typeface="Times New Roman" panose="02020603050405020304" pitchFamily="18" charset="0"/>
-          </a:endParaRPr>
         </a:p>
       </dsp:txBody>
       <dsp:txXfrm>
-        <a:off x="3435078" y="0"/>
-        <a:ext cx="1617785" cy="3235570"/>
+        <a:off x="3321580" y="0"/>
+        <a:ext cx="1655762" cy="3311524"/>
       </dsp:txXfrm>
     </dsp:sp>
     <dsp:sp modelId="{23B3ED49-A8DF-469D-9786-48B701A5EF23}">
@@ -5089,8 +4768,8 @@
       </dsp:nvSpPr>
       <dsp:spPr>
         <a:xfrm>
-          <a:off x="5501421" y="0"/>
-          <a:ext cx="808892" cy="808892"/>
+          <a:off x="5419195" y="0"/>
+          <a:ext cx="827881" cy="827881"/>
         </a:xfrm>
         <a:prstGeom prst="chord">
           <a:avLst>
@@ -5132,8 +4811,8 @@
       </dsp:nvSpPr>
       <dsp:spPr>
         <a:xfrm>
-          <a:off x="5582310" y="80889"/>
-          <a:ext cx="647114" cy="647114"/>
+          <a:off x="5501983" y="82788"/>
+          <a:ext cx="662304" cy="662304"/>
         </a:xfrm>
         <a:prstGeom prst="pie">
           <a:avLst>
@@ -5184,8 +4863,8 @@
       </dsp:nvSpPr>
       <dsp:spPr>
         <a:xfrm rot="16200000">
-          <a:off x="4571194" y="1820008"/>
-          <a:ext cx="2345788" cy="485335"/>
+          <a:off x="4467131" y="1862732"/>
+          <a:ext cx="2400855" cy="496728"/>
         </a:xfrm>
         <a:prstGeom prst="rect">
           <a:avLst/>
@@ -5214,7 +4893,7 @@
         </a:bodyPr>
         <a:lstStyle/>
         <a:p>
-          <a:pPr lvl="0" algn="r" defTabSz="977900">
+          <a:pPr marL="0" lvl="0" indent="0" algn="r" defTabSz="977900">
             <a:lnSpc>
               <a:spcPct val="90000"/>
             </a:lnSpc>
@@ -5224,23 +4903,20 @@
             <a:spcAft>
               <a:spcPct val="35000"/>
             </a:spcAft>
+            <a:buNone/>
           </a:pPr>
           <a:r>
-            <a:rPr lang="en-US" sz="2200" kern="1200" dirty="0" smtClean="0">
+            <a:rPr lang="en-US" sz="2200" kern="1200" dirty="0">
               <a:latin typeface="Times New Roman" panose="02020603050405020304" pitchFamily="18" charset="0"/>
               <a:cs typeface="Times New Roman" panose="02020603050405020304" pitchFamily="18" charset="0"/>
             </a:rPr>
             <a:t>Build Two</a:t>
           </a:r>
-          <a:endParaRPr lang="en-US" sz="2200" kern="1200" dirty="0">
-            <a:latin typeface="Times New Roman" panose="02020603050405020304" pitchFamily="18" charset="0"/>
-            <a:cs typeface="Times New Roman" panose="02020603050405020304" pitchFamily="18" charset="0"/>
-          </a:endParaRPr>
         </a:p>
       </dsp:txBody>
       <dsp:txXfrm>
-        <a:off x="4571194" y="1820008"/>
-        <a:ext cx="2345788" cy="485335"/>
+        <a:off x="4467131" y="1862732"/>
+        <a:ext cx="2400855" cy="496728"/>
       </dsp:txXfrm>
     </dsp:sp>
     <dsp:sp modelId="{986877C7-5555-4471-A423-DCAF7AEC96DE}">
@@ -5250,8 +4926,8 @@
       </dsp:nvSpPr>
       <dsp:spPr>
         <a:xfrm>
-          <a:off x="6067645" y="0"/>
-          <a:ext cx="1617785" cy="3235570"/>
+          <a:off x="5998712" y="0"/>
+          <a:ext cx="1655762" cy="3311524"/>
         </a:xfrm>
         <a:prstGeom prst="rect">
           <a:avLst/>
@@ -5280,7 +4956,7 @@
         </a:bodyPr>
         <a:lstStyle/>
         <a:p>
-          <a:pPr lvl="0" algn="l" defTabSz="977900">
+          <a:pPr marL="0" lvl="0" indent="0" algn="l" defTabSz="977900">
             <a:lnSpc>
               <a:spcPct val="90000"/>
             </a:lnSpc>
@@ -5290,21 +4966,18 @@
             <a:spcAft>
               <a:spcPct val="35000"/>
             </a:spcAft>
+            <a:buNone/>
           </a:pPr>
           <a:r>
-            <a:rPr lang="en-US" sz="2200" kern="1200" dirty="0" smtClean="0">
+            <a:rPr lang="en-US" sz="2200" kern="1200" dirty="0">
               <a:latin typeface="Times New Roman" panose="02020603050405020304" pitchFamily="18" charset="0"/>
               <a:cs typeface="Times New Roman" panose="02020603050405020304" pitchFamily="18" charset="0"/>
             </a:rPr>
             <a:t>Dynamic UI for the iOS app</a:t>
           </a:r>
-          <a:endParaRPr lang="en-US" sz="2200" kern="1200" dirty="0">
-            <a:latin typeface="Times New Roman" panose="02020603050405020304" pitchFamily="18" charset="0"/>
-            <a:cs typeface="Times New Roman" panose="02020603050405020304" pitchFamily="18" charset="0"/>
-          </a:endParaRPr>
         </a:p>
         <a:p>
-          <a:pPr lvl="0" algn="l" defTabSz="977900">
+          <a:pPr marL="0" lvl="0" indent="0" algn="l" defTabSz="977900">
             <a:lnSpc>
               <a:spcPct val="90000"/>
             </a:lnSpc>
@@ -5314,21 +4987,18 @@
             <a:spcAft>
               <a:spcPct val="35000"/>
             </a:spcAft>
+            <a:buNone/>
           </a:pPr>
           <a:r>
-            <a:rPr lang="en-US" sz="2200" kern="1200" dirty="0" smtClean="0">
+            <a:rPr lang="en-US" sz="2200" kern="1200" dirty="0">
               <a:latin typeface="Times New Roman" panose="02020603050405020304" pitchFamily="18" charset="0"/>
               <a:cs typeface="Times New Roman" panose="02020603050405020304" pitchFamily="18" charset="0"/>
             </a:rPr>
             <a:t>Scanner functionality</a:t>
           </a:r>
-          <a:endParaRPr lang="en-US" sz="2200" kern="1200" dirty="0">
-            <a:latin typeface="Times New Roman" panose="02020603050405020304" pitchFamily="18" charset="0"/>
-            <a:cs typeface="Times New Roman" panose="02020603050405020304" pitchFamily="18" charset="0"/>
-          </a:endParaRPr>
         </a:p>
         <a:p>
-          <a:pPr lvl="0" algn="l" defTabSz="977900">
+          <a:pPr marL="0" lvl="0" indent="0" algn="l" defTabSz="977900">
             <a:lnSpc>
               <a:spcPct val="90000"/>
             </a:lnSpc>
@@ -5338,23 +5008,20 @@
             <a:spcAft>
               <a:spcPct val="35000"/>
             </a:spcAft>
+            <a:buNone/>
           </a:pPr>
           <a:r>
-            <a:rPr lang="en-US" sz="2200" kern="1200" dirty="0" smtClean="0">
+            <a:rPr lang="en-US" sz="2200" kern="1200" dirty="0">
               <a:latin typeface="Times New Roman" panose="02020603050405020304" pitchFamily="18" charset="0"/>
               <a:cs typeface="Times New Roman" panose="02020603050405020304" pitchFamily="18" charset="0"/>
             </a:rPr>
             <a:t>Connecting both the applications</a:t>
           </a:r>
-          <a:endParaRPr lang="en-US" sz="2200" kern="1200" dirty="0">
-            <a:latin typeface="Times New Roman" panose="02020603050405020304" pitchFamily="18" charset="0"/>
-            <a:cs typeface="Times New Roman" panose="02020603050405020304" pitchFamily="18" charset="0"/>
-          </a:endParaRPr>
         </a:p>
       </dsp:txBody>
       <dsp:txXfrm>
-        <a:off x="6067645" y="0"/>
-        <a:ext cx="1617785" cy="3235570"/>
+        <a:off x="5998712" y="0"/>
+        <a:ext cx="1655762" cy="3311524"/>
       </dsp:txXfrm>
     </dsp:sp>
     <dsp:sp modelId="{2F91C5D8-3B13-44B4-8C71-0652A1FA3FB4}">
@@ -5364,8 +5031,8 @@
       </dsp:nvSpPr>
       <dsp:spPr>
         <a:xfrm>
-          <a:off x="8133987" y="0"/>
-          <a:ext cx="808892" cy="808892"/>
+          <a:off x="8096327" y="0"/>
+          <a:ext cx="827881" cy="827881"/>
         </a:xfrm>
         <a:prstGeom prst="chord">
           <a:avLst>
@@ -5407,8 +5074,8 @@
       </dsp:nvSpPr>
       <dsp:spPr>
         <a:xfrm>
-          <a:off x="8214877" y="80889"/>
-          <a:ext cx="647114" cy="647114"/>
+          <a:off x="8179115" y="82788"/>
+          <a:ext cx="662304" cy="662304"/>
         </a:xfrm>
         <a:prstGeom prst="pie">
           <a:avLst>
@@ -5459,8 +5126,8 @@
       </dsp:nvSpPr>
       <dsp:spPr>
         <a:xfrm rot="16200000">
-          <a:off x="7203761" y="1820008"/>
-          <a:ext cx="2345788" cy="485335"/>
+          <a:off x="7144264" y="1862732"/>
+          <a:ext cx="2400855" cy="496728"/>
         </a:xfrm>
         <a:prstGeom prst="rect">
           <a:avLst/>
@@ -5489,7 +5156,7 @@
         </a:bodyPr>
         <a:lstStyle/>
         <a:p>
-          <a:pPr lvl="0" algn="r" defTabSz="977900">
+          <a:pPr marL="0" lvl="0" indent="0" algn="r" defTabSz="977900">
             <a:lnSpc>
               <a:spcPct val="90000"/>
             </a:lnSpc>
@@ -5499,23 +5166,20 @@
             <a:spcAft>
               <a:spcPct val="35000"/>
             </a:spcAft>
+            <a:buNone/>
           </a:pPr>
           <a:r>
-            <a:rPr lang="en-US" sz="2200" kern="1200" dirty="0" smtClean="0">
+            <a:rPr lang="en-US" sz="2200" kern="1200" dirty="0">
               <a:latin typeface="Times New Roman" panose="02020603050405020304" pitchFamily="18" charset="0"/>
               <a:cs typeface="Times New Roman" panose="02020603050405020304" pitchFamily="18" charset="0"/>
             </a:rPr>
             <a:t>Build Three</a:t>
           </a:r>
-          <a:endParaRPr lang="en-US" sz="2200" kern="1200" dirty="0">
-            <a:latin typeface="Times New Roman" panose="02020603050405020304" pitchFamily="18" charset="0"/>
-            <a:cs typeface="Times New Roman" panose="02020603050405020304" pitchFamily="18" charset="0"/>
-          </a:endParaRPr>
         </a:p>
       </dsp:txBody>
       <dsp:txXfrm>
-        <a:off x="7203761" y="1820008"/>
-        <a:ext cx="2345788" cy="485335"/>
+        <a:off x="7144264" y="1862732"/>
+        <a:ext cx="2400855" cy="496728"/>
       </dsp:txXfrm>
     </dsp:sp>
     <dsp:sp modelId="{FDC79394-E0CB-4CB1-9269-8658F340BC8D}">
@@ -5525,8 +5189,8 @@
       </dsp:nvSpPr>
       <dsp:spPr>
         <a:xfrm>
-          <a:off x="8700212" y="0"/>
-          <a:ext cx="1617785" cy="3235570"/>
+          <a:off x="8675844" y="0"/>
+          <a:ext cx="1655762" cy="3311524"/>
         </a:xfrm>
         <a:prstGeom prst="rect">
           <a:avLst/>
@@ -5555,7 +5219,7 @@
         </a:bodyPr>
         <a:lstStyle/>
         <a:p>
-          <a:pPr lvl="0" algn="l" defTabSz="977900">
+          <a:pPr marL="0" lvl="0" indent="0" algn="l" defTabSz="977900">
             <a:lnSpc>
               <a:spcPct val="90000"/>
             </a:lnSpc>
@@ -5565,21 +5229,18 @@
             <a:spcAft>
               <a:spcPct val="35000"/>
             </a:spcAft>
+            <a:buNone/>
           </a:pPr>
           <a:r>
-            <a:rPr lang="en-US" sz="2200" kern="1200" dirty="0" smtClean="0">
+            <a:rPr lang="en-US" sz="2200" kern="1200" dirty="0">
               <a:latin typeface="Times New Roman" panose="02020603050405020304" pitchFamily="18" charset="0"/>
               <a:cs typeface="Times New Roman" panose="02020603050405020304" pitchFamily="18" charset="0"/>
             </a:rPr>
             <a:t>Testing the functionalities</a:t>
           </a:r>
-          <a:endParaRPr lang="en-US" sz="2200" kern="1200" dirty="0">
-            <a:latin typeface="Times New Roman" panose="02020603050405020304" pitchFamily="18" charset="0"/>
-            <a:cs typeface="Times New Roman" panose="02020603050405020304" pitchFamily="18" charset="0"/>
-          </a:endParaRPr>
         </a:p>
         <a:p>
-          <a:pPr lvl="0" algn="l" defTabSz="977900">
+          <a:pPr marL="0" lvl="0" indent="0" algn="l" defTabSz="977900">
             <a:lnSpc>
               <a:spcPct val="90000"/>
             </a:lnSpc>
@@ -5589,23 +5250,20 @@
             <a:spcAft>
               <a:spcPct val="35000"/>
             </a:spcAft>
+            <a:buNone/>
           </a:pPr>
           <a:r>
-            <a:rPr lang="en-US" sz="2200" kern="1200" dirty="0" smtClean="0">
+            <a:rPr lang="en-US" sz="2200" kern="1200" dirty="0">
               <a:latin typeface="Times New Roman" panose="02020603050405020304" pitchFamily="18" charset="0"/>
               <a:cs typeface="Times New Roman" panose="02020603050405020304" pitchFamily="18" charset="0"/>
             </a:rPr>
             <a:t>Documenting the changes</a:t>
           </a:r>
-          <a:endParaRPr lang="en-US" sz="2200" kern="1200" dirty="0">
-            <a:latin typeface="Times New Roman" panose="02020603050405020304" pitchFamily="18" charset="0"/>
-            <a:cs typeface="Times New Roman" panose="02020603050405020304" pitchFamily="18" charset="0"/>
-          </a:endParaRPr>
         </a:p>
       </dsp:txBody>
       <dsp:txXfrm>
-        <a:off x="8700212" y="0"/>
-        <a:ext cx="1617785" cy="3235570"/>
+        <a:off x="8675844" y="0"/>
+        <a:ext cx="1655762" cy="3311524"/>
       </dsp:txXfrm>
     </dsp:sp>
   </dsp:spTree>
@@ -5666,7 +5324,7 @@
         </a:bodyPr>
         <a:lstStyle/>
         <a:p>
-          <a:pPr lvl="0" algn="r" defTabSz="889000">
+          <a:pPr marL="0" lvl="0" indent="0" algn="r" defTabSz="889000">
             <a:lnSpc>
               <a:spcPct val="90000"/>
             </a:lnSpc>
@@ -5676,18 +5334,15 @@
             <a:spcAft>
               <a:spcPct val="35000"/>
             </a:spcAft>
+            <a:buNone/>
           </a:pPr>
           <a:r>
-            <a:rPr lang="en-US" sz="2000" kern="1200" dirty="0" smtClean="0">
+            <a:rPr lang="en-US" sz="2000" kern="1200" dirty="0">
               <a:latin typeface="Times New Roman" panose="02020603050405020304" pitchFamily="18" charset="0"/>
               <a:cs typeface="Times New Roman" panose="02020603050405020304" pitchFamily="18" charset="0"/>
             </a:rPr>
             <a:t>Requirements Gathering </a:t>
           </a:r>
-          <a:endParaRPr lang="en-US" sz="2000" kern="1200" dirty="0">
-            <a:latin typeface="Times New Roman" panose="02020603050405020304" pitchFamily="18" charset="0"/>
-            <a:cs typeface="Times New Roman" panose="02020603050405020304" pitchFamily="18" charset="0"/>
-          </a:endParaRPr>
         </a:p>
       </dsp:txBody>
       <dsp:txXfrm>
@@ -5816,19 +5471,15 @@
             <a:spcAft>
               <a:spcPct val="15000"/>
             </a:spcAft>
-            <a:buChar char="••"/>
+            <a:buChar char="•"/>
           </a:pPr>
           <a:r>
-            <a:rPr lang="en-US" sz="2000" kern="1200" dirty="0" smtClean="0">
+            <a:rPr lang="en-US" sz="2000" kern="1200" dirty="0">
               <a:latin typeface="Times New Roman" panose="02020603050405020304" pitchFamily="18" charset="0"/>
               <a:cs typeface="Times New Roman" panose="02020603050405020304" pitchFamily="18" charset="0"/>
             </a:rPr>
             <a:t>Problem Statement</a:t>
           </a:r>
-          <a:endParaRPr lang="en-US" sz="2000" kern="1200" dirty="0">
-            <a:latin typeface="Times New Roman" panose="02020603050405020304" pitchFamily="18" charset="0"/>
-            <a:cs typeface="Times New Roman" panose="02020603050405020304" pitchFamily="18" charset="0"/>
-          </a:endParaRPr>
         </a:p>
         <a:p>
           <a:pPr marL="228600" lvl="1" indent="-228600" algn="l" defTabSz="889000">
@@ -5841,19 +5492,15 @@
             <a:spcAft>
               <a:spcPct val="15000"/>
             </a:spcAft>
-            <a:buChar char="••"/>
+            <a:buChar char="•"/>
           </a:pPr>
           <a:r>
-            <a:rPr lang="en-US" sz="2000" kern="1200" dirty="0" smtClean="0">
+            <a:rPr lang="en-US" sz="2000" kern="1200" dirty="0">
               <a:latin typeface="Times New Roman" panose="02020603050405020304" pitchFamily="18" charset="0"/>
               <a:cs typeface="Times New Roman" panose="02020603050405020304" pitchFamily="18" charset="0"/>
             </a:rPr>
             <a:t>Requirements specification</a:t>
           </a:r>
-          <a:endParaRPr lang="en-US" sz="2000" kern="1200" dirty="0">
-            <a:latin typeface="Times New Roman" panose="02020603050405020304" pitchFamily="18" charset="0"/>
-            <a:cs typeface="Times New Roman" panose="02020603050405020304" pitchFamily="18" charset="0"/>
-          </a:endParaRPr>
         </a:p>
         <a:p>
           <a:pPr marL="228600" lvl="1" indent="-228600" algn="l" defTabSz="889000">
@@ -5866,19 +5513,15 @@
             <a:spcAft>
               <a:spcPct val="15000"/>
             </a:spcAft>
-            <a:buChar char="••"/>
+            <a:buChar char="•"/>
           </a:pPr>
           <a:r>
-            <a:rPr lang="en-US" sz="2000" kern="1200" dirty="0" smtClean="0">
+            <a:rPr lang="en-US" sz="2000" kern="1200" dirty="0">
               <a:latin typeface="Times New Roman" panose="02020603050405020304" pitchFamily="18" charset="0"/>
               <a:cs typeface="Times New Roman" panose="02020603050405020304" pitchFamily="18" charset="0"/>
             </a:rPr>
             <a:t>Team and standup Meetings</a:t>
           </a:r>
-          <a:endParaRPr lang="en-US" sz="2000" kern="1200" dirty="0">
-            <a:latin typeface="Times New Roman" panose="02020603050405020304" pitchFamily="18" charset="0"/>
-            <a:cs typeface="Times New Roman" panose="02020603050405020304" pitchFamily="18" charset="0"/>
-          </a:endParaRPr>
         </a:p>
         <a:p>
           <a:pPr marL="228600" lvl="1" indent="-228600" algn="l" defTabSz="889000">
@@ -5891,19 +5534,15 @@
             <a:spcAft>
               <a:spcPct val="15000"/>
             </a:spcAft>
-            <a:buChar char="••"/>
+            <a:buChar char="•"/>
           </a:pPr>
           <a:r>
-            <a:rPr lang="en-US" sz="2000" kern="1200" dirty="0" smtClean="0">
+            <a:rPr lang="en-US" sz="2000" kern="1200" dirty="0">
               <a:latin typeface="Times New Roman" panose="02020603050405020304" pitchFamily="18" charset="0"/>
               <a:cs typeface="Times New Roman" panose="02020603050405020304" pitchFamily="18" charset="0"/>
             </a:rPr>
             <a:t>Use Case documentation</a:t>
           </a:r>
-          <a:endParaRPr lang="en-US" sz="2000" kern="1200" dirty="0">
-            <a:latin typeface="Times New Roman" panose="02020603050405020304" pitchFamily="18" charset="0"/>
-            <a:cs typeface="Times New Roman" panose="02020603050405020304" pitchFamily="18" charset="0"/>
-          </a:endParaRPr>
         </a:p>
       </dsp:txBody>
       <dsp:txXfrm>
@@ -5957,7 +5596,7 @@
         </a:bodyPr>
         <a:lstStyle/>
         <a:p>
-          <a:pPr lvl="0" algn="r" defTabSz="889000">
+          <a:pPr marL="0" lvl="0" indent="0" algn="r" defTabSz="889000">
             <a:lnSpc>
               <a:spcPct val="90000"/>
             </a:lnSpc>
@@ -5967,18 +5606,15 @@
             <a:spcAft>
               <a:spcPct val="35000"/>
             </a:spcAft>
+            <a:buNone/>
           </a:pPr>
           <a:r>
-            <a:rPr lang="en-US" sz="2000" kern="1200" dirty="0" smtClean="0">
+            <a:rPr lang="en-US" sz="2000" kern="1200" dirty="0">
               <a:latin typeface="Times New Roman" panose="02020603050405020304" pitchFamily="18" charset="0"/>
               <a:cs typeface="Times New Roman" panose="02020603050405020304" pitchFamily="18" charset="0"/>
             </a:rPr>
             <a:t>PMP Plan</a:t>
           </a:r>
-          <a:endParaRPr lang="en-US" sz="2000" kern="1200" dirty="0">
-            <a:latin typeface="Times New Roman" panose="02020603050405020304" pitchFamily="18" charset="0"/>
-            <a:cs typeface="Times New Roman" panose="02020603050405020304" pitchFamily="18" charset="0"/>
-          </a:endParaRPr>
         </a:p>
       </dsp:txBody>
       <dsp:txXfrm>
@@ -6107,19 +5743,15 @@
             <a:spcAft>
               <a:spcPct val="15000"/>
             </a:spcAft>
-            <a:buChar char="••"/>
+            <a:buChar char="•"/>
           </a:pPr>
           <a:r>
-            <a:rPr lang="en-US" sz="2000" kern="1200" dirty="0" smtClean="0">
+            <a:rPr lang="en-US" sz="2000" kern="1200" dirty="0">
               <a:latin typeface="Times New Roman" panose="02020603050405020304" pitchFamily="18" charset="0"/>
               <a:cs typeface="Times New Roman" panose="02020603050405020304" pitchFamily="18" charset="0"/>
             </a:rPr>
             <a:t>Implementation Strategy</a:t>
           </a:r>
-          <a:endParaRPr lang="en-US" sz="2000" kern="1200" dirty="0">
-            <a:latin typeface="Times New Roman" panose="02020603050405020304" pitchFamily="18" charset="0"/>
-            <a:cs typeface="Times New Roman" panose="02020603050405020304" pitchFamily="18" charset="0"/>
-          </a:endParaRPr>
         </a:p>
         <a:p>
           <a:pPr marL="228600" lvl="1" indent="-228600" algn="l" defTabSz="889000">
@@ -6132,19 +5764,15 @@
             <a:spcAft>
               <a:spcPct val="15000"/>
             </a:spcAft>
-            <a:buChar char="••"/>
+            <a:buChar char="•"/>
           </a:pPr>
           <a:r>
-            <a:rPr lang="en-US" sz="2000" kern="1200" dirty="0" smtClean="0">
+            <a:rPr lang="en-US" sz="2000" kern="1200" dirty="0">
               <a:latin typeface="Times New Roman" panose="02020603050405020304" pitchFamily="18" charset="0"/>
               <a:cs typeface="Times New Roman" panose="02020603050405020304" pitchFamily="18" charset="0"/>
             </a:rPr>
             <a:t>Choosing appropriate tools</a:t>
           </a:r>
-          <a:endParaRPr lang="en-US" sz="2000" kern="1200" dirty="0">
-            <a:latin typeface="Times New Roman" panose="02020603050405020304" pitchFamily="18" charset="0"/>
-            <a:cs typeface="Times New Roman" panose="02020603050405020304" pitchFamily="18" charset="0"/>
-          </a:endParaRPr>
         </a:p>
         <a:p>
           <a:pPr marL="228600" lvl="1" indent="-228600" algn="l" defTabSz="889000">
@@ -6157,19 +5785,15 @@
             <a:spcAft>
               <a:spcPct val="15000"/>
             </a:spcAft>
-            <a:buChar char="••"/>
+            <a:buChar char="•"/>
           </a:pPr>
           <a:r>
-            <a:rPr lang="en-US" sz="2000" kern="1200" dirty="0" smtClean="0">
+            <a:rPr lang="en-US" sz="2000" kern="1200" dirty="0">
               <a:latin typeface="Times New Roman" panose="02020603050405020304" pitchFamily="18" charset="0"/>
               <a:cs typeface="Times New Roman" panose="02020603050405020304" pitchFamily="18" charset="0"/>
             </a:rPr>
             <a:t>Appropriate language</a:t>
           </a:r>
-          <a:endParaRPr lang="en-US" sz="2000" kern="1200" dirty="0">
-            <a:latin typeface="Times New Roman" panose="02020603050405020304" pitchFamily="18" charset="0"/>
-            <a:cs typeface="Times New Roman" panose="02020603050405020304" pitchFamily="18" charset="0"/>
-          </a:endParaRPr>
         </a:p>
       </dsp:txBody>
       <dsp:txXfrm>
@@ -6223,7 +5847,7 @@
         </a:bodyPr>
         <a:lstStyle/>
         <a:p>
-          <a:pPr lvl="0" algn="r" defTabSz="889000">
+          <a:pPr marL="0" lvl="0" indent="0" algn="r" defTabSz="889000">
             <a:lnSpc>
               <a:spcPct val="90000"/>
             </a:lnSpc>
@@ -6233,18 +5857,15 @@
             <a:spcAft>
               <a:spcPct val="35000"/>
             </a:spcAft>
+            <a:buNone/>
           </a:pPr>
           <a:r>
-            <a:rPr lang="en-US" sz="2000" kern="1200" dirty="0" smtClean="0">
+            <a:rPr lang="en-US" sz="2000" kern="1200" dirty="0">
               <a:latin typeface="Times New Roman" panose="02020603050405020304" pitchFamily="18" charset="0"/>
               <a:cs typeface="Times New Roman" panose="02020603050405020304" pitchFamily="18" charset="0"/>
             </a:rPr>
             <a:t>Iteration Plan</a:t>
           </a:r>
-          <a:endParaRPr lang="en-US" sz="2000" kern="1200" dirty="0">
-            <a:latin typeface="Times New Roman" panose="02020603050405020304" pitchFamily="18" charset="0"/>
-            <a:cs typeface="Times New Roman" panose="02020603050405020304" pitchFamily="18" charset="0"/>
-          </a:endParaRPr>
         </a:p>
       </dsp:txBody>
       <dsp:txXfrm>
@@ -6373,19 +5994,15 @@
             <a:spcAft>
               <a:spcPct val="15000"/>
             </a:spcAft>
-            <a:buChar char="••"/>
+            <a:buChar char="•"/>
           </a:pPr>
           <a:r>
-            <a:rPr lang="en-US" sz="2000" kern="1200" dirty="0" smtClean="0">
+            <a:rPr lang="en-US" sz="2000" kern="1200" dirty="0">
               <a:latin typeface="Times New Roman" panose="02020603050405020304" pitchFamily="18" charset="0"/>
               <a:cs typeface="Times New Roman" panose="02020603050405020304" pitchFamily="18" charset="0"/>
             </a:rPr>
             <a:t>Description of tasks</a:t>
           </a:r>
-          <a:endParaRPr lang="en-US" sz="2000" kern="1200" dirty="0">
-            <a:latin typeface="Times New Roman" panose="02020603050405020304" pitchFamily="18" charset="0"/>
-            <a:cs typeface="Times New Roman" panose="02020603050405020304" pitchFamily="18" charset="0"/>
-          </a:endParaRPr>
         </a:p>
         <a:p>
           <a:pPr marL="228600" lvl="1" indent="-228600" algn="l" defTabSz="889000">
@@ -6398,19 +6015,15 @@
             <a:spcAft>
               <a:spcPct val="15000"/>
             </a:spcAft>
-            <a:buChar char="••"/>
+            <a:buChar char="•"/>
           </a:pPr>
           <a:r>
-            <a:rPr lang="en-US" sz="2000" kern="1200" dirty="0" smtClean="0">
+            <a:rPr lang="en-US" sz="2000" kern="1200" dirty="0">
               <a:latin typeface="Times New Roman" panose="02020603050405020304" pitchFamily="18" charset="0"/>
               <a:cs typeface="Times New Roman" panose="02020603050405020304" pitchFamily="18" charset="0"/>
             </a:rPr>
             <a:t>Schedule, division of responsibilities</a:t>
           </a:r>
-          <a:endParaRPr lang="en-US" sz="2000" kern="1200" dirty="0">
-            <a:latin typeface="Times New Roman" panose="02020603050405020304" pitchFamily="18" charset="0"/>
-            <a:cs typeface="Times New Roman" panose="02020603050405020304" pitchFamily="18" charset="0"/>
-          </a:endParaRPr>
         </a:p>
       </dsp:txBody>
       <dsp:txXfrm>
@@ -6464,7 +6077,7 @@
         </a:bodyPr>
         <a:lstStyle/>
         <a:p>
-          <a:pPr lvl="0" algn="r" defTabSz="889000">
+          <a:pPr marL="0" lvl="0" indent="0" algn="r" defTabSz="889000">
             <a:lnSpc>
               <a:spcPct val="90000"/>
             </a:lnSpc>
@@ -6474,18 +6087,15 @@
             <a:spcAft>
               <a:spcPct val="35000"/>
             </a:spcAft>
+            <a:buNone/>
           </a:pPr>
           <a:r>
-            <a:rPr lang="en-US" sz="2000" kern="1200" dirty="0" smtClean="0">
+            <a:rPr lang="en-US" sz="2000" kern="1200" dirty="0">
               <a:latin typeface="Times New Roman" panose="02020603050405020304" pitchFamily="18" charset="0"/>
               <a:cs typeface="Times New Roman" panose="02020603050405020304" pitchFamily="18" charset="0"/>
             </a:rPr>
             <a:t>Testing Strategy</a:t>
           </a:r>
-          <a:endParaRPr lang="en-US" sz="2000" kern="1200" dirty="0">
-            <a:latin typeface="Times New Roman" panose="02020603050405020304" pitchFamily="18" charset="0"/>
-            <a:cs typeface="Times New Roman" panose="02020603050405020304" pitchFamily="18" charset="0"/>
-          </a:endParaRPr>
         </a:p>
       </dsp:txBody>
       <dsp:txXfrm>
@@ -6614,19 +6224,15 @@
             <a:spcAft>
               <a:spcPct val="15000"/>
             </a:spcAft>
-            <a:buChar char="••"/>
+            <a:buChar char="•"/>
           </a:pPr>
           <a:r>
-            <a:rPr lang="en-US" sz="2000" kern="1200" dirty="0" smtClean="0">
+            <a:rPr lang="en-US" sz="2000" kern="1200" dirty="0">
               <a:latin typeface="Times New Roman" panose="02020603050405020304" pitchFamily="18" charset="0"/>
               <a:cs typeface="Times New Roman" panose="02020603050405020304" pitchFamily="18" charset="0"/>
             </a:rPr>
             <a:t>Debugging the system using the Test suite  document and test strategy.</a:t>
           </a:r>
-          <a:endParaRPr lang="en-US" sz="2000" kern="1200" dirty="0">
-            <a:latin typeface="Times New Roman" panose="02020603050405020304" pitchFamily="18" charset="0"/>
-            <a:cs typeface="Times New Roman" panose="02020603050405020304" pitchFamily="18" charset="0"/>
-          </a:endParaRPr>
         </a:p>
       </dsp:txBody>
       <dsp:txXfrm>
@@ -6702,7 +6308,7 @@
         </a:bodyPr>
         <a:lstStyle/>
         <a:p>
-          <a:pPr lvl="0" algn="l" defTabSz="977900">
+          <a:pPr marL="0" lvl="0" indent="0" algn="l" defTabSz="977900">
             <a:lnSpc>
               <a:spcPct val="90000"/>
             </a:lnSpc>
@@ -6712,20 +6318,16 @@
             <a:spcAft>
               <a:spcPct val="35000"/>
             </a:spcAft>
+            <a:buNone/>
           </a:pPr>
           <a:r>
-            <a:rPr lang="en-US" sz="2200" kern="1200" dirty="0" smtClean="0">
+            <a:rPr lang="en-US" sz="2200" kern="1200" dirty="0">
               <a:solidFill>
                 <a:schemeClr val="bg1"/>
               </a:solidFill>
             </a:rPr>
             <a:t>Build 0 </a:t>
           </a:r>
-          <a:endParaRPr lang="en-US" sz="2200" kern="1200" dirty="0">
-            <a:solidFill>
-              <a:schemeClr val="bg1"/>
-            </a:solidFill>
-          </a:endParaRPr>
         </a:p>
       </dsp:txBody>
       <dsp:txXfrm>
@@ -6789,7 +6391,7 @@
         </a:bodyPr>
         <a:lstStyle/>
         <a:p>
-          <a:pPr lvl="0" algn="l" defTabSz="977900">
+          <a:pPr marL="0" lvl="0" indent="0" algn="l" defTabSz="977900">
             <a:lnSpc>
               <a:spcPct val="90000"/>
             </a:lnSpc>
@@ -6799,12 +6401,12 @@
             <a:spcAft>
               <a:spcPct val="35000"/>
             </a:spcAft>
+            <a:buNone/>
           </a:pPr>
           <a:r>
-            <a:rPr lang="en-US" sz="2200" kern="1200" dirty="0" smtClean="0"/>
+            <a:rPr lang="en-US" sz="2200" kern="1200" dirty="0"/>
             <a:t>Test</a:t>
           </a:r>
-          <a:endParaRPr lang="en-US" sz="2200" kern="1200" dirty="0"/>
         </a:p>
       </dsp:txBody>
       <dsp:txXfrm>
@@ -6868,7 +6470,7 @@
         </a:bodyPr>
         <a:lstStyle/>
         <a:p>
-          <a:pPr lvl="0" algn="l" defTabSz="977900">
+          <a:pPr marL="0" lvl="0" indent="0" algn="l" defTabSz="977900">
             <a:lnSpc>
               <a:spcPct val="90000"/>
             </a:lnSpc>
@@ -6878,12 +6480,12 @@
             <a:spcAft>
               <a:spcPct val="35000"/>
             </a:spcAft>
+            <a:buNone/>
           </a:pPr>
           <a:r>
-            <a:rPr lang="en-US" sz="2200" kern="1200" dirty="0" smtClean="0"/>
+            <a:rPr lang="en-US" sz="2200" kern="1200" dirty="0"/>
             <a:t>Tested and ready for Integration- Build 0</a:t>
           </a:r>
-          <a:endParaRPr lang="en-US" sz="2200" kern="1200" dirty="0"/>
         </a:p>
       </dsp:txBody>
       <dsp:txXfrm>
@@ -6950,7 +6552,7 @@
         </a:bodyPr>
         <a:lstStyle/>
         <a:p>
-          <a:pPr lvl="0" algn="ctr" defTabSz="1555750">
+          <a:pPr marL="0" lvl="0" indent="0" algn="ctr" defTabSz="1555750">
             <a:lnSpc>
               <a:spcPct val="90000"/>
             </a:lnSpc>
@@ -6960,6 +6562,7 @@
             <a:spcAft>
               <a:spcPct val="35000"/>
             </a:spcAft>
+            <a:buNone/>
           </a:pPr>
           <a:endParaRPr lang="en-US" sz="3500" kern="1200"/>
         </a:p>
@@ -7028,7 +6631,7 @@
         </a:bodyPr>
         <a:lstStyle/>
         <a:p>
-          <a:pPr lvl="0" algn="ctr" defTabSz="1555750">
+          <a:pPr marL="0" lvl="0" indent="0" algn="ctr" defTabSz="1555750">
             <a:lnSpc>
               <a:spcPct val="90000"/>
             </a:lnSpc>
@@ -7038,6 +6641,7 @@
             <a:spcAft>
               <a:spcPct val="35000"/>
             </a:spcAft>
+            <a:buNone/>
           </a:pPr>
           <a:endParaRPr lang="en-US" sz="3500" kern="1200"/>
         </a:p>
@@ -13092,7 +12696,7 @@
           </a:lstStyle>
           <a:p>
             <a:r>
-              <a:rPr lang="en-US" smtClean="0"/>
+              <a:rPr lang="en-US"/>
               <a:t>Click to edit Master title style</a:t>
             </a:r>
             <a:endParaRPr lang="en-US" dirty="0"/>
@@ -13165,7 +12769,7 @@
           </a:lstStyle>
           <a:p>
             <a:r>
-              <a:rPr lang="en-US" smtClean="0"/>
+              <a:rPr lang="en-US"/>
               <a:t>Click to edit Master subtitle style</a:t>
             </a:r>
             <a:endParaRPr lang="en-US" dirty="0"/>
@@ -13374,7 +12978,7 @@
           </a:lstStyle>
           <a:p>
             <a:r>
-              <a:rPr lang="en-US" smtClean="0"/>
+              <a:rPr lang="en-US"/>
               <a:t>Click to edit Master title style</a:t>
             </a:r>
             <a:endParaRPr lang="en-US" dirty="0"/>
@@ -13447,7 +13051,7 @@
           </a:lstStyle>
           <a:p>
             <a:r>
-              <a:rPr lang="en-US" smtClean="0"/>
+              <a:rPr lang="en-US"/>
               <a:t>Click icon to add picture</a:t>
             </a:r>
             <a:endParaRPr lang="en-US" dirty="0"/>
@@ -13513,7 +13117,7 @@
           <a:p>
             <a:pPr lvl="0"/>
             <a:r>
-              <a:rPr lang="en-US" smtClean="0"/>
+              <a:rPr lang="en-US"/>
               <a:t>Edit Master text styles</a:t>
             </a:r>
           </a:p>
@@ -13641,7 +13245,7 @@
           </a:lstStyle>
           <a:p>
             <a:r>
-              <a:rPr lang="en-US" smtClean="0"/>
+              <a:rPr lang="en-US"/>
               <a:t>Click to edit Master title style</a:t>
             </a:r>
             <a:endParaRPr lang="en-US" dirty="0"/>
@@ -13709,7 +13313,7 @@
           <a:p>
             <a:pPr lvl="0"/>
             <a:r>
-              <a:rPr lang="en-US" smtClean="0"/>
+              <a:rPr lang="en-US"/>
               <a:t>Edit Master text styles</a:t>
             </a:r>
           </a:p>
@@ -13837,7 +13441,7 @@
           </a:lstStyle>
           <a:p>
             <a:r>
-              <a:rPr lang="en-US" smtClean="0"/>
+              <a:rPr lang="en-US"/>
               <a:t>Click to edit Master title style</a:t>
             </a:r>
             <a:endParaRPr lang="en-US" dirty="0"/>
@@ -13912,7 +13516,7 @@
           <a:p>
             <a:pPr lvl="0"/>
             <a:r>
-              <a:rPr lang="en-US" smtClean="0"/>
+              <a:rPr lang="en-US"/>
               <a:t>Edit Master text styles</a:t>
             </a:r>
           </a:p>
@@ -13979,7 +13583,7 @@
           <a:p>
             <a:pPr lvl="0"/>
             <a:r>
-              <a:rPr lang="en-US" smtClean="0"/>
+              <a:rPr lang="en-US"/>
               <a:t>Edit Master text styles</a:t>
             </a:r>
           </a:p>
@@ -14339,7 +13943,7 @@
           </a:lstStyle>
           <a:p>
             <a:r>
-              <a:rPr lang="en-US" smtClean="0"/>
+              <a:rPr lang="en-US"/>
               <a:t>Click to edit Master title style</a:t>
             </a:r>
             <a:endParaRPr lang="en-US" dirty="0"/>
@@ -14407,7 +14011,7 @@
           <a:p>
             <a:pPr lvl="0"/>
             <a:r>
-              <a:rPr lang="en-US" smtClean="0"/>
+              <a:rPr lang="en-US"/>
               <a:t>Edit Master text styles</a:t>
             </a:r>
           </a:p>
@@ -14533,7 +14137,7 @@
           </a:lstStyle>
           <a:p>
             <a:r>
-              <a:rPr lang="en-US" smtClean="0"/>
+              <a:rPr lang="en-US"/>
               <a:t>Click to edit Master title style</a:t>
             </a:r>
             <a:endParaRPr lang="en-US" dirty="0"/>
@@ -14608,7 +14212,7 @@
           <a:p>
             <a:pPr lvl="0"/>
             <a:r>
-              <a:rPr lang="en-US" smtClean="0"/>
+              <a:rPr lang="en-US"/>
               <a:t>Edit Master text styles</a:t>
             </a:r>
           </a:p>
@@ -14675,7 +14279,7 @@
           <a:p>
             <a:pPr lvl="0"/>
             <a:r>
-              <a:rPr lang="en-US" smtClean="0"/>
+              <a:rPr lang="en-US"/>
               <a:t>Edit Master text styles</a:t>
             </a:r>
           </a:p>
@@ -14749,7 +14353,7 @@
           <a:p>
             <a:pPr lvl="0"/>
             <a:r>
-              <a:rPr lang="en-US" smtClean="0"/>
+              <a:rPr lang="en-US"/>
               <a:t>Edit Master text styles</a:t>
             </a:r>
           </a:p>
@@ -14816,7 +14420,7 @@
           <a:p>
             <a:pPr lvl="0"/>
             <a:r>
-              <a:rPr lang="en-US" smtClean="0"/>
+              <a:rPr lang="en-US"/>
               <a:t>Edit Master text styles</a:t>
             </a:r>
           </a:p>
@@ -14890,7 +14494,7 @@
           <a:p>
             <a:pPr lvl="0"/>
             <a:r>
-              <a:rPr lang="en-US" smtClean="0"/>
+              <a:rPr lang="en-US"/>
               <a:t>Edit Master text styles</a:t>
             </a:r>
           </a:p>
@@ -14957,7 +14561,7 @@
           <a:p>
             <a:pPr lvl="0"/>
             <a:r>
-              <a:rPr lang="en-US" smtClean="0"/>
+              <a:rPr lang="en-US"/>
               <a:t>Edit Master text styles</a:t>
             </a:r>
           </a:p>
@@ -15083,7 +14687,7 @@
           </a:lstStyle>
           <a:p>
             <a:r>
-              <a:rPr lang="en-US" smtClean="0"/>
+              <a:rPr lang="en-US"/>
               <a:t>Click to edit Master title style</a:t>
             </a:r>
             <a:endParaRPr lang="en-US" dirty="0"/>
@@ -15158,7 +14762,7 @@
           <a:p>
             <a:pPr lvl="0"/>
             <a:r>
-              <a:rPr lang="en-US" smtClean="0"/>
+              <a:rPr lang="en-US"/>
               <a:t>Edit Master text styles</a:t>
             </a:r>
           </a:p>
@@ -15237,7 +14841,7 @@
           </a:lstStyle>
           <a:p>
             <a:r>
-              <a:rPr lang="en-US" smtClean="0"/>
+              <a:rPr lang="en-US"/>
               <a:t>Click icon to add picture</a:t>
             </a:r>
             <a:endParaRPr lang="en-US" dirty="0"/>
@@ -15305,7 +14909,7 @@
           <a:p>
             <a:pPr lvl="0"/>
             <a:r>
-              <a:rPr lang="en-US" smtClean="0"/>
+              <a:rPr lang="en-US"/>
               <a:t>Edit Master text styles</a:t>
             </a:r>
           </a:p>
@@ -15379,7 +14983,7 @@
           <a:p>
             <a:pPr lvl="0"/>
             <a:r>
-              <a:rPr lang="en-US" smtClean="0"/>
+              <a:rPr lang="en-US"/>
               <a:t>Edit Master text styles</a:t>
             </a:r>
           </a:p>
@@ -15458,7 +15062,7 @@
           </a:lstStyle>
           <a:p>
             <a:r>
-              <a:rPr lang="en-US" smtClean="0"/>
+              <a:rPr lang="en-US"/>
               <a:t>Click icon to add picture</a:t>
             </a:r>
             <a:endParaRPr lang="en-US" dirty="0"/>
@@ -15526,7 +15130,7 @@
           <a:p>
             <a:pPr lvl="0"/>
             <a:r>
-              <a:rPr lang="en-US" smtClean="0"/>
+              <a:rPr lang="en-US"/>
               <a:t>Edit Master text styles</a:t>
             </a:r>
           </a:p>
@@ -15600,7 +15204,7 @@
           <a:p>
             <a:pPr lvl="0"/>
             <a:r>
-              <a:rPr lang="en-US" smtClean="0"/>
+              <a:rPr lang="en-US"/>
               <a:t>Edit Master text styles</a:t>
             </a:r>
           </a:p>
@@ -15679,7 +15283,7 @@
           </a:lstStyle>
           <a:p>
             <a:r>
-              <a:rPr lang="en-US" smtClean="0"/>
+              <a:rPr lang="en-US"/>
               <a:t>Click icon to add picture</a:t>
             </a:r>
             <a:endParaRPr lang="en-US" dirty="0"/>
@@ -15747,7 +15351,7 @@
           <a:p>
             <a:pPr lvl="0"/>
             <a:r>
-              <a:rPr lang="en-US" smtClean="0"/>
+              <a:rPr lang="en-US"/>
               <a:t>Edit Master text styles</a:t>
             </a:r>
           </a:p>
@@ -15868,7 +15472,7 @@
           </a:lstStyle>
           <a:p>
             <a:r>
-              <a:rPr lang="en-US" smtClean="0"/>
+              <a:rPr lang="en-US"/>
               <a:t>Click to edit Master title style</a:t>
             </a:r>
             <a:endParaRPr lang="en-US" dirty="0"/>
@@ -15897,35 +15501,35 @@
           <a:p>
             <a:pPr lvl="0"/>
             <a:r>
-              <a:rPr lang="en-US" smtClean="0"/>
+              <a:rPr lang="en-US"/>
               <a:t>Edit Master text styles</a:t>
             </a:r>
           </a:p>
           <a:p>
             <a:pPr lvl="1"/>
             <a:r>
-              <a:rPr lang="en-US" smtClean="0"/>
+              <a:rPr lang="en-US"/>
               <a:t>Second level</a:t>
             </a:r>
           </a:p>
           <a:p>
             <a:pPr lvl="2"/>
             <a:r>
-              <a:rPr lang="en-US" smtClean="0"/>
+              <a:rPr lang="en-US"/>
               <a:t>Third level</a:t>
             </a:r>
           </a:p>
           <a:p>
             <a:pPr lvl="3"/>
             <a:r>
-              <a:rPr lang="en-US" smtClean="0"/>
+              <a:rPr lang="en-US"/>
               <a:t>Fourth level</a:t>
             </a:r>
           </a:p>
           <a:p>
             <a:pPr lvl="4"/>
             <a:r>
-              <a:rPr lang="en-US" smtClean="0"/>
+              <a:rPr lang="en-US"/>
               <a:t>Fifth level</a:t>
             </a:r>
             <a:endParaRPr lang="en-US" dirty="0"/>
@@ -16052,7 +15656,7 @@
           </a:lstStyle>
           <a:p>
             <a:r>
-              <a:rPr lang="en-US" smtClean="0"/>
+              <a:rPr lang="en-US"/>
               <a:t>Click to edit Master title style</a:t>
             </a:r>
             <a:endParaRPr lang="en-US" dirty="0"/>
@@ -16081,35 +15685,35 @@
           <a:p>
             <a:pPr lvl="0"/>
             <a:r>
-              <a:rPr lang="en-US" smtClean="0"/>
+              <a:rPr lang="en-US"/>
               <a:t>Edit Master text styles</a:t>
             </a:r>
           </a:p>
           <a:p>
             <a:pPr lvl="1"/>
             <a:r>
-              <a:rPr lang="en-US" smtClean="0"/>
+              <a:rPr lang="en-US"/>
               <a:t>Second level</a:t>
             </a:r>
           </a:p>
           <a:p>
             <a:pPr lvl="2"/>
             <a:r>
-              <a:rPr lang="en-US" smtClean="0"/>
+              <a:rPr lang="en-US"/>
               <a:t>Third level</a:t>
             </a:r>
           </a:p>
           <a:p>
             <a:pPr lvl="3"/>
             <a:r>
-              <a:rPr lang="en-US" smtClean="0"/>
+              <a:rPr lang="en-US"/>
               <a:t>Fourth level</a:t>
             </a:r>
           </a:p>
           <a:p>
             <a:pPr lvl="4"/>
             <a:r>
-              <a:rPr lang="en-US" smtClean="0"/>
+              <a:rPr lang="en-US"/>
               <a:t>Fifth level</a:t>
             </a:r>
             <a:endParaRPr lang="en-US" dirty="0"/>
@@ -16231,7 +15835,7 @@
           </a:lstStyle>
           <a:p>
             <a:r>
-              <a:rPr lang="en-US" smtClean="0"/>
+              <a:rPr lang="en-US"/>
               <a:t>Click to edit Master title style</a:t>
             </a:r>
             <a:endParaRPr lang="en-US" dirty="0"/>
@@ -16255,35 +15859,35 @@
           <a:p>
             <a:pPr lvl="0"/>
             <a:r>
-              <a:rPr lang="en-US" smtClean="0"/>
+              <a:rPr lang="en-US"/>
               <a:t>Edit Master text styles</a:t>
             </a:r>
           </a:p>
           <a:p>
             <a:pPr lvl="1"/>
             <a:r>
-              <a:rPr lang="en-US" smtClean="0"/>
+              <a:rPr lang="en-US"/>
               <a:t>Second level</a:t>
             </a:r>
           </a:p>
           <a:p>
             <a:pPr lvl="2"/>
             <a:r>
-              <a:rPr lang="en-US" smtClean="0"/>
+              <a:rPr lang="en-US"/>
               <a:t>Third level</a:t>
             </a:r>
           </a:p>
           <a:p>
             <a:pPr lvl="3"/>
             <a:r>
-              <a:rPr lang="en-US" smtClean="0"/>
+              <a:rPr lang="en-US"/>
               <a:t>Fourth level</a:t>
             </a:r>
           </a:p>
           <a:p>
             <a:pPr lvl="4"/>
             <a:r>
-              <a:rPr lang="en-US" smtClean="0"/>
+              <a:rPr lang="en-US"/>
               <a:t>Fifth level</a:t>
             </a:r>
             <a:endParaRPr lang="en-US" dirty="0"/>
@@ -16401,7 +16005,7 @@
           <a:lstStyle/>
           <a:p>
             <a:r>
-              <a:rPr lang="en-US" smtClean="0"/>
+              <a:rPr lang="en-US"/>
               <a:t>Click to edit Master title style</a:t>
             </a:r>
             <a:endParaRPr lang="en-US" dirty="0"/>
@@ -16430,35 +16034,35 @@
           <a:p>
             <a:pPr lvl="0"/>
             <a:r>
-              <a:rPr lang="en-US" smtClean="0"/>
+              <a:rPr lang="en-US"/>
               <a:t>Edit Master text styles</a:t>
             </a:r>
           </a:p>
           <a:p>
             <a:pPr lvl="1"/>
             <a:r>
-              <a:rPr lang="en-US" smtClean="0"/>
+              <a:rPr lang="en-US"/>
               <a:t>Second level</a:t>
             </a:r>
           </a:p>
           <a:p>
             <a:pPr lvl="2"/>
             <a:r>
-              <a:rPr lang="en-US" smtClean="0"/>
+              <a:rPr lang="en-US"/>
               <a:t>Third level</a:t>
             </a:r>
           </a:p>
           <a:p>
             <a:pPr lvl="3"/>
             <a:r>
-              <a:rPr lang="en-US" smtClean="0"/>
+              <a:rPr lang="en-US"/>
               <a:t>Fourth level</a:t>
             </a:r>
           </a:p>
           <a:p>
             <a:pPr lvl="4"/>
             <a:r>
-              <a:rPr lang="en-US" smtClean="0"/>
+              <a:rPr lang="en-US"/>
               <a:t>Fifth level</a:t>
             </a:r>
             <a:endParaRPr lang="en-US" dirty="0"/>
@@ -16587,7 +16191,7 @@
           </a:lstStyle>
           <a:p>
             <a:r>
-              <a:rPr lang="en-US" smtClean="0"/>
+              <a:rPr lang="en-US"/>
               <a:t>Click to edit Master title style</a:t>
             </a:r>
             <a:endParaRPr lang="en-US" dirty="0"/>
@@ -16709,7 +16313,7 @@
           <a:p>
             <a:pPr lvl="0"/>
             <a:r>
-              <a:rPr lang="en-US" smtClean="0"/>
+              <a:rPr lang="en-US"/>
               <a:t>Edit Master text styles</a:t>
             </a:r>
           </a:p>
@@ -16831,7 +16435,7 @@
           <a:lstStyle/>
           <a:p>
             <a:r>
-              <a:rPr lang="en-US" smtClean="0"/>
+              <a:rPr lang="en-US"/>
               <a:t>Click to edit Master title style</a:t>
             </a:r>
             <a:endParaRPr lang="en-US" dirty="0"/>
@@ -16860,35 +16464,35 @@
           <a:p>
             <a:pPr lvl="0"/>
             <a:r>
-              <a:rPr lang="en-US" smtClean="0"/>
+              <a:rPr lang="en-US"/>
               <a:t>Edit Master text styles</a:t>
             </a:r>
           </a:p>
           <a:p>
             <a:pPr lvl="1"/>
             <a:r>
-              <a:rPr lang="en-US" smtClean="0"/>
+              <a:rPr lang="en-US"/>
               <a:t>Second level</a:t>
             </a:r>
           </a:p>
           <a:p>
             <a:pPr lvl="2"/>
             <a:r>
-              <a:rPr lang="en-US" smtClean="0"/>
+              <a:rPr lang="en-US"/>
               <a:t>Third level</a:t>
             </a:r>
           </a:p>
           <a:p>
             <a:pPr lvl="3"/>
             <a:r>
-              <a:rPr lang="en-US" smtClean="0"/>
+              <a:rPr lang="en-US"/>
               <a:t>Fourth level</a:t>
             </a:r>
           </a:p>
           <a:p>
             <a:pPr lvl="4"/>
             <a:r>
-              <a:rPr lang="en-US" smtClean="0"/>
+              <a:rPr lang="en-US"/>
               <a:t>Fifth level</a:t>
             </a:r>
             <a:endParaRPr lang="en-US" dirty="0"/>
@@ -16917,35 +16521,35 @@
           <a:p>
             <a:pPr lvl="0"/>
             <a:r>
-              <a:rPr lang="en-US" smtClean="0"/>
+              <a:rPr lang="en-US"/>
               <a:t>Edit Master text styles</a:t>
             </a:r>
           </a:p>
           <a:p>
             <a:pPr lvl="1"/>
             <a:r>
-              <a:rPr lang="en-US" smtClean="0"/>
+              <a:rPr lang="en-US"/>
               <a:t>Second level</a:t>
             </a:r>
           </a:p>
           <a:p>
             <a:pPr lvl="2"/>
             <a:r>
-              <a:rPr lang="en-US" smtClean="0"/>
+              <a:rPr lang="en-US"/>
               <a:t>Third level</a:t>
             </a:r>
           </a:p>
           <a:p>
             <a:pPr lvl="3"/>
             <a:r>
-              <a:rPr lang="en-US" smtClean="0"/>
+              <a:rPr lang="en-US"/>
               <a:t>Fourth level</a:t>
             </a:r>
           </a:p>
           <a:p>
             <a:pPr lvl="4"/>
             <a:r>
-              <a:rPr lang="en-US" smtClean="0"/>
+              <a:rPr lang="en-US"/>
               <a:t>Fifth level</a:t>
             </a:r>
             <a:endParaRPr lang="en-US" dirty="0"/>
@@ -17068,7 +16672,7 @@
           <a:lstStyle/>
           <a:p>
             <a:r>
-              <a:rPr lang="en-US" smtClean="0"/>
+              <a:rPr lang="en-US"/>
               <a:t>Click to edit Master title style</a:t>
             </a:r>
             <a:endParaRPr lang="en-US" dirty="0"/>
@@ -17143,7 +16747,7 @@
           <a:p>
             <a:pPr lvl="0"/>
             <a:r>
-              <a:rPr lang="en-US" smtClean="0"/>
+              <a:rPr lang="en-US"/>
               <a:t>Edit Master text styles</a:t>
             </a:r>
           </a:p>
@@ -17171,35 +16775,35 @@
           <a:p>
             <a:pPr lvl="0"/>
             <a:r>
-              <a:rPr lang="en-US" smtClean="0"/>
+              <a:rPr lang="en-US"/>
               <a:t>Edit Master text styles</a:t>
             </a:r>
           </a:p>
           <a:p>
             <a:pPr lvl="1"/>
             <a:r>
-              <a:rPr lang="en-US" smtClean="0"/>
+              <a:rPr lang="en-US"/>
               <a:t>Second level</a:t>
             </a:r>
           </a:p>
           <a:p>
             <a:pPr lvl="2"/>
             <a:r>
-              <a:rPr lang="en-US" smtClean="0"/>
+              <a:rPr lang="en-US"/>
               <a:t>Third level</a:t>
             </a:r>
           </a:p>
           <a:p>
             <a:pPr lvl="3"/>
             <a:r>
-              <a:rPr lang="en-US" smtClean="0"/>
+              <a:rPr lang="en-US"/>
               <a:t>Fourth level</a:t>
             </a:r>
           </a:p>
           <a:p>
             <a:pPr lvl="4"/>
             <a:r>
-              <a:rPr lang="en-US" smtClean="0"/>
+              <a:rPr lang="en-US"/>
               <a:t>Fifth level</a:t>
             </a:r>
             <a:endParaRPr lang="en-US" dirty="0"/>
@@ -17274,7 +16878,7 @@
           <a:p>
             <a:pPr lvl="0"/>
             <a:r>
-              <a:rPr lang="en-US" smtClean="0"/>
+              <a:rPr lang="en-US"/>
               <a:t>Edit Master text styles</a:t>
             </a:r>
           </a:p>
@@ -17302,35 +16906,35 @@
           <a:p>
             <a:pPr lvl="0"/>
             <a:r>
-              <a:rPr lang="en-US" smtClean="0"/>
+              <a:rPr lang="en-US"/>
               <a:t>Edit Master text styles</a:t>
             </a:r>
           </a:p>
           <a:p>
             <a:pPr lvl="1"/>
             <a:r>
-              <a:rPr lang="en-US" smtClean="0"/>
+              <a:rPr lang="en-US"/>
               <a:t>Second level</a:t>
             </a:r>
           </a:p>
           <a:p>
             <a:pPr lvl="2"/>
             <a:r>
-              <a:rPr lang="en-US" smtClean="0"/>
+              <a:rPr lang="en-US"/>
               <a:t>Third level</a:t>
             </a:r>
           </a:p>
           <a:p>
             <a:pPr lvl="3"/>
             <a:r>
-              <a:rPr lang="en-US" smtClean="0"/>
+              <a:rPr lang="en-US"/>
               <a:t>Fourth level</a:t>
             </a:r>
           </a:p>
           <a:p>
             <a:pPr lvl="4"/>
             <a:r>
-              <a:rPr lang="en-US" smtClean="0"/>
+              <a:rPr lang="en-US"/>
               <a:t>Fifth level</a:t>
             </a:r>
             <a:endParaRPr lang="en-US" dirty="0"/>
@@ -17448,7 +17052,7 @@
           <a:lstStyle/>
           <a:p>
             <a:r>
-              <a:rPr lang="en-US" smtClean="0"/>
+              <a:rPr lang="en-US"/>
               <a:t>Click to edit Master title style</a:t>
             </a:r>
             <a:endParaRPr lang="en-US" dirty="0"/>
@@ -17672,7 +17276,7 @@
           </a:lstStyle>
           <a:p>
             <a:r>
-              <a:rPr lang="en-US" smtClean="0"/>
+              <a:rPr lang="en-US"/>
               <a:t>Click to edit Master title style</a:t>
             </a:r>
             <a:endParaRPr lang="en-US" dirty="0"/>
@@ -17701,35 +17305,35 @@
           <a:p>
             <a:pPr lvl="0"/>
             <a:r>
-              <a:rPr lang="en-US" smtClean="0"/>
+              <a:rPr lang="en-US"/>
               <a:t>Edit Master text styles</a:t>
             </a:r>
           </a:p>
           <a:p>
             <a:pPr lvl="1"/>
             <a:r>
-              <a:rPr lang="en-US" smtClean="0"/>
+              <a:rPr lang="en-US"/>
               <a:t>Second level</a:t>
             </a:r>
           </a:p>
           <a:p>
             <a:pPr lvl="2"/>
             <a:r>
-              <a:rPr lang="en-US" smtClean="0"/>
+              <a:rPr lang="en-US"/>
               <a:t>Third level</a:t>
             </a:r>
           </a:p>
           <a:p>
             <a:pPr lvl="3"/>
             <a:r>
-              <a:rPr lang="en-US" smtClean="0"/>
+              <a:rPr lang="en-US"/>
               <a:t>Fourth level</a:t>
             </a:r>
           </a:p>
           <a:p>
             <a:pPr lvl="4"/>
             <a:r>
-              <a:rPr lang="en-US" smtClean="0"/>
+              <a:rPr lang="en-US"/>
               <a:t>Fifth level</a:t>
             </a:r>
             <a:endParaRPr lang="en-US" dirty="0"/>
@@ -17797,7 +17401,7 @@
           <a:p>
             <a:pPr lvl="0"/>
             <a:r>
-              <a:rPr lang="en-US" smtClean="0"/>
+              <a:rPr lang="en-US"/>
               <a:t>Edit Master text styles</a:t>
             </a:r>
           </a:p>
@@ -17925,7 +17529,7 @@
           </a:lstStyle>
           <a:p>
             <a:r>
-              <a:rPr lang="en-US" smtClean="0"/>
+              <a:rPr lang="en-US"/>
               <a:t>Click to edit Master title style</a:t>
             </a:r>
             <a:endParaRPr lang="en-US" dirty="0"/>
@@ -17998,7 +17602,7 @@
           </a:lstStyle>
           <a:p>
             <a:r>
-              <a:rPr lang="en-US" smtClean="0"/>
+              <a:rPr lang="en-US"/>
               <a:t>Click icon to add picture</a:t>
             </a:r>
             <a:endParaRPr lang="en-US" dirty="0"/>
@@ -18066,7 +17670,7 @@
           <a:p>
             <a:pPr lvl="0"/>
             <a:r>
-              <a:rPr lang="en-US" smtClean="0"/>
+              <a:rPr lang="en-US"/>
               <a:t>Edit Master text styles</a:t>
             </a:r>
           </a:p>
@@ -18388,7 +17992,7 @@
           <a:lstStyle/>
           <a:p>
             <a:r>
-              <a:rPr lang="en-US" smtClean="0"/>
+              <a:rPr lang="en-US"/>
               <a:t>Click to edit Master title style</a:t>
             </a:r>
             <a:endParaRPr lang="en-US" dirty="0"/>
@@ -18422,35 +18026,35 @@
           <a:p>
             <a:pPr lvl="0"/>
             <a:r>
-              <a:rPr lang="en-US" smtClean="0"/>
+              <a:rPr lang="en-US"/>
               <a:t>Edit Master text styles</a:t>
             </a:r>
           </a:p>
           <a:p>
             <a:pPr lvl="1"/>
             <a:r>
-              <a:rPr lang="en-US" smtClean="0"/>
+              <a:rPr lang="en-US"/>
               <a:t>Second level</a:t>
             </a:r>
           </a:p>
           <a:p>
             <a:pPr lvl="2"/>
             <a:r>
-              <a:rPr lang="en-US" smtClean="0"/>
+              <a:rPr lang="en-US"/>
               <a:t>Third level</a:t>
             </a:r>
           </a:p>
           <a:p>
             <a:pPr lvl="3"/>
             <a:r>
-              <a:rPr lang="en-US" smtClean="0"/>
+              <a:rPr lang="en-US"/>
               <a:t>Fourth level</a:t>
             </a:r>
           </a:p>
           <a:p>
             <a:pPr lvl="4"/>
             <a:r>
-              <a:rPr lang="en-US" smtClean="0"/>
+              <a:rPr lang="en-US"/>
               <a:t>Fifth level</a:t>
             </a:r>
             <a:endParaRPr lang="en-US" dirty="0"/>
@@ -18973,18 +18577,13 @@
           <a:lstStyle/>
           <a:p>
             <a:r>
-              <a:rPr lang="en-US" dirty="0" smtClean="0">
+              <a:rPr lang="en-US" dirty="0">
                 <a:solidFill>
                   <a:schemeClr val="tx1"/>
                 </a:solidFill>
               </a:rPr>
               <a:t>Student Attendance Tracker</a:t>
             </a:r>
-            <a:endParaRPr lang="en-US" dirty="0">
-              <a:solidFill>
-                <a:schemeClr val="tx1"/>
-              </a:solidFill>
-            </a:endParaRPr>
           </a:p>
         </p:txBody>
       </p:sp>
@@ -19012,7 +18611,7 @@
           <a:p>
             <a:pPr algn="ctr"/>
             <a:r>
-              <a:rPr lang="en-US" sz="1600" dirty="0" smtClean="0">
+              <a:rPr lang="en-US" sz="1600" dirty="0">
                 <a:solidFill>
                   <a:schemeClr val="tx1"/>
                 </a:solidFill>
@@ -19024,7 +18623,7 @@
           <a:p>
             <a:pPr algn="ctr"/>
             <a:r>
-              <a:rPr lang="en-US" sz="1600" dirty="0" smtClean="0">
+              <a:rPr lang="en-US" sz="1600" dirty="0">
                 <a:solidFill>
                   <a:schemeClr val="tx1"/>
                 </a:solidFill>
@@ -19033,7 +18632,7 @@
               <a:t> Sirisha Vanamali, </a:t>
             </a:r>
             <a:r>
-              <a:rPr lang="en-US" sz="1600" dirty="0" err="1" smtClean="0">
+              <a:rPr lang="en-US" sz="1600" dirty="0" err="1">
                 <a:solidFill>
                   <a:schemeClr val="tx1"/>
                 </a:solidFill>
@@ -19042,7 +18641,7 @@
               <a:t>Vamsi</a:t>
             </a:r>
             <a:r>
-              <a:rPr lang="en-US" sz="1600" dirty="0" smtClean="0">
+              <a:rPr lang="en-US" sz="1600" dirty="0">
                 <a:solidFill>
                   <a:schemeClr val="tx1"/>
                 </a:solidFill>
@@ -19051,7 +18650,7 @@
               <a:t> </a:t>
             </a:r>
             <a:r>
-              <a:rPr lang="en-US" sz="1600" dirty="0" err="1" smtClean="0">
+              <a:rPr lang="en-US" sz="1600" dirty="0" err="1">
                 <a:solidFill>
                   <a:schemeClr val="tx1"/>
                 </a:solidFill>
@@ -19060,7 +18659,7 @@
               <a:t>Devalla</a:t>
             </a:r>
             <a:r>
-              <a:rPr lang="en-US" sz="1600" dirty="0" smtClean="0">
+              <a:rPr lang="en-US" sz="1600" dirty="0">
                 <a:solidFill>
                   <a:schemeClr val="tx1"/>
                 </a:solidFill>
@@ -19069,7 +18668,7 @@
               <a:t>, Rohith Babu Sadhu, </a:t>
             </a:r>
             <a:r>
-              <a:rPr lang="en-US" sz="1600" dirty="0" err="1" smtClean="0">
+              <a:rPr lang="en-US" sz="1600" dirty="0" err="1">
                 <a:solidFill>
                   <a:schemeClr val="tx1"/>
                 </a:solidFill>
@@ -19078,7 +18677,7 @@
               <a:t>Sairam</a:t>
             </a:r>
             <a:r>
-              <a:rPr lang="en-US" sz="1600" dirty="0" smtClean="0">
+              <a:rPr lang="en-US" sz="1600" dirty="0">
                 <a:solidFill>
                   <a:schemeClr val="tx1"/>
                 </a:solidFill>
@@ -19087,7 +18686,7 @@
               <a:t> </a:t>
             </a:r>
             <a:r>
-              <a:rPr lang="en-US" sz="1600" dirty="0" err="1" smtClean="0">
+              <a:rPr lang="en-US" sz="1600" dirty="0" err="1">
                 <a:solidFill>
                   <a:schemeClr val="tx1"/>
                 </a:solidFill>
@@ -19096,7 +18695,7 @@
               <a:t>Mamidala</a:t>
             </a:r>
             <a:r>
-              <a:rPr lang="en-US" sz="1600" dirty="0" smtClean="0">
+              <a:rPr lang="en-US" sz="1600" dirty="0">
                 <a:solidFill>
                   <a:schemeClr val="tx1"/>
                 </a:solidFill>
@@ -19105,7 +18704,7 @@
               <a:t>, </a:t>
             </a:r>
             <a:r>
-              <a:rPr lang="en-US" sz="1600" dirty="0" err="1" smtClean="0">
+              <a:rPr lang="en-US" sz="1600" dirty="0" err="1">
                 <a:solidFill>
                   <a:schemeClr val="tx1"/>
                 </a:solidFill>
@@ -19114,7 +18713,7 @@
               <a:t>Vipul</a:t>
             </a:r>
             <a:r>
-              <a:rPr lang="en-US" sz="1600" dirty="0" smtClean="0">
+              <a:rPr lang="en-US" sz="1600" dirty="0">
                 <a:solidFill>
                   <a:schemeClr val="tx1"/>
                 </a:solidFill>
@@ -19122,12 +18721,6 @@
               </a:rPr>
               <a:t> Reddy, Shankar Rao.</a:t>
             </a:r>
-            <a:endParaRPr lang="en-US" sz="1600" dirty="0">
-              <a:solidFill>
-                <a:schemeClr val="tx1"/>
-              </a:solidFill>
-              <a:latin typeface="Algerian" panose="04020705040A02060702" pitchFamily="82" charset="0"/>
-            </a:endParaRPr>
           </a:p>
         </p:txBody>
       </p:sp>
@@ -19153,13 +18746,6 @@
       </p:transition>
     </mc:Fallback>
   </mc:AlternateContent>
-  <p:timing>
-    <p:tnLst>
-      <p:par>
-        <p:cTn id="1" dur="indefinite" restart="never" nodeType="tmRoot"/>
-      </p:par>
-    </p:tnLst>
-  </p:timing>
 </p:sld>
 </file>
 
@@ -19190,76 +18776,218 @@
             <p:ph type="title"/>
           </p:nvPr>
         </p:nvSpPr>
-        <p:spPr/>
+        <p:spPr>
+          <a:xfrm>
+            <a:off x="685801" y="463731"/>
+            <a:ext cx="10396882" cy="1151965"/>
+          </a:xfrm>
+        </p:spPr>
         <p:txBody>
-          <a:bodyPr/>
+          <a:bodyPr>
+            <a:normAutofit fontScale="90000"/>
+          </a:bodyPr>
           <a:lstStyle/>
           <a:p>
             <a:r>
-              <a:rPr lang="en-US" dirty="0" smtClean="0">
+              <a:rPr lang="en-US" dirty="0">
                 <a:solidFill>
                   <a:schemeClr val="tx1"/>
                 </a:solidFill>
               </a:rPr>
-              <a:t>Change of planes</a:t>
-            </a:r>
-            <a:endParaRPr lang="en-US" dirty="0">
-              <a:solidFill>
-                <a:schemeClr val="tx1"/>
-              </a:solidFill>
-            </a:endParaRPr>
+              <a:t>Challenges Faced and How did we overcome?</a:t>
+            </a:r>
           </a:p>
         </p:txBody>
       </p:sp>
-      <p:graphicFrame>
-        <p:nvGraphicFramePr>
-          <p:cNvPr id="4" name="Content Placeholder 2" descr="Trapezoid list showing 4 groups arranged from left to right with task descriptions under each group"/>
-          <p:cNvGraphicFramePr>
-            <a:graphicFrameLocks/>
-          </p:cNvGraphicFramePr>
+      <p:sp>
+        <p:nvSpPr>
+          <p:cNvPr id="3" name="Content Placeholder 2"/>
+          <p:cNvSpPr>
+            <a:spLocks noGrp="1"/>
+          </p:cNvSpPr>
           <p:nvPr>
-            <p:extLst>
-              <p:ext uri="{D42A27DB-BD31-4B8C-83A1-F6EECF244321}">
-                <p14:modId xmlns:p14="http://schemas.microsoft.com/office/powerpoint/2010/main" val="4088322010"/>
-              </p:ext>
-            </p:extLst>
+            <p:ph sz="quarter" idx="13"/>
           </p:nvPr>
-        </p:nvGraphicFramePr>
-        <p:xfrm>
-          <a:off x="685801" y="1631853"/>
-          <a:ext cx="10793435" cy="4712676"/>
-        </p:xfrm>
-        <a:graphic>
-          <a:graphicData uri="http://schemas.openxmlformats.org/drawingml/2006/diagram">
-            <dgm:relIds xmlns:dgm="http://schemas.openxmlformats.org/drawingml/2006/diagram" xmlns:r="http://schemas.openxmlformats.org/officeDocument/2006/relationships" r:dm="rId2" r:lo="rId3" r:qs="rId4" r:cs="rId5"/>
-          </a:graphicData>
-        </a:graphic>
-      </p:graphicFrame>
+        </p:nvSpPr>
+        <p:spPr>
+          <a:xfrm>
+            <a:off x="685801" y="4950820"/>
+            <a:ext cx="10394707" cy="1776551"/>
+          </a:xfrm>
+        </p:spPr>
+        <p:txBody>
+          <a:bodyPr>
+            <a:noAutofit/>
+          </a:bodyPr>
+          <a:lstStyle/>
+          <a:p>
+            <a:r>
+              <a:rPr lang="en" sz="2200" dirty="0">
+                <a:latin typeface="Times New Roman" panose="02020603050405020304" pitchFamily="18" charset="0"/>
+                <a:cs typeface="Times New Roman" panose="02020603050405020304" pitchFamily="18" charset="0"/>
+              </a:rPr>
+              <a:t>Generation of the Unique QR code for each time</a:t>
+            </a:r>
+          </a:p>
+          <a:p>
+            <a:pPr lvl="1"/>
+            <a:r>
+              <a:rPr lang="en-US" sz="2000" dirty="0">
+                <a:latin typeface="Times New Roman" panose="02020603050405020304" pitchFamily="18" charset="0"/>
+                <a:cs typeface="Times New Roman" panose="02020603050405020304" pitchFamily="18" charset="0"/>
+              </a:rPr>
+              <a:t>Using the google API for generation of the QR code</a:t>
+            </a:r>
+          </a:p>
+          <a:p>
+            <a:r>
+              <a:rPr lang="en-US" sz="2200" dirty="0">
+                <a:latin typeface="Times New Roman" panose="02020603050405020304" pitchFamily="18" charset="0"/>
+                <a:cs typeface="Times New Roman" panose="02020603050405020304" pitchFamily="18" charset="0"/>
+              </a:rPr>
+              <a:t>Scanning the QR</a:t>
+            </a:r>
+          </a:p>
+          <a:p>
+            <a:pPr lvl="1"/>
+            <a:r>
+              <a:rPr lang="en-US" sz="2000" dirty="0">
+                <a:latin typeface="Times New Roman" panose="02020603050405020304" pitchFamily="18" charset="0"/>
+                <a:cs typeface="Times New Roman" panose="02020603050405020304" pitchFamily="18" charset="0"/>
+              </a:rPr>
+              <a:t>Using the google API</a:t>
+            </a:r>
+          </a:p>
+          <a:p>
+            <a:r>
+              <a:rPr lang="en-US" sz="2200" dirty="0">
+                <a:latin typeface="Times New Roman" panose="02020603050405020304" pitchFamily="18" charset="0"/>
+                <a:cs typeface="Times New Roman" panose="02020603050405020304" pitchFamily="18" charset="0"/>
+              </a:rPr>
+              <a:t>Managing a team of seven members</a:t>
+            </a:r>
+          </a:p>
+          <a:p>
+            <a:pPr lvl="1"/>
+            <a:r>
+              <a:rPr lang="en-US" sz="2000" dirty="0">
+                <a:latin typeface="Times New Roman" panose="02020603050405020304" pitchFamily="18" charset="0"/>
+                <a:cs typeface="Times New Roman" panose="02020603050405020304" pitchFamily="18" charset="0"/>
+              </a:rPr>
+              <a:t>Following the iteration plan and pushing the working code end of every week</a:t>
+            </a:r>
+          </a:p>
+          <a:p>
+            <a:pPr lvl="1"/>
+            <a:r>
+              <a:rPr lang="en-US" sz="2000" dirty="0">
+                <a:latin typeface="Times New Roman" panose="02020603050405020304" pitchFamily="18" charset="0"/>
+                <a:cs typeface="Times New Roman" panose="02020603050405020304" pitchFamily="18" charset="0"/>
+              </a:rPr>
+              <a:t>Honesty among team members in expressing the difficulties and issues.</a:t>
+            </a:r>
+          </a:p>
+          <a:p>
+            <a:endParaRPr lang="en-US" sz="2200" dirty="0">
+              <a:latin typeface="Times New Roman" panose="02020603050405020304" pitchFamily="18" charset="0"/>
+              <a:cs typeface="Times New Roman" panose="02020603050405020304" pitchFamily="18" charset="0"/>
+            </a:endParaRPr>
+          </a:p>
+          <a:p>
+            <a:endParaRPr lang="en-US" sz="2200" dirty="0">
+              <a:latin typeface="Times New Roman" panose="02020603050405020304" pitchFamily="18" charset="0"/>
+              <a:cs typeface="Times New Roman" panose="02020603050405020304" pitchFamily="18" charset="0"/>
+            </a:endParaRPr>
+          </a:p>
+          <a:p>
+            <a:endParaRPr lang="en-US" sz="2200" dirty="0">
+              <a:latin typeface="Times New Roman" panose="02020603050405020304" pitchFamily="18" charset="0"/>
+              <a:cs typeface="Times New Roman" panose="02020603050405020304" pitchFamily="18" charset="0"/>
+            </a:endParaRPr>
+          </a:p>
+          <a:p>
+            <a:endParaRPr lang="en-US" sz="2200" dirty="0">
+              <a:latin typeface="Times New Roman" panose="02020603050405020304" pitchFamily="18" charset="0"/>
+              <a:cs typeface="Times New Roman" panose="02020603050405020304" pitchFamily="18" charset="0"/>
+            </a:endParaRPr>
+          </a:p>
+          <a:p>
+            <a:endParaRPr lang="en-US" sz="2200" dirty="0">
+              <a:latin typeface="Times New Roman" panose="02020603050405020304" pitchFamily="18" charset="0"/>
+              <a:cs typeface="Times New Roman" panose="02020603050405020304" pitchFamily="18" charset="0"/>
+            </a:endParaRPr>
+          </a:p>
+          <a:p>
+            <a:endParaRPr lang="en-US" sz="2200" dirty="0">
+              <a:latin typeface="Times New Roman" panose="02020603050405020304" pitchFamily="18" charset="0"/>
+              <a:cs typeface="Times New Roman" panose="02020603050405020304" pitchFamily="18" charset="0"/>
+            </a:endParaRPr>
+          </a:p>
+          <a:p>
+            <a:endParaRPr lang="en-US" sz="2200" dirty="0">
+              <a:latin typeface="Times New Roman" panose="02020603050405020304" pitchFamily="18" charset="0"/>
+              <a:cs typeface="Times New Roman" panose="02020603050405020304" pitchFamily="18" charset="0"/>
+            </a:endParaRPr>
+          </a:p>
+          <a:p>
+            <a:endParaRPr lang="en-US" sz="2200" dirty="0">
+              <a:latin typeface="Times New Roman" panose="02020603050405020304" pitchFamily="18" charset="0"/>
+              <a:cs typeface="Times New Roman" panose="02020603050405020304" pitchFamily="18" charset="0"/>
+            </a:endParaRPr>
+          </a:p>
+        </p:txBody>
+      </p:sp>
+      <p:pic>
+        <p:nvPicPr>
+          <p:cNvPr id="1028" name="Picture 4" descr="Image result for how"/>
+          <p:cNvPicPr>
+            <a:picLocks noChangeAspect="1" noChangeArrowheads="1"/>
+          </p:cNvPicPr>
+          <p:nvPr/>
+        </p:nvPicPr>
+        <p:blipFill>
+          <a:blip r:embed="rId2" cstate="print">
+            <a:extLst>
+              <a:ext uri="{28A0092B-C50C-407E-A947-70E740481C1C}">
+                <a14:useLocalDpi xmlns:a14="http://schemas.microsoft.com/office/drawing/2010/main" val="0"/>
+              </a:ext>
+            </a:extLst>
+          </a:blip>
+          <a:srcRect/>
+          <a:stretch>
+            <a:fillRect/>
+          </a:stretch>
+        </p:blipFill>
+        <p:spPr bwMode="auto">
+          <a:xfrm>
+            <a:off x="9888968" y="685799"/>
+            <a:ext cx="1282979" cy="1282979"/>
+          </a:xfrm>
+          <a:prstGeom prst="rect">
+            <a:avLst/>
+          </a:prstGeom>
+          <a:noFill/>
+          <a:extLst>
+            <a:ext uri="{909E8E84-426E-40DD-AFC4-6F175D3DCCD1}">
+              <a14:hiddenFill xmlns:a14="http://schemas.microsoft.com/office/drawing/2010/main">
+                <a:solidFill>
+                  <a:srgbClr val="FFFFFF"/>
+                </a:solidFill>
+              </a14:hiddenFill>
+            </a:ext>
+          </a:extLst>
+        </p:spPr>
+      </p:pic>
     </p:spTree>
     <p:extLst>
       <p:ext uri="{BB962C8B-B14F-4D97-AF65-F5344CB8AC3E}">
-        <p14:creationId xmlns:p14="http://schemas.microsoft.com/office/powerpoint/2010/main" val="1257842789"/>
+        <p14:creationId xmlns:p14="http://schemas.microsoft.com/office/powerpoint/2010/main" val="236189111"/>
       </p:ext>
     </p:extLst>
   </p:cSld>
   <p:clrMapOvr>
     <a:masterClrMapping/>
   </p:clrMapOvr>
-  <mc:AlternateContent xmlns:mc="http://schemas.openxmlformats.org/markup-compatibility/2006" xmlns:p14="http://schemas.microsoft.com/office/powerpoint/2010/main">
-    <mc:Choice Requires="p14">
-      <p:transition spd="slow" p14:dur="2000"/>
-    </mc:Choice>
-    <mc:Fallback xmlns="">
-      <p:transition spd="slow"/>
-    </mc:Fallback>
-  </mc:AlternateContent>
-  <p:timing>
-    <p:tnLst>
-      <p:par>
-        <p:cTn id="1" dur="indefinite" restart="never" nodeType="tmRoot"/>
-      </p:par>
-    </p:tnLst>
-  </p:timing>
 </p:sld>
 </file>
 
@@ -19296,24 +19024,215 @@
           <a:lstStyle/>
           <a:p>
             <a:r>
-              <a:rPr lang="en-US" dirty="0" smtClean="0">
+              <a:rPr lang="en-US" dirty="0">
+                <a:solidFill>
+                  <a:schemeClr val="tx1"/>
+                </a:solidFill>
+              </a:rPr>
+              <a:t>Iteration Plan</a:t>
+            </a:r>
+          </a:p>
+        </p:txBody>
+      </p:sp>
+      <p:graphicFrame>
+        <p:nvGraphicFramePr>
+          <p:cNvPr id="5" name="Content Placeholder 2" descr="Trapezoid list showing 4 groups arranged from left to right with task descriptions under each group">
+            <a:extLst>
+              <a:ext uri="{FF2B5EF4-FFF2-40B4-BE49-F238E27FC236}">
+                <a16:creationId xmlns:a16="http://schemas.microsoft.com/office/drawing/2014/main" id="{CF8AF4A7-B64F-4BE7-917D-2AD080D8964D}"/>
+              </a:ext>
+            </a:extLst>
+          </p:cNvPr>
+          <p:cNvGraphicFramePr>
+            <a:graphicFrameLocks noGrp="1"/>
+          </p:cNvGraphicFramePr>
+          <p:nvPr>
+            <p:ph idx="1"/>
+            <p:extLst>
+              <p:ext uri="{D42A27DB-BD31-4B8C-83A1-F6EECF244321}">
+                <p14:modId xmlns:p14="http://schemas.microsoft.com/office/powerpoint/2010/main" val="3915494264"/>
+              </p:ext>
+            </p:extLst>
+          </p:nvPr>
+        </p:nvGraphicFramePr>
+        <p:xfrm>
+          <a:off x="685800" y="2063750"/>
+          <a:ext cx="10396538" cy="3311525"/>
+        </p:xfrm>
+        <a:graphic>
+          <a:graphicData uri="http://schemas.openxmlformats.org/drawingml/2006/diagram">
+            <dgm:relIds xmlns:dgm="http://schemas.openxmlformats.org/drawingml/2006/diagram" xmlns:r="http://schemas.openxmlformats.org/officeDocument/2006/relationships" r:dm="rId2" r:lo="rId3" r:qs="rId4" r:cs="rId5"/>
+          </a:graphicData>
+        </a:graphic>
+      </p:graphicFrame>
+    </p:spTree>
+    <p:extLst>
+      <p:ext uri="{BB962C8B-B14F-4D97-AF65-F5344CB8AC3E}">
+        <p14:creationId xmlns:p14="http://schemas.microsoft.com/office/powerpoint/2010/main" val="289517682"/>
+      </p:ext>
+    </p:extLst>
+  </p:cSld>
+  <p:clrMapOvr>
+    <a:masterClrMapping/>
+  </p:clrMapOvr>
+  <mc:AlternateContent xmlns:mc="http://schemas.openxmlformats.org/markup-compatibility/2006" xmlns:p14="http://schemas.microsoft.com/office/powerpoint/2010/main">
+    <mc:Choice Requires="p14">
+      <p:transition spd="med" p14:dur="700">
+        <p:fade/>
+      </p:transition>
+    </mc:Choice>
+    <mc:Fallback xmlns="">
+      <p:transition spd="med">
+        <p:fade/>
+      </p:transition>
+    </mc:Fallback>
+  </mc:AlternateContent>
+</p:sld>
+</file>
+
+<file path=ppt/slides/slide12.xml><?xml version="1.0" encoding="utf-8"?>
+<p:sld xmlns:a="http://schemas.openxmlformats.org/drawingml/2006/main" xmlns:r="http://schemas.openxmlformats.org/officeDocument/2006/relationships" xmlns:p="http://schemas.openxmlformats.org/presentationml/2006/main">
+  <p:cSld>
+    <p:spTree>
+      <p:nvGrpSpPr>
+        <p:cNvPr id="1" name=""/>
+        <p:cNvGrpSpPr/>
+        <p:nvPr/>
+      </p:nvGrpSpPr>
+      <p:grpSpPr>
+        <a:xfrm>
+          <a:off x="0" y="0"/>
+          <a:ext cx="0" cy="0"/>
+          <a:chOff x="0" y="0"/>
+          <a:chExt cx="0" cy="0"/>
+        </a:xfrm>
+      </p:grpSpPr>
+      <p:sp>
+        <p:nvSpPr>
+          <p:cNvPr id="2" name="Title 1"/>
+          <p:cNvSpPr>
+            <a:spLocks noGrp="1"/>
+          </p:cNvSpPr>
+          <p:nvPr>
+            <p:ph type="title"/>
+          </p:nvPr>
+        </p:nvSpPr>
+        <p:spPr/>
+        <p:txBody>
+          <a:bodyPr/>
+          <a:lstStyle/>
+          <a:p>
+            <a:r>
+              <a:rPr lang="en-US" dirty="0">
+                <a:solidFill>
+                  <a:schemeClr val="tx1"/>
+                </a:solidFill>
+              </a:rPr>
+              <a:t>Change of planes</a:t>
+            </a:r>
+          </a:p>
+        </p:txBody>
+      </p:sp>
+      <p:graphicFrame>
+        <p:nvGraphicFramePr>
+          <p:cNvPr id="5" name="Content Placeholder 2" descr="Trapezoid list showing 4 groups arranged from left to right with task descriptions under each group">
+            <a:extLst>
+              <a:ext uri="{FF2B5EF4-FFF2-40B4-BE49-F238E27FC236}">
+                <a16:creationId xmlns:a16="http://schemas.microsoft.com/office/drawing/2014/main" id="{6CEE6BBC-A24E-416D-BE81-A5FF5E449618}"/>
+              </a:ext>
+            </a:extLst>
+          </p:cNvPr>
+          <p:cNvGraphicFramePr>
+            <a:graphicFrameLocks/>
+          </p:cNvGraphicFramePr>
+          <p:nvPr>
+            <p:extLst>
+              <p:ext uri="{D42A27DB-BD31-4B8C-83A1-F6EECF244321}">
+                <p14:modId xmlns:p14="http://schemas.microsoft.com/office/powerpoint/2010/main" val="4133624551"/>
+              </p:ext>
+            </p:extLst>
+          </p:nvPr>
+        </p:nvGraphicFramePr>
+        <p:xfrm>
+          <a:off x="685801" y="1631853"/>
+          <a:ext cx="10793435" cy="4712676"/>
+        </p:xfrm>
+        <a:graphic>
+          <a:graphicData uri="http://schemas.openxmlformats.org/drawingml/2006/diagram">
+            <dgm:relIds xmlns:dgm="http://schemas.openxmlformats.org/drawingml/2006/diagram" xmlns:r="http://schemas.openxmlformats.org/officeDocument/2006/relationships" r:dm="rId2" r:lo="rId3" r:qs="rId4" r:cs="rId5"/>
+          </a:graphicData>
+        </a:graphic>
+      </p:graphicFrame>
+    </p:spTree>
+    <p:extLst>
+      <p:ext uri="{BB962C8B-B14F-4D97-AF65-F5344CB8AC3E}">
+        <p14:creationId xmlns:p14="http://schemas.microsoft.com/office/powerpoint/2010/main" val="1257842789"/>
+      </p:ext>
+    </p:extLst>
+  </p:cSld>
+  <p:clrMapOvr>
+    <a:masterClrMapping/>
+  </p:clrMapOvr>
+</p:sld>
+</file>
+
+<file path=ppt/slides/slide13.xml><?xml version="1.0" encoding="utf-8"?>
+<p:sld xmlns:a="http://schemas.openxmlformats.org/drawingml/2006/main" xmlns:r="http://schemas.openxmlformats.org/officeDocument/2006/relationships" xmlns:p="http://schemas.openxmlformats.org/presentationml/2006/main">
+  <p:cSld>
+    <p:spTree>
+      <p:nvGrpSpPr>
+        <p:cNvPr id="1" name=""/>
+        <p:cNvGrpSpPr/>
+        <p:nvPr/>
+      </p:nvGrpSpPr>
+      <p:grpSpPr>
+        <a:xfrm>
+          <a:off x="0" y="0"/>
+          <a:ext cx="0" cy="0"/>
+          <a:chOff x="0" y="0"/>
+          <a:chExt cx="0" cy="0"/>
+        </a:xfrm>
+      </p:grpSpPr>
+      <p:sp>
+        <p:nvSpPr>
+          <p:cNvPr id="2" name="Title 1"/>
+          <p:cNvSpPr>
+            <a:spLocks noGrp="1"/>
+          </p:cNvSpPr>
+          <p:nvPr>
+            <p:ph type="title"/>
+          </p:nvPr>
+        </p:nvSpPr>
+        <p:spPr>
+          <a:xfrm>
+            <a:off x="672738" y="267789"/>
+            <a:ext cx="10396882" cy="1151965"/>
+          </a:xfrm>
+        </p:spPr>
+        <p:txBody>
+          <a:bodyPr/>
+          <a:lstStyle/>
+          <a:p>
+            <a:r>
+              <a:rPr lang="en-US" dirty="0">
                 <a:solidFill>
                   <a:schemeClr val="tx1"/>
                 </a:solidFill>
               </a:rPr>
               <a:t>Testing Strategy</a:t>
             </a:r>
-            <a:endParaRPr lang="en-US" dirty="0">
-              <a:solidFill>
-                <a:schemeClr val="tx1"/>
-              </a:solidFill>
-            </a:endParaRPr>
           </a:p>
         </p:txBody>
       </p:sp>
       <p:sp>
         <p:nvSpPr>
-          <p:cNvPr id="4" name="Content Placeholder 6"/>
+          <p:cNvPr id="6" name="Content Placeholder 6">
+            <a:extLst>
+              <a:ext uri="{FF2B5EF4-FFF2-40B4-BE49-F238E27FC236}">
+                <a16:creationId xmlns:a16="http://schemas.microsoft.com/office/drawing/2014/main" id="{27C5BFEE-61FB-4548-B135-A02F604724C6}"/>
+              </a:ext>
+            </a:extLst>
+          </p:cNvPr>
           <p:cNvSpPr txBox="1">
             <a:spLocks/>
           </p:cNvSpPr>
@@ -19321,8 +19240,8 @@
         </p:nvSpPr>
         <p:spPr>
           <a:xfrm>
-            <a:off x="685802" y="1837765"/>
-            <a:ext cx="6671602" cy="6040143"/>
+            <a:off x="685802" y="1837766"/>
+            <a:ext cx="6671602" cy="3577614"/>
           </a:xfrm>
           <a:prstGeom prst="rect">
             <a:avLst/>
@@ -19571,12 +19490,18 @@
       </p:sp>
       <p:graphicFrame>
         <p:nvGraphicFramePr>
-          <p:cNvPr id="5" name="Diagram 4"/>
+          <p:cNvPr id="7" name="Diagram 6">
+            <a:extLst>
+              <a:ext uri="{FF2B5EF4-FFF2-40B4-BE49-F238E27FC236}">
+                <a16:creationId xmlns:a16="http://schemas.microsoft.com/office/drawing/2014/main" id="{75854B55-673F-429B-AC70-47ED0754CDC7}"/>
+              </a:ext>
+            </a:extLst>
+          </p:cNvPr>
           <p:cNvGraphicFramePr/>
           <p:nvPr>
             <p:extLst>
               <p:ext uri="{D42A27DB-BD31-4B8C-83A1-F6EECF244321}">
-                <p14:modId xmlns:p14="http://schemas.microsoft.com/office/powerpoint/2010/main" val="3259690603"/>
+                <p14:modId xmlns:p14="http://schemas.microsoft.com/office/powerpoint/2010/main" val="2858230340"/>
               </p:ext>
             </p:extLst>
           </p:nvPr>
@@ -19601,17 +19526,10 @@
   <p:clrMapOvr>
     <a:masterClrMapping/>
   </p:clrMapOvr>
-  <p:timing>
-    <p:tnLst>
-      <p:par>
-        <p:cTn id="1" dur="indefinite" restart="never" nodeType="tmRoot"/>
-      </p:par>
-    </p:tnLst>
-  </p:timing>
 </p:sld>
 </file>
 
-<file path=ppt/slides/slide12.xml><?xml version="1.0" encoding="utf-8"?>
+<file path=ppt/slides/slide14.xml><?xml version="1.0" encoding="utf-8"?>
 <p:sld xmlns:a="http://schemas.openxmlformats.org/drawingml/2006/main" xmlns:r="http://schemas.openxmlformats.org/officeDocument/2006/relationships" xmlns:p="http://schemas.openxmlformats.org/presentationml/2006/main">
   <p:cSld>
     <p:spTree>
@@ -19649,19 +19567,7 @@
                   <a:schemeClr val="tx1"/>
                 </a:solidFill>
               </a:rPr>
-              <a:t>Bugs</a:t>
-            </a:r>
-            <a:r>
-              <a:rPr lang="en-US" dirty="0" smtClean="0"/>
-              <a:t> </a:t>
-            </a:r>
-            <a:r>
-              <a:rPr lang="en-US" dirty="0">
-                <a:solidFill>
-                  <a:schemeClr val="tx1"/>
-                </a:solidFill>
-              </a:rPr>
-              <a:t>Identified</a:t>
+              <a:t>Testing techniques</a:t>
             </a:r>
           </a:p>
         </p:txBody>
@@ -19678,58 +19584,89 @@
         </p:nvSpPr>
         <p:spPr/>
         <p:txBody>
-          <a:bodyPr/>
+          <a:bodyPr>
+            <a:normAutofit/>
+          </a:bodyPr>
           <a:lstStyle/>
           <a:p>
             <a:r>
-              <a:rPr lang="en-US" dirty="0" smtClean="0"/>
-              <a:t>Database changes can be made by the developer only.</a:t>
-            </a:r>
-          </a:p>
-          <a:p>
-            <a:r>
-              <a:rPr lang="en-US" dirty="0" smtClean="0"/>
-              <a:t>Constant qr. QR code doesn’t change when we go through history page yet again.</a:t>
-            </a:r>
-          </a:p>
-          <a:p>
-            <a:r>
-              <a:rPr lang="en-US" dirty="0" smtClean="0"/>
-              <a:t>Validations in place to avoid erroneous data input.</a:t>
-            </a:r>
-          </a:p>
-          <a:p>
-            <a:pPr marL="0" indent="0">
-              <a:buNone/>
-            </a:pPr>
-            <a:endParaRPr lang="en-US" dirty="0" smtClean="0"/>
-          </a:p>
-          <a:p>
-            <a:endParaRPr lang="en-US" dirty="0"/>
+              <a:rPr lang="en-US" sz="2200" dirty="0">
+                <a:latin typeface="Times New Roman" panose="02020603050405020304" pitchFamily="18" charset="0"/>
+                <a:cs typeface="Times New Roman" panose="02020603050405020304" pitchFamily="18" charset="0"/>
+              </a:rPr>
+              <a:t>Manual testing</a:t>
+            </a:r>
+          </a:p>
+          <a:p>
+            <a:pPr lvl="1"/>
+            <a:r>
+              <a:rPr lang="en-US" sz="2200" dirty="0">
+                <a:latin typeface="Times New Roman" panose="02020603050405020304" pitchFamily="18" charset="0"/>
+                <a:cs typeface="Times New Roman" panose="02020603050405020304" pitchFamily="18" charset="0"/>
+              </a:rPr>
+              <a:t>Testing the functionalities of the application</a:t>
+            </a:r>
+          </a:p>
+          <a:p>
+            <a:r>
+              <a:rPr lang="en-US" sz="2200" dirty="0">
+                <a:latin typeface="Times New Roman" panose="02020603050405020304" pitchFamily="18" charset="0"/>
+                <a:cs typeface="Times New Roman" panose="02020603050405020304" pitchFamily="18" charset="0"/>
+              </a:rPr>
+              <a:t>Unit testing </a:t>
+            </a:r>
+          </a:p>
+          <a:p>
+            <a:pPr lvl="1"/>
+            <a:r>
+              <a:rPr lang="en-US" sz="2200" dirty="0">
+                <a:latin typeface="Times New Roman" panose="02020603050405020304" pitchFamily="18" charset="0"/>
+                <a:cs typeface="Times New Roman" panose="02020603050405020304" pitchFamily="18" charset="0"/>
+              </a:rPr>
+              <a:t>Testing each and every method of the application</a:t>
+            </a:r>
+          </a:p>
+          <a:p>
+            <a:r>
+              <a:rPr lang="en-US" sz="2200" dirty="0">
+                <a:latin typeface="Times New Roman" panose="02020603050405020304" pitchFamily="18" charset="0"/>
+                <a:cs typeface="Times New Roman" panose="02020603050405020304" pitchFamily="18" charset="0"/>
+              </a:rPr>
+              <a:t>W3c tool</a:t>
+            </a:r>
+          </a:p>
+          <a:p>
+            <a:pPr lvl="1"/>
+            <a:r>
+              <a:rPr lang="en-US" sz="2200" dirty="0">
+                <a:latin typeface="Times New Roman" panose="02020603050405020304" pitchFamily="18" charset="0"/>
+                <a:cs typeface="Times New Roman" panose="02020603050405020304" pitchFamily="18" charset="0"/>
+              </a:rPr>
+              <a:t>for validating the input fields</a:t>
+            </a:r>
+          </a:p>
+          <a:p>
+            <a:endParaRPr lang="en-US" sz="2200" dirty="0">
+              <a:latin typeface="Times New Roman" panose="02020603050405020304" pitchFamily="18" charset="0"/>
+              <a:cs typeface="Times New Roman" panose="02020603050405020304" pitchFamily="18" charset="0"/>
+            </a:endParaRPr>
           </a:p>
         </p:txBody>
       </p:sp>
     </p:spTree>
     <p:extLst>
       <p:ext uri="{BB962C8B-B14F-4D97-AF65-F5344CB8AC3E}">
-        <p14:creationId xmlns:p14="http://schemas.microsoft.com/office/powerpoint/2010/main" val="2481008713"/>
+        <p14:creationId xmlns:p14="http://schemas.microsoft.com/office/powerpoint/2010/main" val="2279760112"/>
       </p:ext>
     </p:extLst>
   </p:cSld>
   <p:clrMapOvr>
     <a:masterClrMapping/>
   </p:clrMapOvr>
-  <p:timing>
-    <p:tnLst>
-      <p:par>
-        <p:cTn id="1" dur="indefinite" restart="never" nodeType="tmRoot"/>
-      </p:par>
-    </p:tnLst>
-  </p:timing>
 </p:sld>
 </file>
 
-<file path=ppt/slides/slide13.xml><?xml version="1.0" encoding="utf-8"?>
+<file path=ppt/slides/slide15.xml><?xml version="1.0" encoding="utf-8"?>
 <p:sld xmlns:a="http://schemas.openxmlformats.org/drawingml/2006/main" xmlns:r="http://schemas.openxmlformats.org/officeDocument/2006/relationships" xmlns:p="http://schemas.openxmlformats.org/presentationml/2006/main">
   <p:cSld>
     <p:spTree>
@@ -19767,7 +19704,19 @@
                   <a:schemeClr val="tx1"/>
                 </a:solidFill>
               </a:rPr>
-              <a:t>Status</a:t>
+              <a:t>Bugs</a:t>
+            </a:r>
+            <a:r>
+              <a:rPr lang="en-US" dirty="0"/>
+              <a:t> </a:t>
+            </a:r>
+            <a:r>
+              <a:rPr lang="en-US" dirty="0">
+                <a:solidFill>
+                  <a:schemeClr val="tx1"/>
+                </a:solidFill>
+              </a:rPr>
+              <a:t>Identified</a:t>
             </a:r>
           </a:p>
         </p:txBody>
@@ -19784,35 +19733,308 @@
         </p:nvSpPr>
         <p:spPr/>
         <p:txBody>
+          <a:bodyPr>
+            <a:normAutofit/>
+          </a:bodyPr>
+          <a:lstStyle/>
+          <a:p>
+            <a:r>
+              <a:rPr lang="en-US" sz="2400" dirty="0">
+                <a:latin typeface="Times New Roman" panose="02020603050405020304" pitchFamily="18" charset="0"/>
+                <a:cs typeface="Times New Roman" panose="02020603050405020304" pitchFamily="18" charset="0"/>
+              </a:rPr>
+              <a:t>Database changes can be made by the developer only</a:t>
+            </a:r>
+          </a:p>
+          <a:p>
+            <a:r>
+              <a:rPr lang="en-US" sz="2400" dirty="0">
+                <a:latin typeface="Times New Roman" panose="02020603050405020304" pitchFamily="18" charset="0"/>
+                <a:cs typeface="Times New Roman" panose="02020603050405020304" pitchFamily="18" charset="0"/>
+              </a:rPr>
+              <a:t>Constant qr. QR code doesn’t change when we go through history page yet again</a:t>
+            </a:r>
+          </a:p>
+          <a:p>
+            <a:r>
+              <a:rPr lang="en-US" sz="2400" dirty="0">
+                <a:latin typeface="Times New Roman" panose="02020603050405020304" pitchFamily="18" charset="0"/>
+                <a:cs typeface="Times New Roman" panose="02020603050405020304" pitchFamily="18" charset="0"/>
+              </a:rPr>
+              <a:t>Validations in place to avoid erroneous data input</a:t>
+            </a:r>
+          </a:p>
+          <a:p>
+            <a:r>
+              <a:rPr lang="en-US" sz="2400" dirty="0">
+                <a:latin typeface="Times New Roman" panose="02020603050405020304" pitchFamily="18" charset="0"/>
+                <a:cs typeface="Times New Roman" panose="02020603050405020304" pitchFamily="18" charset="0"/>
+              </a:rPr>
+              <a:t>Persistent Login for the </a:t>
+            </a:r>
+            <a:r>
+              <a:rPr lang="en-US" sz="2400" dirty="0" err="1">
+                <a:latin typeface="Times New Roman" panose="02020603050405020304" pitchFamily="18" charset="0"/>
+                <a:cs typeface="Times New Roman" panose="02020603050405020304" pitchFamily="18" charset="0"/>
+              </a:rPr>
+              <a:t>Ios</a:t>
+            </a:r>
+            <a:r>
+              <a:rPr lang="en-US" sz="2400" dirty="0">
+                <a:latin typeface="Times New Roman" panose="02020603050405020304" pitchFamily="18" charset="0"/>
+                <a:cs typeface="Times New Roman" panose="02020603050405020304" pitchFamily="18" charset="0"/>
+              </a:rPr>
+              <a:t> application</a:t>
+            </a:r>
+          </a:p>
+          <a:p>
+            <a:pPr marL="0" indent="0">
+              <a:buNone/>
+            </a:pPr>
+            <a:endParaRPr lang="en-US" sz="2400" dirty="0"/>
+          </a:p>
+          <a:p>
+            <a:endParaRPr lang="en-US" sz="2400" dirty="0"/>
+          </a:p>
+        </p:txBody>
+      </p:sp>
+    </p:spTree>
+    <p:extLst>
+      <p:ext uri="{BB962C8B-B14F-4D97-AF65-F5344CB8AC3E}">
+        <p14:creationId xmlns:p14="http://schemas.microsoft.com/office/powerpoint/2010/main" val="2481008713"/>
+      </p:ext>
+    </p:extLst>
+  </p:cSld>
+  <p:clrMapOvr>
+    <a:masterClrMapping/>
+  </p:clrMapOvr>
+</p:sld>
+</file>
+
+<file path=ppt/slides/slide16.xml><?xml version="1.0" encoding="utf-8"?>
+<p:sld xmlns:a="http://schemas.openxmlformats.org/drawingml/2006/main" xmlns:r="http://schemas.openxmlformats.org/officeDocument/2006/relationships" xmlns:p="http://schemas.openxmlformats.org/presentationml/2006/main">
+  <p:cSld>
+    <p:spTree>
+      <p:nvGrpSpPr>
+        <p:cNvPr id="1" name=""/>
+        <p:cNvGrpSpPr/>
+        <p:nvPr/>
+      </p:nvGrpSpPr>
+      <p:grpSpPr>
+        <a:xfrm>
+          <a:off x="0" y="0"/>
+          <a:ext cx="0" cy="0"/>
+          <a:chOff x="0" y="0"/>
+          <a:chExt cx="0" cy="0"/>
+        </a:xfrm>
+      </p:grpSpPr>
+      <p:sp>
+        <p:nvSpPr>
+          <p:cNvPr id="2" name="Title 1"/>
+          <p:cNvSpPr>
+            <a:spLocks noGrp="1"/>
+          </p:cNvSpPr>
+          <p:nvPr>
+            <p:ph type="title"/>
+          </p:nvPr>
+        </p:nvSpPr>
+        <p:spPr/>
+        <p:txBody>
           <a:bodyPr/>
           <a:lstStyle/>
           <a:p>
             <a:r>
-              <a:rPr lang="en-US" dirty="0"/>
+              <a:rPr lang="en-US" dirty="0">
+                <a:solidFill>
+                  <a:schemeClr val="tx1"/>
+                </a:solidFill>
+              </a:rPr>
+              <a:t>Limitations</a:t>
+            </a:r>
+          </a:p>
+        </p:txBody>
+      </p:sp>
+      <p:sp>
+        <p:nvSpPr>
+          <p:cNvPr id="3" name="Content Placeholder 2"/>
+          <p:cNvSpPr>
+            <a:spLocks noGrp="1"/>
+          </p:cNvSpPr>
+          <p:nvPr>
+            <p:ph sz="quarter" idx="13"/>
+          </p:nvPr>
+        </p:nvSpPr>
+        <p:spPr>
+          <a:xfrm>
+            <a:off x="685801" y="1837765"/>
+            <a:ext cx="10394707" cy="3311189"/>
+          </a:xfrm>
+        </p:spPr>
+        <p:txBody>
+          <a:bodyPr>
+            <a:normAutofit/>
+          </a:bodyPr>
+          <a:lstStyle/>
+          <a:p>
+            <a:r>
+              <a:rPr lang="en-US" sz="2200" dirty="0">
+                <a:latin typeface="Times New Roman" panose="02020603050405020304" pitchFamily="18" charset="0"/>
+                <a:cs typeface="Times New Roman" panose="02020603050405020304" pitchFamily="18" charset="0"/>
+              </a:rPr>
+              <a:t>Only for the </a:t>
+            </a:r>
+            <a:r>
+              <a:rPr lang="en-US" sz="2200" dirty="0" err="1">
+                <a:latin typeface="Times New Roman" panose="02020603050405020304" pitchFamily="18" charset="0"/>
+                <a:cs typeface="Times New Roman" panose="02020603050405020304" pitchFamily="18" charset="0"/>
+              </a:rPr>
+              <a:t>ios</a:t>
+            </a:r>
+            <a:r>
+              <a:rPr lang="en-US" sz="2200" dirty="0">
+                <a:latin typeface="Times New Roman" panose="02020603050405020304" pitchFamily="18" charset="0"/>
+                <a:cs typeface="Times New Roman" panose="02020603050405020304" pitchFamily="18" charset="0"/>
+              </a:rPr>
+              <a:t> users</a:t>
+            </a:r>
+          </a:p>
+          <a:p>
+            <a:r>
+              <a:rPr lang="en-US" sz="2200" dirty="0">
+                <a:latin typeface="Times New Roman" panose="02020603050405020304" pitchFamily="18" charset="0"/>
+                <a:cs typeface="Times New Roman" panose="02020603050405020304" pitchFamily="18" charset="0"/>
+              </a:rPr>
+              <a:t>Any user can sign up for the web application</a:t>
+            </a:r>
+          </a:p>
+          <a:p>
+            <a:r>
+              <a:rPr lang="en-US" sz="2200" dirty="0">
+                <a:latin typeface="Times New Roman" panose="02020603050405020304" pitchFamily="18" charset="0"/>
+                <a:cs typeface="Times New Roman" panose="02020603050405020304" pitchFamily="18" charset="0"/>
+              </a:rPr>
+              <a:t>Database can only be maintained by the maintenance person</a:t>
+            </a:r>
+          </a:p>
+        </p:txBody>
+      </p:sp>
+    </p:spTree>
+    <p:extLst>
+      <p:ext uri="{BB962C8B-B14F-4D97-AF65-F5344CB8AC3E}">
+        <p14:creationId xmlns:p14="http://schemas.microsoft.com/office/powerpoint/2010/main" val="3144484405"/>
+      </p:ext>
+    </p:extLst>
+  </p:cSld>
+  <p:clrMapOvr>
+    <a:masterClrMapping/>
+  </p:clrMapOvr>
+</p:sld>
+</file>
+
+<file path=ppt/slides/slide17.xml><?xml version="1.0" encoding="utf-8"?>
+<p:sld xmlns:a="http://schemas.openxmlformats.org/drawingml/2006/main" xmlns:r="http://schemas.openxmlformats.org/officeDocument/2006/relationships" xmlns:p="http://schemas.openxmlformats.org/presentationml/2006/main">
+  <p:cSld>
+    <p:spTree>
+      <p:nvGrpSpPr>
+        <p:cNvPr id="1" name=""/>
+        <p:cNvGrpSpPr/>
+        <p:nvPr/>
+      </p:nvGrpSpPr>
+      <p:grpSpPr>
+        <a:xfrm>
+          <a:off x="0" y="0"/>
+          <a:ext cx="0" cy="0"/>
+          <a:chOff x="0" y="0"/>
+          <a:chExt cx="0" cy="0"/>
+        </a:xfrm>
+      </p:grpSpPr>
+      <p:sp>
+        <p:nvSpPr>
+          <p:cNvPr id="2" name="Title 1"/>
+          <p:cNvSpPr>
+            <a:spLocks noGrp="1"/>
+          </p:cNvSpPr>
+          <p:nvPr>
+            <p:ph type="title"/>
+          </p:nvPr>
+        </p:nvSpPr>
+        <p:spPr/>
+        <p:txBody>
+          <a:bodyPr/>
+          <a:lstStyle/>
+          <a:p>
+            <a:r>
+              <a:rPr lang="en-US" dirty="0">
+                <a:solidFill>
+                  <a:schemeClr val="tx1"/>
+                </a:solidFill>
+              </a:rPr>
+              <a:t>Status</a:t>
+            </a:r>
+          </a:p>
+        </p:txBody>
+      </p:sp>
+      <p:sp>
+        <p:nvSpPr>
+          <p:cNvPr id="3" name="Content Placeholder 2"/>
+          <p:cNvSpPr>
+            <a:spLocks noGrp="1"/>
+          </p:cNvSpPr>
+          <p:nvPr>
+            <p:ph sz="quarter" idx="13"/>
+          </p:nvPr>
+        </p:nvSpPr>
+        <p:spPr>
+          <a:xfrm>
+            <a:off x="685801" y="1837765"/>
+            <a:ext cx="10394707" cy="3311189"/>
+          </a:xfrm>
+        </p:spPr>
+        <p:txBody>
+          <a:bodyPr/>
+          <a:lstStyle/>
+          <a:p>
+            <a:r>
+              <a:rPr lang="en-US" dirty="0">
+                <a:latin typeface="Times New Roman" panose="02020603050405020304" pitchFamily="18" charset="0"/>
+                <a:cs typeface="Times New Roman" panose="02020603050405020304" pitchFamily="18" charset="0"/>
+              </a:rPr>
               <a:t>IOS Application - Check.</a:t>
             </a:r>
           </a:p>
           <a:p>
             <a:r>
-              <a:rPr lang="en-US" dirty="0"/>
+              <a:rPr lang="en-US" dirty="0">
+                <a:latin typeface="Times New Roman" panose="02020603050405020304" pitchFamily="18" charset="0"/>
+                <a:cs typeface="Times New Roman" panose="02020603050405020304" pitchFamily="18" charset="0"/>
+              </a:rPr>
               <a:t>Web Application - Check.</a:t>
             </a:r>
           </a:p>
           <a:p>
             <a:r>
-              <a:rPr lang="en-US" dirty="0"/>
+              <a:rPr lang="en-US" dirty="0">
+                <a:latin typeface="Times New Roman" panose="02020603050405020304" pitchFamily="18" charset="0"/>
+                <a:cs typeface="Times New Roman" panose="02020603050405020304" pitchFamily="18" charset="0"/>
+              </a:rPr>
               <a:t>Manual Testing and bug identification - In Progress.</a:t>
             </a:r>
           </a:p>
           <a:p>
             <a:r>
-              <a:rPr lang="en-US" dirty="0"/>
+              <a:rPr lang="en-US" dirty="0">
+                <a:latin typeface="Times New Roman" panose="02020603050405020304" pitchFamily="18" charset="0"/>
+                <a:cs typeface="Times New Roman" panose="02020603050405020304" pitchFamily="18" charset="0"/>
+              </a:rPr>
               <a:t>CSS file for Web Application - In progress.</a:t>
             </a:r>
           </a:p>
           <a:p>
             <a:r>
-              <a:rPr lang="en-US" dirty="0"/>
+              <a:rPr lang="en-US" dirty="0">
+                <a:latin typeface="Times New Roman" panose="02020603050405020304" pitchFamily="18" charset="0"/>
+                <a:cs typeface="Times New Roman" panose="02020603050405020304" pitchFamily="18" charset="0"/>
+              </a:rPr>
               <a:t>Documentation changes - In progress.</a:t>
             </a:r>
           </a:p>
@@ -19864,18 +20086,13 @@
           <a:lstStyle/>
           <a:p>
             <a:r>
-              <a:rPr lang="en-US" dirty="0" smtClean="0">
+              <a:rPr lang="en-US" dirty="0">
                 <a:solidFill>
                   <a:schemeClr val="tx1"/>
                 </a:solidFill>
               </a:rPr>
               <a:t>Contents</a:t>
             </a:r>
-            <a:endParaRPr lang="en-US" dirty="0">
-              <a:solidFill>
-                <a:schemeClr val="tx1"/>
-              </a:solidFill>
-            </a:endParaRPr>
           </a:p>
         </p:txBody>
       </p:sp>
@@ -19897,12 +20114,12 @@
         </p:spPr>
         <p:txBody>
           <a:bodyPr>
-            <a:normAutofit fontScale="92500" lnSpcReduction="20000"/>
+            <a:normAutofit fontScale="77500" lnSpcReduction="20000"/>
           </a:bodyPr>
           <a:lstStyle/>
           <a:p>
             <a:r>
-              <a:rPr lang="en-US" dirty="0" smtClean="0">
+              <a:rPr lang="en-US" dirty="0">
                 <a:latin typeface="Arial" panose="020B0604020202020204" pitchFamily="34" charset="0"/>
                 <a:cs typeface="Arial" panose="020B0604020202020204" pitchFamily="34" charset="0"/>
               </a:rPr>
@@ -19911,7 +20128,16 @@
           </a:p>
           <a:p>
             <a:r>
-              <a:rPr lang="en-US" dirty="0" smtClean="0">
+              <a:rPr lang="en-US" dirty="0">
+                <a:latin typeface="Arial" panose="020B0604020202020204" pitchFamily="34" charset="0"/>
+                <a:cs typeface="Arial" panose="020B0604020202020204" pitchFamily="34" charset="0"/>
+              </a:rPr>
+              <a:t>Existing systems</a:t>
+            </a:r>
+          </a:p>
+          <a:p>
+            <a:r>
+              <a:rPr lang="en-US" dirty="0">
                 <a:latin typeface="Arial" panose="020B0604020202020204" pitchFamily="34" charset="0"/>
                 <a:cs typeface="Arial" panose="020B0604020202020204" pitchFamily="34" charset="0"/>
               </a:rPr>
@@ -19924,43 +20150,21 @@
                 <a:latin typeface="Arial" panose="020B0604020202020204" pitchFamily="34" charset="0"/>
                 <a:cs typeface="Arial" panose="020B0604020202020204" pitchFamily="34" charset="0"/>
               </a:rPr>
-              <a:t>Challenges </a:t>
-            </a:r>
-            <a:r>
-              <a:rPr lang="en-US" dirty="0" smtClean="0">
+              <a:t>Challenges faced and Implemented changes.</a:t>
+            </a:r>
+          </a:p>
+          <a:p>
+            <a:r>
+              <a:rPr lang="en-US" dirty="0">
                 <a:latin typeface="Arial" panose="020B0604020202020204" pitchFamily="34" charset="0"/>
                 <a:cs typeface="Arial" panose="020B0604020202020204" pitchFamily="34" charset="0"/>
               </a:rPr>
-              <a:t>faced and Implemented changes.</a:t>
-            </a:r>
-            <a:endParaRPr lang="en-US" dirty="0">
-              <a:latin typeface="Arial" panose="020B0604020202020204" pitchFamily="34" charset="0"/>
-              <a:cs typeface="Arial" panose="020B0604020202020204" pitchFamily="34" charset="0"/>
-            </a:endParaRPr>
-          </a:p>
-          <a:p>
-            <a:r>
-              <a:rPr lang="en-US" dirty="0" smtClean="0">
-                <a:latin typeface="Arial" panose="020B0604020202020204" pitchFamily="34" charset="0"/>
-                <a:cs typeface="Arial" panose="020B0604020202020204" pitchFamily="34" charset="0"/>
-              </a:rPr>
-              <a:t>Iteration </a:t>
-            </a:r>
-            <a:r>
-              <a:rPr lang="en-US" smtClean="0">
-                <a:latin typeface="Arial" panose="020B0604020202020204" pitchFamily="34" charset="0"/>
-                <a:cs typeface="Arial" panose="020B0604020202020204" pitchFamily="34" charset="0"/>
-              </a:rPr>
-              <a:t>Plan,commit</a:t>
-            </a:r>
-            <a:endParaRPr lang="en-US" dirty="0" smtClean="0">
-              <a:latin typeface="Arial" panose="020B0604020202020204" pitchFamily="34" charset="0"/>
-              <a:cs typeface="Arial" panose="020B0604020202020204" pitchFamily="34" charset="0"/>
-            </a:endParaRPr>
-          </a:p>
-          <a:p>
-            <a:r>
-              <a:rPr lang="en-US" dirty="0" smtClean="0">
+              <a:t>Iteration Plan</a:t>
+            </a:r>
+          </a:p>
+          <a:p>
+            <a:r>
+              <a:rPr lang="en-US" dirty="0">
                 <a:latin typeface="Arial" panose="020B0604020202020204" pitchFamily="34" charset="0"/>
                 <a:cs typeface="Arial" panose="020B0604020202020204" pitchFamily="34" charset="0"/>
               </a:rPr>
@@ -19969,7 +20173,7 @@
           </a:p>
           <a:p>
             <a:r>
-              <a:rPr lang="en-US" dirty="0" smtClean="0">
+              <a:rPr lang="en-US" dirty="0">
                 <a:latin typeface="Arial" panose="020B0604020202020204" pitchFamily="34" charset="0"/>
                 <a:cs typeface="Arial" panose="020B0604020202020204" pitchFamily="34" charset="0"/>
               </a:rPr>
@@ -19978,7 +20182,7 @@
           </a:p>
           <a:p>
             <a:r>
-              <a:rPr lang="en-US" dirty="0" smtClean="0">
+              <a:rPr lang="en-US" dirty="0">
                 <a:latin typeface="Arial" panose="020B0604020202020204" pitchFamily="34" charset="0"/>
                 <a:cs typeface="Arial" panose="020B0604020202020204" pitchFamily="34" charset="0"/>
               </a:rPr>
@@ -19993,13 +20197,9 @@
               </a:rPr>
               <a:t>Status </a:t>
             </a:r>
-            <a:endParaRPr lang="en-US" dirty="0" smtClean="0">
-              <a:latin typeface="Arial" panose="020B0604020202020204" pitchFamily="34" charset="0"/>
-              <a:cs typeface="Arial" panose="020B0604020202020204" pitchFamily="34" charset="0"/>
-            </a:endParaRPr>
-          </a:p>
-          <a:p>
-            <a:endParaRPr lang="en-US" dirty="0" smtClean="0">
+          </a:p>
+          <a:p>
+            <a:endParaRPr lang="en-US" dirty="0">
               <a:latin typeface="Arial" panose="020B0604020202020204" pitchFamily="34" charset="0"/>
               <a:cs typeface="Arial" panose="020B0604020202020204" pitchFamily="34" charset="0"/>
             </a:endParaRPr>
@@ -20034,13 +20234,6 @@
       </p:transition>
     </mc:Fallback>
   </mc:AlternateContent>
-  <p:timing>
-    <p:tnLst>
-      <p:par>
-        <p:cTn id="1" dur="indefinite" restart="never" nodeType="tmRoot"/>
-      </p:par>
-    </p:tnLst>
-  </p:timing>
 </p:sld>
 </file>
 
@@ -20077,18 +20270,13 @@
           <a:lstStyle/>
           <a:p>
             <a:r>
-              <a:rPr lang="en-US" dirty="0" smtClean="0">
+              <a:rPr lang="en-US" dirty="0">
                 <a:solidFill>
                   <a:schemeClr val="tx1"/>
                 </a:solidFill>
               </a:rPr>
               <a:t>Problem Statement</a:t>
             </a:r>
-            <a:endParaRPr lang="en-US" dirty="0">
-              <a:solidFill>
-                <a:schemeClr val="tx1"/>
-              </a:solidFill>
-            </a:endParaRPr>
           </a:p>
         </p:txBody>
       </p:sp>
@@ -20179,13 +20367,6 @@
       </p:transition>
     </mc:Fallback>
   </mc:AlternateContent>
-  <p:timing>
-    <p:tnLst>
-      <p:par>
-        <p:cTn id="1" dur="indefinite" restart="never" nodeType="tmRoot"/>
-      </p:par>
-    </p:tnLst>
-  </p:timing>
 </p:sld>
 </file>
 
@@ -20222,18 +20403,274 @@
           <a:lstStyle/>
           <a:p>
             <a:r>
-              <a:rPr lang="en-US" dirty="0" smtClean="0">
+              <a:rPr lang="en-US" dirty="0">
+                <a:solidFill>
+                  <a:schemeClr val="tx1"/>
+                </a:solidFill>
+              </a:rPr>
+              <a:t>Exiting system</a:t>
+            </a:r>
+          </a:p>
+        </p:txBody>
+      </p:sp>
+      <p:sp>
+        <p:nvSpPr>
+          <p:cNvPr id="3" name="Content Placeholder 2"/>
+          <p:cNvSpPr>
+            <a:spLocks noGrp="1"/>
+          </p:cNvSpPr>
+          <p:nvPr>
+            <p:ph idx="1"/>
+          </p:nvPr>
+        </p:nvSpPr>
+        <p:spPr/>
+        <p:txBody>
+          <a:bodyPr>
+            <a:noAutofit/>
+          </a:bodyPr>
+          <a:lstStyle/>
+          <a:p>
+            <a:pPr marL="457200" lvl="0">
+              <a:lnSpc>
+                <a:spcPct val="100000"/>
+              </a:lnSpc>
+              <a:spcBef>
+                <a:spcPts val="0"/>
+              </a:spcBef>
+            </a:pPr>
+            <a:r>
+              <a:rPr lang="en-US" dirty="0">
+                <a:latin typeface="Times New Roman" panose="02020603050405020304" pitchFamily="18" charset="0"/>
+                <a:cs typeface="Times New Roman" panose="02020603050405020304" pitchFamily="18" charset="0"/>
+              </a:rPr>
+              <a:t>Magnetic chip readers</a:t>
+            </a:r>
+          </a:p>
+          <a:p>
+            <a:pPr marL="914400" lvl="1">
+              <a:lnSpc>
+                <a:spcPct val="100000"/>
+              </a:lnSpc>
+              <a:spcBef>
+                <a:spcPts val="0"/>
+              </a:spcBef>
+            </a:pPr>
+            <a:r>
+              <a:rPr lang="en-US" sz="2000" dirty="0">
+                <a:latin typeface="Times New Roman" panose="02020603050405020304" pitchFamily="18" charset="0"/>
+                <a:cs typeface="Times New Roman" panose="02020603050405020304" pitchFamily="18" charset="0"/>
+              </a:rPr>
+              <a:t>Installing new hardware devices</a:t>
+            </a:r>
+          </a:p>
+          <a:p>
+            <a:pPr marL="914400" lvl="1">
+              <a:lnSpc>
+                <a:spcPct val="100000"/>
+              </a:lnSpc>
+              <a:spcBef>
+                <a:spcPts val="0"/>
+              </a:spcBef>
+            </a:pPr>
+            <a:r>
+              <a:rPr lang="en-US" sz="2000" dirty="0">
+                <a:latin typeface="Times New Roman" panose="02020603050405020304" pitchFamily="18" charset="0"/>
+                <a:cs typeface="Times New Roman" panose="02020603050405020304" pitchFamily="18" charset="0"/>
+              </a:rPr>
+              <a:t>Time constraint </a:t>
+            </a:r>
+          </a:p>
+          <a:p>
+            <a:pPr marL="457200" lvl="0">
+              <a:lnSpc>
+                <a:spcPct val="100000"/>
+              </a:lnSpc>
+              <a:spcBef>
+                <a:spcPts val="0"/>
+              </a:spcBef>
+            </a:pPr>
+            <a:r>
+              <a:rPr lang="en-US" dirty="0">
+                <a:latin typeface="Times New Roman" panose="02020603050405020304" pitchFamily="18" charset="0"/>
+                <a:cs typeface="Times New Roman" panose="02020603050405020304" pitchFamily="18" charset="0"/>
+              </a:rPr>
+              <a:t>Sign sheet</a:t>
+            </a:r>
+          </a:p>
+          <a:p>
+            <a:pPr marL="914400" lvl="1">
+              <a:lnSpc>
+                <a:spcPct val="100000"/>
+              </a:lnSpc>
+              <a:spcBef>
+                <a:spcPts val="0"/>
+              </a:spcBef>
+            </a:pPr>
+            <a:r>
+              <a:rPr lang="en-US" sz="2000" dirty="0">
+                <a:latin typeface="Times New Roman" panose="02020603050405020304" pitchFamily="18" charset="0"/>
+                <a:cs typeface="Times New Roman" panose="02020603050405020304" pitchFamily="18" charset="0"/>
+              </a:rPr>
+              <a:t>Time constraint</a:t>
+            </a:r>
+          </a:p>
+          <a:p>
+            <a:pPr marL="914400" lvl="1">
+              <a:lnSpc>
+                <a:spcPct val="100000"/>
+              </a:lnSpc>
+              <a:spcBef>
+                <a:spcPts val="0"/>
+              </a:spcBef>
+            </a:pPr>
+            <a:r>
+              <a:rPr lang="en-US" sz="2000" dirty="0">
+                <a:latin typeface="Times New Roman" panose="02020603050405020304" pitchFamily="18" charset="0"/>
+                <a:cs typeface="Times New Roman" panose="02020603050405020304" pitchFamily="18" charset="0"/>
+              </a:rPr>
+              <a:t>Easy abuse</a:t>
+            </a:r>
+          </a:p>
+          <a:p>
+            <a:pPr marL="457200" lvl="0">
+              <a:lnSpc>
+                <a:spcPct val="100000"/>
+              </a:lnSpc>
+              <a:spcBef>
+                <a:spcPts val="0"/>
+              </a:spcBef>
+            </a:pPr>
+            <a:r>
+              <a:rPr lang="en-US" dirty="0">
+                <a:latin typeface="Times New Roman" panose="02020603050405020304" pitchFamily="18" charset="0"/>
+                <a:cs typeface="Times New Roman" panose="02020603050405020304" pitchFamily="18" charset="0"/>
+              </a:rPr>
+              <a:t>Roll call</a:t>
+            </a:r>
+          </a:p>
+          <a:p>
+            <a:pPr marL="914400" lvl="1">
+              <a:lnSpc>
+                <a:spcPct val="100000"/>
+              </a:lnSpc>
+              <a:spcBef>
+                <a:spcPts val="0"/>
+              </a:spcBef>
+            </a:pPr>
+            <a:r>
+              <a:rPr lang="en-US" sz="2000" dirty="0">
+                <a:latin typeface="Times New Roman" panose="02020603050405020304" pitchFamily="18" charset="0"/>
+                <a:cs typeface="Times New Roman" panose="02020603050405020304" pitchFamily="18" charset="0"/>
+              </a:rPr>
+              <a:t>Time constraint</a:t>
+            </a:r>
+          </a:p>
+          <a:p>
+            <a:pPr marL="457200" lvl="0">
+              <a:lnSpc>
+                <a:spcPct val="100000"/>
+              </a:lnSpc>
+              <a:spcBef>
+                <a:spcPts val="0"/>
+              </a:spcBef>
+            </a:pPr>
+            <a:r>
+              <a:rPr lang="en-US" dirty="0">
+                <a:latin typeface="Times New Roman" panose="02020603050405020304" pitchFamily="18" charset="0"/>
+                <a:cs typeface="Times New Roman" panose="02020603050405020304" pitchFamily="18" charset="0"/>
+              </a:rPr>
+              <a:t>Finger Prints</a:t>
+            </a:r>
+          </a:p>
+          <a:p>
+            <a:pPr marL="914400" lvl="1">
+              <a:lnSpc>
+                <a:spcPct val="100000"/>
+              </a:lnSpc>
+              <a:spcBef>
+                <a:spcPts val="0"/>
+              </a:spcBef>
+            </a:pPr>
+            <a:r>
+              <a:rPr lang="en-US" sz="2000" dirty="0">
+                <a:latin typeface="Times New Roman" panose="02020603050405020304" pitchFamily="18" charset="0"/>
+                <a:cs typeface="Times New Roman" panose="02020603050405020304" pitchFamily="18" charset="0"/>
+              </a:rPr>
+              <a:t>Expensive </a:t>
+            </a:r>
+          </a:p>
+          <a:p>
+            <a:pPr marL="914400" lvl="1">
+              <a:lnSpc>
+                <a:spcPct val="100000"/>
+              </a:lnSpc>
+              <a:spcBef>
+                <a:spcPts val="0"/>
+              </a:spcBef>
+            </a:pPr>
+            <a:r>
+              <a:rPr lang="en-US" sz="2000" dirty="0">
+                <a:latin typeface="Times New Roman" panose="02020603050405020304" pitchFamily="18" charset="0"/>
+                <a:cs typeface="Times New Roman" panose="02020603050405020304" pitchFamily="18" charset="0"/>
+              </a:rPr>
+              <a:t>Installing new hardware devices</a:t>
+            </a:r>
+          </a:p>
+        </p:txBody>
+      </p:sp>
+    </p:spTree>
+    <p:extLst>
+      <p:ext uri="{BB962C8B-B14F-4D97-AF65-F5344CB8AC3E}">
+        <p14:creationId xmlns:p14="http://schemas.microsoft.com/office/powerpoint/2010/main" val="1072666190"/>
+      </p:ext>
+    </p:extLst>
+  </p:cSld>
+  <p:clrMapOvr>
+    <a:masterClrMapping/>
+  </p:clrMapOvr>
+</p:sld>
+</file>
+
+<file path=ppt/slides/slide5.xml><?xml version="1.0" encoding="utf-8"?>
+<p:sld xmlns:a="http://schemas.openxmlformats.org/drawingml/2006/main" xmlns:r="http://schemas.openxmlformats.org/officeDocument/2006/relationships" xmlns:p="http://schemas.openxmlformats.org/presentationml/2006/main">
+  <p:cSld>
+    <p:spTree>
+      <p:nvGrpSpPr>
+        <p:cNvPr id="1" name=""/>
+        <p:cNvGrpSpPr/>
+        <p:nvPr/>
+      </p:nvGrpSpPr>
+      <p:grpSpPr>
+        <a:xfrm>
+          <a:off x="0" y="0"/>
+          <a:ext cx="0" cy="0"/>
+          <a:chOff x="0" y="0"/>
+          <a:chExt cx="0" cy="0"/>
+        </a:xfrm>
+      </p:grpSpPr>
+      <p:sp>
+        <p:nvSpPr>
+          <p:cNvPr id="2" name="Title 1"/>
+          <p:cNvSpPr>
+            <a:spLocks noGrp="1"/>
+          </p:cNvSpPr>
+          <p:nvPr>
+            <p:ph type="title"/>
+          </p:nvPr>
+        </p:nvSpPr>
+        <p:spPr/>
+        <p:txBody>
+          <a:bodyPr/>
+          <a:lstStyle/>
+          <a:p>
+            <a:r>
+              <a:rPr lang="en-US" dirty="0">
                 <a:solidFill>
                   <a:schemeClr val="tx1"/>
                 </a:solidFill>
               </a:rPr>
               <a:t>Requirements now</a:t>
             </a:r>
-            <a:endParaRPr lang="en-US" dirty="0">
-              <a:solidFill>
-                <a:schemeClr val="tx1"/>
-              </a:solidFill>
-            </a:endParaRPr>
           </a:p>
         </p:txBody>
       </p:sp>
@@ -20473,7 +20910,7 @@
               <a:buNone/>
             </a:pPr>
             <a:r>
-              <a:rPr lang="en-US" sz="2400" b="1" dirty="0" smtClean="0">
+              <a:rPr lang="en-US" sz="2400" b="1" dirty="0">
                 <a:latin typeface="Times New Roman" panose="02020603050405020304" pitchFamily="18" charset="0"/>
                 <a:cs typeface="Times New Roman" panose="02020603050405020304" pitchFamily="18" charset="0"/>
               </a:rPr>
@@ -20482,7 +20919,7 @@
           </a:p>
           <a:p>
             <a:r>
-              <a:rPr lang="en-US" sz="2400" dirty="0" smtClean="0">
+              <a:rPr lang="en-US" sz="2400" dirty="0">
                 <a:latin typeface="Times New Roman" panose="02020603050405020304" pitchFamily="18" charset="0"/>
                 <a:cs typeface="Times New Roman" panose="02020603050405020304" pitchFamily="18" charset="0"/>
               </a:rPr>
@@ -20491,7 +20928,7 @@
           </a:p>
           <a:p>
             <a:r>
-              <a:rPr lang="en-US" sz="2400" dirty="0" smtClean="0">
+              <a:rPr lang="en-US" sz="2400" dirty="0">
                 <a:latin typeface="Times New Roman" panose="02020603050405020304" pitchFamily="18" charset="0"/>
                 <a:cs typeface="Times New Roman" panose="02020603050405020304" pitchFamily="18" charset="0"/>
               </a:rPr>
@@ -20500,7 +20937,7 @@
           </a:p>
           <a:p>
             <a:r>
-              <a:rPr lang="en-US" sz="2400" dirty="0" smtClean="0">
+              <a:rPr lang="en-US" sz="2400" dirty="0">
                 <a:latin typeface="Times New Roman" panose="02020603050405020304" pitchFamily="18" charset="0"/>
                 <a:cs typeface="Times New Roman" panose="02020603050405020304" pitchFamily="18" charset="0"/>
               </a:rPr>
@@ -20509,7 +20946,7 @@
           </a:p>
           <a:p>
             <a:r>
-              <a:rPr lang="en-US" sz="2400" dirty="0" smtClean="0">
+              <a:rPr lang="en-US" sz="2400" dirty="0">
                 <a:latin typeface="Times New Roman" panose="02020603050405020304" pitchFamily="18" charset="0"/>
                 <a:cs typeface="Times New Roman" panose="02020603050405020304" pitchFamily="18" charset="0"/>
               </a:rPr>
@@ -20518,7 +20955,7 @@
           </a:p>
           <a:p>
             <a:r>
-              <a:rPr lang="en-US" sz="2400" dirty="0" smtClean="0">
+              <a:rPr lang="en-US" sz="2400" dirty="0">
                 <a:latin typeface="Times New Roman" panose="02020603050405020304" pitchFamily="18" charset="0"/>
                 <a:cs typeface="Times New Roman" panose="02020603050405020304" pitchFamily="18" charset="0"/>
               </a:rPr>
@@ -20527,7 +20964,7 @@
           </a:p>
           <a:p>
             <a:r>
-              <a:rPr lang="en-US" sz="2400" dirty="0" smtClean="0">
+              <a:rPr lang="en-US" sz="2400" dirty="0">
                 <a:latin typeface="Times New Roman" panose="02020603050405020304" pitchFamily="18" charset="0"/>
                 <a:cs typeface="Times New Roman" panose="02020603050405020304" pitchFamily="18" charset="0"/>
               </a:rPr>
@@ -20773,7 +21210,7 @@
               <a:buNone/>
             </a:pPr>
             <a:r>
-              <a:rPr lang="en-US" sz="2400" b="1" dirty="0" smtClean="0">
+              <a:rPr lang="en-US" sz="2400" b="1" dirty="0">
                 <a:solidFill>
                   <a:srgbClr val="3C4743"/>
                 </a:solidFill>
@@ -20785,7 +21222,7 @@
           </a:p>
           <a:p>
             <a:r>
-              <a:rPr lang="en-US" sz="2400" dirty="0" smtClean="0">
+              <a:rPr lang="en-US" sz="2400" dirty="0">
                 <a:solidFill>
                   <a:srgbClr val="3C4743"/>
                 </a:solidFill>
@@ -20797,7 +21234,7 @@
           </a:p>
           <a:p>
             <a:r>
-              <a:rPr lang="en-US" sz="2400" dirty="0" smtClean="0">
+              <a:rPr lang="en-US" sz="2400" dirty="0">
                 <a:solidFill>
                   <a:srgbClr val="3C4743"/>
                 </a:solidFill>
@@ -20809,7 +21246,7 @@
           </a:p>
           <a:p>
             <a:r>
-              <a:rPr lang="en-US" sz="2400" dirty="0" smtClean="0">
+              <a:rPr lang="en-US" sz="2400" dirty="0">
                 <a:solidFill>
                   <a:srgbClr val="3C4743"/>
                 </a:solidFill>
@@ -20821,7 +21258,7 @@
           </a:p>
           <a:p>
             <a:r>
-              <a:rPr lang="en-US" sz="2400" dirty="0" smtClean="0">
+              <a:rPr lang="en-US" sz="2400" dirty="0">
                 <a:solidFill>
                   <a:srgbClr val="3C4743"/>
                 </a:solidFill>
@@ -20833,7 +21270,7 @@
           </a:p>
           <a:p>
             <a:r>
-              <a:rPr lang="en-US" sz="2400" dirty="0" smtClean="0">
+              <a:rPr lang="en-US" sz="2400" dirty="0">
                 <a:solidFill>
                   <a:srgbClr val="3C4743"/>
                 </a:solidFill>
@@ -20845,7 +21282,7 @@
           </a:p>
           <a:p>
             <a:r>
-              <a:rPr lang="en-US" sz="2400" dirty="0" smtClean="0">
+              <a:rPr lang="en-US" sz="2400" dirty="0">
                 <a:solidFill>
                   <a:srgbClr val="3C4743"/>
                 </a:solidFill>
@@ -20884,17 +21321,10 @@
       </p:transition>
     </mc:Fallback>
   </mc:AlternateContent>
-  <p:timing>
-    <p:tnLst>
-      <p:par>
-        <p:cTn id="1" dur="indefinite" restart="never" nodeType="tmRoot"/>
-      </p:par>
-    </p:tnLst>
-  </p:timing>
 </p:sld>
 </file>
 
-<file path=ppt/slides/slide5.xml><?xml version="1.0" encoding="utf-8"?>
+<file path=ppt/slides/slide6.xml><?xml version="1.0" encoding="utf-8"?>
 <p:sld xmlns:a="http://schemas.openxmlformats.org/drawingml/2006/main" xmlns:r="http://schemas.openxmlformats.org/officeDocument/2006/relationships" xmlns:p="http://schemas.openxmlformats.org/presentationml/2006/main">
   <p:cSld>
     <p:spTree>
@@ -20957,7 +21387,7 @@
         </p:spPr>
         <p:txBody>
           <a:bodyPr>
-            <a:normAutofit/>
+            <a:normAutofit lnSpcReduction="10000"/>
           </a:bodyPr>
           <a:lstStyle>
             <a:lvl1pPr marL="228600" indent="-228600" algn="l" defTabSz="914400" rtl="0" eaLnBrk="1" latinLnBrk="0" hangingPunct="1">
@@ -21174,7 +21604,7 @@
               <a:buNone/>
             </a:pPr>
             <a:r>
-              <a:rPr lang="en-US" sz="2200" b="1" dirty="0" smtClean="0">
+              <a:rPr lang="en-US" sz="2200" b="1" dirty="0">
                 <a:latin typeface="Times New Roman" panose="02020603050405020304" pitchFamily="18" charset="0"/>
                 <a:cs typeface="Times New Roman" panose="02020603050405020304" pitchFamily="18" charset="0"/>
               </a:rPr>
@@ -21183,7 +21613,7 @@
           </a:p>
           <a:p>
             <a:r>
-              <a:rPr lang="en-US" sz="2200" dirty="0" smtClean="0">
+              <a:rPr lang="en-US" sz="2200" dirty="0">
                 <a:latin typeface="Times New Roman" panose="02020603050405020304" pitchFamily="18" charset="0"/>
                 <a:cs typeface="Times New Roman" panose="02020603050405020304" pitchFamily="18" charset="0"/>
               </a:rPr>
@@ -21192,7 +21622,7 @@
           </a:p>
           <a:p>
             <a:r>
-              <a:rPr lang="en-US" sz="2200" dirty="0" smtClean="0">
+              <a:rPr lang="en-US" sz="2200" dirty="0">
                 <a:latin typeface="Times New Roman" panose="02020603050405020304" pitchFamily="18" charset="0"/>
                 <a:cs typeface="Times New Roman" panose="02020603050405020304" pitchFamily="18" charset="0"/>
               </a:rPr>
@@ -21201,7 +21631,7 @@
           </a:p>
           <a:p>
             <a:r>
-              <a:rPr lang="en-US" sz="2200" dirty="0" smtClean="0">
+              <a:rPr lang="en-US" sz="2200" dirty="0">
                 <a:latin typeface="Times New Roman" panose="02020603050405020304" pitchFamily="18" charset="0"/>
                 <a:cs typeface="Times New Roman" panose="02020603050405020304" pitchFamily="18" charset="0"/>
               </a:rPr>
@@ -21210,7 +21640,20 @@
           </a:p>
           <a:p>
             <a:r>
-              <a:rPr lang="en-US" sz="2200" dirty="0" smtClean="0">
+              <a:rPr lang="en-US" dirty="0">
+                <a:latin typeface="Times New Roman" panose="02020603050405020304" pitchFamily="18" charset="0"/>
+                <a:cs typeface="Times New Roman" panose="02020603050405020304" pitchFamily="18" charset="0"/>
+              </a:rPr>
+              <a:t>View courses registered</a:t>
+            </a:r>
+            <a:endParaRPr lang="en-US" sz="2200" dirty="0">
+              <a:latin typeface="Times New Roman" panose="02020603050405020304" pitchFamily="18" charset="0"/>
+              <a:cs typeface="Times New Roman" panose="02020603050405020304" pitchFamily="18" charset="0"/>
+            </a:endParaRPr>
+          </a:p>
+          <a:p>
+            <a:r>
+              <a:rPr lang="en-US" sz="2200" dirty="0">
                 <a:latin typeface="Times New Roman" panose="02020603050405020304" pitchFamily="18" charset="0"/>
                 <a:cs typeface="Times New Roman" panose="02020603050405020304" pitchFamily="18" charset="0"/>
               </a:rPr>
@@ -21219,16 +21662,12 @@
           </a:p>
           <a:p>
             <a:r>
-              <a:rPr lang="en-US" sz="2200" dirty="0" smtClean="0">
+              <a:rPr lang="en-US" sz="2200" dirty="0">
                 <a:latin typeface="Times New Roman" panose="02020603050405020304" pitchFamily="18" charset="0"/>
                 <a:cs typeface="Times New Roman" panose="02020603050405020304" pitchFamily="18" charset="0"/>
               </a:rPr>
               <a:t>Appropriate Feedback</a:t>
             </a:r>
-            <a:endParaRPr lang="en-US" sz="2200" dirty="0">
-              <a:latin typeface="Times New Roman" panose="02020603050405020304" pitchFamily="18" charset="0"/>
-              <a:cs typeface="Times New Roman" panose="02020603050405020304" pitchFamily="18" charset="0"/>
-            </a:endParaRPr>
           </a:p>
         </p:txBody>
       </p:sp>
@@ -21468,7 +21907,7 @@
               <a:buNone/>
             </a:pPr>
             <a:r>
-              <a:rPr lang="en-US" sz="2400" b="1" dirty="0" smtClean="0">
+              <a:rPr lang="en-US" sz="2400" b="1" dirty="0">
                 <a:latin typeface="Times New Roman" panose="02020603050405020304" pitchFamily="18" charset="0"/>
                 <a:cs typeface="Times New Roman" panose="02020603050405020304" pitchFamily="18" charset="0"/>
               </a:rPr>
@@ -21477,7 +21916,7 @@
           </a:p>
           <a:p>
             <a:r>
-              <a:rPr lang="en-US" sz="2400" dirty="0" smtClean="0">
+              <a:rPr lang="en-US" sz="2400" dirty="0">
                 <a:latin typeface="Times New Roman" panose="02020603050405020304" pitchFamily="18" charset="0"/>
                 <a:cs typeface="Times New Roman" panose="02020603050405020304" pitchFamily="18" charset="0"/>
               </a:rPr>
@@ -21486,7 +21925,7 @@
           </a:p>
           <a:p>
             <a:r>
-              <a:rPr lang="en-US" sz="2400" dirty="0" smtClean="0">
+              <a:rPr lang="en-US" sz="2400" dirty="0">
                 <a:latin typeface="Times New Roman" panose="02020603050405020304" pitchFamily="18" charset="0"/>
                 <a:cs typeface="Times New Roman" panose="02020603050405020304" pitchFamily="18" charset="0"/>
               </a:rPr>
@@ -21495,7 +21934,7 @@
           </a:p>
           <a:p>
             <a:r>
-              <a:rPr lang="en-US" sz="2400" dirty="0" smtClean="0">
+              <a:rPr lang="en-US" sz="2400" dirty="0">
                 <a:latin typeface="Times New Roman" panose="02020603050405020304" pitchFamily="18" charset="0"/>
                 <a:cs typeface="Times New Roman" panose="02020603050405020304" pitchFamily="18" charset="0"/>
               </a:rPr>
@@ -21504,7 +21943,7 @@
           </a:p>
           <a:p>
             <a:r>
-              <a:rPr lang="en-US" sz="2400" dirty="0" smtClean="0">
+              <a:rPr lang="en-US" sz="2400" dirty="0">
                 <a:latin typeface="Times New Roman" panose="02020603050405020304" pitchFamily="18" charset="0"/>
                 <a:cs typeface="Times New Roman" panose="02020603050405020304" pitchFamily="18" charset="0"/>
               </a:rPr>
@@ -21513,7 +21952,7 @@
           </a:p>
           <a:p>
             <a:r>
-              <a:rPr lang="en-US" sz="2400" dirty="0" smtClean="0">
+              <a:rPr lang="en-US" sz="2400" dirty="0">
                 <a:latin typeface="Times New Roman" panose="02020603050405020304" pitchFamily="18" charset="0"/>
                 <a:cs typeface="Times New Roman" panose="02020603050405020304" pitchFamily="18" charset="0"/>
               </a:rPr>
@@ -21522,16 +21961,12 @@
           </a:p>
           <a:p>
             <a:r>
-              <a:rPr lang="en-US" sz="2400" dirty="0" smtClean="0">
+              <a:rPr lang="en-US" sz="2400" dirty="0">
                 <a:latin typeface="Times New Roman" panose="02020603050405020304" pitchFamily="18" charset="0"/>
                 <a:cs typeface="Times New Roman" panose="02020603050405020304" pitchFamily="18" charset="0"/>
               </a:rPr>
               <a:t>Appropriate Feedback</a:t>
             </a:r>
-            <a:endParaRPr lang="en-US" sz="2400" dirty="0">
-              <a:latin typeface="Times New Roman" panose="02020603050405020304" pitchFamily="18" charset="0"/>
-              <a:cs typeface="Times New Roman" panose="02020603050405020304" pitchFamily="18" charset="0"/>
-            </a:endParaRPr>
           </a:p>
         </p:txBody>
       </p:sp>
@@ -21548,7 +21983,7 @@
 </p:sld>
 </file>
 
-<file path=ppt/slides/slide6.xml><?xml version="1.0" encoding="utf-8"?>
+<file path=ppt/slides/slide7.xml><?xml version="1.0" encoding="utf-8"?>
 <p:sld xmlns:a="http://schemas.openxmlformats.org/drawingml/2006/main" xmlns:r="http://schemas.openxmlformats.org/officeDocument/2006/relationships" xmlns:p="http://schemas.openxmlformats.org/presentationml/2006/main">
   <p:cSld>
     <p:spTree>
@@ -21575,24 +22010,24 @@
             <p:ph type="title"/>
           </p:nvPr>
         </p:nvSpPr>
-        <p:spPr/>
+        <p:spPr>
+          <a:xfrm>
+            <a:off x="224793" y="58193"/>
+            <a:ext cx="10396882" cy="1151965"/>
+          </a:xfrm>
+        </p:spPr>
         <p:txBody>
           <a:bodyPr/>
           <a:lstStyle/>
           <a:p>
             <a:r>
-              <a:rPr lang="en-US" dirty="0" smtClean="0">
+              <a:rPr lang="en-US" dirty="0">
                 <a:solidFill>
                   <a:schemeClr val="tx1"/>
                 </a:solidFill>
               </a:rPr>
               <a:t>Data flow</a:t>
             </a:r>
-            <a:endParaRPr lang="en-US" dirty="0">
-              <a:solidFill>
-                <a:schemeClr val="tx1"/>
-              </a:solidFill>
-            </a:endParaRPr>
           </a:p>
         </p:txBody>
       </p:sp>
@@ -21604,7 +22039,7 @@
         </p:nvCxnSpPr>
         <p:spPr>
           <a:xfrm flipH="1">
-            <a:off x="7180203" y="3001772"/>
+            <a:off x="7180203" y="1936361"/>
             <a:ext cx="1730003" cy="2"/>
           </a:xfrm>
           <a:prstGeom prst="line">
@@ -21640,7 +22075,7 @@
         </p:nvCxnSpPr>
         <p:spPr>
           <a:xfrm>
-            <a:off x="3248326" y="3001772"/>
+            <a:off x="3248326" y="1936361"/>
             <a:ext cx="1828780" cy="0"/>
           </a:xfrm>
           <a:prstGeom prst="line">
@@ -21676,7 +22111,7 @@
         </p:nvSpPr>
         <p:spPr>
           <a:xfrm>
-            <a:off x="224793" y="2308822"/>
+            <a:off x="224793" y="1243411"/>
             <a:ext cx="2951384" cy="1188707"/>
           </a:xfrm>
           <a:prstGeom prst="rect">
@@ -21719,7 +22154,7 @@
         </p:nvSpPr>
         <p:spPr>
           <a:xfrm>
-            <a:off x="584410" y="2379955"/>
+            <a:off x="584410" y="1314544"/>
             <a:ext cx="2232150" cy="707886"/>
           </a:xfrm>
           <a:prstGeom prst="rect">
@@ -21735,7 +22170,7 @@
           <a:p>
             <a:pPr algn="ctr"/>
             <a:r>
-              <a:rPr lang="en-US" sz="4000" cap="none" spc="0" dirty="0" smtClean="0">
+              <a:rPr lang="en-US" sz="4000" cap="none" spc="0" dirty="0">
                 <a:ln w="0"/>
                 <a:solidFill>
                   <a:schemeClr val="accent6"/>
@@ -21750,19 +22185,6 @@
               </a:rPr>
               <a:t>Instructor</a:t>
             </a:r>
-            <a:endParaRPr lang="en-US" sz="4000" cap="none" spc="0" dirty="0">
-              <a:ln w="0"/>
-              <a:solidFill>
-                <a:schemeClr val="accent6"/>
-              </a:solidFill>
-              <a:effectLst>
-                <a:outerShdw blurRad="38100" dist="25400" dir="5400000" algn="ctr" rotWithShape="0">
-                  <a:srgbClr val="6E747A">
-                    <a:alpha val="43000"/>
-                  </a:srgbClr>
-                </a:outerShdw>
-              </a:effectLst>
-            </a:endParaRPr>
           </a:p>
         </p:txBody>
       </p:sp>
@@ -21774,8 +22196,8 @@
         </p:nvSpPr>
         <p:spPr>
           <a:xfrm>
-            <a:off x="5057865" y="1904504"/>
-            <a:ext cx="2121242" cy="2194536"/>
+            <a:off x="5057865" y="839093"/>
+            <a:ext cx="2103097" cy="2194536"/>
           </a:xfrm>
           <a:prstGeom prst="flowChartMagneticDisk">
             <a:avLst/>
@@ -21801,7 +22223,7 @@
           <a:p>
             <a:pPr algn="ctr"/>
             <a:r>
-              <a:rPr lang="en-US" sz="3600" dirty="0" smtClean="0">
+              <a:rPr lang="en-US" sz="3900" dirty="0">
                 <a:ln w="0"/>
                 <a:solidFill>
                   <a:schemeClr val="accent6"/>
@@ -21816,19 +22238,6 @@
               </a:rPr>
               <a:t>Database</a:t>
             </a:r>
-            <a:endParaRPr lang="en-US" sz="3600" dirty="0">
-              <a:ln w="0"/>
-              <a:solidFill>
-                <a:schemeClr val="accent6"/>
-              </a:solidFill>
-              <a:effectLst>
-                <a:outerShdw blurRad="38100" dist="25400" dir="5400000" algn="ctr" rotWithShape="0">
-                  <a:srgbClr val="6E747A">
-                    <a:alpha val="43000"/>
-                  </a:srgbClr>
-                </a:outerShdw>
-              </a:effectLst>
-            </a:endParaRPr>
           </a:p>
         </p:txBody>
       </p:sp>
@@ -21840,7 +22249,7 @@
         </p:nvSpPr>
         <p:spPr>
           <a:xfrm>
-            <a:off x="3421419" y="2364566"/>
+            <a:off x="3421419" y="1299155"/>
             <a:ext cx="1480149" cy="369332"/>
           </a:xfrm>
           <a:prstGeom prst="rect">
@@ -21855,10 +22264,9 @@
           <a:lstStyle/>
           <a:p>
             <a:r>
-              <a:rPr lang="en-US" dirty="0" smtClean="0"/>
+              <a:rPr lang="en-US" dirty="0"/>
               <a:t>Generates QR</a:t>
             </a:r>
-            <a:endParaRPr lang="en-US" dirty="0"/>
           </a:p>
         </p:txBody>
       </p:sp>
@@ -21870,7 +22278,7 @@
         </p:nvSpPr>
         <p:spPr>
           <a:xfrm>
-            <a:off x="3421419" y="3257118"/>
+            <a:off x="3421419" y="2191707"/>
             <a:ext cx="1349600" cy="369332"/>
           </a:xfrm>
           <a:prstGeom prst="rect">
@@ -21885,10 +22293,9 @@
           <a:lstStyle/>
           <a:p>
             <a:r>
-              <a:rPr lang="en-US" dirty="0" smtClean="0"/>
+              <a:rPr lang="en-US" dirty="0"/>
               <a:t>Stored in DB</a:t>
             </a:r>
-            <a:endParaRPr lang="en-US" dirty="0"/>
           </a:p>
         </p:txBody>
       </p:sp>
@@ -21900,7 +22307,7 @@
         </p:nvSpPr>
         <p:spPr>
           <a:xfrm>
-            <a:off x="834543" y="2974308"/>
+            <a:off x="834543" y="1908897"/>
             <a:ext cx="1731884" cy="369332"/>
           </a:xfrm>
           <a:prstGeom prst="rect">
@@ -21915,10 +22322,9 @@
           <a:lstStyle/>
           <a:p>
             <a:r>
-              <a:rPr lang="en-US" dirty="0" smtClean="0"/>
+              <a:rPr lang="en-US" dirty="0"/>
               <a:t>Web Application</a:t>
             </a:r>
-            <a:endParaRPr lang="en-US" dirty="0"/>
           </a:p>
         </p:txBody>
       </p:sp>
@@ -21930,7 +22336,7 @@
         </p:nvSpPr>
         <p:spPr>
           <a:xfrm>
-            <a:off x="8965385" y="2482611"/>
+            <a:off x="8965385" y="1417200"/>
             <a:ext cx="2951384" cy="1188707"/>
           </a:xfrm>
           <a:prstGeom prst="rect">
@@ -21973,7 +22379,7 @@
         </p:nvSpPr>
         <p:spPr>
           <a:xfrm>
-            <a:off x="9530378" y="2508182"/>
+            <a:off x="9530378" y="1442771"/>
             <a:ext cx="1821397" cy="707886"/>
           </a:xfrm>
           <a:prstGeom prst="rect">
@@ -21989,7 +22395,7 @@
           <a:p>
             <a:pPr algn="ctr"/>
             <a:r>
-              <a:rPr lang="en-US" sz="4000" cap="none" spc="0" dirty="0" smtClean="0">
+              <a:rPr lang="en-US" sz="4000" cap="none" spc="0" dirty="0">
                 <a:ln w="0"/>
                 <a:solidFill>
                   <a:schemeClr val="accent6"/>
@@ -22004,19 +22410,6 @@
               </a:rPr>
               <a:t>Student</a:t>
             </a:r>
-            <a:endParaRPr lang="en-US" sz="4000" cap="none" spc="0" dirty="0">
-              <a:ln w="0"/>
-              <a:solidFill>
-                <a:schemeClr val="accent6"/>
-              </a:solidFill>
-              <a:effectLst>
-                <a:outerShdw blurRad="38100" dist="25400" dir="5400000" algn="ctr" rotWithShape="0">
-                  <a:srgbClr val="6E747A">
-                    <a:alpha val="43000"/>
-                  </a:srgbClr>
-                </a:outerShdw>
-              </a:effectLst>
-            </a:endParaRPr>
           </a:p>
         </p:txBody>
       </p:sp>
@@ -22028,7 +22421,7 @@
         </p:nvSpPr>
         <p:spPr>
           <a:xfrm>
-            <a:off x="9636625" y="3128197"/>
+            <a:off x="9636625" y="2062786"/>
             <a:ext cx="1608902" cy="369332"/>
           </a:xfrm>
           <a:prstGeom prst="rect">
@@ -22043,10 +22436,9 @@
           <a:lstStyle/>
           <a:p>
             <a:r>
-              <a:rPr lang="en-US" dirty="0" smtClean="0"/>
+              <a:rPr lang="en-US" dirty="0"/>
               <a:t>iOS Application</a:t>
             </a:r>
-            <a:endParaRPr lang="en-US" dirty="0"/>
           </a:p>
         </p:txBody>
       </p:sp>
@@ -22058,7 +22450,7 @@
         </p:nvSpPr>
         <p:spPr>
           <a:xfrm>
-            <a:off x="7217589" y="3239498"/>
+            <a:off x="7217589" y="2174087"/>
             <a:ext cx="1709314" cy="369332"/>
           </a:xfrm>
           <a:prstGeom prst="rect">
@@ -22073,10 +22465,9 @@
           <a:lstStyle/>
           <a:p>
             <a:r>
-              <a:rPr lang="en-US" dirty="0" smtClean="0"/>
+              <a:rPr lang="en-US" dirty="0"/>
               <a:t>Compared in DB</a:t>
             </a:r>
-            <a:endParaRPr lang="en-US" dirty="0"/>
           </a:p>
         </p:txBody>
       </p:sp>
@@ -22088,7 +22479,7 @@
         </p:nvSpPr>
         <p:spPr>
           <a:xfrm>
-            <a:off x="7596702" y="2479443"/>
+            <a:off x="7596702" y="1414032"/>
             <a:ext cx="952184" cy="369332"/>
           </a:xfrm>
           <a:prstGeom prst="rect">
@@ -22103,10 +22494,9 @@
           <a:lstStyle/>
           <a:p>
             <a:r>
-              <a:rPr lang="en-US" dirty="0" smtClean="0"/>
+              <a:rPr lang="en-US" dirty="0"/>
               <a:t>Scan QR</a:t>
             </a:r>
-            <a:endParaRPr lang="en-US" dirty="0"/>
           </a:p>
         </p:txBody>
       </p:sp>
@@ -22118,8 +22508,8 @@
         </p:nvSpPr>
         <p:spPr>
           <a:xfrm>
-            <a:off x="7160962" y="4750974"/>
-            <a:ext cx="1992736" cy="1902921"/>
+            <a:off x="7160962" y="3675307"/>
+            <a:ext cx="1992736" cy="1913177"/>
           </a:xfrm>
           <a:prstGeom prst="diamond">
             <a:avLst/>
@@ -22156,7 +22546,7 @@
         </p:nvCxnSpPr>
         <p:spPr>
           <a:xfrm flipH="1" flipV="1">
-            <a:off x="6096000" y="5700071"/>
+            <a:off x="6096000" y="4634660"/>
             <a:ext cx="1064963" cy="2363"/>
           </a:xfrm>
           <a:prstGeom prst="straightConnector1">
@@ -22191,8 +22581,8 @@
         </p:nvCxnSpPr>
         <p:spPr>
           <a:xfrm flipH="1" flipV="1">
-            <a:off x="6118486" y="4099040"/>
-            <a:ext cx="13728" cy="1601032"/>
+            <a:off x="6109414" y="3033629"/>
+            <a:ext cx="22799" cy="1601031"/>
           </a:xfrm>
           <a:prstGeom prst="straightConnector1">
             <a:avLst/>
@@ -22224,7 +22614,7 @@
         </p:nvSpPr>
         <p:spPr>
           <a:xfrm>
-            <a:off x="7506165" y="5474098"/>
+            <a:off x="7506165" y="4408687"/>
             <a:ext cx="1425135" cy="461665"/>
           </a:xfrm>
           <a:prstGeom prst="rect">
@@ -22240,7 +22630,7 @@
           <a:p>
             <a:pPr algn="ctr"/>
             <a:r>
-              <a:rPr lang="en-US" sz="2400" dirty="0" smtClean="0">
+              <a:rPr lang="en-US" sz="2400" dirty="0">
                 <a:ln w="0"/>
                 <a:solidFill>
                   <a:schemeClr val="accent6"/>
@@ -22279,7 +22669,7 @@
         </p:nvSpPr>
         <p:spPr>
           <a:xfrm>
-            <a:off x="6463302" y="5330739"/>
+            <a:off x="6463302" y="4265328"/>
             <a:ext cx="491225" cy="369332"/>
           </a:xfrm>
           <a:prstGeom prst="rect">
@@ -22294,10 +22684,9 @@
           <a:lstStyle/>
           <a:p>
             <a:r>
-              <a:rPr lang="en-US" dirty="0" smtClean="0"/>
+              <a:rPr lang="en-US" dirty="0"/>
               <a:t>yes</a:t>
             </a:r>
-            <a:endParaRPr lang="en-US" dirty="0"/>
           </a:p>
         </p:txBody>
       </p:sp>
@@ -22309,7 +22698,7 @@
         </p:nvSpPr>
         <p:spPr>
           <a:xfrm>
-            <a:off x="4385047" y="4772918"/>
+            <a:off x="4385047" y="3707507"/>
             <a:ext cx="1798320" cy="646331"/>
           </a:xfrm>
           <a:prstGeom prst="rect">
@@ -22324,10 +22713,9 @@
           <a:lstStyle/>
           <a:p>
             <a:r>
-              <a:rPr lang="en-US" dirty="0" smtClean="0"/>
+              <a:rPr lang="en-US" dirty="0"/>
               <a:t>Mark Attendance as Present In DB</a:t>
             </a:r>
-            <a:endParaRPr lang="en-US" dirty="0"/>
           </a:p>
         </p:txBody>
       </p:sp>
@@ -22342,8 +22730,8 @@
         </p:nvCxnSpPr>
         <p:spPr>
           <a:xfrm rot="5400000">
-            <a:off x="8759376" y="3069273"/>
-            <a:ext cx="1079656" cy="2283747"/>
+            <a:off x="8764504" y="1998734"/>
+            <a:ext cx="1069400" cy="2283747"/>
           </a:xfrm>
           <a:prstGeom prst="bentConnector3">
             <a:avLst/>
@@ -22376,9 +22764,9 @@
           <p:nvPr/>
         </p:nvCxnSpPr>
         <p:spPr>
-          <a:xfrm flipV="1">
-            <a:off x="9153698" y="5700071"/>
-            <a:ext cx="2198077" cy="2364"/>
+          <a:xfrm>
+            <a:off x="9153698" y="4631896"/>
+            <a:ext cx="2198077" cy="2764"/>
           </a:xfrm>
           <a:prstGeom prst="bentConnector3">
             <a:avLst/>
@@ -22410,7 +22798,7 @@
         </p:nvCxnSpPr>
         <p:spPr>
           <a:xfrm flipH="1" flipV="1">
-            <a:off x="11351775" y="3671318"/>
+            <a:off x="11351775" y="2605907"/>
             <a:ext cx="1" cy="2028753"/>
           </a:xfrm>
           <a:prstGeom prst="straightConnector1">
@@ -22443,7 +22831,7 @@
         </p:nvSpPr>
         <p:spPr>
           <a:xfrm>
-            <a:off x="9965228" y="5267716"/>
+            <a:off x="9965228" y="4202305"/>
             <a:ext cx="455574" cy="369332"/>
           </a:xfrm>
           <a:prstGeom prst="rect">
@@ -22458,10 +22846,9 @@
           <a:lstStyle/>
           <a:p>
             <a:r>
-              <a:rPr lang="en-US" dirty="0" smtClean="0"/>
+              <a:rPr lang="en-US" dirty="0"/>
               <a:t>No</a:t>
             </a:r>
-            <a:endParaRPr lang="en-US" dirty="0"/>
           </a:p>
         </p:txBody>
       </p:sp>
@@ -22473,7 +22860,7 @@
         </p:nvSpPr>
         <p:spPr>
           <a:xfrm>
-            <a:off x="9449745" y="5830623"/>
+            <a:off x="9449745" y="4765212"/>
             <a:ext cx="1902029" cy="646331"/>
           </a:xfrm>
           <a:prstGeom prst="rect">
@@ -22488,10 +22875,9 @@
           <a:lstStyle/>
           <a:p>
             <a:r>
-              <a:rPr lang="en-US" dirty="0" smtClean="0"/>
+              <a:rPr lang="en-US" dirty="0"/>
               <a:t>Alert saying that QR doesn’t Match</a:t>
             </a:r>
-            <a:endParaRPr lang="en-US" dirty="0"/>
           </a:p>
         </p:txBody>
       </p:sp>
@@ -22505,14 +22891,6 @@
   <p:clrMapOvr>
     <a:masterClrMapping/>
   </p:clrMapOvr>
-  <mc:AlternateContent xmlns:mc="http://schemas.openxmlformats.org/markup-compatibility/2006" xmlns:p14="http://schemas.microsoft.com/office/powerpoint/2010/main">
-    <mc:Choice Requires="p14">
-      <p:transition spd="slow" p14:dur="2000"/>
-    </mc:Choice>
-    <mc:Fallback xmlns="">
-      <p:transition spd="slow"/>
-    </mc:Fallback>
-  </mc:AlternateContent>
   <p:timing>
     <p:tnLst>
       <p:par>
@@ -22646,7 +23024,242 @@
 </p:sld>
 </file>
 
-<file path=ppt/slides/slide7.xml><?xml version="1.0" encoding="utf-8"?>
+<file path=ppt/slides/slide8.xml><?xml version="1.0" encoding="utf-8"?>
+<p:sld xmlns:a="http://schemas.openxmlformats.org/drawingml/2006/main" xmlns:r="http://schemas.openxmlformats.org/officeDocument/2006/relationships" xmlns:p="http://schemas.openxmlformats.org/presentationml/2006/main">
+  <p:cSld>
+    <p:spTree>
+      <p:nvGrpSpPr>
+        <p:cNvPr id="1" name=""/>
+        <p:cNvGrpSpPr/>
+        <p:nvPr/>
+      </p:nvGrpSpPr>
+      <p:grpSpPr>
+        <a:xfrm>
+          <a:off x="0" y="0"/>
+          <a:ext cx="0" cy="0"/>
+          <a:chOff x="0" y="0"/>
+          <a:chExt cx="0" cy="0"/>
+        </a:xfrm>
+      </p:grpSpPr>
+      <p:sp>
+        <p:nvSpPr>
+          <p:cNvPr id="2" name="Title 1"/>
+          <p:cNvSpPr>
+            <a:spLocks noGrp="1"/>
+          </p:cNvSpPr>
+          <p:nvPr>
+            <p:ph type="title"/>
+          </p:nvPr>
+        </p:nvSpPr>
+        <p:spPr/>
+        <p:txBody>
+          <a:bodyPr/>
+          <a:lstStyle/>
+          <a:p>
+            <a:r>
+              <a:rPr lang="en-US" dirty="0">
+                <a:solidFill>
+                  <a:schemeClr val="tx1"/>
+                </a:solidFill>
+              </a:rPr>
+              <a:t>Technologies used</a:t>
+            </a:r>
+          </a:p>
+        </p:txBody>
+      </p:sp>
+      <p:sp>
+        <p:nvSpPr>
+          <p:cNvPr id="4" name="Content Placeholder 3"/>
+          <p:cNvSpPr>
+            <a:spLocks noGrp="1"/>
+          </p:cNvSpPr>
+          <p:nvPr>
+            <p:ph sz="quarter" idx="13"/>
+          </p:nvPr>
+        </p:nvSpPr>
+        <p:spPr>
+          <a:xfrm>
+            <a:off x="685801" y="1844907"/>
+            <a:ext cx="5088712" cy="2512852"/>
+          </a:xfrm>
+        </p:spPr>
+        <p:txBody>
+          <a:bodyPr>
+            <a:noAutofit/>
+          </a:bodyPr>
+          <a:lstStyle/>
+          <a:p>
+            <a:r>
+              <a:rPr lang="en-US" sz="2400" dirty="0">
+                <a:latin typeface="Times New Roman" panose="02020603050405020304" pitchFamily="18" charset="0"/>
+                <a:cs typeface="Times New Roman" panose="02020603050405020304" pitchFamily="18" charset="0"/>
+              </a:rPr>
+              <a:t>Languages</a:t>
+            </a:r>
+          </a:p>
+          <a:p>
+            <a:pPr lvl="1"/>
+            <a:r>
+              <a:rPr lang="en-US" sz="2400" dirty="0">
+                <a:latin typeface="Times New Roman" panose="02020603050405020304" pitchFamily="18" charset="0"/>
+                <a:cs typeface="Times New Roman" panose="02020603050405020304" pitchFamily="18" charset="0"/>
+              </a:rPr>
+              <a:t>Java Script</a:t>
+            </a:r>
+          </a:p>
+          <a:p>
+            <a:pPr lvl="1"/>
+            <a:r>
+              <a:rPr lang="en-US" sz="2400" dirty="0">
+                <a:latin typeface="Times New Roman" panose="02020603050405020304" pitchFamily="18" charset="0"/>
+                <a:cs typeface="Times New Roman" panose="02020603050405020304" pitchFamily="18" charset="0"/>
+              </a:rPr>
+              <a:t>Swift 3.0</a:t>
+            </a:r>
+          </a:p>
+          <a:p>
+            <a:pPr lvl="1"/>
+            <a:r>
+              <a:rPr lang="en-US" sz="2400" dirty="0">
+                <a:latin typeface="Times New Roman" panose="02020603050405020304" pitchFamily="18" charset="0"/>
+                <a:cs typeface="Times New Roman" panose="02020603050405020304" pitchFamily="18" charset="0"/>
+              </a:rPr>
+              <a:t>Html, </a:t>
+            </a:r>
+            <a:r>
+              <a:rPr lang="en-US" sz="2400" dirty="0" err="1">
+                <a:latin typeface="Times New Roman" panose="02020603050405020304" pitchFamily="18" charset="0"/>
+                <a:cs typeface="Times New Roman" panose="02020603050405020304" pitchFamily="18" charset="0"/>
+              </a:rPr>
+              <a:t>css</a:t>
+            </a:r>
+            <a:endParaRPr lang="en-US" sz="2400" dirty="0">
+              <a:latin typeface="Times New Roman" panose="02020603050405020304" pitchFamily="18" charset="0"/>
+              <a:cs typeface="Times New Roman" panose="02020603050405020304" pitchFamily="18" charset="0"/>
+            </a:endParaRPr>
+          </a:p>
+          <a:p>
+            <a:r>
+              <a:rPr lang="en-US" sz="2400" dirty="0">
+                <a:latin typeface="Times New Roman" panose="02020603050405020304" pitchFamily="18" charset="0"/>
+                <a:cs typeface="Times New Roman" panose="02020603050405020304" pitchFamily="18" charset="0"/>
+              </a:rPr>
+              <a:t>Frame work</a:t>
+            </a:r>
+          </a:p>
+          <a:p>
+            <a:pPr lvl="1"/>
+            <a:r>
+              <a:rPr lang="en-US" sz="2400" dirty="0">
+                <a:latin typeface="Times New Roman" panose="02020603050405020304" pitchFamily="18" charset="0"/>
+                <a:cs typeface="Times New Roman" panose="02020603050405020304" pitchFamily="18" charset="0"/>
+              </a:rPr>
+              <a:t>express</a:t>
+            </a:r>
+          </a:p>
+          <a:p>
+            <a:endParaRPr lang="en-US" sz="2400" dirty="0"/>
+          </a:p>
+        </p:txBody>
+      </p:sp>
+      <p:sp>
+        <p:nvSpPr>
+          <p:cNvPr id="6" name="Content Placeholder 5"/>
+          <p:cNvSpPr>
+            <a:spLocks noGrp="1"/>
+          </p:cNvSpPr>
+          <p:nvPr>
+            <p:ph sz="quarter" idx="14"/>
+          </p:nvPr>
+        </p:nvSpPr>
+        <p:spPr>
+          <a:xfrm>
+            <a:off x="5991795" y="1843940"/>
+            <a:ext cx="5088713" cy="2512852"/>
+          </a:xfrm>
+        </p:spPr>
+        <p:txBody>
+          <a:bodyPr>
+            <a:noAutofit/>
+          </a:bodyPr>
+          <a:lstStyle/>
+          <a:p>
+            <a:r>
+              <a:rPr lang="en-US" sz="2400" dirty="0">
+                <a:latin typeface="Times New Roman" panose="02020603050405020304" pitchFamily="18" charset="0"/>
+                <a:cs typeface="Times New Roman" panose="02020603050405020304" pitchFamily="18" charset="0"/>
+              </a:rPr>
+              <a:t>server</a:t>
+            </a:r>
+          </a:p>
+          <a:p>
+            <a:pPr lvl="1"/>
+            <a:r>
+              <a:rPr lang="en-US" sz="2400" dirty="0">
+                <a:latin typeface="Times New Roman" panose="02020603050405020304" pitchFamily="18" charset="0"/>
+                <a:cs typeface="Times New Roman" panose="02020603050405020304" pitchFamily="18" charset="0"/>
+              </a:rPr>
+              <a:t>Node.js</a:t>
+            </a:r>
+          </a:p>
+          <a:p>
+            <a:r>
+              <a:rPr lang="en-US" sz="2400" dirty="0">
+                <a:latin typeface="Times New Roman" panose="02020603050405020304" pitchFamily="18" charset="0"/>
+                <a:cs typeface="Times New Roman" panose="02020603050405020304" pitchFamily="18" charset="0"/>
+              </a:rPr>
+              <a:t>Database </a:t>
+            </a:r>
+          </a:p>
+          <a:p>
+            <a:pPr lvl="1"/>
+            <a:r>
+              <a:rPr lang="en-US" sz="2400" dirty="0">
+                <a:latin typeface="Times New Roman" panose="02020603050405020304" pitchFamily="18" charset="0"/>
+                <a:cs typeface="Times New Roman" panose="02020603050405020304" pitchFamily="18" charset="0"/>
+              </a:rPr>
+              <a:t>Parse SDK</a:t>
+            </a:r>
+          </a:p>
+          <a:p>
+            <a:r>
+              <a:rPr lang="en-US" sz="2400" dirty="0">
+                <a:latin typeface="Times New Roman" panose="02020603050405020304" pitchFamily="18" charset="0"/>
+                <a:cs typeface="Times New Roman" panose="02020603050405020304" pitchFamily="18" charset="0"/>
+              </a:rPr>
+              <a:t>Repository</a:t>
+            </a:r>
+          </a:p>
+          <a:p>
+            <a:pPr lvl="1"/>
+            <a:r>
+              <a:rPr lang="en-US" sz="2400" dirty="0" err="1">
+                <a:latin typeface="Times New Roman" panose="02020603050405020304" pitchFamily="18" charset="0"/>
+                <a:cs typeface="Times New Roman" panose="02020603050405020304" pitchFamily="18" charset="0"/>
+              </a:rPr>
+              <a:t>github</a:t>
+            </a:r>
+            <a:endParaRPr lang="en-US" sz="2400" dirty="0">
+              <a:latin typeface="Times New Roman" panose="02020603050405020304" pitchFamily="18" charset="0"/>
+              <a:cs typeface="Times New Roman" panose="02020603050405020304" pitchFamily="18" charset="0"/>
+            </a:endParaRPr>
+          </a:p>
+        </p:txBody>
+      </p:sp>
+    </p:spTree>
+    <p:extLst>
+      <p:ext uri="{BB962C8B-B14F-4D97-AF65-F5344CB8AC3E}">
+        <p14:creationId xmlns:p14="http://schemas.microsoft.com/office/powerpoint/2010/main" val="1819547468"/>
+      </p:ext>
+    </p:extLst>
+  </p:cSld>
+  <p:clrMapOvr>
+    <a:masterClrMapping/>
+  </p:clrMapOvr>
+</p:sld>
+</file>
+
+<file path=ppt/slides/slide9.xml><?xml version="1.0" encoding="utf-8"?>
 <p:sld xmlns:a="http://schemas.openxmlformats.org/drawingml/2006/main" xmlns:r="http://schemas.openxmlformats.org/officeDocument/2006/relationships" xmlns:p="http://schemas.openxmlformats.org/presentationml/2006/main">
   <p:cSld>
     <p:spTree>
@@ -22681,18 +23294,13 @@
           <a:lstStyle/>
           <a:p>
             <a:r>
-              <a:rPr lang="en-US" dirty="0" smtClean="0">
+              <a:rPr lang="en-US" dirty="0">
                 <a:solidFill>
                   <a:schemeClr val="tx1"/>
                 </a:solidFill>
               </a:rPr>
               <a:t>Challenges Faced and How did we overcome?</a:t>
             </a:r>
-            <a:endParaRPr lang="en-US" dirty="0">
-              <a:solidFill>
-                <a:schemeClr val="tx1"/>
-              </a:solidFill>
-            </a:endParaRPr>
           </a:p>
         </p:txBody>
       </p:sp>
@@ -22719,7 +23327,7 @@
           <a:lstStyle/>
           <a:p>
             <a:r>
-              <a:rPr lang="en-US" sz="2200" dirty="0" smtClean="0">
+              <a:rPr lang="en-US" sz="2200" dirty="0">
                 <a:latin typeface="Times New Roman" panose="02020603050405020304" pitchFamily="18" charset="0"/>
                 <a:cs typeface="Times New Roman" panose="02020603050405020304" pitchFamily="18" charset="0"/>
               </a:rPr>
@@ -22729,7 +23337,7 @@
           <a:p>
             <a:pPr lvl="1"/>
             <a:r>
-              <a:rPr lang="en-US" sz="2000" dirty="0" smtClean="0">
+              <a:rPr lang="en-US" sz="2000" dirty="0">
                 <a:latin typeface="Times New Roman" panose="02020603050405020304" pitchFamily="18" charset="0"/>
                 <a:cs typeface="Times New Roman" panose="02020603050405020304" pitchFamily="18" charset="0"/>
               </a:rPr>
@@ -22738,68 +23346,36 @@
           </a:p>
           <a:p>
             <a:r>
-              <a:rPr lang="en-US" sz="2200" dirty="0" smtClean="0">
-                <a:latin typeface="Times New Roman" panose="02020603050405020304" pitchFamily="18" charset="0"/>
-                <a:cs typeface="Times New Roman" panose="02020603050405020304" pitchFamily="18" charset="0"/>
-              </a:rPr>
-              <a:t>Finalizing </a:t>
-            </a:r>
-            <a:r>
               <a:rPr lang="en-US" sz="2200" dirty="0">
                 <a:latin typeface="Times New Roman" panose="02020603050405020304" pitchFamily="18" charset="0"/>
                 <a:cs typeface="Times New Roman" panose="02020603050405020304" pitchFamily="18" charset="0"/>
               </a:rPr>
-              <a:t>common database for iOS and web </a:t>
-            </a:r>
-            <a:r>
-              <a:rPr lang="en-US" sz="2200" dirty="0" smtClean="0">
-                <a:latin typeface="Times New Roman" panose="02020603050405020304" pitchFamily="18" charset="0"/>
-                <a:cs typeface="Times New Roman" panose="02020603050405020304" pitchFamily="18" charset="0"/>
-              </a:rPr>
-              <a:t>application</a:t>
+              <a:t>Finalizing common database for iOS and web application</a:t>
             </a:r>
           </a:p>
           <a:p>
             <a:pPr lvl="1"/>
             <a:r>
-              <a:rPr lang="en-US" sz="2000" dirty="0" smtClean="0">
+              <a:rPr lang="en-US" sz="2000" dirty="0">
                 <a:latin typeface="Times New Roman" panose="02020603050405020304" pitchFamily="18" charset="0"/>
                 <a:cs typeface="Times New Roman" panose="02020603050405020304" pitchFamily="18" charset="0"/>
               </a:rPr>
               <a:t>Group discussions on all the pros and cons </a:t>
             </a:r>
-            <a:endParaRPr lang="en-US" sz="2000" dirty="0">
-              <a:latin typeface="Times New Roman" panose="02020603050405020304" pitchFamily="18" charset="0"/>
-              <a:cs typeface="Times New Roman" panose="02020603050405020304" pitchFamily="18" charset="0"/>
-            </a:endParaRPr>
-          </a:p>
-          <a:p>
-            <a:r>
-              <a:rPr lang="en-US" sz="2200" dirty="0" smtClean="0">
-                <a:latin typeface="Times New Roman" panose="02020603050405020304" pitchFamily="18" charset="0"/>
-                <a:cs typeface="Times New Roman" panose="02020603050405020304" pitchFamily="18" charset="0"/>
-              </a:rPr>
-              <a:t>Developing </a:t>
-            </a:r>
+          </a:p>
+          <a:p>
             <a:r>
               <a:rPr lang="en-US" sz="2200" dirty="0">
                 <a:latin typeface="Times New Roman" panose="02020603050405020304" pitchFamily="18" charset="0"/>
                 <a:cs typeface="Times New Roman" panose="02020603050405020304" pitchFamily="18" charset="0"/>
               </a:rPr>
-              <a:t>the Project in </a:t>
-            </a:r>
-            <a:r>
-              <a:rPr lang="en-US" sz="2200" dirty="0" smtClean="0">
-                <a:latin typeface="Times New Roman" panose="02020603050405020304" pitchFamily="18" charset="0"/>
-                <a:cs typeface="Times New Roman" panose="02020603050405020304" pitchFamily="18" charset="0"/>
-              </a:rPr>
-              <a:t>Node.js</a:t>
+              <a:t>Developing the Project in Node.js</a:t>
             </a:r>
           </a:p>
           <a:p>
             <a:pPr lvl="1"/>
             <a:r>
-              <a:rPr lang="en-US" sz="2000" dirty="0" smtClean="0">
+              <a:rPr lang="en-US" sz="2000" dirty="0">
                 <a:latin typeface="Times New Roman" panose="02020603050405020304" pitchFamily="18" charset="0"/>
                 <a:cs typeface="Times New Roman" panose="02020603050405020304" pitchFamily="18" charset="0"/>
               </a:rPr>
@@ -22871,367 +23447,6 @@
       </p:transition>
     </mc:Fallback>
   </mc:AlternateContent>
-  <p:timing>
-    <p:tnLst>
-      <p:par>
-        <p:cTn id="1" dur="indefinite" restart="never" nodeType="tmRoot"/>
-      </p:par>
-    </p:tnLst>
-  </p:timing>
-</p:sld>
-</file>
-
-<file path=ppt/slides/slide8.xml><?xml version="1.0" encoding="utf-8"?>
-<p:sld xmlns:a="http://schemas.openxmlformats.org/drawingml/2006/main" xmlns:r="http://schemas.openxmlformats.org/officeDocument/2006/relationships" xmlns:p="http://schemas.openxmlformats.org/presentationml/2006/main">
-  <p:cSld>
-    <p:spTree>
-      <p:nvGrpSpPr>
-        <p:cNvPr id="1" name=""/>
-        <p:cNvGrpSpPr/>
-        <p:nvPr/>
-      </p:nvGrpSpPr>
-      <p:grpSpPr>
-        <a:xfrm>
-          <a:off x="0" y="0"/>
-          <a:ext cx="0" cy="0"/>
-          <a:chOff x="0" y="0"/>
-          <a:chExt cx="0" cy="0"/>
-        </a:xfrm>
-      </p:grpSpPr>
-      <p:sp>
-        <p:nvSpPr>
-          <p:cNvPr id="2" name="Title 1"/>
-          <p:cNvSpPr>
-            <a:spLocks noGrp="1"/>
-          </p:cNvSpPr>
-          <p:nvPr>
-            <p:ph type="title"/>
-          </p:nvPr>
-        </p:nvSpPr>
-        <p:spPr/>
-        <p:txBody>
-          <a:bodyPr>
-            <a:normAutofit fontScale="90000"/>
-          </a:bodyPr>
-          <a:lstStyle/>
-          <a:p>
-            <a:r>
-              <a:rPr lang="en-US" dirty="0" smtClean="0">
-                <a:solidFill>
-                  <a:schemeClr val="tx1"/>
-                </a:solidFill>
-              </a:rPr>
-              <a:t>Challenges Faced and How did we overcome?</a:t>
-            </a:r>
-            <a:endParaRPr lang="en-US" dirty="0">
-              <a:solidFill>
-                <a:schemeClr val="tx1"/>
-              </a:solidFill>
-            </a:endParaRPr>
-          </a:p>
-        </p:txBody>
-      </p:sp>
-      <p:sp>
-        <p:nvSpPr>
-          <p:cNvPr id="3" name="Content Placeholder 2"/>
-          <p:cNvSpPr>
-            <a:spLocks noGrp="1"/>
-          </p:cNvSpPr>
-          <p:nvPr>
-            <p:ph sz="quarter" idx="13"/>
-          </p:nvPr>
-        </p:nvSpPr>
-        <p:spPr>
-          <a:xfrm>
-            <a:off x="685801" y="5081449"/>
-            <a:ext cx="10394707" cy="1776551"/>
-          </a:xfrm>
-        </p:spPr>
-        <p:txBody>
-          <a:bodyPr>
-            <a:noAutofit/>
-          </a:bodyPr>
-          <a:lstStyle/>
-          <a:p>
-            <a:r>
-              <a:rPr lang="en" sz="2200" dirty="0" smtClean="0">
-                <a:latin typeface="Times New Roman" panose="02020603050405020304" pitchFamily="18" charset="0"/>
-                <a:cs typeface="Times New Roman" panose="02020603050405020304" pitchFamily="18" charset="0"/>
-              </a:rPr>
-              <a:t>Generation of the Unique QR code for each time</a:t>
-            </a:r>
-          </a:p>
-          <a:p>
-            <a:pPr lvl="1"/>
-            <a:r>
-              <a:rPr lang="en-US" sz="2000" dirty="0" smtClean="0">
-                <a:latin typeface="Times New Roman" panose="02020603050405020304" pitchFamily="18" charset="0"/>
-                <a:cs typeface="Times New Roman" panose="02020603050405020304" pitchFamily="18" charset="0"/>
-              </a:rPr>
-              <a:t>Using the google API for generation of the QR code</a:t>
-            </a:r>
-          </a:p>
-          <a:p>
-            <a:r>
-              <a:rPr lang="en-US" sz="2200" dirty="0" smtClean="0">
-                <a:latin typeface="Times New Roman" panose="02020603050405020304" pitchFamily="18" charset="0"/>
-                <a:cs typeface="Times New Roman" panose="02020603050405020304" pitchFamily="18" charset="0"/>
-              </a:rPr>
-              <a:t>Scanning the QR</a:t>
-            </a:r>
-          </a:p>
-          <a:p>
-            <a:pPr lvl="1"/>
-            <a:r>
-              <a:rPr lang="en-US" sz="2000" dirty="0" smtClean="0">
-                <a:latin typeface="Times New Roman" panose="02020603050405020304" pitchFamily="18" charset="0"/>
-                <a:cs typeface="Times New Roman" panose="02020603050405020304" pitchFamily="18" charset="0"/>
-              </a:rPr>
-              <a:t>Using the google API</a:t>
-            </a:r>
-          </a:p>
-          <a:p>
-            <a:r>
-              <a:rPr lang="en-US" sz="2200" dirty="0" smtClean="0">
-                <a:latin typeface="Times New Roman" panose="02020603050405020304" pitchFamily="18" charset="0"/>
-                <a:cs typeface="Times New Roman" panose="02020603050405020304" pitchFamily="18" charset="0"/>
-              </a:rPr>
-              <a:t>Managing a team of seven members</a:t>
-            </a:r>
-          </a:p>
-          <a:p>
-            <a:pPr lvl="1"/>
-            <a:r>
-              <a:rPr lang="en-US" sz="2000" dirty="0" smtClean="0">
-                <a:latin typeface="Times New Roman" panose="02020603050405020304" pitchFamily="18" charset="0"/>
-                <a:cs typeface="Times New Roman" panose="02020603050405020304" pitchFamily="18" charset="0"/>
-              </a:rPr>
-              <a:t>Following the iteration plan and pushing the working code end of every week</a:t>
-            </a:r>
-          </a:p>
-          <a:p>
-            <a:pPr lvl="1"/>
-            <a:r>
-              <a:rPr lang="en-US" sz="2000" dirty="0" smtClean="0">
-                <a:latin typeface="Times New Roman" panose="02020603050405020304" pitchFamily="18" charset="0"/>
-                <a:cs typeface="Times New Roman" panose="02020603050405020304" pitchFamily="18" charset="0"/>
-              </a:rPr>
-              <a:t>Honesty among team members in expressing the difficulties and issues.</a:t>
-            </a:r>
-          </a:p>
-          <a:p>
-            <a:endParaRPr lang="en-US" sz="2200" dirty="0" smtClean="0">
-              <a:latin typeface="Times New Roman" panose="02020603050405020304" pitchFamily="18" charset="0"/>
-              <a:cs typeface="Times New Roman" panose="02020603050405020304" pitchFamily="18" charset="0"/>
-            </a:endParaRPr>
-          </a:p>
-          <a:p>
-            <a:endParaRPr lang="en-US" sz="2200" dirty="0" smtClean="0">
-              <a:latin typeface="Times New Roman" panose="02020603050405020304" pitchFamily="18" charset="0"/>
-              <a:cs typeface="Times New Roman" panose="02020603050405020304" pitchFamily="18" charset="0"/>
-            </a:endParaRPr>
-          </a:p>
-          <a:p>
-            <a:endParaRPr lang="en-US" sz="2200" dirty="0" smtClean="0">
-              <a:latin typeface="Times New Roman" panose="02020603050405020304" pitchFamily="18" charset="0"/>
-              <a:cs typeface="Times New Roman" panose="02020603050405020304" pitchFamily="18" charset="0"/>
-            </a:endParaRPr>
-          </a:p>
-          <a:p>
-            <a:endParaRPr lang="en-US" sz="2200" dirty="0" smtClean="0">
-              <a:latin typeface="Times New Roman" panose="02020603050405020304" pitchFamily="18" charset="0"/>
-              <a:cs typeface="Times New Roman" panose="02020603050405020304" pitchFamily="18" charset="0"/>
-            </a:endParaRPr>
-          </a:p>
-          <a:p>
-            <a:endParaRPr lang="en-US" sz="2200" dirty="0" smtClean="0">
-              <a:latin typeface="Times New Roman" panose="02020603050405020304" pitchFamily="18" charset="0"/>
-              <a:cs typeface="Times New Roman" panose="02020603050405020304" pitchFamily="18" charset="0"/>
-            </a:endParaRPr>
-          </a:p>
-          <a:p>
-            <a:endParaRPr lang="en-US" sz="2200" dirty="0" smtClean="0">
-              <a:latin typeface="Times New Roman" panose="02020603050405020304" pitchFamily="18" charset="0"/>
-              <a:cs typeface="Times New Roman" panose="02020603050405020304" pitchFamily="18" charset="0"/>
-            </a:endParaRPr>
-          </a:p>
-          <a:p>
-            <a:endParaRPr lang="en-US" sz="2200" dirty="0" smtClean="0">
-              <a:latin typeface="Times New Roman" panose="02020603050405020304" pitchFamily="18" charset="0"/>
-              <a:cs typeface="Times New Roman" panose="02020603050405020304" pitchFamily="18" charset="0"/>
-            </a:endParaRPr>
-          </a:p>
-          <a:p>
-            <a:endParaRPr lang="en-US" sz="2200" dirty="0">
-              <a:latin typeface="Times New Roman" panose="02020603050405020304" pitchFamily="18" charset="0"/>
-              <a:cs typeface="Times New Roman" panose="02020603050405020304" pitchFamily="18" charset="0"/>
-            </a:endParaRPr>
-          </a:p>
-        </p:txBody>
-      </p:sp>
-      <p:pic>
-        <p:nvPicPr>
-          <p:cNvPr id="1028" name="Picture 4" descr="Image result for how"/>
-          <p:cNvPicPr>
-            <a:picLocks noChangeAspect="1" noChangeArrowheads="1"/>
-          </p:cNvPicPr>
-          <p:nvPr/>
-        </p:nvPicPr>
-        <p:blipFill>
-          <a:blip r:embed="rId2" cstate="print">
-            <a:extLst>
-              <a:ext uri="{28A0092B-C50C-407E-A947-70E740481C1C}">
-                <a14:useLocalDpi xmlns:a14="http://schemas.microsoft.com/office/drawing/2010/main" val="0"/>
-              </a:ext>
-            </a:extLst>
-          </a:blip>
-          <a:srcRect/>
-          <a:stretch>
-            <a:fillRect/>
-          </a:stretch>
-        </p:blipFill>
-        <p:spPr bwMode="auto">
-          <a:xfrm>
-            <a:off x="9888968" y="685799"/>
-            <a:ext cx="1282979" cy="1282979"/>
-          </a:xfrm>
-          <a:prstGeom prst="rect">
-            <a:avLst/>
-          </a:prstGeom>
-          <a:noFill/>
-          <a:extLst>
-            <a:ext uri="{909E8E84-426E-40DD-AFC4-6F175D3DCCD1}">
-              <a14:hiddenFill xmlns:a14="http://schemas.microsoft.com/office/drawing/2010/main">
-                <a:solidFill>
-                  <a:srgbClr val="FFFFFF"/>
-                </a:solidFill>
-              </a14:hiddenFill>
-            </a:ext>
-          </a:extLst>
-        </p:spPr>
-      </p:pic>
-    </p:spTree>
-    <p:extLst>
-      <p:ext uri="{BB962C8B-B14F-4D97-AF65-F5344CB8AC3E}">
-        <p14:creationId xmlns:p14="http://schemas.microsoft.com/office/powerpoint/2010/main" val="236189111"/>
-      </p:ext>
-    </p:extLst>
-  </p:cSld>
-  <p:clrMapOvr>
-    <a:masterClrMapping/>
-  </p:clrMapOvr>
-  <p:timing>
-    <p:tnLst>
-      <p:par>
-        <p:cTn id="1" dur="indefinite" restart="never" nodeType="tmRoot"/>
-      </p:par>
-    </p:tnLst>
-  </p:timing>
-</p:sld>
-</file>
-
-<file path=ppt/slides/slide9.xml><?xml version="1.0" encoding="utf-8"?>
-<p:sld xmlns:a="http://schemas.openxmlformats.org/drawingml/2006/main" xmlns:r="http://schemas.openxmlformats.org/officeDocument/2006/relationships" xmlns:p="http://schemas.openxmlformats.org/presentationml/2006/main">
-  <p:cSld>
-    <p:spTree>
-      <p:nvGrpSpPr>
-        <p:cNvPr id="1" name=""/>
-        <p:cNvGrpSpPr/>
-        <p:nvPr/>
-      </p:nvGrpSpPr>
-      <p:grpSpPr>
-        <a:xfrm>
-          <a:off x="0" y="0"/>
-          <a:ext cx="0" cy="0"/>
-          <a:chOff x="0" y="0"/>
-          <a:chExt cx="0" cy="0"/>
-        </a:xfrm>
-      </p:grpSpPr>
-      <p:sp>
-        <p:nvSpPr>
-          <p:cNvPr id="2" name="Title 1"/>
-          <p:cNvSpPr>
-            <a:spLocks noGrp="1"/>
-          </p:cNvSpPr>
-          <p:nvPr>
-            <p:ph type="title"/>
-          </p:nvPr>
-        </p:nvSpPr>
-        <p:spPr/>
-        <p:txBody>
-          <a:bodyPr/>
-          <a:lstStyle/>
-          <a:p>
-            <a:r>
-              <a:rPr lang="en-US" dirty="0" smtClean="0">
-                <a:solidFill>
-                  <a:schemeClr val="tx1"/>
-                </a:solidFill>
-              </a:rPr>
-              <a:t>Iteration Plan</a:t>
-            </a:r>
-            <a:endParaRPr lang="en-US" dirty="0">
-              <a:solidFill>
-                <a:schemeClr val="tx1"/>
-              </a:solidFill>
-            </a:endParaRPr>
-          </a:p>
-        </p:txBody>
-      </p:sp>
-      <p:graphicFrame>
-        <p:nvGraphicFramePr>
-          <p:cNvPr id="4" name="Content Placeholder 2" descr="Trapezoid list showing 4 groups arranged from left to right with task descriptions under each group"/>
-          <p:cNvGraphicFramePr>
-            <a:graphicFrameLocks noGrp="1"/>
-          </p:cNvGraphicFramePr>
-          <p:nvPr>
-            <p:ph idx="1"/>
-            <p:extLst>
-              <p:ext uri="{D42A27DB-BD31-4B8C-83A1-F6EECF244321}">
-                <p14:modId xmlns:p14="http://schemas.microsoft.com/office/powerpoint/2010/main" val="2173922169"/>
-              </p:ext>
-            </p:extLst>
-          </p:nvPr>
-        </p:nvGraphicFramePr>
-        <p:xfrm>
-          <a:off x="685800" y="2307102"/>
-          <a:ext cx="10554285" cy="3235570"/>
-        </p:xfrm>
-        <a:graphic>
-          <a:graphicData uri="http://schemas.openxmlformats.org/drawingml/2006/diagram">
-            <dgm:relIds xmlns:dgm="http://schemas.openxmlformats.org/drawingml/2006/diagram" xmlns:r="http://schemas.openxmlformats.org/officeDocument/2006/relationships" r:dm="rId2" r:lo="rId3" r:qs="rId4" r:cs="rId5"/>
-          </a:graphicData>
-        </a:graphic>
-      </p:graphicFrame>
-    </p:spTree>
-    <p:extLst>
-      <p:ext uri="{BB962C8B-B14F-4D97-AF65-F5344CB8AC3E}">
-        <p14:creationId xmlns:p14="http://schemas.microsoft.com/office/powerpoint/2010/main" val="289517682"/>
-      </p:ext>
-    </p:extLst>
-  </p:cSld>
-  <p:clrMapOvr>
-    <a:masterClrMapping/>
-  </p:clrMapOvr>
-  <mc:AlternateContent xmlns:mc="http://schemas.openxmlformats.org/markup-compatibility/2006" xmlns:p14="http://schemas.microsoft.com/office/powerpoint/2010/main">
-    <mc:Choice Requires="p14">
-      <p:transition spd="med" p14:dur="700">
-        <p:fade/>
-      </p:transition>
-    </mc:Choice>
-    <mc:Fallback xmlns="">
-      <p:transition spd="med">
-        <p:fade/>
-      </p:transition>
-    </mc:Fallback>
-  </mc:AlternateContent>
-  <p:timing>
-    <p:tnLst>
-      <p:par>
-        <p:cTn id="1" dur="indefinite" restart="never" nodeType="tmRoot"/>
-      </p:par>
-    </p:tnLst>
-  </p:timing>
 </p:sld>
 </file>
 

--- a/final ppt.pptx
+++ b/final ppt.pptx
@@ -2983,6 +2983,13 @@
         </dgm:presLayoutVars>
       </dgm:prSet>
       <dgm:spPr/>
+      <dgm:t>
+        <a:bodyPr/>
+        <a:lstStyle/>
+        <a:p>
+          <a:endParaRPr lang="en-US"/>
+        </a:p>
+      </dgm:t>
     </dgm:pt>
     <dgm:pt modelId="{C8BC21FD-556C-40FC-81CC-FBE0FB65A039}" type="pres">
       <dgm:prSet presAssocID="{082E8A29-955A-4C7C-A174-3E9DCD4DC89B}" presName="ParentComposite" presStyleCnt="0"/>
@@ -3005,6 +3012,13 @@
         </dgm:presLayoutVars>
       </dgm:prSet>
       <dgm:spPr/>
+      <dgm:t>
+        <a:bodyPr/>
+        <a:lstStyle/>
+        <a:p>
+          <a:endParaRPr lang="en-US"/>
+        </a:p>
+      </dgm:t>
     </dgm:pt>
     <dgm:pt modelId="{5C7566F6-C13E-4509-A9A7-CD09BAF0870E}" type="pres">
       <dgm:prSet presAssocID="{D5C26250-A06D-4B41-BC14-92648809C21F}" presName="negSibTrans" presStyleCnt="0"/>
@@ -3023,6 +3037,13 @@
         </dgm:presLayoutVars>
       </dgm:prSet>
       <dgm:spPr/>
+      <dgm:t>
+        <a:bodyPr/>
+        <a:lstStyle/>
+        <a:p>
+          <a:endParaRPr lang="en-US"/>
+        </a:p>
+      </dgm:t>
     </dgm:pt>
     <dgm:pt modelId="{388B3605-5608-4D75-A447-2786C48796D3}" type="pres">
       <dgm:prSet presAssocID="{C2176686-D23E-48EB-9D1B-1A1B46236638}" presName="sibTrans" presStyleCnt="0"/>
@@ -3049,6 +3070,13 @@
         </dgm:presLayoutVars>
       </dgm:prSet>
       <dgm:spPr/>
+      <dgm:t>
+        <a:bodyPr/>
+        <a:lstStyle/>
+        <a:p>
+          <a:endParaRPr lang="en-US"/>
+        </a:p>
+      </dgm:t>
     </dgm:pt>
     <dgm:pt modelId="{28E47D28-1AC9-4674-BF31-83CBB825DA83}" type="pres">
       <dgm:prSet presAssocID="{3640B940-6901-481F-ADF7-6B77DEEED764}" presName="negSibTrans" presStyleCnt="0"/>
@@ -3067,6 +3095,13 @@
         </dgm:presLayoutVars>
       </dgm:prSet>
       <dgm:spPr/>
+      <dgm:t>
+        <a:bodyPr/>
+        <a:lstStyle/>
+        <a:p>
+          <a:endParaRPr lang="en-US"/>
+        </a:p>
+      </dgm:t>
     </dgm:pt>
     <dgm:pt modelId="{63F744B1-319A-47E4-B03C-7B9910615014}" type="pres">
       <dgm:prSet presAssocID="{48634C00-2335-4923-9072-EB7482323D9C}" presName="sibTrans" presStyleCnt="0"/>
@@ -3093,6 +3128,13 @@
         </dgm:presLayoutVars>
       </dgm:prSet>
       <dgm:spPr/>
+      <dgm:t>
+        <a:bodyPr/>
+        <a:lstStyle/>
+        <a:p>
+          <a:endParaRPr lang="en-US"/>
+        </a:p>
+      </dgm:t>
     </dgm:pt>
     <dgm:pt modelId="{4059FA52-BA29-436C-B01E-F625A31B39D5}" type="pres">
       <dgm:prSet presAssocID="{6C9440D0-8847-40C0-98BC-2B5EA5745C3A}" presName="negSibTrans" presStyleCnt="0"/>
@@ -3111,6 +3153,13 @@
         </dgm:presLayoutVars>
       </dgm:prSet>
       <dgm:spPr/>
+      <dgm:t>
+        <a:bodyPr/>
+        <a:lstStyle/>
+        <a:p>
+          <a:endParaRPr lang="en-US"/>
+        </a:p>
+      </dgm:t>
     </dgm:pt>
     <dgm:pt modelId="{0CF3F78D-59EA-412D-A1D1-233489C3EBF6}" type="pres">
       <dgm:prSet presAssocID="{DE289E29-1989-4D8E-8AA6-F030105B3F13}" presName="sibTrans" presStyleCnt="0"/>
@@ -3137,6 +3186,13 @@
         </dgm:presLayoutVars>
       </dgm:prSet>
       <dgm:spPr/>
+      <dgm:t>
+        <a:bodyPr/>
+        <a:lstStyle/>
+        <a:p>
+          <a:endParaRPr lang="en-US"/>
+        </a:p>
+      </dgm:t>
     </dgm:pt>
     <dgm:pt modelId="{97CD814A-57C6-4E77-81D0-DF5F94515A11}" type="pres">
       <dgm:prSet presAssocID="{77756FBB-BF6C-4D78-803E-BCC851F1DA03}" presName="negSibTrans" presStyleCnt="0"/>
@@ -3155,40 +3211,47 @@
         </dgm:presLayoutVars>
       </dgm:prSet>
       <dgm:spPr/>
+      <dgm:t>
+        <a:bodyPr/>
+        <a:lstStyle/>
+        <a:p>
+          <a:endParaRPr lang="en-US"/>
+        </a:p>
+      </dgm:t>
     </dgm:pt>
   </dgm:ptLst>
   <dgm:cxnLst>
-    <dgm:cxn modelId="{B055C91B-9D3C-49A8-99B5-F11DA4FEA935}" type="presOf" srcId="{F3256203-D9D1-492A-B801-68C1A32486F0}" destId="{986877C7-5555-4471-A423-DCAF7AEC96DE}" srcOrd="0" destOrd="0" presId="urn:microsoft.com/office/officeart/2009/3/layout/PieProcess"/>
-    <dgm:cxn modelId="{56DED42F-8763-49B1-B10F-B89D85A55BA2}" type="presOf" srcId="{422AACC2-0BA9-4098-8E51-7BBB903AF3DB}" destId="{986877C7-5555-4471-A423-DCAF7AEC96DE}" srcOrd="0" destOrd="1" presId="urn:microsoft.com/office/officeart/2009/3/layout/PieProcess"/>
+    <dgm:cxn modelId="{508A9F6A-C4F1-4147-A5F6-B89293B446E8}" srcId="{082E8A29-955A-4C7C-A174-3E9DCD4DC89B}" destId="{B86124A4-14C7-49C7-A342-9B2C2B94980B}" srcOrd="1" destOrd="0" parTransId="{B2F6F8FA-C3EE-485C-BFEC-A81570DC47D8}" sibTransId="{1114C752-8188-4E63-BFFC-E4081ACE9882}"/>
+    <dgm:cxn modelId="{0F5879C4-E67B-4EF6-B34A-7C943703A97C}" type="presOf" srcId="{E5E95E82-EF79-43CA-AA86-43B0E1CBCD3F}" destId="{5A148C6B-0CFB-4CDB-B2E0-0CF7320A2CD8}" srcOrd="0" destOrd="0" presId="urn:microsoft.com/office/officeart/2009/3/layout/PieProcess"/>
+    <dgm:cxn modelId="{97004F90-D1DB-4A84-A8AE-504DE1F07341}" srcId="{082E8A29-955A-4C7C-A174-3E9DCD4DC89B}" destId="{97AFB725-9839-43BA-B026-0DD6AA03AD9C}" srcOrd="0" destOrd="0" parTransId="{CC01022B-5039-457F-931E-79459E3C1DC4}" sibTransId="{D5C26250-A06D-4B41-BC14-92648809C21F}"/>
+    <dgm:cxn modelId="{D2985AA5-A2DA-491D-8D79-7197674A4AB0}" type="presOf" srcId="{082E8A29-955A-4C7C-A174-3E9DCD4DC89B}" destId="{3738601E-7288-4CE8-B6B3-708FCF66B198}" srcOrd="0" destOrd="0" presId="urn:microsoft.com/office/officeart/2009/3/layout/PieProcess"/>
+    <dgm:cxn modelId="{DB859658-33CE-4587-95EE-FB3377C31B44}" type="presOf" srcId="{CBCC21F5-552F-4D39-812E-6FCD4A366F58}" destId="{AD586D5E-6D5D-4C38-A2CC-FCF6A2523532}" srcOrd="0" destOrd="0" presId="urn:microsoft.com/office/officeart/2009/3/layout/PieProcess"/>
+    <dgm:cxn modelId="{25AF28C0-EE18-4E0F-8B01-F10F3096BC86}" type="presOf" srcId="{B86124A4-14C7-49C7-A342-9B2C2B94980B}" destId="{2D1C1CB8-58C2-46AC-93F8-7D14C8828C6D}" srcOrd="0" destOrd="1" presId="urn:microsoft.com/office/officeart/2009/3/layout/PieProcess"/>
+    <dgm:cxn modelId="{17E73148-9C08-4999-B21E-F3C5A0E3FC0C}" srcId="{CF9055CF-8DEB-4A02-949A-DE72B6AC5D37}" destId="{B6E26FFC-9977-4BBC-BEC7-3D6B63754E52}" srcOrd="1" destOrd="0" parTransId="{5CEFBD89-2F4F-4B51-A98A-0F3C86494166}" sibTransId="{48634C00-2335-4923-9072-EB7482323D9C}"/>
+    <dgm:cxn modelId="{58F02963-6103-4BE1-8EFB-FC841CBFF260}" type="presOf" srcId="{62831651-7C26-466C-BAA4-31EA8D14E47A}" destId="{AD586D5E-6D5D-4C38-A2CC-FCF6A2523532}" srcOrd="0" destOrd="1" presId="urn:microsoft.com/office/officeart/2009/3/layout/PieProcess"/>
+    <dgm:cxn modelId="{7AE93886-F830-46EF-8947-2D3BD71DE3AE}" type="presOf" srcId="{B6E26FFC-9977-4BBC-BEC7-3D6B63754E52}" destId="{BC4B5C02-E286-4891-A251-DC2B2E3F436B}" srcOrd="0" destOrd="0" presId="urn:microsoft.com/office/officeart/2009/3/layout/PieProcess"/>
+    <dgm:cxn modelId="{C8C462C6-33A3-4E8B-91FE-36DBE92F1C4A}" srcId="{CF9055CF-8DEB-4A02-949A-DE72B6AC5D37}" destId="{6D0E5D9F-7263-4526-A227-51301233F549}" srcOrd="2" destOrd="0" parTransId="{23416D07-25F8-426C-BC65-639E6BCF4D6D}" sibTransId="{DE289E29-1989-4D8E-8AA6-F030105B3F13}"/>
+    <dgm:cxn modelId="{59DDA576-1BA9-49E8-9D1D-361FF667A19A}" srcId="{B6E26FFC-9977-4BBC-BEC7-3D6B63754E52}" destId="{62831651-7C26-466C-BAA4-31EA8D14E47A}" srcOrd="1" destOrd="0" parTransId="{0F3EB6E4-07A5-4199-9C2F-8B91F53579FE}" sibTransId="{0D19FA60-5F9C-420B-AD2F-A0656A7F0783}"/>
+    <dgm:cxn modelId="{5EF5D55D-D88A-4885-BFBE-B52166978109}" type="presOf" srcId="{6D0E5D9F-7263-4526-A227-51301233F549}" destId="{CA9AEAE3-E1C9-456F-BBFA-1FA519C78A4E}" srcOrd="0" destOrd="0" presId="urn:microsoft.com/office/officeart/2009/3/layout/PieProcess"/>
+    <dgm:cxn modelId="{68ED9B74-A67A-41A0-BDAD-6E6FDB344D57}" srcId="{6D0E5D9F-7263-4526-A227-51301233F549}" destId="{16208C88-5337-4797-9F05-5AC2E7EB8C59}" srcOrd="2" destOrd="0" parTransId="{79633DA8-5657-4B11-8E98-98132FCC65B8}" sibTransId="{0C8BE7E8-90F4-4597-A5DF-A0A8749AAF4E}"/>
+    <dgm:cxn modelId="{B8464EB7-B7C2-4FAB-8CA2-A7F788408F70}" type="presOf" srcId="{16208C88-5337-4797-9F05-5AC2E7EB8C59}" destId="{986877C7-5555-4471-A423-DCAF7AEC96DE}" srcOrd="0" destOrd="2" presId="urn:microsoft.com/office/officeart/2009/3/layout/PieProcess"/>
+    <dgm:cxn modelId="{FB8541C0-3895-4553-A4C7-34B81A3C4A0B}" srcId="{E5E95E82-EF79-43CA-AA86-43B0E1CBCD3F}" destId="{A81358E0-3DE7-41AD-A28C-ABB22548B1F6}" srcOrd="0" destOrd="0" parTransId="{262E0B94-6EA9-4797-B705-959D7B185F91}" sibTransId="{77756FBB-BF6C-4D78-803E-BCC851F1DA03}"/>
+    <dgm:cxn modelId="{3C41F2E0-4620-40B4-9857-68872B278EFB}" srcId="{B6E26FFC-9977-4BBC-BEC7-3D6B63754E52}" destId="{CBCC21F5-552F-4D39-812E-6FCD4A366F58}" srcOrd="0" destOrd="0" parTransId="{4A973A1C-85F1-4969-A536-D29940229E2C}" sibTransId="{3640B940-6901-481F-ADF7-6B77DEEED764}"/>
+    <dgm:cxn modelId="{3C755D53-78EF-4E69-9076-3238E975E57E}" type="presOf" srcId="{A81358E0-3DE7-41AD-A28C-ABB22548B1F6}" destId="{FDC79394-E0CB-4CB1-9269-8658F340BC8D}" srcOrd="0" destOrd="0" presId="urn:microsoft.com/office/officeart/2009/3/layout/PieProcess"/>
+    <dgm:cxn modelId="{B8E8ABDE-9AC8-47CE-A780-378F6122DFF9}" type="presOf" srcId="{CF9055CF-8DEB-4A02-949A-DE72B6AC5D37}" destId="{CB01CF51-F723-4F8D-80F7-D236155D2300}" srcOrd="0" destOrd="0" presId="urn:microsoft.com/office/officeart/2009/3/layout/PieProcess"/>
+    <dgm:cxn modelId="{1B8E71B0-2D3A-4AB0-8843-CFDACEDC3198}" srcId="{6D0E5D9F-7263-4526-A227-51301233F549}" destId="{F3256203-D9D1-492A-B801-68C1A32486F0}" srcOrd="0" destOrd="0" parTransId="{E9A20291-2E30-4C14-BB7D-DC095A20ECB6}" sibTransId="{6C9440D0-8847-40C0-98BC-2B5EA5745C3A}"/>
+    <dgm:cxn modelId="{2986897A-7787-444F-B6C8-41F3823EF3C1}" srcId="{CF9055CF-8DEB-4A02-949A-DE72B6AC5D37}" destId="{082E8A29-955A-4C7C-A174-3E9DCD4DC89B}" srcOrd="0" destOrd="0" parTransId="{BA7938E6-8DFA-40B7-B4C4-EACC6D85FC31}" sibTransId="{C2176686-D23E-48EB-9D1B-1A1B46236638}"/>
     <dgm:cxn modelId="{1C5CE732-A00F-4C06-A1A8-B209BC6B496D}" srcId="{E5E95E82-EF79-43CA-AA86-43B0E1CBCD3F}" destId="{37A7C994-CC74-44DD-8777-ED6736B35821}" srcOrd="1" destOrd="0" parTransId="{03F017E7-7E3C-4E2C-9CEF-B07099F38801}" sibTransId="{118572A4-3B5E-487E-8015-6A319369077F}"/>
-    <dgm:cxn modelId="{5EF5D55D-D88A-4885-BFBE-B52166978109}" type="presOf" srcId="{6D0E5D9F-7263-4526-A227-51301233F549}" destId="{CA9AEAE3-E1C9-456F-BBFA-1FA519C78A4E}" srcOrd="0" destOrd="0" presId="urn:microsoft.com/office/officeart/2009/3/layout/PieProcess"/>
-    <dgm:cxn modelId="{58F02963-6103-4BE1-8EFB-FC841CBFF260}" type="presOf" srcId="{62831651-7C26-466C-BAA4-31EA8D14E47A}" destId="{AD586D5E-6D5D-4C38-A2CC-FCF6A2523532}" srcOrd="0" destOrd="1" presId="urn:microsoft.com/office/officeart/2009/3/layout/PieProcess"/>
-    <dgm:cxn modelId="{B011A044-8BC6-4A2F-A46E-FB04D5D0C086}" type="presOf" srcId="{97AFB725-9839-43BA-B026-0DD6AA03AD9C}" destId="{2D1C1CB8-58C2-46AC-93F8-7D14C8828C6D}" srcOrd="0" destOrd="0" presId="urn:microsoft.com/office/officeart/2009/3/layout/PieProcess"/>
+    <dgm:cxn modelId="{2E2AA5AF-25C8-4FAD-A68E-3FA1132BED79}" srcId="{6D0E5D9F-7263-4526-A227-51301233F549}" destId="{422AACC2-0BA9-4098-8E51-7BBB903AF3DB}" srcOrd="1" destOrd="0" parTransId="{11DAD3B5-F1B9-444B-8EA3-1E482FF1214A}" sibTransId="{1C5069E3-05F5-4148-88FE-11E4D98108D1}"/>
     <dgm:cxn modelId="{5CB77846-4F8B-4461-B835-28D27CFCEB72}" type="presOf" srcId="{44B2544A-D122-4B95-A36C-B03D9E272B48}" destId="{AD586D5E-6D5D-4C38-A2CC-FCF6A2523532}" srcOrd="0" destOrd="2" presId="urn:microsoft.com/office/officeart/2009/3/layout/PieProcess"/>
-    <dgm:cxn modelId="{17E73148-9C08-4999-B21E-F3C5A0E3FC0C}" srcId="{CF9055CF-8DEB-4A02-949A-DE72B6AC5D37}" destId="{B6E26FFC-9977-4BBC-BEC7-3D6B63754E52}" srcOrd="1" destOrd="0" parTransId="{5CEFBD89-2F4F-4B51-A98A-0F3C86494166}" sibTransId="{48634C00-2335-4923-9072-EB7482323D9C}"/>
     <dgm:cxn modelId="{D286A548-6BB0-4DED-9FB5-D87042DDBE0A}" srcId="{082E8A29-955A-4C7C-A174-3E9DCD4DC89B}" destId="{A97FC57D-50D6-4D43-99C3-06D09820F122}" srcOrd="2" destOrd="0" parTransId="{5DD877C7-E4D9-4A68-A305-5A7689D3DBE7}" sibTransId="{C17BCABE-BEF2-4CC4-B037-B6B4866665CD}"/>
     <dgm:cxn modelId="{3CE1E068-DAFD-4DED-8F95-3517E57F6221}" type="presOf" srcId="{37A7C994-CC74-44DD-8777-ED6736B35821}" destId="{FDC79394-E0CB-4CB1-9269-8658F340BC8D}" srcOrd="0" destOrd="1" presId="urn:microsoft.com/office/officeart/2009/3/layout/PieProcess"/>
-    <dgm:cxn modelId="{508A9F6A-C4F1-4147-A5F6-B89293B446E8}" srcId="{082E8A29-955A-4C7C-A174-3E9DCD4DC89B}" destId="{B86124A4-14C7-49C7-A342-9B2C2B94980B}" srcOrd="1" destOrd="0" parTransId="{B2F6F8FA-C3EE-485C-BFEC-A81570DC47D8}" sibTransId="{1114C752-8188-4E63-BFFC-E4081ACE9882}"/>
-    <dgm:cxn modelId="{3C755D53-78EF-4E69-9076-3238E975E57E}" type="presOf" srcId="{A81358E0-3DE7-41AD-A28C-ABB22548B1F6}" destId="{FDC79394-E0CB-4CB1-9269-8658F340BC8D}" srcOrd="0" destOrd="0" presId="urn:microsoft.com/office/officeart/2009/3/layout/PieProcess"/>
-    <dgm:cxn modelId="{68ED9B74-A67A-41A0-BDAD-6E6FDB344D57}" srcId="{6D0E5D9F-7263-4526-A227-51301233F549}" destId="{16208C88-5337-4797-9F05-5AC2E7EB8C59}" srcOrd="2" destOrd="0" parTransId="{79633DA8-5657-4B11-8E98-98132FCC65B8}" sibTransId="{0C8BE7E8-90F4-4597-A5DF-A0A8749AAF4E}"/>
-    <dgm:cxn modelId="{59DDA576-1BA9-49E8-9D1D-361FF667A19A}" srcId="{B6E26FFC-9977-4BBC-BEC7-3D6B63754E52}" destId="{62831651-7C26-466C-BAA4-31EA8D14E47A}" srcOrd="1" destOrd="0" parTransId="{0F3EB6E4-07A5-4199-9C2F-8B91F53579FE}" sibTransId="{0D19FA60-5F9C-420B-AD2F-A0656A7F0783}"/>
-    <dgm:cxn modelId="{DB859658-33CE-4587-95EE-FB3377C31B44}" type="presOf" srcId="{CBCC21F5-552F-4D39-812E-6FCD4A366F58}" destId="{AD586D5E-6D5D-4C38-A2CC-FCF6A2523532}" srcOrd="0" destOrd="0" presId="urn:microsoft.com/office/officeart/2009/3/layout/PieProcess"/>
-    <dgm:cxn modelId="{2986897A-7787-444F-B6C8-41F3823EF3C1}" srcId="{CF9055CF-8DEB-4A02-949A-DE72B6AC5D37}" destId="{082E8A29-955A-4C7C-A174-3E9DCD4DC89B}" srcOrd="0" destOrd="0" parTransId="{BA7938E6-8DFA-40B7-B4C4-EACC6D85FC31}" sibTransId="{C2176686-D23E-48EB-9D1B-1A1B46236638}"/>
-    <dgm:cxn modelId="{7AE93886-F830-46EF-8947-2D3BD71DE3AE}" type="presOf" srcId="{B6E26FFC-9977-4BBC-BEC7-3D6B63754E52}" destId="{BC4B5C02-E286-4891-A251-DC2B2E3F436B}" srcOrd="0" destOrd="0" presId="urn:microsoft.com/office/officeart/2009/3/layout/PieProcess"/>
-    <dgm:cxn modelId="{97004F90-D1DB-4A84-A8AE-504DE1F07341}" srcId="{082E8A29-955A-4C7C-A174-3E9DCD4DC89B}" destId="{97AFB725-9839-43BA-B026-0DD6AA03AD9C}" srcOrd="0" destOrd="0" parTransId="{CC01022B-5039-457F-931E-79459E3C1DC4}" sibTransId="{D5C26250-A06D-4B41-BC14-92648809C21F}"/>
-    <dgm:cxn modelId="{D2985AA5-A2DA-491D-8D79-7197674A4AB0}" type="presOf" srcId="{082E8A29-955A-4C7C-A174-3E9DCD4DC89B}" destId="{3738601E-7288-4CE8-B6B3-708FCF66B198}" srcOrd="0" destOrd="0" presId="urn:microsoft.com/office/officeart/2009/3/layout/PieProcess"/>
+    <dgm:cxn modelId="{56DED42F-8763-49B1-B10F-B89D85A55BA2}" type="presOf" srcId="{422AACC2-0BA9-4098-8E51-7BBB903AF3DB}" destId="{986877C7-5555-4471-A423-DCAF7AEC96DE}" srcOrd="0" destOrd="1" presId="urn:microsoft.com/office/officeart/2009/3/layout/PieProcess"/>
+    <dgm:cxn modelId="{F89EA6DF-D106-435E-9337-D23286A767A6}" srcId="{B6E26FFC-9977-4BBC-BEC7-3D6B63754E52}" destId="{44B2544A-D122-4B95-A36C-B03D9E272B48}" srcOrd="2" destOrd="0" parTransId="{9EE40E78-C1B8-4A87-A668-53AD816CED24}" sibTransId="{F32DECE0-DC7F-4DCF-A10D-96A117A49197}"/>
     <dgm:cxn modelId="{A76240AD-13F6-40C0-BD9B-102D5EC0AE51}" srcId="{CF9055CF-8DEB-4A02-949A-DE72B6AC5D37}" destId="{E5E95E82-EF79-43CA-AA86-43B0E1CBCD3F}" srcOrd="3" destOrd="0" parTransId="{FD76A3AE-1B6C-45A0-8E84-63160283749F}" sibTransId="{BF76010C-5523-4E13-B3E7-886DCE6AEBD4}"/>
-    <dgm:cxn modelId="{2E2AA5AF-25C8-4FAD-A68E-3FA1132BED79}" srcId="{6D0E5D9F-7263-4526-A227-51301233F549}" destId="{422AACC2-0BA9-4098-8E51-7BBB903AF3DB}" srcOrd="1" destOrd="0" parTransId="{11DAD3B5-F1B9-444B-8EA3-1E482FF1214A}" sibTransId="{1C5069E3-05F5-4148-88FE-11E4D98108D1}"/>
-    <dgm:cxn modelId="{1B8E71B0-2D3A-4AB0-8843-CFDACEDC3198}" srcId="{6D0E5D9F-7263-4526-A227-51301233F549}" destId="{F3256203-D9D1-492A-B801-68C1A32486F0}" srcOrd="0" destOrd="0" parTransId="{E9A20291-2E30-4C14-BB7D-DC095A20ECB6}" sibTransId="{6C9440D0-8847-40C0-98BC-2B5EA5745C3A}"/>
-    <dgm:cxn modelId="{B8464EB7-B7C2-4FAB-8CA2-A7F788408F70}" type="presOf" srcId="{16208C88-5337-4797-9F05-5AC2E7EB8C59}" destId="{986877C7-5555-4471-A423-DCAF7AEC96DE}" srcOrd="0" destOrd="2" presId="urn:microsoft.com/office/officeart/2009/3/layout/PieProcess"/>
+    <dgm:cxn modelId="{B011A044-8BC6-4A2F-A46E-FB04D5D0C086}" type="presOf" srcId="{97AFB725-9839-43BA-B026-0DD6AA03AD9C}" destId="{2D1C1CB8-58C2-46AC-93F8-7D14C8828C6D}" srcOrd="0" destOrd="0" presId="urn:microsoft.com/office/officeart/2009/3/layout/PieProcess"/>
     <dgm:cxn modelId="{0F01CEBE-F1E6-459D-8F2E-85505CF54DA8}" type="presOf" srcId="{A97FC57D-50D6-4D43-99C3-06D09820F122}" destId="{2D1C1CB8-58C2-46AC-93F8-7D14C8828C6D}" srcOrd="0" destOrd="2" presId="urn:microsoft.com/office/officeart/2009/3/layout/PieProcess"/>
-    <dgm:cxn modelId="{25AF28C0-EE18-4E0F-8B01-F10F3096BC86}" type="presOf" srcId="{B86124A4-14C7-49C7-A342-9B2C2B94980B}" destId="{2D1C1CB8-58C2-46AC-93F8-7D14C8828C6D}" srcOrd="0" destOrd="1" presId="urn:microsoft.com/office/officeart/2009/3/layout/PieProcess"/>
-    <dgm:cxn modelId="{FB8541C0-3895-4553-A4C7-34B81A3C4A0B}" srcId="{E5E95E82-EF79-43CA-AA86-43B0E1CBCD3F}" destId="{A81358E0-3DE7-41AD-A28C-ABB22548B1F6}" srcOrd="0" destOrd="0" parTransId="{262E0B94-6EA9-4797-B705-959D7B185F91}" sibTransId="{77756FBB-BF6C-4D78-803E-BCC851F1DA03}"/>
-    <dgm:cxn modelId="{0F5879C4-E67B-4EF6-B34A-7C943703A97C}" type="presOf" srcId="{E5E95E82-EF79-43CA-AA86-43B0E1CBCD3F}" destId="{5A148C6B-0CFB-4CDB-B2E0-0CF7320A2CD8}" srcOrd="0" destOrd="0" presId="urn:microsoft.com/office/officeart/2009/3/layout/PieProcess"/>
-    <dgm:cxn modelId="{C8C462C6-33A3-4E8B-91FE-36DBE92F1C4A}" srcId="{CF9055CF-8DEB-4A02-949A-DE72B6AC5D37}" destId="{6D0E5D9F-7263-4526-A227-51301233F549}" srcOrd="2" destOrd="0" parTransId="{23416D07-25F8-426C-BC65-639E6BCF4D6D}" sibTransId="{DE289E29-1989-4D8E-8AA6-F030105B3F13}"/>
-    <dgm:cxn modelId="{B8E8ABDE-9AC8-47CE-A780-378F6122DFF9}" type="presOf" srcId="{CF9055CF-8DEB-4A02-949A-DE72B6AC5D37}" destId="{CB01CF51-F723-4F8D-80F7-D236155D2300}" srcOrd="0" destOrd="0" presId="urn:microsoft.com/office/officeart/2009/3/layout/PieProcess"/>
-    <dgm:cxn modelId="{F89EA6DF-D106-435E-9337-D23286A767A6}" srcId="{B6E26FFC-9977-4BBC-BEC7-3D6B63754E52}" destId="{44B2544A-D122-4B95-A36C-B03D9E272B48}" srcOrd="2" destOrd="0" parTransId="{9EE40E78-C1B8-4A87-A668-53AD816CED24}" sibTransId="{F32DECE0-DC7F-4DCF-A10D-96A117A49197}"/>
-    <dgm:cxn modelId="{3C41F2E0-4620-40B4-9857-68872B278EFB}" srcId="{B6E26FFC-9977-4BBC-BEC7-3D6B63754E52}" destId="{CBCC21F5-552F-4D39-812E-6FCD4A366F58}" srcOrd="0" destOrd="0" parTransId="{4A973A1C-85F1-4969-A536-D29940229E2C}" sibTransId="{3640B940-6901-481F-ADF7-6B77DEEED764}"/>
+    <dgm:cxn modelId="{B055C91B-9D3C-49A8-99B5-F11DA4FEA935}" type="presOf" srcId="{F3256203-D9D1-492A-B801-68C1A32486F0}" destId="{986877C7-5555-4471-A423-DCAF7AEC96DE}" srcOrd="0" destOrd="0" presId="urn:microsoft.com/office/officeart/2009/3/layout/PieProcess"/>
     <dgm:cxn modelId="{336B408F-4526-4AED-BDE8-A9C48DA3BCE7}" type="presParOf" srcId="{CB01CF51-F723-4F8D-80F7-D236155D2300}" destId="{C8BC21FD-556C-40FC-81CC-FBE0FB65A039}" srcOrd="0" destOrd="0" presId="urn:microsoft.com/office/officeart/2009/3/layout/PieProcess"/>
     <dgm:cxn modelId="{113764BB-4B9A-497E-B74C-B9898BB87867}" type="presParOf" srcId="{C8BC21FD-556C-40FC-81CC-FBE0FB65A039}" destId="{8ED7BCA2-C1D0-4998-9B75-278A1B905C47}" srcOrd="0" destOrd="0" presId="urn:microsoft.com/office/officeart/2009/3/layout/PieProcess"/>
     <dgm:cxn modelId="{E0B7A688-314E-4B05-9C22-F03775FC6B22}" type="presParOf" srcId="{C8BC21FD-556C-40FC-81CC-FBE0FB65A039}" destId="{59596444-DE5B-470F-9D02-95BA2AD06BDF}" srcOrd="1" destOrd="0" presId="urn:microsoft.com/office/officeart/2009/3/layout/PieProcess"/>
@@ -3253,7 +3316,7 @@
         <a:lstStyle/>
         <a:p>
           <a:r>
-            <a:rPr lang="en-US" sz="2000" dirty="0">
+            <a:rPr lang="en-US" sz="2200" dirty="0">
               <a:latin typeface="Times New Roman" panose="02020603050405020304" pitchFamily="18" charset="0"/>
               <a:cs typeface="Times New Roman" panose="02020603050405020304" pitchFamily="18" charset="0"/>
             </a:rPr>
@@ -3409,7 +3472,7 @@
         <a:lstStyle/>
         <a:p>
           <a:r>
-            <a:rPr lang="en-US" sz="2000" dirty="0">
+            <a:rPr lang="en-US" sz="2200" dirty="0">
               <a:latin typeface="Times New Roman" panose="02020603050405020304" pitchFamily="18" charset="0"/>
               <a:cs typeface="Times New Roman" panose="02020603050405020304" pitchFamily="18" charset="0"/>
             </a:rPr>
@@ -3565,7 +3628,7 @@
         <a:lstStyle/>
         <a:p>
           <a:r>
-            <a:rPr lang="en-US" sz="2000" dirty="0">
+            <a:rPr lang="en-US" sz="2200" dirty="0">
               <a:latin typeface="Times New Roman" panose="02020603050405020304" pitchFamily="18" charset="0"/>
               <a:cs typeface="Times New Roman" panose="02020603050405020304" pitchFamily="18" charset="0"/>
             </a:rPr>
@@ -3682,7 +3745,7 @@
         <a:lstStyle/>
         <a:p>
           <a:r>
-            <a:rPr lang="en-US" sz="2000" dirty="0">
+            <a:rPr lang="en-US" sz="2200" dirty="0">
               <a:latin typeface="Times New Roman" panose="02020603050405020304" pitchFamily="18" charset="0"/>
               <a:cs typeface="Times New Roman" panose="02020603050405020304" pitchFamily="18" charset="0"/>
             </a:rPr>
@@ -3800,6 +3863,13 @@
         </dgm:presLayoutVars>
       </dgm:prSet>
       <dgm:spPr/>
+      <dgm:t>
+        <a:bodyPr/>
+        <a:lstStyle/>
+        <a:p>
+          <a:endParaRPr lang="en-US"/>
+        </a:p>
+      </dgm:t>
     </dgm:pt>
     <dgm:pt modelId="{45590239-E460-41FB-9748-8B7AA6BC7C54}" type="pres">
       <dgm:prSet presAssocID="{082E8A29-955A-4C7C-A174-3E9DCD4DC89B}" presName="linNode" presStyleCnt="0"/>
@@ -3813,6 +3883,13 @@
         </dgm:presLayoutVars>
       </dgm:prSet>
       <dgm:spPr/>
+      <dgm:t>
+        <a:bodyPr/>
+        <a:lstStyle/>
+        <a:p>
+          <a:endParaRPr lang="en-US"/>
+        </a:p>
+      </dgm:t>
     </dgm:pt>
     <dgm:pt modelId="{D7B4D69F-D437-4019-A697-900DF3BD4189}" type="pres">
       <dgm:prSet presAssocID="{082E8A29-955A-4C7C-A174-3E9DCD4DC89B}" presName="bracket" presStyleLbl="parChTrans1D1" presStyleIdx="0" presStyleCnt="4"/>
@@ -3829,6 +3906,13 @@
         </dgm:presLayoutVars>
       </dgm:prSet>
       <dgm:spPr/>
+      <dgm:t>
+        <a:bodyPr/>
+        <a:lstStyle/>
+        <a:p>
+          <a:endParaRPr lang="en-US"/>
+        </a:p>
+      </dgm:t>
     </dgm:pt>
     <dgm:pt modelId="{5DD4C92A-2623-4B42-B614-4A2EC37176AB}" type="pres">
       <dgm:prSet presAssocID="{C2176686-D23E-48EB-9D1B-1A1B46236638}" presName="spV" presStyleCnt="0"/>
@@ -3846,6 +3930,13 @@
         </dgm:presLayoutVars>
       </dgm:prSet>
       <dgm:spPr/>
+      <dgm:t>
+        <a:bodyPr/>
+        <a:lstStyle/>
+        <a:p>
+          <a:endParaRPr lang="en-US"/>
+        </a:p>
+      </dgm:t>
     </dgm:pt>
     <dgm:pt modelId="{F913C9B7-04F1-448F-AF8C-2EC806DB40E1}" type="pres">
       <dgm:prSet presAssocID="{B6E26FFC-9977-4BBC-BEC7-3D6B63754E52}" presName="bracket" presStyleLbl="parChTrans1D1" presStyleIdx="1" presStyleCnt="4"/>
@@ -3862,6 +3953,13 @@
         </dgm:presLayoutVars>
       </dgm:prSet>
       <dgm:spPr/>
+      <dgm:t>
+        <a:bodyPr/>
+        <a:lstStyle/>
+        <a:p>
+          <a:endParaRPr lang="en-US"/>
+        </a:p>
+      </dgm:t>
     </dgm:pt>
     <dgm:pt modelId="{59DCB08E-DDBC-4F73-9609-EB0FA23A7D7F}" type="pres">
       <dgm:prSet presAssocID="{48634C00-2335-4923-9072-EB7482323D9C}" presName="spV" presStyleCnt="0"/>
@@ -3879,6 +3977,13 @@
         </dgm:presLayoutVars>
       </dgm:prSet>
       <dgm:spPr/>
+      <dgm:t>
+        <a:bodyPr/>
+        <a:lstStyle/>
+        <a:p>
+          <a:endParaRPr lang="en-US"/>
+        </a:p>
+      </dgm:t>
     </dgm:pt>
     <dgm:pt modelId="{455EC50F-4F82-408F-84F8-D9B651BA263C}" type="pres">
       <dgm:prSet presAssocID="{6D0E5D9F-7263-4526-A227-51301233F549}" presName="bracket" presStyleLbl="parChTrans1D1" presStyleIdx="2" presStyleCnt="4"/>
@@ -3895,6 +4000,13 @@
         </dgm:presLayoutVars>
       </dgm:prSet>
       <dgm:spPr/>
+      <dgm:t>
+        <a:bodyPr/>
+        <a:lstStyle/>
+        <a:p>
+          <a:endParaRPr lang="en-US"/>
+        </a:p>
+      </dgm:t>
     </dgm:pt>
     <dgm:pt modelId="{F61087B3-F4D4-4372-BA34-FB9BAD08CAC0}" type="pres">
       <dgm:prSet presAssocID="{DE289E29-1989-4D8E-8AA6-F030105B3F13}" presName="spV" presStyleCnt="0"/>
@@ -3912,6 +4024,13 @@
         </dgm:presLayoutVars>
       </dgm:prSet>
       <dgm:spPr/>
+      <dgm:t>
+        <a:bodyPr/>
+        <a:lstStyle/>
+        <a:p>
+          <a:endParaRPr lang="en-US"/>
+        </a:p>
+      </dgm:t>
     </dgm:pt>
     <dgm:pt modelId="{ED72DC66-B720-4641-B186-0DA0DE7AB25F}" type="pres">
       <dgm:prSet presAssocID="{A81358E0-3DE7-41AD-A28C-ABB22548B1F6}" presName="bracket" presStyleLbl="parChTrans1D1" presStyleIdx="3" presStyleCnt="4"/>
@@ -3928,38 +4047,45 @@
         </dgm:presLayoutVars>
       </dgm:prSet>
       <dgm:spPr/>
+      <dgm:t>
+        <a:bodyPr/>
+        <a:lstStyle/>
+        <a:p>
+          <a:endParaRPr lang="en-US"/>
+        </a:p>
+      </dgm:t>
     </dgm:pt>
   </dgm:ptLst>
   <dgm:cxnLst>
-    <dgm:cxn modelId="{40EFBB0B-5BD3-4278-AC4B-0AEBBF83271D}" type="presOf" srcId="{A81358E0-3DE7-41AD-A28C-ABB22548B1F6}" destId="{AE12AEDB-2669-4D1A-914A-BA7EC0BD59A9}" srcOrd="0" destOrd="0" presId="urn:diagrams.loki3.com/BracketList"/>
-    <dgm:cxn modelId="{60685518-1997-4F7B-A98E-F65D7D00962C}" type="presOf" srcId="{CBCC21F5-552F-4D39-812E-6FCD4A366F58}" destId="{8A77D6A0-09A8-4728-B3F6-2488D599D736}" srcOrd="0" destOrd="0" presId="urn:diagrams.loki3.com/BracketList"/>
+    <dgm:cxn modelId="{4BF436C2-CB7A-454C-A1D2-41BCB7321C26}" type="presOf" srcId="{A97FC57D-50D6-4D43-99C3-06D09820F122}" destId="{22850625-2192-463E-8187-DBB37B4DEEE5}" srcOrd="0" destOrd="3" presId="urn:diagrams.loki3.com/BracketList"/>
+    <dgm:cxn modelId="{78C415D6-35DF-45BB-8921-595A1C6CA239}" type="presOf" srcId="{B6E26FFC-9977-4BBC-BEC7-3D6B63754E52}" destId="{74C582AC-97DE-47F1-B2F7-CEAF5C38053B}" srcOrd="0" destOrd="0" presId="urn:diagrams.loki3.com/BracketList"/>
+    <dgm:cxn modelId="{CC727F34-AF53-4AC0-9AD6-357E6D15CB8E}" type="presOf" srcId="{97AFB725-9839-43BA-B026-0DD6AA03AD9C}" destId="{22850625-2192-463E-8187-DBB37B4DEEE5}" srcOrd="0" destOrd="1" presId="urn:diagrams.loki3.com/BracketList"/>
+    <dgm:cxn modelId="{A2714790-C7A3-4B92-B748-271A29D614FC}" type="presOf" srcId="{357008B7-F3FD-489F-A410-81C9A9EFE4DA}" destId="{9DC88600-C3D9-4AA5-B04F-AC7D55D573B0}" srcOrd="0" destOrd="1" presId="urn:diagrams.loki3.com/BracketList"/>
+    <dgm:cxn modelId="{D286A548-6BB0-4DED-9FB5-D87042DDBE0A}" srcId="{082E8A29-955A-4C7C-A174-3E9DCD4DC89B}" destId="{A97FC57D-50D6-4D43-99C3-06D09820F122}" srcOrd="3" destOrd="0" parTransId="{5DD877C7-E4D9-4A68-A305-5A7689D3DBE7}" sibTransId="{C17BCABE-BEF2-4CC4-B037-B6B4866665CD}"/>
+    <dgm:cxn modelId="{187CA79C-407F-4248-8324-1976688B47A3}" type="presOf" srcId="{62831651-7C26-466C-BAA4-31EA8D14E47A}" destId="{8A77D6A0-09A8-4728-B3F6-2488D599D736}" srcOrd="0" destOrd="1" presId="urn:diagrams.loki3.com/BracketList"/>
+    <dgm:cxn modelId="{97004F90-D1DB-4A84-A8AE-504DE1F07341}" srcId="{082E8A29-955A-4C7C-A174-3E9DCD4DC89B}" destId="{97AFB725-9839-43BA-B026-0DD6AA03AD9C}" srcOrd="1" destOrd="0" parTransId="{CC01022B-5039-457F-931E-79459E3C1DC4}" sibTransId="{D5C26250-A06D-4B41-BC14-92648809C21F}"/>
+    <dgm:cxn modelId="{8910F93B-7180-4A52-9856-879D102D33F8}" srcId="{6D0E5D9F-7263-4526-A227-51301233F549}" destId="{357008B7-F3FD-489F-A410-81C9A9EFE4DA}" srcOrd="1" destOrd="0" parTransId="{ED5EFE54-4C6D-4A88-939B-CE66C6668425}" sibTransId="{87BC108C-4915-4A4B-8565-E4BD28BA3C35}"/>
+    <dgm:cxn modelId="{17E73148-9C08-4999-B21E-F3C5A0E3FC0C}" srcId="{CF9055CF-8DEB-4A02-949A-DE72B6AC5D37}" destId="{B6E26FFC-9977-4BBC-BEC7-3D6B63754E52}" srcOrd="1" destOrd="0" parTransId="{5CEFBD89-2F4F-4B51-A98A-0F3C86494166}" sibTransId="{48634C00-2335-4923-9072-EB7482323D9C}"/>
+    <dgm:cxn modelId="{E3D1E441-6DFB-4005-8B07-84971CD049AF}" type="presOf" srcId="{CF9055CF-8DEB-4A02-949A-DE72B6AC5D37}" destId="{3AD46912-AB30-4540-8DF5-67AC1488F01C}" srcOrd="0" destOrd="0" presId="urn:diagrams.loki3.com/BracketList"/>
+    <dgm:cxn modelId="{F9F24B56-4C40-4CD5-B0B3-335013F9648E}" type="presOf" srcId="{37A7C994-CC74-44DD-8777-ED6736B35821}" destId="{2DDF7FCF-0E74-45B4-9880-0E53C8A0FB81}" srcOrd="0" destOrd="0" presId="urn:diagrams.loki3.com/BracketList"/>
     <dgm:cxn modelId="{12609D25-6280-4191-96EC-FC59574CC5FD}" type="presOf" srcId="{B86124A4-14C7-49C7-A342-9B2C2B94980B}" destId="{22850625-2192-463E-8187-DBB37B4DEEE5}" srcOrd="0" destOrd="2" presId="urn:diagrams.loki3.com/BracketList"/>
     <dgm:cxn modelId="{1C5CE732-A00F-4C06-A1A8-B209BC6B496D}" srcId="{A81358E0-3DE7-41AD-A28C-ABB22548B1F6}" destId="{37A7C994-CC74-44DD-8777-ED6736B35821}" srcOrd="0" destOrd="0" parTransId="{03F017E7-7E3C-4E2C-9CEF-B07099F38801}" sibTransId="{118572A4-3B5E-487E-8015-6A319369077F}"/>
-    <dgm:cxn modelId="{CC727F34-AF53-4AC0-9AD6-357E6D15CB8E}" type="presOf" srcId="{97AFB725-9839-43BA-B026-0DD6AA03AD9C}" destId="{22850625-2192-463E-8187-DBB37B4DEEE5}" srcOrd="0" destOrd="1" presId="urn:diagrams.loki3.com/BracketList"/>
-    <dgm:cxn modelId="{8910F93B-7180-4A52-9856-879D102D33F8}" srcId="{6D0E5D9F-7263-4526-A227-51301233F549}" destId="{357008B7-F3FD-489F-A410-81C9A9EFE4DA}" srcOrd="1" destOrd="0" parTransId="{ED5EFE54-4C6D-4A88-939B-CE66C6668425}" sibTransId="{87BC108C-4915-4A4B-8565-E4BD28BA3C35}"/>
-    <dgm:cxn modelId="{E3D1E441-6DFB-4005-8B07-84971CD049AF}" type="presOf" srcId="{CF9055CF-8DEB-4A02-949A-DE72B6AC5D37}" destId="{3AD46912-AB30-4540-8DF5-67AC1488F01C}" srcOrd="0" destOrd="0" presId="urn:diagrams.loki3.com/BracketList"/>
+    <dgm:cxn modelId="{E554777F-9CC2-418D-BFE3-2198586BFE02}" type="presOf" srcId="{F3256203-D9D1-492A-B801-68C1A32486F0}" destId="{9DC88600-C3D9-4AA5-B04F-AC7D55D573B0}" srcOrd="0" destOrd="0" presId="urn:diagrams.loki3.com/BracketList"/>
+    <dgm:cxn modelId="{3C41F2E0-4620-40B4-9857-68872B278EFB}" srcId="{B6E26FFC-9977-4BBC-BEC7-3D6B63754E52}" destId="{CBCC21F5-552F-4D39-812E-6FCD4A366F58}" srcOrd="0" destOrd="0" parTransId="{4A973A1C-85F1-4969-A536-D29940229E2C}" sibTransId="{3640B940-6901-481F-ADF7-6B77DEEED764}"/>
+    <dgm:cxn modelId="{633E5193-1DBF-477B-BE52-E2B5EBEB93C6}" type="presOf" srcId="{6D0E5D9F-7263-4526-A227-51301233F549}" destId="{18209124-9853-4B36-9180-55BC384AA84D}" srcOrd="0" destOrd="0" presId="urn:diagrams.loki3.com/BracketList"/>
+    <dgm:cxn modelId="{59DDA576-1BA9-49E8-9D1D-361FF667A19A}" srcId="{B6E26FFC-9977-4BBC-BEC7-3D6B63754E52}" destId="{62831651-7C26-466C-BAA4-31EA8D14E47A}" srcOrd="1" destOrd="0" parTransId="{0F3EB6E4-07A5-4199-9C2F-8B91F53579FE}" sibTransId="{0D19FA60-5F9C-420B-AD2F-A0656A7F0783}"/>
+    <dgm:cxn modelId="{60685518-1997-4F7B-A98E-F65D7D00962C}" type="presOf" srcId="{CBCC21F5-552F-4D39-812E-6FCD4A366F58}" destId="{8A77D6A0-09A8-4728-B3F6-2488D599D736}" srcOrd="0" destOrd="0" presId="urn:diagrams.loki3.com/BracketList"/>
+    <dgm:cxn modelId="{FB8541C0-3895-4553-A4C7-34B81A3C4A0B}" srcId="{CF9055CF-8DEB-4A02-949A-DE72B6AC5D37}" destId="{A81358E0-3DE7-41AD-A28C-ABB22548B1F6}" srcOrd="3" destOrd="0" parTransId="{262E0B94-6EA9-4797-B705-959D7B185F91}" sibTransId="{77756FBB-BF6C-4D78-803E-BCC851F1DA03}"/>
+    <dgm:cxn modelId="{F454A545-FA11-41F7-9AE3-2B8BC82277C4}" type="presOf" srcId="{23A0DE4A-FE92-496E-B335-3433CEFB74E9}" destId="{22850625-2192-463E-8187-DBB37B4DEEE5}" srcOrd="0" destOrd="0" presId="urn:diagrams.loki3.com/BracketList"/>
+    <dgm:cxn modelId="{40EFBB0B-5BD3-4278-AC4B-0AEBBF83271D}" type="presOf" srcId="{A81358E0-3DE7-41AD-A28C-ABB22548B1F6}" destId="{AE12AEDB-2669-4D1A-914A-BA7EC0BD59A9}" srcOrd="0" destOrd="0" presId="urn:diagrams.loki3.com/BracketList"/>
+    <dgm:cxn modelId="{C8C462C6-33A3-4E8B-91FE-36DBE92F1C4A}" srcId="{CF9055CF-8DEB-4A02-949A-DE72B6AC5D37}" destId="{6D0E5D9F-7263-4526-A227-51301233F549}" srcOrd="2" destOrd="0" parTransId="{23416D07-25F8-426C-BC65-639E6BCF4D6D}" sibTransId="{DE289E29-1989-4D8E-8AA6-F030105B3F13}"/>
+    <dgm:cxn modelId="{791B5989-F5A5-4021-97F2-55841C5BF713}" type="presOf" srcId="{082E8A29-955A-4C7C-A174-3E9DCD4DC89B}" destId="{8F988417-5085-446A-9534-C8E783FFAC0F}" srcOrd="0" destOrd="0" presId="urn:diagrams.loki3.com/BracketList"/>
+    <dgm:cxn modelId="{2986897A-7787-444F-B6C8-41F3823EF3C1}" srcId="{CF9055CF-8DEB-4A02-949A-DE72B6AC5D37}" destId="{082E8A29-955A-4C7C-A174-3E9DCD4DC89B}" srcOrd="0" destOrd="0" parTransId="{BA7938E6-8DFA-40B7-B4C4-EACC6D85FC31}" sibTransId="{C2176686-D23E-48EB-9D1B-1A1B46236638}"/>
+    <dgm:cxn modelId="{67A03D8F-F327-4A9F-ABBC-1EB67EFD1ECB}" srcId="{082E8A29-955A-4C7C-A174-3E9DCD4DC89B}" destId="{23A0DE4A-FE92-496E-B335-3433CEFB74E9}" srcOrd="0" destOrd="0" parTransId="{68935D38-FEDC-4CD3-8002-43CB3944BEAF}" sibTransId="{55DF926D-029A-4E18-95C4-77A5A37CAE40}"/>
     <dgm:cxn modelId="{2616D543-291D-4A57-BE47-139E70015B80}" type="presOf" srcId="{44B2544A-D122-4B95-A36C-B03D9E272B48}" destId="{8A77D6A0-09A8-4728-B3F6-2488D599D736}" srcOrd="0" destOrd="2" presId="urn:diagrams.loki3.com/BracketList"/>
-    <dgm:cxn modelId="{F454A545-FA11-41F7-9AE3-2B8BC82277C4}" type="presOf" srcId="{23A0DE4A-FE92-496E-B335-3433CEFB74E9}" destId="{22850625-2192-463E-8187-DBB37B4DEEE5}" srcOrd="0" destOrd="0" presId="urn:diagrams.loki3.com/BracketList"/>
-    <dgm:cxn modelId="{17E73148-9C08-4999-B21E-F3C5A0E3FC0C}" srcId="{CF9055CF-8DEB-4A02-949A-DE72B6AC5D37}" destId="{B6E26FFC-9977-4BBC-BEC7-3D6B63754E52}" srcOrd="1" destOrd="0" parTransId="{5CEFBD89-2F4F-4B51-A98A-0F3C86494166}" sibTransId="{48634C00-2335-4923-9072-EB7482323D9C}"/>
-    <dgm:cxn modelId="{D286A548-6BB0-4DED-9FB5-D87042DDBE0A}" srcId="{082E8A29-955A-4C7C-A174-3E9DCD4DC89B}" destId="{A97FC57D-50D6-4D43-99C3-06D09820F122}" srcOrd="3" destOrd="0" parTransId="{5DD877C7-E4D9-4A68-A305-5A7689D3DBE7}" sibTransId="{C17BCABE-BEF2-4CC4-B037-B6B4866665CD}"/>
+    <dgm:cxn modelId="{F89EA6DF-D106-435E-9337-D23286A767A6}" srcId="{B6E26FFC-9977-4BBC-BEC7-3D6B63754E52}" destId="{44B2544A-D122-4B95-A36C-B03D9E272B48}" srcOrd="2" destOrd="0" parTransId="{9EE40E78-C1B8-4A87-A668-53AD816CED24}" sibTransId="{F32DECE0-DC7F-4DCF-A10D-96A117A49197}"/>
     <dgm:cxn modelId="{508A9F6A-C4F1-4147-A5F6-B89293B446E8}" srcId="{082E8A29-955A-4C7C-A174-3E9DCD4DC89B}" destId="{B86124A4-14C7-49C7-A342-9B2C2B94980B}" srcOrd="2" destOrd="0" parTransId="{B2F6F8FA-C3EE-485C-BFEC-A81570DC47D8}" sibTransId="{1114C752-8188-4E63-BFFC-E4081ACE9882}"/>
-    <dgm:cxn modelId="{F9F24B56-4C40-4CD5-B0B3-335013F9648E}" type="presOf" srcId="{37A7C994-CC74-44DD-8777-ED6736B35821}" destId="{2DDF7FCF-0E74-45B4-9880-0E53C8A0FB81}" srcOrd="0" destOrd="0" presId="urn:diagrams.loki3.com/BracketList"/>
-    <dgm:cxn modelId="{59DDA576-1BA9-49E8-9D1D-361FF667A19A}" srcId="{B6E26FFC-9977-4BBC-BEC7-3D6B63754E52}" destId="{62831651-7C26-466C-BAA4-31EA8D14E47A}" srcOrd="1" destOrd="0" parTransId="{0F3EB6E4-07A5-4199-9C2F-8B91F53579FE}" sibTransId="{0D19FA60-5F9C-420B-AD2F-A0656A7F0783}"/>
-    <dgm:cxn modelId="{2986897A-7787-444F-B6C8-41F3823EF3C1}" srcId="{CF9055CF-8DEB-4A02-949A-DE72B6AC5D37}" destId="{082E8A29-955A-4C7C-A174-3E9DCD4DC89B}" srcOrd="0" destOrd="0" parTransId="{BA7938E6-8DFA-40B7-B4C4-EACC6D85FC31}" sibTransId="{C2176686-D23E-48EB-9D1B-1A1B46236638}"/>
-    <dgm:cxn modelId="{E554777F-9CC2-418D-BFE3-2198586BFE02}" type="presOf" srcId="{F3256203-D9D1-492A-B801-68C1A32486F0}" destId="{9DC88600-C3D9-4AA5-B04F-AC7D55D573B0}" srcOrd="0" destOrd="0" presId="urn:diagrams.loki3.com/BracketList"/>
-    <dgm:cxn modelId="{791B5989-F5A5-4021-97F2-55841C5BF713}" type="presOf" srcId="{082E8A29-955A-4C7C-A174-3E9DCD4DC89B}" destId="{8F988417-5085-446A-9534-C8E783FFAC0F}" srcOrd="0" destOrd="0" presId="urn:diagrams.loki3.com/BracketList"/>
-    <dgm:cxn modelId="{67A03D8F-F327-4A9F-ABBC-1EB67EFD1ECB}" srcId="{082E8A29-955A-4C7C-A174-3E9DCD4DC89B}" destId="{23A0DE4A-FE92-496E-B335-3433CEFB74E9}" srcOrd="0" destOrd="0" parTransId="{68935D38-FEDC-4CD3-8002-43CB3944BEAF}" sibTransId="{55DF926D-029A-4E18-95C4-77A5A37CAE40}"/>
-    <dgm:cxn modelId="{A2714790-C7A3-4B92-B748-271A29D614FC}" type="presOf" srcId="{357008B7-F3FD-489F-A410-81C9A9EFE4DA}" destId="{9DC88600-C3D9-4AA5-B04F-AC7D55D573B0}" srcOrd="0" destOrd="1" presId="urn:diagrams.loki3.com/BracketList"/>
-    <dgm:cxn modelId="{97004F90-D1DB-4A84-A8AE-504DE1F07341}" srcId="{082E8A29-955A-4C7C-A174-3E9DCD4DC89B}" destId="{97AFB725-9839-43BA-B026-0DD6AA03AD9C}" srcOrd="1" destOrd="0" parTransId="{CC01022B-5039-457F-931E-79459E3C1DC4}" sibTransId="{D5C26250-A06D-4B41-BC14-92648809C21F}"/>
-    <dgm:cxn modelId="{633E5193-1DBF-477B-BE52-E2B5EBEB93C6}" type="presOf" srcId="{6D0E5D9F-7263-4526-A227-51301233F549}" destId="{18209124-9853-4B36-9180-55BC384AA84D}" srcOrd="0" destOrd="0" presId="urn:diagrams.loki3.com/BracketList"/>
-    <dgm:cxn modelId="{187CA79C-407F-4248-8324-1976688B47A3}" type="presOf" srcId="{62831651-7C26-466C-BAA4-31EA8D14E47A}" destId="{8A77D6A0-09A8-4728-B3F6-2488D599D736}" srcOrd="0" destOrd="1" presId="urn:diagrams.loki3.com/BracketList"/>
     <dgm:cxn modelId="{1B8E71B0-2D3A-4AB0-8843-CFDACEDC3198}" srcId="{6D0E5D9F-7263-4526-A227-51301233F549}" destId="{F3256203-D9D1-492A-B801-68C1A32486F0}" srcOrd="0" destOrd="0" parTransId="{E9A20291-2E30-4C14-BB7D-DC095A20ECB6}" sibTransId="{6C9440D0-8847-40C0-98BC-2B5EA5745C3A}"/>
-    <dgm:cxn modelId="{FB8541C0-3895-4553-A4C7-34B81A3C4A0B}" srcId="{CF9055CF-8DEB-4A02-949A-DE72B6AC5D37}" destId="{A81358E0-3DE7-41AD-A28C-ABB22548B1F6}" srcOrd="3" destOrd="0" parTransId="{262E0B94-6EA9-4797-B705-959D7B185F91}" sibTransId="{77756FBB-BF6C-4D78-803E-BCC851F1DA03}"/>
-    <dgm:cxn modelId="{4BF436C2-CB7A-454C-A1D2-41BCB7321C26}" type="presOf" srcId="{A97FC57D-50D6-4D43-99C3-06D09820F122}" destId="{22850625-2192-463E-8187-DBB37B4DEEE5}" srcOrd="0" destOrd="3" presId="urn:diagrams.loki3.com/BracketList"/>
-    <dgm:cxn modelId="{C8C462C6-33A3-4E8B-91FE-36DBE92F1C4A}" srcId="{CF9055CF-8DEB-4A02-949A-DE72B6AC5D37}" destId="{6D0E5D9F-7263-4526-A227-51301233F549}" srcOrd="2" destOrd="0" parTransId="{23416D07-25F8-426C-BC65-639E6BCF4D6D}" sibTransId="{DE289E29-1989-4D8E-8AA6-F030105B3F13}"/>
-    <dgm:cxn modelId="{78C415D6-35DF-45BB-8921-595A1C6CA239}" type="presOf" srcId="{B6E26FFC-9977-4BBC-BEC7-3D6B63754E52}" destId="{74C582AC-97DE-47F1-B2F7-CEAF5C38053B}" srcOrd="0" destOrd="0" presId="urn:diagrams.loki3.com/BracketList"/>
-    <dgm:cxn modelId="{F89EA6DF-D106-435E-9337-D23286A767A6}" srcId="{B6E26FFC-9977-4BBC-BEC7-3D6B63754E52}" destId="{44B2544A-D122-4B95-A36C-B03D9E272B48}" srcOrd="2" destOrd="0" parTransId="{9EE40E78-C1B8-4A87-A668-53AD816CED24}" sibTransId="{F32DECE0-DC7F-4DCF-A10D-96A117A49197}"/>
-    <dgm:cxn modelId="{3C41F2E0-4620-40B4-9857-68872B278EFB}" srcId="{B6E26FFC-9977-4BBC-BEC7-3D6B63754E52}" destId="{CBCC21F5-552F-4D39-812E-6FCD4A366F58}" srcOrd="0" destOrd="0" parTransId="{4A973A1C-85F1-4969-A536-D29940229E2C}" sibTransId="{3640B940-6901-481F-ADF7-6B77DEEED764}"/>
     <dgm:cxn modelId="{622DEA58-66C1-4249-9C95-351679CB0862}" type="presParOf" srcId="{3AD46912-AB30-4540-8DF5-67AC1488F01C}" destId="{45590239-E460-41FB-9748-8B7AA6BC7C54}" srcOrd="0" destOrd="0" presId="urn:diagrams.loki3.com/BracketList"/>
     <dgm:cxn modelId="{3E41F798-673D-4216-A5E4-FA56FD5AE79D}" type="presParOf" srcId="{45590239-E460-41FB-9748-8B7AA6BC7C54}" destId="{8F988417-5085-446A-9534-C8E783FFAC0F}" srcOrd="0" destOrd="0" presId="urn:diagrams.loki3.com/BracketList"/>
     <dgm:cxn modelId="{CFBA8029-81EA-47F3-A8F3-5583ADFAD836}" type="presParOf" srcId="{45590239-E460-41FB-9748-8B7AA6BC7C54}" destId="{D7B4D69F-D437-4019-A697-900DF3BD4189}" srcOrd="1" destOrd="0" presId="urn:diagrams.loki3.com/BracketList"/>
@@ -4136,6 +4262,13 @@
         </dgm:presLayoutVars>
       </dgm:prSet>
       <dgm:spPr/>
+      <dgm:t>
+        <a:bodyPr/>
+        <a:lstStyle/>
+        <a:p>
+          <a:endParaRPr lang="en-US"/>
+        </a:p>
+      </dgm:t>
     </dgm:pt>
     <dgm:pt modelId="{CC88045C-E3EE-4D81-A4AE-31DEF16487ED}" type="pres">
       <dgm:prSet presAssocID="{5119293E-CFF1-40DC-91B0-4ADC169E690A}" presName="ThreeNodes_2" presStyleLbl="node1" presStyleIdx="1" presStyleCnt="3">
@@ -4144,6 +4277,13 @@
         </dgm:presLayoutVars>
       </dgm:prSet>
       <dgm:spPr/>
+      <dgm:t>
+        <a:bodyPr/>
+        <a:lstStyle/>
+        <a:p>
+          <a:endParaRPr lang="en-US"/>
+        </a:p>
+      </dgm:t>
     </dgm:pt>
     <dgm:pt modelId="{038003CC-57D0-452B-9A87-251E2BE8DD24}" type="pres">
       <dgm:prSet presAssocID="{5119293E-CFF1-40DC-91B0-4ADC169E690A}" presName="ThreeNodes_3" presStyleLbl="node1" presStyleIdx="2" presStyleCnt="3">
@@ -4152,6 +4292,13 @@
         </dgm:presLayoutVars>
       </dgm:prSet>
       <dgm:spPr/>
+      <dgm:t>
+        <a:bodyPr/>
+        <a:lstStyle/>
+        <a:p>
+          <a:endParaRPr lang="en-US"/>
+        </a:p>
+      </dgm:t>
     </dgm:pt>
     <dgm:pt modelId="{0CD94A37-2283-4723-AF39-0C5B9DE811BF}" type="pres">
       <dgm:prSet presAssocID="{5119293E-CFF1-40DC-91B0-4ADC169E690A}" presName="ThreeConn_1-2" presStyleLbl="fgAccFollowNode1" presStyleIdx="0" presStyleCnt="2">
@@ -4160,6 +4307,13 @@
         </dgm:presLayoutVars>
       </dgm:prSet>
       <dgm:spPr/>
+      <dgm:t>
+        <a:bodyPr/>
+        <a:lstStyle/>
+        <a:p>
+          <a:endParaRPr lang="en-US"/>
+        </a:p>
+      </dgm:t>
     </dgm:pt>
     <dgm:pt modelId="{72F63057-082D-42E7-B85C-FC47DD028363}" type="pres">
       <dgm:prSet presAssocID="{5119293E-CFF1-40DC-91B0-4ADC169E690A}" presName="ThreeConn_2-3" presStyleLbl="fgAccFollowNode1" presStyleIdx="1" presStyleCnt="2">
@@ -4168,6 +4322,13 @@
         </dgm:presLayoutVars>
       </dgm:prSet>
       <dgm:spPr/>
+      <dgm:t>
+        <a:bodyPr/>
+        <a:lstStyle/>
+        <a:p>
+          <a:endParaRPr lang="en-US"/>
+        </a:p>
+      </dgm:t>
     </dgm:pt>
     <dgm:pt modelId="{BF775206-9782-4B74-9469-81B825259D87}" type="pres">
       <dgm:prSet presAssocID="{5119293E-CFF1-40DC-91B0-4ADC169E690A}" presName="ThreeNodes_1_text" presStyleLbl="node1" presStyleIdx="2" presStyleCnt="3">
@@ -4176,6 +4337,13 @@
         </dgm:presLayoutVars>
       </dgm:prSet>
       <dgm:spPr/>
+      <dgm:t>
+        <a:bodyPr/>
+        <a:lstStyle/>
+        <a:p>
+          <a:endParaRPr lang="en-US"/>
+        </a:p>
+      </dgm:t>
     </dgm:pt>
     <dgm:pt modelId="{04D8DCE0-082C-4FDA-A223-020C34F2DBEB}" type="pres">
       <dgm:prSet presAssocID="{5119293E-CFF1-40DC-91B0-4ADC169E690A}" presName="ThreeNodes_2_text" presStyleLbl="node1" presStyleIdx="2" presStyleCnt="3">
@@ -4184,6 +4352,13 @@
         </dgm:presLayoutVars>
       </dgm:prSet>
       <dgm:spPr/>
+      <dgm:t>
+        <a:bodyPr/>
+        <a:lstStyle/>
+        <a:p>
+          <a:endParaRPr lang="en-US"/>
+        </a:p>
+      </dgm:t>
     </dgm:pt>
     <dgm:pt modelId="{EC81BC27-7116-465B-AC12-B4720BC34B82}" type="pres">
       <dgm:prSet presAssocID="{5119293E-CFF1-40DC-91B0-4ADC169E690A}" presName="ThreeNodes_3_text" presStyleLbl="node1" presStyleIdx="2" presStyleCnt="3">
@@ -4192,21 +4367,28 @@
         </dgm:presLayoutVars>
       </dgm:prSet>
       <dgm:spPr/>
+      <dgm:t>
+        <a:bodyPr/>
+        <a:lstStyle/>
+        <a:p>
+          <a:endParaRPr lang="en-US"/>
+        </a:p>
+      </dgm:t>
     </dgm:pt>
   </dgm:ptLst>
   <dgm:cxnLst>
-    <dgm:cxn modelId="{6E821108-AA4C-4FCE-906C-7B527205F425}" type="presOf" srcId="{0643BB84-6196-4D47-953E-29DD7A990B54}" destId="{0CD94A37-2283-4723-AF39-0C5B9DE811BF}" srcOrd="0" destOrd="0" presId="urn:microsoft.com/office/officeart/2005/8/layout/vProcess5"/>
-    <dgm:cxn modelId="{F4AADE0C-4AF2-4981-840C-CA46AAE80AFF}" type="presOf" srcId="{2D28ACD1-25D9-461F-AFFA-AF0D4524C925}" destId="{2C56E3B0-DB92-4E32-8395-0D320FDE7304}" srcOrd="0" destOrd="0" presId="urn:microsoft.com/office/officeart/2005/8/layout/vProcess5"/>
-    <dgm:cxn modelId="{9678E520-DA97-4D9C-939A-4DCF9B11AA2F}" srcId="{5119293E-CFF1-40DC-91B0-4ADC169E690A}" destId="{740F11C0-1918-4491-8E8D-F9E393D6DC62}" srcOrd="1" destOrd="0" parTransId="{2CB00DC9-C7F6-4607-93B1-38F3306CD7C1}" sibTransId="{4BF9180C-3D66-4B05-B512-DB0404B3D62A}"/>
-    <dgm:cxn modelId="{F8CCF261-9A97-4534-B937-AB878397B7E3}" type="presOf" srcId="{2D28ACD1-25D9-461F-AFFA-AF0D4524C925}" destId="{BF775206-9782-4B74-9469-81B825259D87}" srcOrd="1" destOrd="0" presId="urn:microsoft.com/office/officeart/2005/8/layout/vProcess5"/>
     <dgm:cxn modelId="{62B69662-1BE8-417A-BC23-417EA909952F}" srcId="{5119293E-CFF1-40DC-91B0-4ADC169E690A}" destId="{7773E333-D64C-46E0-BFFB-1ABFC80A563C}" srcOrd="2" destOrd="0" parTransId="{349CA876-3C43-4618-B661-611E3D74539A}" sibTransId="{2839478F-D08F-4173-8D65-0648A498D4AD}"/>
     <dgm:cxn modelId="{21684859-26A6-4774-A7E3-CA2327F0BEEC}" type="presOf" srcId="{7773E333-D64C-46E0-BFFB-1ABFC80A563C}" destId="{038003CC-57D0-452B-9A87-251E2BE8DD24}" srcOrd="0" destOrd="0" presId="urn:microsoft.com/office/officeart/2005/8/layout/vProcess5"/>
     <dgm:cxn modelId="{C9BCE58D-0797-4C79-94F0-C4B04CD35FE1}" type="presOf" srcId="{5119293E-CFF1-40DC-91B0-4ADC169E690A}" destId="{B24BCCF6-4F1C-4DCC-A666-8A2E435C92FE}" srcOrd="0" destOrd="0" presId="urn:microsoft.com/office/officeart/2005/8/layout/vProcess5"/>
+    <dgm:cxn modelId="{6E821108-AA4C-4FCE-906C-7B527205F425}" type="presOf" srcId="{0643BB84-6196-4D47-953E-29DD7A990B54}" destId="{0CD94A37-2283-4723-AF39-0C5B9DE811BF}" srcOrd="0" destOrd="0" presId="urn:microsoft.com/office/officeart/2005/8/layout/vProcess5"/>
+    <dgm:cxn modelId="{9678E520-DA97-4D9C-939A-4DCF9B11AA2F}" srcId="{5119293E-CFF1-40DC-91B0-4ADC169E690A}" destId="{740F11C0-1918-4491-8E8D-F9E393D6DC62}" srcOrd="1" destOrd="0" parTransId="{2CB00DC9-C7F6-4607-93B1-38F3306CD7C1}" sibTransId="{4BF9180C-3D66-4B05-B512-DB0404B3D62A}"/>
     <dgm:cxn modelId="{4A769CA4-299A-415F-9EAA-DF2A946246BB}" srcId="{5119293E-CFF1-40DC-91B0-4ADC169E690A}" destId="{2D28ACD1-25D9-461F-AFFA-AF0D4524C925}" srcOrd="0" destOrd="0" parTransId="{C8C4723F-FA93-47BC-A192-A522C3D631BB}" sibTransId="{0643BB84-6196-4D47-953E-29DD7A990B54}"/>
+    <dgm:cxn modelId="{F8CCF261-9A97-4534-B937-AB878397B7E3}" type="presOf" srcId="{2D28ACD1-25D9-461F-AFFA-AF0D4524C925}" destId="{BF775206-9782-4B74-9469-81B825259D87}" srcOrd="1" destOrd="0" presId="urn:microsoft.com/office/officeart/2005/8/layout/vProcess5"/>
     <dgm:cxn modelId="{4F48B4CB-5F39-4D50-A374-F942DD055BA4}" type="presOf" srcId="{740F11C0-1918-4491-8E8D-F9E393D6DC62}" destId="{04D8DCE0-082C-4FDA-A223-020C34F2DBEB}" srcOrd="1" destOrd="0" presId="urn:microsoft.com/office/officeart/2005/8/layout/vProcess5"/>
+    <dgm:cxn modelId="{5847FDF1-B5CD-4813-9A57-54FC25BEA462}" type="presOf" srcId="{740F11C0-1918-4491-8E8D-F9E393D6DC62}" destId="{CC88045C-E3EE-4D81-A4AE-31DEF16487ED}" srcOrd="0" destOrd="0" presId="urn:microsoft.com/office/officeart/2005/8/layout/vProcess5"/>
+    <dgm:cxn modelId="{7A1E6BEF-802B-4533-A187-D1A0A7A0FE31}" type="presOf" srcId="{4BF9180C-3D66-4B05-B512-DB0404B3D62A}" destId="{72F63057-082D-42E7-B85C-FC47DD028363}" srcOrd="0" destOrd="0" presId="urn:microsoft.com/office/officeart/2005/8/layout/vProcess5"/>
     <dgm:cxn modelId="{AAB844DF-2AAF-4176-B62C-73E030E52A7C}" type="presOf" srcId="{7773E333-D64C-46E0-BFFB-1ABFC80A563C}" destId="{EC81BC27-7116-465B-AC12-B4720BC34B82}" srcOrd="1" destOrd="0" presId="urn:microsoft.com/office/officeart/2005/8/layout/vProcess5"/>
-    <dgm:cxn modelId="{7A1E6BEF-802B-4533-A187-D1A0A7A0FE31}" type="presOf" srcId="{4BF9180C-3D66-4B05-B512-DB0404B3D62A}" destId="{72F63057-082D-42E7-B85C-FC47DD028363}" srcOrd="0" destOrd="0" presId="urn:microsoft.com/office/officeart/2005/8/layout/vProcess5"/>
-    <dgm:cxn modelId="{5847FDF1-B5CD-4813-9A57-54FC25BEA462}" type="presOf" srcId="{740F11C0-1918-4491-8E8D-F9E393D6DC62}" destId="{CC88045C-E3EE-4D81-A4AE-31DEF16487ED}" srcOrd="0" destOrd="0" presId="urn:microsoft.com/office/officeart/2005/8/layout/vProcess5"/>
+    <dgm:cxn modelId="{F4AADE0C-4AF2-4981-840C-CA46AAE80AFF}" type="presOf" srcId="{2D28ACD1-25D9-461F-AFFA-AF0D4524C925}" destId="{2C56E3B0-DB92-4E32-8395-0D320FDE7304}" srcOrd="0" destOrd="0" presId="urn:microsoft.com/office/officeart/2005/8/layout/vProcess5"/>
     <dgm:cxn modelId="{B2660459-02F9-4178-83A6-A226C8F89688}" type="presParOf" srcId="{B24BCCF6-4F1C-4DCC-A666-8A2E435C92FE}" destId="{42F69F61-DBA8-48C0-9CFD-AA4D17B1E06F}" srcOrd="0" destOrd="0" presId="urn:microsoft.com/office/officeart/2005/8/layout/vProcess5"/>
     <dgm:cxn modelId="{C9E715CD-297A-4561-ABFB-9F6705DBC630}" type="presParOf" srcId="{B24BCCF6-4F1C-4DCC-A666-8A2E435C92FE}" destId="{2C56E3B0-DB92-4E32-8395-0D320FDE7304}" srcOrd="1" destOrd="0" presId="urn:microsoft.com/office/officeart/2005/8/layout/vProcess5"/>
     <dgm:cxn modelId="{2C6D380E-0DE7-4233-A99E-23ACA1751D78}" type="presParOf" srcId="{B24BCCF6-4F1C-4DCC-A666-8A2E435C92FE}" destId="{CC88045C-E3EE-4D81-A4AE-31DEF16487ED}" srcOrd="2" destOrd="0" presId="urn:microsoft.com/office/officeart/2005/8/layout/vProcess5"/>
@@ -4367,7 +4549,7 @@
         </a:bodyPr>
         <a:lstStyle/>
         <a:p>
-          <a:pPr marL="0" lvl="0" indent="0" algn="r" defTabSz="977900">
+          <a:pPr lvl="0" algn="r" defTabSz="977900">
             <a:lnSpc>
               <a:spcPct val="90000"/>
             </a:lnSpc>
@@ -4377,7 +4559,6 @@
             <a:spcAft>
               <a:spcPct val="35000"/>
             </a:spcAft>
-            <a:buNone/>
           </a:pPr>
           <a:r>
             <a:rPr lang="en-US" sz="2200" kern="1200" dirty="0">
@@ -4430,7 +4611,7 @@
         </a:bodyPr>
         <a:lstStyle/>
         <a:p>
-          <a:pPr marL="0" lvl="0" indent="0" algn="l" defTabSz="977900">
+          <a:pPr lvl="0" algn="l" defTabSz="977900">
             <a:lnSpc>
               <a:spcPct val="90000"/>
             </a:lnSpc>
@@ -4440,7 +4621,6 @@
             <a:spcAft>
               <a:spcPct val="35000"/>
             </a:spcAft>
-            <a:buNone/>
           </a:pPr>
           <a:r>
             <a:rPr lang="en-US" sz="2200" kern="1200" dirty="0">
@@ -4451,7 +4631,7 @@
           </a:r>
         </a:p>
         <a:p>
-          <a:pPr marL="0" lvl="0" indent="0" algn="l" defTabSz="977900">
+          <a:pPr lvl="0" algn="l" defTabSz="977900">
             <a:lnSpc>
               <a:spcPct val="90000"/>
             </a:lnSpc>
@@ -4461,7 +4641,6 @@
             <a:spcAft>
               <a:spcPct val="35000"/>
             </a:spcAft>
-            <a:buNone/>
           </a:pPr>
           <a:r>
             <a:rPr lang="en-US" sz="2200" kern="1200" dirty="0">
@@ -4472,7 +4651,7 @@
           </a:r>
         </a:p>
         <a:p>
-          <a:pPr marL="0" lvl="0" indent="0" algn="l" defTabSz="977900">
+          <a:pPr lvl="0" algn="l" defTabSz="977900">
             <a:lnSpc>
               <a:spcPct val="90000"/>
             </a:lnSpc>
@@ -4482,7 +4661,6 @@
             <a:spcAft>
               <a:spcPct val="35000"/>
             </a:spcAft>
-            <a:buNone/>
           </a:pPr>
           <a:r>
             <a:rPr lang="en-US" sz="2200" kern="1200" dirty="0">
@@ -4630,7 +4808,7 @@
         </a:bodyPr>
         <a:lstStyle/>
         <a:p>
-          <a:pPr marL="0" lvl="0" indent="0" algn="r" defTabSz="977900">
+          <a:pPr lvl="0" algn="r" defTabSz="977900">
             <a:lnSpc>
               <a:spcPct val="90000"/>
             </a:lnSpc>
@@ -4640,7 +4818,6 @@
             <a:spcAft>
               <a:spcPct val="35000"/>
             </a:spcAft>
-            <a:buNone/>
           </a:pPr>
           <a:r>
             <a:rPr lang="en-US" sz="2200" kern="1200" dirty="0">
@@ -4693,7 +4870,7 @@
         </a:bodyPr>
         <a:lstStyle/>
         <a:p>
-          <a:pPr marL="0" lvl="0" indent="0" algn="l" defTabSz="977900">
+          <a:pPr lvl="0" algn="l" defTabSz="977900">
             <a:lnSpc>
               <a:spcPct val="90000"/>
             </a:lnSpc>
@@ -4703,7 +4880,6 @@
             <a:spcAft>
               <a:spcPct val="35000"/>
             </a:spcAft>
-            <a:buNone/>
           </a:pPr>
           <a:r>
             <a:rPr lang="en-US" sz="2200" kern="1200" dirty="0">
@@ -4714,7 +4890,7 @@
           </a:r>
         </a:p>
         <a:p>
-          <a:pPr marL="0" lvl="0" indent="0" algn="l" defTabSz="977900">
+          <a:pPr lvl="0" algn="l" defTabSz="977900">
             <a:lnSpc>
               <a:spcPct val="90000"/>
             </a:lnSpc>
@@ -4724,7 +4900,6 @@
             <a:spcAft>
               <a:spcPct val="35000"/>
             </a:spcAft>
-            <a:buNone/>
           </a:pPr>
           <a:r>
             <a:rPr lang="en-US" sz="2200" kern="1200" dirty="0">
@@ -4735,7 +4910,7 @@
           </a:r>
         </a:p>
         <a:p>
-          <a:pPr marL="0" lvl="0" indent="0" algn="l" defTabSz="977900">
+          <a:pPr lvl="0" algn="l" defTabSz="977900">
             <a:lnSpc>
               <a:spcPct val="90000"/>
             </a:lnSpc>
@@ -4745,7 +4920,6 @@
             <a:spcAft>
               <a:spcPct val="35000"/>
             </a:spcAft>
-            <a:buNone/>
           </a:pPr>
           <a:r>
             <a:rPr lang="en-US" sz="2200" kern="1200" dirty="0">
@@ -4893,7 +5067,7 @@
         </a:bodyPr>
         <a:lstStyle/>
         <a:p>
-          <a:pPr marL="0" lvl="0" indent="0" algn="r" defTabSz="977900">
+          <a:pPr lvl="0" algn="r" defTabSz="977900">
             <a:lnSpc>
               <a:spcPct val="90000"/>
             </a:lnSpc>
@@ -4903,7 +5077,6 @@
             <a:spcAft>
               <a:spcPct val="35000"/>
             </a:spcAft>
-            <a:buNone/>
           </a:pPr>
           <a:r>
             <a:rPr lang="en-US" sz="2200" kern="1200" dirty="0">
@@ -4956,7 +5129,7 @@
         </a:bodyPr>
         <a:lstStyle/>
         <a:p>
-          <a:pPr marL="0" lvl="0" indent="0" algn="l" defTabSz="977900">
+          <a:pPr lvl="0" algn="l" defTabSz="977900">
             <a:lnSpc>
               <a:spcPct val="90000"/>
             </a:lnSpc>
@@ -4966,7 +5139,6 @@
             <a:spcAft>
               <a:spcPct val="35000"/>
             </a:spcAft>
-            <a:buNone/>
           </a:pPr>
           <a:r>
             <a:rPr lang="en-US" sz="2200" kern="1200" dirty="0">
@@ -4977,7 +5149,7 @@
           </a:r>
         </a:p>
         <a:p>
-          <a:pPr marL="0" lvl="0" indent="0" algn="l" defTabSz="977900">
+          <a:pPr lvl="0" algn="l" defTabSz="977900">
             <a:lnSpc>
               <a:spcPct val="90000"/>
             </a:lnSpc>
@@ -4987,7 +5159,6 @@
             <a:spcAft>
               <a:spcPct val="35000"/>
             </a:spcAft>
-            <a:buNone/>
           </a:pPr>
           <a:r>
             <a:rPr lang="en-US" sz="2200" kern="1200" dirty="0">
@@ -4998,7 +5169,7 @@
           </a:r>
         </a:p>
         <a:p>
-          <a:pPr marL="0" lvl="0" indent="0" algn="l" defTabSz="977900">
+          <a:pPr lvl="0" algn="l" defTabSz="977900">
             <a:lnSpc>
               <a:spcPct val="90000"/>
             </a:lnSpc>
@@ -5008,7 +5179,6 @@
             <a:spcAft>
               <a:spcPct val="35000"/>
             </a:spcAft>
-            <a:buNone/>
           </a:pPr>
           <a:r>
             <a:rPr lang="en-US" sz="2200" kern="1200" dirty="0">
@@ -5156,7 +5326,7 @@
         </a:bodyPr>
         <a:lstStyle/>
         <a:p>
-          <a:pPr marL="0" lvl="0" indent="0" algn="r" defTabSz="977900">
+          <a:pPr lvl="0" algn="r" defTabSz="977900">
             <a:lnSpc>
               <a:spcPct val="90000"/>
             </a:lnSpc>
@@ -5166,7 +5336,6 @@
             <a:spcAft>
               <a:spcPct val="35000"/>
             </a:spcAft>
-            <a:buNone/>
           </a:pPr>
           <a:r>
             <a:rPr lang="en-US" sz="2200" kern="1200" dirty="0">
@@ -5219,7 +5388,7 @@
         </a:bodyPr>
         <a:lstStyle/>
         <a:p>
-          <a:pPr marL="0" lvl="0" indent="0" algn="l" defTabSz="977900">
+          <a:pPr lvl="0" algn="l" defTabSz="977900">
             <a:lnSpc>
               <a:spcPct val="90000"/>
             </a:lnSpc>
@@ -5229,7 +5398,6 @@
             <a:spcAft>
               <a:spcPct val="35000"/>
             </a:spcAft>
-            <a:buNone/>
           </a:pPr>
           <a:r>
             <a:rPr lang="en-US" sz="2200" kern="1200" dirty="0">
@@ -5240,7 +5408,7 @@
           </a:r>
         </a:p>
         <a:p>
-          <a:pPr marL="0" lvl="0" indent="0" algn="l" defTabSz="977900">
+          <a:pPr lvl="0" algn="l" defTabSz="977900">
             <a:lnSpc>
               <a:spcPct val="90000"/>
             </a:lnSpc>
@@ -5250,7 +5418,6 @@
             <a:spcAft>
               <a:spcPct val="35000"/>
             </a:spcAft>
-            <a:buNone/>
           </a:pPr>
           <a:r>
             <a:rPr lang="en-US" sz="2200" kern="1200" dirty="0">
@@ -5319,12 +5486,12 @@
         <a:fontRef idx="minor"/>
       </dsp:style>
       <dsp:txBody>
-        <a:bodyPr spcFirstLastPara="0" vert="horz" wrap="square" lIns="142240" tIns="50800" rIns="142240" bIns="50800" numCol="1" spcCol="1270" anchor="ctr" anchorCtr="0">
+        <a:bodyPr spcFirstLastPara="0" vert="horz" wrap="square" lIns="156464" tIns="55880" rIns="156464" bIns="55880" numCol="1" spcCol="1270" anchor="ctr" anchorCtr="0">
           <a:noAutofit/>
         </a:bodyPr>
         <a:lstStyle/>
         <a:p>
-          <a:pPr marL="0" lvl="0" indent="0" algn="r" defTabSz="889000">
+          <a:pPr lvl="0" algn="r" defTabSz="977900">
             <a:lnSpc>
               <a:spcPct val="90000"/>
             </a:lnSpc>
@@ -5334,10 +5501,9 @@
             <a:spcAft>
               <a:spcPct val="35000"/>
             </a:spcAft>
-            <a:buNone/>
           </a:pPr>
           <a:r>
-            <a:rPr lang="en-US" sz="2000" kern="1200" dirty="0">
+            <a:rPr lang="en-US" sz="2200" kern="1200" dirty="0">
               <a:latin typeface="Times New Roman" panose="02020603050405020304" pitchFamily="18" charset="0"/>
               <a:cs typeface="Times New Roman" panose="02020603050405020304" pitchFamily="18" charset="0"/>
             </a:rPr>
@@ -5471,7 +5637,7 @@
             <a:spcAft>
               <a:spcPct val="15000"/>
             </a:spcAft>
-            <a:buChar char="•"/>
+            <a:buChar char="••"/>
           </a:pPr>
           <a:r>
             <a:rPr lang="en-US" sz="2000" kern="1200" dirty="0">
@@ -5492,7 +5658,7 @@
             <a:spcAft>
               <a:spcPct val="15000"/>
             </a:spcAft>
-            <a:buChar char="•"/>
+            <a:buChar char="••"/>
           </a:pPr>
           <a:r>
             <a:rPr lang="en-US" sz="2000" kern="1200" dirty="0">
@@ -5513,7 +5679,7 @@
             <a:spcAft>
               <a:spcPct val="15000"/>
             </a:spcAft>
-            <a:buChar char="•"/>
+            <a:buChar char="••"/>
           </a:pPr>
           <a:r>
             <a:rPr lang="en-US" sz="2000" kern="1200" dirty="0">
@@ -5534,7 +5700,7 @@
             <a:spcAft>
               <a:spcPct val="15000"/>
             </a:spcAft>
-            <a:buChar char="•"/>
+            <a:buChar char="••"/>
           </a:pPr>
           <a:r>
             <a:rPr lang="en-US" sz="2000" kern="1200" dirty="0">
@@ -5591,12 +5757,12 @@
         <a:fontRef idx="minor"/>
       </dsp:style>
       <dsp:txBody>
-        <a:bodyPr spcFirstLastPara="0" vert="horz" wrap="square" lIns="142240" tIns="50800" rIns="142240" bIns="50800" numCol="1" spcCol="1270" anchor="ctr" anchorCtr="0">
+        <a:bodyPr spcFirstLastPara="0" vert="horz" wrap="square" lIns="156464" tIns="55880" rIns="156464" bIns="55880" numCol="1" spcCol="1270" anchor="ctr" anchorCtr="0">
           <a:noAutofit/>
         </a:bodyPr>
         <a:lstStyle/>
         <a:p>
-          <a:pPr marL="0" lvl="0" indent="0" algn="r" defTabSz="889000">
+          <a:pPr lvl="0" algn="r" defTabSz="977900">
             <a:lnSpc>
               <a:spcPct val="90000"/>
             </a:lnSpc>
@@ -5606,10 +5772,9 @@
             <a:spcAft>
               <a:spcPct val="35000"/>
             </a:spcAft>
-            <a:buNone/>
           </a:pPr>
           <a:r>
-            <a:rPr lang="en-US" sz="2000" kern="1200" dirty="0">
+            <a:rPr lang="en-US" sz="2200" kern="1200" dirty="0">
               <a:latin typeface="Times New Roman" panose="02020603050405020304" pitchFamily="18" charset="0"/>
               <a:cs typeface="Times New Roman" panose="02020603050405020304" pitchFamily="18" charset="0"/>
             </a:rPr>
@@ -5743,7 +5908,7 @@
             <a:spcAft>
               <a:spcPct val="15000"/>
             </a:spcAft>
-            <a:buChar char="•"/>
+            <a:buChar char="••"/>
           </a:pPr>
           <a:r>
             <a:rPr lang="en-US" sz="2000" kern="1200" dirty="0">
@@ -5764,7 +5929,7 @@
             <a:spcAft>
               <a:spcPct val="15000"/>
             </a:spcAft>
-            <a:buChar char="•"/>
+            <a:buChar char="••"/>
           </a:pPr>
           <a:r>
             <a:rPr lang="en-US" sz="2000" kern="1200" dirty="0">
@@ -5785,7 +5950,7 @@
             <a:spcAft>
               <a:spcPct val="15000"/>
             </a:spcAft>
-            <a:buChar char="•"/>
+            <a:buChar char="••"/>
           </a:pPr>
           <a:r>
             <a:rPr lang="en-US" sz="2000" kern="1200" dirty="0">
@@ -5842,12 +6007,12 @@
         <a:fontRef idx="minor"/>
       </dsp:style>
       <dsp:txBody>
-        <a:bodyPr spcFirstLastPara="0" vert="horz" wrap="square" lIns="142240" tIns="50800" rIns="142240" bIns="50800" numCol="1" spcCol="1270" anchor="ctr" anchorCtr="0">
+        <a:bodyPr spcFirstLastPara="0" vert="horz" wrap="square" lIns="156464" tIns="55880" rIns="156464" bIns="55880" numCol="1" spcCol="1270" anchor="ctr" anchorCtr="0">
           <a:noAutofit/>
         </a:bodyPr>
         <a:lstStyle/>
         <a:p>
-          <a:pPr marL="0" lvl="0" indent="0" algn="r" defTabSz="889000">
+          <a:pPr lvl="0" algn="r" defTabSz="977900">
             <a:lnSpc>
               <a:spcPct val="90000"/>
             </a:lnSpc>
@@ -5857,10 +6022,9 @@
             <a:spcAft>
               <a:spcPct val="35000"/>
             </a:spcAft>
-            <a:buNone/>
           </a:pPr>
           <a:r>
-            <a:rPr lang="en-US" sz="2000" kern="1200" dirty="0">
+            <a:rPr lang="en-US" sz="2200" kern="1200" dirty="0">
               <a:latin typeface="Times New Roman" panose="02020603050405020304" pitchFamily="18" charset="0"/>
               <a:cs typeface="Times New Roman" panose="02020603050405020304" pitchFamily="18" charset="0"/>
             </a:rPr>
@@ -5994,7 +6158,7 @@
             <a:spcAft>
               <a:spcPct val="15000"/>
             </a:spcAft>
-            <a:buChar char="•"/>
+            <a:buChar char="••"/>
           </a:pPr>
           <a:r>
             <a:rPr lang="en-US" sz="2000" kern="1200" dirty="0">
@@ -6015,7 +6179,7 @@
             <a:spcAft>
               <a:spcPct val="15000"/>
             </a:spcAft>
-            <a:buChar char="•"/>
+            <a:buChar char="••"/>
           </a:pPr>
           <a:r>
             <a:rPr lang="en-US" sz="2000" kern="1200" dirty="0">
@@ -6072,12 +6236,12 @@
         <a:fontRef idx="minor"/>
       </dsp:style>
       <dsp:txBody>
-        <a:bodyPr spcFirstLastPara="0" vert="horz" wrap="square" lIns="142240" tIns="50800" rIns="142240" bIns="50800" numCol="1" spcCol="1270" anchor="ctr" anchorCtr="0">
+        <a:bodyPr spcFirstLastPara="0" vert="horz" wrap="square" lIns="156464" tIns="55880" rIns="156464" bIns="55880" numCol="1" spcCol="1270" anchor="ctr" anchorCtr="0">
           <a:noAutofit/>
         </a:bodyPr>
         <a:lstStyle/>
         <a:p>
-          <a:pPr marL="0" lvl="0" indent="0" algn="r" defTabSz="889000">
+          <a:pPr lvl="0" algn="r" defTabSz="977900">
             <a:lnSpc>
               <a:spcPct val="90000"/>
             </a:lnSpc>
@@ -6087,10 +6251,9 @@
             <a:spcAft>
               <a:spcPct val="35000"/>
             </a:spcAft>
-            <a:buNone/>
           </a:pPr>
           <a:r>
-            <a:rPr lang="en-US" sz="2000" kern="1200" dirty="0">
+            <a:rPr lang="en-US" sz="2200" kern="1200" dirty="0">
               <a:latin typeface="Times New Roman" panose="02020603050405020304" pitchFamily="18" charset="0"/>
               <a:cs typeface="Times New Roman" panose="02020603050405020304" pitchFamily="18" charset="0"/>
             </a:rPr>
@@ -6224,7 +6387,7 @@
             <a:spcAft>
               <a:spcPct val="15000"/>
             </a:spcAft>
-            <a:buChar char="•"/>
+            <a:buChar char="••"/>
           </a:pPr>
           <a:r>
             <a:rPr lang="en-US" sz="2000" kern="1200" dirty="0">
@@ -6308,7 +6471,7 @@
         </a:bodyPr>
         <a:lstStyle/>
         <a:p>
-          <a:pPr marL="0" lvl="0" indent="0" algn="l" defTabSz="977900">
+          <a:pPr lvl="0" algn="l" defTabSz="977900">
             <a:lnSpc>
               <a:spcPct val="90000"/>
             </a:lnSpc>
@@ -6318,7 +6481,6 @@
             <a:spcAft>
               <a:spcPct val="35000"/>
             </a:spcAft>
-            <a:buNone/>
           </a:pPr>
           <a:r>
             <a:rPr lang="en-US" sz="2200" kern="1200" dirty="0">
@@ -6391,7 +6553,7 @@
         </a:bodyPr>
         <a:lstStyle/>
         <a:p>
-          <a:pPr marL="0" lvl="0" indent="0" algn="l" defTabSz="977900">
+          <a:pPr lvl="0" algn="l" defTabSz="977900">
             <a:lnSpc>
               <a:spcPct val="90000"/>
             </a:lnSpc>
@@ -6401,7 +6563,6 @@
             <a:spcAft>
               <a:spcPct val="35000"/>
             </a:spcAft>
-            <a:buNone/>
           </a:pPr>
           <a:r>
             <a:rPr lang="en-US" sz="2200" kern="1200" dirty="0"/>
@@ -6470,7 +6631,7 @@
         </a:bodyPr>
         <a:lstStyle/>
         <a:p>
-          <a:pPr marL="0" lvl="0" indent="0" algn="l" defTabSz="977900">
+          <a:pPr lvl="0" algn="l" defTabSz="977900">
             <a:lnSpc>
               <a:spcPct val="90000"/>
             </a:lnSpc>
@@ -6480,7 +6641,6 @@
             <a:spcAft>
               <a:spcPct val="35000"/>
             </a:spcAft>
-            <a:buNone/>
           </a:pPr>
           <a:r>
             <a:rPr lang="en-US" sz="2200" kern="1200" dirty="0"/>
@@ -6552,7 +6712,7 @@
         </a:bodyPr>
         <a:lstStyle/>
         <a:p>
-          <a:pPr marL="0" lvl="0" indent="0" algn="ctr" defTabSz="1555750">
+          <a:pPr lvl="0" algn="ctr" defTabSz="1555750">
             <a:lnSpc>
               <a:spcPct val="90000"/>
             </a:lnSpc>
@@ -6562,7 +6722,6 @@
             <a:spcAft>
               <a:spcPct val="35000"/>
             </a:spcAft>
-            <a:buNone/>
           </a:pPr>
           <a:endParaRPr lang="en-US" sz="3500" kern="1200"/>
         </a:p>
@@ -6631,7 +6790,7 @@
         </a:bodyPr>
         <a:lstStyle/>
         <a:p>
-          <a:pPr marL="0" lvl="0" indent="0" algn="ctr" defTabSz="1555750">
+          <a:pPr lvl="0" algn="ctr" defTabSz="1555750">
             <a:lnSpc>
               <a:spcPct val="90000"/>
             </a:lnSpc>
@@ -6641,7 +6800,6 @@
             <a:spcAft>
               <a:spcPct val="35000"/>
             </a:spcAft>
-            <a:buNone/>
           </a:pPr>
           <a:endParaRPr lang="en-US" sz="3500" kern="1200"/>
         </a:p>
@@ -19148,7 +19306,7 @@
           <p:nvPr>
             <p:extLst>
               <p:ext uri="{D42A27DB-BD31-4B8C-83A1-F6EECF244321}">
-                <p14:modId xmlns:p14="http://schemas.microsoft.com/office/powerpoint/2010/main" val="4133624551"/>
+                <p14:modId xmlns:p14="http://schemas.microsoft.com/office/powerpoint/2010/main" val="2201994048"/>
               </p:ext>
             </p:extLst>
           </p:nvPr>
@@ -19240,7 +19398,7 @@
         </p:nvSpPr>
         <p:spPr>
           <a:xfrm>
-            <a:off x="685802" y="1837766"/>
+            <a:off x="672738" y="1533378"/>
             <a:ext cx="6671602" cy="3577614"/>
           </a:xfrm>
           <a:prstGeom prst="rect">
@@ -19461,28 +19619,40 @@
           <a:p>
             <a:pPr algn="just"/>
             <a:r>
-              <a:rPr lang="en-US" dirty="0"/>
+              <a:rPr lang="en-US" dirty="0">
+                <a:latin typeface="Times New Roman" panose="02020603050405020304" pitchFamily="18" charset="0"/>
+                <a:cs typeface="Times New Roman" panose="02020603050405020304" pitchFamily="18" charset="0"/>
+              </a:rPr>
               <a:t>We have 4 builds having several core functionalities being developed in an incremental fashion.</a:t>
             </a:r>
           </a:p>
           <a:p>
             <a:pPr algn="just"/>
             <a:r>
-              <a:rPr lang="en-US" dirty="0"/>
+              <a:rPr lang="en-US" dirty="0">
+                <a:latin typeface="Times New Roman" panose="02020603050405020304" pitchFamily="18" charset="0"/>
+                <a:cs typeface="Times New Roman" panose="02020603050405020304" pitchFamily="18" charset="0"/>
+              </a:rPr>
               <a:t>Each build is a collection of several functionalities which are tested by the responsible individual.</a:t>
             </a:r>
           </a:p>
           <a:p>
             <a:pPr algn="just"/>
             <a:r>
-              <a:rPr lang="en-US" dirty="0"/>
+              <a:rPr lang="en-US" dirty="0">
+                <a:latin typeface="Times New Roman" panose="02020603050405020304" pitchFamily="18" charset="0"/>
+                <a:cs typeface="Times New Roman" panose="02020603050405020304" pitchFamily="18" charset="0"/>
+              </a:rPr>
               <a:t>Each build went through rigorous testing after every release.</a:t>
             </a:r>
           </a:p>
           <a:p>
             <a:pPr algn="just"/>
             <a:r>
-              <a:rPr lang="en-US" dirty="0"/>
+              <a:rPr lang="en-US" dirty="0">
+                <a:latin typeface="Times New Roman" panose="02020603050405020304" pitchFamily="18" charset="0"/>
+                <a:cs typeface="Times New Roman" panose="02020603050405020304" pitchFamily="18" charset="0"/>
+              </a:rPr>
               <a:t>We have used the test suite to test each build and respective functionality. </a:t>
             </a:r>
           </a:p>
@@ -19739,7 +19909,7 @@
           <a:lstStyle/>
           <a:p>
             <a:r>
-              <a:rPr lang="en-US" sz="2400" dirty="0">
+              <a:rPr lang="en-US" sz="2200" dirty="0">
                 <a:latin typeface="Times New Roman" panose="02020603050405020304" pitchFamily="18" charset="0"/>
                 <a:cs typeface="Times New Roman" panose="02020603050405020304" pitchFamily="18" charset="0"/>
               </a:rPr>
@@ -19748,7 +19918,7 @@
           </a:p>
           <a:p>
             <a:r>
-              <a:rPr lang="en-US" sz="2400" dirty="0">
+              <a:rPr lang="en-US" sz="2200" dirty="0">
                 <a:latin typeface="Times New Roman" panose="02020603050405020304" pitchFamily="18" charset="0"/>
                 <a:cs typeface="Times New Roman" panose="02020603050405020304" pitchFamily="18" charset="0"/>
               </a:rPr>
@@ -19757,7 +19927,7 @@
           </a:p>
           <a:p>
             <a:r>
-              <a:rPr lang="en-US" sz="2400" dirty="0">
+              <a:rPr lang="en-US" sz="2200" dirty="0">
                 <a:latin typeface="Times New Roman" panose="02020603050405020304" pitchFamily="18" charset="0"/>
                 <a:cs typeface="Times New Roman" panose="02020603050405020304" pitchFamily="18" charset="0"/>
               </a:rPr>
@@ -19766,21 +19936,21 @@
           </a:p>
           <a:p>
             <a:r>
-              <a:rPr lang="en-US" sz="2400" dirty="0">
+              <a:rPr lang="en-US" sz="2200" dirty="0">
                 <a:latin typeface="Times New Roman" panose="02020603050405020304" pitchFamily="18" charset="0"/>
                 <a:cs typeface="Times New Roman" panose="02020603050405020304" pitchFamily="18" charset="0"/>
               </a:rPr>
               <a:t>Persistent Login for the </a:t>
             </a:r>
             <a:r>
-              <a:rPr lang="en-US" sz="2400" dirty="0" err="1">
+              <a:rPr lang="en-US" sz="2200" dirty="0" err="1">
                 <a:latin typeface="Times New Roman" panose="02020603050405020304" pitchFamily="18" charset="0"/>
                 <a:cs typeface="Times New Roman" panose="02020603050405020304" pitchFamily="18" charset="0"/>
               </a:rPr>
               <a:t>Ios</a:t>
             </a:r>
             <a:r>
-              <a:rPr lang="en-US" sz="2400" dirty="0">
+              <a:rPr lang="en-US" sz="2200" dirty="0">
                 <a:latin typeface="Times New Roman" panose="02020603050405020304" pitchFamily="18" charset="0"/>
                 <a:cs typeface="Times New Roman" panose="02020603050405020304" pitchFamily="18" charset="0"/>
               </a:rPr>
@@ -19791,10 +19961,10 @@
             <a:pPr marL="0" indent="0">
               <a:buNone/>
             </a:pPr>
-            <a:endParaRPr lang="en-US" sz="2400" dirty="0"/>
-          </a:p>
-          <a:p>
-            <a:endParaRPr lang="en-US" sz="2400" dirty="0"/>
+            <a:endParaRPr lang="en-US" sz="2200" dirty="0"/>
+          </a:p>
+          <a:p>
+            <a:endParaRPr lang="en-US" sz="2200" dirty="0"/>
           </a:p>
         </p:txBody>
       </p:sp>
@@ -19991,11 +20161,13 @@
           </a:xfrm>
         </p:spPr>
         <p:txBody>
-          <a:bodyPr/>
+          <a:bodyPr>
+            <a:normAutofit/>
+          </a:bodyPr>
           <a:lstStyle/>
           <a:p>
             <a:r>
-              <a:rPr lang="en-US" dirty="0">
+              <a:rPr lang="en-US" sz="2200" dirty="0">
                 <a:latin typeface="Times New Roman" panose="02020603050405020304" pitchFamily="18" charset="0"/>
                 <a:cs typeface="Times New Roman" panose="02020603050405020304" pitchFamily="18" charset="0"/>
               </a:rPr>
@@ -20004,7 +20176,7 @@
           </a:p>
           <a:p>
             <a:r>
-              <a:rPr lang="en-US" dirty="0">
+              <a:rPr lang="en-US" sz="2200" dirty="0">
                 <a:latin typeface="Times New Roman" panose="02020603050405020304" pitchFamily="18" charset="0"/>
                 <a:cs typeface="Times New Roman" panose="02020603050405020304" pitchFamily="18" charset="0"/>
               </a:rPr>
@@ -20013,7 +20185,7 @@
           </a:p>
           <a:p>
             <a:r>
-              <a:rPr lang="en-US" dirty="0">
+              <a:rPr lang="en-US" sz="2200" dirty="0">
                 <a:latin typeface="Times New Roman" panose="02020603050405020304" pitchFamily="18" charset="0"/>
                 <a:cs typeface="Times New Roman" panose="02020603050405020304" pitchFamily="18" charset="0"/>
               </a:rPr>
@@ -20022,7 +20194,7 @@
           </a:p>
           <a:p>
             <a:r>
-              <a:rPr lang="en-US" dirty="0">
+              <a:rPr lang="en-US" sz="2200" dirty="0">
                 <a:latin typeface="Times New Roman" panose="02020603050405020304" pitchFamily="18" charset="0"/>
                 <a:cs typeface="Times New Roman" panose="02020603050405020304" pitchFamily="18" charset="0"/>
               </a:rPr>
@@ -20031,7 +20203,7 @@
           </a:p>
           <a:p>
             <a:r>
-              <a:rPr lang="en-US" dirty="0">
+              <a:rPr lang="en-US" sz="2200" dirty="0">
                 <a:latin typeface="Times New Roman" panose="02020603050405020304" pitchFamily="18" charset="0"/>
                 <a:cs typeface="Times New Roman" panose="02020603050405020304" pitchFamily="18" charset="0"/>
               </a:rPr>

--- a/final ppt.pptx
+++ b/final ppt.pptx
@@ -22,6 +22,8 @@
     <p:sldId id="272" r:id="rId16"/>
     <p:sldId id="274" r:id="rId17"/>
     <p:sldId id="271" r:id="rId18"/>
+    <p:sldId id="279" r:id="rId19"/>
+    <p:sldId id="278" r:id="rId20"/>
   </p:sldIdLst>
   <p:sldSz cx="12192000" cy="6858000"/>
   <p:notesSz cx="6858000" cy="9144000"/>
@@ -4057,35 +4059,35 @@
     </dgm:pt>
   </dgm:ptLst>
   <dgm:cxnLst>
+    <dgm:cxn modelId="{508A9F6A-C4F1-4147-A5F6-B89293B446E8}" srcId="{082E8A29-955A-4C7C-A174-3E9DCD4DC89B}" destId="{B86124A4-14C7-49C7-A342-9B2C2B94980B}" srcOrd="2" destOrd="0" parTransId="{B2F6F8FA-C3EE-485C-BFEC-A81570DC47D8}" sibTransId="{1114C752-8188-4E63-BFFC-E4081ACE9882}"/>
+    <dgm:cxn modelId="{97004F90-D1DB-4A84-A8AE-504DE1F07341}" srcId="{082E8A29-955A-4C7C-A174-3E9DCD4DC89B}" destId="{97AFB725-9839-43BA-B026-0DD6AA03AD9C}" srcOrd="1" destOrd="0" parTransId="{CC01022B-5039-457F-931E-79459E3C1DC4}" sibTransId="{D5C26250-A06D-4B41-BC14-92648809C21F}"/>
+    <dgm:cxn modelId="{791B5989-F5A5-4021-97F2-55841C5BF713}" type="presOf" srcId="{082E8A29-955A-4C7C-A174-3E9DCD4DC89B}" destId="{8F988417-5085-446A-9534-C8E783FFAC0F}" srcOrd="0" destOrd="0" presId="urn:diagrams.loki3.com/BracketList"/>
+    <dgm:cxn modelId="{633E5193-1DBF-477B-BE52-E2B5EBEB93C6}" type="presOf" srcId="{6D0E5D9F-7263-4526-A227-51301233F549}" destId="{18209124-9853-4B36-9180-55BC384AA84D}" srcOrd="0" destOrd="0" presId="urn:diagrams.loki3.com/BracketList"/>
+    <dgm:cxn modelId="{78C415D6-35DF-45BB-8921-595A1C6CA239}" type="presOf" srcId="{B6E26FFC-9977-4BBC-BEC7-3D6B63754E52}" destId="{74C582AC-97DE-47F1-B2F7-CEAF5C38053B}" srcOrd="0" destOrd="0" presId="urn:diagrams.loki3.com/BracketList"/>
     <dgm:cxn modelId="{4BF436C2-CB7A-454C-A1D2-41BCB7321C26}" type="presOf" srcId="{A97FC57D-50D6-4D43-99C3-06D09820F122}" destId="{22850625-2192-463E-8187-DBB37B4DEEE5}" srcOrd="0" destOrd="3" presId="urn:diagrams.loki3.com/BracketList"/>
-    <dgm:cxn modelId="{78C415D6-35DF-45BB-8921-595A1C6CA239}" type="presOf" srcId="{B6E26FFC-9977-4BBC-BEC7-3D6B63754E52}" destId="{74C582AC-97DE-47F1-B2F7-CEAF5C38053B}" srcOrd="0" destOrd="0" presId="urn:diagrams.loki3.com/BracketList"/>
+    <dgm:cxn modelId="{F454A545-FA11-41F7-9AE3-2B8BC82277C4}" type="presOf" srcId="{23A0DE4A-FE92-496E-B335-3433CEFB74E9}" destId="{22850625-2192-463E-8187-DBB37B4DEEE5}" srcOrd="0" destOrd="0" presId="urn:diagrams.loki3.com/BracketList"/>
+    <dgm:cxn modelId="{17E73148-9C08-4999-B21E-F3C5A0E3FC0C}" srcId="{CF9055CF-8DEB-4A02-949A-DE72B6AC5D37}" destId="{B6E26FFC-9977-4BBC-BEC7-3D6B63754E52}" srcOrd="1" destOrd="0" parTransId="{5CEFBD89-2F4F-4B51-A98A-0F3C86494166}" sibTransId="{48634C00-2335-4923-9072-EB7482323D9C}"/>
+    <dgm:cxn modelId="{C8C462C6-33A3-4E8B-91FE-36DBE92F1C4A}" srcId="{CF9055CF-8DEB-4A02-949A-DE72B6AC5D37}" destId="{6D0E5D9F-7263-4526-A227-51301233F549}" srcOrd="2" destOrd="0" parTransId="{23416D07-25F8-426C-BC65-639E6BCF4D6D}" sibTransId="{DE289E29-1989-4D8E-8AA6-F030105B3F13}"/>
+    <dgm:cxn modelId="{59DDA576-1BA9-49E8-9D1D-361FF667A19A}" srcId="{B6E26FFC-9977-4BBC-BEC7-3D6B63754E52}" destId="{62831651-7C26-466C-BAA4-31EA8D14E47A}" srcOrd="1" destOrd="0" parTransId="{0F3EB6E4-07A5-4199-9C2F-8B91F53579FE}" sibTransId="{0D19FA60-5F9C-420B-AD2F-A0656A7F0783}"/>
+    <dgm:cxn modelId="{FB8541C0-3895-4553-A4C7-34B81A3C4A0B}" srcId="{CF9055CF-8DEB-4A02-949A-DE72B6AC5D37}" destId="{A81358E0-3DE7-41AD-A28C-ABB22548B1F6}" srcOrd="3" destOrd="0" parTransId="{262E0B94-6EA9-4797-B705-959D7B185F91}" sibTransId="{77756FBB-BF6C-4D78-803E-BCC851F1DA03}"/>
+    <dgm:cxn modelId="{67A03D8F-F327-4A9F-ABBC-1EB67EFD1ECB}" srcId="{082E8A29-955A-4C7C-A174-3E9DCD4DC89B}" destId="{23A0DE4A-FE92-496E-B335-3433CEFB74E9}" srcOrd="0" destOrd="0" parTransId="{68935D38-FEDC-4CD3-8002-43CB3944BEAF}" sibTransId="{55DF926D-029A-4E18-95C4-77A5A37CAE40}"/>
+    <dgm:cxn modelId="{3C41F2E0-4620-40B4-9857-68872B278EFB}" srcId="{B6E26FFC-9977-4BBC-BEC7-3D6B63754E52}" destId="{CBCC21F5-552F-4D39-812E-6FCD4A366F58}" srcOrd="0" destOrd="0" parTransId="{4A973A1C-85F1-4969-A536-D29940229E2C}" sibTransId="{3640B940-6901-481F-ADF7-6B77DEEED764}"/>
+    <dgm:cxn modelId="{8910F93B-7180-4A52-9856-879D102D33F8}" srcId="{6D0E5D9F-7263-4526-A227-51301233F549}" destId="{357008B7-F3FD-489F-A410-81C9A9EFE4DA}" srcOrd="1" destOrd="0" parTransId="{ED5EFE54-4C6D-4A88-939B-CE66C6668425}" sibTransId="{87BC108C-4915-4A4B-8565-E4BD28BA3C35}"/>
+    <dgm:cxn modelId="{E3D1E441-6DFB-4005-8B07-84971CD049AF}" type="presOf" srcId="{CF9055CF-8DEB-4A02-949A-DE72B6AC5D37}" destId="{3AD46912-AB30-4540-8DF5-67AC1488F01C}" srcOrd="0" destOrd="0" presId="urn:diagrams.loki3.com/BracketList"/>
+    <dgm:cxn modelId="{E554777F-9CC2-418D-BFE3-2198586BFE02}" type="presOf" srcId="{F3256203-D9D1-492A-B801-68C1A32486F0}" destId="{9DC88600-C3D9-4AA5-B04F-AC7D55D573B0}" srcOrd="0" destOrd="0" presId="urn:diagrams.loki3.com/BracketList"/>
+    <dgm:cxn modelId="{1B8E71B0-2D3A-4AB0-8843-CFDACEDC3198}" srcId="{6D0E5D9F-7263-4526-A227-51301233F549}" destId="{F3256203-D9D1-492A-B801-68C1A32486F0}" srcOrd="0" destOrd="0" parTransId="{E9A20291-2E30-4C14-BB7D-DC095A20ECB6}" sibTransId="{6C9440D0-8847-40C0-98BC-2B5EA5745C3A}"/>
+    <dgm:cxn modelId="{187CA79C-407F-4248-8324-1976688B47A3}" type="presOf" srcId="{62831651-7C26-466C-BAA4-31EA8D14E47A}" destId="{8A77D6A0-09A8-4728-B3F6-2488D599D736}" srcOrd="0" destOrd="1" presId="urn:diagrams.loki3.com/BracketList"/>
+    <dgm:cxn modelId="{A2714790-C7A3-4B92-B748-271A29D614FC}" type="presOf" srcId="{357008B7-F3FD-489F-A410-81C9A9EFE4DA}" destId="{9DC88600-C3D9-4AA5-B04F-AC7D55D573B0}" srcOrd="0" destOrd="1" presId="urn:diagrams.loki3.com/BracketList"/>
+    <dgm:cxn modelId="{2986897A-7787-444F-B6C8-41F3823EF3C1}" srcId="{CF9055CF-8DEB-4A02-949A-DE72B6AC5D37}" destId="{082E8A29-955A-4C7C-A174-3E9DCD4DC89B}" srcOrd="0" destOrd="0" parTransId="{BA7938E6-8DFA-40B7-B4C4-EACC6D85FC31}" sibTransId="{C2176686-D23E-48EB-9D1B-1A1B46236638}"/>
+    <dgm:cxn modelId="{1C5CE732-A00F-4C06-A1A8-B209BC6B496D}" srcId="{A81358E0-3DE7-41AD-A28C-ABB22548B1F6}" destId="{37A7C994-CC74-44DD-8777-ED6736B35821}" srcOrd="0" destOrd="0" parTransId="{03F017E7-7E3C-4E2C-9CEF-B07099F38801}" sibTransId="{118572A4-3B5E-487E-8015-6A319369077F}"/>
+    <dgm:cxn modelId="{D286A548-6BB0-4DED-9FB5-D87042DDBE0A}" srcId="{082E8A29-955A-4C7C-A174-3E9DCD4DC89B}" destId="{A97FC57D-50D6-4D43-99C3-06D09820F122}" srcOrd="3" destOrd="0" parTransId="{5DD877C7-E4D9-4A68-A305-5A7689D3DBE7}" sibTransId="{C17BCABE-BEF2-4CC4-B037-B6B4866665CD}"/>
+    <dgm:cxn modelId="{12609D25-6280-4191-96EC-FC59574CC5FD}" type="presOf" srcId="{B86124A4-14C7-49C7-A342-9B2C2B94980B}" destId="{22850625-2192-463E-8187-DBB37B4DEEE5}" srcOrd="0" destOrd="2" presId="urn:diagrams.loki3.com/BracketList"/>
+    <dgm:cxn modelId="{F89EA6DF-D106-435E-9337-D23286A767A6}" srcId="{B6E26FFC-9977-4BBC-BEC7-3D6B63754E52}" destId="{44B2544A-D122-4B95-A36C-B03D9E272B48}" srcOrd="2" destOrd="0" parTransId="{9EE40E78-C1B8-4A87-A668-53AD816CED24}" sibTransId="{F32DECE0-DC7F-4DCF-A10D-96A117A49197}"/>
+    <dgm:cxn modelId="{F9F24B56-4C40-4CD5-B0B3-335013F9648E}" type="presOf" srcId="{37A7C994-CC74-44DD-8777-ED6736B35821}" destId="{2DDF7FCF-0E74-45B4-9880-0E53C8A0FB81}" srcOrd="0" destOrd="0" presId="urn:diagrams.loki3.com/BracketList"/>
+    <dgm:cxn modelId="{2616D543-291D-4A57-BE47-139E70015B80}" type="presOf" srcId="{44B2544A-D122-4B95-A36C-B03D9E272B48}" destId="{8A77D6A0-09A8-4728-B3F6-2488D599D736}" srcOrd="0" destOrd="2" presId="urn:diagrams.loki3.com/BracketList"/>
+    <dgm:cxn modelId="{40EFBB0B-5BD3-4278-AC4B-0AEBBF83271D}" type="presOf" srcId="{A81358E0-3DE7-41AD-A28C-ABB22548B1F6}" destId="{AE12AEDB-2669-4D1A-914A-BA7EC0BD59A9}" srcOrd="0" destOrd="0" presId="urn:diagrams.loki3.com/BracketList"/>
+    <dgm:cxn modelId="{60685518-1997-4F7B-A98E-F65D7D00962C}" type="presOf" srcId="{CBCC21F5-552F-4D39-812E-6FCD4A366F58}" destId="{8A77D6A0-09A8-4728-B3F6-2488D599D736}" srcOrd="0" destOrd="0" presId="urn:diagrams.loki3.com/BracketList"/>
     <dgm:cxn modelId="{CC727F34-AF53-4AC0-9AD6-357E6D15CB8E}" type="presOf" srcId="{97AFB725-9839-43BA-B026-0DD6AA03AD9C}" destId="{22850625-2192-463E-8187-DBB37B4DEEE5}" srcOrd="0" destOrd="1" presId="urn:diagrams.loki3.com/BracketList"/>
-    <dgm:cxn modelId="{A2714790-C7A3-4B92-B748-271A29D614FC}" type="presOf" srcId="{357008B7-F3FD-489F-A410-81C9A9EFE4DA}" destId="{9DC88600-C3D9-4AA5-B04F-AC7D55D573B0}" srcOrd="0" destOrd="1" presId="urn:diagrams.loki3.com/BracketList"/>
-    <dgm:cxn modelId="{D286A548-6BB0-4DED-9FB5-D87042DDBE0A}" srcId="{082E8A29-955A-4C7C-A174-3E9DCD4DC89B}" destId="{A97FC57D-50D6-4D43-99C3-06D09820F122}" srcOrd="3" destOrd="0" parTransId="{5DD877C7-E4D9-4A68-A305-5A7689D3DBE7}" sibTransId="{C17BCABE-BEF2-4CC4-B037-B6B4866665CD}"/>
-    <dgm:cxn modelId="{187CA79C-407F-4248-8324-1976688B47A3}" type="presOf" srcId="{62831651-7C26-466C-BAA4-31EA8D14E47A}" destId="{8A77D6A0-09A8-4728-B3F6-2488D599D736}" srcOrd="0" destOrd="1" presId="urn:diagrams.loki3.com/BracketList"/>
-    <dgm:cxn modelId="{97004F90-D1DB-4A84-A8AE-504DE1F07341}" srcId="{082E8A29-955A-4C7C-A174-3E9DCD4DC89B}" destId="{97AFB725-9839-43BA-B026-0DD6AA03AD9C}" srcOrd="1" destOrd="0" parTransId="{CC01022B-5039-457F-931E-79459E3C1DC4}" sibTransId="{D5C26250-A06D-4B41-BC14-92648809C21F}"/>
-    <dgm:cxn modelId="{8910F93B-7180-4A52-9856-879D102D33F8}" srcId="{6D0E5D9F-7263-4526-A227-51301233F549}" destId="{357008B7-F3FD-489F-A410-81C9A9EFE4DA}" srcOrd="1" destOrd="0" parTransId="{ED5EFE54-4C6D-4A88-939B-CE66C6668425}" sibTransId="{87BC108C-4915-4A4B-8565-E4BD28BA3C35}"/>
-    <dgm:cxn modelId="{17E73148-9C08-4999-B21E-F3C5A0E3FC0C}" srcId="{CF9055CF-8DEB-4A02-949A-DE72B6AC5D37}" destId="{B6E26FFC-9977-4BBC-BEC7-3D6B63754E52}" srcOrd="1" destOrd="0" parTransId="{5CEFBD89-2F4F-4B51-A98A-0F3C86494166}" sibTransId="{48634C00-2335-4923-9072-EB7482323D9C}"/>
-    <dgm:cxn modelId="{E3D1E441-6DFB-4005-8B07-84971CD049AF}" type="presOf" srcId="{CF9055CF-8DEB-4A02-949A-DE72B6AC5D37}" destId="{3AD46912-AB30-4540-8DF5-67AC1488F01C}" srcOrd="0" destOrd="0" presId="urn:diagrams.loki3.com/BracketList"/>
-    <dgm:cxn modelId="{F9F24B56-4C40-4CD5-B0B3-335013F9648E}" type="presOf" srcId="{37A7C994-CC74-44DD-8777-ED6736B35821}" destId="{2DDF7FCF-0E74-45B4-9880-0E53C8A0FB81}" srcOrd="0" destOrd="0" presId="urn:diagrams.loki3.com/BracketList"/>
-    <dgm:cxn modelId="{12609D25-6280-4191-96EC-FC59574CC5FD}" type="presOf" srcId="{B86124A4-14C7-49C7-A342-9B2C2B94980B}" destId="{22850625-2192-463E-8187-DBB37B4DEEE5}" srcOrd="0" destOrd="2" presId="urn:diagrams.loki3.com/BracketList"/>
-    <dgm:cxn modelId="{1C5CE732-A00F-4C06-A1A8-B209BC6B496D}" srcId="{A81358E0-3DE7-41AD-A28C-ABB22548B1F6}" destId="{37A7C994-CC74-44DD-8777-ED6736B35821}" srcOrd="0" destOrd="0" parTransId="{03F017E7-7E3C-4E2C-9CEF-B07099F38801}" sibTransId="{118572A4-3B5E-487E-8015-6A319369077F}"/>
-    <dgm:cxn modelId="{E554777F-9CC2-418D-BFE3-2198586BFE02}" type="presOf" srcId="{F3256203-D9D1-492A-B801-68C1A32486F0}" destId="{9DC88600-C3D9-4AA5-B04F-AC7D55D573B0}" srcOrd="0" destOrd="0" presId="urn:diagrams.loki3.com/BracketList"/>
-    <dgm:cxn modelId="{3C41F2E0-4620-40B4-9857-68872B278EFB}" srcId="{B6E26FFC-9977-4BBC-BEC7-3D6B63754E52}" destId="{CBCC21F5-552F-4D39-812E-6FCD4A366F58}" srcOrd="0" destOrd="0" parTransId="{4A973A1C-85F1-4969-A536-D29940229E2C}" sibTransId="{3640B940-6901-481F-ADF7-6B77DEEED764}"/>
-    <dgm:cxn modelId="{633E5193-1DBF-477B-BE52-E2B5EBEB93C6}" type="presOf" srcId="{6D0E5D9F-7263-4526-A227-51301233F549}" destId="{18209124-9853-4B36-9180-55BC384AA84D}" srcOrd="0" destOrd="0" presId="urn:diagrams.loki3.com/BracketList"/>
-    <dgm:cxn modelId="{59DDA576-1BA9-49E8-9D1D-361FF667A19A}" srcId="{B6E26FFC-9977-4BBC-BEC7-3D6B63754E52}" destId="{62831651-7C26-466C-BAA4-31EA8D14E47A}" srcOrd="1" destOrd="0" parTransId="{0F3EB6E4-07A5-4199-9C2F-8B91F53579FE}" sibTransId="{0D19FA60-5F9C-420B-AD2F-A0656A7F0783}"/>
-    <dgm:cxn modelId="{60685518-1997-4F7B-A98E-F65D7D00962C}" type="presOf" srcId="{CBCC21F5-552F-4D39-812E-6FCD4A366F58}" destId="{8A77D6A0-09A8-4728-B3F6-2488D599D736}" srcOrd="0" destOrd="0" presId="urn:diagrams.loki3.com/BracketList"/>
-    <dgm:cxn modelId="{FB8541C0-3895-4553-A4C7-34B81A3C4A0B}" srcId="{CF9055CF-8DEB-4A02-949A-DE72B6AC5D37}" destId="{A81358E0-3DE7-41AD-A28C-ABB22548B1F6}" srcOrd="3" destOrd="0" parTransId="{262E0B94-6EA9-4797-B705-959D7B185F91}" sibTransId="{77756FBB-BF6C-4D78-803E-BCC851F1DA03}"/>
-    <dgm:cxn modelId="{F454A545-FA11-41F7-9AE3-2B8BC82277C4}" type="presOf" srcId="{23A0DE4A-FE92-496E-B335-3433CEFB74E9}" destId="{22850625-2192-463E-8187-DBB37B4DEEE5}" srcOrd="0" destOrd="0" presId="urn:diagrams.loki3.com/BracketList"/>
-    <dgm:cxn modelId="{40EFBB0B-5BD3-4278-AC4B-0AEBBF83271D}" type="presOf" srcId="{A81358E0-3DE7-41AD-A28C-ABB22548B1F6}" destId="{AE12AEDB-2669-4D1A-914A-BA7EC0BD59A9}" srcOrd="0" destOrd="0" presId="urn:diagrams.loki3.com/BracketList"/>
-    <dgm:cxn modelId="{C8C462C6-33A3-4E8B-91FE-36DBE92F1C4A}" srcId="{CF9055CF-8DEB-4A02-949A-DE72B6AC5D37}" destId="{6D0E5D9F-7263-4526-A227-51301233F549}" srcOrd="2" destOrd="0" parTransId="{23416D07-25F8-426C-BC65-639E6BCF4D6D}" sibTransId="{DE289E29-1989-4D8E-8AA6-F030105B3F13}"/>
-    <dgm:cxn modelId="{791B5989-F5A5-4021-97F2-55841C5BF713}" type="presOf" srcId="{082E8A29-955A-4C7C-A174-3E9DCD4DC89B}" destId="{8F988417-5085-446A-9534-C8E783FFAC0F}" srcOrd="0" destOrd="0" presId="urn:diagrams.loki3.com/BracketList"/>
-    <dgm:cxn modelId="{2986897A-7787-444F-B6C8-41F3823EF3C1}" srcId="{CF9055CF-8DEB-4A02-949A-DE72B6AC5D37}" destId="{082E8A29-955A-4C7C-A174-3E9DCD4DC89B}" srcOrd="0" destOrd="0" parTransId="{BA7938E6-8DFA-40B7-B4C4-EACC6D85FC31}" sibTransId="{C2176686-D23E-48EB-9D1B-1A1B46236638}"/>
-    <dgm:cxn modelId="{67A03D8F-F327-4A9F-ABBC-1EB67EFD1ECB}" srcId="{082E8A29-955A-4C7C-A174-3E9DCD4DC89B}" destId="{23A0DE4A-FE92-496E-B335-3433CEFB74E9}" srcOrd="0" destOrd="0" parTransId="{68935D38-FEDC-4CD3-8002-43CB3944BEAF}" sibTransId="{55DF926D-029A-4E18-95C4-77A5A37CAE40}"/>
-    <dgm:cxn modelId="{2616D543-291D-4A57-BE47-139E70015B80}" type="presOf" srcId="{44B2544A-D122-4B95-A36C-B03D9E272B48}" destId="{8A77D6A0-09A8-4728-B3F6-2488D599D736}" srcOrd="0" destOrd="2" presId="urn:diagrams.loki3.com/BracketList"/>
-    <dgm:cxn modelId="{F89EA6DF-D106-435E-9337-D23286A767A6}" srcId="{B6E26FFC-9977-4BBC-BEC7-3D6B63754E52}" destId="{44B2544A-D122-4B95-A36C-B03D9E272B48}" srcOrd="2" destOrd="0" parTransId="{9EE40E78-C1B8-4A87-A668-53AD816CED24}" sibTransId="{F32DECE0-DC7F-4DCF-A10D-96A117A49197}"/>
-    <dgm:cxn modelId="{508A9F6A-C4F1-4147-A5F6-B89293B446E8}" srcId="{082E8A29-955A-4C7C-A174-3E9DCD4DC89B}" destId="{B86124A4-14C7-49C7-A342-9B2C2B94980B}" srcOrd="2" destOrd="0" parTransId="{B2F6F8FA-C3EE-485C-BFEC-A81570DC47D8}" sibTransId="{1114C752-8188-4E63-BFFC-E4081ACE9882}"/>
-    <dgm:cxn modelId="{1B8E71B0-2D3A-4AB0-8843-CFDACEDC3198}" srcId="{6D0E5D9F-7263-4526-A227-51301233F549}" destId="{F3256203-D9D1-492A-B801-68C1A32486F0}" srcOrd="0" destOrd="0" parTransId="{E9A20291-2E30-4C14-BB7D-DC095A20ECB6}" sibTransId="{6C9440D0-8847-40C0-98BC-2B5EA5745C3A}"/>
     <dgm:cxn modelId="{622DEA58-66C1-4249-9C95-351679CB0862}" type="presParOf" srcId="{3AD46912-AB30-4540-8DF5-67AC1488F01C}" destId="{45590239-E460-41FB-9748-8B7AA6BC7C54}" srcOrd="0" destOrd="0" presId="urn:diagrams.loki3.com/BracketList"/>
     <dgm:cxn modelId="{3E41F798-673D-4216-A5E4-FA56FD5AE79D}" type="presParOf" srcId="{45590239-E460-41FB-9748-8B7AA6BC7C54}" destId="{8F988417-5085-446A-9534-C8E783FFAC0F}" srcOrd="0" destOrd="0" presId="urn:diagrams.loki3.com/BracketList"/>
     <dgm:cxn modelId="{CFBA8029-81EA-47F3-A8F3-5583ADFAD836}" type="presParOf" srcId="{45590239-E460-41FB-9748-8B7AA6BC7C54}" destId="{D7B4D69F-D437-4019-A697-900DF3BD4189}" srcOrd="1" destOrd="0" presId="urn:diagrams.loki3.com/BracketList"/>
@@ -4382,8 +4384,8 @@
     <dgm:cxn modelId="{C9BCE58D-0797-4C79-94F0-C4B04CD35FE1}" type="presOf" srcId="{5119293E-CFF1-40DC-91B0-4ADC169E690A}" destId="{B24BCCF6-4F1C-4DCC-A666-8A2E435C92FE}" srcOrd="0" destOrd="0" presId="urn:microsoft.com/office/officeart/2005/8/layout/vProcess5"/>
     <dgm:cxn modelId="{6E821108-AA4C-4FCE-906C-7B527205F425}" type="presOf" srcId="{0643BB84-6196-4D47-953E-29DD7A990B54}" destId="{0CD94A37-2283-4723-AF39-0C5B9DE811BF}" srcOrd="0" destOrd="0" presId="urn:microsoft.com/office/officeart/2005/8/layout/vProcess5"/>
     <dgm:cxn modelId="{9678E520-DA97-4D9C-939A-4DCF9B11AA2F}" srcId="{5119293E-CFF1-40DC-91B0-4ADC169E690A}" destId="{740F11C0-1918-4491-8E8D-F9E393D6DC62}" srcOrd="1" destOrd="0" parTransId="{2CB00DC9-C7F6-4607-93B1-38F3306CD7C1}" sibTransId="{4BF9180C-3D66-4B05-B512-DB0404B3D62A}"/>
+    <dgm:cxn modelId="{F8CCF261-9A97-4534-B937-AB878397B7E3}" type="presOf" srcId="{2D28ACD1-25D9-461F-AFFA-AF0D4524C925}" destId="{BF775206-9782-4B74-9469-81B825259D87}" srcOrd="1" destOrd="0" presId="urn:microsoft.com/office/officeart/2005/8/layout/vProcess5"/>
     <dgm:cxn modelId="{4A769CA4-299A-415F-9EAA-DF2A946246BB}" srcId="{5119293E-CFF1-40DC-91B0-4ADC169E690A}" destId="{2D28ACD1-25D9-461F-AFFA-AF0D4524C925}" srcOrd="0" destOrd="0" parTransId="{C8C4723F-FA93-47BC-A192-A522C3D631BB}" sibTransId="{0643BB84-6196-4D47-953E-29DD7A990B54}"/>
-    <dgm:cxn modelId="{F8CCF261-9A97-4534-B937-AB878397B7E3}" type="presOf" srcId="{2D28ACD1-25D9-461F-AFFA-AF0D4524C925}" destId="{BF775206-9782-4B74-9469-81B825259D87}" srcOrd="1" destOrd="0" presId="urn:microsoft.com/office/officeart/2005/8/layout/vProcess5"/>
     <dgm:cxn modelId="{4F48B4CB-5F39-4D50-A374-F942DD055BA4}" type="presOf" srcId="{740F11C0-1918-4491-8E8D-F9E393D6DC62}" destId="{04D8DCE0-082C-4FDA-A223-020C34F2DBEB}" srcOrd="1" destOrd="0" presId="urn:microsoft.com/office/officeart/2005/8/layout/vProcess5"/>
     <dgm:cxn modelId="{5847FDF1-B5CD-4813-9A57-54FC25BEA462}" type="presOf" srcId="{740F11C0-1918-4491-8E8D-F9E393D6DC62}" destId="{CC88045C-E3EE-4D81-A4AE-31DEF16487ED}" srcOrd="0" destOrd="0" presId="urn:microsoft.com/office/officeart/2005/8/layout/vProcess5"/>
     <dgm:cxn modelId="{7A1E6BEF-802B-4533-A187-D1A0A7A0FE31}" type="presOf" srcId="{4BF9180C-3D66-4B05-B512-DB0404B3D62A}" destId="{72F63057-082D-42E7-B85C-FC47DD028363}" srcOrd="0" destOrd="0" presId="urn:microsoft.com/office/officeart/2005/8/layout/vProcess5"/>
@@ -19755,7 +19757,7 @@
         <p:spPr/>
         <p:txBody>
           <a:bodyPr>
-            <a:normAutofit/>
+            <a:noAutofit/>
           </a:bodyPr>
           <a:lstStyle/>
           <a:p>
@@ -19770,7 +19772,7 @@
           <a:p>
             <a:pPr lvl="1"/>
             <a:r>
-              <a:rPr lang="en-US" sz="2200" dirty="0">
+              <a:rPr lang="en-US" sz="2000" dirty="0">
                 <a:latin typeface="Times New Roman" panose="02020603050405020304" pitchFamily="18" charset="0"/>
                 <a:cs typeface="Times New Roman" panose="02020603050405020304" pitchFamily="18" charset="0"/>
               </a:rPr>
@@ -19789,7 +19791,7 @@
           <a:p>
             <a:pPr lvl="1"/>
             <a:r>
-              <a:rPr lang="en-US" sz="2200" dirty="0">
+              <a:rPr lang="en-US" sz="2000" dirty="0">
                 <a:latin typeface="Times New Roman" panose="02020603050405020304" pitchFamily="18" charset="0"/>
                 <a:cs typeface="Times New Roman" panose="02020603050405020304" pitchFamily="18" charset="0"/>
               </a:rPr>
@@ -19808,15 +19810,53 @@
           <a:p>
             <a:pPr lvl="1"/>
             <a:r>
-              <a:rPr lang="en-US" sz="2200" dirty="0">
+              <a:rPr lang="en-US" sz="2000" dirty="0">
                 <a:latin typeface="Times New Roman" panose="02020603050405020304" pitchFamily="18" charset="0"/>
                 <a:cs typeface="Times New Roman" panose="02020603050405020304" pitchFamily="18" charset="0"/>
               </a:rPr>
-              <a:t>for validating the input fields</a:t>
-            </a:r>
-          </a:p>
-          <a:p>
-            <a:endParaRPr lang="en-US" sz="2200" dirty="0">
+              <a:t>for validating the </a:t>
+            </a:r>
+            <a:r>
+              <a:rPr lang="en-US" sz="2000" dirty="0" smtClean="0">
+                <a:latin typeface="Times New Roman" panose="02020603050405020304" pitchFamily="18" charset="0"/>
+                <a:cs typeface="Times New Roman" panose="02020603050405020304" pitchFamily="18" charset="0"/>
+              </a:rPr>
+              <a:t>Html and </a:t>
+            </a:r>
+            <a:r>
+              <a:rPr lang="en-US" sz="2000" dirty="0" err="1" smtClean="0">
+                <a:latin typeface="Times New Roman" panose="02020603050405020304" pitchFamily="18" charset="0"/>
+                <a:cs typeface="Times New Roman" panose="02020603050405020304" pitchFamily="18" charset="0"/>
+              </a:rPr>
+              <a:t>css</a:t>
+            </a:r>
+            <a:r>
+              <a:rPr lang="en-US" sz="2000" dirty="0" smtClean="0">
+                <a:latin typeface="Times New Roman" panose="02020603050405020304" pitchFamily="18" charset="0"/>
+                <a:cs typeface="Times New Roman" panose="02020603050405020304" pitchFamily="18" charset="0"/>
+              </a:rPr>
+              <a:t> files</a:t>
+            </a:r>
+          </a:p>
+          <a:p>
+            <a:r>
+              <a:rPr lang="en-US" sz="2200" dirty="0" smtClean="0">
+                <a:latin typeface="Times New Roman" panose="02020603050405020304" pitchFamily="18" charset="0"/>
+                <a:cs typeface="Times New Roman" panose="02020603050405020304" pitchFamily="18" charset="0"/>
+              </a:rPr>
+              <a:t>Validation testing </a:t>
+            </a:r>
+          </a:p>
+          <a:p>
+            <a:pPr lvl="1"/>
+            <a:r>
+              <a:rPr lang="en-US" sz="2000" dirty="0" smtClean="0">
+                <a:latin typeface="Times New Roman" panose="02020603050405020304" pitchFamily="18" charset="0"/>
+                <a:cs typeface="Times New Roman" panose="02020603050405020304" pitchFamily="18" charset="0"/>
+              </a:rPr>
+              <a:t>For testing the input fields</a:t>
+            </a:r>
+            <a:endParaRPr lang="en-US" sz="2000" dirty="0">
               <a:latin typeface="Times New Roman" panose="02020603050405020304" pitchFamily="18" charset="0"/>
               <a:cs typeface="Times New Roman" panose="02020603050405020304" pitchFamily="18" charset="0"/>
             </a:endParaRPr>
@@ -20216,6 +20256,178 @@
     <p:extLst>
       <p:ext uri="{BB962C8B-B14F-4D97-AF65-F5344CB8AC3E}">
         <p14:creationId xmlns:p14="http://schemas.microsoft.com/office/powerpoint/2010/main" val="466284332"/>
+      </p:ext>
+    </p:extLst>
+  </p:cSld>
+  <p:clrMapOvr>
+    <a:masterClrMapping/>
+  </p:clrMapOvr>
+</p:sld>
+</file>
+
+<file path=ppt/slides/slide18.xml><?xml version="1.0" encoding="utf-8"?>
+<p:sld xmlns:a="http://schemas.openxmlformats.org/drawingml/2006/main" xmlns:r="http://schemas.openxmlformats.org/officeDocument/2006/relationships" xmlns:p="http://schemas.openxmlformats.org/presentationml/2006/main">
+  <p:cSld>
+    <p:spTree>
+      <p:nvGrpSpPr>
+        <p:cNvPr id="1" name=""/>
+        <p:cNvGrpSpPr/>
+        <p:nvPr/>
+      </p:nvGrpSpPr>
+      <p:grpSpPr>
+        <a:xfrm>
+          <a:off x="0" y="0"/>
+          <a:ext cx="0" cy="0"/>
+          <a:chOff x="0" y="0"/>
+          <a:chExt cx="0" cy="0"/>
+        </a:xfrm>
+      </p:grpSpPr>
+      <p:sp>
+        <p:nvSpPr>
+          <p:cNvPr id="2" name="Title 1"/>
+          <p:cNvSpPr>
+            <a:spLocks noGrp="1"/>
+          </p:cNvSpPr>
+          <p:nvPr>
+            <p:ph type="title"/>
+          </p:nvPr>
+        </p:nvSpPr>
+        <p:spPr>
+          <a:xfrm>
+            <a:off x="1147858" y="790303"/>
+            <a:ext cx="9525020" cy="2916704"/>
+          </a:xfrm>
+        </p:spPr>
+        <p:txBody>
+          <a:bodyPr/>
+          <a:lstStyle/>
+          <a:p>
+            <a:r>
+              <a:rPr lang="en-US" dirty="0" smtClean="0"/>
+              <a:t>Thank you </a:t>
+            </a:r>
+            <a:endParaRPr lang="en-US" dirty="0"/>
+          </a:p>
+        </p:txBody>
+      </p:sp>
+    </p:spTree>
+    <p:extLst>
+      <p:ext uri="{BB962C8B-B14F-4D97-AF65-F5344CB8AC3E}">
+        <p14:creationId xmlns:p14="http://schemas.microsoft.com/office/powerpoint/2010/main" val="2039387161"/>
+      </p:ext>
+    </p:extLst>
+  </p:cSld>
+  <p:clrMapOvr>
+    <a:masterClrMapping/>
+  </p:clrMapOvr>
+</p:sld>
+</file>
+
+<file path=ppt/slides/slide19.xml><?xml version="1.0" encoding="utf-8"?>
+<p:sld xmlns:a="http://schemas.openxmlformats.org/drawingml/2006/main" xmlns:r="http://schemas.openxmlformats.org/officeDocument/2006/relationships" xmlns:p="http://schemas.openxmlformats.org/presentationml/2006/main">
+  <p:cSld>
+    <p:spTree>
+      <p:nvGrpSpPr>
+        <p:cNvPr id="1" name=""/>
+        <p:cNvGrpSpPr/>
+        <p:nvPr/>
+      </p:nvGrpSpPr>
+      <p:grpSpPr>
+        <a:xfrm>
+          <a:off x="0" y="0"/>
+          <a:ext cx="0" cy="0"/>
+          <a:chOff x="0" y="0"/>
+          <a:chExt cx="0" cy="0"/>
+        </a:xfrm>
+      </p:grpSpPr>
+      <p:sp>
+        <p:nvSpPr>
+          <p:cNvPr id="3" name="Text Placeholder 2"/>
+          <p:cNvSpPr>
+            <a:spLocks noGrp="1"/>
+          </p:cNvSpPr>
+          <p:nvPr>
+            <p:ph type="body" idx="1"/>
+          </p:nvPr>
+        </p:nvSpPr>
+        <p:spPr>
+          <a:xfrm>
+            <a:off x="685801" y="4728753"/>
+            <a:ext cx="10394707" cy="653127"/>
+          </a:xfrm>
+        </p:spPr>
+        <p:txBody>
+          <a:bodyPr>
+            <a:normAutofit/>
+          </a:bodyPr>
+          <a:lstStyle/>
+          <a:p>
+            <a:pPr algn="ctr"/>
+            <a:r>
+              <a:rPr lang="en-US" sz="2400" b="1" dirty="0" smtClean="0">
+                <a:solidFill>
+                  <a:schemeClr val="tx1"/>
+                </a:solidFill>
+                <a:latin typeface="Times New Roman" panose="02020603050405020304" pitchFamily="18" charset="0"/>
+                <a:cs typeface="Times New Roman" panose="02020603050405020304" pitchFamily="18" charset="0"/>
+              </a:rPr>
+              <a:t>Quick demo of the project</a:t>
+            </a:r>
+            <a:endParaRPr lang="en-US" sz="2400" b="1" dirty="0">
+              <a:solidFill>
+                <a:schemeClr val="tx1"/>
+              </a:solidFill>
+              <a:latin typeface="Times New Roman" panose="02020603050405020304" pitchFamily="18" charset="0"/>
+              <a:cs typeface="Times New Roman" panose="02020603050405020304" pitchFamily="18" charset="0"/>
+            </a:endParaRPr>
+          </a:p>
+        </p:txBody>
+      </p:sp>
+      <p:pic>
+        <p:nvPicPr>
+          <p:cNvPr id="1026" name="Picture 2" descr="Image result for demo"/>
+          <p:cNvPicPr>
+            <a:picLocks noChangeAspect="1" noChangeArrowheads="1"/>
+          </p:cNvPicPr>
+          <p:nvPr/>
+        </p:nvPicPr>
+        <p:blipFill>
+          <a:blip r:embed="rId2">
+            <a:extLst>
+              <a:ext uri="{28A0092B-C50C-407E-A947-70E740481C1C}">
+                <a14:useLocalDpi xmlns:a14="http://schemas.microsoft.com/office/drawing/2010/main" val="0"/>
+              </a:ext>
+            </a:extLst>
+          </a:blip>
+          <a:srcRect/>
+          <a:stretch>
+            <a:fillRect/>
+          </a:stretch>
+        </p:blipFill>
+        <p:spPr bwMode="auto">
+          <a:xfrm>
+            <a:off x="4263904" y="1218414"/>
+            <a:ext cx="3238500" cy="3333750"/>
+          </a:xfrm>
+          <a:prstGeom prst="rect">
+            <a:avLst/>
+          </a:prstGeom>
+          <a:noFill/>
+          <a:extLst>
+            <a:ext uri="{909E8E84-426E-40DD-AFC4-6F175D3DCCD1}">
+              <a14:hiddenFill xmlns:a14="http://schemas.microsoft.com/office/drawing/2010/main">
+                <a:solidFill>
+                  <a:srgbClr val="FFFFFF"/>
+                </a:solidFill>
+              </a14:hiddenFill>
+            </a:ext>
+          </a:extLst>
+        </p:spPr>
+      </p:pic>
+    </p:spTree>
+    <p:extLst>
+      <p:ext uri="{BB962C8B-B14F-4D97-AF65-F5344CB8AC3E}">
+        <p14:creationId xmlns:p14="http://schemas.microsoft.com/office/powerpoint/2010/main" val="3891777702"/>
       </p:ext>
     </p:extLst>
   </p:cSld>

--- a/final ppt.pptx
+++ b/final ppt.pptx
@@ -11,8 +11,8 @@
     <p:sldId id="273" r:id="rId5"/>
     <p:sldId id="261" r:id="rId6"/>
     <p:sldId id="269" r:id="rId7"/>
-    <p:sldId id="265" r:id="rId8"/>
-    <p:sldId id="276" r:id="rId9"/>
+    <p:sldId id="276" r:id="rId8"/>
+    <p:sldId id="265" r:id="rId9"/>
     <p:sldId id="262" r:id="rId10"/>
     <p:sldId id="263" r:id="rId11"/>
     <p:sldId id="264" r:id="rId12"/>
@@ -4384,8 +4384,8 @@
     <dgm:cxn modelId="{C9BCE58D-0797-4C79-94F0-C4B04CD35FE1}" type="presOf" srcId="{5119293E-CFF1-40DC-91B0-4ADC169E690A}" destId="{B24BCCF6-4F1C-4DCC-A666-8A2E435C92FE}" srcOrd="0" destOrd="0" presId="urn:microsoft.com/office/officeart/2005/8/layout/vProcess5"/>
     <dgm:cxn modelId="{6E821108-AA4C-4FCE-906C-7B527205F425}" type="presOf" srcId="{0643BB84-6196-4D47-953E-29DD7A990B54}" destId="{0CD94A37-2283-4723-AF39-0C5B9DE811BF}" srcOrd="0" destOrd="0" presId="urn:microsoft.com/office/officeart/2005/8/layout/vProcess5"/>
     <dgm:cxn modelId="{9678E520-DA97-4D9C-939A-4DCF9B11AA2F}" srcId="{5119293E-CFF1-40DC-91B0-4ADC169E690A}" destId="{740F11C0-1918-4491-8E8D-F9E393D6DC62}" srcOrd="1" destOrd="0" parTransId="{2CB00DC9-C7F6-4607-93B1-38F3306CD7C1}" sibTransId="{4BF9180C-3D66-4B05-B512-DB0404B3D62A}"/>
+    <dgm:cxn modelId="{4A769CA4-299A-415F-9EAA-DF2A946246BB}" srcId="{5119293E-CFF1-40DC-91B0-4ADC169E690A}" destId="{2D28ACD1-25D9-461F-AFFA-AF0D4524C925}" srcOrd="0" destOrd="0" parTransId="{C8C4723F-FA93-47BC-A192-A522C3D631BB}" sibTransId="{0643BB84-6196-4D47-953E-29DD7A990B54}"/>
     <dgm:cxn modelId="{F8CCF261-9A97-4534-B937-AB878397B7E3}" type="presOf" srcId="{2D28ACD1-25D9-461F-AFFA-AF0D4524C925}" destId="{BF775206-9782-4B74-9469-81B825259D87}" srcOrd="1" destOrd="0" presId="urn:microsoft.com/office/officeart/2005/8/layout/vProcess5"/>
-    <dgm:cxn modelId="{4A769CA4-299A-415F-9EAA-DF2A946246BB}" srcId="{5119293E-CFF1-40DC-91B0-4ADC169E690A}" destId="{2D28ACD1-25D9-461F-AFFA-AF0D4524C925}" srcOrd="0" destOrd="0" parTransId="{C8C4723F-FA93-47BC-A192-A522C3D631BB}" sibTransId="{0643BB84-6196-4D47-953E-29DD7A990B54}"/>
     <dgm:cxn modelId="{4F48B4CB-5F39-4D50-A374-F942DD055BA4}" type="presOf" srcId="{740F11C0-1918-4491-8E8D-F9E393D6DC62}" destId="{04D8DCE0-082C-4FDA-A223-020C34F2DBEB}" srcOrd="1" destOrd="0" presId="urn:microsoft.com/office/officeart/2005/8/layout/vProcess5"/>
     <dgm:cxn modelId="{5847FDF1-B5CD-4813-9A57-54FC25BEA462}" type="presOf" srcId="{740F11C0-1918-4491-8E8D-F9E393D6DC62}" destId="{CC88045C-E3EE-4D81-A4AE-31DEF16487ED}" srcOrd="0" destOrd="0" presId="urn:microsoft.com/office/officeart/2005/8/layout/vProcess5"/>
     <dgm:cxn modelId="{7A1E6BEF-802B-4533-A187-D1A0A7A0FE31}" type="presOf" srcId="{4BF9180C-3D66-4B05-B512-DB0404B3D62A}" destId="{72F63057-082D-42E7-B85C-FC47DD028363}" srcOrd="0" destOrd="0" presId="urn:microsoft.com/office/officeart/2005/8/layout/vProcess5"/>
@@ -13093,6 +13093,18 @@
   <p:clrMapOvr>
     <a:masterClrMapping/>
   </p:clrMapOvr>
+  <mc:AlternateContent xmlns:mc="http://schemas.openxmlformats.org/markup-compatibility/2006">
+    <mc:Choice xmlns:p14="http://schemas.microsoft.com/office/powerpoint/2010/main" Requires="p14">
+      <p:transition spd="slow" p14:dur="1500">
+        <p:split orient="vert"/>
+      </p:transition>
+    </mc:Choice>
+    <mc:Fallback>
+      <p:transition spd="slow">
+        <p:split orient="vert"/>
+      </p:transition>
+    </mc:Fallback>
+  </mc:AlternateContent>
 </p:sldLayout>
 </file>
 
@@ -13358,6 +13370,18 @@
   <p:clrMapOvr>
     <a:masterClrMapping/>
   </p:clrMapOvr>
+  <mc:AlternateContent xmlns:mc="http://schemas.openxmlformats.org/markup-compatibility/2006">
+    <mc:Choice xmlns:p14="http://schemas.microsoft.com/office/powerpoint/2010/main" Requires="p14">
+      <p:transition spd="slow" p14:dur="1500">
+        <p:split orient="vert"/>
+      </p:transition>
+    </mc:Choice>
+    <mc:Fallback>
+      <p:transition spd="slow">
+        <p:split orient="vert"/>
+      </p:transition>
+    </mc:Fallback>
+  </mc:AlternateContent>
 </p:sldLayout>
 </file>
 
@@ -13554,6 +13578,18 @@
   <p:clrMapOvr>
     <a:masterClrMapping/>
   </p:clrMapOvr>
+  <mc:AlternateContent xmlns:mc="http://schemas.openxmlformats.org/markup-compatibility/2006">
+    <mc:Choice xmlns:p14="http://schemas.microsoft.com/office/powerpoint/2010/main" Requires="p14">
+      <p:transition spd="slow" p14:dur="1500">
+        <p:split orient="vert"/>
+      </p:transition>
+    </mc:Choice>
+    <mc:Fallback>
+      <p:transition spd="slow">
+        <p:split orient="vert"/>
+      </p:transition>
+    </mc:Fallback>
+  </mc:AlternateContent>
 </p:sldLayout>
 </file>
 
@@ -14056,6 +14092,18 @@
   <p:clrMapOvr>
     <a:masterClrMapping/>
   </p:clrMapOvr>
+  <mc:AlternateContent xmlns:mc="http://schemas.openxmlformats.org/markup-compatibility/2006">
+    <mc:Choice xmlns:p14="http://schemas.microsoft.com/office/powerpoint/2010/main" Requires="p14">
+      <p:transition spd="slow" p14:dur="1500">
+        <p:split orient="vert"/>
+      </p:transition>
+    </mc:Choice>
+    <mc:Fallback>
+      <p:transition spd="slow">
+        <p:split orient="vert"/>
+      </p:transition>
+    </mc:Fallback>
+  </mc:AlternateContent>
 </p:sldLayout>
 </file>
 
@@ -14252,6 +14300,18 @@
   <p:clrMapOvr>
     <a:masterClrMapping/>
   </p:clrMapOvr>
+  <mc:AlternateContent xmlns:mc="http://schemas.openxmlformats.org/markup-compatibility/2006">
+    <mc:Choice xmlns:p14="http://schemas.microsoft.com/office/powerpoint/2010/main" Requires="p14">
+      <p:transition spd="slow" p14:dur="1500">
+        <p:split orient="vert"/>
+      </p:transition>
+    </mc:Choice>
+    <mc:Fallback>
+      <p:transition spd="slow">
+        <p:split orient="vert"/>
+      </p:transition>
+    </mc:Fallback>
+  </mc:AlternateContent>
 </p:sldLayout>
 </file>
 
@@ -14802,6 +14862,18 @@
   <p:clrMapOvr>
     <a:masterClrMapping/>
   </p:clrMapOvr>
+  <mc:AlternateContent xmlns:mc="http://schemas.openxmlformats.org/markup-compatibility/2006">
+    <mc:Choice xmlns:p14="http://schemas.microsoft.com/office/powerpoint/2010/main" Requires="p14">
+      <p:transition spd="slow" p14:dur="1500">
+        <p:split orient="vert"/>
+      </p:transition>
+    </mc:Choice>
+    <mc:Fallback>
+      <p:transition spd="slow">
+        <p:split orient="vert"/>
+      </p:transition>
+    </mc:Fallback>
+  </mc:AlternateContent>
 </p:sldLayout>
 </file>
 
@@ -15592,6 +15664,18 @@
   <p:clrMapOvr>
     <a:masterClrMapping/>
   </p:clrMapOvr>
+  <mc:AlternateContent xmlns:mc="http://schemas.openxmlformats.org/markup-compatibility/2006">
+    <mc:Choice xmlns:p14="http://schemas.microsoft.com/office/powerpoint/2010/main" Requires="p14">
+      <p:transition spd="slow" p14:dur="1500">
+        <p:split orient="vert"/>
+      </p:transition>
+    </mc:Choice>
+    <mc:Fallback>
+      <p:transition spd="slow">
+        <p:split orient="vert"/>
+      </p:transition>
+    </mc:Fallback>
+  </mc:AlternateContent>
 </p:sldLayout>
 </file>
 
@@ -15771,6 +15855,18 @@
   <p:clrMapOvr>
     <a:masterClrMapping/>
   </p:clrMapOvr>
+  <mc:AlternateContent xmlns:mc="http://schemas.openxmlformats.org/markup-compatibility/2006">
+    <mc:Choice xmlns:p14="http://schemas.microsoft.com/office/powerpoint/2010/main" Requires="p14">
+      <p:transition spd="slow" p14:dur="1500">
+        <p:split orient="vert"/>
+      </p:transition>
+    </mc:Choice>
+    <mc:Fallback>
+      <p:transition spd="slow">
+        <p:split orient="vert"/>
+      </p:transition>
+    </mc:Fallback>
+  </mc:AlternateContent>
 </p:sldLayout>
 </file>
 
@@ -15955,6 +16051,18 @@
   <p:clrMapOvr>
     <a:masterClrMapping/>
   </p:clrMapOvr>
+  <mc:AlternateContent xmlns:mc="http://schemas.openxmlformats.org/markup-compatibility/2006">
+    <mc:Choice xmlns:p14="http://schemas.microsoft.com/office/powerpoint/2010/main" Requires="p14">
+      <p:transition spd="slow" p14:dur="1500">
+        <p:split orient="vert"/>
+      </p:transition>
+    </mc:Choice>
+    <mc:Fallback>
+      <p:transition spd="slow">
+        <p:split orient="vert"/>
+      </p:transition>
+    </mc:Fallback>
+  </mc:AlternateContent>
 </p:sldLayout>
 </file>
 
@@ -16129,6 +16237,18 @@
   <p:clrMapOvr>
     <a:masterClrMapping/>
   </p:clrMapOvr>
+  <mc:AlternateContent xmlns:mc="http://schemas.openxmlformats.org/markup-compatibility/2006">
+    <mc:Choice xmlns:p14="http://schemas.microsoft.com/office/powerpoint/2010/main" Requires="p14">
+      <p:transition spd="slow" p14:dur="1500">
+        <p:split orient="vert"/>
+      </p:transition>
+    </mc:Choice>
+    <mc:Fallback>
+      <p:transition spd="slow">
+        <p:split orient="vert"/>
+      </p:transition>
+    </mc:Fallback>
+  </mc:AlternateContent>
 </p:sldLayout>
 </file>
 
@@ -16304,6 +16424,18 @@
   <p:clrMapOvr>
     <a:masterClrMapping/>
   </p:clrMapOvr>
+  <mc:AlternateContent xmlns:mc="http://schemas.openxmlformats.org/markup-compatibility/2006">
+    <mc:Choice xmlns:p14="http://schemas.microsoft.com/office/powerpoint/2010/main" Requires="p14">
+      <p:transition spd="slow" p14:dur="1500">
+        <p:split orient="vert"/>
+      </p:transition>
+    </mc:Choice>
+    <mc:Fallback>
+      <p:transition spd="slow">
+        <p:split orient="vert"/>
+      </p:transition>
+    </mc:Fallback>
+  </mc:AlternateContent>
 </p:sldLayout>
 </file>
 
@@ -16554,6 +16686,18 @@
   <p:clrMapOvr>
     <a:masterClrMapping/>
   </p:clrMapOvr>
+  <mc:AlternateContent xmlns:mc="http://schemas.openxmlformats.org/markup-compatibility/2006">
+    <mc:Choice xmlns:p14="http://schemas.microsoft.com/office/powerpoint/2010/main" Requires="p14">
+      <p:transition spd="slow" p14:dur="1500">
+        <p:split orient="vert"/>
+      </p:transition>
+    </mc:Choice>
+    <mc:Fallback>
+      <p:transition spd="slow">
+        <p:split orient="vert"/>
+      </p:transition>
+    </mc:Fallback>
+  </mc:AlternateContent>
 </p:sldLayout>
 </file>
 
@@ -16791,6 +16935,18 @@
   <p:clrMapOvr>
     <a:masterClrMapping/>
   </p:clrMapOvr>
+  <mc:AlternateContent xmlns:mc="http://schemas.openxmlformats.org/markup-compatibility/2006">
+    <mc:Choice xmlns:p14="http://schemas.microsoft.com/office/powerpoint/2010/main" Requires="p14">
+      <p:transition spd="slow" p14:dur="1500">
+        <p:split orient="vert"/>
+      </p:transition>
+    </mc:Choice>
+    <mc:Fallback>
+      <p:transition spd="slow">
+        <p:split orient="vert"/>
+      </p:transition>
+    </mc:Fallback>
+  </mc:AlternateContent>
 </p:sldLayout>
 </file>
 
@@ -17176,6 +17332,18 @@
   <p:clrMapOvr>
     <a:masterClrMapping/>
   </p:clrMapOvr>
+  <mc:AlternateContent xmlns:mc="http://schemas.openxmlformats.org/markup-compatibility/2006">
+    <mc:Choice xmlns:p14="http://schemas.microsoft.com/office/powerpoint/2010/main" Requires="p14">
+      <p:transition spd="slow" p14:dur="1500">
+        <p:split orient="vert"/>
+      </p:transition>
+    </mc:Choice>
+    <mc:Fallback>
+      <p:transition spd="slow">
+        <p:split orient="vert"/>
+      </p:transition>
+    </mc:Fallback>
+  </mc:AlternateContent>
 </p:sldLayout>
 </file>
 
@@ -17294,6 +17462,18 @@
   <p:clrMapOvr>
     <a:masterClrMapping/>
   </p:clrMapOvr>
+  <mc:AlternateContent xmlns:mc="http://schemas.openxmlformats.org/markup-compatibility/2006">
+    <mc:Choice xmlns:p14="http://schemas.microsoft.com/office/powerpoint/2010/main" Requires="p14">
+      <p:transition spd="slow" p14:dur="1500">
+        <p:split orient="vert"/>
+      </p:transition>
+    </mc:Choice>
+    <mc:Fallback>
+      <p:transition spd="slow">
+        <p:split orient="vert"/>
+      </p:transition>
+    </mc:Fallback>
+  </mc:AlternateContent>
 </p:sldLayout>
 </file>
 
@@ -17389,6 +17569,18 @@
   <p:clrMapOvr>
     <a:masterClrMapping/>
   </p:clrMapOvr>
+  <mc:AlternateContent xmlns:mc="http://schemas.openxmlformats.org/markup-compatibility/2006">
+    <mc:Choice xmlns:p14="http://schemas.microsoft.com/office/powerpoint/2010/main" Requires="p14">
+      <p:transition spd="slow" p14:dur="1500">
+        <p:split orient="vert"/>
+      </p:transition>
+    </mc:Choice>
+    <mc:Fallback>
+      <p:transition spd="slow">
+        <p:split orient="vert"/>
+      </p:transition>
+    </mc:Fallback>
+  </mc:AlternateContent>
 </p:sldLayout>
 </file>
 
@@ -17642,6 +17834,18 @@
   <p:clrMapOvr>
     <a:masterClrMapping/>
   </p:clrMapOvr>
+  <mc:AlternateContent xmlns:mc="http://schemas.openxmlformats.org/markup-compatibility/2006">
+    <mc:Choice xmlns:p14="http://schemas.microsoft.com/office/powerpoint/2010/main" Requires="p14">
+      <p:transition spd="slow" p14:dur="1500">
+        <p:split orient="vert"/>
+      </p:transition>
+    </mc:Choice>
+    <mc:Fallback>
+      <p:transition spd="slow">
+        <p:split orient="vert"/>
+      </p:transition>
+    </mc:Fallback>
+  </mc:AlternateContent>
 </p:sldLayout>
 </file>
 
@@ -17911,6 +18115,18 @@
   <p:clrMapOvr>
     <a:masterClrMapping/>
   </p:clrMapOvr>
+  <mc:AlternateContent xmlns:mc="http://schemas.openxmlformats.org/markup-compatibility/2006">
+    <mc:Choice xmlns:p14="http://schemas.microsoft.com/office/powerpoint/2010/main" Requires="p14">
+      <p:transition spd="slow" p14:dur="1500">
+        <p:split orient="vert"/>
+      </p:transition>
+    </mc:Choice>
+    <mc:Fallback>
+      <p:transition spd="slow">
+        <p:split orient="vert"/>
+      </p:transition>
+    </mc:Fallback>
+  </mc:AlternateContent>
 </p:sldLayout>
 </file>
 
@@ -18368,6 +18584,18 @@
     <p:sldLayoutId id="2147483691" r:id="rId17"/>
     <p:sldLayoutId id="2147483692" r:id="rId18"/>
   </p:sldLayoutIdLst>
+  <mc:AlternateContent xmlns:mc="http://schemas.openxmlformats.org/markup-compatibility/2006">
+    <mc:Choice xmlns:p14="http://schemas.microsoft.com/office/powerpoint/2010/main" Requires="p14">
+      <p:transition spd="slow" p14:dur="1500">
+        <p:split orient="vert"/>
+      </p:transition>
+    </mc:Choice>
+    <mc:Fallback>
+      <p:transition spd="slow">
+        <p:split orient="vert"/>
+      </p:transition>
+    </mc:Fallback>
+  </mc:AlternateContent>
   <p:txStyles>
     <p:titleStyle>
       <a:lvl1pPr algn="l" defTabSz="914400" rtl="0" eaLnBrk="1" latinLnBrk="0" hangingPunct="1">
@@ -18894,18 +19122,25 @@
   <p:clrMapOvr>
     <a:masterClrMapping/>
   </p:clrMapOvr>
-  <mc:AlternateContent xmlns:mc="http://schemas.openxmlformats.org/markup-compatibility/2006" xmlns:p14="http://schemas.microsoft.com/office/powerpoint/2010/main">
-    <mc:Choice Requires="p14">
-      <p:transition spd="med" p14:dur="700">
-        <p:fade/>
+  <mc:AlternateContent xmlns:mc="http://schemas.openxmlformats.org/markup-compatibility/2006">
+    <mc:Choice xmlns:p15="http://schemas.microsoft.com/office/powerpoint/2012/main" Requires="p15">
+      <p:transition xmlns:p14="http://schemas.microsoft.com/office/powerpoint/2010/main" spd="slow" p14:dur="2000">
+        <p15:prstTrans prst="crush"/>
       </p:transition>
     </mc:Choice>
-    <mc:Fallback xmlns="">
-      <p:transition spd="med">
+    <mc:Fallback>
+      <p:transition spd="slow">
         <p:fade/>
       </p:transition>
     </mc:Fallback>
   </mc:AlternateContent>
+  <p:timing>
+    <p:tnLst>
+      <p:par>
+        <p:cTn id="1" dur="indefinite" restart="never" nodeType="tmRoot"/>
+      </p:par>
+    </p:tnLst>
+  </p:timing>
 </p:sld>
 </file>
 
@@ -19148,6 +19383,25 @@
   <p:clrMapOvr>
     <a:masterClrMapping/>
   </p:clrMapOvr>
+  <mc:AlternateContent xmlns:mc="http://schemas.openxmlformats.org/markup-compatibility/2006">
+    <mc:Choice xmlns:p15="http://schemas.microsoft.com/office/powerpoint/2012/main" Requires="p15">
+      <p:transition xmlns:p14="http://schemas.microsoft.com/office/powerpoint/2010/main" spd="slow" p14:dur="2000">
+        <p15:prstTrans prst="crush"/>
+      </p:transition>
+    </mc:Choice>
+    <mc:Fallback>
+      <p:transition spd="slow">
+        <p:fade/>
+      </p:transition>
+    </mc:Fallback>
+  </mc:AlternateContent>
+  <p:timing>
+    <p:tnLst>
+      <p:par>
+        <p:cTn id="1" dur="indefinite" restart="never" nodeType="tmRoot"/>
+      </p:par>
+    </p:tnLst>
+  </p:timing>
 </p:sld>
 </file>
 
@@ -19235,18 +19489,25 @@
   <p:clrMapOvr>
     <a:masterClrMapping/>
   </p:clrMapOvr>
-  <mc:AlternateContent xmlns:mc="http://schemas.openxmlformats.org/markup-compatibility/2006" xmlns:p14="http://schemas.microsoft.com/office/powerpoint/2010/main">
-    <mc:Choice Requires="p14">
-      <p:transition spd="med" p14:dur="700">
-        <p:fade/>
+  <mc:AlternateContent xmlns:mc="http://schemas.openxmlformats.org/markup-compatibility/2006">
+    <mc:Choice xmlns:p15="http://schemas.microsoft.com/office/powerpoint/2012/main" Requires="p15">
+      <p:transition xmlns:p14="http://schemas.microsoft.com/office/powerpoint/2010/main" spd="slow" p14:dur="2000">
+        <p15:prstTrans prst="crush"/>
       </p:transition>
     </mc:Choice>
-    <mc:Fallback xmlns="">
-      <p:transition spd="med">
+    <mc:Fallback>
+      <p:transition spd="slow">
         <p:fade/>
       </p:transition>
     </mc:Fallback>
   </mc:AlternateContent>
+  <p:timing>
+    <p:tnLst>
+      <p:par>
+        <p:cTn id="1" dur="indefinite" restart="never" nodeType="tmRoot"/>
+      </p:par>
+    </p:tnLst>
+  </p:timing>
 </p:sld>
 </file>
 
@@ -19333,6 +19594,25 @@
   <p:clrMapOvr>
     <a:masterClrMapping/>
   </p:clrMapOvr>
+  <mc:AlternateContent xmlns:mc="http://schemas.openxmlformats.org/markup-compatibility/2006">
+    <mc:Choice xmlns:p15="http://schemas.microsoft.com/office/powerpoint/2012/main" Requires="p15">
+      <p:transition xmlns:p14="http://schemas.microsoft.com/office/powerpoint/2010/main" spd="slow" p14:dur="2000">
+        <p15:prstTrans prst="crush"/>
+      </p:transition>
+    </mc:Choice>
+    <mc:Fallback>
+      <p:transition spd="slow">
+        <p:fade/>
+      </p:transition>
+    </mc:Fallback>
+  </mc:AlternateContent>
+  <p:timing>
+    <p:tnLst>
+      <p:par>
+        <p:cTn id="1" dur="indefinite" restart="never" nodeType="tmRoot"/>
+      </p:par>
+    </p:tnLst>
+  </p:timing>
 </p:sld>
 </file>
 
@@ -19698,6 +19978,25 @@
   <p:clrMapOvr>
     <a:masterClrMapping/>
   </p:clrMapOvr>
+  <mc:AlternateContent xmlns:mc="http://schemas.openxmlformats.org/markup-compatibility/2006">
+    <mc:Choice xmlns:p15="http://schemas.microsoft.com/office/powerpoint/2012/main" Requires="p15">
+      <p:transition xmlns:p14="http://schemas.microsoft.com/office/powerpoint/2010/main" spd="slow" p14:dur="2000">
+        <p15:prstTrans prst="crush"/>
+      </p:transition>
+    </mc:Choice>
+    <mc:Fallback>
+      <p:transition spd="slow">
+        <p:fade/>
+      </p:transition>
+    </mc:Fallback>
+  </mc:AlternateContent>
+  <p:timing>
+    <p:tnLst>
+      <p:par>
+        <p:cTn id="1" dur="indefinite" restart="never" nodeType="tmRoot"/>
+      </p:par>
+    </p:tnLst>
+  </p:timing>
 </p:sld>
 </file>
 
@@ -19873,6 +20172,25 @@
   <p:clrMapOvr>
     <a:masterClrMapping/>
   </p:clrMapOvr>
+  <mc:AlternateContent xmlns:mc="http://schemas.openxmlformats.org/markup-compatibility/2006">
+    <mc:Choice xmlns:p15="http://schemas.microsoft.com/office/powerpoint/2012/main" Requires="p15">
+      <p:transition xmlns:p14="http://schemas.microsoft.com/office/powerpoint/2010/main" spd="slow" p14:dur="2000">
+        <p15:prstTrans prst="crush"/>
+      </p:transition>
+    </mc:Choice>
+    <mc:Fallback>
+      <p:transition spd="slow">
+        <p:fade/>
+      </p:transition>
+    </mc:Fallback>
+  </mc:AlternateContent>
+  <p:timing>
+    <p:tnLst>
+      <p:par>
+        <p:cTn id="1" dur="indefinite" restart="never" nodeType="tmRoot"/>
+      </p:par>
+    </p:tnLst>
+  </p:timing>
 </p:sld>
 </file>
 
@@ -20018,6 +20336,25 @@
   <p:clrMapOvr>
     <a:masterClrMapping/>
   </p:clrMapOvr>
+  <mc:AlternateContent xmlns:mc="http://schemas.openxmlformats.org/markup-compatibility/2006">
+    <mc:Choice xmlns:p15="http://schemas.microsoft.com/office/powerpoint/2012/main" Requires="p15">
+      <p:transition xmlns:p14="http://schemas.microsoft.com/office/powerpoint/2010/main" spd="slow" p14:dur="2000">
+        <p15:prstTrans prst="crush"/>
+      </p:transition>
+    </mc:Choice>
+    <mc:Fallback>
+      <p:transition spd="slow">
+        <p:fade/>
+      </p:transition>
+    </mc:Fallback>
+  </mc:AlternateContent>
+  <p:timing>
+    <p:tnLst>
+      <p:par>
+        <p:cTn id="1" dur="indefinite" restart="never" nodeType="tmRoot"/>
+      </p:par>
+    </p:tnLst>
+  </p:timing>
 </p:sld>
 </file>
 
@@ -20138,6 +20475,25 @@
   <p:clrMapOvr>
     <a:masterClrMapping/>
   </p:clrMapOvr>
+  <mc:AlternateContent xmlns:mc="http://schemas.openxmlformats.org/markup-compatibility/2006">
+    <mc:Choice xmlns:p15="http://schemas.microsoft.com/office/powerpoint/2012/main" Requires="p15">
+      <p:transition xmlns:p14="http://schemas.microsoft.com/office/powerpoint/2010/main" spd="slow" p14:dur="2000">
+        <p15:prstTrans prst="crush"/>
+      </p:transition>
+    </mc:Choice>
+    <mc:Fallback>
+      <p:transition spd="slow">
+        <p:fade/>
+      </p:transition>
+    </mc:Fallback>
+  </mc:AlternateContent>
+  <p:timing>
+    <p:tnLst>
+      <p:par>
+        <p:cTn id="1" dur="indefinite" restart="never" nodeType="tmRoot"/>
+      </p:par>
+    </p:tnLst>
+  </p:timing>
 </p:sld>
 </file>
 
@@ -20262,6 +20618,25 @@
   <p:clrMapOvr>
     <a:masterClrMapping/>
   </p:clrMapOvr>
+  <mc:AlternateContent xmlns:mc="http://schemas.openxmlformats.org/markup-compatibility/2006">
+    <mc:Choice xmlns:p15="http://schemas.microsoft.com/office/powerpoint/2012/main" Requires="p15">
+      <p:transition xmlns:p14="http://schemas.microsoft.com/office/powerpoint/2010/main" spd="slow" p14:dur="2000">
+        <p15:prstTrans prst="crush"/>
+      </p:transition>
+    </mc:Choice>
+    <mc:Fallback>
+      <p:transition spd="slow">
+        <p:fade/>
+      </p:transition>
+    </mc:Fallback>
+  </mc:AlternateContent>
+  <p:timing>
+    <p:tnLst>
+      <p:par>
+        <p:cTn id="1" dur="indefinite" restart="never" nodeType="tmRoot"/>
+      </p:par>
+    </p:tnLst>
+  </p:timing>
 </p:sld>
 </file>
 
@@ -20320,6 +20695,25 @@
   <p:clrMapOvr>
     <a:masterClrMapping/>
   </p:clrMapOvr>
+  <mc:AlternateContent xmlns:mc="http://schemas.openxmlformats.org/markup-compatibility/2006">
+    <mc:Choice xmlns:p15="http://schemas.microsoft.com/office/powerpoint/2012/main" Requires="p15">
+      <p:transition xmlns:p14="http://schemas.microsoft.com/office/powerpoint/2010/main" spd="slow" p14:dur="2000">
+        <p15:prstTrans prst="crush"/>
+      </p:transition>
+    </mc:Choice>
+    <mc:Fallback>
+      <p:transition spd="slow">
+        <p:fade/>
+      </p:transition>
+    </mc:Fallback>
+  </mc:AlternateContent>
+  <p:timing>
+    <p:tnLst>
+      <p:par>
+        <p:cTn id="1" dur="indefinite" restart="never" nodeType="tmRoot"/>
+      </p:par>
+    </p:tnLst>
+  </p:timing>
 </p:sld>
 </file>
 
@@ -20434,6 +20828,25 @@
   <p:clrMapOvr>
     <a:masterClrMapping/>
   </p:clrMapOvr>
+  <mc:AlternateContent xmlns:mc="http://schemas.openxmlformats.org/markup-compatibility/2006">
+    <mc:Choice xmlns:p15="http://schemas.microsoft.com/office/powerpoint/2012/main" Requires="p15">
+      <p:transition xmlns:p14="http://schemas.microsoft.com/office/powerpoint/2010/main" spd="slow" p14:dur="2000">
+        <p15:prstTrans prst="crush"/>
+      </p:transition>
+    </mc:Choice>
+    <mc:Fallback>
+      <p:transition spd="slow">
+        <p:fade/>
+      </p:transition>
+    </mc:Fallback>
+  </mc:AlternateContent>
+  <p:timing>
+    <p:tnLst>
+      <p:par>
+        <p:cTn id="1" dur="indefinite" restart="never" nodeType="tmRoot"/>
+      </p:par>
+    </p:tnLst>
+  </p:timing>
 </p:sld>
 </file>
 
@@ -20606,18 +21019,978 @@
   <p:clrMapOvr>
     <a:masterClrMapping/>
   </p:clrMapOvr>
-  <mc:AlternateContent xmlns:mc="http://schemas.openxmlformats.org/markup-compatibility/2006" xmlns:p14="http://schemas.microsoft.com/office/powerpoint/2010/main">
-    <mc:Choice Requires="p14">
-      <p:transition spd="med" p14:dur="700">
-        <p:fade/>
+  <mc:AlternateContent xmlns:mc="http://schemas.openxmlformats.org/markup-compatibility/2006">
+    <mc:Choice xmlns:p15="http://schemas.microsoft.com/office/powerpoint/2012/main" Requires="p15">
+      <p:transition xmlns:p14="http://schemas.microsoft.com/office/powerpoint/2010/main" spd="slow" p14:dur="2000">
+        <p15:prstTrans prst="crush"/>
       </p:transition>
     </mc:Choice>
-    <mc:Fallback xmlns="">
-      <p:transition spd="med">
+    <mc:Fallback>
+      <p:transition spd="slow">
         <p:fade/>
       </p:transition>
     </mc:Fallback>
   </mc:AlternateContent>
+  <p:timing>
+    <p:tnLst>
+      <p:par>
+        <p:cTn id="1" dur="indefinite" restart="never" nodeType="tmRoot">
+          <p:childTnLst>
+            <p:seq concurrent="1" nextAc="seek">
+              <p:cTn id="2" dur="indefinite" nodeType="mainSeq">
+                <p:childTnLst>
+                  <p:par>
+                    <p:cTn id="3" fill="hold">
+                      <p:stCondLst>
+                        <p:cond delay="indefinite"/>
+                      </p:stCondLst>
+                      <p:childTnLst>
+                        <p:par>
+                          <p:cTn id="4" fill="hold">
+                            <p:stCondLst>
+                              <p:cond delay="0"/>
+                            </p:stCondLst>
+                            <p:childTnLst>
+                              <p:par>
+                                <p:cTn id="5" presetID="2" presetClass="entr" presetSubtype="4" fill="hold" grpId="0" nodeType="clickEffect">
+                                  <p:stCondLst>
+                                    <p:cond delay="0"/>
+                                  </p:stCondLst>
+                                  <p:childTnLst>
+                                    <p:set>
+                                      <p:cBhvr>
+                                        <p:cTn id="6" dur="1" fill="hold">
+                                          <p:stCondLst>
+                                            <p:cond delay="0"/>
+                                          </p:stCondLst>
+                                        </p:cTn>
+                                        <p:tgtEl>
+                                          <p:spTgt spid="14">
+                                            <p:txEl>
+                                              <p:pRg st="0" end="0"/>
+                                            </p:txEl>
+                                          </p:spTgt>
+                                        </p:tgtEl>
+                                        <p:attrNameLst>
+                                          <p:attrName>style.visibility</p:attrName>
+                                        </p:attrNameLst>
+                                      </p:cBhvr>
+                                      <p:to>
+                                        <p:strVal val="visible"/>
+                                      </p:to>
+                                    </p:set>
+                                    <p:anim calcmode="lin" valueType="num">
+                                      <p:cBhvr additive="base">
+                                        <p:cTn id="7" dur="500" fill="hold"/>
+                                        <p:tgtEl>
+                                          <p:spTgt spid="14">
+                                            <p:txEl>
+                                              <p:pRg st="0" end="0"/>
+                                            </p:txEl>
+                                          </p:spTgt>
+                                        </p:tgtEl>
+                                        <p:attrNameLst>
+                                          <p:attrName>ppt_x</p:attrName>
+                                        </p:attrNameLst>
+                                      </p:cBhvr>
+                                      <p:tavLst>
+                                        <p:tav tm="0">
+                                          <p:val>
+                                            <p:strVal val="#ppt_x"/>
+                                          </p:val>
+                                        </p:tav>
+                                        <p:tav tm="100000">
+                                          <p:val>
+                                            <p:strVal val="#ppt_x"/>
+                                          </p:val>
+                                        </p:tav>
+                                      </p:tavLst>
+                                    </p:anim>
+                                    <p:anim calcmode="lin" valueType="num">
+                                      <p:cBhvr additive="base">
+                                        <p:cTn id="8" dur="500" fill="hold"/>
+                                        <p:tgtEl>
+                                          <p:spTgt spid="14">
+                                            <p:txEl>
+                                              <p:pRg st="0" end="0"/>
+                                            </p:txEl>
+                                          </p:spTgt>
+                                        </p:tgtEl>
+                                        <p:attrNameLst>
+                                          <p:attrName>ppt_y</p:attrName>
+                                        </p:attrNameLst>
+                                      </p:cBhvr>
+                                      <p:tavLst>
+                                        <p:tav tm="0">
+                                          <p:val>
+                                            <p:strVal val="1+#ppt_h/2"/>
+                                          </p:val>
+                                        </p:tav>
+                                        <p:tav tm="100000">
+                                          <p:val>
+                                            <p:strVal val="#ppt_y"/>
+                                          </p:val>
+                                        </p:tav>
+                                      </p:tavLst>
+                                    </p:anim>
+                                  </p:childTnLst>
+                                </p:cTn>
+                              </p:par>
+                            </p:childTnLst>
+                          </p:cTn>
+                        </p:par>
+                      </p:childTnLst>
+                    </p:cTn>
+                  </p:par>
+                  <p:par>
+                    <p:cTn id="9" fill="hold">
+                      <p:stCondLst>
+                        <p:cond delay="indefinite"/>
+                      </p:stCondLst>
+                      <p:childTnLst>
+                        <p:par>
+                          <p:cTn id="10" fill="hold">
+                            <p:stCondLst>
+                              <p:cond delay="0"/>
+                            </p:stCondLst>
+                            <p:childTnLst>
+                              <p:par>
+                                <p:cTn id="11" presetID="2" presetClass="entr" presetSubtype="4" fill="hold" grpId="0" nodeType="clickEffect">
+                                  <p:stCondLst>
+                                    <p:cond delay="0"/>
+                                  </p:stCondLst>
+                                  <p:childTnLst>
+                                    <p:set>
+                                      <p:cBhvr>
+                                        <p:cTn id="12" dur="1" fill="hold">
+                                          <p:stCondLst>
+                                            <p:cond delay="0"/>
+                                          </p:stCondLst>
+                                        </p:cTn>
+                                        <p:tgtEl>
+                                          <p:spTgt spid="14">
+                                            <p:txEl>
+                                              <p:pRg st="1" end="1"/>
+                                            </p:txEl>
+                                          </p:spTgt>
+                                        </p:tgtEl>
+                                        <p:attrNameLst>
+                                          <p:attrName>style.visibility</p:attrName>
+                                        </p:attrNameLst>
+                                      </p:cBhvr>
+                                      <p:to>
+                                        <p:strVal val="visible"/>
+                                      </p:to>
+                                    </p:set>
+                                    <p:anim calcmode="lin" valueType="num">
+                                      <p:cBhvr additive="base">
+                                        <p:cTn id="13" dur="500" fill="hold"/>
+                                        <p:tgtEl>
+                                          <p:spTgt spid="14">
+                                            <p:txEl>
+                                              <p:pRg st="1" end="1"/>
+                                            </p:txEl>
+                                          </p:spTgt>
+                                        </p:tgtEl>
+                                        <p:attrNameLst>
+                                          <p:attrName>ppt_x</p:attrName>
+                                        </p:attrNameLst>
+                                      </p:cBhvr>
+                                      <p:tavLst>
+                                        <p:tav tm="0">
+                                          <p:val>
+                                            <p:strVal val="#ppt_x"/>
+                                          </p:val>
+                                        </p:tav>
+                                        <p:tav tm="100000">
+                                          <p:val>
+                                            <p:strVal val="#ppt_x"/>
+                                          </p:val>
+                                        </p:tav>
+                                      </p:tavLst>
+                                    </p:anim>
+                                    <p:anim calcmode="lin" valueType="num">
+                                      <p:cBhvr additive="base">
+                                        <p:cTn id="14" dur="500" fill="hold"/>
+                                        <p:tgtEl>
+                                          <p:spTgt spid="14">
+                                            <p:txEl>
+                                              <p:pRg st="1" end="1"/>
+                                            </p:txEl>
+                                          </p:spTgt>
+                                        </p:tgtEl>
+                                        <p:attrNameLst>
+                                          <p:attrName>ppt_y</p:attrName>
+                                        </p:attrNameLst>
+                                      </p:cBhvr>
+                                      <p:tavLst>
+                                        <p:tav tm="0">
+                                          <p:val>
+                                            <p:strVal val="1+#ppt_h/2"/>
+                                          </p:val>
+                                        </p:tav>
+                                        <p:tav tm="100000">
+                                          <p:val>
+                                            <p:strVal val="#ppt_y"/>
+                                          </p:val>
+                                        </p:tav>
+                                      </p:tavLst>
+                                    </p:anim>
+                                  </p:childTnLst>
+                                </p:cTn>
+                              </p:par>
+                            </p:childTnLst>
+                          </p:cTn>
+                        </p:par>
+                      </p:childTnLst>
+                    </p:cTn>
+                  </p:par>
+                  <p:par>
+                    <p:cTn id="15" fill="hold">
+                      <p:stCondLst>
+                        <p:cond delay="indefinite"/>
+                      </p:stCondLst>
+                      <p:childTnLst>
+                        <p:par>
+                          <p:cTn id="16" fill="hold">
+                            <p:stCondLst>
+                              <p:cond delay="0"/>
+                            </p:stCondLst>
+                            <p:childTnLst>
+                              <p:par>
+                                <p:cTn id="17" presetID="2" presetClass="entr" presetSubtype="4" fill="hold" grpId="0" nodeType="clickEffect">
+                                  <p:stCondLst>
+                                    <p:cond delay="0"/>
+                                  </p:stCondLst>
+                                  <p:childTnLst>
+                                    <p:set>
+                                      <p:cBhvr>
+                                        <p:cTn id="18" dur="1" fill="hold">
+                                          <p:stCondLst>
+                                            <p:cond delay="0"/>
+                                          </p:stCondLst>
+                                        </p:cTn>
+                                        <p:tgtEl>
+                                          <p:spTgt spid="14">
+                                            <p:txEl>
+                                              <p:pRg st="2" end="2"/>
+                                            </p:txEl>
+                                          </p:spTgt>
+                                        </p:tgtEl>
+                                        <p:attrNameLst>
+                                          <p:attrName>style.visibility</p:attrName>
+                                        </p:attrNameLst>
+                                      </p:cBhvr>
+                                      <p:to>
+                                        <p:strVal val="visible"/>
+                                      </p:to>
+                                    </p:set>
+                                    <p:anim calcmode="lin" valueType="num">
+                                      <p:cBhvr additive="base">
+                                        <p:cTn id="19" dur="500" fill="hold"/>
+                                        <p:tgtEl>
+                                          <p:spTgt spid="14">
+                                            <p:txEl>
+                                              <p:pRg st="2" end="2"/>
+                                            </p:txEl>
+                                          </p:spTgt>
+                                        </p:tgtEl>
+                                        <p:attrNameLst>
+                                          <p:attrName>ppt_x</p:attrName>
+                                        </p:attrNameLst>
+                                      </p:cBhvr>
+                                      <p:tavLst>
+                                        <p:tav tm="0">
+                                          <p:val>
+                                            <p:strVal val="#ppt_x"/>
+                                          </p:val>
+                                        </p:tav>
+                                        <p:tav tm="100000">
+                                          <p:val>
+                                            <p:strVal val="#ppt_x"/>
+                                          </p:val>
+                                        </p:tav>
+                                      </p:tavLst>
+                                    </p:anim>
+                                    <p:anim calcmode="lin" valueType="num">
+                                      <p:cBhvr additive="base">
+                                        <p:cTn id="20" dur="500" fill="hold"/>
+                                        <p:tgtEl>
+                                          <p:spTgt spid="14">
+                                            <p:txEl>
+                                              <p:pRg st="2" end="2"/>
+                                            </p:txEl>
+                                          </p:spTgt>
+                                        </p:tgtEl>
+                                        <p:attrNameLst>
+                                          <p:attrName>ppt_y</p:attrName>
+                                        </p:attrNameLst>
+                                      </p:cBhvr>
+                                      <p:tavLst>
+                                        <p:tav tm="0">
+                                          <p:val>
+                                            <p:strVal val="1+#ppt_h/2"/>
+                                          </p:val>
+                                        </p:tav>
+                                        <p:tav tm="100000">
+                                          <p:val>
+                                            <p:strVal val="#ppt_y"/>
+                                          </p:val>
+                                        </p:tav>
+                                      </p:tavLst>
+                                    </p:anim>
+                                  </p:childTnLst>
+                                </p:cTn>
+                              </p:par>
+                            </p:childTnLst>
+                          </p:cTn>
+                        </p:par>
+                      </p:childTnLst>
+                    </p:cTn>
+                  </p:par>
+                  <p:par>
+                    <p:cTn id="21" fill="hold">
+                      <p:stCondLst>
+                        <p:cond delay="indefinite"/>
+                      </p:stCondLst>
+                      <p:childTnLst>
+                        <p:par>
+                          <p:cTn id="22" fill="hold">
+                            <p:stCondLst>
+                              <p:cond delay="0"/>
+                            </p:stCondLst>
+                            <p:childTnLst>
+                              <p:par>
+                                <p:cTn id="23" presetID="2" presetClass="entr" presetSubtype="4" fill="hold" grpId="0" nodeType="clickEffect">
+                                  <p:stCondLst>
+                                    <p:cond delay="0"/>
+                                  </p:stCondLst>
+                                  <p:childTnLst>
+                                    <p:set>
+                                      <p:cBhvr>
+                                        <p:cTn id="24" dur="1" fill="hold">
+                                          <p:stCondLst>
+                                            <p:cond delay="0"/>
+                                          </p:stCondLst>
+                                        </p:cTn>
+                                        <p:tgtEl>
+                                          <p:spTgt spid="14">
+                                            <p:txEl>
+                                              <p:pRg st="3" end="3"/>
+                                            </p:txEl>
+                                          </p:spTgt>
+                                        </p:tgtEl>
+                                        <p:attrNameLst>
+                                          <p:attrName>style.visibility</p:attrName>
+                                        </p:attrNameLst>
+                                      </p:cBhvr>
+                                      <p:to>
+                                        <p:strVal val="visible"/>
+                                      </p:to>
+                                    </p:set>
+                                    <p:anim calcmode="lin" valueType="num">
+                                      <p:cBhvr additive="base">
+                                        <p:cTn id="25" dur="500" fill="hold"/>
+                                        <p:tgtEl>
+                                          <p:spTgt spid="14">
+                                            <p:txEl>
+                                              <p:pRg st="3" end="3"/>
+                                            </p:txEl>
+                                          </p:spTgt>
+                                        </p:tgtEl>
+                                        <p:attrNameLst>
+                                          <p:attrName>ppt_x</p:attrName>
+                                        </p:attrNameLst>
+                                      </p:cBhvr>
+                                      <p:tavLst>
+                                        <p:tav tm="0">
+                                          <p:val>
+                                            <p:strVal val="#ppt_x"/>
+                                          </p:val>
+                                        </p:tav>
+                                        <p:tav tm="100000">
+                                          <p:val>
+                                            <p:strVal val="#ppt_x"/>
+                                          </p:val>
+                                        </p:tav>
+                                      </p:tavLst>
+                                    </p:anim>
+                                    <p:anim calcmode="lin" valueType="num">
+                                      <p:cBhvr additive="base">
+                                        <p:cTn id="26" dur="500" fill="hold"/>
+                                        <p:tgtEl>
+                                          <p:spTgt spid="14">
+                                            <p:txEl>
+                                              <p:pRg st="3" end="3"/>
+                                            </p:txEl>
+                                          </p:spTgt>
+                                        </p:tgtEl>
+                                        <p:attrNameLst>
+                                          <p:attrName>ppt_y</p:attrName>
+                                        </p:attrNameLst>
+                                      </p:cBhvr>
+                                      <p:tavLst>
+                                        <p:tav tm="0">
+                                          <p:val>
+                                            <p:strVal val="1+#ppt_h/2"/>
+                                          </p:val>
+                                        </p:tav>
+                                        <p:tav tm="100000">
+                                          <p:val>
+                                            <p:strVal val="#ppt_y"/>
+                                          </p:val>
+                                        </p:tav>
+                                      </p:tavLst>
+                                    </p:anim>
+                                  </p:childTnLst>
+                                </p:cTn>
+                              </p:par>
+                            </p:childTnLst>
+                          </p:cTn>
+                        </p:par>
+                      </p:childTnLst>
+                    </p:cTn>
+                  </p:par>
+                  <p:par>
+                    <p:cTn id="27" fill="hold">
+                      <p:stCondLst>
+                        <p:cond delay="indefinite"/>
+                      </p:stCondLst>
+                      <p:childTnLst>
+                        <p:par>
+                          <p:cTn id="28" fill="hold">
+                            <p:stCondLst>
+                              <p:cond delay="0"/>
+                            </p:stCondLst>
+                            <p:childTnLst>
+                              <p:par>
+                                <p:cTn id="29" presetID="2" presetClass="entr" presetSubtype="4" fill="hold" grpId="0" nodeType="clickEffect">
+                                  <p:stCondLst>
+                                    <p:cond delay="0"/>
+                                  </p:stCondLst>
+                                  <p:childTnLst>
+                                    <p:set>
+                                      <p:cBhvr>
+                                        <p:cTn id="30" dur="1" fill="hold">
+                                          <p:stCondLst>
+                                            <p:cond delay="0"/>
+                                          </p:stCondLst>
+                                        </p:cTn>
+                                        <p:tgtEl>
+                                          <p:spTgt spid="14">
+                                            <p:txEl>
+                                              <p:pRg st="4" end="4"/>
+                                            </p:txEl>
+                                          </p:spTgt>
+                                        </p:tgtEl>
+                                        <p:attrNameLst>
+                                          <p:attrName>style.visibility</p:attrName>
+                                        </p:attrNameLst>
+                                      </p:cBhvr>
+                                      <p:to>
+                                        <p:strVal val="visible"/>
+                                      </p:to>
+                                    </p:set>
+                                    <p:anim calcmode="lin" valueType="num">
+                                      <p:cBhvr additive="base">
+                                        <p:cTn id="31" dur="500" fill="hold"/>
+                                        <p:tgtEl>
+                                          <p:spTgt spid="14">
+                                            <p:txEl>
+                                              <p:pRg st="4" end="4"/>
+                                            </p:txEl>
+                                          </p:spTgt>
+                                        </p:tgtEl>
+                                        <p:attrNameLst>
+                                          <p:attrName>ppt_x</p:attrName>
+                                        </p:attrNameLst>
+                                      </p:cBhvr>
+                                      <p:tavLst>
+                                        <p:tav tm="0">
+                                          <p:val>
+                                            <p:strVal val="#ppt_x"/>
+                                          </p:val>
+                                        </p:tav>
+                                        <p:tav tm="100000">
+                                          <p:val>
+                                            <p:strVal val="#ppt_x"/>
+                                          </p:val>
+                                        </p:tav>
+                                      </p:tavLst>
+                                    </p:anim>
+                                    <p:anim calcmode="lin" valueType="num">
+                                      <p:cBhvr additive="base">
+                                        <p:cTn id="32" dur="500" fill="hold"/>
+                                        <p:tgtEl>
+                                          <p:spTgt spid="14">
+                                            <p:txEl>
+                                              <p:pRg st="4" end="4"/>
+                                            </p:txEl>
+                                          </p:spTgt>
+                                        </p:tgtEl>
+                                        <p:attrNameLst>
+                                          <p:attrName>ppt_y</p:attrName>
+                                        </p:attrNameLst>
+                                      </p:cBhvr>
+                                      <p:tavLst>
+                                        <p:tav tm="0">
+                                          <p:val>
+                                            <p:strVal val="1+#ppt_h/2"/>
+                                          </p:val>
+                                        </p:tav>
+                                        <p:tav tm="100000">
+                                          <p:val>
+                                            <p:strVal val="#ppt_y"/>
+                                          </p:val>
+                                        </p:tav>
+                                      </p:tavLst>
+                                    </p:anim>
+                                  </p:childTnLst>
+                                </p:cTn>
+                              </p:par>
+                            </p:childTnLst>
+                          </p:cTn>
+                        </p:par>
+                      </p:childTnLst>
+                    </p:cTn>
+                  </p:par>
+                  <p:par>
+                    <p:cTn id="33" fill="hold">
+                      <p:stCondLst>
+                        <p:cond delay="indefinite"/>
+                      </p:stCondLst>
+                      <p:childTnLst>
+                        <p:par>
+                          <p:cTn id="34" fill="hold">
+                            <p:stCondLst>
+                              <p:cond delay="0"/>
+                            </p:stCondLst>
+                            <p:childTnLst>
+                              <p:par>
+                                <p:cTn id="35" presetID="2" presetClass="entr" presetSubtype="4" fill="hold" grpId="0" nodeType="clickEffect">
+                                  <p:stCondLst>
+                                    <p:cond delay="0"/>
+                                  </p:stCondLst>
+                                  <p:childTnLst>
+                                    <p:set>
+                                      <p:cBhvr>
+                                        <p:cTn id="36" dur="1" fill="hold">
+                                          <p:stCondLst>
+                                            <p:cond delay="0"/>
+                                          </p:stCondLst>
+                                        </p:cTn>
+                                        <p:tgtEl>
+                                          <p:spTgt spid="14">
+                                            <p:txEl>
+                                              <p:pRg st="5" end="5"/>
+                                            </p:txEl>
+                                          </p:spTgt>
+                                        </p:tgtEl>
+                                        <p:attrNameLst>
+                                          <p:attrName>style.visibility</p:attrName>
+                                        </p:attrNameLst>
+                                      </p:cBhvr>
+                                      <p:to>
+                                        <p:strVal val="visible"/>
+                                      </p:to>
+                                    </p:set>
+                                    <p:anim calcmode="lin" valueType="num">
+                                      <p:cBhvr additive="base">
+                                        <p:cTn id="37" dur="500" fill="hold"/>
+                                        <p:tgtEl>
+                                          <p:spTgt spid="14">
+                                            <p:txEl>
+                                              <p:pRg st="5" end="5"/>
+                                            </p:txEl>
+                                          </p:spTgt>
+                                        </p:tgtEl>
+                                        <p:attrNameLst>
+                                          <p:attrName>ppt_x</p:attrName>
+                                        </p:attrNameLst>
+                                      </p:cBhvr>
+                                      <p:tavLst>
+                                        <p:tav tm="0">
+                                          <p:val>
+                                            <p:strVal val="#ppt_x"/>
+                                          </p:val>
+                                        </p:tav>
+                                        <p:tav tm="100000">
+                                          <p:val>
+                                            <p:strVal val="#ppt_x"/>
+                                          </p:val>
+                                        </p:tav>
+                                      </p:tavLst>
+                                    </p:anim>
+                                    <p:anim calcmode="lin" valueType="num">
+                                      <p:cBhvr additive="base">
+                                        <p:cTn id="38" dur="500" fill="hold"/>
+                                        <p:tgtEl>
+                                          <p:spTgt spid="14">
+                                            <p:txEl>
+                                              <p:pRg st="5" end="5"/>
+                                            </p:txEl>
+                                          </p:spTgt>
+                                        </p:tgtEl>
+                                        <p:attrNameLst>
+                                          <p:attrName>ppt_y</p:attrName>
+                                        </p:attrNameLst>
+                                      </p:cBhvr>
+                                      <p:tavLst>
+                                        <p:tav tm="0">
+                                          <p:val>
+                                            <p:strVal val="1+#ppt_h/2"/>
+                                          </p:val>
+                                        </p:tav>
+                                        <p:tav tm="100000">
+                                          <p:val>
+                                            <p:strVal val="#ppt_y"/>
+                                          </p:val>
+                                        </p:tav>
+                                      </p:tavLst>
+                                    </p:anim>
+                                  </p:childTnLst>
+                                </p:cTn>
+                              </p:par>
+                            </p:childTnLst>
+                          </p:cTn>
+                        </p:par>
+                      </p:childTnLst>
+                    </p:cTn>
+                  </p:par>
+                  <p:par>
+                    <p:cTn id="39" fill="hold">
+                      <p:stCondLst>
+                        <p:cond delay="indefinite"/>
+                      </p:stCondLst>
+                      <p:childTnLst>
+                        <p:par>
+                          <p:cTn id="40" fill="hold">
+                            <p:stCondLst>
+                              <p:cond delay="0"/>
+                            </p:stCondLst>
+                            <p:childTnLst>
+                              <p:par>
+                                <p:cTn id="41" presetID="2" presetClass="entr" presetSubtype="4" fill="hold" grpId="0" nodeType="clickEffect">
+                                  <p:stCondLst>
+                                    <p:cond delay="0"/>
+                                  </p:stCondLst>
+                                  <p:childTnLst>
+                                    <p:set>
+                                      <p:cBhvr>
+                                        <p:cTn id="42" dur="1" fill="hold">
+                                          <p:stCondLst>
+                                            <p:cond delay="0"/>
+                                          </p:stCondLst>
+                                        </p:cTn>
+                                        <p:tgtEl>
+                                          <p:spTgt spid="14">
+                                            <p:txEl>
+                                              <p:pRg st="6" end="6"/>
+                                            </p:txEl>
+                                          </p:spTgt>
+                                        </p:tgtEl>
+                                        <p:attrNameLst>
+                                          <p:attrName>style.visibility</p:attrName>
+                                        </p:attrNameLst>
+                                      </p:cBhvr>
+                                      <p:to>
+                                        <p:strVal val="visible"/>
+                                      </p:to>
+                                    </p:set>
+                                    <p:anim calcmode="lin" valueType="num">
+                                      <p:cBhvr additive="base">
+                                        <p:cTn id="43" dur="500" fill="hold"/>
+                                        <p:tgtEl>
+                                          <p:spTgt spid="14">
+                                            <p:txEl>
+                                              <p:pRg st="6" end="6"/>
+                                            </p:txEl>
+                                          </p:spTgt>
+                                        </p:tgtEl>
+                                        <p:attrNameLst>
+                                          <p:attrName>ppt_x</p:attrName>
+                                        </p:attrNameLst>
+                                      </p:cBhvr>
+                                      <p:tavLst>
+                                        <p:tav tm="0">
+                                          <p:val>
+                                            <p:strVal val="#ppt_x"/>
+                                          </p:val>
+                                        </p:tav>
+                                        <p:tav tm="100000">
+                                          <p:val>
+                                            <p:strVal val="#ppt_x"/>
+                                          </p:val>
+                                        </p:tav>
+                                      </p:tavLst>
+                                    </p:anim>
+                                    <p:anim calcmode="lin" valueType="num">
+                                      <p:cBhvr additive="base">
+                                        <p:cTn id="44" dur="500" fill="hold"/>
+                                        <p:tgtEl>
+                                          <p:spTgt spid="14">
+                                            <p:txEl>
+                                              <p:pRg st="6" end="6"/>
+                                            </p:txEl>
+                                          </p:spTgt>
+                                        </p:tgtEl>
+                                        <p:attrNameLst>
+                                          <p:attrName>ppt_y</p:attrName>
+                                        </p:attrNameLst>
+                                      </p:cBhvr>
+                                      <p:tavLst>
+                                        <p:tav tm="0">
+                                          <p:val>
+                                            <p:strVal val="1+#ppt_h/2"/>
+                                          </p:val>
+                                        </p:tav>
+                                        <p:tav tm="100000">
+                                          <p:val>
+                                            <p:strVal val="#ppt_y"/>
+                                          </p:val>
+                                        </p:tav>
+                                      </p:tavLst>
+                                    </p:anim>
+                                  </p:childTnLst>
+                                </p:cTn>
+                              </p:par>
+                            </p:childTnLst>
+                          </p:cTn>
+                        </p:par>
+                      </p:childTnLst>
+                    </p:cTn>
+                  </p:par>
+                  <p:par>
+                    <p:cTn id="45" fill="hold">
+                      <p:stCondLst>
+                        <p:cond delay="indefinite"/>
+                      </p:stCondLst>
+                      <p:childTnLst>
+                        <p:par>
+                          <p:cTn id="46" fill="hold">
+                            <p:stCondLst>
+                              <p:cond delay="0"/>
+                            </p:stCondLst>
+                            <p:childTnLst>
+                              <p:par>
+                                <p:cTn id="47" presetID="2" presetClass="entr" presetSubtype="4" fill="hold" grpId="0" nodeType="clickEffect">
+                                  <p:stCondLst>
+                                    <p:cond delay="0"/>
+                                  </p:stCondLst>
+                                  <p:childTnLst>
+                                    <p:set>
+                                      <p:cBhvr>
+                                        <p:cTn id="48" dur="1" fill="hold">
+                                          <p:stCondLst>
+                                            <p:cond delay="0"/>
+                                          </p:stCondLst>
+                                        </p:cTn>
+                                        <p:tgtEl>
+                                          <p:spTgt spid="14">
+                                            <p:txEl>
+                                              <p:pRg st="7" end="7"/>
+                                            </p:txEl>
+                                          </p:spTgt>
+                                        </p:tgtEl>
+                                        <p:attrNameLst>
+                                          <p:attrName>style.visibility</p:attrName>
+                                        </p:attrNameLst>
+                                      </p:cBhvr>
+                                      <p:to>
+                                        <p:strVal val="visible"/>
+                                      </p:to>
+                                    </p:set>
+                                    <p:anim calcmode="lin" valueType="num">
+                                      <p:cBhvr additive="base">
+                                        <p:cTn id="49" dur="500" fill="hold"/>
+                                        <p:tgtEl>
+                                          <p:spTgt spid="14">
+                                            <p:txEl>
+                                              <p:pRg st="7" end="7"/>
+                                            </p:txEl>
+                                          </p:spTgt>
+                                        </p:tgtEl>
+                                        <p:attrNameLst>
+                                          <p:attrName>ppt_x</p:attrName>
+                                        </p:attrNameLst>
+                                      </p:cBhvr>
+                                      <p:tavLst>
+                                        <p:tav tm="0">
+                                          <p:val>
+                                            <p:strVal val="#ppt_x"/>
+                                          </p:val>
+                                        </p:tav>
+                                        <p:tav tm="100000">
+                                          <p:val>
+                                            <p:strVal val="#ppt_x"/>
+                                          </p:val>
+                                        </p:tav>
+                                      </p:tavLst>
+                                    </p:anim>
+                                    <p:anim calcmode="lin" valueType="num">
+                                      <p:cBhvr additive="base">
+                                        <p:cTn id="50" dur="500" fill="hold"/>
+                                        <p:tgtEl>
+                                          <p:spTgt spid="14">
+                                            <p:txEl>
+                                              <p:pRg st="7" end="7"/>
+                                            </p:txEl>
+                                          </p:spTgt>
+                                        </p:tgtEl>
+                                        <p:attrNameLst>
+                                          <p:attrName>ppt_y</p:attrName>
+                                        </p:attrNameLst>
+                                      </p:cBhvr>
+                                      <p:tavLst>
+                                        <p:tav tm="0">
+                                          <p:val>
+                                            <p:strVal val="1+#ppt_h/2"/>
+                                          </p:val>
+                                        </p:tav>
+                                        <p:tav tm="100000">
+                                          <p:val>
+                                            <p:strVal val="#ppt_y"/>
+                                          </p:val>
+                                        </p:tav>
+                                      </p:tavLst>
+                                    </p:anim>
+                                  </p:childTnLst>
+                                </p:cTn>
+                              </p:par>
+                            </p:childTnLst>
+                          </p:cTn>
+                        </p:par>
+                      </p:childTnLst>
+                    </p:cTn>
+                  </p:par>
+                  <p:par>
+                    <p:cTn id="51" fill="hold">
+                      <p:stCondLst>
+                        <p:cond delay="indefinite"/>
+                      </p:stCondLst>
+                      <p:childTnLst>
+                        <p:par>
+                          <p:cTn id="52" fill="hold">
+                            <p:stCondLst>
+                              <p:cond delay="0"/>
+                            </p:stCondLst>
+                            <p:childTnLst>
+                              <p:par>
+                                <p:cTn id="53" presetID="2" presetClass="entr" presetSubtype="4" fill="hold" grpId="0" nodeType="clickEffect">
+                                  <p:stCondLst>
+                                    <p:cond delay="0"/>
+                                  </p:stCondLst>
+                                  <p:childTnLst>
+                                    <p:set>
+                                      <p:cBhvr>
+                                        <p:cTn id="54" dur="1" fill="hold">
+                                          <p:stCondLst>
+                                            <p:cond delay="0"/>
+                                          </p:stCondLst>
+                                        </p:cTn>
+                                        <p:tgtEl>
+                                          <p:spTgt spid="14">
+                                            <p:txEl>
+                                              <p:pRg st="8" end="8"/>
+                                            </p:txEl>
+                                          </p:spTgt>
+                                        </p:tgtEl>
+                                        <p:attrNameLst>
+                                          <p:attrName>style.visibility</p:attrName>
+                                        </p:attrNameLst>
+                                      </p:cBhvr>
+                                      <p:to>
+                                        <p:strVal val="visible"/>
+                                      </p:to>
+                                    </p:set>
+                                    <p:anim calcmode="lin" valueType="num">
+                                      <p:cBhvr additive="base">
+                                        <p:cTn id="55" dur="500" fill="hold"/>
+                                        <p:tgtEl>
+                                          <p:spTgt spid="14">
+                                            <p:txEl>
+                                              <p:pRg st="8" end="8"/>
+                                            </p:txEl>
+                                          </p:spTgt>
+                                        </p:tgtEl>
+                                        <p:attrNameLst>
+                                          <p:attrName>ppt_x</p:attrName>
+                                        </p:attrNameLst>
+                                      </p:cBhvr>
+                                      <p:tavLst>
+                                        <p:tav tm="0">
+                                          <p:val>
+                                            <p:strVal val="#ppt_x"/>
+                                          </p:val>
+                                        </p:tav>
+                                        <p:tav tm="100000">
+                                          <p:val>
+                                            <p:strVal val="#ppt_x"/>
+                                          </p:val>
+                                        </p:tav>
+                                      </p:tavLst>
+                                    </p:anim>
+                                    <p:anim calcmode="lin" valueType="num">
+                                      <p:cBhvr additive="base">
+                                        <p:cTn id="56" dur="500" fill="hold"/>
+                                        <p:tgtEl>
+                                          <p:spTgt spid="14">
+                                            <p:txEl>
+                                              <p:pRg st="8" end="8"/>
+                                            </p:txEl>
+                                          </p:spTgt>
+                                        </p:tgtEl>
+                                        <p:attrNameLst>
+                                          <p:attrName>ppt_y</p:attrName>
+                                        </p:attrNameLst>
+                                      </p:cBhvr>
+                                      <p:tavLst>
+                                        <p:tav tm="0">
+                                          <p:val>
+                                            <p:strVal val="1+#ppt_h/2"/>
+                                          </p:val>
+                                        </p:tav>
+                                        <p:tav tm="100000">
+                                          <p:val>
+                                            <p:strVal val="#ppt_y"/>
+                                          </p:val>
+                                        </p:tav>
+                                      </p:tavLst>
+                                    </p:anim>
+                                  </p:childTnLst>
+                                </p:cTn>
+                              </p:par>
+                            </p:childTnLst>
+                          </p:cTn>
+                        </p:par>
+                      </p:childTnLst>
+                    </p:cTn>
+                  </p:par>
+                </p:childTnLst>
+              </p:cTn>
+              <p:prevCondLst>
+                <p:cond evt="onPrev" delay="0">
+                  <p:tgtEl>
+                    <p:sldTgt/>
+                  </p:tgtEl>
+                </p:cond>
+              </p:prevCondLst>
+              <p:nextCondLst>
+                <p:cond evt="onNext" delay="0">
+                  <p:tgtEl>
+                    <p:sldTgt/>
+                  </p:tgtEl>
+                </p:cond>
+              </p:nextCondLst>
+            </p:seq>
+          </p:childTnLst>
+        </p:cTn>
+      </p:par>
+    </p:tnLst>
+    <p:bldLst>
+      <p:bldP spid="14" grpId="0" build="p"/>
+    </p:bldLst>
+  </p:timing>
 </p:sld>
 </file>
 
@@ -20739,18 +22112,25 @@
   <p:clrMapOvr>
     <a:masterClrMapping/>
   </p:clrMapOvr>
-  <mc:AlternateContent xmlns:mc="http://schemas.openxmlformats.org/markup-compatibility/2006" xmlns:p14="http://schemas.microsoft.com/office/powerpoint/2010/main">
-    <mc:Choice Requires="p14">
-      <p:transition spd="med" p14:dur="700">
-        <p:fade/>
+  <mc:AlternateContent xmlns:mc="http://schemas.openxmlformats.org/markup-compatibility/2006">
+    <mc:Choice xmlns:p15="http://schemas.microsoft.com/office/powerpoint/2012/main" Requires="p15">
+      <p:transition xmlns:p14="http://schemas.microsoft.com/office/powerpoint/2010/main" spd="slow" p14:dur="2000">
+        <p15:prstTrans prst="crush"/>
       </p:transition>
     </mc:Choice>
-    <mc:Fallback xmlns="">
-      <p:transition spd="med">
+    <mc:Fallback>
+      <p:transition spd="slow">
         <p:fade/>
       </p:transition>
     </mc:Fallback>
   </mc:AlternateContent>
+  <p:timing>
+    <p:tnLst>
+      <p:par>
+        <p:cTn id="1" dur="indefinite" restart="never" nodeType="tmRoot"/>
+      </p:par>
+    </p:tnLst>
+  </p:timing>
 </p:sld>
 </file>
 
@@ -21012,6 +22392,25 @@
   <p:clrMapOvr>
     <a:masterClrMapping/>
   </p:clrMapOvr>
+  <mc:AlternateContent xmlns:mc="http://schemas.openxmlformats.org/markup-compatibility/2006">
+    <mc:Choice xmlns:p15="http://schemas.microsoft.com/office/powerpoint/2012/main" Requires="p15">
+      <p:transition xmlns:p14="http://schemas.microsoft.com/office/powerpoint/2010/main" spd="slow" p14:dur="2000">
+        <p15:prstTrans prst="crush"/>
+      </p:transition>
+    </mc:Choice>
+    <mc:Fallback>
+      <p:transition spd="slow">
+        <p:fade/>
+      </p:transition>
+    </mc:Fallback>
+  </mc:AlternateContent>
+  <p:timing>
+    <p:tnLst>
+      <p:par>
+        <p:cTn id="1" dur="indefinite" restart="never" nodeType="tmRoot"/>
+      </p:par>
+    </p:tnLst>
+  </p:timing>
 </p:sld>
 </file>
 
@@ -21693,18 +23092,142 @@
   <p:clrMapOvr>
     <a:masterClrMapping/>
   </p:clrMapOvr>
-  <mc:AlternateContent xmlns:mc="http://schemas.openxmlformats.org/markup-compatibility/2006" xmlns:p14="http://schemas.microsoft.com/office/powerpoint/2010/main">
-    <mc:Choice Requires="p14">
-      <p:transition spd="med" p14:dur="700">
-        <p:fade/>
+  <mc:AlternateContent xmlns:mc="http://schemas.openxmlformats.org/markup-compatibility/2006">
+    <mc:Choice xmlns:p15="http://schemas.microsoft.com/office/powerpoint/2012/main" Requires="p15">
+      <p:transition xmlns:p14="http://schemas.microsoft.com/office/powerpoint/2010/main" spd="slow" p14:dur="2000">
+        <p15:prstTrans prst="crush"/>
       </p:transition>
     </mc:Choice>
-    <mc:Fallback xmlns="">
-      <p:transition spd="med">
+    <mc:Fallback>
+      <p:transition spd="slow">
         <p:fade/>
       </p:transition>
     </mc:Fallback>
   </mc:AlternateContent>
+  <p:timing>
+    <p:tnLst>
+      <p:par>
+        <p:cTn id="1" dur="indefinite" restart="never" nodeType="tmRoot">
+          <p:childTnLst>
+            <p:seq concurrent="1" nextAc="seek">
+              <p:cTn id="2" dur="indefinite" nodeType="mainSeq">
+                <p:childTnLst>
+                  <p:par>
+                    <p:cTn id="3" fill="hold">
+                      <p:stCondLst>
+                        <p:cond delay="indefinite"/>
+                      </p:stCondLst>
+                      <p:childTnLst>
+                        <p:par>
+                          <p:cTn id="4" fill="hold">
+                            <p:stCondLst>
+                              <p:cond delay="0"/>
+                            </p:stCondLst>
+                            <p:childTnLst>
+                              <p:par>
+                                <p:cTn id="5" presetID="1" presetClass="entr" presetSubtype="0" fill="hold" grpId="0" nodeType="clickEffect">
+                                  <p:stCondLst>
+                                    <p:cond delay="0"/>
+                                  </p:stCondLst>
+                                  <p:childTnLst>
+                                    <p:set>
+                                      <p:cBhvr>
+                                        <p:cTn id="6" dur="1" fill="hold">
+                                          <p:stCondLst>
+                                            <p:cond delay="0"/>
+                                          </p:stCondLst>
+                                        </p:cTn>
+                                        <p:tgtEl>
+                                          <p:spTgt spid="4"/>
+                                        </p:tgtEl>
+                                        <p:attrNameLst>
+                                          <p:attrName>style.visibility</p:attrName>
+                                        </p:attrNameLst>
+                                      </p:cBhvr>
+                                      <p:to>
+                                        <p:strVal val="visible"/>
+                                      </p:to>
+                                    </p:set>
+                                  </p:childTnLst>
+                                </p:cTn>
+                              </p:par>
+                            </p:childTnLst>
+                          </p:cTn>
+                        </p:par>
+                      </p:childTnLst>
+                    </p:cTn>
+                  </p:par>
+                  <p:par>
+                    <p:cTn id="7" fill="hold">
+                      <p:stCondLst>
+                        <p:cond delay="indefinite"/>
+                      </p:stCondLst>
+                      <p:childTnLst>
+                        <p:par>
+                          <p:cTn id="8" fill="hold">
+                            <p:stCondLst>
+                              <p:cond delay="0"/>
+                            </p:stCondLst>
+                            <p:childTnLst>
+                              <p:par>
+                                <p:cTn id="9" presetID="1" presetClass="entr" presetSubtype="0" fill="hold" grpId="0" nodeType="clickEffect">
+                                  <p:stCondLst>
+                                    <p:cond delay="0"/>
+                                  </p:stCondLst>
+                                  <p:childTnLst>
+                                    <p:set>
+                                      <p:cBhvr>
+                                        <p:cTn id="10" dur="1" fill="hold">
+                                          <p:stCondLst>
+                                            <p:cond delay="0"/>
+                                          </p:stCondLst>
+                                        </p:cTn>
+                                        <p:tgtEl>
+                                          <p:spTgt spid="5"/>
+                                        </p:tgtEl>
+                                        <p:attrNameLst>
+                                          <p:attrName>style.visibility</p:attrName>
+                                        </p:attrNameLst>
+                                      </p:cBhvr>
+                                      <p:to>
+                                        <p:strVal val="visible"/>
+                                      </p:to>
+                                    </p:set>
+                                  </p:childTnLst>
+                                </p:cTn>
+                              </p:par>
+                            </p:childTnLst>
+                          </p:cTn>
+                        </p:par>
+                      </p:childTnLst>
+                    </p:cTn>
+                  </p:par>
+                </p:childTnLst>
+              </p:cTn>
+              <p:prevCondLst>
+                <p:cond evt="onPrev" delay="0">
+                  <p:tgtEl>
+                    <p:sldTgt/>
+                  </p:tgtEl>
+                </p:cond>
+              </p:prevCondLst>
+              <p:nextCondLst>
+                <p:cond evt="onNext" delay="0">
+                  <p:tgtEl>
+                    <p:sldTgt/>
+                  </p:tgtEl>
+                </p:cond>
+              </p:nextCondLst>
+            </p:seq>
+          </p:childTnLst>
+        </p:cTn>
+      </p:par>
+    </p:tnLst>
+    <p:bldLst>
+      <p:bldP spid="4" grpId="0"/>
+      <p:bldP spid="5" grpId="0"/>
+    </p:bldLst>
+  </p:timing>
 </p:sld>
 </file>
 
@@ -22364,10 +23887,400 @@
   <p:clrMapOvr>
     <a:masterClrMapping/>
   </p:clrMapOvr>
+  <mc:AlternateContent xmlns:mc="http://schemas.openxmlformats.org/markup-compatibility/2006">
+    <mc:Choice xmlns:p15="http://schemas.microsoft.com/office/powerpoint/2012/main" Requires="p15">
+      <p:transition xmlns:p14="http://schemas.microsoft.com/office/powerpoint/2010/main" spd="slow" p14:dur="2000">
+        <p15:prstTrans prst="crush"/>
+      </p:transition>
+    </mc:Choice>
+    <mc:Fallback>
+      <p:transition spd="slow">
+        <p:fade/>
+      </p:transition>
+    </mc:Fallback>
+  </mc:AlternateContent>
+  <p:timing>
+    <p:tnLst>
+      <p:par>
+        <p:cTn id="1" dur="indefinite" restart="never" nodeType="tmRoot">
+          <p:childTnLst>
+            <p:seq concurrent="1" nextAc="seek">
+              <p:cTn id="2" dur="indefinite" nodeType="mainSeq">
+                <p:childTnLst>
+                  <p:par>
+                    <p:cTn id="3" fill="hold">
+                      <p:stCondLst>
+                        <p:cond delay="indefinite"/>
+                      </p:stCondLst>
+                      <p:childTnLst>
+                        <p:par>
+                          <p:cTn id="4" fill="hold">
+                            <p:stCondLst>
+                              <p:cond delay="0"/>
+                            </p:stCondLst>
+                            <p:childTnLst>
+                              <p:par>
+                                <p:cTn id="5" presetID="1" presetClass="entr" presetSubtype="0" fill="hold" grpId="0" nodeType="clickEffect">
+                                  <p:stCondLst>
+                                    <p:cond delay="0"/>
+                                  </p:stCondLst>
+                                  <p:childTnLst>
+                                    <p:set>
+                                      <p:cBhvr>
+                                        <p:cTn id="6" dur="1" fill="hold">
+                                          <p:stCondLst>
+                                            <p:cond delay="0"/>
+                                          </p:stCondLst>
+                                        </p:cTn>
+                                        <p:tgtEl>
+                                          <p:spTgt spid="5"/>
+                                        </p:tgtEl>
+                                        <p:attrNameLst>
+                                          <p:attrName>style.visibility</p:attrName>
+                                        </p:attrNameLst>
+                                      </p:cBhvr>
+                                      <p:to>
+                                        <p:strVal val="visible"/>
+                                      </p:to>
+                                    </p:set>
+                                  </p:childTnLst>
+                                </p:cTn>
+                              </p:par>
+                            </p:childTnLst>
+                          </p:cTn>
+                        </p:par>
+                      </p:childTnLst>
+                    </p:cTn>
+                  </p:par>
+                  <p:par>
+                    <p:cTn id="7" fill="hold">
+                      <p:stCondLst>
+                        <p:cond delay="indefinite"/>
+                      </p:stCondLst>
+                      <p:childTnLst>
+                        <p:par>
+                          <p:cTn id="8" fill="hold">
+                            <p:stCondLst>
+                              <p:cond delay="0"/>
+                            </p:stCondLst>
+                            <p:childTnLst>
+                              <p:par>
+                                <p:cTn id="9" presetID="1" presetClass="entr" presetSubtype="0" fill="hold" grpId="0" nodeType="clickEffect">
+                                  <p:stCondLst>
+                                    <p:cond delay="0"/>
+                                  </p:stCondLst>
+                                  <p:childTnLst>
+                                    <p:set>
+                                      <p:cBhvr>
+                                        <p:cTn id="10" dur="1" fill="hold">
+                                          <p:stCondLst>
+                                            <p:cond delay="0"/>
+                                          </p:stCondLst>
+                                        </p:cTn>
+                                        <p:tgtEl>
+                                          <p:spTgt spid="4"/>
+                                        </p:tgtEl>
+                                        <p:attrNameLst>
+                                          <p:attrName>style.visibility</p:attrName>
+                                        </p:attrNameLst>
+                                      </p:cBhvr>
+                                      <p:to>
+                                        <p:strVal val="visible"/>
+                                      </p:to>
+                                    </p:set>
+                                  </p:childTnLst>
+                                </p:cTn>
+                              </p:par>
+                            </p:childTnLst>
+                          </p:cTn>
+                        </p:par>
+                      </p:childTnLst>
+                    </p:cTn>
+                  </p:par>
+                </p:childTnLst>
+              </p:cTn>
+              <p:prevCondLst>
+                <p:cond evt="onPrev" delay="0">
+                  <p:tgtEl>
+                    <p:sldTgt/>
+                  </p:tgtEl>
+                </p:cond>
+              </p:prevCondLst>
+              <p:nextCondLst>
+                <p:cond evt="onNext" delay="0">
+                  <p:tgtEl>
+                    <p:sldTgt/>
+                  </p:tgtEl>
+                </p:cond>
+              </p:nextCondLst>
+            </p:seq>
+          </p:childTnLst>
+        </p:cTn>
+      </p:par>
+    </p:tnLst>
+    <p:bldLst>
+      <p:bldP spid="4" grpId="0"/>
+      <p:bldP spid="5" grpId="0"/>
+    </p:bldLst>
+  </p:timing>
 </p:sld>
 </file>
 
 <file path=ppt/slides/slide7.xml><?xml version="1.0" encoding="utf-8"?>
+<p:sld xmlns:a="http://schemas.openxmlformats.org/drawingml/2006/main" xmlns:r="http://schemas.openxmlformats.org/officeDocument/2006/relationships" xmlns:p="http://schemas.openxmlformats.org/presentationml/2006/main">
+  <p:cSld>
+    <p:spTree>
+      <p:nvGrpSpPr>
+        <p:cNvPr id="1" name=""/>
+        <p:cNvGrpSpPr/>
+        <p:nvPr/>
+      </p:nvGrpSpPr>
+      <p:grpSpPr>
+        <a:xfrm>
+          <a:off x="0" y="0"/>
+          <a:ext cx="0" cy="0"/>
+          <a:chOff x="0" y="0"/>
+          <a:chExt cx="0" cy="0"/>
+        </a:xfrm>
+      </p:grpSpPr>
+      <p:sp>
+        <p:nvSpPr>
+          <p:cNvPr id="2" name="Title 1"/>
+          <p:cNvSpPr>
+            <a:spLocks noGrp="1"/>
+          </p:cNvSpPr>
+          <p:nvPr>
+            <p:ph type="title"/>
+          </p:nvPr>
+        </p:nvSpPr>
+        <p:spPr/>
+        <p:txBody>
+          <a:bodyPr/>
+          <a:lstStyle/>
+          <a:p>
+            <a:r>
+              <a:rPr lang="en-US" dirty="0">
+                <a:solidFill>
+                  <a:schemeClr val="tx1"/>
+                </a:solidFill>
+              </a:rPr>
+              <a:t>Technologies used</a:t>
+            </a:r>
+          </a:p>
+        </p:txBody>
+      </p:sp>
+      <p:sp>
+        <p:nvSpPr>
+          <p:cNvPr id="4" name="Content Placeholder 3"/>
+          <p:cNvSpPr>
+            <a:spLocks noGrp="1"/>
+          </p:cNvSpPr>
+          <p:nvPr>
+            <p:ph sz="quarter" idx="13"/>
+          </p:nvPr>
+        </p:nvSpPr>
+        <p:spPr>
+          <a:xfrm>
+            <a:off x="685801" y="1844907"/>
+            <a:ext cx="5088712" cy="2512852"/>
+          </a:xfrm>
+        </p:spPr>
+        <p:txBody>
+          <a:bodyPr>
+            <a:noAutofit/>
+          </a:bodyPr>
+          <a:lstStyle/>
+          <a:p>
+            <a:r>
+              <a:rPr lang="en-US" sz="2400" dirty="0">
+                <a:latin typeface="Times New Roman" panose="02020603050405020304" pitchFamily="18" charset="0"/>
+                <a:cs typeface="Times New Roman" panose="02020603050405020304" pitchFamily="18" charset="0"/>
+              </a:rPr>
+              <a:t>Languages</a:t>
+            </a:r>
+          </a:p>
+          <a:p>
+            <a:pPr lvl="1"/>
+            <a:r>
+              <a:rPr lang="en-US" sz="2400" dirty="0">
+                <a:latin typeface="Times New Roman" panose="02020603050405020304" pitchFamily="18" charset="0"/>
+                <a:cs typeface="Times New Roman" panose="02020603050405020304" pitchFamily="18" charset="0"/>
+              </a:rPr>
+              <a:t>Java Script</a:t>
+            </a:r>
+          </a:p>
+          <a:p>
+            <a:pPr lvl="1"/>
+            <a:r>
+              <a:rPr lang="en-US" sz="2400" dirty="0">
+                <a:latin typeface="Times New Roman" panose="02020603050405020304" pitchFamily="18" charset="0"/>
+                <a:cs typeface="Times New Roman" panose="02020603050405020304" pitchFamily="18" charset="0"/>
+              </a:rPr>
+              <a:t>Swift 3.0</a:t>
+            </a:r>
+          </a:p>
+          <a:p>
+            <a:pPr lvl="1"/>
+            <a:r>
+              <a:rPr lang="en-US" sz="2400" dirty="0">
+                <a:latin typeface="Times New Roman" panose="02020603050405020304" pitchFamily="18" charset="0"/>
+                <a:cs typeface="Times New Roman" panose="02020603050405020304" pitchFamily="18" charset="0"/>
+              </a:rPr>
+              <a:t>Html, </a:t>
+            </a:r>
+            <a:r>
+              <a:rPr lang="en-US" sz="2400" dirty="0" err="1">
+                <a:latin typeface="Times New Roman" panose="02020603050405020304" pitchFamily="18" charset="0"/>
+                <a:cs typeface="Times New Roman" panose="02020603050405020304" pitchFamily="18" charset="0"/>
+              </a:rPr>
+              <a:t>css</a:t>
+            </a:r>
+            <a:endParaRPr lang="en-US" sz="2400" dirty="0">
+              <a:latin typeface="Times New Roman" panose="02020603050405020304" pitchFamily="18" charset="0"/>
+              <a:cs typeface="Times New Roman" panose="02020603050405020304" pitchFamily="18" charset="0"/>
+            </a:endParaRPr>
+          </a:p>
+          <a:p>
+            <a:r>
+              <a:rPr lang="en-US" sz="2400" dirty="0">
+                <a:latin typeface="Times New Roman" panose="02020603050405020304" pitchFamily="18" charset="0"/>
+                <a:cs typeface="Times New Roman" panose="02020603050405020304" pitchFamily="18" charset="0"/>
+              </a:rPr>
+              <a:t>Frame work</a:t>
+            </a:r>
+          </a:p>
+          <a:p>
+            <a:pPr lvl="1"/>
+            <a:r>
+              <a:rPr lang="en-US" sz="2400" dirty="0">
+                <a:latin typeface="Times New Roman" panose="02020603050405020304" pitchFamily="18" charset="0"/>
+                <a:cs typeface="Times New Roman" panose="02020603050405020304" pitchFamily="18" charset="0"/>
+              </a:rPr>
+              <a:t>express</a:t>
+            </a:r>
+          </a:p>
+          <a:p>
+            <a:endParaRPr lang="en-US" sz="2400" dirty="0"/>
+          </a:p>
+        </p:txBody>
+      </p:sp>
+      <p:sp>
+        <p:nvSpPr>
+          <p:cNvPr id="6" name="Content Placeholder 5"/>
+          <p:cNvSpPr>
+            <a:spLocks noGrp="1"/>
+          </p:cNvSpPr>
+          <p:nvPr>
+            <p:ph sz="quarter" idx="14"/>
+          </p:nvPr>
+        </p:nvSpPr>
+        <p:spPr>
+          <a:xfrm>
+            <a:off x="5991795" y="1843940"/>
+            <a:ext cx="5088713" cy="2512852"/>
+          </a:xfrm>
+        </p:spPr>
+        <p:txBody>
+          <a:bodyPr>
+            <a:noAutofit/>
+          </a:bodyPr>
+          <a:lstStyle/>
+          <a:p>
+            <a:r>
+              <a:rPr lang="en-US" sz="2400" dirty="0">
+                <a:latin typeface="Times New Roman" panose="02020603050405020304" pitchFamily="18" charset="0"/>
+                <a:cs typeface="Times New Roman" panose="02020603050405020304" pitchFamily="18" charset="0"/>
+              </a:rPr>
+              <a:t>server</a:t>
+            </a:r>
+          </a:p>
+          <a:p>
+            <a:pPr lvl="1"/>
+            <a:r>
+              <a:rPr lang="en-US" sz="2400" dirty="0">
+                <a:latin typeface="Times New Roman" panose="02020603050405020304" pitchFamily="18" charset="0"/>
+                <a:cs typeface="Times New Roman" panose="02020603050405020304" pitchFamily="18" charset="0"/>
+              </a:rPr>
+              <a:t>Node.js</a:t>
+            </a:r>
+          </a:p>
+          <a:p>
+            <a:r>
+              <a:rPr lang="en-US" sz="2400" dirty="0">
+                <a:latin typeface="Times New Roman" panose="02020603050405020304" pitchFamily="18" charset="0"/>
+                <a:cs typeface="Times New Roman" panose="02020603050405020304" pitchFamily="18" charset="0"/>
+              </a:rPr>
+              <a:t>Database </a:t>
+            </a:r>
+          </a:p>
+          <a:p>
+            <a:pPr lvl="1"/>
+            <a:r>
+              <a:rPr lang="en-US" sz="2400" dirty="0">
+                <a:latin typeface="Times New Roman" panose="02020603050405020304" pitchFamily="18" charset="0"/>
+                <a:cs typeface="Times New Roman" panose="02020603050405020304" pitchFamily="18" charset="0"/>
+              </a:rPr>
+              <a:t>Parse SDK</a:t>
+            </a:r>
+          </a:p>
+          <a:p>
+            <a:r>
+              <a:rPr lang="en-US" sz="2400" dirty="0">
+                <a:latin typeface="Times New Roman" panose="02020603050405020304" pitchFamily="18" charset="0"/>
+                <a:cs typeface="Times New Roman" panose="02020603050405020304" pitchFamily="18" charset="0"/>
+              </a:rPr>
+              <a:t>Repository</a:t>
+            </a:r>
+          </a:p>
+          <a:p>
+            <a:pPr lvl="1"/>
+            <a:r>
+              <a:rPr lang="en-US" sz="2400" dirty="0" err="1">
+                <a:latin typeface="Times New Roman" panose="02020603050405020304" pitchFamily="18" charset="0"/>
+                <a:cs typeface="Times New Roman" panose="02020603050405020304" pitchFamily="18" charset="0"/>
+              </a:rPr>
+              <a:t>github</a:t>
+            </a:r>
+            <a:endParaRPr lang="en-US" sz="2400" dirty="0">
+              <a:latin typeface="Times New Roman" panose="02020603050405020304" pitchFamily="18" charset="0"/>
+              <a:cs typeface="Times New Roman" panose="02020603050405020304" pitchFamily="18" charset="0"/>
+            </a:endParaRPr>
+          </a:p>
+        </p:txBody>
+      </p:sp>
+    </p:spTree>
+    <p:extLst>
+      <p:ext uri="{BB962C8B-B14F-4D97-AF65-F5344CB8AC3E}">
+        <p14:creationId xmlns:p14="http://schemas.microsoft.com/office/powerpoint/2010/main" val="1819547468"/>
+      </p:ext>
+    </p:extLst>
+  </p:cSld>
+  <p:clrMapOvr>
+    <a:masterClrMapping/>
+  </p:clrMapOvr>
+  <mc:AlternateContent xmlns:mc="http://schemas.openxmlformats.org/markup-compatibility/2006">
+    <mc:Choice xmlns:p15="http://schemas.microsoft.com/office/powerpoint/2012/main" Requires="p15">
+      <p:transition xmlns:p14="http://schemas.microsoft.com/office/powerpoint/2010/main" spd="slow" p14:dur="2000">
+        <p15:prstTrans prst="crush"/>
+      </p:transition>
+    </mc:Choice>
+    <mc:Fallback>
+      <p:transition spd="slow">
+        <p:fade/>
+      </p:transition>
+    </mc:Fallback>
+  </mc:AlternateContent>
+  <p:timing>
+    <p:tnLst>
+      <p:par>
+        <p:cTn id="1" dur="indefinite" restart="never" nodeType="tmRoot"/>
+      </p:par>
+    </p:tnLst>
+  </p:timing>
+</p:sld>
+</file>
+
+<file path=ppt/slides/slide8.xml><?xml version="1.0" encoding="utf-8"?>
 <p:sld xmlns:a="http://schemas.openxmlformats.org/drawingml/2006/main" xmlns:r="http://schemas.openxmlformats.org/officeDocument/2006/relationships" xmlns:p="http://schemas.openxmlformats.org/presentationml/2006/main">
   <p:cSld>
     <p:spTree>
@@ -23275,6 +25188,18 @@
   <p:clrMapOvr>
     <a:masterClrMapping/>
   </p:clrMapOvr>
+  <mc:AlternateContent xmlns:mc="http://schemas.openxmlformats.org/markup-compatibility/2006">
+    <mc:Choice xmlns:p15="http://schemas.microsoft.com/office/powerpoint/2012/main" Requires="p15">
+      <p:transition xmlns:p14="http://schemas.microsoft.com/office/powerpoint/2010/main" spd="slow" p14:dur="2000">
+        <p15:prstTrans prst="crush"/>
+      </p:transition>
+    </mc:Choice>
+    <mc:Fallback>
+      <p:transition spd="slow">
+        <p:fade/>
+      </p:transition>
+    </mc:Fallback>
+  </mc:AlternateContent>
   <p:timing>
     <p:tnLst>
       <p:par>
@@ -23408,241 +25333,6 @@
 </p:sld>
 </file>
 
-<file path=ppt/slides/slide8.xml><?xml version="1.0" encoding="utf-8"?>
-<p:sld xmlns:a="http://schemas.openxmlformats.org/drawingml/2006/main" xmlns:r="http://schemas.openxmlformats.org/officeDocument/2006/relationships" xmlns:p="http://schemas.openxmlformats.org/presentationml/2006/main">
-  <p:cSld>
-    <p:spTree>
-      <p:nvGrpSpPr>
-        <p:cNvPr id="1" name=""/>
-        <p:cNvGrpSpPr/>
-        <p:nvPr/>
-      </p:nvGrpSpPr>
-      <p:grpSpPr>
-        <a:xfrm>
-          <a:off x="0" y="0"/>
-          <a:ext cx="0" cy="0"/>
-          <a:chOff x="0" y="0"/>
-          <a:chExt cx="0" cy="0"/>
-        </a:xfrm>
-      </p:grpSpPr>
-      <p:sp>
-        <p:nvSpPr>
-          <p:cNvPr id="2" name="Title 1"/>
-          <p:cNvSpPr>
-            <a:spLocks noGrp="1"/>
-          </p:cNvSpPr>
-          <p:nvPr>
-            <p:ph type="title"/>
-          </p:nvPr>
-        </p:nvSpPr>
-        <p:spPr/>
-        <p:txBody>
-          <a:bodyPr/>
-          <a:lstStyle/>
-          <a:p>
-            <a:r>
-              <a:rPr lang="en-US" dirty="0">
-                <a:solidFill>
-                  <a:schemeClr val="tx1"/>
-                </a:solidFill>
-              </a:rPr>
-              <a:t>Technologies used</a:t>
-            </a:r>
-          </a:p>
-        </p:txBody>
-      </p:sp>
-      <p:sp>
-        <p:nvSpPr>
-          <p:cNvPr id="4" name="Content Placeholder 3"/>
-          <p:cNvSpPr>
-            <a:spLocks noGrp="1"/>
-          </p:cNvSpPr>
-          <p:nvPr>
-            <p:ph sz="quarter" idx="13"/>
-          </p:nvPr>
-        </p:nvSpPr>
-        <p:spPr>
-          <a:xfrm>
-            <a:off x="685801" y="1844907"/>
-            <a:ext cx="5088712" cy="2512852"/>
-          </a:xfrm>
-        </p:spPr>
-        <p:txBody>
-          <a:bodyPr>
-            <a:noAutofit/>
-          </a:bodyPr>
-          <a:lstStyle/>
-          <a:p>
-            <a:r>
-              <a:rPr lang="en-US" sz="2400" dirty="0">
-                <a:latin typeface="Times New Roman" panose="02020603050405020304" pitchFamily="18" charset="0"/>
-                <a:cs typeface="Times New Roman" panose="02020603050405020304" pitchFamily="18" charset="0"/>
-              </a:rPr>
-              <a:t>Languages</a:t>
-            </a:r>
-          </a:p>
-          <a:p>
-            <a:pPr lvl="1"/>
-            <a:r>
-              <a:rPr lang="en-US" sz="2400" dirty="0">
-                <a:latin typeface="Times New Roman" panose="02020603050405020304" pitchFamily="18" charset="0"/>
-                <a:cs typeface="Times New Roman" panose="02020603050405020304" pitchFamily="18" charset="0"/>
-              </a:rPr>
-              <a:t>Java Script</a:t>
-            </a:r>
-          </a:p>
-          <a:p>
-            <a:pPr lvl="1"/>
-            <a:r>
-              <a:rPr lang="en-US" sz="2400" dirty="0">
-                <a:latin typeface="Times New Roman" panose="02020603050405020304" pitchFamily="18" charset="0"/>
-                <a:cs typeface="Times New Roman" panose="02020603050405020304" pitchFamily="18" charset="0"/>
-              </a:rPr>
-              <a:t>Swift 3.0</a:t>
-            </a:r>
-          </a:p>
-          <a:p>
-            <a:pPr lvl="1"/>
-            <a:r>
-              <a:rPr lang="en-US" sz="2400" dirty="0">
-                <a:latin typeface="Times New Roman" panose="02020603050405020304" pitchFamily="18" charset="0"/>
-                <a:cs typeface="Times New Roman" panose="02020603050405020304" pitchFamily="18" charset="0"/>
-              </a:rPr>
-              <a:t>Html, </a:t>
-            </a:r>
-            <a:r>
-              <a:rPr lang="en-US" sz="2400" dirty="0" err="1">
-                <a:latin typeface="Times New Roman" panose="02020603050405020304" pitchFamily="18" charset="0"/>
-                <a:cs typeface="Times New Roman" panose="02020603050405020304" pitchFamily="18" charset="0"/>
-              </a:rPr>
-              <a:t>css</a:t>
-            </a:r>
-            <a:endParaRPr lang="en-US" sz="2400" dirty="0">
-              <a:latin typeface="Times New Roman" panose="02020603050405020304" pitchFamily="18" charset="0"/>
-              <a:cs typeface="Times New Roman" panose="02020603050405020304" pitchFamily="18" charset="0"/>
-            </a:endParaRPr>
-          </a:p>
-          <a:p>
-            <a:r>
-              <a:rPr lang="en-US" sz="2400" dirty="0">
-                <a:latin typeface="Times New Roman" panose="02020603050405020304" pitchFamily="18" charset="0"/>
-                <a:cs typeface="Times New Roman" panose="02020603050405020304" pitchFamily="18" charset="0"/>
-              </a:rPr>
-              <a:t>Frame work</a:t>
-            </a:r>
-          </a:p>
-          <a:p>
-            <a:pPr lvl="1"/>
-            <a:r>
-              <a:rPr lang="en-US" sz="2400" dirty="0">
-                <a:latin typeface="Times New Roman" panose="02020603050405020304" pitchFamily="18" charset="0"/>
-                <a:cs typeface="Times New Roman" panose="02020603050405020304" pitchFamily="18" charset="0"/>
-              </a:rPr>
-              <a:t>express</a:t>
-            </a:r>
-          </a:p>
-          <a:p>
-            <a:endParaRPr lang="en-US" sz="2400" dirty="0"/>
-          </a:p>
-        </p:txBody>
-      </p:sp>
-      <p:sp>
-        <p:nvSpPr>
-          <p:cNvPr id="6" name="Content Placeholder 5"/>
-          <p:cNvSpPr>
-            <a:spLocks noGrp="1"/>
-          </p:cNvSpPr>
-          <p:nvPr>
-            <p:ph sz="quarter" idx="14"/>
-          </p:nvPr>
-        </p:nvSpPr>
-        <p:spPr>
-          <a:xfrm>
-            <a:off x="5991795" y="1843940"/>
-            <a:ext cx="5088713" cy="2512852"/>
-          </a:xfrm>
-        </p:spPr>
-        <p:txBody>
-          <a:bodyPr>
-            <a:noAutofit/>
-          </a:bodyPr>
-          <a:lstStyle/>
-          <a:p>
-            <a:r>
-              <a:rPr lang="en-US" sz="2400" dirty="0">
-                <a:latin typeface="Times New Roman" panose="02020603050405020304" pitchFamily="18" charset="0"/>
-                <a:cs typeface="Times New Roman" panose="02020603050405020304" pitchFamily="18" charset="0"/>
-              </a:rPr>
-              <a:t>server</a:t>
-            </a:r>
-          </a:p>
-          <a:p>
-            <a:pPr lvl="1"/>
-            <a:r>
-              <a:rPr lang="en-US" sz="2400" dirty="0">
-                <a:latin typeface="Times New Roman" panose="02020603050405020304" pitchFamily="18" charset="0"/>
-                <a:cs typeface="Times New Roman" panose="02020603050405020304" pitchFamily="18" charset="0"/>
-              </a:rPr>
-              <a:t>Node.js</a:t>
-            </a:r>
-          </a:p>
-          <a:p>
-            <a:r>
-              <a:rPr lang="en-US" sz="2400" dirty="0">
-                <a:latin typeface="Times New Roman" panose="02020603050405020304" pitchFamily="18" charset="0"/>
-                <a:cs typeface="Times New Roman" panose="02020603050405020304" pitchFamily="18" charset="0"/>
-              </a:rPr>
-              <a:t>Database </a:t>
-            </a:r>
-          </a:p>
-          <a:p>
-            <a:pPr lvl="1"/>
-            <a:r>
-              <a:rPr lang="en-US" sz="2400" dirty="0">
-                <a:latin typeface="Times New Roman" panose="02020603050405020304" pitchFamily="18" charset="0"/>
-                <a:cs typeface="Times New Roman" panose="02020603050405020304" pitchFamily="18" charset="0"/>
-              </a:rPr>
-              <a:t>Parse SDK</a:t>
-            </a:r>
-          </a:p>
-          <a:p>
-            <a:r>
-              <a:rPr lang="en-US" sz="2400" dirty="0">
-                <a:latin typeface="Times New Roman" panose="02020603050405020304" pitchFamily="18" charset="0"/>
-                <a:cs typeface="Times New Roman" panose="02020603050405020304" pitchFamily="18" charset="0"/>
-              </a:rPr>
-              <a:t>Repository</a:t>
-            </a:r>
-          </a:p>
-          <a:p>
-            <a:pPr lvl="1"/>
-            <a:r>
-              <a:rPr lang="en-US" sz="2400" dirty="0" err="1">
-                <a:latin typeface="Times New Roman" panose="02020603050405020304" pitchFamily="18" charset="0"/>
-                <a:cs typeface="Times New Roman" panose="02020603050405020304" pitchFamily="18" charset="0"/>
-              </a:rPr>
-              <a:t>github</a:t>
-            </a:r>
-            <a:endParaRPr lang="en-US" sz="2400" dirty="0">
-              <a:latin typeface="Times New Roman" panose="02020603050405020304" pitchFamily="18" charset="0"/>
-              <a:cs typeface="Times New Roman" panose="02020603050405020304" pitchFamily="18" charset="0"/>
-            </a:endParaRPr>
-          </a:p>
-        </p:txBody>
-      </p:sp>
-    </p:spTree>
-    <p:extLst>
-      <p:ext uri="{BB962C8B-B14F-4D97-AF65-F5344CB8AC3E}">
-        <p14:creationId xmlns:p14="http://schemas.microsoft.com/office/powerpoint/2010/main" val="1819547468"/>
-      </p:ext>
-    </p:extLst>
-  </p:cSld>
-  <p:clrMapOvr>
-    <a:masterClrMapping/>
-  </p:clrMapOvr>
-</p:sld>
-</file>
-
 <file path=ppt/slides/slide9.xml><?xml version="1.0" encoding="utf-8"?>
 <p:sld xmlns:a="http://schemas.openxmlformats.org/drawingml/2006/main" xmlns:r="http://schemas.openxmlformats.org/officeDocument/2006/relationships" xmlns:p="http://schemas.openxmlformats.org/presentationml/2006/main">
   <p:cSld>
@@ -23819,18 +25509,25 @@
   <p:clrMapOvr>
     <a:masterClrMapping/>
   </p:clrMapOvr>
-  <mc:AlternateContent xmlns:mc="http://schemas.openxmlformats.org/markup-compatibility/2006" xmlns:p14="http://schemas.microsoft.com/office/powerpoint/2010/main">
-    <mc:Choice Requires="p14">
-      <p:transition spd="med" p14:dur="700">
-        <p:fade/>
+  <mc:AlternateContent xmlns:mc="http://schemas.openxmlformats.org/markup-compatibility/2006">
+    <mc:Choice xmlns:p15="http://schemas.microsoft.com/office/powerpoint/2012/main" Requires="p15">
+      <p:transition xmlns:p14="http://schemas.microsoft.com/office/powerpoint/2010/main" spd="slow" p14:dur="2000">
+        <p15:prstTrans prst="crush"/>
       </p:transition>
     </mc:Choice>
-    <mc:Fallback xmlns="">
-      <p:transition spd="med">
+    <mc:Fallback>
+      <p:transition spd="slow">
         <p:fade/>
       </p:transition>
     </mc:Fallback>
   </mc:AlternateContent>
+  <p:timing>
+    <p:tnLst>
+      <p:par>
+        <p:cTn id="1" dur="indefinite" restart="never" nodeType="tmRoot"/>
+      </p:par>
+    </p:tnLst>
+  </p:timing>
 </p:sld>
 </file>
 

--- a/final ppt.pptx
+++ b/final ppt.pptx
@@ -9,8 +9,8 @@
     <p:sldId id="258" r:id="rId3"/>
     <p:sldId id="259" r:id="rId4"/>
     <p:sldId id="273" r:id="rId5"/>
-    <p:sldId id="261" r:id="rId6"/>
-    <p:sldId id="269" r:id="rId7"/>
+    <p:sldId id="280" r:id="rId6"/>
+    <p:sldId id="281" r:id="rId7"/>
     <p:sldId id="276" r:id="rId8"/>
     <p:sldId id="265" r:id="rId9"/>
     <p:sldId id="262" r:id="rId10"/>
@@ -2375,7 +2375,3295 @@
 </dgm:colorsDef>
 </file>
 
+<file path=ppt/diagrams/colors4.xml><?xml version="1.0" encoding="utf-8"?>
+<dgm:colorsDef xmlns:dgm="http://schemas.openxmlformats.org/drawingml/2006/diagram" xmlns:a="http://schemas.openxmlformats.org/drawingml/2006/main" uniqueId="urn:microsoft.com/office/officeart/2005/8/colors/accent1_2">
+  <dgm:title val=""/>
+  <dgm:desc val=""/>
+  <dgm:catLst>
+    <dgm:cat type="accent1" pri="11200"/>
+  </dgm:catLst>
+  <dgm:styleLbl name="node0">
+    <dgm:fillClrLst meth="repeat">
+      <a:schemeClr val="accent1"/>
+    </dgm:fillClrLst>
+    <dgm:linClrLst meth="repeat">
+      <a:schemeClr val="lt1"/>
+    </dgm:linClrLst>
+    <dgm:effectClrLst/>
+    <dgm:txLinClrLst/>
+    <dgm:txFillClrLst/>
+    <dgm:txEffectClrLst/>
+  </dgm:styleLbl>
+  <dgm:styleLbl name="alignNode1">
+    <dgm:fillClrLst meth="repeat">
+      <a:schemeClr val="accent1"/>
+    </dgm:fillClrLst>
+    <dgm:linClrLst meth="repeat">
+      <a:schemeClr val="accent1"/>
+    </dgm:linClrLst>
+    <dgm:effectClrLst/>
+    <dgm:txLinClrLst/>
+    <dgm:txFillClrLst/>
+    <dgm:txEffectClrLst/>
+  </dgm:styleLbl>
+  <dgm:styleLbl name="node1">
+    <dgm:fillClrLst meth="repeat">
+      <a:schemeClr val="accent1"/>
+    </dgm:fillClrLst>
+    <dgm:linClrLst meth="repeat">
+      <a:schemeClr val="lt1"/>
+    </dgm:linClrLst>
+    <dgm:effectClrLst/>
+    <dgm:txLinClrLst/>
+    <dgm:txFillClrLst/>
+    <dgm:txEffectClrLst/>
+  </dgm:styleLbl>
+  <dgm:styleLbl name="lnNode1">
+    <dgm:fillClrLst meth="repeat">
+      <a:schemeClr val="accent1"/>
+    </dgm:fillClrLst>
+    <dgm:linClrLst meth="repeat">
+      <a:schemeClr val="lt1"/>
+    </dgm:linClrLst>
+    <dgm:effectClrLst/>
+    <dgm:txLinClrLst/>
+    <dgm:txFillClrLst/>
+    <dgm:txEffectClrLst/>
+  </dgm:styleLbl>
+  <dgm:styleLbl name="vennNode1">
+    <dgm:fillClrLst meth="repeat">
+      <a:schemeClr val="accent1">
+        <a:alpha val="50000"/>
+      </a:schemeClr>
+    </dgm:fillClrLst>
+    <dgm:linClrLst meth="repeat">
+      <a:schemeClr val="lt1"/>
+    </dgm:linClrLst>
+    <dgm:effectClrLst/>
+    <dgm:txLinClrLst/>
+    <dgm:txFillClrLst/>
+    <dgm:txEffectClrLst/>
+  </dgm:styleLbl>
+  <dgm:styleLbl name="node2">
+    <dgm:fillClrLst meth="repeat">
+      <a:schemeClr val="accent1"/>
+    </dgm:fillClrLst>
+    <dgm:linClrLst meth="repeat">
+      <a:schemeClr val="lt1"/>
+    </dgm:linClrLst>
+    <dgm:effectClrLst/>
+    <dgm:txLinClrLst/>
+    <dgm:txFillClrLst/>
+    <dgm:txEffectClrLst/>
+  </dgm:styleLbl>
+  <dgm:styleLbl name="node3">
+    <dgm:fillClrLst meth="repeat">
+      <a:schemeClr val="accent1"/>
+    </dgm:fillClrLst>
+    <dgm:linClrLst meth="repeat">
+      <a:schemeClr val="lt1"/>
+    </dgm:linClrLst>
+    <dgm:effectClrLst/>
+    <dgm:txLinClrLst/>
+    <dgm:txFillClrLst/>
+    <dgm:txEffectClrLst/>
+  </dgm:styleLbl>
+  <dgm:styleLbl name="node4">
+    <dgm:fillClrLst meth="repeat">
+      <a:schemeClr val="accent1"/>
+    </dgm:fillClrLst>
+    <dgm:linClrLst meth="repeat">
+      <a:schemeClr val="lt1"/>
+    </dgm:linClrLst>
+    <dgm:effectClrLst/>
+    <dgm:txLinClrLst/>
+    <dgm:txFillClrLst/>
+    <dgm:txEffectClrLst/>
+  </dgm:styleLbl>
+  <dgm:styleLbl name="fgImgPlace1">
+    <dgm:fillClrLst meth="repeat">
+      <a:schemeClr val="accent1">
+        <a:tint val="50000"/>
+      </a:schemeClr>
+    </dgm:fillClrLst>
+    <dgm:linClrLst meth="repeat">
+      <a:schemeClr val="lt1"/>
+    </dgm:linClrLst>
+    <dgm:effectClrLst/>
+    <dgm:txLinClrLst/>
+    <dgm:txFillClrLst meth="repeat">
+      <a:schemeClr val="lt1"/>
+    </dgm:txFillClrLst>
+    <dgm:txEffectClrLst/>
+  </dgm:styleLbl>
+  <dgm:styleLbl name="alignImgPlace1">
+    <dgm:fillClrLst meth="repeat">
+      <a:schemeClr val="accent1">
+        <a:tint val="50000"/>
+      </a:schemeClr>
+    </dgm:fillClrLst>
+    <dgm:linClrLst meth="repeat">
+      <a:schemeClr val="lt1"/>
+    </dgm:linClrLst>
+    <dgm:effectClrLst/>
+    <dgm:txLinClrLst/>
+    <dgm:txFillClrLst meth="repeat">
+      <a:schemeClr val="lt1"/>
+    </dgm:txFillClrLst>
+    <dgm:txEffectClrLst/>
+  </dgm:styleLbl>
+  <dgm:styleLbl name="bgImgPlace1">
+    <dgm:fillClrLst meth="repeat">
+      <a:schemeClr val="accent1">
+        <a:tint val="50000"/>
+      </a:schemeClr>
+    </dgm:fillClrLst>
+    <dgm:linClrLst meth="repeat">
+      <a:schemeClr val="lt1"/>
+    </dgm:linClrLst>
+    <dgm:effectClrLst/>
+    <dgm:txLinClrLst/>
+    <dgm:txFillClrLst meth="repeat">
+      <a:schemeClr val="lt1"/>
+    </dgm:txFillClrLst>
+    <dgm:txEffectClrLst/>
+  </dgm:styleLbl>
+  <dgm:styleLbl name="sibTrans2D1">
+    <dgm:fillClrLst meth="repeat">
+      <a:schemeClr val="accent1">
+        <a:tint val="60000"/>
+      </a:schemeClr>
+    </dgm:fillClrLst>
+    <dgm:linClrLst meth="repeat">
+      <a:schemeClr val="accent1">
+        <a:tint val="60000"/>
+      </a:schemeClr>
+    </dgm:linClrLst>
+    <dgm:effectClrLst/>
+    <dgm:txLinClrLst/>
+    <dgm:txFillClrLst/>
+    <dgm:txEffectClrLst/>
+  </dgm:styleLbl>
+  <dgm:styleLbl name="fgSibTrans2D1">
+    <dgm:fillClrLst meth="repeat">
+      <a:schemeClr val="accent1">
+        <a:tint val="60000"/>
+      </a:schemeClr>
+    </dgm:fillClrLst>
+    <dgm:linClrLst meth="repeat">
+      <a:schemeClr val="accent1">
+        <a:tint val="60000"/>
+      </a:schemeClr>
+    </dgm:linClrLst>
+    <dgm:effectClrLst/>
+    <dgm:txLinClrLst/>
+    <dgm:txFillClrLst/>
+    <dgm:txEffectClrLst/>
+  </dgm:styleLbl>
+  <dgm:styleLbl name="bgSibTrans2D1">
+    <dgm:fillClrLst meth="repeat">
+      <a:schemeClr val="accent1">
+        <a:tint val="60000"/>
+      </a:schemeClr>
+    </dgm:fillClrLst>
+    <dgm:linClrLst meth="repeat">
+      <a:schemeClr val="accent1">
+        <a:tint val="60000"/>
+      </a:schemeClr>
+    </dgm:linClrLst>
+    <dgm:effectClrLst/>
+    <dgm:txLinClrLst/>
+    <dgm:txFillClrLst/>
+    <dgm:txEffectClrLst/>
+  </dgm:styleLbl>
+  <dgm:styleLbl name="sibTrans1D1">
+    <dgm:fillClrLst meth="repeat">
+      <a:schemeClr val="accent1"/>
+    </dgm:fillClrLst>
+    <dgm:linClrLst meth="repeat">
+      <a:schemeClr val="accent1"/>
+    </dgm:linClrLst>
+    <dgm:effectClrLst/>
+    <dgm:txLinClrLst/>
+    <dgm:txFillClrLst meth="repeat">
+      <a:schemeClr val="tx1"/>
+    </dgm:txFillClrLst>
+    <dgm:txEffectClrLst/>
+  </dgm:styleLbl>
+  <dgm:styleLbl name="callout">
+    <dgm:fillClrLst meth="repeat">
+      <a:schemeClr val="accent1"/>
+    </dgm:fillClrLst>
+    <dgm:linClrLst meth="repeat">
+      <a:schemeClr val="accent1">
+        <a:tint val="50000"/>
+      </a:schemeClr>
+    </dgm:linClrLst>
+    <dgm:effectClrLst/>
+    <dgm:txLinClrLst/>
+    <dgm:txFillClrLst meth="repeat">
+      <a:schemeClr val="tx1"/>
+    </dgm:txFillClrLst>
+    <dgm:txEffectClrLst/>
+  </dgm:styleLbl>
+  <dgm:styleLbl name="asst0">
+    <dgm:fillClrLst meth="repeat">
+      <a:schemeClr val="accent1"/>
+    </dgm:fillClrLst>
+    <dgm:linClrLst meth="repeat">
+      <a:schemeClr val="lt1"/>
+    </dgm:linClrLst>
+    <dgm:effectClrLst/>
+    <dgm:txLinClrLst/>
+    <dgm:txFillClrLst/>
+    <dgm:txEffectClrLst/>
+  </dgm:styleLbl>
+  <dgm:styleLbl name="asst1">
+    <dgm:fillClrLst meth="repeat">
+      <a:schemeClr val="accent1"/>
+    </dgm:fillClrLst>
+    <dgm:linClrLst meth="repeat">
+      <a:schemeClr val="lt1"/>
+    </dgm:linClrLst>
+    <dgm:effectClrLst/>
+    <dgm:txLinClrLst/>
+    <dgm:txFillClrLst/>
+    <dgm:txEffectClrLst/>
+  </dgm:styleLbl>
+  <dgm:styleLbl name="asst2">
+    <dgm:fillClrLst meth="repeat">
+      <a:schemeClr val="accent1"/>
+    </dgm:fillClrLst>
+    <dgm:linClrLst meth="repeat">
+      <a:schemeClr val="lt1"/>
+    </dgm:linClrLst>
+    <dgm:effectClrLst/>
+    <dgm:txLinClrLst/>
+    <dgm:txFillClrLst/>
+    <dgm:txEffectClrLst/>
+  </dgm:styleLbl>
+  <dgm:styleLbl name="asst3">
+    <dgm:fillClrLst meth="repeat">
+      <a:schemeClr val="accent1"/>
+    </dgm:fillClrLst>
+    <dgm:linClrLst meth="repeat">
+      <a:schemeClr val="lt1"/>
+    </dgm:linClrLst>
+    <dgm:effectClrLst/>
+    <dgm:txLinClrLst/>
+    <dgm:txFillClrLst/>
+    <dgm:txEffectClrLst/>
+  </dgm:styleLbl>
+  <dgm:styleLbl name="asst4">
+    <dgm:fillClrLst meth="repeat">
+      <a:schemeClr val="accent1"/>
+    </dgm:fillClrLst>
+    <dgm:linClrLst meth="repeat">
+      <a:schemeClr val="lt1"/>
+    </dgm:linClrLst>
+    <dgm:effectClrLst/>
+    <dgm:txLinClrLst/>
+    <dgm:txFillClrLst/>
+    <dgm:txEffectClrLst/>
+  </dgm:styleLbl>
+  <dgm:styleLbl name="parChTrans2D1">
+    <dgm:fillClrLst meth="repeat">
+      <a:schemeClr val="accent1">
+        <a:tint val="60000"/>
+      </a:schemeClr>
+    </dgm:fillClrLst>
+    <dgm:linClrLst meth="repeat">
+      <a:schemeClr val="accent1">
+        <a:tint val="60000"/>
+      </a:schemeClr>
+    </dgm:linClrLst>
+    <dgm:effectClrLst/>
+    <dgm:txLinClrLst/>
+    <dgm:txFillClrLst meth="repeat">
+      <a:schemeClr val="lt1"/>
+    </dgm:txFillClrLst>
+    <dgm:txEffectClrLst/>
+  </dgm:styleLbl>
+  <dgm:styleLbl name="parChTrans2D2">
+    <dgm:fillClrLst meth="repeat">
+      <a:schemeClr val="accent1"/>
+    </dgm:fillClrLst>
+    <dgm:linClrLst meth="repeat">
+      <a:schemeClr val="accent1"/>
+    </dgm:linClrLst>
+    <dgm:effectClrLst/>
+    <dgm:txLinClrLst/>
+    <dgm:txFillClrLst meth="repeat">
+      <a:schemeClr val="lt1"/>
+    </dgm:txFillClrLst>
+    <dgm:txEffectClrLst/>
+  </dgm:styleLbl>
+  <dgm:styleLbl name="parChTrans2D3">
+    <dgm:fillClrLst meth="repeat">
+      <a:schemeClr val="accent1"/>
+    </dgm:fillClrLst>
+    <dgm:linClrLst meth="repeat">
+      <a:schemeClr val="accent1"/>
+    </dgm:linClrLst>
+    <dgm:effectClrLst/>
+    <dgm:txLinClrLst/>
+    <dgm:txFillClrLst meth="repeat">
+      <a:schemeClr val="lt1"/>
+    </dgm:txFillClrLst>
+    <dgm:txEffectClrLst/>
+  </dgm:styleLbl>
+  <dgm:styleLbl name="parChTrans2D4">
+    <dgm:fillClrLst meth="repeat">
+      <a:schemeClr val="accent1"/>
+    </dgm:fillClrLst>
+    <dgm:linClrLst meth="repeat">
+      <a:schemeClr val="accent1"/>
+    </dgm:linClrLst>
+    <dgm:effectClrLst/>
+    <dgm:txLinClrLst/>
+    <dgm:txFillClrLst meth="repeat">
+      <a:schemeClr val="lt1"/>
+    </dgm:txFillClrLst>
+    <dgm:txEffectClrLst/>
+  </dgm:styleLbl>
+  <dgm:styleLbl name="parChTrans1D1">
+    <dgm:fillClrLst meth="repeat">
+      <a:schemeClr val="accent1"/>
+    </dgm:fillClrLst>
+    <dgm:linClrLst meth="repeat">
+      <a:schemeClr val="accent1">
+        <a:shade val="60000"/>
+      </a:schemeClr>
+    </dgm:linClrLst>
+    <dgm:effectClrLst/>
+    <dgm:txLinClrLst/>
+    <dgm:txFillClrLst meth="repeat">
+      <a:schemeClr val="tx1"/>
+    </dgm:txFillClrLst>
+    <dgm:txEffectClrLst/>
+  </dgm:styleLbl>
+  <dgm:styleLbl name="parChTrans1D2">
+    <dgm:fillClrLst meth="repeat">
+      <a:schemeClr val="accent1"/>
+    </dgm:fillClrLst>
+    <dgm:linClrLst meth="repeat">
+      <a:schemeClr val="accent1">
+        <a:shade val="60000"/>
+      </a:schemeClr>
+    </dgm:linClrLst>
+    <dgm:effectClrLst/>
+    <dgm:txLinClrLst/>
+    <dgm:txFillClrLst meth="repeat">
+      <a:schemeClr val="tx1"/>
+    </dgm:txFillClrLst>
+    <dgm:txEffectClrLst/>
+  </dgm:styleLbl>
+  <dgm:styleLbl name="parChTrans1D3">
+    <dgm:fillClrLst meth="repeat">
+      <a:schemeClr val="accent1"/>
+    </dgm:fillClrLst>
+    <dgm:linClrLst meth="repeat">
+      <a:schemeClr val="accent1">
+        <a:shade val="80000"/>
+      </a:schemeClr>
+    </dgm:linClrLst>
+    <dgm:effectClrLst/>
+    <dgm:txLinClrLst/>
+    <dgm:txFillClrLst meth="repeat">
+      <a:schemeClr val="tx1"/>
+    </dgm:txFillClrLst>
+    <dgm:txEffectClrLst/>
+  </dgm:styleLbl>
+  <dgm:styleLbl name="parChTrans1D4">
+    <dgm:fillClrLst meth="repeat">
+      <a:schemeClr val="accent1"/>
+    </dgm:fillClrLst>
+    <dgm:linClrLst meth="repeat">
+      <a:schemeClr val="accent1">
+        <a:shade val="80000"/>
+      </a:schemeClr>
+    </dgm:linClrLst>
+    <dgm:effectClrLst/>
+    <dgm:txLinClrLst/>
+    <dgm:txFillClrLst meth="repeat">
+      <a:schemeClr val="tx1"/>
+    </dgm:txFillClrLst>
+    <dgm:txEffectClrLst/>
+  </dgm:styleLbl>
+  <dgm:styleLbl name="fgAcc1">
+    <dgm:fillClrLst meth="repeat">
+      <a:schemeClr val="lt1">
+        <a:alpha val="90000"/>
+      </a:schemeClr>
+    </dgm:fillClrLst>
+    <dgm:linClrLst meth="repeat">
+      <a:schemeClr val="accent1"/>
+    </dgm:linClrLst>
+    <dgm:effectClrLst/>
+    <dgm:txLinClrLst/>
+    <dgm:txFillClrLst meth="repeat">
+      <a:schemeClr val="dk1"/>
+    </dgm:txFillClrLst>
+    <dgm:txEffectClrLst/>
+  </dgm:styleLbl>
+  <dgm:styleLbl name="conFgAcc1">
+    <dgm:fillClrLst meth="repeat">
+      <a:schemeClr val="lt1">
+        <a:alpha val="90000"/>
+      </a:schemeClr>
+    </dgm:fillClrLst>
+    <dgm:linClrLst meth="repeat">
+      <a:schemeClr val="accent1"/>
+    </dgm:linClrLst>
+    <dgm:effectClrLst/>
+    <dgm:txLinClrLst/>
+    <dgm:txFillClrLst meth="repeat">
+      <a:schemeClr val="dk1"/>
+    </dgm:txFillClrLst>
+    <dgm:txEffectClrLst/>
+  </dgm:styleLbl>
+  <dgm:styleLbl name="alignAcc1">
+    <dgm:fillClrLst meth="repeat">
+      <a:schemeClr val="lt1">
+        <a:alpha val="90000"/>
+      </a:schemeClr>
+    </dgm:fillClrLst>
+    <dgm:linClrLst meth="repeat">
+      <a:schemeClr val="accent1"/>
+    </dgm:linClrLst>
+    <dgm:effectClrLst/>
+    <dgm:txLinClrLst/>
+    <dgm:txFillClrLst meth="repeat">
+      <a:schemeClr val="dk1"/>
+    </dgm:txFillClrLst>
+    <dgm:txEffectClrLst/>
+  </dgm:styleLbl>
+  <dgm:styleLbl name="trAlignAcc1">
+    <dgm:fillClrLst meth="repeat">
+      <a:schemeClr val="lt1">
+        <a:alpha val="40000"/>
+      </a:schemeClr>
+    </dgm:fillClrLst>
+    <dgm:linClrLst meth="repeat">
+      <a:schemeClr val="accent1"/>
+    </dgm:linClrLst>
+    <dgm:effectClrLst/>
+    <dgm:txLinClrLst/>
+    <dgm:txFillClrLst meth="repeat">
+      <a:schemeClr val="dk1"/>
+    </dgm:txFillClrLst>
+    <dgm:txEffectClrLst/>
+  </dgm:styleLbl>
+  <dgm:styleLbl name="bgAcc1">
+    <dgm:fillClrLst meth="repeat">
+      <a:schemeClr val="lt1">
+        <a:alpha val="90000"/>
+      </a:schemeClr>
+    </dgm:fillClrLst>
+    <dgm:linClrLst meth="repeat">
+      <a:schemeClr val="accent1"/>
+    </dgm:linClrLst>
+    <dgm:effectClrLst/>
+    <dgm:txLinClrLst/>
+    <dgm:txFillClrLst meth="repeat">
+      <a:schemeClr val="dk1"/>
+    </dgm:txFillClrLst>
+    <dgm:txEffectClrLst/>
+  </dgm:styleLbl>
+  <dgm:styleLbl name="solidFgAcc1">
+    <dgm:fillClrLst meth="repeat">
+      <a:schemeClr val="lt1"/>
+    </dgm:fillClrLst>
+    <dgm:linClrLst meth="repeat">
+      <a:schemeClr val="accent1"/>
+    </dgm:linClrLst>
+    <dgm:effectClrLst/>
+    <dgm:txLinClrLst/>
+    <dgm:txFillClrLst meth="repeat">
+      <a:schemeClr val="dk1"/>
+    </dgm:txFillClrLst>
+    <dgm:txEffectClrLst/>
+  </dgm:styleLbl>
+  <dgm:styleLbl name="solidAlignAcc1">
+    <dgm:fillClrLst meth="repeat">
+      <a:schemeClr val="lt1"/>
+    </dgm:fillClrLst>
+    <dgm:linClrLst meth="repeat">
+      <a:schemeClr val="accent1"/>
+    </dgm:linClrLst>
+    <dgm:effectClrLst/>
+    <dgm:txLinClrLst/>
+    <dgm:txFillClrLst meth="repeat">
+      <a:schemeClr val="dk1"/>
+    </dgm:txFillClrLst>
+    <dgm:txEffectClrLst/>
+  </dgm:styleLbl>
+  <dgm:styleLbl name="solidBgAcc1">
+    <dgm:fillClrLst meth="repeat">
+      <a:schemeClr val="lt1"/>
+    </dgm:fillClrLst>
+    <dgm:linClrLst meth="repeat">
+      <a:schemeClr val="accent1"/>
+    </dgm:linClrLst>
+    <dgm:effectClrLst/>
+    <dgm:txLinClrLst/>
+    <dgm:txFillClrLst meth="repeat">
+      <a:schemeClr val="dk1"/>
+    </dgm:txFillClrLst>
+    <dgm:txEffectClrLst/>
+  </dgm:styleLbl>
+  <dgm:styleLbl name="fgAccFollowNode1">
+    <dgm:fillClrLst meth="repeat">
+      <a:schemeClr val="accent1">
+        <a:alpha val="90000"/>
+        <a:tint val="40000"/>
+      </a:schemeClr>
+    </dgm:fillClrLst>
+    <dgm:linClrLst meth="repeat">
+      <a:schemeClr val="accent1">
+        <a:alpha val="90000"/>
+        <a:tint val="40000"/>
+      </a:schemeClr>
+    </dgm:linClrLst>
+    <dgm:effectClrLst/>
+    <dgm:txLinClrLst/>
+    <dgm:txFillClrLst meth="repeat">
+      <a:schemeClr val="dk1"/>
+    </dgm:txFillClrLst>
+    <dgm:txEffectClrLst/>
+  </dgm:styleLbl>
+  <dgm:styleLbl name="alignAccFollowNode1">
+    <dgm:fillClrLst meth="repeat">
+      <a:schemeClr val="accent1">
+        <a:alpha val="90000"/>
+        <a:tint val="40000"/>
+      </a:schemeClr>
+    </dgm:fillClrLst>
+    <dgm:linClrLst meth="repeat">
+      <a:schemeClr val="accent1">
+        <a:alpha val="90000"/>
+        <a:tint val="40000"/>
+      </a:schemeClr>
+    </dgm:linClrLst>
+    <dgm:effectClrLst/>
+    <dgm:txLinClrLst/>
+    <dgm:txFillClrLst meth="repeat">
+      <a:schemeClr val="dk1"/>
+    </dgm:txFillClrLst>
+    <dgm:txEffectClrLst/>
+  </dgm:styleLbl>
+  <dgm:styleLbl name="bgAccFollowNode1">
+    <dgm:fillClrLst meth="repeat">
+      <a:schemeClr val="accent1">
+        <a:alpha val="90000"/>
+        <a:tint val="40000"/>
+      </a:schemeClr>
+    </dgm:fillClrLst>
+    <dgm:linClrLst meth="repeat">
+      <a:schemeClr val="accent1">
+        <a:alpha val="90000"/>
+        <a:tint val="40000"/>
+      </a:schemeClr>
+    </dgm:linClrLst>
+    <dgm:effectClrLst/>
+    <dgm:txLinClrLst/>
+    <dgm:txFillClrLst meth="repeat">
+      <a:schemeClr val="dk1"/>
+    </dgm:txFillClrLst>
+    <dgm:txEffectClrLst/>
+  </dgm:styleLbl>
+  <dgm:styleLbl name="fgAcc0">
+    <dgm:fillClrLst meth="repeat">
+      <a:schemeClr val="lt1">
+        <a:alpha val="90000"/>
+      </a:schemeClr>
+    </dgm:fillClrLst>
+    <dgm:linClrLst meth="repeat">
+      <a:schemeClr val="accent1"/>
+    </dgm:linClrLst>
+    <dgm:effectClrLst/>
+    <dgm:txLinClrLst/>
+    <dgm:txFillClrLst meth="repeat">
+      <a:schemeClr val="dk1"/>
+    </dgm:txFillClrLst>
+    <dgm:txEffectClrLst/>
+  </dgm:styleLbl>
+  <dgm:styleLbl name="fgAcc2">
+    <dgm:fillClrLst meth="repeat">
+      <a:schemeClr val="lt1">
+        <a:alpha val="90000"/>
+      </a:schemeClr>
+    </dgm:fillClrLst>
+    <dgm:linClrLst meth="repeat">
+      <a:schemeClr val="accent1"/>
+    </dgm:linClrLst>
+    <dgm:effectClrLst/>
+    <dgm:txLinClrLst/>
+    <dgm:txFillClrLst meth="repeat">
+      <a:schemeClr val="dk1"/>
+    </dgm:txFillClrLst>
+    <dgm:txEffectClrLst/>
+  </dgm:styleLbl>
+  <dgm:styleLbl name="fgAcc3">
+    <dgm:fillClrLst meth="repeat">
+      <a:schemeClr val="lt1">
+        <a:alpha val="90000"/>
+      </a:schemeClr>
+    </dgm:fillClrLst>
+    <dgm:linClrLst meth="repeat">
+      <a:schemeClr val="accent1"/>
+    </dgm:linClrLst>
+    <dgm:effectClrLst/>
+    <dgm:txLinClrLst/>
+    <dgm:txFillClrLst meth="repeat">
+      <a:schemeClr val="dk1"/>
+    </dgm:txFillClrLst>
+    <dgm:txEffectClrLst/>
+  </dgm:styleLbl>
+  <dgm:styleLbl name="fgAcc4">
+    <dgm:fillClrLst meth="repeat">
+      <a:schemeClr val="lt1">
+        <a:alpha val="90000"/>
+      </a:schemeClr>
+    </dgm:fillClrLst>
+    <dgm:linClrLst meth="repeat">
+      <a:schemeClr val="accent1"/>
+    </dgm:linClrLst>
+    <dgm:effectClrLst/>
+    <dgm:txLinClrLst/>
+    <dgm:txFillClrLst meth="repeat">
+      <a:schemeClr val="dk1"/>
+    </dgm:txFillClrLst>
+    <dgm:txEffectClrLst/>
+  </dgm:styleLbl>
+  <dgm:styleLbl name="bgShp">
+    <dgm:fillClrLst meth="repeat">
+      <a:schemeClr val="accent1">
+        <a:tint val="40000"/>
+      </a:schemeClr>
+    </dgm:fillClrLst>
+    <dgm:linClrLst meth="repeat">
+      <a:schemeClr val="accent1"/>
+    </dgm:linClrLst>
+    <dgm:effectClrLst/>
+    <dgm:txLinClrLst/>
+    <dgm:txFillClrLst meth="repeat">
+      <a:schemeClr val="dk1"/>
+    </dgm:txFillClrLst>
+    <dgm:txEffectClrLst/>
+  </dgm:styleLbl>
+  <dgm:styleLbl name="dkBgShp">
+    <dgm:fillClrLst meth="repeat">
+      <a:schemeClr val="accent1">
+        <a:shade val="80000"/>
+      </a:schemeClr>
+    </dgm:fillClrLst>
+    <dgm:linClrLst meth="repeat">
+      <a:schemeClr val="accent1"/>
+    </dgm:linClrLst>
+    <dgm:effectClrLst/>
+    <dgm:txLinClrLst/>
+    <dgm:txFillClrLst meth="repeat">
+      <a:schemeClr val="lt1"/>
+    </dgm:txFillClrLst>
+    <dgm:txEffectClrLst/>
+  </dgm:styleLbl>
+  <dgm:styleLbl name="trBgShp">
+    <dgm:fillClrLst meth="repeat">
+      <a:schemeClr val="accent1">
+        <a:tint val="50000"/>
+        <a:alpha val="40000"/>
+      </a:schemeClr>
+    </dgm:fillClrLst>
+    <dgm:linClrLst meth="repeat">
+      <a:schemeClr val="accent1"/>
+    </dgm:linClrLst>
+    <dgm:effectClrLst/>
+    <dgm:txLinClrLst/>
+    <dgm:txFillClrLst meth="repeat">
+      <a:schemeClr val="lt1"/>
+    </dgm:txFillClrLst>
+    <dgm:txEffectClrLst/>
+  </dgm:styleLbl>
+  <dgm:styleLbl name="fgShp">
+    <dgm:fillClrLst meth="repeat">
+      <a:schemeClr val="accent1">
+        <a:tint val="60000"/>
+      </a:schemeClr>
+    </dgm:fillClrLst>
+    <dgm:linClrLst meth="repeat">
+      <a:schemeClr val="lt1"/>
+    </dgm:linClrLst>
+    <dgm:effectClrLst/>
+    <dgm:txLinClrLst/>
+    <dgm:txFillClrLst meth="repeat">
+      <a:schemeClr val="dk1"/>
+    </dgm:txFillClrLst>
+    <dgm:txEffectClrLst/>
+  </dgm:styleLbl>
+  <dgm:styleLbl name="revTx">
+    <dgm:fillClrLst meth="repeat">
+      <a:schemeClr val="lt1">
+        <a:alpha val="0"/>
+      </a:schemeClr>
+    </dgm:fillClrLst>
+    <dgm:linClrLst meth="repeat">
+      <a:schemeClr val="dk1">
+        <a:alpha val="0"/>
+      </a:schemeClr>
+    </dgm:linClrLst>
+    <dgm:effectClrLst/>
+    <dgm:txLinClrLst/>
+    <dgm:txFillClrLst meth="repeat">
+      <a:schemeClr val="tx1"/>
+    </dgm:txFillClrLst>
+    <dgm:txEffectClrLst/>
+  </dgm:styleLbl>
+</dgm:colorsDef>
+</file>
+
+<file path=ppt/diagrams/colors5.xml><?xml version="1.0" encoding="utf-8"?>
+<dgm:colorsDef xmlns:dgm="http://schemas.openxmlformats.org/drawingml/2006/diagram" xmlns:a="http://schemas.openxmlformats.org/drawingml/2006/main" uniqueId="urn:microsoft.com/office/officeart/2005/8/colors/accent1_2">
+  <dgm:title val=""/>
+  <dgm:desc val=""/>
+  <dgm:catLst>
+    <dgm:cat type="accent1" pri="11200"/>
+  </dgm:catLst>
+  <dgm:styleLbl name="node0">
+    <dgm:fillClrLst meth="repeat">
+      <a:schemeClr val="accent1"/>
+    </dgm:fillClrLst>
+    <dgm:linClrLst meth="repeat">
+      <a:schemeClr val="lt1"/>
+    </dgm:linClrLst>
+    <dgm:effectClrLst/>
+    <dgm:txLinClrLst/>
+    <dgm:txFillClrLst/>
+    <dgm:txEffectClrLst/>
+  </dgm:styleLbl>
+  <dgm:styleLbl name="alignNode1">
+    <dgm:fillClrLst meth="repeat">
+      <a:schemeClr val="accent1"/>
+    </dgm:fillClrLst>
+    <dgm:linClrLst meth="repeat">
+      <a:schemeClr val="accent1"/>
+    </dgm:linClrLst>
+    <dgm:effectClrLst/>
+    <dgm:txLinClrLst/>
+    <dgm:txFillClrLst/>
+    <dgm:txEffectClrLst/>
+  </dgm:styleLbl>
+  <dgm:styleLbl name="node1">
+    <dgm:fillClrLst meth="repeat">
+      <a:schemeClr val="accent1"/>
+    </dgm:fillClrLst>
+    <dgm:linClrLst meth="repeat">
+      <a:schemeClr val="lt1"/>
+    </dgm:linClrLst>
+    <dgm:effectClrLst/>
+    <dgm:txLinClrLst/>
+    <dgm:txFillClrLst/>
+    <dgm:txEffectClrLst/>
+  </dgm:styleLbl>
+  <dgm:styleLbl name="lnNode1">
+    <dgm:fillClrLst meth="repeat">
+      <a:schemeClr val="accent1"/>
+    </dgm:fillClrLst>
+    <dgm:linClrLst meth="repeat">
+      <a:schemeClr val="lt1"/>
+    </dgm:linClrLst>
+    <dgm:effectClrLst/>
+    <dgm:txLinClrLst/>
+    <dgm:txFillClrLst/>
+    <dgm:txEffectClrLst/>
+  </dgm:styleLbl>
+  <dgm:styleLbl name="vennNode1">
+    <dgm:fillClrLst meth="repeat">
+      <a:schemeClr val="accent1">
+        <a:alpha val="50000"/>
+      </a:schemeClr>
+    </dgm:fillClrLst>
+    <dgm:linClrLst meth="repeat">
+      <a:schemeClr val="lt1"/>
+    </dgm:linClrLst>
+    <dgm:effectClrLst/>
+    <dgm:txLinClrLst/>
+    <dgm:txFillClrLst/>
+    <dgm:txEffectClrLst/>
+  </dgm:styleLbl>
+  <dgm:styleLbl name="node2">
+    <dgm:fillClrLst meth="repeat">
+      <a:schemeClr val="accent1"/>
+    </dgm:fillClrLst>
+    <dgm:linClrLst meth="repeat">
+      <a:schemeClr val="lt1"/>
+    </dgm:linClrLst>
+    <dgm:effectClrLst/>
+    <dgm:txLinClrLst/>
+    <dgm:txFillClrLst/>
+    <dgm:txEffectClrLst/>
+  </dgm:styleLbl>
+  <dgm:styleLbl name="node3">
+    <dgm:fillClrLst meth="repeat">
+      <a:schemeClr val="accent1"/>
+    </dgm:fillClrLst>
+    <dgm:linClrLst meth="repeat">
+      <a:schemeClr val="lt1"/>
+    </dgm:linClrLst>
+    <dgm:effectClrLst/>
+    <dgm:txLinClrLst/>
+    <dgm:txFillClrLst/>
+    <dgm:txEffectClrLst/>
+  </dgm:styleLbl>
+  <dgm:styleLbl name="node4">
+    <dgm:fillClrLst meth="repeat">
+      <a:schemeClr val="accent1"/>
+    </dgm:fillClrLst>
+    <dgm:linClrLst meth="repeat">
+      <a:schemeClr val="lt1"/>
+    </dgm:linClrLst>
+    <dgm:effectClrLst/>
+    <dgm:txLinClrLst/>
+    <dgm:txFillClrLst/>
+    <dgm:txEffectClrLst/>
+  </dgm:styleLbl>
+  <dgm:styleLbl name="fgImgPlace1">
+    <dgm:fillClrLst meth="repeat">
+      <a:schemeClr val="accent1">
+        <a:tint val="50000"/>
+      </a:schemeClr>
+    </dgm:fillClrLst>
+    <dgm:linClrLst meth="repeat">
+      <a:schemeClr val="lt1"/>
+    </dgm:linClrLst>
+    <dgm:effectClrLst/>
+    <dgm:txLinClrLst/>
+    <dgm:txFillClrLst meth="repeat">
+      <a:schemeClr val="lt1"/>
+    </dgm:txFillClrLst>
+    <dgm:txEffectClrLst/>
+  </dgm:styleLbl>
+  <dgm:styleLbl name="alignImgPlace1">
+    <dgm:fillClrLst meth="repeat">
+      <a:schemeClr val="accent1">
+        <a:tint val="50000"/>
+      </a:schemeClr>
+    </dgm:fillClrLst>
+    <dgm:linClrLst meth="repeat">
+      <a:schemeClr val="lt1"/>
+    </dgm:linClrLst>
+    <dgm:effectClrLst/>
+    <dgm:txLinClrLst/>
+    <dgm:txFillClrLst meth="repeat">
+      <a:schemeClr val="lt1"/>
+    </dgm:txFillClrLst>
+    <dgm:txEffectClrLst/>
+  </dgm:styleLbl>
+  <dgm:styleLbl name="bgImgPlace1">
+    <dgm:fillClrLst meth="repeat">
+      <a:schemeClr val="accent1">
+        <a:tint val="50000"/>
+      </a:schemeClr>
+    </dgm:fillClrLst>
+    <dgm:linClrLst meth="repeat">
+      <a:schemeClr val="lt1"/>
+    </dgm:linClrLst>
+    <dgm:effectClrLst/>
+    <dgm:txLinClrLst/>
+    <dgm:txFillClrLst meth="repeat">
+      <a:schemeClr val="lt1"/>
+    </dgm:txFillClrLst>
+    <dgm:txEffectClrLst/>
+  </dgm:styleLbl>
+  <dgm:styleLbl name="sibTrans2D1">
+    <dgm:fillClrLst meth="repeat">
+      <a:schemeClr val="accent1">
+        <a:tint val="60000"/>
+      </a:schemeClr>
+    </dgm:fillClrLst>
+    <dgm:linClrLst meth="repeat">
+      <a:schemeClr val="accent1">
+        <a:tint val="60000"/>
+      </a:schemeClr>
+    </dgm:linClrLst>
+    <dgm:effectClrLst/>
+    <dgm:txLinClrLst/>
+    <dgm:txFillClrLst/>
+    <dgm:txEffectClrLst/>
+  </dgm:styleLbl>
+  <dgm:styleLbl name="fgSibTrans2D1">
+    <dgm:fillClrLst meth="repeat">
+      <a:schemeClr val="accent1">
+        <a:tint val="60000"/>
+      </a:schemeClr>
+    </dgm:fillClrLst>
+    <dgm:linClrLst meth="repeat">
+      <a:schemeClr val="accent1">
+        <a:tint val="60000"/>
+      </a:schemeClr>
+    </dgm:linClrLst>
+    <dgm:effectClrLst/>
+    <dgm:txLinClrLst/>
+    <dgm:txFillClrLst/>
+    <dgm:txEffectClrLst/>
+  </dgm:styleLbl>
+  <dgm:styleLbl name="bgSibTrans2D1">
+    <dgm:fillClrLst meth="repeat">
+      <a:schemeClr val="accent1">
+        <a:tint val="60000"/>
+      </a:schemeClr>
+    </dgm:fillClrLst>
+    <dgm:linClrLst meth="repeat">
+      <a:schemeClr val="accent1">
+        <a:tint val="60000"/>
+      </a:schemeClr>
+    </dgm:linClrLst>
+    <dgm:effectClrLst/>
+    <dgm:txLinClrLst/>
+    <dgm:txFillClrLst/>
+    <dgm:txEffectClrLst/>
+  </dgm:styleLbl>
+  <dgm:styleLbl name="sibTrans1D1">
+    <dgm:fillClrLst meth="repeat">
+      <a:schemeClr val="accent1"/>
+    </dgm:fillClrLst>
+    <dgm:linClrLst meth="repeat">
+      <a:schemeClr val="accent1"/>
+    </dgm:linClrLst>
+    <dgm:effectClrLst/>
+    <dgm:txLinClrLst/>
+    <dgm:txFillClrLst meth="repeat">
+      <a:schemeClr val="tx1"/>
+    </dgm:txFillClrLst>
+    <dgm:txEffectClrLst/>
+  </dgm:styleLbl>
+  <dgm:styleLbl name="callout">
+    <dgm:fillClrLst meth="repeat">
+      <a:schemeClr val="accent1"/>
+    </dgm:fillClrLst>
+    <dgm:linClrLst meth="repeat">
+      <a:schemeClr val="accent1">
+        <a:tint val="50000"/>
+      </a:schemeClr>
+    </dgm:linClrLst>
+    <dgm:effectClrLst/>
+    <dgm:txLinClrLst/>
+    <dgm:txFillClrLst meth="repeat">
+      <a:schemeClr val="tx1"/>
+    </dgm:txFillClrLst>
+    <dgm:txEffectClrLst/>
+  </dgm:styleLbl>
+  <dgm:styleLbl name="asst0">
+    <dgm:fillClrLst meth="repeat">
+      <a:schemeClr val="accent1"/>
+    </dgm:fillClrLst>
+    <dgm:linClrLst meth="repeat">
+      <a:schemeClr val="lt1"/>
+    </dgm:linClrLst>
+    <dgm:effectClrLst/>
+    <dgm:txLinClrLst/>
+    <dgm:txFillClrLst/>
+    <dgm:txEffectClrLst/>
+  </dgm:styleLbl>
+  <dgm:styleLbl name="asst1">
+    <dgm:fillClrLst meth="repeat">
+      <a:schemeClr val="accent1"/>
+    </dgm:fillClrLst>
+    <dgm:linClrLst meth="repeat">
+      <a:schemeClr val="lt1"/>
+    </dgm:linClrLst>
+    <dgm:effectClrLst/>
+    <dgm:txLinClrLst/>
+    <dgm:txFillClrLst/>
+    <dgm:txEffectClrLst/>
+  </dgm:styleLbl>
+  <dgm:styleLbl name="asst2">
+    <dgm:fillClrLst meth="repeat">
+      <a:schemeClr val="accent1"/>
+    </dgm:fillClrLst>
+    <dgm:linClrLst meth="repeat">
+      <a:schemeClr val="lt1"/>
+    </dgm:linClrLst>
+    <dgm:effectClrLst/>
+    <dgm:txLinClrLst/>
+    <dgm:txFillClrLst/>
+    <dgm:txEffectClrLst/>
+  </dgm:styleLbl>
+  <dgm:styleLbl name="asst3">
+    <dgm:fillClrLst meth="repeat">
+      <a:schemeClr val="accent1"/>
+    </dgm:fillClrLst>
+    <dgm:linClrLst meth="repeat">
+      <a:schemeClr val="lt1"/>
+    </dgm:linClrLst>
+    <dgm:effectClrLst/>
+    <dgm:txLinClrLst/>
+    <dgm:txFillClrLst/>
+    <dgm:txEffectClrLst/>
+  </dgm:styleLbl>
+  <dgm:styleLbl name="asst4">
+    <dgm:fillClrLst meth="repeat">
+      <a:schemeClr val="accent1"/>
+    </dgm:fillClrLst>
+    <dgm:linClrLst meth="repeat">
+      <a:schemeClr val="lt1"/>
+    </dgm:linClrLst>
+    <dgm:effectClrLst/>
+    <dgm:txLinClrLst/>
+    <dgm:txFillClrLst/>
+    <dgm:txEffectClrLst/>
+  </dgm:styleLbl>
+  <dgm:styleLbl name="parChTrans2D1">
+    <dgm:fillClrLst meth="repeat">
+      <a:schemeClr val="accent1">
+        <a:tint val="60000"/>
+      </a:schemeClr>
+    </dgm:fillClrLst>
+    <dgm:linClrLst meth="repeat">
+      <a:schemeClr val="accent1">
+        <a:tint val="60000"/>
+      </a:schemeClr>
+    </dgm:linClrLst>
+    <dgm:effectClrLst/>
+    <dgm:txLinClrLst/>
+    <dgm:txFillClrLst meth="repeat">
+      <a:schemeClr val="lt1"/>
+    </dgm:txFillClrLst>
+    <dgm:txEffectClrLst/>
+  </dgm:styleLbl>
+  <dgm:styleLbl name="parChTrans2D2">
+    <dgm:fillClrLst meth="repeat">
+      <a:schemeClr val="accent1"/>
+    </dgm:fillClrLst>
+    <dgm:linClrLst meth="repeat">
+      <a:schemeClr val="accent1"/>
+    </dgm:linClrLst>
+    <dgm:effectClrLst/>
+    <dgm:txLinClrLst/>
+    <dgm:txFillClrLst meth="repeat">
+      <a:schemeClr val="lt1"/>
+    </dgm:txFillClrLst>
+    <dgm:txEffectClrLst/>
+  </dgm:styleLbl>
+  <dgm:styleLbl name="parChTrans2D3">
+    <dgm:fillClrLst meth="repeat">
+      <a:schemeClr val="accent1"/>
+    </dgm:fillClrLst>
+    <dgm:linClrLst meth="repeat">
+      <a:schemeClr val="accent1"/>
+    </dgm:linClrLst>
+    <dgm:effectClrLst/>
+    <dgm:txLinClrLst/>
+    <dgm:txFillClrLst meth="repeat">
+      <a:schemeClr val="lt1"/>
+    </dgm:txFillClrLst>
+    <dgm:txEffectClrLst/>
+  </dgm:styleLbl>
+  <dgm:styleLbl name="parChTrans2D4">
+    <dgm:fillClrLst meth="repeat">
+      <a:schemeClr val="accent1"/>
+    </dgm:fillClrLst>
+    <dgm:linClrLst meth="repeat">
+      <a:schemeClr val="accent1"/>
+    </dgm:linClrLst>
+    <dgm:effectClrLst/>
+    <dgm:txLinClrLst/>
+    <dgm:txFillClrLst meth="repeat">
+      <a:schemeClr val="lt1"/>
+    </dgm:txFillClrLst>
+    <dgm:txEffectClrLst/>
+  </dgm:styleLbl>
+  <dgm:styleLbl name="parChTrans1D1">
+    <dgm:fillClrLst meth="repeat">
+      <a:schemeClr val="accent1"/>
+    </dgm:fillClrLst>
+    <dgm:linClrLst meth="repeat">
+      <a:schemeClr val="accent1">
+        <a:shade val="60000"/>
+      </a:schemeClr>
+    </dgm:linClrLst>
+    <dgm:effectClrLst/>
+    <dgm:txLinClrLst/>
+    <dgm:txFillClrLst meth="repeat">
+      <a:schemeClr val="tx1"/>
+    </dgm:txFillClrLst>
+    <dgm:txEffectClrLst/>
+  </dgm:styleLbl>
+  <dgm:styleLbl name="parChTrans1D2">
+    <dgm:fillClrLst meth="repeat">
+      <a:schemeClr val="accent1"/>
+    </dgm:fillClrLst>
+    <dgm:linClrLst meth="repeat">
+      <a:schemeClr val="accent1">
+        <a:shade val="60000"/>
+      </a:schemeClr>
+    </dgm:linClrLst>
+    <dgm:effectClrLst/>
+    <dgm:txLinClrLst/>
+    <dgm:txFillClrLst meth="repeat">
+      <a:schemeClr val="tx1"/>
+    </dgm:txFillClrLst>
+    <dgm:txEffectClrLst/>
+  </dgm:styleLbl>
+  <dgm:styleLbl name="parChTrans1D3">
+    <dgm:fillClrLst meth="repeat">
+      <a:schemeClr val="accent1"/>
+    </dgm:fillClrLst>
+    <dgm:linClrLst meth="repeat">
+      <a:schemeClr val="accent1">
+        <a:shade val="80000"/>
+      </a:schemeClr>
+    </dgm:linClrLst>
+    <dgm:effectClrLst/>
+    <dgm:txLinClrLst/>
+    <dgm:txFillClrLst meth="repeat">
+      <a:schemeClr val="tx1"/>
+    </dgm:txFillClrLst>
+    <dgm:txEffectClrLst/>
+  </dgm:styleLbl>
+  <dgm:styleLbl name="parChTrans1D4">
+    <dgm:fillClrLst meth="repeat">
+      <a:schemeClr val="accent1"/>
+    </dgm:fillClrLst>
+    <dgm:linClrLst meth="repeat">
+      <a:schemeClr val="accent1">
+        <a:shade val="80000"/>
+      </a:schemeClr>
+    </dgm:linClrLst>
+    <dgm:effectClrLst/>
+    <dgm:txLinClrLst/>
+    <dgm:txFillClrLst meth="repeat">
+      <a:schemeClr val="tx1"/>
+    </dgm:txFillClrLst>
+    <dgm:txEffectClrLst/>
+  </dgm:styleLbl>
+  <dgm:styleLbl name="fgAcc1">
+    <dgm:fillClrLst meth="repeat">
+      <a:schemeClr val="lt1">
+        <a:alpha val="90000"/>
+      </a:schemeClr>
+    </dgm:fillClrLst>
+    <dgm:linClrLst meth="repeat">
+      <a:schemeClr val="accent1"/>
+    </dgm:linClrLst>
+    <dgm:effectClrLst/>
+    <dgm:txLinClrLst/>
+    <dgm:txFillClrLst meth="repeat">
+      <a:schemeClr val="dk1"/>
+    </dgm:txFillClrLst>
+    <dgm:txEffectClrLst/>
+  </dgm:styleLbl>
+  <dgm:styleLbl name="conFgAcc1">
+    <dgm:fillClrLst meth="repeat">
+      <a:schemeClr val="lt1">
+        <a:alpha val="90000"/>
+      </a:schemeClr>
+    </dgm:fillClrLst>
+    <dgm:linClrLst meth="repeat">
+      <a:schemeClr val="accent1"/>
+    </dgm:linClrLst>
+    <dgm:effectClrLst/>
+    <dgm:txLinClrLst/>
+    <dgm:txFillClrLst meth="repeat">
+      <a:schemeClr val="dk1"/>
+    </dgm:txFillClrLst>
+    <dgm:txEffectClrLst/>
+  </dgm:styleLbl>
+  <dgm:styleLbl name="alignAcc1">
+    <dgm:fillClrLst meth="repeat">
+      <a:schemeClr val="lt1">
+        <a:alpha val="90000"/>
+      </a:schemeClr>
+    </dgm:fillClrLst>
+    <dgm:linClrLst meth="repeat">
+      <a:schemeClr val="accent1"/>
+    </dgm:linClrLst>
+    <dgm:effectClrLst/>
+    <dgm:txLinClrLst/>
+    <dgm:txFillClrLst meth="repeat">
+      <a:schemeClr val="dk1"/>
+    </dgm:txFillClrLst>
+    <dgm:txEffectClrLst/>
+  </dgm:styleLbl>
+  <dgm:styleLbl name="trAlignAcc1">
+    <dgm:fillClrLst meth="repeat">
+      <a:schemeClr val="lt1">
+        <a:alpha val="40000"/>
+      </a:schemeClr>
+    </dgm:fillClrLst>
+    <dgm:linClrLst meth="repeat">
+      <a:schemeClr val="accent1"/>
+    </dgm:linClrLst>
+    <dgm:effectClrLst/>
+    <dgm:txLinClrLst/>
+    <dgm:txFillClrLst meth="repeat">
+      <a:schemeClr val="dk1"/>
+    </dgm:txFillClrLst>
+    <dgm:txEffectClrLst/>
+  </dgm:styleLbl>
+  <dgm:styleLbl name="bgAcc1">
+    <dgm:fillClrLst meth="repeat">
+      <a:schemeClr val="lt1">
+        <a:alpha val="90000"/>
+      </a:schemeClr>
+    </dgm:fillClrLst>
+    <dgm:linClrLst meth="repeat">
+      <a:schemeClr val="accent1"/>
+    </dgm:linClrLst>
+    <dgm:effectClrLst/>
+    <dgm:txLinClrLst/>
+    <dgm:txFillClrLst meth="repeat">
+      <a:schemeClr val="dk1"/>
+    </dgm:txFillClrLst>
+    <dgm:txEffectClrLst/>
+  </dgm:styleLbl>
+  <dgm:styleLbl name="solidFgAcc1">
+    <dgm:fillClrLst meth="repeat">
+      <a:schemeClr val="lt1"/>
+    </dgm:fillClrLst>
+    <dgm:linClrLst meth="repeat">
+      <a:schemeClr val="accent1"/>
+    </dgm:linClrLst>
+    <dgm:effectClrLst/>
+    <dgm:txLinClrLst/>
+    <dgm:txFillClrLst meth="repeat">
+      <a:schemeClr val="dk1"/>
+    </dgm:txFillClrLst>
+    <dgm:txEffectClrLst/>
+  </dgm:styleLbl>
+  <dgm:styleLbl name="solidAlignAcc1">
+    <dgm:fillClrLst meth="repeat">
+      <a:schemeClr val="lt1"/>
+    </dgm:fillClrLst>
+    <dgm:linClrLst meth="repeat">
+      <a:schemeClr val="accent1"/>
+    </dgm:linClrLst>
+    <dgm:effectClrLst/>
+    <dgm:txLinClrLst/>
+    <dgm:txFillClrLst meth="repeat">
+      <a:schemeClr val="dk1"/>
+    </dgm:txFillClrLst>
+    <dgm:txEffectClrLst/>
+  </dgm:styleLbl>
+  <dgm:styleLbl name="solidBgAcc1">
+    <dgm:fillClrLst meth="repeat">
+      <a:schemeClr val="lt1"/>
+    </dgm:fillClrLst>
+    <dgm:linClrLst meth="repeat">
+      <a:schemeClr val="accent1"/>
+    </dgm:linClrLst>
+    <dgm:effectClrLst/>
+    <dgm:txLinClrLst/>
+    <dgm:txFillClrLst meth="repeat">
+      <a:schemeClr val="dk1"/>
+    </dgm:txFillClrLst>
+    <dgm:txEffectClrLst/>
+  </dgm:styleLbl>
+  <dgm:styleLbl name="fgAccFollowNode1">
+    <dgm:fillClrLst meth="repeat">
+      <a:schemeClr val="accent1">
+        <a:alpha val="90000"/>
+        <a:tint val="40000"/>
+      </a:schemeClr>
+    </dgm:fillClrLst>
+    <dgm:linClrLst meth="repeat">
+      <a:schemeClr val="accent1">
+        <a:alpha val="90000"/>
+        <a:tint val="40000"/>
+      </a:schemeClr>
+    </dgm:linClrLst>
+    <dgm:effectClrLst/>
+    <dgm:txLinClrLst/>
+    <dgm:txFillClrLst meth="repeat">
+      <a:schemeClr val="dk1"/>
+    </dgm:txFillClrLst>
+    <dgm:txEffectClrLst/>
+  </dgm:styleLbl>
+  <dgm:styleLbl name="alignAccFollowNode1">
+    <dgm:fillClrLst meth="repeat">
+      <a:schemeClr val="accent1">
+        <a:alpha val="90000"/>
+        <a:tint val="40000"/>
+      </a:schemeClr>
+    </dgm:fillClrLst>
+    <dgm:linClrLst meth="repeat">
+      <a:schemeClr val="accent1">
+        <a:alpha val="90000"/>
+        <a:tint val="40000"/>
+      </a:schemeClr>
+    </dgm:linClrLst>
+    <dgm:effectClrLst/>
+    <dgm:txLinClrLst/>
+    <dgm:txFillClrLst meth="repeat">
+      <a:schemeClr val="dk1"/>
+    </dgm:txFillClrLst>
+    <dgm:txEffectClrLst/>
+  </dgm:styleLbl>
+  <dgm:styleLbl name="bgAccFollowNode1">
+    <dgm:fillClrLst meth="repeat">
+      <a:schemeClr val="accent1">
+        <a:alpha val="90000"/>
+        <a:tint val="40000"/>
+      </a:schemeClr>
+    </dgm:fillClrLst>
+    <dgm:linClrLst meth="repeat">
+      <a:schemeClr val="accent1">
+        <a:alpha val="90000"/>
+        <a:tint val="40000"/>
+      </a:schemeClr>
+    </dgm:linClrLst>
+    <dgm:effectClrLst/>
+    <dgm:txLinClrLst/>
+    <dgm:txFillClrLst meth="repeat">
+      <a:schemeClr val="dk1"/>
+    </dgm:txFillClrLst>
+    <dgm:txEffectClrLst/>
+  </dgm:styleLbl>
+  <dgm:styleLbl name="fgAcc0">
+    <dgm:fillClrLst meth="repeat">
+      <a:schemeClr val="lt1">
+        <a:alpha val="90000"/>
+      </a:schemeClr>
+    </dgm:fillClrLst>
+    <dgm:linClrLst meth="repeat">
+      <a:schemeClr val="accent1"/>
+    </dgm:linClrLst>
+    <dgm:effectClrLst/>
+    <dgm:txLinClrLst/>
+    <dgm:txFillClrLst meth="repeat">
+      <a:schemeClr val="dk1"/>
+    </dgm:txFillClrLst>
+    <dgm:txEffectClrLst/>
+  </dgm:styleLbl>
+  <dgm:styleLbl name="fgAcc2">
+    <dgm:fillClrLst meth="repeat">
+      <a:schemeClr val="lt1">
+        <a:alpha val="90000"/>
+      </a:schemeClr>
+    </dgm:fillClrLst>
+    <dgm:linClrLst meth="repeat">
+      <a:schemeClr val="accent1"/>
+    </dgm:linClrLst>
+    <dgm:effectClrLst/>
+    <dgm:txLinClrLst/>
+    <dgm:txFillClrLst meth="repeat">
+      <a:schemeClr val="dk1"/>
+    </dgm:txFillClrLst>
+    <dgm:txEffectClrLst/>
+  </dgm:styleLbl>
+  <dgm:styleLbl name="fgAcc3">
+    <dgm:fillClrLst meth="repeat">
+      <a:schemeClr val="lt1">
+        <a:alpha val="90000"/>
+      </a:schemeClr>
+    </dgm:fillClrLst>
+    <dgm:linClrLst meth="repeat">
+      <a:schemeClr val="accent1"/>
+    </dgm:linClrLst>
+    <dgm:effectClrLst/>
+    <dgm:txLinClrLst/>
+    <dgm:txFillClrLst meth="repeat">
+      <a:schemeClr val="dk1"/>
+    </dgm:txFillClrLst>
+    <dgm:txEffectClrLst/>
+  </dgm:styleLbl>
+  <dgm:styleLbl name="fgAcc4">
+    <dgm:fillClrLst meth="repeat">
+      <a:schemeClr val="lt1">
+        <a:alpha val="90000"/>
+      </a:schemeClr>
+    </dgm:fillClrLst>
+    <dgm:linClrLst meth="repeat">
+      <a:schemeClr val="accent1"/>
+    </dgm:linClrLst>
+    <dgm:effectClrLst/>
+    <dgm:txLinClrLst/>
+    <dgm:txFillClrLst meth="repeat">
+      <a:schemeClr val="dk1"/>
+    </dgm:txFillClrLst>
+    <dgm:txEffectClrLst/>
+  </dgm:styleLbl>
+  <dgm:styleLbl name="bgShp">
+    <dgm:fillClrLst meth="repeat">
+      <a:schemeClr val="accent1">
+        <a:tint val="40000"/>
+      </a:schemeClr>
+    </dgm:fillClrLst>
+    <dgm:linClrLst meth="repeat">
+      <a:schemeClr val="accent1"/>
+    </dgm:linClrLst>
+    <dgm:effectClrLst/>
+    <dgm:txLinClrLst/>
+    <dgm:txFillClrLst meth="repeat">
+      <a:schemeClr val="dk1"/>
+    </dgm:txFillClrLst>
+    <dgm:txEffectClrLst/>
+  </dgm:styleLbl>
+  <dgm:styleLbl name="dkBgShp">
+    <dgm:fillClrLst meth="repeat">
+      <a:schemeClr val="accent1">
+        <a:shade val="80000"/>
+      </a:schemeClr>
+    </dgm:fillClrLst>
+    <dgm:linClrLst meth="repeat">
+      <a:schemeClr val="accent1"/>
+    </dgm:linClrLst>
+    <dgm:effectClrLst/>
+    <dgm:txLinClrLst/>
+    <dgm:txFillClrLst meth="repeat">
+      <a:schemeClr val="lt1"/>
+    </dgm:txFillClrLst>
+    <dgm:txEffectClrLst/>
+  </dgm:styleLbl>
+  <dgm:styleLbl name="trBgShp">
+    <dgm:fillClrLst meth="repeat">
+      <a:schemeClr val="accent1">
+        <a:tint val="50000"/>
+        <a:alpha val="40000"/>
+      </a:schemeClr>
+    </dgm:fillClrLst>
+    <dgm:linClrLst meth="repeat">
+      <a:schemeClr val="accent1"/>
+    </dgm:linClrLst>
+    <dgm:effectClrLst/>
+    <dgm:txLinClrLst/>
+    <dgm:txFillClrLst meth="repeat">
+      <a:schemeClr val="lt1"/>
+    </dgm:txFillClrLst>
+    <dgm:txEffectClrLst/>
+  </dgm:styleLbl>
+  <dgm:styleLbl name="fgShp">
+    <dgm:fillClrLst meth="repeat">
+      <a:schemeClr val="accent1">
+        <a:tint val="60000"/>
+      </a:schemeClr>
+    </dgm:fillClrLst>
+    <dgm:linClrLst meth="repeat">
+      <a:schemeClr val="lt1"/>
+    </dgm:linClrLst>
+    <dgm:effectClrLst/>
+    <dgm:txLinClrLst/>
+    <dgm:txFillClrLst meth="repeat">
+      <a:schemeClr val="dk1"/>
+    </dgm:txFillClrLst>
+    <dgm:txEffectClrLst/>
+  </dgm:styleLbl>
+  <dgm:styleLbl name="revTx">
+    <dgm:fillClrLst meth="repeat">
+      <a:schemeClr val="lt1">
+        <a:alpha val="0"/>
+      </a:schemeClr>
+    </dgm:fillClrLst>
+    <dgm:linClrLst meth="repeat">
+      <a:schemeClr val="dk1">
+        <a:alpha val="0"/>
+      </a:schemeClr>
+    </dgm:linClrLst>
+    <dgm:effectClrLst/>
+    <dgm:txLinClrLst/>
+    <dgm:txFillClrLst meth="repeat">
+      <a:schemeClr val="tx1"/>
+    </dgm:txFillClrLst>
+    <dgm:txEffectClrLst/>
+  </dgm:styleLbl>
+</dgm:colorsDef>
+</file>
+
 <file path=ppt/diagrams/data1.xml><?xml version="1.0" encoding="utf-8"?>
+<dgm:dataModel xmlns:dgm="http://schemas.openxmlformats.org/drawingml/2006/diagram" xmlns:a="http://schemas.openxmlformats.org/drawingml/2006/main">
+  <dgm:ptLst>
+    <dgm:pt modelId="{A80ADC32-1240-44A9-8D10-689B131ED7C4}" type="doc">
+      <dgm:prSet loTypeId="urn:microsoft.com/office/officeart/2005/8/layout/lProcess3" loCatId="process" qsTypeId="urn:microsoft.com/office/officeart/2005/8/quickstyle/simple1" qsCatId="simple" csTypeId="urn:microsoft.com/office/officeart/2005/8/colors/accent1_2" csCatId="accent1" phldr="1"/>
+      <dgm:spPr/>
+      <dgm:t>
+        <a:bodyPr/>
+        <a:lstStyle/>
+        <a:p>
+          <a:endParaRPr lang="en-US"/>
+        </a:p>
+      </dgm:t>
+    </dgm:pt>
+    <dgm:pt modelId="{549ACBF8-7430-46D9-8339-874950FB366A}">
+      <dgm:prSet/>
+      <dgm:spPr/>
+      <dgm:t>
+        <a:bodyPr/>
+        <a:lstStyle/>
+        <a:p>
+          <a:pPr rtl="0"/>
+          <a:r>
+            <a:rPr lang="en-US" b="1" baseline="0" dirty="0" smtClean="0"/>
+            <a:t>Instructor (Before)</a:t>
+          </a:r>
+          <a:endParaRPr lang="en-US" dirty="0"/>
+        </a:p>
+      </dgm:t>
+    </dgm:pt>
+    <dgm:pt modelId="{AE219D22-E614-42D9-933D-F2CAABDD96DD}" type="parTrans" cxnId="{0CE6ECBA-B722-4295-B6B2-5259046092E9}">
+      <dgm:prSet/>
+      <dgm:spPr/>
+      <dgm:t>
+        <a:bodyPr/>
+        <a:lstStyle/>
+        <a:p>
+          <a:endParaRPr lang="en-US"/>
+        </a:p>
+      </dgm:t>
+    </dgm:pt>
+    <dgm:pt modelId="{FE411B50-16E6-4BFE-BCED-3F3D642BD122}" type="sibTrans" cxnId="{0CE6ECBA-B722-4295-B6B2-5259046092E9}">
+      <dgm:prSet/>
+      <dgm:spPr/>
+      <dgm:t>
+        <a:bodyPr/>
+        <a:lstStyle/>
+        <a:p>
+          <a:endParaRPr lang="en-US"/>
+        </a:p>
+      </dgm:t>
+    </dgm:pt>
+    <dgm:pt modelId="{B4B2491C-5DBC-436E-866C-A0494F15234A}">
+      <dgm:prSet/>
+      <dgm:spPr/>
+      <dgm:t>
+        <a:bodyPr/>
+        <a:lstStyle/>
+        <a:p>
+          <a:pPr rtl="0"/>
+          <a:r>
+            <a:rPr lang="en-US" baseline="0" smtClean="0"/>
+            <a:t>Stand-alone application.</a:t>
+          </a:r>
+          <a:endParaRPr lang="en-US"/>
+        </a:p>
+      </dgm:t>
+    </dgm:pt>
+    <dgm:pt modelId="{C58778CF-5D33-43C0-96C4-1AAE055E3806}" type="parTrans" cxnId="{13F4B846-3A4A-44F0-9189-89F28AE9915C}">
+      <dgm:prSet/>
+      <dgm:spPr/>
+      <dgm:t>
+        <a:bodyPr/>
+        <a:lstStyle/>
+        <a:p>
+          <a:endParaRPr lang="en-US"/>
+        </a:p>
+      </dgm:t>
+    </dgm:pt>
+    <dgm:pt modelId="{B9AE3E08-7401-40CF-BDE9-FDEE4A8DCB93}" type="sibTrans" cxnId="{13F4B846-3A4A-44F0-9189-89F28AE9915C}">
+      <dgm:prSet/>
+      <dgm:spPr/>
+      <dgm:t>
+        <a:bodyPr/>
+        <a:lstStyle/>
+        <a:p>
+          <a:endParaRPr lang="en-US"/>
+        </a:p>
+      </dgm:t>
+    </dgm:pt>
+    <dgm:pt modelId="{9AB6D8E7-86BD-4A09-9E94-09503E3538EE}">
+      <dgm:prSet/>
+      <dgm:spPr/>
+      <dgm:t>
+        <a:bodyPr/>
+        <a:lstStyle/>
+        <a:p>
+          <a:pPr rtl="0"/>
+          <a:r>
+            <a:rPr lang="en-US" baseline="0" smtClean="0"/>
+            <a:t>Authentication.</a:t>
+          </a:r>
+          <a:endParaRPr lang="en-US"/>
+        </a:p>
+      </dgm:t>
+    </dgm:pt>
+    <dgm:pt modelId="{B4805897-718D-47D9-8410-86FBE07C65A7}" type="parTrans" cxnId="{D56F8DFE-165F-40BA-A4E4-4E592B65E34F}">
+      <dgm:prSet/>
+      <dgm:spPr/>
+      <dgm:t>
+        <a:bodyPr/>
+        <a:lstStyle/>
+        <a:p>
+          <a:endParaRPr lang="en-US"/>
+        </a:p>
+      </dgm:t>
+    </dgm:pt>
+    <dgm:pt modelId="{D9CCF4A3-B52A-43D1-9DCD-6DD1861A3B49}" type="sibTrans" cxnId="{D56F8DFE-165F-40BA-A4E4-4E592B65E34F}">
+      <dgm:prSet/>
+      <dgm:spPr/>
+      <dgm:t>
+        <a:bodyPr/>
+        <a:lstStyle/>
+        <a:p>
+          <a:endParaRPr lang="en-US"/>
+        </a:p>
+      </dgm:t>
+    </dgm:pt>
+    <dgm:pt modelId="{14588E69-6899-4F1F-B273-599A71EBC9D7}">
+      <dgm:prSet/>
+      <dgm:spPr/>
+      <dgm:t>
+        <a:bodyPr/>
+        <a:lstStyle/>
+        <a:p>
+          <a:pPr rtl="0"/>
+          <a:r>
+            <a:rPr lang="en-US" baseline="0" smtClean="0"/>
+            <a:t>QR code Generation.</a:t>
+          </a:r>
+          <a:endParaRPr lang="en-US"/>
+        </a:p>
+      </dgm:t>
+    </dgm:pt>
+    <dgm:pt modelId="{EAAB7090-D874-46C5-9CE1-D5E4FBD9834B}" type="parTrans" cxnId="{0452ABD0-B8AF-4389-A49D-B494462EF935}">
+      <dgm:prSet/>
+      <dgm:spPr/>
+      <dgm:t>
+        <a:bodyPr/>
+        <a:lstStyle/>
+        <a:p>
+          <a:endParaRPr lang="en-US"/>
+        </a:p>
+      </dgm:t>
+    </dgm:pt>
+    <dgm:pt modelId="{657EF155-E704-41B9-8E16-2C9B05F162EF}" type="sibTrans" cxnId="{0452ABD0-B8AF-4389-A49D-B494462EF935}">
+      <dgm:prSet/>
+      <dgm:spPr/>
+      <dgm:t>
+        <a:bodyPr/>
+        <a:lstStyle/>
+        <a:p>
+          <a:endParaRPr lang="en-US"/>
+        </a:p>
+      </dgm:t>
+    </dgm:pt>
+    <dgm:pt modelId="{36D39F46-44D7-415F-AAFF-5457B1161AF6}">
+      <dgm:prSet/>
+      <dgm:spPr/>
+      <dgm:t>
+        <a:bodyPr/>
+        <a:lstStyle/>
+        <a:p>
+          <a:pPr rtl="0"/>
+          <a:r>
+            <a:rPr lang="en-US" baseline="0" smtClean="0"/>
+            <a:t>QR code Display.</a:t>
+          </a:r>
+          <a:endParaRPr lang="en-US"/>
+        </a:p>
+      </dgm:t>
+    </dgm:pt>
+    <dgm:pt modelId="{638078A6-F5E3-494B-8E8B-F2155CD16EA1}" type="parTrans" cxnId="{27387CF2-0AD1-4E7E-AC6B-84278399C2E8}">
+      <dgm:prSet/>
+      <dgm:spPr/>
+      <dgm:t>
+        <a:bodyPr/>
+        <a:lstStyle/>
+        <a:p>
+          <a:endParaRPr lang="en-US"/>
+        </a:p>
+      </dgm:t>
+    </dgm:pt>
+    <dgm:pt modelId="{50B78A94-15AC-4F2F-BD07-128463FB03D5}" type="sibTrans" cxnId="{27387CF2-0AD1-4E7E-AC6B-84278399C2E8}">
+      <dgm:prSet/>
+      <dgm:spPr/>
+      <dgm:t>
+        <a:bodyPr/>
+        <a:lstStyle/>
+        <a:p>
+          <a:endParaRPr lang="en-US"/>
+        </a:p>
+      </dgm:t>
+    </dgm:pt>
+    <dgm:pt modelId="{4BAAF9E6-4EEA-4F67-B767-038B4C129EF6}">
+      <dgm:prSet/>
+      <dgm:spPr/>
+      <dgm:t>
+        <a:bodyPr/>
+        <a:lstStyle/>
+        <a:p>
+          <a:pPr rtl="0"/>
+          <a:r>
+            <a:rPr lang="en-US" baseline="0" smtClean="0"/>
+            <a:t>Manage the students attendance.</a:t>
+          </a:r>
+          <a:endParaRPr lang="en-US"/>
+        </a:p>
+      </dgm:t>
+    </dgm:pt>
+    <dgm:pt modelId="{578CCCFE-0959-465C-8C7F-EF451BD3E318}" type="parTrans" cxnId="{7FE338E9-B6F9-4B44-973C-32BFC4F19575}">
+      <dgm:prSet/>
+      <dgm:spPr/>
+      <dgm:t>
+        <a:bodyPr/>
+        <a:lstStyle/>
+        <a:p>
+          <a:endParaRPr lang="en-US"/>
+        </a:p>
+      </dgm:t>
+    </dgm:pt>
+    <dgm:pt modelId="{0E766B73-2495-4B97-943D-F917B7F53DC7}" type="sibTrans" cxnId="{7FE338E9-B6F9-4B44-973C-32BFC4F19575}">
+      <dgm:prSet/>
+      <dgm:spPr/>
+      <dgm:t>
+        <a:bodyPr/>
+        <a:lstStyle/>
+        <a:p>
+          <a:endParaRPr lang="en-US"/>
+        </a:p>
+      </dgm:t>
+    </dgm:pt>
+    <dgm:pt modelId="{4FF48E9C-E9AC-4281-B947-D8FFE3DECE5C}">
+      <dgm:prSet/>
+      <dgm:spPr/>
+      <dgm:t>
+        <a:bodyPr/>
+        <a:lstStyle/>
+        <a:p>
+          <a:pPr rtl="0"/>
+          <a:r>
+            <a:rPr lang="en-US" baseline="0" smtClean="0"/>
+            <a:t>Appropriate Feedback</a:t>
+          </a:r>
+          <a:endParaRPr lang="en-US"/>
+        </a:p>
+      </dgm:t>
+    </dgm:pt>
+    <dgm:pt modelId="{AD6C5DF5-E1B9-420E-AFE1-5E41149C2570}" type="parTrans" cxnId="{79F4913A-47C1-458E-800D-449BC8892711}">
+      <dgm:prSet/>
+      <dgm:spPr/>
+      <dgm:t>
+        <a:bodyPr/>
+        <a:lstStyle/>
+        <a:p>
+          <a:endParaRPr lang="en-US"/>
+        </a:p>
+      </dgm:t>
+    </dgm:pt>
+    <dgm:pt modelId="{505D2657-8F3B-4007-A1B2-8CCFA7146CF7}" type="sibTrans" cxnId="{79F4913A-47C1-458E-800D-449BC8892711}">
+      <dgm:prSet/>
+      <dgm:spPr/>
+      <dgm:t>
+        <a:bodyPr/>
+        <a:lstStyle/>
+        <a:p>
+          <a:endParaRPr lang="en-US"/>
+        </a:p>
+      </dgm:t>
+    </dgm:pt>
+    <dgm:pt modelId="{A0ACE738-1680-49A9-A2CF-D906803B030E}">
+      <dgm:prSet/>
+      <dgm:spPr/>
+      <dgm:t>
+        <a:bodyPr/>
+        <a:lstStyle/>
+        <a:p>
+          <a:pPr rtl="0"/>
+          <a:r>
+            <a:rPr lang="en-US" b="1" baseline="0" dirty="0" smtClean="0"/>
+            <a:t>Instructor(Now)</a:t>
+          </a:r>
+          <a:endParaRPr lang="en-US" dirty="0"/>
+        </a:p>
+      </dgm:t>
+    </dgm:pt>
+    <dgm:pt modelId="{A4A00D55-2074-405C-AB24-EB32EBA8645F}" type="parTrans" cxnId="{1626726C-54F0-46E4-A49B-6BB47C4884DC}">
+      <dgm:prSet/>
+      <dgm:spPr/>
+      <dgm:t>
+        <a:bodyPr/>
+        <a:lstStyle/>
+        <a:p>
+          <a:endParaRPr lang="en-US"/>
+        </a:p>
+      </dgm:t>
+    </dgm:pt>
+    <dgm:pt modelId="{0AB44536-5AE8-4110-849A-66F7C6FC73DB}" type="sibTrans" cxnId="{1626726C-54F0-46E4-A49B-6BB47C4884DC}">
+      <dgm:prSet/>
+      <dgm:spPr/>
+      <dgm:t>
+        <a:bodyPr/>
+        <a:lstStyle/>
+        <a:p>
+          <a:endParaRPr lang="en-US"/>
+        </a:p>
+      </dgm:t>
+    </dgm:pt>
+    <dgm:pt modelId="{2511BAFD-47B8-4760-8EF9-78CFD45E3974}">
+      <dgm:prSet/>
+      <dgm:spPr/>
+      <dgm:t>
+        <a:bodyPr/>
+        <a:lstStyle/>
+        <a:p>
+          <a:pPr rtl="0"/>
+          <a:r>
+            <a:rPr lang="en-US" baseline="0" smtClean="0"/>
+            <a:t>Web application using JavaScript and node JS.</a:t>
+          </a:r>
+          <a:endParaRPr lang="en-US"/>
+        </a:p>
+      </dgm:t>
+    </dgm:pt>
+    <dgm:pt modelId="{60989FC9-0B14-4AA6-804D-223E28E67923}" type="parTrans" cxnId="{541A2BE4-F605-4139-A89C-0AFB006E6BB0}">
+      <dgm:prSet/>
+      <dgm:spPr/>
+      <dgm:t>
+        <a:bodyPr/>
+        <a:lstStyle/>
+        <a:p>
+          <a:endParaRPr lang="en-US"/>
+        </a:p>
+      </dgm:t>
+    </dgm:pt>
+    <dgm:pt modelId="{7C249041-5E17-4F84-990E-5F8426AEC0A6}" type="sibTrans" cxnId="{541A2BE4-F605-4139-A89C-0AFB006E6BB0}">
+      <dgm:prSet/>
+      <dgm:spPr/>
+      <dgm:t>
+        <a:bodyPr/>
+        <a:lstStyle/>
+        <a:p>
+          <a:endParaRPr lang="en-US"/>
+        </a:p>
+      </dgm:t>
+    </dgm:pt>
+    <dgm:pt modelId="{083A6C85-6FFB-4B4D-8D74-D8F48FD8829A}">
+      <dgm:prSet/>
+      <dgm:spPr/>
+      <dgm:t>
+        <a:bodyPr/>
+        <a:lstStyle/>
+        <a:p>
+          <a:pPr rtl="0"/>
+          <a:r>
+            <a:rPr lang="en-US" baseline="0" smtClean="0"/>
+            <a:t>Authentication.</a:t>
+          </a:r>
+          <a:endParaRPr lang="en-US"/>
+        </a:p>
+      </dgm:t>
+    </dgm:pt>
+    <dgm:pt modelId="{B5562EFC-1557-49F8-B505-B45BA63813C6}" type="parTrans" cxnId="{8D96B745-6FC1-441A-84D2-6657BBF939E4}">
+      <dgm:prSet/>
+      <dgm:spPr/>
+      <dgm:t>
+        <a:bodyPr/>
+        <a:lstStyle/>
+        <a:p>
+          <a:endParaRPr lang="en-US"/>
+        </a:p>
+      </dgm:t>
+    </dgm:pt>
+    <dgm:pt modelId="{B883A520-9975-45C4-A008-F841CED759DD}" type="sibTrans" cxnId="{8D96B745-6FC1-441A-84D2-6657BBF939E4}">
+      <dgm:prSet/>
+      <dgm:spPr/>
+      <dgm:t>
+        <a:bodyPr/>
+        <a:lstStyle/>
+        <a:p>
+          <a:endParaRPr lang="en-US"/>
+        </a:p>
+      </dgm:t>
+    </dgm:pt>
+    <dgm:pt modelId="{A00A666A-6AB4-495C-B885-6ABCD9D9C6FB}">
+      <dgm:prSet/>
+      <dgm:spPr/>
+      <dgm:t>
+        <a:bodyPr/>
+        <a:lstStyle/>
+        <a:p>
+          <a:pPr rtl="0"/>
+          <a:r>
+            <a:rPr lang="en-US" baseline="0" smtClean="0"/>
+            <a:t>QR code Generation.</a:t>
+          </a:r>
+          <a:endParaRPr lang="en-US"/>
+        </a:p>
+      </dgm:t>
+    </dgm:pt>
+    <dgm:pt modelId="{6CF900BF-FEA0-4F4C-942D-DC3373394B80}" type="parTrans" cxnId="{4E79F56D-4ADA-4856-81A5-13E7B7BB6808}">
+      <dgm:prSet/>
+      <dgm:spPr/>
+      <dgm:t>
+        <a:bodyPr/>
+        <a:lstStyle/>
+        <a:p>
+          <a:endParaRPr lang="en-US"/>
+        </a:p>
+      </dgm:t>
+    </dgm:pt>
+    <dgm:pt modelId="{37123E94-F4EA-4CA5-9A8F-E637094D8DFC}" type="sibTrans" cxnId="{4E79F56D-4ADA-4856-81A5-13E7B7BB6808}">
+      <dgm:prSet/>
+      <dgm:spPr/>
+      <dgm:t>
+        <a:bodyPr/>
+        <a:lstStyle/>
+        <a:p>
+          <a:endParaRPr lang="en-US"/>
+        </a:p>
+      </dgm:t>
+    </dgm:pt>
+    <dgm:pt modelId="{E2F21A9B-00DA-4D55-B768-C79D3328E3BE}">
+      <dgm:prSet/>
+      <dgm:spPr/>
+      <dgm:t>
+        <a:bodyPr/>
+        <a:lstStyle/>
+        <a:p>
+          <a:pPr rtl="0"/>
+          <a:r>
+            <a:rPr lang="en-US" baseline="0" smtClean="0"/>
+            <a:t>QR code Display.</a:t>
+          </a:r>
+          <a:endParaRPr lang="en-US"/>
+        </a:p>
+      </dgm:t>
+    </dgm:pt>
+    <dgm:pt modelId="{3FBECDE3-B7DF-41C7-839A-967A79A9E31C}" type="parTrans" cxnId="{7896C46A-ACEC-4CF4-86D9-65F52CB87E06}">
+      <dgm:prSet/>
+      <dgm:spPr/>
+      <dgm:t>
+        <a:bodyPr/>
+        <a:lstStyle/>
+        <a:p>
+          <a:endParaRPr lang="en-US"/>
+        </a:p>
+      </dgm:t>
+    </dgm:pt>
+    <dgm:pt modelId="{34E3A36A-4E21-4CB1-B0F0-55BF2B059753}" type="sibTrans" cxnId="{7896C46A-ACEC-4CF4-86D9-65F52CB87E06}">
+      <dgm:prSet/>
+      <dgm:spPr/>
+      <dgm:t>
+        <a:bodyPr/>
+        <a:lstStyle/>
+        <a:p>
+          <a:endParaRPr lang="en-US"/>
+        </a:p>
+      </dgm:t>
+    </dgm:pt>
+    <dgm:pt modelId="{044F67A8-0C65-405B-8D23-00B0415270C1}">
+      <dgm:prSet/>
+      <dgm:spPr/>
+      <dgm:t>
+        <a:bodyPr/>
+        <a:lstStyle/>
+        <a:p>
+          <a:pPr rtl="0"/>
+          <a:r>
+            <a:rPr lang="en-US" baseline="0" smtClean="0"/>
+            <a:t>Manage the students attendance.</a:t>
+          </a:r>
+          <a:endParaRPr lang="en-US"/>
+        </a:p>
+      </dgm:t>
+    </dgm:pt>
+    <dgm:pt modelId="{6588AB7E-CBD5-4649-B6E3-25B31F5667C4}" type="parTrans" cxnId="{49332112-CAE3-4027-98F7-206072F6C946}">
+      <dgm:prSet/>
+      <dgm:spPr/>
+      <dgm:t>
+        <a:bodyPr/>
+        <a:lstStyle/>
+        <a:p>
+          <a:endParaRPr lang="en-US"/>
+        </a:p>
+      </dgm:t>
+    </dgm:pt>
+    <dgm:pt modelId="{129AFC1F-730B-40DC-ABA7-1CD98C59C6BA}" type="sibTrans" cxnId="{49332112-CAE3-4027-98F7-206072F6C946}">
+      <dgm:prSet/>
+      <dgm:spPr/>
+      <dgm:t>
+        <a:bodyPr/>
+        <a:lstStyle/>
+        <a:p>
+          <a:endParaRPr lang="en-US"/>
+        </a:p>
+      </dgm:t>
+    </dgm:pt>
+    <dgm:pt modelId="{FF92E042-F1C1-4BC6-BA3F-C741F5ED9AB5}">
+      <dgm:prSet/>
+      <dgm:spPr/>
+      <dgm:t>
+        <a:bodyPr/>
+        <a:lstStyle/>
+        <a:p>
+          <a:pPr rtl="0"/>
+          <a:r>
+            <a:rPr lang="en-US" baseline="0" smtClean="0"/>
+            <a:t>Appropriate Feedback</a:t>
+          </a:r>
+          <a:endParaRPr lang="en-US"/>
+        </a:p>
+      </dgm:t>
+    </dgm:pt>
+    <dgm:pt modelId="{CD0106D6-F3F8-43D1-90B7-A48B899A1EAD}" type="parTrans" cxnId="{636607E7-43C7-4FD0-9749-C9245976A68A}">
+      <dgm:prSet/>
+      <dgm:spPr/>
+      <dgm:t>
+        <a:bodyPr/>
+        <a:lstStyle/>
+        <a:p>
+          <a:endParaRPr lang="en-US"/>
+        </a:p>
+      </dgm:t>
+    </dgm:pt>
+    <dgm:pt modelId="{907133C3-2063-49AF-AF0C-9A21E4C33D9E}" type="sibTrans" cxnId="{636607E7-43C7-4FD0-9749-C9245976A68A}">
+      <dgm:prSet/>
+      <dgm:spPr/>
+      <dgm:t>
+        <a:bodyPr/>
+        <a:lstStyle/>
+        <a:p>
+          <a:endParaRPr lang="en-US"/>
+        </a:p>
+      </dgm:t>
+    </dgm:pt>
+    <dgm:pt modelId="{C4C5BB40-2CB3-4FCC-A7B5-C0179DBBBF29}" type="pres">
+      <dgm:prSet presAssocID="{A80ADC32-1240-44A9-8D10-689B131ED7C4}" presName="Name0" presStyleCnt="0">
+        <dgm:presLayoutVars>
+          <dgm:chPref val="3"/>
+          <dgm:dir/>
+          <dgm:animLvl val="lvl"/>
+          <dgm:resizeHandles/>
+        </dgm:presLayoutVars>
+      </dgm:prSet>
+      <dgm:spPr/>
+      <dgm:t>
+        <a:bodyPr/>
+        <a:lstStyle/>
+        <a:p>
+          <a:endParaRPr lang="en-US"/>
+        </a:p>
+      </dgm:t>
+    </dgm:pt>
+    <dgm:pt modelId="{144BC6F2-0B73-49AC-AC02-AAF3E83C24EB}" type="pres">
+      <dgm:prSet presAssocID="{549ACBF8-7430-46D9-8339-874950FB366A}" presName="horFlow" presStyleCnt="0"/>
+      <dgm:spPr/>
+    </dgm:pt>
+    <dgm:pt modelId="{8897FB83-C378-44D3-B544-CCCA50E493FA}" type="pres">
+      <dgm:prSet presAssocID="{549ACBF8-7430-46D9-8339-874950FB366A}" presName="bigChev" presStyleLbl="node1" presStyleIdx="0" presStyleCnt="2"/>
+      <dgm:spPr/>
+      <dgm:t>
+        <a:bodyPr/>
+        <a:lstStyle/>
+        <a:p>
+          <a:endParaRPr lang="en-US"/>
+        </a:p>
+      </dgm:t>
+    </dgm:pt>
+    <dgm:pt modelId="{25215EDD-48C1-4736-A8BD-0063033D24E7}" type="pres">
+      <dgm:prSet presAssocID="{C58778CF-5D33-43C0-96C4-1AAE055E3806}" presName="parTrans" presStyleCnt="0"/>
+      <dgm:spPr/>
+    </dgm:pt>
+    <dgm:pt modelId="{E686387D-616A-4F98-990F-FBCDBE8E26E5}" type="pres">
+      <dgm:prSet presAssocID="{B4B2491C-5DBC-436E-866C-A0494F15234A}" presName="node" presStyleLbl="alignAccFollowNode1" presStyleIdx="0" presStyleCnt="12">
+        <dgm:presLayoutVars>
+          <dgm:bulletEnabled val="1"/>
+        </dgm:presLayoutVars>
+      </dgm:prSet>
+      <dgm:spPr/>
+      <dgm:t>
+        <a:bodyPr/>
+        <a:lstStyle/>
+        <a:p>
+          <a:endParaRPr lang="en-US"/>
+        </a:p>
+      </dgm:t>
+    </dgm:pt>
+    <dgm:pt modelId="{67FE1027-490E-47D7-BD72-E18CE82F33AD}" type="pres">
+      <dgm:prSet presAssocID="{B9AE3E08-7401-40CF-BDE9-FDEE4A8DCB93}" presName="sibTrans" presStyleCnt="0"/>
+      <dgm:spPr/>
+    </dgm:pt>
+    <dgm:pt modelId="{158CF9EF-55D6-45A4-8B21-598846198B97}" type="pres">
+      <dgm:prSet presAssocID="{9AB6D8E7-86BD-4A09-9E94-09503E3538EE}" presName="node" presStyleLbl="alignAccFollowNode1" presStyleIdx="1" presStyleCnt="12">
+        <dgm:presLayoutVars>
+          <dgm:bulletEnabled val="1"/>
+        </dgm:presLayoutVars>
+      </dgm:prSet>
+      <dgm:spPr/>
+      <dgm:t>
+        <a:bodyPr/>
+        <a:lstStyle/>
+        <a:p>
+          <a:endParaRPr lang="en-US"/>
+        </a:p>
+      </dgm:t>
+    </dgm:pt>
+    <dgm:pt modelId="{DA7C4B11-2C5A-4FC8-A903-F716E01932FB}" type="pres">
+      <dgm:prSet presAssocID="{D9CCF4A3-B52A-43D1-9DCD-6DD1861A3B49}" presName="sibTrans" presStyleCnt="0"/>
+      <dgm:spPr/>
+    </dgm:pt>
+    <dgm:pt modelId="{1B82D982-125A-4B17-9093-4DD998576D21}" type="pres">
+      <dgm:prSet presAssocID="{14588E69-6899-4F1F-B273-599A71EBC9D7}" presName="node" presStyleLbl="alignAccFollowNode1" presStyleIdx="2" presStyleCnt="12">
+        <dgm:presLayoutVars>
+          <dgm:bulletEnabled val="1"/>
+        </dgm:presLayoutVars>
+      </dgm:prSet>
+      <dgm:spPr/>
+      <dgm:t>
+        <a:bodyPr/>
+        <a:lstStyle/>
+        <a:p>
+          <a:endParaRPr lang="en-US"/>
+        </a:p>
+      </dgm:t>
+    </dgm:pt>
+    <dgm:pt modelId="{13BFB0C2-96F0-4800-A5B8-CC59DBCC2583}" type="pres">
+      <dgm:prSet presAssocID="{657EF155-E704-41B9-8E16-2C9B05F162EF}" presName="sibTrans" presStyleCnt="0"/>
+      <dgm:spPr/>
+    </dgm:pt>
+    <dgm:pt modelId="{0422B60C-0DD5-4DD4-B675-31405221A894}" type="pres">
+      <dgm:prSet presAssocID="{36D39F46-44D7-415F-AAFF-5457B1161AF6}" presName="node" presStyleLbl="alignAccFollowNode1" presStyleIdx="3" presStyleCnt="12">
+        <dgm:presLayoutVars>
+          <dgm:bulletEnabled val="1"/>
+        </dgm:presLayoutVars>
+      </dgm:prSet>
+      <dgm:spPr/>
+      <dgm:t>
+        <a:bodyPr/>
+        <a:lstStyle/>
+        <a:p>
+          <a:endParaRPr lang="en-US"/>
+        </a:p>
+      </dgm:t>
+    </dgm:pt>
+    <dgm:pt modelId="{E038DDDF-AFB6-4D89-AA91-A29EC8E0BFC5}" type="pres">
+      <dgm:prSet presAssocID="{50B78A94-15AC-4F2F-BD07-128463FB03D5}" presName="sibTrans" presStyleCnt="0"/>
+      <dgm:spPr/>
+    </dgm:pt>
+    <dgm:pt modelId="{08E94FF5-BC66-4B8D-8967-BE71F1CB4EDC}" type="pres">
+      <dgm:prSet presAssocID="{4BAAF9E6-4EEA-4F67-B767-038B4C129EF6}" presName="node" presStyleLbl="alignAccFollowNode1" presStyleIdx="4" presStyleCnt="12">
+        <dgm:presLayoutVars>
+          <dgm:bulletEnabled val="1"/>
+        </dgm:presLayoutVars>
+      </dgm:prSet>
+      <dgm:spPr/>
+      <dgm:t>
+        <a:bodyPr/>
+        <a:lstStyle/>
+        <a:p>
+          <a:endParaRPr lang="en-US"/>
+        </a:p>
+      </dgm:t>
+    </dgm:pt>
+    <dgm:pt modelId="{6EFDB8A9-DBD3-436E-925C-019364F1399B}" type="pres">
+      <dgm:prSet presAssocID="{0E766B73-2495-4B97-943D-F917B7F53DC7}" presName="sibTrans" presStyleCnt="0"/>
+      <dgm:spPr/>
+    </dgm:pt>
+    <dgm:pt modelId="{1F3A26B7-5C5F-444E-B2F4-81A4EF68D39C}" type="pres">
+      <dgm:prSet presAssocID="{4FF48E9C-E9AC-4281-B947-D8FFE3DECE5C}" presName="node" presStyleLbl="alignAccFollowNode1" presStyleIdx="5" presStyleCnt="12">
+        <dgm:presLayoutVars>
+          <dgm:bulletEnabled val="1"/>
+        </dgm:presLayoutVars>
+      </dgm:prSet>
+      <dgm:spPr/>
+      <dgm:t>
+        <a:bodyPr/>
+        <a:lstStyle/>
+        <a:p>
+          <a:endParaRPr lang="en-US"/>
+        </a:p>
+      </dgm:t>
+    </dgm:pt>
+    <dgm:pt modelId="{F24156C7-0CE1-47F6-B830-542DA6E9F01C}" type="pres">
+      <dgm:prSet presAssocID="{549ACBF8-7430-46D9-8339-874950FB366A}" presName="vSp" presStyleCnt="0"/>
+      <dgm:spPr/>
+    </dgm:pt>
+    <dgm:pt modelId="{0F20FA86-30AA-4A3C-B801-13410566321A}" type="pres">
+      <dgm:prSet presAssocID="{A0ACE738-1680-49A9-A2CF-D906803B030E}" presName="horFlow" presStyleCnt="0"/>
+      <dgm:spPr/>
+    </dgm:pt>
+    <dgm:pt modelId="{3630A457-5CC4-40A5-A107-01C78963D87C}" type="pres">
+      <dgm:prSet presAssocID="{A0ACE738-1680-49A9-A2CF-D906803B030E}" presName="bigChev" presStyleLbl="node1" presStyleIdx="1" presStyleCnt="2"/>
+      <dgm:spPr/>
+      <dgm:t>
+        <a:bodyPr/>
+        <a:lstStyle/>
+        <a:p>
+          <a:endParaRPr lang="en-US"/>
+        </a:p>
+      </dgm:t>
+    </dgm:pt>
+    <dgm:pt modelId="{CCC55C86-4D7A-4D89-9ABB-BE5EF99E6671}" type="pres">
+      <dgm:prSet presAssocID="{60989FC9-0B14-4AA6-804D-223E28E67923}" presName="parTrans" presStyleCnt="0"/>
+      <dgm:spPr/>
+    </dgm:pt>
+    <dgm:pt modelId="{2656222E-D64A-4B08-A85D-221DB764442B}" type="pres">
+      <dgm:prSet presAssocID="{2511BAFD-47B8-4760-8EF9-78CFD45E3974}" presName="node" presStyleLbl="alignAccFollowNode1" presStyleIdx="6" presStyleCnt="12">
+        <dgm:presLayoutVars>
+          <dgm:bulletEnabled val="1"/>
+        </dgm:presLayoutVars>
+      </dgm:prSet>
+      <dgm:spPr/>
+      <dgm:t>
+        <a:bodyPr/>
+        <a:lstStyle/>
+        <a:p>
+          <a:endParaRPr lang="en-US"/>
+        </a:p>
+      </dgm:t>
+    </dgm:pt>
+    <dgm:pt modelId="{3C8A7E34-CA11-4ABE-B21E-3E632B5FD766}" type="pres">
+      <dgm:prSet presAssocID="{7C249041-5E17-4F84-990E-5F8426AEC0A6}" presName="sibTrans" presStyleCnt="0"/>
+      <dgm:spPr/>
+    </dgm:pt>
+    <dgm:pt modelId="{59ECF31A-0156-405E-9EE6-10BE123BFF6E}" type="pres">
+      <dgm:prSet presAssocID="{083A6C85-6FFB-4B4D-8D74-D8F48FD8829A}" presName="node" presStyleLbl="alignAccFollowNode1" presStyleIdx="7" presStyleCnt="12">
+        <dgm:presLayoutVars>
+          <dgm:bulletEnabled val="1"/>
+        </dgm:presLayoutVars>
+      </dgm:prSet>
+      <dgm:spPr/>
+      <dgm:t>
+        <a:bodyPr/>
+        <a:lstStyle/>
+        <a:p>
+          <a:endParaRPr lang="en-US"/>
+        </a:p>
+      </dgm:t>
+    </dgm:pt>
+    <dgm:pt modelId="{7C2C4CCA-A41C-4806-92B8-8AB4068B0CCA}" type="pres">
+      <dgm:prSet presAssocID="{B883A520-9975-45C4-A008-F841CED759DD}" presName="sibTrans" presStyleCnt="0"/>
+      <dgm:spPr/>
+    </dgm:pt>
+    <dgm:pt modelId="{48765ED3-077E-4B76-A89E-7C26D9BBEBC4}" type="pres">
+      <dgm:prSet presAssocID="{A00A666A-6AB4-495C-B885-6ABCD9D9C6FB}" presName="node" presStyleLbl="alignAccFollowNode1" presStyleIdx="8" presStyleCnt="12">
+        <dgm:presLayoutVars>
+          <dgm:bulletEnabled val="1"/>
+        </dgm:presLayoutVars>
+      </dgm:prSet>
+      <dgm:spPr/>
+      <dgm:t>
+        <a:bodyPr/>
+        <a:lstStyle/>
+        <a:p>
+          <a:endParaRPr lang="en-US"/>
+        </a:p>
+      </dgm:t>
+    </dgm:pt>
+    <dgm:pt modelId="{AA3C8FF0-68A1-49BD-B917-95315D03D577}" type="pres">
+      <dgm:prSet presAssocID="{37123E94-F4EA-4CA5-9A8F-E637094D8DFC}" presName="sibTrans" presStyleCnt="0"/>
+      <dgm:spPr/>
+    </dgm:pt>
+    <dgm:pt modelId="{CE31B4AC-3DDB-4EC4-811E-AFA799FA1C15}" type="pres">
+      <dgm:prSet presAssocID="{E2F21A9B-00DA-4D55-B768-C79D3328E3BE}" presName="node" presStyleLbl="alignAccFollowNode1" presStyleIdx="9" presStyleCnt="12">
+        <dgm:presLayoutVars>
+          <dgm:bulletEnabled val="1"/>
+        </dgm:presLayoutVars>
+      </dgm:prSet>
+      <dgm:spPr/>
+      <dgm:t>
+        <a:bodyPr/>
+        <a:lstStyle/>
+        <a:p>
+          <a:endParaRPr lang="en-US"/>
+        </a:p>
+      </dgm:t>
+    </dgm:pt>
+    <dgm:pt modelId="{4EEE7826-8C79-468E-8654-F8AEF50E5F7C}" type="pres">
+      <dgm:prSet presAssocID="{34E3A36A-4E21-4CB1-B0F0-55BF2B059753}" presName="sibTrans" presStyleCnt="0"/>
+      <dgm:spPr/>
+    </dgm:pt>
+    <dgm:pt modelId="{120A6866-71AF-4668-87F2-2D737620263E}" type="pres">
+      <dgm:prSet presAssocID="{044F67A8-0C65-405B-8D23-00B0415270C1}" presName="node" presStyleLbl="alignAccFollowNode1" presStyleIdx="10" presStyleCnt="12">
+        <dgm:presLayoutVars>
+          <dgm:bulletEnabled val="1"/>
+        </dgm:presLayoutVars>
+      </dgm:prSet>
+      <dgm:spPr/>
+      <dgm:t>
+        <a:bodyPr/>
+        <a:lstStyle/>
+        <a:p>
+          <a:endParaRPr lang="en-US"/>
+        </a:p>
+      </dgm:t>
+    </dgm:pt>
+    <dgm:pt modelId="{F8671482-3D78-470D-A761-3AB6A1A75568}" type="pres">
+      <dgm:prSet presAssocID="{129AFC1F-730B-40DC-ABA7-1CD98C59C6BA}" presName="sibTrans" presStyleCnt="0"/>
+      <dgm:spPr/>
+    </dgm:pt>
+    <dgm:pt modelId="{86A88084-04D1-453D-9EB9-B02F0C23CC18}" type="pres">
+      <dgm:prSet presAssocID="{FF92E042-F1C1-4BC6-BA3F-C741F5ED9AB5}" presName="node" presStyleLbl="alignAccFollowNode1" presStyleIdx="11" presStyleCnt="12">
+        <dgm:presLayoutVars>
+          <dgm:bulletEnabled val="1"/>
+        </dgm:presLayoutVars>
+      </dgm:prSet>
+      <dgm:spPr/>
+      <dgm:t>
+        <a:bodyPr/>
+        <a:lstStyle/>
+        <a:p>
+          <a:endParaRPr lang="en-US"/>
+        </a:p>
+      </dgm:t>
+    </dgm:pt>
+  </dgm:ptLst>
+  <dgm:cxnLst>
+    <dgm:cxn modelId="{0F6308C2-8074-41F4-83E5-2449CE4AAE42}" type="presOf" srcId="{9AB6D8E7-86BD-4A09-9E94-09503E3538EE}" destId="{158CF9EF-55D6-45A4-8B21-598846198B97}" srcOrd="0" destOrd="0" presId="urn:microsoft.com/office/officeart/2005/8/layout/lProcess3"/>
+    <dgm:cxn modelId="{49332112-CAE3-4027-98F7-206072F6C946}" srcId="{A0ACE738-1680-49A9-A2CF-D906803B030E}" destId="{044F67A8-0C65-405B-8D23-00B0415270C1}" srcOrd="4" destOrd="0" parTransId="{6588AB7E-CBD5-4649-B6E3-25B31F5667C4}" sibTransId="{129AFC1F-730B-40DC-ABA7-1CD98C59C6BA}"/>
+    <dgm:cxn modelId="{0CE6ECBA-B722-4295-B6B2-5259046092E9}" srcId="{A80ADC32-1240-44A9-8D10-689B131ED7C4}" destId="{549ACBF8-7430-46D9-8339-874950FB366A}" srcOrd="0" destOrd="0" parTransId="{AE219D22-E614-42D9-933D-F2CAABDD96DD}" sibTransId="{FE411B50-16E6-4BFE-BCED-3F3D642BD122}"/>
+    <dgm:cxn modelId="{07F83F7A-C77E-4639-A83D-5FBF94324F41}" type="presOf" srcId="{14588E69-6899-4F1F-B273-599A71EBC9D7}" destId="{1B82D982-125A-4B17-9093-4DD998576D21}" srcOrd="0" destOrd="0" presId="urn:microsoft.com/office/officeart/2005/8/layout/lProcess3"/>
+    <dgm:cxn modelId="{1626726C-54F0-46E4-A49B-6BB47C4884DC}" srcId="{A80ADC32-1240-44A9-8D10-689B131ED7C4}" destId="{A0ACE738-1680-49A9-A2CF-D906803B030E}" srcOrd="1" destOrd="0" parTransId="{A4A00D55-2074-405C-AB24-EB32EBA8645F}" sibTransId="{0AB44536-5AE8-4110-849A-66F7C6FC73DB}"/>
+    <dgm:cxn modelId="{FA10973D-8767-40DD-9300-26136123BDA3}" type="presOf" srcId="{549ACBF8-7430-46D9-8339-874950FB366A}" destId="{8897FB83-C378-44D3-B544-CCCA50E493FA}" srcOrd="0" destOrd="0" presId="urn:microsoft.com/office/officeart/2005/8/layout/lProcess3"/>
+    <dgm:cxn modelId="{0452ABD0-B8AF-4389-A49D-B494462EF935}" srcId="{549ACBF8-7430-46D9-8339-874950FB366A}" destId="{14588E69-6899-4F1F-B273-599A71EBC9D7}" srcOrd="2" destOrd="0" parTransId="{EAAB7090-D874-46C5-9CE1-D5E4FBD9834B}" sibTransId="{657EF155-E704-41B9-8E16-2C9B05F162EF}"/>
+    <dgm:cxn modelId="{13F4B846-3A4A-44F0-9189-89F28AE9915C}" srcId="{549ACBF8-7430-46D9-8339-874950FB366A}" destId="{B4B2491C-5DBC-436E-866C-A0494F15234A}" srcOrd="0" destOrd="0" parTransId="{C58778CF-5D33-43C0-96C4-1AAE055E3806}" sibTransId="{B9AE3E08-7401-40CF-BDE9-FDEE4A8DCB93}"/>
+    <dgm:cxn modelId="{C3EE9C67-B8B2-4C6A-B4D5-85CA9476923D}" type="presOf" srcId="{A00A666A-6AB4-495C-B885-6ABCD9D9C6FB}" destId="{48765ED3-077E-4B76-A89E-7C26D9BBEBC4}" srcOrd="0" destOrd="0" presId="urn:microsoft.com/office/officeart/2005/8/layout/lProcess3"/>
+    <dgm:cxn modelId="{8D96B745-6FC1-441A-84D2-6657BBF939E4}" srcId="{A0ACE738-1680-49A9-A2CF-D906803B030E}" destId="{083A6C85-6FFB-4B4D-8D74-D8F48FD8829A}" srcOrd="1" destOrd="0" parTransId="{B5562EFC-1557-49F8-B505-B45BA63813C6}" sibTransId="{B883A520-9975-45C4-A008-F841CED759DD}"/>
+    <dgm:cxn modelId="{DD5202E2-8C4D-43A8-BE0D-7D8CF3368668}" type="presOf" srcId="{B4B2491C-5DBC-436E-866C-A0494F15234A}" destId="{E686387D-616A-4F98-990F-FBCDBE8E26E5}" srcOrd="0" destOrd="0" presId="urn:microsoft.com/office/officeart/2005/8/layout/lProcess3"/>
+    <dgm:cxn modelId="{75F6B27D-A442-4C91-A7A9-A5B8AE199420}" type="presOf" srcId="{044F67A8-0C65-405B-8D23-00B0415270C1}" destId="{120A6866-71AF-4668-87F2-2D737620263E}" srcOrd="0" destOrd="0" presId="urn:microsoft.com/office/officeart/2005/8/layout/lProcess3"/>
+    <dgm:cxn modelId="{7FE338E9-B6F9-4B44-973C-32BFC4F19575}" srcId="{549ACBF8-7430-46D9-8339-874950FB366A}" destId="{4BAAF9E6-4EEA-4F67-B767-038B4C129EF6}" srcOrd="4" destOrd="0" parTransId="{578CCCFE-0959-465C-8C7F-EF451BD3E318}" sibTransId="{0E766B73-2495-4B97-943D-F917B7F53DC7}"/>
+    <dgm:cxn modelId="{7896C46A-ACEC-4CF4-86D9-65F52CB87E06}" srcId="{A0ACE738-1680-49A9-A2CF-D906803B030E}" destId="{E2F21A9B-00DA-4D55-B768-C79D3328E3BE}" srcOrd="3" destOrd="0" parTransId="{3FBECDE3-B7DF-41C7-839A-967A79A9E31C}" sibTransId="{34E3A36A-4E21-4CB1-B0F0-55BF2B059753}"/>
+    <dgm:cxn modelId="{595C99A7-D46B-44BB-ABC3-8F077590AD91}" type="presOf" srcId="{4BAAF9E6-4EEA-4F67-B767-038B4C129EF6}" destId="{08E94FF5-BC66-4B8D-8967-BE71F1CB4EDC}" srcOrd="0" destOrd="0" presId="urn:microsoft.com/office/officeart/2005/8/layout/lProcess3"/>
+    <dgm:cxn modelId="{D56F8DFE-165F-40BA-A4E4-4E592B65E34F}" srcId="{549ACBF8-7430-46D9-8339-874950FB366A}" destId="{9AB6D8E7-86BD-4A09-9E94-09503E3538EE}" srcOrd="1" destOrd="0" parTransId="{B4805897-718D-47D9-8410-86FBE07C65A7}" sibTransId="{D9CCF4A3-B52A-43D1-9DCD-6DD1861A3B49}"/>
+    <dgm:cxn modelId="{636607E7-43C7-4FD0-9749-C9245976A68A}" srcId="{A0ACE738-1680-49A9-A2CF-D906803B030E}" destId="{FF92E042-F1C1-4BC6-BA3F-C741F5ED9AB5}" srcOrd="5" destOrd="0" parTransId="{CD0106D6-F3F8-43D1-90B7-A48B899A1EAD}" sibTransId="{907133C3-2063-49AF-AF0C-9A21E4C33D9E}"/>
+    <dgm:cxn modelId="{B1B9AAA5-1748-4253-AA4F-3EA0FC2B3FE7}" type="presOf" srcId="{FF92E042-F1C1-4BC6-BA3F-C741F5ED9AB5}" destId="{86A88084-04D1-453D-9EB9-B02F0C23CC18}" srcOrd="0" destOrd="0" presId="urn:microsoft.com/office/officeart/2005/8/layout/lProcess3"/>
+    <dgm:cxn modelId="{27387CF2-0AD1-4E7E-AC6B-84278399C2E8}" srcId="{549ACBF8-7430-46D9-8339-874950FB366A}" destId="{36D39F46-44D7-415F-AAFF-5457B1161AF6}" srcOrd="3" destOrd="0" parTransId="{638078A6-F5E3-494B-8E8B-F2155CD16EA1}" sibTransId="{50B78A94-15AC-4F2F-BD07-128463FB03D5}"/>
+    <dgm:cxn modelId="{4E79F56D-4ADA-4856-81A5-13E7B7BB6808}" srcId="{A0ACE738-1680-49A9-A2CF-D906803B030E}" destId="{A00A666A-6AB4-495C-B885-6ABCD9D9C6FB}" srcOrd="2" destOrd="0" parTransId="{6CF900BF-FEA0-4F4C-942D-DC3373394B80}" sibTransId="{37123E94-F4EA-4CA5-9A8F-E637094D8DFC}"/>
+    <dgm:cxn modelId="{296330D7-E3EA-4CBD-916E-7310BB5EE1B2}" type="presOf" srcId="{4FF48E9C-E9AC-4281-B947-D8FFE3DECE5C}" destId="{1F3A26B7-5C5F-444E-B2F4-81A4EF68D39C}" srcOrd="0" destOrd="0" presId="urn:microsoft.com/office/officeart/2005/8/layout/lProcess3"/>
+    <dgm:cxn modelId="{CFBBAB9D-982D-44E2-B39C-0255DD9A634C}" type="presOf" srcId="{A80ADC32-1240-44A9-8D10-689B131ED7C4}" destId="{C4C5BB40-2CB3-4FCC-A7B5-C0179DBBBF29}" srcOrd="0" destOrd="0" presId="urn:microsoft.com/office/officeart/2005/8/layout/lProcess3"/>
+    <dgm:cxn modelId="{79F4913A-47C1-458E-800D-449BC8892711}" srcId="{549ACBF8-7430-46D9-8339-874950FB366A}" destId="{4FF48E9C-E9AC-4281-B947-D8FFE3DECE5C}" srcOrd="5" destOrd="0" parTransId="{AD6C5DF5-E1B9-420E-AFE1-5E41149C2570}" sibTransId="{505D2657-8F3B-4007-A1B2-8CCFA7146CF7}"/>
+    <dgm:cxn modelId="{0EB28D21-0630-4964-BC16-4FBC0D63EE43}" type="presOf" srcId="{2511BAFD-47B8-4760-8EF9-78CFD45E3974}" destId="{2656222E-D64A-4B08-A85D-221DB764442B}" srcOrd="0" destOrd="0" presId="urn:microsoft.com/office/officeart/2005/8/layout/lProcess3"/>
+    <dgm:cxn modelId="{5A40ECBD-BA98-484B-8866-8211C9586F02}" type="presOf" srcId="{36D39F46-44D7-415F-AAFF-5457B1161AF6}" destId="{0422B60C-0DD5-4DD4-B675-31405221A894}" srcOrd="0" destOrd="0" presId="urn:microsoft.com/office/officeart/2005/8/layout/lProcess3"/>
+    <dgm:cxn modelId="{38452B9F-079B-43EE-9A1D-BABB5DEF9DA7}" type="presOf" srcId="{E2F21A9B-00DA-4D55-B768-C79D3328E3BE}" destId="{CE31B4AC-3DDB-4EC4-811E-AFA799FA1C15}" srcOrd="0" destOrd="0" presId="urn:microsoft.com/office/officeart/2005/8/layout/lProcess3"/>
+    <dgm:cxn modelId="{3B3BC6A7-D0F5-4A43-BBD5-A959D8BFBF5F}" type="presOf" srcId="{A0ACE738-1680-49A9-A2CF-D906803B030E}" destId="{3630A457-5CC4-40A5-A107-01C78963D87C}" srcOrd="0" destOrd="0" presId="urn:microsoft.com/office/officeart/2005/8/layout/lProcess3"/>
+    <dgm:cxn modelId="{541A2BE4-F605-4139-A89C-0AFB006E6BB0}" srcId="{A0ACE738-1680-49A9-A2CF-D906803B030E}" destId="{2511BAFD-47B8-4760-8EF9-78CFD45E3974}" srcOrd="0" destOrd="0" parTransId="{60989FC9-0B14-4AA6-804D-223E28E67923}" sibTransId="{7C249041-5E17-4F84-990E-5F8426AEC0A6}"/>
+    <dgm:cxn modelId="{4A828D74-D111-447A-AAF9-46D41F51B5E5}" type="presOf" srcId="{083A6C85-6FFB-4B4D-8D74-D8F48FD8829A}" destId="{59ECF31A-0156-405E-9EE6-10BE123BFF6E}" srcOrd="0" destOrd="0" presId="urn:microsoft.com/office/officeart/2005/8/layout/lProcess3"/>
+    <dgm:cxn modelId="{71EF369B-BB3F-4696-BAF7-AC2B38808F4B}" type="presParOf" srcId="{C4C5BB40-2CB3-4FCC-A7B5-C0179DBBBF29}" destId="{144BC6F2-0B73-49AC-AC02-AAF3E83C24EB}" srcOrd="0" destOrd="0" presId="urn:microsoft.com/office/officeart/2005/8/layout/lProcess3"/>
+    <dgm:cxn modelId="{DF21FEDF-2779-4399-AD79-4A486854C540}" type="presParOf" srcId="{144BC6F2-0B73-49AC-AC02-AAF3E83C24EB}" destId="{8897FB83-C378-44D3-B544-CCCA50E493FA}" srcOrd="0" destOrd="0" presId="urn:microsoft.com/office/officeart/2005/8/layout/lProcess3"/>
+    <dgm:cxn modelId="{69232E6A-73F4-4EDF-AA14-54CD52261A0D}" type="presParOf" srcId="{144BC6F2-0B73-49AC-AC02-AAF3E83C24EB}" destId="{25215EDD-48C1-4736-A8BD-0063033D24E7}" srcOrd="1" destOrd="0" presId="urn:microsoft.com/office/officeart/2005/8/layout/lProcess3"/>
+    <dgm:cxn modelId="{751081BC-EC82-4F27-8EFB-8CE51E631BFA}" type="presParOf" srcId="{144BC6F2-0B73-49AC-AC02-AAF3E83C24EB}" destId="{E686387D-616A-4F98-990F-FBCDBE8E26E5}" srcOrd="2" destOrd="0" presId="urn:microsoft.com/office/officeart/2005/8/layout/lProcess3"/>
+    <dgm:cxn modelId="{4E4F6350-9D3F-4F5B-8DA4-B53C37403F9A}" type="presParOf" srcId="{144BC6F2-0B73-49AC-AC02-AAF3E83C24EB}" destId="{67FE1027-490E-47D7-BD72-E18CE82F33AD}" srcOrd="3" destOrd="0" presId="urn:microsoft.com/office/officeart/2005/8/layout/lProcess3"/>
+    <dgm:cxn modelId="{9BE51C19-FDCE-4441-8969-00C8C52CCBE7}" type="presParOf" srcId="{144BC6F2-0B73-49AC-AC02-AAF3E83C24EB}" destId="{158CF9EF-55D6-45A4-8B21-598846198B97}" srcOrd="4" destOrd="0" presId="urn:microsoft.com/office/officeart/2005/8/layout/lProcess3"/>
+    <dgm:cxn modelId="{0495D128-7A25-4D13-9D8B-F1ACFD8035D1}" type="presParOf" srcId="{144BC6F2-0B73-49AC-AC02-AAF3E83C24EB}" destId="{DA7C4B11-2C5A-4FC8-A903-F716E01932FB}" srcOrd="5" destOrd="0" presId="urn:microsoft.com/office/officeart/2005/8/layout/lProcess3"/>
+    <dgm:cxn modelId="{678CE5D3-3324-4E3D-94B7-B0B11D815BE1}" type="presParOf" srcId="{144BC6F2-0B73-49AC-AC02-AAF3E83C24EB}" destId="{1B82D982-125A-4B17-9093-4DD998576D21}" srcOrd="6" destOrd="0" presId="urn:microsoft.com/office/officeart/2005/8/layout/lProcess3"/>
+    <dgm:cxn modelId="{21D4C20E-7547-47BC-A2C3-E9637FDDAAB1}" type="presParOf" srcId="{144BC6F2-0B73-49AC-AC02-AAF3E83C24EB}" destId="{13BFB0C2-96F0-4800-A5B8-CC59DBCC2583}" srcOrd="7" destOrd="0" presId="urn:microsoft.com/office/officeart/2005/8/layout/lProcess3"/>
+    <dgm:cxn modelId="{F78A8FFC-C976-4A0C-BABA-D6C6D664CC88}" type="presParOf" srcId="{144BC6F2-0B73-49AC-AC02-AAF3E83C24EB}" destId="{0422B60C-0DD5-4DD4-B675-31405221A894}" srcOrd="8" destOrd="0" presId="urn:microsoft.com/office/officeart/2005/8/layout/lProcess3"/>
+    <dgm:cxn modelId="{40A37C23-AA8A-490F-BBC1-CE40E9FC1D0B}" type="presParOf" srcId="{144BC6F2-0B73-49AC-AC02-AAF3E83C24EB}" destId="{E038DDDF-AFB6-4D89-AA91-A29EC8E0BFC5}" srcOrd="9" destOrd="0" presId="urn:microsoft.com/office/officeart/2005/8/layout/lProcess3"/>
+    <dgm:cxn modelId="{503C1050-D7E5-4291-9A5D-56F19A96813B}" type="presParOf" srcId="{144BC6F2-0B73-49AC-AC02-AAF3E83C24EB}" destId="{08E94FF5-BC66-4B8D-8967-BE71F1CB4EDC}" srcOrd="10" destOrd="0" presId="urn:microsoft.com/office/officeart/2005/8/layout/lProcess3"/>
+    <dgm:cxn modelId="{FA265D4D-0598-4401-9BB1-4C13251D0543}" type="presParOf" srcId="{144BC6F2-0B73-49AC-AC02-AAF3E83C24EB}" destId="{6EFDB8A9-DBD3-436E-925C-019364F1399B}" srcOrd="11" destOrd="0" presId="urn:microsoft.com/office/officeart/2005/8/layout/lProcess3"/>
+    <dgm:cxn modelId="{6AD6D976-CB2B-4E50-B052-6D7BFC8697DB}" type="presParOf" srcId="{144BC6F2-0B73-49AC-AC02-AAF3E83C24EB}" destId="{1F3A26B7-5C5F-444E-B2F4-81A4EF68D39C}" srcOrd="12" destOrd="0" presId="urn:microsoft.com/office/officeart/2005/8/layout/lProcess3"/>
+    <dgm:cxn modelId="{60442C2D-06DC-4622-8BE9-02C40B82497F}" type="presParOf" srcId="{C4C5BB40-2CB3-4FCC-A7B5-C0179DBBBF29}" destId="{F24156C7-0CE1-47F6-B830-542DA6E9F01C}" srcOrd="1" destOrd="0" presId="urn:microsoft.com/office/officeart/2005/8/layout/lProcess3"/>
+    <dgm:cxn modelId="{A506442E-1E1E-4C86-952D-59A1C77ACB1B}" type="presParOf" srcId="{C4C5BB40-2CB3-4FCC-A7B5-C0179DBBBF29}" destId="{0F20FA86-30AA-4A3C-B801-13410566321A}" srcOrd="2" destOrd="0" presId="urn:microsoft.com/office/officeart/2005/8/layout/lProcess3"/>
+    <dgm:cxn modelId="{843FEA72-2324-4FA8-93E5-255057E14ECC}" type="presParOf" srcId="{0F20FA86-30AA-4A3C-B801-13410566321A}" destId="{3630A457-5CC4-40A5-A107-01C78963D87C}" srcOrd="0" destOrd="0" presId="urn:microsoft.com/office/officeart/2005/8/layout/lProcess3"/>
+    <dgm:cxn modelId="{0DCA0B10-BC80-44DD-B6C7-21CB17CC2BDB}" type="presParOf" srcId="{0F20FA86-30AA-4A3C-B801-13410566321A}" destId="{CCC55C86-4D7A-4D89-9ABB-BE5EF99E6671}" srcOrd="1" destOrd="0" presId="urn:microsoft.com/office/officeart/2005/8/layout/lProcess3"/>
+    <dgm:cxn modelId="{5FC7E996-6F8D-4698-AE01-171B9239E49A}" type="presParOf" srcId="{0F20FA86-30AA-4A3C-B801-13410566321A}" destId="{2656222E-D64A-4B08-A85D-221DB764442B}" srcOrd="2" destOrd="0" presId="urn:microsoft.com/office/officeart/2005/8/layout/lProcess3"/>
+    <dgm:cxn modelId="{D5F561A1-62B9-44D3-892E-D07BEA9AEC35}" type="presParOf" srcId="{0F20FA86-30AA-4A3C-B801-13410566321A}" destId="{3C8A7E34-CA11-4ABE-B21E-3E632B5FD766}" srcOrd="3" destOrd="0" presId="urn:microsoft.com/office/officeart/2005/8/layout/lProcess3"/>
+    <dgm:cxn modelId="{0C7B3A88-AB8E-43E2-97B6-FF8A011F1346}" type="presParOf" srcId="{0F20FA86-30AA-4A3C-B801-13410566321A}" destId="{59ECF31A-0156-405E-9EE6-10BE123BFF6E}" srcOrd="4" destOrd="0" presId="urn:microsoft.com/office/officeart/2005/8/layout/lProcess3"/>
+    <dgm:cxn modelId="{A637E1CE-CB78-4C4B-AADA-67A9DD07C5D1}" type="presParOf" srcId="{0F20FA86-30AA-4A3C-B801-13410566321A}" destId="{7C2C4CCA-A41C-4806-92B8-8AB4068B0CCA}" srcOrd="5" destOrd="0" presId="urn:microsoft.com/office/officeart/2005/8/layout/lProcess3"/>
+    <dgm:cxn modelId="{71F1717B-0A75-4B94-B069-94F22D8DF0C6}" type="presParOf" srcId="{0F20FA86-30AA-4A3C-B801-13410566321A}" destId="{48765ED3-077E-4B76-A89E-7C26D9BBEBC4}" srcOrd="6" destOrd="0" presId="urn:microsoft.com/office/officeart/2005/8/layout/lProcess3"/>
+    <dgm:cxn modelId="{61B50044-D79B-4AA3-AD00-C096DE7EC777}" type="presParOf" srcId="{0F20FA86-30AA-4A3C-B801-13410566321A}" destId="{AA3C8FF0-68A1-49BD-B917-95315D03D577}" srcOrd="7" destOrd="0" presId="urn:microsoft.com/office/officeart/2005/8/layout/lProcess3"/>
+    <dgm:cxn modelId="{2816E14B-EA0E-4AF9-8B9C-5D4A17227C07}" type="presParOf" srcId="{0F20FA86-30AA-4A3C-B801-13410566321A}" destId="{CE31B4AC-3DDB-4EC4-811E-AFA799FA1C15}" srcOrd="8" destOrd="0" presId="urn:microsoft.com/office/officeart/2005/8/layout/lProcess3"/>
+    <dgm:cxn modelId="{E246EDF3-C3CF-4833-B753-607AA771942D}" type="presParOf" srcId="{0F20FA86-30AA-4A3C-B801-13410566321A}" destId="{4EEE7826-8C79-468E-8654-F8AEF50E5F7C}" srcOrd="9" destOrd="0" presId="urn:microsoft.com/office/officeart/2005/8/layout/lProcess3"/>
+    <dgm:cxn modelId="{22439C45-3E48-4D41-B3F1-28279DEBDA40}" type="presParOf" srcId="{0F20FA86-30AA-4A3C-B801-13410566321A}" destId="{120A6866-71AF-4668-87F2-2D737620263E}" srcOrd="10" destOrd="0" presId="urn:microsoft.com/office/officeart/2005/8/layout/lProcess3"/>
+    <dgm:cxn modelId="{C88D2265-5A79-4C66-A47D-DDCC241989B1}" type="presParOf" srcId="{0F20FA86-30AA-4A3C-B801-13410566321A}" destId="{F8671482-3D78-470D-A761-3AB6A1A75568}" srcOrd="11" destOrd="0" presId="urn:microsoft.com/office/officeart/2005/8/layout/lProcess3"/>
+    <dgm:cxn modelId="{8B78E805-5427-40EA-9A6C-16DDC78B365F}" type="presParOf" srcId="{0F20FA86-30AA-4A3C-B801-13410566321A}" destId="{86A88084-04D1-453D-9EB9-B02F0C23CC18}" srcOrd="12" destOrd="0" presId="urn:microsoft.com/office/officeart/2005/8/layout/lProcess3"/>
+  </dgm:cxnLst>
+  <dgm:bg/>
+  <dgm:whole/>
+  <dgm:extLst>
+    <a:ext uri="http://schemas.microsoft.com/office/drawing/2008/diagram">
+      <dsp:dataModelExt xmlns:dsp="http://schemas.microsoft.com/office/drawing/2008/diagram" relId="rId6" minVer="http://schemas.openxmlformats.org/drawingml/2006/diagram"/>
+    </a:ext>
+  </dgm:extLst>
+</dgm:dataModel>
+</file>
+
+<file path=ppt/diagrams/data2.xml><?xml version="1.0" encoding="utf-8"?>
+<dgm:dataModel xmlns:dgm="http://schemas.openxmlformats.org/drawingml/2006/diagram" xmlns:a="http://schemas.openxmlformats.org/drawingml/2006/main">
+  <dgm:ptLst>
+    <dgm:pt modelId="{7B4D74AC-A593-4F73-BCAD-D9C81D9C731F}" type="doc">
+      <dgm:prSet loTypeId="urn:microsoft.com/office/officeart/2005/8/layout/lProcess3" loCatId="process" qsTypeId="urn:microsoft.com/office/officeart/2005/8/quickstyle/simple1" qsCatId="simple" csTypeId="urn:microsoft.com/office/officeart/2005/8/colors/accent1_2" csCatId="accent1" phldr="1"/>
+      <dgm:spPr/>
+      <dgm:t>
+        <a:bodyPr/>
+        <a:lstStyle/>
+        <a:p>
+          <a:endParaRPr lang="en-US"/>
+        </a:p>
+      </dgm:t>
+    </dgm:pt>
+    <dgm:pt modelId="{8ED92E66-6407-44FD-921E-FE84F85EC276}">
+      <dgm:prSet/>
+      <dgm:spPr/>
+      <dgm:t>
+        <a:bodyPr/>
+        <a:lstStyle/>
+        <a:p>
+          <a:pPr rtl="0"/>
+          <a:r>
+            <a:rPr lang="en-US" b="1" baseline="0" dirty="0" smtClean="0"/>
+            <a:t>Student(Before)</a:t>
+          </a:r>
+          <a:endParaRPr lang="en-US" dirty="0"/>
+        </a:p>
+      </dgm:t>
+    </dgm:pt>
+    <dgm:pt modelId="{7864B6C8-DD17-4FCE-80EB-5EDB9A70C7D3}" type="parTrans" cxnId="{074717B5-A1F6-46AE-9A72-7074EBDBE773}">
+      <dgm:prSet/>
+      <dgm:spPr/>
+      <dgm:t>
+        <a:bodyPr/>
+        <a:lstStyle/>
+        <a:p>
+          <a:endParaRPr lang="en-US"/>
+        </a:p>
+      </dgm:t>
+    </dgm:pt>
+    <dgm:pt modelId="{73DE67CA-BEDE-4D30-81CD-3C68A3DAFA44}" type="sibTrans" cxnId="{074717B5-A1F6-46AE-9A72-7074EBDBE773}">
+      <dgm:prSet/>
+      <dgm:spPr/>
+      <dgm:t>
+        <a:bodyPr/>
+        <a:lstStyle/>
+        <a:p>
+          <a:endParaRPr lang="en-US"/>
+        </a:p>
+      </dgm:t>
+    </dgm:pt>
+    <dgm:pt modelId="{9BBDE11D-946C-4141-AFB7-1D98536E8C61}">
+      <dgm:prSet/>
+      <dgm:spPr/>
+      <dgm:t>
+        <a:bodyPr/>
+        <a:lstStyle/>
+        <a:p>
+          <a:pPr rtl="0"/>
+          <a:r>
+            <a:rPr lang="en-US" baseline="0" smtClean="0"/>
+            <a:t>iOS application.</a:t>
+          </a:r>
+          <a:endParaRPr lang="en-US"/>
+        </a:p>
+      </dgm:t>
+    </dgm:pt>
+    <dgm:pt modelId="{A8702FA0-5F59-4B93-9076-86ABA84C871F}" type="parTrans" cxnId="{C0D98F4A-9F31-4529-8163-570FACC0F7E1}">
+      <dgm:prSet/>
+      <dgm:spPr/>
+      <dgm:t>
+        <a:bodyPr/>
+        <a:lstStyle/>
+        <a:p>
+          <a:endParaRPr lang="en-US"/>
+        </a:p>
+      </dgm:t>
+    </dgm:pt>
+    <dgm:pt modelId="{14EDDD95-DEF6-4BBC-9EFB-96E015D1D13A}" type="sibTrans" cxnId="{C0D98F4A-9F31-4529-8163-570FACC0F7E1}">
+      <dgm:prSet/>
+      <dgm:spPr/>
+      <dgm:t>
+        <a:bodyPr/>
+        <a:lstStyle/>
+        <a:p>
+          <a:endParaRPr lang="en-US"/>
+        </a:p>
+      </dgm:t>
+    </dgm:pt>
+    <dgm:pt modelId="{65B7FAF7-4262-4354-889F-86391751D0CE}">
+      <dgm:prSet/>
+      <dgm:spPr/>
+      <dgm:t>
+        <a:bodyPr/>
+        <a:lstStyle/>
+        <a:p>
+          <a:pPr rtl="0"/>
+          <a:r>
+            <a:rPr lang="en-US" baseline="0" smtClean="0"/>
+            <a:t>Persistent Login</a:t>
+          </a:r>
+          <a:endParaRPr lang="en-US"/>
+        </a:p>
+      </dgm:t>
+    </dgm:pt>
+    <dgm:pt modelId="{B972FC22-4B07-4D51-A4BE-74F9A3373B35}" type="parTrans" cxnId="{ADE6D5CE-D221-4FDB-ABCA-AEB3610AC6E9}">
+      <dgm:prSet/>
+      <dgm:spPr/>
+      <dgm:t>
+        <a:bodyPr/>
+        <a:lstStyle/>
+        <a:p>
+          <a:endParaRPr lang="en-US"/>
+        </a:p>
+      </dgm:t>
+    </dgm:pt>
+    <dgm:pt modelId="{657C235A-7275-466C-8DA1-5CD27F5E1614}" type="sibTrans" cxnId="{ADE6D5CE-D221-4FDB-ABCA-AEB3610AC6E9}">
+      <dgm:prSet/>
+      <dgm:spPr/>
+      <dgm:t>
+        <a:bodyPr/>
+        <a:lstStyle/>
+        <a:p>
+          <a:endParaRPr lang="en-US"/>
+        </a:p>
+      </dgm:t>
+    </dgm:pt>
+    <dgm:pt modelId="{E64BE0B1-C71C-4CFD-9E9C-4E40E5B91C9D}">
+      <dgm:prSet/>
+      <dgm:spPr/>
+      <dgm:t>
+        <a:bodyPr/>
+        <a:lstStyle/>
+        <a:p>
+          <a:pPr rtl="0"/>
+          <a:r>
+            <a:rPr lang="en-US" baseline="0" smtClean="0"/>
+            <a:t>Scan and Capture QR</a:t>
+          </a:r>
+          <a:endParaRPr lang="en-US"/>
+        </a:p>
+      </dgm:t>
+    </dgm:pt>
+    <dgm:pt modelId="{C311E722-17ED-4412-9F8A-C92D8E90E9EB}" type="parTrans" cxnId="{C3EFB7E8-34C0-4E49-8F1E-04054930394C}">
+      <dgm:prSet/>
+      <dgm:spPr/>
+      <dgm:t>
+        <a:bodyPr/>
+        <a:lstStyle/>
+        <a:p>
+          <a:endParaRPr lang="en-US"/>
+        </a:p>
+      </dgm:t>
+    </dgm:pt>
+    <dgm:pt modelId="{9A70F99C-0FC6-44E2-B98C-AED58C942E65}" type="sibTrans" cxnId="{C3EFB7E8-34C0-4E49-8F1E-04054930394C}">
+      <dgm:prSet/>
+      <dgm:spPr/>
+      <dgm:t>
+        <a:bodyPr/>
+        <a:lstStyle/>
+        <a:p>
+          <a:endParaRPr lang="en-US"/>
+        </a:p>
+      </dgm:t>
+    </dgm:pt>
+    <dgm:pt modelId="{D9525DC3-C28F-4151-9ACF-8100344CEE69}">
+      <dgm:prSet/>
+      <dgm:spPr/>
+      <dgm:t>
+        <a:bodyPr/>
+        <a:lstStyle/>
+        <a:p>
+          <a:pPr rtl="0"/>
+          <a:r>
+            <a:rPr lang="en-US" baseline="0" smtClean="0"/>
+            <a:t>View courses registered</a:t>
+          </a:r>
+          <a:endParaRPr lang="en-US"/>
+        </a:p>
+      </dgm:t>
+    </dgm:pt>
+    <dgm:pt modelId="{EE715F2D-B812-4E68-A453-483BB0DBCB4D}" type="parTrans" cxnId="{E045F890-30B6-4CC2-8C4C-E3E99CD5C85A}">
+      <dgm:prSet/>
+      <dgm:spPr/>
+      <dgm:t>
+        <a:bodyPr/>
+        <a:lstStyle/>
+        <a:p>
+          <a:endParaRPr lang="en-US"/>
+        </a:p>
+      </dgm:t>
+    </dgm:pt>
+    <dgm:pt modelId="{482FABEA-B9B6-44D0-B10B-B13666439C16}" type="sibTrans" cxnId="{E045F890-30B6-4CC2-8C4C-E3E99CD5C85A}">
+      <dgm:prSet/>
+      <dgm:spPr/>
+      <dgm:t>
+        <a:bodyPr/>
+        <a:lstStyle/>
+        <a:p>
+          <a:endParaRPr lang="en-US"/>
+        </a:p>
+      </dgm:t>
+    </dgm:pt>
+    <dgm:pt modelId="{834E9F12-1B29-4A3E-A0B4-50104DB59D16}">
+      <dgm:prSet/>
+      <dgm:spPr/>
+      <dgm:t>
+        <a:bodyPr/>
+        <a:lstStyle/>
+        <a:p>
+          <a:pPr rtl="0"/>
+          <a:r>
+            <a:rPr lang="en-US" baseline="0" smtClean="0"/>
+            <a:t>View attendance percentage</a:t>
+          </a:r>
+          <a:endParaRPr lang="en-US"/>
+        </a:p>
+      </dgm:t>
+    </dgm:pt>
+    <dgm:pt modelId="{FA0A700E-C1E8-4C30-BF1B-604491B58223}" type="parTrans" cxnId="{7AF1AC3F-3F42-45DF-8D07-EF91AA4C1078}">
+      <dgm:prSet/>
+      <dgm:spPr/>
+      <dgm:t>
+        <a:bodyPr/>
+        <a:lstStyle/>
+        <a:p>
+          <a:endParaRPr lang="en-US"/>
+        </a:p>
+      </dgm:t>
+    </dgm:pt>
+    <dgm:pt modelId="{4A9F5246-B350-4BFD-B0DF-6132EE410BB5}" type="sibTrans" cxnId="{7AF1AC3F-3F42-45DF-8D07-EF91AA4C1078}">
+      <dgm:prSet/>
+      <dgm:spPr/>
+      <dgm:t>
+        <a:bodyPr/>
+        <a:lstStyle/>
+        <a:p>
+          <a:endParaRPr lang="en-US"/>
+        </a:p>
+      </dgm:t>
+    </dgm:pt>
+    <dgm:pt modelId="{E8F2D828-7A81-4F56-8A48-12CB9D96DC14}">
+      <dgm:prSet/>
+      <dgm:spPr/>
+      <dgm:t>
+        <a:bodyPr/>
+        <a:lstStyle/>
+        <a:p>
+          <a:pPr rtl="0"/>
+          <a:r>
+            <a:rPr lang="en-US" baseline="0" smtClean="0"/>
+            <a:t>Appropriate Feedback</a:t>
+          </a:r>
+          <a:endParaRPr lang="en-US"/>
+        </a:p>
+      </dgm:t>
+    </dgm:pt>
+    <dgm:pt modelId="{C7318EFD-7BF1-4001-8FFC-AEA316EA996E}" type="parTrans" cxnId="{F0833282-A344-4FE1-A04F-B598E8C85656}">
+      <dgm:prSet/>
+      <dgm:spPr/>
+      <dgm:t>
+        <a:bodyPr/>
+        <a:lstStyle/>
+        <a:p>
+          <a:endParaRPr lang="en-US"/>
+        </a:p>
+      </dgm:t>
+    </dgm:pt>
+    <dgm:pt modelId="{AA830B94-F7C6-4A20-AA88-13BEE0519FBB}" type="sibTrans" cxnId="{F0833282-A344-4FE1-A04F-B598E8C85656}">
+      <dgm:prSet/>
+      <dgm:spPr/>
+      <dgm:t>
+        <a:bodyPr/>
+        <a:lstStyle/>
+        <a:p>
+          <a:endParaRPr lang="en-US"/>
+        </a:p>
+      </dgm:t>
+    </dgm:pt>
+    <dgm:pt modelId="{C2F9F271-64B0-41D6-A7D5-27382FD51ABF}">
+      <dgm:prSet/>
+      <dgm:spPr/>
+      <dgm:t>
+        <a:bodyPr/>
+        <a:lstStyle/>
+        <a:p>
+          <a:pPr rtl="0"/>
+          <a:r>
+            <a:rPr lang="en-US" b="1" baseline="0" dirty="0" smtClean="0"/>
+            <a:t>Student(Now)</a:t>
+          </a:r>
+          <a:endParaRPr lang="en-US" dirty="0"/>
+        </a:p>
+      </dgm:t>
+    </dgm:pt>
+    <dgm:pt modelId="{D3037F62-4EF9-437A-B7C5-049CB2AF63A1}" type="parTrans" cxnId="{B316E536-3497-4AC6-8BE5-C2D0CDC3567B}">
+      <dgm:prSet/>
+      <dgm:spPr/>
+      <dgm:t>
+        <a:bodyPr/>
+        <a:lstStyle/>
+        <a:p>
+          <a:endParaRPr lang="en-US"/>
+        </a:p>
+      </dgm:t>
+    </dgm:pt>
+    <dgm:pt modelId="{99B56656-CE0B-4F46-9FA3-2BFB74822A17}" type="sibTrans" cxnId="{B316E536-3497-4AC6-8BE5-C2D0CDC3567B}">
+      <dgm:prSet/>
+      <dgm:spPr/>
+      <dgm:t>
+        <a:bodyPr/>
+        <a:lstStyle/>
+        <a:p>
+          <a:endParaRPr lang="en-US"/>
+        </a:p>
+      </dgm:t>
+    </dgm:pt>
+    <dgm:pt modelId="{8110FF86-ECF1-4B51-AB45-9F942DBC9AC0}">
+      <dgm:prSet/>
+      <dgm:spPr/>
+      <dgm:t>
+        <a:bodyPr/>
+        <a:lstStyle/>
+        <a:p>
+          <a:pPr rtl="0"/>
+          <a:r>
+            <a:rPr lang="en-US" baseline="0" smtClean="0"/>
+            <a:t>iOS application – tabbed.</a:t>
+          </a:r>
+          <a:endParaRPr lang="en-US"/>
+        </a:p>
+      </dgm:t>
+    </dgm:pt>
+    <dgm:pt modelId="{9F35A48C-E748-4B82-ABA5-E04DC5303289}" type="parTrans" cxnId="{821F55E9-FA49-4BB6-A33D-D8C3168FFC44}">
+      <dgm:prSet/>
+      <dgm:spPr/>
+      <dgm:t>
+        <a:bodyPr/>
+        <a:lstStyle/>
+        <a:p>
+          <a:endParaRPr lang="en-US"/>
+        </a:p>
+      </dgm:t>
+    </dgm:pt>
+    <dgm:pt modelId="{361BD2E7-5210-4588-A684-D897488C591E}" type="sibTrans" cxnId="{821F55E9-FA49-4BB6-A33D-D8C3168FFC44}">
+      <dgm:prSet/>
+      <dgm:spPr/>
+      <dgm:t>
+        <a:bodyPr/>
+        <a:lstStyle/>
+        <a:p>
+          <a:endParaRPr lang="en-US"/>
+        </a:p>
+      </dgm:t>
+    </dgm:pt>
+    <dgm:pt modelId="{FC465601-FED4-4F1A-8D4A-98EADE87D9CF}">
+      <dgm:prSet/>
+      <dgm:spPr/>
+      <dgm:t>
+        <a:bodyPr/>
+        <a:lstStyle/>
+        <a:p>
+          <a:pPr rtl="0"/>
+          <a:r>
+            <a:rPr lang="en-US" baseline="0" smtClean="0"/>
+            <a:t>Persistent Login</a:t>
+          </a:r>
+          <a:endParaRPr lang="en-US"/>
+        </a:p>
+      </dgm:t>
+    </dgm:pt>
+    <dgm:pt modelId="{3C83BB60-F3DF-4C8C-A36F-1F102E840D5D}" type="parTrans" cxnId="{81438ED4-35E4-442B-BBF2-DD95D007880F}">
+      <dgm:prSet/>
+      <dgm:spPr/>
+      <dgm:t>
+        <a:bodyPr/>
+        <a:lstStyle/>
+        <a:p>
+          <a:endParaRPr lang="en-US"/>
+        </a:p>
+      </dgm:t>
+    </dgm:pt>
+    <dgm:pt modelId="{1052A0B4-A1B5-4FE9-AF36-059001C444E0}" type="sibTrans" cxnId="{81438ED4-35E4-442B-BBF2-DD95D007880F}">
+      <dgm:prSet/>
+      <dgm:spPr/>
+      <dgm:t>
+        <a:bodyPr/>
+        <a:lstStyle/>
+        <a:p>
+          <a:endParaRPr lang="en-US"/>
+        </a:p>
+      </dgm:t>
+    </dgm:pt>
+    <dgm:pt modelId="{F4CF6695-2A42-4DCD-AF4B-5D6873A86569}">
+      <dgm:prSet/>
+      <dgm:spPr/>
+      <dgm:t>
+        <a:bodyPr/>
+        <a:lstStyle/>
+        <a:p>
+          <a:pPr rtl="0"/>
+          <a:r>
+            <a:rPr lang="en-US" baseline="0" smtClean="0"/>
+            <a:t>Scan QR</a:t>
+          </a:r>
+          <a:endParaRPr lang="en-US"/>
+        </a:p>
+      </dgm:t>
+    </dgm:pt>
+    <dgm:pt modelId="{7C3F3254-A031-4EC9-BB20-4EE4EB63F957}" type="parTrans" cxnId="{A75047D1-761B-44AF-B775-941C436B09A1}">
+      <dgm:prSet/>
+      <dgm:spPr/>
+      <dgm:t>
+        <a:bodyPr/>
+        <a:lstStyle/>
+        <a:p>
+          <a:endParaRPr lang="en-US"/>
+        </a:p>
+      </dgm:t>
+    </dgm:pt>
+    <dgm:pt modelId="{F93D65F4-4415-4C60-9667-DD4DC8446665}" type="sibTrans" cxnId="{A75047D1-761B-44AF-B775-941C436B09A1}">
+      <dgm:prSet/>
+      <dgm:spPr/>
+      <dgm:t>
+        <a:bodyPr/>
+        <a:lstStyle/>
+        <a:p>
+          <a:endParaRPr lang="en-US"/>
+        </a:p>
+      </dgm:t>
+    </dgm:pt>
+    <dgm:pt modelId="{4F10CD46-D03C-4C30-9A61-B3AAEF34C8B6}">
+      <dgm:prSet/>
+      <dgm:spPr/>
+      <dgm:t>
+        <a:bodyPr/>
+        <a:lstStyle/>
+        <a:p>
+          <a:pPr rtl="0"/>
+          <a:r>
+            <a:rPr lang="en-US" baseline="0" smtClean="0"/>
+            <a:t>View courses registered</a:t>
+          </a:r>
+          <a:endParaRPr lang="en-US"/>
+        </a:p>
+      </dgm:t>
+    </dgm:pt>
+    <dgm:pt modelId="{F7E32598-0CF6-43C0-A5F1-643CC8BA8349}" type="parTrans" cxnId="{26D0BDAB-FEB8-4753-93D9-F5148864893E}">
+      <dgm:prSet/>
+      <dgm:spPr/>
+      <dgm:t>
+        <a:bodyPr/>
+        <a:lstStyle/>
+        <a:p>
+          <a:endParaRPr lang="en-US"/>
+        </a:p>
+      </dgm:t>
+    </dgm:pt>
+    <dgm:pt modelId="{0EC0398B-E253-4636-9E1E-BBDA4D07F5E0}" type="sibTrans" cxnId="{26D0BDAB-FEB8-4753-93D9-F5148864893E}">
+      <dgm:prSet/>
+      <dgm:spPr/>
+      <dgm:t>
+        <a:bodyPr/>
+        <a:lstStyle/>
+        <a:p>
+          <a:endParaRPr lang="en-US"/>
+        </a:p>
+      </dgm:t>
+    </dgm:pt>
+    <dgm:pt modelId="{64201C47-DAED-4B5A-AEBC-D5075DCD1BF7}">
+      <dgm:prSet/>
+      <dgm:spPr/>
+      <dgm:t>
+        <a:bodyPr/>
+        <a:lstStyle/>
+        <a:p>
+          <a:pPr rtl="0"/>
+          <a:r>
+            <a:rPr lang="en-US" baseline="0" smtClean="0"/>
+            <a:t>View attendance percentage</a:t>
+          </a:r>
+          <a:endParaRPr lang="en-US"/>
+        </a:p>
+      </dgm:t>
+    </dgm:pt>
+    <dgm:pt modelId="{92B7BFF8-44A0-452E-91F9-968C8BA15E78}" type="parTrans" cxnId="{BF3598BC-F68C-488D-B351-CAAC28E7FB19}">
+      <dgm:prSet/>
+      <dgm:spPr/>
+      <dgm:t>
+        <a:bodyPr/>
+        <a:lstStyle/>
+        <a:p>
+          <a:endParaRPr lang="en-US"/>
+        </a:p>
+      </dgm:t>
+    </dgm:pt>
+    <dgm:pt modelId="{68C840C4-C838-466D-BCAE-A53441EF6EE5}" type="sibTrans" cxnId="{BF3598BC-F68C-488D-B351-CAAC28E7FB19}">
+      <dgm:prSet/>
+      <dgm:spPr/>
+      <dgm:t>
+        <a:bodyPr/>
+        <a:lstStyle/>
+        <a:p>
+          <a:endParaRPr lang="en-US"/>
+        </a:p>
+      </dgm:t>
+    </dgm:pt>
+    <dgm:pt modelId="{C2A6241B-A60A-40A6-A332-CA1B953C0B89}">
+      <dgm:prSet/>
+      <dgm:spPr/>
+      <dgm:t>
+        <a:bodyPr/>
+        <a:lstStyle/>
+        <a:p>
+          <a:pPr rtl="0"/>
+          <a:r>
+            <a:rPr lang="en-US" baseline="0" smtClean="0"/>
+            <a:t>Appropriate Feedback</a:t>
+          </a:r>
+          <a:endParaRPr lang="en-US"/>
+        </a:p>
+      </dgm:t>
+    </dgm:pt>
+    <dgm:pt modelId="{5CA04940-3D98-47AD-898B-44D2E359A6A7}" type="parTrans" cxnId="{986D9740-F0CF-4E26-9917-041F21878BAF}">
+      <dgm:prSet/>
+      <dgm:spPr/>
+      <dgm:t>
+        <a:bodyPr/>
+        <a:lstStyle/>
+        <a:p>
+          <a:endParaRPr lang="en-US"/>
+        </a:p>
+      </dgm:t>
+    </dgm:pt>
+    <dgm:pt modelId="{9883CD46-4361-4A6B-8433-FBDFA9E812B8}" type="sibTrans" cxnId="{986D9740-F0CF-4E26-9917-041F21878BAF}">
+      <dgm:prSet/>
+      <dgm:spPr/>
+      <dgm:t>
+        <a:bodyPr/>
+        <a:lstStyle/>
+        <a:p>
+          <a:endParaRPr lang="en-US"/>
+        </a:p>
+      </dgm:t>
+    </dgm:pt>
+    <dgm:pt modelId="{6D95DF3F-EADC-4484-87EA-FADFFEF8963B}" type="pres">
+      <dgm:prSet presAssocID="{7B4D74AC-A593-4F73-BCAD-D9C81D9C731F}" presName="Name0" presStyleCnt="0">
+        <dgm:presLayoutVars>
+          <dgm:chPref val="3"/>
+          <dgm:dir/>
+          <dgm:animLvl val="lvl"/>
+          <dgm:resizeHandles/>
+        </dgm:presLayoutVars>
+      </dgm:prSet>
+      <dgm:spPr/>
+      <dgm:t>
+        <a:bodyPr/>
+        <a:lstStyle/>
+        <a:p>
+          <a:endParaRPr lang="en-US"/>
+        </a:p>
+      </dgm:t>
+    </dgm:pt>
+    <dgm:pt modelId="{72351675-A75A-418F-B54D-75582005E322}" type="pres">
+      <dgm:prSet presAssocID="{8ED92E66-6407-44FD-921E-FE84F85EC276}" presName="horFlow" presStyleCnt="0"/>
+      <dgm:spPr/>
+    </dgm:pt>
+    <dgm:pt modelId="{53587B7A-CE83-4C53-8A75-DBF752593546}" type="pres">
+      <dgm:prSet presAssocID="{8ED92E66-6407-44FD-921E-FE84F85EC276}" presName="bigChev" presStyleLbl="node1" presStyleIdx="0" presStyleCnt="2"/>
+      <dgm:spPr/>
+      <dgm:t>
+        <a:bodyPr/>
+        <a:lstStyle/>
+        <a:p>
+          <a:endParaRPr lang="en-US"/>
+        </a:p>
+      </dgm:t>
+    </dgm:pt>
+    <dgm:pt modelId="{DEC20D1B-D52A-443F-91F5-11328299A612}" type="pres">
+      <dgm:prSet presAssocID="{A8702FA0-5F59-4B93-9076-86ABA84C871F}" presName="parTrans" presStyleCnt="0"/>
+      <dgm:spPr/>
+    </dgm:pt>
+    <dgm:pt modelId="{7043D3F6-DA2C-4993-AFDC-234B2F74DB3E}" type="pres">
+      <dgm:prSet presAssocID="{9BBDE11D-946C-4141-AFB7-1D98536E8C61}" presName="node" presStyleLbl="alignAccFollowNode1" presStyleIdx="0" presStyleCnt="12">
+        <dgm:presLayoutVars>
+          <dgm:bulletEnabled val="1"/>
+        </dgm:presLayoutVars>
+      </dgm:prSet>
+      <dgm:spPr/>
+      <dgm:t>
+        <a:bodyPr/>
+        <a:lstStyle/>
+        <a:p>
+          <a:endParaRPr lang="en-US"/>
+        </a:p>
+      </dgm:t>
+    </dgm:pt>
+    <dgm:pt modelId="{B2A5AB40-E594-4E8C-8D2D-BA21171A15E1}" type="pres">
+      <dgm:prSet presAssocID="{14EDDD95-DEF6-4BBC-9EFB-96E015D1D13A}" presName="sibTrans" presStyleCnt="0"/>
+      <dgm:spPr/>
+    </dgm:pt>
+    <dgm:pt modelId="{E76D64D2-A9E1-49C2-8DE1-C0B744CA3EE9}" type="pres">
+      <dgm:prSet presAssocID="{65B7FAF7-4262-4354-889F-86391751D0CE}" presName="node" presStyleLbl="alignAccFollowNode1" presStyleIdx="1" presStyleCnt="12">
+        <dgm:presLayoutVars>
+          <dgm:bulletEnabled val="1"/>
+        </dgm:presLayoutVars>
+      </dgm:prSet>
+      <dgm:spPr/>
+      <dgm:t>
+        <a:bodyPr/>
+        <a:lstStyle/>
+        <a:p>
+          <a:endParaRPr lang="en-US"/>
+        </a:p>
+      </dgm:t>
+    </dgm:pt>
+    <dgm:pt modelId="{8905A38E-6FFD-4BD8-8B96-184FF8131D9E}" type="pres">
+      <dgm:prSet presAssocID="{657C235A-7275-466C-8DA1-5CD27F5E1614}" presName="sibTrans" presStyleCnt="0"/>
+      <dgm:spPr/>
+    </dgm:pt>
+    <dgm:pt modelId="{B4AA8CBE-2637-49F4-8D4B-18E5DC70FFEB}" type="pres">
+      <dgm:prSet presAssocID="{E64BE0B1-C71C-4CFD-9E9C-4E40E5B91C9D}" presName="node" presStyleLbl="alignAccFollowNode1" presStyleIdx="2" presStyleCnt="12">
+        <dgm:presLayoutVars>
+          <dgm:bulletEnabled val="1"/>
+        </dgm:presLayoutVars>
+      </dgm:prSet>
+      <dgm:spPr/>
+      <dgm:t>
+        <a:bodyPr/>
+        <a:lstStyle/>
+        <a:p>
+          <a:endParaRPr lang="en-US"/>
+        </a:p>
+      </dgm:t>
+    </dgm:pt>
+    <dgm:pt modelId="{7A8D687B-31A3-4C84-B4DD-D0B49EA206D7}" type="pres">
+      <dgm:prSet presAssocID="{9A70F99C-0FC6-44E2-B98C-AED58C942E65}" presName="sibTrans" presStyleCnt="0"/>
+      <dgm:spPr/>
+    </dgm:pt>
+    <dgm:pt modelId="{6A586E54-E152-4EA2-B9E8-BF172B3BB227}" type="pres">
+      <dgm:prSet presAssocID="{D9525DC3-C28F-4151-9ACF-8100344CEE69}" presName="node" presStyleLbl="alignAccFollowNode1" presStyleIdx="3" presStyleCnt="12">
+        <dgm:presLayoutVars>
+          <dgm:bulletEnabled val="1"/>
+        </dgm:presLayoutVars>
+      </dgm:prSet>
+      <dgm:spPr/>
+      <dgm:t>
+        <a:bodyPr/>
+        <a:lstStyle/>
+        <a:p>
+          <a:endParaRPr lang="en-US"/>
+        </a:p>
+      </dgm:t>
+    </dgm:pt>
+    <dgm:pt modelId="{028E169C-4FAA-4F1B-A952-7752EA06469C}" type="pres">
+      <dgm:prSet presAssocID="{482FABEA-B9B6-44D0-B10B-B13666439C16}" presName="sibTrans" presStyleCnt="0"/>
+      <dgm:spPr/>
+    </dgm:pt>
+    <dgm:pt modelId="{744E4917-4B35-4A72-8BCD-58516B3775E9}" type="pres">
+      <dgm:prSet presAssocID="{834E9F12-1B29-4A3E-A0B4-50104DB59D16}" presName="node" presStyleLbl="alignAccFollowNode1" presStyleIdx="4" presStyleCnt="12">
+        <dgm:presLayoutVars>
+          <dgm:bulletEnabled val="1"/>
+        </dgm:presLayoutVars>
+      </dgm:prSet>
+      <dgm:spPr/>
+      <dgm:t>
+        <a:bodyPr/>
+        <a:lstStyle/>
+        <a:p>
+          <a:endParaRPr lang="en-US"/>
+        </a:p>
+      </dgm:t>
+    </dgm:pt>
+    <dgm:pt modelId="{F603116E-6283-47DC-BF1F-E1873B3D846A}" type="pres">
+      <dgm:prSet presAssocID="{4A9F5246-B350-4BFD-B0DF-6132EE410BB5}" presName="sibTrans" presStyleCnt="0"/>
+      <dgm:spPr/>
+    </dgm:pt>
+    <dgm:pt modelId="{7CA2308A-0040-43B1-9358-E3AEFF39E55E}" type="pres">
+      <dgm:prSet presAssocID="{E8F2D828-7A81-4F56-8A48-12CB9D96DC14}" presName="node" presStyleLbl="alignAccFollowNode1" presStyleIdx="5" presStyleCnt="12">
+        <dgm:presLayoutVars>
+          <dgm:bulletEnabled val="1"/>
+        </dgm:presLayoutVars>
+      </dgm:prSet>
+      <dgm:spPr/>
+      <dgm:t>
+        <a:bodyPr/>
+        <a:lstStyle/>
+        <a:p>
+          <a:endParaRPr lang="en-US"/>
+        </a:p>
+      </dgm:t>
+    </dgm:pt>
+    <dgm:pt modelId="{A93B2CE1-4F0E-4931-81D2-246DCC8785DF}" type="pres">
+      <dgm:prSet presAssocID="{8ED92E66-6407-44FD-921E-FE84F85EC276}" presName="vSp" presStyleCnt="0"/>
+      <dgm:spPr/>
+    </dgm:pt>
+    <dgm:pt modelId="{D6AC80F9-0254-4E57-B0F7-8142BAAA4E0F}" type="pres">
+      <dgm:prSet presAssocID="{C2F9F271-64B0-41D6-A7D5-27382FD51ABF}" presName="horFlow" presStyleCnt="0"/>
+      <dgm:spPr/>
+    </dgm:pt>
+    <dgm:pt modelId="{94FBA5BC-C6BE-4CFB-AAFE-632C3D6BA861}" type="pres">
+      <dgm:prSet presAssocID="{C2F9F271-64B0-41D6-A7D5-27382FD51ABF}" presName="bigChev" presStyleLbl="node1" presStyleIdx="1" presStyleCnt="2"/>
+      <dgm:spPr/>
+      <dgm:t>
+        <a:bodyPr/>
+        <a:lstStyle/>
+        <a:p>
+          <a:endParaRPr lang="en-US"/>
+        </a:p>
+      </dgm:t>
+    </dgm:pt>
+    <dgm:pt modelId="{CB837D01-7DEE-4319-88B9-DD2C38262BA8}" type="pres">
+      <dgm:prSet presAssocID="{9F35A48C-E748-4B82-ABA5-E04DC5303289}" presName="parTrans" presStyleCnt="0"/>
+      <dgm:spPr/>
+    </dgm:pt>
+    <dgm:pt modelId="{BA82D5BB-39AE-42EB-BE1E-695C631B75F6}" type="pres">
+      <dgm:prSet presAssocID="{8110FF86-ECF1-4B51-AB45-9F942DBC9AC0}" presName="node" presStyleLbl="alignAccFollowNode1" presStyleIdx="6" presStyleCnt="12">
+        <dgm:presLayoutVars>
+          <dgm:bulletEnabled val="1"/>
+        </dgm:presLayoutVars>
+      </dgm:prSet>
+      <dgm:spPr/>
+      <dgm:t>
+        <a:bodyPr/>
+        <a:lstStyle/>
+        <a:p>
+          <a:endParaRPr lang="en-US"/>
+        </a:p>
+      </dgm:t>
+    </dgm:pt>
+    <dgm:pt modelId="{8947C428-993F-475D-838D-52BA21678FDC}" type="pres">
+      <dgm:prSet presAssocID="{361BD2E7-5210-4588-A684-D897488C591E}" presName="sibTrans" presStyleCnt="0"/>
+      <dgm:spPr/>
+    </dgm:pt>
+    <dgm:pt modelId="{9E64F5DB-0B5E-4FD6-9BAE-3992EC1EB009}" type="pres">
+      <dgm:prSet presAssocID="{FC465601-FED4-4F1A-8D4A-98EADE87D9CF}" presName="node" presStyleLbl="alignAccFollowNode1" presStyleIdx="7" presStyleCnt="12">
+        <dgm:presLayoutVars>
+          <dgm:bulletEnabled val="1"/>
+        </dgm:presLayoutVars>
+      </dgm:prSet>
+      <dgm:spPr/>
+      <dgm:t>
+        <a:bodyPr/>
+        <a:lstStyle/>
+        <a:p>
+          <a:endParaRPr lang="en-US"/>
+        </a:p>
+      </dgm:t>
+    </dgm:pt>
+    <dgm:pt modelId="{C5A372D0-9ED9-47DE-88EE-3EE18038C7DE}" type="pres">
+      <dgm:prSet presAssocID="{1052A0B4-A1B5-4FE9-AF36-059001C444E0}" presName="sibTrans" presStyleCnt="0"/>
+      <dgm:spPr/>
+    </dgm:pt>
+    <dgm:pt modelId="{B041A7D8-4560-4EF1-9763-213F59725A7E}" type="pres">
+      <dgm:prSet presAssocID="{F4CF6695-2A42-4DCD-AF4B-5D6873A86569}" presName="node" presStyleLbl="alignAccFollowNode1" presStyleIdx="8" presStyleCnt="12">
+        <dgm:presLayoutVars>
+          <dgm:bulletEnabled val="1"/>
+        </dgm:presLayoutVars>
+      </dgm:prSet>
+      <dgm:spPr/>
+      <dgm:t>
+        <a:bodyPr/>
+        <a:lstStyle/>
+        <a:p>
+          <a:endParaRPr lang="en-US"/>
+        </a:p>
+      </dgm:t>
+    </dgm:pt>
+    <dgm:pt modelId="{6C315F29-0D5D-47C9-9579-726300F33FE8}" type="pres">
+      <dgm:prSet presAssocID="{F93D65F4-4415-4C60-9667-DD4DC8446665}" presName="sibTrans" presStyleCnt="0"/>
+      <dgm:spPr/>
+    </dgm:pt>
+    <dgm:pt modelId="{067CBF43-7801-49FD-994E-7E4EB2B8E06C}" type="pres">
+      <dgm:prSet presAssocID="{4F10CD46-D03C-4C30-9A61-B3AAEF34C8B6}" presName="node" presStyleLbl="alignAccFollowNode1" presStyleIdx="9" presStyleCnt="12">
+        <dgm:presLayoutVars>
+          <dgm:bulletEnabled val="1"/>
+        </dgm:presLayoutVars>
+      </dgm:prSet>
+      <dgm:spPr/>
+      <dgm:t>
+        <a:bodyPr/>
+        <a:lstStyle/>
+        <a:p>
+          <a:endParaRPr lang="en-US"/>
+        </a:p>
+      </dgm:t>
+    </dgm:pt>
+    <dgm:pt modelId="{2F0B63A0-C386-4D3B-8A19-145517FFEE62}" type="pres">
+      <dgm:prSet presAssocID="{0EC0398B-E253-4636-9E1E-BBDA4D07F5E0}" presName="sibTrans" presStyleCnt="0"/>
+      <dgm:spPr/>
+    </dgm:pt>
+    <dgm:pt modelId="{C07FEBDB-C1F3-41EF-AD6C-EABA431EB521}" type="pres">
+      <dgm:prSet presAssocID="{64201C47-DAED-4B5A-AEBC-D5075DCD1BF7}" presName="node" presStyleLbl="alignAccFollowNode1" presStyleIdx="10" presStyleCnt="12">
+        <dgm:presLayoutVars>
+          <dgm:bulletEnabled val="1"/>
+        </dgm:presLayoutVars>
+      </dgm:prSet>
+      <dgm:spPr/>
+      <dgm:t>
+        <a:bodyPr/>
+        <a:lstStyle/>
+        <a:p>
+          <a:endParaRPr lang="en-US"/>
+        </a:p>
+      </dgm:t>
+    </dgm:pt>
+    <dgm:pt modelId="{7A3C5DF4-C4A2-4336-893A-5ED7605D0B68}" type="pres">
+      <dgm:prSet presAssocID="{68C840C4-C838-466D-BCAE-A53441EF6EE5}" presName="sibTrans" presStyleCnt="0"/>
+      <dgm:spPr/>
+    </dgm:pt>
+    <dgm:pt modelId="{89883161-4AC0-43EF-A757-DF79B756FAB4}" type="pres">
+      <dgm:prSet presAssocID="{C2A6241B-A60A-40A6-A332-CA1B953C0B89}" presName="node" presStyleLbl="alignAccFollowNode1" presStyleIdx="11" presStyleCnt="12">
+        <dgm:presLayoutVars>
+          <dgm:bulletEnabled val="1"/>
+        </dgm:presLayoutVars>
+      </dgm:prSet>
+      <dgm:spPr/>
+      <dgm:t>
+        <a:bodyPr/>
+        <a:lstStyle/>
+        <a:p>
+          <a:endParaRPr lang="en-US"/>
+        </a:p>
+      </dgm:t>
+    </dgm:pt>
+  </dgm:ptLst>
+  <dgm:cxnLst>
+    <dgm:cxn modelId="{D2BF8C73-7147-48E6-9E75-E6AC8AE78A83}" type="presOf" srcId="{C2F9F271-64B0-41D6-A7D5-27382FD51ABF}" destId="{94FBA5BC-C6BE-4CFB-AAFE-632C3D6BA861}" srcOrd="0" destOrd="0" presId="urn:microsoft.com/office/officeart/2005/8/layout/lProcess3"/>
+    <dgm:cxn modelId="{FE61AC5F-E51A-47CB-96DE-215AA73DDE50}" type="presOf" srcId="{E8F2D828-7A81-4F56-8A48-12CB9D96DC14}" destId="{7CA2308A-0040-43B1-9358-E3AEFF39E55E}" srcOrd="0" destOrd="0" presId="urn:microsoft.com/office/officeart/2005/8/layout/lProcess3"/>
+    <dgm:cxn modelId="{986D9740-F0CF-4E26-9917-041F21878BAF}" srcId="{C2F9F271-64B0-41D6-A7D5-27382FD51ABF}" destId="{C2A6241B-A60A-40A6-A332-CA1B953C0B89}" srcOrd="5" destOrd="0" parTransId="{5CA04940-3D98-47AD-898B-44D2E359A6A7}" sibTransId="{9883CD46-4361-4A6B-8433-FBDFA9E812B8}"/>
+    <dgm:cxn modelId="{E045F890-30B6-4CC2-8C4C-E3E99CD5C85A}" srcId="{8ED92E66-6407-44FD-921E-FE84F85EC276}" destId="{D9525DC3-C28F-4151-9ACF-8100344CEE69}" srcOrd="3" destOrd="0" parTransId="{EE715F2D-B812-4E68-A453-483BB0DBCB4D}" sibTransId="{482FABEA-B9B6-44D0-B10B-B13666439C16}"/>
+    <dgm:cxn modelId="{967FD62E-D9F1-4340-A769-D0F786685E66}" type="presOf" srcId="{4F10CD46-D03C-4C30-9A61-B3AAEF34C8B6}" destId="{067CBF43-7801-49FD-994E-7E4EB2B8E06C}" srcOrd="0" destOrd="0" presId="urn:microsoft.com/office/officeart/2005/8/layout/lProcess3"/>
+    <dgm:cxn modelId="{074717B5-A1F6-46AE-9A72-7074EBDBE773}" srcId="{7B4D74AC-A593-4F73-BCAD-D9C81D9C731F}" destId="{8ED92E66-6407-44FD-921E-FE84F85EC276}" srcOrd="0" destOrd="0" parTransId="{7864B6C8-DD17-4FCE-80EB-5EDB9A70C7D3}" sibTransId="{73DE67CA-BEDE-4D30-81CD-3C68A3DAFA44}"/>
+    <dgm:cxn modelId="{81438ED4-35E4-442B-BBF2-DD95D007880F}" srcId="{C2F9F271-64B0-41D6-A7D5-27382FD51ABF}" destId="{FC465601-FED4-4F1A-8D4A-98EADE87D9CF}" srcOrd="1" destOrd="0" parTransId="{3C83BB60-F3DF-4C8C-A36F-1F102E840D5D}" sibTransId="{1052A0B4-A1B5-4FE9-AF36-059001C444E0}"/>
+    <dgm:cxn modelId="{821F55E9-FA49-4BB6-A33D-D8C3168FFC44}" srcId="{C2F9F271-64B0-41D6-A7D5-27382FD51ABF}" destId="{8110FF86-ECF1-4B51-AB45-9F942DBC9AC0}" srcOrd="0" destOrd="0" parTransId="{9F35A48C-E748-4B82-ABA5-E04DC5303289}" sibTransId="{361BD2E7-5210-4588-A684-D897488C591E}"/>
+    <dgm:cxn modelId="{652C8BCC-AEF2-4E2D-AAAF-9325524A7509}" type="presOf" srcId="{65B7FAF7-4262-4354-889F-86391751D0CE}" destId="{E76D64D2-A9E1-49C2-8DE1-C0B744CA3EE9}" srcOrd="0" destOrd="0" presId="urn:microsoft.com/office/officeart/2005/8/layout/lProcess3"/>
+    <dgm:cxn modelId="{C3EFB7E8-34C0-4E49-8F1E-04054930394C}" srcId="{8ED92E66-6407-44FD-921E-FE84F85EC276}" destId="{E64BE0B1-C71C-4CFD-9E9C-4E40E5B91C9D}" srcOrd="2" destOrd="0" parTransId="{C311E722-17ED-4412-9F8A-C92D8E90E9EB}" sibTransId="{9A70F99C-0FC6-44E2-B98C-AED58C942E65}"/>
+    <dgm:cxn modelId="{3A60F2FC-6BE1-46CA-938A-162E25303ED6}" type="presOf" srcId="{9BBDE11D-946C-4141-AFB7-1D98536E8C61}" destId="{7043D3F6-DA2C-4993-AFDC-234B2F74DB3E}" srcOrd="0" destOrd="0" presId="urn:microsoft.com/office/officeart/2005/8/layout/lProcess3"/>
+    <dgm:cxn modelId="{B136B8E7-58E2-473B-BE10-0E3E2A29D5D1}" type="presOf" srcId="{F4CF6695-2A42-4DCD-AF4B-5D6873A86569}" destId="{B041A7D8-4560-4EF1-9763-213F59725A7E}" srcOrd="0" destOrd="0" presId="urn:microsoft.com/office/officeart/2005/8/layout/lProcess3"/>
+    <dgm:cxn modelId="{B316E536-3497-4AC6-8BE5-C2D0CDC3567B}" srcId="{7B4D74AC-A593-4F73-BCAD-D9C81D9C731F}" destId="{C2F9F271-64B0-41D6-A7D5-27382FD51ABF}" srcOrd="1" destOrd="0" parTransId="{D3037F62-4EF9-437A-B7C5-049CB2AF63A1}" sibTransId="{99B56656-CE0B-4F46-9FA3-2BFB74822A17}"/>
+    <dgm:cxn modelId="{C0D98F4A-9F31-4529-8163-570FACC0F7E1}" srcId="{8ED92E66-6407-44FD-921E-FE84F85EC276}" destId="{9BBDE11D-946C-4141-AFB7-1D98536E8C61}" srcOrd="0" destOrd="0" parTransId="{A8702FA0-5F59-4B93-9076-86ABA84C871F}" sibTransId="{14EDDD95-DEF6-4BBC-9EFB-96E015D1D13A}"/>
+    <dgm:cxn modelId="{B1DEC0AD-3B55-42AC-83B6-F36E72633E14}" type="presOf" srcId="{8110FF86-ECF1-4B51-AB45-9F942DBC9AC0}" destId="{BA82D5BB-39AE-42EB-BE1E-695C631B75F6}" srcOrd="0" destOrd="0" presId="urn:microsoft.com/office/officeart/2005/8/layout/lProcess3"/>
+    <dgm:cxn modelId="{B8B22BC8-4793-4858-859E-156DD54F4456}" type="presOf" srcId="{7B4D74AC-A593-4F73-BCAD-D9C81D9C731F}" destId="{6D95DF3F-EADC-4484-87EA-FADFFEF8963B}" srcOrd="0" destOrd="0" presId="urn:microsoft.com/office/officeart/2005/8/layout/lProcess3"/>
+    <dgm:cxn modelId="{F0833282-A344-4FE1-A04F-B598E8C85656}" srcId="{8ED92E66-6407-44FD-921E-FE84F85EC276}" destId="{E8F2D828-7A81-4F56-8A48-12CB9D96DC14}" srcOrd="5" destOrd="0" parTransId="{C7318EFD-7BF1-4001-8FFC-AEA316EA996E}" sibTransId="{AA830B94-F7C6-4A20-AA88-13BEE0519FBB}"/>
+    <dgm:cxn modelId="{26D0BDAB-FEB8-4753-93D9-F5148864893E}" srcId="{C2F9F271-64B0-41D6-A7D5-27382FD51ABF}" destId="{4F10CD46-D03C-4C30-9A61-B3AAEF34C8B6}" srcOrd="3" destOrd="0" parTransId="{F7E32598-0CF6-43C0-A5F1-643CC8BA8349}" sibTransId="{0EC0398B-E253-4636-9E1E-BBDA4D07F5E0}"/>
+    <dgm:cxn modelId="{F70FB034-4CA5-4D3F-9B93-168C3C22ADC6}" type="presOf" srcId="{C2A6241B-A60A-40A6-A332-CA1B953C0B89}" destId="{89883161-4AC0-43EF-A757-DF79B756FAB4}" srcOrd="0" destOrd="0" presId="urn:microsoft.com/office/officeart/2005/8/layout/lProcess3"/>
+    <dgm:cxn modelId="{A75047D1-761B-44AF-B775-941C436B09A1}" srcId="{C2F9F271-64B0-41D6-A7D5-27382FD51ABF}" destId="{F4CF6695-2A42-4DCD-AF4B-5D6873A86569}" srcOrd="2" destOrd="0" parTransId="{7C3F3254-A031-4EC9-BB20-4EE4EB63F957}" sibTransId="{F93D65F4-4415-4C60-9667-DD4DC8446665}"/>
+    <dgm:cxn modelId="{ED148039-07A3-418D-884D-CDC4631DC885}" type="presOf" srcId="{FC465601-FED4-4F1A-8D4A-98EADE87D9CF}" destId="{9E64F5DB-0B5E-4FD6-9BAE-3992EC1EB009}" srcOrd="0" destOrd="0" presId="urn:microsoft.com/office/officeart/2005/8/layout/lProcess3"/>
+    <dgm:cxn modelId="{2B2D3F2A-C509-47F3-A93F-0E87F7DBCDAD}" type="presOf" srcId="{E64BE0B1-C71C-4CFD-9E9C-4E40E5B91C9D}" destId="{B4AA8CBE-2637-49F4-8D4B-18E5DC70FFEB}" srcOrd="0" destOrd="0" presId="urn:microsoft.com/office/officeart/2005/8/layout/lProcess3"/>
+    <dgm:cxn modelId="{C0A27C8E-5236-4D21-B679-E10F1CD1777A}" type="presOf" srcId="{834E9F12-1B29-4A3E-A0B4-50104DB59D16}" destId="{744E4917-4B35-4A72-8BCD-58516B3775E9}" srcOrd="0" destOrd="0" presId="urn:microsoft.com/office/officeart/2005/8/layout/lProcess3"/>
+    <dgm:cxn modelId="{6C4A962B-AC5A-4770-BDF1-8202C049EC05}" type="presOf" srcId="{D9525DC3-C28F-4151-9ACF-8100344CEE69}" destId="{6A586E54-E152-4EA2-B9E8-BF172B3BB227}" srcOrd="0" destOrd="0" presId="urn:microsoft.com/office/officeart/2005/8/layout/lProcess3"/>
+    <dgm:cxn modelId="{D04B6CA7-2535-4A2D-991C-2BF79BD1E088}" type="presOf" srcId="{64201C47-DAED-4B5A-AEBC-D5075DCD1BF7}" destId="{C07FEBDB-C1F3-41EF-AD6C-EABA431EB521}" srcOrd="0" destOrd="0" presId="urn:microsoft.com/office/officeart/2005/8/layout/lProcess3"/>
+    <dgm:cxn modelId="{7AF1AC3F-3F42-45DF-8D07-EF91AA4C1078}" srcId="{8ED92E66-6407-44FD-921E-FE84F85EC276}" destId="{834E9F12-1B29-4A3E-A0B4-50104DB59D16}" srcOrd="4" destOrd="0" parTransId="{FA0A700E-C1E8-4C30-BF1B-604491B58223}" sibTransId="{4A9F5246-B350-4BFD-B0DF-6132EE410BB5}"/>
+    <dgm:cxn modelId="{ADE6D5CE-D221-4FDB-ABCA-AEB3610AC6E9}" srcId="{8ED92E66-6407-44FD-921E-FE84F85EC276}" destId="{65B7FAF7-4262-4354-889F-86391751D0CE}" srcOrd="1" destOrd="0" parTransId="{B972FC22-4B07-4D51-A4BE-74F9A3373B35}" sibTransId="{657C235A-7275-466C-8DA1-5CD27F5E1614}"/>
+    <dgm:cxn modelId="{BF3598BC-F68C-488D-B351-CAAC28E7FB19}" srcId="{C2F9F271-64B0-41D6-A7D5-27382FD51ABF}" destId="{64201C47-DAED-4B5A-AEBC-D5075DCD1BF7}" srcOrd="4" destOrd="0" parTransId="{92B7BFF8-44A0-452E-91F9-968C8BA15E78}" sibTransId="{68C840C4-C838-466D-BCAE-A53441EF6EE5}"/>
+    <dgm:cxn modelId="{37B4A5F9-C268-4E57-80CA-7E4124313F02}" type="presOf" srcId="{8ED92E66-6407-44FD-921E-FE84F85EC276}" destId="{53587B7A-CE83-4C53-8A75-DBF752593546}" srcOrd="0" destOrd="0" presId="urn:microsoft.com/office/officeart/2005/8/layout/lProcess3"/>
+    <dgm:cxn modelId="{85638B2D-077F-4F7D-92A8-3B443022417E}" type="presParOf" srcId="{6D95DF3F-EADC-4484-87EA-FADFFEF8963B}" destId="{72351675-A75A-418F-B54D-75582005E322}" srcOrd="0" destOrd="0" presId="urn:microsoft.com/office/officeart/2005/8/layout/lProcess3"/>
+    <dgm:cxn modelId="{705BF04B-31EC-4D86-9E00-6F936900B163}" type="presParOf" srcId="{72351675-A75A-418F-B54D-75582005E322}" destId="{53587B7A-CE83-4C53-8A75-DBF752593546}" srcOrd="0" destOrd="0" presId="urn:microsoft.com/office/officeart/2005/8/layout/lProcess3"/>
+    <dgm:cxn modelId="{24304B89-48DE-4425-94FA-911F651751A5}" type="presParOf" srcId="{72351675-A75A-418F-B54D-75582005E322}" destId="{DEC20D1B-D52A-443F-91F5-11328299A612}" srcOrd="1" destOrd="0" presId="urn:microsoft.com/office/officeart/2005/8/layout/lProcess3"/>
+    <dgm:cxn modelId="{15910B1F-52A4-430B-8D0D-BA82299C9048}" type="presParOf" srcId="{72351675-A75A-418F-B54D-75582005E322}" destId="{7043D3F6-DA2C-4993-AFDC-234B2F74DB3E}" srcOrd="2" destOrd="0" presId="urn:microsoft.com/office/officeart/2005/8/layout/lProcess3"/>
+    <dgm:cxn modelId="{31BF6832-8648-418C-BDB6-9818D26DCEF6}" type="presParOf" srcId="{72351675-A75A-418F-B54D-75582005E322}" destId="{B2A5AB40-E594-4E8C-8D2D-BA21171A15E1}" srcOrd="3" destOrd="0" presId="urn:microsoft.com/office/officeart/2005/8/layout/lProcess3"/>
+    <dgm:cxn modelId="{76F4406B-FB3C-4E5D-AB16-93C76A64C2F3}" type="presParOf" srcId="{72351675-A75A-418F-B54D-75582005E322}" destId="{E76D64D2-A9E1-49C2-8DE1-C0B744CA3EE9}" srcOrd="4" destOrd="0" presId="urn:microsoft.com/office/officeart/2005/8/layout/lProcess3"/>
+    <dgm:cxn modelId="{E40CD269-2D23-47E7-A979-BDFF22963AED}" type="presParOf" srcId="{72351675-A75A-418F-B54D-75582005E322}" destId="{8905A38E-6FFD-4BD8-8B96-184FF8131D9E}" srcOrd="5" destOrd="0" presId="urn:microsoft.com/office/officeart/2005/8/layout/lProcess3"/>
+    <dgm:cxn modelId="{D25FAD21-F818-42DE-94FB-AF0973FEED89}" type="presParOf" srcId="{72351675-A75A-418F-B54D-75582005E322}" destId="{B4AA8CBE-2637-49F4-8D4B-18E5DC70FFEB}" srcOrd="6" destOrd="0" presId="urn:microsoft.com/office/officeart/2005/8/layout/lProcess3"/>
+    <dgm:cxn modelId="{7D0FDBD5-DBBF-4E21-9531-E5508BCD39D0}" type="presParOf" srcId="{72351675-A75A-418F-B54D-75582005E322}" destId="{7A8D687B-31A3-4C84-B4DD-D0B49EA206D7}" srcOrd="7" destOrd="0" presId="urn:microsoft.com/office/officeart/2005/8/layout/lProcess3"/>
+    <dgm:cxn modelId="{95EA95B4-5F69-451E-9AB2-98DA38B8EE4D}" type="presParOf" srcId="{72351675-A75A-418F-B54D-75582005E322}" destId="{6A586E54-E152-4EA2-B9E8-BF172B3BB227}" srcOrd="8" destOrd="0" presId="urn:microsoft.com/office/officeart/2005/8/layout/lProcess3"/>
+    <dgm:cxn modelId="{9E1F0FA7-D839-4504-A803-920B09897F96}" type="presParOf" srcId="{72351675-A75A-418F-B54D-75582005E322}" destId="{028E169C-4FAA-4F1B-A952-7752EA06469C}" srcOrd="9" destOrd="0" presId="urn:microsoft.com/office/officeart/2005/8/layout/lProcess3"/>
+    <dgm:cxn modelId="{A945782C-A65E-463C-8FFD-8BC684208C54}" type="presParOf" srcId="{72351675-A75A-418F-B54D-75582005E322}" destId="{744E4917-4B35-4A72-8BCD-58516B3775E9}" srcOrd="10" destOrd="0" presId="urn:microsoft.com/office/officeart/2005/8/layout/lProcess3"/>
+    <dgm:cxn modelId="{410D5BE8-D532-4562-88C1-3D8D870AF370}" type="presParOf" srcId="{72351675-A75A-418F-B54D-75582005E322}" destId="{F603116E-6283-47DC-BF1F-E1873B3D846A}" srcOrd="11" destOrd="0" presId="urn:microsoft.com/office/officeart/2005/8/layout/lProcess3"/>
+    <dgm:cxn modelId="{78B210E5-7081-4937-AD2D-393EBF55DBDD}" type="presParOf" srcId="{72351675-A75A-418F-B54D-75582005E322}" destId="{7CA2308A-0040-43B1-9358-E3AEFF39E55E}" srcOrd="12" destOrd="0" presId="urn:microsoft.com/office/officeart/2005/8/layout/lProcess3"/>
+    <dgm:cxn modelId="{959B25F9-E3F3-463D-9CC2-AA3B40F74FB5}" type="presParOf" srcId="{6D95DF3F-EADC-4484-87EA-FADFFEF8963B}" destId="{A93B2CE1-4F0E-4931-81D2-246DCC8785DF}" srcOrd="1" destOrd="0" presId="urn:microsoft.com/office/officeart/2005/8/layout/lProcess3"/>
+    <dgm:cxn modelId="{2C6243D0-B198-49F0-8026-579BC7E7E6F8}" type="presParOf" srcId="{6D95DF3F-EADC-4484-87EA-FADFFEF8963B}" destId="{D6AC80F9-0254-4E57-B0F7-8142BAAA4E0F}" srcOrd="2" destOrd="0" presId="urn:microsoft.com/office/officeart/2005/8/layout/lProcess3"/>
+    <dgm:cxn modelId="{201D6AAF-DBF1-4ABE-BAD3-B42A5CEAEBFE}" type="presParOf" srcId="{D6AC80F9-0254-4E57-B0F7-8142BAAA4E0F}" destId="{94FBA5BC-C6BE-4CFB-AAFE-632C3D6BA861}" srcOrd="0" destOrd="0" presId="urn:microsoft.com/office/officeart/2005/8/layout/lProcess3"/>
+    <dgm:cxn modelId="{484FABC5-F0DD-413A-ABE4-810F9F307E64}" type="presParOf" srcId="{D6AC80F9-0254-4E57-B0F7-8142BAAA4E0F}" destId="{CB837D01-7DEE-4319-88B9-DD2C38262BA8}" srcOrd="1" destOrd="0" presId="urn:microsoft.com/office/officeart/2005/8/layout/lProcess3"/>
+    <dgm:cxn modelId="{7C05BACB-C344-4F4D-8F24-88E0129379ED}" type="presParOf" srcId="{D6AC80F9-0254-4E57-B0F7-8142BAAA4E0F}" destId="{BA82D5BB-39AE-42EB-BE1E-695C631B75F6}" srcOrd="2" destOrd="0" presId="urn:microsoft.com/office/officeart/2005/8/layout/lProcess3"/>
+    <dgm:cxn modelId="{961DFF79-8E7E-4FBB-AE80-D98C72A0B809}" type="presParOf" srcId="{D6AC80F9-0254-4E57-B0F7-8142BAAA4E0F}" destId="{8947C428-993F-475D-838D-52BA21678FDC}" srcOrd="3" destOrd="0" presId="urn:microsoft.com/office/officeart/2005/8/layout/lProcess3"/>
+    <dgm:cxn modelId="{B1A19BCC-B0DA-4255-A980-F8F02301A40E}" type="presParOf" srcId="{D6AC80F9-0254-4E57-B0F7-8142BAAA4E0F}" destId="{9E64F5DB-0B5E-4FD6-9BAE-3992EC1EB009}" srcOrd="4" destOrd="0" presId="urn:microsoft.com/office/officeart/2005/8/layout/lProcess3"/>
+    <dgm:cxn modelId="{E6DACB26-160C-4FAC-A7C6-A2020ED7346E}" type="presParOf" srcId="{D6AC80F9-0254-4E57-B0F7-8142BAAA4E0F}" destId="{C5A372D0-9ED9-47DE-88EE-3EE18038C7DE}" srcOrd="5" destOrd="0" presId="urn:microsoft.com/office/officeart/2005/8/layout/lProcess3"/>
+    <dgm:cxn modelId="{0D365F11-4626-42A4-AE02-792603A48BF9}" type="presParOf" srcId="{D6AC80F9-0254-4E57-B0F7-8142BAAA4E0F}" destId="{B041A7D8-4560-4EF1-9763-213F59725A7E}" srcOrd="6" destOrd="0" presId="urn:microsoft.com/office/officeart/2005/8/layout/lProcess3"/>
+    <dgm:cxn modelId="{3F30AD4A-08F2-47F4-A59A-0D1ED035D593}" type="presParOf" srcId="{D6AC80F9-0254-4E57-B0F7-8142BAAA4E0F}" destId="{6C315F29-0D5D-47C9-9579-726300F33FE8}" srcOrd="7" destOrd="0" presId="urn:microsoft.com/office/officeart/2005/8/layout/lProcess3"/>
+    <dgm:cxn modelId="{1843A572-FB9A-4F94-A892-CDA5FC1C931C}" type="presParOf" srcId="{D6AC80F9-0254-4E57-B0F7-8142BAAA4E0F}" destId="{067CBF43-7801-49FD-994E-7E4EB2B8E06C}" srcOrd="8" destOrd="0" presId="urn:microsoft.com/office/officeart/2005/8/layout/lProcess3"/>
+    <dgm:cxn modelId="{F2B9EE35-FC58-4723-A5BA-D6D67E82BCDE}" type="presParOf" srcId="{D6AC80F9-0254-4E57-B0F7-8142BAAA4E0F}" destId="{2F0B63A0-C386-4D3B-8A19-145517FFEE62}" srcOrd="9" destOrd="0" presId="urn:microsoft.com/office/officeart/2005/8/layout/lProcess3"/>
+    <dgm:cxn modelId="{8C6AF983-710D-4B2A-AD0D-0F6B172256F7}" type="presParOf" srcId="{D6AC80F9-0254-4E57-B0F7-8142BAAA4E0F}" destId="{C07FEBDB-C1F3-41EF-AD6C-EABA431EB521}" srcOrd="10" destOrd="0" presId="urn:microsoft.com/office/officeart/2005/8/layout/lProcess3"/>
+    <dgm:cxn modelId="{6415000C-7BE1-4E7E-B5F1-F6848DD8CB24}" type="presParOf" srcId="{D6AC80F9-0254-4E57-B0F7-8142BAAA4E0F}" destId="{7A3C5DF4-C4A2-4336-893A-5ED7605D0B68}" srcOrd="11" destOrd="0" presId="urn:microsoft.com/office/officeart/2005/8/layout/lProcess3"/>
+    <dgm:cxn modelId="{287BD202-AD66-4DF2-B0EB-1A9DFB639FD5}" type="presParOf" srcId="{D6AC80F9-0254-4E57-B0F7-8142BAAA4E0F}" destId="{89883161-4AC0-43EF-A757-DF79B756FAB4}" srcOrd="12" destOrd="0" presId="urn:microsoft.com/office/officeart/2005/8/layout/lProcess3"/>
+  </dgm:cxnLst>
+  <dgm:bg/>
+  <dgm:whole/>
+  <dgm:extLst>
+    <a:ext uri="http://schemas.microsoft.com/office/drawing/2008/diagram">
+      <dsp:dataModelExt xmlns:dsp="http://schemas.microsoft.com/office/drawing/2008/diagram" relId="rId6" minVer="http://schemas.openxmlformats.org/drawingml/2006/diagram"/>
+    </a:ext>
+  </dgm:extLst>
+</dgm:dataModel>
+</file>
+
+<file path=ppt/diagrams/data3.xml><?xml version="1.0" encoding="utf-8"?>
 <dgm:dataModel xmlns:dgm="http://schemas.openxmlformats.org/drawingml/2006/diagram" xmlns:a="http://schemas.openxmlformats.org/drawingml/2006/main">
   <dgm:ptLst>
     <dgm:pt modelId="{CF9055CF-8DEB-4A02-949A-DE72B6AC5D37}" type="doc">
@@ -3296,7 +6584,7 @@
 </dgm:dataModel>
 </file>
 
-<file path=ppt/diagrams/data2.xml><?xml version="1.0" encoding="utf-8"?>
+<file path=ppt/diagrams/data4.xml><?xml version="1.0" encoding="utf-8"?>
 <dgm:dataModel xmlns:dgm="http://schemas.openxmlformats.org/drawingml/2006/diagram" xmlns:a="http://schemas.openxmlformats.org/drawingml/2006/main">
   <dgm:ptLst>
     <dgm:pt modelId="{CF9055CF-8DEB-4A02-949A-DE72B6AC5D37}" type="doc">
@@ -4122,7 +7410,7 @@
 </dgm:dataModel>
 </file>
 
-<file path=ppt/diagrams/data3.xml><?xml version="1.0" encoding="utf-8"?>
+<file path=ppt/diagrams/data5.xml><?xml version="1.0" encoding="utf-8"?>
 <dgm:dataModel xmlns:dgm="http://schemas.openxmlformats.org/drawingml/2006/diagram" xmlns:a="http://schemas.openxmlformats.org/drawingml/2006/main">
   <dgm:ptLst>
     <dgm:pt modelId="{5119293E-CFF1-40DC-91B0-4ADC169E690A}" type="doc">
@@ -4384,8 +7672,8 @@
     <dgm:cxn modelId="{C9BCE58D-0797-4C79-94F0-C4B04CD35FE1}" type="presOf" srcId="{5119293E-CFF1-40DC-91B0-4ADC169E690A}" destId="{B24BCCF6-4F1C-4DCC-A666-8A2E435C92FE}" srcOrd="0" destOrd="0" presId="urn:microsoft.com/office/officeart/2005/8/layout/vProcess5"/>
     <dgm:cxn modelId="{6E821108-AA4C-4FCE-906C-7B527205F425}" type="presOf" srcId="{0643BB84-6196-4D47-953E-29DD7A990B54}" destId="{0CD94A37-2283-4723-AF39-0C5B9DE811BF}" srcOrd="0" destOrd="0" presId="urn:microsoft.com/office/officeart/2005/8/layout/vProcess5"/>
     <dgm:cxn modelId="{9678E520-DA97-4D9C-939A-4DCF9B11AA2F}" srcId="{5119293E-CFF1-40DC-91B0-4ADC169E690A}" destId="{740F11C0-1918-4491-8E8D-F9E393D6DC62}" srcOrd="1" destOrd="0" parTransId="{2CB00DC9-C7F6-4607-93B1-38F3306CD7C1}" sibTransId="{4BF9180C-3D66-4B05-B512-DB0404B3D62A}"/>
+    <dgm:cxn modelId="{F8CCF261-9A97-4534-B937-AB878397B7E3}" type="presOf" srcId="{2D28ACD1-25D9-461F-AFFA-AF0D4524C925}" destId="{BF775206-9782-4B74-9469-81B825259D87}" srcOrd="1" destOrd="0" presId="urn:microsoft.com/office/officeart/2005/8/layout/vProcess5"/>
     <dgm:cxn modelId="{4A769CA4-299A-415F-9EAA-DF2A946246BB}" srcId="{5119293E-CFF1-40DC-91B0-4ADC169E690A}" destId="{2D28ACD1-25D9-461F-AFFA-AF0D4524C925}" srcOrd="0" destOrd="0" parTransId="{C8C4723F-FA93-47BC-A192-A522C3D631BB}" sibTransId="{0643BB84-6196-4D47-953E-29DD7A990B54}"/>
-    <dgm:cxn modelId="{F8CCF261-9A97-4534-B937-AB878397B7E3}" type="presOf" srcId="{2D28ACD1-25D9-461F-AFFA-AF0D4524C925}" destId="{BF775206-9782-4B74-9469-81B825259D87}" srcOrd="1" destOrd="0" presId="urn:microsoft.com/office/officeart/2005/8/layout/vProcess5"/>
     <dgm:cxn modelId="{4F48B4CB-5F39-4D50-A374-F942DD055BA4}" type="presOf" srcId="{740F11C0-1918-4491-8E8D-F9E393D6DC62}" destId="{04D8DCE0-082C-4FDA-A223-020C34F2DBEB}" srcOrd="1" destOrd="0" presId="urn:microsoft.com/office/officeart/2005/8/layout/vProcess5"/>
     <dgm:cxn modelId="{5847FDF1-B5CD-4813-9A57-54FC25BEA462}" type="presOf" srcId="{740F11C0-1918-4491-8E8D-F9E393D6DC62}" destId="{CC88045C-E3EE-4D81-A4AE-31DEF16487ED}" srcOrd="0" destOrd="0" presId="urn:microsoft.com/office/officeart/2005/8/layout/vProcess5"/>
     <dgm:cxn modelId="{7A1E6BEF-802B-4533-A187-D1A0A7A0FE31}" type="presOf" srcId="{4BF9180C-3D66-4B05-B512-DB0404B3D62A}" destId="{72F63057-082D-42E7-B85C-FC47DD028363}" srcOrd="0" destOrd="0" presId="urn:microsoft.com/office/officeart/2005/8/layout/vProcess5"/>
@@ -4412,6 +7700,2234 @@
 </file>
 
 <file path=ppt/diagrams/drawing1.xml><?xml version="1.0" encoding="utf-8"?>
+<dsp:drawing xmlns:dgm="http://schemas.openxmlformats.org/drawingml/2006/diagram" xmlns:dsp="http://schemas.microsoft.com/office/drawing/2008/diagram" xmlns:a="http://schemas.openxmlformats.org/drawingml/2006/main">
+  <dsp:spTree>
+    <dsp:nvGrpSpPr>
+      <dsp:cNvPr id="0" name=""/>
+      <dsp:cNvGrpSpPr/>
+    </dsp:nvGrpSpPr>
+    <dsp:grpSpPr/>
+    <dsp:sp modelId="{8897FB83-C378-44D3-B544-CCCA50E493FA}">
+      <dsp:nvSpPr>
+        <dsp:cNvPr id="0" name=""/>
+        <dsp:cNvSpPr/>
+      </dsp:nvSpPr>
+      <dsp:spPr>
+        <a:xfrm>
+          <a:off x="2521" y="1436506"/>
+          <a:ext cx="1971847" cy="788738"/>
+        </a:xfrm>
+        <a:prstGeom prst="chevron">
+          <a:avLst/>
+        </a:prstGeom>
+        <a:solidFill>
+          <a:schemeClr val="accent1">
+            <a:hueOff val="0"/>
+            <a:satOff val="0"/>
+            <a:lumOff val="0"/>
+            <a:alphaOff val="0"/>
+          </a:schemeClr>
+        </a:solidFill>
+        <a:ln w="19050" cap="flat" cmpd="sng" algn="ctr">
+          <a:solidFill>
+            <a:schemeClr val="lt1">
+              <a:hueOff val="0"/>
+              <a:satOff val="0"/>
+              <a:lumOff val="0"/>
+              <a:alphaOff val="0"/>
+            </a:schemeClr>
+          </a:solidFill>
+          <a:prstDash val="solid"/>
+        </a:ln>
+        <a:effectLst/>
+      </dsp:spPr>
+      <dsp:style>
+        <a:lnRef idx="2">
+          <a:scrgbClr r="0" g="0" b="0"/>
+        </a:lnRef>
+        <a:fillRef idx="1">
+          <a:scrgbClr r="0" g="0" b="0"/>
+        </a:fillRef>
+        <a:effectRef idx="0">
+          <a:scrgbClr r="0" g="0" b="0"/>
+        </a:effectRef>
+        <a:fontRef idx="minor">
+          <a:schemeClr val="lt1"/>
+        </a:fontRef>
+      </dsp:style>
+      <dsp:txBody>
+        <a:bodyPr spcFirstLastPara="0" vert="horz" wrap="square" lIns="17780" tIns="8890" rIns="0" bIns="8890" numCol="1" spcCol="1270" anchor="ctr" anchorCtr="0">
+          <a:noAutofit/>
+        </a:bodyPr>
+        <a:lstStyle/>
+        <a:p>
+          <a:pPr lvl="0" algn="ctr" defTabSz="622300" rtl="0">
+            <a:lnSpc>
+              <a:spcPct val="90000"/>
+            </a:lnSpc>
+            <a:spcBef>
+              <a:spcPct val="0"/>
+            </a:spcBef>
+            <a:spcAft>
+              <a:spcPct val="35000"/>
+            </a:spcAft>
+          </a:pPr>
+          <a:r>
+            <a:rPr lang="en-US" sz="1400" b="1" kern="1200" baseline="0" dirty="0" smtClean="0"/>
+            <a:t>Instructor (Before)</a:t>
+          </a:r>
+          <a:endParaRPr lang="en-US" sz="1400" kern="1200" dirty="0"/>
+        </a:p>
+      </dsp:txBody>
+      <dsp:txXfrm>
+        <a:off x="396890" y="1436506"/>
+        <a:ext cx="1183109" cy="788738"/>
+      </dsp:txXfrm>
+    </dsp:sp>
+    <dsp:sp modelId="{E686387D-616A-4F98-990F-FBCDBE8E26E5}">
+      <dsp:nvSpPr>
+        <dsp:cNvPr id="0" name=""/>
+        <dsp:cNvSpPr/>
+      </dsp:nvSpPr>
+      <dsp:spPr>
+        <a:xfrm>
+          <a:off x="1718028" y="1503549"/>
+          <a:ext cx="1636633" cy="654653"/>
+        </a:xfrm>
+        <a:prstGeom prst="chevron">
+          <a:avLst/>
+        </a:prstGeom>
+        <a:solidFill>
+          <a:schemeClr val="accent1">
+            <a:alpha val="90000"/>
+            <a:tint val="40000"/>
+            <a:hueOff val="0"/>
+            <a:satOff val="0"/>
+            <a:lumOff val="0"/>
+            <a:alphaOff val="0"/>
+          </a:schemeClr>
+        </a:solidFill>
+        <a:ln w="19050" cap="flat" cmpd="sng" algn="ctr">
+          <a:solidFill>
+            <a:schemeClr val="accent1">
+              <a:alpha val="90000"/>
+              <a:tint val="40000"/>
+              <a:hueOff val="0"/>
+              <a:satOff val="0"/>
+              <a:lumOff val="0"/>
+              <a:alphaOff val="0"/>
+            </a:schemeClr>
+          </a:solidFill>
+          <a:prstDash val="solid"/>
+        </a:ln>
+        <a:effectLst/>
+      </dsp:spPr>
+      <dsp:style>
+        <a:lnRef idx="2">
+          <a:scrgbClr r="0" g="0" b="0"/>
+        </a:lnRef>
+        <a:fillRef idx="1">
+          <a:scrgbClr r="0" g="0" b="0"/>
+        </a:fillRef>
+        <a:effectRef idx="0">
+          <a:scrgbClr r="0" g="0" b="0"/>
+        </a:effectRef>
+        <a:fontRef idx="minor"/>
+      </dsp:style>
+      <dsp:txBody>
+        <a:bodyPr spcFirstLastPara="0" vert="horz" wrap="square" lIns="13970" tIns="6985" rIns="0" bIns="6985" numCol="1" spcCol="1270" anchor="ctr" anchorCtr="0">
+          <a:noAutofit/>
+        </a:bodyPr>
+        <a:lstStyle/>
+        <a:p>
+          <a:pPr lvl="0" algn="ctr" defTabSz="488950" rtl="0">
+            <a:lnSpc>
+              <a:spcPct val="90000"/>
+            </a:lnSpc>
+            <a:spcBef>
+              <a:spcPct val="0"/>
+            </a:spcBef>
+            <a:spcAft>
+              <a:spcPct val="35000"/>
+            </a:spcAft>
+          </a:pPr>
+          <a:r>
+            <a:rPr lang="en-US" sz="1100" kern="1200" baseline="0" smtClean="0"/>
+            <a:t>Stand-alone application.</a:t>
+          </a:r>
+          <a:endParaRPr lang="en-US" sz="1100" kern="1200"/>
+        </a:p>
+      </dsp:txBody>
+      <dsp:txXfrm>
+        <a:off x="2045355" y="1503549"/>
+        <a:ext cx="981980" cy="654653"/>
+      </dsp:txXfrm>
+    </dsp:sp>
+    <dsp:sp modelId="{158CF9EF-55D6-45A4-8B21-598846198B97}">
+      <dsp:nvSpPr>
+        <dsp:cNvPr id="0" name=""/>
+        <dsp:cNvSpPr/>
+      </dsp:nvSpPr>
+      <dsp:spPr>
+        <a:xfrm>
+          <a:off x="3125533" y="1503549"/>
+          <a:ext cx="1636633" cy="654653"/>
+        </a:xfrm>
+        <a:prstGeom prst="chevron">
+          <a:avLst/>
+        </a:prstGeom>
+        <a:solidFill>
+          <a:schemeClr val="accent1">
+            <a:alpha val="90000"/>
+            <a:tint val="40000"/>
+            <a:hueOff val="0"/>
+            <a:satOff val="0"/>
+            <a:lumOff val="0"/>
+            <a:alphaOff val="0"/>
+          </a:schemeClr>
+        </a:solidFill>
+        <a:ln w="19050" cap="flat" cmpd="sng" algn="ctr">
+          <a:solidFill>
+            <a:schemeClr val="accent1">
+              <a:alpha val="90000"/>
+              <a:tint val="40000"/>
+              <a:hueOff val="0"/>
+              <a:satOff val="0"/>
+              <a:lumOff val="0"/>
+              <a:alphaOff val="0"/>
+            </a:schemeClr>
+          </a:solidFill>
+          <a:prstDash val="solid"/>
+        </a:ln>
+        <a:effectLst/>
+      </dsp:spPr>
+      <dsp:style>
+        <a:lnRef idx="2">
+          <a:scrgbClr r="0" g="0" b="0"/>
+        </a:lnRef>
+        <a:fillRef idx="1">
+          <a:scrgbClr r="0" g="0" b="0"/>
+        </a:fillRef>
+        <a:effectRef idx="0">
+          <a:scrgbClr r="0" g="0" b="0"/>
+        </a:effectRef>
+        <a:fontRef idx="minor"/>
+      </dsp:style>
+      <dsp:txBody>
+        <a:bodyPr spcFirstLastPara="0" vert="horz" wrap="square" lIns="13970" tIns="6985" rIns="0" bIns="6985" numCol="1" spcCol="1270" anchor="ctr" anchorCtr="0">
+          <a:noAutofit/>
+        </a:bodyPr>
+        <a:lstStyle/>
+        <a:p>
+          <a:pPr lvl="0" algn="ctr" defTabSz="488950" rtl="0">
+            <a:lnSpc>
+              <a:spcPct val="90000"/>
+            </a:lnSpc>
+            <a:spcBef>
+              <a:spcPct val="0"/>
+            </a:spcBef>
+            <a:spcAft>
+              <a:spcPct val="35000"/>
+            </a:spcAft>
+          </a:pPr>
+          <a:r>
+            <a:rPr lang="en-US" sz="1100" kern="1200" baseline="0" smtClean="0"/>
+            <a:t>Authentication.</a:t>
+          </a:r>
+          <a:endParaRPr lang="en-US" sz="1100" kern="1200"/>
+        </a:p>
+      </dsp:txBody>
+      <dsp:txXfrm>
+        <a:off x="3452860" y="1503549"/>
+        <a:ext cx="981980" cy="654653"/>
+      </dsp:txXfrm>
+    </dsp:sp>
+    <dsp:sp modelId="{1B82D982-125A-4B17-9093-4DD998576D21}">
+      <dsp:nvSpPr>
+        <dsp:cNvPr id="0" name=""/>
+        <dsp:cNvSpPr/>
+      </dsp:nvSpPr>
+      <dsp:spPr>
+        <a:xfrm>
+          <a:off x="4533038" y="1503549"/>
+          <a:ext cx="1636633" cy="654653"/>
+        </a:xfrm>
+        <a:prstGeom prst="chevron">
+          <a:avLst/>
+        </a:prstGeom>
+        <a:solidFill>
+          <a:schemeClr val="accent1">
+            <a:alpha val="90000"/>
+            <a:tint val="40000"/>
+            <a:hueOff val="0"/>
+            <a:satOff val="0"/>
+            <a:lumOff val="0"/>
+            <a:alphaOff val="0"/>
+          </a:schemeClr>
+        </a:solidFill>
+        <a:ln w="19050" cap="flat" cmpd="sng" algn="ctr">
+          <a:solidFill>
+            <a:schemeClr val="accent1">
+              <a:alpha val="90000"/>
+              <a:tint val="40000"/>
+              <a:hueOff val="0"/>
+              <a:satOff val="0"/>
+              <a:lumOff val="0"/>
+              <a:alphaOff val="0"/>
+            </a:schemeClr>
+          </a:solidFill>
+          <a:prstDash val="solid"/>
+        </a:ln>
+        <a:effectLst/>
+      </dsp:spPr>
+      <dsp:style>
+        <a:lnRef idx="2">
+          <a:scrgbClr r="0" g="0" b="0"/>
+        </a:lnRef>
+        <a:fillRef idx="1">
+          <a:scrgbClr r="0" g="0" b="0"/>
+        </a:fillRef>
+        <a:effectRef idx="0">
+          <a:scrgbClr r="0" g="0" b="0"/>
+        </a:effectRef>
+        <a:fontRef idx="minor"/>
+      </dsp:style>
+      <dsp:txBody>
+        <a:bodyPr spcFirstLastPara="0" vert="horz" wrap="square" lIns="13970" tIns="6985" rIns="0" bIns="6985" numCol="1" spcCol="1270" anchor="ctr" anchorCtr="0">
+          <a:noAutofit/>
+        </a:bodyPr>
+        <a:lstStyle/>
+        <a:p>
+          <a:pPr lvl="0" algn="ctr" defTabSz="488950" rtl="0">
+            <a:lnSpc>
+              <a:spcPct val="90000"/>
+            </a:lnSpc>
+            <a:spcBef>
+              <a:spcPct val="0"/>
+            </a:spcBef>
+            <a:spcAft>
+              <a:spcPct val="35000"/>
+            </a:spcAft>
+          </a:pPr>
+          <a:r>
+            <a:rPr lang="en-US" sz="1100" kern="1200" baseline="0" smtClean="0"/>
+            <a:t>QR code Generation.</a:t>
+          </a:r>
+          <a:endParaRPr lang="en-US" sz="1100" kern="1200"/>
+        </a:p>
+      </dsp:txBody>
+      <dsp:txXfrm>
+        <a:off x="4860365" y="1503549"/>
+        <a:ext cx="981980" cy="654653"/>
+      </dsp:txXfrm>
+    </dsp:sp>
+    <dsp:sp modelId="{0422B60C-0DD5-4DD4-B675-31405221A894}">
+      <dsp:nvSpPr>
+        <dsp:cNvPr id="0" name=""/>
+        <dsp:cNvSpPr/>
+      </dsp:nvSpPr>
+      <dsp:spPr>
+        <a:xfrm>
+          <a:off x="5940542" y="1503549"/>
+          <a:ext cx="1636633" cy="654653"/>
+        </a:xfrm>
+        <a:prstGeom prst="chevron">
+          <a:avLst/>
+        </a:prstGeom>
+        <a:solidFill>
+          <a:schemeClr val="accent1">
+            <a:alpha val="90000"/>
+            <a:tint val="40000"/>
+            <a:hueOff val="0"/>
+            <a:satOff val="0"/>
+            <a:lumOff val="0"/>
+            <a:alphaOff val="0"/>
+          </a:schemeClr>
+        </a:solidFill>
+        <a:ln w="19050" cap="flat" cmpd="sng" algn="ctr">
+          <a:solidFill>
+            <a:schemeClr val="accent1">
+              <a:alpha val="90000"/>
+              <a:tint val="40000"/>
+              <a:hueOff val="0"/>
+              <a:satOff val="0"/>
+              <a:lumOff val="0"/>
+              <a:alphaOff val="0"/>
+            </a:schemeClr>
+          </a:solidFill>
+          <a:prstDash val="solid"/>
+        </a:ln>
+        <a:effectLst/>
+      </dsp:spPr>
+      <dsp:style>
+        <a:lnRef idx="2">
+          <a:scrgbClr r="0" g="0" b="0"/>
+        </a:lnRef>
+        <a:fillRef idx="1">
+          <a:scrgbClr r="0" g="0" b="0"/>
+        </a:fillRef>
+        <a:effectRef idx="0">
+          <a:scrgbClr r="0" g="0" b="0"/>
+        </a:effectRef>
+        <a:fontRef idx="minor"/>
+      </dsp:style>
+      <dsp:txBody>
+        <a:bodyPr spcFirstLastPara="0" vert="horz" wrap="square" lIns="13970" tIns="6985" rIns="0" bIns="6985" numCol="1" spcCol="1270" anchor="ctr" anchorCtr="0">
+          <a:noAutofit/>
+        </a:bodyPr>
+        <a:lstStyle/>
+        <a:p>
+          <a:pPr lvl="0" algn="ctr" defTabSz="488950" rtl="0">
+            <a:lnSpc>
+              <a:spcPct val="90000"/>
+            </a:lnSpc>
+            <a:spcBef>
+              <a:spcPct val="0"/>
+            </a:spcBef>
+            <a:spcAft>
+              <a:spcPct val="35000"/>
+            </a:spcAft>
+          </a:pPr>
+          <a:r>
+            <a:rPr lang="en-US" sz="1100" kern="1200" baseline="0" smtClean="0"/>
+            <a:t>QR code Display.</a:t>
+          </a:r>
+          <a:endParaRPr lang="en-US" sz="1100" kern="1200"/>
+        </a:p>
+      </dsp:txBody>
+      <dsp:txXfrm>
+        <a:off x="6267869" y="1503549"/>
+        <a:ext cx="981980" cy="654653"/>
+      </dsp:txXfrm>
+    </dsp:sp>
+    <dsp:sp modelId="{08E94FF5-BC66-4B8D-8967-BE71F1CB4EDC}">
+      <dsp:nvSpPr>
+        <dsp:cNvPr id="0" name=""/>
+        <dsp:cNvSpPr/>
+      </dsp:nvSpPr>
+      <dsp:spPr>
+        <a:xfrm>
+          <a:off x="7348047" y="1503549"/>
+          <a:ext cx="1636633" cy="654653"/>
+        </a:xfrm>
+        <a:prstGeom prst="chevron">
+          <a:avLst/>
+        </a:prstGeom>
+        <a:solidFill>
+          <a:schemeClr val="accent1">
+            <a:alpha val="90000"/>
+            <a:tint val="40000"/>
+            <a:hueOff val="0"/>
+            <a:satOff val="0"/>
+            <a:lumOff val="0"/>
+            <a:alphaOff val="0"/>
+          </a:schemeClr>
+        </a:solidFill>
+        <a:ln w="19050" cap="flat" cmpd="sng" algn="ctr">
+          <a:solidFill>
+            <a:schemeClr val="accent1">
+              <a:alpha val="90000"/>
+              <a:tint val="40000"/>
+              <a:hueOff val="0"/>
+              <a:satOff val="0"/>
+              <a:lumOff val="0"/>
+              <a:alphaOff val="0"/>
+            </a:schemeClr>
+          </a:solidFill>
+          <a:prstDash val="solid"/>
+        </a:ln>
+        <a:effectLst/>
+      </dsp:spPr>
+      <dsp:style>
+        <a:lnRef idx="2">
+          <a:scrgbClr r="0" g="0" b="0"/>
+        </a:lnRef>
+        <a:fillRef idx="1">
+          <a:scrgbClr r="0" g="0" b="0"/>
+        </a:fillRef>
+        <a:effectRef idx="0">
+          <a:scrgbClr r="0" g="0" b="0"/>
+        </a:effectRef>
+        <a:fontRef idx="minor"/>
+      </dsp:style>
+      <dsp:txBody>
+        <a:bodyPr spcFirstLastPara="0" vert="horz" wrap="square" lIns="13970" tIns="6985" rIns="0" bIns="6985" numCol="1" spcCol="1270" anchor="ctr" anchorCtr="0">
+          <a:noAutofit/>
+        </a:bodyPr>
+        <a:lstStyle/>
+        <a:p>
+          <a:pPr lvl="0" algn="ctr" defTabSz="488950" rtl="0">
+            <a:lnSpc>
+              <a:spcPct val="90000"/>
+            </a:lnSpc>
+            <a:spcBef>
+              <a:spcPct val="0"/>
+            </a:spcBef>
+            <a:spcAft>
+              <a:spcPct val="35000"/>
+            </a:spcAft>
+          </a:pPr>
+          <a:r>
+            <a:rPr lang="en-US" sz="1100" kern="1200" baseline="0" smtClean="0"/>
+            <a:t>Manage the students attendance.</a:t>
+          </a:r>
+          <a:endParaRPr lang="en-US" sz="1100" kern="1200"/>
+        </a:p>
+      </dsp:txBody>
+      <dsp:txXfrm>
+        <a:off x="7675374" y="1503549"/>
+        <a:ext cx="981980" cy="654653"/>
+      </dsp:txXfrm>
+    </dsp:sp>
+    <dsp:sp modelId="{1F3A26B7-5C5F-444E-B2F4-81A4EF68D39C}">
+      <dsp:nvSpPr>
+        <dsp:cNvPr id="0" name=""/>
+        <dsp:cNvSpPr/>
+      </dsp:nvSpPr>
+      <dsp:spPr>
+        <a:xfrm>
+          <a:off x="8755552" y="1503549"/>
+          <a:ext cx="1636633" cy="654653"/>
+        </a:xfrm>
+        <a:prstGeom prst="chevron">
+          <a:avLst/>
+        </a:prstGeom>
+        <a:solidFill>
+          <a:schemeClr val="accent1">
+            <a:alpha val="90000"/>
+            <a:tint val="40000"/>
+            <a:hueOff val="0"/>
+            <a:satOff val="0"/>
+            <a:lumOff val="0"/>
+            <a:alphaOff val="0"/>
+          </a:schemeClr>
+        </a:solidFill>
+        <a:ln w="19050" cap="flat" cmpd="sng" algn="ctr">
+          <a:solidFill>
+            <a:schemeClr val="accent1">
+              <a:alpha val="90000"/>
+              <a:tint val="40000"/>
+              <a:hueOff val="0"/>
+              <a:satOff val="0"/>
+              <a:lumOff val="0"/>
+              <a:alphaOff val="0"/>
+            </a:schemeClr>
+          </a:solidFill>
+          <a:prstDash val="solid"/>
+        </a:ln>
+        <a:effectLst/>
+      </dsp:spPr>
+      <dsp:style>
+        <a:lnRef idx="2">
+          <a:scrgbClr r="0" g="0" b="0"/>
+        </a:lnRef>
+        <a:fillRef idx="1">
+          <a:scrgbClr r="0" g="0" b="0"/>
+        </a:fillRef>
+        <a:effectRef idx="0">
+          <a:scrgbClr r="0" g="0" b="0"/>
+        </a:effectRef>
+        <a:fontRef idx="minor"/>
+      </dsp:style>
+      <dsp:txBody>
+        <a:bodyPr spcFirstLastPara="0" vert="horz" wrap="square" lIns="13970" tIns="6985" rIns="0" bIns="6985" numCol="1" spcCol="1270" anchor="ctr" anchorCtr="0">
+          <a:noAutofit/>
+        </a:bodyPr>
+        <a:lstStyle/>
+        <a:p>
+          <a:pPr lvl="0" algn="ctr" defTabSz="488950" rtl="0">
+            <a:lnSpc>
+              <a:spcPct val="90000"/>
+            </a:lnSpc>
+            <a:spcBef>
+              <a:spcPct val="0"/>
+            </a:spcBef>
+            <a:spcAft>
+              <a:spcPct val="35000"/>
+            </a:spcAft>
+          </a:pPr>
+          <a:r>
+            <a:rPr lang="en-US" sz="1100" kern="1200" baseline="0" smtClean="0"/>
+            <a:t>Appropriate Feedback</a:t>
+          </a:r>
+          <a:endParaRPr lang="en-US" sz="1100" kern="1200"/>
+        </a:p>
+      </dsp:txBody>
+      <dsp:txXfrm>
+        <a:off x="9082879" y="1503549"/>
+        <a:ext cx="981980" cy="654653"/>
+      </dsp:txXfrm>
+    </dsp:sp>
+    <dsp:sp modelId="{3630A457-5CC4-40A5-A107-01C78963D87C}">
+      <dsp:nvSpPr>
+        <dsp:cNvPr id="0" name=""/>
+        <dsp:cNvSpPr/>
+      </dsp:nvSpPr>
+      <dsp:spPr>
+        <a:xfrm>
+          <a:off x="2521" y="2335668"/>
+          <a:ext cx="1971847" cy="788738"/>
+        </a:xfrm>
+        <a:prstGeom prst="chevron">
+          <a:avLst/>
+        </a:prstGeom>
+        <a:solidFill>
+          <a:schemeClr val="accent1">
+            <a:hueOff val="0"/>
+            <a:satOff val="0"/>
+            <a:lumOff val="0"/>
+            <a:alphaOff val="0"/>
+          </a:schemeClr>
+        </a:solidFill>
+        <a:ln w="19050" cap="flat" cmpd="sng" algn="ctr">
+          <a:solidFill>
+            <a:schemeClr val="lt1">
+              <a:hueOff val="0"/>
+              <a:satOff val="0"/>
+              <a:lumOff val="0"/>
+              <a:alphaOff val="0"/>
+            </a:schemeClr>
+          </a:solidFill>
+          <a:prstDash val="solid"/>
+        </a:ln>
+        <a:effectLst/>
+      </dsp:spPr>
+      <dsp:style>
+        <a:lnRef idx="2">
+          <a:scrgbClr r="0" g="0" b="0"/>
+        </a:lnRef>
+        <a:fillRef idx="1">
+          <a:scrgbClr r="0" g="0" b="0"/>
+        </a:fillRef>
+        <a:effectRef idx="0">
+          <a:scrgbClr r="0" g="0" b="0"/>
+        </a:effectRef>
+        <a:fontRef idx="minor">
+          <a:schemeClr val="lt1"/>
+        </a:fontRef>
+      </dsp:style>
+      <dsp:txBody>
+        <a:bodyPr spcFirstLastPara="0" vert="horz" wrap="square" lIns="17780" tIns="8890" rIns="0" bIns="8890" numCol="1" spcCol="1270" anchor="ctr" anchorCtr="0">
+          <a:noAutofit/>
+        </a:bodyPr>
+        <a:lstStyle/>
+        <a:p>
+          <a:pPr lvl="0" algn="ctr" defTabSz="622300" rtl="0">
+            <a:lnSpc>
+              <a:spcPct val="90000"/>
+            </a:lnSpc>
+            <a:spcBef>
+              <a:spcPct val="0"/>
+            </a:spcBef>
+            <a:spcAft>
+              <a:spcPct val="35000"/>
+            </a:spcAft>
+          </a:pPr>
+          <a:r>
+            <a:rPr lang="en-US" sz="1400" b="1" kern="1200" baseline="0" dirty="0" smtClean="0"/>
+            <a:t>Instructor(Now)</a:t>
+          </a:r>
+          <a:endParaRPr lang="en-US" sz="1400" kern="1200" dirty="0"/>
+        </a:p>
+      </dsp:txBody>
+      <dsp:txXfrm>
+        <a:off x="396890" y="2335668"/>
+        <a:ext cx="1183109" cy="788738"/>
+      </dsp:txXfrm>
+    </dsp:sp>
+    <dsp:sp modelId="{2656222E-D64A-4B08-A85D-221DB764442B}">
+      <dsp:nvSpPr>
+        <dsp:cNvPr id="0" name=""/>
+        <dsp:cNvSpPr/>
+      </dsp:nvSpPr>
+      <dsp:spPr>
+        <a:xfrm>
+          <a:off x="1718028" y="2402711"/>
+          <a:ext cx="1636633" cy="654653"/>
+        </a:xfrm>
+        <a:prstGeom prst="chevron">
+          <a:avLst/>
+        </a:prstGeom>
+        <a:solidFill>
+          <a:schemeClr val="accent1">
+            <a:alpha val="90000"/>
+            <a:tint val="40000"/>
+            <a:hueOff val="0"/>
+            <a:satOff val="0"/>
+            <a:lumOff val="0"/>
+            <a:alphaOff val="0"/>
+          </a:schemeClr>
+        </a:solidFill>
+        <a:ln w="19050" cap="flat" cmpd="sng" algn="ctr">
+          <a:solidFill>
+            <a:schemeClr val="accent1">
+              <a:alpha val="90000"/>
+              <a:tint val="40000"/>
+              <a:hueOff val="0"/>
+              <a:satOff val="0"/>
+              <a:lumOff val="0"/>
+              <a:alphaOff val="0"/>
+            </a:schemeClr>
+          </a:solidFill>
+          <a:prstDash val="solid"/>
+        </a:ln>
+        <a:effectLst/>
+      </dsp:spPr>
+      <dsp:style>
+        <a:lnRef idx="2">
+          <a:scrgbClr r="0" g="0" b="0"/>
+        </a:lnRef>
+        <a:fillRef idx="1">
+          <a:scrgbClr r="0" g="0" b="0"/>
+        </a:fillRef>
+        <a:effectRef idx="0">
+          <a:scrgbClr r="0" g="0" b="0"/>
+        </a:effectRef>
+        <a:fontRef idx="minor"/>
+      </dsp:style>
+      <dsp:txBody>
+        <a:bodyPr spcFirstLastPara="0" vert="horz" wrap="square" lIns="13970" tIns="6985" rIns="0" bIns="6985" numCol="1" spcCol="1270" anchor="ctr" anchorCtr="0">
+          <a:noAutofit/>
+        </a:bodyPr>
+        <a:lstStyle/>
+        <a:p>
+          <a:pPr lvl="0" algn="ctr" defTabSz="488950" rtl="0">
+            <a:lnSpc>
+              <a:spcPct val="90000"/>
+            </a:lnSpc>
+            <a:spcBef>
+              <a:spcPct val="0"/>
+            </a:spcBef>
+            <a:spcAft>
+              <a:spcPct val="35000"/>
+            </a:spcAft>
+          </a:pPr>
+          <a:r>
+            <a:rPr lang="en-US" sz="1100" kern="1200" baseline="0" smtClean="0"/>
+            <a:t>Web application using JavaScript and node JS.</a:t>
+          </a:r>
+          <a:endParaRPr lang="en-US" sz="1100" kern="1200"/>
+        </a:p>
+      </dsp:txBody>
+      <dsp:txXfrm>
+        <a:off x="2045355" y="2402711"/>
+        <a:ext cx="981980" cy="654653"/>
+      </dsp:txXfrm>
+    </dsp:sp>
+    <dsp:sp modelId="{59ECF31A-0156-405E-9EE6-10BE123BFF6E}">
+      <dsp:nvSpPr>
+        <dsp:cNvPr id="0" name=""/>
+        <dsp:cNvSpPr/>
+      </dsp:nvSpPr>
+      <dsp:spPr>
+        <a:xfrm>
+          <a:off x="3125533" y="2402711"/>
+          <a:ext cx="1636633" cy="654653"/>
+        </a:xfrm>
+        <a:prstGeom prst="chevron">
+          <a:avLst/>
+        </a:prstGeom>
+        <a:solidFill>
+          <a:schemeClr val="accent1">
+            <a:alpha val="90000"/>
+            <a:tint val="40000"/>
+            <a:hueOff val="0"/>
+            <a:satOff val="0"/>
+            <a:lumOff val="0"/>
+            <a:alphaOff val="0"/>
+          </a:schemeClr>
+        </a:solidFill>
+        <a:ln w="19050" cap="flat" cmpd="sng" algn="ctr">
+          <a:solidFill>
+            <a:schemeClr val="accent1">
+              <a:alpha val="90000"/>
+              <a:tint val="40000"/>
+              <a:hueOff val="0"/>
+              <a:satOff val="0"/>
+              <a:lumOff val="0"/>
+              <a:alphaOff val="0"/>
+            </a:schemeClr>
+          </a:solidFill>
+          <a:prstDash val="solid"/>
+        </a:ln>
+        <a:effectLst/>
+      </dsp:spPr>
+      <dsp:style>
+        <a:lnRef idx="2">
+          <a:scrgbClr r="0" g="0" b="0"/>
+        </a:lnRef>
+        <a:fillRef idx="1">
+          <a:scrgbClr r="0" g="0" b="0"/>
+        </a:fillRef>
+        <a:effectRef idx="0">
+          <a:scrgbClr r="0" g="0" b="0"/>
+        </a:effectRef>
+        <a:fontRef idx="minor"/>
+      </dsp:style>
+      <dsp:txBody>
+        <a:bodyPr spcFirstLastPara="0" vert="horz" wrap="square" lIns="13970" tIns="6985" rIns="0" bIns="6985" numCol="1" spcCol="1270" anchor="ctr" anchorCtr="0">
+          <a:noAutofit/>
+        </a:bodyPr>
+        <a:lstStyle/>
+        <a:p>
+          <a:pPr lvl="0" algn="ctr" defTabSz="488950" rtl="0">
+            <a:lnSpc>
+              <a:spcPct val="90000"/>
+            </a:lnSpc>
+            <a:spcBef>
+              <a:spcPct val="0"/>
+            </a:spcBef>
+            <a:spcAft>
+              <a:spcPct val="35000"/>
+            </a:spcAft>
+          </a:pPr>
+          <a:r>
+            <a:rPr lang="en-US" sz="1100" kern="1200" baseline="0" smtClean="0"/>
+            <a:t>Authentication.</a:t>
+          </a:r>
+          <a:endParaRPr lang="en-US" sz="1100" kern="1200"/>
+        </a:p>
+      </dsp:txBody>
+      <dsp:txXfrm>
+        <a:off x="3452860" y="2402711"/>
+        <a:ext cx="981980" cy="654653"/>
+      </dsp:txXfrm>
+    </dsp:sp>
+    <dsp:sp modelId="{48765ED3-077E-4B76-A89E-7C26D9BBEBC4}">
+      <dsp:nvSpPr>
+        <dsp:cNvPr id="0" name=""/>
+        <dsp:cNvSpPr/>
+      </dsp:nvSpPr>
+      <dsp:spPr>
+        <a:xfrm>
+          <a:off x="4533038" y="2402711"/>
+          <a:ext cx="1636633" cy="654653"/>
+        </a:xfrm>
+        <a:prstGeom prst="chevron">
+          <a:avLst/>
+        </a:prstGeom>
+        <a:solidFill>
+          <a:schemeClr val="accent1">
+            <a:alpha val="90000"/>
+            <a:tint val="40000"/>
+            <a:hueOff val="0"/>
+            <a:satOff val="0"/>
+            <a:lumOff val="0"/>
+            <a:alphaOff val="0"/>
+          </a:schemeClr>
+        </a:solidFill>
+        <a:ln w="19050" cap="flat" cmpd="sng" algn="ctr">
+          <a:solidFill>
+            <a:schemeClr val="accent1">
+              <a:alpha val="90000"/>
+              <a:tint val="40000"/>
+              <a:hueOff val="0"/>
+              <a:satOff val="0"/>
+              <a:lumOff val="0"/>
+              <a:alphaOff val="0"/>
+            </a:schemeClr>
+          </a:solidFill>
+          <a:prstDash val="solid"/>
+        </a:ln>
+        <a:effectLst/>
+      </dsp:spPr>
+      <dsp:style>
+        <a:lnRef idx="2">
+          <a:scrgbClr r="0" g="0" b="0"/>
+        </a:lnRef>
+        <a:fillRef idx="1">
+          <a:scrgbClr r="0" g="0" b="0"/>
+        </a:fillRef>
+        <a:effectRef idx="0">
+          <a:scrgbClr r="0" g="0" b="0"/>
+        </a:effectRef>
+        <a:fontRef idx="minor"/>
+      </dsp:style>
+      <dsp:txBody>
+        <a:bodyPr spcFirstLastPara="0" vert="horz" wrap="square" lIns="13970" tIns="6985" rIns="0" bIns="6985" numCol="1" spcCol="1270" anchor="ctr" anchorCtr="0">
+          <a:noAutofit/>
+        </a:bodyPr>
+        <a:lstStyle/>
+        <a:p>
+          <a:pPr lvl="0" algn="ctr" defTabSz="488950" rtl="0">
+            <a:lnSpc>
+              <a:spcPct val="90000"/>
+            </a:lnSpc>
+            <a:spcBef>
+              <a:spcPct val="0"/>
+            </a:spcBef>
+            <a:spcAft>
+              <a:spcPct val="35000"/>
+            </a:spcAft>
+          </a:pPr>
+          <a:r>
+            <a:rPr lang="en-US" sz="1100" kern="1200" baseline="0" smtClean="0"/>
+            <a:t>QR code Generation.</a:t>
+          </a:r>
+          <a:endParaRPr lang="en-US" sz="1100" kern="1200"/>
+        </a:p>
+      </dsp:txBody>
+      <dsp:txXfrm>
+        <a:off x="4860365" y="2402711"/>
+        <a:ext cx="981980" cy="654653"/>
+      </dsp:txXfrm>
+    </dsp:sp>
+    <dsp:sp modelId="{CE31B4AC-3DDB-4EC4-811E-AFA799FA1C15}">
+      <dsp:nvSpPr>
+        <dsp:cNvPr id="0" name=""/>
+        <dsp:cNvSpPr/>
+      </dsp:nvSpPr>
+      <dsp:spPr>
+        <a:xfrm>
+          <a:off x="5940542" y="2402711"/>
+          <a:ext cx="1636633" cy="654653"/>
+        </a:xfrm>
+        <a:prstGeom prst="chevron">
+          <a:avLst/>
+        </a:prstGeom>
+        <a:solidFill>
+          <a:schemeClr val="accent1">
+            <a:alpha val="90000"/>
+            <a:tint val="40000"/>
+            <a:hueOff val="0"/>
+            <a:satOff val="0"/>
+            <a:lumOff val="0"/>
+            <a:alphaOff val="0"/>
+          </a:schemeClr>
+        </a:solidFill>
+        <a:ln w="19050" cap="flat" cmpd="sng" algn="ctr">
+          <a:solidFill>
+            <a:schemeClr val="accent1">
+              <a:alpha val="90000"/>
+              <a:tint val="40000"/>
+              <a:hueOff val="0"/>
+              <a:satOff val="0"/>
+              <a:lumOff val="0"/>
+              <a:alphaOff val="0"/>
+            </a:schemeClr>
+          </a:solidFill>
+          <a:prstDash val="solid"/>
+        </a:ln>
+        <a:effectLst/>
+      </dsp:spPr>
+      <dsp:style>
+        <a:lnRef idx="2">
+          <a:scrgbClr r="0" g="0" b="0"/>
+        </a:lnRef>
+        <a:fillRef idx="1">
+          <a:scrgbClr r="0" g="0" b="0"/>
+        </a:fillRef>
+        <a:effectRef idx="0">
+          <a:scrgbClr r="0" g="0" b="0"/>
+        </a:effectRef>
+        <a:fontRef idx="minor"/>
+      </dsp:style>
+      <dsp:txBody>
+        <a:bodyPr spcFirstLastPara="0" vert="horz" wrap="square" lIns="13970" tIns="6985" rIns="0" bIns="6985" numCol="1" spcCol="1270" anchor="ctr" anchorCtr="0">
+          <a:noAutofit/>
+        </a:bodyPr>
+        <a:lstStyle/>
+        <a:p>
+          <a:pPr lvl="0" algn="ctr" defTabSz="488950" rtl="0">
+            <a:lnSpc>
+              <a:spcPct val="90000"/>
+            </a:lnSpc>
+            <a:spcBef>
+              <a:spcPct val="0"/>
+            </a:spcBef>
+            <a:spcAft>
+              <a:spcPct val="35000"/>
+            </a:spcAft>
+          </a:pPr>
+          <a:r>
+            <a:rPr lang="en-US" sz="1100" kern="1200" baseline="0" smtClean="0"/>
+            <a:t>QR code Display.</a:t>
+          </a:r>
+          <a:endParaRPr lang="en-US" sz="1100" kern="1200"/>
+        </a:p>
+      </dsp:txBody>
+      <dsp:txXfrm>
+        <a:off x="6267869" y="2402711"/>
+        <a:ext cx="981980" cy="654653"/>
+      </dsp:txXfrm>
+    </dsp:sp>
+    <dsp:sp modelId="{120A6866-71AF-4668-87F2-2D737620263E}">
+      <dsp:nvSpPr>
+        <dsp:cNvPr id="0" name=""/>
+        <dsp:cNvSpPr/>
+      </dsp:nvSpPr>
+      <dsp:spPr>
+        <a:xfrm>
+          <a:off x="7348047" y="2402711"/>
+          <a:ext cx="1636633" cy="654653"/>
+        </a:xfrm>
+        <a:prstGeom prst="chevron">
+          <a:avLst/>
+        </a:prstGeom>
+        <a:solidFill>
+          <a:schemeClr val="accent1">
+            <a:alpha val="90000"/>
+            <a:tint val="40000"/>
+            <a:hueOff val="0"/>
+            <a:satOff val="0"/>
+            <a:lumOff val="0"/>
+            <a:alphaOff val="0"/>
+          </a:schemeClr>
+        </a:solidFill>
+        <a:ln w="19050" cap="flat" cmpd="sng" algn="ctr">
+          <a:solidFill>
+            <a:schemeClr val="accent1">
+              <a:alpha val="90000"/>
+              <a:tint val="40000"/>
+              <a:hueOff val="0"/>
+              <a:satOff val="0"/>
+              <a:lumOff val="0"/>
+              <a:alphaOff val="0"/>
+            </a:schemeClr>
+          </a:solidFill>
+          <a:prstDash val="solid"/>
+        </a:ln>
+        <a:effectLst/>
+      </dsp:spPr>
+      <dsp:style>
+        <a:lnRef idx="2">
+          <a:scrgbClr r="0" g="0" b="0"/>
+        </a:lnRef>
+        <a:fillRef idx="1">
+          <a:scrgbClr r="0" g="0" b="0"/>
+        </a:fillRef>
+        <a:effectRef idx="0">
+          <a:scrgbClr r="0" g="0" b="0"/>
+        </a:effectRef>
+        <a:fontRef idx="minor"/>
+      </dsp:style>
+      <dsp:txBody>
+        <a:bodyPr spcFirstLastPara="0" vert="horz" wrap="square" lIns="13970" tIns="6985" rIns="0" bIns="6985" numCol="1" spcCol="1270" anchor="ctr" anchorCtr="0">
+          <a:noAutofit/>
+        </a:bodyPr>
+        <a:lstStyle/>
+        <a:p>
+          <a:pPr lvl="0" algn="ctr" defTabSz="488950" rtl="0">
+            <a:lnSpc>
+              <a:spcPct val="90000"/>
+            </a:lnSpc>
+            <a:spcBef>
+              <a:spcPct val="0"/>
+            </a:spcBef>
+            <a:spcAft>
+              <a:spcPct val="35000"/>
+            </a:spcAft>
+          </a:pPr>
+          <a:r>
+            <a:rPr lang="en-US" sz="1100" kern="1200" baseline="0" smtClean="0"/>
+            <a:t>Manage the students attendance.</a:t>
+          </a:r>
+          <a:endParaRPr lang="en-US" sz="1100" kern="1200"/>
+        </a:p>
+      </dsp:txBody>
+      <dsp:txXfrm>
+        <a:off x="7675374" y="2402711"/>
+        <a:ext cx="981980" cy="654653"/>
+      </dsp:txXfrm>
+    </dsp:sp>
+    <dsp:sp modelId="{86A88084-04D1-453D-9EB9-B02F0C23CC18}">
+      <dsp:nvSpPr>
+        <dsp:cNvPr id="0" name=""/>
+        <dsp:cNvSpPr/>
+      </dsp:nvSpPr>
+      <dsp:spPr>
+        <a:xfrm>
+          <a:off x="8755552" y="2402711"/>
+          <a:ext cx="1636633" cy="654653"/>
+        </a:xfrm>
+        <a:prstGeom prst="chevron">
+          <a:avLst/>
+        </a:prstGeom>
+        <a:solidFill>
+          <a:schemeClr val="accent1">
+            <a:alpha val="90000"/>
+            <a:tint val="40000"/>
+            <a:hueOff val="0"/>
+            <a:satOff val="0"/>
+            <a:lumOff val="0"/>
+            <a:alphaOff val="0"/>
+          </a:schemeClr>
+        </a:solidFill>
+        <a:ln w="19050" cap="flat" cmpd="sng" algn="ctr">
+          <a:solidFill>
+            <a:schemeClr val="accent1">
+              <a:alpha val="90000"/>
+              <a:tint val="40000"/>
+              <a:hueOff val="0"/>
+              <a:satOff val="0"/>
+              <a:lumOff val="0"/>
+              <a:alphaOff val="0"/>
+            </a:schemeClr>
+          </a:solidFill>
+          <a:prstDash val="solid"/>
+        </a:ln>
+        <a:effectLst/>
+      </dsp:spPr>
+      <dsp:style>
+        <a:lnRef idx="2">
+          <a:scrgbClr r="0" g="0" b="0"/>
+        </a:lnRef>
+        <a:fillRef idx="1">
+          <a:scrgbClr r="0" g="0" b="0"/>
+        </a:fillRef>
+        <a:effectRef idx="0">
+          <a:scrgbClr r="0" g="0" b="0"/>
+        </a:effectRef>
+        <a:fontRef idx="minor"/>
+      </dsp:style>
+      <dsp:txBody>
+        <a:bodyPr spcFirstLastPara="0" vert="horz" wrap="square" lIns="13970" tIns="6985" rIns="0" bIns="6985" numCol="1" spcCol="1270" anchor="ctr" anchorCtr="0">
+          <a:noAutofit/>
+        </a:bodyPr>
+        <a:lstStyle/>
+        <a:p>
+          <a:pPr lvl="0" algn="ctr" defTabSz="488950" rtl="0">
+            <a:lnSpc>
+              <a:spcPct val="90000"/>
+            </a:lnSpc>
+            <a:spcBef>
+              <a:spcPct val="0"/>
+            </a:spcBef>
+            <a:spcAft>
+              <a:spcPct val="35000"/>
+            </a:spcAft>
+          </a:pPr>
+          <a:r>
+            <a:rPr lang="en-US" sz="1100" kern="1200" baseline="0" smtClean="0"/>
+            <a:t>Appropriate Feedback</a:t>
+          </a:r>
+          <a:endParaRPr lang="en-US" sz="1100" kern="1200"/>
+        </a:p>
+      </dsp:txBody>
+      <dsp:txXfrm>
+        <a:off x="9082879" y="2402711"/>
+        <a:ext cx="981980" cy="654653"/>
+      </dsp:txXfrm>
+    </dsp:sp>
+  </dsp:spTree>
+</dsp:drawing>
+</file>
+
+<file path=ppt/diagrams/drawing2.xml><?xml version="1.0" encoding="utf-8"?>
+<dsp:drawing xmlns:dgm="http://schemas.openxmlformats.org/drawingml/2006/diagram" xmlns:dsp="http://schemas.microsoft.com/office/drawing/2008/diagram" xmlns:a="http://schemas.openxmlformats.org/drawingml/2006/main">
+  <dsp:spTree>
+    <dsp:nvGrpSpPr>
+      <dsp:cNvPr id="0" name=""/>
+      <dsp:cNvGrpSpPr/>
+    </dsp:nvGrpSpPr>
+    <dsp:grpSpPr/>
+    <dsp:sp modelId="{53587B7A-CE83-4C53-8A75-DBF752593546}">
+      <dsp:nvSpPr>
+        <dsp:cNvPr id="0" name=""/>
+        <dsp:cNvSpPr/>
+      </dsp:nvSpPr>
+      <dsp:spPr>
+        <a:xfrm>
+          <a:off x="2521" y="811643"/>
+          <a:ext cx="1971847" cy="788738"/>
+        </a:xfrm>
+        <a:prstGeom prst="chevron">
+          <a:avLst/>
+        </a:prstGeom>
+        <a:solidFill>
+          <a:schemeClr val="accent1">
+            <a:hueOff val="0"/>
+            <a:satOff val="0"/>
+            <a:lumOff val="0"/>
+            <a:alphaOff val="0"/>
+          </a:schemeClr>
+        </a:solidFill>
+        <a:ln w="19050" cap="flat" cmpd="sng" algn="ctr">
+          <a:solidFill>
+            <a:schemeClr val="lt1">
+              <a:hueOff val="0"/>
+              <a:satOff val="0"/>
+              <a:lumOff val="0"/>
+              <a:alphaOff val="0"/>
+            </a:schemeClr>
+          </a:solidFill>
+          <a:prstDash val="solid"/>
+        </a:ln>
+        <a:effectLst/>
+      </dsp:spPr>
+      <dsp:style>
+        <a:lnRef idx="2">
+          <a:scrgbClr r="0" g="0" b="0"/>
+        </a:lnRef>
+        <a:fillRef idx="1">
+          <a:scrgbClr r="0" g="0" b="0"/>
+        </a:fillRef>
+        <a:effectRef idx="0">
+          <a:scrgbClr r="0" g="0" b="0"/>
+        </a:effectRef>
+        <a:fontRef idx="minor">
+          <a:schemeClr val="lt1"/>
+        </a:fontRef>
+      </dsp:style>
+      <dsp:txBody>
+        <a:bodyPr spcFirstLastPara="0" vert="horz" wrap="square" lIns="16510" tIns="8255" rIns="0" bIns="8255" numCol="1" spcCol="1270" anchor="ctr" anchorCtr="0">
+          <a:noAutofit/>
+        </a:bodyPr>
+        <a:lstStyle/>
+        <a:p>
+          <a:pPr lvl="0" algn="ctr" defTabSz="577850" rtl="0">
+            <a:lnSpc>
+              <a:spcPct val="90000"/>
+            </a:lnSpc>
+            <a:spcBef>
+              <a:spcPct val="0"/>
+            </a:spcBef>
+            <a:spcAft>
+              <a:spcPct val="35000"/>
+            </a:spcAft>
+          </a:pPr>
+          <a:r>
+            <a:rPr lang="en-US" sz="1300" b="1" kern="1200" baseline="0" dirty="0" smtClean="0"/>
+            <a:t>Student(Before)</a:t>
+          </a:r>
+          <a:endParaRPr lang="en-US" sz="1300" kern="1200" dirty="0"/>
+        </a:p>
+      </dsp:txBody>
+      <dsp:txXfrm>
+        <a:off x="396890" y="811643"/>
+        <a:ext cx="1183109" cy="788738"/>
+      </dsp:txXfrm>
+    </dsp:sp>
+    <dsp:sp modelId="{7043D3F6-DA2C-4993-AFDC-234B2F74DB3E}">
+      <dsp:nvSpPr>
+        <dsp:cNvPr id="0" name=""/>
+        <dsp:cNvSpPr/>
+      </dsp:nvSpPr>
+      <dsp:spPr>
+        <a:xfrm>
+          <a:off x="1718028" y="878686"/>
+          <a:ext cx="1636633" cy="654653"/>
+        </a:xfrm>
+        <a:prstGeom prst="chevron">
+          <a:avLst/>
+        </a:prstGeom>
+        <a:solidFill>
+          <a:schemeClr val="accent1">
+            <a:alpha val="90000"/>
+            <a:tint val="40000"/>
+            <a:hueOff val="0"/>
+            <a:satOff val="0"/>
+            <a:lumOff val="0"/>
+            <a:alphaOff val="0"/>
+          </a:schemeClr>
+        </a:solidFill>
+        <a:ln w="19050" cap="flat" cmpd="sng" algn="ctr">
+          <a:solidFill>
+            <a:schemeClr val="accent1">
+              <a:alpha val="90000"/>
+              <a:tint val="40000"/>
+              <a:hueOff val="0"/>
+              <a:satOff val="0"/>
+              <a:lumOff val="0"/>
+              <a:alphaOff val="0"/>
+            </a:schemeClr>
+          </a:solidFill>
+          <a:prstDash val="solid"/>
+        </a:ln>
+        <a:effectLst/>
+      </dsp:spPr>
+      <dsp:style>
+        <a:lnRef idx="2">
+          <a:scrgbClr r="0" g="0" b="0"/>
+        </a:lnRef>
+        <a:fillRef idx="1">
+          <a:scrgbClr r="0" g="0" b="0"/>
+        </a:fillRef>
+        <a:effectRef idx="0">
+          <a:scrgbClr r="0" g="0" b="0"/>
+        </a:effectRef>
+        <a:fontRef idx="minor"/>
+      </dsp:style>
+      <dsp:txBody>
+        <a:bodyPr spcFirstLastPara="0" vert="horz" wrap="square" lIns="19050" tIns="9525" rIns="0" bIns="9525" numCol="1" spcCol="1270" anchor="ctr" anchorCtr="0">
+          <a:noAutofit/>
+        </a:bodyPr>
+        <a:lstStyle/>
+        <a:p>
+          <a:pPr lvl="0" algn="ctr" defTabSz="666750" rtl="0">
+            <a:lnSpc>
+              <a:spcPct val="90000"/>
+            </a:lnSpc>
+            <a:spcBef>
+              <a:spcPct val="0"/>
+            </a:spcBef>
+            <a:spcAft>
+              <a:spcPct val="35000"/>
+            </a:spcAft>
+          </a:pPr>
+          <a:r>
+            <a:rPr lang="en-US" sz="1500" kern="1200" baseline="0" smtClean="0"/>
+            <a:t>iOS application.</a:t>
+          </a:r>
+          <a:endParaRPr lang="en-US" sz="1500" kern="1200"/>
+        </a:p>
+      </dsp:txBody>
+      <dsp:txXfrm>
+        <a:off x="2045355" y="878686"/>
+        <a:ext cx="981980" cy="654653"/>
+      </dsp:txXfrm>
+    </dsp:sp>
+    <dsp:sp modelId="{E76D64D2-A9E1-49C2-8DE1-C0B744CA3EE9}">
+      <dsp:nvSpPr>
+        <dsp:cNvPr id="0" name=""/>
+        <dsp:cNvSpPr/>
+      </dsp:nvSpPr>
+      <dsp:spPr>
+        <a:xfrm>
+          <a:off x="3125533" y="878686"/>
+          <a:ext cx="1636633" cy="654653"/>
+        </a:xfrm>
+        <a:prstGeom prst="chevron">
+          <a:avLst/>
+        </a:prstGeom>
+        <a:solidFill>
+          <a:schemeClr val="accent1">
+            <a:alpha val="90000"/>
+            <a:tint val="40000"/>
+            <a:hueOff val="0"/>
+            <a:satOff val="0"/>
+            <a:lumOff val="0"/>
+            <a:alphaOff val="0"/>
+          </a:schemeClr>
+        </a:solidFill>
+        <a:ln w="19050" cap="flat" cmpd="sng" algn="ctr">
+          <a:solidFill>
+            <a:schemeClr val="accent1">
+              <a:alpha val="90000"/>
+              <a:tint val="40000"/>
+              <a:hueOff val="0"/>
+              <a:satOff val="0"/>
+              <a:lumOff val="0"/>
+              <a:alphaOff val="0"/>
+            </a:schemeClr>
+          </a:solidFill>
+          <a:prstDash val="solid"/>
+        </a:ln>
+        <a:effectLst/>
+      </dsp:spPr>
+      <dsp:style>
+        <a:lnRef idx="2">
+          <a:scrgbClr r="0" g="0" b="0"/>
+        </a:lnRef>
+        <a:fillRef idx="1">
+          <a:scrgbClr r="0" g="0" b="0"/>
+        </a:fillRef>
+        <a:effectRef idx="0">
+          <a:scrgbClr r="0" g="0" b="0"/>
+        </a:effectRef>
+        <a:fontRef idx="minor"/>
+      </dsp:style>
+      <dsp:txBody>
+        <a:bodyPr spcFirstLastPara="0" vert="horz" wrap="square" lIns="19050" tIns="9525" rIns="0" bIns="9525" numCol="1" spcCol="1270" anchor="ctr" anchorCtr="0">
+          <a:noAutofit/>
+        </a:bodyPr>
+        <a:lstStyle/>
+        <a:p>
+          <a:pPr lvl="0" algn="ctr" defTabSz="666750" rtl="0">
+            <a:lnSpc>
+              <a:spcPct val="90000"/>
+            </a:lnSpc>
+            <a:spcBef>
+              <a:spcPct val="0"/>
+            </a:spcBef>
+            <a:spcAft>
+              <a:spcPct val="35000"/>
+            </a:spcAft>
+          </a:pPr>
+          <a:r>
+            <a:rPr lang="en-US" sz="1500" kern="1200" baseline="0" smtClean="0"/>
+            <a:t>Persistent Login</a:t>
+          </a:r>
+          <a:endParaRPr lang="en-US" sz="1500" kern="1200"/>
+        </a:p>
+      </dsp:txBody>
+      <dsp:txXfrm>
+        <a:off x="3452860" y="878686"/>
+        <a:ext cx="981980" cy="654653"/>
+      </dsp:txXfrm>
+    </dsp:sp>
+    <dsp:sp modelId="{B4AA8CBE-2637-49F4-8D4B-18E5DC70FFEB}">
+      <dsp:nvSpPr>
+        <dsp:cNvPr id="0" name=""/>
+        <dsp:cNvSpPr/>
+      </dsp:nvSpPr>
+      <dsp:spPr>
+        <a:xfrm>
+          <a:off x="4533038" y="878686"/>
+          <a:ext cx="1636633" cy="654653"/>
+        </a:xfrm>
+        <a:prstGeom prst="chevron">
+          <a:avLst/>
+        </a:prstGeom>
+        <a:solidFill>
+          <a:schemeClr val="accent1">
+            <a:alpha val="90000"/>
+            <a:tint val="40000"/>
+            <a:hueOff val="0"/>
+            <a:satOff val="0"/>
+            <a:lumOff val="0"/>
+            <a:alphaOff val="0"/>
+          </a:schemeClr>
+        </a:solidFill>
+        <a:ln w="19050" cap="flat" cmpd="sng" algn="ctr">
+          <a:solidFill>
+            <a:schemeClr val="accent1">
+              <a:alpha val="90000"/>
+              <a:tint val="40000"/>
+              <a:hueOff val="0"/>
+              <a:satOff val="0"/>
+              <a:lumOff val="0"/>
+              <a:alphaOff val="0"/>
+            </a:schemeClr>
+          </a:solidFill>
+          <a:prstDash val="solid"/>
+        </a:ln>
+        <a:effectLst/>
+      </dsp:spPr>
+      <dsp:style>
+        <a:lnRef idx="2">
+          <a:scrgbClr r="0" g="0" b="0"/>
+        </a:lnRef>
+        <a:fillRef idx="1">
+          <a:scrgbClr r="0" g="0" b="0"/>
+        </a:fillRef>
+        <a:effectRef idx="0">
+          <a:scrgbClr r="0" g="0" b="0"/>
+        </a:effectRef>
+        <a:fontRef idx="minor"/>
+      </dsp:style>
+      <dsp:txBody>
+        <a:bodyPr spcFirstLastPara="0" vert="horz" wrap="square" lIns="19050" tIns="9525" rIns="0" bIns="9525" numCol="1" spcCol="1270" anchor="ctr" anchorCtr="0">
+          <a:noAutofit/>
+        </a:bodyPr>
+        <a:lstStyle/>
+        <a:p>
+          <a:pPr lvl="0" algn="ctr" defTabSz="666750" rtl="0">
+            <a:lnSpc>
+              <a:spcPct val="90000"/>
+            </a:lnSpc>
+            <a:spcBef>
+              <a:spcPct val="0"/>
+            </a:spcBef>
+            <a:spcAft>
+              <a:spcPct val="35000"/>
+            </a:spcAft>
+          </a:pPr>
+          <a:r>
+            <a:rPr lang="en-US" sz="1500" kern="1200" baseline="0" smtClean="0"/>
+            <a:t>Scan and Capture QR</a:t>
+          </a:r>
+          <a:endParaRPr lang="en-US" sz="1500" kern="1200"/>
+        </a:p>
+      </dsp:txBody>
+      <dsp:txXfrm>
+        <a:off x="4860365" y="878686"/>
+        <a:ext cx="981980" cy="654653"/>
+      </dsp:txXfrm>
+    </dsp:sp>
+    <dsp:sp modelId="{6A586E54-E152-4EA2-B9E8-BF172B3BB227}">
+      <dsp:nvSpPr>
+        <dsp:cNvPr id="0" name=""/>
+        <dsp:cNvSpPr/>
+      </dsp:nvSpPr>
+      <dsp:spPr>
+        <a:xfrm>
+          <a:off x="5940542" y="878686"/>
+          <a:ext cx="1636633" cy="654653"/>
+        </a:xfrm>
+        <a:prstGeom prst="chevron">
+          <a:avLst/>
+        </a:prstGeom>
+        <a:solidFill>
+          <a:schemeClr val="accent1">
+            <a:alpha val="90000"/>
+            <a:tint val="40000"/>
+            <a:hueOff val="0"/>
+            <a:satOff val="0"/>
+            <a:lumOff val="0"/>
+            <a:alphaOff val="0"/>
+          </a:schemeClr>
+        </a:solidFill>
+        <a:ln w="19050" cap="flat" cmpd="sng" algn="ctr">
+          <a:solidFill>
+            <a:schemeClr val="accent1">
+              <a:alpha val="90000"/>
+              <a:tint val="40000"/>
+              <a:hueOff val="0"/>
+              <a:satOff val="0"/>
+              <a:lumOff val="0"/>
+              <a:alphaOff val="0"/>
+            </a:schemeClr>
+          </a:solidFill>
+          <a:prstDash val="solid"/>
+        </a:ln>
+        <a:effectLst/>
+      </dsp:spPr>
+      <dsp:style>
+        <a:lnRef idx="2">
+          <a:scrgbClr r="0" g="0" b="0"/>
+        </a:lnRef>
+        <a:fillRef idx="1">
+          <a:scrgbClr r="0" g="0" b="0"/>
+        </a:fillRef>
+        <a:effectRef idx="0">
+          <a:scrgbClr r="0" g="0" b="0"/>
+        </a:effectRef>
+        <a:fontRef idx="minor"/>
+      </dsp:style>
+      <dsp:txBody>
+        <a:bodyPr spcFirstLastPara="0" vert="horz" wrap="square" lIns="19050" tIns="9525" rIns="0" bIns="9525" numCol="1" spcCol="1270" anchor="ctr" anchorCtr="0">
+          <a:noAutofit/>
+        </a:bodyPr>
+        <a:lstStyle/>
+        <a:p>
+          <a:pPr lvl="0" algn="ctr" defTabSz="666750" rtl="0">
+            <a:lnSpc>
+              <a:spcPct val="90000"/>
+            </a:lnSpc>
+            <a:spcBef>
+              <a:spcPct val="0"/>
+            </a:spcBef>
+            <a:spcAft>
+              <a:spcPct val="35000"/>
+            </a:spcAft>
+          </a:pPr>
+          <a:r>
+            <a:rPr lang="en-US" sz="1500" kern="1200" baseline="0" smtClean="0"/>
+            <a:t>View courses registered</a:t>
+          </a:r>
+          <a:endParaRPr lang="en-US" sz="1500" kern="1200"/>
+        </a:p>
+      </dsp:txBody>
+      <dsp:txXfrm>
+        <a:off x="6267869" y="878686"/>
+        <a:ext cx="981980" cy="654653"/>
+      </dsp:txXfrm>
+    </dsp:sp>
+    <dsp:sp modelId="{744E4917-4B35-4A72-8BCD-58516B3775E9}">
+      <dsp:nvSpPr>
+        <dsp:cNvPr id="0" name=""/>
+        <dsp:cNvSpPr/>
+      </dsp:nvSpPr>
+      <dsp:spPr>
+        <a:xfrm>
+          <a:off x="7348047" y="878686"/>
+          <a:ext cx="1636633" cy="654653"/>
+        </a:xfrm>
+        <a:prstGeom prst="chevron">
+          <a:avLst/>
+        </a:prstGeom>
+        <a:solidFill>
+          <a:schemeClr val="accent1">
+            <a:alpha val="90000"/>
+            <a:tint val="40000"/>
+            <a:hueOff val="0"/>
+            <a:satOff val="0"/>
+            <a:lumOff val="0"/>
+            <a:alphaOff val="0"/>
+          </a:schemeClr>
+        </a:solidFill>
+        <a:ln w="19050" cap="flat" cmpd="sng" algn="ctr">
+          <a:solidFill>
+            <a:schemeClr val="accent1">
+              <a:alpha val="90000"/>
+              <a:tint val="40000"/>
+              <a:hueOff val="0"/>
+              <a:satOff val="0"/>
+              <a:lumOff val="0"/>
+              <a:alphaOff val="0"/>
+            </a:schemeClr>
+          </a:solidFill>
+          <a:prstDash val="solid"/>
+        </a:ln>
+        <a:effectLst/>
+      </dsp:spPr>
+      <dsp:style>
+        <a:lnRef idx="2">
+          <a:scrgbClr r="0" g="0" b="0"/>
+        </a:lnRef>
+        <a:fillRef idx="1">
+          <a:scrgbClr r="0" g="0" b="0"/>
+        </a:fillRef>
+        <a:effectRef idx="0">
+          <a:scrgbClr r="0" g="0" b="0"/>
+        </a:effectRef>
+        <a:fontRef idx="minor"/>
+      </dsp:style>
+      <dsp:txBody>
+        <a:bodyPr spcFirstLastPara="0" vert="horz" wrap="square" lIns="19050" tIns="9525" rIns="0" bIns="9525" numCol="1" spcCol="1270" anchor="ctr" anchorCtr="0">
+          <a:noAutofit/>
+        </a:bodyPr>
+        <a:lstStyle/>
+        <a:p>
+          <a:pPr lvl="0" algn="ctr" defTabSz="666750" rtl="0">
+            <a:lnSpc>
+              <a:spcPct val="90000"/>
+            </a:lnSpc>
+            <a:spcBef>
+              <a:spcPct val="0"/>
+            </a:spcBef>
+            <a:spcAft>
+              <a:spcPct val="35000"/>
+            </a:spcAft>
+          </a:pPr>
+          <a:r>
+            <a:rPr lang="en-US" sz="1500" kern="1200" baseline="0" smtClean="0"/>
+            <a:t>View attendance percentage</a:t>
+          </a:r>
+          <a:endParaRPr lang="en-US" sz="1500" kern="1200"/>
+        </a:p>
+      </dsp:txBody>
+      <dsp:txXfrm>
+        <a:off x="7675374" y="878686"/>
+        <a:ext cx="981980" cy="654653"/>
+      </dsp:txXfrm>
+    </dsp:sp>
+    <dsp:sp modelId="{7CA2308A-0040-43B1-9358-E3AEFF39E55E}">
+      <dsp:nvSpPr>
+        <dsp:cNvPr id="0" name=""/>
+        <dsp:cNvSpPr/>
+      </dsp:nvSpPr>
+      <dsp:spPr>
+        <a:xfrm>
+          <a:off x="8755552" y="878686"/>
+          <a:ext cx="1636633" cy="654653"/>
+        </a:xfrm>
+        <a:prstGeom prst="chevron">
+          <a:avLst/>
+        </a:prstGeom>
+        <a:solidFill>
+          <a:schemeClr val="accent1">
+            <a:alpha val="90000"/>
+            <a:tint val="40000"/>
+            <a:hueOff val="0"/>
+            <a:satOff val="0"/>
+            <a:lumOff val="0"/>
+            <a:alphaOff val="0"/>
+          </a:schemeClr>
+        </a:solidFill>
+        <a:ln w="19050" cap="flat" cmpd="sng" algn="ctr">
+          <a:solidFill>
+            <a:schemeClr val="accent1">
+              <a:alpha val="90000"/>
+              <a:tint val="40000"/>
+              <a:hueOff val="0"/>
+              <a:satOff val="0"/>
+              <a:lumOff val="0"/>
+              <a:alphaOff val="0"/>
+            </a:schemeClr>
+          </a:solidFill>
+          <a:prstDash val="solid"/>
+        </a:ln>
+        <a:effectLst/>
+      </dsp:spPr>
+      <dsp:style>
+        <a:lnRef idx="2">
+          <a:scrgbClr r="0" g="0" b="0"/>
+        </a:lnRef>
+        <a:fillRef idx="1">
+          <a:scrgbClr r="0" g="0" b="0"/>
+        </a:fillRef>
+        <a:effectRef idx="0">
+          <a:scrgbClr r="0" g="0" b="0"/>
+        </a:effectRef>
+        <a:fontRef idx="minor"/>
+      </dsp:style>
+      <dsp:txBody>
+        <a:bodyPr spcFirstLastPara="0" vert="horz" wrap="square" lIns="19050" tIns="9525" rIns="0" bIns="9525" numCol="1" spcCol="1270" anchor="ctr" anchorCtr="0">
+          <a:noAutofit/>
+        </a:bodyPr>
+        <a:lstStyle/>
+        <a:p>
+          <a:pPr lvl="0" algn="ctr" defTabSz="666750" rtl="0">
+            <a:lnSpc>
+              <a:spcPct val="90000"/>
+            </a:lnSpc>
+            <a:spcBef>
+              <a:spcPct val="0"/>
+            </a:spcBef>
+            <a:spcAft>
+              <a:spcPct val="35000"/>
+            </a:spcAft>
+          </a:pPr>
+          <a:r>
+            <a:rPr lang="en-US" sz="1500" kern="1200" baseline="0" smtClean="0"/>
+            <a:t>Appropriate Feedback</a:t>
+          </a:r>
+          <a:endParaRPr lang="en-US" sz="1500" kern="1200"/>
+        </a:p>
+      </dsp:txBody>
+      <dsp:txXfrm>
+        <a:off x="9082879" y="878686"/>
+        <a:ext cx="981980" cy="654653"/>
+      </dsp:txXfrm>
+    </dsp:sp>
+    <dsp:sp modelId="{94FBA5BC-C6BE-4CFB-AAFE-632C3D6BA861}">
+      <dsp:nvSpPr>
+        <dsp:cNvPr id="0" name=""/>
+        <dsp:cNvSpPr/>
+      </dsp:nvSpPr>
+      <dsp:spPr>
+        <a:xfrm>
+          <a:off x="2521" y="1710806"/>
+          <a:ext cx="1971847" cy="788738"/>
+        </a:xfrm>
+        <a:prstGeom prst="chevron">
+          <a:avLst/>
+        </a:prstGeom>
+        <a:solidFill>
+          <a:schemeClr val="accent1">
+            <a:hueOff val="0"/>
+            <a:satOff val="0"/>
+            <a:lumOff val="0"/>
+            <a:alphaOff val="0"/>
+          </a:schemeClr>
+        </a:solidFill>
+        <a:ln w="19050" cap="flat" cmpd="sng" algn="ctr">
+          <a:solidFill>
+            <a:schemeClr val="lt1">
+              <a:hueOff val="0"/>
+              <a:satOff val="0"/>
+              <a:lumOff val="0"/>
+              <a:alphaOff val="0"/>
+            </a:schemeClr>
+          </a:solidFill>
+          <a:prstDash val="solid"/>
+        </a:ln>
+        <a:effectLst/>
+      </dsp:spPr>
+      <dsp:style>
+        <a:lnRef idx="2">
+          <a:scrgbClr r="0" g="0" b="0"/>
+        </a:lnRef>
+        <a:fillRef idx="1">
+          <a:scrgbClr r="0" g="0" b="0"/>
+        </a:fillRef>
+        <a:effectRef idx="0">
+          <a:scrgbClr r="0" g="0" b="0"/>
+        </a:effectRef>
+        <a:fontRef idx="minor">
+          <a:schemeClr val="lt1"/>
+        </a:fontRef>
+      </dsp:style>
+      <dsp:txBody>
+        <a:bodyPr spcFirstLastPara="0" vert="horz" wrap="square" lIns="16510" tIns="8255" rIns="0" bIns="8255" numCol="1" spcCol="1270" anchor="ctr" anchorCtr="0">
+          <a:noAutofit/>
+        </a:bodyPr>
+        <a:lstStyle/>
+        <a:p>
+          <a:pPr lvl="0" algn="ctr" defTabSz="577850" rtl="0">
+            <a:lnSpc>
+              <a:spcPct val="90000"/>
+            </a:lnSpc>
+            <a:spcBef>
+              <a:spcPct val="0"/>
+            </a:spcBef>
+            <a:spcAft>
+              <a:spcPct val="35000"/>
+            </a:spcAft>
+          </a:pPr>
+          <a:r>
+            <a:rPr lang="en-US" sz="1300" b="1" kern="1200" baseline="0" dirty="0" smtClean="0"/>
+            <a:t>Student(Now)</a:t>
+          </a:r>
+          <a:endParaRPr lang="en-US" sz="1300" kern="1200" dirty="0"/>
+        </a:p>
+      </dsp:txBody>
+      <dsp:txXfrm>
+        <a:off x="396890" y="1710806"/>
+        <a:ext cx="1183109" cy="788738"/>
+      </dsp:txXfrm>
+    </dsp:sp>
+    <dsp:sp modelId="{BA82D5BB-39AE-42EB-BE1E-695C631B75F6}">
+      <dsp:nvSpPr>
+        <dsp:cNvPr id="0" name=""/>
+        <dsp:cNvSpPr/>
+      </dsp:nvSpPr>
+      <dsp:spPr>
+        <a:xfrm>
+          <a:off x="1718028" y="1777849"/>
+          <a:ext cx="1636633" cy="654653"/>
+        </a:xfrm>
+        <a:prstGeom prst="chevron">
+          <a:avLst/>
+        </a:prstGeom>
+        <a:solidFill>
+          <a:schemeClr val="accent1">
+            <a:alpha val="90000"/>
+            <a:tint val="40000"/>
+            <a:hueOff val="0"/>
+            <a:satOff val="0"/>
+            <a:lumOff val="0"/>
+            <a:alphaOff val="0"/>
+          </a:schemeClr>
+        </a:solidFill>
+        <a:ln w="19050" cap="flat" cmpd="sng" algn="ctr">
+          <a:solidFill>
+            <a:schemeClr val="accent1">
+              <a:alpha val="90000"/>
+              <a:tint val="40000"/>
+              <a:hueOff val="0"/>
+              <a:satOff val="0"/>
+              <a:lumOff val="0"/>
+              <a:alphaOff val="0"/>
+            </a:schemeClr>
+          </a:solidFill>
+          <a:prstDash val="solid"/>
+        </a:ln>
+        <a:effectLst/>
+      </dsp:spPr>
+      <dsp:style>
+        <a:lnRef idx="2">
+          <a:scrgbClr r="0" g="0" b="0"/>
+        </a:lnRef>
+        <a:fillRef idx="1">
+          <a:scrgbClr r="0" g="0" b="0"/>
+        </a:fillRef>
+        <a:effectRef idx="0">
+          <a:scrgbClr r="0" g="0" b="0"/>
+        </a:effectRef>
+        <a:fontRef idx="minor"/>
+      </dsp:style>
+      <dsp:txBody>
+        <a:bodyPr spcFirstLastPara="0" vert="horz" wrap="square" lIns="19050" tIns="9525" rIns="0" bIns="9525" numCol="1" spcCol="1270" anchor="ctr" anchorCtr="0">
+          <a:noAutofit/>
+        </a:bodyPr>
+        <a:lstStyle/>
+        <a:p>
+          <a:pPr lvl="0" algn="ctr" defTabSz="666750" rtl="0">
+            <a:lnSpc>
+              <a:spcPct val="90000"/>
+            </a:lnSpc>
+            <a:spcBef>
+              <a:spcPct val="0"/>
+            </a:spcBef>
+            <a:spcAft>
+              <a:spcPct val="35000"/>
+            </a:spcAft>
+          </a:pPr>
+          <a:r>
+            <a:rPr lang="en-US" sz="1500" kern="1200" baseline="0" smtClean="0"/>
+            <a:t>iOS application – tabbed.</a:t>
+          </a:r>
+          <a:endParaRPr lang="en-US" sz="1500" kern="1200"/>
+        </a:p>
+      </dsp:txBody>
+      <dsp:txXfrm>
+        <a:off x="2045355" y="1777849"/>
+        <a:ext cx="981980" cy="654653"/>
+      </dsp:txXfrm>
+    </dsp:sp>
+    <dsp:sp modelId="{9E64F5DB-0B5E-4FD6-9BAE-3992EC1EB009}">
+      <dsp:nvSpPr>
+        <dsp:cNvPr id="0" name=""/>
+        <dsp:cNvSpPr/>
+      </dsp:nvSpPr>
+      <dsp:spPr>
+        <a:xfrm>
+          <a:off x="3125533" y="1777849"/>
+          <a:ext cx="1636633" cy="654653"/>
+        </a:xfrm>
+        <a:prstGeom prst="chevron">
+          <a:avLst/>
+        </a:prstGeom>
+        <a:solidFill>
+          <a:schemeClr val="accent1">
+            <a:alpha val="90000"/>
+            <a:tint val="40000"/>
+            <a:hueOff val="0"/>
+            <a:satOff val="0"/>
+            <a:lumOff val="0"/>
+            <a:alphaOff val="0"/>
+          </a:schemeClr>
+        </a:solidFill>
+        <a:ln w="19050" cap="flat" cmpd="sng" algn="ctr">
+          <a:solidFill>
+            <a:schemeClr val="accent1">
+              <a:alpha val="90000"/>
+              <a:tint val="40000"/>
+              <a:hueOff val="0"/>
+              <a:satOff val="0"/>
+              <a:lumOff val="0"/>
+              <a:alphaOff val="0"/>
+            </a:schemeClr>
+          </a:solidFill>
+          <a:prstDash val="solid"/>
+        </a:ln>
+        <a:effectLst/>
+      </dsp:spPr>
+      <dsp:style>
+        <a:lnRef idx="2">
+          <a:scrgbClr r="0" g="0" b="0"/>
+        </a:lnRef>
+        <a:fillRef idx="1">
+          <a:scrgbClr r="0" g="0" b="0"/>
+        </a:fillRef>
+        <a:effectRef idx="0">
+          <a:scrgbClr r="0" g="0" b="0"/>
+        </a:effectRef>
+        <a:fontRef idx="minor"/>
+      </dsp:style>
+      <dsp:txBody>
+        <a:bodyPr spcFirstLastPara="0" vert="horz" wrap="square" lIns="19050" tIns="9525" rIns="0" bIns="9525" numCol="1" spcCol="1270" anchor="ctr" anchorCtr="0">
+          <a:noAutofit/>
+        </a:bodyPr>
+        <a:lstStyle/>
+        <a:p>
+          <a:pPr lvl="0" algn="ctr" defTabSz="666750" rtl="0">
+            <a:lnSpc>
+              <a:spcPct val="90000"/>
+            </a:lnSpc>
+            <a:spcBef>
+              <a:spcPct val="0"/>
+            </a:spcBef>
+            <a:spcAft>
+              <a:spcPct val="35000"/>
+            </a:spcAft>
+          </a:pPr>
+          <a:r>
+            <a:rPr lang="en-US" sz="1500" kern="1200" baseline="0" smtClean="0"/>
+            <a:t>Persistent Login</a:t>
+          </a:r>
+          <a:endParaRPr lang="en-US" sz="1500" kern="1200"/>
+        </a:p>
+      </dsp:txBody>
+      <dsp:txXfrm>
+        <a:off x="3452860" y="1777849"/>
+        <a:ext cx="981980" cy="654653"/>
+      </dsp:txXfrm>
+    </dsp:sp>
+    <dsp:sp modelId="{B041A7D8-4560-4EF1-9763-213F59725A7E}">
+      <dsp:nvSpPr>
+        <dsp:cNvPr id="0" name=""/>
+        <dsp:cNvSpPr/>
+      </dsp:nvSpPr>
+      <dsp:spPr>
+        <a:xfrm>
+          <a:off x="4533038" y="1777849"/>
+          <a:ext cx="1636633" cy="654653"/>
+        </a:xfrm>
+        <a:prstGeom prst="chevron">
+          <a:avLst/>
+        </a:prstGeom>
+        <a:solidFill>
+          <a:schemeClr val="accent1">
+            <a:alpha val="90000"/>
+            <a:tint val="40000"/>
+            <a:hueOff val="0"/>
+            <a:satOff val="0"/>
+            <a:lumOff val="0"/>
+            <a:alphaOff val="0"/>
+          </a:schemeClr>
+        </a:solidFill>
+        <a:ln w="19050" cap="flat" cmpd="sng" algn="ctr">
+          <a:solidFill>
+            <a:schemeClr val="accent1">
+              <a:alpha val="90000"/>
+              <a:tint val="40000"/>
+              <a:hueOff val="0"/>
+              <a:satOff val="0"/>
+              <a:lumOff val="0"/>
+              <a:alphaOff val="0"/>
+            </a:schemeClr>
+          </a:solidFill>
+          <a:prstDash val="solid"/>
+        </a:ln>
+        <a:effectLst/>
+      </dsp:spPr>
+      <dsp:style>
+        <a:lnRef idx="2">
+          <a:scrgbClr r="0" g="0" b="0"/>
+        </a:lnRef>
+        <a:fillRef idx="1">
+          <a:scrgbClr r="0" g="0" b="0"/>
+        </a:fillRef>
+        <a:effectRef idx="0">
+          <a:scrgbClr r="0" g="0" b="0"/>
+        </a:effectRef>
+        <a:fontRef idx="minor"/>
+      </dsp:style>
+      <dsp:txBody>
+        <a:bodyPr spcFirstLastPara="0" vert="horz" wrap="square" lIns="19050" tIns="9525" rIns="0" bIns="9525" numCol="1" spcCol="1270" anchor="ctr" anchorCtr="0">
+          <a:noAutofit/>
+        </a:bodyPr>
+        <a:lstStyle/>
+        <a:p>
+          <a:pPr lvl="0" algn="ctr" defTabSz="666750" rtl="0">
+            <a:lnSpc>
+              <a:spcPct val="90000"/>
+            </a:lnSpc>
+            <a:spcBef>
+              <a:spcPct val="0"/>
+            </a:spcBef>
+            <a:spcAft>
+              <a:spcPct val="35000"/>
+            </a:spcAft>
+          </a:pPr>
+          <a:r>
+            <a:rPr lang="en-US" sz="1500" kern="1200" baseline="0" smtClean="0"/>
+            <a:t>Scan QR</a:t>
+          </a:r>
+          <a:endParaRPr lang="en-US" sz="1500" kern="1200"/>
+        </a:p>
+      </dsp:txBody>
+      <dsp:txXfrm>
+        <a:off x="4860365" y="1777849"/>
+        <a:ext cx="981980" cy="654653"/>
+      </dsp:txXfrm>
+    </dsp:sp>
+    <dsp:sp modelId="{067CBF43-7801-49FD-994E-7E4EB2B8E06C}">
+      <dsp:nvSpPr>
+        <dsp:cNvPr id="0" name=""/>
+        <dsp:cNvSpPr/>
+      </dsp:nvSpPr>
+      <dsp:spPr>
+        <a:xfrm>
+          <a:off x="5940542" y="1777849"/>
+          <a:ext cx="1636633" cy="654653"/>
+        </a:xfrm>
+        <a:prstGeom prst="chevron">
+          <a:avLst/>
+        </a:prstGeom>
+        <a:solidFill>
+          <a:schemeClr val="accent1">
+            <a:alpha val="90000"/>
+            <a:tint val="40000"/>
+            <a:hueOff val="0"/>
+            <a:satOff val="0"/>
+            <a:lumOff val="0"/>
+            <a:alphaOff val="0"/>
+          </a:schemeClr>
+        </a:solidFill>
+        <a:ln w="19050" cap="flat" cmpd="sng" algn="ctr">
+          <a:solidFill>
+            <a:schemeClr val="accent1">
+              <a:alpha val="90000"/>
+              <a:tint val="40000"/>
+              <a:hueOff val="0"/>
+              <a:satOff val="0"/>
+              <a:lumOff val="0"/>
+              <a:alphaOff val="0"/>
+            </a:schemeClr>
+          </a:solidFill>
+          <a:prstDash val="solid"/>
+        </a:ln>
+        <a:effectLst/>
+      </dsp:spPr>
+      <dsp:style>
+        <a:lnRef idx="2">
+          <a:scrgbClr r="0" g="0" b="0"/>
+        </a:lnRef>
+        <a:fillRef idx="1">
+          <a:scrgbClr r="0" g="0" b="0"/>
+        </a:fillRef>
+        <a:effectRef idx="0">
+          <a:scrgbClr r="0" g="0" b="0"/>
+        </a:effectRef>
+        <a:fontRef idx="minor"/>
+      </dsp:style>
+      <dsp:txBody>
+        <a:bodyPr spcFirstLastPara="0" vert="horz" wrap="square" lIns="19050" tIns="9525" rIns="0" bIns="9525" numCol="1" spcCol="1270" anchor="ctr" anchorCtr="0">
+          <a:noAutofit/>
+        </a:bodyPr>
+        <a:lstStyle/>
+        <a:p>
+          <a:pPr lvl="0" algn="ctr" defTabSz="666750" rtl="0">
+            <a:lnSpc>
+              <a:spcPct val="90000"/>
+            </a:lnSpc>
+            <a:spcBef>
+              <a:spcPct val="0"/>
+            </a:spcBef>
+            <a:spcAft>
+              <a:spcPct val="35000"/>
+            </a:spcAft>
+          </a:pPr>
+          <a:r>
+            <a:rPr lang="en-US" sz="1500" kern="1200" baseline="0" smtClean="0"/>
+            <a:t>View courses registered</a:t>
+          </a:r>
+          <a:endParaRPr lang="en-US" sz="1500" kern="1200"/>
+        </a:p>
+      </dsp:txBody>
+      <dsp:txXfrm>
+        <a:off x="6267869" y="1777849"/>
+        <a:ext cx="981980" cy="654653"/>
+      </dsp:txXfrm>
+    </dsp:sp>
+    <dsp:sp modelId="{C07FEBDB-C1F3-41EF-AD6C-EABA431EB521}">
+      <dsp:nvSpPr>
+        <dsp:cNvPr id="0" name=""/>
+        <dsp:cNvSpPr/>
+      </dsp:nvSpPr>
+      <dsp:spPr>
+        <a:xfrm>
+          <a:off x="7348047" y="1777849"/>
+          <a:ext cx="1636633" cy="654653"/>
+        </a:xfrm>
+        <a:prstGeom prst="chevron">
+          <a:avLst/>
+        </a:prstGeom>
+        <a:solidFill>
+          <a:schemeClr val="accent1">
+            <a:alpha val="90000"/>
+            <a:tint val="40000"/>
+            <a:hueOff val="0"/>
+            <a:satOff val="0"/>
+            <a:lumOff val="0"/>
+            <a:alphaOff val="0"/>
+          </a:schemeClr>
+        </a:solidFill>
+        <a:ln w="19050" cap="flat" cmpd="sng" algn="ctr">
+          <a:solidFill>
+            <a:schemeClr val="accent1">
+              <a:alpha val="90000"/>
+              <a:tint val="40000"/>
+              <a:hueOff val="0"/>
+              <a:satOff val="0"/>
+              <a:lumOff val="0"/>
+              <a:alphaOff val="0"/>
+            </a:schemeClr>
+          </a:solidFill>
+          <a:prstDash val="solid"/>
+        </a:ln>
+        <a:effectLst/>
+      </dsp:spPr>
+      <dsp:style>
+        <a:lnRef idx="2">
+          <a:scrgbClr r="0" g="0" b="0"/>
+        </a:lnRef>
+        <a:fillRef idx="1">
+          <a:scrgbClr r="0" g="0" b="0"/>
+        </a:fillRef>
+        <a:effectRef idx="0">
+          <a:scrgbClr r="0" g="0" b="0"/>
+        </a:effectRef>
+        <a:fontRef idx="minor"/>
+      </dsp:style>
+      <dsp:txBody>
+        <a:bodyPr spcFirstLastPara="0" vert="horz" wrap="square" lIns="19050" tIns="9525" rIns="0" bIns="9525" numCol="1" spcCol="1270" anchor="ctr" anchorCtr="0">
+          <a:noAutofit/>
+        </a:bodyPr>
+        <a:lstStyle/>
+        <a:p>
+          <a:pPr lvl="0" algn="ctr" defTabSz="666750" rtl="0">
+            <a:lnSpc>
+              <a:spcPct val="90000"/>
+            </a:lnSpc>
+            <a:spcBef>
+              <a:spcPct val="0"/>
+            </a:spcBef>
+            <a:spcAft>
+              <a:spcPct val="35000"/>
+            </a:spcAft>
+          </a:pPr>
+          <a:r>
+            <a:rPr lang="en-US" sz="1500" kern="1200" baseline="0" smtClean="0"/>
+            <a:t>View attendance percentage</a:t>
+          </a:r>
+          <a:endParaRPr lang="en-US" sz="1500" kern="1200"/>
+        </a:p>
+      </dsp:txBody>
+      <dsp:txXfrm>
+        <a:off x="7675374" y="1777849"/>
+        <a:ext cx="981980" cy="654653"/>
+      </dsp:txXfrm>
+    </dsp:sp>
+    <dsp:sp modelId="{89883161-4AC0-43EF-A757-DF79B756FAB4}">
+      <dsp:nvSpPr>
+        <dsp:cNvPr id="0" name=""/>
+        <dsp:cNvSpPr/>
+      </dsp:nvSpPr>
+      <dsp:spPr>
+        <a:xfrm>
+          <a:off x="8755552" y="1777849"/>
+          <a:ext cx="1636633" cy="654653"/>
+        </a:xfrm>
+        <a:prstGeom prst="chevron">
+          <a:avLst/>
+        </a:prstGeom>
+        <a:solidFill>
+          <a:schemeClr val="accent1">
+            <a:alpha val="90000"/>
+            <a:tint val="40000"/>
+            <a:hueOff val="0"/>
+            <a:satOff val="0"/>
+            <a:lumOff val="0"/>
+            <a:alphaOff val="0"/>
+          </a:schemeClr>
+        </a:solidFill>
+        <a:ln w="19050" cap="flat" cmpd="sng" algn="ctr">
+          <a:solidFill>
+            <a:schemeClr val="accent1">
+              <a:alpha val="90000"/>
+              <a:tint val="40000"/>
+              <a:hueOff val="0"/>
+              <a:satOff val="0"/>
+              <a:lumOff val="0"/>
+              <a:alphaOff val="0"/>
+            </a:schemeClr>
+          </a:solidFill>
+          <a:prstDash val="solid"/>
+        </a:ln>
+        <a:effectLst/>
+      </dsp:spPr>
+      <dsp:style>
+        <a:lnRef idx="2">
+          <a:scrgbClr r="0" g="0" b="0"/>
+        </a:lnRef>
+        <a:fillRef idx="1">
+          <a:scrgbClr r="0" g="0" b="0"/>
+        </a:fillRef>
+        <a:effectRef idx="0">
+          <a:scrgbClr r="0" g="0" b="0"/>
+        </a:effectRef>
+        <a:fontRef idx="minor"/>
+      </dsp:style>
+      <dsp:txBody>
+        <a:bodyPr spcFirstLastPara="0" vert="horz" wrap="square" lIns="19050" tIns="9525" rIns="0" bIns="9525" numCol="1" spcCol="1270" anchor="ctr" anchorCtr="0">
+          <a:noAutofit/>
+        </a:bodyPr>
+        <a:lstStyle/>
+        <a:p>
+          <a:pPr lvl="0" algn="ctr" defTabSz="666750" rtl="0">
+            <a:lnSpc>
+              <a:spcPct val="90000"/>
+            </a:lnSpc>
+            <a:spcBef>
+              <a:spcPct val="0"/>
+            </a:spcBef>
+            <a:spcAft>
+              <a:spcPct val="35000"/>
+            </a:spcAft>
+          </a:pPr>
+          <a:r>
+            <a:rPr lang="en-US" sz="1500" kern="1200" baseline="0" smtClean="0"/>
+            <a:t>Appropriate Feedback</a:t>
+          </a:r>
+          <a:endParaRPr lang="en-US" sz="1500" kern="1200"/>
+        </a:p>
+      </dsp:txBody>
+      <dsp:txXfrm>
+        <a:off x="9082879" y="1777849"/>
+        <a:ext cx="981980" cy="654653"/>
+      </dsp:txXfrm>
+    </dsp:sp>
+  </dsp:spTree>
+</dsp:drawing>
+</file>
+
+<file path=ppt/diagrams/drawing3.xml><?xml version="1.0" encoding="utf-8"?>
 <dsp:drawing xmlns:dgm="http://schemas.openxmlformats.org/drawingml/2006/diagram" xmlns:dsp="http://schemas.microsoft.com/office/drawing/2008/diagram" xmlns:a="http://schemas.openxmlformats.org/drawingml/2006/main">
   <dsp:spTree>
     <dsp:nvGrpSpPr>
@@ -5439,7 +10955,7 @@
 </dsp:drawing>
 </file>
 
-<file path=ppt/diagrams/drawing2.xml><?xml version="1.0" encoding="utf-8"?>
+<file path=ppt/diagrams/drawing4.xml><?xml version="1.0" encoding="utf-8"?>
 <dsp:drawing xmlns:dgm="http://schemas.openxmlformats.org/drawingml/2006/diagram" xmlns:dsp="http://schemas.microsoft.com/office/drawing/2008/diagram" xmlns:a="http://schemas.openxmlformats.org/drawingml/2006/main">
   <dsp:spTree>
     <dsp:nvGrpSpPr>
@@ -6409,7 +11925,7 @@
 </dsp:drawing>
 </file>
 
-<file path=ppt/diagrams/drawing3.xml><?xml version="1.0" encoding="utf-8"?>
+<file path=ppt/diagrams/drawing5.xml><?xml version="1.0" encoding="utf-8"?>
 <dsp:drawing xmlns:dgm="http://schemas.openxmlformats.org/drawingml/2006/diagram" xmlns:dsp="http://schemas.microsoft.com/office/drawing/2008/diagram" xmlns:a="http://schemas.openxmlformats.org/drawingml/2006/main">
   <dsp:spTree>
     <dsp:nvGrpSpPr>
@@ -6816,6 +12332,568 @@
 </file>
 
 <file path=ppt/diagrams/layout1.xml><?xml version="1.0" encoding="utf-8"?>
+<dgm:layoutDef xmlns:dgm="http://schemas.openxmlformats.org/drawingml/2006/diagram" xmlns:a="http://schemas.openxmlformats.org/drawingml/2006/main" uniqueId="urn:microsoft.com/office/officeart/2005/8/layout/lProcess3">
+  <dgm:title val=""/>
+  <dgm:desc val=""/>
+  <dgm:catLst>
+    <dgm:cat type="process" pri="11000"/>
+    <dgm:cat type="convert" pri="12000"/>
+  </dgm:catLst>
+  <dgm:sampData>
+    <dgm:dataModel>
+      <dgm:ptLst>
+        <dgm:pt modelId="0" type="doc"/>
+        <dgm:pt modelId="1">
+          <dgm:prSet phldr="1"/>
+        </dgm:pt>
+        <dgm:pt modelId="11">
+          <dgm:prSet phldr="1"/>
+        </dgm:pt>
+        <dgm:pt modelId="12">
+          <dgm:prSet phldr="1"/>
+        </dgm:pt>
+        <dgm:pt modelId="2">
+          <dgm:prSet phldr="1"/>
+        </dgm:pt>
+        <dgm:pt modelId="21">
+          <dgm:prSet phldr="1"/>
+        </dgm:pt>
+        <dgm:pt modelId="22">
+          <dgm:prSet phldr="1"/>
+        </dgm:pt>
+        <dgm:pt modelId="3">
+          <dgm:prSet phldr="1"/>
+        </dgm:pt>
+        <dgm:pt modelId="31">
+          <dgm:prSet phldr="1"/>
+        </dgm:pt>
+        <dgm:pt modelId="32">
+          <dgm:prSet phldr="1"/>
+        </dgm:pt>
+      </dgm:ptLst>
+      <dgm:cxnLst>
+        <dgm:cxn modelId="4" srcId="0" destId="1" srcOrd="0" destOrd="0"/>
+        <dgm:cxn modelId="5" srcId="0" destId="2" srcOrd="1" destOrd="0"/>
+        <dgm:cxn modelId="6" srcId="0" destId="3" srcOrd="2" destOrd="0"/>
+        <dgm:cxn modelId="41" srcId="1" destId="11" srcOrd="0" destOrd="0"/>
+        <dgm:cxn modelId="42" srcId="1" destId="12" srcOrd="1" destOrd="0"/>
+        <dgm:cxn modelId="51" srcId="2" destId="21" srcOrd="0" destOrd="0"/>
+        <dgm:cxn modelId="52" srcId="2" destId="22" srcOrd="1" destOrd="0"/>
+        <dgm:cxn modelId="61" srcId="3" destId="31" srcOrd="0" destOrd="0"/>
+        <dgm:cxn modelId="62" srcId="3" destId="32" srcOrd="1" destOrd="0"/>
+      </dgm:cxnLst>
+      <dgm:bg/>
+      <dgm:whole/>
+    </dgm:dataModel>
+  </dgm:sampData>
+  <dgm:styleData>
+    <dgm:dataModel>
+      <dgm:ptLst>
+        <dgm:pt modelId="0" type="doc"/>
+        <dgm:pt modelId="1"/>
+        <dgm:pt modelId="2"/>
+      </dgm:ptLst>
+      <dgm:cxnLst>
+        <dgm:cxn modelId="4" srcId="0" destId="1" srcOrd="0" destOrd="0"/>
+        <dgm:cxn modelId="5" srcId="1" destId="2" srcOrd="0" destOrd="0"/>
+      </dgm:cxnLst>
+      <dgm:bg/>
+      <dgm:whole/>
+    </dgm:dataModel>
+  </dgm:styleData>
+  <dgm:clrData>
+    <dgm:dataModel>
+      <dgm:ptLst>
+        <dgm:pt modelId="0" type="doc"/>
+        <dgm:pt modelId="1"/>
+        <dgm:pt modelId="11"/>
+        <dgm:pt modelId="2"/>
+        <dgm:pt modelId="21"/>
+        <dgm:pt modelId="3"/>
+        <dgm:pt modelId="31"/>
+        <dgm:pt modelId="4"/>
+        <dgm:pt modelId="41"/>
+      </dgm:ptLst>
+      <dgm:cxnLst>
+        <dgm:cxn modelId="5" srcId="0" destId="1" srcOrd="0" destOrd="0"/>
+        <dgm:cxn modelId="6" srcId="0" destId="2" srcOrd="1" destOrd="0"/>
+        <dgm:cxn modelId="7" srcId="0" destId="3" srcOrd="2" destOrd="0"/>
+        <dgm:cxn modelId="8" srcId="0" destId="4" srcOrd="3" destOrd="0"/>
+        <dgm:cxn modelId="51" srcId="1" destId="11" srcOrd="0" destOrd="0"/>
+        <dgm:cxn modelId="61" srcId="2" destId="21" srcOrd="0" destOrd="0"/>
+        <dgm:cxn modelId="71" srcId="3" destId="31" srcOrd="0" destOrd="0"/>
+        <dgm:cxn modelId="81" srcId="4" destId="41" srcOrd="0" destOrd="0"/>
+      </dgm:cxnLst>
+      <dgm:bg/>
+      <dgm:whole/>
+    </dgm:dataModel>
+  </dgm:clrData>
+  <dgm:layoutNode name="Name0">
+    <dgm:varLst>
+      <dgm:chPref val="3"/>
+      <dgm:dir/>
+      <dgm:animLvl val="lvl"/>
+      <dgm:resizeHandles/>
+    </dgm:varLst>
+    <dgm:choose name="Name1">
+      <dgm:if name="Name2" func="var" arg="dir" op="equ" val="norm">
+        <dgm:alg type="lin">
+          <dgm:param type="linDir" val="fromT"/>
+          <dgm:param type="vertAlign" val="mid"/>
+          <dgm:param type="nodeHorzAlign" val="l"/>
+          <dgm:param type="nodeVertAlign" val="t"/>
+          <dgm:param type="fallback" val="2D"/>
+        </dgm:alg>
+      </dgm:if>
+      <dgm:else name="Name3">
+        <dgm:alg type="lin">
+          <dgm:param type="linDir" val="fromT"/>
+          <dgm:param type="vertAlign" val="mid"/>
+          <dgm:param type="nodeHorzAlign" val="r"/>
+          <dgm:param type="nodeVertAlign" val="t"/>
+          <dgm:param type="fallback" val="2D"/>
+        </dgm:alg>
+      </dgm:else>
+    </dgm:choose>
+    <dgm:shape xmlns:r="http://schemas.openxmlformats.org/officeDocument/2006/relationships" r:blip="">
+      <dgm:adjLst/>
+    </dgm:shape>
+    <dgm:presOf/>
+    <dgm:constrLst>
+      <dgm:constr type="w" for="des" forName="bigChev" refType="w"/>
+      <dgm:constr type="h" for="des" forName="bigChev" refType="w" refFor="des" refForName="bigChev" op="equ" fact="0.4"/>
+      <dgm:constr type="w" for="des" forName="node" refType="w" refFor="des" refForName="bigChev" fact="0.83"/>
+      <dgm:constr type="h" for="des" forName="node" refType="w" refFor="des" refForName="node" op="equ" fact="0.4"/>
+      <dgm:constr type="w" for="des" forName="parTrans" refType="w" refFor="des" refForName="bigChev" op="equ" fact="-0.13"/>
+      <dgm:constr type="w" for="des" forName="sibTrans" refType="w" refFor="des" refForName="node" op="equ" fact="-0.14"/>
+      <dgm:constr type="h" for="ch" forName="vSp" refType="h" refFor="des" refForName="bigChev" op="equ" fact="0.14"/>
+      <dgm:constr type="primFontSz" for="des" forName="node" op="equ"/>
+      <dgm:constr type="primFontSz" for="des" forName="bigChev" op="equ"/>
+    </dgm:constrLst>
+    <dgm:ruleLst/>
+    <dgm:forEach name="Name4" axis="ch" ptType="node">
+      <dgm:layoutNode name="horFlow">
+        <dgm:choose name="Name5">
+          <dgm:if name="Name6" func="var" arg="dir" op="equ" val="norm">
+            <dgm:alg type="lin">
+              <dgm:param type="linDir" val="fromL"/>
+              <dgm:param type="nodeHorzAlign" val="l"/>
+              <dgm:param type="nodeVertAlign" val="mid"/>
+              <dgm:param type="fallback" val="2D"/>
+            </dgm:alg>
+          </dgm:if>
+          <dgm:else name="Name7">
+            <dgm:alg type="lin">
+              <dgm:param type="linDir" val="fromR"/>
+              <dgm:param type="nodeHorzAlign" val="r"/>
+              <dgm:param type="nodeVertAlign" val="mid"/>
+              <dgm:param type="fallback" val="2D"/>
+            </dgm:alg>
+          </dgm:else>
+        </dgm:choose>
+        <dgm:shape xmlns:r="http://schemas.openxmlformats.org/officeDocument/2006/relationships" r:blip="">
+          <dgm:adjLst/>
+        </dgm:shape>
+        <dgm:presOf/>
+        <dgm:constrLst/>
+        <dgm:ruleLst/>
+        <dgm:layoutNode name="bigChev" styleLbl="node1">
+          <dgm:alg type="tx"/>
+          <dgm:choose name="Name8">
+            <dgm:if name="Name9" func="var" arg="dir" op="equ" val="norm">
+              <dgm:shape xmlns:r="http://schemas.openxmlformats.org/officeDocument/2006/relationships" type="chevron" r:blip="">
+                <dgm:adjLst/>
+              </dgm:shape>
+              <dgm:presOf axis="self"/>
+              <dgm:constrLst>
+                <dgm:constr type="primFontSz" val="65"/>
+                <dgm:constr type="rMarg"/>
+                <dgm:constr type="lMarg" refType="primFontSz" fact="0.1"/>
+                <dgm:constr type="tMarg" refType="primFontSz" fact="0.05"/>
+                <dgm:constr type="bMarg" refType="primFontSz" fact="0.05"/>
+              </dgm:constrLst>
+            </dgm:if>
+            <dgm:else name="Name10">
+              <dgm:shape xmlns:r="http://schemas.openxmlformats.org/officeDocument/2006/relationships" rot="180" type="chevron" r:blip="">
+                <dgm:adjLst/>
+              </dgm:shape>
+              <dgm:presOf axis="self"/>
+              <dgm:constrLst>
+                <dgm:constr type="primFontSz" val="65"/>
+                <dgm:constr type="lMarg"/>
+                <dgm:constr type="rMarg" refType="primFontSz" fact="0.1"/>
+                <dgm:constr type="tMarg" refType="primFontSz" fact="0.05"/>
+                <dgm:constr type="bMarg" refType="primFontSz" fact="0.05"/>
+              </dgm:constrLst>
+            </dgm:else>
+          </dgm:choose>
+          <dgm:ruleLst>
+            <dgm:rule type="primFontSz" val="5" fact="NaN" max="NaN"/>
+          </dgm:ruleLst>
+        </dgm:layoutNode>
+        <dgm:forEach name="parTransForEach" axis="ch" ptType="parTrans" cnt="1">
+          <dgm:layoutNode name="parTrans">
+            <dgm:alg type="sp"/>
+            <dgm:shape xmlns:r="http://schemas.openxmlformats.org/officeDocument/2006/relationships" r:blip="">
+              <dgm:adjLst/>
+            </dgm:shape>
+            <dgm:presOf/>
+            <dgm:constrLst/>
+            <dgm:ruleLst/>
+          </dgm:layoutNode>
+        </dgm:forEach>
+        <dgm:forEach name="Name11" axis="ch" ptType="node">
+          <dgm:layoutNode name="node" styleLbl="alignAccFollowNode1">
+            <dgm:varLst>
+              <dgm:bulletEnabled val="1"/>
+            </dgm:varLst>
+            <dgm:alg type="tx"/>
+            <dgm:choose name="Name12">
+              <dgm:if name="Name13" func="var" arg="dir" op="equ" val="norm">
+                <dgm:shape xmlns:r="http://schemas.openxmlformats.org/officeDocument/2006/relationships" type="chevron" r:blip="">
+                  <dgm:adjLst/>
+                </dgm:shape>
+                <dgm:presOf axis="desOrSelf" ptType="node"/>
+                <dgm:constrLst>
+                  <dgm:constr type="primFontSz" val="65"/>
+                  <dgm:constr type="rMarg"/>
+                  <dgm:constr type="lMarg" refType="primFontSz" fact="0.1"/>
+                  <dgm:constr type="tMarg" refType="primFontSz" fact="0.05"/>
+                  <dgm:constr type="bMarg" refType="primFontSz" fact="0.05"/>
+                </dgm:constrLst>
+              </dgm:if>
+              <dgm:else name="Name14">
+                <dgm:shape xmlns:r="http://schemas.openxmlformats.org/officeDocument/2006/relationships" rot="180" type="chevron" r:blip="">
+                  <dgm:adjLst/>
+                </dgm:shape>
+                <dgm:presOf axis="desOrSelf" ptType="node"/>
+                <dgm:constrLst>
+                  <dgm:constr type="primFontSz" val="65"/>
+                  <dgm:constr type="lMarg"/>
+                  <dgm:constr type="rMarg" refType="primFontSz" fact="0.1"/>
+                  <dgm:constr type="tMarg" refType="primFontSz" fact="0.05"/>
+                  <dgm:constr type="bMarg" refType="primFontSz" fact="0.05"/>
+                </dgm:constrLst>
+              </dgm:else>
+            </dgm:choose>
+            <dgm:ruleLst>
+              <dgm:rule type="primFontSz" val="5" fact="NaN" max="NaN"/>
+            </dgm:ruleLst>
+          </dgm:layoutNode>
+          <dgm:forEach name="sibTransForEach" axis="followSib" ptType="sibTrans" cnt="1">
+            <dgm:layoutNode name="sibTrans">
+              <dgm:alg type="sp"/>
+              <dgm:shape xmlns:r="http://schemas.openxmlformats.org/officeDocument/2006/relationships" r:blip="">
+                <dgm:adjLst/>
+              </dgm:shape>
+              <dgm:presOf/>
+              <dgm:constrLst/>
+              <dgm:ruleLst/>
+            </dgm:layoutNode>
+          </dgm:forEach>
+        </dgm:forEach>
+      </dgm:layoutNode>
+      <dgm:choose name="Name15">
+        <dgm:if name="Name16" axis="self" ptType="node" func="revPos" op="gte" val="2">
+          <dgm:layoutNode name="vSp">
+            <dgm:alg type="sp"/>
+            <dgm:shape xmlns:r="http://schemas.openxmlformats.org/officeDocument/2006/relationships" r:blip="">
+              <dgm:adjLst/>
+            </dgm:shape>
+            <dgm:presOf/>
+            <dgm:constrLst/>
+            <dgm:ruleLst/>
+          </dgm:layoutNode>
+        </dgm:if>
+        <dgm:else name="Name17"/>
+      </dgm:choose>
+    </dgm:forEach>
+  </dgm:layoutNode>
+</dgm:layoutDef>
+</file>
+
+<file path=ppt/diagrams/layout2.xml><?xml version="1.0" encoding="utf-8"?>
+<dgm:layoutDef xmlns:dgm="http://schemas.openxmlformats.org/drawingml/2006/diagram" xmlns:a="http://schemas.openxmlformats.org/drawingml/2006/main" uniqueId="urn:microsoft.com/office/officeart/2005/8/layout/lProcess3">
+  <dgm:title val=""/>
+  <dgm:desc val=""/>
+  <dgm:catLst>
+    <dgm:cat type="process" pri="11000"/>
+    <dgm:cat type="convert" pri="12000"/>
+  </dgm:catLst>
+  <dgm:sampData>
+    <dgm:dataModel>
+      <dgm:ptLst>
+        <dgm:pt modelId="0" type="doc"/>
+        <dgm:pt modelId="1">
+          <dgm:prSet phldr="1"/>
+        </dgm:pt>
+        <dgm:pt modelId="11">
+          <dgm:prSet phldr="1"/>
+        </dgm:pt>
+        <dgm:pt modelId="12">
+          <dgm:prSet phldr="1"/>
+        </dgm:pt>
+        <dgm:pt modelId="2">
+          <dgm:prSet phldr="1"/>
+        </dgm:pt>
+        <dgm:pt modelId="21">
+          <dgm:prSet phldr="1"/>
+        </dgm:pt>
+        <dgm:pt modelId="22">
+          <dgm:prSet phldr="1"/>
+        </dgm:pt>
+        <dgm:pt modelId="3">
+          <dgm:prSet phldr="1"/>
+        </dgm:pt>
+        <dgm:pt modelId="31">
+          <dgm:prSet phldr="1"/>
+        </dgm:pt>
+        <dgm:pt modelId="32">
+          <dgm:prSet phldr="1"/>
+        </dgm:pt>
+      </dgm:ptLst>
+      <dgm:cxnLst>
+        <dgm:cxn modelId="4" srcId="0" destId="1" srcOrd="0" destOrd="0"/>
+        <dgm:cxn modelId="5" srcId="0" destId="2" srcOrd="1" destOrd="0"/>
+        <dgm:cxn modelId="6" srcId="0" destId="3" srcOrd="2" destOrd="0"/>
+        <dgm:cxn modelId="41" srcId="1" destId="11" srcOrd="0" destOrd="0"/>
+        <dgm:cxn modelId="42" srcId="1" destId="12" srcOrd="1" destOrd="0"/>
+        <dgm:cxn modelId="51" srcId="2" destId="21" srcOrd="0" destOrd="0"/>
+        <dgm:cxn modelId="52" srcId="2" destId="22" srcOrd="1" destOrd="0"/>
+        <dgm:cxn modelId="61" srcId="3" destId="31" srcOrd="0" destOrd="0"/>
+        <dgm:cxn modelId="62" srcId="3" destId="32" srcOrd="1" destOrd="0"/>
+      </dgm:cxnLst>
+      <dgm:bg/>
+      <dgm:whole/>
+    </dgm:dataModel>
+  </dgm:sampData>
+  <dgm:styleData>
+    <dgm:dataModel>
+      <dgm:ptLst>
+        <dgm:pt modelId="0" type="doc"/>
+        <dgm:pt modelId="1"/>
+        <dgm:pt modelId="2"/>
+      </dgm:ptLst>
+      <dgm:cxnLst>
+        <dgm:cxn modelId="4" srcId="0" destId="1" srcOrd="0" destOrd="0"/>
+        <dgm:cxn modelId="5" srcId="1" destId="2" srcOrd="0" destOrd="0"/>
+      </dgm:cxnLst>
+      <dgm:bg/>
+      <dgm:whole/>
+    </dgm:dataModel>
+  </dgm:styleData>
+  <dgm:clrData>
+    <dgm:dataModel>
+      <dgm:ptLst>
+        <dgm:pt modelId="0" type="doc"/>
+        <dgm:pt modelId="1"/>
+        <dgm:pt modelId="11"/>
+        <dgm:pt modelId="2"/>
+        <dgm:pt modelId="21"/>
+        <dgm:pt modelId="3"/>
+        <dgm:pt modelId="31"/>
+        <dgm:pt modelId="4"/>
+        <dgm:pt modelId="41"/>
+      </dgm:ptLst>
+      <dgm:cxnLst>
+        <dgm:cxn modelId="5" srcId="0" destId="1" srcOrd="0" destOrd="0"/>
+        <dgm:cxn modelId="6" srcId="0" destId="2" srcOrd="1" destOrd="0"/>
+        <dgm:cxn modelId="7" srcId="0" destId="3" srcOrd="2" destOrd="0"/>
+        <dgm:cxn modelId="8" srcId="0" destId="4" srcOrd="3" destOrd="0"/>
+        <dgm:cxn modelId="51" srcId="1" destId="11" srcOrd="0" destOrd="0"/>
+        <dgm:cxn modelId="61" srcId="2" destId="21" srcOrd="0" destOrd="0"/>
+        <dgm:cxn modelId="71" srcId="3" destId="31" srcOrd="0" destOrd="0"/>
+        <dgm:cxn modelId="81" srcId="4" destId="41" srcOrd="0" destOrd="0"/>
+      </dgm:cxnLst>
+      <dgm:bg/>
+      <dgm:whole/>
+    </dgm:dataModel>
+  </dgm:clrData>
+  <dgm:layoutNode name="Name0">
+    <dgm:varLst>
+      <dgm:chPref val="3"/>
+      <dgm:dir/>
+      <dgm:animLvl val="lvl"/>
+      <dgm:resizeHandles/>
+    </dgm:varLst>
+    <dgm:choose name="Name1">
+      <dgm:if name="Name2" func="var" arg="dir" op="equ" val="norm">
+        <dgm:alg type="lin">
+          <dgm:param type="linDir" val="fromT"/>
+          <dgm:param type="vertAlign" val="mid"/>
+          <dgm:param type="nodeHorzAlign" val="l"/>
+          <dgm:param type="nodeVertAlign" val="t"/>
+          <dgm:param type="fallback" val="2D"/>
+        </dgm:alg>
+      </dgm:if>
+      <dgm:else name="Name3">
+        <dgm:alg type="lin">
+          <dgm:param type="linDir" val="fromT"/>
+          <dgm:param type="vertAlign" val="mid"/>
+          <dgm:param type="nodeHorzAlign" val="r"/>
+          <dgm:param type="nodeVertAlign" val="t"/>
+          <dgm:param type="fallback" val="2D"/>
+        </dgm:alg>
+      </dgm:else>
+    </dgm:choose>
+    <dgm:shape xmlns:r="http://schemas.openxmlformats.org/officeDocument/2006/relationships" r:blip="">
+      <dgm:adjLst/>
+    </dgm:shape>
+    <dgm:presOf/>
+    <dgm:constrLst>
+      <dgm:constr type="w" for="des" forName="bigChev" refType="w"/>
+      <dgm:constr type="h" for="des" forName="bigChev" refType="w" refFor="des" refForName="bigChev" op="equ" fact="0.4"/>
+      <dgm:constr type="w" for="des" forName="node" refType="w" refFor="des" refForName="bigChev" fact="0.83"/>
+      <dgm:constr type="h" for="des" forName="node" refType="w" refFor="des" refForName="node" op="equ" fact="0.4"/>
+      <dgm:constr type="w" for="des" forName="parTrans" refType="w" refFor="des" refForName="bigChev" op="equ" fact="-0.13"/>
+      <dgm:constr type="w" for="des" forName="sibTrans" refType="w" refFor="des" refForName="node" op="equ" fact="-0.14"/>
+      <dgm:constr type="h" for="ch" forName="vSp" refType="h" refFor="des" refForName="bigChev" op="equ" fact="0.14"/>
+      <dgm:constr type="primFontSz" for="des" forName="node" op="equ"/>
+      <dgm:constr type="primFontSz" for="des" forName="bigChev" op="equ"/>
+    </dgm:constrLst>
+    <dgm:ruleLst/>
+    <dgm:forEach name="Name4" axis="ch" ptType="node">
+      <dgm:layoutNode name="horFlow">
+        <dgm:choose name="Name5">
+          <dgm:if name="Name6" func="var" arg="dir" op="equ" val="norm">
+            <dgm:alg type="lin">
+              <dgm:param type="linDir" val="fromL"/>
+              <dgm:param type="nodeHorzAlign" val="l"/>
+              <dgm:param type="nodeVertAlign" val="mid"/>
+              <dgm:param type="fallback" val="2D"/>
+            </dgm:alg>
+          </dgm:if>
+          <dgm:else name="Name7">
+            <dgm:alg type="lin">
+              <dgm:param type="linDir" val="fromR"/>
+              <dgm:param type="nodeHorzAlign" val="r"/>
+              <dgm:param type="nodeVertAlign" val="mid"/>
+              <dgm:param type="fallback" val="2D"/>
+            </dgm:alg>
+          </dgm:else>
+        </dgm:choose>
+        <dgm:shape xmlns:r="http://schemas.openxmlformats.org/officeDocument/2006/relationships" r:blip="">
+          <dgm:adjLst/>
+        </dgm:shape>
+        <dgm:presOf/>
+        <dgm:constrLst/>
+        <dgm:ruleLst/>
+        <dgm:layoutNode name="bigChev" styleLbl="node1">
+          <dgm:alg type="tx"/>
+          <dgm:choose name="Name8">
+            <dgm:if name="Name9" func="var" arg="dir" op="equ" val="norm">
+              <dgm:shape xmlns:r="http://schemas.openxmlformats.org/officeDocument/2006/relationships" type="chevron" r:blip="">
+                <dgm:adjLst/>
+              </dgm:shape>
+              <dgm:presOf axis="self"/>
+              <dgm:constrLst>
+                <dgm:constr type="primFontSz" val="65"/>
+                <dgm:constr type="rMarg"/>
+                <dgm:constr type="lMarg" refType="primFontSz" fact="0.1"/>
+                <dgm:constr type="tMarg" refType="primFontSz" fact="0.05"/>
+                <dgm:constr type="bMarg" refType="primFontSz" fact="0.05"/>
+              </dgm:constrLst>
+            </dgm:if>
+            <dgm:else name="Name10">
+              <dgm:shape xmlns:r="http://schemas.openxmlformats.org/officeDocument/2006/relationships" rot="180" type="chevron" r:blip="">
+                <dgm:adjLst/>
+              </dgm:shape>
+              <dgm:presOf axis="self"/>
+              <dgm:constrLst>
+                <dgm:constr type="primFontSz" val="65"/>
+                <dgm:constr type="lMarg"/>
+                <dgm:constr type="rMarg" refType="primFontSz" fact="0.1"/>
+                <dgm:constr type="tMarg" refType="primFontSz" fact="0.05"/>
+                <dgm:constr type="bMarg" refType="primFontSz" fact="0.05"/>
+              </dgm:constrLst>
+            </dgm:else>
+          </dgm:choose>
+          <dgm:ruleLst>
+            <dgm:rule type="primFontSz" val="5" fact="NaN" max="NaN"/>
+          </dgm:ruleLst>
+        </dgm:layoutNode>
+        <dgm:forEach name="parTransForEach" axis="ch" ptType="parTrans" cnt="1">
+          <dgm:layoutNode name="parTrans">
+            <dgm:alg type="sp"/>
+            <dgm:shape xmlns:r="http://schemas.openxmlformats.org/officeDocument/2006/relationships" r:blip="">
+              <dgm:adjLst/>
+            </dgm:shape>
+            <dgm:presOf/>
+            <dgm:constrLst/>
+            <dgm:ruleLst/>
+          </dgm:layoutNode>
+        </dgm:forEach>
+        <dgm:forEach name="Name11" axis="ch" ptType="node">
+          <dgm:layoutNode name="node" styleLbl="alignAccFollowNode1">
+            <dgm:varLst>
+              <dgm:bulletEnabled val="1"/>
+            </dgm:varLst>
+            <dgm:alg type="tx"/>
+            <dgm:choose name="Name12">
+              <dgm:if name="Name13" func="var" arg="dir" op="equ" val="norm">
+                <dgm:shape xmlns:r="http://schemas.openxmlformats.org/officeDocument/2006/relationships" type="chevron" r:blip="">
+                  <dgm:adjLst/>
+                </dgm:shape>
+                <dgm:presOf axis="desOrSelf" ptType="node"/>
+                <dgm:constrLst>
+                  <dgm:constr type="primFontSz" val="65"/>
+                  <dgm:constr type="rMarg"/>
+                  <dgm:constr type="lMarg" refType="primFontSz" fact="0.1"/>
+                  <dgm:constr type="tMarg" refType="primFontSz" fact="0.05"/>
+                  <dgm:constr type="bMarg" refType="primFontSz" fact="0.05"/>
+                </dgm:constrLst>
+              </dgm:if>
+              <dgm:else name="Name14">
+                <dgm:shape xmlns:r="http://schemas.openxmlformats.org/officeDocument/2006/relationships" rot="180" type="chevron" r:blip="">
+                  <dgm:adjLst/>
+                </dgm:shape>
+                <dgm:presOf axis="desOrSelf" ptType="node"/>
+                <dgm:constrLst>
+                  <dgm:constr type="primFontSz" val="65"/>
+                  <dgm:constr type="lMarg"/>
+                  <dgm:constr type="rMarg" refType="primFontSz" fact="0.1"/>
+                  <dgm:constr type="tMarg" refType="primFontSz" fact="0.05"/>
+                  <dgm:constr type="bMarg" refType="primFontSz" fact="0.05"/>
+                </dgm:constrLst>
+              </dgm:else>
+            </dgm:choose>
+            <dgm:ruleLst>
+              <dgm:rule type="primFontSz" val="5" fact="NaN" max="NaN"/>
+            </dgm:ruleLst>
+          </dgm:layoutNode>
+          <dgm:forEach name="sibTransForEach" axis="followSib" ptType="sibTrans" cnt="1">
+            <dgm:layoutNode name="sibTrans">
+              <dgm:alg type="sp"/>
+              <dgm:shape xmlns:r="http://schemas.openxmlformats.org/officeDocument/2006/relationships" r:blip="">
+                <dgm:adjLst/>
+              </dgm:shape>
+              <dgm:presOf/>
+              <dgm:constrLst/>
+              <dgm:ruleLst/>
+            </dgm:layoutNode>
+          </dgm:forEach>
+        </dgm:forEach>
+      </dgm:layoutNode>
+      <dgm:choose name="Name15">
+        <dgm:if name="Name16" axis="self" ptType="node" func="revPos" op="gte" val="2">
+          <dgm:layoutNode name="vSp">
+            <dgm:alg type="sp"/>
+            <dgm:shape xmlns:r="http://schemas.openxmlformats.org/officeDocument/2006/relationships" r:blip="">
+              <dgm:adjLst/>
+            </dgm:shape>
+            <dgm:presOf/>
+            <dgm:constrLst/>
+            <dgm:ruleLst/>
+          </dgm:layoutNode>
+        </dgm:if>
+        <dgm:else name="Name17"/>
+      </dgm:choose>
+    </dgm:forEach>
+  </dgm:layoutNode>
+</dgm:layoutDef>
+</file>
+
+<file path=ppt/diagrams/layout3.xml><?xml version="1.0" encoding="utf-8"?>
 <dgm:layoutDef xmlns:dgm="http://schemas.openxmlformats.org/drawingml/2006/diagram" xmlns:a="http://schemas.openxmlformats.org/drawingml/2006/main" uniqueId="urn:microsoft.com/office/officeart/2009/3/layout/PieProcess">
   <dgm:title val=""/>
   <dgm:desc val=""/>
@@ -7660,7 +13738,7 @@
 </dgm:layoutDef>
 </file>
 
-<file path=ppt/diagrams/layout2.xml><?xml version="1.0" encoding="utf-8"?>
+<file path=ppt/diagrams/layout4.xml><?xml version="1.0" encoding="utf-8"?>
 <dgm:layoutDef xmlns:dgm="http://schemas.openxmlformats.org/drawingml/2006/diagram" xmlns:a="http://schemas.openxmlformats.org/drawingml/2006/main" uniqueId="urn:diagrams.loki3.com/BracketList">
   <dgm:title val="Vertical Bracket List"/>
   <dgm:desc val="Use to show grouped blocks of information.  Works well with large amounts of Level 2 text."/>
@@ -7865,7 +13943,7 @@
 </dgm:layoutDef>
 </file>
 
-<file path=ppt/diagrams/layout3.xml><?xml version="1.0" encoding="utf-8"?>
+<file path=ppt/diagrams/layout5.xml><?xml version="1.0" encoding="utf-8"?>
 <dgm:layoutDef xmlns:dgm="http://schemas.openxmlformats.org/drawingml/2006/diagram" xmlns:a="http://schemas.openxmlformats.org/drawingml/2006/main" uniqueId="urn:microsoft.com/office/officeart/2005/8/layout/vProcess5">
   <dgm:title val=""/>
   <dgm:desc val=""/>
@@ -9092,6 +15170,2074 @@
 </file>
 
 <file path=ppt/diagrams/quickStyle1.xml><?xml version="1.0" encoding="utf-8"?>
+<dgm:styleDef xmlns:dgm="http://schemas.openxmlformats.org/drawingml/2006/diagram" xmlns:a="http://schemas.openxmlformats.org/drawingml/2006/main" uniqueId="urn:microsoft.com/office/officeart/2005/8/quickstyle/simple1">
+  <dgm:title val=""/>
+  <dgm:desc val=""/>
+  <dgm:catLst>
+    <dgm:cat type="simple" pri="10100"/>
+  </dgm:catLst>
+  <dgm:scene3d>
+    <a:camera prst="orthographicFront"/>
+    <a:lightRig rig="threePt" dir="t"/>
+  </dgm:scene3d>
+  <dgm:styleLbl name="node0">
+    <dgm:scene3d>
+      <a:camera prst="orthographicFront"/>
+      <a:lightRig rig="threePt" dir="t"/>
+    </dgm:scene3d>
+    <dgm:sp3d/>
+    <dgm:txPr/>
+    <dgm:style>
+      <a:lnRef idx="2">
+        <a:scrgbClr r="0" g="0" b="0"/>
+      </a:lnRef>
+      <a:fillRef idx="1">
+        <a:scrgbClr r="0" g="0" b="0"/>
+      </a:fillRef>
+      <a:effectRef idx="0">
+        <a:scrgbClr r="0" g="0" b="0"/>
+      </a:effectRef>
+      <a:fontRef idx="minor">
+        <a:schemeClr val="lt1"/>
+      </a:fontRef>
+    </dgm:style>
+  </dgm:styleLbl>
+  <dgm:styleLbl name="lnNode1">
+    <dgm:scene3d>
+      <a:camera prst="orthographicFront"/>
+      <a:lightRig rig="threePt" dir="t"/>
+    </dgm:scene3d>
+    <dgm:sp3d/>
+    <dgm:txPr/>
+    <dgm:style>
+      <a:lnRef idx="2">
+        <a:scrgbClr r="0" g="0" b="0"/>
+      </a:lnRef>
+      <a:fillRef idx="1">
+        <a:scrgbClr r="0" g="0" b="0"/>
+      </a:fillRef>
+      <a:effectRef idx="0">
+        <a:scrgbClr r="0" g="0" b="0"/>
+      </a:effectRef>
+      <a:fontRef idx="minor">
+        <a:schemeClr val="lt1"/>
+      </a:fontRef>
+    </dgm:style>
+  </dgm:styleLbl>
+  <dgm:styleLbl name="vennNode1">
+    <dgm:scene3d>
+      <a:camera prst="orthographicFront"/>
+      <a:lightRig rig="threePt" dir="t"/>
+    </dgm:scene3d>
+    <dgm:sp3d/>
+    <dgm:txPr/>
+    <dgm:style>
+      <a:lnRef idx="2">
+        <a:scrgbClr r="0" g="0" b="0"/>
+      </a:lnRef>
+      <a:fillRef idx="1">
+        <a:scrgbClr r="0" g="0" b="0"/>
+      </a:fillRef>
+      <a:effectRef idx="0">
+        <a:scrgbClr r="0" g="0" b="0"/>
+      </a:effectRef>
+      <a:fontRef idx="minor">
+        <a:schemeClr val="tx1"/>
+      </a:fontRef>
+    </dgm:style>
+  </dgm:styleLbl>
+  <dgm:styleLbl name="alignNode1">
+    <dgm:scene3d>
+      <a:camera prst="orthographicFront"/>
+      <a:lightRig rig="threePt" dir="t"/>
+    </dgm:scene3d>
+    <dgm:sp3d/>
+    <dgm:txPr/>
+    <dgm:style>
+      <a:lnRef idx="2">
+        <a:scrgbClr r="0" g="0" b="0"/>
+      </a:lnRef>
+      <a:fillRef idx="1">
+        <a:scrgbClr r="0" g="0" b="0"/>
+      </a:fillRef>
+      <a:effectRef idx="0">
+        <a:scrgbClr r="0" g="0" b="0"/>
+      </a:effectRef>
+      <a:fontRef idx="minor">
+        <a:schemeClr val="lt1"/>
+      </a:fontRef>
+    </dgm:style>
+  </dgm:styleLbl>
+  <dgm:styleLbl name="node1">
+    <dgm:scene3d>
+      <a:camera prst="orthographicFront"/>
+      <a:lightRig rig="threePt" dir="t"/>
+    </dgm:scene3d>
+    <dgm:sp3d/>
+    <dgm:txPr/>
+    <dgm:style>
+      <a:lnRef idx="2">
+        <a:scrgbClr r="0" g="0" b="0"/>
+      </a:lnRef>
+      <a:fillRef idx="1">
+        <a:scrgbClr r="0" g="0" b="0"/>
+      </a:fillRef>
+      <a:effectRef idx="0">
+        <a:scrgbClr r="0" g="0" b="0"/>
+      </a:effectRef>
+      <a:fontRef idx="minor">
+        <a:schemeClr val="lt1"/>
+      </a:fontRef>
+    </dgm:style>
+  </dgm:styleLbl>
+  <dgm:styleLbl name="node2">
+    <dgm:scene3d>
+      <a:camera prst="orthographicFront"/>
+      <a:lightRig rig="threePt" dir="t"/>
+    </dgm:scene3d>
+    <dgm:sp3d/>
+    <dgm:txPr/>
+    <dgm:style>
+      <a:lnRef idx="2">
+        <a:scrgbClr r="0" g="0" b="0"/>
+      </a:lnRef>
+      <a:fillRef idx="1">
+        <a:scrgbClr r="0" g="0" b="0"/>
+      </a:fillRef>
+      <a:effectRef idx="0">
+        <a:scrgbClr r="0" g="0" b="0"/>
+      </a:effectRef>
+      <a:fontRef idx="minor">
+        <a:schemeClr val="lt1"/>
+      </a:fontRef>
+    </dgm:style>
+  </dgm:styleLbl>
+  <dgm:styleLbl name="node3">
+    <dgm:scene3d>
+      <a:camera prst="orthographicFront"/>
+      <a:lightRig rig="threePt" dir="t"/>
+    </dgm:scene3d>
+    <dgm:sp3d/>
+    <dgm:txPr/>
+    <dgm:style>
+      <a:lnRef idx="2">
+        <a:scrgbClr r="0" g="0" b="0"/>
+      </a:lnRef>
+      <a:fillRef idx="1">
+        <a:scrgbClr r="0" g="0" b="0"/>
+      </a:fillRef>
+      <a:effectRef idx="0">
+        <a:scrgbClr r="0" g="0" b="0"/>
+      </a:effectRef>
+      <a:fontRef idx="minor">
+        <a:schemeClr val="lt1"/>
+      </a:fontRef>
+    </dgm:style>
+  </dgm:styleLbl>
+  <dgm:styleLbl name="node4">
+    <dgm:scene3d>
+      <a:camera prst="orthographicFront"/>
+      <a:lightRig rig="threePt" dir="t"/>
+    </dgm:scene3d>
+    <dgm:sp3d/>
+    <dgm:txPr/>
+    <dgm:style>
+      <a:lnRef idx="2">
+        <a:scrgbClr r="0" g="0" b="0"/>
+      </a:lnRef>
+      <a:fillRef idx="1">
+        <a:scrgbClr r="0" g="0" b="0"/>
+      </a:fillRef>
+      <a:effectRef idx="0">
+        <a:scrgbClr r="0" g="0" b="0"/>
+      </a:effectRef>
+      <a:fontRef idx="minor">
+        <a:schemeClr val="lt1"/>
+      </a:fontRef>
+    </dgm:style>
+  </dgm:styleLbl>
+  <dgm:styleLbl name="fgImgPlace1">
+    <dgm:scene3d>
+      <a:camera prst="orthographicFront"/>
+      <a:lightRig rig="threePt" dir="t"/>
+    </dgm:scene3d>
+    <dgm:sp3d/>
+    <dgm:txPr/>
+    <dgm:style>
+      <a:lnRef idx="2">
+        <a:scrgbClr r="0" g="0" b="0"/>
+      </a:lnRef>
+      <a:fillRef idx="1">
+        <a:scrgbClr r="0" g="0" b="0"/>
+      </a:fillRef>
+      <a:effectRef idx="0">
+        <a:scrgbClr r="0" g="0" b="0"/>
+      </a:effectRef>
+      <a:fontRef idx="minor"/>
+    </dgm:style>
+  </dgm:styleLbl>
+  <dgm:styleLbl name="alignImgPlace1">
+    <dgm:scene3d>
+      <a:camera prst="orthographicFront"/>
+      <a:lightRig rig="threePt" dir="t"/>
+    </dgm:scene3d>
+    <dgm:sp3d/>
+    <dgm:txPr/>
+    <dgm:style>
+      <a:lnRef idx="2">
+        <a:scrgbClr r="0" g="0" b="0"/>
+      </a:lnRef>
+      <a:fillRef idx="1">
+        <a:scrgbClr r="0" g="0" b="0"/>
+      </a:fillRef>
+      <a:effectRef idx="0">
+        <a:scrgbClr r="0" g="0" b="0"/>
+      </a:effectRef>
+      <a:fontRef idx="minor"/>
+    </dgm:style>
+  </dgm:styleLbl>
+  <dgm:styleLbl name="bgImgPlace1">
+    <dgm:scene3d>
+      <a:camera prst="orthographicFront"/>
+      <a:lightRig rig="threePt" dir="t"/>
+    </dgm:scene3d>
+    <dgm:sp3d/>
+    <dgm:txPr/>
+    <dgm:style>
+      <a:lnRef idx="2">
+        <a:scrgbClr r="0" g="0" b="0"/>
+      </a:lnRef>
+      <a:fillRef idx="1">
+        <a:scrgbClr r="0" g="0" b="0"/>
+      </a:fillRef>
+      <a:effectRef idx="0">
+        <a:scrgbClr r="0" g="0" b="0"/>
+      </a:effectRef>
+      <a:fontRef idx="minor"/>
+    </dgm:style>
+  </dgm:styleLbl>
+  <dgm:styleLbl name="sibTrans2D1">
+    <dgm:scene3d>
+      <a:camera prst="orthographicFront"/>
+      <a:lightRig rig="threePt" dir="t"/>
+    </dgm:scene3d>
+    <dgm:sp3d/>
+    <dgm:txPr/>
+    <dgm:style>
+      <a:lnRef idx="0">
+        <a:scrgbClr r="0" g="0" b="0"/>
+      </a:lnRef>
+      <a:fillRef idx="1">
+        <a:scrgbClr r="0" g="0" b="0"/>
+      </a:fillRef>
+      <a:effectRef idx="0">
+        <a:scrgbClr r="0" g="0" b="0"/>
+      </a:effectRef>
+      <a:fontRef idx="minor">
+        <a:schemeClr val="lt1"/>
+      </a:fontRef>
+    </dgm:style>
+  </dgm:styleLbl>
+  <dgm:styleLbl name="fgSibTrans2D1">
+    <dgm:scene3d>
+      <a:camera prst="orthographicFront"/>
+      <a:lightRig rig="threePt" dir="t"/>
+    </dgm:scene3d>
+    <dgm:sp3d/>
+    <dgm:txPr/>
+    <dgm:style>
+      <a:lnRef idx="0">
+        <a:scrgbClr r="0" g="0" b="0"/>
+      </a:lnRef>
+      <a:fillRef idx="1">
+        <a:scrgbClr r="0" g="0" b="0"/>
+      </a:fillRef>
+      <a:effectRef idx="0">
+        <a:scrgbClr r="0" g="0" b="0"/>
+      </a:effectRef>
+      <a:fontRef idx="minor">
+        <a:schemeClr val="lt1"/>
+      </a:fontRef>
+    </dgm:style>
+  </dgm:styleLbl>
+  <dgm:styleLbl name="bgSibTrans2D1">
+    <dgm:scene3d>
+      <a:camera prst="orthographicFront"/>
+      <a:lightRig rig="threePt" dir="t"/>
+    </dgm:scene3d>
+    <dgm:sp3d/>
+    <dgm:txPr/>
+    <dgm:style>
+      <a:lnRef idx="0">
+        <a:scrgbClr r="0" g="0" b="0"/>
+      </a:lnRef>
+      <a:fillRef idx="1">
+        <a:scrgbClr r="0" g="0" b="0"/>
+      </a:fillRef>
+      <a:effectRef idx="0">
+        <a:scrgbClr r="0" g="0" b="0"/>
+      </a:effectRef>
+      <a:fontRef idx="minor">
+        <a:schemeClr val="lt1"/>
+      </a:fontRef>
+    </dgm:style>
+  </dgm:styleLbl>
+  <dgm:styleLbl name="sibTrans1D1">
+    <dgm:scene3d>
+      <a:camera prst="orthographicFront"/>
+      <a:lightRig rig="threePt" dir="t"/>
+    </dgm:scene3d>
+    <dgm:sp3d/>
+    <dgm:txPr/>
+    <dgm:style>
+      <a:lnRef idx="1">
+        <a:scrgbClr r="0" g="0" b="0"/>
+      </a:lnRef>
+      <a:fillRef idx="0">
+        <a:scrgbClr r="0" g="0" b="0"/>
+      </a:fillRef>
+      <a:effectRef idx="0">
+        <a:scrgbClr r="0" g="0" b="0"/>
+      </a:effectRef>
+      <a:fontRef idx="minor"/>
+    </dgm:style>
+  </dgm:styleLbl>
+  <dgm:styleLbl name="callout">
+    <dgm:scene3d>
+      <a:camera prst="orthographicFront"/>
+      <a:lightRig rig="threePt" dir="t"/>
+    </dgm:scene3d>
+    <dgm:sp3d/>
+    <dgm:txPr/>
+    <dgm:style>
+      <a:lnRef idx="2">
+        <a:scrgbClr r="0" g="0" b="0"/>
+      </a:lnRef>
+      <a:fillRef idx="1">
+        <a:scrgbClr r="0" g="0" b="0"/>
+      </a:fillRef>
+      <a:effectRef idx="0">
+        <a:scrgbClr r="0" g="0" b="0"/>
+      </a:effectRef>
+      <a:fontRef idx="minor"/>
+    </dgm:style>
+  </dgm:styleLbl>
+  <dgm:styleLbl name="asst0">
+    <dgm:scene3d>
+      <a:camera prst="orthographicFront"/>
+      <a:lightRig rig="threePt" dir="t"/>
+    </dgm:scene3d>
+    <dgm:sp3d/>
+    <dgm:txPr/>
+    <dgm:style>
+      <a:lnRef idx="2">
+        <a:scrgbClr r="0" g="0" b="0"/>
+      </a:lnRef>
+      <a:fillRef idx="1">
+        <a:scrgbClr r="0" g="0" b="0"/>
+      </a:fillRef>
+      <a:effectRef idx="0">
+        <a:scrgbClr r="0" g="0" b="0"/>
+      </a:effectRef>
+      <a:fontRef idx="minor">
+        <a:schemeClr val="lt1"/>
+      </a:fontRef>
+    </dgm:style>
+  </dgm:styleLbl>
+  <dgm:styleLbl name="asst1">
+    <dgm:scene3d>
+      <a:camera prst="orthographicFront"/>
+      <a:lightRig rig="threePt" dir="t"/>
+    </dgm:scene3d>
+    <dgm:sp3d/>
+    <dgm:txPr/>
+    <dgm:style>
+      <a:lnRef idx="2">
+        <a:scrgbClr r="0" g="0" b="0"/>
+      </a:lnRef>
+      <a:fillRef idx="1">
+        <a:scrgbClr r="0" g="0" b="0"/>
+      </a:fillRef>
+      <a:effectRef idx="0">
+        <a:scrgbClr r="0" g="0" b="0"/>
+      </a:effectRef>
+      <a:fontRef idx="minor">
+        <a:schemeClr val="lt1"/>
+      </a:fontRef>
+    </dgm:style>
+  </dgm:styleLbl>
+  <dgm:styleLbl name="asst2">
+    <dgm:scene3d>
+      <a:camera prst="orthographicFront"/>
+      <a:lightRig rig="threePt" dir="t"/>
+    </dgm:scene3d>
+    <dgm:sp3d/>
+    <dgm:txPr/>
+    <dgm:style>
+      <a:lnRef idx="2">
+        <a:scrgbClr r="0" g="0" b="0"/>
+      </a:lnRef>
+      <a:fillRef idx="1">
+        <a:scrgbClr r="0" g="0" b="0"/>
+      </a:fillRef>
+      <a:effectRef idx="0">
+        <a:scrgbClr r="0" g="0" b="0"/>
+      </a:effectRef>
+      <a:fontRef idx="minor">
+        <a:schemeClr val="lt1"/>
+      </a:fontRef>
+    </dgm:style>
+  </dgm:styleLbl>
+  <dgm:styleLbl name="asst3">
+    <dgm:scene3d>
+      <a:camera prst="orthographicFront"/>
+      <a:lightRig rig="threePt" dir="t"/>
+    </dgm:scene3d>
+    <dgm:sp3d/>
+    <dgm:txPr/>
+    <dgm:style>
+      <a:lnRef idx="2">
+        <a:scrgbClr r="0" g="0" b="0"/>
+      </a:lnRef>
+      <a:fillRef idx="1">
+        <a:scrgbClr r="0" g="0" b="0"/>
+      </a:fillRef>
+      <a:effectRef idx="0">
+        <a:scrgbClr r="0" g="0" b="0"/>
+      </a:effectRef>
+      <a:fontRef idx="minor">
+        <a:schemeClr val="lt1"/>
+      </a:fontRef>
+    </dgm:style>
+  </dgm:styleLbl>
+  <dgm:styleLbl name="asst4">
+    <dgm:scene3d>
+      <a:camera prst="orthographicFront"/>
+      <a:lightRig rig="threePt" dir="t"/>
+    </dgm:scene3d>
+    <dgm:sp3d/>
+    <dgm:txPr/>
+    <dgm:style>
+      <a:lnRef idx="2">
+        <a:scrgbClr r="0" g="0" b="0"/>
+      </a:lnRef>
+      <a:fillRef idx="1">
+        <a:scrgbClr r="0" g="0" b="0"/>
+      </a:fillRef>
+      <a:effectRef idx="0">
+        <a:scrgbClr r="0" g="0" b="0"/>
+      </a:effectRef>
+      <a:fontRef idx="minor">
+        <a:schemeClr val="lt1"/>
+      </a:fontRef>
+    </dgm:style>
+  </dgm:styleLbl>
+  <dgm:styleLbl name="parChTrans2D1">
+    <dgm:scene3d>
+      <a:camera prst="orthographicFront"/>
+      <a:lightRig rig="threePt" dir="t"/>
+    </dgm:scene3d>
+    <dgm:sp3d/>
+    <dgm:txPr/>
+    <dgm:style>
+      <a:lnRef idx="2">
+        <a:scrgbClr r="0" g="0" b="0"/>
+      </a:lnRef>
+      <a:fillRef idx="1">
+        <a:scrgbClr r="0" g="0" b="0"/>
+      </a:fillRef>
+      <a:effectRef idx="0">
+        <a:scrgbClr r="0" g="0" b="0"/>
+      </a:effectRef>
+      <a:fontRef idx="minor">
+        <a:schemeClr val="lt1"/>
+      </a:fontRef>
+    </dgm:style>
+  </dgm:styleLbl>
+  <dgm:styleLbl name="parChTrans2D2">
+    <dgm:scene3d>
+      <a:camera prst="orthographicFront"/>
+      <a:lightRig rig="threePt" dir="t"/>
+    </dgm:scene3d>
+    <dgm:sp3d/>
+    <dgm:txPr/>
+    <dgm:style>
+      <a:lnRef idx="2">
+        <a:scrgbClr r="0" g="0" b="0"/>
+      </a:lnRef>
+      <a:fillRef idx="1">
+        <a:scrgbClr r="0" g="0" b="0"/>
+      </a:fillRef>
+      <a:effectRef idx="0">
+        <a:scrgbClr r="0" g="0" b="0"/>
+      </a:effectRef>
+      <a:fontRef idx="minor">
+        <a:schemeClr val="lt1"/>
+      </a:fontRef>
+    </dgm:style>
+  </dgm:styleLbl>
+  <dgm:styleLbl name="parChTrans2D3">
+    <dgm:scene3d>
+      <a:camera prst="orthographicFront"/>
+      <a:lightRig rig="threePt" dir="t"/>
+    </dgm:scene3d>
+    <dgm:sp3d/>
+    <dgm:txPr/>
+    <dgm:style>
+      <a:lnRef idx="2">
+        <a:scrgbClr r="0" g="0" b="0"/>
+      </a:lnRef>
+      <a:fillRef idx="1">
+        <a:scrgbClr r="0" g="0" b="0"/>
+      </a:fillRef>
+      <a:effectRef idx="0">
+        <a:scrgbClr r="0" g="0" b="0"/>
+      </a:effectRef>
+      <a:fontRef idx="minor">
+        <a:schemeClr val="lt1"/>
+      </a:fontRef>
+    </dgm:style>
+  </dgm:styleLbl>
+  <dgm:styleLbl name="parChTrans2D4">
+    <dgm:scene3d>
+      <a:camera prst="orthographicFront"/>
+      <a:lightRig rig="threePt" dir="t"/>
+    </dgm:scene3d>
+    <dgm:sp3d/>
+    <dgm:txPr/>
+    <dgm:style>
+      <a:lnRef idx="2">
+        <a:scrgbClr r="0" g="0" b="0"/>
+      </a:lnRef>
+      <a:fillRef idx="1">
+        <a:scrgbClr r="0" g="0" b="0"/>
+      </a:fillRef>
+      <a:effectRef idx="0">
+        <a:scrgbClr r="0" g="0" b="0"/>
+      </a:effectRef>
+      <a:fontRef idx="minor">
+        <a:schemeClr val="lt1"/>
+      </a:fontRef>
+    </dgm:style>
+  </dgm:styleLbl>
+  <dgm:styleLbl name="parChTrans1D1">
+    <dgm:scene3d>
+      <a:camera prst="orthographicFront"/>
+      <a:lightRig rig="threePt" dir="t"/>
+    </dgm:scene3d>
+    <dgm:sp3d/>
+    <dgm:txPr/>
+    <dgm:style>
+      <a:lnRef idx="2">
+        <a:scrgbClr r="0" g="0" b="0"/>
+      </a:lnRef>
+      <a:fillRef idx="0">
+        <a:scrgbClr r="0" g="0" b="0"/>
+      </a:fillRef>
+      <a:effectRef idx="0">
+        <a:scrgbClr r="0" g="0" b="0"/>
+      </a:effectRef>
+      <a:fontRef idx="minor"/>
+    </dgm:style>
+  </dgm:styleLbl>
+  <dgm:styleLbl name="parChTrans1D2">
+    <dgm:scene3d>
+      <a:camera prst="orthographicFront"/>
+      <a:lightRig rig="threePt" dir="t"/>
+    </dgm:scene3d>
+    <dgm:sp3d/>
+    <dgm:txPr/>
+    <dgm:style>
+      <a:lnRef idx="2">
+        <a:scrgbClr r="0" g="0" b="0"/>
+      </a:lnRef>
+      <a:fillRef idx="0">
+        <a:scrgbClr r="0" g="0" b="0"/>
+      </a:fillRef>
+      <a:effectRef idx="0">
+        <a:scrgbClr r="0" g="0" b="0"/>
+      </a:effectRef>
+      <a:fontRef idx="minor"/>
+    </dgm:style>
+  </dgm:styleLbl>
+  <dgm:styleLbl name="parChTrans1D3">
+    <dgm:scene3d>
+      <a:camera prst="orthographicFront"/>
+      <a:lightRig rig="threePt" dir="t"/>
+    </dgm:scene3d>
+    <dgm:sp3d/>
+    <dgm:txPr/>
+    <dgm:style>
+      <a:lnRef idx="2">
+        <a:scrgbClr r="0" g="0" b="0"/>
+      </a:lnRef>
+      <a:fillRef idx="0">
+        <a:scrgbClr r="0" g="0" b="0"/>
+      </a:fillRef>
+      <a:effectRef idx="0">
+        <a:scrgbClr r="0" g="0" b="0"/>
+      </a:effectRef>
+      <a:fontRef idx="minor"/>
+    </dgm:style>
+  </dgm:styleLbl>
+  <dgm:styleLbl name="parChTrans1D4">
+    <dgm:scene3d>
+      <a:camera prst="orthographicFront"/>
+      <a:lightRig rig="threePt" dir="t"/>
+    </dgm:scene3d>
+    <dgm:sp3d/>
+    <dgm:txPr/>
+    <dgm:style>
+      <a:lnRef idx="2">
+        <a:scrgbClr r="0" g="0" b="0"/>
+      </a:lnRef>
+      <a:fillRef idx="0">
+        <a:scrgbClr r="0" g="0" b="0"/>
+      </a:fillRef>
+      <a:effectRef idx="0">
+        <a:scrgbClr r="0" g="0" b="0"/>
+      </a:effectRef>
+      <a:fontRef idx="minor"/>
+    </dgm:style>
+  </dgm:styleLbl>
+  <dgm:styleLbl name="fgAcc1">
+    <dgm:scene3d>
+      <a:camera prst="orthographicFront"/>
+      <a:lightRig rig="threePt" dir="t"/>
+    </dgm:scene3d>
+    <dgm:sp3d/>
+    <dgm:txPr/>
+    <dgm:style>
+      <a:lnRef idx="2">
+        <a:scrgbClr r="0" g="0" b="0"/>
+      </a:lnRef>
+      <a:fillRef idx="1">
+        <a:scrgbClr r="0" g="0" b="0"/>
+      </a:fillRef>
+      <a:effectRef idx="0">
+        <a:scrgbClr r="0" g="0" b="0"/>
+      </a:effectRef>
+      <a:fontRef idx="minor"/>
+    </dgm:style>
+  </dgm:styleLbl>
+  <dgm:styleLbl name="conFgAcc1">
+    <dgm:scene3d>
+      <a:camera prst="orthographicFront"/>
+      <a:lightRig rig="threePt" dir="t"/>
+    </dgm:scene3d>
+    <dgm:sp3d/>
+    <dgm:txPr/>
+    <dgm:style>
+      <a:lnRef idx="2">
+        <a:scrgbClr r="0" g="0" b="0"/>
+      </a:lnRef>
+      <a:fillRef idx="1">
+        <a:scrgbClr r="0" g="0" b="0"/>
+      </a:fillRef>
+      <a:effectRef idx="0">
+        <a:scrgbClr r="0" g="0" b="0"/>
+      </a:effectRef>
+      <a:fontRef idx="minor"/>
+    </dgm:style>
+  </dgm:styleLbl>
+  <dgm:styleLbl name="alignAcc1">
+    <dgm:scene3d>
+      <a:camera prst="orthographicFront"/>
+      <a:lightRig rig="threePt" dir="t"/>
+    </dgm:scene3d>
+    <dgm:sp3d/>
+    <dgm:txPr/>
+    <dgm:style>
+      <a:lnRef idx="2">
+        <a:scrgbClr r="0" g="0" b="0"/>
+      </a:lnRef>
+      <a:fillRef idx="1">
+        <a:scrgbClr r="0" g="0" b="0"/>
+      </a:fillRef>
+      <a:effectRef idx="0">
+        <a:scrgbClr r="0" g="0" b="0"/>
+      </a:effectRef>
+      <a:fontRef idx="minor"/>
+    </dgm:style>
+  </dgm:styleLbl>
+  <dgm:styleLbl name="trAlignAcc1">
+    <dgm:scene3d>
+      <a:camera prst="orthographicFront"/>
+      <a:lightRig rig="threePt" dir="t"/>
+    </dgm:scene3d>
+    <dgm:sp3d/>
+    <dgm:txPr/>
+    <dgm:style>
+      <a:lnRef idx="1">
+        <a:scrgbClr r="0" g="0" b="0"/>
+      </a:lnRef>
+      <a:fillRef idx="1">
+        <a:scrgbClr r="0" g="0" b="0"/>
+      </a:fillRef>
+      <a:effectRef idx="0">
+        <a:scrgbClr r="0" g="0" b="0"/>
+      </a:effectRef>
+      <a:fontRef idx="minor"/>
+    </dgm:style>
+  </dgm:styleLbl>
+  <dgm:styleLbl name="bgAcc1">
+    <dgm:scene3d>
+      <a:camera prst="orthographicFront"/>
+      <a:lightRig rig="threePt" dir="t"/>
+    </dgm:scene3d>
+    <dgm:sp3d/>
+    <dgm:txPr/>
+    <dgm:style>
+      <a:lnRef idx="2">
+        <a:scrgbClr r="0" g="0" b="0"/>
+      </a:lnRef>
+      <a:fillRef idx="1">
+        <a:scrgbClr r="0" g="0" b="0"/>
+      </a:fillRef>
+      <a:effectRef idx="0">
+        <a:scrgbClr r="0" g="0" b="0"/>
+      </a:effectRef>
+      <a:fontRef idx="minor"/>
+    </dgm:style>
+  </dgm:styleLbl>
+  <dgm:styleLbl name="solidFgAcc1">
+    <dgm:scene3d>
+      <a:camera prst="orthographicFront"/>
+      <a:lightRig rig="threePt" dir="t"/>
+    </dgm:scene3d>
+    <dgm:sp3d/>
+    <dgm:txPr/>
+    <dgm:style>
+      <a:lnRef idx="2">
+        <a:scrgbClr r="0" g="0" b="0"/>
+      </a:lnRef>
+      <a:fillRef idx="1">
+        <a:scrgbClr r="0" g="0" b="0"/>
+      </a:fillRef>
+      <a:effectRef idx="0">
+        <a:scrgbClr r="0" g="0" b="0"/>
+      </a:effectRef>
+      <a:fontRef idx="minor"/>
+    </dgm:style>
+  </dgm:styleLbl>
+  <dgm:styleLbl name="solidAlignAcc1">
+    <dgm:scene3d>
+      <a:camera prst="orthographicFront"/>
+      <a:lightRig rig="threePt" dir="t"/>
+    </dgm:scene3d>
+    <dgm:sp3d/>
+    <dgm:txPr/>
+    <dgm:style>
+      <a:lnRef idx="2">
+        <a:scrgbClr r="0" g="0" b="0"/>
+      </a:lnRef>
+      <a:fillRef idx="1">
+        <a:scrgbClr r="0" g="0" b="0"/>
+      </a:fillRef>
+      <a:effectRef idx="0">
+        <a:scrgbClr r="0" g="0" b="0"/>
+      </a:effectRef>
+      <a:fontRef idx="minor"/>
+    </dgm:style>
+  </dgm:styleLbl>
+  <dgm:styleLbl name="solidBgAcc1">
+    <dgm:scene3d>
+      <a:camera prst="orthographicFront"/>
+      <a:lightRig rig="threePt" dir="t"/>
+    </dgm:scene3d>
+    <dgm:sp3d/>
+    <dgm:txPr/>
+    <dgm:style>
+      <a:lnRef idx="2">
+        <a:scrgbClr r="0" g="0" b="0"/>
+      </a:lnRef>
+      <a:fillRef idx="1">
+        <a:scrgbClr r="0" g="0" b="0"/>
+      </a:fillRef>
+      <a:effectRef idx="0">
+        <a:scrgbClr r="0" g="0" b="0"/>
+      </a:effectRef>
+      <a:fontRef idx="minor"/>
+    </dgm:style>
+  </dgm:styleLbl>
+  <dgm:styleLbl name="fgAccFollowNode1">
+    <dgm:scene3d>
+      <a:camera prst="orthographicFront"/>
+      <a:lightRig rig="threePt" dir="t"/>
+    </dgm:scene3d>
+    <dgm:sp3d/>
+    <dgm:txPr/>
+    <dgm:style>
+      <a:lnRef idx="2">
+        <a:scrgbClr r="0" g="0" b="0"/>
+      </a:lnRef>
+      <a:fillRef idx="1">
+        <a:scrgbClr r="0" g="0" b="0"/>
+      </a:fillRef>
+      <a:effectRef idx="0">
+        <a:scrgbClr r="0" g="0" b="0"/>
+      </a:effectRef>
+      <a:fontRef idx="minor"/>
+    </dgm:style>
+  </dgm:styleLbl>
+  <dgm:styleLbl name="alignAccFollowNode1">
+    <dgm:scene3d>
+      <a:camera prst="orthographicFront"/>
+      <a:lightRig rig="threePt" dir="t"/>
+    </dgm:scene3d>
+    <dgm:sp3d/>
+    <dgm:txPr/>
+    <dgm:style>
+      <a:lnRef idx="2">
+        <a:scrgbClr r="0" g="0" b="0"/>
+      </a:lnRef>
+      <a:fillRef idx="1">
+        <a:scrgbClr r="0" g="0" b="0"/>
+      </a:fillRef>
+      <a:effectRef idx="0">
+        <a:scrgbClr r="0" g="0" b="0"/>
+      </a:effectRef>
+      <a:fontRef idx="minor"/>
+    </dgm:style>
+  </dgm:styleLbl>
+  <dgm:styleLbl name="bgAccFollowNode1">
+    <dgm:scene3d>
+      <a:camera prst="orthographicFront"/>
+      <a:lightRig rig="threePt" dir="t"/>
+    </dgm:scene3d>
+    <dgm:sp3d/>
+    <dgm:txPr/>
+    <dgm:style>
+      <a:lnRef idx="2">
+        <a:scrgbClr r="0" g="0" b="0"/>
+      </a:lnRef>
+      <a:fillRef idx="1">
+        <a:scrgbClr r="0" g="0" b="0"/>
+      </a:fillRef>
+      <a:effectRef idx="0">
+        <a:scrgbClr r="0" g="0" b="0"/>
+      </a:effectRef>
+      <a:fontRef idx="minor"/>
+    </dgm:style>
+  </dgm:styleLbl>
+  <dgm:styleLbl name="fgAcc0">
+    <dgm:scene3d>
+      <a:camera prst="orthographicFront"/>
+      <a:lightRig rig="threePt" dir="t"/>
+    </dgm:scene3d>
+    <dgm:sp3d/>
+    <dgm:txPr/>
+    <dgm:style>
+      <a:lnRef idx="2">
+        <a:scrgbClr r="0" g="0" b="0"/>
+      </a:lnRef>
+      <a:fillRef idx="1">
+        <a:scrgbClr r="0" g="0" b="0"/>
+      </a:fillRef>
+      <a:effectRef idx="0">
+        <a:scrgbClr r="0" g="0" b="0"/>
+      </a:effectRef>
+      <a:fontRef idx="minor"/>
+    </dgm:style>
+  </dgm:styleLbl>
+  <dgm:styleLbl name="fgAcc2">
+    <dgm:scene3d>
+      <a:camera prst="orthographicFront"/>
+      <a:lightRig rig="threePt" dir="t"/>
+    </dgm:scene3d>
+    <dgm:sp3d/>
+    <dgm:txPr/>
+    <dgm:style>
+      <a:lnRef idx="2">
+        <a:scrgbClr r="0" g="0" b="0"/>
+      </a:lnRef>
+      <a:fillRef idx="1">
+        <a:scrgbClr r="0" g="0" b="0"/>
+      </a:fillRef>
+      <a:effectRef idx="0">
+        <a:scrgbClr r="0" g="0" b="0"/>
+      </a:effectRef>
+      <a:fontRef idx="minor"/>
+    </dgm:style>
+  </dgm:styleLbl>
+  <dgm:styleLbl name="fgAcc3">
+    <dgm:scene3d>
+      <a:camera prst="orthographicFront"/>
+      <a:lightRig rig="threePt" dir="t"/>
+    </dgm:scene3d>
+    <dgm:sp3d/>
+    <dgm:txPr/>
+    <dgm:style>
+      <a:lnRef idx="2">
+        <a:scrgbClr r="0" g="0" b="0"/>
+      </a:lnRef>
+      <a:fillRef idx="1">
+        <a:scrgbClr r="0" g="0" b="0"/>
+      </a:fillRef>
+      <a:effectRef idx="0">
+        <a:scrgbClr r="0" g="0" b="0"/>
+      </a:effectRef>
+      <a:fontRef idx="minor"/>
+    </dgm:style>
+  </dgm:styleLbl>
+  <dgm:styleLbl name="fgAcc4">
+    <dgm:scene3d>
+      <a:camera prst="orthographicFront"/>
+      <a:lightRig rig="threePt" dir="t"/>
+    </dgm:scene3d>
+    <dgm:sp3d/>
+    <dgm:txPr/>
+    <dgm:style>
+      <a:lnRef idx="2">
+        <a:scrgbClr r="0" g="0" b="0"/>
+      </a:lnRef>
+      <a:fillRef idx="1">
+        <a:scrgbClr r="0" g="0" b="0"/>
+      </a:fillRef>
+      <a:effectRef idx="0">
+        <a:scrgbClr r="0" g="0" b="0"/>
+      </a:effectRef>
+      <a:fontRef idx="minor"/>
+    </dgm:style>
+  </dgm:styleLbl>
+  <dgm:styleLbl name="bgShp">
+    <dgm:scene3d>
+      <a:camera prst="orthographicFront"/>
+      <a:lightRig rig="threePt" dir="t"/>
+    </dgm:scene3d>
+    <dgm:sp3d/>
+    <dgm:txPr/>
+    <dgm:style>
+      <a:lnRef idx="0">
+        <a:scrgbClr r="0" g="0" b="0"/>
+      </a:lnRef>
+      <a:fillRef idx="1">
+        <a:scrgbClr r="0" g="0" b="0"/>
+      </a:fillRef>
+      <a:effectRef idx="0">
+        <a:scrgbClr r="0" g="0" b="0"/>
+      </a:effectRef>
+      <a:fontRef idx="minor"/>
+    </dgm:style>
+  </dgm:styleLbl>
+  <dgm:styleLbl name="dkBgShp">
+    <dgm:scene3d>
+      <a:camera prst="orthographicFront"/>
+      <a:lightRig rig="threePt" dir="t"/>
+    </dgm:scene3d>
+    <dgm:sp3d/>
+    <dgm:txPr/>
+    <dgm:style>
+      <a:lnRef idx="0">
+        <a:scrgbClr r="0" g="0" b="0"/>
+      </a:lnRef>
+      <a:fillRef idx="1">
+        <a:scrgbClr r="0" g="0" b="0"/>
+      </a:fillRef>
+      <a:effectRef idx="0">
+        <a:scrgbClr r="0" g="0" b="0"/>
+      </a:effectRef>
+      <a:fontRef idx="minor"/>
+    </dgm:style>
+  </dgm:styleLbl>
+  <dgm:styleLbl name="trBgShp">
+    <dgm:scene3d>
+      <a:camera prst="orthographicFront"/>
+      <a:lightRig rig="threePt" dir="t"/>
+    </dgm:scene3d>
+    <dgm:sp3d/>
+    <dgm:txPr/>
+    <dgm:style>
+      <a:lnRef idx="0">
+        <a:scrgbClr r="0" g="0" b="0"/>
+      </a:lnRef>
+      <a:fillRef idx="1">
+        <a:scrgbClr r="0" g="0" b="0"/>
+      </a:fillRef>
+      <a:effectRef idx="0">
+        <a:scrgbClr r="0" g="0" b="0"/>
+      </a:effectRef>
+      <a:fontRef idx="minor"/>
+    </dgm:style>
+  </dgm:styleLbl>
+  <dgm:styleLbl name="fgShp">
+    <dgm:scene3d>
+      <a:camera prst="orthographicFront"/>
+      <a:lightRig rig="threePt" dir="t"/>
+    </dgm:scene3d>
+    <dgm:sp3d/>
+    <dgm:txPr/>
+    <dgm:style>
+      <a:lnRef idx="2">
+        <a:scrgbClr r="0" g="0" b="0"/>
+      </a:lnRef>
+      <a:fillRef idx="1">
+        <a:scrgbClr r="0" g="0" b="0"/>
+      </a:fillRef>
+      <a:effectRef idx="0">
+        <a:scrgbClr r="0" g="0" b="0"/>
+      </a:effectRef>
+      <a:fontRef idx="minor"/>
+    </dgm:style>
+  </dgm:styleLbl>
+  <dgm:styleLbl name="revTx">
+    <dgm:scene3d>
+      <a:camera prst="orthographicFront"/>
+      <a:lightRig rig="threePt" dir="t"/>
+    </dgm:scene3d>
+    <dgm:sp3d/>
+    <dgm:txPr/>
+    <dgm:style>
+      <a:lnRef idx="0">
+        <a:scrgbClr r="0" g="0" b="0"/>
+      </a:lnRef>
+      <a:fillRef idx="0">
+        <a:scrgbClr r="0" g="0" b="0"/>
+      </a:fillRef>
+      <a:effectRef idx="0">
+        <a:scrgbClr r="0" g="0" b="0"/>
+      </a:effectRef>
+      <a:fontRef idx="minor"/>
+    </dgm:style>
+  </dgm:styleLbl>
+</dgm:styleDef>
+</file>
+
+<file path=ppt/diagrams/quickStyle2.xml><?xml version="1.0" encoding="utf-8"?>
+<dgm:styleDef xmlns:dgm="http://schemas.openxmlformats.org/drawingml/2006/diagram" xmlns:a="http://schemas.openxmlformats.org/drawingml/2006/main" uniqueId="urn:microsoft.com/office/officeart/2005/8/quickstyle/simple1">
+  <dgm:title val=""/>
+  <dgm:desc val=""/>
+  <dgm:catLst>
+    <dgm:cat type="simple" pri="10100"/>
+  </dgm:catLst>
+  <dgm:scene3d>
+    <a:camera prst="orthographicFront"/>
+    <a:lightRig rig="threePt" dir="t"/>
+  </dgm:scene3d>
+  <dgm:styleLbl name="node0">
+    <dgm:scene3d>
+      <a:camera prst="orthographicFront"/>
+      <a:lightRig rig="threePt" dir="t"/>
+    </dgm:scene3d>
+    <dgm:sp3d/>
+    <dgm:txPr/>
+    <dgm:style>
+      <a:lnRef idx="2">
+        <a:scrgbClr r="0" g="0" b="0"/>
+      </a:lnRef>
+      <a:fillRef idx="1">
+        <a:scrgbClr r="0" g="0" b="0"/>
+      </a:fillRef>
+      <a:effectRef idx="0">
+        <a:scrgbClr r="0" g="0" b="0"/>
+      </a:effectRef>
+      <a:fontRef idx="minor">
+        <a:schemeClr val="lt1"/>
+      </a:fontRef>
+    </dgm:style>
+  </dgm:styleLbl>
+  <dgm:styleLbl name="lnNode1">
+    <dgm:scene3d>
+      <a:camera prst="orthographicFront"/>
+      <a:lightRig rig="threePt" dir="t"/>
+    </dgm:scene3d>
+    <dgm:sp3d/>
+    <dgm:txPr/>
+    <dgm:style>
+      <a:lnRef idx="2">
+        <a:scrgbClr r="0" g="0" b="0"/>
+      </a:lnRef>
+      <a:fillRef idx="1">
+        <a:scrgbClr r="0" g="0" b="0"/>
+      </a:fillRef>
+      <a:effectRef idx="0">
+        <a:scrgbClr r="0" g="0" b="0"/>
+      </a:effectRef>
+      <a:fontRef idx="minor">
+        <a:schemeClr val="lt1"/>
+      </a:fontRef>
+    </dgm:style>
+  </dgm:styleLbl>
+  <dgm:styleLbl name="vennNode1">
+    <dgm:scene3d>
+      <a:camera prst="orthographicFront"/>
+      <a:lightRig rig="threePt" dir="t"/>
+    </dgm:scene3d>
+    <dgm:sp3d/>
+    <dgm:txPr/>
+    <dgm:style>
+      <a:lnRef idx="2">
+        <a:scrgbClr r="0" g="0" b="0"/>
+      </a:lnRef>
+      <a:fillRef idx="1">
+        <a:scrgbClr r="0" g="0" b="0"/>
+      </a:fillRef>
+      <a:effectRef idx="0">
+        <a:scrgbClr r="0" g="0" b="0"/>
+      </a:effectRef>
+      <a:fontRef idx="minor">
+        <a:schemeClr val="tx1"/>
+      </a:fontRef>
+    </dgm:style>
+  </dgm:styleLbl>
+  <dgm:styleLbl name="alignNode1">
+    <dgm:scene3d>
+      <a:camera prst="orthographicFront"/>
+      <a:lightRig rig="threePt" dir="t"/>
+    </dgm:scene3d>
+    <dgm:sp3d/>
+    <dgm:txPr/>
+    <dgm:style>
+      <a:lnRef idx="2">
+        <a:scrgbClr r="0" g="0" b="0"/>
+      </a:lnRef>
+      <a:fillRef idx="1">
+        <a:scrgbClr r="0" g="0" b="0"/>
+      </a:fillRef>
+      <a:effectRef idx="0">
+        <a:scrgbClr r="0" g="0" b="0"/>
+      </a:effectRef>
+      <a:fontRef idx="minor">
+        <a:schemeClr val="lt1"/>
+      </a:fontRef>
+    </dgm:style>
+  </dgm:styleLbl>
+  <dgm:styleLbl name="node1">
+    <dgm:scene3d>
+      <a:camera prst="orthographicFront"/>
+      <a:lightRig rig="threePt" dir="t"/>
+    </dgm:scene3d>
+    <dgm:sp3d/>
+    <dgm:txPr/>
+    <dgm:style>
+      <a:lnRef idx="2">
+        <a:scrgbClr r="0" g="0" b="0"/>
+      </a:lnRef>
+      <a:fillRef idx="1">
+        <a:scrgbClr r="0" g="0" b="0"/>
+      </a:fillRef>
+      <a:effectRef idx="0">
+        <a:scrgbClr r="0" g="0" b="0"/>
+      </a:effectRef>
+      <a:fontRef idx="minor">
+        <a:schemeClr val="lt1"/>
+      </a:fontRef>
+    </dgm:style>
+  </dgm:styleLbl>
+  <dgm:styleLbl name="node2">
+    <dgm:scene3d>
+      <a:camera prst="orthographicFront"/>
+      <a:lightRig rig="threePt" dir="t"/>
+    </dgm:scene3d>
+    <dgm:sp3d/>
+    <dgm:txPr/>
+    <dgm:style>
+      <a:lnRef idx="2">
+        <a:scrgbClr r="0" g="0" b="0"/>
+      </a:lnRef>
+      <a:fillRef idx="1">
+        <a:scrgbClr r="0" g="0" b="0"/>
+      </a:fillRef>
+      <a:effectRef idx="0">
+        <a:scrgbClr r="0" g="0" b="0"/>
+      </a:effectRef>
+      <a:fontRef idx="minor">
+        <a:schemeClr val="lt1"/>
+      </a:fontRef>
+    </dgm:style>
+  </dgm:styleLbl>
+  <dgm:styleLbl name="node3">
+    <dgm:scene3d>
+      <a:camera prst="orthographicFront"/>
+      <a:lightRig rig="threePt" dir="t"/>
+    </dgm:scene3d>
+    <dgm:sp3d/>
+    <dgm:txPr/>
+    <dgm:style>
+      <a:lnRef idx="2">
+        <a:scrgbClr r="0" g="0" b="0"/>
+      </a:lnRef>
+      <a:fillRef idx="1">
+        <a:scrgbClr r="0" g="0" b="0"/>
+      </a:fillRef>
+      <a:effectRef idx="0">
+        <a:scrgbClr r="0" g="0" b="0"/>
+      </a:effectRef>
+      <a:fontRef idx="minor">
+        <a:schemeClr val="lt1"/>
+      </a:fontRef>
+    </dgm:style>
+  </dgm:styleLbl>
+  <dgm:styleLbl name="node4">
+    <dgm:scene3d>
+      <a:camera prst="orthographicFront"/>
+      <a:lightRig rig="threePt" dir="t"/>
+    </dgm:scene3d>
+    <dgm:sp3d/>
+    <dgm:txPr/>
+    <dgm:style>
+      <a:lnRef idx="2">
+        <a:scrgbClr r="0" g="0" b="0"/>
+      </a:lnRef>
+      <a:fillRef idx="1">
+        <a:scrgbClr r="0" g="0" b="0"/>
+      </a:fillRef>
+      <a:effectRef idx="0">
+        <a:scrgbClr r="0" g="0" b="0"/>
+      </a:effectRef>
+      <a:fontRef idx="minor">
+        <a:schemeClr val="lt1"/>
+      </a:fontRef>
+    </dgm:style>
+  </dgm:styleLbl>
+  <dgm:styleLbl name="fgImgPlace1">
+    <dgm:scene3d>
+      <a:camera prst="orthographicFront"/>
+      <a:lightRig rig="threePt" dir="t"/>
+    </dgm:scene3d>
+    <dgm:sp3d/>
+    <dgm:txPr/>
+    <dgm:style>
+      <a:lnRef idx="2">
+        <a:scrgbClr r="0" g="0" b="0"/>
+      </a:lnRef>
+      <a:fillRef idx="1">
+        <a:scrgbClr r="0" g="0" b="0"/>
+      </a:fillRef>
+      <a:effectRef idx="0">
+        <a:scrgbClr r="0" g="0" b="0"/>
+      </a:effectRef>
+      <a:fontRef idx="minor"/>
+    </dgm:style>
+  </dgm:styleLbl>
+  <dgm:styleLbl name="alignImgPlace1">
+    <dgm:scene3d>
+      <a:camera prst="orthographicFront"/>
+      <a:lightRig rig="threePt" dir="t"/>
+    </dgm:scene3d>
+    <dgm:sp3d/>
+    <dgm:txPr/>
+    <dgm:style>
+      <a:lnRef idx="2">
+        <a:scrgbClr r="0" g="0" b="0"/>
+      </a:lnRef>
+      <a:fillRef idx="1">
+        <a:scrgbClr r="0" g="0" b="0"/>
+      </a:fillRef>
+      <a:effectRef idx="0">
+        <a:scrgbClr r="0" g="0" b="0"/>
+      </a:effectRef>
+      <a:fontRef idx="minor"/>
+    </dgm:style>
+  </dgm:styleLbl>
+  <dgm:styleLbl name="bgImgPlace1">
+    <dgm:scene3d>
+      <a:camera prst="orthographicFront"/>
+      <a:lightRig rig="threePt" dir="t"/>
+    </dgm:scene3d>
+    <dgm:sp3d/>
+    <dgm:txPr/>
+    <dgm:style>
+      <a:lnRef idx="2">
+        <a:scrgbClr r="0" g="0" b="0"/>
+      </a:lnRef>
+      <a:fillRef idx="1">
+        <a:scrgbClr r="0" g="0" b="0"/>
+      </a:fillRef>
+      <a:effectRef idx="0">
+        <a:scrgbClr r="0" g="0" b="0"/>
+      </a:effectRef>
+      <a:fontRef idx="minor"/>
+    </dgm:style>
+  </dgm:styleLbl>
+  <dgm:styleLbl name="sibTrans2D1">
+    <dgm:scene3d>
+      <a:camera prst="orthographicFront"/>
+      <a:lightRig rig="threePt" dir="t"/>
+    </dgm:scene3d>
+    <dgm:sp3d/>
+    <dgm:txPr/>
+    <dgm:style>
+      <a:lnRef idx="0">
+        <a:scrgbClr r="0" g="0" b="0"/>
+      </a:lnRef>
+      <a:fillRef idx="1">
+        <a:scrgbClr r="0" g="0" b="0"/>
+      </a:fillRef>
+      <a:effectRef idx="0">
+        <a:scrgbClr r="0" g="0" b="0"/>
+      </a:effectRef>
+      <a:fontRef idx="minor">
+        <a:schemeClr val="lt1"/>
+      </a:fontRef>
+    </dgm:style>
+  </dgm:styleLbl>
+  <dgm:styleLbl name="fgSibTrans2D1">
+    <dgm:scene3d>
+      <a:camera prst="orthographicFront"/>
+      <a:lightRig rig="threePt" dir="t"/>
+    </dgm:scene3d>
+    <dgm:sp3d/>
+    <dgm:txPr/>
+    <dgm:style>
+      <a:lnRef idx="0">
+        <a:scrgbClr r="0" g="0" b="0"/>
+      </a:lnRef>
+      <a:fillRef idx="1">
+        <a:scrgbClr r="0" g="0" b="0"/>
+      </a:fillRef>
+      <a:effectRef idx="0">
+        <a:scrgbClr r="0" g="0" b="0"/>
+      </a:effectRef>
+      <a:fontRef idx="minor">
+        <a:schemeClr val="lt1"/>
+      </a:fontRef>
+    </dgm:style>
+  </dgm:styleLbl>
+  <dgm:styleLbl name="bgSibTrans2D1">
+    <dgm:scene3d>
+      <a:camera prst="orthographicFront"/>
+      <a:lightRig rig="threePt" dir="t"/>
+    </dgm:scene3d>
+    <dgm:sp3d/>
+    <dgm:txPr/>
+    <dgm:style>
+      <a:lnRef idx="0">
+        <a:scrgbClr r="0" g="0" b="0"/>
+      </a:lnRef>
+      <a:fillRef idx="1">
+        <a:scrgbClr r="0" g="0" b="0"/>
+      </a:fillRef>
+      <a:effectRef idx="0">
+        <a:scrgbClr r="0" g="0" b="0"/>
+      </a:effectRef>
+      <a:fontRef idx="minor">
+        <a:schemeClr val="lt1"/>
+      </a:fontRef>
+    </dgm:style>
+  </dgm:styleLbl>
+  <dgm:styleLbl name="sibTrans1D1">
+    <dgm:scene3d>
+      <a:camera prst="orthographicFront"/>
+      <a:lightRig rig="threePt" dir="t"/>
+    </dgm:scene3d>
+    <dgm:sp3d/>
+    <dgm:txPr/>
+    <dgm:style>
+      <a:lnRef idx="1">
+        <a:scrgbClr r="0" g="0" b="0"/>
+      </a:lnRef>
+      <a:fillRef idx="0">
+        <a:scrgbClr r="0" g="0" b="0"/>
+      </a:fillRef>
+      <a:effectRef idx="0">
+        <a:scrgbClr r="0" g="0" b="0"/>
+      </a:effectRef>
+      <a:fontRef idx="minor"/>
+    </dgm:style>
+  </dgm:styleLbl>
+  <dgm:styleLbl name="callout">
+    <dgm:scene3d>
+      <a:camera prst="orthographicFront"/>
+      <a:lightRig rig="threePt" dir="t"/>
+    </dgm:scene3d>
+    <dgm:sp3d/>
+    <dgm:txPr/>
+    <dgm:style>
+      <a:lnRef idx="2">
+        <a:scrgbClr r="0" g="0" b="0"/>
+      </a:lnRef>
+      <a:fillRef idx="1">
+        <a:scrgbClr r="0" g="0" b="0"/>
+      </a:fillRef>
+      <a:effectRef idx="0">
+        <a:scrgbClr r="0" g="0" b="0"/>
+      </a:effectRef>
+      <a:fontRef idx="minor"/>
+    </dgm:style>
+  </dgm:styleLbl>
+  <dgm:styleLbl name="asst0">
+    <dgm:scene3d>
+      <a:camera prst="orthographicFront"/>
+      <a:lightRig rig="threePt" dir="t"/>
+    </dgm:scene3d>
+    <dgm:sp3d/>
+    <dgm:txPr/>
+    <dgm:style>
+      <a:lnRef idx="2">
+        <a:scrgbClr r="0" g="0" b="0"/>
+      </a:lnRef>
+      <a:fillRef idx="1">
+        <a:scrgbClr r="0" g="0" b="0"/>
+      </a:fillRef>
+      <a:effectRef idx="0">
+        <a:scrgbClr r="0" g="0" b="0"/>
+      </a:effectRef>
+      <a:fontRef idx="minor">
+        <a:schemeClr val="lt1"/>
+      </a:fontRef>
+    </dgm:style>
+  </dgm:styleLbl>
+  <dgm:styleLbl name="asst1">
+    <dgm:scene3d>
+      <a:camera prst="orthographicFront"/>
+      <a:lightRig rig="threePt" dir="t"/>
+    </dgm:scene3d>
+    <dgm:sp3d/>
+    <dgm:txPr/>
+    <dgm:style>
+      <a:lnRef idx="2">
+        <a:scrgbClr r="0" g="0" b="0"/>
+      </a:lnRef>
+      <a:fillRef idx="1">
+        <a:scrgbClr r="0" g="0" b="0"/>
+      </a:fillRef>
+      <a:effectRef idx="0">
+        <a:scrgbClr r="0" g="0" b="0"/>
+      </a:effectRef>
+      <a:fontRef idx="minor">
+        <a:schemeClr val="lt1"/>
+      </a:fontRef>
+    </dgm:style>
+  </dgm:styleLbl>
+  <dgm:styleLbl name="asst2">
+    <dgm:scene3d>
+      <a:camera prst="orthographicFront"/>
+      <a:lightRig rig="threePt" dir="t"/>
+    </dgm:scene3d>
+    <dgm:sp3d/>
+    <dgm:txPr/>
+    <dgm:style>
+      <a:lnRef idx="2">
+        <a:scrgbClr r="0" g="0" b="0"/>
+      </a:lnRef>
+      <a:fillRef idx="1">
+        <a:scrgbClr r="0" g="0" b="0"/>
+      </a:fillRef>
+      <a:effectRef idx="0">
+        <a:scrgbClr r="0" g="0" b="0"/>
+      </a:effectRef>
+      <a:fontRef idx="minor">
+        <a:schemeClr val="lt1"/>
+      </a:fontRef>
+    </dgm:style>
+  </dgm:styleLbl>
+  <dgm:styleLbl name="asst3">
+    <dgm:scene3d>
+      <a:camera prst="orthographicFront"/>
+      <a:lightRig rig="threePt" dir="t"/>
+    </dgm:scene3d>
+    <dgm:sp3d/>
+    <dgm:txPr/>
+    <dgm:style>
+      <a:lnRef idx="2">
+        <a:scrgbClr r="0" g="0" b="0"/>
+      </a:lnRef>
+      <a:fillRef idx="1">
+        <a:scrgbClr r="0" g="0" b="0"/>
+      </a:fillRef>
+      <a:effectRef idx="0">
+        <a:scrgbClr r="0" g="0" b="0"/>
+      </a:effectRef>
+      <a:fontRef idx="minor">
+        <a:schemeClr val="lt1"/>
+      </a:fontRef>
+    </dgm:style>
+  </dgm:styleLbl>
+  <dgm:styleLbl name="asst4">
+    <dgm:scene3d>
+      <a:camera prst="orthographicFront"/>
+      <a:lightRig rig="threePt" dir="t"/>
+    </dgm:scene3d>
+    <dgm:sp3d/>
+    <dgm:txPr/>
+    <dgm:style>
+      <a:lnRef idx="2">
+        <a:scrgbClr r="0" g="0" b="0"/>
+      </a:lnRef>
+      <a:fillRef idx="1">
+        <a:scrgbClr r="0" g="0" b="0"/>
+      </a:fillRef>
+      <a:effectRef idx="0">
+        <a:scrgbClr r="0" g="0" b="0"/>
+      </a:effectRef>
+      <a:fontRef idx="minor">
+        <a:schemeClr val="lt1"/>
+      </a:fontRef>
+    </dgm:style>
+  </dgm:styleLbl>
+  <dgm:styleLbl name="parChTrans2D1">
+    <dgm:scene3d>
+      <a:camera prst="orthographicFront"/>
+      <a:lightRig rig="threePt" dir="t"/>
+    </dgm:scene3d>
+    <dgm:sp3d/>
+    <dgm:txPr/>
+    <dgm:style>
+      <a:lnRef idx="2">
+        <a:scrgbClr r="0" g="0" b="0"/>
+      </a:lnRef>
+      <a:fillRef idx="1">
+        <a:scrgbClr r="0" g="0" b="0"/>
+      </a:fillRef>
+      <a:effectRef idx="0">
+        <a:scrgbClr r="0" g="0" b="0"/>
+      </a:effectRef>
+      <a:fontRef idx="minor">
+        <a:schemeClr val="lt1"/>
+      </a:fontRef>
+    </dgm:style>
+  </dgm:styleLbl>
+  <dgm:styleLbl name="parChTrans2D2">
+    <dgm:scene3d>
+      <a:camera prst="orthographicFront"/>
+      <a:lightRig rig="threePt" dir="t"/>
+    </dgm:scene3d>
+    <dgm:sp3d/>
+    <dgm:txPr/>
+    <dgm:style>
+      <a:lnRef idx="2">
+        <a:scrgbClr r="0" g="0" b="0"/>
+      </a:lnRef>
+      <a:fillRef idx="1">
+        <a:scrgbClr r="0" g="0" b="0"/>
+      </a:fillRef>
+      <a:effectRef idx="0">
+        <a:scrgbClr r="0" g="0" b="0"/>
+      </a:effectRef>
+      <a:fontRef idx="minor">
+        <a:schemeClr val="lt1"/>
+      </a:fontRef>
+    </dgm:style>
+  </dgm:styleLbl>
+  <dgm:styleLbl name="parChTrans2D3">
+    <dgm:scene3d>
+      <a:camera prst="orthographicFront"/>
+      <a:lightRig rig="threePt" dir="t"/>
+    </dgm:scene3d>
+    <dgm:sp3d/>
+    <dgm:txPr/>
+    <dgm:style>
+      <a:lnRef idx="2">
+        <a:scrgbClr r="0" g="0" b="0"/>
+      </a:lnRef>
+      <a:fillRef idx="1">
+        <a:scrgbClr r="0" g="0" b="0"/>
+      </a:fillRef>
+      <a:effectRef idx="0">
+        <a:scrgbClr r="0" g="0" b="0"/>
+      </a:effectRef>
+      <a:fontRef idx="minor">
+        <a:schemeClr val="lt1"/>
+      </a:fontRef>
+    </dgm:style>
+  </dgm:styleLbl>
+  <dgm:styleLbl name="parChTrans2D4">
+    <dgm:scene3d>
+      <a:camera prst="orthographicFront"/>
+      <a:lightRig rig="threePt" dir="t"/>
+    </dgm:scene3d>
+    <dgm:sp3d/>
+    <dgm:txPr/>
+    <dgm:style>
+      <a:lnRef idx="2">
+        <a:scrgbClr r="0" g="0" b="0"/>
+      </a:lnRef>
+      <a:fillRef idx="1">
+        <a:scrgbClr r="0" g="0" b="0"/>
+      </a:fillRef>
+      <a:effectRef idx="0">
+        <a:scrgbClr r="0" g="0" b="0"/>
+      </a:effectRef>
+      <a:fontRef idx="minor">
+        <a:schemeClr val="lt1"/>
+      </a:fontRef>
+    </dgm:style>
+  </dgm:styleLbl>
+  <dgm:styleLbl name="parChTrans1D1">
+    <dgm:scene3d>
+      <a:camera prst="orthographicFront"/>
+      <a:lightRig rig="threePt" dir="t"/>
+    </dgm:scene3d>
+    <dgm:sp3d/>
+    <dgm:txPr/>
+    <dgm:style>
+      <a:lnRef idx="2">
+        <a:scrgbClr r="0" g="0" b="0"/>
+      </a:lnRef>
+      <a:fillRef idx="0">
+        <a:scrgbClr r="0" g="0" b="0"/>
+      </a:fillRef>
+      <a:effectRef idx="0">
+        <a:scrgbClr r="0" g="0" b="0"/>
+      </a:effectRef>
+      <a:fontRef idx="minor"/>
+    </dgm:style>
+  </dgm:styleLbl>
+  <dgm:styleLbl name="parChTrans1D2">
+    <dgm:scene3d>
+      <a:camera prst="orthographicFront"/>
+      <a:lightRig rig="threePt" dir="t"/>
+    </dgm:scene3d>
+    <dgm:sp3d/>
+    <dgm:txPr/>
+    <dgm:style>
+      <a:lnRef idx="2">
+        <a:scrgbClr r="0" g="0" b="0"/>
+      </a:lnRef>
+      <a:fillRef idx="0">
+        <a:scrgbClr r="0" g="0" b="0"/>
+      </a:fillRef>
+      <a:effectRef idx="0">
+        <a:scrgbClr r="0" g="0" b="0"/>
+      </a:effectRef>
+      <a:fontRef idx="minor"/>
+    </dgm:style>
+  </dgm:styleLbl>
+  <dgm:styleLbl name="parChTrans1D3">
+    <dgm:scene3d>
+      <a:camera prst="orthographicFront"/>
+      <a:lightRig rig="threePt" dir="t"/>
+    </dgm:scene3d>
+    <dgm:sp3d/>
+    <dgm:txPr/>
+    <dgm:style>
+      <a:lnRef idx="2">
+        <a:scrgbClr r="0" g="0" b="0"/>
+      </a:lnRef>
+      <a:fillRef idx="0">
+        <a:scrgbClr r="0" g="0" b="0"/>
+      </a:fillRef>
+      <a:effectRef idx="0">
+        <a:scrgbClr r="0" g="0" b="0"/>
+      </a:effectRef>
+      <a:fontRef idx="minor"/>
+    </dgm:style>
+  </dgm:styleLbl>
+  <dgm:styleLbl name="parChTrans1D4">
+    <dgm:scene3d>
+      <a:camera prst="orthographicFront"/>
+      <a:lightRig rig="threePt" dir="t"/>
+    </dgm:scene3d>
+    <dgm:sp3d/>
+    <dgm:txPr/>
+    <dgm:style>
+      <a:lnRef idx="2">
+        <a:scrgbClr r="0" g="0" b="0"/>
+      </a:lnRef>
+      <a:fillRef idx="0">
+        <a:scrgbClr r="0" g="0" b="0"/>
+      </a:fillRef>
+      <a:effectRef idx="0">
+        <a:scrgbClr r="0" g="0" b="0"/>
+      </a:effectRef>
+      <a:fontRef idx="minor"/>
+    </dgm:style>
+  </dgm:styleLbl>
+  <dgm:styleLbl name="fgAcc1">
+    <dgm:scene3d>
+      <a:camera prst="orthographicFront"/>
+      <a:lightRig rig="threePt" dir="t"/>
+    </dgm:scene3d>
+    <dgm:sp3d/>
+    <dgm:txPr/>
+    <dgm:style>
+      <a:lnRef idx="2">
+        <a:scrgbClr r="0" g="0" b="0"/>
+      </a:lnRef>
+      <a:fillRef idx="1">
+        <a:scrgbClr r="0" g="0" b="0"/>
+      </a:fillRef>
+      <a:effectRef idx="0">
+        <a:scrgbClr r="0" g="0" b="0"/>
+      </a:effectRef>
+      <a:fontRef idx="minor"/>
+    </dgm:style>
+  </dgm:styleLbl>
+  <dgm:styleLbl name="conFgAcc1">
+    <dgm:scene3d>
+      <a:camera prst="orthographicFront"/>
+      <a:lightRig rig="threePt" dir="t"/>
+    </dgm:scene3d>
+    <dgm:sp3d/>
+    <dgm:txPr/>
+    <dgm:style>
+      <a:lnRef idx="2">
+        <a:scrgbClr r="0" g="0" b="0"/>
+      </a:lnRef>
+      <a:fillRef idx="1">
+        <a:scrgbClr r="0" g="0" b="0"/>
+      </a:fillRef>
+      <a:effectRef idx="0">
+        <a:scrgbClr r="0" g="0" b="0"/>
+      </a:effectRef>
+      <a:fontRef idx="minor"/>
+    </dgm:style>
+  </dgm:styleLbl>
+  <dgm:styleLbl name="alignAcc1">
+    <dgm:scene3d>
+      <a:camera prst="orthographicFront"/>
+      <a:lightRig rig="threePt" dir="t"/>
+    </dgm:scene3d>
+    <dgm:sp3d/>
+    <dgm:txPr/>
+    <dgm:style>
+      <a:lnRef idx="2">
+        <a:scrgbClr r="0" g="0" b="0"/>
+      </a:lnRef>
+      <a:fillRef idx="1">
+        <a:scrgbClr r="0" g="0" b="0"/>
+      </a:fillRef>
+      <a:effectRef idx="0">
+        <a:scrgbClr r="0" g="0" b="0"/>
+      </a:effectRef>
+      <a:fontRef idx="minor"/>
+    </dgm:style>
+  </dgm:styleLbl>
+  <dgm:styleLbl name="trAlignAcc1">
+    <dgm:scene3d>
+      <a:camera prst="orthographicFront"/>
+      <a:lightRig rig="threePt" dir="t"/>
+    </dgm:scene3d>
+    <dgm:sp3d/>
+    <dgm:txPr/>
+    <dgm:style>
+      <a:lnRef idx="1">
+        <a:scrgbClr r="0" g="0" b="0"/>
+      </a:lnRef>
+      <a:fillRef idx="1">
+        <a:scrgbClr r="0" g="0" b="0"/>
+      </a:fillRef>
+      <a:effectRef idx="0">
+        <a:scrgbClr r="0" g="0" b="0"/>
+      </a:effectRef>
+      <a:fontRef idx="minor"/>
+    </dgm:style>
+  </dgm:styleLbl>
+  <dgm:styleLbl name="bgAcc1">
+    <dgm:scene3d>
+      <a:camera prst="orthographicFront"/>
+      <a:lightRig rig="threePt" dir="t"/>
+    </dgm:scene3d>
+    <dgm:sp3d/>
+    <dgm:txPr/>
+    <dgm:style>
+      <a:lnRef idx="2">
+        <a:scrgbClr r="0" g="0" b="0"/>
+      </a:lnRef>
+      <a:fillRef idx="1">
+        <a:scrgbClr r="0" g="0" b="0"/>
+      </a:fillRef>
+      <a:effectRef idx="0">
+        <a:scrgbClr r="0" g="0" b="0"/>
+      </a:effectRef>
+      <a:fontRef idx="minor"/>
+    </dgm:style>
+  </dgm:styleLbl>
+  <dgm:styleLbl name="solidFgAcc1">
+    <dgm:scene3d>
+      <a:camera prst="orthographicFront"/>
+      <a:lightRig rig="threePt" dir="t"/>
+    </dgm:scene3d>
+    <dgm:sp3d/>
+    <dgm:txPr/>
+    <dgm:style>
+      <a:lnRef idx="2">
+        <a:scrgbClr r="0" g="0" b="0"/>
+      </a:lnRef>
+      <a:fillRef idx="1">
+        <a:scrgbClr r="0" g="0" b="0"/>
+      </a:fillRef>
+      <a:effectRef idx="0">
+        <a:scrgbClr r="0" g="0" b="0"/>
+      </a:effectRef>
+      <a:fontRef idx="minor"/>
+    </dgm:style>
+  </dgm:styleLbl>
+  <dgm:styleLbl name="solidAlignAcc1">
+    <dgm:scene3d>
+      <a:camera prst="orthographicFront"/>
+      <a:lightRig rig="threePt" dir="t"/>
+    </dgm:scene3d>
+    <dgm:sp3d/>
+    <dgm:txPr/>
+    <dgm:style>
+      <a:lnRef idx="2">
+        <a:scrgbClr r="0" g="0" b="0"/>
+      </a:lnRef>
+      <a:fillRef idx="1">
+        <a:scrgbClr r="0" g="0" b="0"/>
+      </a:fillRef>
+      <a:effectRef idx="0">
+        <a:scrgbClr r="0" g="0" b="0"/>
+      </a:effectRef>
+      <a:fontRef idx="minor"/>
+    </dgm:style>
+  </dgm:styleLbl>
+  <dgm:styleLbl name="solidBgAcc1">
+    <dgm:scene3d>
+      <a:camera prst="orthographicFront"/>
+      <a:lightRig rig="threePt" dir="t"/>
+    </dgm:scene3d>
+    <dgm:sp3d/>
+    <dgm:txPr/>
+    <dgm:style>
+      <a:lnRef idx="2">
+        <a:scrgbClr r="0" g="0" b="0"/>
+      </a:lnRef>
+      <a:fillRef idx="1">
+        <a:scrgbClr r="0" g="0" b="0"/>
+      </a:fillRef>
+      <a:effectRef idx="0">
+        <a:scrgbClr r="0" g="0" b="0"/>
+      </a:effectRef>
+      <a:fontRef idx="minor"/>
+    </dgm:style>
+  </dgm:styleLbl>
+  <dgm:styleLbl name="fgAccFollowNode1">
+    <dgm:scene3d>
+      <a:camera prst="orthographicFront"/>
+      <a:lightRig rig="threePt" dir="t"/>
+    </dgm:scene3d>
+    <dgm:sp3d/>
+    <dgm:txPr/>
+    <dgm:style>
+      <a:lnRef idx="2">
+        <a:scrgbClr r="0" g="0" b="0"/>
+      </a:lnRef>
+      <a:fillRef idx="1">
+        <a:scrgbClr r="0" g="0" b="0"/>
+      </a:fillRef>
+      <a:effectRef idx="0">
+        <a:scrgbClr r="0" g="0" b="0"/>
+      </a:effectRef>
+      <a:fontRef idx="minor"/>
+    </dgm:style>
+  </dgm:styleLbl>
+  <dgm:styleLbl name="alignAccFollowNode1">
+    <dgm:scene3d>
+      <a:camera prst="orthographicFront"/>
+      <a:lightRig rig="threePt" dir="t"/>
+    </dgm:scene3d>
+    <dgm:sp3d/>
+    <dgm:txPr/>
+    <dgm:style>
+      <a:lnRef idx="2">
+        <a:scrgbClr r="0" g="0" b="0"/>
+      </a:lnRef>
+      <a:fillRef idx="1">
+        <a:scrgbClr r="0" g="0" b="0"/>
+      </a:fillRef>
+      <a:effectRef idx="0">
+        <a:scrgbClr r="0" g="0" b="0"/>
+      </a:effectRef>
+      <a:fontRef idx="minor"/>
+    </dgm:style>
+  </dgm:styleLbl>
+  <dgm:styleLbl name="bgAccFollowNode1">
+    <dgm:scene3d>
+      <a:camera prst="orthographicFront"/>
+      <a:lightRig rig="threePt" dir="t"/>
+    </dgm:scene3d>
+    <dgm:sp3d/>
+    <dgm:txPr/>
+    <dgm:style>
+      <a:lnRef idx="2">
+        <a:scrgbClr r="0" g="0" b="0"/>
+      </a:lnRef>
+      <a:fillRef idx="1">
+        <a:scrgbClr r="0" g="0" b="0"/>
+      </a:fillRef>
+      <a:effectRef idx="0">
+        <a:scrgbClr r="0" g="0" b="0"/>
+      </a:effectRef>
+      <a:fontRef idx="minor"/>
+    </dgm:style>
+  </dgm:styleLbl>
+  <dgm:styleLbl name="fgAcc0">
+    <dgm:scene3d>
+      <a:camera prst="orthographicFront"/>
+      <a:lightRig rig="threePt" dir="t"/>
+    </dgm:scene3d>
+    <dgm:sp3d/>
+    <dgm:txPr/>
+    <dgm:style>
+      <a:lnRef idx="2">
+        <a:scrgbClr r="0" g="0" b="0"/>
+      </a:lnRef>
+      <a:fillRef idx="1">
+        <a:scrgbClr r="0" g="0" b="0"/>
+      </a:fillRef>
+      <a:effectRef idx="0">
+        <a:scrgbClr r="0" g="0" b="0"/>
+      </a:effectRef>
+      <a:fontRef idx="minor"/>
+    </dgm:style>
+  </dgm:styleLbl>
+  <dgm:styleLbl name="fgAcc2">
+    <dgm:scene3d>
+      <a:camera prst="orthographicFront"/>
+      <a:lightRig rig="threePt" dir="t"/>
+    </dgm:scene3d>
+    <dgm:sp3d/>
+    <dgm:txPr/>
+    <dgm:style>
+      <a:lnRef idx="2">
+        <a:scrgbClr r="0" g="0" b="0"/>
+      </a:lnRef>
+      <a:fillRef idx="1">
+        <a:scrgbClr r="0" g="0" b="0"/>
+      </a:fillRef>
+      <a:effectRef idx="0">
+        <a:scrgbClr r="0" g="0" b="0"/>
+      </a:effectRef>
+      <a:fontRef idx="minor"/>
+    </dgm:style>
+  </dgm:styleLbl>
+  <dgm:styleLbl name="fgAcc3">
+    <dgm:scene3d>
+      <a:camera prst="orthographicFront"/>
+      <a:lightRig rig="threePt" dir="t"/>
+    </dgm:scene3d>
+    <dgm:sp3d/>
+    <dgm:txPr/>
+    <dgm:style>
+      <a:lnRef idx="2">
+        <a:scrgbClr r="0" g="0" b="0"/>
+      </a:lnRef>
+      <a:fillRef idx="1">
+        <a:scrgbClr r="0" g="0" b="0"/>
+      </a:fillRef>
+      <a:effectRef idx="0">
+        <a:scrgbClr r="0" g="0" b="0"/>
+      </a:effectRef>
+      <a:fontRef idx="minor"/>
+    </dgm:style>
+  </dgm:styleLbl>
+  <dgm:styleLbl name="fgAcc4">
+    <dgm:scene3d>
+      <a:camera prst="orthographicFront"/>
+      <a:lightRig rig="threePt" dir="t"/>
+    </dgm:scene3d>
+    <dgm:sp3d/>
+    <dgm:txPr/>
+    <dgm:style>
+      <a:lnRef idx="2">
+        <a:scrgbClr r="0" g="0" b="0"/>
+      </a:lnRef>
+      <a:fillRef idx="1">
+        <a:scrgbClr r="0" g="0" b="0"/>
+      </a:fillRef>
+      <a:effectRef idx="0">
+        <a:scrgbClr r="0" g="0" b="0"/>
+      </a:effectRef>
+      <a:fontRef idx="minor"/>
+    </dgm:style>
+  </dgm:styleLbl>
+  <dgm:styleLbl name="bgShp">
+    <dgm:scene3d>
+      <a:camera prst="orthographicFront"/>
+      <a:lightRig rig="threePt" dir="t"/>
+    </dgm:scene3d>
+    <dgm:sp3d/>
+    <dgm:txPr/>
+    <dgm:style>
+      <a:lnRef idx="0">
+        <a:scrgbClr r="0" g="0" b="0"/>
+      </a:lnRef>
+      <a:fillRef idx="1">
+        <a:scrgbClr r="0" g="0" b="0"/>
+      </a:fillRef>
+      <a:effectRef idx="0">
+        <a:scrgbClr r="0" g="0" b="0"/>
+      </a:effectRef>
+      <a:fontRef idx="minor"/>
+    </dgm:style>
+  </dgm:styleLbl>
+  <dgm:styleLbl name="dkBgShp">
+    <dgm:scene3d>
+      <a:camera prst="orthographicFront"/>
+      <a:lightRig rig="threePt" dir="t"/>
+    </dgm:scene3d>
+    <dgm:sp3d/>
+    <dgm:txPr/>
+    <dgm:style>
+      <a:lnRef idx="0">
+        <a:scrgbClr r="0" g="0" b="0"/>
+      </a:lnRef>
+      <a:fillRef idx="1">
+        <a:scrgbClr r="0" g="0" b="0"/>
+      </a:fillRef>
+      <a:effectRef idx="0">
+        <a:scrgbClr r="0" g="0" b="0"/>
+      </a:effectRef>
+      <a:fontRef idx="minor"/>
+    </dgm:style>
+  </dgm:styleLbl>
+  <dgm:styleLbl name="trBgShp">
+    <dgm:scene3d>
+      <a:camera prst="orthographicFront"/>
+      <a:lightRig rig="threePt" dir="t"/>
+    </dgm:scene3d>
+    <dgm:sp3d/>
+    <dgm:txPr/>
+    <dgm:style>
+      <a:lnRef idx="0">
+        <a:scrgbClr r="0" g="0" b="0"/>
+      </a:lnRef>
+      <a:fillRef idx="1">
+        <a:scrgbClr r="0" g="0" b="0"/>
+      </a:fillRef>
+      <a:effectRef idx="0">
+        <a:scrgbClr r="0" g="0" b="0"/>
+      </a:effectRef>
+      <a:fontRef idx="minor"/>
+    </dgm:style>
+  </dgm:styleLbl>
+  <dgm:styleLbl name="fgShp">
+    <dgm:scene3d>
+      <a:camera prst="orthographicFront"/>
+      <a:lightRig rig="threePt" dir="t"/>
+    </dgm:scene3d>
+    <dgm:sp3d/>
+    <dgm:txPr/>
+    <dgm:style>
+      <a:lnRef idx="2">
+        <a:scrgbClr r="0" g="0" b="0"/>
+      </a:lnRef>
+      <a:fillRef idx="1">
+        <a:scrgbClr r="0" g="0" b="0"/>
+      </a:fillRef>
+      <a:effectRef idx="0">
+        <a:scrgbClr r="0" g="0" b="0"/>
+      </a:effectRef>
+      <a:fontRef idx="minor"/>
+    </dgm:style>
+  </dgm:styleLbl>
+  <dgm:styleLbl name="revTx">
+    <dgm:scene3d>
+      <a:camera prst="orthographicFront"/>
+      <a:lightRig rig="threePt" dir="t"/>
+    </dgm:scene3d>
+    <dgm:sp3d/>
+    <dgm:txPr/>
+    <dgm:style>
+      <a:lnRef idx="0">
+        <a:scrgbClr r="0" g="0" b="0"/>
+      </a:lnRef>
+      <a:fillRef idx="0">
+        <a:scrgbClr r="0" g="0" b="0"/>
+      </a:fillRef>
+      <a:effectRef idx="0">
+        <a:scrgbClr r="0" g="0" b="0"/>
+      </a:effectRef>
+      <a:fontRef idx="minor"/>
+    </dgm:style>
+  </dgm:styleLbl>
+</dgm:styleDef>
+</file>
+
+<file path=ppt/diagrams/quickStyle3.xml><?xml version="1.0" encoding="utf-8"?>
 <dgm:styleDef xmlns:dgm="http://schemas.openxmlformats.org/drawingml/2006/diagram" xmlns:a="http://schemas.openxmlformats.org/drawingml/2006/main" uniqueId="urn:microsoft.com/office/officeart/2005/8/quickstyle/simple3">
   <dgm:title val=""/>
   <dgm:desc val=""/>
@@ -10151,7 +18297,7 @@
 </dgm:styleDef>
 </file>
 
-<file path=ppt/diagrams/quickStyle2.xml><?xml version="1.0" encoding="utf-8"?>
+<file path=ppt/diagrams/quickStyle4.xml><?xml version="1.0" encoding="utf-8"?>
 <dgm:styleDef xmlns:dgm="http://schemas.openxmlformats.org/drawingml/2006/diagram" xmlns:a="http://schemas.openxmlformats.org/drawingml/2006/main" uniqueId="urn:microsoft.com/office/officeart/2005/8/quickstyle/3d3">
   <dgm:title val=""/>
   <dgm:desc val=""/>
@@ -11481,7 +19627,7 @@
 </dgm:styleDef>
 </file>
 
-<file path=ppt/diagrams/quickStyle3.xml><?xml version="1.0" encoding="utf-8"?>
+<file path=ppt/diagrams/quickStyle5.xml><?xml version="1.0" encoding="utf-8"?>
 <dgm:styleDef xmlns:dgm="http://schemas.openxmlformats.org/drawingml/2006/diagram" xmlns:a="http://schemas.openxmlformats.org/drawingml/2006/main" uniqueId="urn:microsoft.com/office/officeart/2005/8/quickstyle/simple1">
   <dgm:title val=""/>
   <dgm:desc val=""/>
@@ -13093,13 +21239,13 @@
   <p:clrMapOvr>
     <a:masterClrMapping/>
   </p:clrMapOvr>
-  <mc:AlternateContent xmlns:mc="http://schemas.openxmlformats.org/markup-compatibility/2006">
-    <mc:Choice xmlns:p14="http://schemas.microsoft.com/office/powerpoint/2010/main" Requires="p14">
+  <mc:AlternateContent xmlns:mc="http://schemas.openxmlformats.org/markup-compatibility/2006" xmlns:p14="http://schemas.microsoft.com/office/powerpoint/2010/main">
+    <mc:Choice Requires="p14">
       <p:transition spd="slow" p14:dur="1500">
         <p:split orient="vert"/>
       </p:transition>
     </mc:Choice>
-    <mc:Fallback>
+    <mc:Fallback xmlns="">
       <p:transition spd="slow">
         <p:split orient="vert"/>
       </p:transition>
@@ -13370,13 +21516,13 @@
   <p:clrMapOvr>
     <a:masterClrMapping/>
   </p:clrMapOvr>
-  <mc:AlternateContent xmlns:mc="http://schemas.openxmlformats.org/markup-compatibility/2006">
-    <mc:Choice xmlns:p14="http://schemas.microsoft.com/office/powerpoint/2010/main" Requires="p14">
+  <mc:AlternateContent xmlns:mc="http://schemas.openxmlformats.org/markup-compatibility/2006" xmlns:p14="http://schemas.microsoft.com/office/powerpoint/2010/main">
+    <mc:Choice Requires="p14">
       <p:transition spd="slow" p14:dur="1500">
         <p:split orient="vert"/>
       </p:transition>
     </mc:Choice>
-    <mc:Fallback>
+    <mc:Fallback xmlns="">
       <p:transition spd="slow">
         <p:split orient="vert"/>
       </p:transition>
@@ -13578,13 +21724,13 @@
   <p:clrMapOvr>
     <a:masterClrMapping/>
   </p:clrMapOvr>
-  <mc:AlternateContent xmlns:mc="http://schemas.openxmlformats.org/markup-compatibility/2006">
-    <mc:Choice xmlns:p14="http://schemas.microsoft.com/office/powerpoint/2010/main" Requires="p14">
+  <mc:AlternateContent xmlns:mc="http://schemas.openxmlformats.org/markup-compatibility/2006" xmlns:p14="http://schemas.microsoft.com/office/powerpoint/2010/main">
+    <mc:Choice Requires="p14">
       <p:transition spd="slow" p14:dur="1500">
         <p:split orient="vert"/>
       </p:transition>
     </mc:Choice>
-    <mc:Fallback>
+    <mc:Fallback xmlns="">
       <p:transition spd="slow">
         <p:split orient="vert"/>
       </p:transition>
@@ -14092,13 +22238,13 @@
   <p:clrMapOvr>
     <a:masterClrMapping/>
   </p:clrMapOvr>
-  <mc:AlternateContent xmlns:mc="http://schemas.openxmlformats.org/markup-compatibility/2006">
-    <mc:Choice xmlns:p14="http://schemas.microsoft.com/office/powerpoint/2010/main" Requires="p14">
+  <mc:AlternateContent xmlns:mc="http://schemas.openxmlformats.org/markup-compatibility/2006" xmlns:p14="http://schemas.microsoft.com/office/powerpoint/2010/main">
+    <mc:Choice Requires="p14">
       <p:transition spd="slow" p14:dur="1500">
         <p:split orient="vert"/>
       </p:transition>
     </mc:Choice>
-    <mc:Fallback>
+    <mc:Fallback xmlns="">
       <p:transition spd="slow">
         <p:split orient="vert"/>
       </p:transition>
@@ -14300,13 +22446,13 @@
   <p:clrMapOvr>
     <a:masterClrMapping/>
   </p:clrMapOvr>
-  <mc:AlternateContent xmlns:mc="http://schemas.openxmlformats.org/markup-compatibility/2006">
-    <mc:Choice xmlns:p14="http://schemas.microsoft.com/office/powerpoint/2010/main" Requires="p14">
+  <mc:AlternateContent xmlns:mc="http://schemas.openxmlformats.org/markup-compatibility/2006" xmlns:p14="http://schemas.microsoft.com/office/powerpoint/2010/main">
+    <mc:Choice Requires="p14">
       <p:transition spd="slow" p14:dur="1500">
         <p:split orient="vert"/>
       </p:transition>
     </mc:Choice>
-    <mc:Fallback>
+    <mc:Fallback xmlns="">
       <p:transition spd="slow">
         <p:split orient="vert"/>
       </p:transition>
@@ -14862,13 +23008,13 @@
   <p:clrMapOvr>
     <a:masterClrMapping/>
   </p:clrMapOvr>
-  <mc:AlternateContent xmlns:mc="http://schemas.openxmlformats.org/markup-compatibility/2006">
-    <mc:Choice xmlns:p14="http://schemas.microsoft.com/office/powerpoint/2010/main" Requires="p14">
+  <mc:AlternateContent xmlns:mc="http://schemas.openxmlformats.org/markup-compatibility/2006" xmlns:p14="http://schemas.microsoft.com/office/powerpoint/2010/main">
+    <mc:Choice Requires="p14">
       <p:transition spd="slow" p14:dur="1500">
         <p:split orient="vert"/>
       </p:transition>
     </mc:Choice>
-    <mc:Fallback>
+    <mc:Fallback xmlns="">
       <p:transition spd="slow">
         <p:split orient="vert"/>
       </p:transition>
@@ -15664,13 +23810,13 @@
   <p:clrMapOvr>
     <a:masterClrMapping/>
   </p:clrMapOvr>
-  <mc:AlternateContent xmlns:mc="http://schemas.openxmlformats.org/markup-compatibility/2006">
-    <mc:Choice xmlns:p14="http://schemas.microsoft.com/office/powerpoint/2010/main" Requires="p14">
+  <mc:AlternateContent xmlns:mc="http://schemas.openxmlformats.org/markup-compatibility/2006" xmlns:p14="http://schemas.microsoft.com/office/powerpoint/2010/main">
+    <mc:Choice Requires="p14">
       <p:transition spd="slow" p14:dur="1500">
         <p:split orient="vert"/>
       </p:transition>
     </mc:Choice>
-    <mc:Fallback>
+    <mc:Fallback xmlns="">
       <p:transition spd="slow">
         <p:split orient="vert"/>
       </p:transition>
@@ -15855,13 +24001,13 @@
   <p:clrMapOvr>
     <a:masterClrMapping/>
   </p:clrMapOvr>
-  <mc:AlternateContent xmlns:mc="http://schemas.openxmlformats.org/markup-compatibility/2006">
-    <mc:Choice xmlns:p14="http://schemas.microsoft.com/office/powerpoint/2010/main" Requires="p14">
+  <mc:AlternateContent xmlns:mc="http://schemas.openxmlformats.org/markup-compatibility/2006" xmlns:p14="http://schemas.microsoft.com/office/powerpoint/2010/main">
+    <mc:Choice Requires="p14">
       <p:transition spd="slow" p14:dur="1500">
         <p:split orient="vert"/>
       </p:transition>
     </mc:Choice>
-    <mc:Fallback>
+    <mc:Fallback xmlns="">
       <p:transition spd="slow">
         <p:split orient="vert"/>
       </p:transition>
@@ -16051,13 +24197,13 @@
   <p:clrMapOvr>
     <a:masterClrMapping/>
   </p:clrMapOvr>
-  <mc:AlternateContent xmlns:mc="http://schemas.openxmlformats.org/markup-compatibility/2006">
-    <mc:Choice xmlns:p14="http://schemas.microsoft.com/office/powerpoint/2010/main" Requires="p14">
+  <mc:AlternateContent xmlns:mc="http://schemas.openxmlformats.org/markup-compatibility/2006" xmlns:p14="http://schemas.microsoft.com/office/powerpoint/2010/main">
+    <mc:Choice Requires="p14">
       <p:transition spd="slow" p14:dur="1500">
         <p:split orient="vert"/>
       </p:transition>
     </mc:Choice>
-    <mc:Fallback>
+    <mc:Fallback xmlns="">
       <p:transition spd="slow">
         <p:split orient="vert"/>
       </p:transition>
@@ -16237,13 +24383,13 @@
   <p:clrMapOvr>
     <a:masterClrMapping/>
   </p:clrMapOvr>
-  <mc:AlternateContent xmlns:mc="http://schemas.openxmlformats.org/markup-compatibility/2006">
-    <mc:Choice xmlns:p14="http://schemas.microsoft.com/office/powerpoint/2010/main" Requires="p14">
+  <mc:AlternateContent xmlns:mc="http://schemas.openxmlformats.org/markup-compatibility/2006" xmlns:p14="http://schemas.microsoft.com/office/powerpoint/2010/main">
+    <mc:Choice Requires="p14">
       <p:transition spd="slow" p14:dur="1500">
         <p:split orient="vert"/>
       </p:transition>
     </mc:Choice>
-    <mc:Fallback>
+    <mc:Fallback xmlns="">
       <p:transition spd="slow">
         <p:split orient="vert"/>
       </p:transition>
@@ -16424,13 +24570,13 @@
   <p:clrMapOvr>
     <a:masterClrMapping/>
   </p:clrMapOvr>
-  <mc:AlternateContent xmlns:mc="http://schemas.openxmlformats.org/markup-compatibility/2006">
-    <mc:Choice xmlns:p14="http://schemas.microsoft.com/office/powerpoint/2010/main" Requires="p14">
+  <mc:AlternateContent xmlns:mc="http://schemas.openxmlformats.org/markup-compatibility/2006" xmlns:p14="http://schemas.microsoft.com/office/powerpoint/2010/main">
+    <mc:Choice Requires="p14">
       <p:transition spd="slow" p14:dur="1500">
         <p:split orient="vert"/>
       </p:transition>
     </mc:Choice>
-    <mc:Fallback>
+    <mc:Fallback xmlns="">
       <p:transition spd="slow">
         <p:split orient="vert"/>
       </p:transition>
@@ -16686,13 +24832,13 @@
   <p:clrMapOvr>
     <a:masterClrMapping/>
   </p:clrMapOvr>
-  <mc:AlternateContent xmlns:mc="http://schemas.openxmlformats.org/markup-compatibility/2006">
-    <mc:Choice xmlns:p14="http://schemas.microsoft.com/office/powerpoint/2010/main" Requires="p14">
+  <mc:AlternateContent xmlns:mc="http://schemas.openxmlformats.org/markup-compatibility/2006" xmlns:p14="http://schemas.microsoft.com/office/powerpoint/2010/main">
+    <mc:Choice Requires="p14">
       <p:transition spd="slow" p14:dur="1500">
         <p:split orient="vert"/>
       </p:transition>
     </mc:Choice>
-    <mc:Fallback>
+    <mc:Fallback xmlns="">
       <p:transition spd="slow">
         <p:split orient="vert"/>
       </p:transition>
@@ -16935,13 +25081,13 @@
   <p:clrMapOvr>
     <a:masterClrMapping/>
   </p:clrMapOvr>
-  <mc:AlternateContent xmlns:mc="http://schemas.openxmlformats.org/markup-compatibility/2006">
-    <mc:Choice xmlns:p14="http://schemas.microsoft.com/office/powerpoint/2010/main" Requires="p14">
+  <mc:AlternateContent xmlns:mc="http://schemas.openxmlformats.org/markup-compatibility/2006" xmlns:p14="http://schemas.microsoft.com/office/powerpoint/2010/main">
+    <mc:Choice Requires="p14">
       <p:transition spd="slow" p14:dur="1500">
         <p:split orient="vert"/>
       </p:transition>
     </mc:Choice>
-    <mc:Fallback>
+    <mc:Fallback xmlns="">
       <p:transition spd="slow">
         <p:split orient="vert"/>
       </p:transition>
@@ -17332,13 +25478,13 @@
   <p:clrMapOvr>
     <a:masterClrMapping/>
   </p:clrMapOvr>
-  <mc:AlternateContent xmlns:mc="http://schemas.openxmlformats.org/markup-compatibility/2006">
-    <mc:Choice xmlns:p14="http://schemas.microsoft.com/office/powerpoint/2010/main" Requires="p14">
+  <mc:AlternateContent xmlns:mc="http://schemas.openxmlformats.org/markup-compatibility/2006" xmlns:p14="http://schemas.microsoft.com/office/powerpoint/2010/main">
+    <mc:Choice Requires="p14">
       <p:transition spd="slow" p14:dur="1500">
         <p:split orient="vert"/>
       </p:transition>
     </mc:Choice>
-    <mc:Fallback>
+    <mc:Fallback xmlns="">
       <p:transition spd="slow">
         <p:split orient="vert"/>
       </p:transition>
@@ -17462,13 +25608,13 @@
   <p:clrMapOvr>
     <a:masterClrMapping/>
   </p:clrMapOvr>
-  <mc:AlternateContent xmlns:mc="http://schemas.openxmlformats.org/markup-compatibility/2006">
-    <mc:Choice xmlns:p14="http://schemas.microsoft.com/office/powerpoint/2010/main" Requires="p14">
+  <mc:AlternateContent xmlns:mc="http://schemas.openxmlformats.org/markup-compatibility/2006" xmlns:p14="http://schemas.microsoft.com/office/powerpoint/2010/main">
+    <mc:Choice Requires="p14">
       <p:transition spd="slow" p14:dur="1500">
         <p:split orient="vert"/>
       </p:transition>
     </mc:Choice>
-    <mc:Fallback>
+    <mc:Fallback xmlns="">
       <p:transition spd="slow">
         <p:split orient="vert"/>
       </p:transition>
@@ -17569,13 +25715,13 @@
   <p:clrMapOvr>
     <a:masterClrMapping/>
   </p:clrMapOvr>
-  <mc:AlternateContent xmlns:mc="http://schemas.openxmlformats.org/markup-compatibility/2006">
-    <mc:Choice xmlns:p14="http://schemas.microsoft.com/office/powerpoint/2010/main" Requires="p14">
+  <mc:AlternateContent xmlns:mc="http://schemas.openxmlformats.org/markup-compatibility/2006" xmlns:p14="http://schemas.microsoft.com/office/powerpoint/2010/main">
+    <mc:Choice Requires="p14">
       <p:transition spd="slow" p14:dur="1500">
         <p:split orient="vert"/>
       </p:transition>
     </mc:Choice>
-    <mc:Fallback>
+    <mc:Fallback xmlns="">
       <p:transition spd="slow">
         <p:split orient="vert"/>
       </p:transition>
@@ -17834,13 +25980,13 @@
   <p:clrMapOvr>
     <a:masterClrMapping/>
   </p:clrMapOvr>
-  <mc:AlternateContent xmlns:mc="http://schemas.openxmlformats.org/markup-compatibility/2006">
-    <mc:Choice xmlns:p14="http://schemas.microsoft.com/office/powerpoint/2010/main" Requires="p14">
+  <mc:AlternateContent xmlns:mc="http://schemas.openxmlformats.org/markup-compatibility/2006" xmlns:p14="http://schemas.microsoft.com/office/powerpoint/2010/main">
+    <mc:Choice Requires="p14">
       <p:transition spd="slow" p14:dur="1500">
         <p:split orient="vert"/>
       </p:transition>
     </mc:Choice>
-    <mc:Fallback>
+    <mc:Fallback xmlns="">
       <p:transition spd="slow">
         <p:split orient="vert"/>
       </p:transition>
@@ -18115,13 +26261,13 @@
   <p:clrMapOvr>
     <a:masterClrMapping/>
   </p:clrMapOvr>
-  <mc:AlternateContent xmlns:mc="http://schemas.openxmlformats.org/markup-compatibility/2006">
-    <mc:Choice xmlns:p14="http://schemas.microsoft.com/office/powerpoint/2010/main" Requires="p14">
+  <mc:AlternateContent xmlns:mc="http://schemas.openxmlformats.org/markup-compatibility/2006" xmlns:p14="http://schemas.microsoft.com/office/powerpoint/2010/main">
+    <mc:Choice Requires="p14">
       <p:transition spd="slow" p14:dur="1500">
         <p:split orient="vert"/>
       </p:transition>
     </mc:Choice>
-    <mc:Fallback>
+    <mc:Fallback xmlns="">
       <p:transition spd="slow">
         <p:split orient="vert"/>
       </p:transition>
@@ -18584,13 +26730,13 @@
     <p:sldLayoutId id="2147483691" r:id="rId17"/>
     <p:sldLayoutId id="2147483692" r:id="rId18"/>
   </p:sldLayoutIdLst>
-  <mc:AlternateContent xmlns:mc="http://schemas.openxmlformats.org/markup-compatibility/2006">
-    <mc:Choice xmlns:p14="http://schemas.microsoft.com/office/powerpoint/2010/main" Requires="p14">
+  <mc:AlternateContent xmlns:mc="http://schemas.openxmlformats.org/markup-compatibility/2006" xmlns:p14="http://schemas.microsoft.com/office/powerpoint/2010/main">
+    <mc:Choice Requires="p14">
       <p:transition spd="slow" p14:dur="1500">
         <p:split orient="vert"/>
       </p:transition>
     </mc:Choice>
-    <mc:Fallback>
+    <mc:Fallback xmlns="">
       <p:transition spd="slow">
         <p:split orient="vert"/>
       </p:transition>
@@ -19122,13 +27268,13 @@
   <p:clrMapOvr>
     <a:masterClrMapping/>
   </p:clrMapOvr>
-  <mc:AlternateContent xmlns:mc="http://schemas.openxmlformats.org/markup-compatibility/2006">
-    <mc:Choice xmlns:p15="http://schemas.microsoft.com/office/powerpoint/2012/main" Requires="p15">
+  <mc:AlternateContent xmlns:mc="http://schemas.openxmlformats.org/markup-compatibility/2006" xmlns:p15="http://schemas.microsoft.com/office/powerpoint/2012/main">
+    <mc:Choice Requires="p15">
       <p:transition xmlns:p14="http://schemas.microsoft.com/office/powerpoint/2010/main" spd="slow" p14:dur="2000">
         <p15:prstTrans prst="crush"/>
       </p:transition>
     </mc:Choice>
-    <mc:Fallback>
+    <mc:Fallback xmlns="">
       <p:transition spd="slow">
         <p:fade/>
       </p:transition>
@@ -19383,13 +27529,13 @@
   <p:clrMapOvr>
     <a:masterClrMapping/>
   </p:clrMapOvr>
-  <mc:AlternateContent xmlns:mc="http://schemas.openxmlformats.org/markup-compatibility/2006">
-    <mc:Choice xmlns:p15="http://schemas.microsoft.com/office/powerpoint/2012/main" Requires="p15">
+  <mc:AlternateContent xmlns:mc="http://schemas.openxmlformats.org/markup-compatibility/2006" xmlns:p15="http://schemas.microsoft.com/office/powerpoint/2012/main">
+    <mc:Choice Requires="p15">
       <p:transition xmlns:p14="http://schemas.microsoft.com/office/powerpoint/2010/main" spd="slow" p14:dur="2000">
         <p15:prstTrans prst="crush"/>
       </p:transition>
     </mc:Choice>
-    <mc:Fallback>
+    <mc:Fallback xmlns="">
       <p:transition spd="slow">
         <p:fade/>
       </p:transition>
@@ -19489,13 +27635,13 @@
   <p:clrMapOvr>
     <a:masterClrMapping/>
   </p:clrMapOvr>
-  <mc:AlternateContent xmlns:mc="http://schemas.openxmlformats.org/markup-compatibility/2006">
-    <mc:Choice xmlns:p15="http://schemas.microsoft.com/office/powerpoint/2012/main" Requires="p15">
+  <mc:AlternateContent xmlns:mc="http://schemas.openxmlformats.org/markup-compatibility/2006" xmlns:p15="http://schemas.microsoft.com/office/powerpoint/2012/main">
+    <mc:Choice Requires="p15">
       <p:transition xmlns:p14="http://schemas.microsoft.com/office/powerpoint/2010/main" spd="slow" p14:dur="2000">
         <p15:prstTrans prst="crush"/>
       </p:transition>
     </mc:Choice>
-    <mc:Fallback>
+    <mc:Fallback xmlns="">
       <p:transition spd="slow">
         <p:fade/>
       </p:transition>
@@ -19594,13 +27740,13 @@
   <p:clrMapOvr>
     <a:masterClrMapping/>
   </p:clrMapOvr>
-  <mc:AlternateContent xmlns:mc="http://schemas.openxmlformats.org/markup-compatibility/2006">
-    <mc:Choice xmlns:p15="http://schemas.microsoft.com/office/powerpoint/2012/main" Requires="p15">
+  <mc:AlternateContent xmlns:mc="http://schemas.openxmlformats.org/markup-compatibility/2006" xmlns:p15="http://schemas.microsoft.com/office/powerpoint/2012/main">
+    <mc:Choice Requires="p15">
       <p:transition xmlns:p14="http://schemas.microsoft.com/office/powerpoint/2010/main" spd="slow" p14:dur="2000">
         <p15:prstTrans prst="crush"/>
       </p:transition>
     </mc:Choice>
-    <mc:Fallback>
+    <mc:Fallback xmlns="">
       <p:transition spd="slow">
         <p:fade/>
       </p:transition>
@@ -19978,13 +28124,13 @@
   <p:clrMapOvr>
     <a:masterClrMapping/>
   </p:clrMapOvr>
-  <mc:AlternateContent xmlns:mc="http://schemas.openxmlformats.org/markup-compatibility/2006">
-    <mc:Choice xmlns:p15="http://schemas.microsoft.com/office/powerpoint/2012/main" Requires="p15">
+  <mc:AlternateContent xmlns:mc="http://schemas.openxmlformats.org/markup-compatibility/2006" xmlns:p15="http://schemas.microsoft.com/office/powerpoint/2012/main">
+    <mc:Choice Requires="p15">
       <p:transition xmlns:p14="http://schemas.microsoft.com/office/powerpoint/2010/main" spd="slow" p14:dur="2000">
         <p15:prstTrans prst="crush"/>
       </p:transition>
     </mc:Choice>
-    <mc:Fallback>
+    <mc:Fallback xmlns="">
       <p:transition spd="slow">
         <p:fade/>
       </p:transition>
@@ -20172,13 +28318,13 @@
   <p:clrMapOvr>
     <a:masterClrMapping/>
   </p:clrMapOvr>
-  <mc:AlternateContent xmlns:mc="http://schemas.openxmlformats.org/markup-compatibility/2006">
-    <mc:Choice xmlns:p15="http://schemas.microsoft.com/office/powerpoint/2012/main" Requires="p15">
+  <mc:AlternateContent xmlns:mc="http://schemas.openxmlformats.org/markup-compatibility/2006" xmlns:p15="http://schemas.microsoft.com/office/powerpoint/2012/main">
+    <mc:Choice Requires="p15">
       <p:transition xmlns:p14="http://schemas.microsoft.com/office/powerpoint/2010/main" spd="slow" p14:dur="2000">
         <p15:prstTrans prst="crush"/>
       </p:transition>
     </mc:Choice>
-    <mc:Fallback>
+    <mc:Fallback xmlns="">
       <p:transition spd="slow">
         <p:fade/>
       </p:transition>
@@ -20336,13 +28482,13 @@
   <p:clrMapOvr>
     <a:masterClrMapping/>
   </p:clrMapOvr>
-  <mc:AlternateContent xmlns:mc="http://schemas.openxmlformats.org/markup-compatibility/2006">
-    <mc:Choice xmlns:p15="http://schemas.microsoft.com/office/powerpoint/2012/main" Requires="p15">
+  <mc:AlternateContent xmlns:mc="http://schemas.openxmlformats.org/markup-compatibility/2006" xmlns:p15="http://schemas.microsoft.com/office/powerpoint/2012/main">
+    <mc:Choice Requires="p15">
       <p:transition xmlns:p14="http://schemas.microsoft.com/office/powerpoint/2010/main" spd="slow" p14:dur="2000">
         <p15:prstTrans prst="crush"/>
       </p:transition>
     </mc:Choice>
-    <mc:Fallback>
+    <mc:Fallback xmlns="">
       <p:transition spd="slow">
         <p:fade/>
       </p:transition>
@@ -20475,13 +28621,13 @@
   <p:clrMapOvr>
     <a:masterClrMapping/>
   </p:clrMapOvr>
-  <mc:AlternateContent xmlns:mc="http://schemas.openxmlformats.org/markup-compatibility/2006">
-    <mc:Choice xmlns:p15="http://schemas.microsoft.com/office/powerpoint/2012/main" Requires="p15">
+  <mc:AlternateContent xmlns:mc="http://schemas.openxmlformats.org/markup-compatibility/2006" xmlns:p15="http://schemas.microsoft.com/office/powerpoint/2012/main">
+    <mc:Choice Requires="p15">
       <p:transition xmlns:p14="http://schemas.microsoft.com/office/powerpoint/2010/main" spd="slow" p14:dur="2000">
         <p15:prstTrans prst="crush"/>
       </p:transition>
     </mc:Choice>
-    <mc:Fallback>
+    <mc:Fallback xmlns="">
       <p:transition spd="slow">
         <p:fade/>
       </p:transition>
@@ -20618,13 +28764,13 @@
   <p:clrMapOvr>
     <a:masterClrMapping/>
   </p:clrMapOvr>
-  <mc:AlternateContent xmlns:mc="http://schemas.openxmlformats.org/markup-compatibility/2006">
-    <mc:Choice xmlns:p15="http://schemas.microsoft.com/office/powerpoint/2012/main" Requires="p15">
+  <mc:AlternateContent xmlns:mc="http://schemas.openxmlformats.org/markup-compatibility/2006" xmlns:p15="http://schemas.microsoft.com/office/powerpoint/2012/main">
+    <mc:Choice Requires="p15">
       <p:transition xmlns:p14="http://schemas.microsoft.com/office/powerpoint/2010/main" spd="slow" p14:dur="2000">
         <p15:prstTrans prst="crush"/>
       </p:transition>
     </mc:Choice>
-    <mc:Fallback>
+    <mc:Fallback xmlns="">
       <p:transition spd="slow">
         <p:fade/>
       </p:transition>
@@ -20695,13 +28841,13 @@
   <p:clrMapOvr>
     <a:masterClrMapping/>
   </p:clrMapOvr>
-  <mc:AlternateContent xmlns:mc="http://schemas.openxmlformats.org/markup-compatibility/2006">
-    <mc:Choice xmlns:p15="http://schemas.microsoft.com/office/powerpoint/2012/main" Requires="p15">
+  <mc:AlternateContent xmlns:mc="http://schemas.openxmlformats.org/markup-compatibility/2006" xmlns:p15="http://schemas.microsoft.com/office/powerpoint/2012/main">
+    <mc:Choice Requires="p15">
       <p:transition xmlns:p14="http://schemas.microsoft.com/office/powerpoint/2010/main" spd="slow" p14:dur="2000">
         <p15:prstTrans prst="crush"/>
       </p:transition>
     </mc:Choice>
-    <mc:Fallback>
+    <mc:Fallback xmlns="">
       <p:transition spd="slow">
         <p:fade/>
       </p:transition>
@@ -20828,13 +28974,13 @@
   <p:clrMapOvr>
     <a:masterClrMapping/>
   </p:clrMapOvr>
-  <mc:AlternateContent xmlns:mc="http://schemas.openxmlformats.org/markup-compatibility/2006">
-    <mc:Choice xmlns:p15="http://schemas.microsoft.com/office/powerpoint/2012/main" Requires="p15">
+  <mc:AlternateContent xmlns:mc="http://schemas.openxmlformats.org/markup-compatibility/2006" xmlns:p15="http://schemas.microsoft.com/office/powerpoint/2012/main">
+    <mc:Choice Requires="p15">
       <p:transition xmlns:p14="http://schemas.microsoft.com/office/powerpoint/2010/main" spd="slow" p14:dur="2000">
         <p15:prstTrans prst="crush"/>
       </p:transition>
     </mc:Choice>
-    <mc:Fallback>
+    <mc:Fallback xmlns="">
       <p:transition spd="slow">
         <p:fade/>
       </p:transition>
@@ -21019,13 +29165,13 @@
   <p:clrMapOvr>
     <a:masterClrMapping/>
   </p:clrMapOvr>
-  <mc:AlternateContent xmlns:mc="http://schemas.openxmlformats.org/markup-compatibility/2006">
-    <mc:Choice xmlns:p15="http://schemas.microsoft.com/office/powerpoint/2012/main" Requires="p15">
+  <mc:AlternateContent xmlns:mc="http://schemas.openxmlformats.org/markup-compatibility/2006" xmlns:p15="http://schemas.microsoft.com/office/powerpoint/2012/main">
+    <mc:Choice Requires="p15">
       <p:transition xmlns:p14="http://schemas.microsoft.com/office/powerpoint/2010/main" spd="slow" p14:dur="2000">
         <p15:prstTrans prst="crush"/>
       </p:transition>
     </mc:Choice>
-    <mc:Fallback>
+    <mc:Fallback xmlns="">
       <p:transition spd="slow">
         <p:fade/>
       </p:transition>
@@ -22112,13 +30258,13 @@
   <p:clrMapOvr>
     <a:masterClrMapping/>
   </p:clrMapOvr>
-  <mc:AlternateContent xmlns:mc="http://schemas.openxmlformats.org/markup-compatibility/2006">
-    <mc:Choice xmlns:p15="http://schemas.microsoft.com/office/powerpoint/2012/main" Requires="p15">
+  <mc:AlternateContent xmlns:mc="http://schemas.openxmlformats.org/markup-compatibility/2006" xmlns:p15="http://schemas.microsoft.com/office/powerpoint/2012/main">
+    <mc:Choice Requires="p15">
       <p:transition xmlns:p14="http://schemas.microsoft.com/office/powerpoint/2010/main" spd="slow" p14:dur="2000">
         <p15:prstTrans prst="crush"/>
       </p:transition>
     </mc:Choice>
-    <mc:Fallback>
+    <mc:Fallback xmlns="">
       <p:transition spd="slow">
         <p:fade/>
       </p:transition>
@@ -22392,13 +30538,13 @@
   <p:clrMapOvr>
     <a:masterClrMapping/>
   </p:clrMapOvr>
-  <mc:AlternateContent xmlns:mc="http://schemas.openxmlformats.org/markup-compatibility/2006">
-    <mc:Choice xmlns:p15="http://schemas.microsoft.com/office/powerpoint/2012/main" Requires="p15">
+  <mc:AlternateContent xmlns:mc="http://schemas.openxmlformats.org/markup-compatibility/2006" xmlns:p15="http://schemas.microsoft.com/office/powerpoint/2012/main">
+    <mc:Choice Requires="p15">
       <p:transition xmlns:p14="http://schemas.microsoft.com/office/powerpoint/2010/main" spd="slow" p14:dur="2000">
         <p15:prstTrans prst="crush"/>
       </p:transition>
     </mc:Choice>
-    <mc:Fallback>
+    <mc:Fallback xmlns="">
       <p:transition spd="slow">
         <p:fade/>
       </p:transition>
@@ -22447,16 +30593,42 @@
           <a:lstStyle/>
           <a:p>
             <a:r>
-              <a:rPr lang="en-US" dirty="0">
+              <a:rPr lang="en-US" dirty="0" smtClean="0">
                 <a:solidFill>
                   <a:schemeClr val="tx1"/>
                 </a:solidFill>
               </a:rPr>
-              <a:t>Requirements now</a:t>
+              <a:t>Requirements</a:t>
             </a:r>
+            <a:endParaRPr lang="en-US" dirty="0">
+              <a:solidFill>
+                <a:schemeClr val="tx1"/>
+              </a:solidFill>
+            </a:endParaRPr>
           </a:p>
         </p:txBody>
       </p:sp>
+      <p:graphicFrame>
+        <p:nvGraphicFramePr>
+          <p:cNvPr id="6" name="Content Placeholder 5"/>
+          <p:cNvGraphicFramePr>
+            <a:graphicFrameLocks noGrp="1"/>
+          </p:cNvGraphicFramePr>
+          <p:nvPr>
+            <p:ph sz="quarter" idx="13"/>
+            <p:extLst/>
+          </p:nvPr>
+        </p:nvGraphicFramePr>
+        <p:xfrm>
+          <a:off x="685800" y="1162595"/>
+          <a:ext cx="10394707" cy="4560914"/>
+        </p:xfrm>
+        <a:graphic>
+          <a:graphicData uri="http://schemas.openxmlformats.org/drawingml/2006/diagram">
+            <dgm:relIds xmlns:dgm="http://schemas.openxmlformats.org/drawingml/2006/diagram" xmlns:r="http://schemas.openxmlformats.org/officeDocument/2006/relationships" r:dm="rId2" r:lo="rId3" r:qs="rId4" r:cs="rId5"/>
+          </a:graphicData>
+        </a:graphic>
+      </p:graphicFrame>
       <p:sp>
         <p:nvSpPr>
           <p:cNvPr id="4" name="Content Placeholder 2"/>
@@ -22476,7 +30648,7 @@
         </p:spPr>
         <p:txBody>
           <a:bodyPr vert="horz" lIns="91440" tIns="45720" rIns="91440" bIns="45720" rtlCol="0" anchor="ctr">
-            <a:normAutofit fontScale="92500" lnSpcReduction="10000"/>
+            <a:normAutofit/>
           </a:bodyPr>
           <a:lstStyle>
             <a:lvl1pPr marL="228600" indent="-228600" algn="l" defTabSz="914400" rtl="0" eaLnBrk="1" latinLnBrk="0" hangingPunct="1">
@@ -22692,67 +30864,6 @@
               <a:buFont typeface="Arial" panose="020B0604020202020204" pitchFamily="34" charset="0"/>
               <a:buNone/>
             </a:pPr>
-            <a:r>
-              <a:rPr lang="en-US" sz="2400" b="1" dirty="0">
-                <a:latin typeface="Times New Roman" panose="02020603050405020304" pitchFamily="18" charset="0"/>
-                <a:cs typeface="Times New Roman" panose="02020603050405020304" pitchFamily="18" charset="0"/>
-              </a:rPr>
-              <a:t>Instructor</a:t>
-            </a:r>
-          </a:p>
-          <a:p>
-            <a:r>
-              <a:rPr lang="en-US" sz="2400" dirty="0">
-                <a:latin typeface="Times New Roman" panose="02020603050405020304" pitchFamily="18" charset="0"/>
-                <a:cs typeface="Times New Roman" panose="02020603050405020304" pitchFamily="18" charset="0"/>
-              </a:rPr>
-              <a:t>Stand-alone application.</a:t>
-            </a:r>
-          </a:p>
-          <a:p>
-            <a:r>
-              <a:rPr lang="en-US" sz="2400" dirty="0">
-                <a:latin typeface="Times New Roman" panose="02020603050405020304" pitchFamily="18" charset="0"/>
-                <a:cs typeface="Times New Roman" panose="02020603050405020304" pitchFamily="18" charset="0"/>
-              </a:rPr>
-              <a:t>Authentication.</a:t>
-            </a:r>
-          </a:p>
-          <a:p>
-            <a:r>
-              <a:rPr lang="en-US" sz="2400" dirty="0">
-                <a:latin typeface="Times New Roman" panose="02020603050405020304" pitchFamily="18" charset="0"/>
-                <a:cs typeface="Times New Roman" panose="02020603050405020304" pitchFamily="18" charset="0"/>
-              </a:rPr>
-              <a:t>QR code Generation.</a:t>
-            </a:r>
-          </a:p>
-          <a:p>
-            <a:r>
-              <a:rPr lang="en-US" sz="2400" dirty="0">
-                <a:latin typeface="Times New Roman" panose="02020603050405020304" pitchFamily="18" charset="0"/>
-                <a:cs typeface="Times New Roman" panose="02020603050405020304" pitchFamily="18" charset="0"/>
-              </a:rPr>
-              <a:t>QR code Display.</a:t>
-            </a:r>
-          </a:p>
-          <a:p>
-            <a:r>
-              <a:rPr lang="en-US" sz="2400" dirty="0">
-                <a:latin typeface="Times New Roman" panose="02020603050405020304" pitchFamily="18" charset="0"/>
-                <a:cs typeface="Times New Roman" panose="02020603050405020304" pitchFamily="18" charset="0"/>
-              </a:rPr>
-              <a:t>Manage the students attendance.</a:t>
-            </a:r>
-          </a:p>
-          <a:p>
-            <a:r>
-              <a:rPr lang="en-US" sz="2400" dirty="0">
-                <a:latin typeface="Times New Roman" panose="02020603050405020304" pitchFamily="18" charset="0"/>
-                <a:cs typeface="Times New Roman" panose="02020603050405020304" pitchFamily="18" charset="0"/>
-              </a:rPr>
-              <a:t>Appropriate Feedback</a:t>
-            </a:r>
             <a:endParaRPr lang="en-US" dirty="0"/>
           </a:p>
         </p:txBody>
@@ -22776,7 +30887,7 @@
         </p:spPr>
         <p:txBody>
           <a:bodyPr>
-            <a:normAutofit fontScale="92500" lnSpcReduction="20000"/>
+            <a:normAutofit/>
           </a:bodyPr>
           <a:lstStyle>
             <a:lvl1pPr marL="228600" indent="-228600" algn="l" defTabSz="914400" rtl="0" eaLnBrk="1" latinLnBrk="0" hangingPunct="1">
@@ -22992,88 +31103,6 @@
               <a:buFont typeface="Arial" panose="020B0604020202020204" pitchFamily="34" charset="0"/>
               <a:buNone/>
             </a:pPr>
-            <a:r>
-              <a:rPr lang="en-US" sz="2400" b="1" dirty="0">
-                <a:solidFill>
-                  <a:srgbClr val="3C4743"/>
-                </a:solidFill>
-                <a:latin typeface="Times New Roman" panose="02020603050405020304" pitchFamily="18" charset="0"/>
-                <a:cs typeface="Times New Roman" panose="02020603050405020304" pitchFamily="18" charset="0"/>
-              </a:rPr>
-              <a:t>Instructor</a:t>
-            </a:r>
-          </a:p>
-          <a:p>
-            <a:r>
-              <a:rPr lang="en-US" sz="2400" dirty="0">
-                <a:solidFill>
-                  <a:srgbClr val="3C4743"/>
-                </a:solidFill>
-                <a:latin typeface="Times New Roman" panose="02020603050405020304" pitchFamily="18" charset="0"/>
-                <a:cs typeface="Times New Roman" panose="02020603050405020304" pitchFamily="18" charset="0"/>
-              </a:rPr>
-              <a:t>Web application using JavaScript and node JS.</a:t>
-            </a:r>
-          </a:p>
-          <a:p>
-            <a:r>
-              <a:rPr lang="en-US" sz="2400" dirty="0">
-                <a:solidFill>
-                  <a:srgbClr val="3C4743"/>
-                </a:solidFill>
-                <a:latin typeface="Times New Roman" panose="02020603050405020304" pitchFamily="18" charset="0"/>
-                <a:cs typeface="Times New Roman" panose="02020603050405020304" pitchFamily="18" charset="0"/>
-              </a:rPr>
-              <a:t>Authentication.</a:t>
-            </a:r>
-          </a:p>
-          <a:p>
-            <a:r>
-              <a:rPr lang="en-US" sz="2400" dirty="0">
-                <a:solidFill>
-                  <a:srgbClr val="3C4743"/>
-                </a:solidFill>
-                <a:latin typeface="Times New Roman" panose="02020603050405020304" pitchFamily="18" charset="0"/>
-                <a:cs typeface="Times New Roman" panose="02020603050405020304" pitchFamily="18" charset="0"/>
-              </a:rPr>
-              <a:t>QR code Generation.</a:t>
-            </a:r>
-          </a:p>
-          <a:p>
-            <a:r>
-              <a:rPr lang="en-US" sz="2400" dirty="0">
-                <a:solidFill>
-                  <a:srgbClr val="3C4743"/>
-                </a:solidFill>
-                <a:latin typeface="Times New Roman" panose="02020603050405020304" pitchFamily="18" charset="0"/>
-                <a:cs typeface="Times New Roman" panose="02020603050405020304" pitchFamily="18" charset="0"/>
-              </a:rPr>
-              <a:t>QR code Display.</a:t>
-            </a:r>
-          </a:p>
-          <a:p>
-            <a:r>
-              <a:rPr lang="en-US" sz="2400" dirty="0">
-                <a:solidFill>
-                  <a:srgbClr val="3C4743"/>
-                </a:solidFill>
-                <a:latin typeface="Times New Roman" panose="02020603050405020304" pitchFamily="18" charset="0"/>
-                <a:cs typeface="Times New Roman" panose="02020603050405020304" pitchFamily="18" charset="0"/>
-              </a:rPr>
-              <a:t>Manage the students attendance.</a:t>
-            </a:r>
-          </a:p>
-          <a:p>
-            <a:r>
-              <a:rPr lang="en-US" sz="2400" dirty="0">
-                <a:solidFill>
-                  <a:srgbClr val="3C4743"/>
-                </a:solidFill>
-                <a:latin typeface="Times New Roman" panose="02020603050405020304" pitchFamily="18" charset="0"/>
-                <a:cs typeface="Times New Roman" panose="02020603050405020304" pitchFamily="18" charset="0"/>
-              </a:rPr>
-              <a:t>Appropriate Feedback</a:t>
-            </a:r>
             <a:endParaRPr lang="en-US" dirty="0">
               <a:solidFill>
                 <a:srgbClr val="3C4743"/>
@@ -23085,21 +31114,21 @@
     </p:spTree>
     <p:extLst>
       <p:ext uri="{BB962C8B-B14F-4D97-AF65-F5344CB8AC3E}">
-        <p14:creationId xmlns:p14="http://schemas.microsoft.com/office/powerpoint/2010/main" val="1371814473"/>
+        <p14:creationId xmlns:p14="http://schemas.microsoft.com/office/powerpoint/2010/main" val="750043443"/>
       </p:ext>
     </p:extLst>
   </p:cSld>
   <p:clrMapOvr>
     <a:masterClrMapping/>
   </p:clrMapOvr>
-  <mc:AlternateContent xmlns:mc="http://schemas.openxmlformats.org/markup-compatibility/2006">
-    <mc:Choice xmlns:p15="http://schemas.microsoft.com/office/powerpoint/2012/main" Requires="p15">
-      <p:transition xmlns:p14="http://schemas.microsoft.com/office/powerpoint/2010/main" spd="slow" p14:dur="2000">
-        <p15:prstTrans prst="crush"/>
+  <mc:AlternateContent xmlns:mc="http://schemas.openxmlformats.org/markup-compatibility/2006" xmlns:p14="http://schemas.microsoft.com/office/powerpoint/2010/main">
+    <mc:Choice Requires="p14">
+      <p:transition spd="med" p14:dur="700">
+        <p:fade/>
       </p:transition>
     </mc:Choice>
-    <mc:Fallback>
-      <p:transition spd="slow">
+    <mc:Fallback xmlns="">
+      <p:transition spd="med">
         <p:fade/>
       </p:transition>
     </mc:Fallback>
@@ -23107,126 +31136,9 @@
   <p:timing>
     <p:tnLst>
       <p:par>
-        <p:cTn id="1" dur="indefinite" restart="never" nodeType="tmRoot">
-          <p:childTnLst>
-            <p:seq concurrent="1" nextAc="seek">
-              <p:cTn id="2" dur="indefinite" nodeType="mainSeq">
-                <p:childTnLst>
-                  <p:par>
-                    <p:cTn id="3" fill="hold">
-                      <p:stCondLst>
-                        <p:cond delay="indefinite"/>
-                      </p:stCondLst>
-                      <p:childTnLst>
-                        <p:par>
-                          <p:cTn id="4" fill="hold">
-                            <p:stCondLst>
-                              <p:cond delay="0"/>
-                            </p:stCondLst>
-                            <p:childTnLst>
-                              <p:par>
-                                <p:cTn id="5" presetID="1" presetClass="entr" presetSubtype="0" fill="hold" grpId="0" nodeType="clickEffect">
-                                  <p:stCondLst>
-                                    <p:cond delay="0"/>
-                                  </p:stCondLst>
-                                  <p:childTnLst>
-                                    <p:set>
-                                      <p:cBhvr>
-                                        <p:cTn id="6" dur="1" fill="hold">
-                                          <p:stCondLst>
-                                            <p:cond delay="0"/>
-                                          </p:stCondLst>
-                                        </p:cTn>
-                                        <p:tgtEl>
-                                          <p:spTgt spid="4"/>
-                                        </p:tgtEl>
-                                        <p:attrNameLst>
-                                          <p:attrName>style.visibility</p:attrName>
-                                        </p:attrNameLst>
-                                      </p:cBhvr>
-                                      <p:to>
-                                        <p:strVal val="visible"/>
-                                      </p:to>
-                                    </p:set>
-                                  </p:childTnLst>
-                                </p:cTn>
-                              </p:par>
-                            </p:childTnLst>
-                          </p:cTn>
-                        </p:par>
-                      </p:childTnLst>
-                    </p:cTn>
-                  </p:par>
-                  <p:par>
-                    <p:cTn id="7" fill="hold">
-                      <p:stCondLst>
-                        <p:cond delay="indefinite"/>
-                      </p:stCondLst>
-                      <p:childTnLst>
-                        <p:par>
-                          <p:cTn id="8" fill="hold">
-                            <p:stCondLst>
-                              <p:cond delay="0"/>
-                            </p:stCondLst>
-                            <p:childTnLst>
-                              <p:par>
-                                <p:cTn id="9" presetID="1" presetClass="entr" presetSubtype="0" fill="hold" grpId="0" nodeType="clickEffect">
-                                  <p:stCondLst>
-                                    <p:cond delay="0"/>
-                                  </p:stCondLst>
-                                  <p:childTnLst>
-                                    <p:set>
-                                      <p:cBhvr>
-                                        <p:cTn id="10" dur="1" fill="hold">
-                                          <p:stCondLst>
-                                            <p:cond delay="0"/>
-                                          </p:stCondLst>
-                                        </p:cTn>
-                                        <p:tgtEl>
-                                          <p:spTgt spid="5"/>
-                                        </p:tgtEl>
-                                        <p:attrNameLst>
-                                          <p:attrName>style.visibility</p:attrName>
-                                        </p:attrNameLst>
-                                      </p:cBhvr>
-                                      <p:to>
-                                        <p:strVal val="visible"/>
-                                      </p:to>
-                                    </p:set>
-                                  </p:childTnLst>
-                                </p:cTn>
-                              </p:par>
-                            </p:childTnLst>
-                          </p:cTn>
-                        </p:par>
-                      </p:childTnLst>
-                    </p:cTn>
-                  </p:par>
-                </p:childTnLst>
-              </p:cTn>
-              <p:prevCondLst>
-                <p:cond evt="onPrev" delay="0">
-                  <p:tgtEl>
-                    <p:sldTgt/>
-                  </p:tgtEl>
-                </p:cond>
-              </p:prevCondLst>
-              <p:nextCondLst>
-                <p:cond evt="onNext" delay="0">
-                  <p:tgtEl>
-                    <p:sldTgt/>
-                  </p:tgtEl>
-                </p:cond>
-              </p:nextCondLst>
-            </p:seq>
-          </p:childTnLst>
-        </p:cTn>
+        <p:cTn id="1" dur="indefinite" restart="never" nodeType="tmRoot"/>
       </p:par>
     </p:tnLst>
-    <p:bldLst>
-      <p:bldP spid="4" grpId="0"/>
-      <p:bldP spid="5" grpId="0"/>
-    </p:bldLst>
   </p:timing>
 </p:sld>
 </file>
@@ -23264,17 +31176,38 @@
           <a:lstStyle/>
           <a:p>
             <a:r>
-              <a:rPr lang="en-US" dirty="0">
+              <a:rPr lang="en-US" dirty="0" smtClean="0">
                 <a:solidFill>
                   <a:schemeClr val="tx1"/>
                 </a:solidFill>
               </a:rPr>
-              <a:t>Requirements now</a:t>
+              <a:t>Requirements</a:t>
             </a:r>
             <a:endParaRPr lang="en-US" dirty="0"/>
           </a:p>
         </p:txBody>
       </p:sp>
+      <p:graphicFrame>
+        <p:nvGraphicFramePr>
+          <p:cNvPr id="8" name="Content Placeholder 7"/>
+          <p:cNvGraphicFramePr>
+            <a:graphicFrameLocks noGrp="1"/>
+          </p:cNvGraphicFramePr>
+          <p:nvPr>
+            <p:ph sz="quarter" idx="13"/>
+            <p:extLst/>
+          </p:nvPr>
+        </p:nvGraphicFramePr>
+        <p:xfrm>
+          <a:off x="685800" y="2063396"/>
+          <a:ext cx="10394707" cy="3311189"/>
+        </p:xfrm>
+        <a:graphic>
+          <a:graphicData uri="http://schemas.openxmlformats.org/drawingml/2006/diagram">
+            <dgm:relIds xmlns:dgm="http://schemas.openxmlformats.org/drawingml/2006/diagram" xmlns:r="http://schemas.openxmlformats.org/officeDocument/2006/relationships" r:dm="rId2" r:lo="rId3" r:qs="rId4" r:cs="rId5"/>
+          </a:graphicData>
+        </a:graphic>
+      </p:graphicFrame>
       <p:sp>
         <p:nvSpPr>
           <p:cNvPr id="4" name="Content Placeholder 3"/>
@@ -23285,8 +31218,8 @@
         </p:nvSpPr>
         <p:spPr>
           <a:xfrm>
-            <a:off x="6088797" y="1837765"/>
-            <a:ext cx="4493424" cy="3986784"/>
+            <a:off x="1332411" y="1837765"/>
+            <a:ext cx="9249810" cy="3986784"/>
           </a:xfrm>
           <a:prstGeom prst="rect">
             <a:avLst/>
@@ -23294,7 +31227,7 @@
         </p:spPr>
         <p:txBody>
           <a:bodyPr>
-            <a:normAutofit lnSpcReduction="10000"/>
+            <a:normAutofit/>
           </a:bodyPr>
           <a:lstStyle>
             <a:lvl1pPr marL="228600" indent="-228600" algn="l" defTabSz="914400" rtl="0" eaLnBrk="1" latinLnBrk="0" hangingPunct="1">
@@ -23510,71 +31443,10 @@
               <a:buFont typeface="Arial" panose="020B0604020202020204" pitchFamily="34" charset="0"/>
               <a:buNone/>
             </a:pPr>
-            <a:r>
-              <a:rPr lang="en-US" sz="2200" b="1" dirty="0">
-                <a:latin typeface="Times New Roman" panose="02020603050405020304" pitchFamily="18" charset="0"/>
-                <a:cs typeface="Times New Roman" panose="02020603050405020304" pitchFamily="18" charset="0"/>
-              </a:rPr>
-              <a:t>Student</a:t>
-            </a:r>
-          </a:p>
-          <a:p>
-            <a:r>
-              <a:rPr lang="en-US" sz="2200" dirty="0">
-                <a:latin typeface="Times New Roman" panose="02020603050405020304" pitchFamily="18" charset="0"/>
-                <a:cs typeface="Times New Roman" panose="02020603050405020304" pitchFamily="18" charset="0"/>
-              </a:rPr>
-              <a:t>iOS application – tabbed.</a:t>
-            </a:r>
-          </a:p>
-          <a:p>
-            <a:r>
-              <a:rPr lang="en-US" sz="2200" dirty="0">
-                <a:latin typeface="Times New Roman" panose="02020603050405020304" pitchFamily="18" charset="0"/>
-                <a:cs typeface="Times New Roman" panose="02020603050405020304" pitchFamily="18" charset="0"/>
-              </a:rPr>
-              <a:t>Persistent Login</a:t>
-            </a:r>
-          </a:p>
-          <a:p>
-            <a:r>
-              <a:rPr lang="en-US" sz="2200" dirty="0">
-                <a:latin typeface="Times New Roman" panose="02020603050405020304" pitchFamily="18" charset="0"/>
-                <a:cs typeface="Times New Roman" panose="02020603050405020304" pitchFamily="18" charset="0"/>
-              </a:rPr>
-              <a:t>Scan QR</a:t>
-            </a:r>
-          </a:p>
-          <a:p>
-            <a:r>
-              <a:rPr lang="en-US" dirty="0">
-                <a:latin typeface="Times New Roman" panose="02020603050405020304" pitchFamily="18" charset="0"/>
-                <a:cs typeface="Times New Roman" panose="02020603050405020304" pitchFamily="18" charset="0"/>
-              </a:rPr>
-              <a:t>View courses registered</a:t>
-            </a:r>
             <a:endParaRPr lang="en-US" sz="2200" dirty="0">
               <a:latin typeface="Times New Roman" panose="02020603050405020304" pitchFamily="18" charset="0"/>
               <a:cs typeface="Times New Roman" panose="02020603050405020304" pitchFamily="18" charset="0"/>
             </a:endParaRPr>
-          </a:p>
-          <a:p>
-            <a:r>
-              <a:rPr lang="en-US" sz="2200" dirty="0">
-                <a:latin typeface="Times New Roman" panose="02020603050405020304" pitchFamily="18" charset="0"/>
-                <a:cs typeface="Times New Roman" panose="02020603050405020304" pitchFamily="18" charset="0"/>
-              </a:rPr>
-              <a:t>View attendance percentage</a:t>
-            </a:r>
-          </a:p>
-          <a:p>
-            <a:r>
-              <a:rPr lang="en-US" sz="2200" dirty="0">
-                <a:latin typeface="Times New Roman" panose="02020603050405020304" pitchFamily="18" charset="0"/>
-                <a:cs typeface="Times New Roman" panose="02020603050405020304" pitchFamily="18" charset="0"/>
-              </a:rPr>
-              <a:t>Appropriate Feedback</a:t>
-            </a:r>
           </a:p>
         </p:txBody>
       </p:sp>
@@ -23597,7 +31469,7 @@
         </p:spPr>
         <p:txBody>
           <a:bodyPr vert="horz" lIns="91440" tIns="45720" rIns="91440" bIns="45720" rtlCol="0" anchor="ctr">
-            <a:normAutofit fontScale="92500" lnSpcReduction="10000"/>
+            <a:normAutofit/>
           </a:bodyPr>
           <a:lstStyle>
             <a:lvl1pPr marL="228600" indent="-228600" algn="l" defTabSz="914400" rtl="0" eaLnBrk="1" latinLnBrk="0" hangingPunct="1">
@@ -23813,215 +31685,41 @@
               <a:buFont typeface="Arial" panose="020B0604020202020204" pitchFamily="34" charset="0"/>
               <a:buNone/>
             </a:pPr>
-            <a:r>
-              <a:rPr lang="en-US" sz="2400" b="1" dirty="0">
-                <a:latin typeface="Times New Roman" panose="02020603050405020304" pitchFamily="18" charset="0"/>
-                <a:cs typeface="Times New Roman" panose="02020603050405020304" pitchFamily="18" charset="0"/>
-              </a:rPr>
-              <a:t>Student</a:t>
-            </a:r>
-          </a:p>
-          <a:p>
-            <a:r>
-              <a:rPr lang="en-US" sz="2400" dirty="0">
-                <a:latin typeface="Times New Roman" panose="02020603050405020304" pitchFamily="18" charset="0"/>
-                <a:cs typeface="Times New Roman" panose="02020603050405020304" pitchFamily="18" charset="0"/>
-              </a:rPr>
-              <a:t>iOS application.</a:t>
-            </a:r>
-          </a:p>
-          <a:p>
-            <a:r>
-              <a:rPr lang="en-US" sz="2400" dirty="0">
-                <a:latin typeface="Times New Roman" panose="02020603050405020304" pitchFamily="18" charset="0"/>
-                <a:cs typeface="Times New Roman" panose="02020603050405020304" pitchFamily="18" charset="0"/>
-              </a:rPr>
-              <a:t>Persistent Login</a:t>
-            </a:r>
-          </a:p>
-          <a:p>
-            <a:r>
-              <a:rPr lang="en-US" sz="2400" dirty="0">
-                <a:latin typeface="Times New Roman" panose="02020603050405020304" pitchFamily="18" charset="0"/>
-                <a:cs typeface="Times New Roman" panose="02020603050405020304" pitchFamily="18" charset="0"/>
-              </a:rPr>
-              <a:t>Scan and Capture QR</a:t>
-            </a:r>
-          </a:p>
-          <a:p>
-            <a:r>
-              <a:rPr lang="en-US" sz="2400" dirty="0">
-                <a:latin typeface="Times New Roman" panose="02020603050405020304" pitchFamily="18" charset="0"/>
-                <a:cs typeface="Times New Roman" panose="02020603050405020304" pitchFamily="18" charset="0"/>
-              </a:rPr>
-              <a:t>View courses registered</a:t>
-            </a:r>
-          </a:p>
-          <a:p>
-            <a:r>
-              <a:rPr lang="en-US" sz="2400" dirty="0">
-                <a:latin typeface="Times New Roman" panose="02020603050405020304" pitchFamily="18" charset="0"/>
-                <a:cs typeface="Times New Roman" panose="02020603050405020304" pitchFamily="18" charset="0"/>
-              </a:rPr>
-              <a:t>View attendance percentage</a:t>
-            </a:r>
-          </a:p>
-          <a:p>
-            <a:r>
-              <a:rPr lang="en-US" sz="2400" dirty="0">
-                <a:latin typeface="Times New Roman" panose="02020603050405020304" pitchFamily="18" charset="0"/>
-                <a:cs typeface="Times New Roman" panose="02020603050405020304" pitchFamily="18" charset="0"/>
-              </a:rPr>
-              <a:t>Appropriate Feedback</a:t>
-            </a:r>
+            <a:endParaRPr lang="en-US" sz="2400" dirty="0">
+              <a:latin typeface="Times New Roman" panose="02020603050405020304" pitchFamily="18" charset="0"/>
+              <a:cs typeface="Times New Roman" panose="02020603050405020304" pitchFamily="18" charset="0"/>
+            </a:endParaRPr>
           </a:p>
         </p:txBody>
       </p:sp>
     </p:spTree>
     <p:extLst>
       <p:ext uri="{BB962C8B-B14F-4D97-AF65-F5344CB8AC3E}">
-        <p14:creationId xmlns:p14="http://schemas.microsoft.com/office/powerpoint/2010/main" val="1728391287"/>
+        <p14:creationId xmlns:p14="http://schemas.microsoft.com/office/powerpoint/2010/main" val="3802060073"/>
       </p:ext>
     </p:extLst>
   </p:cSld>
   <p:clrMapOvr>
     <a:masterClrMapping/>
   </p:clrMapOvr>
-  <mc:AlternateContent xmlns:mc="http://schemas.openxmlformats.org/markup-compatibility/2006">
-    <mc:Choice xmlns:p15="http://schemas.microsoft.com/office/powerpoint/2012/main" Requires="p15">
-      <p:transition xmlns:p14="http://schemas.microsoft.com/office/powerpoint/2010/main" spd="slow" p14:dur="2000">
-        <p15:prstTrans prst="crush"/>
+  <mc:AlternateContent xmlns:mc="http://schemas.openxmlformats.org/markup-compatibility/2006" xmlns:p14="http://schemas.microsoft.com/office/powerpoint/2010/main">
+    <mc:Choice Requires="p14">
+      <p:transition spd="slow" p14:dur="1500">
+        <p:split orient="vert"/>
       </p:transition>
     </mc:Choice>
-    <mc:Fallback>
+    <mc:Fallback xmlns="">
       <p:transition spd="slow">
-        <p:fade/>
+        <p:split orient="vert"/>
       </p:transition>
     </mc:Fallback>
   </mc:AlternateContent>
   <p:timing>
     <p:tnLst>
       <p:par>
-        <p:cTn id="1" dur="indefinite" restart="never" nodeType="tmRoot">
-          <p:childTnLst>
-            <p:seq concurrent="1" nextAc="seek">
-              <p:cTn id="2" dur="indefinite" nodeType="mainSeq">
-                <p:childTnLst>
-                  <p:par>
-                    <p:cTn id="3" fill="hold">
-                      <p:stCondLst>
-                        <p:cond delay="indefinite"/>
-                      </p:stCondLst>
-                      <p:childTnLst>
-                        <p:par>
-                          <p:cTn id="4" fill="hold">
-                            <p:stCondLst>
-                              <p:cond delay="0"/>
-                            </p:stCondLst>
-                            <p:childTnLst>
-                              <p:par>
-                                <p:cTn id="5" presetID="1" presetClass="entr" presetSubtype="0" fill="hold" grpId="0" nodeType="clickEffect">
-                                  <p:stCondLst>
-                                    <p:cond delay="0"/>
-                                  </p:stCondLst>
-                                  <p:childTnLst>
-                                    <p:set>
-                                      <p:cBhvr>
-                                        <p:cTn id="6" dur="1" fill="hold">
-                                          <p:stCondLst>
-                                            <p:cond delay="0"/>
-                                          </p:stCondLst>
-                                        </p:cTn>
-                                        <p:tgtEl>
-                                          <p:spTgt spid="5"/>
-                                        </p:tgtEl>
-                                        <p:attrNameLst>
-                                          <p:attrName>style.visibility</p:attrName>
-                                        </p:attrNameLst>
-                                      </p:cBhvr>
-                                      <p:to>
-                                        <p:strVal val="visible"/>
-                                      </p:to>
-                                    </p:set>
-                                  </p:childTnLst>
-                                </p:cTn>
-                              </p:par>
-                            </p:childTnLst>
-                          </p:cTn>
-                        </p:par>
-                      </p:childTnLst>
-                    </p:cTn>
-                  </p:par>
-                  <p:par>
-                    <p:cTn id="7" fill="hold">
-                      <p:stCondLst>
-                        <p:cond delay="indefinite"/>
-                      </p:stCondLst>
-                      <p:childTnLst>
-                        <p:par>
-                          <p:cTn id="8" fill="hold">
-                            <p:stCondLst>
-                              <p:cond delay="0"/>
-                            </p:stCondLst>
-                            <p:childTnLst>
-                              <p:par>
-                                <p:cTn id="9" presetID="1" presetClass="entr" presetSubtype="0" fill="hold" grpId="0" nodeType="clickEffect">
-                                  <p:stCondLst>
-                                    <p:cond delay="0"/>
-                                  </p:stCondLst>
-                                  <p:childTnLst>
-                                    <p:set>
-                                      <p:cBhvr>
-                                        <p:cTn id="10" dur="1" fill="hold">
-                                          <p:stCondLst>
-                                            <p:cond delay="0"/>
-                                          </p:stCondLst>
-                                        </p:cTn>
-                                        <p:tgtEl>
-                                          <p:spTgt spid="4"/>
-                                        </p:tgtEl>
-                                        <p:attrNameLst>
-                                          <p:attrName>style.visibility</p:attrName>
-                                        </p:attrNameLst>
-                                      </p:cBhvr>
-                                      <p:to>
-                                        <p:strVal val="visible"/>
-                                      </p:to>
-                                    </p:set>
-                                  </p:childTnLst>
-                                </p:cTn>
-                              </p:par>
-                            </p:childTnLst>
-                          </p:cTn>
-                        </p:par>
-                      </p:childTnLst>
-                    </p:cTn>
-                  </p:par>
-                </p:childTnLst>
-              </p:cTn>
-              <p:prevCondLst>
-                <p:cond evt="onPrev" delay="0">
-                  <p:tgtEl>
-                    <p:sldTgt/>
-                  </p:tgtEl>
-                </p:cond>
-              </p:prevCondLst>
-              <p:nextCondLst>
-                <p:cond evt="onNext" delay="0">
-                  <p:tgtEl>
-                    <p:sldTgt/>
-                  </p:tgtEl>
-                </p:cond>
-              </p:nextCondLst>
-            </p:seq>
-          </p:childTnLst>
-        </p:cTn>
+        <p:cTn id="1" dur="indefinite" restart="never" nodeType="tmRoot"/>
       </p:par>
     </p:tnLst>
-    <p:bldLst>
-      <p:bldP spid="4" grpId="0"/>
-      <p:bldP spid="5" grpId="0"/>
-    </p:bldLst>
   </p:timing>
 </p:sld>
 </file>
@@ -24258,13 +31956,13 @@
   <p:clrMapOvr>
     <a:masterClrMapping/>
   </p:clrMapOvr>
-  <mc:AlternateContent xmlns:mc="http://schemas.openxmlformats.org/markup-compatibility/2006">
-    <mc:Choice xmlns:p15="http://schemas.microsoft.com/office/powerpoint/2012/main" Requires="p15">
+  <mc:AlternateContent xmlns:mc="http://schemas.openxmlformats.org/markup-compatibility/2006" xmlns:p15="http://schemas.microsoft.com/office/powerpoint/2012/main">
+    <mc:Choice Requires="p15">
       <p:transition xmlns:p14="http://schemas.microsoft.com/office/powerpoint/2010/main" spd="slow" p14:dur="2000">
         <p15:prstTrans prst="crush"/>
       </p:transition>
     </mc:Choice>
-    <mc:Fallback>
+    <mc:Fallback xmlns="">
       <p:transition spd="slow">
         <p:fade/>
       </p:transition>
@@ -25188,13 +32886,13 @@
   <p:clrMapOvr>
     <a:masterClrMapping/>
   </p:clrMapOvr>
-  <mc:AlternateContent xmlns:mc="http://schemas.openxmlformats.org/markup-compatibility/2006">
-    <mc:Choice xmlns:p15="http://schemas.microsoft.com/office/powerpoint/2012/main" Requires="p15">
+  <mc:AlternateContent xmlns:mc="http://schemas.openxmlformats.org/markup-compatibility/2006" xmlns:p15="http://schemas.microsoft.com/office/powerpoint/2012/main">
+    <mc:Choice Requires="p15">
       <p:transition xmlns:p14="http://schemas.microsoft.com/office/powerpoint/2010/main" spd="slow" p14:dur="2000">
         <p15:prstTrans prst="crush"/>
       </p:transition>
     </mc:Choice>
-    <mc:Fallback>
+    <mc:Fallback xmlns="">
       <p:transition spd="slow">
         <p:fade/>
       </p:transition>
@@ -25509,13 +33207,13 @@
   <p:clrMapOvr>
     <a:masterClrMapping/>
   </p:clrMapOvr>
-  <mc:AlternateContent xmlns:mc="http://schemas.openxmlformats.org/markup-compatibility/2006">
-    <mc:Choice xmlns:p15="http://schemas.microsoft.com/office/powerpoint/2012/main" Requires="p15">
+  <mc:AlternateContent xmlns:mc="http://schemas.openxmlformats.org/markup-compatibility/2006" xmlns:p15="http://schemas.microsoft.com/office/powerpoint/2012/main">
+    <mc:Choice Requires="p15">
       <p:transition xmlns:p14="http://schemas.microsoft.com/office/powerpoint/2010/main" spd="slow" p14:dur="2000">
         <p15:prstTrans prst="crush"/>
       </p:transition>
     </mc:Choice>
-    <mc:Fallback>
+    <mc:Fallback xmlns="">
       <p:transition spd="slow">
         <p:fade/>
       </p:transition>

--- a/final ppt.pptx
+++ b/final ppt.pptx
@@ -12,18 +12,21 @@
     <p:sldId id="280" r:id="rId6"/>
     <p:sldId id="281" r:id="rId7"/>
     <p:sldId id="276" r:id="rId8"/>
-    <p:sldId id="265" r:id="rId9"/>
-    <p:sldId id="262" r:id="rId10"/>
-    <p:sldId id="263" r:id="rId11"/>
-    <p:sldId id="264" r:id="rId12"/>
-    <p:sldId id="266" r:id="rId13"/>
-    <p:sldId id="270" r:id="rId14"/>
-    <p:sldId id="277" r:id="rId15"/>
-    <p:sldId id="272" r:id="rId16"/>
-    <p:sldId id="274" r:id="rId17"/>
-    <p:sldId id="271" r:id="rId18"/>
-    <p:sldId id="279" r:id="rId19"/>
-    <p:sldId id="278" r:id="rId20"/>
+    <p:sldId id="283" r:id="rId9"/>
+    <p:sldId id="284" r:id="rId10"/>
+    <p:sldId id="285" r:id="rId11"/>
+    <p:sldId id="286" r:id="rId12"/>
+    <p:sldId id="262" r:id="rId13"/>
+    <p:sldId id="263" r:id="rId14"/>
+    <p:sldId id="264" r:id="rId15"/>
+    <p:sldId id="266" r:id="rId16"/>
+    <p:sldId id="270" r:id="rId17"/>
+    <p:sldId id="277" r:id="rId18"/>
+    <p:sldId id="272" r:id="rId19"/>
+    <p:sldId id="274" r:id="rId20"/>
+    <p:sldId id="271" r:id="rId21"/>
+    <p:sldId id="279" r:id="rId22"/>
+    <p:sldId id="278" r:id="rId23"/>
   </p:sldIdLst>
   <p:sldSz cx="12192000" cy="6858000"/>
   <p:notesSz cx="6858000" cy="9144000"/>
@@ -130,8 +133,60 @@
 </p:presentation>
 </file>
 
-<file path=ppt/revisionInfo.xml><?xml version="1.0" encoding="utf-8"?>
-<p1510:revInfo xmlns:a="http://schemas.openxmlformats.org/drawingml/2006/main" xmlns:r="http://schemas.openxmlformats.org/officeDocument/2006/relationships" xmlns:p1510="http://schemas.microsoft.com/office/powerpoint/2015/10/main"/>
+<file path=ppt/changesInfos/changesInfo1.xml><?xml version="1.0" encoding="utf-8"?>
+<pc:chgInfo xmlns:a="http://schemas.openxmlformats.org/drawingml/2006/main" xmlns:r="http://schemas.openxmlformats.org/officeDocument/2006/relationships" xmlns:ac="http://schemas.microsoft.com/office/drawing/2013/main/command" xmlns:pc="http://schemas.microsoft.com/office/powerpoint/2013/main/command">
+  <pc:docChgLst>
+    <pc:chgData name="sairam mamidala" userId="cf7cf36425af92fb" providerId="LiveId" clId="{A5D5C375-FFD8-4508-B28D-09BBC5420074}"/>
+    <pc:docChg chg="addSld delSld modSld">
+      <pc:chgData name="sairam mamidala" userId="cf7cf36425af92fb" providerId="LiveId" clId="{A5D5C375-FFD8-4508-B28D-09BBC5420074}" dt="2017-11-16T04:51:12.735" v="3" actId="2696"/>
+      <pc:docMkLst>
+        <pc:docMk/>
+      </pc:docMkLst>
+      <pc:sldChg chg="del">
+        <pc:chgData name="sairam mamidala" userId="cf7cf36425af92fb" providerId="LiveId" clId="{A5D5C375-FFD8-4508-B28D-09BBC5420074}" dt="2017-11-16T04:50:43.411" v="0" actId="2696"/>
+        <pc:sldMkLst>
+          <pc:docMk/>
+          <pc:sldMk cId="342273863" sldId="265"/>
+        </pc:sldMkLst>
+      </pc:sldChg>
+      <pc:sldChg chg="add del">
+        <pc:chgData name="sairam mamidala" userId="cf7cf36425af92fb" providerId="LiveId" clId="{A5D5C375-FFD8-4508-B28D-09BBC5420074}" dt="2017-11-16T04:51:12.735" v="3" actId="2696"/>
+        <pc:sldMkLst>
+          <pc:docMk/>
+          <pc:sldMk cId="3090700823" sldId="282"/>
+        </pc:sldMkLst>
+      </pc:sldChg>
+      <pc:sldChg chg="add">
+        <pc:chgData name="sairam mamidala" userId="cf7cf36425af92fb" providerId="LiveId" clId="{A5D5C375-FFD8-4508-B28D-09BBC5420074}" dt="2017-11-16T04:51:03.554" v="2"/>
+        <pc:sldMkLst>
+          <pc:docMk/>
+          <pc:sldMk cId="342273863" sldId="283"/>
+        </pc:sldMkLst>
+      </pc:sldChg>
+      <pc:sldChg chg="add">
+        <pc:chgData name="sairam mamidala" userId="cf7cf36425af92fb" providerId="LiveId" clId="{A5D5C375-FFD8-4508-B28D-09BBC5420074}" dt="2017-11-16T04:51:03.554" v="2"/>
+        <pc:sldMkLst>
+          <pc:docMk/>
+          <pc:sldMk cId="1956302574" sldId="284"/>
+        </pc:sldMkLst>
+      </pc:sldChg>
+      <pc:sldChg chg="add">
+        <pc:chgData name="sairam mamidala" userId="cf7cf36425af92fb" providerId="LiveId" clId="{A5D5C375-FFD8-4508-B28D-09BBC5420074}" dt="2017-11-16T04:51:03.554" v="2"/>
+        <pc:sldMkLst>
+          <pc:docMk/>
+          <pc:sldMk cId="3886514236" sldId="285"/>
+        </pc:sldMkLst>
+      </pc:sldChg>
+      <pc:sldChg chg="add">
+        <pc:chgData name="sairam mamidala" userId="cf7cf36425af92fb" providerId="LiveId" clId="{A5D5C375-FFD8-4508-B28D-09BBC5420074}" dt="2017-11-16T04:51:03.554" v="2"/>
+        <pc:sldMkLst>
+          <pc:docMk/>
+          <pc:sldMk cId="422075450" sldId="286"/>
+        </pc:sldMkLst>
+      </pc:sldChg>
+    </pc:docChg>
+  </pc:docChgLst>
+</pc:chgInfo>
 </file>
 
 <file path=ppt/diagrams/colors1.xml><?xml version="1.0" encoding="utf-8"?>
@@ -3892,7 +3947,7 @@
         <a:p>
           <a:pPr rtl="0"/>
           <a:r>
-            <a:rPr lang="en-US" b="1" baseline="0" dirty="0" smtClean="0"/>
+            <a:rPr lang="en-US" b="1" baseline="0" dirty="0"/>
             <a:t>Instructor (Before)</a:t>
           </a:r>
           <a:endParaRPr lang="en-US" dirty="0"/>
@@ -3930,7 +3985,7 @@
         <a:p>
           <a:pPr rtl="0"/>
           <a:r>
-            <a:rPr lang="en-US" baseline="0" smtClean="0"/>
+            <a:rPr lang="en-US" baseline="0"/>
             <a:t>Stand-alone application.</a:t>
           </a:r>
           <a:endParaRPr lang="en-US"/>
@@ -3968,7 +4023,7 @@
         <a:p>
           <a:pPr rtl="0"/>
           <a:r>
-            <a:rPr lang="en-US" baseline="0" smtClean="0"/>
+            <a:rPr lang="en-US" baseline="0"/>
             <a:t>Authentication.</a:t>
           </a:r>
           <a:endParaRPr lang="en-US"/>
@@ -4006,7 +4061,7 @@
         <a:p>
           <a:pPr rtl="0"/>
           <a:r>
-            <a:rPr lang="en-US" baseline="0" smtClean="0"/>
+            <a:rPr lang="en-US" baseline="0"/>
             <a:t>QR code Generation.</a:t>
           </a:r>
           <a:endParaRPr lang="en-US"/>
@@ -4044,7 +4099,7 @@
         <a:p>
           <a:pPr rtl="0"/>
           <a:r>
-            <a:rPr lang="en-US" baseline="0" smtClean="0"/>
+            <a:rPr lang="en-US" baseline="0"/>
             <a:t>QR code Display.</a:t>
           </a:r>
           <a:endParaRPr lang="en-US"/>
@@ -4082,7 +4137,7 @@
         <a:p>
           <a:pPr rtl="0"/>
           <a:r>
-            <a:rPr lang="en-US" baseline="0" smtClean="0"/>
+            <a:rPr lang="en-US" baseline="0"/>
             <a:t>Manage the students attendance.</a:t>
           </a:r>
           <a:endParaRPr lang="en-US"/>
@@ -4120,7 +4175,7 @@
         <a:p>
           <a:pPr rtl="0"/>
           <a:r>
-            <a:rPr lang="en-US" baseline="0" smtClean="0"/>
+            <a:rPr lang="en-US" baseline="0"/>
             <a:t>Appropriate Feedback</a:t>
           </a:r>
           <a:endParaRPr lang="en-US"/>
@@ -4158,7 +4213,7 @@
         <a:p>
           <a:pPr rtl="0"/>
           <a:r>
-            <a:rPr lang="en-US" b="1" baseline="0" dirty="0" smtClean="0"/>
+            <a:rPr lang="en-US" b="1" baseline="0" dirty="0"/>
             <a:t>Instructor(Now)</a:t>
           </a:r>
           <a:endParaRPr lang="en-US" dirty="0"/>
@@ -4196,7 +4251,7 @@
         <a:p>
           <a:pPr rtl="0"/>
           <a:r>
-            <a:rPr lang="en-US" baseline="0" smtClean="0"/>
+            <a:rPr lang="en-US" baseline="0"/>
             <a:t>Web application using JavaScript and node JS.</a:t>
           </a:r>
           <a:endParaRPr lang="en-US"/>
@@ -4234,7 +4289,7 @@
         <a:p>
           <a:pPr rtl="0"/>
           <a:r>
-            <a:rPr lang="en-US" baseline="0" smtClean="0"/>
+            <a:rPr lang="en-US" baseline="0"/>
             <a:t>Authentication.</a:t>
           </a:r>
           <a:endParaRPr lang="en-US"/>
@@ -4272,7 +4327,7 @@
         <a:p>
           <a:pPr rtl="0"/>
           <a:r>
-            <a:rPr lang="en-US" baseline="0" smtClean="0"/>
+            <a:rPr lang="en-US" baseline="0"/>
             <a:t>QR code Generation.</a:t>
           </a:r>
           <a:endParaRPr lang="en-US"/>
@@ -4310,7 +4365,7 @@
         <a:p>
           <a:pPr rtl="0"/>
           <a:r>
-            <a:rPr lang="en-US" baseline="0" smtClean="0"/>
+            <a:rPr lang="en-US" baseline="0"/>
             <a:t>QR code Display.</a:t>
           </a:r>
           <a:endParaRPr lang="en-US"/>
@@ -4348,7 +4403,7 @@
         <a:p>
           <a:pPr rtl="0"/>
           <a:r>
-            <a:rPr lang="en-US" baseline="0" smtClean="0"/>
+            <a:rPr lang="en-US" baseline="0"/>
             <a:t>Manage the students attendance.</a:t>
           </a:r>
           <a:endParaRPr lang="en-US"/>
@@ -4386,7 +4441,7 @@
         <a:p>
           <a:pPr rtl="0"/>
           <a:r>
-            <a:rPr lang="en-US" baseline="0" smtClean="0"/>
+            <a:rPr lang="en-US" baseline="0"/>
             <a:t>Appropriate Feedback</a:t>
           </a:r>
           <a:endParaRPr lang="en-US"/>
@@ -4425,13 +4480,6 @@
         </dgm:presLayoutVars>
       </dgm:prSet>
       <dgm:spPr/>
-      <dgm:t>
-        <a:bodyPr/>
-        <a:lstStyle/>
-        <a:p>
-          <a:endParaRPr lang="en-US"/>
-        </a:p>
-      </dgm:t>
     </dgm:pt>
     <dgm:pt modelId="{144BC6F2-0B73-49AC-AC02-AAF3E83C24EB}" type="pres">
       <dgm:prSet presAssocID="{549ACBF8-7430-46D9-8339-874950FB366A}" presName="horFlow" presStyleCnt="0"/>
@@ -4440,13 +4488,6 @@
     <dgm:pt modelId="{8897FB83-C378-44D3-B544-CCCA50E493FA}" type="pres">
       <dgm:prSet presAssocID="{549ACBF8-7430-46D9-8339-874950FB366A}" presName="bigChev" presStyleLbl="node1" presStyleIdx="0" presStyleCnt="2"/>
       <dgm:spPr/>
-      <dgm:t>
-        <a:bodyPr/>
-        <a:lstStyle/>
-        <a:p>
-          <a:endParaRPr lang="en-US"/>
-        </a:p>
-      </dgm:t>
     </dgm:pt>
     <dgm:pt modelId="{25215EDD-48C1-4736-A8BD-0063033D24E7}" type="pres">
       <dgm:prSet presAssocID="{C58778CF-5D33-43C0-96C4-1AAE055E3806}" presName="parTrans" presStyleCnt="0"/>
@@ -4459,13 +4500,6 @@
         </dgm:presLayoutVars>
       </dgm:prSet>
       <dgm:spPr/>
-      <dgm:t>
-        <a:bodyPr/>
-        <a:lstStyle/>
-        <a:p>
-          <a:endParaRPr lang="en-US"/>
-        </a:p>
-      </dgm:t>
     </dgm:pt>
     <dgm:pt modelId="{67FE1027-490E-47D7-BD72-E18CE82F33AD}" type="pres">
       <dgm:prSet presAssocID="{B9AE3E08-7401-40CF-BDE9-FDEE4A8DCB93}" presName="sibTrans" presStyleCnt="0"/>
@@ -4478,13 +4512,6 @@
         </dgm:presLayoutVars>
       </dgm:prSet>
       <dgm:spPr/>
-      <dgm:t>
-        <a:bodyPr/>
-        <a:lstStyle/>
-        <a:p>
-          <a:endParaRPr lang="en-US"/>
-        </a:p>
-      </dgm:t>
     </dgm:pt>
     <dgm:pt modelId="{DA7C4B11-2C5A-4FC8-A903-F716E01932FB}" type="pres">
       <dgm:prSet presAssocID="{D9CCF4A3-B52A-43D1-9DCD-6DD1861A3B49}" presName="sibTrans" presStyleCnt="0"/>
@@ -4497,13 +4524,6 @@
         </dgm:presLayoutVars>
       </dgm:prSet>
       <dgm:spPr/>
-      <dgm:t>
-        <a:bodyPr/>
-        <a:lstStyle/>
-        <a:p>
-          <a:endParaRPr lang="en-US"/>
-        </a:p>
-      </dgm:t>
     </dgm:pt>
     <dgm:pt modelId="{13BFB0C2-96F0-4800-A5B8-CC59DBCC2583}" type="pres">
       <dgm:prSet presAssocID="{657EF155-E704-41B9-8E16-2C9B05F162EF}" presName="sibTrans" presStyleCnt="0"/>
@@ -4516,13 +4536,6 @@
         </dgm:presLayoutVars>
       </dgm:prSet>
       <dgm:spPr/>
-      <dgm:t>
-        <a:bodyPr/>
-        <a:lstStyle/>
-        <a:p>
-          <a:endParaRPr lang="en-US"/>
-        </a:p>
-      </dgm:t>
     </dgm:pt>
     <dgm:pt modelId="{E038DDDF-AFB6-4D89-AA91-A29EC8E0BFC5}" type="pres">
       <dgm:prSet presAssocID="{50B78A94-15AC-4F2F-BD07-128463FB03D5}" presName="sibTrans" presStyleCnt="0"/>
@@ -4535,13 +4548,6 @@
         </dgm:presLayoutVars>
       </dgm:prSet>
       <dgm:spPr/>
-      <dgm:t>
-        <a:bodyPr/>
-        <a:lstStyle/>
-        <a:p>
-          <a:endParaRPr lang="en-US"/>
-        </a:p>
-      </dgm:t>
     </dgm:pt>
     <dgm:pt modelId="{6EFDB8A9-DBD3-436E-925C-019364F1399B}" type="pres">
       <dgm:prSet presAssocID="{0E766B73-2495-4B97-943D-F917B7F53DC7}" presName="sibTrans" presStyleCnt="0"/>
@@ -4554,13 +4560,6 @@
         </dgm:presLayoutVars>
       </dgm:prSet>
       <dgm:spPr/>
-      <dgm:t>
-        <a:bodyPr/>
-        <a:lstStyle/>
-        <a:p>
-          <a:endParaRPr lang="en-US"/>
-        </a:p>
-      </dgm:t>
     </dgm:pt>
     <dgm:pt modelId="{F24156C7-0CE1-47F6-B830-542DA6E9F01C}" type="pres">
       <dgm:prSet presAssocID="{549ACBF8-7430-46D9-8339-874950FB366A}" presName="vSp" presStyleCnt="0"/>
@@ -4573,13 +4572,6 @@
     <dgm:pt modelId="{3630A457-5CC4-40A5-A107-01C78963D87C}" type="pres">
       <dgm:prSet presAssocID="{A0ACE738-1680-49A9-A2CF-D906803B030E}" presName="bigChev" presStyleLbl="node1" presStyleIdx="1" presStyleCnt="2"/>
       <dgm:spPr/>
-      <dgm:t>
-        <a:bodyPr/>
-        <a:lstStyle/>
-        <a:p>
-          <a:endParaRPr lang="en-US"/>
-        </a:p>
-      </dgm:t>
     </dgm:pt>
     <dgm:pt modelId="{CCC55C86-4D7A-4D89-9ABB-BE5EF99E6671}" type="pres">
       <dgm:prSet presAssocID="{60989FC9-0B14-4AA6-804D-223E28E67923}" presName="parTrans" presStyleCnt="0"/>
@@ -4592,13 +4584,6 @@
         </dgm:presLayoutVars>
       </dgm:prSet>
       <dgm:spPr/>
-      <dgm:t>
-        <a:bodyPr/>
-        <a:lstStyle/>
-        <a:p>
-          <a:endParaRPr lang="en-US"/>
-        </a:p>
-      </dgm:t>
     </dgm:pt>
     <dgm:pt modelId="{3C8A7E34-CA11-4ABE-B21E-3E632B5FD766}" type="pres">
       <dgm:prSet presAssocID="{7C249041-5E17-4F84-990E-5F8426AEC0A6}" presName="sibTrans" presStyleCnt="0"/>
@@ -4611,13 +4596,6 @@
         </dgm:presLayoutVars>
       </dgm:prSet>
       <dgm:spPr/>
-      <dgm:t>
-        <a:bodyPr/>
-        <a:lstStyle/>
-        <a:p>
-          <a:endParaRPr lang="en-US"/>
-        </a:p>
-      </dgm:t>
     </dgm:pt>
     <dgm:pt modelId="{7C2C4CCA-A41C-4806-92B8-8AB4068B0CCA}" type="pres">
       <dgm:prSet presAssocID="{B883A520-9975-45C4-A008-F841CED759DD}" presName="sibTrans" presStyleCnt="0"/>
@@ -4630,13 +4608,6 @@
         </dgm:presLayoutVars>
       </dgm:prSet>
       <dgm:spPr/>
-      <dgm:t>
-        <a:bodyPr/>
-        <a:lstStyle/>
-        <a:p>
-          <a:endParaRPr lang="en-US"/>
-        </a:p>
-      </dgm:t>
     </dgm:pt>
     <dgm:pt modelId="{AA3C8FF0-68A1-49BD-B917-95315D03D577}" type="pres">
       <dgm:prSet presAssocID="{37123E94-F4EA-4CA5-9A8F-E637094D8DFC}" presName="sibTrans" presStyleCnt="0"/>
@@ -4649,13 +4620,6 @@
         </dgm:presLayoutVars>
       </dgm:prSet>
       <dgm:spPr/>
-      <dgm:t>
-        <a:bodyPr/>
-        <a:lstStyle/>
-        <a:p>
-          <a:endParaRPr lang="en-US"/>
-        </a:p>
-      </dgm:t>
     </dgm:pt>
     <dgm:pt modelId="{4EEE7826-8C79-468E-8654-F8AEF50E5F7C}" type="pres">
       <dgm:prSet presAssocID="{34E3A36A-4E21-4CB1-B0F0-55BF2B059753}" presName="sibTrans" presStyleCnt="0"/>
@@ -4668,13 +4632,6 @@
         </dgm:presLayoutVars>
       </dgm:prSet>
       <dgm:spPr/>
-      <dgm:t>
-        <a:bodyPr/>
-        <a:lstStyle/>
-        <a:p>
-          <a:endParaRPr lang="en-US"/>
-        </a:p>
-      </dgm:t>
     </dgm:pt>
     <dgm:pt modelId="{F8671482-3D78-470D-A761-3AB6A1A75568}" type="pres">
       <dgm:prSet presAssocID="{129AFC1F-730B-40DC-ABA7-1CD98C59C6BA}" presName="sibTrans" presStyleCnt="0"/>
@@ -4687,45 +4644,38 @@
         </dgm:presLayoutVars>
       </dgm:prSet>
       <dgm:spPr/>
-      <dgm:t>
-        <a:bodyPr/>
-        <a:lstStyle/>
-        <a:p>
-          <a:endParaRPr lang="en-US"/>
-        </a:p>
-      </dgm:t>
     </dgm:pt>
   </dgm:ptLst>
   <dgm:cxnLst>
-    <dgm:cxn modelId="{0F6308C2-8074-41F4-83E5-2449CE4AAE42}" type="presOf" srcId="{9AB6D8E7-86BD-4A09-9E94-09503E3538EE}" destId="{158CF9EF-55D6-45A4-8B21-598846198B97}" srcOrd="0" destOrd="0" presId="urn:microsoft.com/office/officeart/2005/8/layout/lProcess3"/>
     <dgm:cxn modelId="{49332112-CAE3-4027-98F7-206072F6C946}" srcId="{A0ACE738-1680-49A9-A2CF-D906803B030E}" destId="{044F67A8-0C65-405B-8D23-00B0415270C1}" srcOrd="4" destOrd="0" parTransId="{6588AB7E-CBD5-4649-B6E3-25B31F5667C4}" sibTransId="{129AFC1F-730B-40DC-ABA7-1CD98C59C6BA}"/>
-    <dgm:cxn modelId="{0CE6ECBA-B722-4295-B6B2-5259046092E9}" srcId="{A80ADC32-1240-44A9-8D10-689B131ED7C4}" destId="{549ACBF8-7430-46D9-8339-874950FB366A}" srcOrd="0" destOrd="0" parTransId="{AE219D22-E614-42D9-933D-F2CAABDD96DD}" sibTransId="{FE411B50-16E6-4BFE-BCED-3F3D642BD122}"/>
-    <dgm:cxn modelId="{07F83F7A-C77E-4639-A83D-5FBF94324F41}" type="presOf" srcId="{14588E69-6899-4F1F-B273-599A71EBC9D7}" destId="{1B82D982-125A-4B17-9093-4DD998576D21}" srcOrd="0" destOrd="0" presId="urn:microsoft.com/office/officeart/2005/8/layout/lProcess3"/>
-    <dgm:cxn modelId="{1626726C-54F0-46E4-A49B-6BB47C4884DC}" srcId="{A80ADC32-1240-44A9-8D10-689B131ED7C4}" destId="{A0ACE738-1680-49A9-A2CF-D906803B030E}" srcOrd="1" destOrd="0" parTransId="{A4A00D55-2074-405C-AB24-EB32EBA8645F}" sibTransId="{0AB44536-5AE8-4110-849A-66F7C6FC73DB}"/>
+    <dgm:cxn modelId="{0EB28D21-0630-4964-BC16-4FBC0D63EE43}" type="presOf" srcId="{2511BAFD-47B8-4760-8EF9-78CFD45E3974}" destId="{2656222E-D64A-4B08-A85D-221DB764442B}" srcOrd="0" destOrd="0" presId="urn:microsoft.com/office/officeart/2005/8/layout/lProcess3"/>
+    <dgm:cxn modelId="{79F4913A-47C1-458E-800D-449BC8892711}" srcId="{549ACBF8-7430-46D9-8339-874950FB366A}" destId="{4FF48E9C-E9AC-4281-B947-D8FFE3DECE5C}" srcOrd="5" destOrd="0" parTransId="{AD6C5DF5-E1B9-420E-AFE1-5E41149C2570}" sibTransId="{505D2657-8F3B-4007-A1B2-8CCFA7146CF7}"/>
     <dgm:cxn modelId="{FA10973D-8767-40DD-9300-26136123BDA3}" type="presOf" srcId="{549ACBF8-7430-46D9-8339-874950FB366A}" destId="{8897FB83-C378-44D3-B544-CCCA50E493FA}" srcOrd="0" destOrd="0" presId="urn:microsoft.com/office/officeart/2005/8/layout/lProcess3"/>
-    <dgm:cxn modelId="{0452ABD0-B8AF-4389-A49D-B494462EF935}" srcId="{549ACBF8-7430-46D9-8339-874950FB366A}" destId="{14588E69-6899-4F1F-B273-599A71EBC9D7}" srcOrd="2" destOrd="0" parTransId="{EAAB7090-D874-46C5-9CE1-D5E4FBD9834B}" sibTransId="{657EF155-E704-41B9-8E16-2C9B05F162EF}"/>
+    <dgm:cxn modelId="{8D96B745-6FC1-441A-84D2-6657BBF939E4}" srcId="{A0ACE738-1680-49A9-A2CF-D906803B030E}" destId="{083A6C85-6FFB-4B4D-8D74-D8F48FD8829A}" srcOrd="1" destOrd="0" parTransId="{B5562EFC-1557-49F8-B505-B45BA63813C6}" sibTransId="{B883A520-9975-45C4-A008-F841CED759DD}"/>
     <dgm:cxn modelId="{13F4B846-3A4A-44F0-9189-89F28AE9915C}" srcId="{549ACBF8-7430-46D9-8339-874950FB366A}" destId="{B4B2491C-5DBC-436E-866C-A0494F15234A}" srcOrd="0" destOrd="0" parTransId="{C58778CF-5D33-43C0-96C4-1AAE055E3806}" sibTransId="{B9AE3E08-7401-40CF-BDE9-FDEE4A8DCB93}"/>
     <dgm:cxn modelId="{C3EE9C67-B8B2-4C6A-B4D5-85CA9476923D}" type="presOf" srcId="{A00A666A-6AB4-495C-B885-6ABCD9D9C6FB}" destId="{48765ED3-077E-4B76-A89E-7C26D9BBEBC4}" srcOrd="0" destOrd="0" presId="urn:microsoft.com/office/officeart/2005/8/layout/lProcess3"/>
-    <dgm:cxn modelId="{8D96B745-6FC1-441A-84D2-6657BBF939E4}" srcId="{A0ACE738-1680-49A9-A2CF-D906803B030E}" destId="{083A6C85-6FFB-4B4D-8D74-D8F48FD8829A}" srcOrd="1" destOrd="0" parTransId="{B5562EFC-1557-49F8-B505-B45BA63813C6}" sibTransId="{B883A520-9975-45C4-A008-F841CED759DD}"/>
+    <dgm:cxn modelId="{7896C46A-ACEC-4CF4-86D9-65F52CB87E06}" srcId="{A0ACE738-1680-49A9-A2CF-D906803B030E}" destId="{E2F21A9B-00DA-4D55-B768-C79D3328E3BE}" srcOrd="3" destOrd="0" parTransId="{3FBECDE3-B7DF-41C7-839A-967A79A9E31C}" sibTransId="{34E3A36A-4E21-4CB1-B0F0-55BF2B059753}"/>
+    <dgm:cxn modelId="{1626726C-54F0-46E4-A49B-6BB47C4884DC}" srcId="{A80ADC32-1240-44A9-8D10-689B131ED7C4}" destId="{A0ACE738-1680-49A9-A2CF-D906803B030E}" srcOrd="1" destOrd="0" parTransId="{A4A00D55-2074-405C-AB24-EB32EBA8645F}" sibTransId="{0AB44536-5AE8-4110-849A-66F7C6FC73DB}"/>
+    <dgm:cxn modelId="{4E79F56D-4ADA-4856-81A5-13E7B7BB6808}" srcId="{A0ACE738-1680-49A9-A2CF-D906803B030E}" destId="{A00A666A-6AB4-495C-B885-6ABCD9D9C6FB}" srcOrd="2" destOrd="0" parTransId="{6CF900BF-FEA0-4F4C-942D-DC3373394B80}" sibTransId="{37123E94-F4EA-4CA5-9A8F-E637094D8DFC}"/>
+    <dgm:cxn modelId="{4A828D74-D111-447A-AAF9-46D41F51B5E5}" type="presOf" srcId="{083A6C85-6FFB-4B4D-8D74-D8F48FD8829A}" destId="{59ECF31A-0156-405E-9EE6-10BE123BFF6E}" srcOrd="0" destOrd="0" presId="urn:microsoft.com/office/officeart/2005/8/layout/lProcess3"/>
+    <dgm:cxn modelId="{07F83F7A-C77E-4639-A83D-5FBF94324F41}" type="presOf" srcId="{14588E69-6899-4F1F-B273-599A71EBC9D7}" destId="{1B82D982-125A-4B17-9093-4DD998576D21}" srcOrd="0" destOrd="0" presId="urn:microsoft.com/office/officeart/2005/8/layout/lProcess3"/>
+    <dgm:cxn modelId="{75F6B27D-A442-4C91-A7A9-A5B8AE199420}" type="presOf" srcId="{044F67A8-0C65-405B-8D23-00B0415270C1}" destId="{120A6866-71AF-4668-87F2-2D737620263E}" srcOrd="0" destOrd="0" presId="urn:microsoft.com/office/officeart/2005/8/layout/lProcess3"/>
+    <dgm:cxn modelId="{CFBBAB9D-982D-44E2-B39C-0255DD9A634C}" type="presOf" srcId="{A80ADC32-1240-44A9-8D10-689B131ED7C4}" destId="{C4C5BB40-2CB3-4FCC-A7B5-C0179DBBBF29}" srcOrd="0" destOrd="0" presId="urn:microsoft.com/office/officeart/2005/8/layout/lProcess3"/>
+    <dgm:cxn modelId="{38452B9F-079B-43EE-9A1D-BABB5DEF9DA7}" type="presOf" srcId="{E2F21A9B-00DA-4D55-B768-C79D3328E3BE}" destId="{CE31B4AC-3DDB-4EC4-811E-AFA799FA1C15}" srcOrd="0" destOrd="0" presId="urn:microsoft.com/office/officeart/2005/8/layout/lProcess3"/>
+    <dgm:cxn modelId="{B1B9AAA5-1748-4253-AA4F-3EA0FC2B3FE7}" type="presOf" srcId="{FF92E042-F1C1-4BC6-BA3F-C741F5ED9AB5}" destId="{86A88084-04D1-453D-9EB9-B02F0C23CC18}" srcOrd="0" destOrd="0" presId="urn:microsoft.com/office/officeart/2005/8/layout/lProcess3"/>
+    <dgm:cxn modelId="{595C99A7-D46B-44BB-ABC3-8F077590AD91}" type="presOf" srcId="{4BAAF9E6-4EEA-4F67-B767-038B4C129EF6}" destId="{08E94FF5-BC66-4B8D-8967-BE71F1CB4EDC}" srcOrd="0" destOrd="0" presId="urn:microsoft.com/office/officeart/2005/8/layout/lProcess3"/>
+    <dgm:cxn modelId="{3B3BC6A7-D0F5-4A43-BBD5-A959D8BFBF5F}" type="presOf" srcId="{A0ACE738-1680-49A9-A2CF-D906803B030E}" destId="{3630A457-5CC4-40A5-A107-01C78963D87C}" srcOrd="0" destOrd="0" presId="urn:microsoft.com/office/officeart/2005/8/layout/lProcess3"/>
+    <dgm:cxn modelId="{0CE6ECBA-B722-4295-B6B2-5259046092E9}" srcId="{A80ADC32-1240-44A9-8D10-689B131ED7C4}" destId="{549ACBF8-7430-46D9-8339-874950FB366A}" srcOrd="0" destOrd="0" parTransId="{AE219D22-E614-42D9-933D-F2CAABDD96DD}" sibTransId="{FE411B50-16E6-4BFE-BCED-3F3D642BD122}"/>
+    <dgm:cxn modelId="{5A40ECBD-BA98-484B-8866-8211C9586F02}" type="presOf" srcId="{36D39F46-44D7-415F-AAFF-5457B1161AF6}" destId="{0422B60C-0DD5-4DD4-B675-31405221A894}" srcOrd="0" destOrd="0" presId="urn:microsoft.com/office/officeart/2005/8/layout/lProcess3"/>
+    <dgm:cxn modelId="{0F6308C2-8074-41F4-83E5-2449CE4AAE42}" type="presOf" srcId="{9AB6D8E7-86BD-4A09-9E94-09503E3538EE}" destId="{158CF9EF-55D6-45A4-8B21-598846198B97}" srcOrd="0" destOrd="0" presId="urn:microsoft.com/office/officeart/2005/8/layout/lProcess3"/>
+    <dgm:cxn modelId="{0452ABD0-B8AF-4389-A49D-B494462EF935}" srcId="{549ACBF8-7430-46D9-8339-874950FB366A}" destId="{14588E69-6899-4F1F-B273-599A71EBC9D7}" srcOrd="2" destOrd="0" parTransId="{EAAB7090-D874-46C5-9CE1-D5E4FBD9834B}" sibTransId="{657EF155-E704-41B9-8E16-2C9B05F162EF}"/>
+    <dgm:cxn modelId="{296330D7-E3EA-4CBD-916E-7310BB5EE1B2}" type="presOf" srcId="{4FF48E9C-E9AC-4281-B947-D8FFE3DECE5C}" destId="{1F3A26B7-5C5F-444E-B2F4-81A4EF68D39C}" srcOrd="0" destOrd="0" presId="urn:microsoft.com/office/officeart/2005/8/layout/lProcess3"/>
     <dgm:cxn modelId="{DD5202E2-8C4D-43A8-BE0D-7D8CF3368668}" type="presOf" srcId="{B4B2491C-5DBC-436E-866C-A0494F15234A}" destId="{E686387D-616A-4F98-990F-FBCDBE8E26E5}" srcOrd="0" destOrd="0" presId="urn:microsoft.com/office/officeart/2005/8/layout/lProcess3"/>
-    <dgm:cxn modelId="{75F6B27D-A442-4C91-A7A9-A5B8AE199420}" type="presOf" srcId="{044F67A8-0C65-405B-8D23-00B0415270C1}" destId="{120A6866-71AF-4668-87F2-2D737620263E}" srcOrd="0" destOrd="0" presId="urn:microsoft.com/office/officeart/2005/8/layout/lProcess3"/>
+    <dgm:cxn modelId="{541A2BE4-F605-4139-A89C-0AFB006E6BB0}" srcId="{A0ACE738-1680-49A9-A2CF-D906803B030E}" destId="{2511BAFD-47B8-4760-8EF9-78CFD45E3974}" srcOrd="0" destOrd="0" parTransId="{60989FC9-0B14-4AA6-804D-223E28E67923}" sibTransId="{7C249041-5E17-4F84-990E-5F8426AEC0A6}"/>
+    <dgm:cxn modelId="{636607E7-43C7-4FD0-9749-C9245976A68A}" srcId="{A0ACE738-1680-49A9-A2CF-D906803B030E}" destId="{FF92E042-F1C1-4BC6-BA3F-C741F5ED9AB5}" srcOrd="5" destOrd="0" parTransId="{CD0106D6-F3F8-43D1-90B7-A48B899A1EAD}" sibTransId="{907133C3-2063-49AF-AF0C-9A21E4C33D9E}"/>
     <dgm:cxn modelId="{7FE338E9-B6F9-4B44-973C-32BFC4F19575}" srcId="{549ACBF8-7430-46D9-8339-874950FB366A}" destId="{4BAAF9E6-4EEA-4F67-B767-038B4C129EF6}" srcOrd="4" destOrd="0" parTransId="{578CCCFE-0959-465C-8C7F-EF451BD3E318}" sibTransId="{0E766B73-2495-4B97-943D-F917B7F53DC7}"/>
-    <dgm:cxn modelId="{7896C46A-ACEC-4CF4-86D9-65F52CB87E06}" srcId="{A0ACE738-1680-49A9-A2CF-D906803B030E}" destId="{E2F21A9B-00DA-4D55-B768-C79D3328E3BE}" srcOrd="3" destOrd="0" parTransId="{3FBECDE3-B7DF-41C7-839A-967A79A9E31C}" sibTransId="{34E3A36A-4E21-4CB1-B0F0-55BF2B059753}"/>
-    <dgm:cxn modelId="{595C99A7-D46B-44BB-ABC3-8F077590AD91}" type="presOf" srcId="{4BAAF9E6-4EEA-4F67-B767-038B4C129EF6}" destId="{08E94FF5-BC66-4B8D-8967-BE71F1CB4EDC}" srcOrd="0" destOrd="0" presId="urn:microsoft.com/office/officeart/2005/8/layout/lProcess3"/>
+    <dgm:cxn modelId="{27387CF2-0AD1-4E7E-AC6B-84278399C2E8}" srcId="{549ACBF8-7430-46D9-8339-874950FB366A}" destId="{36D39F46-44D7-415F-AAFF-5457B1161AF6}" srcOrd="3" destOrd="0" parTransId="{638078A6-F5E3-494B-8E8B-F2155CD16EA1}" sibTransId="{50B78A94-15AC-4F2F-BD07-128463FB03D5}"/>
     <dgm:cxn modelId="{D56F8DFE-165F-40BA-A4E4-4E592B65E34F}" srcId="{549ACBF8-7430-46D9-8339-874950FB366A}" destId="{9AB6D8E7-86BD-4A09-9E94-09503E3538EE}" srcOrd="1" destOrd="0" parTransId="{B4805897-718D-47D9-8410-86FBE07C65A7}" sibTransId="{D9CCF4A3-B52A-43D1-9DCD-6DD1861A3B49}"/>
-    <dgm:cxn modelId="{636607E7-43C7-4FD0-9749-C9245976A68A}" srcId="{A0ACE738-1680-49A9-A2CF-D906803B030E}" destId="{FF92E042-F1C1-4BC6-BA3F-C741F5ED9AB5}" srcOrd="5" destOrd="0" parTransId="{CD0106D6-F3F8-43D1-90B7-A48B899A1EAD}" sibTransId="{907133C3-2063-49AF-AF0C-9A21E4C33D9E}"/>
-    <dgm:cxn modelId="{B1B9AAA5-1748-4253-AA4F-3EA0FC2B3FE7}" type="presOf" srcId="{FF92E042-F1C1-4BC6-BA3F-C741F5ED9AB5}" destId="{86A88084-04D1-453D-9EB9-B02F0C23CC18}" srcOrd="0" destOrd="0" presId="urn:microsoft.com/office/officeart/2005/8/layout/lProcess3"/>
-    <dgm:cxn modelId="{27387CF2-0AD1-4E7E-AC6B-84278399C2E8}" srcId="{549ACBF8-7430-46D9-8339-874950FB366A}" destId="{36D39F46-44D7-415F-AAFF-5457B1161AF6}" srcOrd="3" destOrd="0" parTransId="{638078A6-F5E3-494B-8E8B-F2155CD16EA1}" sibTransId="{50B78A94-15AC-4F2F-BD07-128463FB03D5}"/>
-    <dgm:cxn modelId="{4E79F56D-4ADA-4856-81A5-13E7B7BB6808}" srcId="{A0ACE738-1680-49A9-A2CF-D906803B030E}" destId="{A00A666A-6AB4-495C-B885-6ABCD9D9C6FB}" srcOrd="2" destOrd="0" parTransId="{6CF900BF-FEA0-4F4C-942D-DC3373394B80}" sibTransId="{37123E94-F4EA-4CA5-9A8F-E637094D8DFC}"/>
-    <dgm:cxn modelId="{296330D7-E3EA-4CBD-916E-7310BB5EE1B2}" type="presOf" srcId="{4FF48E9C-E9AC-4281-B947-D8FFE3DECE5C}" destId="{1F3A26B7-5C5F-444E-B2F4-81A4EF68D39C}" srcOrd="0" destOrd="0" presId="urn:microsoft.com/office/officeart/2005/8/layout/lProcess3"/>
-    <dgm:cxn modelId="{CFBBAB9D-982D-44E2-B39C-0255DD9A634C}" type="presOf" srcId="{A80ADC32-1240-44A9-8D10-689B131ED7C4}" destId="{C4C5BB40-2CB3-4FCC-A7B5-C0179DBBBF29}" srcOrd="0" destOrd="0" presId="urn:microsoft.com/office/officeart/2005/8/layout/lProcess3"/>
-    <dgm:cxn modelId="{79F4913A-47C1-458E-800D-449BC8892711}" srcId="{549ACBF8-7430-46D9-8339-874950FB366A}" destId="{4FF48E9C-E9AC-4281-B947-D8FFE3DECE5C}" srcOrd="5" destOrd="0" parTransId="{AD6C5DF5-E1B9-420E-AFE1-5E41149C2570}" sibTransId="{505D2657-8F3B-4007-A1B2-8CCFA7146CF7}"/>
-    <dgm:cxn modelId="{0EB28D21-0630-4964-BC16-4FBC0D63EE43}" type="presOf" srcId="{2511BAFD-47B8-4760-8EF9-78CFD45E3974}" destId="{2656222E-D64A-4B08-A85D-221DB764442B}" srcOrd="0" destOrd="0" presId="urn:microsoft.com/office/officeart/2005/8/layout/lProcess3"/>
-    <dgm:cxn modelId="{5A40ECBD-BA98-484B-8866-8211C9586F02}" type="presOf" srcId="{36D39F46-44D7-415F-AAFF-5457B1161AF6}" destId="{0422B60C-0DD5-4DD4-B675-31405221A894}" srcOrd="0" destOrd="0" presId="urn:microsoft.com/office/officeart/2005/8/layout/lProcess3"/>
-    <dgm:cxn modelId="{38452B9F-079B-43EE-9A1D-BABB5DEF9DA7}" type="presOf" srcId="{E2F21A9B-00DA-4D55-B768-C79D3328E3BE}" destId="{CE31B4AC-3DDB-4EC4-811E-AFA799FA1C15}" srcOrd="0" destOrd="0" presId="urn:microsoft.com/office/officeart/2005/8/layout/lProcess3"/>
-    <dgm:cxn modelId="{3B3BC6A7-D0F5-4A43-BBD5-A959D8BFBF5F}" type="presOf" srcId="{A0ACE738-1680-49A9-A2CF-D906803B030E}" destId="{3630A457-5CC4-40A5-A107-01C78963D87C}" srcOrd="0" destOrd="0" presId="urn:microsoft.com/office/officeart/2005/8/layout/lProcess3"/>
-    <dgm:cxn modelId="{541A2BE4-F605-4139-A89C-0AFB006E6BB0}" srcId="{A0ACE738-1680-49A9-A2CF-D906803B030E}" destId="{2511BAFD-47B8-4760-8EF9-78CFD45E3974}" srcOrd="0" destOrd="0" parTransId="{60989FC9-0B14-4AA6-804D-223E28E67923}" sibTransId="{7C249041-5E17-4F84-990E-5F8426AEC0A6}"/>
-    <dgm:cxn modelId="{4A828D74-D111-447A-AAF9-46D41F51B5E5}" type="presOf" srcId="{083A6C85-6FFB-4B4D-8D74-D8F48FD8829A}" destId="{59ECF31A-0156-405E-9EE6-10BE123BFF6E}" srcOrd="0" destOrd="0" presId="urn:microsoft.com/office/officeart/2005/8/layout/lProcess3"/>
     <dgm:cxn modelId="{71EF369B-BB3F-4696-BAF7-AC2B38808F4B}" type="presParOf" srcId="{C4C5BB40-2CB3-4FCC-A7B5-C0179DBBBF29}" destId="{144BC6F2-0B73-49AC-AC02-AAF3E83C24EB}" srcOrd="0" destOrd="0" presId="urn:microsoft.com/office/officeart/2005/8/layout/lProcess3"/>
     <dgm:cxn modelId="{DF21FEDF-2779-4399-AD79-4A486854C540}" type="presParOf" srcId="{144BC6F2-0B73-49AC-AC02-AAF3E83C24EB}" destId="{8897FB83-C378-44D3-B544-CCCA50E493FA}" srcOrd="0" destOrd="0" presId="urn:microsoft.com/office/officeart/2005/8/layout/lProcess3"/>
     <dgm:cxn modelId="{69232E6A-73F4-4EDF-AA14-54CD52261A0D}" type="presParOf" srcId="{144BC6F2-0B73-49AC-AC02-AAF3E83C24EB}" destId="{25215EDD-48C1-4736-A8BD-0063033D24E7}" srcOrd="1" destOrd="0" presId="urn:microsoft.com/office/officeart/2005/8/layout/lProcess3"/>
@@ -4789,7 +4739,7 @@
         <a:p>
           <a:pPr rtl="0"/>
           <a:r>
-            <a:rPr lang="en-US" b="1" baseline="0" dirty="0" smtClean="0"/>
+            <a:rPr lang="en-US" b="1" baseline="0" dirty="0"/>
             <a:t>Student(Before)</a:t>
           </a:r>
           <a:endParaRPr lang="en-US" dirty="0"/>
@@ -4827,7 +4777,7 @@
         <a:p>
           <a:pPr rtl="0"/>
           <a:r>
-            <a:rPr lang="en-US" baseline="0" smtClean="0"/>
+            <a:rPr lang="en-US" baseline="0"/>
             <a:t>iOS application.</a:t>
           </a:r>
           <a:endParaRPr lang="en-US"/>
@@ -4865,7 +4815,7 @@
         <a:p>
           <a:pPr rtl="0"/>
           <a:r>
-            <a:rPr lang="en-US" baseline="0" smtClean="0"/>
+            <a:rPr lang="en-US" baseline="0"/>
             <a:t>Persistent Login</a:t>
           </a:r>
           <a:endParaRPr lang="en-US"/>
@@ -4903,7 +4853,7 @@
         <a:p>
           <a:pPr rtl="0"/>
           <a:r>
-            <a:rPr lang="en-US" baseline="0" smtClean="0"/>
+            <a:rPr lang="en-US" baseline="0"/>
             <a:t>Scan and Capture QR</a:t>
           </a:r>
           <a:endParaRPr lang="en-US"/>
@@ -4941,7 +4891,7 @@
         <a:p>
           <a:pPr rtl="0"/>
           <a:r>
-            <a:rPr lang="en-US" baseline="0" smtClean="0"/>
+            <a:rPr lang="en-US" baseline="0"/>
             <a:t>View courses registered</a:t>
           </a:r>
           <a:endParaRPr lang="en-US"/>
@@ -4979,7 +4929,7 @@
         <a:p>
           <a:pPr rtl="0"/>
           <a:r>
-            <a:rPr lang="en-US" baseline="0" smtClean="0"/>
+            <a:rPr lang="en-US" baseline="0"/>
             <a:t>View attendance percentage</a:t>
           </a:r>
           <a:endParaRPr lang="en-US"/>
@@ -5017,7 +4967,7 @@
         <a:p>
           <a:pPr rtl="0"/>
           <a:r>
-            <a:rPr lang="en-US" baseline="0" smtClean="0"/>
+            <a:rPr lang="en-US" baseline="0"/>
             <a:t>Appropriate Feedback</a:t>
           </a:r>
           <a:endParaRPr lang="en-US"/>
@@ -5055,7 +5005,7 @@
         <a:p>
           <a:pPr rtl="0"/>
           <a:r>
-            <a:rPr lang="en-US" b="1" baseline="0" dirty="0" smtClean="0"/>
+            <a:rPr lang="en-US" b="1" baseline="0" dirty="0"/>
             <a:t>Student(Now)</a:t>
           </a:r>
           <a:endParaRPr lang="en-US" dirty="0"/>
@@ -5093,7 +5043,7 @@
         <a:p>
           <a:pPr rtl="0"/>
           <a:r>
-            <a:rPr lang="en-US" baseline="0" smtClean="0"/>
+            <a:rPr lang="en-US" baseline="0"/>
             <a:t>iOS application – tabbed.</a:t>
           </a:r>
           <a:endParaRPr lang="en-US"/>
@@ -5131,7 +5081,7 @@
         <a:p>
           <a:pPr rtl="0"/>
           <a:r>
-            <a:rPr lang="en-US" baseline="0" smtClean="0"/>
+            <a:rPr lang="en-US" baseline="0"/>
             <a:t>Persistent Login</a:t>
           </a:r>
           <a:endParaRPr lang="en-US"/>
@@ -5169,7 +5119,7 @@
         <a:p>
           <a:pPr rtl="0"/>
           <a:r>
-            <a:rPr lang="en-US" baseline="0" smtClean="0"/>
+            <a:rPr lang="en-US" baseline="0"/>
             <a:t>Scan QR</a:t>
           </a:r>
           <a:endParaRPr lang="en-US"/>
@@ -5207,7 +5157,7 @@
         <a:p>
           <a:pPr rtl="0"/>
           <a:r>
-            <a:rPr lang="en-US" baseline="0" smtClean="0"/>
+            <a:rPr lang="en-US" baseline="0"/>
             <a:t>View courses registered</a:t>
           </a:r>
           <a:endParaRPr lang="en-US"/>
@@ -5245,7 +5195,7 @@
         <a:p>
           <a:pPr rtl="0"/>
           <a:r>
-            <a:rPr lang="en-US" baseline="0" smtClean="0"/>
+            <a:rPr lang="en-US" baseline="0"/>
             <a:t>View attendance percentage</a:t>
           </a:r>
           <a:endParaRPr lang="en-US"/>
@@ -5283,7 +5233,7 @@
         <a:p>
           <a:pPr rtl="0"/>
           <a:r>
-            <a:rPr lang="en-US" baseline="0" smtClean="0"/>
+            <a:rPr lang="en-US" baseline="0"/>
             <a:t>Appropriate Feedback</a:t>
           </a:r>
           <a:endParaRPr lang="en-US"/>
@@ -5322,13 +5272,6 @@
         </dgm:presLayoutVars>
       </dgm:prSet>
       <dgm:spPr/>
-      <dgm:t>
-        <a:bodyPr/>
-        <a:lstStyle/>
-        <a:p>
-          <a:endParaRPr lang="en-US"/>
-        </a:p>
-      </dgm:t>
     </dgm:pt>
     <dgm:pt modelId="{72351675-A75A-418F-B54D-75582005E322}" type="pres">
       <dgm:prSet presAssocID="{8ED92E66-6407-44FD-921E-FE84F85EC276}" presName="horFlow" presStyleCnt="0"/>
@@ -5337,13 +5280,6 @@
     <dgm:pt modelId="{53587B7A-CE83-4C53-8A75-DBF752593546}" type="pres">
       <dgm:prSet presAssocID="{8ED92E66-6407-44FD-921E-FE84F85EC276}" presName="bigChev" presStyleLbl="node1" presStyleIdx="0" presStyleCnt="2"/>
       <dgm:spPr/>
-      <dgm:t>
-        <a:bodyPr/>
-        <a:lstStyle/>
-        <a:p>
-          <a:endParaRPr lang="en-US"/>
-        </a:p>
-      </dgm:t>
     </dgm:pt>
     <dgm:pt modelId="{DEC20D1B-D52A-443F-91F5-11328299A612}" type="pres">
       <dgm:prSet presAssocID="{A8702FA0-5F59-4B93-9076-86ABA84C871F}" presName="parTrans" presStyleCnt="0"/>
@@ -5356,13 +5292,6 @@
         </dgm:presLayoutVars>
       </dgm:prSet>
       <dgm:spPr/>
-      <dgm:t>
-        <a:bodyPr/>
-        <a:lstStyle/>
-        <a:p>
-          <a:endParaRPr lang="en-US"/>
-        </a:p>
-      </dgm:t>
     </dgm:pt>
     <dgm:pt modelId="{B2A5AB40-E594-4E8C-8D2D-BA21171A15E1}" type="pres">
       <dgm:prSet presAssocID="{14EDDD95-DEF6-4BBC-9EFB-96E015D1D13A}" presName="sibTrans" presStyleCnt="0"/>
@@ -5375,13 +5304,6 @@
         </dgm:presLayoutVars>
       </dgm:prSet>
       <dgm:spPr/>
-      <dgm:t>
-        <a:bodyPr/>
-        <a:lstStyle/>
-        <a:p>
-          <a:endParaRPr lang="en-US"/>
-        </a:p>
-      </dgm:t>
     </dgm:pt>
     <dgm:pt modelId="{8905A38E-6FFD-4BD8-8B96-184FF8131D9E}" type="pres">
       <dgm:prSet presAssocID="{657C235A-7275-466C-8DA1-5CD27F5E1614}" presName="sibTrans" presStyleCnt="0"/>
@@ -5394,13 +5316,6 @@
         </dgm:presLayoutVars>
       </dgm:prSet>
       <dgm:spPr/>
-      <dgm:t>
-        <a:bodyPr/>
-        <a:lstStyle/>
-        <a:p>
-          <a:endParaRPr lang="en-US"/>
-        </a:p>
-      </dgm:t>
     </dgm:pt>
     <dgm:pt modelId="{7A8D687B-31A3-4C84-B4DD-D0B49EA206D7}" type="pres">
       <dgm:prSet presAssocID="{9A70F99C-0FC6-44E2-B98C-AED58C942E65}" presName="sibTrans" presStyleCnt="0"/>
@@ -5413,13 +5328,6 @@
         </dgm:presLayoutVars>
       </dgm:prSet>
       <dgm:spPr/>
-      <dgm:t>
-        <a:bodyPr/>
-        <a:lstStyle/>
-        <a:p>
-          <a:endParaRPr lang="en-US"/>
-        </a:p>
-      </dgm:t>
     </dgm:pt>
     <dgm:pt modelId="{028E169C-4FAA-4F1B-A952-7752EA06469C}" type="pres">
       <dgm:prSet presAssocID="{482FABEA-B9B6-44D0-B10B-B13666439C16}" presName="sibTrans" presStyleCnt="0"/>
@@ -5432,13 +5340,6 @@
         </dgm:presLayoutVars>
       </dgm:prSet>
       <dgm:spPr/>
-      <dgm:t>
-        <a:bodyPr/>
-        <a:lstStyle/>
-        <a:p>
-          <a:endParaRPr lang="en-US"/>
-        </a:p>
-      </dgm:t>
     </dgm:pt>
     <dgm:pt modelId="{F603116E-6283-47DC-BF1F-E1873B3D846A}" type="pres">
       <dgm:prSet presAssocID="{4A9F5246-B350-4BFD-B0DF-6132EE410BB5}" presName="sibTrans" presStyleCnt="0"/>
@@ -5451,13 +5352,6 @@
         </dgm:presLayoutVars>
       </dgm:prSet>
       <dgm:spPr/>
-      <dgm:t>
-        <a:bodyPr/>
-        <a:lstStyle/>
-        <a:p>
-          <a:endParaRPr lang="en-US"/>
-        </a:p>
-      </dgm:t>
     </dgm:pt>
     <dgm:pt modelId="{A93B2CE1-4F0E-4931-81D2-246DCC8785DF}" type="pres">
       <dgm:prSet presAssocID="{8ED92E66-6407-44FD-921E-FE84F85EC276}" presName="vSp" presStyleCnt="0"/>
@@ -5470,13 +5364,6 @@
     <dgm:pt modelId="{94FBA5BC-C6BE-4CFB-AAFE-632C3D6BA861}" type="pres">
       <dgm:prSet presAssocID="{C2F9F271-64B0-41D6-A7D5-27382FD51ABF}" presName="bigChev" presStyleLbl="node1" presStyleIdx="1" presStyleCnt="2"/>
       <dgm:spPr/>
-      <dgm:t>
-        <a:bodyPr/>
-        <a:lstStyle/>
-        <a:p>
-          <a:endParaRPr lang="en-US"/>
-        </a:p>
-      </dgm:t>
     </dgm:pt>
     <dgm:pt modelId="{CB837D01-7DEE-4319-88B9-DD2C38262BA8}" type="pres">
       <dgm:prSet presAssocID="{9F35A48C-E748-4B82-ABA5-E04DC5303289}" presName="parTrans" presStyleCnt="0"/>
@@ -5489,13 +5376,6 @@
         </dgm:presLayoutVars>
       </dgm:prSet>
       <dgm:spPr/>
-      <dgm:t>
-        <a:bodyPr/>
-        <a:lstStyle/>
-        <a:p>
-          <a:endParaRPr lang="en-US"/>
-        </a:p>
-      </dgm:t>
     </dgm:pt>
     <dgm:pt modelId="{8947C428-993F-475D-838D-52BA21678FDC}" type="pres">
       <dgm:prSet presAssocID="{361BD2E7-5210-4588-A684-D897488C591E}" presName="sibTrans" presStyleCnt="0"/>
@@ -5508,13 +5388,6 @@
         </dgm:presLayoutVars>
       </dgm:prSet>
       <dgm:spPr/>
-      <dgm:t>
-        <a:bodyPr/>
-        <a:lstStyle/>
-        <a:p>
-          <a:endParaRPr lang="en-US"/>
-        </a:p>
-      </dgm:t>
     </dgm:pt>
     <dgm:pt modelId="{C5A372D0-9ED9-47DE-88EE-3EE18038C7DE}" type="pres">
       <dgm:prSet presAssocID="{1052A0B4-A1B5-4FE9-AF36-059001C444E0}" presName="sibTrans" presStyleCnt="0"/>
@@ -5527,13 +5400,6 @@
         </dgm:presLayoutVars>
       </dgm:prSet>
       <dgm:spPr/>
-      <dgm:t>
-        <a:bodyPr/>
-        <a:lstStyle/>
-        <a:p>
-          <a:endParaRPr lang="en-US"/>
-        </a:p>
-      </dgm:t>
     </dgm:pt>
     <dgm:pt modelId="{6C315F29-0D5D-47C9-9579-726300F33FE8}" type="pres">
       <dgm:prSet presAssocID="{F93D65F4-4415-4C60-9667-DD4DC8446665}" presName="sibTrans" presStyleCnt="0"/>
@@ -5546,13 +5412,6 @@
         </dgm:presLayoutVars>
       </dgm:prSet>
       <dgm:spPr/>
-      <dgm:t>
-        <a:bodyPr/>
-        <a:lstStyle/>
-        <a:p>
-          <a:endParaRPr lang="en-US"/>
-        </a:p>
-      </dgm:t>
     </dgm:pt>
     <dgm:pt modelId="{2F0B63A0-C386-4D3B-8A19-145517FFEE62}" type="pres">
       <dgm:prSet presAssocID="{0EC0398B-E253-4636-9E1E-BBDA4D07F5E0}" presName="sibTrans" presStyleCnt="0"/>
@@ -5565,13 +5424,6 @@
         </dgm:presLayoutVars>
       </dgm:prSet>
       <dgm:spPr/>
-      <dgm:t>
-        <a:bodyPr/>
-        <a:lstStyle/>
-        <a:p>
-          <a:endParaRPr lang="en-US"/>
-        </a:p>
-      </dgm:t>
     </dgm:pt>
     <dgm:pt modelId="{7A3C5DF4-C4A2-4336-893A-5ED7605D0B68}" type="pres">
       <dgm:prSet presAssocID="{68C840C4-C838-466D-BCAE-A53441EF6EE5}" presName="sibTrans" presStyleCnt="0"/>
@@ -5584,45 +5436,38 @@
         </dgm:presLayoutVars>
       </dgm:prSet>
       <dgm:spPr/>
-      <dgm:t>
-        <a:bodyPr/>
-        <a:lstStyle/>
-        <a:p>
-          <a:endParaRPr lang="en-US"/>
-        </a:p>
-      </dgm:t>
     </dgm:pt>
   </dgm:ptLst>
   <dgm:cxnLst>
+    <dgm:cxn modelId="{2B2D3F2A-C509-47F3-A93F-0E87F7DBCDAD}" type="presOf" srcId="{E64BE0B1-C71C-4CFD-9E9C-4E40E5B91C9D}" destId="{B4AA8CBE-2637-49F4-8D4B-18E5DC70FFEB}" srcOrd="0" destOrd="0" presId="urn:microsoft.com/office/officeart/2005/8/layout/lProcess3"/>
+    <dgm:cxn modelId="{6C4A962B-AC5A-4770-BDF1-8202C049EC05}" type="presOf" srcId="{D9525DC3-C28F-4151-9ACF-8100344CEE69}" destId="{6A586E54-E152-4EA2-B9E8-BF172B3BB227}" srcOrd="0" destOrd="0" presId="urn:microsoft.com/office/officeart/2005/8/layout/lProcess3"/>
+    <dgm:cxn modelId="{967FD62E-D9F1-4340-A769-D0F786685E66}" type="presOf" srcId="{4F10CD46-D03C-4C30-9A61-B3AAEF34C8B6}" destId="{067CBF43-7801-49FD-994E-7E4EB2B8E06C}" srcOrd="0" destOrd="0" presId="urn:microsoft.com/office/officeart/2005/8/layout/lProcess3"/>
+    <dgm:cxn modelId="{F70FB034-4CA5-4D3F-9B93-168C3C22ADC6}" type="presOf" srcId="{C2A6241B-A60A-40A6-A332-CA1B953C0B89}" destId="{89883161-4AC0-43EF-A757-DF79B756FAB4}" srcOrd="0" destOrd="0" presId="urn:microsoft.com/office/officeart/2005/8/layout/lProcess3"/>
+    <dgm:cxn modelId="{B316E536-3497-4AC6-8BE5-C2D0CDC3567B}" srcId="{7B4D74AC-A593-4F73-BCAD-D9C81D9C731F}" destId="{C2F9F271-64B0-41D6-A7D5-27382FD51ABF}" srcOrd="1" destOrd="0" parTransId="{D3037F62-4EF9-437A-B7C5-049CB2AF63A1}" sibTransId="{99B56656-CE0B-4F46-9FA3-2BFB74822A17}"/>
+    <dgm:cxn modelId="{ED148039-07A3-418D-884D-CDC4631DC885}" type="presOf" srcId="{FC465601-FED4-4F1A-8D4A-98EADE87D9CF}" destId="{9E64F5DB-0B5E-4FD6-9BAE-3992EC1EB009}" srcOrd="0" destOrd="0" presId="urn:microsoft.com/office/officeart/2005/8/layout/lProcess3"/>
+    <dgm:cxn modelId="{7AF1AC3F-3F42-45DF-8D07-EF91AA4C1078}" srcId="{8ED92E66-6407-44FD-921E-FE84F85EC276}" destId="{834E9F12-1B29-4A3E-A0B4-50104DB59D16}" srcOrd="4" destOrd="0" parTransId="{FA0A700E-C1E8-4C30-BF1B-604491B58223}" sibTransId="{4A9F5246-B350-4BFD-B0DF-6132EE410BB5}"/>
+    <dgm:cxn modelId="{986D9740-F0CF-4E26-9917-041F21878BAF}" srcId="{C2F9F271-64B0-41D6-A7D5-27382FD51ABF}" destId="{C2A6241B-A60A-40A6-A332-CA1B953C0B89}" srcOrd="5" destOrd="0" parTransId="{5CA04940-3D98-47AD-898B-44D2E359A6A7}" sibTransId="{9883CD46-4361-4A6B-8433-FBDFA9E812B8}"/>
+    <dgm:cxn modelId="{FE61AC5F-E51A-47CB-96DE-215AA73DDE50}" type="presOf" srcId="{E8F2D828-7A81-4F56-8A48-12CB9D96DC14}" destId="{7CA2308A-0040-43B1-9358-E3AEFF39E55E}" srcOrd="0" destOrd="0" presId="urn:microsoft.com/office/officeart/2005/8/layout/lProcess3"/>
+    <dgm:cxn modelId="{C0D98F4A-9F31-4529-8163-570FACC0F7E1}" srcId="{8ED92E66-6407-44FD-921E-FE84F85EC276}" destId="{9BBDE11D-946C-4141-AFB7-1D98536E8C61}" srcOrd="0" destOrd="0" parTransId="{A8702FA0-5F59-4B93-9076-86ABA84C871F}" sibTransId="{14EDDD95-DEF6-4BBC-9EFB-96E015D1D13A}"/>
     <dgm:cxn modelId="{D2BF8C73-7147-48E6-9E75-E6AC8AE78A83}" type="presOf" srcId="{C2F9F271-64B0-41D6-A7D5-27382FD51ABF}" destId="{94FBA5BC-C6BE-4CFB-AAFE-632C3D6BA861}" srcOrd="0" destOrd="0" presId="urn:microsoft.com/office/officeart/2005/8/layout/lProcess3"/>
-    <dgm:cxn modelId="{FE61AC5F-E51A-47CB-96DE-215AA73DDE50}" type="presOf" srcId="{E8F2D828-7A81-4F56-8A48-12CB9D96DC14}" destId="{7CA2308A-0040-43B1-9358-E3AEFF39E55E}" srcOrd="0" destOrd="0" presId="urn:microsoft.com/office/officeart/2005/8/layout/lProcess3"/>
-    <dgm:cxn modelId="{986D9740-F0CF-4E26-9917-041F21878BAF}" srcId="{C2F9F271-64B0-41D6-A7D5-27382FD51ABF}" destId="{C2A6241B-A60A-40A6-A332-CA1B953C0B89}" srcOrd="5" destOrd="0" parTransId="{5CA04940-3D98-47AD-898B-44D2E359A6A7}" sibTransId="{9883CD46-4361-4A6B-8433-FBDFA9E812B8}"/>
+    <dgm:cxn modelId="{F0833282-A344-4FE1-A04F-B598E8C85656}" srcId="{8ED92E66-6407-44FD-921E-FE84F85EC276}" destId="{E8F2D828-7A81-4F56-8A48-12CB9D96DC14}" srcOrd="5" destOrd="0" parTransId="{C7318EFD-7BF1-4001-8FFC-AEA316EA996E}" sibTransId="{AA830B94-F7C6-4A20-AA88-13BEE0519FBB}"/>
+    <dgm:cxn modelId="{C0A27C8E-5236-4D21-B679-E10F1CD1777A}" type="presOf" srcId="{834E9F12-1B29-4A3E-A0B4-50104DB59D16}" destId="{744E4917-4B35-4A72-8BCD-58516B3775E9}" srcOrd="0" destOrd="0" presId="urn:microsoft.com/office/officeart/2005/8/layout/lProcess3"/>
     <dgm:cxn modelId="{E045F890-30B6-4CC2-8C4C-E3E99CD5C85A}" srcId="{8ED92E66-6407-44FD-921E-FE84F85EC276}" destId="{D9525DC3-C28F-4151-9ACF-8100344CEE69}" srcOrd="3" destOrd="0" parTransId="{EE715F2D-B812-4E68-A453-483BB0DBCB4D}" sibTransId="{482FABEA-B9B6-44D0-B10B-B13666439C16}"/>
-    <dgm:cxn modelId="{967FD62E-D9F1-4340-A769-D0F786685E66}" type="presOf" srcId="{4F10CD46-D03C-4C30-9A61-B3AAEF34C8B6}" destId="{067CBF43-7801-49FD-994E-7E4EB2B8E06C}" srcOrd="0" destOrd="0" presId="urn:microsoft.com/office/officeart/2005/8/layout/lProcess3"/>
+    <dgm:cxn modelId="{D04B6CA7-2535-4A2D-991C-2BF79BD1E088}" type="presOf" srcId="{64201C47-DAED-4B5A-AEBC-D5075DCD1BF7}" destId="{C07FEBDB-C1F3-41EF-AD6C-EABA431EB521}" srcOrd="0" destOrd="0" presId="urn:microsoft.com/office/officeart/2005/8/layout/lProcess3"/>
+    <dgm:cxn modelId="{26D0BDAB-FEB8-4753-93D9-F5148864893E}" srcId="{C2F9F271-64B0-41D6-A7D5-27382FD51ABF}" destId="{4F10CD46-D03C-4C30-9A61-B3AAEF34C8B6}" srcOrd="3" destOrd="0" parTransId="{F7E32598-0CF6-43C0-A5F1-643CC8BA8349}" sibTransId="{0EC0398B-E253-4636-9E1E-BBDA4D07F5E0}"/>
+    <dgm:cxn modelId="{B1DEC0AD-3B55-42AC-83B6-F36E72633E14}" type="presOf" srcId="{8110FF86-ECF1-4B51-AB45-9F942DBC9AC0}" destId="{BA82D5BB-39AE-42EB-BE1E-695C631B75F6}" srcOrd="0" destOrd="0" presId="urn:microsoft.com/office/officeart/2005/8/layout/lProcess3"/>
     <dgm:cxn modelId="{074717B5-A1F6-46AE-9A72-7074EBDBE773}" srcId="{7B4D74AC-A593-4F73-BCAD-D9C81D9C731F}" destId="{8ED92E66-6407-44FD-921E-FE84F85EC276}" srcOrd="0" destOrd="0" parTransId="{7864B6C8-DD17-4FCE-80EB-5EDB9A70C7D3}" sibTransId="{73DE67CA-BEDE-4D30-81CD-3C68A3DAFA44}"/>
+    <dgm:cxn modelId="{BF3598BC-F68C-488D-B351-CAAC28E7FB19}" srcId="{C2F9F271-64B0-41D6-A7D5-27382FD51ABF}" destId="{64201C47-DAED-4B5A-AEBC-D5075DCD1BF7}" srcOrd="4" destOrd="0" parTransId="{92B7BFF8-44A0-452E-91F9-968C8BA15E78}" sibTransId="{68C840C4-C838-466D-BCAE-A53441EF6EE5}"/>
+    <dgm:cxn modelId="{B8B22BC8-4793-4858-859E-156DD54F4456}" type="presOf" srcId="{7B4D74AC-A593-4F73-BCAD-D9C81D9C731F}" destId="{6D95DF3F-EADC-4484-87EA-FADFFEF8963B}" srcOrd="0" destOrd="0" presId="urn:microsoft.com/office/officeart/2005/8/layout/lProcess3"/>
+    <dgm:cxn modelId="{652C8BCC-AEF2-4E2D-AAAF-9325524A7509}" type="presOf" srcId="{65B7FAF7-4262-4354-889F-86391751D0CE}" destId="{E76D64D2-A9E1-49C2-8DE1-C0B744CA3EE9}" srcOrd="0" destOrd="0" presId="urn:microsoft.com/office/officeart/2005/8/layout/lProcess3"/>
+    <dgm:cxn modelId="{ADE6D5CE-D221-4FDB-ABCA-AEB3610AC6E9}" srcId="{8ED92E66-6407-44FD-921E-FE84F85EC276}" destId="{65B7FAF7-4262-4354-889F-86391751D0CE}" srcOrd="1" destOrd="0" parTransId="{B972FC22-4B07-4D51-A4BE-74F9A3373B35}" sibTransId="{657C235A-7275-466C-8DA1-5CD27F5E1614}"/>
+    <dgm:cxn modelId="{A75047D1-761B-44AF-B775-941C436B09A1}" srcId="{C2F9F271-64B0-41D6-A7D5-27382FD51ABF}" destId="{F4CF6695-2A42-4DCD-AF4B-5D6873A86569}" srcOrd="2" destOrd="0" parTransId="{7C3F3254-A031-4EC9-BB20-4EE4EB63F957}" sibTransId="{F93D65F4-4415-4C60-9667-DD4DC8446665}"/>
     <dgm:cxn modelId="{81438ED4-35E4-442B-BBF2-DD95D007880F}" srcId="{C2F9F271-64B0-41D6-A7D5-27382FD51ABF}" destId="{FC465601-FED4-4F1A-8D4A-98EADE87D9CF}" srcOrd="1" destOrd="0" parTransId="{3C83BB60-F3DF-4C8C-A36F-1F102E840D5D}" sibTransId="{1052A0B4-A1B5-4FE9-AF36-059001C444E0}"/>
+    <dgm:cxn modelId="{B136B8E7-58E2-473B-BE10-0E3E2A29D5D1}" type="presOf" srcId="{F4CF6695-2A42-4DCD-AF4B-5D6873A86569}" destId="{B041A7D8-4560-4EF1-9763-213F59725A7E}" srcOrd="0" destOrd="0" presId="urn:microsoft.com/office/officeart/2005/8/layout/lProcess3"/>
+    <dgm:cxn modelId="{C3EFB7E8-34C0-4E49-8F1E-04054930394C}" srcId="{8ED92E66-6407-44FD-921E-FE84F85EC276}" destId="{E64BE0B1-C71C-4CFD-9E9C-4E40E5B91C9D}" srcOrd="2" destOrd="0" parTransId="{C311E722-17ED-4412-9F8A-C92D8E90E9EB}" sibTransId="{9A70F99C-0FC6-44E2-B98C-AED58C942E65}"/>
     <dgm:cxn modelId="{821F55E9-FA49-4BB6-A33D-D8C3168FFC44}" srcId="{C2F9F271-64B0-41D6-A7D5-27382FD51ABF}" destId="{8110FF86-ECF1-4B51-AB45-9F942DBC9AC0}" srcOrd="0" destOrd="0" parTransId="{9F35A48C-E748-4B82-ABA5-E04DC5303289}" sibTransId="{361BD2E7-5210-4588-A684-D897488C591E}"/>
-    <dgm:cxn modelId="{652C8BCC-AEF2-4E2D-AAAF-9325524A7509}" type="presOf" srcId="{65B7FAF7-4262-4354-889F-86391751D0CE}" destId="{E76D64D2-A9E1-49C2-8DE1-C0B744CA3EE9}" srcOrd="0" destOrd="0" presId="urn:microsoft.com/office/officeart/2005/8/layout/lProcess3"/>
-    <dgm:cxn modelId="{C3EFB7E8-34C0-4E49-8F1E-04054930394C}" srcId="{8ED92E66-6407-44FD-921E-FE84F85EC276}" destId="{E64BE0B1-C71C-4CFD-9E9C-4E40E5B91C9D}" srcOrd="2" destOrd="0" parTransId="{C311E722-17ED-4412-9F8A-C92D8E90E9EB}" sibTransId="{9A70F99C-0FC6-44E2-B98C-AED58C942E65}"/>
+    <dgm:cxn modelId="{37B4A5F9-C268-4E57-80CA-7E4124313F02}" type="presOf" srcId="{8ED92E66-6407-44FD-921E-FE84F85EC276}" destId="{53587B7A-CE83-4C53-8A75-DBF752593546}" srcOrd="0" destOrd="0" presId="urn:microsoft.com/office/officeart/2005/8/layout/lProcess3"/>
     <dgm:cxn modelId="{3A60F2FC-6BE1-46CA-938A-162E25303ED6}" type="presOf" srcId="{9BBDE11D-946C-4141-AFB7-1D98536E8C61}" destId="{7043D3F6-DA2C-4993-AFDC-234B2F74DB3E}" srcOrd="0" destOrd="0" presId="urn:microsoft.com/office/officeart/2005/8/layout/lProcess3"/>
-    <dgm:cxn modelId="{B136B8E7-58E2-473B-BE10-0E3E2A29D5D1}" type="presOf" srcId="{F4CF6695-2A42-4DCD-AF4B-5D6873A86569}" destId="{B041A7D8-4560-4EF1-9763-213F59725A7E}" srcOrd="0" destOrd="0" presId="urn:microsoft.com/office/officeart/2005/8/layout/lProcess3"/>
-    <dgm:cxn modelId="{B316E536-3497-4AC6-8BE5-C2D0CDC3567B}" srcId="{7B4D74AC-A593-4F73-BCAD-D9C81D9C731F}" destId="{C2F9F271-64B0-41D6-A7D5-27382FD51ABF}" srcOrd="1" destOrd="0" parTransId="{D3037F62-4EF9-437A-B7C5-049CB2AF63A1}" sibTransId="{99B56656-CE0B-4F46-9FA3-2BFB74822A17}"/>
-    <dgm:cxn modelId="{C0D98F4A-9F31-4529-8163-570FACC0F7E1}" srcId="{8ED92E66-6407-44FD-921E-FE84F85EC276}" destId="{9BBDE11D-946C-4141-AFB7-1D98536E8C61}" srcOrd="0" destOrd="0" parTransId="{A8702FA0-5F59-4B93-9076-86ABA84C871F}" sibTransId="{14EDDD95-DEF6-4BBC-9EFB-96E015D1D13A}"/>
-    <dgm:cxn modelId="{B1DEC0AD-3B55-42AC-83B6-F36E72633E14}" type="presOf" srcId="{8110FF86-ECF1-4B51-AB45-9F942DBC9AC0}" destId="{BA82D5BB-39AE-42EB-BE1E-695C631B75F6}" srcOrd="0" destOrd="0" presId="urn:microsoft.com/office/officeart/2005/8/layout/lProcess3"/>
-    <dgm:cxn modelId="{B8B22BC8-4793-4858-859E-156DD54F4456}" type="presOf" srcId="{7B4D74AC-A593-4F73-BCAD-D9C81D9C731F}" destId="{6D95DF3F-EADC-4484-87EA-FADFFEF8963B}" srcOrd="0" destOrd="0" presId="urn:microsoft.com/office/officeart/2005/8/layout/lProcess3"/>
-    <dgm:cxn modelId="{F0833282-A344-4FE1-A04F-B598E8C85656}" srcId="{8ED92E66-6407-44FD-921E-FE84F85EC276}" destId="{E8F2D828-7A81-4F56-8A48-12CB9D96DC14}" srcOrd="5" destOrd="0" parTransId="{C7318EFD-7BF1-4001-8FFC-AEA316EA996E}" sibTransId="{AA830B94-F7C6-4A20-AA88-13BEE0519FBB}"/>
-    <dgm:cxn modelId="{26D0BDAB-FEB8-4753-93D9-F5148864893E}" srcId="{C2F9F271-64B0-41D6-A7D5-27382FD51ABF}" destId="{4F10CD46-D03C-4C30-9A61-B3AAEF34C8B6}" srcOrd="3" destOrd="0" parTransId="{F7E32598-0CF6-43C0-A5F1-643CC8BA8349}" sibTransId="{0EC0398B-E253-4636-9E1E-BBDA4D07F5E0}"/>
-    <dgm:cxn modelId="{F70FB034-4CA5-4D3F-9B93-168C3C22ADC6}" type="presOf" srcId="{C2A6241B-A60A-40A6-A332-CA1B953C0B89}" destId="{89883161-4AC0-43EF-A757-DF79B756FAB4}" srcOrd="0" destOrd="0" presId="urn:microsoft.com/office/officeart/2005/8/layout/lProcess3"/>
-    <dgm:cxn modelId="{A75047D1-761B-44AF-B775-941C436B09A1}" srcId="{C2F9F271-64B0-41D6-A7D5-27382FD51ABF}" destId="{F4CF6695-2A42-4DCD-AF4B-5D6873A86569}" srcOrd="2" destOrd="0" parTransId="{7C3F3254-A031-4EC9-BB20-4EE4EB63F957}" sibTransId="{F93D65F4-4415-4C60-9667-DD4DC8446665}"/>
-    <dgm:cxn modelId="{ED148039-07A3-418D-884D-CDC4631DC885}" type="presOf" srcId="{FC465601-FED4-4F1A-8D4A-98EADE87D9CF}" destId="{9E64F5DB-0B5E-4FD6-9BAE-3992EC1EB009}" srcOrd="0" destOrd="0" presId="urn:microsoft.com/office/officeart/2005/8/layout/lProcess3"/>
-    <dgm:cxn modelId="{2B2D3F2A-C509-47F3-A93F-0E87F7DBCDAD}" type="presOf" srcId="{E64BE0B1-C71C-4CFD-9E9C-4E40E5B91C9D}" destId="{B4AA8CBE-2637-49F4-8D4B-18E5DC70FFEB}" srcOrd="0" destOrd="0" presId="urn:microsoft.com/office/officeart/2005/8/layout/lProcess3"/>
-    <dgm:cxn modelId="{C0A27C8E-5236-4D21-B679-E10F1CD1777A}" type="presOf" srcId="{834E9F12-1B29-4A3E-A0B4-50104DB59D16}" destId="{744E4917-4B35-4A72-8BCD-58516B3775E9}" srcOrd="0" destOrd="0" presId="urn:microsoft.com/office/officeart/2005/8/layout/lProcess3"/>
-    <dgm:cxn modelId="{6C4A962B-AC5A-4770-BDF1-8202C049EC05}" type="presOf" srcId="{D9525DC3-C28F-4151-9ACF-8100344CEE69}" destId="{6A586E54-E152-4EA2-B9E8-BF172B3BB227}" srcOrd="0" destOrd="0" presId="urn:microsoft.com/office/officeart/2005/8/layout/lProcess3"/>
-    <dgm:cxn modelId="{D04B6CA7-2535-4A2D-991C-2BF79BD1E088}" type="presOf" srcId="{64201C47-DAED-4B5A-AEBC-D5075DCD1BF7}" destId="{C07FEBDB-C1F3-41EF-AD6C-EABA431EB521}" srcOrd="0" destOrd="0" presId="urn:microsoft.com/office/officeart/2005/8/layout/lProcess3"/>
-    <dgm:cxn modelId="{7AF1AC3F-3F42-45DF-8D07-EF91AA4C1078}" srcId="{8ED92E66-6407-44FD-921E-FE84F85EC276}" destId="{834E9F12-1B29-4A3E-A0B4-50104DB59D16}" srcOrd="4" destOrd="0" parTransId="{FA0A700E-C1E8-4C30-BF1B-604491B58223}" sibTransId="{4A9F5246-B350-4BFD-B0DF-6132EE410BB5}"/>
-    <dgm:cxn modelId="{ADE6D5CE-D221-4FDB-ABCA-AEB3610AC6E9}" srcId="{8ED92E66-6407-44FD-921E-FE84F85EC276}" destId="{65B7FAF7-4262-4354-889F-86391751D0CE}" srcOrd="1" destOrd="0" parTransId="{B972FC22-4B07-4D51-A4BE-74F9A3373B35}" sibTransId="{657C235A-7275-466C-8DA1-5CD27F5E1614}"/>
-    <dgm:cxn modelId="{BF3598BC-F68C-488D-B351-CAAC28E7FB19}" srcId="{C2F9F271-64B0-41D6-A7D5-27382FD51ABF}" destId="{64201C47-DAED-4B5A-AEBC-D5075DCD1BF7}" srcOrd="4" destOrd="0" parTransId="{92B7BFF8-44A0-452E-91F9-968C8BA15E78}" sibTransId="{68C840C4-C838-466D-BCAE-A53441EF6EE5}"/>
-    <dgm:cxn modelId="{37B4A5F9-C268-4E57-80CA-7E4124313F02}" type="presOf" srcId="{8ED92E66-6407-44FD-921E-FE84F85EC276}" destId="{53587B7A-CE83-4C53-8A75-DBF752593546}" srcOrd="0" destOrd="0" presId="urn:microsoft.com/office/officeart/2005/8/layout/lProcess3"/>
     <dgm:cxn modelId="{85638B2D-077F-4F7D-92A8-3B443022417E}" type="presParOf" srcId="{6D95DF3F-EADC-4484-87EA-FADFFEF8963B}" destId="{72351675-A75A-418F-B54D-75582005E322}" srcOrd="0" destOrd="0" presId="urn:microsoft.com/office/officeart/2005/8/layout/lProcess3"/>
     <dgm:cxn modelId="{705BF04B-31EC-4D86-9E00-6F936900B163}" type="presParOf" srcId="{72351675-A75A-418F-B54D-75582005E322}" destId="{53587B7A-CE83-4C53-8A75-DBF752593546}" srcOrd="0" destOrd="0" presId="urn:microsoft.com/office/officeart/2005/8/layout/lProcess3"/>
     <dgm:cxn modelId="{24304B89-48DE-4425-94FA-911F651751A5}" type="presParOf" srcId="{72351675-A75A-418F-B54D-75582005E322}" destId="{DEC20D1B-D52A-443F-91F5-11328299A612}" srcOrd="1" destOrd="0" presId="urn:microsoft.com/office/officeart/2005/8/layout/lProcess3"/>
@@ -6273,13 +6118,6 @@
         </dgm:presLayoutVars>
       </dgm:prSet>
       <dgm:spPr/>
-      <dgm:t>
-        <a:bodyPr/>
-        <a:lstStyle/>
-        <a:p>
-          <a:endParaRPr lang="en-US"/>
-        </a:p>
-      </dgm:t>
     </dgm:pt>
     <dgm:pt modelId="{C8BC21FD-556C-40FC-81CC-FBE0FB65A039}" type="pres">
       <dgm:prSet presAssocID="{082E8A29-955A-4C7C-A174-3E9DCD4DC89B}" presName="ParentComposite" presStyleCnt="0"/>
@@ -6302,13 +6140,6 @@
         </dgm:presLayoutVars>
       </dgm:prSet>
       <dgm:spPr/>
-      <dgm:t>
-        <a:bodyPr/>
-        <a:lstStyle/>
-        <a:p>
-          <a:endParaRPr lang="en-US"/>
-        </a:p>
-      </dgm:t>
     </dgm:pt>
     <dgm:pt modelId="{5C7566F6-C13E-4509-A9A7-CD09BAF0870E}" type="pres">
       <dgm:prSet presAssocID="{D5C26250-A06D-4B41-BC14-92648809C21F}" presName="negSibTrans" presStyleCnt="0"/>
@@ -6327,13 +6158,6 @@
         </dgm:presLayoutVars>
       </dgm:prSet>
       <dgm:spPr/>
-      <dgm:t>
-        <a:bodyPr/>
-        <a:lstStyle/>
-        <a:p>
-          <a:endParaRPr lang="en-US"/>
-        </a:p>
-      </dgm:t>
     </dgm:pt>
     <dgm:pt modelId="{388B3605-5608-4D75-A447-2786C48796D3}" type="pres">
       <dgm:prSet presAssocID="{C2176686-D23E-48EB-9D1B-1A1B46236638}" presName="sibTrans" presStyleCnt="0"/>
@@ -6360,13 +6184,6 @@
         </dgm:presLayoutVars>
       </dgm:prSet>
       <dgm:spPr/>
-      <dgm:t>
-        <a:bodyPr/>
-        <a:lstStyle/>
-        <a:p>
-          <a:endParaRPr lang="en-US"/>
-        </a:p>
-      </dgm:t>
     </dgm:pt>
     <dgm:pt modelId="{28E47D28-1AC9-4674-BF31-83CBB825DA83}" type="pres">
       <dgm:prSet presAssocID="{3640B940-6901-481F-ADF7-6B77DEEED764}" presName="negSibTrans" presStyleCnt="0"/>
@@ -6385,13 +6202,6 @@
         </dgm:presLayoutVars>
       </dgm:prSet>
       <dgm:spPr/>
-      <dgm:t>
-        <a:bodyPr/>
-        <a:lstStyle/>
-        <a:p>
-          <a:endParaRPr lang="en-US"/>
-        </a:p>
-      </dgm:t>
     </dgm:pt>
     <dgm:pt modelId="{63F744B1-319A-47E4-B03C-7B9910615014}" type="pres">
       <dgm:prSet presAssocID="{48634C00-2335-4923-9072-EB7482323D9C}" presName="sibTrans" presStyleCnt="0"/>
@@ -6418,13 +6228,6 @@
         </dgm:presLayoutVars>
       </dgm:prSet>
       <dgm:spPr/>
-      <dgm:t>
-        <a:bodyPr/>
-        <a:lstStyle/>
-        <a:p>
-          <a:endParaRPr lang="en-US"/>
-        </a:p>
-      </dgm:t>
     </dgm:pt>
     <dgm:pt modelId="{4059FA52-BA29-436C-B01E-F625A31B39D5}" type="pres">
       <dgm:prSet presAssocID="{6C9440D0-8847-40C0-98BC-2B5EA5745C3A}" presName="negSibTrans" presStyleCnt="0"/>
@@ -6443,13 +6246,6 @@
         </dgm:presLayoutVars>
       </dgm:prSet>
       <dgm:spPr/>
-      <dgm:t>
-        <a:bodyPr/>
-        <a:lstStyle/>
-        <a:p>
-          <a:endParaRPr lang="en-US"/>
-        </a:p>
-      </dgm:t>
     </dgm:pt>
     <dgm:pt modelId="{0CF3F78D-59EA-412D-A1D1-233489C3EBF6}" type="pres">
       <dgm:prSet presAssocID="{DE289E29-1989-4D8E-8AA6-F030105B3F13}" presName="sibTrans" presStyleCnt="0"/>
@@ -6476,13 +6272,6 @@
         </dgm:presLayoutVars>
       </dgm:prSet>
       <dgm:spPr/>
-      <dgm:t>
-        <a:bodyPr/>
-        <a:lstStyle/>
-        <a:p>
-          <a:endParaRPr lang="en-US"/>
-        </a:p>
-      </dgm:t>
     </dgm:pt>
     <dgm:pt modelId="{97CD814A-57C6-4E77-81D0-DF5F94515A11}" type="pres">
       <dgm:prSet presAssocID="{77756FBB-BF6C-4D78-803E-BCC851F1DA03}" presName="negSibTrans" presStyleCnt="0"/>
@@ -6501,47 +6290,40 @@
         </dgm:presLayoutVars>
       </dgm:prSet>
       <dgm:spPr/>
-      <dgm:t>
-        <a:bodyPr/>
-        <a:lstStyle/>
-        <a:p>
-          <a:endParaRPr lang="en-US"/>
-        </a:p>
-      </dgm:t>
     </dgm:pt>
   </dgm:ptLst>
   <dgm:cxnLst>
+    <dgm:cxn modelId="{B055C91B-9D3C-49A8-99B5-F11DA4FEA935}" type="presOf" srcId="{F3256203-D9D1-492A-B801-68C1A32486F0}" destId="{986877C7-5555-4471-A423-DCAF7AEC96DE}" srcOrd="0" destOrd="0" presId="urn:microsoft.com/office/officeart/2009/3/layout/PieProcess"/>
+    <dgm:cxn modelId="{56DED42F-8763-49B1-B10F-B89D85A55BA2}" type="presOf" srcId="{422AACC2-0BA9-4098-8E51-7BBB903AF3DB}" destId="{986877C7-5555-4471-A423-DCAF7AEC96DE}" srcOrd="0" destOrd="1" presId="urn:microsoft.com/office/officeart/2009/3/layout/PieProcess"/>
+    <dgm:cxn modelId="{1C5CE732-A00F-4C06-A1A8-B209BC6B496D}" srcId="{E5E95E82-EF79-43CA-AA86-43B0E1CBCD3F}" destId="{37A7C994-CC74-44DD-8777-ED6736B35821}" srcOrd="1" destOrd="0" parTransId="{03F017E7-7E3C-4E2C-9CEF-B07099F38801}" sibTransId="{118572A4-3B5E-487E-8015-6A319369077F}"/>
+    <dgm:cxn modelId="{5EF5D55D-D88A-4885-BFBE-B52166978109}" type="presOf" srcId="{6D0E5D9F-7263-4526-A227-51301233F549}" destId="{CA9AEAE3-E1C9-456F-BBFA-1FA519C78A4E}" srcOrd="0" destOrd="0" presId="urn:microsoft.com/office/officeart/2009/3/layout/PieProcess"/>
+    <dgm:cxn modelId="{58F02963-6103-4BE1-8EFB-FC841CBFF260}" type="presOf" srcId="{62831651-7C26-466C-BAA4-31EA8D14E47A}" destId="{AD586D5E-6D5D-4C38-A2CC-FCF6A2523532}" srcOrd="0" destOrd="1" presId="urn:microsoft.com/office/officeart/2009/3/layout/PieProcess"/>
+    <dgm:cxn modelId="{B011A044-8BC6-4A2F-A46E-FB04D5D0C086}" type="presOf" srcId="{97AFB725-9839-43BA-B026-0DD6AA03AD9C}" destId="{2D1C1CB8-58C2-46AC-93F8-7D14C8828C6D}" srcOrd="0" destOrd="0" presId="urn:microsoft.com/office/officeart/2009/3/layout/PieProcess"/>
+    <dgm:cxn modelId="{5CB77846-4F8B-4461-B835-28D27CFCEB72}" type="presOf" srcId="{44B2544A-D122-4B95-A36C-B03D9E272B48}" destId="{AD586D5E-6D5D-4C38-A2CC-FCF6A2523532}" srcOrd="0" destOrd="2" presId="urn:microsoft.com/office/officeart/2009/3/layout/PieProcess"/>
+    <dgm:cxn modelId="{17E73148-9C08-4999-B21E-F3C5A0E3FC0C}" srcId="{CF9055CF-8DEB-4A02-949A-DE72B6AC5D37}" destId="{B6E26FFC-9977-4BBC-BEC7-3D6B63754E52}" srcOrd="1" destOrd="0" parTransId="{5CEFBD89-2F4F-4B51-A98A-0F3C86494166}" sibTransId="{48634C00-2335-4923-9072-EB7482323D9C}"/>
+    <dgm:cxn modelId="{D286A548-6BB0-4DED-9FB5-D87042DDBE0A}" srcId="{082E8A29-955A-4C7C-A174-3E9DCD4DC89B}" destId="{A97FC57D-50D6-4D43-99C3-06D09820F122}" srcOrd="2" destOrd="0" parTransId="{5DD877C7-E4D9-4A68-A305-5A7689D3DBE7}" sibTransId="{C17BCABE-BEF2-4CC4-B037-B6B4866665CD}"/>
+    <dgm:cxn modelId="{3CE1E068-DAFD-4DED-8F95-3517E57F6221}" type="presOf" srcId="{37A7C994-CC74-44DD-8777-ED6736B35821}" destId="{FDC79394-E0CB-4CB1-9269-8658F340BC8D}" srcOrd="0" destOrd="1" presId="urn:microsoft.com/office/officeart/2009/3/layout/PieProcess"/>
     <dgm:cxn modelId="{508A9F6A-C4F1-4147-A5F6-B89293B446E8}" srcId="{082E8A29-955A-4C7C-A174-3E9DCD4DC89B}" destId="{B86124A4-14C7-49C7-A342-9B2C2B94980B}" srcOrd="1" destOrd="0" parTransId="{B2F6F8FA-C3EE-485C-BFEC-A81570DC47D8}" sibTransId="{1114C752-8188-4E63-BFFC-E4081ACE9882}"/>
-    <dgm:cxn modelId="{0F5879C4-E67B-4EF6-B34A-7C943703A97C}" type="presOf" srcId="{E5E95E82-EF79-43CA-AA86-43B0E1CBCD3F}" destId="{5A148C6B-0CFB-4CDB-B2E0-0CF7320A2CD8}" srcOrd="0" destOrd="0" presId="urn:microsoft.com/office/officeart/2009/3/layout/PieProcess"/>
+    <dgm:cxn modelId="{3C755D53-78EF-4E69-9076-3238E975E57E}" type="presOf" srcId="{A81358E0-3DE7-41AD-A28C-ABB22548B1F6}" destId="{FDC79394-E0CB-4CB1-9269-8658F340BC8D}" srcOrd="0" destOrd="0" presId="urn:microsoft.com/office/officeart/2009/3/layout/PieProcess"/>
+    <dgm:cxn modelId="{68ED9B74-A67A-41A0-BDAD-6E6FDB344D57}" srcId="{6D0E5D9F-7263-4526-A227-51301233F549}" destId="{16208C88-5337-4797-9F05-5AC2E7EB8C59}" srcOrd="2" destOrd="0" parTransId="{79633DA8-5657-4B11-8E98-98132FCC65B8}" sibTransId="{0C8BE7E8-90F4-4597-A5DF-A0A8749AAF4E}"/>
+    <dgm:cxn modelId="{59DDA576-1BA9-49E8-9D1D-361FF667A19A}" srcId="{B6E26FFC-9977-4BBC-BEC7-3D6B63754E52}" destId="{62831651-7C26-466C-BAA4-31EA8D14E47A}" srcOrd="1" destOrd="0" parTransId="{0F3EB6E4-07A5-4199-9C2F-8B91F53579FE}" sibTransId="{0D19FA60-5F9C-420B-AD2F-A0656A7F0783}"/>
+    <dgm:cxn modelId="{DB859658-33CE-4587-95EE-FB3377C31B44}" type="presOf" srcId="{CBCC21F5-552F-4D39-812E-6FCD4A366F58}" destId="{AD586D5E-6D5D-4C38-A2CC-FCF6A2523532}" srcOrd="0" destOrd="0" presId="urn:microsoft.com/office/officeart/2009/3/layout/PieProcess"/>
+    <dgm:cxn modelId="{2986897A-7787-444F-B6C8-41F3823EF3C1}" srcId="{CF9055CF-8DEB-4A02-949A-DE72B6AC5D37}" destId="{082E8A29-955A-4C7C-A174-3E9DCD4DC89B}" srcOrd="0" destOrd="0" parTransId="{BA7938E6-8DFA-40B7-B4C4-EACC6D85FC31}" sibTransId="{C2176686-D23E-48EB-9D1B-1A1B46236638}"/>
+    <dgm:cxn modelId="{7AE93886-F830-46EF-8947-2D3BD71DE3AE}" type="presOf" srcId="{B6E26FFC-9977-4BBC-BEC7-3D6B63754E52}" destId="{BC4B5C02-E286-4891-A251-DC2B2E3F436B}" srcOrd="0" destOrd="0" presId="urn:microsoft.com/office/officeart/2009/3/layout/PieProcess"/>
     <dgm:cxn modelId="{97004F90-D1DB-4A84-A8AE-504DE1F07341}" srcId="{082E8A29-955A-4C7C-A174-3E9DCD4DC89B}" destId="{97AFB725-9839-43BA-B026-0DD6AA03AD9C}" srcOrd="0" destOrd="0" parTransId="{CC01022B-5039-457F-931E-79459E3C1DC4}" sibTransId="{D5C26250-A06D-4B41-BC14-92648809C21F}"/>
     <dgm:cxn modelId="{D2985AA5-A2DA-491D-8D79-7197674A4AB0}" type="presOf" srcId="{082E8A29-955A-4C7C-A174-3E9DCD4DC89B}" destId="{3738601E-7288-4CE8-B6B3-708FCF66B198}" srcOrd="0" destOrd="0" presId="urn:microsoft.com/office/officeart/2009/3/layout/PieProcess"/>
-    <dgm:cxn modelId="{DB859658-33CE-4587-95EE-FB3377C31B44}" type="presOf" srcId="{CBCC21F5-552F-4D39-812E-6FCD4A366F58}" destId="{AD586D5E-6D5D-4C38-A2CC-FCF6A2523532}" srcOrd="0" destOrd="0" presId="urn:microsoft.com/office/officeart/2009/3/layout/PieProcess"/>
+    <dgm:cxn modelId="{A76240AD-13F6-40C0-BD9B-102D5EC0AE51}" srcId="{CF9055CF-8DEB-4A02-949A-DE72B6AC5D37}" destId="{E5E95E82-EF79-43CA-AA86-43B0E1CBCD3F}" srcOrd="3" destOrd="0" parTransId="{FD76A3AE-1B6C-45A0-8E84-63160283749F}" sibTransId="{BF76010C-5523-4E13-B3E7-886DCE6AEBD4}"/>
+    <dgm:cxn modelId="{2E2AA5AF-25C8-4FAD-A68E-3FA1132BED79}" srcId="{6D0E5D9F-7263-4526-A227-51301233F549}" destId="{422AACC2-0BA9-4098-8E51-7BBB903AF3DB}" srcOrd="1" destOrd="0" parTransId="{11DAD3B5-F1B9-444B-8EA3-1E482FF1214A}" sibTransId="{1C5069E3-05F5-4148-88FE-11E4D98108D1}"/>
+    <dgm:cxn modelId="{1B8E71B0-2D3A-4AB0-8843-CFDACEDC3198}" srcId="{6D0E5D9F-7263-4526-A227-51301233F549}" destId="{F3256203-D9D1-492A-B801-68C1A32486F0}" srcOrd="0" destOrd="0" parTransId="{E9A20291-2E30-4C14-BB7D-DC095A20ECB6}" sibTransId="{6C9440D0-8847-40C0-98BC-2B5EA5745C3A}"/>
+    <dgm:cxn modelId="{B8464EB7-B7C2-4FAB-8CA2-A7F788408F70}" type="presOf" srcId="{16208C88-5337-4797-9F05-5AC2E7EB8C59}" destId="{986877C7-5555-4471-A423-DCAF7AEC96DE}" srcOrd="0" destOrd="2" presId="urn:microsoft.com/office/officeart/2009/3/layout/PieProcess"/>
+    <dgm:cxn modelId="{0F01CEBE-F1E6-459D-8F2E-85505CF54DA8}" type="presOf" srcId="{A97FC57D-50D6-4D43-99C3-06D09820F122}" destId="{2D1C1CB8-58C2-46AC-93F8-7D14C8828C6D}" srcOrd="0" destOrd="2" presId="urn:microsoft.com/office/officeart/2009/3/layout/PieProcess"/>
     <dgm:cxn modelId="{25AF28C0-EE18-4E0F-8B01-F10F3096BC86}" type="presOf" srcId="{B86124A4-14C7-49C7-A342-9B2C2B94980B}" destId="{2D1C1CB8-58C2-46AC-93F8-7D14C8828C6D}" srcOrd="0" destOrd="1" presId="urn:microsoft.com/office/officeart/2009/3/layout/PieProcess"/>
-    <dgm:cxn modelId="{17E73148-9C08-4999-B21E-F3C5A0E3FC0C}" srcId="{CF9055CF-8DEB-4A02-949A-DE72B6AC5D37}" destId="{B6E26FFC-9977-4BBC-BEC7-3D6B63754E52}" srcOrd="1" destOrd="0" parTransId="{5CEFBD89-2F4F-4B51-A98A-0F3C86494166}" sibTransId="{48634C00-2335-4923-9072-EB7482323D9C}"/>
-    <dgm:cxn modelId="{58F02963-6103-4BE1-8EFB-FC841CBFF260}" type="presOf" srcId="{62831651-7C26-466C-BAA4-31EA8D14E47A}" destId="{AD586D5E-6D5D-4C38-A2CC-FCF6A2523532}" srcOrd="0" destOrd="1" presId="urn:microsoft.com/office/officeart/2009/3/layout/PieProcess"/>
-    <dgm:cxn modelId="{7AE93886-F830-46EF-8947-2D3BD71DE3AE}" type="presOf" srcId="{B6E26FFC-9977-4BBC-BEC7-3D6B63754E52}" destId="{BC4B5C02-E286-4891-A251-DC2B2E3F436B}" srcOrd="0" destOrd="0" presId="urn:microsoft.com/office/officeart/2009/3/layout/PieProcess"/>
+    <dgm:cxn modelId="{FB8541C0-3895-4553-A4C7-34B81A3C4A0B}" srcId="{E5E95E82-EF79-43CA-AA86-43B0E1CBCD3F}" destId="{A81358E0-3DE7-41AD-A28C-ABB22548B1F6}" srcOrd="0" destOrd="0" parTransId="{262E0B94-6EA9-4797-B705-959D7B185F91}" sibTransId="{77756FBB-BF6C-4D78-803E-BCC851F1DA03}"/>
+    <dgm:cxn modelId="{0F5879C4-E67B-4EF6-B34A-7C943703A97C}" type="presOf" srcId="{E5E95E82-EF79-43CA-AA86-43B0E1CBCD3F}" destId="{5A148C6B-0CFB-4CDB-B2E0-0CF7320A2CD8}" srcOrd="0" destOrd="0" presId="urn:microsoft.com/office/officeart/2009/3/layout/PieProcess"/>
     <dgm:cxn modelId="{C8C462C6-33A3-4E8B-91FE-36DBE92F1C4A}" srcId="{CF9055CF-8DEB-4A02-949A-DE72B6AC5D37}" destId="{6D0E5D9F-7263-4526-A227-51301233F549}" srcOrd="2" destOrd="0" parTransId="{23416D07-25F8-426C-BC65-639E6BCF4D6D}" sibTransId="{DE289E29-1989-4D8E-8AA6-F030105B3F13}"/>
-    <dgm:cxn modelId="{59DDA576-1BA9-49E8-9D1D-361FF667A19A}" srcId="{B6E26FFC-9977-4BBC-BEC7-3D6B63754E52}" destId="{62831651-7C26-466C-BAA4-31EA8D14E47A}" srcOrd="1" destOrd="0" parTransId="{0F3EB6E4-07A5-4199-9C2F-8B91F53579FE}" sibTransId="{0D19FA60-5F9C-420B-AD2F-A0656A7F0783}"/>
-    <dgm:cxn modelId="{5EF5D55D-D88A-4885-BFBE-B52166978109}" type="presOf" srcId="{6D0E5D9F-7263-4526-A227-51301233F549}" destId="{CA9AEAE3-E1C9-456F-BBFA-1FA519C78A4E}" srcOrd="0" destOrd="0" presId="urn:microsoft.com/office/officeart/2009/3/layout/PieProcess"/>
-    <dgm:cxn modelId="{68ED9B74-A67A-41A0-BDAD-6E6FDB344D57}" srcId="{6D0E5D9F-7263-4526-A227-51301233F549}" destId="{16208C88-5337-4797-9F05-5AC2E7EB8C59}" srcOrd="2" destOrd="0" parTransId="{79633DA8-5657-4B11-8E98-98132FCC65B8}" sibTransId="{0C8BE7E8-90F4-4597-A5DF-A0A8749AAF4E}"/>
-    <dgm:cxn modelId="{B8464EB7-B7C2-4FAB-8CA2-A7F788408F70}" type="presOf" srcId="{16208C88-5337-4797-9F05-5AC2E7EB8C59}" destId="{986877C7-5555-4471-A423-DCAF7AEC96DE}" srcOrd="0" destOrd="2" presId="urn:microsoft.com/office/officeart/2009/3/layout/PieProcess"/>
-    <dgm:cxn modelId="{FB8541C0-3895-4553-A4C7-34B81A3C4A0B}" srcId="{E5E95E82-EF79-43CA-AA86-43B0E1CBCD3F}" destId="{A81358E0-3DE7-41AD-A28C-ABB22548B1F6}" srcOrd="0" destOrd="0" parTransId="{262E0B94-6EA9-4797-B705-959D7B185F91}" sibTransId="{77756FBB-BF6C-4D78-803E-BCC851F1DA03}"/>
+    <dgm:cxn modelId="{B8E8ABDE-9AC8-47CE-A780-378F6122DFF9}" type="presOf" srcId="{CF9055CF-8DEB-4A02-949A-DE72B6AC5D37}" destId="{CB01CF51-F723-4F8D-80F7-D236155D2300}" srcOrd="0" destOrd="0" presId="urn:microsoft.com/office/officeart/2009/3/layout/PieProcess"/>
+    <dgm:cxn modelId="{F89EA6DF-D106-435E-9337-D23286A767A6}" srcId="{B6E26FFC-9977-4BBC-BEC7-3D6B63754E52}" destId="{44B2544A-D122-4B95-A36C-B03D9E272B48}" srcOrd="2" destOrd="0" parTransId="{9EE40E78-C1B8-4A87-A668-53AD816CED24}" sibTransId="{F32DECE0-DC7F-4DCF-A10D-96A117A49197}"/>
     <dgm:cxn modelId="{3C41F2E0-4620-40B4-9857-68872B278EFB}" srcId="{B6E26FFC-9977-4BBC-BEC7-3D6B63754E52}" destId="{CBCC21F5-552F-4D39-812E-6FCD4A366F58}" srcOrd="0" destOrd="0" parTransId="{4A973A1C-85F1-4969-A536-D29940229E2C}" sibTransId="{3640B940-6901-481F-ADF7-6B77DEEED764}"/>
-    <dgm:cxn modelId="{3C755D53-78EF-4E69-9076-3238E975E57E}" type="presOf" srcId="{A81358E0-3DE7-41AD-A28C-ABB22548B1F6}" destId="{FDC79394-E0CB-4CB1-9269-8658F340BC8D}" srcOrd="0" destOrd="0" presId="urn:microsoft.com/office/officeart/2009/3/layout/PieProcess"/>
-    <dgm:cxn modelId="{B8E8ABDE-9AC8-47CE-A780-378F6122DFF9}" type="presOf" srcId="{CF9055CF-8DEB-4A02-949A-DE72B6AC5D37}" destId="{CB01CF51-F723-4F8D-80F7-D236155D2300}" srcOrd="0" destOrd="0" presId="urn:microsoft.com/office/officeart/2009/3/layout/PieProcess"/>
-    <dgm:cxn modelId="{1B8E71B0-2D3A-4AB0-8843-CFDACEDC3198}" srcId="{6D0E5D9F-7263-4526-A227-51301233F549}" destId="{F3256203-D9D1-492A-B801-68C1A32486F0}" srcOrd="0" destOrd="0" parTransId="{E9A20291-2E30-4C14-BB7D-DC095A20ECB6}" sibTransId="{6C9440D0-8847-40C0-98BC-2B5EA5745C3A}"/>
-    <dgm:cxn modelId="{2986897A-7787-444F-B6C8-41F3823EF3C1}" srcId="{CF9055CF-8DEB-4A02-949A-DE72B6AC5D37}" destId="{082E8A29-955A-4C7C-A174-3E9DCD4DC89B}" srcOrd="0" destOrd="0" parTransId="{BA7938E6-8DFA-40B7-B4C4-EACC6D85FC31}" sibTransId="{C2176686-D23E-48EB-9D1B-1A1B46236638}"/>
-    <dgm:cxn modelId="{1C5CE732-A00F-4C06-A1A8-B209BC6B496D}" srcId="{E5E95E82-EF79-43CA-AA86-43B0E1CBCD3F}" destId="{37A7C994-CC74-44DD-8777-ED6736B35821}" srcOrd="1" destOrd="0" parTransId="{03F017E7-7E3C-4E2C-9CEF-B07099F38801}" sibTransId="{118572A4-3B5E-487E-8015-6A319369077F}"/>
-    <dgm:cxn modelId="{2E2AA5AF-25C8-4FAD-A68E-3FA1132BED79}" srcId="{6D0E5D9F-7263-4526-A227-51301233F549}" destId="{422AACC2-0BA9-4098-8E51-7BBB903AF3DB}" srcOrd="1" destOrd="0" parTransId="{11DAD3B5-F1B9-444B-8EA3-1E482FF1214A}" sibTransId="{1C5069E3-05F5-4148-88FE-11E4D98108D1}"/>
-    <dgm:cxn modelId="{5CB77846-4F8B-4461-B835-28D27CFCEB72}" type="presOf" srcId="{44B2544A-D122-4B95-A36C-B03D9E272B48}" destId="{AD586D5E-6D5D-4C38-A2CC-FCF6A2523532}" srcOrd="0" destOrd="2" presId="urn:microsoft.com/office/officeart/2009/3/layout/PieProcess"/>
-    <dgm:cxn modelId="{D286A548-6BB0-4DED-9FB5-D87042DDBE0A}" srcId="{082E8A29-955A-4C7C-A174-3E9DCD4DC89B}" destId="{A97FC57D-50D6-4D43-99C3-06D09820F122}" srcOrd="2" destOrd="0" parTransId="{5DD877C7-E4D9-4A68-A305-5A7689D3DBE7}" sibTransId="{C17BCABE-BEF2-4CC4-B037-B6B4866665CD}"/>
-    <dgm:cxn modelId="{3CE1E068-DAFD-4DED-8F95-3517E57F6221}" type="presOf" srcId="{37A7C994-CC74-44DD-8777-ED6736B35821}" destId="{FDC79394-E0CB-4CB1-9269-8658F340BC8D}" srcOrd="0" destOrd="1" presId="urn:microsoft.com/office/officeart/2009/3/layout/PieProcess"/>
-    <dgm:cxn modelId="{56DED42F-8763-49B1-B10F-B89D85A55BA2}" type="presOf" srcId="{422AACC2-0BA9-4098-8E51-7BBB903AF3DB}" destId="{986877C7-5555-4471-A423-DCAF7AEC96DE}" srcOrd="0" destOrd="1" presId="urn:microsoft.com/office/officeart/2009/3/layout/PieProcess"/>
-    <dgm:cxn modelId="{F89EA6DF-D106-435E-9337-D23286A767A6}" srcId="{B6E26FFC-9977-4BBC-BEC7-3D6B63754E52}" destId="{44B2544A-D122-4B95-A36C-B03D9E272B48}" srcOrd="2" destOrd="0" parTransId="{9EE40E78-C1B8-4A87-A668-53AD816CED24}" sibTransId="{F32DECE0-DC7F-4DCF-A10D-96A117A49197}"/>
-    <dgm:cxn modelId="{A76240AD-13F6-40C0-BD9B-102D5EC0AE51}" srcId="{CF9055CF-8DEB-4A02-949A-DE72B6AC5D37}" destId="{E5E95E82-EF79-43CA-AA86-43B0E1CBCD3F}" srcOrd="3" destOrd="0" parTransId="{FD76A3AE-1B6C-45A0-8E84-63160283749F}" sibTransId="{BF76010C-5523-4E13-B3E7-886DCE6AEBD4}"/>
-    <dgm:cxn modelId="{B011A044-8BC6-4A2F-A46E-FB04D5D0C086}" type="presOf" srcId="{97AFB725-9839-43BA-B026-0DD6AA03AD9C}" destId="{2D1C1CB8-58C2-46AC-93F8-7D14C8828C6D}" srcOrd="0" destOrd="0" presId="urn:microsoft.com/office/officeart/2009/3/layout/PieProcess"/>
-    <dgm:cxn modelId="{0F01CEBE-F1E6-459D-8F2E-85505CF54DA8}" type="presOf" srcId="{A97FC57D-50D6-4D43-99C3-06D09820F122}" destId="{2D1C1CB8-58C2-46AC-93F8-7D14C8828C6D}" srcOrd="0" destOrd="2" presId="urn:microsoft.com/office/officeart/2009/3/layout/PieProcess"/>
-    <dgm:cxn modelId="{B055C91B-9D3C-49A8-99B5-F11DA4FEA935}" type="presOf" srcId="{F3256203-D9D1-492A-B801-68C1A32486F0}" destId="{986877C7-5555-4471-A423-DCAF7AEC96DE}" srcOrd="0" destOrd="0" presId="urn:microsoft.com/office/officeart/2009/3/layout/PieProcess"/>
     <dgm:cxn modelId="{336B408F-4526-4AED-BDE8-A9C48DA3BCE7}" type="presParOf" srcId="{CB01CF51-F723-4F8D-80F7-D236155D2300}" destId="{C8BC21FD-556C-40FC-81CC-FBE0FB65A039}" srcOrd="0" destOrd="0" presId="urn:microsoft.com/office/officeart/2009/3/layout/PieProcess"/>
     <dgm:cxn modelId="{113764BB-4B9A-497E-B74C-B9898BB87867}" type="presParOf" srcId="{C8BC21FD-556C-40FC-81CC-FBE0FB65A039}" destId="{8ED7BCA2-C1D0-4998-9B75-278A1B905C47}" srcOrd="0" destOrd="0" presId="urn:microsoft.com/office/officeart/2009/3/layout/PieProcess"/>
     <dgm:cxn modelId="{E0B7A688-314E-4B05-9C22-F03775FC6B22}" type="presParOf" srcId="{C8BC21FD-556C-40FC-81CC-FBE0FB65A039}" destId="{59596444-DE5B-470F-9D02-95BA2AD06BDF}" srcOrd="1" destOrd="0" presId="urn:microsoft.com/office/officeart/2009/3/layout/PieProcess"/>
@@ -7153,13 +6935,6 @@
         </dgm:presLayoutVars>
       </dgm:prSet>
       <dgm:spPr/>
-      <dgm:t>
-        <a:bodyPr/>
-        <a:lstStyle/>
-        <a:p>
-          <a:endParaRPr lang="en-US"/>
-        </a:p>
-      </dgm:t>
     </dgm:pt>
     <dgm:pt modelId="{45590239-E460-41FB-9748-8B7AA6BC7C54}" type="pres">
       <dgm:prSet presAssocID="{082E8A29-955A-4C7C-A174-3E9DCD4DC89B}" presName="linNode" presStyleCnt="0"/>
@@ -7173,13 +6948,6 @@
         </dgm:presLayoutVars>
       </dgm:prSet>
       <dgm:spPr/>
-      <dgm:t>
-        <a:bodyPr/>
-        <a:lstStyle/>
-        <a:p>
-          <a:endParaRPr lang="en-US"/>
-        </a:p>
-      </dgm:t>
     </dgm:pt>
     <dgm:pt modelId="{D7B4D69F-D437-4019-A697-900DF3BD4189}" type="pres">
       <dgm:prSet presAssocID="{082E8A29-955A-4C7C-A174-3E9DCD4DC89B}" presName="bracket" presStyleLbl="parChTrans1D1" presStyleIdx="0" presStyleCnt="4"/>
@@ -7196,13 +6964,6 @@
         </dgm:presLayoutVars>
       </dgm:prSet>
       <dgm:spPr/>
-      <dgm:t>
-        <a:bodyPr/>
-        <a:lstStyle/>
-        <a:p>
-          <a:endParaRPr lang="en-US"/>
-        </a:p>
-      </dgm:t>
     </dgm:pt>
     <dgm:pt modelId="{5DD4C92A-2623-4B42-B614-4A2EC37176AB}" type="pres">
       <dgm:prSet presAssocID="{C2176686-D23E-48EB-9D1B-1A1B46236638}" presName="spV" presStyleCnt="0"/>
@@ -7220,13 +6981,6 @@
         </dgm:presLayoutVars>
       </dgm:prSet>
       <dgm:spPr/>
-      <dgm:t>
-        <a:bodyPr/>
-        <a:lstStyle/>
-        <a:p>
-          <a:endParaRPr lang="en-US"/>
-        </a:p>
-      </dgm:t>
     </dgm:pt>
     <dgm:pt modelId="{F913C9B7-04F1-448F-AF8C-2EC806DB40E1}" type="pres">
       <dgm:prSet presAssocID="{B6E26FFC-9977-4BBC-BEC7-3D6B63754E52}" presName="bracket" presStyleLbl="parChTrans1D1" presStyleIdx="1" presStyleCnt="4"/>
@@ -7243,13 +6997,6 @@
         </dgm:presLayoutVars>
       </dgm:prSet>
       <dgm:spPr/>
-      <dgm:t>
-        <a:bodyPr/>
-        <a:lstStyle/>
-        <a:p>
-          <a:endParaRPr lang="en-US"/>
-        </a:p>
-      </dgm:t>
     </dgm:pt>
     <dgm:pt modelId="{59DCB08E-DDBC-4F73-9609-EB0FA23A7D7F}" type="pres">
       <dgm:prSet presAssocID="{48634C00-2335-4923-9072-EB7482323D9C}" presName="spV" presStyleCnt="0"/>
@@ -7267,13 +7014,6 @@
         </dgm:presLayoutVars>
       </dgm:prSet>
       <dgm:spPr/>
-      <dgm:t>
-        <a:bodyPr/>
-        <a:lstStyle/>
-        <a:p>
-          <a:endParaRPr lang="en-US"/>
-        </a:p>
-      </dgm:t>
     </dgm:pt>
     <dgm:pt modelId="{455EC50F-4F82-408F-84F8-D9B651BA263C}" type="pres">
       <dgm:prSet presAssocID="{6D0E5D9F-7263-4526-A227-51301233F549}" presName="bracket" presStyleLbl="parChTrans1D1" presStyleIdx="2" presStyleCnt="4"/>
@@ -7290,13 +7030,6 @@
         </dgm:presLayoutVars>
       </dgm:prSet>
       <dgm:spPr/>
-      <dgm:t>
-        <a:bodyPr/>
-        <a:lstStyle/>
-        <a:p>
-          <a:endParaRPr lang="en-US"/>
-        </a:p>
-      </dgm:t>
     </dgm:pt>
     <dgm:pt modelId="{F61087B3-F4D4-4372-BA34-FB9BAD08CAC0}" type="pres">
       <dgm:prSet presAssocID="{DE289E29-1989-4D8E-8AA6-F030105B3F13}" presName="spV" presStyleCnt="0"/>
@@ -7314,13 +7047,6 @@
         </dgm:presLayoutVars>
       </dgm:prSet>
       <dgm:spPr/>
-      <dgm:t>
-        <a:bodyPr/>
-        <a:lstStyle/>
-        <a:p>
-          <a:endParaRPr lang="en-US"/>
-        </a:p>
-      </dgm:t>
     </dgm:pt>
     <dgm:pt modelId="{ED72DC66-B720-4641-B186-0DA0DE7AB25F}" type="pres">
       <dgm:prSet presAssocID="{A81358E0-3DE7-41AD-A28C-ABB22548B1F6}" presName="bracket" presStyleLbl="parChTrans1D1" presStyleIdx="3" presStyleCnt="4"/>
@@ -7337,45 +7063,38 @@
         </dgm:presLayoutVars>
       </dgm:prSet>
       <dgm:spPr/>
-      <dgm:t>
-        <a:bodyPr/>
-        <a:lstStyle/>
-        <a:p>
-          <a:endParaRPr lang="en-US"/>
-        </a:p>
-      </dgm:t>
     </dgm:pt>
   </dgm:ptLst>
   <dgm:cxnLst>
-    <dgm:cxn modelId="{508A9F6A-C4F1-4147-A5F6-B89293B446E8}" srcId="{082E8A29-955A-4C7C-A174-3E9DCD4DC89B}" destId="{B86124A4-14C7-49C7-A342-9B2C2B94980B}" srcOrd="2" destOrd="0" parTransId="{B2F6F8FA-C3EE-485C-BFEC-A81570DC47D8}" sibTransId="{1114C752-8188-4E63-BFFC-E4081ACE9882}"/>
-    <dgm:cxn modelId="{97004F90-D1DB-4A84-A8AE-504DE1F07341}" srcId="{082E8A29-955A-4C7C-A174-3E9DCD4DC89B}" destId="{97AFB725-9839-43BA-B026-0DD6AA03AD9C}" srcOrd="1" destOrd="0" parTransId="{CC01022B-5039-457F-931E-79459E3C1DC4}" sibTransId="{D5C26250-A06D-4B41-BC14-92648809C21F}"/>
-    <dgm:cxn modelId="{791B5989-F5A5-4021-97F2-55841C5BF713}" type="presOf" srcId="{082E8A29-955A-4C7C-A174-3E9DCD4DC89B}" destId="{8F988417-5085-446A-9534-C8E783FFAC0F}" srcOrd="0" destOrd="0" presId="urn:diagrams.loki3.com/BracketList"/>
-    <dgm:cxn modelId="{633E5193-1DBF-477B-BE52-E2B5EBEB93C6}" type="presOf" srcId="{6D0E5D9F-7263-4526-A227-51301233F549}" destId="{18209124-9853-4B36-9180-55BC384AA84D}" srcOrd="0" destOrd="0" presId="urn:diagrams.loki3.com/BracketList"/>
-    <dgm:cxn modelId="{78C415D6-35DF-45BB-8921-595A1C6CA239}" type="presOf" srcId="{B6E26FFC-9977-4BBC-BEC7-3D6B63754E52}" destId="{74C582AC-97DE-47F1-B2F7-CEAF5C38053B}" srcOrd="0" destOrd="0" presId="urn:diagrams.loki3.com/BracketList"/>
-    <dgm:cxn modelId="{4BF436C2-CB7A-454C-A1D2-41BCB7321C26}" type="presOf" srcId="{A97FC57D-50D6-4D43-99C3-06D09820F122}" destId="{22850625-2192-463E-8187-DBB37B4DEEE5}" srcOrd="0" destOrd="3" presId="urn:diagrams.loki3.com/BracketList"/>
+    <dgm:cxn modelId="{40EFBB0B-5BD3-4278-AC4B-0AEBBF83271D}" type="presOf" srcId="{A81358E0-3DE7-41AD-A28C-ABB22548B1F6}" destId="{AE12AEDB-2669-4D1A-914A-BA7EC0BD59A9}" srcOrd="0" destOrd="0" presId="urn:diagrams.loki3.com/BracketList"/>
+    <dgm:cxn modelId="{60685518-1997-4F7B-A98E-F65D7D00962C}" type="presOf" srcId="{CBCC21F5-552F-4D39-812E-6FCD4A366F58}" destId="{8A77D6A0-09A8-4728-B3F6-2488D599D736}" srcOrd="0" destOrd="0" presId="urn:diagrams.loki3.com/BracketList"/>
+    <dgm:cxn modelId="{12609D25-6280-4191-96EC-FC59574CC5FD}" type="presOf" srcId="{B86124A4-14C7-49C7-A342-9B2C2B94980B}" destId="{22850625-2192-463E-8187-DBB37B4DEEE5}" srcOrd="0" destOrd="2" presId="urn:diagrams.loki3.com/BracketList"/>
+    <dgm:cxn modelId="{1C5CE732-A00F-4C06-A1A8-B209BC6B496D}" srcId="{A81358E0-3DE7-41AD-A28C-ABB22548B1F6}" destId="{37A7C994-CC74-44DD-8777-ED6736B35821}" srcOrd="0" destOrd="0" parTransId="{03F017E7-7E3C-4E2C-9CEF-B07099F38801}" sibTransId="{118572A4-3B5E-487E-8015-6A319369077F}"/>
+    <dgm:cxn modelId="{CC727F34-AF53-4AC0-9AD6-357E6D15CB8E}" type="presOf" srcId="{97AFB725-9839-43BA-B026-0DD6AA03AD9C}" destId="{22850625-2192-463E-8187-DBB37B4DEEE5}" srcOrd="0" destOrd="1" presId="urn:diagrams.loki3.com/BracketList"/>
+    <dgm:cxn modelId="{8910F93B-7180-4A52-9856-879D102D33F8}" srcId="{6D0E5D9F-7263-4526-A227-51301233F549}" destId="{357008B7-F3FD-489F-A410-81C9A9EFE4DA}" srcOrd="1" destOrd="0" parTransId="{ED5EFE54-4C6D-4A88-939B-CE66C6668425}" sibTransId="{87BC108C-4915-4A4B-8565-E4BD28BA3C35}"/>
+    <dgm:cxn modelId="{E3D1E441-6DFB-4005-8B07-84971CD049AF}" type="presOf" srcId="{CF9055CF-8DEB-4A02-949A-DE72B6AC5D37}" destId="{3AD46912-AB30-4540-8DF5-67AC1488F01C}" srcOrd="0" destOrd="0" presId="urn:diagrams.loki3.com/BracketList"/>
+    <dgm:cxn modelId="{2616D543-291D-4A57-BE47-139E70015B80}" type="presOf" srcId="{44B2544A-D122-4B95-A36C-B03D9E272B48}" destId="{8A77D6A0-09A8-4728-B3F6-2488D599D736}" srcOrd="0" destOrd="2" presId="urn:diagrams.loki3.com/BracketList"/>
     <dgm:cxn modelId="{F454A545-FA11-41F7-9AE3-2B8BC82277C4}" type="presOf" srcId="{23A0DE4A-FE92-496E-B335-3433CEFB74E9}" destId="{22850625-2192-463E-8187-DBB37B4DEEE5}" srcOrd="0" destOrd="0" presId="urn:diagrams.loki3.com/BracketList"/>
     <dgm:cxn modelId="{17E73148-9C08-4999-B21E-F3C5A0E3FC0C}" srcId="{CF9055CF-8DEB-4A02-949A-DE72B6AC5D37}" destId="{B6E26FFC-9977-4BBC-BEC7-3D6B63754E52}" srcOrd="1" destOrd="0" parTransId="{5CEFBD89-2F4F-4B51-A98A-0F3C86494166}" sibTransId="{48634C00-2335-4923-9072-EB7482323D9C}"/>
+    <dgm:cxn modelId="{D286A548-6BB0-4DED-9FB5-D87042DDBE0A}" srcId="{082E8A29-955A-4C7C-A174-3E9DCD4DC89B}" destId="{A97FC57D-50D6-4D43-99C3-06D09820F122}" srcOrd="3" destOrd="0" parTransId="{5DD877C7-E4D9-4A68-A305-5A7689D3DBE7}" sibTransId="{C17BCABE-BEF2-4CC4-B037-B6B4866665CD}"/>
+    <dgm:cxn modelId="{508A9F6A-C4F1-4147-A5F6-B89293B446E8}" srcId="{082E8A29-955A-4C7C-A174-3E9DCD4DC89B}" destId="{B86124A4-14C7-49C7-A342-9B2C2B94980B}" srcOrd="2" destOrd="0" parTransId="{B2F6F8FA-C3EE-485C-BFEC-A81570DC47D8}" sibTransId="{1114C752-8188-4E63-BFFC-E4081ACE9882}"/>
+    <dgm:cxn modelId="{F9F24B56-4C40-4CD5-B0B3-335013F9648E}" type="presOf" srcId="{37A7C994-CC74-44DD-8777-ED6736B35821}" destId="{2DDF7FCF-0E74-45B4-9880-0E53C8A0FB81}" srcOrd="0" destOrd="0" presId="urn:diagrams.loki3.com/BracketList"/>
+    <dgm:cxn modelId="{59DDA576-1BA9-49E8-9D1D-361FF667A19A}" srcId="{B6E26FFC-9977-4BBC-BEC7-3D6B63754E52}" destId="{62831651-7C26-466C-BAA4-31EA8D14E47A}" srcOrd="1" destOrd="0" parTransId="{0F3EB6E4-07A5-4199-9C2F-8B91F53579FE}" sibTransId="{0D19FA60-5F9C-420B-AD2F-A0656A7F0783}"/>
+    <dgm:cxn modelId="{2986897A-7787-444F-B6C8-41F3823EF3C1}" srcId="{CF9055CF-8DEB-4A02-949A-DE72B6AC5D37}" destId="{082E8A29-955A-4C7C-A174-3E9DCD4DC89B}" srcOrd="0" destOrd="0" parTransId="{BA7938E6-8DFA-40B7-B4C4-EACC6D85FC31}" sibTransId="{C2176686-D23E-48EB-9D1B-1A1B46236638}"/>
+    <dgm:cxn modelId="{E554777F-9CC2-418D-BFE3-2198586BFE02}" type="presOf" srcId="{F3256203-D9D1-492A-B801-68C1A32486F0}" destId="{9DC88600-C3D9-4AA5-B04F-AC7D55D573B0}" srcOrd="0" destOrd="0" presId="urn:diagrams.loki3.com/BracketList"/>
+    <dgm:cxn modelId="{791B5989-F5A5-4021-97F2-55841C5BF713}" type="presOf" srcId="{082E8A29-955A-4C7C-A174-3E9DCD4DC89B}" destId="{8F988417-5085-446A-9534-C8E783FFAC0F}" srcOrd="0" destOrd="0" presId="urn:diagrams.loki3.com/BracketList"/>
+    <dgm:cxn modelId="{67A03D8F-F327-4A9F-ABBC-1EB67EFD1ECB}" srcId="{082E8A29-955A-4C7C-A174-3E9DCD4DC89B}" destId="{23A0DE4A-FE92-496E-B335-3433CEFB74E9}" srcOrd="0" destOrd="0" parTransId="{68935D38-FEDC-4CD3-8002-43CB3944BEAF}" sibTransId="{55DF926D-029A-4E18-95C4-77A5A37CAE40}"/>
+    <dgm:cxn modelId="{A2714790-C7A3-4B92-B748-271A29D614FC}" type="presOf" srcId="{357008B7-F3FD-489F-A410-81C9A9EFE4DA}" destId="{9DC88600-C3D9-4AA5-B04F-AC7D55D573B0}" srcOrd="0" destOrd="1" presId="urn:diagrams.loki3.com/BracketList"/>
+    <dgm:cxn modelId="{97004F90-D1DB-4A84-A8AE-504DE1F07341}" srcId="{082E8A29-955A-4C7C-A174-3E9DCD4DC89B}" destId="{97AFB725-9839-43BA-B026-0DD6AA03AD9C}" srcOrd="1" destOrd="0" parTransId="{CC01022B-5039-457F-931E-79459E3C1DC4}" sibTransId="{D5C26250-A06D-4B41-BC14-92648809C21F}"/>
+    <dgm:cxn modelId="{633E5193-1DBF-477B-BE52-E2B5EBEB93C6}" type="presOf" srcId="{6D0E5D9F-7263-4526-A227-51301233F549}" destId="{18209124-9853-4B36-9180-55BC384AA84D}" srcOrd="0" destOrd="0" presId="urn:diagrams.loki3.com/BracketList"/>
+    <dgm:cxn modelId="{187CA79C-407F-4248-8324-1976688B47A3}" type="presOf" srcId="{62831651-7C26-466C-BAA4-31EA8D14E47A}" destId="{8A77D6A0-09A8-4728-B3F6-2488D599D736}" srcOrd="0" destOrd="1" presId="urn:diagrams.loki3.com/BracketList"/>
+    <dgm:cxn modelId="{1B8E71B0-2D3A-4AB0-8843-CFDACEDC3198}" srcId="{6D0E5D9F-7263-4526-A227-51301233F549}" destId="{F3256203-D9D1-492A-B801-68C1A32486F0}" srcOrd="0" destOrd="0" parTransId="{E9A20291-2E30-4C14-BB7D-DC095A20ECB6}" sibTransId="{6C9440D0-8847-40C0-98BC-2B5EA5745C3A}"/>
+    <dgm:cxn modelId="{FB8541C0-3895-4553-A4C7-34B81A3C4A0B}" srcId="{CF9055CF-8DEB-4A02-949A-DE72B6AC5D37}" destId="{A81358E0-3DE7-41AD-A28C-ABB22548B1F6}" srcOrd="3" destOrd="0" parTransId="{262E0B94-6EA9-4797-B705-959D7B185F91}" sibTransId="{77756FBB-BF6C-4D78-803E-BCC851F1DA03}"/>
+    <dgm:cxn modelId="{4BF436C2-CB7A-454C-A1D2-41BCB7321C26}" type="presOf" srcId="{A97FC57D-50D6-4D43-99C3-06D09820F122}" destId="{22850625-2192-463E-8187-DBB37B4DEEE5}" srcOrd="0" destOrd="3" presId="urn:diagrams.loki3.com/BracketList"/>
     <dgm:cxn modelId="{C8C462C6-33A3-4E8B-91FE-36DBE92F1C4A}" srcId="{CF9055CF-8DEB-4A02-949A-DE72B6AC5D37}" destId="{6D0E5D9F-7263-4526-A227-51301233F549}" srcOrd="2" destOrd="0" parTransId="{23416D07-25F8-426C-BC65-639E6BCF4D6D}" sibTransId="{DE289E29-1989-4D8E-8AA6-F030105B3F13}"/>
-    <dgm:cxn modelId="{59DDA576-1BA9-49E8-9D1D-361FF667A19A}" srcId="{B6E26FFC-9977-4BBC-BEC7-3D6B63754E52}" destId="{62831651-7C26-466C-BAA4-31EA8D14E47A}" srcOrd="1" destOrd="0" parTransId="{0F3EB6E4-07A5-4199-9C2F-8B91F53579FE}" sibTransId="{0D19FA60-5F9C-420B-AD2F-A0656A7F0783}"/>
-    <dgm:cxn modelId="{FB8541C0-3895-4553-A4C7-34B81A3C4A0B}" srcId="{CF9055CF-8DEB-4A02-949A-DE72B6AC5D37}" destId="{A81358E0-3DE7-41AD-A28C-ABB22548B1F6}" srcOrd="3" destOrd="0" parTransId="{262E0B94-6EA9-4797-B705-959D7B185F91}" sibTransId="{77756FBB-BF6C-4D78-803E-BCC851F1DA03}"/>
-    <dgm:cxn modelId="{67A03D8F-F327-4A9F-ABBC-1EB67EFD1ECB}" srcId="{082E8A29-955A-4C7C-A174-3E9DCD4DC89B}" destId="{23A0DE4A-FE92-496E-B335-3433CEFB74E9}" srcOrd="0" destOrd="0" parTransId="{68935D38-FEDC-4CD3-8002-43CB3944BEAF}" sibTransId="{55DF926D-029A-4E18-95C4-77A5A37CAE40}"/>
+    <dgm:cxn modelId="{78C415D6-35DF-45BB-8921-595A1C6CA239}" type="presOf" srcId="{B6E26FFC-9977-4BBC-BEC7-3D6B63754E52}" destId="{74C582AC-97DE-47F1-B2F7-CEAF5C38053B}" srcOrd="0" destOrd="0" presId="urn:diagrams.loki3.com/BracketList"/>
+    <dgm:cxn modelId="{F89EA6DF-D106-435E-9337-D23286A767A6}" srcId="{B6E26FFC-9977-4BBC-BEC7-3D6B63754E52}" destId="{44B2544A-D122-4B95-A36C-B03D9E272B48}" srcOrd="2" destOrd="0" parTransId="{9EE40E78-C1B8-4A87-A668-53AD816CED24}" sibTransId="{F32DECE0-DC7F-4DCF-A10D-96A117A49197}"/>
     <dgm:cxn modelId="{3C41F2E0-4620-40B4-9857-68872B278EFB}" srcId="{B6E26FFC-9977-4BBC-BEC7-3D6B63754E52}" destId="{CBCC21F5-552F-4D39-812E-6FCD4A366F58}" srcOrd="0" destOrd="0" parTransId="{4A973A1C-85F1-4969-A536-D29940229E2C}" sibTransId="{3640B940-6901-481F-ADF7-6B77DEEED764}"/>
-    <dgm:cxn modelId="{8910F93B-7180-4A52-9856-879D102D33F8}" srcId="{6D0E5D9F-7263-4526-A227-51301233F549}" destId="{357008B7-F3FD-489F-A410-81C9A9EFE4DA}" srcOrd="1" destOrd="0" parTransId="{ED5EFE54-4C6D-4A88-939B-CE66C6668425}" sibTransId="{87BC108C-4915-4A4B-8565-E4BD28BA3C35}"/>
-    <dgm:cxn modelId="{E3D1E441-6DFB-4005-8B07-84971CD049AF}" type="presOf" srcId="{CF9055CF-8DEB-4A02-949A-DE72B6AC5D37}" destId="{3AD46912-AB30-4540-8DF5-67AC1488F01C}" srcOrd="0" destOrd="0" presId="urn:diagrams.loki3.com/BracketList"/>
-    <dgm:cxn modelId="{E554777F-9CC2-418D-BFE3-2198586BFE02}" type="presOf" srcId="{F3256203-D9D1-492A-B801-68C1A32486F0}" destId="{9DC88600-C3D9-4AA5-B04F-AC7D55D573B0}" srcOrd="0" destOrd="0" presId="urn:diagrams.loki3.com/BracketList"/>
-    <dgm:cxn modelId="{1B8E71B0-2D3A-4AB0-8843-CFDACEDC3198}" srcId="{6D0E5D9F-7263-4526-A227-51301233F549}" destId="{F3256203-D9D1-492A-B801-68C1A32486F0}" srcOrd="0" destOrd="0" parTransId="{E9A20291-2E30-4C14-BB7D-DC095A20ECB6}" sibTransId="{6C9440D0-8847-40C0-98BC-2B5EA5745C3A}"/>
-    <dgm:cxn modelId="{187CA79C-407F-4248-8324-1976688B47A3}" type="presOf" srcId="{62831651-7C26-466C-BAA4-31EA8D14E47A}" destId="{8A77D6A0-09A8-4728-B3F6-2488D599D736}" srcOrd="0" destOrd="1" presId="urn:diagrams.loki3.com/BracketList"/>
-    <dgm:cxn modelId="{A2714790-C7A3-4B92-B748-271A29D614FC}" type="presOf" srcId="{357008B7-F3FD-489F-A410-81C9A9EFE4DA}" destId="{9DC88600-C3D9-4AA5-B04F-AC7D55D573B0}" srcOrd="0" destOrd="1" presId="urn:diagrams.loki3.com/BracketList"/>
-    <dgm:cxn modelId="{2986897A-7787-444F-B6C8-41F3823EF3C1}" srcId="{CF9055CF-8DEB-4A02-949A-DE72B6AC5D37}" destId="{082E8A29-955A-4C7C-A174-3E9DCD4DC89B}" srcOrd="0" destOrd="0" parTransId="{BA7938E6-8DFA-40B7-B4C4-EACC6D85FC31}" sibTransId="{C2176686-D23E-48EB-9D1B-1A1B46236638}"/>
-    <dgm:cxn modelId="{1C5CE732-A00F-4C06-A1A8-B209BC6B496D}" srcId="{A81358E0-3DE7-41AD-A28C-ABB22548B1F6}" destId="{37A7C994-CC74-44DD-8777-ED6736B35821}" srcOrd="0" destOrd="0" parTransId="{03F017E7-7E3C-4E2C-9CEF-B07099F38801}" sibTransId="{118572A4-3B5E-487E-8015-6A319369077F}"/>
-    <dgm:cxn modelId="{D286A548-6BB0-4DED-9FB5-D87042DDBE0A}" srcId="{082E8A29-955A-4C7C-A174-3E9DCD4DC89B}" destId="{A97FC57D-50D6-4D43-99C3-06D09820F122}" srcOrd="3" destOrd="0" parTransId="{5DD877C7-E4D9-4A68-A305-5A7689D3DBE7}" sibTransId="{C17BCABE-BEF2-4CC4-B037-B6B4866665CD}"/>
-    <dgm:cxn modelId="{12609D25-6280-4191-96EC-FC59574CC5FD}" type="presOf" srcId="{B86124A4-14C7-49C7-A342-9B2C2B94980B}" destId="{22850625-2192-463E-8187-DBB37B4DEEE5}" srcOrd="0" destOrd="2" presId="urn:diagrams.loki3.com/BracketList"/>
-    <dgm:cxn modelId="{F89EA6DF-D106-435E-9337-D23286A767A6}" srcId="{B6E26FFC-9977-4BBC-BEC7-3D6B63754E52}" destId="{44B2544A-D122-4B95-A36C-B03D9E272B48}" srcOrd="2" destOrd="0" parTransId="{9EE40E78-C1B8-4A87-A668-53AD816CED24}" sibTransId="{F32DECE0-DC7F-4DCF-A10D-96A117A49197}"/>
-    <dgm:cxn modelId="{F9F24B56-4C40-4CD5-B0B3-335013F9648E}" type="presOf" srcId="{37A7C994-CC74-44DD-8777-ED6736B35821}" destId="{2DDF7FCF-0E74-45B4-9880-0E53C8A0FB81}" srcOrd="0" destOrd="0" presId="urn:diagrams.loki3.com/BracketList"/>
-    <dgm:cxn modelId="{2616D543-291D-4A57-BE47-139E70015B80}" type="presOf" srcId="{44B2544A-D122-4B95-A36C-B03D9E272B48}" destId="{8A77D6A0-09A8-4728-B3F6-2488D599D736}" srcOrd="0" destOrd="2" presId="urn:diagrams.loki3.com/BracketList"/>
-    <dgm:cxn modelId="{40EFBB0B-5BD3-4278-AC4B-0AEBBF83271D}" type="presOf" srcId="{A81358E0-3DE7-41AD-A28C-ABB22548B1F6}" destId="{AE12AEDB-2669-4D1A-914A-BA7EC0BD59A9}" srcOrd="0" destOrd="0" presId="urn:diagrams.loki3.com/BracketList"/>
-    <dgm:cxn modelId="{60685518-1997-4F7B-A98E-F65D7D00962C}" type="presOf" srcId="{CBCC21F5-552F-4D39-812E-6FCD4A366F58}" destId="{8A77D6A0-09A8-4728-B3F6-2488D599D736}" srcOrd="0" destOrd="0" presId="urn:diagrams.loki3.com/BracketList"/>
-    <dgm:cxn modelId="{CC727F34-AF53-4AC0-9AD6-357E6D15CB8E}" type="presOf" srcId="{97AFB725-9839-43BA-B026-0DD6AA03AD9C}" destId="{22850625-2192-463E-8187-DBB37B4DEEE5}" srcOrd="0" destOrd="1" presId="urn:diagrams.loki3.com/BracketList"/>
     <dgm:cxn modelId="{622DEA58-66C1-4249-9C95-351679CB0862}" type="presParOf" srcId="{3AD46912-AB30-4540-8DF5-67AC1488F01C}" destId="{45590239-E460-41FB-9748-8B7AA6BC7C54}" srcOrd="0" destOrd="0" presId="urn:diagrams.loki3.com/BracketList"/>
     <dgm:cxn modelId="{3E41F798-673D-4216-A5E4-FA56FD5AE79D}" type="presParOf" srcId="{45590239-E460-41FB-9748-8B7AA6BC7C54}" destId="{8F988417-5085-446A-9534-C8E783FFAC0F}" srcOrd="0" destOrd="0" presId="urn:diagrams.loki3.com/BracketList"/>
     <dgm:cxn modelId="{CFBA8029-81EA-47F3-A8F3-5583ADFAD836}" type="presParOf" srcId="{45590239-E460-41FB-9748-8B7AA6BC7C54}" destId="{D7B4D69F-D437-4019-A697-900DF3BD4189}" srcOrd="1" destOrd="0" presId="urn:diagrams.loki3.com/BracketList"/>
@@ -7552,13 +7271,6 @@
         </dgm:presLayoutVars>
       </dgm:prSet>
       <dgm:spPr/>
-      <dgm:t>
-        <a:bodyPr/>
-        <a:lstStyle/>
-        <a:p>
-          <a:endParaRPr lang="en-US"/>
-        </a:p>
-      </dgm:t>
     </dgm:pt>
     <dgm:pt modelId="{CC88045C-E3EE-4D81-A4AE-31DEF16487ED}" type="pres">
       <dgm:prSet presAssocID="{5119293E-CFF1-40DC-91B0-4ADC169E690A}" presName="ThreeNodes_2" presStyleLbl="node1" presStyleIdx="1" presStyleCnt="3">
@@ -7567,13 +7279,6 @@
         </dgm:presLayoutVars>
       </dgm:prSet>
       <dgm:spPr/>
-      <dgm:t>
-        <a:bodyPr/>
-        <a:lstStyle/>
-        <a:p>
-          <a:endParaRPr lang="en-US"/>
-        </a:p>
-      </dgm:t>
     </dgm:pt>
     <dgm:pt modelId="{038003CC-57D0-452B-9A87-251E2BE8DD24}" type="pres">
       <dgm:prSet presAssocID="{5119293E-CFF1-40DC-91B0-4ADC169E690A}" presName="ThreeNodes_3" presStyleLbl="node1" presStyleIdx="2" presStyleCnt="3">
@@ -7582,13 +7287,6 @@
         </dgm:presLayoutVars>
       </dgm:prSet>
       <dgm:spPr/>
-      <dgm:t>
-        <a:bodyPr/>
-        <a:lstStyle/>
-        <a:p>
-          <a:endParaRPr lang="en-US"/>
-        </a:p>
-      </dgm:t>
     </dgm:pt>
     <dgm:pt modelId="{0CD94A37-2283-4723-AF39-0C5B9DE811BF}" type="pres">
       <dgm:prSet presAssocID="{5119293E-CFF1-40DC-91B0-4ADC169E690A}" presName="ThreeConn_1-2" presStyleLbl="fgAccFollowNode1" presStyleIdx="0" presStyleCnt="2">
@@ -7597,13 +7295,6 @@
         </dgm:presLayoutVars>
       </dgm:prSet>
       <dgm:spPr/>
-      <dgm:t>
-        <a:bodyPr/>
-        <a:lstStyle/>
-        <a:p>
-          <a:endParaRPr lang="en-US"/>
-        </a:p>
-      </dgm:t>
     </dgm:pt>
     <dgm:pt modelId="{72F63057-082D-42E7-B85C-FC47DD028363}" type="pres">
       <dgm:prSet presAssocID="{5119293E-CFF1-40DC-91B0-4ADC169E690A}" presName="ThreeConn_2-3" presStyleLbl="fgAccFollowNode1" presStyleIdx="1" presStyleCnt="2">
@@ -7612,13 +7303,6 @@
         </dgm:presLayoutVars>
       </dgm:prSet>
       <dgm:spPr/>
-      <dgm:t>
-        <a:bodyPr/>
-        <a:lstStyle/>
-        <a:p>
-          <a:endParaRPr lang="en-US"/>
-        </a:p>
-      </dgm:t>
     </dgm:pt>
     <dgm:pt modelId="{BF775206-9782-4B74-9469-81B825259D87}" type="pres">
       <dgm:prSet presAssocID="{5119293E-CFF1-40DC-91B0-4ADC169E690A}" presName="ThreeNodes_1_text" presStyleLbl="node1" presStyleIdx="2" presStyleCnt="3">
@@ -7627,13 +7311,6 @@
         </dgm:presLayoutVars>
       </dgm:prSet>
       <dgm:spPr/>
-      <dgm:t>
-        <a:bodyPr/>
-        <a:lstStyle/>
-        <a:p>
-          <a:endParaRPr lang="en-US"/>
-        </a:p>
-      </dgm:t>
     </dgm:pt>
     <dgm:pt modelId="{04D8DCE0-082C-4FDA-A223-020C34F2DBEB}" type="pres">
       <dgm:prSet presAssocID="{5119293E-CFF1-40DC-91B0-4ADC169E690A}" presName="ThreeNodes_2_text" presStyleLbl="node1" presStyleIdx="2" presStyleCnt="3">
@@ -7642,13 +7319,6 @@
         </dgm:presLayoutVars>
       </dgm:prSet>
       <dgm:spPr/>
-      <dgm:t>
-        <a:bodyPr/>
-        <a:lstStyle/>
-        <a:p>
-          <a:endParaRPr lang="en-US"/>
-        </a:p>
-      </dgm:t>
     </dgm:pt>
     <dgm:pt modelId="{EC81BC27-7116-465B-AC12-B4720BC34B82}" type="pres">
       <dgm:prSet presAssocID="{5119293E-CFF1-40DC-91B0-4ADC169E690A}" presName="ThreeNodes_3_text" presStyleLbl="node1" presStyleIdx="2" presStyleCnt="3">
@@ -7657,28 +7327,21 @@
         </dgm:presLayoutVars>
       </dgm:prSet>
       <dgm:spPr/>
-      <dgm:t>
-        <a:bodyPr/>
-        <a:lstStyle/>
-        <a:p>
-          <a:endParaRPr lang="en-US"/>
-        </a:p>
-      </dgm:t>
     </dgm:pt>
   </dgm:ptLst>
   <dgm:cxnLst>
+    <dgm:cxn modelId="{6E821108-AA4C-4FCE-906C-7B527205F425}" type="presOf" srcId="{0643BB84-6196-4D47-953E-29DD7A990B54}" destId="{0CD94A37-2283-4723-AF39-0C5B9DE811BF}" srcOrd="0" destOrd="0" presId="urn:microsoft.com/office/officeart/2005/8/layout/vProcess5"/>
+    <dgm:cxn modelId="{F4AADE0C-4AF2-4981-840C-CA46AAE80AFF}" type="presOf" srcId="{2D28ACD1-25D9-461F-AFFA-AF0D4524C925}" destId="{2C56E3B0-DB92-4E32-8395-0D320FDE7304}" srcOrd="0" destOrd="0" presId="urn:microsoft.com/office/officeart/2005/8/layout/vProcess5"/>
+    <dgm:cxn modelId="{9678E520-DA97-4D9C-939A-4DCF9B11AA2F}" srcId="{5119293E-CFF1-40DC-91B0-4ADC169E690A}" destId="{740F11C0-1918-4491-8E8D-F9E393D6DC62}" srcOrd="1" destOrd="0" parTransId="{2CB00DC9-C7F6-4607-93B1-38F3306CD7C1}" sibTransId="{4BF9180C-3D66-4B05-B512-DB0404B3D62A}"/>
+    <dgm:cxn modelId="{F8CCF261-9A97-4534-B937-AB878397B7E3}" type="presOf" srcId="{2D28ACD1-25D9-461F-AFFA-AF0D4524C925}" destId="{BF775206-9782-4B74-9469-81B825259D87}" srcOrd="1" destOrd="0" presId="urn:microsoft.com/office/officeart/2005/8/layout/vProcess5"/>
     <dgm:cxn modelId="{62B69662-1BE8-417A-BC23-417EA909952F}" srcId="{5119293E-CFF1-40DC-91B0-4ADC169E690A}" destId="{7773E333-D64C-46E0-BFFB-1ABFC80A563C}" srcOrd="2" destOrd="0" parTransId="{349CA876-3C43-4618-B661-611E3D74539A}" sibTransId="{2839478F-D08F-4173-8D65-0648A498D4AD}"/>
     <dgm:cxn modelId="{21684859-26A6-4774-A7E3-CA2327F0BEEC}" type="presOf" srcId="{7773E333-D64C-46E0-BFFB-1ABFC80A563C}" destId="{038003CC-57D0-452B-9A87-251E2BE8DD24}" srcOrd="0" destOrd="0" presId="urn:microsoft.com/office/officeart/2005/8/layout/vProcess5"/>
     <dgm:cxn modelId="{C9BCE58D-0797-4C79-94F0-C4B04CD35FE1}" type="presOf" srcId="{5119293E-CFF1-40DC-91B0-4ADC169E690A}" destId="{B24BCCF6-4F1C-4DCC-A666-8A2E435C92FE}" srcOrd="0" destOrd="0" presId="urn:microsoft.com/office/officeart/2005/8/layout/vProcess5"/>
-    <dgm:cxn modelId="{6E821108-AA4C-4FCE-906C-7B527205F425}" type="presOf" srcId="{0643BB84-6196-4D47-953E-29DD7A990B54}" destId="{0CD94A37-2283-4723-AF39-0C5B9DE811BF}" srcOrd="0" destOrd="0" presId="urn:microsoft.com/office/officeart/2005/8/layout/vProcess5"/>
-    <dgm:cxn modelId="{9678E520-DA97-4D9C-939A-4DCF9B11AA2F}" srcId="{5119293E-CFF1-40DC-91B0-4ADC169E690A}" destId="{740F11C0-1918-4491-8E8D-F9E393D6DC62}" srcOrd="1" destOrd="0" parTransId="{2CB00DC9-C7F6-4607-93B1-38F3306CD7C1}" sibTransId="{4BF9180C-3D66-4B05-B512-DB0404B3D62A}"/>
-    <dgm:cxn modelId="{F8CCF261-9A97-4534-B937-AB878397B7E3}" type="presOf" srcId="{2D28ACD1-25D9-461F-AFFA-AF0D4524C925}" destId="{BF775206-9782-4B74-9469-81B825259D87}" srcOrd="1" destOrd="0" presId="urn:microsoft.com/office/officeart/2005/8/layout/vProcess5"/>
     <dgm:cxn modelId="{4A769CA4-299A-415F-9EAA-DF2A946246BB}" srcId="{5119293E-CFF1-40DC-91B0-4ADC169E690A}" destId="{2D28ACD1-25D9-461F-AFFA-AF0D4524C925}" srcOrd="0" destOrd="0" parTransId="{C8C4723F-FA93-47BC-A192-A522C3D631BB}" sibTransId="{0643BB84-6196-4D47-953E-29DD7A990B54}"/>
     <dgm:cxn modelId="{4F48B4CB-5F39-4D50-A374-F942DD055BA4}" type="presOf" srcId="{740F11C0-1918-4491-8E8D-F9E393D6DC62}" destId="{04D8DCE0-082C-4FDA-A223-020C34F2DBEB}" srcOrd="1" destOrd="0" presId="urn:microsoft.com/office/officeart/2005/8/layout/vProcess5"/>
+    <dgm:cxn modelId="{AAB844DF-2AAF-4176-B62C-73E030E52A7C}" type="presOf" srcId="{7773E333-D64C-46E0-BFFB-1ABFC80A563C}" destId="{EC81BC27-7116-465B-AC12-B4720BC34B82}" srcOrd="1" destOrd="0" presId="urn:microsoft.com/office/officeart/2005/8/layout/vProcess5"/>
+    <dgm:cxn modelId="{7A1E6BEF-802B-4533-A187-D1A0A7A0FE31}" type="presOf" srcId="{4BF9180C-3D66-4B05-B512-DB0404B3D62A}" destId="{72F63057-082D-42E7-B85C-FC47DD028363}" srcOrd="0" destOrd="0" presId="urn:microsoft.com/office/officeart/2005/8/layout/vProcess5"/>
     <dgm:cxn modelId="{5847FDF1-B5CD-4813-9A57-54FC25BEA462}" type="presOf" srcId="{740F11C0-1918-4491-8E8D-F9E393D6DC62}" destId="{CC88045C-E3EE-4D81-A4AE-31DEF16487ED}" srcOrd="0" destOrd="0" presId="urn:microsoft.com/office/officeart/2005/8/layout/vProcess5"/>
-    <dgm:cxn modelId="{7A1E6BEF-802B-4533-A187-D1A0A7A0FE31}" type="presOf" srcId="{4BF9180C-3D66-4B05-B512-DB0404B3D62A}" destId="{72F63057-082D-42E7-B85C-FC47DD028363}" srcOrd="0" destOrd="0" presId="urn:microsoft.com/office/officeart/2005/8/layout/vProcess5"/>
-    <dgm:cxn modelId="{AAB844DF-2AAF-4176-B62C-73E030E52A7C}" type="presOf" srcId="{7773E333-D64C-46E0-BFFB-1ABFC80A563C}" destId="{EC81BC27-7116-465B-AC12-B4720BC34B82}" srcOrd="1" destOrd="0" presId="urn:microsoft.com/office/officeart/2005/8/layout/vProcess5"/>
-    <dgm:cxn modelId="{F4AADE0C-4AF2-4981-840C-CA46AAE80AFF}" type="presOf" srcId="{2D28ACD1-25D9-461F-AFFA-AF0D4524C925}" destId="{2C56E3B0-DB92-4E32-8395-0D320FDE7304}" srcOrd="0" destOrd="0" presId="urn:microsoft.com/office/officeart/2005/8/layout/vProcess5"/>
     <dgm:cxn modelId="{B2660459-02F9-4178-83A6-A226C8F89688}" type="presParOf" srcId="{B24BCCF6-4F1C-4DCC-A666-8A2E435C92FE}" destId="{42F69F61-DBA8-48C0-9CFD-AA4D17B1E06F}" srcOrd="0" destOrd="0" presId="urn:microsoft.com/office/officeart/2005/8/layout/vProcess5"/>
     <dgm:cxn modelId="{C9E715CD-297A-4561-ABFB-9F6705DBC630}" type="presParOf" srcId="{B24BCCF6-4F1C-4DCC-A666-8A2E435C92FE}" destId="{2C56E3B0-DB92-4E32-8395-0D320FDE7304}" srcOrd="1" destOrd="0" presId="urn:microsoft.com/office/officeart/2005/8/layout/vProcess5"/>
     <dgm:cxn modelId="{2C6D380E-0DE7-4233-A99E-23ACA1751D78}" type="presParOf" srcId="{B24BCCF6-4F1C-4DCC-A666-8A2E435C92FE}" destId="{CC88045C-E3EE-4D81-A4AE-31DEF16487ED}" srcOrd="2" destOrd="0" presId="urn:microsoft.com/office/officeart/2005/8/layout/vProcess5"/>
@@ -7761,7 +7424,7 @@
         </a:bodyPr>
         <a:lstStyle/>
         <a:p>
-          <a:pPr lvl="0" algn="ctr" defTabSz="622300" rtl="0">
+          <a:pPr marL="0" lvl="0" indent="0" algn="ctr" defTabSz="622300" rtl="0">
             <a:lnSpc>
               <a:spcPct val="90000"/>
             </a:lnSpc>
@@ -7771,9 +7434,10 @@
             <a:spcAft>
               <a:spcPct val="35000"/>
             </a:spcAft>
+            <a:buNone/>
           </a:pPr>
           <a:r>
-            <a:rPr lang="en-US" sz="1400" b="1" kern="1200" baseline="0" dirty="0" smtClean="0"/>
+            <a:rPr lang="en-US" sz="1400" b="1" kern="1200" baseline="0" dirty="0"/>
             <a:t>Instructor (Before)</a:t>
           </a:r>
           <a:endParaRPr lang="en-US" sz="1400" kern="1200" dirty="0"/>
@@ -7840,7 +7504,7 @@
         </a:bodyPr>
         <a:lstStyle/>
         <a:p>
-          <a:pPr lvl="0" algn="ctr" defTabSz="488950" rtl="0">
+          <a:pPr marL="0" lvl="0" indent="0" algn="ctr" defTabSz="488950" rtl="0">
             <a:lnSpc>
               <a:spcPct val="90000"/>
             </a:lnSpc>
@@ -7850,9 +7514,10 @@
             <a:spcAft>
               <a:spcPct val="35000"/>
             </a:spcAft>
+            <a:buNone/>
           </a:pPr>
           <a:r>
-            <a:rPr lang="en-US" sz="1100" kern="1200" baseline="0" smtClean="0"/>
+            <a:rPr lang="en-US" sz="1100" kern="1200" baseline="0"/>
             <a:t>Stand-alone application.</a:t>
           </a:r>
           <a:endParaRPr lang="en-US" sz="1100" kern="1200"/>
@@ -7919,7 +7584,7 @@
         </a:bodyPr>
         <a:lstStyle/>
         <a:p>
-          <a:pPr lvl="0" algn="ctr" defTabSz="488950" rtl="0">
+          <a:pPr marL="0" lvl="0" indent="0" algn="ctr" defTabSz="488950" rtl="0">
             <a:lnSpc>
               <a:spcPct val="90000"/>
             </a:lnSpc>
@@ -7929,9 +7594,10 @@
             <a:spcAft>
               <a:spcPct val="35000"/>
             </a:spcAft>
+            <a:buNone/>
           </a:pPr>
           <a:r>
-            <a:rPr lang="en-US" sz="1100" kern="1200" baseline="0" smtClean="0"/>
+            <a:rPr lang="en-US" sz="1100" kern="1200" baseline="0"/>
             <a:t>Authentication.</a:t>
           </a:r>
           <a:endParaRPr lang="en-US" sz="1100" kern="1200"/>
@@ -7998,7 +7664,7 @@
         </a:bodyPr>
         <a:lstStyle/>
         <a:p>
-          <a:pPr lvl="0" algn="ctr" defTabSz="488950" rtl="0">
+          <a:pPr marL="0" lvl="0" indent="0" algn="ctr" defTabSz="488950" rtl="0">
             <a:lnSpc>
               <a:spcPct val="90000"/>
             </a:lnSpc>
@@ -8008,9 +7674,10 @@
             <a:spcAft>
               <a:spcPct val="35000"/>
             </a:spcAft>
+            <a:buNone/>
           </a:pPr>
           <a:r>
-            <a:rPr lang="en-US" sz="1100" kern="1200" baseline="0" smtClean="0"/>
+            <a:rPr lang="en-US" sz="1100" kern="1200" baseline="0"/>
             <a:t>QR code Generation.</a:t>
           </a:r>
           <a:endParaRPr lang="en-US" sz="1100" kern="1200"/>
@@ -8077,7 +7744,7 @@
         </a:bodyPr>
         <a:lstStyle/>
         <a:p>
-          <a:pPr lvl="0" algn="ctr" defTabSz="488950" rtl="0">
+          <a:pPr marL="0" lvl="0" indent="0" algn="ctr" defTabSz="488950" rtl="0">
             <a:lnSpc>
               <a:spcPct val="90000"/>
             </a:lnSpc>
@@ -8087,9 +7754,10 @@
             <a:spcAft>
               <a:spcPct val="35000"/>
             </a:spcAft>
+            <a:buNone/>
           </a:pPr>
           <a:r>
-            <a:rPr lang="en-US" sz="1100" kern="1200" baseline="0" smtClean="0"/>
+            <a:rPr lang="en-US" sz="1100" kern="1200" baseline="0"/>
             <a:t>QR code Display.</a:t>
           </a:r>
           <a:endParaRPr lang="en-US" sz="1100" kern="1200"/>
@@ -8156,7 +7824,7 @@
         </a:bodyPr>
         <a:lstStyle/>
         <a:p>
-          <a:pPr lvl="0" algn="ctr" defTabSz="488950" rtl="0">
+          <a:pPr marL="0" lvl="0" indent="0" algn="ctr" defTabSz="488950" rtl="0">
             <a:lnSpc>
               <a:spcPct val="90000"/>
             </a:lnSpc>
@@ -8166,9 +7834,10 @@
             <a:spcAft>
               <a:spcPct val="35000"/>
             </a:spcAft>
+            <a:buNone/>
           </a:pPr>
           <a:r>
-            <a:rPr lang="en-US" sz="1100" kern="1200" baseline="0" smtClean="0"/>
+            <a:rPr lang="en-US" sz="1100" kern="1200" baseline="0"/>
             <a:t>Manage the students attendance.</a:t>
           </a:r>
           <a:endParaRPr lang="en-US" sz="1100" kern="1200"/>
@@ -8235,7 +7904,7 @@
         </a:bodyPr>
         <a:lstStyle/>
         <a:p>
-          <a:pPr lvl="0" algn="ctr" defTabSz="488950" rtl="0">
+          <a:pPr marL="0" lvl="0" indent="0" algn="ctr" defTabSz="488950" rtl="0">
             <a:lnSpc>
               <a:spcPct val="90000"/>
             </a:lnSpc>
@@ -8245,9 +7914,10 @@
             <a:spcAft>
               <a:spcPct val="35000"/>
             </a:spcAft>
+            <a:buNone/>
           </a:pPr>
           <a:r>
-            <a:rPr lang="en-US" sz="1100" kern="1200" baseline="0" smtClean="0"/>
+            <a:rPr lang="en-US" sz="1100" kern="1200" baseline="0"/>
             <a:t>Appropriate Feedback</a:t>
           </a:r>
           <a:endParaRPr lang="en-US" sz="1100" kern="1200"/>
@@ -8312,7 +7982,7 @@
         </a:bodyPr>
         <a:lstStyle/>
         <a:p>
-          <a:pPr lvl="0" algn="ctr" defTabSz="622300" rtl="0">
+          <a:pPr marL="0" lvl="0" indent="0" algn="ctr" defTabSz="622300" rtl="0">
             <a:lnSpc>
               <a:spcPct val="90000"/>
             </a:lnSpc>
@@ -8322,9 +7992,10 @@
             <a:spcAft>
               <a:spcPct val="35000"/>
             </a:spcAft>
+            <a:buNone/>
           </a:pPr>
           <a:r>
-            <a:rPr lang="en-US" sz="1400" b="1" kern="1200" baseline="0" dirty="0" smtClean="0"/>
+            <a:rPr lang="en-US" sz="1400" b="1" kern="1200" baseline="0" dirty="0"/>
             <a:t>Instructor(Now)</a:t>
           </a:r>
           <a:endParaRPr lang="en-US" sz="1400" kern="1200" dirty="0"/>
@@ -8391,7 +8062,7 @@
         </a:bodyPr>
         <a:lstStyle/>
         <a:p>
-          <a:pPr lvl="0" algn="ctr" defTabSz="488950" rtl="0">
+          <a:pPr marL="0" lvl="0" indent="0" algn="ctr" defTabSz="488950" rtl="0">
             <a:lnSpc>
               <a:spcPct val="90000"/>
             </a:lnSpc>
@@ -8401,9 +8072,10 @@
             <a:spcAft>
               <a:spcPct val="35000"/>
             </a:spcAft>
+            <a:buNone/>
           </a:pPr>
           <a:r>
-            <a:rPr lang="en-US" sz="1100" kern="1200" baseline="0" smtClean="0"/>
+            <a:rPr lang="en-US" sz="1100" kern="1200" baseline="0"/>
             <a:t>Web application using JavaScript and node JS.</a:t>
           </a:r>
           <a:endParaRPr lang="en-US" sz="1100" kern="1200"/>
@@ -8470,7 +8142,7 @@
         </a:bodyPr>
         <a:lstStyle/>
         <a:p>
-          <a:pPr lvl="0" algn="ctr" defTabSz="488950" rtl="0">
+          <a:pPr marL="0" lvl="0" indent="0" algn="ctr" defTabSz="488950" rtl="0">
             <a:lnSpc>
               <a:spcPct val="90000"/>
             </a:lnSpc>
@@ -8480,9 +8152,10 @@
             <a:spcAft>
               <a:spcPct val="35000"/>
             </a:spcAft>
+            <a:buNone/>
           </a:pPr>
           <a:r>
-            <a:rPr lang="en-US" sz="1100" kern="1200" baseline="0" smtClean="0"/>
+            <a:rPr lang="en-US" sz="1100" kern="1200" baseline="0"/>
             <a:t>Authentication.</a:t>
           </a:r>
           <a:endParaRPr lang="en-US" sz="1100" kern="1200"/>
@@ -8549,7 +8222,7 @@
         </a:bodyPr>
         <a:lstStyle/>
         <a:p>
-          <a:pPr lvl="0" algn="ctr" defTabSz="488950" rtl="0">
+          <a:pPr marL="0" lvl="0" indent="0" algn="ctr" defTabSz="488950" rtl="0">
             <a:lnSpc>
               <a:spcPct val="90000"/>
             </a:lnSpc>
@@ -8559,9 +8232,10 @@
             <a:spcAft>
               <a:spcPct val="35000"/>
             </a:spcAft>
+            <a:buNone/>
           </a:pPr>
           <a:r>
-            <a:rPr lang="en-US" sz="1100" kern="1200" baseline="0" smtClean="0"/>
+            <a:rPr lang="en-US" sz="1100" kern="1200" baseline="0"/>
             <a:t>QR code Generation.</a:t>
           </a:r>
           <a:endParaRPr lang="en-US" sz="1100" kern="1200"/>
@@ -8628,7 +8302,7 @@
         </a:bodyPr>
         <a:lstStyle/>
         <a:p>
-          <a:pPr lvl="0" algn="ctr" defTabSz="488950" rtl="0">
+          <a:pPr marL="0" lvl="0" indent="0" algn="ctr" defTabSz="488950" rtl="0">
             <a:lnSpc>
               <a:spcPct val="90000"/>
             </a:lnSpc>
@@ -8638,9 +8312,10 @@
             <a:spcAft>
               <a:spcPct val="35000"/>
             </a:spcAft>
+            <a:buNone/>
           </a:pPr>
           <a:r>
-            <a:rPr lang="en-US" sz="1100" kern="1200" baseline="0" smtClean="0"/>
+            <a:rPr lang="en-US" sz="1100" kern="1200" baseline="0"/>
             <a:t>QR code Display.</a:t>
           </a:r>
           <a:endParaRPr lang="en-US" sz="1100" kern="1200"/>
@@ -8707,7 +8382,7 @@
         </a:bodyPr>
         <a:lstStyle/>
         <a:p>
-          <a:pPr lvl="0" algn="ctr" defTabSz="488950" rtl="0">
+          <a:pPr marL="0" lvl="0" indent="0" algn="ctr" defTabSz="488950" rtl="0">
             <a:lnSpc>
               <a:spcPct val="90000"/>
             </a:lnSpc>
@@ -8717,9 +8392,10 @@
             <a:spcAft>
               <a:spcPct val="35000"/>
             </a:spcAft>
+            <a:buNone/>
           </a:pPr>
           <a:r>
-            <a:rPr lang="en-US" sz="1100" kern="1200" baseline="0" smtClean="0"/>
+            <a:rPr lang="en-US" sz="1100" kern="1200" baseline="0"/>
             <a:t>Manage the students attendance.</a:t>
           </a:r>
           <a:endParaRPr lang="en-US" sz="1100" kern="1200"/>
@@ -8786,7 +8462,7 @@
         </a:bodyPr>
         <a:lstStyle/>
         <a:p>
-          <a:pPr lvl="0" algn="ctr" defTabSz="488950" rtl="0">
+          <a:pPr marL="0" lvl="0" indent="0" algn="ctr" defTabSz="488950" rtl="0">
             <a:lnSpc>
               <a:spcPct val="90000"/>
             </a:lnSpc>
@@ -8796,9 +8472,10 @@
             <a:spcAft>
               <a:spcPct val="35000"/>
             </a:spcAft>
+            <a:buNone/>
           </a:pPr>
           <a:r>
-            <a:rPr lang="en-US" sz="1100" kern="1200" baseline="0" smtClean="0"/>
+            <a:rPr lang="en-US" sz="1100" kern="1200" baseline="0"/>
             <a:t>Appropriate Feedback</a:t>
           </a:r>
           <a:endParaRPr lang="en-US" sz="1100" kern="1200"/>
@@ -8875,7 +8552,7 @@
         </a:bodyPr>
         <a:lstStyle/>
         <a:p>
-          <a:pPr lvl="0" algn="ctr" defTabSz="577850" rtl="0">
+          <a:pPr marL="0" lvl="0" indent="0" algn="ctr" defTabSz="577850" rtl="0">
             <a:lnSpc>
               <a:spcPct val="90000"/>
             </a:lnSpc>
@@ -8885,9 +8562,10 @@
             <a:spcAft>
               <a:spcPct val="35000"/>
             </a:spcAft>
+            <a:buNone/>
           </a:pPr>
           <a:r>
-            <a:rPr lang="en-US" sz="1300" b="1" kern="1200" baseline="0" dirty="0" smtClean="0"/>
+            <a:rPr lang="en-US" sz="1300" b="1" kern="1200" baseline="0" dirty="0"/>
             <a:t>Student(Before)</a:t>
           </a:r>
           <a:endParaRPr lang="en-US" sz="1300" kern="1200" dirty="0"/>
@@ -8954,7 +8632,7 @@
         </a:bodyPr>
         <a:lstStyle/>
         <a:p>
-          <a:pPr lvl="0" algn="ctr" defTabSz="666750" rtl="0">
+          <a:pPr marL="0" lvl="0" indent="0" algn="ctr" defTabSz="666750" rtl="0">
             <a:lnSpc>
               <a:spcPct val="90000"/>
             </a:lnSpc>
@@ -8964,9 +8642,10 @@
             <a:spcAft>
               <a:spcPct val="35000"/>
             </a:spcAft>
+            <a:buNone/>
           </a:pPr>
           <a:r>
-            <a:rPr lang="en-US" sz="1500" kern="1200" baseline="0" smtClean="0"/>
+            <a:rPr lang="en-US" sz="1500" kern="1200" baseline="0"/>
             <a:t>iOS application.</a:t>
           </a:r>
           <a:endParaRPr lang="en-US" sz="1500" kern="1200"/>
@@ -9033,7 +8712,7 @@
         </a:bodyPr>
         <a:lstStyle/>
         <a:p>
-          <a:pPr lvl="0" algn="ctr" defTabSz="666750" rtl="0">
+          <a:pPr marL="0" lvl="0" indent="0" algn="ctr" defTabSz="666750" rtl="0">
             <a:lnSpc>
               <a:spcPct val="90000"/>
             </a:lnSpc>
@@ -9043,9 +8722,10 @@
             <a:spcAft>
               <a:spcPct val="35000"/>
             </a:spcAft>
+            <a:buNone/>
           </a:pPr>
           <a:r>
-            <a:rPr lang="en-US" sz="1500" kern="1200" baseline="0" smtClean="0"/>
+            <a:rPr lang="en-US" sz="1500" kern="1200" baseline="0"/>
             <a:t>Persistent Login</a:t>
           </a:r>
           <a:endParaRPr lang="en-US" sz="1500" kern="1200"/>
@@ -9112,7 +8792,7 @@
         </a:bodyPr>
         <a:lstStyle/>
         <a:p>
-          <a:pPr lvl="0" algn="ctr" defTabSz="666750" rtl="0">
+          <a:pPr marL="0" lvl="0" indent="0" algn="ctr" defTabSz="666750" rtl="0">
             <a:lnSpc>
               <a:spcPct val="90000"/>
             </a:lnSpc>
@@ -9122,9 +8802,10 @@
             <a:spcAft>
               <a:spcPct val="35000"/>
             </a:spcAft>
+            <a:buNone/>
           </a:pPr>
           <a:r>
-            <a:rPr lang="en-US" sz="1500" kern="1200" baseline="0" smtClean="0"/>
+            <a:rPr lang="en-US" sz="1500" kern="1200" baseline="0"/>
             <a:t>Scan and Capture QR</a:t>
           </a:r>
           <a:endParaRPr lang="en-US" sz="1500" kern="1200"/>
@@ -9191,7 +8872,7 @@
         </a:bodyPr>
         <a:lstStyle/>
         <a:p>
-          <a:pPr lvl="0" algn="ctr" defTabSz="666750" rtl="0">
+          <a:pPr marL="0" lvl="0" indent="0" algn="ctr" defTabSz="666750" rtl="0">
             <a:lnSpc>
               <a:spcPct val="90000"/>
             </a:lnSpc>
@@ -9201,9 +8882,10 @@
             <a:spcAft>
               <a:spcPct val="35000"/>
             </a:spcAft>
+            <a:buNone/>
           </a:pPr>
           <a:r>
-            <a:rPr lang="en-US" sz="1500" kern="1200" baseline="0" smtClean="0"/>
+            <a:rPr lang="en-US" sz="1500" kern="1200" baseline="0"/>
             <a:t>View courses registered</a:t>
           </a:r>
           <a:endParaRPr lang="en-US" sz="1500" kern="1200"/>
@@ -9270,7 +8952,7 @@
         </a:bodyPr>
         <a:lstStyle/>
         <a:p>
-          <a:pPr lvl="0" algn="ctr" defTabSz="666750" rtl="0">
+          <a:pPr marL="0" lvl="0" indent="0" algn="ctr" defTabSz="666750" rtl="0">
             <a:lnSpc>
               <a:spcPct val="90000"/>
             </a:lnSpc>
@@ -9280,9 +8962,10 @@
             <a:spcAft>
               <a:spcPct val="35000"/>
             </a:spcAft>
+            <a:buNone/>
           </a:pPr>
           <a:r>
-            <a:rPr lang="en-US" sz="1500" kern="1200" baseline="0" smtClean="0"/>
+            <a:rPr lang="en-US" sz="1500" kern="1200" baseline="0"/>
             <a:t>View attendance percentage</a:t>
           </a:r>
           <a:endParaRPr lang="en-US" sz="1500" kern="1200"/>
@@ -9349,7 +9032,7 @@
         </a:bodyPr>
         <a:lstStyle/>
         <a:p>
-          <a:pPr lvl="0" algn="ctr" defTabSz="666750" rtl="0">
+          <a:pPr marL="0" lvl="0" indent="0" algn="ctr" defTabSz="666750" rtl="0">
             <a:lnSpc>
               <a:spcPct val="90000"/>
             </a:lnSpc>
@@ -9359,9 +9042,10 @@
             <a:spcAft>
               <a:spcPct val="35000"/>
             </a:spcAft>
+            <a:buNone/>
           </a:pPr>
           <a:r>
-            <a:rPr lang="en-US" sz="1500" kern="1200" baseline="0" smtClean="0"/>
+            <a:rPr lang="en-US" sz="1500" kern="1200" baseline="0"/>
             <a:t>Appropriate Feedback</a:t>
           </a:r>
           <a:endParaRPr lang="en-US" sz="1500" kern="1200"/>
@@ -9426,7 +9110,7 @@
         </a:bodyPr>
         <a:lstStyle/>
         <a:p>
-          <a:pPr lvl="0" algn="ctr" defTabSz="577850" rtl="0">
+          <a:pPr marL="0" lvl="0" indent="0" algn="ctr" defTabSz="577850" rtl="0">
             <a:lnSpc>
               <a:spcPct val="90000"/>
             </a:lnSpc>
@@ -9436,9 +9120,10 @@
             <a:spcAft>
               <a:spcPct val="35000"/>
             </a:spcAft>
+            <a:buNone/>
           </a:pPr>
           <a:r>
-            <a:rPr lang="en-US" sz="1300" b="1" kern="1200" baseline="0" dirty="0" smtClean="0"/>
+            <a:rPr lang="en-US" sz="1300" b="1" kern="1200" baseline="0" dirty="0"/>
             <a:t>Student(Now)</a:t>
           </a:r>
           <a:endParaRPr lang="en-US" sz="1300" kern="1200" dirty="0"/>
@@ -9505,7 +9190,7 @@
         </a:bodyPr>
         <a:lstStyle/>
         <a:p>
-          <a:pPr lvl="0" algn="ctr" defTabSz="666750" rtl="0">
+          <a:pPr marL="0" lvl="0" indent="0" algn="ctr" defTabSz="666750" rtl="0">
             <a:lnSpc>
               <a:spcPct val="90000"/>
             </a:lnSpc>
@@ -9515,9 +9200,10 @@
             <a:spcAft>
               <a:spcPct val="35000"/>
             </a:spcAft>
+            <a:buNone/>
           </a:pPr>
           <a:r>
-            <a:rPr lang="en-US" sz="1500" kern="1200" baseline="0" smtClean="0"/>
+            <a:rPr lang="en-US" sz="1500" kern="1200" baseline="0"/>
             <a:t>iOS application – tabbed.</a:t>
           </a:r>
           <a:endParaRPr lang="en-US" sz="1500" kern="1200"/>
@@ -9584,7 +9270,7 @@
         </a:bodyPr>
         <a:lstStyle/>
         <a:p>
-          <a:pPr lvl="0" algn="ctr" defTabSz="666750" rtl="0">
+          <a:pPr marL="0" lvl="0" indent="0" algn="ctr" defTabSz="666750" rtl="0">
             <a:lnSpc>
               <a:spcPct val="90000"/>
             </a:lnSpc>
@@ -9594,9 +9280,10 @@
             <a:spcAft>
               <a:spcPct val="35000"/>
             </a:spcAft>
+            <a:buNone/>
           </a:pPr>
           <a:r>
-            <a:rPr lang="en-US" sz="1500" kern="1200" baseline="0" smtClean="0"/>
+            <a:rPr lang="en-US" sz="1500" kern="1200" baseline="0"/>
             <a:t>Persistent Login</a:t>
           </a:r>
           <a:endParaRPr lang="en-US" sz="1500" kern="1200"/>
@@ -9663,7 +9350,7 @@
         </a:bodyPr>
         <a:lstStyle/>
         <a:p>
-          <a:pPr lvl="0" algn="ctr" defTabSz="666750" rtl="0">
+          <a:pPr marL="0" lvl="0" indent="0" algn="ctr" defTabSz="666750" rtl="0">
             <a:lnSpc>
               <a:spcPct val="90000"/>
             </a:lnSpc>
@@ -9673,9 +9360,10 @@
             <a:spcAft>
               <a:spcPct val="35000"/>
             </a:spcAft>
+            <a:buNone/>
           </a:pPr>
           <a:r>
-            <a:rPr lang="en-US" sz="1500" kern="1200" baseline="0" smtClean="0"/>
+            <a:rPr lang="en-US" sz="1500" kern="1200" baseline="0"/>
             <a:t>Scan QR</a:t>
           </a:r>
           <a:endParaRPr lang="en-US" sz="1500" kern="1200"/>
@@ -9742,7 +9430,7 @@
         </a:bodyPr>
         <a:lstStyle/>
         <a:p>
-          <a:pPr lvl="0" algn="ctr" defTabSz="666750" rtl="0">
+          <a:pPr marL="0" lvl="0" indent="0" algn="ctr" defTabSz="666750" rtl="0">
             <a:lnSpc>
               <a:spcPct val="90000"/>
             </a:lnSpc>
@@ -9752,9 +9440,10 @@
             <a:spcAft>
               <a:spcPct val="35000"/>
             </a:spcAft>
+            <a:buNone/>
           </a:pPr>
           <a:r>
-            <a:rPr lang="en-US" sz="1500" kern="1200" baseline="0" smtClean="0"/>
+            <a:rPr lang="en-US" sz="1500" kern="1200" baseline="0"/>
             <a:t>View courses registered</a:t>
           </a:r>
           <a:endParaRPr lang="en-US" sz="1500" kern="1200"/>
@@ -9821,7 +9510,7 @@
         </a:bodyPr>
         <a:lstStyle/>
         <a:p>
-          <a:pPr lvl="0" algn="ctr" defTabSz="666750" rtl="0">
+          <a:pPr marL="0" lvl="0" indent="0" algn="ctr" defTabSz="666750" rtl="0">
             <a:lnSpc>
               <a:spcPct val="90000"/>
             </a:lnSpc>
@@ -9831,9 +9520,10 @@
             <a:spcAft>
               <a:spcPct val="35000"/>
             </a:spcAft>
+            <a:buNone/>
           </a:pPr>
           <a:r>
-            <a:rPr lang="en-US" sz="1500" kern="1200" baseline="0" smtClean="0"/>
+            <a:rPr lang="en-US" sz="1500" kern="1200" baseline="0"/>
             <a:t>View attendance percentage</a:t>
           </a:r>
           <a:endParaRPr lang="en-US" sz="1500" kern="1200"/>
@@ -9900,7 +9590,7 @@
         </a:bodyPr>
         <a:lstStyle/>
         <a:p>
-          <a:pPr lvl="0" algn="ctr" defTabSz="666750" rtl="0">
+          <a:pPr marL="0" lvl="0" indent="0" algn="ctr" defTabSz="666750" rtl="0">
             <a:lnSpc>
               <a:spcPct val="90000"/>
             </a:lnSpc>
@@ -9910,9 +9600,10 @@
             <a:spcAft>
               <a:spcPct val="35000"/>
             </a:spcAft>
+            <a:buNone/>
           </a:pPr>
           <a:r>
-            <a:rPr lang="en-US" sz="1500" kern="1200" baseline="0" smtClean="0"/>
+            <a:rPr lang="en-US" sz="1500" kern="1200" baseline="0"/>
             <a:t>Appropriate Feedback</a:t>
           </a:r>
           <a:endParaRPr lang="en-US" sz="1500" kern="1200"/>
@@ -10067,7 +9758,7 @@
         </a:bodyPr>
         <a:lstStyle/>
         <a:p>
-          <a:pPr lvl="0" algn="r" defTabSz="977900">
+          <a:pPr marL="0" lvl="0" indent="0" algn="r" defTabSz="977900">
             <a:lnSpc>
               <a:spcPct val="90000"/>
             </a:lnSpc>
@@ -10077,6 +9768,7 @@
             <a:spcAft>
               <a:spcPct val="35000"/>
             </a:spcAft>
+            <a:buNone/>
           </a:pPr>
           <a:r>
             <a:rPr lang="en-US" sz="2200" kern="1200" dirty="0">
@@ -10129,7 +9821,7 @@
         </a:bodyPr>
         <a:lstStyle/>
         <a:p>
-          <a:pPr lvl="0" algn="l" defTabSz="977900">
+          <a:pPr marL="0" lvl="0" indent="0" algn="l" defTabSz="977900">
             <a:lnSpc>
               <a:spcPct val="90000"/>
             </a:lnSpc>
@@ -10139,6 +9831,7 @@
             <a:spcAft>
               <a:spcPct val="35000"/>
             </a:spcAft>
+            <a:buNone/>
           </a:pPr>
           <a:r>
             <a:rPr lang="en-US" sz="2200" kern="1200" dirty="0">
@@ -10149,7 +9842,7 @@
           </a:r>
         </a:p>
         <a:p>
-          <a:pPr lvl="0" algn="l" defTabSz="977900">
+          <a:pPr marL="0" lvl="0" indent="0" algn="l" defTabSz="977900">
             <a:lnSpc>
               <a:spcPct val="90000"/>
             </a:lnSpc>
@@ -10159,6 +9852,7 @@
             <a:spcAft>
               <a:spcPct val="35000"/>
             </a:spcAft>
+            <a:buNone/>
           </a:pPr>
           <a:r>
             <a:rPr lang="en-US" sz="2200" kern="1200" dirty="0">
@@ -10169,7 +9863,7 @@
           </a:r>
         </a:p>
         <a:p>
-          <a:pPr lvl="0" algn="l" defTabSz="977900">
+          <a:pPr marL="0" lvl="0" indent="0" algn="l" defTabSz="977900">
             <a:lnSpc>
               <a:spcPct val="90000"/>
             </a:lnSpc>
@@ -10179,6 +9873,7 @@
             <a:spcAft>
               <a:spcPct val="35000"/>
             </a:spcAft>
+            <a:buNone/>
           </a:pPr>
           <a:r>
             <a:rPr lang="en-US" sz="2200" kern="1200" dirty="0">
@@ -10326,7 +10021,7 @@
         </a:bodyPr>
         <a:lstStyle/>
         <a:p>
-          <a:pPr lvl="0" algn="r" defTabSz="977900">
+          <a:pPr marL="0" lvl="0" indent="0" algn="r" defTabSz="977900">
             <a:lnSpc>
               <a:spcPct val="90000"/>
             </a:lnSpc>
@@ -10336,6 +10031,7 @@
             <a:spcAft>
               <a:spcPct val="35000"/>
             </a:spcAft>
+            <a:buNone/>
           </a:pPr>
           <a:r>
             <a:rPr lang="en-US" sz="2200" kern="1200" dirty="0">
@@ -10388,7 +10084,7 @@
         </a:bodyPr>
         <a:lstStyle/>
         <a:p>
-          <a:pPr lvl="0" algn="l" defTabSz="977900">
+          <a:pPr marL="0" lvl="0" indent="0" algn="l" defTabSz="977900">
             <a:lnSpc>
               <a:spcPct val="90000"/>
             </a:lnSpc>
@@ -10398,6 +10094,7 @@
             <a:spcAft>
               <a:spcPct val="35000"/>
             </a:spcAft>
+            <a:buNone/>
           </a:pPr>
           <a:r>
             <a:rPr lang="en-US" sz="2200" kern="1200" dirty="0">
@@ -10408,7 +10105,7 @@
           </a:r>
         </a:p>
         <a:p>
-          <a:pPr lvl="0" algn="l" defTabSz="977900">
+          <a:pPr marL="0" lvl="0" indent="0" algn="l" defTabSz="977900">
             <a:lnSpc>
               <a:spcPct val="90000"/>
             </a:lnSpc>
@@ -10418,6 +10115,7 @@
             <a:spcAft>
               <a:spcPct val="35000"/>
             </a:spcAft>
+            <a:buNone/>
           </a:pPr>
           <a:r>
             <a:rPr lang="en-US" sz="2200" kern="1200" dirty="0">
@@ -10428,7 +10126,7 @@
           </a:r>
         </a:p>
         <a:p>
-          <a:pPr lvl="0" algn="l" defTabSz="977900">
+          <a:pPr marL="0" lvl="0" indent="0" algn="l" defTabSz="977900">
             <a:lnSpc>
               <a:spcPct val="90000"/>
             </a:lnSpc>
@@ -10438,6 +10136,7 @@
             <a:spcAft>
               <a:spcPct val="35000"/>
             </a:spcAft>
+            <a:buNone/>
           </a:pPr>
           <a:r>
             <a:rPr lang="en-US" sz="2200" kern="1200" dirty="0">
@@ -10585,7 +10284,7 @@
         </a:bodyPr>
         <a:lstStyle/>
         <a:p>
-          <a:pPr lvl="0" algn="r" defTabSz="977900">
+          <a:pPr marL="0" lvl="0" indent="0" algn="r" defTabSz="977900">
             <a:lnSpc>
               <a:spcPct val="90000"/>
             </a:lnSpc>
@@ -10595,6 +10294,7 @@
             <a:spcAft>
               <a:spcPct val="35000"/>
             </a:spcAft>
+            <a:buNone/>
           </a:pPr>
           <a:r>
             <a:rPr lang="en-US" sz="2200" kern="1200" dirty="0">
@@ -10647,7 +10347,7 @@
         </a:bodyPr>
         <a:lstStyle/>
         <a:p>
-          <a:pPr lvl="0" algn="l" defTabSz="977900">
+          <a:pPr marL="0" lvl="0" indent="0" algn="l" defTabSz="977900">
             <a:lnSpc>
               <a:spcPct val="90000"/>
             </a:lnSpc>
@@ -10657,6 +10357,7 @@
             <a:spcAft>
               <a:spcPct val="35000"/>
             </a:spcAft>
+            <a:buNone/>
           </a:pPr>
           <a:r>
             <a:rPr lang="en-US" sz="2200" kern="1200" dirty="0">
@@ -10667,7 +10368,7 @@
           </a:r>
         </a:p>
         <a:p>
-          <a:pPr lvl="0" algn="l" defTabSz="977900">
+          <a:pPr marL="0" lvl="0" indent="0" algn="l" defTabSz="977900">
             <a:lnSpc>
               <a:spcPct val="90000"/>
             </a:lnSpc>
@@ -10677,6 +10378,7 @@
             <a:spcAft>
               <a:spcPct val="35000"/>
             </a:spcAft>
+            <a:buNone/>
           </a:pPr>
           <a:r>
             <a:rPr lang="en-US" sz="2200" kern="1200" dirty="0">
@@ -10687,7 +10389,7 @@
           </a:r>
         </a:p>
         <a:p>
-          <a:pPr lvl="0" algn="l" defTabSz="977900">
+          <a:pPr marL="0" lvl="0" indent="0" algn="l" defTabSz="977900">
             <a:lnSpc>
               <a:spcPct val="90000"/>
             </a:lnSpc>
@@ -10697,6 +10399,7 @@
             <a:spcAft>
               <a:spcPct val="35000"/>
             </a:spcAft>
+            <a:buNone/>
           </a:pPr>
           <a:r>
             <a:rPr lang="en-US" sz="2200" kern="1200" dirty="0">
@@ -10844,7 +10547,7 @@
         </a:bodyPr>
         <a:lstStyle/>
         <a:p>
-          <a:pPr lvl="0" algn="r" defTabSz="977900">
+          <a:pPr marL="0" lvl="0" indent="0" algn="r" defTabSz="977900">
             <a:lnSpc>
               <a:spcPct val="90000"/>
             </a:lnSpc>
@@ -10854,6 +10557,7 @@
             <a:spcAft>
               <a:spcPct val="35000"/>
             </a:spcAft>
+            <a:buNone/>
           </a:pPr>
           <a:r>
             <a:rPr lang="en-US" sz="2200" kern="1200" dirty="0">
@@ -10906,7 +10610,7 @@
         </a:bodyPr>
         <a:lstStyle/>
         <a:p>
-          <a:pPr lvl="0" algn="l" defTabSz="977900">
+          <a:pPr marL="0" lvl="0" indent="0" algn="l" defTabSz="977900">
             <a:lnSpc>
               <a:spcPct val="90000"/>
             </a:lnSpc>
@@ -10916,6 +10620,7 @@
             <a:spcAft>
               <a:spcPct val="35000"/>
             </a:spcAft>
+            <a:buNone/>
           </a:pPr>
           <a:r>
             <a:rPr lang="en-US" sz="2200" kern="1200" dirty="0">
@@ -10926,7 +10631,7 @@
           </a:r>
         </a:p>
         <a:p>
-          <a:pPr lvl="0" algn="l" defTabSz="977900">
+          <a:pPr marL="0" lvl="0" indent="0" algn="l" defTabSz="977900">
             <a:lnSpc>
               <a:spcPct val="90000"/>
             </a:lnSpc>
@@ -10936,6 +10641,7 @@
             <a:spcAft>
               <a:spcPct val="35000"/>
             </a:spcAft>
+            <a:buNone/>
           </a:pPr>
           <a:r>
             <a:rPr lang="en-US" sz="2200" kern="1200" dirty="0">
@@ -11009,7 +10715,7 @@
         </a:bodyPr>
         <a:lstStyle/>
         <a:p>
-          <a:pPr lvl="0" algn="r" defTabSz="977900">
+          <a:pPr marL="0" lvl="0" indent="0" algn="r" defTabSz="977900">
             <a:lnSpc>
               <a:spcPct val="90000"/>
             </a:lnSpc>
@@ -11019,6 +10725,7 @@
             <a:spcAft>
               <a:spcPct val="35000"/>
             </a:spcAft>
+            <a:buNone/>
           </a:pPr>
           <a:r>
             <a:rPr lang="en-US" sz="2200" kern="1200" dirty="0">
@@ -11155,7 +10862,7 @@
             <a:spcAft>
               <a:spcPct val="15000"/>
             </a:spcAft>
-            <a:buChar char="••"/>
+            <a:buChar char="•"/>
           </a:pPr>
           <a:r>
             <a:rPr lang="en-US" sz="2000" kern="1200" dirty="0">
@@ -11176,7 +10883,7 @@
             <a:spcAft>
               <a:spcPct val="15000"/>
             </a:spcAft>
-            <a:buChar char="••"/>
+            <a:buChar char="•"/>
           </a:pPr>
           <a:r>
             <a:rPr lang="en-US" sz="2000" kern="1200" dirty="0">
@@ -11197,7 +10904,7 @@
             <a:spcAft>
               <a:spcPct val="15000"/>
             </a:spcAft>
-            <a:buChar char="••"/>
+            <a:buChar char="•"/>
           </a:pPr>
           <a:r>
             <a:rPr lang="en-US" sz="2000" kern="1200" dirty="0">
@@ -11218,7 +10925,7 @@
             <a:spcAft>
               <a:spcPct val="15000"/>
             </a:spcAft>
-            <a:buChar char="••"/>
+            <a:buChar char="•"/>
           </a:pPr>
           <a:r>
             <a:rPr lang="en-US" sz="2000" kern="1200" dirty="0">
@@ -11280,7 +10987,7 @@
         </a:bodyPr>
         <a:lstStyle/>
         <a:p>
-          <a:pPr lvl="0" algn="r" defTabSz="977900">
+          <a:pPr marL="0" lvl="0" indent="0" algn="r" defTabSz="977900">
             <a:lnSpc>
               <a:spcPct val="90000"/>
             </a:lnSpc>
@@ -11290,6 +10997,7 @@
             <a:spcAft>
               <a:spcPct val="35000"/>
             </a:spcAft>
+            <a:buNone/>
           </a:pPr>
           <a:r>
             <a:rPr lang="en-US" sz="2200" kern="1200" dirty="0">
@@ -11426,7 +11134,7 @@
             <a:spcAft>
               <a:spcPct val="15000"/>
             </a:spcAft>
-            <a:buChar char="••"/>
+            <a:buChar char="•"/>
           </a:pPr>
           <a:r>
             <a:rPr lang="en-US" sz="2000" kern="1200" dirty="0">
@@ -11447,7 +11155,7 @@
             <a:spcAft>
               <a:spcPct val="15000"/>
             </a:spcAft>
-            <a:buChar char="••"/>
+            <a:buChar char="•"/>
           </a:pPr>
           <a:r>
             <a:rPr lang="en-US" sz="2000" kern="1200" dirty="0">
@@ -11468,7 +11176,7 @@
             <a:spcAft>
               <a:spcPct val="15000"/>
             </a:spcAft>
-            <a:buChar char="••"/>
+            <a:buChar char="•"/>
           </a:pPr>
           <a:r>
             <a:rPr lang="en-US" sz="2000" kern="1200" dirty="0">
@@ -11530,7 +11238,7 @@
         </a:bodyPr>
         <a:lstStyle/>
         <a:p>
-          <a:pPr lvl="0" algn="r" defTabSz="977900">
+          <a:pPr marL="0" lvl="0" indent="0" algn="r" defTabSz="977900">
             <a:lnSpc>
               <a:spcPct val="90000"/>
             </a:lnSpc>
@@ -11540,6 +11248,7 @@
             <a:spcAft>
               <a:spcPct val="35000"/>
             </a:spcAft>
+            <a:buNone/>
           </a:pPr>
           <a:r>
             <a:rPr lang="en-US" sz="2200" kern="1200" dirty="0">
@@ -11676,7 +11385,7 @@
             <a:spcAft>
               <a:spcPct val="15000"/>
             </a:spcAft>
-            <a:buChar char="••"/>
+            <a:buChar char="•"/>
           </a:pPr>
           <a:r>
             <a:rPr lang="en-US" sz="2000" kern="1200" dirty="0">
@@ -11697,7 +11406,7 @@
             <a:spcAft>
               <a:spcPct val="15000"/>
             </a:spcAft>
-            <a:buChar char="••"/>
+            <a:buChar char="•"/>
           </a:pPr>
           <a:r>
             <a:rPr lang="en-US" sz="2000" kern="1200" dirty="0">
@@ -11759,7 +11468,7 @@
         </a:bodyPr>
         <a:lstStyle/>
         <a:p>
-          <a:pPr lvl="0" algn="r" defTabSz="977900">
+          <a:pPr marL="0" lvl="0" indent="0" algn="r" defTabSz="977900">
             <a:lnSpc>
               <a:spcPct val="90000"/>
             </a:lnSpc>
@@ -11769,6 +11478,7 @@
             <a:spcAft>
               <a:spcPct val="35000"/>
             </a:spcAft>
+            <a:buNone/>
           </a:pPr>
           <a:r>
             <a:rPr lang="en-US" sz="2200" kern="1200" dirty="0">
@@ -11905,7 +11615,7 @@
             <a:spcAft>
               <a:spcPct val="15000"/>
             </a:spcAft>
-            <a:buChar char="••"/>
+            <a:buChar char="•"/>
           </a:pPr>
           <a:r>
             <a:rPr lang="en-US" sz="2000" kern="1200" dirty="0">
@@ -11989,7 +11699,7 @@
         </a:bodyPr>
         <a:lstStyle/>
         <a:p>
-          <a:pPr lvl="0" algn="l" defTabSz="977900">
+          <a:pPr marL="0" lvl="0" indent="0" algn="l" defTabSz="977900">
             <a:lnSpc>
               <a:spcPct val="90000"/>
             </a:lnSpc>
@@ -11999,6 +11709,7 @@
             <a:spcAft>
               <a:spcPct val="35000"/>
             </a:spcAft>
+            <a:buNone/>
           </a:pPr>
           <a:r>
             <a:rPr lang="en-US" sz="2200" kern="1200" dirty="0">
@@ -12071,7 +11782,7 @@
         </a:bodyPr>
         <a:lstStyle/>
         <a:p>
-          <a:pPr lvl="0" algn="l" defTabSz="977900">
+          <a:pPr marL="0" lvl="0" indent="0" algn="l" defTabSz="977900">
             <a:lnSpc>
               <a:spcPct val="90000"/>
             </a:lnSpc>
@@ -12081,6 +11792,7 @@
             <a:spcAft>
               <a:spcPct val="35000"/>
             </a:spcAft>
+            <a:buNone/>
           </a:pPr>
           <a:r>
             <a:rPr lang="en-US" sz="2200" kern="1200" dirty="0"/>
@@ -12149,7 +11861,7 @@
         </a:bodyPr>
         <a:lstStyle/>
         <a:p>
-          <a:pPr lvl="0" algn="l" defTabSz="977900">
+          <a:pPr marL="0" lvl="0" indent="0" algn="l" defTabSz="977900">
             <a:lnSpc>
               <a:spcPct val="90000"/>
             </a:lnSpc>
@@ -12159,6 +11871,7 @@
             <a:spcAft>
               <a:spcPct val="35000"/>
             </a:spcAft>
+            <a:buNone/>
           </a:pPr>
           <a:r>
             <a:rPr lang="en-US" sz="2200" kern="1200" dirty="0"/>
@@ -12230,7 +11943,7 @@
         </a:bodyPr>
         <a:lstStyle/>
         <a:p>
-          <a:pPr lvl="0" algn="ctr" defTabSz="1555750">
+          <a:pPr marL="0" lvl="0" indent="0" algn="ctr" defTabSz="1555750">
             <a:lnSpc>
               <a:spcPct val="90000"/>
             </a:lnSpc>
@@ -12240,6 +11953,7 @@
             <a:spcAft>
               <a:spcPct val="35000"/>
             </a:spcAft>
+            <a:buNone/>
           </a:pPr>
           <a:endParaRPr lang="en-US" sz="3500" kern="1200"/>
         </a:p>
@@ -12308,7 +12022,7 @@
         </a:bodyPr>
         <a:lstStyle/>
         <a:p>
-          <a:pPr lvl="0" algn="ctr" defTabSz="1555750">
+          <a:pPr marL="0" lvl="0" indent="0" algn="ctr" defTabSz="1555750">
             <a:lnSpc>
               <a:spcPct val="90000"/>
             </a:lnSpc>
@@ -12318,6 +12032,7 @@
             <a:spcAft>
               <a:spcPct val="35000"/>
             </a:spcAft>
+            <a:buNone/>
           </a:pPr>
           <a:endParaRPr lang="en-US" sz="3500" kern="1200"/>
         </a:p>
@@ -27280,17 +26995,1878 @@
       </p:transition>
     </mc:Fallback>
   </mc:AlternateContent>
+</p:sld>
+</file>
+
+<file path=ppt/slides/slide10.xml><?xml version="1.0" encoding="utf-8"?>
+<p:sld xmlns:a="http://schemas.openxmlformats.org/drawingml/2006/main" xmlns:r="http://schemas.openxmlformats.org/officeDocument/2006/relationships" xmlns:p="http://schemas.openxmlformats.org/presentationml/2006/main">
+  <p:cSld>
+    <p:spTree>
+      <p:nvGrpSpPr>
+        <p:cNvPr id="1" name=""/>
+        <p:cNvGrpSpPr/>
+        <p:nvPr/>
+      </p:nvGrpSpPr>
+      <p:grpSpPr>
+        <a:xfrm>
+          <a:off x="0" y="0"/>
+          <a:ext cx="0" cy="0"/>
+          <a:chOff x="0" y="0"/>
+          <a:chExt cx="0" cy="0"/>
+        </a:xfrm>
+      </p:grpSpPr>
+      <p:sp>
+        <p:nvSpPr>
+          <p:cNvPr id="2" name="Title 1"/>
+          <p:cNvSpPr>
+            <a:spLocks noGrp="1"/>
+          </p:cNvSpPr>
+          <p:nvPr>
+            <p:ph type="title"/>
+          </p:nvPr>
+        </p:nvSpPr>
+        <p:spPr>
+          <a:xfrm>
+            <a:off x="85766" y="4551"/>
+            <a:ext cx="10396882" cy="1151965"/>
+          </a:xfrm>
+        </p:spPr>
+        <p:txBody>
+          <a:bodyPr/>
+          <a:lstStyle/>
+          <a:p>
+            <a:r>
+              <a:rPr lang="en-US" dirty="0">
+                <a:solidFill>
+                  <a:schemeClr val="tx1"/>
+                </a:solidFill>
+              </a:rPr>
+              <a:t>Data flow (Add/remove courses)</a:t>
+            </a:r>
+          </a:p>
+        </p:txBody>
+      </p:sp>
+      <p:cxnSp>
+        <p:nvCxnSpPr>
+          <p:cNvPr id="19" name="Straight Connector 18">
+            <a:extLst>
+              <a:ext uri="{FF2B5EF4-FFF2-40B4-BE49-F238E27FC236}">
+                <a16:creationId xmlns:a16="http://schemas.microsoft.com/office/drawing/2014/main" id="{33FCD91A-2EF0-4612-8DEF-5ABE4242A4B2}"/>
+              </a:ext>
+            </a:extLst>
+          </p:cNvPr>
+          <p:cNvCxnSpPr/>
+          <p:nvPr/>
+        </p:nvCxnSpPr>
+        <p:spPr>
+          <a:xfrm flipH="1">
+            <a:off x="7041176" y="3155474"/>
+            <a:ext cx="1730003" cy="2"/>
+          </a:xfrm>
+          <a:prstGeom prst="line">
+            <a:avLst/>
+          </a:prstGeom>
+          <a:ln w="234950" cap="flat">
+            <a:solidFill>
+              <a:schemeClr val="accent6"/>
+            </a:solidFill>
+            <a:prstDash val="sysDot"/>
+          </a:ln>
+        </p:spPr>
+        <p:style>
+          <a:lnRef idx="1">
+            <a:schemeClr val="accent1"/>
+          </a:lnRef>
+          <a:fillRef idx="0">
+            <a:schemeClr val="accent1"/>
+          </a:fillRef>
+          <a:effectRef idx="0">
+            <a:schemeClr val="accent1"/>
+          </a:effectRef>
+          <a:fontRef idx="minor">
+            <a:schemeClr val="tx1"/>
+          </a:fontRef>
+        </p:style>
+      </p:cxnSp>
+      <p:cxnSp>
+        <p:nvCxnSpPr>
+          <p:cNvPr id="20" name="Straight Connector 19">
+            <a:extLst>
+              <a:ext uri="{FF2B5EF4-FFF2-40B4-BE49-F238E27FC236}">
+                <a16:creationId xmlns:a16="http://schemas.microsoft.com/office/drawing/2014/main" id="{7F932EFE-4A5A-4032-8C38-5C1EA7484AB6}"/>
+              </a:ext>
+            </a:extLst>
+          </p:cNvPr>
+          <p:cNvCxnSpPr/>
+          <p:nvPr/>
+        </p:nvCxnSpPr>
+        <p:spPr>
+          <a:xfrm>
+            <a:off x="3109299" y="3155474"/>
+            <a:ext cx="1828780" cy="0"/>
+          </a:xfrm>
+          <a:prstGeom prst="line">
+            <a:avLst/>
+          </a:prstGeom>
+          <a:ln w="234950" cap="flat">
+            <a:solidFill>
+              <a:schemeClr val="accent6"/>
+            </a:solidFill>
+            <a:prstDash val="sysDot"/>
+          </a:ln>
+        </p:spPr>
+        <p:style>
+          <a:lnRef idx="1">
+            <a:schemeClr val="accent1"/>
+          </a:lnRef>
+          <a:fillRef idx="0">
+            <a:schemeClr val="accent1"/>
+          </a:fillRef>
+          <a:effectRef idx="0">
+            <a:schemeClr val="accent1"/>
+          </a:effectRef>
+          <a:fontRef idx="minor">
+            <a:schemeClr val="tx1"/>
+          </a:fontRef>
+        </p:style>
+      </p:cxnSp>
+      <p:sp>
+        <p:nvSpPr>
+          <p:cNvPr id="21" name="Rectangle 20">
+            <a:extLst>
+              <a:ext uri="{FF2B5EF4-FFF2-40B4-BE49-F238E27FC236}">
+                <a16:creationId xmlns:a16="http://schemas.microsoft.com/office/drawing/2014/main" id="{6C7B2028-9ADC-4874-8CCA-2563EA0FEB92}"/>
+              </a:ext>
+            </a:extLst>
+          </p:cNvPr>
+          <p:cNvSpPr/>
+          <p:nvPr/>
+        </p:nvSpPr>
+        <p:spPr>
+          <a:xfrm>
+            <a:off x="85766" y="2462524"/>
+            <a:ext cx="2951384" cy="1188707"/>
+          </a:xfrm>
+          <a:prstGeom prst="rect">
+            <a:avLst/>
+          </a:prstGeom>
+          <a:ln>
+            <a:solidFill>
+              <a:schemeClr val="accent6"/>
+            </a:solidFill>
+          </a:ln>
+        </p:spPr>
+        <p:style>
+          <a:lnRef idx="2">
+            <a:schemeClr val="accent6"/>
+          </a:lnRef>
+          <a:fillRef idx="1">
+            <a:schemeClr val="lt1"/>
+          </a:fillRef>
+          <a:effectRef idx="0">
+            <a:schemeClr val="accent6"/>
+          </a:effectRef>
+          <a:fontRef idx="minor">
+            <a:schemeClr val="dk1"/>
+          </a:fontRef>
+        </p:style>
+        <p:txBody>
+          <a:bodyPr rtlCol="0" anchor="ctr"/>
+          <a:lstStyle/>
+          <a:p>
+            <a:pPr marL="0" marR="0" lvl="0" indent="0" algn="ctr" defTabSz="457200" rtl="0" eaLnBrk="1" fontAlgn="auto" latinLnBrk="0" hangingPunct="1">
+              <a:lnSpc>
+                <a:spcPct val="100000"/>
+              </a:lnSpc>
+              <a:spcBef>
+                <a:spcPts val="0"/>
+              </a:spcBef>
+              <a:spcAft>
+                <a:spcPts val="0"/>
+              </a:spcAft>
+              <a:buClrTx/>
+              <a:buSzTx/>
+              <a:buFontTx/>
+              <a:buNone/>
+              <a:tabLst/>
+              <a:defRPr/>
+            </a:pPr>
+            <a:endParaRPr kumimoji="0" lang="en-US" sz="1800" b="0" i="0" u="none" strike="noStrike" kern="1200" cap="none" spc="0" normalizeH="0" baseline="0" noProof="0" dirty="0">
+              <a:ln>
+                <a:noFill/>
+              </a:ln>
+              <a:solidFill>
+                <a:prstClr val="black"/>
+              </a:solidFill>
+              <a:effectLst/>
+              <a:uLnTx/>
+              <a:uFillTx/>
+              <a:latin typeface="Impact" panose="020B0806030902050204"/>
+              <a:ea typeface="+mn-ea"/>
+              <a:cs typeface="+mn-cs"/>
+            </a:endParaRPr>
+          </a:p>
+        </p:txBody>
+      </p:sp>
+      <p:sp>
+        <p:nvSpPr>
+          <p:cNvPr id="22" name="Rectangle 21">
+            <a:extLst>
+              <a:ext uri="{FF2B5EF4-FFF2-40B4-BE49-F238E27FC236}">
+                <a16:creationId xmlns:a16="http://schemas.microsoft.com/office/drawing/2014/main" id="{FF5A2BF1-2A1B-4546-88E7-BA05AE033F0D}"/>
+              </a:ext>
+            </a:extLst>
+          </p:cNvPr>
+          <p:cNvSpPr/>
+          <p:nvPr/>
+        </p:nvSpPr>
+        <p:spPr>
+          <a:xfrm>
+            <a:off x="445383" y="2533657"/>
+            <a:ext cx="2232150" cy="707886"/>
+          </a:xfrm>
+          <a:prstGeom prst="rect">
+            <a:avLst/>
+          </a:prstGeom>
+          <a:noFill/>
+        </p:spPr>
+        <p:txBody>
+          <a:bodyPr wrap="none" lIns="91440" tIns="45720" rIns="91440" bIns="45720">
+            <a:spAutoFit/>
+          </a:bodyPr>
+          <a:lstStyle/>
+          <a:p>
+            <a:pPr marL="0" marR="0" lvl="0" indent="0" algn="ctr" defTabSz="457200" rtl="0" eaLnBrk="1" fontAlgn="auto" latinLnBrk="0" hangingPunct="1">
+              <a:lnSpc>
+                <a:spcPct val="100000"/>
+              </a:lnSpc>
+              <a:spcBef>
+                <a:spcPts val="0"/>
+              </a:spcBef>
+              <a:spcAft>
+                <a:spcPts val="0"/>
+              </a:spcAft>
+              <a:buClrTx/>
+              <a:buSzTx/>
+              <a:buFontTx/>
+              <a:buNone/>
+              <a:tabLst/>
+              <a:defRPr/>
+            </a:pPr>
+            <a:r>
+              <a:rPr kumimoji="0" lang="en-US" sz="4000" b="0" i="0" u="none" strike="noStrike" kern="1200" cap="none" spc="0" normalizeH="0" baseline="0" noProof="0" dirty="0">
+                <a:ln w="0"/>
+                <a:solidFill>
+                  <a:srgbClr val="62A39F"/>
+                </a:solidFill>
+                <a:effectLst>
+                  <a:outerShdw blurRad="38100" dist="25400" dir="5400000" algn="ctr" rotWithShape="0">
+                    <a:srgbClr val="6E747A">
+                      <a:alpha val="43000"/>
+                    </a:srgbClr>
+                  </a:outerShdw>
+                </a:effectLst>
+                <a:uLnTx/>
+                <a:uFillTx/>
+                <a:latin typeface="Impact" panose="020B0806030902050204"/>
+                <a:ea typeface="+mn-ea"/>
+                <a:cs typeface="+mn-cs"/>
+              </a:rPr>
+              <a:t>Instructor</a:t>
+            </a:r>
+          </a:p>
+        </p:txBody>
+      </p:sp>
+      <p:sp>
+        <p:nvSpPr>
+          <p:cNvPr id="23" name="Flowchart: Magnetic Disk 22">
+            <a:extLst>
+              <a:ext uri="{FF2B5EF4-FFF2-40B4-BE49-F238E27FC236}">
+                <a16:creationId xmlns:a16="http://schemas.microsoft.com/office/drawing/2014/main" id="{E751151B-F083-494E-AB15-65491F844131}"/>
+              </a:ext>
+            </a:extLst>
+          </p:cNvPr>
+          <p:cNvSpPr/>
+          <p:nvPr/>
+        </p:nvSpPr>
+        <p:spPr>
+          <a:xfrm>
+            <a:off x="4918838" y="2058206"/>
+            <a:ext cx="2103097" cy="2194536"/>
+          </a:xfrm>
+          <a:prstGeom prst="flowChartMagneticDisk">
+            <a:avLst/>
+          </a:prstGeom>
+        </p:spPr>
+        <p:style>
+          <a:lnRef idx="2">
+            <a:schemeClr val="accent6"/>
+          </a:lnRef>
+          <a:fillRef idx="1">
+            <a:schemeClr val="lt1"/>
+          </a:fillRef>
+          <a:effectRef idx="0">
+            <a:schemeClr val="accent6"/>
+          </a:effectRef>
+          <a:fontRef idx="minor">
+            <a:schemeClr val="dk1"/>
+          </a:fontRef>
+        </p:style>
+        <p:txBody>
+          <a:bodyPr rtlCol="0" anchor="ctr"/>
+          <a:lstStyle/>
+          <a:p>
+            <a:pPr marL="0" marR="0" lvl="0" indent="0" algn="ctr" defTabSz="457200" rtl="0" eaLnBrk="1" fontAlgn="auto" latinLnBrk="0" hangingPunct="1">
+              <a:lnSpc>
+                <a:spcPct val="100000"/>
+              </a:lnSpc>
+              <a:spcBef>
+                <a:spcPts val="0"/>
+              </a:spcBef>
+              <a:spcAft>
+                <a:spcPts val="0"/>
+              </a:spcAft>
+              <a:buClrTx/>
+              <a:buSzTx/>
+              <a:buFontTx/>
+              <a:buNone/>
+              <a:tabLst/>
+              <a:defRPr/>
+            </a:pPr>
+            <a:r>
+              <a:rPr kumimoji="0" lang="en-US" sz="3900" b="0" i="0" u="none" strike="noStrike" kern="1200" cap="none" spc="0" normalizeH="0" baseline="0" noProof="0" dirty="0">
+                <a:ln w="0"/>
+                <a:solidFill>
+                  <a:srgbClr val="62A39F"/>
+                </a:solidFill>
+                <a:effectLst>
+                  <a:outerShdw blurRad="38100" dist="25400" dir="5400000" algn="ctr" rotWithShape="0">
+                    <a:srgbClr val="6E747A">
+                      <a:alpha val="43000"/>
+                    </a:srgbClr>
+                  </a:outerShdw>
+                </a:effectLst>
+                <a:uLnTx/>
+                <a:uFillTx/>
+                <a:latin typeface="Impact" panose="020B0806030902050204"/>
+                <a:ea typeface="+mn-ea"/>
+                <a:cs typeface="+mn-cs"/>
+              </a:rPr>
+              <a:t>Database</a:t>
+            </a:r>
+          </a:p>
+        </p:txBody>
+      </p:sp>
+      <p:sp>
+        <p:nvSpPr>
+          <p:cNvPr id="24" name="TextBox 23">
+            <a:extLst>
+              <a:ext uri="{FF2B5EF4-FFF2-40B4-BE49-F238E27FC236}">
+                <a16:creationId xmlns:a16="http://schemas.microsoft.com/office/drawing/2014/main" id="{0BC1CA22-7DDC-43FD-B243-5079DE0FD2F6}"/>
+              </a:ext>
+            </a:extLst>
+          </p:cNvPr>
+          <p:cNvSpPr txBox="1"/>
+          <p:nvPr/>
+        </p:nvSpPr>
+        <p:spPr>
+          <a:xfrm>
+            <a:off x="2964379" y="2617233"/>
+            <a:ext cx="1967526" cy="369332"/>
+          </a:xfrm>
+          <a:prstGeom prst="rect">
+            <a:avLst/>
+          </a:prstGeom>
+          <a:noFill/>
+        </p:spPr>
+        <p:txBody>
+          <a:bodyPr wrap="none" rtlCol="0">
+            <a:spAutoFit/>
+          </a:bodyPr>
+          <a:lstStyle/>
+          <a:p>
+            <a:pPr marL="0" marR="0" lvl="0" indent="0" algn="l" defTabSz="457200" rtl="0" eaLnBrk="1" fontAlgn="auto" latinLnBrk="0" hangingPunct="1">
+              <a:lnSpc>
+                <a:spcPct val="100000"/>
+              </a:lnSpc>
+              <a:spcBef>
+                <a:spcPts val="0"/>
+              </a:spcBef>
+              <a:spcAft>
+                <a:spcPts val="0"/>
+              </a:spcAft>
+              <a:buClrTx/>
+              <a:buSzTx/>
+              <a:buFontTx/>
+              <a:buNone/>
+              <a:tabLst/>
+              <a:defRPr/>
+            </a:pPr>
+            <a:r>
+              <a:rPr kumimoji="0" lang="en-US" sz="1800" b="0" i="0" u="none" strike="noStrike" kern="1200" cap="none" spc="0" normalizeH="0" baseline="0" noProof="0" dirty="0">
+                <a:ln>
+                  <a:noFill/>
+                </a:ln>
+                <a:solidFill>
+                  <a:prstClr val="black"/>
+                </a:solidFill>
+                <a:effectLst/>
+                <a:uLnTx/>
+                <a:uFillTx/>
+                <a:latin typeface="Impact" panose="020B0806030902050204"/>
+                <a:ea typeface="+mn-ea"/>
+                <a:cs typeface="+mn-cs"/>
+              </a:rPr>
+              <a:t>Add/Delete Course</a:t>
+            </a:r>
+          </a:p>
+        </p:txBody>
+      </p:sp>
+      <p:sp>
+        <p:nvSpPr>
+          <p:cNvPr id="25" name="TextBox 24">
+            <a:extLst>
+              <a:ext uri="{FF2B5EF4-FFF2-40B4-BE49-F238E27FC236}">
+                <a16:creationId xmlns:a16="http://schemas.microsoft.com/office/drawing/2014/main" id="{9CA60690-8B91-42D5-9EF5-36EB1604A015}"/>
+              </a:ext>
+            </a:extLst>
+          </p:cNvPr>
+          <p:cNvSpPr txBox="1"/>
+          <p:nvPr/>
+        </p:nvSpPr>
+        <p:spPr>
+          <a:xfrm>
+            <a:off x="3152549" y="3383380"/>
+            <a:ext cx="1349600" cy="369332"/>
+          </a:xfrm>
+          <a:prstGeom prst="rect">
+            <a:avLst/>
+          </a:prstGeom>
+          <a:noFill/>
+        </p:spPr>
+        <p:txBody>
+          <a:bodyPr wrap="none" rtlCol="0">
+            <a:spAutoFit/>
+          </a:bodyPr>
+          <a:lstStyle/>
+          <a:p>
+            <a:pPr marL="0" marR="0" lvl="0" indent="0" algn="l" defTabSz="457200" rtl="0" eaLnBrk="1" fontAlgn="auto" latinLnBrk="0" hangingPunct="1">
+              <a:lnSpc>
+                <a:spcPct val="100000"/>
+              </a:lnSpc>
+              <a:spcBef>
+                <a:spcPts val="0"/>
+              </a:spcBef>
+              <a:spcAft>
+                <a:spcPts val="0"/>
+              </a:spcAft>
+              <a:buClrTx/>
+              <a:buSzTx/>
+              <a:buFontTx/>
+              <a:buNone/>
+              <a:tabLst/>
+              <a:defRPr/>
+            </a:pPr>
+            <a:r>
+              <a:rPr kumimoji="0" lang="en-US" sz="1800" b="0" i="0" u="none" strike="noStrike" kern="1200" cap="none" spc="0" normalizeH="0" baseline="0" noProof="0" dirty="0">
+                <a:ln>
+                  <a:noFill/>
+                </a:ln>
+                <a:solidFill>
+                  <a:prstClr val="black"/>
+                </a:solidFill>
+                <a:effectLst/>
+                <a:uLnTx/>
+                <a:uFillTx/>
+                <a:latin typeface="Impact" panose="020B0806030902050204"/>
+                <a:ea typeface="+mn-ea"/>
+                <a:cs typeface="+mn-cs"/>
+              </a:rPr>
+              <a:t>Stored in DB</a:t>
+            </a:r>
+          </a:p>
+        </p:txBody>
+      </p:sp>
+      <p:sp>
+        <p:nvSpPr>
+          <p:cNvPr id="26" name="TextBox 25">
+            <a:extLst>
+              <a:ext uri="{FF2B5EF4-FFF2-40B4-BE49-F238E27FC236}">
+                <a16:creationId xmlns:a16="http://schemas.microsoft.com/office/drawing/2014/main" id="{2ECAC9D2-33F9-4EAA-AB01-56D45212DDF4}"/>
+              </a:ext>
+            </a:extLst>
+          </p:cNvPr>
+          <p:cNvSpPr txBox="1"/>
+          <p:nvPr/>
+        </p:nvSpPr>
+        <p:spPr>
+          <a:xfrm>
+            <a:off x="695516" y="3128010"/>
+            <a:ext cx="1731884" cy="369332"/>
+          </a:xfrm>
+          <a:prstGeom prst="rect">
+            <a:avLst/>
+          </a:prstGeom>
+          <a:noFill/>
+        </p:spPr>
+        <p:txBody>
+          <a:bodyPr wrap="none" rtlCol="0">
+            <a:spAutoFit/>
+          </a:bodyPr>
+          <a:lstStyle/>
+          <a:p>
+            <a:pPr marL="0" marR="0" lvl="0" indent="0" algn="l" defTabSz="457200" rtl="0" eaLnBrk="1" fontAlgn="auto" latinLnBrk="0" hangingPunct="1">
+              <a:lnSpc>
+                <a:spcPct val="100000"/>
+              </a:lnSpc>
+              <a:spcBef>
+                <a:spcPts val="0"/>
+              </a:spcBef>
+              <a:spcAft>
+                <a:spcPts val="0"/>
+              </a:spcAft>
+              <a:buClrTx/>
+              <a:buSzTx/>
+              <a:buFontTx/>
+              <a:buNone/>
+              <a:tabLst/>
+              <a:defRPr/>
+            </a:pPr>
+            <a:r>
+              <a:rPr kumimoji="0" lang="en-US" sz="1800" b="0" i="0" u="none" strike="noStrike" kern="1200" cap="none" spc="0" normalizeH="0" baseline="0" noProof="0" dirty="0">
+                <a:ln>
+                  <a:noFill/>
+                </a:ln>
+                <a:solidFill>
+                  <a:prstClr val="black"/>
+                </a:solidFill>
+                <a:effectLst/>
+                <a:uLnTx/>
+                <a:uFillTx/>
+                <a:latin typeface="Impact" panose="020B0806030902050204"/>
+                <a:ea typeface="+mn-ea"/>
+                <a:cs typeface="+mn-cs"/>
+              </a:rPr>
+              <a:t>Web Application</a:t>
+            </a:r>
+          </a:p>
+        </p:txBody>
+      </p:sp>
+      <p:sp>
+        <p:nvSpPr>
+          <p:cNvPr id="27" name="Rectangle 26">
+            <a:extLst>
+              <a:ext uri="{FF2B5EF4-FFF2-40B4-BE49-F238E27FC236}">
+                <a16:creationId xmlns:a16="http://schemas.microsoft.com/office/drawing/2014/main" id="{19842EA7-BE19-47F1-83D4-9DC0E55B459E}"/>
+              </a:ext>
+            </a:extLst>
+          </p:cNvPr>
+          <p:cNvSpPr/>
+          <p:nvPr/>
+        </p:nvSpPr>
+        <p:spPr>
+          <a:xfrm>
+            <a:off x="8826358" y="2636313"/>
+            <a:ext cx="2794512" cy="1188707"/>
+          </a:xfrm>
+          <a:prstGeom prst="rect">
+            <a:avLst/>
+          </a:prstGeom>
+          <a:ln>
+            <a:solidFill>
+              <a:schemeClr val="accent6"/>
+            </a:solidFill>
+          </a:ln>
+        </p:spPr>
+        <p:style>
+          <a:lnRef idx="2">
+            <a:schemeClr val="accent6"/>
+          </a:lnRef>
+          <a:fillRef idx="1">
+            <a:schemeClr val="lt1"/>
+          </a:fillRef>
+          <a:effectRef idx="0">
+            <a:schemeClr val="accent6"/>
+          </a:effectRef>
+          <a:fontRef idx="minor">
+            <a:schemeClr val="dk1"/>
+          </a:fontRef>
+        </p:style>
+        <p:txBody>
+          <a:bodyPr rtlCol="0" anchor="ctr"/>
+          <a:lstStyle/>
+          <a:p>
+            <a:pPr marL="0" marR="0" lvl="0" indent="0" algn="ctr" defTabSz="457200" rtl="0" eaLnBrk="1" fontAlgn="auto" latinLnBrk="0" hangingPunct="1">
+              <a:lnSpc>
+                <a:spcPct val="100000"/>
+              </a:lnSpc>
+              <a:spcBef>
+                <a:spcPts val="0"/>
+              </a:spcBef>
+              <a:spcAft>
+                <a:spcPts val="0"/>
+              </a:spcAft>
+              <a:buClrTx/>
+              <a:buSzTx/>
+              <a:buFontTx/>
+              <a:buNone/>
+              <a:tabLst/>
+              <a:defRPr/>
+            </a:pPr>
+            <a:endParaRPr kumimoji="0" lang="en-US" sz="1800" b="0" i="0" u="none" strike="noStrike" kern="1200" cap="none" spc="0" normalizeH="0" baseline="0" noProof="0" dirty="0">
+              <a:ln>
+                <a:noFill/>
+              </a:ln>
+              <a:solidFill>
+                <a:prstClr val="black"/>
+              </a:solidFill>
+              <a:effectLst/>
+              <a:uLnTx/>
+              <a:uFillTx/>
+              <a:latin typeface="Impact" panose="020B0806030902050204"/>
+              <a:ea typeface="+mn-ea"/>
+              <a:cs typeface="+mn-cs"/>
+            </a:endParaRPr>
+          </a:p>
+        </p:txBody>
+      </p:sp>
+      <p:sp>
+        <p:nvSpPr>
+          <p:cNvPr id="44" name="Rectangle 43">
+            <a:extLst>
+              <a:ext uri="{FF2B5EF4-FFF2-40B4-BE49-F238E27FC236}">
+                <a16:creationId xmlns:a16="http://schemas.microsoft.com/office/drawing/2014/main" id="{B65B92EE-CAC2-40C8-8610-AE3FF631F22D}"/>
+              </a:ext>
+            </a:extLst>
+          </p:cNvPr>
+          <p:cNvSpPr/>
+          <p:nvPr/>
+        </p:nvSpPr>
+        <p:spPr>
+          <a:xfrm>
+            <a:off x="9312915" y="2675494"/>
+            <a:ext cx="1821397" cy="707886"/>
+          </a:xfrm>
+          <a:prstGeom prst="rect">
+            <a:avLst/>
+          </a:prstGeom>
+          <a:noFill/>
+        </p:spPr>
+        <p:txBody>
+          <a:bodyPr wrap="none" lIns="91440" tIns="45720" rIns="91440" bIns="45720">
+            <a:spAutoFit/>
+          </a:bodyPr>
+          <a:lstStyle/>
+          <a:p>
+            <a:pPr marL="0" marR="0" lvl="0" indent="0" algn="ctr" defTabSz="457200" rtl="0" eaLnBrk="1" fontAlgn="auto" latinLnBrk="0" hangingPunct="1">
+              <a:lnSpc>
+                <a:spcPct val="100000"/>
+              </a:lnSpc>
+              <a:spcBef>
+                <a:spcPts val="0"/>
+              </a:spcBef>
+              <a:spcAft>
+                <a:spcPts val="0"/>
+              </a:spcAft>
+              <a:buClrTx/>
+              <a:buSzTx/>
+              <a:buFontTx/>
+              <a:buNone/>
+              <a:tabLst/>
+              <a:defRPr/>
+            </a:pPr>
+            <a:r>
+              <a:rPr kumimoji="0" lang="en-US" sz="4000" b="0" i="0" u="none" strike="noStrike" kern="1200" cap="none" spc="0" normalizeH="0" baseline="0" noProof="0" dirty="0">
+                <a:ln w="0"/>
+                <a:solidFill>
+                  <a:srgbClr val="62A39F"/>
+                </a:solidFill>
+                <a:effectLst>
+                  <a:outerShdw blurRad="38100" dist="25400" dir="5400000" algn="ctr" rotWithShape="0">
+                    <a:srgbClr val="6E747A">
+                      <a:alpha val="43000"/>
+                    </a:srgbClr>
+                  </a:outerShdw>
+                </a:effectLst>
+                <a:uLnTx/>
+                <a:uFillTx/>
+                <a:latin typeface="Impact" panose="020B0806030902050204"/>
+                <a:ea typeface="+mn-ea"/>
+                <a:cs typeface="+mn-cs"/>
+              </a:rPr>
+              <a:t>Student</a:t>
+            </a:r>
+          </a:p>
+        </p:txBody>
+      </p:sp>
+      <p:sp>
+        <p:nvSpPr>
+          <p:cNvPr id="45" name="TextBox 44">
+            <a:extLst>
+              <a:ext uri="{FF2B5EF4-FFF2-40B4-BE49-F238E27FC236}">
+                <a16:creationId xmlns:a16="http://schemas.microsoft.com/office/drawing/2014/main" id="{69E0E0DC-8B53-445E-975B-10A9DC66B0DA}"/>
+              </a:ext>
+            </a:extLst>
+          </p:cNvPr>
+          <p:cNvSpPr txBox="1"/>
+          <p:nvPr/>
+        </p:nvSpPr>
+        <p:spPr>
+          <a:xfrm>
+            <a:off x="9497598" y="3281899"/>
+            <a:ext cx="1608902" cy="369332"/>
+          </a:xfrm>
+          <a:prstGeom prst="rect">
+            <a:avLst/>
+          </a:prstGeom>
+          <a:noFill/>
+        </p:spPr>
+        <p:txBody>
+          <a:bodyPr wrap="none" rtlCol="0">
+            <a:spAutoFit/>
+          </a:bodyPr>
+          <a:lstStyle/>
+          <a:p>
+            <a:pPr marL="0" marR="0" lvl="0" indent="0" algn="l" defTabSz="457200" rtl="0" eaLnBrk="1" fontAlgn="auto" latinLnBrk="0" hangingPunct="1">
+              <a:lnSpc>
+                <a:spcPct val="100000"/>
+              </a:lnSpc>
+              <a:spcBef>
+                <a:spcPts val="0"/>
+              </a:spcBef>
+              <a:spcAft>
+                <a:spcPts val="0"/>
+              </a:spcAft>
+              <a:buClrTx/>
+              <a:buSzTx/>
+              <a:buFontTx/>
+              <a:buNone/>
+              <a:tabLst/>
+              <a:defRPr/>
+            </a:pPr>
+            <a:r>
+              <a:rPr kumimoji="0" lang="en-US" sz="1800" b="0" i="0" u="none" strike="noStrike" kern="1200" cap="none" spc="0" normalizeH="0" baseline="0" noProof="0" dirty="0">
+                <a:ln>
+                  <a:noFill/>
+                </a:ln>
+                <a:solidFill>
+                  <a:prstClr val="black"/>
+                </a:solidFill>
+                <a:effectLst/>
+                <a:uLnTx/>
+                <a:uFillTx/>
+                <a:latin typeface="Impact" panose="020B0806030902050204"/>
+                <a:ea typeface="+mn-ea"/>
+                <a:cs typeface="+mn-cs"/>
+              </a:rPr>
+              <a:t>iOS Application</a:t>
+            </a:r>
+          </a:p>
+        </p:txBody>
+      </p:sp>
+      <p:sp>
+        <p:nvSpPr>
+          <p:cNvPr id="46" name="TextBox 45">
+            <a:extLst>
+              <a:ext uri="{FF2B5EF4-FFF2-40B4-BE49-F238E27FC236}">
+                <a16:creationId xmlns:a16="http://schemas.microsoft.com/office/drawing/2014/main" id="{D134F33A-A81E-4DDE-A93E-EA1B04EF8D77}"/>
+              </a:ext>
+            </a:extLst>
+          </p:cNvPr>
+          <p:cNvSpPr txBox="1"/>
+          <p:nvPr/>
+        </p:nvSpPr>
+        <p:spPr>
+          <a:xfrm>
+            <a:off x="7078562" y="3274230"/>
+            <a:ext cx="1713711" cy="369332"/>
+          </a:xfrm>
+          <a:prstGeom prst="rect">
+            <a:avLst/>
+          </a:prstGeom>
+          <a:noFill/>
+        </p:spPr>
+        <p:txBody>
+          <a:bodyPr wrap="square" rtlCol="0">
+            <a:spAutoFit/>
+          </a:bodyPr>
+          <a:lstStyle/>
+          <a:p>
+            <a:pPr marL="0" marR="0" lvl="0" indent="0" algn="ctr" defTabSz="457200" rtl="0" eaLnBrk="1" fontAlgn="auto" latinLnBrk="0" hangingPunct="1">
+              <a:lnSpc>
+                <a:spcPct val="100000"/>
+              </a:lnSpc>
+              <a:spcBef>
+                <a:spcPts val="0"/>
+              </a:spcBef>
+              <a:spcAft>
+                <a:spcPts val="0"/>
+              </a:spcAft>
+              <a:buClrTx/>
+              <a:buSzTx/>
+              <a:buFontTx/>
+              <a:buNone/>
+              <a:tabLst/>
+              <a:defRPr/>
+            </a:pPr>
+            <a:r>
+              <a:rPr kumimoji="0" lang="en-US" sz="1800" b="0" i="0" u="none" strike="noStrike" kern="1200" cap="none" spc="0" normalizeH="0" baseline="0" noProof="0" dirty="0">
+                <a:ln>
+                  <a:noFill/>
+                </a:ln>
+                <a:solidFill>
+                  <a:prstClr val="black"/>
+                </a:solidFill>
+                <a:effectLst/>
+                <a:uLnTx/>
+                <a:uFillTx/>
+                <a:latin typeface="Impact" panose="020B0806030902050204"/>
+                <a:ea typeface="+mn-ea"/>
+                <a:cs typeface="+mn-cs"/>
+              </a:rPr>
+              <a:t>Stored in DB</a:t>
+            </a:r>
+          </a:p>
+        </p:txBody>
+      </p:sp>
+      <p:sp>
+        <p:nvSpPr>
+          <p:cNvPr id="47" name="TextBox 46">
+            <a:extLst>
+              <a:ext uri="{FF2B5EF4-FFF2-40B4-BE49-F238E27FC236}">
+                <a16:creationId xmlns:a16="http://schemas.microsoft.com/office/drawing/2014/main" id="{5BCCB876-FF8F-432F-8409-FC4724D496A7}"/>
+              </a:ext>
+            </a:extLst>
+          </p:cNvPr>
+          <p:cNvSpPr txBox="1"/>
+          <p:nvPr/>
+        </p:nvSpPr>
+        <p:spPr>
+          <a:xfrm>
+            <a:off x="7068376" y="2431750"/>
+            <a:ext cx="1899854" cy="646331"/>
+          </a:xfrm>
+          <a:prstGeom prst="rect">
+            <a:avLst/>
+          </a:prstGeom>
+          <a:noFill/>
+        </p:spPr>
+        <p:txBody>
+          <a:bodyPr wrap="square" rtlCol="0">
+            <a:spAutoFit/>
+          </a:bodyPr>
+          <a:lstStyle/>
+          <a:p>
+            <a:pPr marL="0" marR="0" lvl="0" indent="0" algn="ctr" defTabSz="457200" rtl="0" eaLnBrk="1" fontAlgn="auto" latinLnBrk="0" hangingPunct="1">
+              <a:lnSpc>
+                <a:spcPct val="100000"/>
+              </a:lnSpc>
+              <a:spcBef>
+                <a:spcPts val="0"/>
+              </a:spcBef>
+              <a:spcAft>
+                <a:spcPts val="0"/>
+              </a:spcAft>
+              <a:buClrTx/>
+              <a:buSzTx/>
+              <a:buFontTx/>
+              <a:buNone/>
+              <a:tabLst/>
+              <a:defRPr/>
+            </a:pPr>
+            <a:r>
+              <a:rPr kumimoji="0" lang="en-US" sz="1800" b="0" i="0" u="none" strike="noStrike" kern="1200" cap="none" spc="0" normalizeH="0" baseline="0" noProof="0" dirty="0">
+                <a:ln>
+                  <a:noFill/>
+                </a:ln>
+                <a:solidFill>
+                  <a:prstClr val="black"/>
+                </a:solidFill>
+                <a:effectLst/>
+                <a:uLnTx/>
+                <a:uFillTx/>
+                <a:latin typeface="Impact" panose="020B0806030902050204"/>
+                <a:ea typeface="+mn-ea"/>
+                <a:cs typeface="+mn-cs"/>
+              </a:rPr>
+              <a:t>View/Register Course</a:t>
+            </a:r>
+          </a:p>
+        </p:txBody>
+      </p:sp>
+    </p:spTree>
+    <p:extLst>
+      <p:ext uri="{BB962C8B-B14F-4D97-AF65-F5344CB8AC3E}">
+        <p14:creationId xmlns:p14="http://schemas.microsoft.com/office/powerpoint/2010/main" val="3886514236"/>
+      </p:ext>
+    </p:extLst>
+  </p:cSld>
+  <p:clrMapOvr>
+    <a:masterClrMapping/>
+  </p:clrMapOvr>
+  <mc:AlternateContent xmlns:mc="http://schemas.openxmlformats.org/markup-compatibility/2006" xmlns:p15="http://schemas.microsoft.com/office/powerpoint/2012/main">
+    <mc:Choice Requires="p15">
+      <p:transition xmlns:p14="http://schemas.microsoft.com/office/powerpoint/2010/main" spd="slow" p14:dur="2000">
+        <p15:prstTrans prst="crush"/>
+      </p:transition>
+    </mc:Choice>
+    <mc:Fallback xmlns="">
+      <p:transition spd="slow">
+        <p:fade/>
+      </p:transition>
+    </mc:Fallback>
+  </mc:AlternateContent>
   <p:timing>
     <p:tnLst>
       <p:par>
-        <p:cTn id="1" dur="indefinite" restart="never" nodeType="tmRoot"/>
+        <p:cTn id="1" dur="indefinite" restart="never" nodeType="tmRoot">
+          <p:childTnLst>
+            <p:seq concurrent="1" nextAc="seek">
+              <p:cTn id="2" dur="indefinite" nodeType="mainSeq">
+                <p:childTnLst>
+                  <p:par>
+                    <p:cTn id="3" fill="hold">
+                      <p:stCondLst>
+                        <p:cond delay="indefinite"/>
+                      </p:stCondLst>
+                      <p:childTnLst>
+                        <p:par>
+                          <p:cTn id="4" fill="hold">
+                            <p:stCondLst>
+                              <p:cond delay="0"/>
+                            </p:stCondLst>
+                            <p:childTnLst>
+                              <p:par>
+                                <p:cTn id="5" presetID="22" presetClass="entr" presetSubtype="8" repeatCount="4000" fill="hold" nodeType="clickEffect">
+                                  <p:stCondLst>
+                                    <p:cond delay="0"/>
+                                  </p:stCondLst>
+                                  <p:childTnLst>
+                                    <p:set>
+                                      <p:cBhvr>
+                                        <p:cTn id="6" dur="1" fill="hold">
+                                          <p:stCondLst>
+                                            <p:cond delay="0"/>
+                                          </p:stCondLst>
+                                        </p:cTn>
+                                        <p:tgtEl>
+                                          <p:spTgt spid="20"/>
+                                        </p:tgtEl>
+                                        <p:attrNameLst>
+                                          <p:attrName>style.visibility</p:attrName>
+                                        </p:attrNameLst>
+                                      </p:cBhvr>
+                                      <p:to>
+                                        <p:strVal val="visible"/>
+                                      </p:to>
+                                    </p:set>
+                                    <p:animEffect transition="in" filter="wipe(left)">
+                                      <p:cBhvr>
+                                        <p:cTn id="7" dur="1000"/>
+                                        <p:tgtEl>
+                                          <p:spTgt spid="20"/>
+                                        </p:tgtEl>
+                                      </p:cBhvr>
+                                    </p:animEffect>
+                                  </p:childTnLst>
+                                </p:cTn>
+                              </p:par>
+                            </p:childTnLst>
+                          </p:cTn>
+                        </p:par>
+                      </p:childTnLst>
+                    </p:cTn>
+                  </p:par>
+                  <p:par>
+                    <p:cTn id="8" fill="hold">
+                      <p:stCondLst>
+                        <p:cond delay="indefinite"/>
+                      </p:stCondLst>
+                      <p:childTnLst>
+                        <p:par>
+                          <p:cTn id="9" fill="hold">
+                            <p:stCondLst>
+                              <p:cond delay="0"/>
+                            </p:stCondLst>
+                            <p:childTnLst>
+                              <p:par>
+                                <p:cTn id="10" presetID="22" presetClass="entr" presetSubtype="2" repeatCount="4000" fill="hold" nodeType="clickEffect">
+                                  <p:stCondLst>
+                                    <p:cond delay="0"/>
+                                  </p:stCondLst>
+                                  <p:childTnLst>
+                                    <p:set>
+                                      <p:cBhvr>
+                                        <p:cTn id="11" dur="1" fill="hold">
+                                          <p:stCondLst>
+                                            <p:cond delay="0"/>
+                                          </p:stCondLst>
+                                        </p:cTn>
+                                        <p:tgtEl>
+                                          <p:spTgt spid="19"/>
+                                        </p:tgtEl>
+                                        <p:attrNameLst>
+                                          <p:attrName>style.visibility</p:attrName>
+                                        </p:attrNameLst>
+                                      </p:cBhvr>
+                                      <p:to>
+                                        <p:strVal val="visible"/>
+                                      </p:to>
+                                    </p:set>
+                                    <p:animEffect transition="in" filter="wipe(right)">
+                                      <p:cBhvr>
+                                        <p:cTn id="12" dur="1000"/>
+                                        <p:tgtEl>
+                                          <p:spTgt spid="19"/>
+                                        </p:tgtEl>
+                                      </p:cBhvr>
+                                    </p:animEffect>
+                                  </p:childTnLst>
+                                </p:cTn>
+                              </p:par>
+                            </p:childTnLst>
+                          </p:cTn>
+                        </p:par>
+                      </p:childTnLst>
+                    </p:cTn>
+                  </p:par>
+                </p:childTnLst>
+              </p:cTn>
+              <p:prevCondLst>
+                <p:cond evt="onPrev" delay="0">
+                  <p:tgtEl>
+                    <p:sldTgt/>
+                  </p:tgtEl>
+                </p:cond>
+              </p:prevCondLst>
+              <p:nextCondLst>
+                <p:cond evt="onNext" delay="0">
+                  <p:tgtEl>
+                    <p:sldTgt/>
+                  </p:tgtEl>
+                </p:cond>
+              </p:nextCondLst>
+            </p:seq>
+          </p:childTnLst>
+        </p:cTn>
       </p:par>
     </p:tnLst>
   </p:timing>
 </p:sld>
 </file>
 
-<file path=ppt/slides/slide10.xml><?xml version="1.0" encoding="utf-8"?>
+<file path=ppt/slides/slide11.xml><?xml version="1.0" encoding="utf-8"?>
+<p:sld xmlns:a="http://schemas.openxmlformats.org/drawingml/2006/main" xmlns:r="http://schemas.openxmlformats.org/officeDocument/2006/relationships" xmlns:p="http://schemas.openxmlformats.org/presentationml/2006/main">
+  <p:cSld>
+    <p:spTree>
+      <p:nvGrpSpPr>
+        <p:cNvPr id="1" name=""/>
+        <p:cNvGrpSpPr/>
+        <p:nvPr/>
+      </p:nvGrpSpPr>
+      <p:grpSpPr>
+        <a:xfrm>
+          <a:off x="0" y="0"/>
+          <a:ext cx="0" cy="0"/>
+          <a:chOff x="0" y="0"/>
+          <a:chExt cx="0" cy="0"/>
+        </a:xfrm>
+      </p:grpSpPr>
+      <p:sp>
+        <p:nvSpPr>
+          <p:cNvPr id="2" name="Title 1"/>
+          <p:cNvSpPr>
+            <a:spLocks noGrp="1"/>
+          </p:cNvSpPr>
+          <p:nvPr>
+            <p:ph type="title"/>
+          </p:nvPr>
+        </p:nvSpPr>
+        <p:spPr>
+          <a:xfrm>
+            <a:off x="85766" y="4551"/>
+            <a:ext cx="10396882" cy="1151965"/>
+          </a:xfrm>
+        </p:spPr>
+        <p:txBody>
+          <a:bodyPr/>
+          <a:lstStyle/>
+          <a:p>
+            <a:r>
+              <a:rPr lang="en-US" dirty="0">
+                <a:solidFill>
+                  <a:schemeClr val="tx1"/>
+                </a:solidFill>
+              </a:rPr>
+              <a:t>Data flow (Add/remove Student)</a:t>
+            </a:r>
+          </a:p>
+        </p:txBody>
+      </p:sp>
+      <p:cxnSp>
+        <p:nvCxnSpPr>
+          <p:cNvPr id="16" name="Straight Connector 15">
+            <a:extLst>
+              <a:ext uri="{FF2B5EF4-FFF2-40B4-BE49-F238E27FC236}">
+                <a16:creationId xmlns:a16="http://schemas.microsoft.com/office/drawing/2014/main" id="{DD8FD4AD-8BA8-450C-B13E-85C3B99D8880}"/>
+              </a:ext>
+            </a:extLst>
+          </p:cNvPr>
+          <p:cNvCxnSpPr/>
+          <p:nvPr/>
+        </p:nvCxnSpPr>
+        <p:spPr>
+          <a:xfrm>
+            <a:off x="5236925" y="3023590"/>
+            <a:ext cx="1828780" cy="0"/>
+          </a:xfrm>
+          <a:prstGeom prst="line">
+            <a:avLst/>
+          </a:prstGeom>
+          <a:ln w="234950" cap="flat">
+            <a:solidFill>
+              <a:schemeClr val="accent6"/>
+            </a:solidFill>
+            <a:prstDash val="sysDot"/>
+          </a:ln>
+        </p:spPr>
+        <p:style>
+          <a:lnRef idx="1">
+            <a:schemeClr val="accent1"/>
+          </a:lnRef>
+          <a:fillRef idx="0">
+            <a:schemeClr val="accent1"/>
+          </a:fillRef>
+          <a:effectRef idx="0">
+            <a:schemeClr val="accent1"/>
+          </a:effectRef>
+          <a:fontRef idx="minor">
+            <a:schemeClr val="tx1"/>
+          </a:fontRef>
+        </p:style>
+      </p:cxnSp>
+      <p:sp>
+        <p:nvSpPr>
+          <p:cNvPr id="17" name="Rectangle 16">
+            <a:extLst>
+              <a:ext uri="{FF2B5EF4-FFF2-40B4-BE49-F238E27FC236}">
+                <a16:creationId xmlns:a16="http://schemas.microsoft.com/office/drawing/2014/main" id="{8CF17480-881D-4184-9FBA-5B207B9436C8}"/>
+              </a:ext>
+            </a:extLst>
+          </p:cNvPr>
+          <p:cNvSpPr/>
+          <p:nvPr/>
+        </p:nvSpPr>
+        <p:spPr>
+          <a:xfrm>
+            <a:off x="2213392" y="2330640"/>
+            <a:ext cx="2951384" cy="1188707"/>
+          </a:xfrm>
+          <a:prstGeom prst="rect">
+            <a:avLst/>
+          </a:prstGeom>
+          <a:ln>
+            <a:solidFill>
+              <a:schemeClr val="accent6"/>
+            </a:solidFill>
+          </a:ln>
+        </p:spPr>
+        <p:style>
+          <a:lnRef idx="2">
+            <a:schemeClr val="accent6"/>
+          </a:lnRef>
+          <a:fillRef idx="1">
+            <a:schemeClr val="lt1"/>
+          </a:fillRef>
+          <a:effectRef idx="0">
+            <a:schemeClr val="accent6"/>
+          </a:effectRef>
+          <a:fontRef idx="minor">
+            <a:schemeClr val="dk1"/>
+          </a:fontRef>
+        </p:style>
+        <p:txBody>
+          <a:bodyPr rtlCol="0" anchor="ctr"/>
+          <a:lstStyle/>
+          <a:p>
+            <a:pPr marL="0" marR="0" lvl="0" indent="0" algn="ctr" defTabSz="457200" rtl="0" eaLnBrk="1" fontAlgn="auto" latinLnBrk="0" hangingPunct="1">
+              <a:lnSpc>
+                <a:spcPct val="100000"/>
+              </a:lnSpc>
+              <a:spcBef>
+                <a:spcPts val="0"/>
+              </a:spcBef>
+              <a:spcAft>
+                <a:spcPts val="0"/>
+              </a:spcAft>
+              <a:buClrTx/>
+              <a:buSzTx/>
+              <a:buFontTx/>
+              <a:buNone/>
+              <a:tabLst/>
+              <a:defRPr/>
+            </a:pPr>
+            <a:endParaRPr kumimoji="0" lang="en-US" sz="1800" b="0" i="0" u="none" strike="noStrike" kern="1200" cap="none" spc="0" normalizeH="0" baseline="0" noProof="0" dirty="0">
+              <a:ln>
+                <a:noFill/>
+              </a:ln>
+              <a:solidFill>
+                <a:prstClr val="black"/>
+              </a:solidFill>
+              <a:effectLst/>
+              <a:uLnTx/>
+              <a:uFillTx/>
+              <a:latin typeface="Impact" panose="020B0806030902050204"/>
+              <a:ea typeface="+mn-ea"/>
+              <a:cs typeface="+mn-cs"/>
+            </a:endParaRPr>
+          </a:p>
+        </p:txBody>
+      </p:sp>
+      <p:sp>
+        <p:nvSpPr>
+          <p:cNvPr id="18" name="Rectangle 17">
+            <a:extLst>
+              <a:ext uri="{FF2B5EF4-FFF2-40B4-BE49-F238E27FC236}">
+                <a16:creationId xmlns:a16="http://schemas.microsoft.com/office/drawing/2014/main" id="{DA997BD4-A828-4768-9209-FE3BDD942D42}"/>
+              </a:ext>
+            </a:extLst>
+          </p:cNvPr>
+          <p:cNvSpPr/>
+          <p:nvPr/>
+        </p:nvSpPr>
+        <p:spPr>
+          <a:xfrm>
+            <a:off x="2573009" y="2401773"/>
+            <a:ext cx="2232150" cy="707886"/>
+          </a:xfrm>
+          <a:prstGeom prst="rect">
+            <a:avLst/>
+          </a:prstGeom>
+          <a:noFill/>
+        </p:spPr>
+        <p:txBody>
+          <a:bodyPr wrap="none" lIns="91440" tIns="45720" rIns="91440" bIns="45720">
+            <a:spAutoFit/>
+          </a:bodyPr>
+          <a:lstStyle/>
+          <a:p>
+            <a:pPr marL="0" marR="0" lvl="0" indent="0" algn="ctr" defTabSz="457200" rtl="0" eaLnBrk="1" fontAlgn="auto" latinLnBrk="0" hangingPunct="1">
+              <a:lnSpc>
+                <a:spcPct val="100000"/>
+              </a:lnSpc>
+              <a:spcBef>
+                <a:spcPts val="0"/>
+              </a:spcBef>
+              <a:spcAft>
+                <a:spcPts val="0"/>
+              </a:spcAft>
+              <a:buClrTx/>
+              <a:buSzTx/>
+              <a:buFontTx/>
+              <a:buNone/>
+              <a:tabLst/>
+              <a:defRPr/>
+            </a:pPr>
+            <a:r>
+              <a:rPr kumimoji="0" lang="en-US" sz="4000" b="0" i="0" u="none" strike="noStrike" kern="1200" cap="none" spc="0" normalizeH="0" baseline="0" noProof="0" dirty="0">
+                <a:ln w="0"/>
+                <a:solidFill>
+                  <a:srgbClr val="62A39F"/>
+                </a:solidFill>
+                <a:effectLst>
+                  <a:outerShdw blurRad="38100" dist="25400" dir="5400000" algn="ctr" rotWithShape="0">
+                    <a:srgbClr val="6E747A">
+                      <a:alpha val="43000"/>
+                    </a:srgbClr>
+                  </a:outerShdw>
+                </a:effectLst>
+                <a:uLnTx/>
+                <a:uFillTx/>
+                <a:latin typeface="Impact" panose="020B0806030902050204"/>
+                <a:ea typeface="+mn-ea"/>
+                <a:cs typeface="+mn-cs"/>
+              </a:rPr>
+              <a:t>Instructor</a:t>
+            </a:r>
+          </a:p>
+        </p:txBody>
+      </p:sp>
+      <p:sp>
+        <p:nvSpPr>
+          <p:cNvPr id="28" name="Flowchart: Magnetic Disk 27">
+            <a:extLst>
+              <a:ext uri="{FF2B5EF4-FFF2-40B4-BE49-F238E27FC236}">
+                <a16:creationId xmlns:a16="http://schemas.microsoft.com/office/drawing/2014/main" id="{03237ECD-4D88-4F32-88A6-12140F946CEF}"/>
+              </a:ext>
+            </a:extLst>
+          </p:cNvPr>
+          <p:cNvSpPr/>
+          <p:nvPr/>
+        </p:nvSpPr>
+        <p:spPr>
+          <a:xfrm>
+            <a:off x="7046464" y="1926322"/>
+            <a:ext cx="2103097" cy="2194536"/>
+          </a:xfrm>
+          <a:prstGeom prst="flowChartMagneticDisk">
+            <a:avLst/>
+          </a:prstGeom>
+        </p:spPr>
+        <p:style>
+          <a:lnRef idx="2">
+            <a:schemeClr val="accent6"/>
+          </a:lnRef>
+          <a:fillRef idx="1">
+            <a:schemeClr val="lt1"/>
+          </a:fillRef>
+          <a:effectRef idx="0">
+            <a:schemeClr val="accent6"/>
+          </a:effectRef>
+          <a:fontRef idx="minor">
+            <a:schemeClr val="dk1"/>
+          </a:fontRef>
+        </p:style>
+        <p:txBody>
+          <a:bodyPr rtlCol="0" anchor="ctr"/>
+          <a:lstStyle/>
+          <a:p>
+            <a:pPr marL="0" marR="0" lvl="0" indent="0" algn="ctr" defTabSz="457200" rtl="0" eaLnBrk="1" fontAlgn="auto" latinLnBrk="0" hangingPunct="1">
+              <a:lnSpc>
+                <a:spcPct val="100000"/>
+              </a:lnSpc>
+              <a:spcBef>
+                <a:spcPts val="0"/>
+              </a:spcBef>
+              <a:spcAft>
+                <a:spcPts val="0"/>
+              </a:spcAft>
+              <a:buClrTx/>
+              <a:buSzTx/>
+              <a:buFontTx/>
+              <a:buNone/>
+              <a:tabLst/>
+              <a:defRPr/>
+            </a:pPr>
+            <a:r>
+              <a:rPr kumimoji="0" lang="en-US" sz="3900" b="0" i="0" u="none" strike="noStrike" kern="1200" cap="none" spc="0" normalizeH="0" baseline="0" noProof="0" dirty="0">
+                <a:ln w="0"/>
+                <a:solidFill>
+                  <a:srgbClr val="62A39F"/>
+                </a:solidFill>
+                <a:effectLst>
+                  <a:outerShdw blurRad="38100" dist="25400" dir="5400000" algn="ctr" rotWithShape="0">
+                    <a:srgbClr val="6E747A">
+                      <a:alpha val="43000"/>
+                    </a:srgbClr>
+                  </a:outerShdw>
+                </a:effectLst>
+                <a:uLnTx/>
+                <a:uFillTx/>
+                <a:latin typeface="Impact" panose="020B0806030902050204"/>
+                <a:ea typeface="+mn-ea"/>
+                <a:cs typeface="+mn-cs"/>
+              </a:rPr>
+              <a:t>Database</a:t>
+            </a:r>
+          </a:p>
+        </p:txBody>
+      </p:sp>
+      <p:sp>
+        <p:nvSpPr>
+          <p:cNvPr id="29" name="TextBox 28">
+            <a:extLst>
+              <a:ext uri="{FF2B5EF4-FFF2-40B4-BE49-F238E27FC236}">
+                <a16:creationId xmlns:a16="http://schemas.microsoft.com/office/drawing/2014/main" id="{4D4B10B4-4FF5-4CC0-AB55-4C9F50E6745E}"/>
+              </a:ext>
+            </a:extLst>
+          </p:cNvPr>
+          <p:cNvSpPr txBox="1"/>
+          <p:nvPr/>
+        </p:nvSpPr>
+        <p:spPr>
+          <a:xfrm>
+            <a:off x="5152246" y="2287841"/>
+            <a:ext cx="1935221" cy="646331"/>
+          </a:xfrm>
+          <a:prstGeom prst="rect">
+            <a:avLst/>
+          </a:prstGeom>
+          <a:noFill/>
+        </p:spPr>
+        <p:txBody>
+          <a:bodyPr wrap="square" rtlCol="0">
+            <a:spAutoFit/>
+          </a:bodyPr>
+          <a:lstStyle/>
+          <a:p>
+            <a:pPr marL="0" marR="0" lvl="0" indent="0" algn="ctr" defTabSz="457200" rtl="0" eaLnBrk="1" fontAlgn="auto" latinLnBrk="0" hangingPunct="1">
+              <a:lnSpc>
+                <a:spcPct val="100000"/>
+              </a:lnSpc>
+              <a:spcBef>
+                <a:spcPts val="0"/>
+              </a:spcBef>
+              <a:spcAft>
+                <a:spcPts val="0"/>
+              </a:spcAft>
+              <a:buClrTx/>
+              <a:buSzTx/>
+              <a:buFontTx/>
+              <a:buNone/>
+              <a:tabLst/>
+              <a:defRPr/>
+            </a:pPr>
+            <a:r>
+              <a:rPr kumimoji="0" lang="en-US" sz="1800" b="0" i="0" u="none" strike="noStrike" kern="1200" cap="none" spc="0" normalizeH="0" baseline="0" noProof="0" dirty="0">
+                <a:ln>
+                  <a:noFill/>
+                </a:ln>
+                <a:solidFill>
+                  <a:prstClr val="black"/>
+                </a:solidFill>
+                <a:effectLst/>
+                <a:uLnTx/>
+                <a:uFillTx/>
+                <a:latin typeface="Impact" panose="020B0806030902050204"/>
+                <a:ea typeface="+mn-ea"/>
+                <a:cs typeface="+mn-cs"/>
+              </a:rPr>
+              <a:t>Add/Remove Student</a:t>
+            </a:r>
+          </a:p>
+        </p:txBody>
+      </p:sp>
+      <p:sp>
+        <p:nvSpPr>
+          <p:cNvPr id="30" name="TextBox 29">
+            <a:extLst>
+              <a:ext uri="{FF2B5EF4-FFF2-40B4-BE49-F238E27FC236}">
+                <a16:creationId xmlns:a16="http://schemas.microsoft.com/office/drawing/2014/main" id="{D0A678D4-C48D-44D0-8E34-8070EC405F13}"/>
+              </a:ext>
+            </a:extLst>
+          </p:cNvPr>
+          <p:cNvSpPr txBox="1"/>
+          <p:nvPr/>
+        </p:nvSpPr>
+        <p:spPr>
+          <a:xfrm>
+            <a:off x="5421200" y="3244334"/>
+            <a:ext cx="1349600" cy="369332"/>
+          </a:xfrm>
+          <a:prstGeom prst="rect">
+            <a:avLst/>
+          </a:prstGeom>
+          <a:noFill/>
+        </p:spPr>
+        <p:txBody>
+          <a:bodyPr wrap="none" rtlCol="0">
+            <a:spAutoFit/>
+          </a:bodyPr>
+          <a:lstStyle/>
+          <a:p>
+            <a:pPr marL="0" marR="0" lvl="0" indent="0" algn="l" defTabSz="457200" rtl="0" eaLnBrk="1" fontAlgn="auto" latinLnBrk="0" hangingPunct="1">
+              <a:lnSpc>
+                <a:spcPct val="100000"/>
+              </a:lnSpc>
+              <a:spcBef>
+                <a:spcPts val="0"/>
+              </a:spcBef>
+              <a:spcAft>
+                <a:spcPts val="0"/>
+              </a:spcAft>
+              <a:buClrTx/>
+              <a:buSzTx/>
+              <a:buFontTx/>
+              <a:buNone/>
+              <a:tabLst/>
+              <a:defRPr/>
+            </a:pPr>
+            <a:r>
+              <a:rPr kumimoji="0" lang="en-US" sz="1800" b="0" i="0" u="none" strike="noStrike" kern="1200" cap="none" spc="0" normalizeH="0" baseline="0" noProof="0" dirty="0">
+                <a:ln>
+                  <a:noFill/>
+                </a:ln>
+                <a:solidFill>
+                  <a:prstClr val="black"/>
+                </a:solidFill>
+                <a:effectLst/>
+                <a:uLnTx/>
+                <a:uFillTx/>
+                <a:latin typeface="Impact" panose="020B0806030902050204"/>
+                <a:ea typeface="+mn-ea"/>
+                <a:cs typeface="+mn-cs"/>
+              </a:rPr>
+              <a:t>Stored in DB</a:t>
+            </a:r>
+          </a:p>
+        </p:txBody>
+      </p:sp>
+      <p:sp>
+        <p:nvSpPr>
+          <p:cNvPr id="31" name="TextBox 30">
+            <a:extLst>
+              <a:ext uri="{FF2B5EF4-FFF2-40B4-BE49-F238E27FC236}">
+                <a16:creationId xmlns:a16="http://schemas.microsoft.com/office/drawing/2014/main" id="{4BFC2603-F61A-4F2D-AC23-CC00FE9E85D1}"/>
+              </a:ext>
+            </a:extLst>
+          </p:cNvPr>
+          <p:cNvSpPr txBox="1"/>
+          <p:nvPr/>
+        </p:nvSpPr>
+        <p:spPr>
+          <a:xfrm>
+            <a:off x="2823142" y="2996126"/>
+            <a:ext cx="1731884" cy="369332"/>
+          </a:xfrm>
+          <a:prstGeom prst="rect">
+            <a:avLst/>
+          </a:prstGeom>
+          <a:noFill/>
+        </p:spPr>
+        <p:txBody>
+          <a:bodyPr wrap="none" rtlCol="0">
+            <a:spAutoFit/>
+          </a:bodyPr>
+          <a:lstStyle/>
+          <a:p>
+            <a:pPr marL="0" marR="0" lvl="0" indent="0" algn="l" defTabSz="457200" rtl="0" eaLnBrk="1" fontAlgn="auto" latinLnBrk="0" hangingPunct="1">
+              <a:lnSpc>
+                <a:spcPct val="100000"/>
+              </a:lnSpc>
+              <a:spcBef>
+                <a:spcPts val="0"/>
+              </a:spcBef>
+              <a:spcAft>
+                <a:spcPts val="0"/>
+              </a:spcAft>
+              <a:buClrTx/>
+              <a:buSzTx/>
+              <a:buFontTx/>
+              <a:buNone/>
+              <a:tabLst/>
+              <a:defRPr/>
+            </a:pPr>
+            <a:r>
+              <a:rPr kumimoji="0" lang="en-US" sz="1800" b="0" i="0" u="none" strike="noStrike" kern="1200" cap="none" spc="0" normalizeH="0" baseline="0" noProof="0" dirty="0">
+                <a:ln>
+                  <a:noFill/>
+                </a:ln>
+                <a:solidFill>
+                  <a:prstClr val="black"/>
+                </a:solidFill>
+                <a:effectLst/>
+                <a:uLnTx/>
+                <a:uFillTx/>
+                <a:latin typeface="Impact" panose="020B0806030902050204"/>
+                <a:ea typeface="+mn-ea"/>
+                <a:cs typeface="+mn-cs"/>
+              </a:rPr>
+              <a:t>Web Application</a:t>
+            </a:r>
+          </a:p>
+        </p:txBody>
+      </p:sp>
+    </p:spTree>
+    <p:extLst>
+      <p:ext uri="{BB962C8B-B14F-4D97-AF65-F5344CB8AC3E}">
+        <p14:creationId xmlns:p14="http://schemas.microsoft.com/office/powerpoint/2010/main" val="422075450"/>
+      </p:ext>
+    </p:extLst>
+  </p:cSld>
+  <p:clrMapOvr>
+    <a:masterClrMapping/>
+  </p:clrMapOvr>
+  <mc:AlternateContent xmlns:mc="http://schemas.openxmlformats.org/markup-compatibility/2006" xmlns:p15="http://schemas.microsoft.com/office/powerpoint/2012/main">
+    <mc:Choice Requires="p15">
+      <p:transition xmlns:p14="http://schemas.microsoft.com/office/powerpoint/2010/main" spd="slow" p14:dur="2000">
+        <p15:prstTrans prst="crush"/>
+      </p:transition>
+    </mc:Choice>
+    <mc:Fallback xmlns="">
+      <p:transition spd="slow">
+        <p:fade/>
+      </p:transition>
+    </mc:Fallback>
+  </mc:AlternateContent>
+  <p:timing>
+    <p:tnLst>
+      <p:par>
+        <p:cTn id="1" dur="indefinite" restart="never" nodeType="tmRoot">
+          <p:childTnLst>
+            <p:seq concurrent="1" nextAc="seek">
+              <p:cTn id="2" dur="indefinite" nodeType="mainSeq">
+                <p:childTnLst>
+                  <p:par>
+                    <p:cTn id="3" fill="hold">
+                      <p:stCondLst>
+                        <p:cond delay="indefinite"/>
+                      </p:stCondLst>
+                      <p:childTnLst>
+                        <p:par>
+                          <p:cTn id="4" fill="hold">
+                            <p:stCondLst>
+                              <p:cond delay="0"/>
+                            </p:stCondLst>
+                            <p:childTnLst>
+                              <p:par>
+                                <p:cTn id="5" presetID="22" presetClass="entr" presetSubtype="8" repeatCount="4000" fill="hold" nodeType="clickEffect">
+                                  <p:stCondLst>
+                                    <p:cond delay="0"/>
+                                  </p:stCondLst>
+                                  <p:childTnLst>
+                                    <p:set>
+                                      <p:cBhvr>
+                                        <p:cTn id="6" dur="1" fill="hold">
+                                          <p:stCondLst>
+                                            <p:cond delay="0"/>
+                                          </p:stCondLst>
+                                        </p:cTn>
+                                        <p:tgtEl>
+                                          <p:spTgt spid="16"/>
+                                        </p:tgtEl>
+                                        <p:attrNameLst>
+                                          <p:attrName>style.visibility</p:attrName>
+                                        </p:attrNameLst>
+                                      </p:cBhvr>
+                                      <p:to>
+                                        <p:strVal val="visible"/>
+                                      </p:to>
+                                    </p:set>
+                                    <p:animEffect transition="in" filter="wipe(left)">
+                                      <p:cBhvr>
+                                        <p:cTn id="7" dur="1000"/>
+                                        <p:tgtEl>
+                                          <p:spTgt spid="16"/>
+                                        </p:tgtEl>
+                                      </p:cBhvr>
+                                    </p:animEffect>
+                                  </p:childTnLst>
+                                </p:cTn>
+                              </p:par>
+                            </p:childTnLst>
+                          </p:cTn>
+                        </p:par>
+                      </p:childTnLst>
+                    </p:cTn>
+                  </p:par>
+                </p:childTnLst>
+              </p:cTn>
+              <p:prevCondLst>
+                <p:cond evt="onPrev" delay="0">
+                  <p:tgtEl>
+                    <p:sldTgt/>
+                  </p:tgtEl>
+                </p:cond>
+              </p:prevCondLst>
+              <p:nextCondLst>
+                <p:cond evt="onNext" delay="0">
+                  <p:tgtEl>
+                    <p:sldTgt/>
+                  </p:tgtEl>
+                </p:cond>
+              </p:nextCondLst>
+            </p:seq>
+          </p:childTnLst>
+        </p:cTn>
+      </p:par>
+    </p:tnLst>
+  </p:timing>
+</p:sld>
+</file>
+
+<file path=ppt/slides/slide12.xml><?xml version="1.0" encoding="utf-8"?>
+<p:sld xmlns:a="http://schemas.openxmlformats.org/drawingml/2006/main" xmlns:r="http://schemas.openxmlformats.org/officeDocument/2006/relationships" xmlns:p="http://schemas.openxmlformats.org/presentationml/2006/main">
+  <p:cSld>
+    <p:spTree>
+      <p:nvGrpSpPr>
+        <p:cNvPr id="1" name=""/>
+        <p:cNvGrpSpPr/>
+        <p:nvPr/>
+      </p:nvGrpSpPr>
+      <p:grpSpPr>
+        <a:xfrm>
+          <a:off x="0" y="0"/>
+          <a:ext cx="0" cy="0"/>
+          <a:chOff x="0" y="0"/>
+          <a:chExt cx="0" cy="0"/>
+        </a:xfrm>
+      </p:grpSpPr>
+      <p:sp>
+        <p:nvSpPr>
+          <p:cNvPr id="2" name="Title 1"/>
+          <p:cNvSpPr>
+            <a:spLocks noGrp="1"/>
+          </p:cNvSpPr>
+          <p:nvPr>
+            <p:ph type="title"/>
+          </p:nvPr>
+        </p:nvSpPr>
+        <p:spPr/>
+        <p:txBody>
+          <a:bodyPr>
+            <a:normAutofit fontScale="90000"/>
+          </a:bodyPr>
+          <a:lstStyle/>
+          <a:p>
+            <a:r>
+              <a:rPr lang="en-US" dirty="0">
+                <a:solidFill>
+                  <a:schemeClr val="tx1"/>
+                </a:solidFill>
+              </a:rPr>
+              <a:t>Challenges Faced and How did we overcome?</a:t>
+            </a:r>
+          </a:p>
+        </p:txBody>
+      </p:sp>
+      <p:sp>
+        <p:nvSpPr>
+          <p:cNvPr id="7" name="Content Placeholder 6"/>
+          <p:cNvSpPr>
+            <a:spLocks noGrp="1"/>
+          </p:cNvSpPr>
+          <p:nvPr>
+            <p:ph idx="1"/>
+          </p:nvPr>
+        </p:nvSpPr>
+        <p:spPr>
+          <a:xfrm>
+            <a:off x="685801" y="1837765"/>
+            <a:ext cx="10396883" cy="3504943"/>
+          </a:xfrm>
+        </p:spPr>
+        <p:txBody>
+          <a:bodyPr>
+            <a:normAutofit/>
+          </a:bodyPr>
+          <a:lstStyle/>
+          <a:p>
+            <a:r>
+              <a:rPr lang="en-US" sz="2200" dirty="0">
+                <a:latin typeface="Times New Roman" panose="02020603050405020304" pitchFamily="18" charset="0"/>
+                <a:cs typeface="Times New Roman" panose="02020603050405020304" pitchFamily="18" charset="0"/>
+              </a:rPr>
+              <a:t>Finalizing the language and Finalizing the type of application</a:t>
+            </a:r>
+          </a:p>
+          <a:p>
+            <a:pPr lvl="1"/>
+            <a:r>
+              <a:rPr lang="en-US" sz="2000" dirty="0">
+                <a:latin typeface="Times New Roman" panose="02020603050405020304" pitchFamily="18" charset="0"/>
+                <a:cs typeface="Times New Roman" panose="02020603050405020304" pitchFamily="18" charset="0"/>
+              </a:rPr>
+              <a:t>level of expertise on different languages</a:t>
+            </a:r>
+          </a:p>
+          <a:p>
+            <a:r>
+              <a:rPr lang="en-US" sz="2200" dirty="0">
+                <a:latin typeface="Times New Roman" panose="02020603050405020304" pitchFamily="18" charset="0"/>
+                <a:cs typeface="Times New Roman" panose="02020603050405020304" pitchFamily="18" charset="0"/>
+              </a:rPr>
+              <a:t>Finalizing common database for iOS and web application</a:t>
+            </a:r>
+          </a:p>
+          <a:p>
+            <a:pPr lvl="1"/>
+            <a:r>
+              <a:rPr lang="en-US" sz="2000" dirty="0">
+                <a:latin typeface="Times New Roman" panose="02020603050405020304" pitchFamily="18" charset="0"/>
+                <a:cs typeface="Times New Roman" panose="02020603050405020304" pitchFamily="18" charset="0"/>
+              </a:rPr>
+              <a:t>Group discussions on all the pros and cons </a:t>
+            </a:r>
+          </a:p>
+          <a:p>
+            <a:r>
+              <a:rPr lang="en-US" sz="2200" dirty="0">
+                <a:latin typeface="Times New Roman" panose="02020603050405020304" pitchFamily="18" charset="0"/>
+                <a:cs typeface="Times New Roman" panose="02020603050405020304" pitchFamily="18" charset="0"/>
+              </a:rPr>
+              <a:t>Developing the Project in Node.js</a:t>
+            </a:r>
+          </a:p>
+          <a:p>
+            <a:pPr lvl="1"/>
+            <a:r>
+              <a:rPr lang="en-US" sz="2000" dirty="0">
+                <a:latin typeface="Times New Roman" panose="02020603050405020304" pitchFamily="18" charset="0"/>
+                <a:cs typeface="Times New Roman" panose="02020603050405020304" pitchFamily="18" charset="0"/>
+              </a:rPr>
+              <a:t>Suggestions from other team members</a:t>
+            </a:r>
+          </a:p>
+        </p:txBody>
+      </p:sp>
+      <p:pic>
+        <p:nvPicPr>
+          <p:cNvPr id="4" name="Picture 4" descr="Image result for how"/>
+          <p:cNvPicPr>
+            <a:picLocks noChangeAspect="1" noChangeArrowheads="1"/>
+          </p:cNvPicPr>
+          <p:nvPr/>
+        </p:nvPicPr>
+        <p:blipFill>
+          <a:blip r:embed="rId2" cstate="print">
+            <a:extLst>
+              <a:ext uri="{28A0092B-C50C-407E-A947-70E740481C1C}">
+                <a14:useLocalDpi xmlns:a14="http://schemas.microsoft.com/office/drawing/2010/main" val="0"/>
+              </a:ext>
+            </a:extLst>
+          </a:blip>
+          <a:srcRect/>
+          <a:stretch>
+            <a:fillRect/>
+          </a:stretch>
+        </p:blipFill>
+        <p:spPr bwMode="auto">
+          <a:xfrm>
+            <a:off x="9730133" y="585507"/>
+            <a:ext cx="1352550" cy="1352550"/>
+          </a:xfrm>
+          <a:prstGeom prst="rect">
+            <a:avLst/>
+          </a:prstGeom>
+          <a:noFill/>
+          <a:extLst>
+            <a:ext uri="{909E8E84-426E-40DD-AFC4-6F175D3DCCD1}">
+              <a14:hiddenFill xmlns:a14="http://schemas.microsoft.com/office/drawing/2010/main">
+                <a:solidFill>
+                  <a:srgbClr val="FFFFFF"/>
+                </a:solidFill>
+              </a14:hiddenFill>
+            </a:ext>
+          </a:extLst>
+        </p:spPr>
+      </p:pic>
+    </p:spTree>
+    <p:extLst>
+      <p:ext uri="{BB962C8B-B14F-4D97-AF65-F5344CB8AC3E}">
+        <p14:creationId xmlns:p14="http://schemas.microsoft.com/office/powerpoint/2010/main" val="551792954"/>
+      </p:ext>
+    </p:extLst>
+  </p:cSld>
+  <p:clrMapOvr>
+    <a:masterClrMapping/>
+  </p:clrMapOvr>
+  <mc:AlternateContent xmlns:mc="http://schemas.openxmlformats.org/markup-compatibility/2006" xmlns:p15="http://schemas.microsoft.com/office/powerpoint/2012/main">
+    <mc:Choice Requires="p15">
+      <p:transition xmlns:p14="http://schemas.microsoft.com/office/powerpoint/2010/main" spd="slow" p14:dur="2000">
+        <p15:prstTrans prst="crush"/>
+      </p:transition>
+    </mc:Choice>
+    <mc:Fallback xmlns="">
+      <p:transition spd="slow">
+        <p:fade/>
+      </p:transition>
+    </mc:Fallback>
+  </mc:AlternateContent>
+</p:sld>
+</file>
+
+<file path=ppt/slides/slide13.xml><?xml version="1.0" encoding="utf-8"?>
 <p:sld xmlns:a="http://schemas.openxmlformats.org/drawingml/2006/main" xmlns:r="http://schemas.openxmlformats.org/officeDocument/2006/relationships" xmlns:p="http://schemas.openxmlformats.org/presentationml/2006/main">
   <p:cSld>
     <p:spTree>
@@ -27541,17 +29117,10 @@
       </p:transition>
     </mc:Fallback>
   </mc:AlternateContent>
-  <p:timing>
-    <p:tnLst>
-      <p:par>
-        <p:cTn id="1" dur="indefinite" restart="never" nodeType="tmRoot"/>
-      </p:par>
-    </p:tnLst>
-  </p:timing>
 </p:sld>
 </file>
 
-<file path=ppt/slides/slide11.xml><?xml version="1.0" encoding="utf-8"?>
+<file path=ppt/slides/slide14.xml><?xml version="1.0" encoding="utf-8"?>
 <p:sld xmlns:a="http://schemas.openxmlformats.org/drawingml/2006/main" xmlns:r="http://schemas.openxmlformats.org/officeDocument/2006/relationships" xmlns:p="http://schemas.openxmlformats.org/presentationml/2006/main">
   <p:cSld>
     <p:spTree>
@@ -27647,17 +29216,10 @@
       </p:transition>
     </mc:Fallback>
   </mc:AlternateContent>
-  <p:timing>
-    <p:tnLst>
-      <p:par>
-        <p:cTn id="1" dur="indefinite" restart="never" nodeType="tmRoot"/>
-      </p:par>
-    </p:tnLst>
-  </p:timing>
 </p:sld>
 </file>
 
-<file path=ppt/slides/slide12.xml><?xml version="1.0" encoding="utf-8"?>
+<file path=ppt/slides/slide15.xml><?xml version="1.0" encoding="utf-8"?>
 <p:sld xmlns:a="http://schemas.openxmlformats.org/drawingml/2006/main" xmlns:r="http://schemas.openxmlformats.org/officeDocument/2006/relationships" xmlns:p="http://schemas.openxmlformats.org/presentationml/2006/main">
   <p:cSld>
     <p:spTree>
@@ -27752,17 +29314,10 @@
       </p:transition>
     </mc:Fallback>
   </mc:AlternateContent>
-  <p:timing>
-    <p:tnLst>
-      <p:par>
-        <p:cTn id="1" dur="indefinite" restart="never" nodeType="tmRoot"/>
-      </p:par>
-    </p:tnLst>
-  </p:timing>
 </p:sld>
 </file>
 
-<file path=ppt/slides/slide13.xml><?xml version="1.0" encoding="utf-8"?>
+<file path=ppt/slides/slide16.xml><?xml version="1.0" encoding="utf-8"?>
 <p:sld xmlns:a="http://schemas.openxmlformats.org/drawingml/2006/main" xmlns:r="http://schemas.openxmlformats.org/officeDocument/2006/relationships" xmlns:p="http://schemas.openxmlformats.org/presentationml/2006/main">
   <p:cSld>
     <p:spTree>
@@ -28136,17 +29691,10 @@
       </p:transition>
     </mc:Fallback>
   </mc:AlternateContent>
-  <p:timing>
-    <p:tnLst>
-      <p:par>
-        <p:cTn id="1" dur="indefinite" restart="never" nodeType="tmRoot"/>
-      </p:par>
-    </p:tnLst>
-  </p:timing>
 </p:sld>
 </file>
 
-<file path=ppt/slides/slide14.xml><?xml version="1.0" encoding="utf-8"?>
+<file path=ppt/slides/slide17.xml><?xml version="1.0" encoding="utf-8"?>
 <p:sld xmlns:a="http://schemas.openxmlformats.org/drawingml/2006/main" xmlns:r="http://schemas.openxmlformats.org/officeDocument/2006/relationships" xmlns:p="http://schemas.openxmlformats.org/presentationml/2006/main">
   <p:cSld>
     <p:spTree>
@@ -28259,24 +29807,17 @@
                 <a:latin typeface="Times New Roman" panose="02020603050405020304" pitchFamily="18" charset="0"/>
                 <a:cs typeface="Times New Roman" panose="02020603050405020304" pitchFamily="18" charset="0"/>
               </a:rPr>
-              <a:t>for validating the </a:t>
+              <a:t>for validating the Html and </a:t>
             </a:r>
             <a:r>
-              <a:rPr lang="en-US" sz="2000" dirty="0" smtClean="0">
-                <a:latin typeface="Times New Roman" panose="02020603050405020304" pitchFamily="18" charset="0"/>
-                <a:cs typeface="Times New Roman" panose="02020603050405020304" pitchFamily="18" charset="0"/>
-              </a:rPr>
-              <a:t>Html and </a:t>
-            </a:r>
-            <a:r>
-              <a:rPr lang="en-US" sz="2000" dirty="0" err="1" smtClean="0">
+              <a:rPr lang="en-US" sz="2000" dirty="0" err="1">
                 <a:latin typeface="Times New Roman" panose="02020603050405020304" pitchFamily="18" charset="0"/>
                 <a:cs typeface="Times New Roman" panose="02020603050405020304" pitchFamily="18" charset="0"/>
               </a:rPr>
               <a:t>css</a:t>
             </a:r>
             <a:r>
-              <a:rPr lang="en-US" sz="2000" dirty="0" smtClean="0">
+              <a:rPr lang="en-US" sz="2000" dirty="0">
                 <a:latin typeface="Times New Roman" panose="02020603050405020304" pitchFamily="18" charset="0"/>
                 <a:cs typeface="Times New Roman" panose="02020603050405020304" pitchFamily="18" charset="0"/>
               </a:rPr>
@@ -28285,7 +29826,7 @@
           </a:p>
           <a:p>
             <a:r>
-              <a:rPr lang="en-US" sz="2200" dirty="0" smtClean="0">
+              <a:rPr lang="en-US" sz="2200" dirty="0">
                 <a:latin typeface="Times New Roman" panose="02020603050405020304" pitchFamily="18" charset="0"/>
                 <a:cs typeface="Times New Roman" panose="02020603050405020304" pitchFamily="18" charset="0"/>
               </a:rPr>
@@ -28295,16 +29836,12 @@
           <a:p>
             <a:pPr lvl="1"/>
             <a:r>
-              <a:rPr lang="en-US" sz="2000" dirty="0" smtClean="0">
+              <a:rPr lang="en-US" sz="2000" dirty="0">
                 <a:latin typeface="Times New Roman" panose="02020603050405020304" pitchFamily="18" charset="0"/>
                 <a:cs typeface="Times New Roman" panose="02020603050405020304" pitchFamily="18" charset="0"/>
               </a:rPr>
               <a:t>For testing the input fields</a:t>
             </a:r>
-            <a:endParaRPr lang="en-US" sz="2000" dirty="0">
-              <a:latin typeface="Times New Roman" panose="02020603050405020304" pitchFamily="18" charset="0"/>
-              <a:cs typeface="Times New Roman" panose="02020603050405020304" pitchFamily="18" charset="0"/>
-            </a:endParaRPr>
           </a:p>
         </p:txBody>
       </p:sp>
@@ -28330,17 +29867,10 @@
       </p:transition>
     </mc:Fallback>
   </mc:AlternateContent>
-  <p:timing>
-    <p:tnLst>
-      <p:par>
-        <p:cTn id="1" dur="indefinite" restart="never" nodeType="tmRoot"/>
-      </p:par>
-    </p:tnLst>
-  </p:timing>
 </p:sld>
 </file>
 
-<file path=ppt/slides/slide15.xml><?xml version="1.0" encoding="utf-8"?>
+<file path=ppt/slides/slide18.xml><?xml version="1.0" encoding="utf-8"?>
 <p:sld xmlns:a="http://schemas.openxmlformats.org/drawingml/2006/main" xmlns:r="http://schemas.openxmlformats.org/officeDocument/2006/relationships" xmlns:p="http://schemas.openxmlformats.org/presentationml/2006/main">
   <p:cSld>
     <p:spTree>
@@ -28494,17 +30024,10 @@
       </p:transition>
     </mc:Fallback>
   </mc:AlternateContent>
-  <p:timing>
-    <p:tnLst>
-      <p:par>
-        <p:cTn id="1" dur="indefinite" restart="never" nodeType="tmRoot"/>
-      </p:par>
-    </p:tnLst>
-  </p:timing>
 </p:sld>
 </file>
 
-<file path=ppt/slides/slide16.xml><?xml version="1.0" encoding="utf-8"?>
+<file path=ppt/slides/slide19.xml><?xml version="1.0" encoding="utf-8"?>
 <p:sld xmlns:a="http://schemas.openxmlformats.org/drawingml/2006/main" xmlns:r="http://schemas.openxmlformats.org/officeDocument/2006/relationships" xmlns:p="http://schemas.openxmlformats.org/presentationml/2006/main">
   <p:cSld>
     <p:spTree>
@@ -28633,366 +30156,6 @@
       </p:transition>
     </mc:Fallback>
   </mc:AlternateContent>
-  <p:timing>
-    <p:tnLst>
-      <p:par>
-        <p:cTn id="1" dur="indefinite" restart="never" nodeType="tmRoot"/>
-      </p:par>
-    </p:tnLst>
-  </p:timing>
-</p:sld>
-</file>
-
-<file path=ppt/slides/slide17.xml><?xml version="1.0" encoding="utf-8"?>
-<p:sld xmlns:a="http://schemas.openxmlformats.org/drawingml/2006/main" xmlns:r="http://schemas.openxmlformats.org/officeDocument/2006/relationships" xmlns:p="http://schemas.openxmlformats.org/presentationml/2006/main">
-  <p:cSld>
-    <p:spTree>
-      <p:nvGrpSpPr>
-        <p:cNvPr id="1" name=""/>
-        <p:cNvGrpSpPr/>
-        <p:nvPr/>
-      </p:nvGrpSpPr>
-      <p:grpSpPr>
-        <a:xfrm>
-          <a:off x="0" y="0"/>
-          <a:ext cx="0" cy="0"/>
-          <a:chOff x="0" y="0"/>
-          <a:chExt cx="0" cy="0"/>
-        </a:xfrm>
-      </p:grpSpPr>
-      <p:sp>
-        <p:nvSpPr>
-          <p:cNvPr id="2" name="Title 1"/>
-          <p:cNvSpPr>
-            <a:spLocks noGrp="1"/>
-          </p:cNvSpPr>
-          <p:nvPr>
-            <p:ph type="title"/>
-          </p:nvPr>
-        </p:nvSpPr>
-        <p:spPr/>
-        <p:txBody>
-          <a:bodyPr/>
-          <a:lstStyle/>
-          <a:p>
-            <a:r>
-              <a:rPr lang="en-US" dirty="0">
-                <a:solidFill>
-                  <a:schemeClr val="tx1"/>
-                </a:solidFill>
-              </a:rPr>
-              <a:t>Status</a:t>
-            </a:r>
-          </a:p>
-        </p:txBody>
-      </p:sp>
-      <p:sp>
-        <p:nvSpPr>
-          <p:cNvPr id="3" name="Content Placeholder 2"/>
-          <p:cNvSpPr>
-            <a:spLocks noGrp="1"/>
-          </p:cNvSpPr>
-          <p:nvPr>
-            <p:ph sz="quarter" idx="13"/>
-          </p:nvPr>
-        </p:nvSpPr>
-        <p:spPr>
-          <a:xfrm>
-            <a:off x="685801" y="1837765"/>
-            <a:ext cx="10394707" cy="3311189"/>
-          </a:xfrm>
-        </p:spPr>
-        <p:txBody>
-          <a:bodyPr>
-            <a:normAutofit/>
-          </a:bodyPr>
-          <a:lstStyle/>
-          <a:p>
-            <a:r>
-              <a:rPr lang="en-US" sz="2200" dirty="0">
-                <a:latin typeface="Times New Roman" panose="02020603050405020304" pitchFamily="18" charset="0"/>
-                <a:cs typeface="Times New Roman" panose="02020603050405020304" pitchFamily="18" charset="0"/>
-              </a:rPr>
-              <a:t>IOS Application - Check.</a:t>
-            </a:r>
-          </a:p>
-          <a:p>
-            <a:r>
-              <a:rPr lang="en-US" sz="2200" dirty="0">
-                <a:latin typeface="Times New Roman" panose="02020603050405020304" pitchFamily="18" charset="0"/>
-                <a:cs typeface="Times New Roman" panose="02020603050405020304" pitchFamily="18" charset="0"/>
-              </a:rPr>
-              <a:t>Web Application - Check.</a:t>
-            </a:r>
-          </a:p>
-          <a:p>
-            <a:r>
-              <a:rPr lang="en-US" sz="2200" dirty="0">
-                <a:latin typeface="Times New Roman" panose="02020603050405020304" pitchFamily="18" charset="0"/>
-                <a:cs typeface="Times New Roman" panose="02020603050405020304" pitchFamily="18" charset="0"/>
-              </a:rPr>
-              <a:t>Manual Testing and bug identification - In Progress.</a:t>
-            </a:r>
-          </a:p>
-          <a:p>
-            <a:r>
-              <a:rPr lang="en-US" sz="2200" dirty="0">
-                <a:latin typeface="Times New Roman" panose="02020603050405020304" pitchFamily="18" charset="0"/>
-                <a:cs typeface="Times New Roman" panose="02020603050405020304" pitchFamily="18" charset="0"/>
-              </a:rPr>
-              <a:t>CSS file for Web Application - In progress.</a:t>
-            </a:r>
-          </a:p>
-          <a:p>
-            <a:r>
-              <a:rPr lang="en-US" sz="2200" dirty="0">
-                <a:latin typeface="Times New Roman" panose="02020603050405020304" pitchFamily="18" charset="0"/>
-                <a:cs typeface="Times New Roman" panose="02020603050405020304" pitchFamily="18" charset="0"/>
-              </a:rPr>
-              <a:t>Documentation changes - In progress.</a:t>
-            </a:r>
-          </a:p>
-        </p:txBody>
-      </p:sp>
-    </p:spTree>
-    <p:extLst>
-      <p:ext uri="{BB962C8B-B14F-4D97-AF65-F5344CB8AC3E}">
-        <p14:creationId xmlns:p14="http://schemas.microsoft.com/office/powerpoint/2010/main" val="466284332"/>
-      </p:ext>
-    </p:extLst>
-  </p:cSld>
-  <p:clrMapOvr>
-    <a:masterClrMapping/>
-  </p:clrMapOvr>
-  <mc:AlternateContent xmlns:mc="http://schemas.openxmlformats.org/markup-compatibility/2006" xmlns:p15="http://schemas.microsoft.com/office/powerpoint/2012/main">
-    <mc:Choice Requires="p15">
-      <p:transition xmlns:p14="http://schemas.microsoft.com/office/powerpoint/2010/main" spd="slow" p14:dur="2000">
-        <p15:prstTrans prst="crush"/>
-      </p:transition>
-    </mc:Choice>
-    <mc:Fallback xmlns="">
-      <p:transition spd="slow">
-        <p:fade/>
-      </p:transition>
-    </mc:Fallback>
-  </mc:AlternateContent>
-  <p:timing>
-    <p:tnLst>
-      <p:par>
-        <p:cTn id="1" dur="indefinite" restart="never" nodeType="tmRoot"/>
-      </p:par>
-    </p:tnLst>
-  </p:timing>
-</p:sld>
-</file>
-
-<file path=ppt/slides/slide18.xml><?xml version="1.0" encoding="utf-8"?>
-<p:sld xmlns:a="http://schemas.openxmlformats.org/drawingml/2006/main" xmlns:r="http://schemas.openxmlformats.org/officeDocument/2006/relationships" xmlns:p="http://schemas.openxmlformats.org/presentationml/2006/main">
-  <p:cSld>
-    <p:spTree>
-      <p:nvGrpSpPr>
-        <p:cNvPr id="1" name=""/>
-        <p:cNvGrpSpPr/>
-        <p:nvPr/>
-      </p:nvGrpSpPr>
-      <p:grpSpPr>
-        <a:xfrm>
-          <a:off x="0" y="0"/>
-          <a:ext cx="0" cy="0"/>
-          <a:chOff x="0" y="0"/>
-          <a:chExt cx="0" cy="0"/>
-        </a:xfrm>
-      </p:grpSpPr>
-      <p:sp>
-        <p:nvSpPr>
-          <p:cNvPr id="2" name="Title 1"/>
-          <p:cNvSpPr>
-            <a:spLocks noGrp="1"/>
-          </p:cNvSpPr>
-          <p:nvPr>
-            <p:ph type="title"/>
-          </p:nvPr>
-        </p:nvSpPr>
-        <p:spPr>
-          <a:xfrm>
-            <a:off x="1147858" y="790303"/>
-            <a:ext cx="9525020" cy="2916704"/>
-          </a:xfrm>
-        </p:spPr>
-        <p:txBody>
-          <a:bodyPr/>
-          <a:lstStyle/>
-          <a:p>
-            <a:r>
-              <a:rPr lang="en-US" dirty="0" smtClean="0"/>
-              <a:t>Thank you </a:t>
-            </a:r>
-            <a:endParaRPr lang="en-US" dirty="0"/>
-          </a:p>
-        </p:txBody>
-      </p:sp>
-    </p:spTree>
-    <p:extLst>
-      <p:ext uri="{BB962C8B-B14F-4D97-AF65-F5344CB8AC3E}">
-        <p14:creationId xmlns:p14="http://schemas.microsoft.com/office/powerpoint/2010/main" val="2039387161"/>
-      </p:ext>
-    </p:extLst>
-  </p:cSld>
-  <p:clrMapOvr>
-    <a:masterClrMapping/>
-  </p:clrMapOvr>
-  <mc:AlternateContent xmlns:mc="http://schemas.openxmlformats.org/markup-compatibility/2006" xmlns:p15="http://schemas.microsoft.com/office/powerpoint/2012/main">
-    <mc:Choice Requires="p15">
-      <p:transition xmlns:p14="http://schemas.microsoft.com/office/powerpoint/2010/main" spd="slow" p14:dur="2000">
-        <p15:prstTrans prst="crush"/>
-      </p:transition>
-    </mc:Choice>
-    <mc:Fallback xmlns="">
-      <p:transition spd="slow">
-        <p:fade/>
-      </p:transition>
-    </mc:Fallback>
-  </mc:AlternateContent>
-  <p:timing>
-    <p:tnLst>
-      <p:par>
-        <p:cTn id="1" dur="indefinite" restart="never" nodeType="tmRoot"/>
-      </p:par>
-    </p:tnLst>
-  </p:timing>
-</p:sld>
-</file>
-
-<file path=ppt/slides/slide19.xml><?xml version="1.0" encoding="utf-8"?>
-<p:sld xmlns:a="http://schemas.openxmlformats.org/drawingml/2006/main" xmlns:r="http://schemas.openxmlformats.org/officeDocument/2006/relationships" xmlns:p="http://schemas.openxmlformats.org/presentationml/2006/main">
-  <p:cSld>
-    <p:spTree>
-      <p:nvGrpSpPr>
-        <p:cNvPr id="1" name=""/>
-        <p:cNvGrpSpPr/>
-        <p:nvPr/>
-      </p:nvGrpSpPr>
-      <p:grpSpPr>
-        <a:xfrm>
-          <a:off x="0" y="0"/>
-          <a:ext cx="0" cy="0"/>
-          <a:chOff x="0" y="0"/>
-          <a:chExt cx="0" cy="0"/>
-        </a:xfrm>
-      </p:grpSpPr>
-      <p:sp>
-        <p:nvSpPr>
-          <p:cNvPr id="3" name="Text Placeholder 2"/>
-          <p:cNvSpPr>
-            <a:spLocks noGrp="1"/>
-          </p:cNvSpPr>
-          <p:nvPr>
-            <p:ph type="body" idx="1"/>
-          </p:nvPr>
-        </p:nvSpPr>
-        <p:spPr>
-          <a:xfrm>
-            <a:off x="685801" y="4728753"/>
-            <a:ext cx="10394707" cy="653127"/>
-          </a:xfrm>
-        </p:spPr>
-        <p:txBody>
-          <a:bodyPr>
-            <a:normAutofit/>
-          </a:bodyPr>
-          <a:lstStyle/>
-          <a:p>
-            <a:pPr algn="ctr"/>
-            <a:r>
-              <a:rPr lang="en-US" sz="2400" b="1" dirty="0" smtClean="0">
-                <a:solidFill>
-                  <a:schemeClr val="tx1"/>
-                </a:solidFill>
-                <a:latin typeface="Times New Roman" panose="02020603050405020304" pitchFamily="18" charset="0"/>
-                <a:cs typeface="Times New Roman" panose="02020603050405020304" pitchFamily="18" charset="0"/>
-              </a:rPr>
-              <a:t>Quick demo of the project</a:t>
-            </a:r>
-            <a:endParaRPr lang="en-US" sz="2400" b="1" dirty="0">
-              <a:solidFill>
-                <a:schemeClr val="tx1"/>
-              </a:solidFill>
-              <a:latin typeface="Times New Roman" panose="02020603050405020304" pitchFamily="18" charset="0"/>
-              <a:cs typeface="Times New Roman" panose="02020603050405020304" pitchFamily="18" charset="0"/>
-            </a:endParaRPr>
-          </a:p>
-        </p:txBody>
-      </p:sp>
-      <p:pic>
-        <p:nvPicPr>
-          <p:cNvPr id="1026" name="Picture 2" descr="Image result for demo"/>
-          <p:cNvPicPr>
-            <a:picLocks noChangeAspect="1" noChangeArrowheads="1"/>
-          </p:cNvPicPr>
-          <p:nvPr/>
-        </p:nvPicPr>
-        <p:blipFill>
-          <a:blip r:embed="rId2">
-            <a:extLst>
-              <a:ext uri="{28A0092B-C50C-407E-A947-70E740481C1C}">
-                <a14:useLocalDpi xmlns:a14="http://schemas.microsoft.com/office/drawing/2010/main" val="0"/>
-              </a:ext>
-            </a:extLst>
-          </a:blip>
-          <a:srcRect/>
-          <a:stretch>
-            <a:fillRect/>
-          </a:stretch>
-        </p:blipFill>
-        <p:spPr bwMode="auto">
-          <a:xfrm>
-            <a:off x="4263904" y="1218414"/>
-            <a:ext cx="3238500" cy="3333750"/>
-          </a:xfrm>
-          <a:prstGeom prst="rect">
-            <a:avLst/>
-          </a:prstGeom>
-          <a:noFill/>
-          <a:extLst>
-            <a:ext uri="{909E8E84-426E-40DD-AFC4-6F175D3DCCD1}">
-              <a14:hiddenFill xmlns:a14="http://schemas.microsoft.com/office/drawing/2010/main">
-                <a:solidFill>
-                  <a:srgbClr val="FFFFFF"/>
-                </a:solidFill>
-              </a14:hiddenFill>
-            </a:ext>
-          </a:extLst>
-        </p:spPr>
-      </p:pic>
-    </p:spTree>
-    <p:extLst>
-      <p:ext uri="{BB962C8B-B14F-4D97-AF65-F5344CB8AC3E}">
-        <p14:creationId xmlns:p14="http://schemas.microsoft.com/office/powerpoint/2010/main" val="3891777702"/>
-      </p:ext>
-    </p:extLst>
-  </p:cSld>
-  <p:clrMapOvr>
-    <a:masterClrMapping/>
-  </p:clrMapOvr>
-  <mc:AlternateContent xmlns:mc="http://schemas.openxmlformats.org/markup-compatibility/2006" xmlns:p15="http://schemas.microsoft.com/office/powerpoint/2012/main">
-    <mc:Choice Requires="p15">
-      <p:transition xmlns:p14="http://schemas.microsoft.com/office/powerpoint/2010/main" spd="slow" p14:dur="2000">
-        <p15:prstTrans prst="crush"/>
-      </p:transition>
-    </mc:Choice>
-    <mc:Fallback xmlns="">
-      <p:transition spd="slow">
-        <p:fade/>
-      </p:transition>
-    </mc:Fallback>
-  </mc:AlternateContent>
-  <p:timing>
-    <p:tnLst>
-      <p:par>
-        <p:cTn id="1" dur="indefinite" restart="never" nodeType="tmRoot"/>
-      </p:par>
-    </p:tnLst>
-  </p:timing>
 </p:sld>
 </file>
 
@@ -30140,6 +31303,330 @@
 </p:sld>
 </file>
 
+<file path=ppt/slides/slide20.xml><?xml version="1.0" encoding="utf-8"?>
+<p:sld xmlns:a="http://schemas.openxmlformats.org/drawingml/2006/main" xmlns:r="http://schemas.openxmlformats.org/officeDocument/2006/relationships" xmlns:p="http://schemas.openxmlformats.org/presentationml/2006/main">
+  <p:cSld>
+    <p:spTree>
+      <p:nvGrpSpPr>
+        <p:cNvPr id="1" name=""/>
+        <p:cNvGrpSpPr/>
+        <p:nvPr/>
+      </p:nvGrpSpPr>
+      <p:grpSpPr>
+        <a:xfrm>
+          <a:off x="0" y="0"/>
+          <a:ext cx="0" cy="0"/>
+          <a:chOff x="0" y="0"/>
+          <a:chExt cx="0" cy="0"/>
+        </a:xfrm>
+      </p:grpSpPr>
+      <p:sp>
+        <p:nvSpPr>
+          <p:cNvPr id="2" name="Title 1"/>
+          <p:cNvSpPr>
+            <a:spLocks noGrp="1"/>
+          </p:cNvSpPr>
+          <p:nvPr>
+            <p:ph type="title"/>
+          </p:nvPr>
+        </p:nvSpPr>
+        <p:spPr/>
+        <p:txBody>
+          <a:bodyPr/>
+          <a:lstStyle/>
+          <a:p>
+            <a:r>
+              <a:rPr lang="en-US" dirty="0">
+                <a:solidFill>
+                  <a:schemeClr val="tx1"/>
+                </a:solidFill>
+              </a:rPr>
+              <a:t>Status</a:t>
+            </a:r>
+          </a:p>
+        </p:txBody>
+      </p:sp>
+      <p:sp>
+        <p:nvSpPr>
+          <p:cNvPr id="3" name="Content Placeholder 2"/>
+          <p:cNvSpPr>
+            <a:spLocks noGrp="1"/>
+          </p:cNvSpPr>
+          <p:nvPr>
+            <p:ph sz="quarter" idx="13"/>
+          </p:nvPr>
+        </p:nvSpPr>
+        <p:spPr>
+          <a:xfrm>
+            <a:off x="685801" y="1837765"/>
+            <a:ext cx="10394707" cy="3311189"/>
+          </a:xfrm>
+        </p:spPr>
+        <p:txBody>
+          <a:bodyPr>
+            <a:normAutofit/>
+          </a:bodyPr>
+          <a:lstStyle/>
+          <a:p>
+            <a:r>
+              <a:rPr lang="en-US" sz="2200" dirty="0">
+                <a:latin typeface="Times New Roman" panose="02020603050405020304" pitchFamily="18" charset="0"/>
+                <a:cs typeface="Times New Roman" panose="02020603050405020304" pitchFamily="18" charset="0"/>
+              </a:rPr>
+              <a:t>IOS Application - Check.</a:t>
+            </a:r>
+          </a:p>
+          <a:p>
+            <a:r>
+              <a:rPr lang="en-US" sz="2200" dirty="0">
+                <a:latin typeface="Times New Roman" panose="02020603050405020304" pitchFamily="18" charset="0"/>
+                <a:cs typeface="Times New Roman" panose="02020603050405020304" pitchFamily="18" charset="0"/>
+              </a:rPr>
+              <a:t>Web Application - Check.</a:t>
+            </a:r>
+          </a:p>
+          <a:p>
+            <a:r>
+              <a:rPr lang="en-US" sz="2200" dirty="0">
+                <a:latin typeface="Times New Roman" panose="02020603050405020304" pitchFamily="18" charset="0"/>
+                <a:cs typeface="Times New Roman" panose="02020603050405020304" pitchFamily="18" charset="0"/>
+              </a:rPr>
+              <a:t>Manual Testing and bug identification - In Progress.</a:t>
+            </a:r>
+          </a:p>
+          <a:p>
+            <a:r>
+              <a:rPr lang="en-US" sz="2200" dirty="0">
+                <a:latin typeface="Times New Roman" panose="02020603050405020304" pitchFamily="18" charset="0"/>
+                <a:cs typeface="Times New Roman" panose="02020603050405020304" pitchFamily="18" charset="0"/>
+              </a:rPr>
+              <a:t>CSS file for Web Application - In progress.</a:t>
+            </a:r>
+          </a:p>
+          <a:p>
+            <a:r>
+              <a:rPr lang="en-US" sz="2200" dirty="0">
+                <a:latin typeface="Times New Roman" panose="02020603050405020304" pitchFamily="18" charset="0"/>
+                <a:cs typeface="Times New Roman" panose="02020603050405020304" pitchFamily="18" charset="0"/>
+              </a:rPr>
+              <a:t>Documentation changes - In progress.</a:t>
+            </a:r>
+          </a:p>
+        </p:txBody>
+      </p:sp>
+    </p:spTree>
+    <p:extLst>
+      <p:ext uri="{BB962C8B-B14F-4D97-AF65-F5344CB8AC3E}">
+        <p14:creationId xmlns:p14="http://schemas.microsoft.com/office/powerpoint/2010/main" val="466284332"/>
+      </p:ext>
+    </p:extLst>
+  </p:cSld>
+  <p:clrMapOvr>
+    <a:masterClrMapping/>
+  </p:clrMapOvr>
+  <mc:AlternateContent xmlns:mc="http://schemas.openxmlformats.org/markup-compatibility/2006" xmlns:p15="http://schemas.microsoft.com/office/powerpoint/2012/main">
+    <mc:Choice Requires="p15">
+      <p:transition xmlns:p14="http://schemas.microsoft.com/office/powerpoint/2010/main" spd="slow" p14:dur="2000">
+        <p15:prstTrans prst="crush"/>
+      </p:transition>
+    </mc:Choice>
+    <mc:Fallback xmlns="">
+      <p:transition spd="slow">
+        <p:fade/>
+      </p:transition>
+    </mc:Fallback>
+  </mc:AlternateContent>
+</p:sld>
+</file>
+
+<file path=ppt/slides/slide21.xml><?xml version="1.0" encoding="utf-8"?>
+<p:sld xmlns:a="http://schemas.openxmlformats.org/drawingml/2006/main" xmlns:r="http://schemas.openxmlformats.org/officeDocument/2006/relationships" xmlns:p="http://schemas.openxmlformats.org/presentationml/2006/main">
+  <p:cSld>
+    <p:spTree>
+      <p:nvGrpSpPr>
+        <p:cNvPr id="1" name=""/>
+        <p:cNvGrpSpPr/>
+        <p:nvPr/>
+      </p:nvGrpSpPr>
+      <p:grpSpPr>
+        <a:xfrm>
+          <a:off x="0" y="0"/>
+          <a:ext cx="0" cy="0"/>
+          <a:chOff x="0" y="0"/>
+          <a:chExt cx="0" cy="0"/>
+        </a:xfrm>
+      </p:grpSpPr>
+      <p:sp>
+        <p:nvSpPr>
+          <p:cNvPr id="2" name="Title 1"/>
+          <p:cNvSpPr>
+            <a:spLocks noGrp="1"/>
+          </p:cNvSpPr>
+          <p:nvPr>
+            <p:ph type="title"/>
+          </p:nvPr>
+        </p:nvSpPr>
+        <p:spPr>
+          <a:xfrm>
+            <a:off x="1147858" y="790303"/>
+            <a:ext cx="9525020" cy="2916704"/>
+          </a:xfrm>
+        </p:spPr>
+        <p:txBody>
+          <a:bodyPr/>
+          <a:lstStyle/>
+          <a:p>
+            <a:r>
+              <a:rPr lang="en-US" dirty="0"/>
+              <a:t>Thank you </a:t>
+            </a:r>
+          </a:p>
+        </p:txBody>
+      </p:sp>
+    </p:spTree>
+    <p:extLst>
+      <p:ext uri="{BB962C8B-B14F-4D97-AF65-F5344CB8AC3E}">
+        <p14:creationId xmlns:p14="http://schemas.microsoft.com/office/powerpoint/2010/main" val="2039387161"/>
+      </p:ext>
+    </p:extLst>
+  </p:cSld>
+  <p:clrMapOvr>
+    <a:masterClrMapping/>
+  </p:clrMapOvr>
+  <mc:AlternateContent xmlns:mc="http://schemas.openxmlformats.org/markup-compatibility/2006" xmlns:p15="http://schemas.microsoft.com/office/powerpoint/2012/main">
+    <mc:Choice Requires="p15">
+      <p:transition xmlns:p14="http://schemas.microsoft.com/office/powerpoint/2010/main" spd="slow" p14:dur="2000">
+        <p15:prstTrans prst="crush"/>
+      </p:transition>
+    </mc:Choice>
+    <mc:Fallback xmlns="">
+      <p:transition spd="slow">
+        <p:fade/>
+      </p:transition>
+    </mc:Fallback>
+  </mc:AlternateContent>
+</p:sld>
+</file>
+
+<file path=ppt/slides/slide22.xml><?xml version="1.0" encoding="utf-8"?>
+<p:sld xmlns:a="http://schemas.openxmlformats.org/drawingml/2006/main" xmlns:r="http://schemas.openxmlformats.org/officeDocument/2006/relationships" xmlns:p="http://schemas.openxmlformats.org/presentationml/2006/main">
+  <p:cSld>
+    <p:spTree>
+      <p:nvGrpSpPr>
+        <p:cNvPr id="1" name=""/>
+        <p:cNvGrpSpPr/>
+        <p:nvPr/>
+      </p:nvGrpSpPr>
+      <p:grpSpPr>
+        <a:xfrm>
+          <a:off x="0" y="0"/>
+          <a:ext cx="0" cy="0"/>
+          <a:chOff x="0" y="0"/>
+          <a:chExt cx="0" cy="0"/>
+        </a:xfrm>
+      </p:grpSpPr>
+      <p:sp>
+        <p:nvSpPr>
+          <p:cNvPr id="3" name="Text Placeholder 2"/>
+          <p:cNvSpPr>
+            <a:spLocks noGrp="1"/>
+          </p:cNvSpPr>
+          <p:nvPr>
+            <p:ph type="body" idx="1"/>
+          </p:nvPr>
+        </p:nvSpPr>
+        <p:spPr>
+          <a:xfrm>
+            <a:off x="685801" y="4728753"/>
+            <a:ext cx="10394707" cy="653127"/>
+          </a:xfrm>
+        </p:spPr>
+        <p:txBody>
+          <a:bodyPr>
+            <a:normAutofit/>
+          </a:bodyPr>
+          <a:lstStyle/>
+          <a:p>
+            <a:pPr algn="ctr"/>
+            <a:r>
+              <a:rPr lang="en-US" sz="2400" b="1" dirty="0">
+                <a:solidFill>
+                  <a:schemeClr val="tx1"/>
+                </a:solidFill>
+                <a:latin typeface="Times New Roman" panose="02020603050405020304" pitchFamily="18" charset="0"/>
+                <a:cs typeface="Times New Roman" panose="02020603050405020304" pitchFamily="18" charset="0"/>
+              </a:rPr>
+              <a:t>Quick demo of the project</a:t>
+            </a:r>
+          </a:p>
+        </p:txBody>
+      </p:sp>
+      <p:pic>
+        <p:nvPicPr>
+          <p:cNvPr id="1026" name="Picture 2" descr="Image result for demo"/>
+          <p:cNvPicPr>
+            <a:picLocks noChangeAspect="1" noChangeArrowheads="1"/>
+          </p:cNvPicPr>
+          <p:nvPr/>
+        </p:nvPicPr>
+        <p:blipFill>
+          <a:blip r:embed="rId2">
+            <a:extLst>
+              <a:ext uri="{28A0092B-C50C-407E-A947-70E740481C1C}">
+                <a14:useLocalDpi xmlns:a14="http://schemas.microsoft.com/office/drawing/2010/main" val="0"/>
+              </a:ext>
+            </a:extLst>
+          </a:blip>
+          <a:srcRect/>
+          <a:stretch>
+            <a:fillRect/>
+          </a:stretch>
+        </p:blipFill>
+        <p:spPr bwMode="auto">
+          <a:xfrm>
+            <a:off x="4263904" y="1218414"/>
+            <a:ext cx="3238500" cy="3333750"/>
+          </a:xfrm>
+          <a:prstGeom prst="rect">
+            <a:avLst/>
+          </a:prstGeom>
+          <a:noFill/>
+          <a:extLst>
+            <a:ext uri="{909E8E84-426E-40DD-AFC4-6F175D3DCCD1}">
+              <a14:hiddenFill xmlns:a14="http://schemas.microsoft.com/office/drawing/2010/main">
+                <a:solidFill>
+                  <a:srgbClr val="FFFFFF"/>
+                </a:solidFill>
+              </a14:hiddenFill>
+            </a:ext>
+          </a:extLst>
+        </p:spPr>
+      </p:pic>
+    </p:spTree>
+    <p:extLst>
+      <p:ext uri="{BB962C8B-B14F-4D97-AF65-F5344CB8AC3E}">
+        <p14:creationId xmlns:p14="http://schemas.microsoft.com/office/powerpoint/2010/main" val="3891777702"/>
+      </p:ext>
+    </p:extLst>
+  </p:cSld>
+  <p:clrMapOvr>
+    <a:masterClrMapping/>
+  </p:clrMapOvr>
+  <mc:AlternateContent xmlns:mc="http://schemas.openxmlformats.org/markup-compatibility/2006" xmlns:p15="http://schemas.microsoft.com/office/powerpoint/2012/main">
+    <mc:Choice Requires="p15">
+      <p:transition xmlns:p14="http://schemas.microsoft.com/office/powerpoint/2010/main" spd="slow" p14:dur="2000">
+        <p15:prstTrans prst="crush"/>
+      </p:transition>
+    </mc:Choice>
+    <mc:Fallback xmlns="">
+      <p:transition spd="slow">
+        <p:fade/>
+      </p:transition>
+    </mc:Fallback>
+  </mc:AlternateContent>
+</p:sld>
+</file>
+
 <file path=ppt/slides/slide3.xml><?xml version="1.0" encoding="utf-8"?>
 <p:sld xmlns:a="http://schemas.openxmlformats.org/drawingml/2006/main" xmlns:r="http://schemas.openxmlformats.org/officeDocument/2006/relationships" xmlns:p="http://schemas.openxmlformats.org/presentationml/2006/main">
   <p:cSld>
@@ -30270,13 +31757,6 @@
       </p:transition>
     </mc:Fallback>
   </mc:AlternateContent>
-  <p:timing>
-    <p:tnLst>
-      <p:par>
-        <p:cTn id="1" dur="indefinite" restart="never" nodeType="tmRoot"/>
-      </p:par>
-    </p:tnLst>
-  </p:timing>
 </p:sld>
 </file>
 
@@ -30550,13 +32030,6 @@
       </p:transition>
     </mc:Fallback>
   </mc:AlternateContent>
-  <p:timing>
-    <p:tnLst>
-      <p:par>
-        <p:cTn id="1" dur="indefinite" restart="never" nodeType="tmRoot"/>
-      </p:par>
-    </p:tnLst>
-  </p:timing>
 </p:sld>
 </file>
 
@@ -30593,18 +32066,13 @@
           <a:lstStyle/>
           <a:p>
             <a:r>
-              <a:rPr lang="en-US" dirty="0" smtClean="0">
+              <a:rPr lang="en-US" dirty="0">
                 <a:solidFill>
                   <a:schemeClr val="tx1"/>
                 </a:solidFill>
               </a:rPr>
               <a:t>Requirements</a:t>
             </a:r>
-            <a:endParaRPr lang="en-US" dirty="0">
-              <a:solidFill>
-                <a:schemeClr val="tx1"/>
-              </a:solidFill>
-            </a:endParaRPr>
           </a:p>
         </p:txBody>
       </p:sp>
@@ -31133,13 +32601,6 @@
       </p:transition>
     </mc:Fallback>
   </mc:AlternateContent>
-  <p:timing>
-    <p:tnLst>
-      <p:par>
-        <p:cTn id="1" dur="indefinite" restart="never" nodeType="tmRoot"/>
-      </p:par>
-    </p:tnLst>
-  </p:timing>
 </p:sld>
 </file>
 
@@ -31176,7 +32637,7 @@
           <a:lstStyle/>
           <a:p>
             <a:r>
-              <a:rPr lang="en-US" dirty="0" smtClean="0">
+              <a:rPr lang="en-US" dirty="0">
                 <a:solidFill>
                   <a:schemeClr val="tx1"/>
                 </a:solidFill>
@@ -31714,13 +33175,6 @@
       </p:transition>
     </mc:Fallback>
   </mc:AlternateContent>
-  <p:timing>
-    <p:tnLst>
-      <p:par>
-        <p:cTn id="1" dur="indefinite" restart="never" nodeType="tmRoot"/>
-      </p:par>
-    </p:tnLst>
-  </p:timing>
 </p:sld>
 </file>
 
@@ -31968,13 +33422,6 @@
       </p:transition>
     </mc:Fallback>
   </mc:AlternateContent>
-  <p:timing>
-    <p:tnLst>
-      <p:par>
-        <p:cTn id="1" dur="indefinite" restart="never" nodeType="tmRoot"/>
-      </p:par>
-    </p:tnLst>
-  </p:timing>
 </p:sld>
 </file>
 
@@ -32007,7 +33454,7 @@
         </p:nvSpPr>
         <p:spPr>
           <a:xfrm>
-            <a:off x="224793" y="58193"/>
+            <a:off x="85766" y="-75145"/>
             <a:ext cx="10396882" cy="1151965"/>
           </a:xfrm>
         </p:spPr>
@@ -32021,7 +33468,7 @@
                   <a:schemeClr val="tx1"/>
                 </a:solidFill>
               </a:rPr>
-              <a:t>Data flow</a:t>
+              <a:t>Data flow (QR Generation)</a:t>
             </a:r>
           </a:p>
         </p:txBody>
@@ -32034,7 +33481,7 @@
         </p:nvCxnSpPr>
         <p:spPr>
           <a:xfrm flipH="1">
-            <a:off x="7180203" y="1936361"/>
+            <a:off x="7189070" y="2060648"/>
             <a:ext cx="1730003" cy="2"/>
           </a:xfrm>
           <a:prstGeom prst="line">
@@ -32070,7 +33517,7 @@
         </p:nvCxnSpPr>
         <p:spPr>
           <a:xfrm>
-            <a:off x="3248326" y="1936361"/>
+            <a:off x="3257193" y="2060648"/>
             <a:ext cx="1828780" cy="0"/>
           </a:xfrm>
           <a:prstGeom prst="line">
@@ -32106,7 +33553,7 @@
         </p:nvSpPr>
         <p:spPr>
           <a:xfrm>
-            <a:off x="224793" y="1243411"/>
+            <a:off x="233660" y="1367698"/>
             <a:ext cx="2951384" cy="1188707"/>
           </a:xfrm>
           <a:prstGeom prst="rect">
@@ -32136,8 +33583,37 @@
           <a:bodyPr rtlCol="0" anchor="ctr"/>
           <a:lstStyle/>
           <a:p>
-            <a:pPr algn="ctr"/>
-            <a:endParaRPr lang="en-US" dirty="0"/>
+            <a:pPr marL="0" marR="0" lvl="0" indent="0" algn="ctr" defTabSz="457200" rtl="0" eaLnBrk="1" fontAlgn="auto" latinLnBrk="0" hangingPunct="1">
+              <a:lnSpc>
+                <a:spcPct val="100000"/>
+              </a:lnSpc>
+              <a:spcBef>
+                <a:spcPts val="0"/>
+              </a:spcBef>
+              <a:spcAft>
+                <a:spcPts val="0"/>
+              </a:spcAft>
+              <a:buClrTx/>
+              <a:buSzTx/>
+              <a:buFontTx/>
+              <a:buNone/>
+              <a:tabLst/>
+              <a:defRPr/>
+            </a:pPr>
+            <a:endParaRPr kumimoji="0" lang="en-US" sz="1800" b="0" i="0" u="none" strike="noStrike" kern="1200" cap="none" spc="0" normalizeH="0" baseline="0" noProof="0" dirty="0">
+              <a:ln>
+                <a:noFill/>
+              </a:ln>
+              <a:solidFill>
+                <a:prstClr val="black"/>
+              </a:solidFill>
+              <a:effectLst/>
+              <a:uLnTx/>
+              <a:uFillTx/>
+              <a:latin typeface="Impact" panose="020B0806030902050204"/>
+              <a:ea typeface="+mn-ea"/>
+              <a:cs typeface="+mn-cs"/>
+            </a:endParaRPr>
           </a:p>
         </p:txBody>
       </p:sp>
@@ -32149,7 +33625,7 @@
         </p:nvSpPr>
         <p:spPr>
           <a:xfrm>
-            <a:off x="584410" y="1314544"/>
+            <a:off x="593277" y="1438831"/>
             <a:ext cx="2232150" cy="707886"/>
           </a:xfrm>
           <a:prstGeom prst="rect">
@@ -32163,12 +33639,28 @@
           </a:bodyPr>
           <a:lstStyle/>
           <a:p>
-            <a:pPr algn="ctr"/>
+            <a:pPr marL="0" marR="0" lvl="0" indent="0" algn="ctr" defTabSz="457200" rtl="0" eaLnBrk="1" fontAlgn="auto" latinLnBrk="0" hangingPunct="1">
+              <a:lnSpc>
+                <a:spcPct val="100000"/>
+              </a:lnSpc>
+              <a:spcBef>
+                <a:spcPts val="0"/>
+              </a:spcBef>
+              <a:spcAft>
+                <a:spcPts val="0"/>
+              </a:spcAft>
+              <a:buClrTx/>
+              <a:buSzTx/>
+              <a:buFontTx/>
+              <a:buNone/>
+              <a:tabLst/>
+              <a:defRPr/>
+            </a:pPr>
             <a:r>
-              <a:rPr lang="en-US" sz="4000" cap="none" spc="0" dirty="0">
+              <a:rPr kumimoji="0" lang="en-US" sz="4000" b="0" i="0" u="none" strike="noStrike" kern="1200" cap="none" spc="0" normalizeH="0" baseline="0" noProof="0" dirty="0">
                 <a:ln w="0"/>
                 <a:solidFill>
-                  <a:schemeClr val="accent6"/>
+                  <a:srgbClr val="62A39F"/>
                 </a:solidFill>
                 <a:effectLst>
                   <a:outerShdw blurRad="38100" dist="25400" dir="5400000" algn="ctr" rotWithShape="0">
@@ -32177,6 +33669,11 @@
                     </a:srgbClr>
                   </a:outerShdw>
                 </a:effectLst>
+                <a:uLnTx/>
+                <a:uFillTx/>
+                <a:latin typeface="Impact" panose="020B0806030902050204"/>
+                <a:ea typeface="+mn-ea"/>
+                <a:cs typeface="+mn-cs"/>
               </a:rPr>
               <a:t>Instructor</a:t>
             </a:r>
@@ -32191,7 +33688,7 @@
         </p:nvSpPr>
         <p:spPr>
           <a:xfrm>
-            <a:off x="5057865" y="839093"/>
+            <a:off x="5066732" y="963380"/>
             <a:ext cx="2103097" cy="2194536"/>
           </a:xfrm>
           <a:prstGeom prst="flowChartMagneticDisk">
@@ -32216,12 +33713,28 @@
           <a:bodyPr rtlCol="0" anchor="ctr"/>
           <a:lstStyle/>
           <a:p>
-            <a:pPr algn="ctr"/>
+            <a:pPr marL="0" marR="0" lvl="0" indent="0" algn="ctr" defTabSz="457200" rtl="0" eaLnBrk="1" fontAlgn="auto" latinLnBrk="0" hangingPunct="1">
+              <a:lnSpc>
+                <a:spcPct val="100000"/>
+              </a:lnSpc>
+              <a:spcBef>
+                <a:spcPts val="0"/>
+              </a:spcBef>
+              <a:spcAft>
+                <a:spcPts val="0"/>
+              </a:spcAft>
+              <a:buClrTx/>
+              <a:buSzTx/>
+              <a:buFontTx/>
+              <a:buNone/>
+              <a:tabLst/>
+              <a:defRPr/>
+            </a:pPr>
             <a:r>
-              <a:rPr lang="en-US" sz="3900" dirty="0">
+              <a:rPr kumimoji="0" lang="en-US" sz="3900" b="0" i="0" u="none" strike="noStrike" kern="1200" cap="none" spc="0" normalizeH="0" baseline="0" noProof="0" dirty="0">
                 <a:ln w="0"/>
                 <a:solidFill>
-                  <a:schemeClr val="accent6"/>
+                  <a:srgbClr val="62A39F"/>
                 </a:solidFill>
                 <a:effectLst>
                   <a:outerShdw blurRad="38100" dist="25400" dir="5400000" algn="ctr" rotWithShape="0">
@@ -32230,6 +33743,11 @@
                     </a:srgbClr>
                   </a:outerShdw>
                 </a:effectLst>
+                <a:uLnTx/>
+                <a:uFillTx/>
+                <a:latin typeface="Impact" panose="020B0806030902050204"/>
+                <a:ea typeface="+mn-ea"/>
+                <a:cs typeface="+mn-cs"/>
               </a:rPr>
               <a:t>Database</a:t>
             </a:r>
@@ -32244,7 +33762,7 @@
         </p:nvSpPr>
         <p:spPr>
           <a:xfrm>
-            <a:off x="3421419" y="1299155"/>
+            <a:off x="3430286" y="1423442"/>
             <a:ext cx="1480149" cy="369332"/>
           </a:xfrm>
           <a:prstGeom prst="rect">
@@ -32258,8 +33776,38 @@
           </a:bodyPr>
           <a:lstStyle/>
           <a:p>
+            <a:pPr marL="0" marR="0" lvl="0" indent="0" algn="l" defTabSz="457200" rtl="0" eaLnBrk="1" fontAlgn="auto" latinLnBrk="0" hangingPunct="1">
+              <a:lnSpc>
+                <a:spcPct val="100000"/>
+              </a:lnSpc>
+              <a:spcBef>
+                <a:spcPts val="0"/>
+              </a:spcBef>
+              <a:spcAft>
+                <a:spcPts val="0"/>
+              </a:spcAft>
+              <a:buClrTx/>
+              <a:buSzTx/>
+              <a:buFontTx/>
+              <a:buNone/>
+              <a:tabLst/>
+              <a:defRPr/>
+            </a:pPr>
             <a:r>
-              <a:rPr lang="en-US" dirty="0"/>
+              <a:rPr kumimoji="0" lang="en-US" sz="1800" b="0" i="0" u="none" strike="noStrike" kern="1200" cap="none" spc="0" normalizeH="0" baseline="0" noProof="0" dirty="0">
+                <a:ln>
+                  <a:noFill/>
+                </a:ln>
+                <a:solidFill>
+                  <a:prstClr val="black"/>
+                </a:solidFill>
+                <a:effectLst/>
+                <a:uLnTx/>
+                <a:uFillTx/>
+                <a:latin typeface="Impact" panose="020B0806030902050204"/>
+                <a:ea typeface="+mn-ea"/>
+                <a:cs typeface="+mn-cs"/>
+              </a:rPr>
               <a:t>Generates QR</a:t>
             </a:r>
           </a:p>
@@ -32273,7 +33821,7 @@
         </p:nvSpPr>
         <p:spPr>
           <a:xfrm>
-            <a:off x="3421419" y="2191707"/>
+            <a:off x="3430286" y="2315994"/>
             <a:ext cx="1349600" cy="369332"/>
           </a:xfrm>
           <a:prstGeom prst="rect">
@@ -32287,8 +33835,38 @@
           </a:bodyPr>
           <a:lstStyle/>
           <a:p>
+            <a:pPr marL="0" marR="0" lvl="0" indent="0" algn="l" defTabSz="457200" rtl="0" eaLnBrk="1" fontAlgn="auto" latinLnBrk="0" hangingPunct="1">
+              <a:lnSpc>
+                <a:spcPct val="100000"/>
+              </a:lnSpc>
+              <a:spcBef>
+                <a:spcPts val="0"/>
+              </a:spcBef>
+              <a:spcAft>
+                <a:spcPts val="0"/>
+              </a:spcAft>
+              <a:buClrTx/>
+              <a:buSzTx/>
+              <a:buFontTx/>
+              <a:buNone/>
+              <a:tabLst/>
+              <a:defRPr/>
+            </a:pPr>
             <a:r>
-              <a:rPr lang="en-US" dirty="0"/>
+              <a:rPr kumimoji="0" lang="en-US" sz="1800" b="0" i="0" u="none" strike="noStrike" kern="1200" cap="none" spc="0" normalizeH="0" baseline="0" noProof="0" dirty="0">
+                <a:ln>
+                  <a:noFill/>
+                </a:ln>
+                <a:solidFill>
+                  <a:prstClr val="black"/>
+                </a:solidFill>
+                <a:effectLst/>
+                <a:uLnTx/>
+                <a:uFillTx/>
+                <a:latin typeface="Impact" panose="020B0806030902050204"/>
+                <a:ea typeface="+mn-ea"/>
+                <a:cs typeface="+mn-cs"/>
+              </a:rPr>
               <a:t>Stored in DB</a:t>
             </a:r>
           </a:p>
@@ -32302,7 +33880,7 @@
         </p:nvSpPr>
         <p:spPr>
           <a:xfrm>
-            <a:off x="834543" y="1908897"/>
+            <a:off x="843410" y="2033184"/>
             <a:ext cx="1731884" cy="369332"/>
           </a:xfrm>
           <a:prstGeom prst="rect">
@@ -32316,8 +33894,38 @@
           </a:bodyPr>
           <a:lstStyle/>
           <a:p>
+            <a:pPr marL="0" marR="0" lvl="0" indent="0" algn="l" defTabSz="457200" rtl="0" eaLnBrk="1" fontAlgn="auto" latinLnBrk="0" hangingPunct="1">
+              <a:lnSpc>
+                <a:spcPct val="100000"/>
+              </a:lnSpc>
+              <a:spcBef>
+                <a:spcPts val="0"/>
+              </a:spcBef>
+              <a:spcAft>
+                <a:spcPts val="0"/>
+              </a:spcAft>
+              <a:buClrTx/>
+              <a:buSzTx/>
+              <a:buFontTx/>
+              <a:buNone/>
+              <a:tabLst/>
+              <a:defRPr/>
+            </a:pPr>
             <a:r>
-              <a:rPr lang="en-US" dirty="0"/>
+              <a:rPr kumimoji="0" lang="en-US" sz="1800" b="0" i="0" u="none" strike="noStrike" kern="1200" cap="none" spc="0" normalizeH="0" baseline="0" noProof="0" dirty="0">
+                <a:ln>
+                  <a:noFill/>
+                </a:ln>
+                <a:solidFill>
+                  <a:prstClr val="black"/>
+                </a:solidFill>
+                <a:effectLst/>
+                <a:uLnTx/>
+                <a:uFillTx/>
+                <a:latin typeface="Impact" panose="020B0806030902050204"/>
+                <a:ea typeface="+mn-ea"/>
+                <a:cs typeface="+mn-cs"/>
+              </a:rPr>
               <a:t>Web Application</a:t>
             </a:r>
           </a:p>
@@ -32331,8 +33939,8 @@
         </p:nvSpPr>
         <p:spPr>
           <a:xfrm>
-            <a:off x="8965385" y="1417200"/>
-            <a:ext cx="2951384" cy="1188707"/>
+            <a:off x="8974252" y="1541487"/>
+            <a:ext cx="2642204" cy="1188707"/>
           </a:xfrm>
           <a:prstGeom prst="rect">
             <a:avLst/>
@@ -32361,8 +33969,37 @@
           <a:bodyPr rtlCol="0" anchor="ctr"/>
           <a:lstStyle/>
           <a:p>
-            <a:pPr algn="ctr"/>
-            <a:endParaRPr lang="en-US" dirty="0"/>
+            <a:pPr marL="0" marR="0" lvl="0" indent="0" algn="ctr" defTabSz="457200" rtl="0" eaLnBrk="1" fontAlgn="auto" latinLnBrk="0" hangingPunct="1">
+              <a:lnSpc>
+                <a:spcPct val="100000"/>
+              </a:lnSpc>
+              <a:spcBef>
+                <a:spcPts val="0"/>
+              </a:spcBef>
+              <a:spcAft>
+                <a:spcPts val="0"/>
+              </a:spcAft>
+              <a:buClrTx/>
+              <a:buSzTx/>
+              <a:buFontTx/>
+              <a:buNone/>
+              <a:tabLst/>
+              <a:defRPr/>
+            </a:pPr>
+            <a:endParaRPr kumimoji="0" lang="en-US" sz="1800" b="0" i="0" u="none" strike="noStrike" kern="1200" cap="none" spc="0" normalizeH="0" baseline="0" noProof="0" dirty="0">
+              <a:ln>
+                <a:noFill/>
+              </a:ln>
+              <a:solidFill>
+                <a:prstClr val="black"/>
+              </a:solidFill>
+              <a:effectLst/>
+              <a:uLnTx/>
+              <a:uFillTx/>
+              <a:latin typeface="Impact" panose="020B0806030902050204"/>
+              <a:ea typeface="+mn-ea"/>
+              <a:cs typeface="+mn-cs"/>
+            </a:endParaRPr>
           </a:p>
         </p:txBody>
       </p:sp>
@@ -32374,7 +34011,7 @@
         </p:nvSpPr>
         <p:spPr>
           <a:xfrm>
-            <a:off x="9530378" y="1442771"/>
+            <a:off x="9335572" y="1578052"/>
             <a:ext cx="1821397" cy="707886"/>
           </a:xfrm>
           <a:prstGeom prst="rect">
@@ -32388,12 +34025,28 @@
           </a:bodyPr>
           <a:lstStyle/>
           <a:p>
-            <a:pPr algn="ctr"/>
+            <a:pPr marL="0" marR="0" lvl="0" indent="0" algn="ctr" defTabSz="457200" rtl="0" eaLnBrk="1" fontAlgn="auto" latinLnBrk="0" hangingPunct="1">
+              <a:lnSpc>
+                <a:spcPct val="100000"/>
+              </a:lnSpc>
+              <a:spcBef>
+                <a:spcPts val="0"/>
+              </a:spcBef>
+              <a:spcAft>
+                <a:spcPts val="0"/>
+              </a:spcAft>
+              <a:buClrTx/>
+              <a:buSzTx/>
+              <a:buFontTx/>
+              <a:buNone/>
+              <a:tabLst/>
+              <a:defRPr/>
+            </a:pPr>
             <a:r>
-              <a:rPr lang="en-US" sz="4000" cap="none" spc="0" dirty="0">
+              <a:rPr kumimoji="0" lang="en-US" sz="4000" b="0" i="0" u="none" strike="noStrike" kern="1200" cap="none" spc="0" normalizeH="0" baseline="0" noProof="0" dirty="0">
                 <a:ln w="0"/>
                 <a:solidFill>
-                  <a:schemeClr val="accent6"/>
+                  <a:srgbClr val="62A39F"/>
                 </a:solidFill>
                 <a:effectLst>
                   <a:outerShdw blurRad="38100" dist="25400" dir="5400000" algn="ctr" rotWithShape="0">
@@ -32402,6 +34055,11 @@
                     </a:srgbClr>
                   </a:outerShdw>
                 </a:effectLst>
+                <a:uLnTx/>
+                <a:uFillTx/>
+                <a:latin typeface="Impact" panose="020B0806030902050204"/>
+                <a:ea typeface="+mn-ea"/>
+                <a:cs typeface="+mn-cs"/>
               </a:rPr>
               <a:t>Student</a:t>
             </a:r>
@@ -32416,7 +34074,7 @@
         </p:nvSpPr>
         <p:spPr>
           <a:xfrm>
-            <a:off x="9636625" y="2062786"/>
+            <a:off x="9490903" y="2187073"/>
             <a:ext cx="1608902" cy="369332"/>
           </a:xfrm>
           <a:prstGeom prst="rect">
@@ -32430,8 +34088,38 @@
           </a:bodyPr>
           <a:lstStyle/>
           <a:p>
+            <a:pPr marL="0" marR="0" lvl="0" indent="0" algn="l" defTabSz="457200" rtl="0" eaLnBrk="1" fontAlgn="auto" latinLnBrk="0" hangingPunct="1">
+              <a:lnSpc>
+                <a:spcPct val="100000"/>
+              </a:lnSpc>
+              <a:spcBef>
+                <a:spcPts val="0"/>
+              </a:spcBef>
+              <a:spcAft>
+                <a:spcPts val="0"/>
+              </a:spcAft>
+              <a:buClrTx/>
+              <a:buSzTx/>
+              <a:buFontTx/>
+              <a:buNone/>
+              <a:tabLst/>
+              <a:defRPr/>
+            </a:pPr>
             <a:r>
-              <a:rPr lang="en-US" dirty="0"/>
+              <a:rPr kumimoji="0" lang="en-US" sz="1800" b="0" i="0" u="none" strike="noStrike" kern="1200" cap="none" spc="0" normalizeH="0" baseline="0" noProof="0" dirty="0">
+                <a:ln>
+                  <a:noFill/>
+                </a:ln>
+                <a:solidFill>
+                  <a:prstClr val="black"/>
+                </a:solidFill>
+                <a:effectLst/>
+                <a:uLnTx/>
+                <a:uFillTx/>
+                <a:latin typeface="Impact" panose="020B0806030902050204"/>
+                <a:ea typeface="+mn-ea"/>
+                <a:cs typeface="+mn-cs"/>
+              </a:rPr>
               <a:t>iOS Application</a:t>
             </a:r>
           </a:p>
@@ -32445,7 +34133,7 @@
         </p:nvSpPr>
         <p:spPr>
           <a:xfrm>
-            <a:off x="7217589" y="2174087"/>
+            <a:off x="7226456" y="2298374"/>
             <a:ext cx="1709314" cy="369332"/>
           </a:xfrm>
           <a:prstGeom prst="rect">
@@ -32459,8 +34147,38 @@
           </a:bodyPr>
           <a:lstStyle/>
           <a:p>
+            <a:pPr marL="0" marR="0" lvl="0" indent="0" algn="l" defTabSz="457200" rtl="0" eaLnBrk="1" fontAlgn="auto" latinLnBrk="0" hangingPunct="1">
+              <a:lnSpc>
+                <a:spcPct val="100000"/>
+              </a:lnSpc>
+              <a:spcBef>
+                <a:spcPts val="0"/>
+              </a:spcBef>
+              <a:spcAft>
+                <a:spcPts val="0"/>
+              </a:spcAft>
+              <a:buClrTx/>
+              <a:buSzTx/>
+              <a:buFontTx/>
+              <a:buNone/>
+              <a:tabLst/>
+              <a:defRPr/>
+            </a:pPr>
             <a:r>
-              <a:rPr lang="en-US" dirty="0"/>
+              <a:rPr kumimoji="0" lang="en-US" sz="1800" b="0" i="0" u="none" strike="noStrike" kern="1200" cap="none" spc="0" normalizeH="0" baseline="0" noProof="0" dirty="0">
+                <a:ln>
+                  <a:noFill/>
+                </a:ln>
+                <a:solidFill>
+                  <a:prstClr val="black"/>
+                </a:solidFill>
+                <a:effectLst/>
+                <a:uLnTx/>
+                <a:uFillTx/>
+                <a:latin typeface="Impact" panose="020B0806030902050204"/>
+                <a:ea typeface="+mn-ea"/>
+                <a:cs typeface="+mn-cs"/>
+              </a:rPr>
               <a:t>Compared in DB</a:t>
             </a:r>
           </a:p>
@@ -32474,7 +34192,7 @@
         </p:nvSpPr>
         <p:spPr>
           <a:xfrm>
-            <a:off x="7596702" y="1414032"/>
+            <a:off x="7605569" y="1538319"/>
             <a:ext cx="952184" cy="369332"/>
           </a:xfrm>
           <a:prstGeom prst="rect">
@@ -32488,8 +34206,38 @@
           </a:bodyPr>
           <a:lstStyle/>
           <a:p>
+            <a:pPr marL="0" marR="0" lvl="0" indent="0" algn="l" defTabSz="457200" rtl="0" eaLnBrk="1" fontAlgn="auto" latinLnBrk="0" hangingPunct="1">
+              <a:lnSpc>
+                <a:spcPct val="100000"/>
+              </a:lnSpc>
+              <a:spcBef>
+                <a:spcPts val="0"/>
+              </a:spcBef>
+              <a:spcAft>
+                <a:spcPts val="0"/>
+              </a:spcAft>
+              <a:buClrTx/>
+              <a:buSzTx/>
+              <a:buFontTx/>
+              <a:buNone/>
+              <a:tabLst/>
+              <a:defRPr/>
+            </a:pPr>
             <a:r>
-              <a:rPr lang="en-US" dirty="0"/>
+              <a:rPr kumimoji="0" lang="en-US" sz="1800" b="0" i="0" u="none" strike="noStrike" kern="1200" cap="none" spc="0" normalizeH="0" baseline="0" noProof="0" dirty="0">
+                <a:ln>
+                  <a:noFill/>
+                </a:ln>
+                <a:solidFill>
+                  <a:prstClr val="black"/>
+                </a:solidFill>
+                <a:effectLst/>
+                <a:uLnTx/>
+                <a:uFillTx/>
+                <a:latin typeface="Impact" panose="020B0806030902050204"/>
+                <a:ea typeface="+mn-ea"/>
+                <a:cs typeface="+mn-cs"/>
+              </a:rPr>
               <a:t>Scan QR</a:t>
             </a:r>
           </a:p>
@@ -32503,7 +34251,7 @@
         </p:nvSpPr>
         <p:spPr>
           <a:xfrm>
-            <a:off x="7160962" y="3675307"/>
+            <a:off x="7169829" y="3799594"/>
             <a:ext cx="1992736" cy="1913177"/>
           </a:xfrm>
           <a:prstGeom prst="diamond">
@@ -32528,8 +34276,37 @@
           <a:bodyPr rtlCol="0" anchor="ctr"/>
           <a:lstStyle/>
           <a:p>
-            <a:pPr algn="ctr"/>
-            <a:endParaRPr lang="en-US"/>
+            <a:pPr marL="0" marR="0" lvl="0" indent="0" algn="ctr" defTabSz="457200" rtl="0" eaLnBrk="1" fontAlgn="auto" latinLnBrk="0" hangingPunct="1">
+              <a:lnSpc>
+                <a:spcPct val="100000"/>
+              </a:lnSpc>
+              <a:spcBef>
+                <a:spcPts val="0"/>
+              </a:spcBef>
+              <a:spcAft>
+                <a:spcPts val="0"/>
+              </a:spcAft>
+              <a:buClrTx/>
+              <a:buSzTx/>
+              <a:buFontTx/>
+              <a:buNone/>
+              <a:tabLst/>
+              <a:defRPr/>
+            </a:pPr>
+            <a:endParaRPr kumimoji="0" lang="en-US" sz="1800" b="0" i="0" u="none" strike="noStrike" kern="1200" cap="none" spc="0" normalizeH="0" baseline="0" noProof="0">
+              <a:ln>
+                <a:noFill/>
+              </a:ln>
+              <a:solidFill>
+                <a:prstClr val="black"/>
+              </a:solidFill>
+              <a:effectLst/>
+              <a:uLnTx/>
+              <a:uFillTx/>
+              <a:latin typeface="Impact" panose="020B0806030902050204"/>
+              <a:ea typeface="+mn-ea"/>
+              <a:cs typeface="+mn-cs"/>
+            </a:endParaRPr>
           </a:p>
         </p:txBody>
       </p:sp>
@@ -32541,7 +34318,7 @@
         </p:nvCxnSpPr>
         <p:spPr>
           <a:xfrm flipH="1" flipV="1">
-            <a:off x="6096000" y="4634660"/>
+            <a:off x="6104867" y="4758947"/>
             <a:ext cx="1064963" cy="2363"/>
           </a:xfrm>
           <a:prstGeom prst="straightConnector1">
@@ -32576,7 +34353,7 @@
         </p:nvCxnSpPr>
         <p:spPr>
           <a:xfrm flipH="1" flipV="1">
-            <a:off x="6109414" y="3033629"/>
+            <a:off x="6118281" y="3157916"/>
             <a:ext cx="22799" cy="1601031"/>
           </a:xfrm>
           <a:prstGeom prst="straightConnector1">
@@ -32609,7 +34386,7 @@
         </p:nvSpPr>
         <p:spPr>
           <a:xfrm>
-            <a:off x="7506165" y="4408687"/>
+            <a:off x="7515032" y="4532974"/>
             <a:ext cx="1425135" cy="461665"/>
           </a:xfrm>
           <a:prstGeom prst="rect">
@@ -32623,12 +34400,28 @@
           </a:bodyPr>
           <a:lstStyle/>
           <a:p>
-            <a:pPr algn="ctr"/>
+            <a:pPr marL="0" marR="0" lvl="0" indent="0" algn="ctr" defTabSz="457200" rtl="0" eaLnBrk="1" fontAlgn="auto" latinLnBrk="0" hangingPunct="1">
+              <a:lnSpc>
+                <a:spcPct val="100000"/>
+              </a:lnSpc>
+              <a:spcBef>
+                <a:spcPts val="0"/>
+              </a:spcBef>
+              <a:spcAft>
+                <a:spcPts val="0"/>
+              </a:spcAft>
+              <a:buClrTx/>
+              <a:buSzTx/>
+              <a:buFontTx/>
+              <a:buNone/>
+              <a:tabLst/>
+              <a:defRPr/>
+            </a:pPr>
             <a:r>
-              <a:rPr lang="en-US" sz="2400" dirty="0">
+              <a:rPr kumimoji="0" lang="en-US" sz="2400" b="0" i="0" u="none" strike="noStrike" kern="1200" cap="none" spc="0" normalizeH="0" baseline="0" noProof="0" dirty="0">
                 <a:ln w="0"/>
                 <a:solidFill>
-                  <a:schemeClr val="accent6"/>
+                  <a:srgbClr val="62A39F"/>
                 </a:solidFill>
                 <a:effectLst>
                   <a:outerShdw blurRad="38100" dist="25400" dir="5400000" algn="ctr" rotWithShape="0">
@@ -32637,22 +34430,14 @@
                     </a:srgbClr>
                   </a:outerShdw>
                 </a:effectLst>
+                <a:uLnTx/>
+                <a:uFillTx/>
+                <a:latin typeface="Impact" panose="020B0806030902050204"/>
+                <a:ea typeface="+mn-ea"/>
+                <a:cs typeface="+mn-cs"/>
               </a:rPr>
               <a:t>QR Match</a:t>
             </a:r>
-            <a:endParaRPr lang="en-US" sz="2400" cap="none" spc="0" dirty="0">
-              <a:ln w="0"/>
-              <a:solidFill>
-                <a:schemeClr val="accent6"/>
-              </a:solidFill>
-              <a:effectLst>
-                <a:outerShdw blurRad="38100" dist="25400" dir="5400000" algn="ctr" rotWithShape="0">
-                  <a:srgbClr val="6E747A">
-                    <a:alpha val="43000"/>
-                  </a:srgbClr>
-                </a:outerShdw>
-              </a:effectLst>
-            </a:endParaRPr>
           </a:p>
         </p:txBody>
       </p:sp>
@@ -32664,7 +34449,7 @@
         </p:nvSpPr>
         <p:spPr>
           <a:xfrm>
-            <a:off x="6463302" y="4265328"/>
+            <a:off x="6472169" y="4389615"/>
             <a:ext cx="491225" cy="369332"/>
           </a:xfrm>
           <a:prstGeom prst="rect">
@@ -32678,8 +34463,38 @@
           </a:bodyPr>
           <a:lstStyle/>
           <a:p>
+            <a:pPr marL="0" marR="0" lvl="0" indent="0" algn="l" defTabSz="457200" rtl="0" eaLnBrk="1" fontAlgn="auto" latinLnBrk="0" hangingPunct="1">
+              <a:lnSpc>
+                <a:spcPct val="100000"/>
+              </a:lnSpc>
+              <a:spcBef>
+                <a:spcPts val="0"/>
+              </a:spcBef>
+              <a:spcAft>
+                <a:spcPts val="0"/>
+              </a:spcAft>
+              <a:buClrTx/>
+              <a:buSzTx/>
+              <a:buFontTx/>
+              <a:buNone/>
+              <a:tabLst/>
+              <a:defRPr/>
+            </a:pPr>
             <a:r>
-              <a:rPr lang="en-US" dirty="0"/>
+              <a:rPr kumimoji="0" lang="en-US" sz="1800" b="0" i="0" u="none" strike="noStrike" kern="1200" cap="none" spc="0" normalizeH="0" baseline="0" noProof="0" dirty="0">
+                <a:ln>
+                  <a:noFill/>
+                </a:ln>
+                <a:solidFill>
+                  <a:prstClr val="black"/>
+                </a:solidFill>
+                <a:effectLst/>
+                <a:uLnTx/>
+                <a:uFillTx/>
+                <a:latin typeface="Impact" panose="020B0806030902050204"/>
+                <a:ea typeface="+mn-ea"/>
+                <a:cs typeface="+mn-cs"/>
+              </a:rPr>
               <a:t>yes</a:t>
             </a:r>
           </a:p>
@@ -32693,7 +34508,7 @@
         </p:nvSpPr>
         <p:spPr>
           <a:xfrm>
-            <a:off x="4385047" y="3707507"/>
+            <a:off x="4393914" y="3831794"/>
             <a:ext cx="1798320" cy="646331"/>
           </a:xfrm>
           <a:prstGeom prst="rect">
@@ -32707,8 +34522,38 @@
           </a:bodyPr>
           <a:lstStyle/>
           <a:p>
+            <a:pPr marL="0" marR="0" lvl="0" indent="0" algn="l" defTabSz="457200" rtl="0" eaLnBrk="1" fontAlgn="auto" latinLnBrk="0" hangingPunct="1">
+              <a:lnSpc>
+                <a:spcPct val="100000"/>
+              </a:lnSpc>
+              <a:spcBef>
+                <a:spcPts val="0"/>
+              </a:spcBef>
+              <a:spcAft>
+                <a:spcPts val="0"/>
+              </a:spcAft>
+              <a:buClrTx/>
+              <a:buSzTx/>
+              <a:buFontTx/>
+              <a:buNone/>
+              <a:tabLst/>
+              <a:defRPr/>
+            </a:pPr>
             <a:r>
-              <a:rPr lang="en-US" dirty="0"/>
+              <a:rPr kumimoji="0" lang="en-US" sz="1800" b="0" i="0" u="none" strike="noStrike" kern="1200" cap="none" spc="0" normalizeH="0" baseline="0" noProof="0" dirty="0">
+                <a:ln>
+                  <a:noFill/>
+                </a:ln>
+                <a:solidFill>
+                  <a:prstClr val="black"/>
+                </a:solidFill>
+                <a:effectLst/>
+                <a:uLnTx/>
+                <a:uFillTx/>
+                <a:latin typeface="Impact" panose="020B0806030902050204"/>
+                <a:ea typeface="+mn-ea"/>
+                <a:cs typeface="+mn-cs"/>
+              </a:rPr>
               <a:t>Mark Attendance as Present In DB</a:t>
             </a:r>
           </a:p>
@@ -32718,6 +34563,7 @@
         <p:nvCxnSpPr>
           <p:cNvPr id="23" name="Elbow Connector 22"/>
           <p:cNvCxnSpPr>
+            <a:cxnSpLocks/>
             <a:stCxn id="12" idx="2"/>
             <a:endCxn id="17" idx="0"/>
           </p:cNvCxnSpPr>
@@ -32725,8 +34571,8 @@
         </p:nvCxnSpPr>
         <p:spPr>
           <a:xfrm rot="5400000">
-            <a:off x="8764504" y="1998734"/>
-            <a:ext cx="1069400" cy="2283747"/>
+            <a:off x="8696076" y="2200316"/>
+            <a:ext cx="1069400" cy="2129157"/>
           </a:xfrm>
           <a:prstGeom prst="bentConnector3">
             <a:avLst/>
@@ -32760,7 +34606,7 @@
         </p:nvCxnSpPr>
         <p:spPr>
           <a:xfrm>
-            <a:off x="9153698" y="4631896"/>
+            <a:off x="9162565" y="4756183"/>
             <a:ext cx="2198077" cy="2764"/>
           </a:xfrm>
           <a:prstGeom prst="bentConnector3">
@@ -32793,7 +34639,7 @@
         </p:nvCxnSpPr>
         <p:spPr>
           <a:xfrm flipH="1" flipV="1">
-            <a:off x="11351775" y="2605907"/>
+            <a:off x="11360642" y="2730194"/>
             <a:ext cx="1" cy="2028753"/>
           </a:xfrm>
           <a:prstGeom prst="straightConnector1">
@@ -32826,7 +34672,7 @@
         </p:nvSpPr>
         <p:spPr>
           <a:xfrm>
-            <a:off x="9965228" y="4202305"/>
+            <a:off x="9974095" y="4326592"/>
             <a:ext cx="455574" cy="369332"/>
           </a:xfrm>
           <a:prstGeom prst="rect">
@@ -32840,8 +34686,38 @@
           </a:bodyPr>
           <a:lstStyle/>
           <a:p>
+            <a:pPr marL="0" marR="0" lvl="0" indent="0" algn="l" defTabSz="457200" rtl="0" eaLnBrk="1" fontAlgn="auto" latinLnBrk="0" hangingPunct="1">
+              <a:lnSpc>
+                <a:spcPct val="100000"/>
+              </a:lnSpc>
+              <a:spcBef>
+                <a:spcPts val="0"/>
+              </a:spcBef>
+              <a:spcAft>
+                <a:spcPts val="0"/>
+              </a:spcAft>
+              <a:buClrTx/>
+              <a:buSzTx/>
+              <a:buFontTx/>
+              <a:buNone/>
+              <a:tabLst/>
+              <a:defRPr/>
+            </a:pPr>
             <a:r>
-              <a:rPr lang="en-US" dirty="0"/>
+              <a:rPr kumimoji="0" lang="en-US" sz="1800" b="0" i="0" u="none" strike="noStrike" kern="1200" cap="none" spc="0" normalizeH="0" baseline="0" noProof="0" dirty="0">
+                <a:ln>
+                  <a:noFill/>
+                </a:ln>
+                <a:solidFill>
+                  <a:prstClr val="black"/>
+                </a:solidFill>
+                <a:effectLst/>
+                <a:uLnTx/>
+                <a:uFillTx/>
+                <a:latin typeface="Impact" panose="020B0806030902050204"/>
+                <a:ea typeface="+mn-ea"/>
+                <a:cs typeface="+mn-cs"/>
+              </a:rPr>
               <a:t>No</a:t>
             </a:r>
           </a:p>
@@ -32855,7 +34731,7 @@
         </p:nvSpPr>
         <p:spPr>
           <a:xfrm>
-            <a:off x="9449745" y="4765212"/>
+            <a:off x="9458612" y="4889499"/>
             <a:ext cx="1902029" cy="646331"/>
           </a:xfrm>
           <a:prstGeom prst="rect">
@@ -32869,8 +34745,38 @@
           </a:bodyPr>
           <a:lstStyle/>
           <a:p>
+            <a:pPr marL="0" marR="0" lvl="0" indent="0" algn="l" defTabSz="457200" rtl="0" eaLnBrk="1" fontAlgn="auto" latinLnBrk="0" hangingPunct="1">
+              <a:lnSpc>
+                <a:spcPct val="100000"/>
+              </a:lnSpc>
+              <a:spcBef>
+                <a:spcPts val="0"/>
+              </a:spcBef>
+              <a:spcAft>
+                <a:spcPts val="0"/>
+              </a:spcAft>
+              <a:buClrTx/>
+              <a:buSzTx/>
+              <a:buFontTx/>
+              <a:buNone/>
+              <a:tabLst/>
+              <a:defRPr/>
+            </a:pPr>
             <a:r>
-              <a:rPr lang="en-US" dirty="0"/>
+              <a:rPr kumimoji="0" lang="en-US" sz="1800" b="0" i="0" u="none" strike="noStrike" kern="1200" cap="none" spc="0" normalizeH="0" baseline="0" noProof="0" dirty="0">
+                <a:ln>
+                  <a:noFill/>
+                </a:ln>
+                <a:solidFill>
+                  <a:prstClr val="black"/>
+                </a:solidFill>
+                <a:effectLst/>
+                <a:uLnTx/>
+                <a:uFillTx/>
+                <a:latin typeface="Impact" panose="020B0806030902050204"/>
+                <a:ea typeface="+mn-ea"/>
+                <a:cs typeface="+mn-cs"/>
+              </a:rPr>
               <a:t>Alert saying that QR doesn’t Match</a:t>
             </a:r>
           </a:p>
@@ -32910,9 +34816,6 @@
                     <p:cTn id="3" fill="hold">
                       <p:stCondLst>
                         <p:cond delay="indefinite"/>
-                        <p:cond evt="onBegin" delay="0">
-                          <p:tn val="2"/>
-                        </p:cond>
                       </p:stCondLst>
                       <p:childTnLst>
                         <p:par>
@@ -32922,9 +34825,9 @@
                             </p:stCondLst>
                             <p:childTnLst>
                               <p:par>
-                                <p:cTn id="5" presetID="22" presetClass="entr" presetSubtype="8" repeatCount="4000" fill="hold" nodeType="afterEffect">
+                                <p:cTn id="5" presetID="22" presetClass="entr" presetSubtype="8" repeatCount="4000" fill="hold" nodeType="clickEffect">
                                   <p:stCondLst>
-                                    <p:cond delay="1000"/>
+                                    <p:cond delay="0"/>
                                   </p:stCondLst>
                                   <p:childTnLst>
                                     <p:set>
@@ -32959,21 +34862,30 @@
                             </p:childTnLst>
                           </p:cTn>
                         </p:par>
+                      </p:childTnLst>
+                    </p:cTn>
+                  </p:par>
+                  <p:par>
+                    <p:cTn id="8" fill="hold">
+                      <p:stCondLst>
+                        <p:cond delay="indefinite"/>
+                      </p:stCondLst>
+                      <p:childTnLst>
                         <p:par>
-                          <p:cTn id="8" fill="hold">
+                          <p:cTn id="9" fill="hold">
                             <p:stCondLst>
-                              <p:cond delay="5000"/>
+                              <p:cond delay="0"/>
                             </p:stCondLst>
                             <p:childTnLst>
                               <p:par>
-                                <p:cTn id="9" presetID="22" presetClass="entr" presetSubtype="2" repeatCount="4000" fill="hold" nodeType="afterEffect">
+                                <p:cTn id="10" presetID="22" presetClass="entr" presetSubtype="2" repeatCount="4000" fill="hold" nodeType="clickEffect">
                                   <p:stCondLst>
-                                    <p:cond delay="1000"/>
+                                    <p:cond delay="0"/>
                                   </p:stCondLst>
                                   <p:childTnLst>
                                     <p:set>
                                       <p:cBhvr>
-                                        <p:cTn id="10" dur="1" fill="hold">
+                                        <p:cTn id="11" dur="1" fill="hold">
                                           <p:stCondLst>
                                             <p:cond delay="0"/>
                                           </p:stCondLst>
@@ -32991,7 +34903,7 @@
                                     </p:set>
                                     <p:animEffect transition="in" filter="wipe(right)">
                                       <p:cBhvr>
-                                        <p:cTn id="11" dur="1000"/>
+                                        <p:cTn id="12" dur="1000"/>
                                         <p:tgtEl>
                                           <p:spTgt spid="4"/>
                                         </p:tgtEl>
@@ -33058,11 +34970,14 @@
             <p:ph type="title"/>
           </p:nvPr>
         </p:nvSpPr>
-        <p:spPr/>
+        <p:spPr>
+          <a:xfrm>
+            <a:off x="85766" y="4551"/>
+            <a:ext cx="10396882" cy="1151965"/>
+          </a:xfrm>
+        </p:spPr>
         <p:txBody>
-          <a:bodyPr>
-            <a:normAutofit fontScale="90000"/>
-          </a:bodyPr>
+          <a:bodyPr/>
           <a:lstStyle/>
           <a:p>
             <a:r>
@@ -33071,136 +34986,1012 @@
                   <a:schemeClr val="tx1"/>
                 </a:solidFill>
               </a:rPr>
-              <a:t>Challenges Faced and How did we overcome?</a:t>
+              <a:t>Data flow (Attendance Display)</a:t>
+            </a:r>
+          </a:p>
+        </p:txBody>
+      </p:sp>
+      <p:cxnSp>
+        <p:nvCxnSpPr>
+          <p:cNvPr id="28" name="Straight Connector 27">
+            <a:extLst>
+              <a:ext uri="{FF2B5EF4-FFF2-40B4-BE49-F238E27FC236}">
+                <a16:creationId xmlns:a16="http://schemas.microsoft.com/office/drawing/2014/main" id="{CF52FEEB-FBEF-44E4-9409-BC0675DCBF5C}"/>
+              </a:ext>
+            </a:extLst>
+          </p:cNvPr>
+          <p:cNvCxnSpPr/>
+          <p:nvPr/>
+        </p:nvCxnSpPr>
+        <p:spPr>
+          <a:xfrm flipH="1">
+            <a:off x="7107432" y="2648385"/>
+            <a:ext cx="1730003" cy="2"/>
+          </a:xfrm>
+          <a:prstGeom prst="line">
+            <a:avLst/>
+          </a:prstGeom>
+          <a:ln w="234950" cap="flat">
+            <a:solidFill>
+              <a:schemeClr val="accent6"/>
+            </a:solidFill>
+            <a:prstDash val="sysDot"/>
+          </a:ln>
+        </p:spPr>
+        <p:style>
+          <a:lnRef idx="1">
+            <a:schemeClr val="accent1"/>
+          </a:lnRef>
+          <a:fillRef idx="0">
+            <a:schemeClr val="accent1"/>
+          </a:fillRef>
+          <a:effectRef idx="0">
+            <a:schemeClr val="accent1"/>
+          </a:effectRef>
+          <a:fontRef idx="minor">
+            <a:schemeClr val="tx1"/>
+          </a:fontRef>
+        </p:style>
+      </p:cxnSp>
+      <p:cxnSp>
+        <p:nvCxnSpPr>
+          <p:cNvPr id="29" name="Straight Connector 28">
+            <a:extLst>
+              <a:ext uri="{FF2B5EF4-FFF2-40B4-BE49-F238E27FC236}">
+                <a16:creationId xmlns:a16="http://schemas.microsoft.com/office/drawing/2014/main" id="{A97AA06C-8CDE-4788-BC86-14044B005268}"/>
+              </a:ext>
+            </a:extLst>
+          </p:cNvPr>
+          <p:cNvCxnSpPr/>
+          <p:nvPr/>
+        </p:nvCxnSpPr>
+        <p:spPr>
+          <a:xfrm>
+            <a:off x="3175555" y="2648385"/>
+            <a:ext cx="1828780" cy="0"/>
+          </a:xfrm>
+          <a:prstGeom prst="line">
+            <a:avLst/>
+          </a:prstGeom>
+          <a:ln w="234950" cap="flat">
+            <a:solidFill>
+              <a:schemeClr val="accent6"/>
+            </a:solidFill>
+            <a:prstDash val="sysDot"/>
+          </a:ln>
+        </p:spPr>
+        <p:style>
+          <a:lnRef idx="1">
+            <a:schemeClr val="accent1"/>
+          </a:lnRef>
+          <a:fillRef idx="0">
+            <a:schemeClr val="accent1"/>
+          </a:fillRef>
+          <a:effectRef idx="0">
+            <a:schemeClr val="accent1"/>
+          </a:effectRef>
+          <a:fontRef idx="minor">
+            <a:schemeClr val="tx1"/>
+          </a:fontRef>
+        </p:style>
+      </p:cxnSp>
+      <p:sp>
+        <p:nvSpPr>
+          <p:cNvPr id="30" name="Rectangle 29">
+            <a:extLst>
+              <a:ext uri="{FF2B5EF4-FFF2-40B4-BE49-F238E27FC236}">
+                <a16:creationId xmlns:a16="http://schemas.microsoft.com/office/drawing/2014/main" id="{17254BFD-AA3D-4123-996D-53CEE3CB6346}"/>
+              </a:ext>
+            </a:extLst>
+          </p:cNvPr>
+          <p:cNvSpPr/>
+          <p:nvPr/>
+        </p:nvSpPr>
+        <p:spPr>
+          <a:xfrm>
+            <a:off x="152022" y="1955435"/>
+            <a:ext cx="2951384" cy="1188707"/>
+          </a:xfrm>
+          <a:prstGeom prst="rect">
+            <a:avLst/>
+          </a:prstGeom>
+          <a:ln>
+            <a:solidFill>
+              <a:schemeClr val="accent6"/>
+            </a:solidFill>
+          </a:ln>
+        </p:spPr>
+        <p:style>
+          <a:lnRef idx="2">
+            <a:schemeClr val="accent6"/>
+          </a:lnRef>
+          <a:fillRef idx="1">
+            <a:schemeClr val="lt1"/>
+          </a:fillRef>
+          <a:effectRef idx="0">
+            <a:schemeClr val="accent6"/>
+          </a:effectRef>
+          <a:fontRef idx="minor">
+            <a:schemeClr val="dk1"/>
+          </a:fontRef>
+        </p:style>
+        <p:txBody>
+          <a:bodyPr rtlCol="0" anchor="ctr"/>
+          <a:lstStyle/>
+          <a:p>
+            <a:pPr marL="0" marR="0" lvl="0" indent="0" algn="ctr" defTabSz="457200" rtl="0" eaLnBrk="1" fontAlgn="auto" latinLnBrk="0" hangingPunct="1">
+              <a:lnSpc>
+                <a:spcPct val="100000"/>
+              </a:lnSpc>
+              <a:spcBef>
+                <a:spcPts val="0"/>
+              </a:spcBef>
+              <a:spcAft>
+                <a:spcPts val="0"/>
+              </a:spcAft>
+              <a:buClrTx/>
+              <a:buSzTx/>
+              <a:buFontTx/>
+              <a:buNone/>
+              <a:tabLst/>
+              <a:defRPr/>
+            </a:pPr>
+            <a:endParaRPr kumimoji="0" lang="en-US" sz="1800" b="0" i="0" u="none" strike="noStrike" kern="1200" cap="none" spc="0" normalizeH="0" baseline="0" noProof="0" dirty="0">
+              <a:ln>
+                <a:noFill/>
+              </a:ln>
+              <a:solidFill>
+                <a:prstClr val="black"/>
+              </a:solidFill>
+              <a:effectLst/>
+              <a:uLnTx/>
+              <a:uFillTx/>
+              <a:latin typeface="Impact" panose="020B0806030902050204"/>
+              <a:ea typeface="+mn-ea"/>
+              <a:cs typeface="+mn-cs"/>
+            </a:endParaRPr>
+          </a:p>
+        </p:txBody>
+      </p:sp>
+      <p:sp>
+        <p:nvSpPr>
+          <p:cNvPr id="31" name="Rectangle 30">
+            <a:extLst>
+              <a:ext uri="{FF2B5EF4-FFF2-40B4-BE49-F238E27FC236}">
+                <a16:creationId xmlns:a16="http://schemas.microsoft.com/office/drawing/2014/main" id="{B5BAD7B0-7B39-4AB4-8004-9C1305F86909}"/>
+              </a:ext>
+            </a:extLst>
+          </p:cNvPr>
+          <p:cNvSpPr/>
+          <p:nvPr/>
+        </p:nvSpPr>
+        <p:spPr>
+          <a:xfrm>
+            <a:off x="511639" y="2026568"/>
+            <a:ext cx="2232150" cy="707886"/>
+          </a:xfrm>
+          <a:prstGeom prst="rect">
+            <a:avLst/>
+          </a:prstGeom>
+          <a:noFill/>
+        </p:spPr>
+        <p:txBody>
+          <a:bodyPr wrap="none" lIns="91440" tIns="45720" rIns="91440" bIns="45720">
+            <a:spAutoFit/>
+          </a:bodyPr>
+          <a:lstStyle/>
+          <a:p>
+            <a:pPr marL="0" marR="0" lvl="0" indent="0" algn="ctr" defTabSz="457200" rtl="0" eaLnBrk="1" fontAlgn="auto" latinLnBrk="0" hangingPunct="1">
+              <a:lnSpc>
+                <a:spcPct val="100000"/>
+              </a:lnSpc>
+              <a:spcBef>
+                <a:spcPts val="0"/>
+              </a:spcBef>
+              <a:spcAft>
+                <a:spcPts val="0"/>
+              </a:spcAft>
+              <a:buClrTx/>
+              <a:buSzTx/>
+              <a:buFontTx/>
+              <a:buNone/>
+              <a:tabLst/>
+              <a:defRPr/>
+            </a:pPr>
+            <a:r>
+              <a:rPr kumimoji="0" lang="en-US" sz="4000" b="0" i="0" u="none" strike="noStrike" kern="1200" cap="none" spc="0" normalizeH="0" baseline="0" noProof="0" dirty="0">
+                <a:ln w="0"/>
+                <a:solidFill>
+                  <a:srgbClr val="62A39F"/>
+                </a:solidFill>
+                <a:effectLst>
+                  <a:outerShdw blurRad="38100" dist="25400" dir="5400000" algn="ctr" rotWithShape="0">
+                    <a:srgbClr val="6E747A">
+                      <a:alpha val="43000"/>
+                    </a:srgbClr>
+                  </a:outerShdw>
+                </a:effectLst>
+                <a:uLnTx/>
+                <a:uFillTx/>
+                <a:latin typeface="Impact" panose="020B0806030902050204"/>
+                <a:ea typeface="+mn-ea"/>
+                <a:cs typeface="+mn-cs"/>
+              </a:rPr>
+              <a:t>Instructor</a:t>
             </a:r>
           </a:p>
         </p:txBody>
       </p:sp>
       <p:sp>
         <p:nvSpPr>
-          <p:cNvPr id="7" name="Content Placeholder 6"/>
-          <p:cNvSpPr>
-            <a:spLocks noGrp="1"/>
-          </p:cNvSpPr>
-          <p:nvPr>
-            <p:ph idx="1"/>
-          </p:nvPr>
+          <p:cNvPr id="32" name="Flowchart: Magnetic Disk 31">
+            <a:extLst>
+              <a:ext uri="{FF2B5EF4-FFF2-40B4-BE49-F238E27FC236}">
+                <a16:creationId xmlns:a16="http://schemas.microsoft.com/office/drawing/2014/main" id="{A70389D0-1412-4F5A-B35F-2C25946887AC}"/>
+              </a:ext>
+            </a:extLst>
+          </p:cNvPr>
+          <p:cNvSpPr/>
+          <p:nvPr/>
         </p:nvSpPr>
         <p:spPr>
           <a:xfrm>
-            <a:off x="685801" y="1837765"/>
-            <a:ext cx="10396883" cy="3504943"/>
+            <a:off x="4985094" y="1551117"/>
+            <a:ext cx="2103097" cy="2194536"/>
           </a:xfrm>
+          <a:prstGeom prst="flowChartMagneticDisk">
+            <a:avLst/>
+          </a:prstGeom>
         </p:spPr>
+        <p:style>
+          <a:lnRef idx="2">
+            <a:schemeClr val="accent6"/>
+          </a:lnRef>
+          <a:fillRef idx="1">
+            <a:schemeClr val="lt1"/>
+          </a:fillRef>
+          <a:effectRef idx="0">
+            <a:schemeClr val="accent6"/>
+          </a:effectRef>
+          <a:fontRef idx="minor">
+            <a:schemeClr val="dk1"/>
+          </a:fontRef>
+        </p:style>
         <p:txBody>
-          <a:bodyPr>
-            <a:normAutofit/>
-          </a:bodyPr>
+          <a:bodyPr rtlCol="0" anchor="ctr"/>
           <a:lstStyle/>
           <a:p>
+            <a:pPr marL="0" marR="0" lvl="0" indent="0" algn="ctr" defTabSz="457200" rtl="0" eaLnBrk="1" fontAlgn="auto" latinLnBrk="0" hangingPunct="1">
+              <a:lnSpc>
+                <a:spcPct val="100000"/>
+              </a:lnSpc>
+              <a:spcBef>
+                <a:spcPts val="0"/>
+              </a:spcBef>
+              <a:spcAft>
+                <a:spcPts val="0"/>
+              </a:spcAft>
+              <a:buClrTx/>
+              <a:buSzTx/>
+              <a:buFontTx/>
+              <a:buNone/>
+              <a:tabLst/>
+              <a:defRPr/>
+            </a:pPr>
             <a:r>
-              <a:rPr lang="en-US" sz="2200" dirty="0">
-                <a:latin typeface="Times New Roman" panose="02020603050405020304" pitchFamily="18" charset="0"/>
-                <a:cs typeface="Times New Roman" panose="02020603050405020304" pitchFamily="18" charset="0"/>
+              <a:rPr kumimoji="0" lang="en-US" sz="3900" b="0" i="0" u="none" strike="noStrike" kern="1200" cap="none" spc="0" normalizeH="0" baseline="0" noProof="0" dirty="0">
+                <a:ln w="0"/>
+                <a:solidFill>
+                  <a:srgbClr val="62A39F"/>
+                </a:solidFill>
+                <a:effectLst>
+                  <a:outerShdw blurRad="38100" dist="25400" dir="5400000" algn="ctr" rotWithShape="0">
+                    <a:srgbClr val="6E747A">
+                      <a:alpha val="43000"/>
+                    </a:srgbClr>
+                  </a:outerShdw>
+                </a:effectLst>
+                <a:uLnTx/>
+                <a:uFillTx/>
+                <a:latin typeface="Impact" panose="020B0806030902050204"/>
+                <a:ea typeface="+mn-ea"/>
+                <a:cs typeface="+mn-cs"/>
               </a:rPr>
-              <a:t>Finalizing the language and Finalizing the type of application</a:t>
-            </a:r>
-          </a:p>
-          <a:p>
-            <a:pPr lvl="1"/>
-            <a:r>
-              <a:rPr lang="en-US" sz="2000" dirty="0">
-                <a:latin typeface="Times New Roman" panose="02020603050405020304" pitchFamily="18" charset="0"/>
-                <a:cs typeface="Times New Roman" panose="02020603050405020304" pitchFamily="18" charset="0"/>
-              </a:rPr>
-              <a:t>level of expertise on different languages</a:t>
-            </a:r>
-          </a:p>
-          <a:p>
-            <a:r>
-              <a:rPr lang="en-US" sz="2200" dirty="0">
-                <a:latin typeface="Times New Roman" panose="02020603050405020304" pitchFamily="18" charset="0"/>
-                <a:cs typeface="Times New Roman" panose="02020603050405020304" pitchFamily="18" charset="0"/>
-              </a:rPr>
-              <a:t>Finalizing common database for iOS and web application</a:t>
-            </a:r>
-          </a:p>
-          <a:p>
-            <a:pPr lvl="1"/>
-            <a:r>
-              <a:rPr lang="en-US" sz="2000" dirty="0">
-                <a:latin typeface="Times New Roman" panose="02020603050405020304" pitchFamily="18" charset="0"/>
-                <a:cs typeface="Times New Roman" panose="02020603050405020304" pitchFamily="18" charset="0"/>
-              </a:rPr>
-              <a:t>Group discussions on all the pros and cons </a:t>
-            </a:r>
-          </a:p>
-          <a:p>
-            <a:r>
-              <a:rPr lang="en-US" sz="2200" dirty="0">
-                <a:latin typeface="Times New Roman" panose="02020603050405020304" pitchFamily="18" charset="0"/>
-                <a:cs typeface="Times New Roman" panose="02020603050405020304" pitchFamily="18" charset="0"/>
-              </a:rPr>
-              <a:t>Developing the Project in Node.js</a:t>
-            </a:r>
-          </a:p>
-          <a:p>
-            <a:pPr lvl="1"/>
-            <a:r>
-              <a:rPr lang="en-US" sz="2000" dirty="0">
-                <a:latin typeface="Times New Roman" panose="02020603050405020304" pitchFamily="18" charset="0"/>
-                <a:cs typeface="Times New Roman" panose="02020603050405020304" pitchFamily="18" charset="0"/>
-              </a:rPr>
-              <a:t>Suggestions from other team members</a:t>
+              <a:t>Database</a:t>
             </a:r>
           </a:p>
         </p:txBody>
       </p:sp>
-      <p:pic>
-        <p:nvPicPr>
-          <p:cNvPr id="4" name="Picture 4" descr="Image result for how"/>
-          <p:cNvPicPr>
-            <a:picLocks noChangeAspect="1" noChangeArrowheads="1"/>
-          </p:cNvPicPr>
-          <p:nvPr/>
-        </p:nvPicPr>
-        <p:blipFill>
-          <a:blip r:embed="rId2" cstate="print">
+      <p:sp>
+        <p:nvSpPr>
+          <p:cNvPr id="33" name="TextBox 32">
             <a:extLst>
-              <a:ext uri="{28A0092B-C50C-407E-A947-70E740481C1C}">
-                <a14:useLocalDpi xmlns:a14="http://schemas.microsoft.com/office/drawing/2010/main" val="0"/>
+              <a:ext uri="{FF2B5EF4-FFF2-40B4-BE49-F238E27FC236}">
+                <a16:creationId xmlns:a16="http://schemas.microsoft.com/office/drawing/2014/main" id="{B05B490B-7489-4E61-93D0-FD2CBF479D43}"/>
               </a:ext>
             </a:extLst>
-          </a:blip>
-          <a:srcRect/>
-          <a:stretch>
-            <a:fillRect/>
-          </a:stretch>
-        </p:blipFill>
-        <p:spPr bwMode="auto">
+          </p:cNvPr>
+          <p:cNvSpPr txBox="1"/>
+          <p:nvPr/>
+        </p:nvSpPr>
+        <p:spPr>
           <a:xfrm>
-            <a:off x="9730133" y="585507"/>
-            <a:ext cx="1352550" cy="1352550"/>
+            <a:off x="3030635" y="2110144"/>
+            <a:ext cx="2057102" cy="369332"/>
           </a:xfrm>
           <a:prstGeom prst="rect">
             <a:avLst/>
           </a:prstGeom>
           <a:noFill/>
-          <a:extLst>
-            <a:ext uri="{909E8E84-426E-40DD-AFC4-6F175D3DCCD1}">
-              <a14:hiddenFill xmlns:a14="http://schemas.microsoft.com/office/drawing/2010/main">
+        </p:spPr>
+        <p:txBody>
+          <a:bodyPr wrap="none" rtlCol="0">
+            <a:spAutoFit/>
+          </a:bodyPr>
+          <a:lstStyle/>
+          <a:p>
+            <a:pPr marL="0" marR="0" lvl="0" indent="0" algn="l" defTabSz="457200" rtl="0" eaLnBrk="1" fontAlgn="auto" latinLnBrk="0" hangingPunct="1">
+              <a:lnSpc>
+                <a:spcPct val="100000"/>
+              </a:lnSpc>
+              <a:spcBef>
+                <a:spcPts val="0"/>
+              </a:spcBef>
+              <a:spcAft>
+                <a:spcPts val="0"/>
+              </a:spcAft>
+              <a:buClrTx/>
+              <a:buSzTx/>
+              <a:buFontTx/>
+              <a:buNone/>
+              <a:tabLst/>
+              <a:defRPr/>
+            </a:pPr>
+            <a:r>
+              <a:rPr kumimoji="0" lang="en-US" sz="1800" b="0" i="0" u="none" strike="noStrike" kern="1200" cap="none" spc="0" normalizeH="0" baseline="0" noProof="0" dirty="0">
+                <a:ln>
+                  <a:noFill/>
+                </a:ln>
                 <a:solidFill>
-                  <a:srgbClr val="FFFFFF"/>
+                  <a:prstClr val="black"/>
                 </a:solidFill>
-              </a14:hiddenFill>
-            </a:ext>
-          </a:extLst>
+                <a:effectLst/>
+                <a:uLnTx/>
+                <a:uFillTx/>
+                <a:latin typeface="Impact" panose="020B0806030902050204"/>
+                <a:ea typeface="+mn-ea"/>
+                <a:cs typeface="+mn-cs"/>
+              </a:rPr>
+              <a:t>Displays attendance</a:t>
+            </a:r>
+          </a:p>
+        </p:txBody>
+      </p:sp>
+      <p:sp>
+        <p:nvSpPr>
+          <p:cNvPr id="34" name="TextBox 33">
+            <a:extLst>
+              <a:ext uri="{FF2B5EF4-FFF2-40B4-BE49-F238E27FC236}">
+                <a16:creationId xmlns:a16="http://schemas.microsoft.com/office/drawing/2014/main" id="{4F0EB0C5-CACE-4A5F-9A6E-8B7792537371}"/>
+              </a:ext>
+            </a:extLst>
+          </p:cNvPr>
+          <p:cNvSpPr txBox="1"/>
+          <p:nvPr/>
+        </p:nvSpPr>
+        <p:spPr>
+          <a:xfrm>
+            <a:off x="3218805" y="2876291"/>
+            <a:ext cx="1737976" cy="369332"/>
+          </a:xfrm>
+          <a:prstGeom prst="rect">
+            <a:avLst/>
+          </a:prstGeom>
+          <a:noFill/>
         </p:spPr>
-      </p:pic>
+        <p:txBody>
+          <a:bodyPr wrap="none" rtlCol="0">
+            <a:spAutoFit/>
+          </a:bodyPr>
+          <a:lstStyle/>
+          <a:p>
+            <a:pPr marL="0" marR="0" lvl="0" indent="0" algn="l" defTabSz="457200" rtl="0" eaLnBrk="1" fontAlgn="auto" latinLnBrk="0" hangingPunct="1">
+              <a:lnSpc>
+                <a:spcPct val="100000"/>
+              </a:lnSpc>
+              <a:spcBef>
+                <a:spcPts val="0"/>
+              </a:spcBef>
+              <a:spcAft>
+                <a:spcPts val="0"/>
+              </a:spcAft>
+              <a:buClrTx/>
+              <a:buSzTx/>
+              <a:buFontTx/>
+              <a:buNone/>
+              <a:tabLst/>
+              <a:defRPr/>
+            </a:pPr>
+            <a:r>
+              <a:rPr kumimoji="0" lang="en-US" sz="1800" b="0" i="0" u="none" strike="noStrike" kern="1200" cap="none" spc="0" normalizeH="0" baseline="0" noProof="0" dirty="0">
+                <a:ln>
+                  <a:noFill/>
+                </a:ln>
+                <a:solidFill>
+                  <a:prstClr val="black"/>
+                </a:solidFill>
+                <a:effectLst/>
+                <a:uLnTx/>
+                <a:uFillTx/>
+                <a:latin typeface="Impact" panose="020B0806030902050204"/>
+                <a:ea typeface="+mn-ea"/>
+                <a:cs typeface="+mn-cs"/>
+              </a:rPr>
+              <a:t>Can be Modified</a:t>
+            </a:r>
+          </a:p>
+        </p:txBody>
+      </p:sp>
+      <p:sp>
+        <p:nvSpPr>
+          <p:cNvPr id="35" name="TextBox 34">
+            <a:extLst>
+              <a:ext uri="{FF2B5EF4-FFF2-40B4-BE49-F238E27FC236}">
+                <a16:creationId xmlns:a16="http://schemas.microsoft.com/office/drawing/2014/main" id="{F69D93F4-69C5-420A-B56F-2C58DC4DBF02}"/>
+              </a:ext>
+            </a:extLst>
+          </p:cNvPr>
+          <p:cNvSpPr txBox="1"/>
+          <p:nvPr/>
+        </p:nvSpPr>
+        <p:spPr>
+          <a:xfrm>
+            <a:off x="761772" y="2620921"/>
+            <a:ext cx="1731884" cy="369332"/>
+          </a:xfrm>
+          <a:prstGeom prst="rect">
+            <a:avLst/>
+          </a:prstGeom>
+          <a:noFill/>
+        </p:spPr>
+        <p:txBody>
+          <a:bodyPr wrap="none" rtlCol="0">
+            <a:spAutoFit/>
+          </a:bodyPr>
+          <a:lstStyle/>
+          <a:p>
+            <a:pPr marL="0" marR="0" lvl="0" indent="0" algn="l" defTabSz="457200" rtl="0" eaLnBrk="1" fontAlgn="auto" latinLnBrk="0" hangingPunct="1">
+              <a:lnSpc>
+                <a:spcPct val="100000"/>
+              </a:lnSpc>
+              <a:spcBef>
+                <a:spcPts val="0"/>
+              </a:spcBef>
+              <a:spcAft>
+                <a:spcPts val="0"/>
+              </a:spcAft>
+              <a:buClrTx/>
+              <a:buSzTx/>
+              <a:buFontTx/>
+              <a:buNone/>
+              <a:tabLst/>
+              <a:defRPr/>
+            </a:pPr>
+            <a:r>
+              <a:rPr kumimoji="0" lang="en-US" sz="1800" b="0" i="0" u="none" strike="noStrike" kern="1200" cap="none" spc="0" normalizeH="0" baseline="0" noProof="0" dirty="0">
+                <a:ln>
+                  <a:noFill/>
+                </a:ln>
+                <a:solidFill>
+                  <a:prstClr val="black"/>
+                </a:solidFill>
+                <a:effectLst/>
+                <a:uLnTx/>
+                <a:uFillTx/>
+                <a:latin typeface="Impact" panose="020B0806030902050204"/>
+                <a:ea typeface="+mn-ea"/>
+                <a:cs typeface="+mn-cs"/>
+              </a:rPr>
+              <a:t>Web Application</a:t>
+            </a:r>
+          </a:p>
+        </p:txBody>
+      </p:sp>
+      <p:sp>
+        <p:nvSpPr>
+          <p:cNvPr id="36" name="Rectangle 35">
+            <a:extLst>
+              <a:ext uri="{FF2B5EF4-FFF2-40B4-BE49-F238E27FC236}">
+                <a16:creationId xmlns:a16="http://schemas.microsoft.com/office/drawing/2014/main" id="{9BA05B57-6623-4C6E-A646-025A67E610A5}"/>
+              </a:ext>
+            </a:extLst>
+          </p:cNvPr>
+          <p:cNvSpPr/>
+          <p:nvPr/>
+        </p:nvSpPr>
+        <p:spPr>
+          <a:xfrm>
+            <a:off x="8892614" y="2129224"/>
+            <a:ext cx="2719378" cy="1188707"/>
+          </a:xfrm>
+          <a:prstGeom prst="rect">
+            <a:avLst/>
+          </a:prstGeom>
+          <a:ln>
+            <a:solidFill>
+              <a:schemeClr val="accent6"/>
+            </a:solidFill>
+          </a:ln>
+        </p:spPr>
+        <p:style>
+          <a:lnRef idx="2">
+            <a:schemeClr val="accent6"/>
+          </a:lnRef>
+          <a:fillRef idx="1">
+            <a:schemeClr val="lt1"/>
+          </a:fillRef>
+          <a:effectRef idx="0">
+            <a:schemeClr val="accent6"/>
+          </a:effectRef>
+          <a:fontRef idx="minor">
+            <a:schemeClr val="dk1"/>
+          </a:fontRef>
+        </p:style>
+        <p:txBody>
+          <a:bodyPr rtlCol="0" anchor="ctr"/>
+          <a:lstStyle/>
+          <a:p>
+            <a:pPr marL="0" marR="0" lvl="0" indent="0" algn="ctr" defTabSz="457200" rtl="0" eaLnBrk="1" fontAlgn="auto" latinLnBrk="0" hangingPunct="1">
+              <a:lnSpc>
+                <a:spcPct val="100000"/>
+              </a:lnSpc>
+              <a:spcBef>
+                <a:spcPts val="0"/>
+              </a:spcBef>
+              <a:spcAft>
+                <a:spcPts val="0"/>
+              </a:spcAft>
+              <a:buClrTx/>
+              <a:buSzTx/>
+              <a:buFontTx/>
+              <a:buNone/>
+              <a:tabLst/>
+              <a:defRPr/>
+            </a:pPr>
+            <a:endParaRPr kumimoji="0" lang="en-US" sz="1800" b="0" i="0" u="none" strike="noStrike" kern="1200" cap="none" spc="0" normalizeH="0" baseline="0" noProof="0" dirty="0">
+              <a:ln>
+                <a:noFill/>
+              </a:ln>
+              <a:solidFill>
+                <a:prstClr val="black"/>
+              </a:solidFill>
+              <a:effectLst/>
+              <a:uLnTx/>
+              <a:uFillTx/>
+              <a:latin typeface="Impact" panose="020B0806030902050204"/>
+              <a:ea typeface="+mn-ea"/>
+              <a:cs typeface="+mn-cs"/>
+            </a:endParaRPr>
+          </a:p>
+        </p:txBody>
+      </p:sp>
+      <p:sp>
+        <p:nvSpPr>
+          <p:cNvPr id="37" name="Rectangle 36">
+            <a:extLst>
+              <a:ext uri="{FF2B5EF4-FFF2-40B4-BE49-F238E27FC236}">
+                <a16:creationId xmlns:a16="http://schemas.microsoft.com/office/drawing/2014/main" id="{7BB7B854-D0D7-439E-837D-0D2A513B676C}"/>
+              </a:ext>
+            </a:extLst>
+          </p:cNvPr>
+          <p:cNvSpPr/>
+          <p:nvPr/>
+        </p:nvSpPr>
+        <p:spPr>
+          <a:xfrm>
+            <a:off x="9341604" y="2145472"/>
+            <a:ext cx="1821397" cy="707886"/>
+          </a:xfrm>
+          <a:prstGeom prst="rect">
+            <a:avLst/>
+          </a:prstGeom>
+          <a:noFill/>
+        </p:spPr>
+        <p:txBody>
+          <a:bodyPr wrap="none" lIns="91440" tIns="45720" rIns="91440" bIns="45720">
+            <a:spAutoFit/>
+          </a:bodyPr>
+          <a:lstStyle/>
+          <a:p>
+            <a:pPr marL="0" marR="0" lvl="0" indent="0" algn="ctr" defTabSz="457200" rtl="0" eaLnBrk="1" fontAlgn="auto" latinLnBrk="0" hangingPunct="1">
+              <a:lnSpc>
+                <a:spcPct val="100000"/>
+              </a:lnSpc>
+              <a:spcBef>
+                <a:spcPts val="0"/>
+              </a:spcBef>
+              <a:spcAft>
+                <a:spcPts val="0"/>
+              </a:spcAft>
+              <a:buClrTx/>
+              <a:buSzTx/>
+              <a:buFontTx/>
+              <a:buNone/>
+              <a:tabLst/>
+              <a:defRPr/>
+            </a:pPr>
+            <a:r>
+              <a:rPr kumimoji="0" lang="en-US" sz="4000" b="0" i="0" u="none" strike="noStrike" kern="1200" cap="none" spc="0" normalizeH="0" baseline="0" noProof="0" dirty="0">
+                <a:ln w="0"/>
+                <a:solidFill>
+                  <a:srgbClr val="62A39F"/>
+                </a:solidFill>
+                <a:effectLst>
+                  <a:outerShdw blurRad="38100" dist="25400" dir="5400000" algn="ctr" rotWithShape="0">
+                    <a:srgbClr val="6E747A">
+                      <a:alpha val="43000"/>
+                    </a:srgbClr>
+                  </a:outerShdw>
+                </a:effectLst>
+                <a:uLnTx/>
+                <a:uFillTx/>
+                <a:latin typeface="Impact" panose="020B0806030902050204"/>
+                <a:ea typeface="+mn-ea"/>
+                <a:cs typeface="+mn-cs"/>
+              </a:rPr>
+              <a:t>Student</a:t>
+            </a:r>
+          </a:p>
+        </p:txBody>
+      </p:sp>
+      <p:sp>
+        <p:nvSpPr>
+          <p:cNvPr id="38" name="TextBox 37">
+            <a:extLst>
+              <a:ext uri="{FF2B5EF4-FFF2-40B4-BE49-F238E27FC236}">
+                <a16:creationId xmlns:a16="http://schemas.microsoft.com/office/drawing/2014/main" id="{4135658F-8A70-45E2-9F5E-A8540E4DC06B}"/>
+              </a:ext>
+            </a:extLst>
+          </p:cNvPr>
+          <p:cNvSpPr txBox="1"/>
+          <p:nvPr/>
+        </p:nvSpPr>
+        <p:spPr>
+          <a:xfrm>
+            <a:off x="9563854" y="2774810"/>
+            <a:ext cx="1608902" cy="369332"/>
+          </a:xfrm>
+          <a:prstGeom prst="rect">
+            <a:avLst/>
+          </a:prstGeom>
+          <a:noFill/>
+        </p:spPr>
+        <p:txBody>
+          <a:bodyPr wrap="none" rtlCol="0">
+            <a:spAutoFit/>
+          </a:bodyPr>
+          <a:lstStyle/>
+          <a:p>
+            <a:pPr marL="0" marR="0" lvl="0" indent="0" algn="l" defTabSz="457200" rtl="0" eaLnBrk="1" fontAlgn="auto" latinLnBrk="0" hangingPunct="1">
+              <a:lnSpc>
+                <a:spcPct val="100000"/>
+              </a:lnSpc>
+              <a:spcBef>
+                <a:spcPts val="0"/>
+              </a:spcBef>
+              <a:spcAft>
+                <a:spcPts val="0"/>
+              </a:spcAft>
+              <a:buClrTx/>
+              <a:buSzTx/>
+              <a:buFontTx/>
+              <a:buNone/>
+              <a:tabLst/>
+              <a:defRPr/>
+            </a:pPr>
+            <a:r>
+              <a:rPr kumimoji="0" lang="en-US" sz="1800" b="0" i="0" u="none" strike="noStrike" kern="1200" cap="none" spc="0" normalizeH="0" baseline="0" noProof="0" dirty="0">
+                <a:ln>
+                  <a:noFill/>
+                </a:ln>
+                <a:solidFill>
+                  <a:prstClr val="black"/>
+                </a:solidFill>
+                <a:effectLst/>
+                <a:uLnTx/>
+                <a:uFillTx/>
+                <a:latin typeface="Impact" panose="020B0806030902050204"/>
+                <a:ea typeface="+mn-ea"/>
+                <a:cs typeface="+mn-cs"/>
+              </a:rPr>
+              <a:t>iOS Application</a:t>
+            </a:r>
+          </a:p>
+        </p:txBody>
+      </p:sp>
+      <p:sp>
+        <p:nvSpPr>
+          <p:cNvPr id="39" name="TextBox 38">
+            <a:extLst>
+              <a:ext uri="{FF2B5EF4-FFF2-40B4-BE49-F238E27FC236}">
+                <a16:creationId xmlns:a16="http://schemas.microsoft.com/office/drawing/2014/main" id="{5E905DFF-C9B8-45BB-AB8E-822CBBFD498A}"/>
+              </a:ext>
+            </a:extLst>
+          </p:cNvPr>
+          <p:cNvSpPr txBox="1"/>
+          <p:nvPr/>
+        </p:nvSpPr>
+        <p:spPr>
+          <a:xfrm>
+            <a:off x="7144818" y="2767141"/>
+            <a:ext cx="1713711" cy="646331"/>
+          </a:xfrm>
+          <a:prstGeom prst="rect">
+            <a:avLst/>
+          </a:prstGeom>
+          <a:noFill/>
+        </p:spPr>
+        <p:txBody>
+          <a:bodyPr wrap="square" rtlCol="0">
+            <a:spAutoFit/>
+          </a:bodyPr>
+          <a:lstStyle/>
+          <a:p>
+            <a:pPr marL="0" marR="0" lvl="0" indent="0" algn="ctr" defTabSz="457200" rtl="0" eaLnBrk="1" fontAlgn="auto" latinLnBrk="0" hangingPunct="1">
+              <a:lnSpc>
+                <a:spcPct val="100000"/>
+              </a:lnSpc>
+              <a:spcBef>
+                <a:spcPts val="0"/>
+              </a:spcBef>
+              <a:spcAft>
+                <a:spcPts val="0"/>
+              </a:spcAft>
+              <a:buClrTx/>
+              <a:buSzTx/>
+              <a:buFontTx/>
+              <a:buNone/>
+              <a:tabLst/>
+              <a:defRPr/>
+            </a:pPr>
+            <a:r>
+              <a:rPr kumimoji="0" lang="en-US" sz="1800" b="0" i="0" u="none" strike="noStrike" kern="1200" cap="none" spc="0" normalizeH="0" baseline="0" noProof="0" dirty="0">
+                <a:ln>
+                  <a:noFill/>
+                </a:ln>
+                <a:solidFill>
+                  <a:prstClr val="black"/>
+                </a:solidFill>
+                <a:effectLst/>
+                <a:uLnTx/>
+                <a:uFillTx/>
+                <a:latin typeface="Impact" panose="020B0806030902050204"/>
+                <a:ea typeface="+mn-ea"/>
+                <a:cs typeface="+mn-cs"/>
+              </a:rPr>
+              <a:t>Cannot be Modified</a:t>
+            </a:r>
+          </a:p>
+        </p:txBody>
+      </p:sp>
+      <p:sp>
+        <p:nvSpPr>
+          <p:cNvPr id="40" name="TextBox 39">
+            <a:extLst>
+              <a:ext uri="{FF2B5EF4-FFF2-40B4-BE49-F238E27FC236}">
+                <a16:creationId xmlns:a16="http://schemas.microsoft.com/office/drawing/2014/main" id="{C14B0A0C-009F-4073-B545-1F9BB74CFB4C}"/>
+              </a:ext>
+            </a:extLst>
+          </p:cNvPr>
+          <p:cNvSpPr txBox="1"/>
+          <p:nvPr/>
+        </p:nvSpPr>
+        <p:spPr>
+          <a:xfrm>
+            <a:off x="7134632" y="1924661"/>
+            <a:ext cx="1899854" cy="646331"/>
+          </a:xfrm>
+          <a:prstGeom prst="rect">
+            <a:avLst/>
+          </a:prstGeom>
+          <a:noFill/>
+        </p:spPr>
+        <p:txBody>
+          <a:bodyPr wrap="square" rtlCol="0">
+            <a:spAutoFit/>
+          </a:bodyPr>
+          <a:lstStyle/>
+          <a:p>
+            <a:pPr marL="0" marR="0" lvl="0" indent="0" algn="ctr" defTabSz="457200" rtl="0" eaLnBrk="1" fontAlgn="auto" latinLnBrk="0" hangingPunct="1">
+              <a:lnSpc>
+                <a:spcPct val="100000"/>
+              </a:lnSpc>
+              <a:spcBef>
+                <a:spcPts val="0"/>
+              </a:spcBef>
+              <a:spcAft>
+                <a:spcPts val="0"/>
+              </a:spcAft>
+              <a:buClrTx/>
+              <a:buSzTx/>
+              <a:buFontTx/>
+              <a:buNone/>
+              <a:tabLst/>
+              <a:defRPr/>
+            </a:pPr>
+            <a:r>
+              <a:rPr kumimoji="0" lang="en-US" sz="1800" b="0" i="0" u="none" strike="noStrike" kern="1200" cap="none" spc="0" normalizeH="0" baseline="0" noProof="0" dirty="0">
+                <a:ln>
+                  <a:noFill/>
+                </a:ln>
+                <a:solidFill>
+                  <a:prstClr val="black"/>
+                </a:solidFill>
+                <a:effectLst/>
+                <a:uLnTx/>
+                <a:uFillTx/>
+                <a:latin typeface="Impact" panose="020B0806030902050204"/>
+                <a:ea typeface="+mn-ea"/>
+                <a:cs typeface="+mn-cs"/>
+              </a:rPr>
+              <a:t>Displays attendance</a:t>
+            </a:r>
+          </a:p>
+        </p:txBody>
+      </p:sp>
+      <p:cxnSp>
+        <p:nvCxnSpPr>
+          <p:cNvPr id="41" name="Connector: Elbow 40">
+            <a:extLst>
+              <a:ext uri="{FF2B5EF4-FFF2-40B4-BE49-F238E27FC236}">
+                <a16:creationId xmlns:a16="http://schemas.microsoft.com/office/drawing/2014/main" id="{05797DDC-6ABA-4245-8249-7BC821A4C8BA}"/>
+              </a:ext>
+            </a:extLst>
+          </p:cNvPr>
+          <p:cNvCxnSpPr>
+            <a:cxnSpLocks/>
+            <a:stCxn id="36" idx="2"/>
+          </p:cNvCxnSpPr>
+          <p:nvPr/>
+        </p:nvCxnSpPr>
+        <p:spPr>
+          <a:xfrm rot="5400000">
+            <a:off x="5114337" y="-262315"/>
+            <a:ext cx="1557721" cy="8718213"/>
+          </a:xfrm>
+          <a:prstGeom prst="bentConnector2">
+            <a:avLst/>
+          </a:prstGeom>
+          <a:ln>
+            <a:tailEnd type="triangle"/>
+          </a:ln>
+        </p:spPr>
+        <p:style>
+          <a:lnRef idx="1">
+            <a:schemeClr val="accent1"/>
+          </a:lnRef>
+          <a:fillRef idx="0">
+            <a:schemeClr val="accent1"/>
+          </a:fillRef>
+          <a:effectRef idx="0">
+            <a:schemeClr val="accent1"/>
+          </a:effectRef>
+          <a:fontRef idx="minor">
+            <a:schemeClr val="tx1"/>
+          </a:fontRef>
+        </p:style>
+      </p:cxnSp>
+      <p:cxnSp>
+        <p:nvCxnSpPr>
+          <p:cNvPr id="42" name="Straight Arrow Connector 41">
+            <a:extLst>
+              <a:ext uri="{FF2B5EF4-FFF2-40B4-BE49-F238E27FC236}">
+                <a16:creationId xmlns:a16="http://schemas.microsoft.com/office/drawing/2014/main" id="{B6F70B73-9FE1-4453-9636-2A5AEE356BE7}"/>
+              </a:ext>
+            </a:extLst>
+          </p:cNvPr>
+          <p:cNvCxnSpPr>
+            <a:cxnSpLocks/>
+            <a:endCxn id="30" idx="2"/>
+          </p:cNvCxnSpPr>
+          <p:nvPr/>
+        </p:nvCxnSpPr>
+        <p:spPr>
+          <a:xfrm flipV="1">
+            <a:off x="1627714" y="3144142"/>
+            <a:ext cx="0" cy="1731510"/>
+          </a:xfrm>
+          <a:prstGeom prst="straightConnector1">
+            <a:avLst/>
+          </a:prstGeom>
+          <a:ln>
+            <a:tailEnd type="triangle"/>
+          </a:ln>
+        </p:spPr>
+        <p:style>
+          <a:lnRef idx="1">
+            <a:schemeClr val="accent1"/>
+          </a:lnRef>
+          <a:fillRef idx="0">
+            <a:schemeClr val="accent1"/>
+          </a:fillRef>
+          <a:effectRef idx="0">
+            <a:schemeClr val="accent1"/>
+          </a:effectRef>
+          <a:fontRef idx="minor">
+            <a:schemeClr val="tx1"/>
+          </a:fontRef>
+        </p:style>
+      </p:cxnSp>
+      <p:sp>
+        <p:nvSpPr>
+          <p:cNvPr id="43" name="TextBox 42">
+            <a:extLst>
+              <a:ext uri="{FF2B5EF4-FFF2-40B4-BE49-F238E27FC236}">
+                <a16:creationId xmlns:a16="http://schemas.microsoft.com/office/drawing/2014/main" id="{1F5AD1BA-292D-4FA5-AF75-C72F0994928A}"/>
+              </a:ext>
+            </a:extLst>
+          </p:cNvPr>
+          <p:cNvSpPr txBox="1"/>
+          <p:nvPr/>
+        </p:nvSpPr>
+        <p:spPr>
+          <a:xfrm>
+            <a:off x="3744892" y="4435607"/>
+            <a:ext cx="4583499" cy="369332"/>
+          </a:xfrm>
+          <a:prstGeom prst="rect">
+            <a:avLst/>
+          </a:prstGeom>
+          <a:noFill/>
+        </p:spPr>
+        <p:txBody>
+          <a:bodyPr wrap="none" rtlCol="0">
+            <a:spAutoFit/>
+          </a:bodyPr>
+          <a:lstStyle/>
+          <a:p>
+            <a:pPr marL="0" marR="0" lvl="0" indent="0" algn="l" defTabSz="457200" rtl="0" eaLnBrk="1" fontAlgn="auto" latinLnBrk="0" hangingPunct="1">
+              <a:lnSpc>
+                <a:spcPct val="100000"/>
+              </a:lnSpc>
+              <a:spcBef>
+                <a:spcPts val="0"/>
+              </a:spcBef>
+              <a:spcAft>
+                <a:spcPts val="0"/>
+              </a:spcAft>
+              <a:buClrTx/>
+              <a:buSzTx/>
+              <a:buFontTx/>
+              <a:buNone/>
+              <a:tabLst/>
+              <a:defRPr/>
+            </a:pPr>
+            <a:r>
+              <a:rPr kumimoji="0" lang="en-US" sz="1800" b="0" i="0" u="none" strike="noStrike" kern="1200" cap="none" spc="0" normalizeH="0" baseline="0" noProof="0" dirty="0">
+                <a:ln>
+                  <a:noFill/>
+                </a:ln>
+                <a:solidFill>
+                  <a:prstClr val="black"/>
+                </a:solidFill>
+                <a:effectLst/>
+                <a:uLnTx/>
+                <a:uFillTx/>
+                <a:latin typeface="Impact" panose="020B0806030902050204"/>
+                <a:ea typeface="+mn-ea"/>
+                <a:cs typeface="+mn-cs"/>
+              </a:rPr>
+              <a:t>Contact Instructor for Attendance Modification</a:t>
+            </a:r>
+          </a:p>
+        </p:txBody>
+      </p:sp>
     </p:spTree>
     <p:extLst>
       <p:ext uri="{BB962C8B-B14F-4D97-AF65-F5344CB8AC3E}">
-        <p14:creationId xmlns:p14="http://schemas.microsoft.com/office/powerpoint/2010/main" val="551792954"/>
+        <p14:creationId xmlns:p14="http://schemas.microsoft.com/office/powerpoint/2010/main" val="1956302574"/>
       </p:ext>
     </p:extLst>
   </p:cSld>
@@ -33222,7 +36013,136 @@
   <p:timing>
     <p:tnLst>
       <p:par>
-        <p:cTn id="1" dur="indefinite" restart="never" nodeType="tmRoot"/>
+        <p:cTn id="1" dur="indefinite" restart="never" nodeType="tmRoot">
+          <p:childTnLst>
+            <p:seq concurrent="1" nextAc="seek">
+              <p:cTn id="2" dur="indefinite" nodeType="mainSeq">
+                <p:childTnLst>
+                  <p:par>
+                    <p:cTn id="3" fill="hold">
+                      <p:stCondLst>
+                        <p:cond delay="indefinite"/>
+                      </p:stCondLst>
+                      <p:childTnLst>
+                        <p:par>
+                          <p:cTn id="4" fill="hold">
+                            <p:stCondLst>
+                              <p:cond delay="0"/>
+                            </p:stCondLst>
+                            <p:childTnLst>
+                              <p:par>
+                                <p:cTn id="5" presetID="22" presetClass="entr" presetSubtype="2" repeatCount="4000" fill="hold" nodeType="clickEffect">
+                                  <p:stCondLst>
+                                    <p:cond delay="0"/>
+                                  </p:stCondLst>
+                                  <p:childTnLst>
+                                    <p:set>
+                                      <p:cBhvr>
+                                        <p:cTn id="6" dur="1" fill="hold">
+                                          <p:stCondLst>
+                                            <p:cond delay="0"/>
+                                          </p:stCondLst>
+                                        </p:cTn>
+                                        <p:tgtEl>
+                                          <p:spTgt spid="29"/>
+                                        </p:tgtEl>
+                                        <p:attrNameLst>
+                                          <p:attrName>style.visibility</p:attrName>
+                                        </p:attrNameLst>
+                                      </p:cBhvr>
+                                      <p:to>
+                                        <p:strVal val="visible"/>
+                                      </p:to>
+                                    </p:set>
+                                    <p:animEffect transition="in" filter="wipe(right)">
+                                      <p:cBhvr>
+                                        <p:cTn id="7" dur="1000"/>
+                                        <p:tgtEl>
+                                          <p:spTgt spid="29"/>
+                                        </p:tgtEl>
+                                      </p:cBhvr>
+                                    </p:animEffect>
+                                  </p:childTnLst>
+                                </p:cTn>
+                              </p:par>
+                            </p:childTnLst>
+                          </p:cTn>
+                        </p:par>
+                      </p:childTnLst>
+                    </p:cTn>
+                  </p:par>
+                  <p:par>
+                    <p:cTn id="8" fill="hold">
+                      <p:stCondLst>
+                        <p:cond delay="indefinite"/>
+                      </p:stCondLst>
+                      <p:childTnLst>
+                        <p:par>
+                          <p:cTn id="9" fill="hold">
+                            <p:stCondLst>
+                              <p:cond delay="0"/>
+                            </p:stCondLst>
+                            <p:childTnLst>
+                              <p:par>
+                                <p:cTn id="10" presetID="22" presetClass="entr" presetSubtype="8" repeatCount="4000" fill="hold" nodeType="clickEffect">
+                                  <p:stCondLst>
+                                    <p:cond delay="0"/>
+                                  </p:stCondLst>
+                                  <p:childTnLst>
+                                    <p:set>
+                                      <p:cBhvr>
+                                        <p:cTn id="11" dur="1" fill="hold">
+                                          <p:stCondLst>
+                                            <p:cond delay="0"/>
+                                          </p:stCondLst>
+                                        </p:cTn>
+                                        <p:tgtEl>
+                                          <p:spTgt spid="28"/>
+                                        </p:tgtEl>
+                                        <p:attrNameLst>
+                                          <p:attrName>style.visibility</p:attrName>
+                                        </p:attrNameLst>
+                                      </p:cBhvr>
+                                      <p:to>
+                                        <p:strVal val="visible"/>
+                                      </p:to>
+                                    </p:set>
+                                    <p:animEffect transition="in" filter="wipe(left)">
+                                      <p:cBhvr>
+                                        <p:cTn id="12" dur="1000"/>
+                                        <p:tgtEl>
+                                          <p:spTgt spid="28"/>
+                                        </p:tgtEl>
+                                      </p:cBhvr>
+                                    </p:animEffect>
+                                  </p:childTnLst>
+                                </p:cTn>
+                              </p:par>
+                            </p:childTnLst>
+                          </p:cTn>
+                        </p:par>
+                      </p:childTnLst>
+                    </p:cTn>
+                  </p:par>
+                </p:childTnLst>
+              </p:cTn>
+              <p:prevCondLst>
+                <p:cond evt="onPrev" delay="0">
+                  <p:tgtEl>
+                    <p:sldTgt/>
+                  </p:tgtEl>
+                </p:cond>
+              </p:prevCondLst>
+              <p:nextCondLst>
+                <p:cond evt="onNext" delay="0">
+                  <p:tgtEl>
+                    <p:sldTgt/>
+                  </p:tgtEl>
+                </p:cond>
+              </p:nextCondLst>
+            </p:seq>
+          </p:childTnLst>
+        </p:cTn>
       </p:par>
     </p:tnLst>
   </p:timing>

--- a/final ppt.pptx
+++ b/final ppt.pptx
@@ -3939,7 +3939,7 @@
       </dgm:t>
     </dgm:pt>
     <dgm:pt modelId="{549ACBF8-7430-46D9-8339-874950FB366A}">
-      <dgm:prSet/>
+      <dgm:prSet custT="1"/>
       <dgm:spPr/>
       <dgm:t>
         <a:bodyPr/>
@@ -3947,10 +3947,16 @@
         <a:p>
           <a:pPr rtl="0"/>
           <a:r>
-            <a:rPr lang="en-US" b="1" baseline="0" dirty="0"/>
+            <a:rPr lang="en-US" sz="1400" b="1" baseline="0" dirty="0">
+              <a:latin typeface="Times New Roman" panose="02020603050405020304" pitchFamily="18" charset="0"/>
+              <a:cs typeface="Times New Roman" panose="02020603050405020304" pitchFamily="18" charset="0"/>
+            </a:rPr>
             <a:t>Instructor (Before)</a:t>
           </a:r>
-          <a:endParaRPr lang="en-US" dirty="0"/>
+          <a:endParaRPr lang="en-US" sz="1400" dirty="0">
+            <a:latin typeface="Times New Roman" panose="02020603050405020304" pitchFamily="18" charset="0"/>
+            <a:cs typeface="Times New Roman" panose="02020603050405020304" pitchFamily="18" charset="0"/>
+          </a:endParaRPr>
         </a:p>
       </dgm:t>
     </dgm:pt>
@@ -3977,7 +3983,7 @@
       </dgm:t>
     </dgm:pt>
     <dgm:pt modelId="{B4B2491C-5DBC-436E-866C-A0494F15234A}">
-      <dgm:prSet/>
+      <dgm:prSet custT="1"/>
       <dgm:spPr/>
       <dgm:t>
         <a:bodyPr/>
@@ -3985,10 +3991,16 @@
         <a:p>
           <a:pPr rtl="0"/>
           <a:r>
-            <a:rPr lang="en-US" baseline="0"/>
+            <a:rPr lang="en-US" sz="1400" baseline="0" dirty="0">
+              <a:latin typeface="Times New Roman" panose="02020603050405020304" pitchFamily="18" charset="0"/>
+              <a:cs typeface="Times New Roman" panose="02020603050405020304" pitchFamily="18" charset="0"/>
+            </a:rPr>
             <a:t>Stand-alone application.</a:t>
           </a:r>
-          <a:endParaRPr lang="en-US"/>
+          <a:endParaRPr lang="en-US" sz="1400" dirty="0">
+            <a:latin typeface="Times New Roman" panose="02020603050405020304" pitchFamily="18" charset="0"/>
+            <a:cs typeface="Times New Roman" panose="02020603050405020304" pitchFamily="18" charset="0"/>
+          </a:endParaRPr>
         </a:p>
       </dgm:t>
     </dgm:pt>
@@ -4015,7 +4027,7 @@
       </dgm:t>
     </dgm:pt>
     <dgm:pt modelId="{9AB6D8E7-86BD-4A09-9E94-09503E3538EE}">
-      <dgm:prSet/>
+      <dgm:prSet custT="1"/>
       <dgm:spPr/>
       <dgm:t>
         <a:bodyPr/>
@@ -4023,10 +4035,16 @@
         <a:p>
           <a:pPr rtl="0"/>
           <a:r>
-            <a:rPr lang="en-US" baseline="0"/>
+            <a:rPr lang="en-US" sz="1400" baseline="0">
+              <a:latin typeface="Times New Roman" panose="02020603050405020304" pitchFamily="18" charset="0"/>
+              <a:cs typeface="Times New Roman" panose="02020603050405020304" pitchFamily="18" charset="0"/>
+            </a:rPr>
             <a:t>Authentication.</a:t>
           </a:r>
-          <a:endParaRPr lang="en-US"/>
+          <a:endParaRPr lang="en-US" sz="1400">
+            <a:latin typeface="Times New Roman" panose="02020603050405020304" pitchFamily="18" charset="0"/>
+            <a:cs typeface="Times New Roman" panose="02020603050405020304" pitchFamily="18" charset="0"/>
+          </a:endParaRPr>
         </a:p>
       </dgm:t>
     </dgm:pt>
@@ -4053,7 +4071,7 @@
       </dgm:t>
     </dgm:pt>
     <dgm:pt modelId="{14588E69-6899-4F1F-B273-599A71EBC9D7}">
-      <dgm:prSet/>
+      <dgm:prSet custT="1"/>
       <dgm:spPr/>
       <dgm:t>
         <a:bodyPr/>
@@ -4061,10 +4079,16 @@
         <a:p>
           <a:pPr rtl="0"/>
           <a:r>
-            <a:rPr lang="en-US" baseline="0"/>
+            <a:rPr lang="en-US" sz="1400" baseline="0">
+              <a:latin typeface="Times New Roman" panose="02020603050405020304" pitchFamily="18" charset="0"/>
+              <a:cs typeface="Times New Roman" panose="02020603050405020304" pitchFamily="18" charset="0"/>
+            </a:rPr>
             <a:t>QR code Generation.</a:t>
           </a:r>
-          <a:endParaRPr lang="en-US"/>
+          <a:endParaRPr lang="en-US" sz="1400">
+            <a:latin typeface="Times New Roman" panose="02020603050405020304" pitchFamily="18" charset="0"/>
+            <a:cs typeface="Times New Roman" panose="02020603050405020304" pitchFamily="18" charset="0"/>
+          </a:endParaRPr>
         </a:p>
       </dgm:t>
     </dgm:pt>
@@ -4091,7 +4115,7 @@
       </dgm:t>
     </dgm:pt>
     <dgm:pt modelId="{36D39F46-44D7-415F-AAFF-5457B1161AF6}">
-      <dgm:prSet/>
+      <dgm:prSet custT="1"/>
       <dgm:spPr/>
       <dgm:t>
         <a:bodyPr/>
@@ -4099,10 +4123,16 @@
         <a:p>
           <a:pPr rtl="0"/>
           <a:r>
-            <a:rPr lang="en-US" baseline="0"/>
+            <a:rPr lang="en-US" sz="1400" baseline="0">
+              <a:latin typeface="Times New Roman" panose="02020603050405020304" pitchFamily="18" charset="0"/>
+              <a:cs typeface="Times New Roman" panose="02020603050405020304" pitchFamily="18" charset="0"/>
+            </a:rPr>
             <a:t>QR code Display.</a:t>
           </a:r>
-          <a:endParaRPr lang="en-US"/>
+          <a:endParaRPr lang="en-US" sz="1400">
+            <a:latin typeface="Times New Roman" panose="02020603050405020304" pitchFamily="18" charset="0"/>
+            <a:cs typeface="Times New Roman" panose="02020603050405020304" pitchFamily="18" charset="0"/>
+          </a:endParaRPr>
         </a:p>
       </dgm:t>
     </dgm:pt>
@@ -4129,7 +4159,7 @@
       </dgm:t>
     </dgm:pt>
     <dgm:pt modelId="{4BAAF9E6-4EEA-4F67-B767-038B4C129EF6}">
-      <dgm:prSet/>
+      <dgm:prSet custT="1"/>
       <dgm:spPr/>
       <dgm:t>
         <a:bodyPr/>
@@ -4137,10 +4167,16 @@
         <a:p>
           <a:pPr rtl="0"/>
           <a:r>
-            <a:rPr lang="en-US" baseline="0"/>
+            <a:rPr lang="en-US" sz="1400" baseline="0">
+              <a:latin typeface="Times New Roman" panose="02020603050405020304" pitchFamily="18" charset="0"/>
+              <a:cs typeface="Times New Roman" panose="02020603050405020304" pitchFamily="18" charset="0"/>
+            </a:rPr>
             <a:t>Manage the students attendance.</a:t>
           </a:r>
-          <a:endParaRPr lang="en-US"/>
+          <a:endParaRPr lang="en-US" sz="1400">
+            <a:latin typeface="Times New Roman" panose="02020603050405020304" pitchFamily="18" charset="0"/>
+            <a:cs typeface="Times New Roman" panose="02020603050405020304" pitchFamily="18" charset="0"/>
+          </a:endParaRPr>
         </a:p>
       </dgm:t>
     </dgm:pt>
@@ -4167,7 +4203,7 @@
       </dgm:t>
     </dgm:pt>
     <dgm:pt modelId="{4FF48E9C-E9AC-4281-B947-D8FFE3DECE5C}">
-      <dgm:prSet/>
+      <dgm:prSet custT="1"/>
       <dgm:spPr/>
       <dgm:t>
         <a:bodyPr/>
@@ -4175,10 +4211,16 @@
         <a:p>
           <a:pPr rtl="0"/>
           <a:r>
-            <a:rPr lang="en-US" baseline="0"/>
+            <a:rPr lang="en-US" sz="1400" baseline="0" dirty="0">
+              <a:latin typeface="Times New Roman" panose="02020603050405020304" pitchFamily="18" charset="0"/>
+              <a:cs typeface="Times New Roman" panose="02020603050405020304" pitchFamily="18" charset="0"/>
+            </a:rPr>
             <a:t>Appropriate Feedback</a:t>
           </a:r>
-          <a:endParaRPr lang="en-US"/>
+          <a:endParaRPr lang="en-US" sz="1400" dirty="0">
+            <a:latin typeface="Times New Roman" panose="02020603050405020304" pitchFamily="18" charset="0"/>
+            <a:cs typeface="Times New Roman" panose="02020603050405020304" pitchFamily="18" charset="0"/>
+          </a:endParaRPr>
         </a:p>
       </dgm:t>
     </dgm:pt>
@@ -4205,7 +4247,7 @@
       </dgm:t>
     </dgm:pt>
     <dgm:pt modelId="{A0ACE738-1680-49A9-A2CF-D906803B030E}">
-      <dgm:prSet/>
+      <dgm:prSet custT="1"/>
       <dgm:spPr/>
       <dgm:t>
         <a:bodyPr/>
@@ -4213,10 +4255,16 @@
         <a:p>
           <a:pPr rtl="0"/>
           <a:r>
-            <a:rPr lang="en-US" b="1" baseline="0" dirty="0"/>
+            <a:rPr lang="en-US" sz="1400" b="1" baseline="0" dirty="0">
+              <a:latin typeface="Times New Roman" panose="02020603050405020304" pitchFamily="18" charset="0"/>
+              <a:cs typeface="Times New Roman" panose="02020603050405020304" pitchFamily="18" charset="0"/>
+            </a:rPr>
             <a:t>Instructor(Now)</a:t>
           </a:r>
-          <a:endParaRPr lang="en-US" dirty="0"/>
+          <a:endParaRPr lang="en-US" sz="1400" dirty="0">
+            <a:latin typeface="Times New Roman" panose="02020603050405020304" pitchFamily="18" charset="0"/>
+            <a:cs typeface="Times New Roman" panose="02020603050405020304" pitchFamily="18" charset="0"/>
+          </a:endParaRPr>
         </a:p>
       </dgm:t>
     </dgm:pt>
@@ -4243,7 +4291,7 @@
       </dgm:t>
     </dgm:pt>
     <dgm:pt modelId="{2511BAFD-47B8-4760-8EF9-78CFD45E3974}">
-      <dgm:prSet/>
+      <dgm:prSet custT="1"/>
       <dgm:spPr/>
       <dgm:t>
         <a:bodyPr/>
@@ -4251,10 +4299,16 @@
         <a:p>
           <a:pPr rtl="0"/>
           <a:r>
-            <a:rPr lang="en-US" baseline="0"/>
+            <a:rPr lang="en-US" sz="1400" baseline="0">
+              <a:latin typeface="Times New Roman" panose="02020603050405020304" pitchFamily="18" charset="0"/>
+              <a:cs typeface="Times New Roman" panose="02020603050405020304" pitchFamily="18" charset="0"/>
+            </a:rPr>
             <a:t>Web application using JavaScript and node JS.</a:t>
           </a:r>
-          <a:endParaRPr lang="en-US"/>
+          <a:endParaRPr lang="en-US" sz="1400">
+            <a:latin typeface="Times New Roman" panose="02020603050405020304" pitchFamily="18" charset="0"/>
+            <a:cs typeface="Times New Roman" panose="02020603050405020304" pitchFamily="18" charset="0"/>
+          </a:endParaRPr>
         </a:p>
       </dgm:t>
     </dgm:pt>
@@ -4281,7 +4335,7 @@
       </dgm:t>
     </dgm:pt>
     <dgm:pt modelId="{083A6C85-6FFB-4B4D-8D74-D8F48FD8829A}">
-      <dgm:prSet/>
+      <dgm:prSet custT="1"/>
       <dgm:spPr/>
       <dgm:t>
         <a:bodyPr/>
@@ -4289,10 +4343,16 @@
         <a:p>
           <a:pPr rtl="0"/>
           <a:r>
-            <a:rPr lang="en-US" baseline="0"/>
+            <a:rPr lang="en-US" sz="1400" baseline="0">
+              <a:latin typeface="Times New Roman" panose="02020603050405020304" pitchFamily="18" charset="0"/>
+              <a:cs typeface="Times New Roman" panose="02020603050405020304" pitchFamily="18" charset="0"/>
+            </a:rPr>
             <a:t>Authentication.</a:t>
           </a:r>
-          <a:endParaRPr lang="en-US"/>
+          <a:endParaRPr lang="en-US" sz="1400">
+            <a:latin typeface="Times New Roman" panose="02020603050405020304" pitchFamily="18" charset="0"/>
+            <a:cs typeface="Times New Roman" panose="02020603050405020304" pitchFamily="18" charset="0"/>
+          </a:endParaRPr>
         </a:p>
       </dgm:t>
     </dgm:pt>
@@ -4319,7 +4379,7 @@
       </dgm:t>
     </dgm:pt>
     <dgm:pt modelId="{A00A666A-6AB4-495C-B885-6ABCD9D9C6FB}">
-      <dgm:prSet/>
+      <dgm:prSet custT="1"/>
       <dgm:spPr/>
       <dgm:t>
         <a:bodyPr/>
@@ -4327,10 +4387,16 @@
         <a:p>
           <a:pPr rtl="0"/>
           <a:r>
-            <a:rPr lang="en-US" baseline="0"/>
+            <a:rPr lang="en-US" sz="1400" baseline="0">
+              <a:latin typeface="Times New Roman" panose="02020603050405020304" pitchFamily="18" charset="0"/>
+              <a:cs typeface="Times New Roman" panose="02020603050405020304" pitchFamily="18" charset="0"/>
+            </a:rPr>
             <a:t>QR code Generation.</a:t>
           </a:r>
-          <a:endParaRPr lang="en-US"/>
+          <a:endParaRPr lang="en-US" sz="1400">
+            <a:latin typeface="Times New Roman" panose="02020603050405020304" pitchFamily="18" charset="0"/>
+            <a:cs typeface="Times New Roman" panose="02020603050405020304" pitchFamily="18" charset="0"/>
+          </a:endParaRPr>
         </a:p>
       </dgm:t>
     </dgm:pt>
@@ -4357,7 +4423,7 @@
       </dgm:t>
     </dgm:pt>
     <dgm:pt modelId="{E2F21A9B-00DA-4D55-B768-C79D3328E3BE}">
-      <dgm:prSet/>
+      <dgm:prSet custT="1"/>
       <dgm:spPr/>
       <dgm:t>
         <a:bodyPr/>
@@ -4365,10 +4431,16 @@
         <a:p>
           <a:pPr rtl="0"/>
           <a:r>
-            <a:rPr lang="en-US" baseline="0"/>
+            <a:rPr lang="en-US" sz="1400" baseline="0">
+              <a:latin typeface="Times New Roman" panose="02020603050405020304" pitchFamily="18" charset="0"/>
+              <a:cs typeface="Times New Roman" panose="02020603050405020304" pitchFamily="18" charset="0"/>
+            </a:rPr>
             <a:t>QR code Display.</a:t>
           </a:r>
-          <a:endParaRPr lang="en-US"/>
+          <a:endParaRPr lang="en-US" sz="1400">
+            <a:latin typeface="Times New Roman" panose="02020603050405020304" pitchFamily="18" charset="0"/>
+            <a:cs typeface="Times New Roman" panose="02020603050405020304" pitchFamily="18" charset="0"/>
+          </a:endParaRPr>
         </a:p>
       </dgm:t>
     </dgm:pt>
@@ -4395,7 +4467,7 @@
       </dgm:t>
     </dgm:pt>
     <dgm:pt modelId="{044F67A8-0C65-405B-8D23-00B0415270C1}">
-      <dgm:prSet/>
+      <dgm:prSet custT="1"/>
       <dgm:spPr/>
       <dgm:t>
         <a:bodyPr/>
@@ -4403,10 +4475,16 @@
         <a:p>
           <a:pPr rtl="0"/>
           <a:r>
-            <a:rPr lang="en-US" baseline="0"/>
+            <a:rPr lang="en-US" sz="1400" baseline="0">
+              <a:latin typeface="Times New Roman" panose="02020603050405020304" pitchFamily="18" charset="0"/>
+              <a:cs typeface="Times New Roman" panose="02020603050405020304" pitchFamily="18" charset="0"/>
+            </a:rPr>
             <a:t>Manage the students attendance.</a:t>
           </a:r>
-          <a:endParaRPr lang="en-US"/>
+          <a:endParaRPr lang="en-US" sz="1400">
+            <a:latin typeface="Times New Roman" panose="02020603050405020304" pitchFamily="18" charset="0"/>
+            <a:cs typeface="Times New Roman" panose="02020603050405020304" pitchFamily="18" charset="0"/>
+          </a:endParaRPr>
         </a:p>
       </dgm:t>
     </dgm:pt>
@@ -4433,7 +4511,7 @@
       </dgm:t>
     </dgm:pt>
     <dgm:pt modelId="{FF92E042-F1C1-4BC6-BA3F-C741F5ED9AB5}">
-      <dgm:prSet/>
+      <dgm:prSet custT="1"/>
       <dgm:spPr/>
       <dgm:t>
         <a:bodyPr/>
@@ -4441,10 +4519,16 @@
         <a:p>
           <a:pPr rtl="0"/>
           <a:r>
-            <a:rPr lang="en-US" baseline="0"/>
+            <a:rPr lang="en-US" sz="1400" baseline="0">
+              <a:latin typeface="Times New Roman" panose="02020603050405020304" pitchFamily="18" charset="0"/>
+              <a:cs typeface="Times New Roman" panose="02020603050405020304" pitchFamily="18" charset="0"/>
+            </a:rPr>
             <a:t>Appropriate Feedback</a:t>
           </a:r>
-          <a:endParaRPr lang="en-US"/>
+          <a:endParaRPr lang="en-US" sz="1400">
+            <a:latin typeface="Times New Roman" panose="02020603050405020304" pitchFamily="18" charset="0"/>
+            <a:cs typeface="Times New Roman" panose="02020603050405020304" pitchFamily="18" charset="0"/>
+          </a:endParaRPr>
         </a:p>
       </dgm:t>
     </dgm:pt>
@@ -4480,6 +4564,13 @@
         </dgm:presLayoutVars>
       </dgm:prSet>
       <dgm:spPr/>
+      <dgm:t>
+        <a:bodyPr/>
+        <a:lstStyle/>
+        <a:p>
+          <a:endParaRPr lang="en-US"/>
+        </a:p>
+      </dgm:t>
     </dgm:pt>
     <dgm:pt modelId="{144BC6F2-0B73-49AC-AC02-AAF3E83C24EB}" type="pres">
       <dgm:prSet presAssocID="{549ACBF8-7430-46D9-8339-874950FB366A}" presName="horFlow" presStyleCnt="0"/>
@@ -4488,6 +4579,13 @@
     <dgm:pt modelId="{8897FB83-C378-44D3-B544-CCCA50E493FA}" type="pres">
       <dgm:prSet presAssocID="{549ACBF8-7430-46D9-8339-874950FB366A}" presName="bigChev" presStyleLbl="node1" presStyleIdx="0" presStyleCnt="2"/>
       <dgm:spPr/>
+      <dgm:t>
+        <a:bodyPr/>
+        <a:lstStyle/>
+        <a:p>
+          <a:endParaRPr lang="en-US"/>
+        </a:p>
+      </dgm:t>
     </dgm:pt>
     <dgm:pt modelId="{25215EDD-48C1-4736-A8BD-0063033D24E7}" type="pres">
       <dgm:prSet presAssocID="{C58778CF-5D33-43C0-96C4-1AAE055E3806}" presName="parTrans" presStyleCnt="0"/>
@@ -4500,6 +4598,13 @@
         </dgm:presLayoutVars>
       </dgm:prSet>
       <dgm:spPr/>
+      <dgm:t>
+        <a:bodyPr/>
+        <a:lstStyle/>
+        <a:p>
+          <a:endParaRPr lang="en-US"/>
+        </a:p>
+      </dgm:t>
     </dgm:pt>
     <dgm:pt modelId="{67FE1027-490E-47D7-BD72-E18CE82F33AD}" type="pres">
       <dgm:prSet presAssocID="{B9AE3E08-7401-40CF-BDE9-FDEE4A8DCB93}" presName="sibTrans" presStyleCnt="0"/>
@@ -4512,6 +4617,13 @@
         </dgm:presLayoutVars>
       </dgm:prSet>
       <dgm:spPr/>
+      <dgm:t>
+        <a:bodyPr/>
+        <a:lstStyle/>
+        <a:p>
+          <a:endParaRPr lang="en-US"/>
+        </a:p>
+      </dgm:t>
     </dgm:pt>
     <dgm:pt modelId="{DA7C4B11-2C5A-4FC8-A903-F716E01932FB}" type="pres">
       <dgm:prSet presAssocID="{D9CCF4A3-B52A-43D1-9DCD-6DD1861A3B49}" presName="sibTrans" presStyleCnt="0"/>
@@ -4524,6 +4636,13 @@
         </dgm:presLayoutVars>
       </dgm:prSet>
       <dgm:spPr/>
+      <dgm:t>
+        <a:bodyPr/>
+        <a:lstStyle/>
+        <a:p>
+          <a:endParaRPr lang="en-US"/>
+        </a:p>
+      </dgm:t>
     </dgm:pt>
     <dgm:pt modelId="{13BFB0C2-96F0-4800-A5B8-CC59DBCC2583}" type="pres">
       <dgm:prSet presAssocID="{657EF155-E704-41B9-8E16-2C9B05F162EF}" presName="sibTrans" presStyleCnt="0"/>
@@ -4536,6 +4655,13 @@
         </dgm:presLayoutVars>
       </dgm:prSet>
       <dgm:spPr/>
+      <dgm:t>
+        <a:bodyPr/>
+        <a:lstStyle/>
+        <a:p>
+          <a:endParaRPr lang="en-US"/>
+        </a:p>
+      </dgm:t>
     </dgm:pt>
     <dgm:pt modelId="{E038DDDF-AFB6-4D89-AA91-A29EC8E0BFC5}" type="pres">
       <dgm:prSet presAssocID="{50B78A94-15AC-4F2F-BD07-128463FB03D5}" presName="sibTrans" presStyleCnt="0"/>
@@ -4548,6 +4674,13 @@
         </dgm:presLayoutVars>
       </dgm:prSet>
       <dgm:spPr/>
+      <dgm:t>
+        <a:bodyPr/>
+        <a:lstStyle/>
+        <a:p>
+          <a:endParaRPr lang="en-US"/>
+        </a:p>
+      </dgm:t>
     </dgm:pt>
     <dgm:pt modelId="{6EFDB8A9-DBD3-436E-925C-019364F1399B}" type="pres">
       <dgm:prSet presAssocID="{0E766B73-2495-4B97-943D-F917B7F53DC7}" presName="sibTrans" presStyleCnt="0"/>
@@ -4560,6 +4693,13 @@
         </dgm:presLayoutVars>
       </dgm:prSet>
       <dgm:spPr/>
+      <dgm:t>
+        <a:bodyPr/>
+        <a:lstStyle/>
+        <a:p>
+          <a:endParaRPr lang="en-US"/>
+        </a:p>
+      </dgm:t>
     </dgm:pt>
     <dgm:pt modelId="{F24156C7-0CE1-47F6-B830-542DA6E9F01C}" type="pres">
       <dgm:prSet presAssocID="{549ACBF8-7430-46D9-8339-874950FB366A}" presName="vSp" presStyleCnt="0"/>
@@ -4572,6 +4712,13 @@
     <dgm:pt modelId="{3630A457-5CC4-40A5-A107-01C78963D87C}" type="pres">
       <dgm:prSet presAssocID="{A0ACE738-1680-49A9-A2CF-D906803B030E}" presName="bigChev" presStyleLbl="node1" presStyleIdx="1" presStyleCnt="2"/>
       <dgm:spPr/>
+      <dgm:t>
+        <a:bodyPr/>
+        <a:lstStyle/>
+        <a:p>
+          <a:endParaRPr lang="en-US"/>
+        </a:p>
+      </dgm:t>
     </dgm:pt>
     <dgm:pt modelId="{CCC55C86-4D7A-4D89-9ABB-BE5EF99E6671}" type="pres">
       <dgm:prSet presAssocID="{60989FC9-0B14-4AA6-804D-223E28E67923}" presName="parTrans" presStyleCnt="0"/>
@@ -4584,6 +4731,13 @@
         </dgm:presLayoutVars>
       </dgm:prSet>
       <dgm:spPr/>
+      <dgm:t>
+        <a:bodyPr/>
+        <a:lstStyle/>
+        <a:p>
+          <a:endParaRPr lang="en-US"/>
+        </a:p>
+      </dgm:t>
     </dgm:pt>
     <dgm:pt modelId="{3C8A7E34-CA11-4ABE-B21E-3E632B5FD766}" type="pres">
       <dgm:prSet presAssocID="{7C249041-5E17-4F84-990E-5F8426AEC0A6}" presName="sibTrans" presStyleCnt="0"/>
@@ -4596,6 +4750,13 @@
         </dgm:presLayoutVars>
       </dgm:prSet>
       <dgm:spPr/>
+      <dgm:t>
+        <a:bodyPr/>
+        <a:lstStyle/>
+        <a:p>
+          <a:endParaRPr lang="en-US"/>
+        </a:p>
+      </dgm:t>
     </dgm:pt>
     <dgm:pt modelId="{7C2C4CCA-A41C-4806-92B8-8AB4068B0CCA}" type="pres">
       <dgm:prSet presAssocID="{B883A520-9975-45C4-A008-F841CED759DD}" presName="sibTrans" presStyleCnt="0"/>
@@ -4608,6 +4769,13 @@
         </dgm:presLayoutVars>
       </dgm:prSet>
       <dgm:spPr/>
+      <dgm:t>
+        <a:bodyPr/>
+        <a:lstStyle/>
+        <a:p>
+          <a:endParaRPr lang="en-US"/>
+        </a:p>
+      </dgm:t>
     </dgm:pt>
     <dgm:pt modelId="{AA3C8FF0-68A1-49BD-B917-95315D03D577}" type="pres">
       <dgm:prSet presAssocID="{37123E94-F4EA-4CA5-9A8F-E637094D8DFC}" presName="sibTrans" presStyleCnt="0"/>
@@ -4620,6 +4788,13 @@
         </dgm:presLayoutVars>
       </dgm:prSet>
       <dgm:spPr/>
+      <dgm:t>
+        <a:bodyPr/>
+        <a:lstStyle/>
+        <a:p>
+          <a:endParaRPr lang="en-US"/>
+        </a:p>
+      </dgm:t>
     </dgm:pt>
     <dgm:pt modelId="{4EEE7826-8C79-468E-8654-F8AEF50E5F7C}" type="pres">
       <dgm:prSet presAssocID="{34E3A36A-4E21-4CB1-B0F0-55BF2B059753}" presName="sibTrans" presStyleCnt="0"/>
@@ -4632,6 +4807,13 @@
         </dgm:presLayoutVars>
       </dgm:prSet>
       <dgm:spPr/>
+      <dgm:t>
+        <a:bodyPr/>
+        <a:lstStyle/>
+        <a:p>
+          <a:endParaRPr lang="en-US"/>
+        </a:p>
+      </dgm:t>
     </dgm:pt>
     <dgm:pt modelId="{F8671482-3D78-470D-A761-3AB6A1A75568}" type="pres">
       <dgm:prSet presAssocID="{129AFC1F-730B-40DC-ABA7-1CD98C59C6BA}" presName="sibTrans" presStyleCnt="0"/>
@@ -4644,38 +4826,45 @@
         </dgm:presLayoutVars>
       </dgm:prSet>
       <dgm:spPr/>
+      <dgm:t>
+        <a:bodyPr/>
+        <a:lstStyle/>
+        <a:p>
+          <a:endParaRPr lang="en-US"/>
+        </a:p>
+      </dgm:t>
     </dgm:pt>
   </dgm:ptLst>
   <dgm:cxnLst>
+    <dgm:cxn modelId="{0F6308C2-8074-41F4-83E5-2449CE4AAE42}" type="presOf" srcId="{9AB6D8E7-86BD-4A09-9E94-09503E3538EE}" destId="{158CF9EF-55D6-45A4-8B21-598846198B97}" srcOrd="0" destOrd="0" presId="urn:microsoft.com/office/officeart/2005/8/layout/lProcess3"/>
     <dgm:cxn modelId="{49332112-CAE3-4027-98F7-206072F6C946}" srcId="{A0ACE738-1680-49A9-A2CF-D906803B030E}" destId="{044F67A8-0C65-405B-8D23-00B0415270C1}" srcOrd="4" destOrd="0" parTransId="{6588AB7E-CBD5-4649-B6E3-25B31F5667C4}" sibTransId="{129AFC1F-730B-40DC-ABA7-1CD98C59C6BA}"/>
-    <dgm:cxn modelId="{0EB28D21-0630-4964-BC16-4FBC0D63EE43}" type="presOf" srcId="{2511BAFD-47B8-4760-8EF9-78CFD45E3974}" destId="{2656222E-D64A-4B08-A85D-221DB764442B}" srcOrd="0" destOrd="0" presId="urn:microsoft.com/office/officeart/2005/8/layout/lProcess3"/>
-    <dgm:cxn modelId="{79F4913A-47C1-458E-800D-449BC8892711}" srcId="{549ACBF8-7430-46D9-8339-874950FB366A}" destId="{4FF48E9C-E9AC-4281-B947-D8FFE3DECE5C}" srcOrd="5" destOrd="0" parTransId="{AD6C5DF5-E1B9-420E-AFE1-5E41149C2570}" sibTransId="{505D2657-8F3B-4007-A1B2-8CCFA7146CF7}"/>
+    <dgm:cxn modelId="{0CE6ECBA-B722-4295-B6B2-5259046092E9}" srcId="{A80ADC32-1240-44A9-8D10-689B131ED7C4}" destId="{549ACBF8-7430-46D9-8339-874950FB366A}" srcOrd="0" destOrd="0" parTransId="{AE219D22-E614-42D9-933D-F2CAABDD96DD}" sibTransId="{FE411B50-16E6-4BFE-BCED-3F3D642BD122}"/>
+    <dgm:cxn modelId="{07F83F7A-C77E-4639-A83D-5FBF94324F41}" type="presOf" srcId="{14588E69-6899-4F1F-B273-599A71EBC9D7}" destId="{1B82D982-125A-4B17-9093-4DD998576D21}" srcOrd="0" destOrd="0" presId="urn:microsoft.com/office/officeart/2005/8/layout/lProcess3"/>
+    <dgm:cxn modelId="{1626726C-54F0-46E4-A49B-6BB47C4884DC}" srcId="{A80ADC32-1240-44A9-8D10-689B131ED7C4}" destId="{A0ACE738-1680-49A9-A2CF-D906803B030E}" srcOrd="1" destOrd="0" parTransId="{A4A00D55-2074-405C-AB24-EB32EBA8645F}" sibTransId="{0AB44536-5AE8-4110-849A-66F7C6FC73DB}"/>
     <dgm:cxn modelId="{FA10973D-8767-40DD-9300-26136123BDA3}" type="presOf" srcId="{549ACBF8-7430-46D9-8339-874950FB366A}" destId="{8897FB83-C378-44D3-B544-CCCA50E493FA}" srcOrd="0" destOrd="0" presId="urn:microsoft.com/office/officeart/2005/8/layout/lProcess3"/>
-    <dgm:cxn modelId="{8D96B745-6FC1-441A-84D2-6657BBF939E4}" srcId="{A0ACE738-1680-49A9-A2CF-D906803B030E}" destId="{083A6C85-6FFB-4B4D-8D74-D8F48FD8829A}" srcOrd="1" destOrd="0" parTransId="{B5562EFC-1557-49F8-B505-B45BA63813C6}" sibTransId="{B883A520-9975-45C4-A008-F841CED759DD}"/>
+    <dgm:cxn modelId="{0452ABD0-B8AF-4389-A49D-B494462EF935}" srcId="{549ACBF8-7430-46D9-8339-874950FB366A}" destId="{14588E69-6899-4F1F-B273-599A71EBC9D7}" srcOrd="2" destOrd="0" parTransId="{EAAB7090-D874-46C5-9CE1-D5E4FBD9834B}" sibTransId="{657EF155-E704-41B9-8E16-2C9B05F162EF}"/>
     <dgm:cxn modelId="{13F4B846-3A4A-44F0-9189-89F28AE9915C}" srcId="{549ACBF8-7430-46D9-8339-874950FB366A}" destId="{B4B2491C-5DBC-436E-866C-A0494F15234A}" srcOrd="0" destOrd="0" parTransId="{C58778CF-5D33-43C0-96C4-1AAE055E3806}" sibTransId="{B9AE3E08-7401-40CF-BDE9-FDEE4A8DCB93}"/>
     <dgm:cxn modelId="{C3EE9C67-B8B2-4C6A-B4D5-85CA9476923D}" type="presOf" srcId="{A00A666A-6AB4-495C-B885-6ABCD9D9C6FB}" destId="{48765ED3-077E-4B76-A89E-7C26D9BBEBC4}" srcOrd="0" destOrd="0" presId="urn:microsoft.com/office/officeart/2005/8/layout/lProcess3"/>
+    <dgm:cxn modelId="{8D96B745-6FC1-441A-84D2-6657BBF939E4}" srcId="{A0ACE738-1680-49A9-A2CF-D906803B030E}" destId="{083A6C85-6FFB-4B4D-8D74-D8F48FD8829A}" srcOrd="1" destOrd="0" parTransId="{B5562EFC-1557-49F8-B505-B45BA63813C6}" sibTransId="{B883A520-9975-45C4-A008-F841CED759DD}"/>
+    <dgm:cxn modelId="{DD5202E2-8C4D-43A8-BE0D-7D8CF3368668}" type="presOf" srcId="{B4B2491C-5DBC-436E-866C-A0494F15234A}" destId="{E686387D-616A-4F98-990F-FBCDBE8E26E5}" srcOrd="0" destOrd="0" presId="urn:microsoft.com/office/officeart/2005/8/layout/lProcess3"/>
+    <dgm:cxn modelId="{7FE338E9-B6F9-4B44-973C-32BFC4F19575}" srcId="{549ACBF8-7430-46D9-8339-874950FB366A}" destId="{4BAAF9E6-4EEA-4F67-B767-038B4C129EF6}" srcOrd="4" destOrd="0" parTransId="{578CCCFE-0959-465C-8C7F-EF451BD3E318}" sibTransId="{0E766B73-2495-4B97-943D-F917B7F53DC7}"/>
+    <dgm:cxn modelId="{75F6B27D-A442-4C91-A7A9-A5B8AE199420}" type="presOf" srcId="{044F67A8-0C65-405B-8D23-00B0415270C1}" destId="{120A6866-71AF-4668-87F2-2D737620263E}" srcOrd="0" destOrd="0" presId="urn:microsoft.com/office/officeart/2005/8/layout/lProcess3"/>
     <dgm:cxn modelId="{7896C46A-ACEC-4CF4-86D9-65F52CB87E06}" srcId="{A0ACE738-1680-49A9-A2CF-D906803B030E}" destId="{E2F21A9B-00DA-4D55-B768-C79D3328E3BE}" srcOrd="3" destOrd="0" parTransId="{3FBECDE3-B7DF-41C7-839A-967A79A9E31C}" sibTransId="{34E3A36A-4E21-4CB1-B0F0-55BF2B059753}"/>
-    <dgm:cxn modelId="{1626726C-54F0-46E4-A49B-6BB47C4884DC}" srcId="{A80ADC32-1240-44A9-8D10-689B131ED7C4}" destId="{A0ACE738-1680-49A9-A2CF-D906803B030E}" srcOrd="1" destOrd="0" parTransId="{A4A00D55-2074-405C-AB24-EB32EBA8645F}" sibTransId="{0AB44536-5AE8-4110-849A-66F7C6FC73DB}"/>
+    <dgm:cxn modelId="{595C99A7-D46B-44BB-ABC3-8F077590AD91}" type="presOf" srcId="{4BAAF9E6-4EEA-4F67-B767-038B4C129EF6}" destId="{08E94FF5-BC66-4B8D-8967-BE71F1CB4EDC}" srcOrd="0" destOrd="0" presId="urn:microsoft.com/office/officeart/2005/8/layout/lProcess3"/>
+    <dgm:cxn modelId="{D56F8DFE-165F-40BA-A4E4-4E592B65E34F}" srcId="{549ACBF8-7430-46D9-8339-874950FB366A}" destId="{9AB6D8E7-86BD-4A09-9E94-09503E3538EE}" srcOrd="1" destOrd="0" parTransId="{B4805897-718D-47D9-8410-86FBE07C65A7}" sibTransId="{D9CCF4A3-B52A-43D1-9DCD-6DD1861A3B49}"/>
+    <dgm:cxn modelId="{636607E7-43C7-4FD0-9749-C9245976A68A}" srcId="{A0ACE738-1680-49A9-A2CF-D906803B030E}" destId="{FF92E042-F1C1-4BC6-BA3F-C741F5ED9AB5}" srcOrd="5" destOrd="0" parTransId="{CD0106D6-F3F8-43D1-90B7-A48B899A1EAD}" sibTransId="{907133C3-2063-49AF-AF0C-9A21E4C33D9E}"/>
+    <dgm:cxn modelId="{B1B9AAA5-1748-4253-AA4F-3EA0FC2B3FE7}" type="presOf" srcId="{FF92E042-F1C1-4BC6-BA3F-C741F5ED9AB5}" destId="{86A88084-04D1-453D-9EB9-B02F0C23CC18}" srcOrd="0" destOrd="0" presId="urn:microsoft.com/office/officeart/2005/8/layout/lProcess3"/>
+    <dgm:cxn modelId="{27387CF2-0AD1-4E7E-AC6B-84278399C2E8}" srcId="{549ACBF8-7430-46D9-8339-874950FB366A}" destId="{36D39F46-44D7-415F-AAFF-5457B1161AF6}" srcOrd="3" destOrd="0" parTransId="{638078A6-F5E3-494B-8E8B-F2155CD16EA1}" sibTransId="{50B78A94-15AC-4F2F-BD07-128463FB03D5}"/>
     <dgm:cxn modelId="{4E79F56D-4ADA-4856-81A5-13E7B7BB6808}" srcId="{A0ACE738-1680-49A9-A2CF-D906803B030E}" destId="{A00A666A-6AB4-495C-B885-6ABCD9D9C6FB}" srcOrd="2" destOrd="0" parTransId="{6CF900BF-FEA0-4F4C-942D-DC3373394B80}" sibTransId="{37123E94-F4EA-4CA5-9A8F-E637094D8DFC}"/>
+    <dgm:cxn modelId="{296330D7-E3EA-4CBD-916E-7310BB5EE1B2}" type="presOf" srcId="{4FF48E9C-E9AC-4281-B947-D8FFE3DECE5C}" destId="{1F3A26B7-5C5F-444E-B2F4-81A4EF68D39C}" srcOrd="0" destOrd="0" presId="urn:microsoft.com/office/officeart/2005/8/layout/lProcess3"/>
+    <dgm:cxn modelId="{CFBBAB9D-982D-44E2-B39C-0255DD9A634C}" type="presOf" srcId="{A80ADC32-1240-44A9-8D10-689B131ED7C4}" destId="{C4C5BB40-2CB3-4FCC-A7B5-C0179DBBBF29}" srcOrd="0" destOrd="0" presId="urn:microsoft.com/office/officeart/2005/8/layout/lProcess3"/>
+    <dgm:cxn modelId="{79F4913A-47C1-458E-800D-449BC8892711}" srcId="{549ACBF8-7430-46D9-8339-874950FB366A}" destId="{4FF48E9C-E9AC-4281-B947-D8FFE3DECE5C}" srcOrd="5" destOrd="0" parTransId="{AD6C5DF5-E1B9-420E-AFE1-5E41149C2570}" sibTransId="{505D2657-8F3B-4007-A1B2-8CCFA7146CF7}"/>
+    <dgm:cxn modelId="{0EB28D21-0630-4964-BC16-4FBC0D63EE43}" type="presOf" srcId="{2511BAFD-47B8-4760-8EF9-78CFD45E3974}" destId="{2656222E-D64A-4B08-A85D-221DB764442B}" srcOrd="0" destOrd="0" presId="urn:microsoft.com/office/officeart/2005/8/layout/lProcess3"/>
+    <dgm:cxn modelId="{5A40ECBD-BA98-484B-8866-8211C9586F02}" type="presOf" srcId="{36D39F46-44D7-415F-AAFF-5457B1161AF6}" destId="{0422B60C-0DD5-4DD4-B675-31405221A894}" srcOrd="0" destOrd="0" presId="urn:microsoft.com/office/officeart/2005/8/layout/lProcess3"/>
+    <dgm:cxn modelId="{38452B9F-079B-43EE-9A1D-BABB5DEF9DA7}" type="presOf" srcId="{E2F21A9B-00DA-4D55-B768-C79D3328E3BE}" destId="{CE31B4AC-3DDB-4EC4-811E-AFA799FA1C15}" srcOrd="0" destOrd="0" presId="urn:microsoft.com/office/officeart/2005/8/layout/lProcess3"/>
+    <dgm:cxn modelId="{3B3BC6A7-D0F5-4A43-BBD5-A959D8BFBF5F}" type="presOf" srcId="{A0ACE738-1680-49A9-A2CF-D906803B030E}" destId="{3630A457-5CC4-40A5-A107-01C78963D87C}" srcOrd="0" destOrd="0" presId="urn:microsoft.com/office/officeart/2005/8/layout/lProcess3"/>
+    <dgm:cxn modelId="{541A2BE4-F605-4139-A89C-0AFB006E6BB0}" srcId="{A0ACE738-1680-49A9-A2CF-D906803B030E}" destId="{2511BAFD-47B8-4760-8EF9-78CFD45E3974}" srcOrd="0" destOrd="0" parTransId="{60989FC9-0B14-4AA6-804D-223E28E67923}" sibTransId="{7C249041-5E17-4F84-990E-5F8426AEC0A6}"/>
     <dgm:cxn modelId="{4A828D74-D111-447A-AAF9-46D41F51B5E5}" type="presOf" srcId="{083A6C85-6FFB-4B4D-8D74-D8F48FD8829A}" destId="{59ECF31A-0156-405E-9EE6-10BE123BFF6E}" srcOrd="0" destOrd="0" presId="urn:microsoft.com/office/officeart/2005/8/layout/lProcess3"/>
-    <dgm:cxn modelId="{07F83F7A-C77E-4639-A83D-5FBF94324F41}" type="presOf" srcId="{14588E69-6899-4F1F-B273-599A71EBC9D7}" destId="{1B82D982-125A-4B17-9093-4DD998576D21}" srcOrd="0" destOrd="0" presId="urn:microsoft.com/office/officeart/2005/8/layout/lProcess3"/>
-    <dgm:cxn modelId="{75F6B27D-A442-4C91-A7A9-A5B8AE199420}" type="presOf" srcId="{044F67A8-0C65-405B-8D23-00B0415270C1}" destId="{120A6866-71AF-4668-87F2-2D737620263E}" srcOrd="0" destOrd="0" presId="urn:microsoft.com/office/officeart/2005/8/layout/lProcess3"/>
-    <dgm:cxn modelId="{CFBBAB9D-982D-44E2-B39C-0255DD9A634C}" type="presOf" srcId="{A80ADC32-1240-44A9-8D10-689B131ED7C4}" destId="{C4C5BB40-2CB3-4FCC-A7B5-C0179DBBBF29}" srcOrd="0" destOrd="0" presId="urn:microsoft.com/office/officeart/2005/8/layout/lProcess3"/>
-    <dgm:cxn modelId="{38452B9F-079B-43EE-9A1D-BABB5DEF9DA7}" type="presOf" srcId="{E2F21A9B-00DA-4D55-B768-C79D3328E3BE}" destId="{CE31B4AC-3DDB-4EC4-811E-AFA799FA1C15}" srcOrd="0" destOrd="0" presId="urn:microsoft.com/office/officeart/2005/8/layout/lProcess3"/>
-    <dgm:cxn modelId="{B1B9AAA5-1748-4253-AA4F-3EA0FC2B3FE7}" type="presOf" srcId="{FF92E042-F1C1-4BC6-BA3F-C741F5ED9AB5}" destId="{86A88084-04D1-453D-9EB9-B02F0C23CC18}" srcOrd="0" destOrd="0" presId="urn:microsoft.com/office/officeart/2005/8/layout/lProcess3"/>
-    <dgm:cxn modelId="{595C99A7-D46B-44BB-ABC3-8F077590AD91}" type="presOf" srcId="{4BAAF9E6-4EEA-4F67-B767-038B4C129EF6}" destId="{08E94FF5-BC66-4B8D-8967-BE71F1CB4EDC}" srcOrd="0" destOrd="0" presId="urn:microsoft.com/office/officeart/2005/8/layout/lProcess3"/>
-    <dgm:cxn modelId="{3B3BC6A7-D0F5-4A43-BBD5-A959D8BFBF5F}" type="presOf" srcId="{A0ACE738-1680-49A9-A2CF-D906803B030E}" destId="{3630A457-5CC4-40A5-A107-01C78963D87C}" srcOrd="0" destOrd="0" presId="urn:microsoft.com/office/officeart/2005/8/layout/lProcess3"/>
-    <dgm:cxn modelId="{0CE6ECBA-B722-4295-B6B2-5259046092E9}" srcId="{A80ADC32-1240-44A9-8D10-689B131ED7C4}" destId="{549ACBF8-7430-46D9-8339-874950FB366A}" srcOrd="0" destOrd="0" parTransId="{AE219D22-E614-42D9-933D-F2CAABDD96DD}" sibTransId="{FE411B50-16E6-4BFE-BCED-3F3D642BD122}"/>
-    <dgm:cxn modelId="{5A40ECBD-BA98-484B-8866-8211C9586F02}" type="presOf" srcId="{36D39F46-44D7-415F-AAFF-5457B1161AF6}" destId="{0422B60C-0DD5-4DD4-B675-31405221A894}" srcOrd="0" destOrd="0" presId="urn:microsoft.com/office/officeart/2005/8/layout/lProcess3"/>
-    <dgm:cxn modelId="{0F6308C2-8074-41F4-83E5-2449CE4AAE42}" type="presOf" srcId="{9AB6D8E7-86BD-4A09-9E94-09503E3538EE}" destId="{158CF9EF-55D6-45A4-8B21-598846198B97}" srcOrd="0" destOrd="0" presId="urn:microsoft.com/office/officeart/2005/8/layout/lProcess3"/>
-    <dgm:cxn modelId="{0452ABD0-B8AF-4389-A49D-B494462EF935}" srcId="{549ACBF8-7430-46D9-8339-874950FB366A}" destId="{14588E69-6899-4F1F-B273-599A71EBC9D7}" srcOrd="2" destOrd="0" parTransId="{EAAB7090-D874-46C5-9CE1-D5E4FBD9834B}" sibTransId="{657EF155-E704-41B9-8E16-2C9B05F162EF}"/>
-    <dgm:cxn modelId="{296330D7-E3EA-4CBD-916E-7310BB5EE1B2}" type="presOf" srcId="{4FF48E9C-E9AC-4281-B947-D8FFE3DECE5C}" destId="{1F3A26B7-5C5F-444E-B2F4-81A4EF68D39C}" srcOrd="0" destOrd="0" presId="urn:microsoft.com/office/officeart/2005/8/layout/lProcess3"/>
-    <dgm:cxn modelId="{DD5202E2-8C4D-43A8-BE0D-7D8CF3368668}" type="presOf" srcId="{B4B2491C-5DBC-436E-866C-A0494F15234A}" destId="{E686387D-616A-4F98-990F-FBCDBE8E26E5}" srcOrd="0" destOrd="0" presId="urn:microsoft.com/office/officeart/2005/8/layout/lProcess3"/>
-    <dgm:cxn modelId="{541A2BE4-F605-4139-A89C-0AFB006E6BB0}" srcId="{A0ACE738-1680-49A9-A2CF-D906803B030E}" destId="{2511BAFD-47B8-4760-8EF9-78CFD45E3974}" srcOrd="0" destOrd="0" parTransId="{60989FC9-0B14-4AA6-804D-223E28E67923}" sibTransId="{7C249041-5E17-4F84-990E-5F8426AEC0A6}"/>
-    <dgm:cxn modelId="{636607E7-43C7-4FD0-9749-C9245976A68A}" srcId="{A0ACE738-1680-49A9-A2CF-D906803B030E}" destId="{FF92E042-F1C1-4BC6-BA3F-C741F5ED9AB5}" srcOrd="5" destOrd="0" parTransId="{CD0106D6-F3F8-43D1-90B7-A48B899A1EAD}" sibTransId="{907133C3-2063-49AF-AF0C-9A21E4C33D9E}"/>
-    <dgm:cxn modelId="{7FE338E9-B6F9-4B44-973C-32BFC4F19575}" srcId="{549ACBF8-7430-46D9-8339-874950FB366A}" destId="{4BAAF9E6-4EEA-4F67-B767-038B4C129EF6}" srcOrd="4" destOrd="0" parTransId="{578CCCFE-0959-465C-8C7F-EF451BD3E318}" sibTransId="{0E766B73-2495-4B97-943D-F917B7F53DC7}"/>
-    <dgm:cxn modelId="{27387CF2-0AD1-4E7E-AC6B-84278399C2E8}" srcId="{549ACBF8-7430-46D9-8339-874950FB366A}" destId="{36D39F46-44D7-415F-AAFF-5457B1161AF6}" srcOrd="3" destOrd="0" parTransId="{638078A6-F5E3-494B-8E8B-F2155CD16EA1}" sibTransId="{50B78A94-15AC-4F2F-BD07-128463FB03D5}"/>
-    <dgm:cxn modelId="{D56F8DFE-165F-40BA-A4E4-4E592B65E34F}" srcId="{549ACBF8-7430-46D9-8339-874950FB366A}" destId="{9AB6D8E7-86BD-4A09-9E94-09503E3538EE}" srcOrd="1" destOrd="0" parTransId="{B4805897-718D-47D9-8410-86FBE07C65A7}" sibTransId="{D9CCF4A3-B52A-43D1-9DCD-6DD1861A3B49}"/>
     <dgm:cxn modelId="{71EF369B-BB3F-4696-BAF7-AC2B38808F4B}" type="presParOf" srcId="{C4C5BB40-2CB3-4FCC-A7B5-C0179DBBBF29}" destId="{144BC6F2-0B73-49AC-AC02-AAF3E83C24EB}" srcOrd="0" destOrd="0" presId="urn:microsoft.com/office/officeart/2005/8/layout/lProcess3"/>
     <dgm:cxn modelId="{DF21FEDF-2779-4399-AD79-4A486854C540}" type="presParOf" srcId="{144BC6F2-0B73-49AC-AC02-AAF3E83C24EB}" destId="{8897FB83-C378-44D3-B544-CCCA50E493FA}" srcOrd="0" destOrd="0" presId="urn:microsoft.com/office/officeart/2005/8/layout/lProcess3"/>
     <dgm:cxn modelId="{69232E6A-73F4-4EDF-AA14-54CD52261A0D}" type="presParOf" srcId="{144BC6F2-0B73-49AC-AC02-AAF3E83C24EB}" destId="{25215EDD-48C1-4736-A8BD-0063033D24E7}" srcOrd="1" destOrd="0" presId="urn:microsoft.com/office/officeart/2005/8/layout/lProcess3"/>
@@ -4731,7 +4920,7 @@
       </dgm:t>
     </dgm:pt>
     <dgm:pt modelId="{8ED92E66-6407-44FD-921E-FE84F85EC276}">
-      <dgm:prSet/>
+      <dgm:prSet custT="1"/>
       <dgm:spPr/>
       <dgm:t>
         <a:bodyPr/>
@@ -4739,10 +4928,16 @@
         <a:p>
           <a:pPr rtl="0"/>
           <a:r>
-            <a:rPr lang="en-US" b="1" baseline="0" dirty="0"/>
+            <a:rPr lang="en-US" sz="1400" b="1" baseline="0" dirty="0">
+              <a:latin typeface="Times New Roman" panose="02020603050405020304" pitchFamily="18" charset="0"/>
+              <a:cs typeface="Times New Roman" panose="02020603050405020304" pitchFamily="18" charset="0"/>
+            </a:rPr>
             <a:t>Student(Before)</a:t>
           </a:r>
-          <a:endParaRPr lang="en-US" dirty="0"/>
+          <a:endParaRPr lang="en-US" sz="1400" dirty="0">
+            <a:latin typeface="Times New Roman" panose="02020603050405020304" pitchFamily="18" charset="0"/>
+            <a:cs typeface="Times New Roman" panose="02020603050405020304" pitchFamily="18" charset="0"/>
+          </a:endParaRPr>
         </a:p>
       </dgm:t>
     </dgm:pt>
@@ -4769,7 +4964,7 @@
       </dgm:t>
     </dgm:pt>
     <dgm:pt modelId="{9BBDE11D-946C-4141-AFB7-1D98536E8C61}">
-      <dgm:prSet/>
+      <dgm:prSet custT="1"/>
       <dgm:spPr/>
       <dgm:t>
         <a:bodyPr/>
@@ -4777,10 +4972,16 @@
         <a:p>
           <a:pPr rtl="0"/>
           <a:r>
-            <a:rPr lang="en-US" baseline="0"/>
+            <a:rPr lang="en-US" sz="1400" baseline="0">
+              <a:latin typeface="Times New Roman" panose="02020603050405020304" pitchFamily="18" charset="0"/>
+              <a:cs typeface="Times New Roman" panose="02020603050405020304" pitchFamily="18" charset="0"/>
+            </a:rPr>
             <a:t>iOS application.</a:t>
           </a:r>
-          <a:endParaRPr lang="en-US"/>
+          <a:endParaRPr lang="en-US" sz="1400">
+            <a:latin typeface="Times New Roman" panose="02020603050405020304" pitchFamily="18" charset="0"/>
+            <a:cs typeface="Times New Roman" panose="02020603050405020304" pitchFamily="18" charset="0"/>
+          </a:endParaRPr>
         </a:p>
       </dgm:t>
     </dgm:pt>
@@ -4807,7 +5008,7 @@
       </dgm:t>
     </dgm:pt>
     <dgm:pt modelId="{65B7FAF7-4262-4354-889F-86391751D0CE}">
-      <dgm:prSet/>
+      <dgm:prSet custT="1"/>
       <dgm:spPr/>
       <dgm:t>
         <a:bodyPr/>
@@ -4815,10 +5016,16 @@
         <a:p>
           <a:pPr rtl="0"/>
           <a:r>
-            <a:rPr lang="en-US" baseline="0"/>
+            <a:rPr lang="en-US" sz="1400" baseline="0">
+              <a:latin typeface="Times New Roman" panose="02020603050405020304" pitchFamily="18" charset="0"/>
+              <a:cs typeface="Times New Roman" panose="02020603050405020304" pitchFamily="18" charset="0"/>
+            </a:rPr>
             <a:t>Persistent Login</a:t>
           </a:r>
-          <a:endParaRPr lang="en-US"/>
+          <a:endParaRPr lang="en-US" sz="1400">
+            <a:latin typeface="Times New Roman" panose="02020603050405020304" pitchFamily="18" charset="0"/>
+            <a:cs typeface="Times New Roman" panose="02020603050405020304" pitchFamily="18" charset="0"/>
+          </a:endParaRPr>
         </a:p>
       </dgm:t>
     </dgm:pt>
@@ -4845,7 +5052,7 @@
       </dgm:t>
     </dgm:pt>
     <dgm:pt modelId="{E64BE0B1-C71C-4CFD-9E9C-4E40E5B91C9D}">
-      <dgm:prSet/>
+      <dgm:prSet custT="1"/>
       <dgm:spPr/>
       <dgm:t>
         <a:bodyPr/>
@@ -4853,10 +5060,16 @@
         <a:p>
           <a:pPr rtl="0"/>
           <a:r>
-            <a:rPr lang="en-US" baseline="0"/>
+            <a:rPr lang="en-US" sz="1400" baseline="0">
+              <a:latin typeface="Times New Roman" panose="02020603050405020304" pitchFamily="18" charset="0"/>
+              <a:cs typeface="Times New Roman" panose="02020603050405020304" pitchFamily="18" charset="0"/>
+            </a:rPr>
             <a:t>Scan and Capture QR</a:t>
           </a:r>
-          <a:endParaRPr lang="en-US"/>
+          <a:endParaRPr lang="en-US" sz="1400">
+            <a:latin typeface="Times New Roman" panose="02020603050405020304" pitchFamily="18" charset="0"/>
+            <a:cs typeface="Times New Roman" panose="02020603050405020304" pitchFamily="18" charset="0"/>
+          </a:endParaRPr>
         </a:p>
       </dgm:t>
     </dgm:pt>
@@ -4883,7 +5096,7 @@
       </dgm:t>
     </dgm:pt>
     <dgm:pt modelId="{D9525DC3-C28F-4151-9ACF-8100344CEE69}">
-      <dgm:prSet/>
+      <dgm:prSet custT="1"/>
       <dgm:spPr/>
       <dgm:t>
         <a:bodyPr/>
@@ -4891,10 +5104,16 @@
         <a:p>
           <a:pPr rtl="0"/>
           <a:r>
-            <a:rPr lang="en-US" baseline="0"/>
+            <a:rPr lang="en-US" sz="1400" baseline="0">
+              <a:latin typeface="Times New Roman" panose="02020603050405020304" pitchFamily="18" charset="0"/>
+              <a:cs typeface="Times New Roman" panose="02020603050405020304" pitchFamily="18" charset="0"/>
+            </a:rPr>
             <a:t>View courses registered</a:t>
           </a:r>
-          <a:endParaRPr lang="en-US"/>
+          <a:endParaRPr lang="en-US" sz="1400">
+            <a:latin typeface="Times New Roman" panose="02020603050405020304" pitchFamily="18" charset="0"/>
+            <a:cs typeface="Times New Roman" panose="02020603050405020304" pitchFamily="18" charset="0"/>
+          </a:endParaRPr>
         </a:p>
       </dgm:t>
     </dgm:pt>
@@ -4921,7 +5140,7 @@
       </dgm:t>
     </dgm:pt>
     <dgm:pt modelId="{834E9F12-1B29-4A3E-A0B4-50104DB59D16}">
-      <dgm:prSet/>
+      <dgm:prSet custT="1"/>
       <dgm:spPr/>
       <dgm:t>
         <a:bodyPr/>
@@ -4929,10 +5148,16 @@
         <a:p>
           <a:pPr rtl="0"/>
           <a:r>
-            <a:rPr lang="en-US" baseline="0"/>
+            <a:rPr lang="en-US" sz="1400" baseline="0">
+              <a:latin typeface="Times New Roman" panose="02020603050405020304" pitchFamily="18" charset="0"/>
+              <a:cs typeface="Times New Roman" panose="02020603050405020304" pitchFamily="18" charset="0"/>
+            </a:rPr>
             <a:t>View attendance percentage</a:t>
           </a:r>
-          <a:endParaRPr lang="en-US"/>
+          <a:endParaRPr lang="en-US" sz="1400">
+            <a:latin typeface="Times New Roman" panose="02020603050405020304" pitchFamily="18" charset="0"/>
+            <a:cs typeface="Times New Roman" panose="02020603050405020304" pitchFamily="18" charset="0"/>
+          </a:endParaRPr>
         </a:p>
       </dgm:t>
     </dgm:pt>
@@ -4959,7 +5184,7 @@
       </dgm:t>
     </dgm:pt>
     <dgm:pt modelId="{E8F2D828-7A81-4F56-8A48-12CB9D96DC14}">
-      <dgm:prSet/>
+      <dgm:prSet custT="1"/>
       <dgm:spPr/>
       <dgm:t>
         <a:bodyPr/>
@@ -4967,10 +5192,16 @@
         <a:p>
           <a:pPr rtl="0"/>
           <a:r>
-            <a:rPr lang="en-US" baseline="0"/>
+            <a:rPr lang="en-US" sz="1400" baseline="0">
+              <a:latin typeface="Times New Roman" panose="02020603050405020304" pitchFamily="18" charset="0"/>
+              <a:cs typeface="Times New Roman" panose="02020603050405020304" pitchFamily="18" charset="0"/>
+            </a:rPr>
             <a:t>Appropriate Feedback</a:t>
           </a:r>
-          <a:endParaRPr lang="en-US"/>
+          <a:endParaRPr lang="en-US" sz="1400">
+            <a:latin typeface="Times New Roman" panose="02020603050405020304" pitchFamily="18" charset="0"/>
+            <a:cs typeface="Times New Roman" panose="02020603050405020304" pitchFamily="18" charset="0"/>
+          </a:endParaRPr>
         </a:p>
       </dgm:t>
     </dgm:pt>
@@ -4997,7 +5228,7 @@
       </dgm:t>
     </dgm:pt>
     <dgm:pt modelId="{C2F9F271-64B0-41D6-A7D5-27382FD51ABF}">
-      <dgm:prSet/>
+      <dgm:prSet custT="1"/>
       <dgm:spPr/>
       <dgm:t>
         <a:bodyPr/>
@@ -5005,10 +5236,16 @@
         <a:p>
           <a:pPr rtl="0"/>
           <a:r>
-            <a:rPr lang="en-US" b="1" baseline="0" dirty="0"/>
+            <a:rPr lang="en-US" sz="1400" b="1" baseline="0" dirty="0">
+              <a:latin typeface="Times New Roman" panose="02020603050405020304" pitchFamily="18" charset="0"/>
+              <a:cs typeface="Times New Roman" panose="02020603050405020304" pitchFamily="18" charset="0"/>
+            </a:rPr>
             <a:t>Student(Now)</a:t>
           </a:r>
-          <a:endParaRPr lang="en-US" dirty="0"/>
+          <a:endParaRPr lang="en-US" sz="1400" dirty="0">
+            <a:latin typeface="Times New Roman" panose="02020603050405020304" pitchFamily="18" charset="0"/>
+            <a:cs typeface="Times New Roman" panose="02020603050405020304" pitchFamily="18" charset="0"/>
+          </a:endParaRPr>
         </a:p>
       </dgm:t>
     </dgm:pt>
@@ -5035,7 +5272,7 @@
       </dgm:t>
     </dgm:pt>
     <dgm:pt modelId="{8110FF86-ECF1-4B51-AB45-9F942DBC9AC0}">
-      <dgm:prSet/>
+      <dgm:prSet custT="1"/>
       <dgm:spPr/>
       <dgm:t>
         <a:bodyPr/>
@@ -5043,10 +5280,16 @@
         <a:p>
           <a:pPr rtl="0"/>
           <a:r>
-            <a:rPr lang="en-US" baseline="0"/>
+            <a:rPr lang="en-US" sz="1400" baseline="0">
+              <a:latin typeface="Times New Roman" panose="02020603050405020304" pitchFamily="18" charset="0"/>
+              <a:cs typeface="Times New Roman" panose="02020603050405020304" pitchFamily="18" charset="0"/>
+            </a:rPr>
             <a:t>iOS application – tabbed.</a:t>
           </a:r>
-          <a:endParaRPr lang="en-US"/>
+          <a:endParaRPr lang="en-US" sz="1400">
+            <a:latin typeface="Times New Roman" panose="02020603050405020304" pitchFamily="18" charset="0"/>
+            <a:cs typeface="Times New Roman" panose="02020603050405020304" pitchFamily="18" charset="0"/>
+          </a:endParaRPr>
         </a:p>
       </dgm:t>
     </dgm:pt>
@@ -5073,7 +5316,7 @@
       </dgm:t>
     </dgm:pt>
     <dgm:pt modelId="{FC465601-FED4-4F1A-8D4A-98EADE87D9CF}">
-      <dgm:prSet/>
+      <dgm:prSet custT="1"/>
       <dgm:spPr/>
       <dgm:t>
         <a:bodyPr/>
@@ -5081,10 +5324,16 @@
         <a:p>
           <a:pPr rtl="0"/>
           <a:r>
-            <a:rPr lang="en-US" baseline="0"/>
+            <a:rPr lang="en-US" sz="1400" baseline="0">
+              <a:latin typeface="Times New Roman" panose="02020603050405020304" pitchFamily="18" charset="0"/>
+              <a:cs typeface="Times New Roman" panose="02020603050405020304" pitchFamily="18" charset="0"/>
+            </a:rPr>
             <a:t>Persistent Login</a:t>
           </a:r>
-          <a:endParaRPr lang="en-US"/>
+          <a:endParaRPr lang="en-US" sz="1400">
+            <a:latin typeface="Times New Roman" panose="02020603050405020304" pitchFamily="18" charset="0"/>
+            <a:cs typeface="Times New Roman" panose="02020603050405020304" pitchFamily="18" charset="0"/>
+          </a:endParaRPr>
         </a:p>
       </dgm:t>
     </dgm:pt>
@@ -5111,7 +5360,7 @@
       </dgm:t>
     </dgm:pt>
     <dgm:pt modelId="{F4CF6695-2A42-4DCD-AF4B-5D6873A86569}">
-      <dgm:prSet/>
+      <dgm:prSet custT="1"/>
       <dgm:spPr/>
       <dgm:t>
         <a:bodyPr/>
@@ -5119,10 +5368,16 @@
         <a:p>
           <a:pPr rtl="0"/>
           <a:r>
-            <a:rPr lang="en-US" baseline="0"/>
+            <a:rPr lang="en-US" sz="1400" baseline="0">
+              <a:latin typeface="Times New Roman" panose="02020603050405020304" pitchFamily="18" charset="0"/>
+              <a:cs typeface="Times New Roman" panose="02020603050405020304" pitchFamily="18" charset="0"/>
+            </a:rPr>
             <a:t>Scan QR</a:t>
           </a:r>
-          <a:endParaRPr lang="en-US"/>
+          <a:endParaRPr lang="en-US" sz="1400">
+            <a:latin typeface="Times New Roman" panose="02020603050405020304" pitchFamily="18" charset="0"/>
+            <a:cs typeface="Times New Roman" panose="02020603050405020304" pitchFamily="18" charset="0"/>
+          </a:endParaRPr>
         </a:p>
       </dgm:t>
     </dgm:pt>
@@ -5149,7 +5404,7 @@
       </dgm:t>
     </dgm:pt>
     <dgm:pt modelId="{4F10CD46-D03C-4C30-9A61-B3AAEF34C8B6}">
-      <dgm:prSet/>
+      <dgm:prSet custT="1"/>
       <dgm:spPr/>
       <dgm:t>
         <a:bodyPr/>
@@ -5157,10 +5412,16 @@
         <a:p>
           <a:pPr rtl="0"/>
           <a:r>
-            <a:rPr lang="en-US" baseline="0"/>
+            <a:rPr lang="en-US" sz="1400" baseline="0">
+              <a:latin typeface="Times New Roman" panose="02020603050405020304" pitchFamily="18" charset="0"/>
+              <a:cs typeface="Times New Roman" panose="02020603050405020304" pitchFamily="18" charset="0"/>
+            </a:rPr>
             <a:t>View courses registered</a:t>
           </a:r>
-          <a:endParaRPr lang="en-US"/>
+          <a:endParaRPr lang="en-US" sz="1400">
+            <a:latin typeface="Times New Roman" panose="02020603050405020304" pitchFamily="18" charset="0"/>
+            <a:cs typeface="Times New Roman" panose="02020603050405020304" pitchFamily="18" charset="0"/>
+          </a:endParaRPr>
         </a:p>
       </dgm:t>
     </dgm:pt>
@@ -5187,7 +5448,7 @@
       </dgm:t>
     </dgm:pt>
     <dgm:pt modelId="{64201C47-DAED-4B5A-AEBC-D5075DCD1BF7}">
-      <dgm:prSet/>
+      <dgm:prSet custT="1"/>
       <dgm:spPr/>
       <dgm:t>
         <a:bodyPr/>
@@ -5195,10 +5456,16 @@
         <a:p>
           <a:pPr rtl="0"/>
           <a:r>
-            <a:rPr lang="en-US" baseline="0"/>
+            <a:rPr lang="en-US" sz="1400" baseline="0">
+              <a:latin typeface="Times New Roman" panose="02020603050405020304" pitchFamily="18" charset="0"/>
+              <a:cs typeface="Times New Roman" panose="02020603050405020304" pitchFamily="18" charset="0"/>
+            </a:rPr>
             <a:t>View attendance percentage</a:t>
           </a:r>
-          <a:endParaRPr lang="en-US"/>
+          <a:endParaRPr lang="en-US" sz="1400">
+            <a:latin typeface="Times New Roman" panose="02020603050405020304" pitchFamily="18" charset="0"/>
+            <a:cs typeface="Times New Roman" panose="02020603050405020304" pitchFamily="18" charset="0"/>
+          </a:endParaRPr>
         </a:p>
       </dgm:t>
     </dgm:pt>
@@ -5225,7 +5492,7 @@
       </dgm:t>
     </dgm:pt>
     <dgm:pt modelId="{C2A6241B-A60A-40A6-A332-CA1B953C0B89}">
-      <dgm:prSet/>
+      <dgm:prSet custT="1"/>
       <dgm:spPr/>
       <dgm:t>
         <a:bodyPr/>
@@ -5233,10 +5500,16 @@
         <a:p>
           <a:pPr rtl="0"/>
           <a:r>
-            <a:rPr lang="en-US" baseline="0"/>
+            <a:rPr lang="en-US" sz="1400" baseline="0">
+              <a:latin typeface="Times New Roman" panose="02020603050405020304" pitchFamily="18" charset="0"/>
+              <a:cs typeface="Times New Roman" panose="02020603050405020304" pitchFamily="18" charset="0"/>
+            </a:rPr>
             <a:t>Appropriate Feedback</a:t>
           </a:r>
-          <a:endParaRPr lang="en-US"/>
+          <a:endParaRPr lang="en-US" sz="1400">
+            <a:latin typeface="Times New Roman" panose="02020603050405020304" pitchFamily="18" charset="0"/>
+            <a:cs typeface="Times New Roman" panose="02020603050405020304" pitchFamily="18" charset="0"/>
+          </a:endParaRPr>
         </a:p>
       </dgm:t>
     </dgm:pt>
@@ -5272,6 +5545,13 @@
         </dgm:presLayoutVars>
       </dgm:prSet>
       <dgm:spPr/>
+      <dgm:t>
+        <a:bodyPr/>
+        <a:lstStyle/>
+        <a:p>
+          <a:endParaRPr lang="en-US"/>
+        </a:p>
+      </dgm:t>
     </dgm:pt>
     <dgm:pt modelId="{72351675-A75A-418F-B54D-75582005E322}" type="pres">
       <dgm:prSet presAssocID="{8ED92E66-6407-44FD-921E-FE84F85EC276}" presName="horFlow" presStyleCnt="0"/>
@@ -5280,6 +5560,13 @@
     <dgm:pt modelId="{53587B7A-CE83-4C53-8A75-DBF752593546}" type="pres">
       <dgm:prSet presAssocID="{8ED92E66-6407-44FD-921E-FE84F85EC276}" presName="bigChev" presStyleLbl="node1" presStyleIdx="0" presStyleCnt="2"/>
       <dgm:spPr/>
+      <dgm:t>
+        <a:bodyPr/>
+        <a:lstStyle/>
+        <a:p>
+          <a:endParaRPr lang="en-US"/>
+        </a:p>
+      </dgm:t>
     </dgm:pt>
     <dgm:pt modelId="{DEC20D1B-D52A-443F-91F5-11328299A612}" type="pres">
       <dgm:prSet presAssocID="{A8702FA0-5F59-4B93-9076-86ABA84C871F}" presName="parTrans" presStyleCnt="0"/>
@@ -5292,6 +5579,13 @@
         </dgm:presLayoutVars>
       </dgm:prSet>
       <dgm:spPr/>
+      <dgm:t>
+        <a:bodyPr/>
+        <a:lstStyle/>
+        <a:p>
+          <a:endParaRPr lang="en-US"/>
+        </a:p>
+      </dgm:t>
     </dgm:pt>
     <dgm:pt modelId="{B2A5AB40-E594-4E8C-8D2D-BA21171A15E1}" type="pres">
       <dgm:prSet presAssocID="{14EDDD95-DEF6-4BBC-9EFB-96E015D1D13A}" presName="sibTrans" presStyleCnt="0"/>
@@ -5304,6 +5598,13 @@
         </dgm:presLayoutVars>
       </dgm:prSet>
       <dgm:spPr/>
+      <dgm:t>
+        <a:bodyPr/>
+        <a:lstStyle/>
+        <a:p>
+          <a:endParaRPr lang="en-US"/>
+        </a:p>
+      </dgm:t>
     </dgm:pt>
     <dgm:pt modelId="{8905A38E-6FFD-4BD8-8B96-184FF8131D9E}" type="pres">
       <dgm:prSet presAssocID="{657C235A-7275-466C-8DA1-5CD27F5E1614}" presName="sibTrans" presStyleCnt="0"/>
@@ -5316,6 +5617,13 @@
         </dgm:presLayoutVars>
       </dgm:prSet>
       <dgm:spPr/>
+      <dgm:t>
+        <a:bodyPr/>
+        <a:lstStyle/>
+        <a:p>
+          <a:endParaRPr lang="en-US"/>
+        </a:p>
+      </dgm:t>
     </dgm:pt>
     <dgm:pt modelId="{7A8D687B-31A3-4C84-B4DD-D0B49EA206D7}" type="pres">
       <dgm:prSet presAssocID="{9A70F99C-0FC6-44E2-B98C-AED58C942E65}" presName="sibTrans" presStyleCnt="0"/>
@@ -5328,6 +5636,13 @@
         </dgm:presLayoutVars>
       </dgm:prSet>
       <dgm:spPr/>
+      <dgm:t>
+        <a:bodyPr/>
+        <a:lstStyle/>
+        <a:p>
+          <a:endParaRPr lang="en-US"/>
+        </a:p>
+      </dgm:t>
     </dgm:pt>
     <dgm:pt modelId="{028E169C-4FAA-4F1B-A952-7752EA06469C}" type="pres">
       <dgm:prSet presAssocID="{482FABEA-B9B6-44D0-B10B-B13666439C16}" presName="sibTrans" presStyleCnt="0"/>
@@ -5340,6 +5655,13 @@
         </dgm:presLayoutVars>
       </dgm:prSet>
       <dgm:spPr/>
+      <dgm:t>
+        <a:bodyPr/>
+        <a:lstStyle/>
+        <a:p>
+          <a:endParaRPr lang="en-US"/>
+        </a:p>
+      </dgm:t>
     </dgm:pt>
     <dgm:pt modelId="{F603116E-6283-47DC-BF1F-E1873B3D846A}" type="pres">
       <dgm:prSet presAssocID="{4A9F5246-B350-4BFD-B0DF-6132EE410BB5}" presName="sibTrans" presStyleCnt="0"/>
@@ -5352,6 +5674,13 @@
         </dgm:presLayoutVars>
       </dgm:prSet>
       <dgm:spPr/>
+      <dgm:t>
+        <a:bodyPr/>
+        <a:lstStyle/>
+        <a:p>
+          <a:endParaRPr lang="en-US"/>
+        </a:p>
+      </dgm:t>
     </dgm:pt>
     <dgm:pt modelId="{A93B2CE1-4F0E-4931-81D2-246DCC8785DF}" type="pres">
       <dgm:prSet presAssocID="{8ED92E66-6407-44FD-921E-FE84F85EC276}" presName="vSp" presStyleCnt="0"/>
@@ -5364,6 +5693,13 @@
     <dgm:pt modelId="{94FBA5BC-C6BE-4CFB-AAFE-632C3D6BA861}" type="pres">
       <dgm:prSet presAssocID="{C2F9F271-64B0-41D6-A7D5-27382FD51ABF}" presName="bigChev" presStyleLbl="node1" presStyleIdx="1" presStyleCnt="2"/>
       <dgm:spPr/>
+      <dgm:t>
+        <a:bodyPr/>
+        <a:lstStyle/>
+        <a:p>
+          <a:endParaRPr lang="en-US"/>
+        </a:p>
+      </dgm:t>
     </dgm:pt>
     <dgm:pt modelId="{CB837D01-7DEE-4319-88B9-DD2C38262BA8}" type="pres">
       <dgm:prSet presAssocID="{9F35A48C-E748-4B82-ABA5-E04DC5303289}" presName="parTrans" presStyleCnt="0"/>
@@ -5376,6 +5712,13 @@
         </dgm:presLayoutVars>
       </dgm:prSet>
       <dgm:spPr/>
+      <dgm:t>
+        <a:bodyPr/>
+        <a:lstStyle/>
+        <a:p>
+          <a:endParaRPr lang="en-US"/>
+        </a:p>
+      </dgm:t>
     </dgm:pt>
     <dgm:pt modelId="{8947C428-993F-475D-838D-52BA21678FDC}" type="pres">
       <dgm:prSet presAssocID="{361BD2E7-5210-4588-A684-D897488C591E}" presName="sibTrans" presStyleCnt="0"/>
@@ -5388,6 +5731,13 @@
         </dgm:presLayoutVars>
       </dgm:prSet>
       <dgm:spPr/>
+      <dgm:t>
+        <a:bodyPr/>
+        <a:lstStyle/>
+        <a:p>
+          <a:endParaRPr lang="en-US"/>
+        </a:p>
+      </dgm:t>
     </dgm:pt>
     <dgm:pt modelId="{C5A372D0-9ED9-47DE-88EE-3EE18038C7DE}" type="pres">
       <dgm:prSet presAssocID="{1052A0B4-A1B5-4FE9-AF36-059001C444E0}" presName="sibTrans" presStyleCnt="0"/>
@@ -5400,6 +5750,13 @@
         </dgm:presLayoutVars>
       </dgm:prSet>
       <dgm:spPr/>
+      <dgm:t>
+        <a:bodyPr/>
+        <a:lstStyle/>
+        <a:p>
+          <a:endParaRPr lang="en-US"/>
+        </a:p>
+      </dgm:t>
     </dgm:pt>
     <dgm:pt modelId="{6C315F29-0D5D-47C9-9579-726300F33FE8}" type="pres">
       <dgm:prSet presAssocID="{F93D65F4-4415-4C60-9667-DD4DC8446665}" presName="sibTrans" presStyleCnt="0"/>
@@ -5412,6 +5769,13 @@
         </dgm:presLayoutVars>
       </dgm:prSet>
       <dgm:spPr/>
+      <dgm:t>
+        <a:bodyPr/>
+        <a:lstStyle/>
+        <a:p>
+          <a:endParaRPr lang="en-US"/>
+        </a:p>
+      </dgm:t>
     </dgm:pt>
     <dgm:pt modelId="{2F0B63A0-C386-4D3B-8A19-145517FFEE62}" type="pres">
       <dgm:prSet presAssocID="{0EC0398B-E253-4636-9E1E-BBDA4D07F5E0}" presName="sibTrans" presStyleCnt="0"/>
@@ -5424,6 +5788,13 @@
         </dgm:presLayoutVars>
       </dgm:prSet>
       <dgm:spPr/>
+      <dgm:t>
+        <a:bodyPr/>
+        <a:lstStyle/>
+        <a:p>
+          <a:endParaRPr lang="en-US"/>
+        </a:p>
+      </dgm:t>
     </dgm:pt>
     <dgm:pt modelId="{7A3C5DF4-C4A2-4336-893A-5ED7605D0B68}" type="pres">
       <dgm:prSet presAssocID="{68C840C4-C838-466D-BCAE-A53441EF6EE5}" presName="sibTrans" presStyleCnt="0"/>
@@ -5436,38 +5807,45 @@
         </dgm:presLayoutVars>
       </dgm:prSet>
       <dgm:spPr/>
+      <dgm:t>
+        <a:bodyPr/>
+        <a:lstStyle/>
+        <a:p>
+          <a:endParaRPr lang="en-US"/>
+        </a:p>
+      </dgm:t>
     </dgm:pt>
   </dgm:ptLst>
   <dgm:cxnLst>
+    <dgm:cxn modelId="{D2BF8C73-7147-48E6-9E75-E6AC8AE78A83}" type="presOf" srcId="{C2F9F271-64B0-41D6-A7D5-27382FD51ABF}" destId="{94FBA5BC-C6BE-4CFB-AAFE-632C3D6BA861}" srcOrd="0" destOrd="0" presId="urn:microsoft.com/office/officeart/2005/8/layout/lProcess3"/>
+    <dgm:cxn modelId="{FE61AC5F-E51A-47CB-96DE-215AA73DDE50}" type="presOf" srcId="{E8F2D828-7A81-4F56-8A48-12CB9D96DC14}" destId="{7CA2308A-0040-43B1-9358-E3AEFF39E55E}" srcOrd="0" destOrd="0" presId="urn:microsoft.com/office/officeart/2005/8/layout/lProcess3"/>
+    <dgm:cxn modelId="{986D9740-F0CF-4E26-9917-041F21878BAF}" srcId="{C2F9F271-64B0-41D6-A7D5-27382FD51ABF}" destId="{C2A6241B-A60A-40A6-A332-CA1B953C0B89}" srcOrd="5" destOrd="0" parTransId="{5CA04940-3D98-47AD-898B-44D2E359A6A7}" sibTransId="{9883CD46-4361-4A6B-8433-FBDFA9E812B8}"/>
+    <dgm:cxn modelId="{E045F890-30B6-4CC2-8C4C-E3E99CD5C85A}" srcId="{8ED92E66-6407-44FD-921E-FE84F85EC276}" destId="{D9525DC3-C28F-4151-9ACF-8100344CEE69}" srcOrd="3" destOrd="0" parTransId="{EE715F2D-B812-4E68-A453-483BB0DBCB4D}" sibTransId="{482FABEA-B9B6-44D0-B10B-B13666439C16}"/>
+    <dgm:cxn modelId="{967FD62E-D9F1-4340-A769-D0F786685E66}" type="presOf" srcId="{4F10CD46-D03C-4C30-9A61-B3AAEF34C8B6}" destId="{067CBF43-7801-49FD-994E-7E4EB2B8E06C}" srcOrd="0" destOrd="0" presId="urn:microsoft.com/office/officeart/2005/8/layout/lProcess3"/>
+    <dgm:cxn modelId="{074717B5-A1F6-46AE-9A72-7074EBDBE773}" srcId="{7B4D74AC-A593-4F73-BCAD-D9C81D9C731F}" destId="{8ED92E66-6407-44FD-921E-FE84F85EC276}" srcOrd="0" destOrd="0" parTransId="{7864B6C8-DD17-4FCE-80EB-5EDB9A70C7D3}" sibTransId="{73DE67CA-BEDE-4D30-81CD-3C68A3DAFA44}"/>
+    <dgm:cxn modelId="{81438ED4-35E4-442B-BBF2-DD95D007880F}" srcId="{C2F9F271-64B0-41D6-A7D5-27382FD51ABF}" destId="{FC465601-FED4-4F1A-8D4A-98EADE87D9CF}" srcOrd="1" destOrd="0" parTransId="{3C83BB60-F3DF-4C8C-A36F-1F102E840D5D}" sibTransId="{1052A0B4-A1B5-4FE9-AF36-059001C444E0}"/>
+    <dgm:cxn modelId="{821F55E9-FA49-4BB6-A33D-D8C3168FFC44}" srcId="{C2F9F271-64B0-41D6-A7D5-27382FD51ABF}" destId="{8110FF86-ECF1-4B51-AB45-9F942DBC9AC0}" srcOrd="0" destOrd="0" parTransId="{9F35A48C-E748-4B82-ABA5-E04DC5303289}" sibTransId="{361BD2E7-5210-4588-A684-D897488C591E}"/>
+    <dgm:cxn modelId="{652C8BCC-AEF2-4E2D-AAAF-9325524A7509}" type="presOf" srcId="{65B7FAF7-4262-4354-889F-86391751D0CE}" destId="{E76D64D2-A9E1-49C2-8DE1-C0B744CA3EE9}" srcOrd="0" destOrd="0" presId="urn:microsoft.com/office/officeart/2005/8/layout/lProcess3"/>
+    <dgm:cxn modelId="{C3EFB7E8-34C0-4E49-8F1E-04054930394C}" srcId="{8ED92E66-6407-44FD-921E-FE84F85EC276}" destId="{E64BE0B1-C71C-4CFD-9E9C-4E40E5B91C9D}" srcOrd="2" destOrd="0" parTransId="{C311E722-17ED-4412-9F8A-C92D8E90E9EB}" sibTransId="{9A70F99C-0FC6-44E2-B98C-AED58C942E65}"/>
+    <dgm:cxn modelId="{3A60F2FC-6BE1-46CA-938A-162E25303ED6}" type="presOf" srcId="{9BBDE11D-946C-4141-AFB7-1D98536E8C61}" destId="{7043D3F6-DA2C-4993-AFDC-234B2F74DB3E}" srcOrd="0" destOrd="0" presId="urn:microsoft.com/office/officeart/2005/8/layout/lProcess3"/>
+    <dgm:cxn modelId="{B136B8E7-58E2-473B-BE10-0E3E2A29D5D1}" type="presOf" srcId="{F4CF6695-2A42-4DCD-AF4B-5D6873A86569}" destId="{B041A7D8-4560-4EF1-9763-213F59725A7E}" srcOrd="0" destOrd="0" presId="urn:microsoft.com/office/officeart/2005/8/layout/lProcess3"/>
+    <dgm:cxn modelId="{B316E536-3497-4AC6-8BE5-C2D0CDC3567B}" srcId="{7B4D74AC-A593-4F73-BCAD-D9C81D9C731F}" destId="{C2F9F271-64B0-41D6-A7D5-27382FD51ABF}" srcOrd="1" destOrd="0" parTransId="{D3037F62-4EF9-437A-B7C5-049CB2AF63A1}" sibTransId="{99B56656-CE0B-4F46-9FA3-2BFB74822A17}"/>
+    <dgm:cxn modelId="{C0D98F4A-9F31-4529-8163-570FACC0F7E1}" srcId="{8ED92E66-6407-44FD-921E-FE84F85EC276}" destId="{9BBDE11D-946C-4141-AFB7-1D98536E8C61}" srcOrd="0" destOrd="0" parTransId="{A8702FA0-5F59-4B93-9076-86ABA84C871F}" sibTransId="{14EDDD95-DEF6-4BBC-9EFB-96E015D1D13A}"/>
+    <dgm:cxn modelId="{B1DEC0AD-3B55-42AC-83B6-F36E72633E14}" type="presOf" srcId="{8110FF86-ECF1-4B51-AB45-9F942DBC9AC0}" destId="{BA82D5BB-39AE-42EB-BE1E-695C631B75F6}" srcOrd="0" destOrd="0" presId="urn:microsoft.com/office/officeart/2005/8/layout/lProcess3"/>
+    <dgm:cxn modelId="{B8B22BC8-4793-4858-859E-156DD54F4456}" type="presOf" srcId="{7B4D74AC-A593-4F73-BCAD-D9C81D9C731F}" destId="{6D95DF3F-EADC-4484-87EA-FADFFEF8963B}" srcOrd="0" destOrd="0" presId="urn:microsoft.com/office/officeart/2005/8/layout/lProcess3"/>
+    <dgm:cxn modelId="{F0833282-A344-4FE1-A04F-B598E8C85656}" srcId="{8ED92E66-6407-44FD-921E-FE84F85EC276}" destId="{E8F2D828-7A81-4F56-8A48-12CB9D96DC14}" srcOrd="5" destOrd="0" parTransId="{C7318EFD-7BF1-4001-8FFC-AEA316EA996E}" sibTransId="{AA830B94-F7C6-4A20-AA88-13BEE0519FBB}"/>
+    <dgm:cxn modelId="{26D0BDAB-FEB8-4753-93D9-F5148864893E}" srcId="{C2F9F271-64B0-41D6-A7D5-27382FD51ABF}" destId="{4F10CD46-D03C-4C30-9A61-B3AAEF34C8B6}" srcOrd="3" destOrd="0" parTransId="{F7E32598-0CF6-43C0-A5F1-643CC8BA8349}" sibTransId="{0EC0398B-E253-4636-9E1E-BBDA4D07F5E0}"/>
+    <dgm:cxn modelId="{F70FB034-4CA5-4D3F-9B93-168C3C22ADC6}" type="presOf" srcId="{C2A6241B-A60A-40A6-A332-CA1B953C0B89}" destId="{89883161-4AC0-43EF-A757-DF79B756FAB4}" srcOrd="0" destOrd="0" presId="urn:microsoft.com/office/officeart/2005/8/layout/lProcess3"/>
+    <dgm:cxn modelId="{A75047D1-761B-44AF-B775-941C436B09A1}" srcId="{C2F9F271-64B0-41D6-A7D5-27382FD51ABF}" destId="{F4CF6695-2A42-4DCD-AF4B-5D6873A86569}" srcOrd="2" destOrd="0" parTransId="{7C3F3254-A031-4EC9-BB20-4EE4EB63F957}" sibTransId="{F93D65F4-4415-4C60-9667-DD4DC8446665}"/>
+    <dgm:cxn modelId="{ED148039-07A3-418D-884D-CDC4631DC885}" type="presOf" srcId="{FC465601-FED4-4F1A-8D4A-98EADE87D9CF}" destId="{9E64F5DB-0B5E-4FD6-9BAE-3992EC1EB009}" srcOrd="0" destOrd="0" presId="urn:microsoft.com/office/officeart/2005/8/layout/lProcess3"/>
     <dgm:cxn modelId="{2B2D3F2A-C509-47F3-A93F-0E87F7DBCDAD}" type="presOf" srcId="{E64BE0B1-C71C-4CFD-9E9C-4E40E5B91C9D}" destId="{B4AA8CBE-2637-49F4-8D4B-18E5DC70FFEB}" srcOrd="0" destOrd="0" presId="urn:microsoft.com/office/officeart/2005/8/layout/lProcess3"/>
+    <dgm:cxn modelId="{C0A27C8E-5236-4D21-B679-E10F1CD1777A}" type="presOf" srcId="{834E9F12-1B29-4A3E-A0B4-50104DB59D16}" destId="{744E4917-4B35-4A72-8BCD-58516B3775E9}" srcOrd="0" destOrd="0" presId="urn:microsoft.com/office/officeart/2005/8/layout/lProcess3"/>
     <dgm:cxn modelId="{6C4A962B-AC5A-4770-BDF1-8202C049EC05}" type="presOf" srcId="{D9525DC3-C28F-4151-9ACF-8100344CEE69}" destId="{6A586E54-E152-4EA2-B9E8-BF172B3BB227}" srcOrd="0" destOrd="0" presId="urn:microsoft.com/office/officeart/2005/8/layout/lProcess3"/>
-    <dgm:cxn modelId="{967FD62E-D9F1-4340-A769-D0F786685E66}" type="presOf" srcId="{4F10CD46-D03C-4C30-9A61-B3AAEF34C8B6}" destId="{067CBF43-7801-49FD-994E-7E4EB2B8E06C}" srcOrd="0" destOrd="0" presId="urn:microsoft.com/office/officeart/2005/8/layout/lProcess3"/>
-    <dgm:cxn modelId="{F70FB034-4CA5-4D3F-9B93-168C3C22ADC6}" type="presOf" srcId="{C2A6241B-A60A-40A6-A332-CA1B953C0B89}" destId="{89883161-4AC0-43EF-A757-DF79B756FAB4}" srcOrd="0" destOrd="0" presId="urn:microsoft.com/office/officeart/2005/8/layout/lProcess3"/>
-    <dgm:cxn modelId="{B316E536-3497-4AC6-8BE5-C2D0CDC3567B}" srcId="{7B4D74AC-A593-4F73-BCAD-D9C81D9C731F}" destId="{C2F9F271-64B0-41D6-A7D5-27382FD51ABF}" srcOrd="1" destOrd="0" parTransId="{D3037F62-4EF9-437A-B7C5-049CB2AF63A1}" sibTransId="{99B56656-CE0B-4F46-9FA3-2BFB74822A17}"/>
-    <dgm:cxn modelId="{ED148039-07A3-418D-884D-CDC4631DC885}" type="presOf" srcId="{FC465601-FED4-4F1A-8D4A-98EADE87D9CF}" destId="{9E64F5DB-0B5E-4FD6-9BAE-3992EC1EB009}" srcOrd="0" destOrd="0" presId="urn:microsoft.com/office/officeart/2005/8/layout/lProcess3"/>
+    <dgm:cxn modelId="{D04B6CA7-2535-4A2D-991C-2BF79BD1E088}" type="presOf" srcId="{64201C47-DAED-4B5A-AEBC-D5075DCD1BF7}" destId="{C07FEBDB-C1F3-41EF-AD6C-EABA431EB521}" srcOrd="0" destOrd="0" presId="urn:microsoft.com/office/officeart/2005/8/layout/lProcess3"/>
     <dgm:cxn modelId="{7AF1AC3F-3F42-45DF-8D07-EF91AA4C1078}" srcId="{8ED92E66-6407-44FD-921E-FE84F85EC276}" destId="{834E9F12-1B29-4A3E-A0B4-50104DB59D16}" srcOrd="4" destOrd="0" parTransId="{FA0A700E-C1E8-4C30-BF1B-604491B58223}" sibTransId="{4A9F5246-B350-4BFD-B0DF-6132EE410BB5}"/>
-    <dgm:cxn modelId="{986D9740-F0CF-4E26-9917-041F21878BAF}" srcId="{C2F9F271-64B0-41D6-A7D5-27382FD51ABF}" destId="{C2A6241B-A60A-40A6-A332-CA1B953C0B89}" srcOrd="5" destOrd="0" parTransId="{5CA04940-3D98-47AD-898B-44D2E359A6A7}" sibTransId="{9883CD46-4361-4A6B-8433-FBDFA9E812B8}"/>
-    <dgm:cxn modelId="{FE61AC5F-E51A-47CB-96DE-215AA73DDE50}" type="presOf" srcId="{E8F2D828-7A81-4F56-8A48-12CB9D96DC14}" destId="{7CA2308A-0040-43B1-9358-E3AEFF39E55E}" srcOrd="0" destOrd="0" presId="urn:microsoft.com/office/officeart/2005/8/layout/lProcess3"/>
-    <dgm:cxn modelId="{C0D98F4A-9F31-4529-8163-570FACC0F7E1}" srcId="{8ED92E66-6407-44FD-921E-FE84F85EC276}" destId="{9BBDE11D-946C-4141-AFB7-1D98536E8C61}" srcOrd="0" destOrd="0" parTransId="{A8702FA0-5F59-4B93-9076-86ABA84C871F}" sibTransId="{14EDDD95-DEF6-4BBC-9EFB-96E015D1D13A}"/>
-    <dgm:cxn modelId="{D2BF8C73-7147-48E6-9E75-E6AC8AE78A83}" type="presOf" srcId="{C2F9F271-64B0-41D6-A7D5-27382FD51ABF}" destId="{94FBA5BC-C6BE-4CFB-AAFE-632C3D6BA861}" srcOrd="0" destOrd="0" presId="urn:microsoft.com/office/officeart/2005/8/layout/lProcess3"/>
-    <dgm:cxn modelId="{F0833282-A344-4FE1-A04F-B598E8C85656}" srcId="{8ED92E66-6407-44FD-921E-FE84F85EC276}" destId="{E8F2D828-7A81-4F56-8A48-12CB9D96DC14}" srcOrd="5" destOrd="0" parTransId="{C7318EFD-7BF1-4001-8FFC-AEA316EA996E}" sibTransId="{AA830B94-F7C6-4A20-AA88-13BEE0519FBB}"/>
-    <dgm:cxn modelId="{C0A27C8E-5236-4D21-B679-E10F1CD1777A}" type="presOf" srcId="{834E9F12-1B29-4A3E-A0B4-50104DB59D16}" destId="{744E4917-4B35-4A72-8BCD-58516B3775E9}" srcOrd="0" destOrd="0" presId="urn:microsoft.com/office/officeart/2005/8/layout/lProcess3"/>
-    <dgm:cxn modelId="{E045F890-30B6-4CC2-8C4C-E3E99CD5C85A}" srcId="{8ED92E66-6407-44FD-921E-FE84F85EC276}" destId="{D9525DC3-C28F-4151-9ACF-8100344CEE69}" srcOrd="3" destOrd="0" parTransId="{EE715F2D-B812-4E68-A453-483BB0DBCB4D}" sibTransId="{482FABEA-B9B6-44D0-B10B-B13666439C16}"/>
-    <dgm:cxn modelId="{D04B6CA7-2535-4A2D-991C-2BF79BD1E088}" type="presOf" srcId="{64201C47-DAED-4B5A-AEBC-D5075DCD1BF7}" destId="{C07FEBDB-C1F3-41EF-AD6C-EABA431EB521}" srcOrd="0" destOrd="0" presId="urn:microsoft.com/office/officeart/2005/8/layout/lProcess3"/>
-    <dgm:cxn modelId="{26D0BDAB-FEB8-4753-93D9-F5148864893E}" srcId="{C2F9F271-64B0-41D6-A7D5-27382FD51ABF}" destId="{4F10CD46-D03C-4C30-9A61-B3AAEF34C8B6}" srcOrd="3" destOrd="0" parTransId="{F7E32598-0CF6-43C0-A5F1-643CC8BA8349}" sibTransId="{0EC0398B-E253-4636-9E1E-BBDA4D07F5E0}"/>
-    <dgm:cxn modelId="{B1DEC0AD-3B55-42AC-83B6-F36E72633E14}" type="presOf" srcId="{8110FF86-ECF1-4B51-AB45-9F942DBC9AC0}" destId="{BA82D5BB-39AE-42EB-BE1E-695C631B75F6}" srcOrd="0" destOrd="0" presId="urn:microsoft.com/office/officeart/2005/8/layout/lProcess3"/>
-    <dgm:cxn modelId="{074717B5-A1F6-46AE-9A72-7074EBDBE773}" srcId="{7B4D74AC-A593-4F73-BCAD-D9C81D9C731F}" destId="{8ED92E66-6407-44FD-921E-FE84F85EC276}" srcOrd="0" destOrd="0" parTransId="{7864B6C8-DD17-4FCE-80EB-5EDB9A70C7D3}" sibTransId="{73DE67CA-BEDE-4D30-81CD-3C68A3DAFA44}"/>
+    <dgm:cxn modelId="{ADE6D5CE-D221-4FDB-ABCA-AEB3610AC6E9}" srcId="{8ED92E66-6407-44FD-921E-FE84F85EC276}" destId="{65B7FAF7-4262-4354-889F-86391751D0CE}" srcOrd="1" destOrd="0" parTransId="{B972FC22-4B07-4D51-A4BE-74F9A3373B35}" sibTransId="{657C235A-7275-466C-8DA1-5CD27F5E1614}"/>
     <dgm:cxn modelId="{BF3598BC-F68C-488D-B351-CAAC28E7FB19}" srcId="{C2F9F271-64B0-41D6-A7D5-27382FD51ABF}" destId="{64201C47-DAED-4B5A-AEBC-D5075DCD1BF7}" srcOrd="4" destOrd="0" parTransId="{92B7BFF8-44A0-452E-91F9-968C8BA15E78}" sibTransId="{68C840C4-C838-466D-BCAE-A53441EF6EE5}"/>
-    <dgm:cxn modelId="{B8B22BC8-4793-4858-859E-156DD54F4456}" type="presOf" srcId="{7B4D74AC-A593-4F73-BCAD-D9C81D9C731F}" destId="{6D95DF3F-EADC-4484-87EA-FADFFEF8963B}" srcOrd="0" destOrd="0" presId="urn:microsoft.com/office/officeart/2005/8/layout/lProcess3"/>
-    <dgm:cxn modelId="{652C8BCC-AEF2-4E2D-AAAF-9325524A7509}" type="presOf" srcId="{65B7FAF7-4262-4354-889F-86391751D0CE}" destId="{E76D64D2-A9E1-49C2-8DE1-C0B744CA3EE9}" srcOrd="0" destOrd="0" presId="urn:microsoft.com/office/officeart/2005/8/layout/lProcess3"/>
-    <dgm:cxn modelId="{ADE6D5CE-D221-4FDB-ABCA-AEB3610AC6E9}" srcId="{8ED92E66-6407-44FD-921E-FE84F85EC276}" destId="{65B7FAF7-4262-4354-889F-86391751D0CE}" srcOrd="1" destOrd="0" parTransId="{B972FC22-4B07-4D51-A4BE-74F9A3373B35}" sibTransId="{657C235A-7275-466C-8DA1-5CD27F5E1614}"/>
-    <dgm:cxn modelId="{A75047D1-761B-44AF-B775-941C436B09A1}" srcId="{C2F9F271-64B0-41D6-A7D5-27382FD51ABF}" destId="{F4CF6695-2A42-4DCD-AF4B-5D6873A86569}" srcOrd="2" destOrd="0" parTransId="{7C3F3254-A031-4EC9-BB20-4EE4EB63F957}" sibTransId="{F93D65F4-4415-4C60-9667-DD4DC8446665}"/>
-    <dgm:cxn modelId="{81438ED4-35E4-442B-BBF2-DD95D007880F}" srcId="{C2F9F271-64B0-41D6-A7D5-27382FD51ABF}" destId="{FC465601-FED4-4F1A-8D4A-98EADE87D9CF}" srcOrd="1" destOrd="0" parTransId="{3C83BB60-F3DF-4C8C-A36F-1F102E840D5D}" sibTransId="{1052A0B4-A1B5-4FE9-AF36-059001C444E0}"/>
-    <dgm:cxn modelId="{B136B8E7-58E2-473B-BE10-0E3E2A29D5D1}" type="presOf" srcId="{F4CF6695-2A42-4DCD-AF4B-5D6873A86569}" destId="{B041A7D8-4560-4EF1-9763-213F59725A7E}" srcOrd="0" destOrd="0" presId="urn:microsoft.com/office/officeart/2005/8/layout/lProcess3"/>
-    <dgm:cxn modelId="{C3EFB7E8-34C0-4E49-8F1E-04054930394C}" srcId="{8ED92E66-6407-44FD-921E-FE84F85EC276}" destId="{E64BE0B1-C71C-4CFD-9E9C-4E40E5B91C9D}" srcOrd="2" destOrd="0" parTransId="{C311E722-17ED-4412-9F8A-C92D8E90E9EB}" sibTransId="{9A70F99C-0FC6-44E2-B98C-AED58C942E65}"/>
-    <dgm:cxn modelId="{821F55E9-FA49-4BB6-A33D-D8C3168FFC44}" srcId="{C2F9F271-64B0-41D6-A7D5-27382FD51ABF}" destId="{8110FF86-ECF1-4B51-AB45-9F942DBC9AC0}" srcOrd="0" destOrd="0" parTransId="{9F35A48C-E748-4B82-ABA5-E04DC5303289}" sibTransId="{361BD2E7-5210-4588-A684-D897488C591E}"/>
     <dgm:cxn modelId="{37B4A5F9-C268-4E57-80CA-7E4124313F02}" type="presOf" srcId="{8ED92E66-6407-44FD-921E-FE84F85EC276}" destId="{53587B7A-CE83-4C53-8A75-DBF752593546}" srcOrd="0" destOrd="0" presId="urn:microsoft.com/office/officeart/2005/8/layout/lProcess3"/>
-    <dgm:cxn modelId="{3A60F2FC-6BE1-46CA-938A-162E25303ED6}" type="presOf" srcId="{9BBDE11D-946C-4141-AFB7-1D98536E8C61}" destId="{7043D3F6-DA2C-4993-AFDC-234B2F74DB3E}" srcOrd="0" destOrd="0" presId="urn:microsoft.com/office/officeart/2005/8/layout/lProcess3"/>
     <dgm:cxn modelId="{85638B2D-077F-4F7D-92A8-3B443022417E}" type="presParOf" srcId="{6D95DF3F-EADC-4484-87EA-FADFFEF8963B}" destId="{72351675-A75A-418F-B54D-75582005E322}" srcOrd="0" destOrd="0" presId="urn:microsoft.com/office/officeart/2005/8/layout/lProcess3"/>
     <dgm:cxn modelId="{705BF04B-31EC-4D86-9E00-6F936900B163}" type="presParOf" srcId="{72351675-A75A-418F-B54D-75582005E322}" destId="{53587B7A-CE83-4C53-8A75-DBF752593546}" srcOrd="0" destOrd="0" presId="urn:microsoft.com/office/officeart/2005/8/layout/lProcess3"/>
     <dgm:cxn modelId="{24304B89-48DE-4425-94FA-911F651751A5}" type="presParOf" srcId="{72351675-A75A-418F-B54D-75582005E322}" destId="{DEC20D1B-D52A-443F-91F5-11328299A612}" srcOrd="1" destOrd="0" presId="urn:microsoft.com/office/officeart/2005/8/layout/lProcess3"/>
@@ -6118,6 +6496,13 @@
         </dgm:presLayoutVars>
       </dgm:prSet>
       <dgm:spPr/>
+      <dgm:t>
+        <a:bodyPr/>
+        <a:lstStyle/>
+        <a:p>
+          <a:endParaRPr lang="en-US"/>
+        </a:p>
+      </dgm:t>
     </dgm:pt>
     <dgm:pt modelId="{C8BC21FD-556C-40FC-81CC-FBE0FB65A039}" type="pres">
       <dgm:prSet presAssocID="{082E8A29-955A-4C7C-A174-3E9DCD4DC89B}" presName="ParentComposite" presStyleCnt="0"/>
@@ -6140,6 +6525,13 @@
         </dgm:presLayoutVars>
       </dgm:prSet>
       <dgm:spPr/>
+      <dgm:t>
+        <a:bodyPr/>
+        <a:lstStyle/>
+        <a:p>
+          <a:endParaRPr lang="en-US"/>
+        </a:p>
+      </dgm:t>
     </dgm:pt>
     <dgm:pt modelId="{5C7566F6-C13E-4509-A9A7-CD09BAF0870E}" type="pres">
       <dgm:prSet presAssocID="{D5C26250-A06D-4B41-BC14-92648809C21F}" presName="negSibTrans" presStyleCnt="0"/>
@@ -6158,6 +6550,13 @@
         </dgm:presLayoutVars>
       </dgm:prSet>
       <dgm:spPr/>
+      <dgm:t>
+        <a:bodyPr/>
+        <a:lstStyle/>
+        <a:p>
+          <a:endParaRPr lang="en-US"/>
+        </a:p>
+      </dgm:t>
     </dgm:pt>
     <dgm:pt modelId="{388B3605-5608-4D75-A447-2786C48796D3}" type="pres">
       <dgm:prSet presAssocID="{C2176686-D23E-48EB-9D1B-1A1B46236638}" presName="sibTrans" presStyleCnt="0"/>
@@ -6184,6 +6583,13 @@
         </dgm:presLayoutVars>
       </dgm:prSet>
       <dgm:spPr/>
+      <dgm:t>
+        <a:bodyPr/>
+        <a:lstStyle/>
+        <a:p>
+          <a:endParaRPr lang="en-US"/>
+        </a:p>
+      </dgm:t>
     </dgm:pt>
     <dgm:pt modelId="{28E47D28-1AC9-4674-BF31-83CBB825DA83}" type="pres">
       <dgm:prSet presAssocID="{3640B940-6901-481F-ADF7-6B77DEEED764}" presName="negSibTrans" presStyleCnt="0"/>
@@ -6202,6 +6608,13 @@
         </dgm:presLayoutVars>
       </dgm:prSet>
       <dgm:spPr/>
+      <dgm:t>
+        <a:bodyPr/>
+        <a:lstStyle/>
+        <a:p>
+          <a:endParaRPr lang="en-US"/>
+        </a:p>
+      </dgm:t>
     </dgm:pt>
     <dgm:pt modelId="{63F744B1-319A-47E4-B03C-7B9910615014}" type="pres">
       <dgm:prSet presAssocID="{48634C00-2335-4923-9072-EB7482323D9C}" presName="sibTrans" presStyleCnt="0"/>
@@ -6228,6 +6641,13 @@
         </dgm:presLayoutVars>
       </dgm:prSet>
       <dgm:spPr/>
+      <dgm:t>
+        <a:bodyPr/>
+        <a:lstStyle/>
+        <a:p>
+          <a:endParaRPr lang="en-US"/>
+        </a:p>
+      </dgm:t>
     </dgm:pt>
     <dgm:pt modelId="{4059FA52-BA29-436C-B01E-F625A31B39D5}" type="pres">
       <dgm:prSet presAssocID="{6C9440D0-8847-40C0-98BC-2B5EA5745C3A}" presName="negSibTrans" presStyleCnt="0"/>
@@ -6246,6 +6666,13 @@
         </dgm:presLayoutVars>
       </dgm:prSet>
       <dgm:spPr/>
+      <dgm:t>
+        <a:bodyPr/>
+        <a:lstStyle/>
+        <a:p>
+          <a:endParaRPr lang="en-US"/>
+        </a:p>
+      </dgm:t>
     </dgm:pt>
     <dgm:pt modelId="{0CF3F78D-59EA-412D-A1D1-233489C3EBF6}" type="pres">
       <dgm:prSet presAssocID="{DE289E29-1989-4D8E-8AA6-F030105B3F13}" presName="sibTrans" presStyleCnt="0"/>
@@ -6272,6 +6699,13 @@
         </dgm:presLayoutVars>
       </dgm:prSet>
       <dgm:spPr/>
+      <dgm:t>
+        <a:bodyPr/>
+        <a:lstStyle/>
+        <a:p>
+          <a:endParaRPr lang="en-US"/>
+        </a:p>
+      </dgm:t>
     </dgm:pt>
     <dgm:pt modelId="{97CD814A-57C6-4E77-81D0-DF5F94515A11}" type="pres">
       <dgm:prSet presAssocID="{77756FBB-BF6C-4D78-803E-BCC851F1DA03}" presName="negSibTrans" presStyleCnt="0"/>
@@ -6290,40 +6724,47 @@
         </dgm:presLayoutVars>
       </dgm:prSet>
       <dgm:spPr/>
+      <dgm:t>
+        <a:bodyPr/>
+        <a:lstStyle/>
+        <a:p>
+          <a:endParaRPr lang="en-US"/>
+        </a:p>
+      </dgm:t>
     </dgm:pt>
   </dgm:ptLst>
   <dgm:cxnLst>
-    <dgm:cxn modelId="{B055C91B-9D3C-49A8-99B5-F11DA4FEA935}" type="presOf" srcId="{F3256203-D9D1-492A-B801-68C1A32486F0}" destId="{986877C7-5555-4471-A423-DCAF7AEC96DE}" srcOrd="0" destOrd="0" presId="urn:microsoft.com/office/officeart/2009/3/layout/PieProcess"/>
-    <dgm:cxn modelId="{56DED42F-8763-49B1-B10F-B89D85A55BA2}" type="presOf" srcId="{422AACC2-0BA9-4098-8E51-7BBB903AF3DB}" destId="{986877C7-5555-4471-A423-DCAF7AEC96DE}" srcOrd="0" destOrd="1" presId="urn:microsoft.com/office/officeart/2009/3/layout/PieProcess"/>
+    <dgm:cxn modelId="{508A9F6A-C4F1-4147-A5F6-B89293B446E8}" srcId="{082E8A29-955A-4C7C-A174-3E9DCD4DC89B}" destId="{B86124A4-14C7-49C7-A342-9B2C2B94980B}" srcOrd="1" destOrd="0" parTransId="{B2F6F8FA-C3EE-485C-BFEC-A81570DC47D8}" sibTransId="{1114C752-8188-4E63-BFFC-E4081ACE9882}"/>
+    <dgm:cxn modelId="{0F5879C4-E67B-4EF6-B34A-7C943703A97C}" type="presOf" srcId="{E5E95E82-EF79-43CA-AA86-43B0E1CBCD3F}" destId="{5A148C6B-0CFB-4CDB-B2E0-0CF7320A2CD8}" srcOrd="0" destOrd="0" presId="urn:microsoft.com/office/officeart/2009/3/layout/PieProcess"/>
+    <dgm:cxn modelId="{97004F90-D1DB-4A84-A8AE-504DE1F07341}" srcId="{082E8A29-955A-4C7C-A174-3E9DCD4DC89B}" destId="{97AFB725-9839-43BA-B026-0DD6AA03AD9C}" srcOrd="0" destOrd="0" parTransId="{CC01022B-5039-457F-931E-79459E3C1DC4}" sibTransId="{D5C26250-A06D-4B41-BC14-92648809C21F}"/>
+    <dgm:cxn modelId="{D2985AA5-A2DA-491D-8D79-7197674A4AB0}" type="presOf" srcId="{082E8A29-955A-4C7C-A174-3E9DCD4DC89B}" destId="{3738601E-7288-4CE8-B6B3-708FCF66B198}" srcOrd="0" destOrd="0" presId="urn:microsoft.com/office/officeart/2009/3/layout/PieProcess"/>
+    <dgm:cxn modelId="{DB859658-33CE-4587-95EE-FB3377C31B44}" type="presOf" srcId="{CBCC21F5-552F-4D39-812E-6FCD4A366F58}" destId="{AD586D5E-6D5D-4C38-A2CC-FCF6A2523532}" srcOrd="0" destOrd="0" presId="urn:microsoft.com/office/officeart/2009/3/layout/PieProcess"/>
+    <dgm:cxn modelId="{25AF28C0-EE18-4E0F-8B01-F10F3096BC86}" type="presOf" srcId="{B86124A4-14C7-49C7-A342-9B2C2B94980B}" destId="{2D1C1CB8-58C2-46AC-93F8-7D14C8828C6D}" srcOrd="0" destOrd="1" presId="urn:microsoft.com/office/officeart/2009/3/layout/PieProcess"/>
+    <dgm:cxn modelId="{17E73148-9C08-4999-B21E-F3C5A0E3FC0C}" srcId="{CF9055CF-8DEB-4A02-949A-DE72B6AC5D37}" destId="{B6E26FFC-9977-4BBC-BEC7-3D6B63754E52}" srcOrd="1" destOrd="0" parTransId="{5CEFBD89-2F4F-4B51-A98A-0F3C86494166}" sibTransId="{48634C00-2335-4923-9072-EB7482323D9C}"/>
+    <dgm:cxn modelId="{58F02963-6103-4BE1-8EFB-FC841CBFF260}" type="presOf" srcId="{62831651-7C26-466C-BAA4-31EA8D14E47A}" destId="{AD586D5E-6D5D-4C38-A2CC-FCF6A2523532}" srcOrd="0" destOrd="1" presId="urn:microsoft.com/office/officeart/2009/3/layout/PieProcess"/>
+    <dgm:cxn modelId="{7AE93886-F830-46EF-8947-2D3BD71DE3AE}" type="presOf" srcId="{B6E26FFC-9977-4BBC-BEC7-3D6B63754E52}" destId="{BC4B5C02-E286-4891-A251-DC2B2E3F436B}" srcOrd="0" destOrd="0" presId="urn:microsoft.com/office/officeart/2009/3/layout/PieProcess"/>
+    <dgm:cxn modelId="{C8C462C6-33A3-4E8B-91FE-36DBE92F1C4A}" srcId="{CF9055CF-8DEB-4A02-949A-DE72B6AC5D37}" destId="{6D0E5D9F-7263-4526-A227-51301233F549}" srcOrd="2" destOrd="0" parTransId="{23416D07-25F8-426C-BC65-639E6BCF4D6D}" sibTransId="{DE289E29-1989-4D8E-8AA6-F030105B3F13}"/>
+    <dgm:cxn modelId="{59DDA576-1BA9-49E8-9D1D-361FF667A19A}" srcId="{B6E26FFC-9977-4BBC-BEC7-3D6B63754E52}" destId="{62831651-7C26-466C-BAA4-31EA8D14E47A}" srcOrd="1" destOrd="0" parTransId="{0F3EB6E4-07A5-4199-9C2F-8B91F53579FE}" sibTransId="{0D19FA60-5F9C-420B-AD2F-A0656A7F0783}"/>
+    <dgm:cxn modelId="{5EF5D55D-D88A-4885-BFBE-B52166978109}" type="presOf" srcId="{6D0E5D9F-7263-4526-A227-51301233F549}" destId="{CA9AEAE3-E1C9-456F-BBFA-1FA519C78A4E}" srcOrd="0" destOrd="0" presId="urn:microsoft.com/office/officeart/2009/3/layout/PieProcess"/>
+    <dgm:cxn modelId="{68ED9B74-A67A-41A0-BDAD-6E6FDB344D57}" srcId="{6D0E5D9F-7263-4526-A227-51301233F549}" destId="{16208C88-5337-4797-9F05-5AC2E7EB8C59}" srcOrd="2" destOrd="0" parTransId="{79633DA8-5657-4B11-8E98-98132FCC65B8}" sibTransId="{0C8BE7E8-90F4-4597-A5DF-A0A8749AAF4E}"/>
+    <dgm:cxn modelId="{B8464EB7-B7C2-4FAB-8CA2-A7F788408F70}" type="presOf" srcId="{16208C88-5337-4797-9F05-5AC2E7EB8C59}" destId="{986877C7-5555-4471-A423-DCAF7AEC96DE}" srcOrd="0" destOrd="2" presId="urn:microsoft.com/office/officeart/2009/3/layout/PieProcess"/>
+    <dgm:cxn modelId="{FB8541C0-3895-4553-A4C7-34B81A3C4A0B}" srcId="{E5E95E82-EF79-43CA-AA86-43B0E1CBCD3F}" destId="{A81358E0-3DE7-41AD-A28C-ABB22548B1F6}" srcOrd="0" destOrd="0" parTransId="{262E0B94-6EA9-4797-B705-959D7B185F91}" sibTransId="{77756FBB-BF6C-4D78-803E-BCC851F1DA03}"/>
+    <dgm:cxn modelId="{3C41F2E0-4620-40B4-9857-68872B278EFB}" srcId="{B6E26FFC-9977-4BBC-BEC7-3D6B63754E52}" destId="{CBCC21F5-552F-4D39-812E-6FCD4A366F58}" srcOrd="0" destOrd="0" parTransId="{4A973A1C-85F1-4969-A536-D29940229E2C}" sibTransId="{3640B940-6901-481F-ADF7-6B77DEEED764}"/>
+    <dgm:cxn modelId="{3C755D53-78EF-4E69-9076-3238E975E57E}" type="presOf" srcId="{A81358E0-3DE7-41AD-A28C-ABB22548B1F6}" destId="{FDC79394-E0CB-4CB1-9269-8658F340BC8D}" srcOrd="0" destOrd="0" presId="urn:microsoft.com/office/officeart/2009/3/layout/PieProcess"/>
+    <dgm:cxn modelId="{B8E8ABDE-9AC8-47CE-A780-378F6122DFF9}" type="presOf" srcId="{CF9055CF-8DEB-4A02-949A-DE72B6AC5D37}" destId="{CB01CF51-F723-4F8D-80F7-D236155D2300}" srcOrd="0" destOrd="0" presId="urn:microsoft.com/office/officeart/2009/3/layout/PieProcess"/>
+    <dgm:cxn modelId="{1B8E71B0-2D3A-4AB0-8843-CFDACEDC3198}" srcId="{6D0E5D9F-7263-4526-A227-51301233F549}" destId="{F3256203-D9D1-492A-B801-68C1A32486F0}" srcOrd="0" destOrd="0" parTransId="{E9A20291-2E30-4C14-BB7D-DC095A20ECB6}" sibTransId="{6C9440D0-8847-40C0-98BC-2B5EA5745C3A}"/>
+    <dgm:cxn modelId="{2986897A-7787-444F-B6C8-41F3823EF3C1}" srcId="{CF9055CF-8DEB-4A02-949A-DE72B6AC5D37}" destId="{082E8A29-955A-4C7C-A174-3E9DCD4DC89B}" srcOrd="0" destOrd="0" parTransId="{BA7938E6-8DFA-40B7-B4C4-EACC6D85FC31}" sibTransId="{C2176686-D23E-48EB-9D1B-1A1B46236638}"/>
     <dgm:cxn modelId="{1C5CE732-A00F-4C06-A1A8-B209BC6B496D}" srcId="{E5E95E82-EF79-43CA-AA86-43B0E1CBCD3F}" destId="{37A7C994-CC74-44DD-8777-ED6736B35821}" srcOrd="1" destOrd="0" parTransId="{03F017E7-7E3C-4E2C-9CEF-B07099F38801}" sibTransId="{118572A4-3B5E-487E-8015-6A319369077F}"/>
-    <dgm:cxn modelId="{5EF5D55D-D88A-4885-BFBE-B52166978109}" type="presOf" srcId="{6D0E5D9F-7263-4526-A227-51301233F549}" destId="{CA9AEAE3-E1C9-456F-BBFA-1FA519C78A4E}" srcOrd="0" destOrd="0" presId="urn:microsoft.com/office/officeart/2009/3/layout/PieProcess"/>
-    <dgm:cxn modelId="{58F02963-6103-4BE1-8EFB-FC841CBFF260}" type="presOf" srcId="{62831651-7C26-466C-BAA4-31EA8D14E47A}" destId="{AD586D5E-6D5D-4C38-A2CC-FCF6A2523532}" srcOrd="0" destOrd="1" presId="urn:microsoft.com/office/officeart/2009/3/layout/PieProcess"/>
-    <dgm:cxn modelId="{B011A044-8BC6-4A2F-A46E-FB04D5D0C086}" type="presOf" srcId="{97AFB725-9839-43BA-B026-0DD6AA03AD9C}" destId="{2D1C1CB8-58C2-46AC-93F8-7D14C8828C6D}" srcOrd="0" destOrd="0" presId="urn:microsoft.com/office/officeart/2009/3/layout/PieProcess"/>
+    <dgm:cxn modelId="{2E2AA5AF-25C8-4FAD-A68E-3FA1132BED79}" srcId="{6D0E5D9F-7263-4526-A227-51301233F549}" destId="{422AACC2-0BA9-4098-8E51-7BBB903AF3DB}" srcOrd="1" destOrd="0" parTransId="{11DAD3B5-F1B9-444B-8EA3-1E482FF1214A}" sibTransId="{1C5069E3-05F5-4148-88FE-11E4D98108D1}"/>
     <dgm:cxn modelId="{5CB77846-4F8B-4461-B835-28D27CFCEB72}" type="presOf" srcId="{44B2544A-D122-4B95-A36C-B03D9E272B48}" destId="{AD586D5E-6D5D-4C38-A2CC-FCF6A2523532}" srcOrd="0" destOrd="2" presId="urn:microsoft.com/office/officeart/2009/3/layout/PieProcess"/>
-    <dgm:cxn modelId="{17E73148-9C08-4999-B21E-F3C5A0E3FC0C}" srcId="{CF9055CF-8DEB-4A02-949A-DE72B6AC5D37}" destId="{B6E26FFC-9977-4BBC-BEC7-3D6B63754E52}" srcOrd="1" destOrd="0" parTransId="{5CEFBD89-2F4F-4B51-A98A-0F3C86494166}" sibTransId="{48634C00-2335-4923-9072-EB7482323D9C}"/>
     <dgm:cxn modelId="{D286A548-6BB0-4DED-9FB5-D87042DDBE0A}" srcId="{082E8A29-955A-4C7C-A174-3E9DCD4DC89B}" destId="{A97FC57D-50D6-4D43-99C3-06D09820F122}" srcOrd="2" destOrd="0" parTransId="{5DD877C7-E4D9-4A68-A305-5A7689D3DBE7}" sibTransId="{C17BCABE-BEF2-4CC4-B037-B6B4866665CD}"/>
     <dgm:cxn modelId="{3CE1E068-DAFD-4DED-8F95-3517E57F6221}" type="presOf" srcId="{37A7C994-CC74-44DD-8777-ED6736B35821}" destId="{FDC79394-E0CB-4CB1-9269-8658F340BC8D}" srcOrd="0" destOrd="1" presId="urn:microsoft.com/office/officeart/2009/3/layout/PieProcess"/>
-    <dgm:cxn modelId="{508A9F6A-C4F1-4147-A5F6-B89293B446E8}" srcId="{082E8A29-955A-4C7C-A174-3E9DCD4DC89B}" destId="{B86124A4-14C7-49C7-A342-9B2C2B94980B}" srcOrd="1" destOrd="0" parTransId="{B2F6F8FA-C3EE-485C-BFEC-A81570DC47D8}" sibTransId="{1114C752-8188-4E63-BFFC-E4081ACE9882}"/>
-    <dgm:cxn modelId="{3C755D53-78EF-4E69-9076-3238E975E57E}" type="presOf" srcId="{A81358E0-3DE7-41AD-A28C-ABB22548B1F6}" destId="{FDC79394-E0CB-4CB1-9269-8658F340BC8D}" srcOrd="0" destOrd="0" presId="urn:microsoft.com/office/officeart/2009/3/layout/PieProcess"/>
-    <dgm:cxn modelId="{68ED9B74-A67A-41A0-BDAD-6E6FDB344D57}" srcId="{6D0E5D9F-7263-4526-A227-51301233F549}" destId="{16208C88-5337-4797-9F05-5AC2E7EB8C59}" srcOrd="2" destOrd="0" parTransId="{79633DA8-5657-4B11-8E98-98132FCC65B8}" sibTransId="{0C8BE7E8-90F4-4597-A5DF-A0A8749AAF4E}"/>
-    <dgm:cxn modelId="{59DDA576-1BA9-49E8-9D1D-361FF667A19A}" srcId="{B6E26FFC-9977-4BBC-BEC7-3D6B63754E52}" destId="{62831651-7C26-466C-BAA4-31EA8D14E47A}" srcOrd="1" destOrd="0" parTransId="{0F3EB6E4-07A5-4199-9C2F-8B91F53579FE}" sibTransId="{0D19FA60-5F9C-420B-AD2F-A0656A7F0783}"/>
-    <dgm:cxn modelId="{DB859658-33CE-4587-95EE-FB3377C31B44}" type="presOf" srcId="{CBCC21F5-552F-4D39-812E-6FCD4A366F58}" destId="{AD586D5E-6D5D-4C38-A2CC-FCF6A2523532}" srcOrd="0" destOrd="0" presId="urn:microsoft.com/office/officeart/2009/3/layout/PieProcess"/>
-    <dgm:cxn modelId="{2986897A-7787-444F-B6C8-41F3823EF3C1}" srcId="{CF9055CF-8DEB-4A02-949A-DE72B6AC5D37}" destId="{082E8A29-955A-4C7C-A174-3E9DCD4DC89B}" srcOrd="0" destOrd="0" parTransId="{BA7938E6-8DFA-40B7-B4C4-EACC6D85FC31}" sibTransId="{C2176686-D23E-48EB-9D1B-1A1B46236638}"/>
-    <dgm:cxn modelId="{7AE93886-F830-46EF-8947-2D3BD71DE3AE}" type="presOf" srcId="{B6E26FFC-9977-4BBC-BEC7-3D6B63754E52}" destId="{BC4B5C02-E286-4891-A251-DC2B2E3F436B}" srcOrd="0" destOrd="0" presId="urn:microsoft.com/office/officeart/2009/3/layout/PieProcess"/>
-    <dgm:cxn modelId="{97004F90-D1DB-4A84-A8AE-504DE1F07341}" srcId="{082E8A29-955A-4C7C-A174-3E9DCD4DC89B}" destId="{97AFB725-9839-43BA-B026-0DD6AA03AD9C}" srcOrd="0" destOrd="0" parTransId="{CC01022B-5039-457F-931E-79459E3C1DC4}" sibTransId="{D5C26250-A06D-4B41-BC14-92648809C21F}"/>
-    <dgm:cxn modelId="{D2985AA5-A2DA-491D-8D79-7197674A4AB0}" type="presOf" srcId="{082E8A29-955A-4C7C-A174-3E9DCD4DC89B}" destId="{3738601E-7288-4CE8-B6B3-708FCF66B198}" srcOrd="0" destOrd="0" presId="urn:microsoft.com/office/officeart/2009/3/layout/PieProcess"/>
+    <dgm:cxn modelId="{56DED42F-8763-49B1-B10F-B89D85A55BA2}" type="presOf" srcId="{422AACC2-0BA9-4098-8E51-7BBB903AF3DB}" destId="{986877C7-5555-4471-A423-DCAF7AEC96DE}" srcOrd="0" destOrd="1" presId="urn:microsoft.com/office/officeart/2009/3/layout/PieProcess"/>
+    <dgm:cxn modelId="{F89EA6DF-D106-435E-9337-D23286A767A6}" srcId="{B6E26FFC-9977-4BBC-BEC7-3D6B63754E52}" destId="{44B2544A-D122-4B95-A36C-B03D9E272B48}" srcOrd="2" destOrd="0" parTransId="{9EE40E78-C1B8-4A87-A668-53AD816CED24}" sibTransId="{F32DECE0-DC7F-4DCF-A10D-96A117A49197}"/>
     <dgm:cxn modelId="{A76240AD-13F6-40C0-BD9B-102D5EC0AE51}" srcId="{CF9055CF-8DEB-4A02-949A-DE72B6AC5D37}" destId="{E5E95E82-EF79-43CA-AA86-43B0E1CBCD3F}" srcOrd="3" destOrd="0" parTransId="{FD76A3AE-1B6C-45A0-8E84-63160283749F}" sibTransId="{BF76010C-5523-4E13-B3E7-886DCE6AEBD4}"/>
-    <dgm:cxn modelId="{2E2AA5AF-25C8-4FAD-A68E-3FA1132BED79}" srcId="{6D0E5D9F-7263-4526-A227-51301233F549}" destId="{422AACC2-0BA9-4098-8E51-7BBB903AF3DB}" srcOrd="1" destOrd="0" parTransId="{11DAD3B5-F1B9-444B-8EA3-1E482FF1214A}" sibTransId="{1C5069E3-05F5-4148-88FE-11E4D98108D1}"/>
-    <dgm:cxn modelId="{1B8E71B0-2D3A-4AB0-8843-CFDACEDC3198}" srcId="{6D0E5D9F-7263-4526-A227-51301233F549}" destId="{F3256203-D9D1-492A-B801-68C1A32486F0}" srcOrd="0" destOrd="0" parTransId="{E9A20291-2E30-4C14-BB7D-DC095A20ECB6}" sibTransId="{6C9440D0-8847-40C0-98BC-2B5EA5745C3A}"/>
-    <dgm:cxn modelId="{B8464EB7-B7C2-4FAB-8CA2-A7F788408F70}" type="presOf" srcId="{16208C88-5337-4797-9F05-5AC2E7EB8C59}" destId="{986877C7-5555-4471-A423-DCAF7AEC96DE}" srcOrd="0" destOrd="2" presId="urn:microsoft.com/office/officeart/2009/3/layout/PieProcess"/>
+    <dgm:cxn modelId="{B011A044-8BC6-4A2F-A46E-FB04D5D0C086}" type="presOf" srcId="{97AFB725-9839-43BA-B026-0DD6AA03AD9C}" destId="{2D1C1CB8-58C2-46AC-93F8-7D14C8828C6D}" srcOrd="0" destOrd="0" presId="urn:microsoft.com/office/officeart/2009/3/layout/PieProcess"/>
     <dgm:cxn modelId="{0F01CEBE-F1E6-459D-8F2E-85505CF54DA8}" type="presOf" srcId="{A97FC57D-50D6-4D43-99C3-06D09820F122}" destId="{2D1C1CB8-58C2-46AC-93F8-7D14C8828C6D}" srcOrd="0" destOrd="2" presId="urn:microsoft.com/office/officeart/2009/3/layout/PieProcess"/>
-    <dgm:cxn modelId="{25AF28C0-EE18-4E0F-8B01-F10F3096BC86}" type="presOf" srcId="{B86124A4-14C7-49C7-A342-9B2C2B94980B}" destId="{2D1C1CB8-58C2-46AC-93F8-7D14C8828C6D}" srcOrd="0" destOrd="1" presId="urn:microsoft.com/office/officeart/2009/3/layout/PieProcess"/>
-    <dgm:cxn modelId="{FB8541C0-3895-4553-A4C7-34B81A3C4A0B}" srcId="{E5E95E82-EF79-43CA-AA86-43B0E1CBCD3F}" destId="{A81358E0-3DE7-41AD-A28C-ABB22548B1F6}" srcOrd="0" destOrd="0" parTransId="{262E0B94-6EA9-4797-B705-959D7B185F91}" sibTransId="{77756FBB-BF6C-4D78-803E-BCC851F1DA03}"/>
-    <dgm:cxn modelId="{0F5879C4-E67B-4EF6-B34A-7C943703A97C}" type="presOf" srcId="{E5E95E82-EF79-43CA-AA86-43B0E1CBCD3F}" destId="{5A148C6B-0CFB-4CDB-B2E0-0CF7320A2CD8}" srcOrd="0" destOrd="0" presId="urn:microsoft.com/office/officeart/2009/3/layout/PieProcess"/>
-    <dgm:cxn modelId="{C8C462C6-33A3-4E8B-91FE-36DBE92F1C4A}" srcId="{CF9055CF-8DEB-4A02-949A-DE72B6AC5D37}" destId="{6D0E5D9F-7263-4526-A227-51301233F549}" srcOrd="2" destOrd="0" parTransId="{23416D07-25F8-426C-BC65-639E6BCF4D6D}" sibTransId="{DE289E29-1989-4D8E-8AA6-F030105B3F13}"/>
-    <dgm:cxn modelId="{B8E8ABDE-9AC8-47CE-A780-378F6122DFF9}" type="presOf" srcId="{CF9055CF-8DEB-4A02-949A-DE72B6AC5D37}" destId="{CB01CF51-F723-4F8D-80F7-D236155D2300}" srcOrd="0" destOrd="0" presId="urn:microsoft.com/office/officeart/2009/3/layout/PieProcess"/>
-    <dgm:cxn modelId="{F89EA6DF-D106-435E-9337-D23286A767A6}" srcId="{B6E26FFC-9977-4BBC-BEC7-3D6B63754E52}" destId="{44B2544A-D122-4B95-A36C-B03D9E272B48}" srcOrd="2" destOrd="0" parTransId="{9EE40E78-C1B8-4A87-A668-53AD816CED24}" sibTransId="{F32DECE0-DC7F-4DCF-A10D-96A117A49197}"/>
-    <dgm:cxn modelId="{3C41F2E0-4620-40B4-9857-68872B278EFB}" srcId="{B6E26FFC-9977-4BBC-BEC7-3D6B63754E52}" destId="{CBCC21F5-552F-4D39-812E-6FCD4A366F58}" srcOrd="0" destOrd="0" parTransId="{4A973A1C-85F1-4969-A536-D29940229E2C}" sibTransId="{3640B940-6901-481F-ADF7-6B77DEEED764}"/>
+    <dgm:cxn modelId="{B055C91B-9D3C-49A8-99B5-F11DA4FEA935}" type="presOf" srcId="{F3256203-D9D1-492A-B801-68C1A32486F0}" destId="{986877C7-5555-4471-A423-DCAF7AEC96DE}" srcOrd="0" destOrd="0" presId="urn:microsoft.com/office/officeart/2009/3/layout/PieProcess"/>
     <dgm:cxn modelId="{336B408F-4526-4AED-BDE8-A9C48DA3BCE7}" type="presParOf" srcId="{CB01CF51-F723-4F8D-80F7-D236155D2300}" destId="{C8BC21FD-556C-40FC-81CC-FBE0FB65A039}" srcOrd="0" destOrd="0" presId="urn:microsoft.com/office/officeart/2009/3/layout/PieProcess"/>
     <dgm:cxn modelId="{113764BB-4B9A-497E-B74C-B9898BB87867}" type="presParOf" srcId="{C8BC21FD-556C-40FC-81CC-FBE0FB65A039}" destId="{8ED7BCA2-C1D0-4998-9B75-278A1B905C47}" srcOrd="0" destOrd="0" presId="urn:microsoft.com/office/officeart/2009/3/layout/PieProcess"/>
     <dgm:cxn modelId="{E0B7A688-314E-4B05-9C22-F03775FC6B22}" type="presParOf" srcId="{C8BC21FD-556C-40FC-81CC-FBE0FB65A039}" destId="{59596444-DE5B-470F-9D02-95BA2AD06BDF}" srcOrd="1" destOrd="0" presId="urn:microsoft.com/office/officeart/2009/3/layout/PieProcess"/>
@@ -6935,6 +7376,13 @@
         </dgm:presLayoutVars>
       </dgm:prSet>
       <dgm:spPr/>
+      <dgm:t>
+        <a:bodyPr/>
+        <a:lstStyle/>
+        <a:p>
+          <a:endParaRPr lang="en-US"/>
+        </a:p>
+      </dgm:t>
     </dgm:pt>
     <dgm:pt modelId="{45590239-E460-41FB-9748-8B7AA6BC7C54}" type="pres">
       <dgm:prSet presAssocID="{082E8A29-955A-4C7C-A174-3E9DCD4DC89B}" presName="linNode" presStyleCnt="0"/>
@@ -6948,6 +7396,13 @@
         </dgm:presLayoutVars>
       </dgm:prSet>
       <dgm:spPr/>
+      <dgm:t>
+        <a:bodyPr/>
+        <a:lstStyle/>
+        <a:p>
+          <a:endParaRPr lang="en-US"/>
+        </a:p>
+      </dgm:t>
     </dgm:pt>
     <dgm:pt modelId="{D7B4D69F-D437-4019-A697-900DF3BD4189}" type="pres">
       <dgm:prSet presAssocID="{082E8A29-955A-4C7C-A174-3E9DCD4DC89B}" presName="bracket" presStyleLbl="parChTrans1D1" presStyleIdx="0" presStyleCnt="4"/>
@@ -6964,6 +7419,13 @@
         </dgm:presLayoutVars>
       </dgm:prSet>
       <dgm:spPr/>
+      <dgm:t>
+        <a:bodyPr/>
+        <a:lstStyle/>
+        <a:p>
+          <a:endParaRPr lang="en-US"/>
+        </a:p>
+      </dgm:t>
     </dgm:pt>
     <dgm:pt modelId="{5DD4C92A-2623-4B42-B614-4A2EC37176AB}" type="pres">
       <dgm:prSet presAssocID="{C2176686-D23E-48EB-9D1B-1A1B46236638}" presName="spV" presStyleCnt="0"/>
@@ -6981,6 +7443,13 @@
         </dgm:presLayoutVars>
       </dgm:prSet>
       <dgm:spPr/>
+      <dgm:t>
+        <a:bodyPr/>
+        <a:lstStyle/>
+        <a:p>
+          <a:endParaRPr lang="en-US"/>
+        </a:p>
+      </dgm:t>
     </dgm:pt>
     <dgm:pt modelId="{F913C9B7-04F1-448F-AF8C-2EC806DB40E1}" type="pres">
       <dgm:prSet presAssocID="{B6E26FFC-9977-4BBC-BEC7-3D6B63754E52}" presName="bracket" presStyleLbl="parChTrans1D1" presStyleIdx="1" presStyleCnt="4"/>
@@ -6997,6 +7466,13 @@
         </dgm:presLayoutVars>
       </dgm:prSet>
       <dgm:spPr/>
+      <dgm:t>
+        <a:bodyPr/>
+        <a:lstStyle/>
+        <a:p>
+          <a:endParaRPr lang="en-US"/>
+        </a:p>
+      </dgm:t>
     </dgm:pt>
     <dgm:pt modelId="{59DCB08E-DDBC-4F73-9609-EB0FA23A7D7F}" type="pres">
       <dgm:prSet presAssocID="{48634C00-2335-4923-9072-EB7482323D9C}" presName="spV" presStyleCnt="0"/>
@@ -7014,6 +7490,13 @@
         </dgm:presLayoutVars>
       </dgm:prSet>
       <dgm:spPr/>
+      <dgm:t>
+        <a:bodyPr/>
+        <a:lstStyle/>
+        <a:p>
+          <a:endParaRPr lang="en-US"/>
+        </a:p>
+      </dgm:t>
     </dgm:pt>
     <dgm:pt modelId="{455EC50F-4F82-408F-84F8-D9B651BA263C}" type="pres">
       <dgm:prSet presAssocID="{6D0E5D9F-7263-4526-A227-51301233F549}" presName="bracket" presStyleLbl="parChTrans1D1" presStyleIdx="2" presStyleCnt="4"/>
@@ -7030,6 +7513,13 @@
         </dgm:presLayoutVars>
       </dgm:prSet>
       <dgm:spPr/>
+      <dgm:t>
+        <a:bodyPr/>
+        <a:lstStyle/>
+        <a:p>
+          <a:endParaRPr lang="en-US"/>
+        </a:p>
+      </dgm:t>
     </dgm:pt>
     <dgm:pt modelId="{F61087B3-F4D4-4372-BA34-FB9BAD08CAC0}" type="pres">
       <dgm:prSet presAssocID="{DE289E29-1989-4D8E-8AA6-F030105B3F13}" presName="spV" presStyleCnt="0"/>
@@ -7047,6 +7537,13 @@
         </dgm:presLayoutVars>
       </dgm:prSet>
       <dgm:spPr/>
+      <dgm:t>
+        <a:bodyPr/>
+        <a:lstStyle/>
+        <a:p>
+          <a:endParaRPr lang="en-US"/>
+        </a:p>
+      </dgm:t>
     </dgm:pt>
     <dgm:pt modelId="{ED72DC66-B720-4641-B186-0DA0DE7AB25F}" type="pres">
       <dgm:prSet presAssocID="{A81358E0-3DE7-41AD-A28C-ABB22548B1F6}" presName="bracket" presStyleLbl="parChTrans1D1" presStyleIdx="3" presStyleCnt="4"/>
@@ -7063,38 +7560,45 @@
         </dgm:presLayoutVars>
       </dgm:prSet>
       <dgm:spPr/>
+      <dgm:t>
+        <a:bodyPr/>
+        <a:lstStyle/>
+        <a:p>
+          <a:endParaRPr lang="en-US"/>
+        </a:p>
+      </dgm:t>
     </dgm:pt>
   </dgm:ptLst>
   <dgm:cxnLst>
-    <dgm:cxn modelId="{40EFBB0B-5BD3-4278-AC4B-0AEBBF83271D}" type="presOf" srcId="{A81358E0-3DE7-41AD-A28C-ABB22548B1F6}" destId="{AE12AEDB-2669-4D1A-914A-BA7EC0BD59A9}" srcOrd="0" destOrd="0" presId="urn:diagrams.loki3.com/BracketList"/>
-    <dgm:cxn modelId="{60685518-1997-4F7B-A98E-F65D7D00962C}" type="presOf" srcId="{CBCC21F5-552F-4D39-812E-6FCD4A366F58}" destId="{8A77D6A0-09A8-4728-B3F6-2488D599D736}" srcOrd="0" destOrd="0" presId="urn:diagrams.loki3.com/BracketList"/>
+    <dgm:cxn modelId="{4BF436C2-CB7A-454C-A1D2-41BCB7321C26}" type="presOf" srcId="{A97FC57D-50D6-4D43-99C3-06D09820F122}" destId="{22850625-2192-463E-8187-DBB37B4DEEE5}" srcOrd="0" destOrd="3" presId="urn:diagrams.loki3.com/BracketList"/>
+    <dgm:cxn modelId="{78C415D6-35DF-45BB-8921-595A1C6CA239}" type="presOf" srcId="{B6E26FFC-9977-4BBC-BEC7-3D6B63754E52}" destId="{74C582AC-97DE-47F1-B2F7-CEAF5C38053B}" srcOrd="0" destOrd="0" presId="urn:diagrams.loki3.com/BracketList"/>
+    <dgm:cxn modelId="{CC727F34-AF53-4AC0-9AD6-357E6D15CB8E}" type="presOf" srcId="{97AFB725-9839-43BA-B026-0DD6AA03AD9C}" destId="{22850625-2192-463E-8187-DBB37B4DEEE5}" srcOrd="0" destOrd="1" presId="urn:diagrams.loki3.com/BracketList"/>
+    <dgm:cxn modelId="{A2714790-C7A3-4B92-B748-271A29D614FC}" type="presOf" srcId="{357008B7-F3FD-489F-A410-81C9A9EFE4DA}" destId="{9DC88600-C3D9-4AA5-B04F-AC7D55D573B0}" srcOrd="0" destOrd="1" presId="urn:diagrams.loki3.com/BracketList"/>
+    <dgm:cxn modelId="{D286A548-6BB0-4DED-9FB5-D87042DDBE0A}" srcId="{082E8A29-955A-4C7C-A174-3E9DCD4DC89B}" destId="{A97FC57D-50D6-4D43-99C3-06D09820F122}" srcOrd="3" destOrd="0" parTransId="{5DD877C7-E4D9-4A68-A305-5A7689D3DBE7}" sibTransId="{C17BCABE-BEF2-4CC4-B037-B6B4866665CD}"/>
+    <dgm:cxn modelId="{187CA79C-407F-4248-8324-1976688B47A3}" type="presOf" srcId="{62831651-7C26-466C-BAA4-31EA8D14E47A}" destId="{8A77D6A0-09A8-4728-B3F6-2488D599D736}" srcOrd="0" destOrd="1" presId="urn:diagrams.loki3.com/BracketList"/>
+    <dgm:cxn modelId="{97004F90-D1DB-4A84-A8AE-504DE1F07341}" srcId="{082E8A29-955A-4C7C-A174-3E9DCD4DC89B}" destId="{97AFB725-9839-43BA-B026-0DD6AA03AD9C}" srcOrd="1" destOrd="0" parTransId="{CC01022B-5039-457F-931E-79459E3C1DC4}" sibTransId="{D5C26250-A06D-4B41-BC14-92648809C21F}"/>
+    <dgm:cxn modelId="{8910F93B-7180-4A52-9856-879D102D33F8}" srcId="{6D0E5D9F-7263-4526-A227-51301233F549}" destId="{357008B7-F3FD-489F-A410-81C9A9EFE4DA}" srcOrd="1" destOrd="0" parTransId="{ED5EFE54-4C6D-4A88-939B-CE66C6668425}" sibTransId="{87BC108C-4915-4A4B-8565-E4BD28BA3C35}"/>
+    <dgm:cxn modelId="{17E73148-9C08-4999-B21E-F3C5A0E3FC0C}" srcId="{CF9055CF-8DEB-4A02-949A-DE72B6AC5D37}" destId="{B6E26FFC-9977-4BBC-BEC7-3D6B63754E52}" srcOrd="1" destOrd="0" parTransId="{5CEFBD89-2F4F-4B51-A98A-0F3C86494166}" sibTransId="{48634C00-2335-4923-9072-EB7482323D9C}"/>
+    <dgm:cxn modelId="{E3D1E441-6DFB-4005-8B07-84971CD049AF}" type="presOf" srcId="{CF9055CF-8DEB-4A02-949A-DE72B6AC5D37}" destId="{3AD46912-AB30-4540-8DF5-67AC1488F01C}" srcOrd="0" destOrd="0" presId="urn:diagrams.loki3.com/BracketList"/>
+    <dgm:cxn modelId="{F9F24B56-4C40-4CD5-B0B3-335013F9648E}" type="presOf" srcId="{37A7C994-CC74-44DD-8777-ED6736B35821}" destId="{2DDF7FCF-0E74-45B4-9880-0E53C8A0FB81}" srcOrd="0" destOrd="0" presId="urn:diagrams.loki3.com/BracketList"/>
     <dgm:cxn modelId="{12609D25-6280-4191-96EC-FC59574CC5FD}" type="presOf" srcId="{B86124A4-14C7-49C7-A342-9B2C2B94980B}" destId="{22850625-2192-463E-8187-DBB37B4DEEE5}" srcOrd="0" destOrd="2" presId="urn:diagrams.loki3.com/BracketList"/>
     <dgm:cxn modelId="{1C5CE732-A00F-4C06-A1A8-B209BC6B496D}" srcId="{A81358E0-3DE7-41AD-A28C-ABB22548B1F6}" destId="{37A7C994-CC74-44DD-8777-ED6736B35821}" srcOrd="0" destOrd="0" parTransId="{03F017E7-7E3C-4E2C-9CEF-B07099F38801}" sibTransId="{118572A4-3B5E-487E-8015-6A319369077F}"/>
-    <dgm:cxn modelId="{CC727F34-AF53-4AC0-9AD6-357E6D15CB8E}" type="presOf" srcId="{97AFB725-9839-43BA-B026-0DD6AA03AD9C}" destId="{22850625-2192-463E-8187-DBB37B4DEEE5}" srcOrd="0" destOrd="1" presId="urn:diagrams.loki3.com/BracketList"/>
-    <dgm:cxn modelId="{8910F93B-7180-4A52-9856-879D102D33F8}" srcId="{6D0E5D9F-7263-4526-A227-51301233F549}" destId="{357008B7-F3FD-489F-A410-81C9A9EFE4DA}" srcOrd="1" destOrd="0" parTransId="{ED5EFE54-4C6D-4A88-939B-CE66C6668425}" sibTransId="{87BC108C-4915-4A4B-8565-E4BD28BA3C35}"/>
-    <dgm:cxn modelId="{E3D1E441-6DFB-4005-8B07-84971CD049AF}" type="presOf" srcId="{CF9055CF-8DEB-4A02-949A-DE72B6AC5D37}" destId="{3AD46912-AB30-4540-8DF5-67AC1488F01C}" srcOrd="0" destOrd="0" presId="urn:diagrams.loki3.com/BracketList"/>
+    <dgm:cxn modelId="{E554777F-9CC2-418D-BFE3-2198586BFE02}" type="presOf" srcId="{F3256203-D9D1-492A-B801-68C1A32486F0}" destId="{9DC88600-C3D9-4AA5-B04F-AC7D55D573B0}" srcOrd="0" destOrd="0" presId="urn:diagrams.loki3.com/BracketList"/>
+    <dgm:cxn modelId="{3C41F2E0-4620-40B4-9857-68872B278EFB}" srcId="{B6E26FFC-9977-4BBC-BEC7-3D6B63754E52}" destId="{CBCC21F5-552F-4D39-812E-6FCD4A366F58}" srcOrd="0" destOrd="0" parTransId="{4A973A1C-85F1-4969-A536-D29940229E2C}" sibTransId="{3640B940-6901-481F-ADF7-6B77DEEED764}"/>
+    <dgm:cxn modelId="{633E5193-1DBF-477B-BE52-E2B5EBEB93C6}" type="presOf" srcId="{6D0E5D9F-7263-4526-A227-51301233F549}" destId="{18209124-9853-4B36-9180-55BC384AA84D}" srcOrd="0" destOrd="0" presId="urn:diagrams.loki3.com/BracketList"/>
+    <dgm:cxn modelId="{59DDA576-1BA9-49E8-9D1D-361FF667A19A}" srcId="{B6E26FFC-9977-4BBC-BEC7-3D6B63754E52}" destId="{62831651-7C26-466C-BAA4-31EA8D14E47A}" srcOrd="1" destOrd="0" parTransId="{0F3EB6E4-07A5-4199-9C2F-8B91F53579FE}" sibTransId="{0D19FA60-5F9C-420B-AD2F-A0656A7F0783}"/>
+    <dgm:cxn modelId="{60685518-1997-4F7B-A98E-F65D7D00962C}" type="presOf" srcId="{CBCC21F5-552F-4D39-812E-6FCD4A366F58}" destId="{8A77D6A0-09A8-4728-B3F6-2488D599D736}" srcOrd="0" destOrd="0" presId="urn:diagrams.loki3.com/BracketList"/>
+    <dgm:cxn modelId="{FB8541C0-3895-4553-A4C7-34B81A3C4A0B}" srcId="{CF9055CF-8DEB-4A02-949A-DE72B6AC5D37}" destId="{A81358E0-3DE7-41AD-A28C-ABB22548B1F6}" srcOrd="3" destOrd="0" parTransId="{262E0B94-6EA9-4797-B705-959D7B185F91}" sibTransId="{77756FBB-BF6C-4D78-803E-BCC851F1DA03}"/>
+    <dgm:cxn modelId="{F454A545-FA11-41F7-9AE3-2B8BC82277C4}" type="presOf" srcId="{23A0DE4A-FE92-496E-B335-3433CEFB74E9}" destId="{22850625-2192-463E-8187-DBB37B4DEEE5}" srcOrd="0" destOrd="0" presId="urn:diagrams.loki3.com/BracketList"/>
+    <dgm:cxn modelId="{40EFBB0B-5BD3-4278-AC4B-0AEBBF83271D}" type="presOf" srcId="{A81358E0-3DE7-41AD-A28C-ABB22548B1F6}" destId="{AE12AEDB-2669-4D1A-914A-BA7EC0BD59A9}" srcOrd="0" destOrd="0" presId="urn:diagrams.loki3.com/BracketList"/>
+    <dgm:cxn modelId="{C8C462C6-33A3-4E8B-91FE-36DBE92F1C4A}" srcId="{CF9055CF-8DEB-4A02-949A-DE72B6AC5D37}" destId="{6D0E5D9F-7263-4526-A227-51301233F549}" srcOrd="2" destOrd="0" parTransId="{23416D07-25F8-426C-BC65-639E6BCF4D6D}" sibTransId="{DE289E29-1989-4D8E-8AA6-F030105B3F13}"/>
+    <dgm:cxn modelId="{791B5989-F5A5-4021-97F2-55841C5BF713}" type="presOf" srcId="{082E8A29-955A-4C7C-A174-3E9DCD4DC89B}" destId="{8F988417-5085-446A-9534-C8E783FFAC0F}" srcOrd="0" destOrd="0" presId="urn:diagrams.loki3.com/BracketList"/>
+    <dgm:cxn modelId="{2986897A-7787-444F-B6C8-41F3823EF3C1}" srcId="{CF9055CF-8DEB-4A02-949A-DE72B6AC5D37}" destId="{082E8A29-955A-4C7C-A174-3E9DCD4DC89B}" srcOrd="0" destOrd="0" parTransId="{BA7938E6-8DFA-40B7-B4C4-EACC6D85FC31}" sibTransId="{C2176686-D23E-48EB-9D1B-1A1B46236638}"/>
+    <dgm:cxn modelId="{67A03D8F-F327-4A9F-ABBC-1EB67EFD1ECB}" srcId="{082E8A29-955A-4C7C-A174-3E9DCD4DC89B}" destId="{23A0DE4A-FE92-496E-B335-3433CEFB74E9}" srcOrd="0" destOrd="0" parTransId="{68935D38-FEDC-4CD3-8002-43CB3944BEAF}" sibTransId="{55DF926D-029A-4E18-95C4-77A5A37CAE40}"/>
     <dgm:cxn modelId="{2616D543-291D-4A57-BE47-139E70015B80}" type="presOf" srcId="{44B2544A-D122-4B95-A36C-B03D9E272B48}" destId="{8A77D6A0-09A8-4728-B3F6-2488D599D736}" srcOrd="0" destOrd="2" presId="urn:diagrams.loki3.com/BracketList"/>
-    <dgm:cxn modelId="{F454A545-FA11-41F7-9AE3-2B8BC82277C4}" type="presOf" srcId="{23A0DE4A-FE92-496E-B335-3433CEFB74E9}" destId="{22850625-2192-463E-8187-DBB37B4DEEE5}" srcOrd="0" destOrd="0" presId="urn:diagrams.loki3.com/BracketList"/>
-    <dgm:cxn modelId="{17E73148-9C08-4999-B21E-F3C5A0E3FC0C}" srcId="{CF9055CF-8DEB-4A02-949A-DE72B6AC5D37}" destId="{B6E26FFC-9977-4BBC-BEC7-3D6B63754E52}" srcOrd="1" destOrd="0" parTransId="{5CEFBD89-2F4F-4B51-A98A-0F3C86494166}" sibTransId="{48634C00-2335-4923-9072-EB7482323D9C}"/>
-    <dgm:cxn modelId="{D286A548-6BB0-4DED-9FB5-D87042DDBE0A}" srcId="{082E8A29-955A-4C7C-A174-3E9DCD4DC89B}" destId="{A97FC57D-50D6-4D43-99C3-06D09820F122}" srcOrd="3" destOrd="0" parTransId="{5DD877C7-E4D9-4A68-A305-5A7689D3DBE7}" sibTransId="{C17BCABE-BEF2-4CC4-B037-B6B4866665CD}"/>
+    <dgm:cxn modelId="{F89EA6DF-D106-435E-9337-D23286A767A6}" srcId="{B6E26FFC-9977-4BBC-BEC7-3D6B63754E52}" destId="{44B2544A-D122-4B95-A36C-B03D9E272B48}" srcOrd="2" destOrd="0" parTransId="{9EE40E78-C1B8-4A87-A668-53AD816CED24}" sibTransId="{F32DECE0-DC7F-4DCF-A10D-96A117A49197}"/>
     <dgm:cxn modelId="{508A9F6A-C4F1-4147-A5F6-B89293B446E8}" srcId="{082E8A29-955A-4C7C-A174-3E9DCD4DC89B}" destId="{B86124A4-14C7-49C7-A342-9B2C2B94980B}" srcOrd="2" destOrd="0" parTransId="{B2F6F8FA-C3EE-485C-BFEC-A81570DC47D8}" sibTransId="{1114C752-8188-4E63-BFFC-E4081ACE9882}"/>
-    <dgm:cxn modelId="{F9F24B56-4C40-4CD5-B0B3-335013F9648E}" type="presOf" srcId="{37A7C994-CC74-44DD-8777-ED6736B35821}" destId="{2DDF7FCF-0E74-45B4-9880-0E53C8A0FB81}" srcOrd="0" destOrd="0" presId="urn:diagrams.loki3.com/BracketList"/>
-    <dgm:cxn modelId="{59DDA576-1BA9-49E8-9D1D-361FF667A19A}" srcId="{B6E26FFC-9977-4BBC-BEC7-3D6B63754E52}" destId="{62831651-7C26-466C-BAA4-31EA8D14E47A}" srcOrd="1" destOrd="0" parTransId="{0F3EB6E4-07A5-4199-9C2F-8B91F53579FE}" sibTransId="{0D19FA60-5F9C-420B-AD2F-A0656A7F0783}"/>
-    <dgm:cxn modelId="{2986897A-7787-444F-B6C8-41F3823EF3C1}" srcId="{CF9055CF-8DEB-4A02-949A-DE72B6AC5D37}" destId="{082E8A29-955A-4C7C-A174-3E9DCD4DC89B}" srcOrd="0" destOrd="0" parTransId="{BA7938E6-8DFA-40B7-B4C4-EACC6D85FC31}" sibTransId="{C2176686-D23E-48EB-9D1B-1A1B46236638}"/>
-    <dgm:cxn modelId="{E554777F-9CC2-418D-BFE3-2198586BFE02}" type="presOf" srcId="{F3256203-D9D1-492A-B801-68C1A32486F0}" destId="{9DC88600-C3D9-4AA5-B04F-AC7D55D573B0}" srcOrd="0" destOrd="0" presId="urn:diagrams.loki3.com/BracketList"/>
-    <dgm:cxn modelId="{791B5989-F5A5-4021-97F2-55841C5BF713}" type="presOf" srcId="{082E8A29-955A-4C7C-A174-3E9DCD4DC89B}" destId="{8F988417-5085-446A-9534-C8E783FFAC0F}" srcOrd="0" destOrd="0" presId="urn:diagrams.loki3.com/BracketList"/>
-    <dgm:cxn modelId="{67A03D8F-F327-4A9F-ABBC-1EB67EFD1ECB}" srcId="{082E8A29-955A-4C7C-A174-3E9DCD4DC89B}" destId="{23A0DE4A-FE92-496E-B335-3433CEFB74E9}" srcOrd="0" destOrd="0" parTransId="{68935D38-FEDC-4CD3-8002-43CB3944BEAF}" sibTransId="{55DF926D-029A-4E18-95C4-77A5A37CAE40}"/>
-    <dgm:cxn modelId="{A2714790-C7A3-4B92-B748-271A29D614FC}" type="presOf" srcId="{357008B7-F3FD-489F-A410-81C9A9EFE4DA}" destId="{9DC88600-C3D9-4AA5-B04F-AC7D55D573B0}" srcOrd="0" destOrd="1" presId="urn:diagrams.loki3.com/BracketList"/>
-    <dgm:cxn modelId="{97004F90-D1DB-4A84-A8AE-504DE1F07341}" srcId="{082E8A29-955A-4C7C-A174-3E9DCD4DC89B}" destId="{97AFB725-9839-43BA-B026-0DD6AA03AD9C}" srcOrd="1" destOrd="0" parTransId="{CC01022B-5039-457F-931E-79459E3C1DC4}" sibTransId="{D5C26250-A06D-4B41-BC14-92648809C21F}"/>
-    <dgm:cxn modelId="{633E5193-1DBF-477B-BE52-E2B5EBEB93C6}" type="presOf" srcId="{6D0E5D9F-7263-4526-A227-51301233F549}" destId="{18209124-9853-4B36-9180-55BC384AA84D}" srcOrd="0" destOrd="0" presId="urn:diagrams.loki3.com/BracketList"/>
-    <dgm:cxn modelId="{187CA79C-407F-4248-8324-1976688B47A3}" type="presOf" srcId="{62831651-7C26-466C-BAA4-31EA8D14E47A}" destId="{8A77D6A0-09A8-4728-B3F6-2488D599D736}" srcOrd="0" destOrd="1" presId="urn:diagrams.loki3.com/BracketList"/>
     <dgm:cxn modelId="{1B8E71B0-2D3A-4AB0-8843-CFDACEDC3198}" srcId="{6D0E5D9F-7263-4526-A227-51301233F549}" destId="{F3256203-D9D1-492A-B801-68C1A32486F0}" srcOrd="0" destOrd="0" parTransId="{E9A20291-2E30-4C14-BB7D-DC095A20ECB6}" sibTransId="{6C9440D0-8847-40C0-98BC-2B5EA5745C3A}"/>
-    <dgm:cxn modelId="{FB8541C0-3895-4553-A4C7-34B81A3C4A0B}" srcId="{CF9055CF-8DEB-4A02-949A-DE72B6AC5D37}" destId="{A81358E0-3DE7-41AD-A28C-ABB22548B1F6}" srcOrd="3" destOrd="0" parTransId="{262E0B94-6EA9-4797-B705-959D7B185F91}" sibTransId="{77756FBB-BF6C-4D78-803E-BCC851F1DA03}"/>
-    <dgm:cxn modelId="{4BF436C2-CB7A-454C-A1D2-41BCB7321C26}" type="presOf" srcId="{A97FC57D-50D6-4D43-99C3-06D09820F122}" destId="{22850625-2192-463E-8187-DBB37B4DEEE5}" srcOrd="0" destOrd="3" presId="urn:diagrams.loki3.com/BracketList"/>
-    <dgm:cxn modelId="{C8C462C6-33A3-4E8B-91FE-36DBE92F1C4A}" srcId="{CF9055CF-8DEB-4A02-949A-DE72B6AC5D37}" destId="{6D0E5D9F-7263-4526-A227-51301233F549}" srcOrd="2" destOrd="0" parTransId="{23416D07-25F8-426C-BC65-639E6BCF4D6D}" sibTransId="{DE289E29-1989-4D8E-8AA6-F030105B3F13}"/>
-    <dgm:cxn modelId="{78C415D6-35DF-45BB-8921-595A1C6CA239}" type="presOf" srcId="{B6E26FFC-9977-4BBC-BEC7-3D6B63754E52}" destId="{74C582AC-97DE-47F1-B2F7-CEAF5C38053B}" srcOrd="0" destOrd="0" presId="urn:diagrams.loki3.com/BracketList"/>
-    <dgm:cxn modelId="{F89EA6DF-D106-435E-9337-D23286A767A6}" srcId="{B6E26FFC-9977-4BBC-BEC7-3D6B63754E52}" destId="{44B2544A-D122-4B95-A36C-B03D9E272B48}" srcOrd="2" destOrd="0" parTransId="{9EE40E78-C1B8-4A87-A668-53AD816CED24}" sibTransId="{F32DECE0-DC7F-4DCF-A10D-96A117A49197}"/>
-    <dgm:cxn modelId="{3C41F2E0-4620-40B4-9857-68872B278EFB}" srcId="{B6E26FFC-9977-4BBC-BEC7-3D6B63754E52}" destId="{CBCC21F5-552F-4D39-812E-6FCD4A366F58}" srcOrd="0" destOrd="0" parTransId="{4A973A1C-85F1-4969-A536-D29940229E2C}" sibTransId="{3640B940-6901-481F-ADF7-6B77DEEED764}"/>
     <dgm:cxn modelId="{622DEA58-66C1-4249-9C95-351679CB0862}" type="presParOf" srcId="{3AD46912-AB30-4540-8DF5-67AC1488F01C}" destId="{45590239-E460-41FB-9748-8B7AA6BC7C54}" srcOrd="0" destOrd="0" presId="urn:diagrams.loki3.com/BracketList"/>
     <dgm:cxn modelId="{3E41F798-673D-4216-A5E4-FA56FD5AE79D}" type="presParOf" srcId="{45590239-E460-41FB-9748-8B7AA6BC7C54}" destId="{8F988417-5085-446A-9534-C8E783FFAC0F}" srcOrd="0" destOrd="0" presId="urn:diagrams.loki3.com/BracketList"/>
     <dgm:cxn modelId="{CFBA8029-81EA-47F3-A8F3-5583ADFAD836}" type="presParOf" srcId="{45590239-E460-41FB-9748-8B7AA6BC7C54}" destId="{D7B4D69F-D437-4019-A697-900DF3BD4189}" srcOrd="1" destOrd="0" presId="urn:diagrams.loki3.com/BracketList"/>
@@ -7271,6 +7775,13 @@
         </dgm:presLayoutVars>
       </dgm:prSet>
       <dgm:spPr/>
+      <dgm:t>
+        <a:bodyPr/>
+        <a:lstStyle/>
+        <a:p>
+          <a:endParaRPr lang="en-US"/>
+        </a:p>
+      </dgm:t>
     </dgm:pt>
     <dgm:pt modelId="{CC88045C-E3EE-4D81-A4AE-31DEF16487ED}" type="pres">
       <dgm:prSet presAssocID="{5119293E-CFF1-40DC-91B0-4ADC169E690A}" presName="ThreeNodes_2" presStyleLbl="node1" presStyleIdx="1" presStyleCnt="3">
@@ -7279,6 +7790,13 @@
         </dgm:presLayoutVars>
       </dgm:prSet>
       <dgm:spPr/>
+      <dgm:t>
+        <a:bodyPr/>
+        <a:lstStyle/>
+        <a:p>
+          <a:endParaRPr lang="en-US"/>
+        </a:p>
+      </dgm:t>
     </dgm:pt>
     <dgm:pt modelId="{038003CC-57D0-452B-9A87-251E2BE8DD24}" type="pres">
       <dgm:prSet presAssocID="{5119293E-CFF1-40DC-91B0-4ADC169E690A}" presName="ThreeNodes_3" presStyleLbl="node1" presStyleIdx="2" presStyleCnt="3">
@@ -7287,6 +7805,13 @@
         </dgm:presLayoutVars>
       </dgm:prSet>
       <dgm:spPr/>
+      <dgm:t>
+        <a:bodyPr/>
+        <a:lstStyle/>
+        <a:p>
+          <a:endParaRPr lang="en-US"/>
+        </a:p>
+      </dgm:t>
     </dgm:pt>
     <dgm:pt modelId="{0CD94A37-2283-4723-AF39-0C5B9DE811BF}" type="pres">
       <dgm:prSet presAssocID="{5119293E-CFF1-40DC-91B0-4ADC169E690A}" presName="ThreeConn_1-2" presStyleLbl="fgAccFollowNode1" presStyleIdx="0" presStyleCnt="2">
@@ -7295,6 +7820,13 @@
         </dgm:presLayoutVars>
       </dgm:prSet>
       <dgm:spPr/>
+      <dgm:t>
+        <a:bodyPr/>
+        <a:lstStyle/>
+        <a:p>
+          <a:endParaRPr lang="en-US"/>
+        </a:p>
+      </dgm:t>
     </dgm:pt>
     <dgm:pt modelId="{72F63057-082D-42E7-B85C-FC47DD028363}" type="pres">
       <dgm:prSet presAssocID="{5119293E-CFF1-40DC-91B0-4ADC169E690A}" presName="ThreeConn_2-3" presStyleLbl="fgAccFollowNode1" presStyleIdx="1" presStyleCnt="2">
@@ -7303,6 +7835,13 @@
         </dgm:presLayoutVars>
       </dgm:prSet>
       <dgm:spPr/>
+      <dgm:t>
+        <a:bodyPr/>
+        <a:lstStyle/>
+        <a:p>
+          <a:endParaRPr lang="en-US"/>
+        </a:p>
+      </dgm:t>
     </dgm:pt>
     <dgm:pt modelId="{BF775206-9782-4B74-9469-81B825259D87}" type="pres">
       <dgm:prSet presAssocID="{5119293E-CFF1-40DC-91B0-4ADC169E690A}" presName="ThreeNodes_1_text" presStyleLbl="node1" presStyleIdx="2" presStyleCnt="3">
@@ -7311,6 +7850,13 @@
         </dgm:presLayoutVars>
       </dgm:prSet>
       <dgm:spPr/>
+      <dgm:t>
+        <a:bodyPr/>
+        <a:lstStyle/>
+        <a:p>
+          <a:endParaRPr lang="en-US"/>
+        </a:p>
+      </dgm:t>
     </dgm:pt>
     <dgm:pt modelId="{04D8DCE0-082C-4FDA-A223-020C34F2DBEB}" type="pres">
       <dgm:prSet presAssocID="{5119293E-CFF1-40DC-91B0-4ADC169E690A}" presName="ThreeNodes_2_text" presStyleLbl="node1" presStyleIdx="2" presStyleCnt="3">
@@ -7319,6 +7865,13 @@
         </dgm:presLayoutVars>
       </dgm:prSet>
       <dgm:spPr/>
+      <dgm:t>
+        <a:bodyPr/>
+        <a:lstStyle/>
+        <a:p>
+          <a:endParaRPr lang="en-US"/>
+        </a:p>
+      </dgm:t>
     </dgm:pt>
     <dgm:pt modelId="{EC81BC27-7116-465B-AC12-B4720BC34B82}" type="pres">
       <dgm:prSet presAssocID="{5119293E-CFF1-40DC-91B0-4ADC169E690A}" presName="ThreeNodes_3_text" presStyleLbl="node1" presStyleIdx="2" presStyleCnt="3">
@@ -7327,21 +7880,28 @@
         </dgm:presLayoutVars>
       </dgm:prSet>
       <dgm:spPr/>
+      <dgm:t>
+        <a:bodyPr/>
+        <a:lstStyle/>
+        <a:p>
+          <a:endParaRPr lang="en-US"/>
+        </a:p>
+      </dgm:t>
     </dgm:pt>
   </dgm:ptLst>
   <dgm:cxnLst>
-    <dgm:cxn modelId="{6E821108-AA4C-4FCE-906C-7B527205F425}" type="presOf" srcId="{0643BB84-6196-4D47-953E-29DD7A990B54}" destId="{0CD94A37-2283-4723-AF39-0C5B9DE811BF}" srcOrd="0" destOrd="0" presId="urn:microsoft.com/office/officeart/2005/8/layout/vProcess5"/>
-    <dgm:cxn modelId="{F4AADE0C-4AF2-4981-840C-CA46AAE80AFF}" type="presOf" srcId="{2D28ACD1-25D9-461F-AFFA-AF0D4524C925}" destId="{2C56E3B0-DB92-4E32-8395-0D320FDE7304}" srcOrd="0" destOrd="0" presId="urn:microsoft.com/office/officeart/2005/8/layout/vProcess5"/>
-    <dgm:cxn modelId="{9678E520-DA97-4D9C-939A-4DCF9B11AA2F}" srcId="{5119293E-CFF1-40DC-91B0-4ADC169E690A}" destId="{740F11C0-1918-4491-8E8D-F9E393D6DC62}" srcOrd="1" destOrd="0" parTransId="{2CB00DC9-C7F6-4607-93B1-38F3306CD7C1}" sibTransId="{4BF9180C-3D66-4B05-B512-DB0404B3D62A}"/>
-    <dgm:cxn modelId="{F8CCF261-9A97-4534-B937-AB878397B7E3}" type="presOf" srcId="{2D28ACD1-25D9-461F-AFFA-AF0D4524C925}" destId="{BF775206-9782-4B74-9469-81B825259D87}" srcOrd="1" destOrd="0" presId="urn:microsoft.com/office/officeart/2005/8/layout/vProcess5"/>
     <dgm:cxn modelId="{62B69662-1BE8-417A-BC23-417EA909952F}" srcId="{5119293E-CFF1-40DC-91B0-4ADC169E690A}" destId="{7773E333-D64C-46E0-BFFB-1ABFC80A563C}" srcOrd="2" destOrd="0" parTransId="{349CA876-3C43-4618-B661-611E3D74539A}" sibTransId="{2839478F-D08F-4173-8D65-0648A498D4AD}"/>
     <dgm:cxn modelId="{21684859-26A6-4774-A7E3-CA2327F0BEEC}" type="presOf" srcId="{7773E333-D64C-46E0-BFFB-1ABFC80A563C}" destId="{038003CC-57D0-452B-9A87-251E2BE8DD24}" srcOrd="0" destOrd="0" presId="urn:microsoft.com/office/officeart/2005/8/layout/vProcess5"/>
     <dgm:cxn modelId="{C9BCE58D-0797-4C79-94F0-C4B04CD35FE1}" type="presOf" srcId="{5119293E-CFF1-40DC-91B0-4ADC169E690A}" destId="{B24BCCF6-4F1C-4DCC-A666-8A2E435C92FE}" srcOrd="0" destOrd="0" presId="urn:microsoft.com/office/officeart/2005/8/layout/vProcess5"/>
+    <dgm:cxn modelId="{6E821108-AA4C-4FCE-906C-7B527205F425}" type="presOf" srcId="{0643BB84-6196-4D47-953E-29DD7A990B54}" destId="{0CD94A37-2283-4723-AF39-0C5B9DE811BF}" srcOrd="0" destOrd="0" presId="urn:microsoft.com/office/officeart/2005/8/layout/vProcess5"/>
+    <dgm:cxn modelId="{9678E520-DA97-4D9C-939A-4DCF9B11AA2F}" srcId="{5119293E-CFF1-40DC-91B0-4ADC169E690A}" destId="{740F11C0-1918-4491-8E8D-F9E393D6DC62}" srcOrd="1" destOrd="0" parTransId="{2CB00DC9-C7F6-4607-93B1-38F3306CD7C1}" sibTransId="{4BF9180C-3D66-4B05-B512-DB0404B3D62A}"/>
     <dgm:cxn modelId="{4A769CA4-299A-415F-9EAA-DF2A946246BB}" srcId="{5119293E-CFF1-40DC-91B0-4ADC169E690A}" destId="{2D28ACD1-25D9-461F-AFFA-AF0D4524C925}" srcOrd="0" destOrd="0" parTransId="{C8C4723F-FA93-47BC-A192-A522C3D631BB}" sibTransId="{0643BB84-6196-4D47-953E-29DD7A990B54}"/>
+    <dgm:cxn modelId="{F8CCF261-9A97-4534-B937-AB878397B7E3}" type="presOf" srcId="{2D28ACD1-25D9-461F-AFFA-AF0D4524C925}" destId="{BF775206-9782-4B74-9469-81B825259D87}" srcOrd="1" destOrd="0" presId="urn:microsoft.com/office/officeart/2005/8/layout/vProcess5"/>
     <dgm:cxn modelId="{4F48B4CB-5F39-4D50-A374-F942DD055BA4}" type="presOf" srcId="{740F11C0-1918-4491-8E8D-F9E393D6DC62}" destId="{04D8DCE0-082C-4FDA-A223-020C34F2DBEB}" srcOrd="1" destOrd="0" presId="urn:microsoft.com/office/officeart/2005/8/layout/vProcess5"/>
+    <dgm:cxn modelId="{5847FDF1-B5CD-4813-9A57-54FC25BEA462}" type="presOf" srcId="{740F11C0-1918-4491-8E8D-F9E393D6DC62}" destId="{CC88045C-E3EE-4D81-A4AE-31DEF16487ED}" srcOrd="0" destOrd="0" presId="urn:microsoft.com/office/officeart/2005/8/layout/vProcess5"/>
+    <dgm:cxn modelId="{7A1E6BEF-802B-4533-A187-D1A0A7A0FE31}" type="presOf" srcId="{4BF9180C-3D66-4B05-B512-DB0404B3D62A}" destId="{72F63057-082D-42E7-B85C-FC47DD028363}" srcOrd="0" destOrd="0" presId="urn:microsoft.com/office/officeart/2005/8/layout/vProcess5"/>
     <dgm:cxn modelId="{AAB844DF-2AAF-4176-B62C-73E030E52A7C}" type="presOf" srcId="{7773E333-D64C-46E0-BFFB-1ABFC80A563C}" destId="{EC81BC27-7116-465B-AC12-B4720BC34B82}" srcOrd="1" destOrd="0" presId="urn:microsoft.com/office/officeart/2005/8/layout/vProcess5"/>
-    <dgm:cxn modelId="{7A1E6BEF-802B-4533-A187-D1A0A7A0FE31}" type="presOf" srcId="{4BF9180C-3D66-4B05-B512-DB0404B3D62A}" destId="{72F63057-082D-42E7-B85C-FC47DD028363}" srcOrd="0" destOrd="0" presId="urn:microsoft.com/office/officeart/2005/8/layout/vProcess5"/>
-    <dgm:cxn modelId="{5847FDF1-B5CD-4813-9A57-54FC25BEA462}" type="presOf" srcId="{740F11C0-1918-4491-8E8D-F9E393D6DC62}" destId="{CC88045C-E3EE-4D81-A4AE-31DEF16487ED}" srcOrd="0" destOrd="0" presId="urn:microsoft.com/office/officeart/2005/8/layout/vProcess5"/>
+    <dgm:cxn modelId="{F4AADE0C-4AF2-4981-840C-CA46AAE80AFF}" type="presOf" srcId="{2D28ACD1-25D9-461F-AFFA-AF0D4524C925}" destId="{2C56E3B0-DB92-4E32-8395-0D320FDE7304}" srcOrd="0" destOrd="0" presId="urn:microsoft.com/office/officeart/2005/8/layout/vProcess5"/>
     <dgm:cxn modelId="{B2660459-02F9-4178-83A6-A226C8F89688}" type="presParOf" srcId="{B24BCCF6-4F1C-4DCC-A666-8A2E435C92FE}" destId="{42F69F61-DBA8-48C0-9CFD-AA4D17B1E06F}" srcOrd="0" destOrd="0" presId="urn:microsoft.com/office/officeart/2005/8/layout/vProcess5"/>
     <dgm:cxn modelId="{C9E715CD-297A-4561-ABFB-9F6705DBC630}" type="presParOf" srcId="{B24BCCF6-4F1C-4DCC-A666-8A2E435C92FE}" destId="{2C56E3B0-DB92-4E32-8395-0D320FDE7304}" srcOrd="1" destOrd="0" presId="urn:microsoft.com/office/officeart/2005/8/layout/vProcess5"/>
     <dgm:cxn modelId="{2C6D380E-0DE7-4233-A99E-23ACA1751D78}" type="presParOf" srcId="{B24BCCF6-4F1C-4DCC-A666-8A2E435C92FE}" destId="{CC88045C-E3EE-4D81-A4AE-31DEF16487ED}" srcOrd="2" destOrd="0" presId="urn:microsoft.com/office/officeart/2005/8/layout/vProcess5"/>
@@ -7424,7 +7984,7 @@
         </a:bodyPr>
         <a:lstStyle/>
         <a:p>
-          <a:pPr marL="0" lvl="0" indent="0" algn="ctr" defTabSz="622300" rtl="0">
+          <a:pPr lvl="0" algn="ctr" defTabSz="622300" rtl="0">
             <a:lnSpc>
               <a:spcPct val="90000"/>
             </a:lnSpc>
@@ -7434,13 +7994,18 @@
             <a:spcAft>
               <a:spcPct val="35000"/>
             </a:spcAft>
-            <a:buNone/>
           </a:pPr>
           <a:r>
-            <a:rPr lang="en-US" sz="1400" b="1" kern="1200" baseline="0" dirty="0"/>
+            <a:rPr lang="en-US" sz="1400" b="1" kern="1200" baseline="0" dirty="0">
+              <a:latin typeface="Times New Roman" panose="02020603050405020304" pitchFamily="18" charset="0"/>
+              <a:cs typeface="Times New Roman" panose="02020603050405020304" pitchFamily="18" charset="0"/>
+            </a:rPr>
             <a:t>Instructor (Before)</a:t>
           </a:r>
-          <a:endParaRPr lang="en-US" sz="1400" kern="1200" dirty="0"/>
+          <a:endParaRPr lang="en-US" sz="1400" kern="1200" dirty="0">
+            <a:latin typeface="Times New Roman" panose="02020603050405020304" pitchFamily="18" charset="0"/>
+            <a:cs typeface="Times New Roman" panose="02020603050405020304" pitchFamily="18" charset="0"/>
+          </a:endParaRPr>
         </a:p>
       </dsp:txBody>
       <dsp:txXfrm>
@@ -7499,12 +8064,12 @@
         <a:fontRef idx="minor"/>
       </dsp:style>
       <dsp:txBody>
-        <a:bodyPr spcFirstLastPara="0" vert="horz" wrap="square" lIns="13970" tIns="6985" rIns="0" bIns="6985" numCol="1" spcCol="1270" anchor="ctr" anchorCtr="0">
+        <a:bodyPr spcFirstLastPara="0" vert="horz" wrap="square" lIns="17780" tIns="8890" rIns="0" bIns="8890" numCol="1" spcCol="1270" anchor="ctr" anchorCtr="0">
           <a:noAutofit/>
         </a:bodyPr>
         <a:lstStyle/>
         <a:p>
-          <a:pPr marL="0" lvl="0" indent="0" algn="ctr" defTabSz="488950" rtl="0">
+          <a:pPr lvl="0" algn="ctr" defTabSz="622300" rtl="0">
             <a:lnSpc>
               <a:spcPct val="90000"/>
             </a:lnSpc>
@@ -7514,13 +8079,18 @@
             <a:spcAft>
               <a:spcPct val="35000"/>
             </a:spcAft>
-            <a:buNone/>
           </a:pPr>
           <a:r>
-            <a:rPr lang="en-US" sz="1100" kern="1200" baseline="0"/>
+            <a:rPr lang="en-US" sz="1400" kern="1200" baseline="0" dirty="0">
+              <a:latin typeface="Times New Roman" panose="02020603050405020304" pitchFamily="18" charset="0"/>
+              <a:cs typeface="Times New Roman" panose="02020603050405020304" pitchFamily="18" charset="0"/>
+            </a:rPr>
             <a:t>Stand-alone application.</a:t>
           </a:r>
-          <a:endParaRPr lang="en-US" sz="1100" kern="1200"/>
+          <a:endParaRPr lang="en-US" sz="1400" kern="1200" dirty="0">
+            <a:latin typeface="Times New Roman" panose="02020603050405020304" pitchFamily="18" charset="0"/>
+            <a:cs typeface="Times New Roman" panose="02020603050405020304" pitchFamily="18" charset="0"/>
+          </a:endParaRPr>
         </a:p>
       </dsp:txBody>
       <dsp:txXfrm>
@@ -7579,12 +8149,12 @@
         <a:fontRef idx="minor"/>
       </dsp:style>
       <dsp:txBody>
-        <a:bodyPr spcFirstLastPara="0" vert="horz" wrap="square" lIns="13970" tIns="6985" rIns="0" bIns="6985" numCol="1" spcCol="1270" anchor="ctr" anchorCtr="0">
+        <a:bodyPr spcFirstLastPara="0" vert="horz" wrap="square" lIns="17780" tIns="8890" rIns="0" bIns="8890" numCol="1" spcCol="1270" anchor="ctr" anchorCtr="0">
           <a:noAutofit/>
         </a:bodyPr>
         <a:lstStyle/>
         <a:p>
-          <a:pPr marL="0" lvl="0" indent="0" algn="ctr" defTabSz="488950" rtl="0">
+          <a:pPr lvl="0" algn="ctr" defTabSz="622300" rtl="0">
             <a:lnSpc>
               <a:spcPct val="90000"/>
             </a:lnSpc>
@@ -7594,13 +8164,18 @@
             <a:spcAft>
               <a:spcPct val="35000"/>
             </a:spcAft>
-            <a:buNone/>
           </a:pPr>
           <a:r>
-            <a:rPr lang="en-US" sz="1100" kern="1200" baseline="0"/>
+            <a:rPr lang="en-US" sz="1400" kern="1200" baseline="0">
+              <a:latin typeface="Times New Roman" panose="02020603050405020304" pitchFamily="18" charset="0"/>
+              <a:cs typeface="Times New Roman" panose="02020603050405020304" pitchFamily="18" charset="0"/>
+            </a:rPr>
             <a:t>Authentication.</a:t>
           </a:r>
-          <a:endParaRPr lang="en-US" sz="1100" kern="1200"/>
+          <a:endParaRPr lang="en-US" sz="1400" kern="1200">
+            <a:latin typeface="Times New Roman" panose="02020603050405020304" pitchFamily="18" charset="0"/>
+            <a:cs typeface="Times New Roman" panose="02020603050405020304" pitchFamily="18" charset="0"/>
+          </a:endParaRPr>
         </a:p>
       </dsp:txBody>
       <dsp:txXfrm>
@@ -7659,12 +8234,12 @@
         <a:fontRef idx="minor"/>
       </dsp:style>
       <dsp:txBody>
-        <a:bodyPr spcFirstLastPara="0" vert="horz" wrap="square" lIns="13970" tIns="6985" rIns="0" bIns="6985" numCol="1" spcCol="1270" anchor="ctr" anchorCtr="0">
+        <a:bodyPr spcFirstLastPara="0" vert="horz" wrap="square" lIns="17780" tIns="8890" rIns="0" bIns="8890" numCol="1" spcCol="1270" anchor="ctr" anchorCtr="0">
           <a:noAutofit/>
         </a:bodyPr>
         <a:lstStyle/>
         <a:p>
-          <a:pPr marL="0" lvl="0" indent="0" algn="ctr" defTabSz="488950" rtl="0">
+          <a:pPr lvl="0" algn="ctr" defTabSz="622300" rtl="0">
             <a:lnSpc>
               <a:spcPct val="90000"/>
             </a:lnSpc>
@@ -7674,13 +8249,18 @@
             <a:spcAft>
               <a:spcPct val="35000"/>
             </a:spcAft>
-            <a:buNone/>
           </a:pPr>
           <a:r>
-            <a:rPr lang="en-US" sz="1100" kern="1200" baseline="0"/>
+            <a:rPr lang="en-US" sz="1400" kern="1200" baseline="0">
+              <a:latin typeface="Times New Roman" panose="02020603050405020304" pitchFamily="18" charset="0"/>
+              <a:cs typeface="Times New Roman" panose="02020603050405020304" pitchFamily="18" charset="0"/>
+            </a:rPr>
             <a:t>QR code Generation.</a:t>
           </a:r>
-          <a:endParaRPr lang="en-US" sz="1100" kern="1200"/>
+          <a:endParaRPr lang="en-US" sz="1400" kern="1200">
+            <a:latin typeface="Times New Roman" panose="02020603050405020304" pitchFamily="18" charset="0"/>
+            <a:cs typeface="Times New Roman" panose="02020603050405020304" pitchFamily="18" charset="0"/>
+          </a:endParaRPr>
         </a:p>
       </dsp:txBody>
       <dsp:txXfrm>
@@ -7739,12 +8319,12 @@
         <a:fontRef idx="minor"/>
       </dsp:style>
       <dsp:txBody>
-        <a:bodyPr spcFirstLastPara="0" vert="horz" wrap="square" lIns="13970" tIns="6985" rIns="0" bIns="6985" numCol="1" spcCol="1270" anchor="ctr" anchorCtr="0">
+        <a:bodyPr spcFirstLastPara="0" vert="horz" wrap="square" lIns="17780" tIns="8890" rIns="0" bIns="8890" numCol="1" spcCol="1270" anchor="ctr" anchorCtr="0">
           <a:noAutofit/>
         </a:bodyPr>
         <a:lstStyle/>
         <a:p>
-          <a:pPr marL="0" lvl="0" indent="0" algn="ctr" defTabSz="488950" rtl="0">
+          <a:pPr lvl="0" algn="ctr" defTabSz="622300" rtl="0">
             <a:lnSpc>
               <a:spcPct val="90000"/>
             </a:lnSpc>
@@ -7754,13 +8334,18 @@
             <a:spcAft>
               <a:spcPct val="35000"/>
             </a:spcAft>
-            <a:buNone/>
           </a:pPr>
           <a:r>
-            <a:rPr lang="en-US" sz="1100" kern="1200" baseline="0"/>
+            <a:rPr lang="en-US" sz="1400" kern="1200" baseline="0">
+              <a:latin typeface="Times New Roman" panose="02020603050405020304" pitchFamily="18" charset="0"/>
+              <a:cs typeface="Times New Roman" panose="02020603050405020304" pitchFamily="18" charset="0"/>
+            </a:rPr>
             <a:t>QR code Display.</a:t>
           </a:r>
-          <a:endParaRPr lang="en-US" sz="1100" kern="1200"/>
+          <a:endParaRPr lang="en-US" sz="1400" kern="1200">
+            <a:latin typeface="Times New Roman" panose="02020603050405020304" pitchFamily="18" charset="0"/>
+            <a:cs typeface="Times New Roman" panose="02020603050405020304" pitchFamily="18" charset="0"/>
+          </a:endParaRPr>
         </a:p>
       </dsp:txBody>
       <dsp:txXfrm>
@@ -7819,12 +8404,12 @@
         <a:fontRef idx="minor"/>
       </dsp:style>
       <dsp:txBody>
-        <a:bodyPr spcFirstLastPara="0" vert="horz" wrap="square" lIns="13970" tIns="6985" rIns="0" bIns="6985" numCol="1" spcCol="1270" anchor="ctr" anchorCtr="0">
+        <a:bodyPr spcFirstLastPara="0" vert="horz" wrap="square" lIns="17780" tIns="8890" rIns="0" bIns="8890" numCol="1" spcCol="1270" anchor="ctr" anchorCtr="0">
           <a:noAutofit/>
         </a:bodyPr>
         <a:lstStyle/>
         <a:p>
-          <a:pPr marL="0" lvl="0" indent="0" algn="ctr" defTabSz="488950" rtl="0">
+          <a:pPr lvl="0" algn="ctr" defTabSz="622300" rtl="0">
             <a:lnSpc>
               <a:spcPct val="90000"/>
             </a:lnSpc>
@@ -7834,13 +8419,18 @@
             <a:spcAft>
               <a:spcPct val="35000"/>
             </a:spcAft>
-            <a:buNone/>
           </a:pPr>
           <a:r>
-            <a:rPr lang="en-US" sz="1100" kern="1200" baseline="0"/>
+            <a:rPr lang="en-US" sz="1400" kern="1200" baseline="0">
+              <a:latin typeface="Times New Roman" panose="02020603050405020304" pitchFamily="18" charset="0"/>
+              <a:cs typeface="Times New Roman" panose="02020603050405020304" pitchFamily="18" charset="0"/>
+            </a:rPr>
             <a:t>Manage the students attendance.</a:t>
           </a:r>
-          <a:endParaRPr lang="en-US" sz="1100" kern="1200"/>
+          <a:endParaRPr lang="en-US" sz="1400" kern="1200">
+            <a:latin typeface="Times New Roman" panose="02020603050405020304" pitchFamily="18" charset="0"/>
+            <a:cs typeface="Times New Roman" panose="02020603050405020304" pitchFamily="18" charset="0"/>
+          </a:endParaRPr>
         </a:p>
       </dsp:txBody>
       <dsp:txXfrm>
@@ -7899,12 +8489,12 @@
         <a:fontRef idx="minor"/>
       </dsp:style>
       <dsp:txBody>
-        <a:bodyPr spcFirstLastPara="0" vert="horz" wrap="square" lIns="13970" tIns="6985" rIns="0" bIns="6985" numCol="1" spcCol="1270" anchor="ctr" anchorCtr="0">
+        <a:bodyPr spcFirstLastPara="0" vert="horz" wrap="square" lIns="17780" tIns="8890" rIns="0" bIns="8890" numCol="1" spcCol="1270" anchor="ctr" anchorCtr="0">
           <a:noAutofit/>
         </a:bodyPr>
         <a:lstStyle/>
         <a:p>
-          <a:pPr marL="0" lvl="0" indent="0" algn="ctr" defTabSz="488950" rtl="0">
+          <a:pPr lvl="0" algn="ctr" defTabSz="622300" rtl="0">
             <a:lnSpc>
               <a:spcPct val="90000"/>
             </a:lnSpc>
@@ -7914,13 +8504,18 @@
             <a:spcAft>
               <a:spcPct val="35000"/>
             </a:spcAft>
-            <a:buNone/>
           </a:pPr>
           <a:r>
-            <a:rPr lang="en-US" sz="1100" kern="1200" baseline="0"/>
+            <a:rPr lang="en-US" sz="1400" kern="1200" baseline="0" dirty="0">
+              <a:latin typeface="Times New Roman" panose="02020603050405020304" pitchFamily="18" charset="0"/>
+              <a:cs typeface="Times New Roman" panose="02020603050405020304" pitchFamily="18" charset="0"/>
+            </a:rPr>
             <a:t>Appropriate Feedback</a:t>
           </a:r>
-          <a:endParaRPr lang="en-US" sz="1100" kern="1200"/>
+          <a:endParaRPr lang="en-US" sz="1400" kern="1200" dirty="0">
+            <a:latin typeface="Times New Roman" panose="02020603050405020304" pitchFamily="18" charset="0"/>
+            <a:cs typeface="Times New Roman" panose="02020603050405020304" pitchFamily="18" charset="0"/>
+          </a:endParaRPr>
         </a:p>
       </dsp:txBody>
       <dsp:txXfrm>
@@ -7982,7 +8577,7 @@
         </a:bodyPr>
         <a:lstStyle/>
         <a:p>
-          <a:pPr marL="0" lvl="0" indent="0" algn="ctr" defTabSz="622300" rtl="0">
+          <a:pPr lvl="0" algn="ctr" defTabSz="622300" rtl="0">
             <a:lnSpc>
               <a:spcPct val="90000"/>
             </a:lnSpc>
@@ -7992,13 +8587,18 @@
             <a:spcAft>
               <a:spcPct val="35000"/>
             </a:spcAft>
-            <a:buNone/>
           </a:pPr>
           <a:r>
-            <a:rPr lang="en-US" sz="1400" b="1" kern="1200" baseline="0" dirty="0"/>
+            <a:rPr lang="en-US" sz="1400" b="1" kern="1200" baseline="0" dirty="0">
+              <a:latin typeface="Times New Roman" panose="02020603050405020304" pitchFamily="18" charset="0"/>
+              <a:cs typeface="Times New Roman" panose="02020603050405020304" pitchFamily="18" charset="0"/>
+            </a:rPr>
             <a:t>Instructor(Now)</a:t>
           </a:r>
-          <a:endParaRPr lang="en-US" sz="1400" kern="1200" dirty="0"/>
+          <a:endParaRPr lang="en-US" sz="1400" kern="1200" dirty="0">
+            <a:latin typeface="Times New Roman" panose="02020603050405020304" pitchFamily="18" charset="0"/>
+            <a:cs typeface="Times New Roman" panose="02020603050405020304" pitchFamily="18" charset="0"/>
+          </a:endParaRPr>
         </a:p>
       </dsp:txBody>
       <dsp:txXfrm>
@@ -8057,12 +8657,12 @@
         <a:fontRef idx="minor"/>
       </dsp:style>
       <dsp:txBody>
-        <a:bodyPr spcFirstLastPara="0" vert="horz" wrap="square" lIns="13970" tIns="6985" rIns="0" bIns="6985" numCol="1" spcCol="1270" anchor="ctr" anchorCtr="0">
+        <a:bodyPr spcFirstLastPara="0" vert="horz" wrap="square" lIns="17780" tIns="8890" rIns="0" bIns="8890" numCol="1" spcCol="1270" anchor="ctr" anchorCtr="0">
           <a:noAutofit/>
         </a:bodyPr>
         <a:lstStyle/>
         <a:p>
-          <a:pPr marL="0" lvl="0" indent="0" algn="ctr" defTabSz="488950" rtl="0">
+          <a:pPr lvl="0" algn="ctr" defTabSz="622300" rtl="0">
             <a:lnSpc>
               <a:spcPct val="90000"/>
             </a:lnSpc>
@@ -8072,13 +8672,18 @@
             <a:spcAft>
               <a:spcPct val="35000"/>
             </a:spcAft>
-            <a:buNone/>
           </a:pPr>
           <a:r>
-            <a:rPr lang="en-US" sz="1100" kern="1200" baseline="0"/>
+            <a:rPr lang="en-US" sz="1400" kern="1200" baseline="0">
+              <a:latin typeface="Times New Roman" panose="02020603050405020304" pitchFamily="18" charset="0"/>
+              <a:cs typeface="Times New Roman" panose="02020603050405020304" pitchFamily="18" charset="0"/>
+            </a:rPr>
             <a:t>Web application using JavaScript and node JS.</a:t>
           </a:r>
-          <a:endParaRPr lang="en-US" sz="1100" kern="1200"/>
+          <a:endParaRPr lang="en-US" sz="1400" kern="1200">
+            <a:latin typeface="Times New Roman" panose="02020603050405020304" pitchFamily="18" charset="0"/>
+            <a:cs typeface="Times New Roman" panose="02020603050405020304" pitchFamily="18" charset="0"/>
+          </a:endParaRPr>
         </a:p>
       </dsp:txBody>
       <dsp:txXfrm>
@@ -8137,12 +8742,12 @@
         <a:fontRef idx="minor"/>
       </dsp:style>
       <dsp:txBody>
-        <a:bodyPr spcFirstLastPara="0" vert="horz" wrap="square" lIns="13970" tIns="6985" rIns="0" bIns="6985" numCol="1" spcCol="1270" anchor="ctr" anchorCtr="0">
+        <a:bodyPr spcFirstLastPara="0" vert="horz" wrap="square" lIns="17780" tIns="8890" rIns="0" bIns="8890" numCol="1" spcCol="1270" anchor="ctr" anchorCtr="0">
           <a:noAutofit/>
         </a:bodyPr>
         <a:lstStyle/>
         <a:p>
-          <a:pPr marL="0" lvl="0" indent="0" algn="ctr" defTabSz="488950" rtl="0">
+          <a:pPr lvl="0" algn="ctr" defTabSz="622300" rtl="0">
             <a:lnSpc>
               <a:spcPct val="90000"/>
             </a:lnSpc>
@@ -8152,13 +8757,18 @@
             <a:spcAft>
               <a:spcPct val="35000"/>
             </a:spcAft>
-            <a:buNone/>
           </a:pPr>
           <a:r>
-            <a:rPr lang="en-US" sz="1100" kern="1200" baseline="0"/>
+            <a:rPr lang="en-US" sz="1400" kern="1200" baseline="0">
+              <a:latin typeface="Times New Roman" panose="02020603050405020304" pitchFamily="18" charset="0"/>
+              <a:cs typeface="Times New Roman" panose="02020603050405020304" pitchFamily="18" charset="0"/>
+            </a:rPr>
             <a:t>Authentication.</a:t>
           </a:r>
-          <a:endParaRPr lang="en-US" sz="1100" kern="1200"/>
+          <a:endParaRPr lang="en-US" sz="1400" kern="1200">
+            <a:latin typeface="Times New Roman" panose="02020603050405020304" pitchFamily="18" charset="0"/>
+            <a:cs typeface="Times New Roman" panose="02020603050405020304" pitchFamily="18" charset="0"/>
+          </a:endParaRPr>
         </a:p>
       </dsp:txBody>
       <dsp:txXfrm>
@@ -8217,12 +8827,12 @@
         <a:fontRef idx="minor"/>
       </dsp:style>
       <dsp:txBody>
-        <a:bodyPr spcFirstLastPara="0" vert="horz" wrap="square" lIns="13970" tIns="6985" rIns="0" bIns="6985" numCol="1" spcCol="1270" anchor="ctr" anchorCtr="0">
+        <a:bodyPr spcFirstLastPara="0" vert="horz" wrap="square" lIns="17780" tIns="8890" rIns="0" bIns="8890" numCol="1" spcCol="1270" anchor="ctr" anchorCtr="0">
           <a:noAutofit/>
         </a:bodyPr>
         <a:lstStyle/>
         <a:p>
-          <a:pPr marL="0" lvl="0" indent="0" algn="ctr" defTabSz="488950" rtl="0">
+          <a:pPr lvl="0" algn="ctr" defTabSz="622300" rtl="0">
             <a:lnSpc>
               <a:spcPct val="90000"/>
             </a:lnSpc>
@@ -8232,13 +8842,18 @@
             <a:spcAft>
               <a:spcPct val="35000"/>
             </a:spcAft>
-            <a:buNone/>
           </a:pPr>
           <a:r>
-            <a:rPr lang="en-US" sz="1100" kern="1200" baseline="0"/>
+            <a:rPr lang="en-US" sz="1400" kern="1200" baseline="0">
+              <a:latin typeface="Times New Roman" panose="02020603050405020304" pitchFamily="18" charset="0"/>
+              <a:cs typeface="Times New Roman" panose="02020603050405020304" pitchFamily="18" charset="0"/>
+            </a:rPr>
             <a:t>QR code Generation.</a:t>
           </a:r>
-          <a:endParaRPr lang="en-US" sz="1100" kern="1200"/>
+          <a:endParaRPr lang="en-US" sz="1400" kern="1200">
+            <a:latin typeface="Times New Roman" panose="02020603050405020304" pitchFamily="18" charset="0"/>
+            <a:cs typeface="Times New Roman" panose="02020603050405020304" pitchFamily="18" charset="0"/>
+          </a:endParaRPr>
         </a:p>
       </dsp:txBody>
       <dsp:txXfrm>
@@ -8297,12 +8912,12 @@
         <a:fontRef idx="minor"/>
       </dsp:style>
       <dsp:txBody>
-        <a:bodyPr spcFirstLastPara="0" vert="horz" wrap="square" lIns="13970" tIns="6985" rIns="0" bIns="6985" numCol="1" spcCol="1270" anchor="ctr" anchorCtr="0">
+        <a:bodyPr spcFirstLastPara="0" vert="horz" wrap="square" lIns="17780" tIns="8890" rIns="0" bIns="8890" numCol="1" spcCol="1270" anchor="ctr" anchorCtr="0">
           <a:noAutofit/>
         </a:bodyPr>
         <a:lstStyle/>
         <a:p>
-          <a:pPr marL="0" lvl="0" indent="0" algn="ctr" defTabSz="488950" rtl="0">
+          <a:pPr lvl="0" algn="ctr" defTabSz="622300" rtl="0">
             <a:lnSpc>
               <a:spcPct val="90000"/>
             </a:lnSpc>
@@ -8312,13 +8927,18 @@
             <a:spcAft>
               <a:spcPct val="35000"/>
             </a:spcAft>
-            <a:buNone/>
           </a:pPr>
           <a:r>
-            <a:rPr lang="en-US" sz="1100" kern="1200" baseline="0"/>
+            <a:rPr lang="en-US" sz="1400" kern="1200" baseline="0">
+              <a:latin typeface="Times New Roman" panose="02020603050405020304" pitchFamily="18" charset="0"/>
+              <a:cs typeface="Times New Roman" panose="02020603050405020304" pitchFamily="18" charset="0"/>
+            </a:rPr>
             <a:t>QR code Display.</a:t>
           </a:r>
-          <a:endParaRPr lang="en-US" sz="1100" kern="1200"/>
+          <a:endParaRPr lang="en-US" sz="1400" kern="1200">
+            <a:latin typeface="Times New Roman" panose="02020603050405020304" pitchFamily="18" charset="0"/>
+            <a:cs typeface="Times New Roman" panose="02020603050405020304" pitchFamily="18" charset="0"/>
+          </a:endParaRPr>
         </a:p>
       </dsp:txBody>
       <dsp:txXfrm>
@@ -8377,12 +8997,12 @@
         <a:fontRef idx="minor"/>
       </dsp:style>
       <dsp:txBody>
-        <a:bodyPr spcFirstLastPara="0" vert="horz" wrap="square" lIns="13970" tIns="6985" rIns="0" bIns="6985" numCol="1" spcCol="1270" anchor="ctr" anchorCtr="0">
+        <a:bodyPr spcFirstLastPara="0" vert="horz" wrap="square" lIns="17780" tIns="8890" rIns="0" bIns="8890" numCol="1" spcCol="1270" anchor="ctr" anchorCtr="0">
           <a:noAutofit/>
         </a:bodyPr>
         <a:lstStyle/>
         <a:p>
-          <a:pPr marL="0" lvl="0" indent="0" algn="ctr" defTabSz="488950" rtl="0">
+          <a:pPr lvl="0" algn="ctr" defTabSz="622300" rtl="0">
             <a:lnSpc>
               <a:spcPct val="90000"/>
             </a:lnSpc>
@@ -8392,13 +9012,18 @@
             <a:spcAft>
               <a:spcPct val="35000"/>
             </a:spcAft>
-            <a:buNone/>
           </a:pPr>
           <a:r>
-            <a:rPr lang="en-US" sz="1100" kern="1200" baseline="0"/>
+            <a:rPr lang="en-US" sz="1400" kern="1200" baseline="0">
+              <a:latin typeface="Times New Roman" panose="02020603050405020304" pitchFamily="18" charset="0"/>
+              <a:cs typeface="Times New Roman" panose="02020603050405020304" pitchFamily="18" charset="0"/>
+            </a:rPr>
             <a:t>Manage the students attendance.</a:t>
           </a:r>
-          <a:endParaRPr lang="en-US" sz="1100" kern="1200"/>
+          <a:endParaRPr lang="en-US" sz="1400" kern="1200">
+            <a:latin typeface="Times New Roman" panose="02020603050405020304" pitchFamily="18" charset="0"/>
+            <a:cs typeface="Times New Roman" panose="02020603050405020304" pitchFamily="18" charset="0"/>
+          </a:endParaRPr>
         </a:p>
       </dsp:txBody>
       <dsp:txXfrm>
@@ -8457,12 +9082,12 @@
         <a:fontRef idx="minor"/>
       </dsp:style>
       <dsp:txBody>
-        <a:bodyPr spcFirstLastPara="0" vert="horz" wrap="square" lIns="13970" tIns="6985" rIns="0" bIns="6985" numCol="1" spcCol="1270" anchor="ctr" anchorCtr="0">
+        <a:bodyPr spcFirstLastPara="0" vert="horz" wrap="square" lIns="17780" tIns="8890" rIns="0" bIns="8890" numCol="1" spcCol="1270" anchor="ctr" anchorCtr="0">
           <a:noAutofit/>
         </a:bodyPr>
         <a:lstStyle/>
         <a:p>
-          <a:pPr marL="0" lvl="0" indent="0" algn="ctr" defTabSz="488950" rtl="0">
+          <a:pPr lvl="0" algn="ctr" defTabSz="622300" rtl="0">
             <a:lnSpc>
               <a:spcPct val="90000"/>
             </a:lnSpc>
@@ -8472,13 +9097,18 @@
             <a:spcAft>
               <a:spcPct val="35000"/>
             </a:spcAft>
-            <a:buNone/>
           </a:pPr>
           <a:r>
-            <a:rPr lang="en-US" sz="1100" kern="1200" baseline="0"/>
+            <a:rPr lang="en-US" sz="1400" kern="1200" baseline="0">
+              <a:latin typeface="Times New Roman" panose="02020603050405020304" pitchFamily="18" charset="0"/>
+              <a:cs typeface="Times New Roman" panose="02020603050405020304" pitchFamily="18" charset="0"/>
+            </a:rPr>
             <a:t>Appropriate Feedback</a:t>
           </a:r>
-          <a:endParaRPr lang="en-US" sz="1100" kern="1200"/>
+          <a:endParaRPr lang="en-US" sz="1400" kern="1200">
+            <a:latin typeface="Times New Roman" panose="02020603050405020304" pitchFamily="18" charset="0"/>
+            <a:cs typeface="Times New Roman" panose="02020603050405020304" pitchFamily="18" charset="0"/>
+          </a:endParaRPr>
         </a:p>
       </dsp:txBody>
       <dsp:txXfrm>
@@ -8547,12 +9177,12 @@
         </a:fontRef>
       </dsp:style>
       <dsp:txBody>
-        <a:bodyPr spcFirstLastPara="0" vert="horz" wrap="square" lIns="16510" tIns="8255" rIns="0" bIns="8255" numCol="1" spcCol="1270" anchor="ctr" anchorCtr="0">
+        <a:bodyPr spcFirstLastPara="0" vert="horz" wrap="square" lIns="17780" tIns="8890" rIns="0" bIns="8890" numCol="1" spcCol="1270" anchor="ctr" anchorCtr="0">
           <a:noAutofit/>
         </a:bodyPr>
         <a:lstStyle/>
         <a:p>
-          <a:pPr marL="0" lvl="0" indent="0" algn="ctr" defTabSz="577850" rtl="0">
+          <a:pPr lvl="0" algn="ctr" defTabSz="622300" rtl="0">
             <a:lnSpc>
               <a:spcPct val="90000"/>
             </a:lnSpc>
@@ -8562,13 +9192,18 @@
             <a:spcAft>
               <a:spcPct val="35000"/>
             </a:spcAft>
-            <a:buNone/>
           </a:pPr>
           <a:r>
-            <a:rPr lang="en-US" sz="1300" b="1" kern="1200" baseline="0" dirty="0"/>
+            <a:rPr lang="en-US" sz="1400" b="1" kern="1200" baseline="0" dirty="0">
+              <a:latin typeface="Times New Roman" panose="02020603050405020304" pitchFamily="18" charset="0"/>
+              <a:cs typeface="Times New Roman" panose="02020603050405020304" pitchFamily="18" charset="0"/>
+            </a:rPr>
             <a:t>Student(Before)</a:t>
           </a:r>
-          <a:endParaRPr lang="en-US" sz="1300" kern="1200" dirty="0"/>
+          <a:endParaRPr lang="en-US" sz="1400" kern="1200" dirty="0">
+            <a:latin typeface="Times New Roman" panose="02020603050405020304" pitchFamily="18" charset="0"/>
+            <a:cs typeface="Times New Roman" panose="02020603050405020304" pitchFamily="18" charset="0"/>
+          </a:endParaRPr>
         </a:p>
       </dsp:txBody>
       <dsp:txXfrm>
@@ -8627,12 +9262,12 @@
         <a:fontRef idx="minor"/>
       </dsp:style>
       <dsp:txBody>
-        <a:bodyPr spcFirstLastPara="0" vert="horz" wrap="square" lIns="19050" tIns="9525" rIns="0" bIns="9525" numCol="1" spcCol="1270" anchor="ctr" anchorCtr="0">
+        <a:bodyPr spcFirstLastPara="0" vert="horz" wrap="square" lIns="17780" tIns="8890" rIns="0" bIns="8890" numCol="1" spcCol="1270" anchor="ctr" anchorCtr="0">
           <a:noAutofit/>
         </a:bodyPr>
         <a:lstStyle/>
         <a:p>
-          <a:pPr marL="0" lvl="0" indent="0" algn="ctr" defTabSz="666750" rtl="0">
+          <a:pPr lvl="0" algn="ctr" defTabSz="622300" rtl="0">
             <a:lnSpc>
               <a:spcPct val="90000"/>
             </a:lnSpc>
@@ -8642,13 +9277,18 @@
             <a:spcAft>
               <a:spcPct val="35000"/>
             </a:spcAft>
-            <a:buNone/>
           </a:pPr>
           <a:r>
-            <a:rPr lang="en-US" sz="1500" kern="1200" baseline="0"/>
+            <a:rPr lang="en-US" sz="1400" kern="1200" baseline="0">
+              <a:latin typeface="Times New Roman" panose="02020603050405020304" pitchFamily="18" charset="0"/>
+              <a:cs typeface="Times New Roman" panose="02020603050405020304" pitchFamily="18" charset="0"/>
+            </a:rPr>
             <a:t>iOS application.</a:t>
           </a:r>
-          <a:endParaRPr lang="en-US" sz="1500" kern="1200"/>
+          <a:endParaRPr lang="en-US" sz="1400" kern="1200">
+            <a:latin typeface="Times New Roman" panose="02020603050405020304" pitchFamily="18" charset="0"/>
+            <a:cs typeface="Times New Roman" panose="02020603050405020304" pitchFamily="18" charset="0"/>
+          </a:endParaRPr>
         </a:p>
       </dsp:txBody>
       <dsp:txXfrm>
@@ -8707,12 +9347,12 @@
         <a:fontRef idx="minor"/>
       </dsp:style>
       <dsp:txBody>
-        <a:bodyPr spcFirstLastPara="0" vert="horz" wrap="square" lIns="19050" tIns="9525" rIns="0" bIns="9525" numCol="1" spcCol="1270" anchor="ctr" anchorCtr="0">
+        <a:bodyPr spcFirstLastPara="0" vert="horz" wrap="square" lIns="17780" tIns="8890" rIns="0" bIns="8890" numCol="1" spcCol="1270" anchor="ctr" anchorCtr="0">
           <a:noAutofit/>
         </a:bodyPr>
         <a:lstStyle/>
         <a:p>
-          <a:pPr marL="0" lvl="0" indent="0" algn="ctr" defTabSz="666750" rtl="0">
+          <a:pPr lvl="0" algn="ctr" defTabSz="622300" rtl="0">
             <a:lnSpc>
               <a:spcPct val="90000"/>
             </a:lnSpc>
@@ -8722,13 +9362,18 @@
             <a:spcAft>
               <a:spcPct val="35000"/>
             </a:spcAft>
-            <a:buNone/>
           </a:pPr>
           <a:r>
-            <a:rPr lang="en-US" sz="1500" kern="1200" baseline="0"/>
+            <a:rPr lang="en-US" sz="1400" kern="1200" baseline="0">
+              <a:latin typeface="Times New Roman" panose="02020603050405020304" pitchFamily="18" charset="0"/>
+              <a:cs typeface="Times New Roman" panose="02020603050405020304" pitchFamily="18" charset="0"/>
+            </a:rPr>
             <a:t>Persistent Login</a:t>
           </a:r>
-          <a:endParaRPr lang="en-US" sz="1500" kern="1200"/>
+          <a:endParaRPr lang="en-US" sz="1400" kern="1200">
+            <a:latin typeface="Times New Roman" panose="02020603050405020304" pitchFamily="18" charset="0"/>
+            <a:cs typeface="Times New Roman" panose="02020603050405020304" pitchFamily="18" charset="0"/>
+          </a:endParaRPr>
         </a:p>
       </dsp:txBody>
       <dsp:txXfrm>
@@ -8787,12 +9432,12 @@
         <a:fontRef idx="minor"/>
       </dsp:style>
       <dsp:txBody>
-        <a:bodyPr spcFirstLastPara="0" vert="horz" wrap="square" lIns="19050" tIns="9525" rIns="0" bIns="9525" numCol="1" spcCol="1270" anchor="ctr" anchorCtr="0">
+        <a:bodyPr spcFirstLastPara="0" vert="horz" wrap="square" lIns="17780" tIns="8890" rIns="0" bIns="8890" numCol="1" spcCol="1270" anchor="ctr" anchorCtr="0">
           <a:noAutofit/>
         </a:bodyPr>
         <a:lstStyle/>
         <a:p>
-          <a:pPr marL="0" lvl="0" indent="0" algn="ctr" defTabSz="666750" rtl="0">
+          <a:pPr lvl="0" algn="ctr" defTabSz="622300" rtl="0">
             <a:lnSpc>
               <a:spcPct val="90000"/>
             </a:lnSpc>
@@ -8802,13 +9447,18 @@
             <a:spcAft>
               <a:spcPct val="35000"/>
             </a:spcAft>
-            <a:buNone/>
           </a:pPr>
           <a:r>
-            <a:rPr lang="en-US" sz="1500" kern="1200" baseline="0"/>
+            <a:rPr lang="en-US" sz="1400" kern="1200" baseline="0">
+              <a:latin typeface="Times New Roman" panose="02020603050405020304" pitchFamily="18" charset="0"/>
+              <a:cs typeface="Times New Roman" panose="02020603050405020304" pitchFamily="18" charset="0"/>
+            </a:rPr>
             <a:t>Scan and Capture QR</a:t>
           </a:r>
-          <a:endParaRPr lang="en-US" sz="1500" kern="1200"/>
+          <a:endParaRPr lang="en-US" sz="1400" kern="1200">
+            <a:latin typeface="Times New Roman" panose="02020603050405020304" pitchFamily="18" charset="0"/>
+            <a:cs typeface="Times New Roman" panose="02020603050405020304" pitchFamily="18" charset="0"/>
+          </a:endParaRPr>
         </a:p>
       </dsp:txBody>
       <dsp:txXfrm>
@@ -8867,12 +9517,12 @@
         <a:fontRef idx="minor"/>
       </dsp:style>
       <dsp:txBody>
-        <a:bodyPr spcFirstLastPara="0" vert="horz" wrap="square" lIns="19050" tIns="9525" rIns="0" bIns="9525" numCol="1" spcCol="1270" anchor="ctr" anchorCtr="0">
+        <a:bodyPr spcFirstLastPara="0" vert="horz" wrap="square" lIns="17780" tIns="8890" rIns="0" bIns="8890" numCol="1" spcCol="1270" anchor="ctr" anchorCtr="0">
           <a:noAutofit/>
         </a:bodyPr>
         <a:lstStyle/>
         <a:p>
-          <a:pPr marL="0" lvl="0" indent="0" algn="ctr" defTabSz="666750" rtl="0">
+          <a:pPr lvl="0" algn="ctr" defTabSz="622300" rtl="0">
             <a:lnSpc>
               <a:spcPct val="90000"/>
             </a:lnSpc>
@@ -8882,13 +9532,18 @@
             <a:spcAft>
               <a:spcPct val="35000"/>
             </a:spcAft>
-            <a:buNone/>
           </a:pPr>
           <a:r>
-            <a:rPr lang="en-US" sz="1500" kern="1200" baseline="0"/>
+            <a:rPr lang="en-US" sz="1400" kern="1200" baseline="0">
+              <a:latin typeface="Times New Roman" panose="02020603050405020304" pitchFamily="18" charset="0"/>
+              <a:cs typeface="Times New Roman" panose="02020603050405020304" pitchFamily="18" charset="0"/>
+            </a:rPr>
             <a:t>View courses registered</a:t>
           </a:r>
-          <a:endParaRPr lang="en-US" sz="1500" kern="1200"/>
+          <a:endParaRPr lang="en-US" sz="1400" kern="1200">
+            <a:latin typeface="Times New Roman" panose="02020603050405020304" pitchFamily="18" charset="0"/>
+            <a:cs typeface="Times New Roman" panose="02020603050405020304" pitchFamily="18" charset="0"/>
+          </a:endParaRPr>
         </a:p>
       </dsp:txBody>
       <dsp:txXfrm>
@@ -8947,12 +9602,12 @@
         <a:fontRef idx="minor"/>
       </dsp:style>
       <dsp:txBody>
-        <a:bodyPr spcFirstLastPara="0" vert="horz" wrap="square" lIns="19050" tIns="9525" rIns="0" bIns="9525" numCol="1" spcCol="1270" anchor="ctr" anchorCtr="0">
+        <a:bodyPr spcFirstLastPara="0" vert="horz" wrap="square" lIns="17780" tIns="8890" rIns="0" bIns="8890" numCol="1" spcCol="1270" anchor="ctr" anchorCtr="0">
           <a:noAutofit/>
         </a:bodyPr>
         <a:lstStyle/>
         <a:p>
-          <a:pPr marL="0" lvl="0" indent="0" algn="ctr" defTabSz="666750" rtl="0">
+          <a:pPr lvl="0" algn="ctr" defTabSz="622300" rtl="0">
             <a:lnSpc>
               <a:spcPct val="90000"/>
             </a:lnSpc>
@@ -8962,13 +9617,18 @@
             <a:spcAft>
               <a:spcPct val="35000"/>
             </a:spcAft>
-            <a:buNone/>
           </a:pPr>
           <a:r>
-            <a:rPr lang="en-US" sz="1500" kern="1200" baseline="0"/>
+            <a:rPr lang="en-US" sz="1400" kern="1200" baseline="0">
+              <a:latin typeface="Times New Roman" panose="02020603050405020304" pitchFamily="18" charset="0"/>
+              <a:cs typeface="Times New Roman" panose="02020603050405020304" pitchFamily="18" charset="0"/>
+            </a:rPr>
             <a:t>View attendance percentage</a:t>
           </a:r>
-          <a:endParaRPr lang="en-US" sz="1500" kern="1200"/>
+          <a:endParaRPr lang="en-US" sz="1400" kern="1200">
+            <a:latin typeface="Times New Roman" panose="02020603050405020304" pitchFamily="18" charset="0"/>
+            <a:cs typeface="Times New Roman" panose="02020603050405020304" pitchFamily="18" charset="0"/>
+          </a:endParaRPr>
         </a:p>
       </dsp:txBody>
       <dsp:txXfrm>
@@ -9027,12 +9687,12 @@
         <a:fontRef idx="minor"/>
       </dsp:style>
       <dsp:txBody>
-        <a:bodyPr spcFirstLastPara="0" vert="horz" wrap="square" lIns="19050" tIns="9525" rIns="0" bIns="9525" numCol="1" spcCol="1270" anchor="ctr" anchorCtr="0">
+        <a:bodyPr spcFirstLastPara="0" vert="horz" wrap="square" lIns="17780" tIns="8890" rIns="0" bIns="8890" numCol="1" spcCol="1270" anchor="ctr" anchorCtr="0">
           <a:noAutofit/>
         </a:bodyPr>
         <a:lstStyle/>
         <a:p>
-          <a:pPr marL="0" lvl="0" indent="0" algn="ctr" defTabSz="666750" rtl="0">
+          <a:pPr lvl="0" algn="ctr" defTabSz="622300" rtl="0">
             <a:lnSpc>
               <a:spcPct val="90000"/>
             </a:lnSpc>
@@ -9042,13 +9702,18 @@
             <a:spcAft>
               <a:spcPct val="35000"/>
             </a:spcAft>
-            <a:buNone/>
           </a:pPr>
           <a:r>
-            <a:rPr lang="en-US" sz="1500" kern="1200" baseline="0"/>
+            <a:rPr lang="en-US" sz="1400" kern="1200" baseline="0">
+              <a:latin typeface="Times New Roman" panose="02020603050405020304" pitchFamily="18" charset="0"/>
+              <a:cs typeface="Times New Roman" panose="02020603050405020304" pitchFamily="18" charset="0"/>
+            </a:rPr>
             <a:t>Appropriate Feedback</a:t>
           </a:r>
-          <a:endParaRPr lang="en-US" sz="1500" kern="1200"/>
+          <a:endParaRPr lang="en-US" sz="1400" kern="1200">
+            <a:latin typeface="Times New Roman" panose="02020603050405020304" pitchFamily="18" charset="0"/>
+            <a:cs typeface="Times New Roman" panose="02020603050405020304" pitchFamily="18" charset="0"/>
+          </a:endParaRPr>
         </a:p>
       </dsp:txBody>
       <dsp:txXfrm>
@@ -9105,12 +9770,12 @@
         </a:fontRef>
       </dsp:style>
       <dsp:txBody>
-        <a:bodyPr spcFirstLastPara="0" vert="horz" wrap="square" lIns="16510" tIns="8255" rIns="0" bIns="8255" numCol="1" spcCol="1270" anchor="ctr" anchorCtr="0">
+        <a:bodyPr spcFirstLastPara="0" vert="horz" wrap="square" lIns="17780" tIns="8890" rIns="0" bIns="8890" numCol="1" spcCol="1270" anchor="ctr" anchorCtr="0">
           <a:noAutofit/>
         </a:bodyPr>
         <a:lstStyle/>
         <a:p>
-          <a:pPr marL="0" lvl="0" indent="0" algn="ctr" defTabSz="577850" rtl="0">
+          <a:pPr lvl="0" algn="ctr" defTabSz="622300" rtl="0">
             <a:lnSpc>
               <a:spcPct val="90000"/>
             </a:lnSpc>
@@ -9120,13 +9785,18 @@
             <a:spcAft>
               <a:spcPct val="35000"/>
             </a:spcAft>
-            <a:buNone/>
           </a:pPr>
           <a:r>
-            <a:rPr lang="en-US" sz="1300" b="1" kern="1200" baseline="0" dirty="0"/>
+            <a:rPr lang="en-US" sz="1400" b="1" kern="1200" baseline="0" dirty="0">
+              <a:latin typeface="Times New Roman" panose="02020603050405020304" pitchFamily="18" charset="0"/>
+              <a:cs typeface="Times New Roman" panose="02020603050405020304" pitchFamily="18" charset="0"/>
+            </a:rPr>
             <a:t>Student(Now)</a:t>
           </a:r>
-          <a:endParaRPr lang="en-US" sz="1300" kern="1200" dirty="0"/>
+          <a:endParaRPr lang="en-US" sz="1400" kern="1200" dirty="0">
+            <a:latin typeface="Times New Roman" panose="02020603050405020304" pitchFamily="18" charset="0"/>
+            <a:cs typeface="Times New Roman" panose="02020603050405020304" pitchFamily="18" charset="0"/>
+          </a:endParaRPr>
         </a:p>
       </dsp:txBody>
       <dsp:txXfrm>
@@ -9185,12 +9855,12 @@
         <a:fontRef idx="minor"/>
       </dsp:style>
       <dsp:txBody>
-        <a:bodyPr spcFirstLastPara="0" vert="horz" wrap="square" lIns="19050" tIns="9525" rIns="0" bIns="9525" numCol="1" spcCol="1270" anchor="ctr" anchorCtr="0">
+        <a:bodyPr spcFirstLastPara="0" vert="horz" wrap="square" lIns="17780" tIns="8890" rIns="0" bIns="8890" numCol="1" spcCol="1270" anchor="ctr" anchorCtr="0">
           <a:noAutofit/>
         </a:bodyPr>
         <a:lstStyle/>
         <a:p>
-          <a:pPr marL="0" lvl="0" indent="0" algn="ctr" defTabSz="666750" rtl="0">
+          <a:pPr lvl="0" algn="ctr" defTabSz="622300" rtl="0">
             <a:lnSpc>
               <a:spcPct val="90000"/>
             </a:lnSpc>
@@ -9200,13 +9870,18 @@
             <a:spcAft>
               <a:spcPct val="35000"/>
             </a:spcAft>
-            <a:buNone/>
           </a:pPr>
           <a:r>
-            <a:rPr lang="en-US" sz="1500" kern="1200" baseline="0"/>
+            <a:rPr lang="en-US" sz="1400" kern="1200" baseline="0">
+              <a:latin typeface="Times New Roman" panose="02020603050405020304" pitchFamily="18" charset="0"/>
+              <a:cs typeface="Times New Roman" panose="02020603050405020304" pitchFamily="18" charset="0"/>
+            </a:rPr>
             <a:t>iOS application – tabbed.</a:t>
           </a:r>
-          <a:endParaRPr lang="en-US" sz="1500" kern="1200"/>
+          <a:endParaRPr lang="en-US" sz="1400" kern="1200">
+            <a:latin typeface="Times New Roman" panose="02020603050405020304" pitchFamily="18" charset="0"/>
+            <a:cs typeface="Times New Roman" panose="02020603050405020304" pitchFamily="18" charset="0"/>
+          </a:endParaRPr>
         </a:p>
       </dsp:txBody>
       <dsp:txXfrm>
@@ -9265,12 +9940,12 @@
         <a:fontRef idx="minor"/>
       </dsp:style>
       <dsp:txBody>
-        <a:bodyPr spcFirstLastPara="0" vert="horz" wrap="square" lIns="19050" tIns="9525" rIns="0" bIns="9525" numCol="1" spcCol="1270" anchor="ctr" anchorCtr="0">
+        <a:bodyPr spcFirstLastPara="0" vert="horz" wrap="square" lIns="17780" tIns="8890" rIns="0" bIns="8890" numCol="1" spcCol="1270" anchor="ctr" anchorCtr="0">
           <a:noAutofit/>
         </a:bodyPr>
         <a:lstStyle/>
         <a:p>
-          <a:pPr marL="0" lvl="0" indent="0" algn="ctr" defTabSz="666750" rtl="0">
+          <a:pPr lvl="0" algn="ctr" defTabSz="622300" rtl="0">
             <a:lnSpc>
               <a:spcPct val="90000"/>
             </a:lnSpc>
@@ -9280,13 +9955,18 @@
             <a:spcAft>
               <a:spcPct val="35000"/>
             </a:spcAft>
-            <a:buNone/>
           </a:pPr>
           <a:r>
-            <a:rPr lang="en-US" sz="1500" kern="1200" baseline="0"/>
+            <a:rPr lang="en-US" sz="1400" kern="1200" baseline="0">
+              <a:latin typeface="Times New Roman" panose="02020603050405020304" pitchFamily="18" charset="0"/>
+              <a:cs typeface="Times New Roman" panose="02020603050405020304" pitchFamily="18" charset="0"/>
+            </a:rPr>
             <a:t>Persistent Login</a:t>
           </a:r>
-          <a:endParaRPr lang="en-US" sz="1500" kern="1200"/>
+          <a:endParaRPr lang="en-US" sz="1400" kern="1200">
+            <a:latin typeface="Times New Roman" panose="02020603050405020304" pitchFamily="18" charset="0"/>
+            <a:cs typeface="Times New Roman" panose="02020603050405020304" pitchFamily="18" charset="0"/>
+          </a:endParaRPr>
         </a:p>
       </dsp:txBody>
       <dsp:txXfrm>
@@ -9345,12 +10025,12 @@
         <a:fontRef idx="minor"/>
       </dsp:style>
       <dsp:txBody>
-        <a:bodyPr spcFirstLastPara="0" vert="horz" wrap="square" lIns="19050" tIns="9525" rIns="0" bIns="9525" numCol="1" spcCol="1270" anchor="ctr" anchorCtr="0">
+        <a:bodyPr spcFirstLastPara="0" vert="horz" wrap="square" lIns="17780" tIns="8890" rIns="0" bIns="8890" numCol="1" spcCol="1270" anchor="ctr" anchorCtr="0">
           <a:noAutofit/>
         </a:bodyPr>
         <a:lstStyle/>
         <a:p>
-          <a:pPr marL="0" lvl="0" indent="0" algn="ctr" defTabSz="666750" rtl="0">
+          <a:pPr lvl="0" algn="ctr" defTabSz="622300" rtl="0">
             <a:lnSpc>
               <a:spcPct val="90000"/>
             </a:lnSpc>
@@ -9360,13 +10040,18 @@
             <a:spcAft>
               <a:spcPct val="35000"/>
             </a:spcAft>
-            <a:buNone/>
           </a:pPr>
           <a:r>
-            <a:rPr lang="en-US" sz="1500" kern="1200" baseline="0"/>
+            <a:rPr lang="en-US" sz="1400" kern="1200" baseline="0">
+              <a:latin typeface="Times New Roman" panose="02020603050405020304" pitchFamily="18" charset="0"/>
+              <a:cs typeface="Times New Roman" panose="02020603050405020304" pitchFamily="18" charset="0"/>
+            </a:rPr>
             <a:t>Scan QR</a:t>
           </a:r>
-          <a:endParaRPr lang="en-US" sz="1500" kern="1200"/>
+          <a:endParaRPr lang="en-US" sz="1400" kern="1200">
+            <a:latin typeface="Times New Roman" panose="02020603050405020304" pitchFamily="18" charset="0"/>
+            <a:cs typeface="Times New Roman" panose="02020603050405020304" pitchFamily="18" charset="0"/>
+          </a:endParaRPr>
         </a:p>
       </dsp:txBody>
       <dsp:txXfrm>
@@ -9425,12 +10110,12 @@
         <a:fontRef idx="minor"/>
       </dsp:style>
       <dsp:txBody>
-        <a:bodyPr spcFirstLastPara="0" vert="horz" wrap="square" lIns="19050" tIns="9525" rIns="0" bIns="9525" numCol="1" spcCol="1270" anchor="ctr" anchorCtr="0">
+        <a:bodyPr spcFirstLastPara="0" vert="horz" wrap="square" lIns="17780" tIns="8890" rIns="0" bIns="8890" numCol="1" spcCol="1270" anchor="ctr" anchorCtr="0">
           <a:noAutofit/>
         </a:bodyPr>
         <a:lstStyle/>
         <a:p>
-          <a:pPr marL="0" lvl="0" indent="0" algn="ctr" defTabSz="666750" rtl="0">
+          <a:pPr lvl="0" algn="ctr" defTabSz="622300" rtl="0">
             <a:lnSpc>
               <a:spcPct val="90000"/>
             </a:lnSpc>
@@ -9440,13 +10125,18 @@
             <a:spcAft>
               <a:spcPct val="35000"/>
             </a:spcAft>
-            <a:buNone/>
           </a:pPr>
           <a:r>
-            <a:rPr lang="en-US" sz="1500" kern="1200" baseline="0"/>
+            <a:rPr lang="en-US" sz="1400" kern="1200" baseline="0">
+              <a:latin typeface="Times New Roman" panose="02020603050405020304" pitchFamily="18" charset="0"/>
+              <a:cs typeface="Times New Roman" panose="02020603050405020304" pitchFamily="18" charset="0"/>
+            </a:rPr>
             <a:t>View courses registered</a:t>
           </a:r>
-          <a:endParaRPr lang="en-US" sz="1500" kern="1200"/>
+          <a:endParaRPr lang="en-US" sz="1400" kern="1200">
+            <a:latin typeface="Times New Roman" panose="02020603050405020304" pitchFamily="18" charset="0"/>
+            <a:cs typeface="Times New Roman" panose="02020603050405020304" pitchFamily="18" charset="0"/>
+          </a:endParaRPr>
         </a:p>
       </dsp:txBody>
       <dsp:txXfrm>
@@ -9505,12 +10195,12 @@
         <a:fontRef idx="minor"/>
       </dsp:style>
       <dsp:txBody>
-        <a:bodyPr spcFirstLastPara="0" vert="horz" wrap="square" lIns="19050" tIns="9525" rIns="0" bIns="9525" numCol="1" spcCol="1270" anchor="ctr" anchorCtr="0">
+        <a:bodyPr spcFirstLastPara="0" vert="horz" wrap="square" lIns="17780" tIns="8890" rIns="0" bIns="8890" numCol="1" spcCol="1270" anchor="ctr" anchorCtr="0">
           <a:noAutofit/>
         </a:bodyPr>
         <a:lstStyle/>
         <a:p>
-          <a:pPr marL="0" lvl="0" indent="0" algn="ctr" defTabSz="666750" rtl="0">
+          <a:pPr lvl="0" algn="ctr" defTabSz="622300" rtl="0">
             <a:lnSpc>
               <a:spcPct val="90000"/>
             </a:lnSpc>
@@ -9520,13 +10210,18 @@
             <a:spcAft>
               <a:spcPct val="35000"/>
             </a:spcAft>
-            <a:buNone/>
           </a:pPr>
           <a:r>
-            <a:rPr lang="en-US" sz="1500" kern="1200" baseline="0"/>
+            <a:rPr lang="en-US" sz="1400" kern="1200" baseline="0">
+              <a:latin typeface="Times New Roman" panose="02020603050405020304" pitchFamily="18" charset="0"/>
+              <a:cs typeface="Times New Roman" panose="02020603050405020304" pitchFamily="18" charset="0"/>
+            </a:rPr>
             <a:t>View attendance percentage</a:t>
           </a:r>
-          <a:endParaRPr lang="en-US" sz="1500" kern="1200"/>
+          <a:endParaRPr lang="en-US" sz="1400" kern="1200">
+            <a:latin typeface="Times New Roman" panose="02020603050405020304" pitchFamily="18" charset="0"/>
+            <a:cs typeface="Times New Roman" panose="02020603050405020304" pitchFamily="18" charset="0"/>
+          </a:endParaRPr>
         </a:p>
       </dsp:txBody>
       <dsp:txXfrm>
@@ -9585,12 +10280,12 @@
         <a:fontRef idx="minor"/>
       </dsp:style>
       <dsp:txBody>
-        <a:bodyPr spcFirstLastPara="0" vert="horz" wrap="square" lIns="19050" tIns="9525" rIns="0" bIns="9525" numCol="1" spcCol="1270" anchor="ctr" anchorCtr="0">
+        <a:bodyPr spcFirstLastPara="0" vert="horz" wrap="square" lIns="17780" tIns="8890" rIns="0" bIns="8890" numCol="1" spcCol="1270" anchor="ctr" anchorCtr="0">
           <a:noAutofit/>
         </a:bodyPr>
         <a:lstStyle/>
         <a:p>
-          <a:pPr marL="0" lvl="0" indent="0" algn="ctr" defTabSz="666750" rtl="0">
+          <a:pPr lvl="0" algn="ctr" defTabSz="622300" rtl="0">
             <a:lnSpc>
               <a:spcPct val="90000"/>
             </a:lnSpc>
@@ -9600,13 +10295,18 @@
             <a:spcAft>
               <a:spcPct val="35000"/>
             </a:spcAft>
-            <a:buNone/>
           </a:pPr>
           <a:r>
-            <a:rPr lang="en-US" sz="1500" kern="1200" baseline="0"/>
+            <a:rPr lang="en-US" sz="1400" kern="1200" baseline="0">
+              <a:latin typeface="Times New Roman" panose="02020603050405020304" pitchFamily="18" charset="0"/>
+              <a:cs typeface="Times New Roman" panose="02020603050405020304" pitchFamily="18" charset="0"/>
+            </a:rPr>
             <a:t>Appropriate Feedback</a:t>
           </a:r>
-          <a:endParaRPr lang="en-US" sz="1500" kern="1200"/>
+          <a:endParaRPr lang="en-US" sz="1400" kern="1200">
+            <a:latin typeface="Times New Roman" panose="02020603050405020304" pitchFamily="18" charset="0"/>
+            <a:cs typeface="Times New Roman" panose="02020603050405020304" pitchFamily="18" charset="0"/>
+          </a:endParaRPr>
         </a:p>
       </dsp:txBody>
       <dsp:txXfrm>
@@ -9758,7 +10458,7 @@
         </a:bodyPr>
         <a:lstStyle/>
         <a:p>
-          <a:pPr marL="0" lvl="0" indent="0" algn="r" defTabSz="977900">
+          <a:pPr lvl="0" algn="r" defTabSz="977900">
             <a:lnSpc>
               <a:spcPct val="90000"/>
             </a:lnSpc>
@@ -9768,7 +10468,6 @@
             <a:spcAft>
               <a:spcPct val="35000"/>
             </a:spcAft>
-            <a:buNone/>
           </a:pPr>
           <a:r>
             <a:rPr lang="en-US" sz="2200" kern="1200" dirty="0">
@@ -9821,7 +10520,7 @@
         </a:bodyPr>
         <a:lstStyle/>
         <a:p>
-          <a:pPr marL="0" lvl="0" indent="0" algn="l" defTabSz="977900">
+          <a:pPr lvl="0" algn="l" defTabSz="977900">
             <a:lnSpc>
               <a:spcPct val="90000"/>
             </a:lnSpc>
@@ -9831,7 +10530,6 @@
             <a:spcAft>
               <a:spcPct val="35000"/>
             </a:spcAft>
-            <a:buNone/>
           </a:pPr>
           <a:r>
             <a:rPr lang="en-US" sz="2200" kern="1200" dirty="0">
@@ -9842,7 +10540,7 @@
           </a:r>
         </a:p>
         <a:p>
-          <a:pPr marL="0" lvl="0" indent="0" algn="l" defTabSz="977900">
+          <a:pPr lvl="0" algn="l" defTabSz="977900">
             <a:lnSpc>
               <a:spcPct val="90000"/>
             </a:lnSpc>
@@ -9852,7 +10550,6 @@
             <a:spcAft>
               <a:spcPct val="35000"/>
             </a:spcAft>
-            <a:buNone/>
           </a:pPr>
           <a:r>
             <a:rPr lang="en-US" sz="2200" kern="1200" dirty="0">
@@ -9863,7 +10560,7 @@
           </a:r>
         </a:p>
         <a:p>
-          <a:pPr marL="0" lvl="0" indent="0" algn="l" defTabSz="977900">
+          <a:pPr lvl="0" algn="l" defTabSz="977900">
             <a:lnSpc>
               <a:spcPct val="90000"/>
             </a:lnSpc>
@@ -9873,7 +10570,6 @@
             <a:spcAft>
               <a:spcPct val="35000"/>
             </a:spcAft>
-            <a:buNone/>
           </a:pPr>
           <a:r>
             <a:rPr lang="en-US" sz="2200" kern="1200" dirty="0">
@@ -10021,7 +10717,7 @@
         </a:bodyPr>
         <a:lstStyle/>
         <a:p>
-          <a:pPr marL="0" lvl="0" indent="0" algn="r" defTabSz="977900">
+          <a:pPr lvl="0" algn="r" defTabSz="977900">
             <a:lnSpc>
               <a:spcPct val="90000"/>
             </a:lnSpc>
@@ -10031,7 +10727,6 @@
             <a:spcAft>
               <a:spcPct val="35000"/>
             </a:spcAft>
-            <a:buNone/>
           </a:pPr>
           <a:r>
             <a:rPr lang="en-US" sz="2200" kern="1200" dirty="0">
@@ -10084,7 +10779,7 @@
         </a:bodyPr>
         <a:lstStyle/>
         <a:p>
-          <a:pPr marL="0" lvl="0" indent="0" algn="l" defTabSz="977900">
+          <a:pPr lvl="0" algn="l" defTabSz="977900">
             <a:lnSpc>
               <a:spcPct val="90000"/>
             </a:lnSpc>
@@ -10094,7 +10789,6 @@
             <a:spcAft>
               <a:spcPct val="35000"/>
             </a:spcAft>
-            <a:buNone/>
           </a:pPr>
           <a:r>
             <a:rPr lang="en-US" sz="2200" kern="1200" dirty="0">
@@ -10105,7 +10799,7 @@
           </a:r>
         </a:p>
         <a:p>
-          <a:pPr marL="0" lvl="0" indent="0" algn="l" defTabSz="977900">
+          <a:pPr lvl="0" algn="l" defTabSz="977900">
             <a:lnSpc>
               <a:spcPct val="90000"/>
             </a:lnSpc>
@@ -10115,7 +10809,6 @@
             <a:spcAft>
               <a:spcPct val="35000"/>
             </a:spcAft>
-            <a:buNone/>
           </a:pPr>
           <a:r>
             <a:rPr lang="en-US" sz="2200" kern="1200" dirty="0">
@@ -10126,7 +10819,7 @@
           </a:r>
         </a:p>
         <a:p>
-          <a:pPr marL="0" lvl="0" indent="0" algn="l" defTabSz="977900">
+          <a:pPr lvl="0" algn="l" defTabSz="977900">
             <a:lnSpc>
               <a:spcPct val="90000"/>
             </a:lnSpc>
@@ -10136,7 +10829,6 @@
             <a:spcAft>
               <a:spcPct val="35000"/>
             </a:spcAft>
-            <a:buNone/>
           </a:pPr>
           <a:r>
             <a:rPr lang="en-US" sz="2200" kern="1200" dirty="0">
@@ -10284,7 +10976,7 @@
         </a:bodyPr>
         <a:lstStyle/>
         <a:p>
-          <a:pPr marL="0" lvl="0" indent="0" algn="r" defTabSz="977900">
+          <a:pPr lvl="0" algn="r" defTabSz="977900">
             <a:lnSpc>
               <a:spcPct val="90000"/>
             </a:lnSpc>
@@ -10294,7 +10986,6 @@
             <a:spcAft>
               <a:spcPct val="35000"/>
             </a:spcAft>
-            <a:buNone/>
           </a:pPr>
           <a:r>
             <a:rPr lang="en-US" sz="2200" kern="1200" dirty="0">
@@ -10347,7 +11038,7 @@
         </a:bodyPr>
         <a:lstStyle/>
         <a:p>
-          <a:pPr marL="0" lvl="0" indent="0" algn="l" defTabSz="977900">
+          <a:pPr lvl="0" algn="l" defTabSz="977900">
             <a:lnSpc>
               <a:spcPct val="90000"/>
             </a:lnSpc>
@@ -10357,7 +11048,6 @@
             <a:spcAft>
               <a:spcPct val="35000"/>
             </a:spcAft>
-            <a:buNone/>
           </a:pPr>
           <a:r>
             <a:rPr lang="en-US" sz="2200" kern="1200" dirty="0">
@@ -10368,7 +11058,7 @@
           </a:r>
         </a:p>
         <a:p>
-          <a:pPr marL="0" lvl="0" indent="0" algn="l" defTabSz="977900">
+          <a:pPr lvl="0" algn="l" defTabSz="977900">
             <a:lnSpc>
               <a:spcPct val="90000"/>
             </a:lnSpc>
@@ -10378,7 +11068,6 @@
             <a:spcAft>
               <a:spcPct val="35000"/>
             </a:spcAft>
-            <a:buNone/>
           </a:pPr>
           <a:r>
             <a:rPr lang="en-US" sz="2200" kern="1200" dirty="0">
@@ -10389,7 +11078,7 @@
           </a:r>
         </a:p>
         <a:p>
-          <a:pPr marL="0" lvl="0" indent="0" algn="l" defTabSz="977900">
+          <a:pPr lvl="0" algn="l" defTabSz="977900">
             <a:lnSpc>
               <a:spcPct val="90000"/>
             </a:lnSpc>
@@ -10399,7 +11088,6 @@
             <a:spcAft>
               <a:spcPct val="35000"/>
             </a:spcAft>
-            <a:buNone/>
           </a:pPr>
           <a:r>
             <a:rPr lang="en-US" sz="2200" kern="1200" dirty="0">
@@ -10547,7 +11235,7 @@
         </a:bodyPr>
         <a:lstStyle/>
         <a:p>
-          <a:pPr marL="0" lvl="0" indent="0" algn="r" defTabSz="977900">
+          <a:pPr lvl="0" algn="r" defTabSz="977900">
             <a:lnSpc>
               <a:spcPct val="90000"/>
             </a:lnSpc>
@@ -10557,7 +11245,6 @@
             <a:spcAft>
               <a:spcPct val="35000"/>
             </a:spcAft>
-            <a:buNone/>
           </a:pPr>
           <a:r>
             <a:rPr lang="en-US" sz="2200" kern="1200" dirty="0">
@@ -10610,7 +11297,7 @@
         </a:bodyPr>
         <a:lstStyle/>
         <a:p>
-          <a:pPr marL="0" lvl="0" indent="0" algn="l" defTabSz="977900">
+          <a:pPr lvl="0" algn="l" defTabSz="977900">
             <a:lnSpc>
               <a:spcPct val="90000"/>
             </a:lnSpc>
@@ -10620,7 +11307,6 @@
             <a:spcAft>
               <a:spcPct val="35000"/>
             </a:spcAft>
-            <a:buNone/>
           </a:pPr>
           <a:r>
             <a:rPr lang="en-US" sz="2200" kern="1200" dirty="0">
@@ -10631,7 +11317,7 @@
           </a:r>
         </a:p>
         <a:p>
-          <a:pPr marL="0" lvl="0" indent="0" algn="l" defTabSz="977900">
+          <a:pPr lvl="0" algn="l" defTabSz="977900">
             <a:lnSpc>
               <a:spcPct val="90000"/>
             </a:lnSpc>
@@ -10641,7 +11327,6 @@
             <a:spcAft>
               <a:spcPct val="35000"/>
             </a:spcAft>
-            <a:buNone/>
           </a:pPr>
           <a:r>
             <a:rPr lang="en-US" sz="2200" kern="1200" dirty="0">
@@ -10715,7 +11400,7 @@
         </a:bodyPr>
         <a:lstStyle/>
         <a:p>
-          <a:pPr marL="0" lvl="0" indent="0" algn="r" defTabSz="977900">
+          <a:pPr lvl="0" algn="r" defTabSz="977900">
             <a:lnSpc>
               <a:spcPct val="90000"/>
             </a:lnSpc>
@@ -10725,7 +11410,6 @@
             <a:spcAft>
               <a:spcPct val="35000"/>
             </a:spcAft>
-            <a:buNone/>
           </a:pPr>
           <a:r>
             <a:rPr lang="en-US" sz="2200" kern="1200" dirty="0">
@@ -10862,7 +11546,7 @@
             <a:spcAft>
               <a:spcPct val="15000"/>
             </a:spcAft>
-            <a:buChar char="•"/>
+            <a:buChar char="••"/>
           </a:pPr>
           <a:r>
             <a:rPr lang="en-US" sz="2000" kern="1200" dirty="0">
@@ -10883,7 +11567,7 @@
             <a:spcAft>
               <a:spcPct val="15000"/>
             </a:spcAft>
-            <a:buChar char="•"/>
+            <a:buChar char="••"/>
           </a:pPr>
           <a:r>
             <a:rPr lang="en-US" sz="2000" kern="1200" dirty="0">
@@ -10904,7 +11588,7 @@
             <a:spcAft>
               <a:spcPct val="15000"/>
             </a:spcAft>
-            <a:buChar char="•"/>
+            <a:buChar char="••"/>
           </a:pPr>
           <a:r>
             <a:rPr lang="en-US" sz="2000" kern="1200" dirty="0">
@@ -10925,7 +11609,7 @@
             <a:spcAft>
               <a:spcPct val="15000"/>
             </a:spcAft>
-            <a:buChar char="•"/>
+            <a:buChar char="••"/>
           </a:pPr>
           <a:r>
             <a:rPr lang="en-US" sz="2000" kern="1200" dirty="0">
@@ -10987,7 +11671,7 @@
         </a:bodyPr>
         <a:lstStyle/>
         <a:p>
-          <a:pPr marL="0" lvl="0" indent="0" algn="r" defTabSz="977900">
+          <a:pPr lvl="0" algn="r" defTabSz="977900">
             <a:lnSpc>
               <a:spcPct val="90000"/>
             </a:lnSpc>
@@ -10997,7 +11681,6 @@
             <a:spcAft>
               <a:spcPct val="35000"/>
             </a:spcAft>
-            <a:buNone/>
           </a:pPr>
           <a:r>
             <a:rPr lang="en-US" sz="2200" kern="1200" dirty="0">
@@ -11134,7 +11817,7 @@
             <a:spcAft>
               <a:spcPct val="15000"/>
             </a:spcAft>
-            <a:buChar char="•"/>
+            <a:buChar char="••"/>
           </a:pPr>
           <a:r>
             <a:rPr lang="en-US" sz="2000" kern="1200" dirty="0">
@@ -11155,7 +11838,7 @@
             <a:spcAft>
               <a:spcPct val="15000"/>
             </a:spcAft>
-            <a:buChar char="•"/>
+            <a:buChar char="••"/>
           </a:pPr>
           <a:r>
             <a:rPr lang="en-US" sz="2000" kern="1200" dirty="0">
@@ -11176,7 +11859,7 @@
             <a:spcAft>
               <a:spcPct val="15000"/>
             </a:spcAft>
-            <a:buChar char="•"/>
+            <a:buChar char="••"/>
           </a:pPr>
           <a:r>
             <a:rPr lang="en-US" sz="2000" kern="1200" dirty="0">
@@ -11238,7 +11921,7 @@
         </a:bodyPr>
         <a:lstStyle/>
         <a:p>
-          <a:pPr marL="0" lvl="0" indent="0" algn="r" defTabSz="977900">
+          <a:pPr lvl="0" algn="r" defTabSz="977900">
             <a:lnSpc>
               <a:spcPct val="90000"/>
             </a:lnSpc>
@@ -11248,7 +11931,6 @@
             <a:spcAft>
               <a:spcPct val="35000"/>
             </a:spcAft>
-            <a:buNone/>
           </a:pPr>
           <a:r>
             <a:rPr lang="en-US" sz="2200" kern="1200" dirty="0">
@@ -11385,7 +12067,7 @@
             <a:spcAft>
               <a:spcPct val="15000"/>
             </a:spcAft>
-            <a:buChar char="•"/>
+            <a:buChar char="••"/>
           </a:pPr>
           <a:r>
             <a:rPr lang="en-US" sz="2000" kern="1200" dirty="0">
@@ -11406,7 +12088,7 @@
             <a:spcAft>
               <a:spcPct val="15000"/>
             </a:spcAft>
-            <a:buChar char="•"/>
+            <a:buChar char="••"/>
           </a:pPr>
           <a:r>
             <a:rPr lang="en-US" sz="2000" kern="1200" dirty="0">
@@ -11468,7 +12150,7 @@
         </a:bodyPr>
         <a:lstStyle/>
         <a:p>
-          <a:pPr marL="0" lvl="0" indent="0" algn="r" defTabSz="977900">
+          <a:pPr lvl="0" algn="r" defTabSz="977900">
             <a:lnSpc>
               <a:spcPct val="90000"/>
             </a:lnSpc>
@@ -11478,7 +12160,6 @@
             <a:spcAft>
               <a:spcPct val="35000"/>
             </a:spcAft>
-            <a:buNone/>
           </a:pPr>
           <a:r>
             <a:rPr lang="en-US" sz="2200" kern="1200" dirty="0">
@@ -11615,7 +12296,7 @@
             <a:spcAft>
               <a:spcPct val="15000"/>
             </a:spcAft>
-            <a:buChar char="•"/>
+            <a:buChar char="••"/>
           </a:pPr>
           <a:r>
             <a:rPr lang="en-US" sz="2000" kern="1200" dirty="0">
@@ -11699,7 +12380,7 @@
         </a:bodyPr>
         <a:lstStyle/>
         <a:p>
-          <a:pPr marL="0" lvl="0" indent="0" algn="l" defTabSz="977900">
+          <a:pPr lvl="0" algn="l" defTabSz="977900">
             <a:lnSpc>
               <a:spcPct val="90000"/>
             </a:lnSpc>
@@ -11709,7 +12390,6 @@
             <a:spcAft>
               <a:spcPct val="35000"/>
             </a:spcAft>
-            <a:buNone/>
           </a:pPr>
           <a:r>
             <a:rPr lang="en-US" sz="2200" kern="1200" dirty="0">
@@ -11782,7 +12462,7 @@
         </a:bodyPr>
         <a:lstStyle/>
         <a:p>
-          <a:pPr marL="0" lvl="0" indent="0" algn="l" defTabSz="977900">
+          <a:pPr lvl="0" algn="l" defTabSz="977900">
             <a:lnSpc>
               <a:spcPct val="90000"/>
             </a:lnSpc>
@@ -11792,7 +12472,6 @@
             <a:spcAft>
               <a:spcPct val="35000"/>
             </a:spcAft>
-            <a:buNone/>
           </a:pPr>
           <a:r>
             <a:rPr lang="en-US" sz="2200" kern="1200" dirty="0"/>
@@ -11861,7 +12540,7 @@
         </a:bodyPr>
         <a:lstStyle/>
         <a:p>
-          <a:pPr marL="0" lvl="0" indent="0" algn="l" defTabSz="977900">
+          <a:pPr lvl="0" algn="l" defTabSz="977900">
             <a:lnSpc>
               <a:spcPct val="90000"/>
             </a:lnSpc>
@@ -11871,7 +12550,6 @@
             <a:spcAft>
               <a:spcPct val="35000"/>
             </a:spcAft>
-            <a:buNone/>
           </a:pPr>
           <a:r>
             <a:rPr lang="en-US" sz="2200" kern="1200" dirty="0"/>
@@ -11943,7 +12621,7 @@
         </a:bodyPr>
         <a:lstStyle/>
         <a:p>
-          <a:pPr marL="0" lvl="0" indent="0" algn="ctr" defTabSz="1555750">
+          <a:pPr lvl="0" algn="ctr" defTabSz="1555750">
             <a:lnSpc>
               <a:spcPct val="90000"/>
             </a:lnSpc>
@@ -11953,7 +12631,6 @@
             <a:spcAft>
               <a:spcPct val="35000"/>
             </a:spcAft>
-            <a:buNone/>
           </a:pPr>
           <a:endParaRPr lang="en-US" sz="3500" kern="1200"/>
         </a:p>
@@ -12022,7 +12699,7 @@
         </a:bodyPr>
         <a:lstStyle/>
         <a:p>
-          <a:pPr marL="0" lvl="0" indent="0" algn="ctr" defTabSz="1555750">
+          <a:pPr lvl="0" algn="ctr" defTabSz="1555750">
             <a:lnSpc>
               <a:spcPct val="90000"/>
             </a:lnSpc>
@@ -12032,7 +12709,6 @@
             <a:spcAft>
               <a:spcPct val="35000"/>
             </a:spcAft>
-            <a:buNone/>
           </a:pPr>
           <a:endParaRPr lang="en-US" sz="3500" kern="1200"/>
         </a:p>
@@ -26995,6 +27671,13 @@
       </p:transition>
     </mc:Fallback>
   </mc:AlternateContent>
+  <p:timing>
+    <p:tnLst>
+      <p:par>
+        <p:cTn id="1" dur="indefinite" restart="never" nodeType="tmRoot"/>
+      </p:par>
+    </p:tnLst>
+  </p:timing>
 </p:sld>
 </file>
 
@@ -28863,6 +29546,13 @@
       </p:transition>
     </mc:Fallback>
   </mc:AlternateContent>
+  <p:timing>
+    <p:tnLst>
+      <p:par>
+        <p:cTn id="1" dur="indefinite" restart="never" nodeType="tmRoot"/>
+      </p:par>
+    </p:tnLst>
+  </p:timing>
 </p:sld>
 </file>
 
@@ -29117,6 +29807,13 @@
       </p:transition>
     </mc:Fallback>
   </mc:AlternateContent>
+  <p:timing>
+    <p:tnLst>
+      <p:par>
+        <p:cTn id="1" dur="indefinite" restart="never" nodeType="tmRoot"/>
+      </p:par>
+    </p:tnLst>
+  </p:timing>
 </p:sld>
 </file>
 
@@ -29216,6 +29913,13 @@
       </p:transition>
     </mc:Fallback>
   </mc:AlternateContent>
+  <p:timing>
+    <p:tnLst>
+      <p:par>
+        <p:cTn id="1" dur="indefinite" restart="never" nodeType="tmRoot"/>
+      </p:par>
+    </p:tnLst>
+  </p:timing>
 </p:sld>
 </file>
 
@@ -29314,6 +30018,13 @@
       </p:transition>
     </mc:Fallback>
   </mc:AlternateContent>
+  <p:timing>
+    <p:tnLst>
+      <p:par>
+        <p:cTn id="1" dur="indefinite" restart="never" nodeType="tmRoot"/>
+      </p:par>
+    </p:tnLst>
+  </p:timing>
 </p:sld>
 </file>
 
@@ -29691,6 +30402,13 @@
       </p:transition>
     </mc:Fallback>
   </mc:AlternateContent>
+  <p:timing>
+    <p:tnLst>
+      <p:par>
+        <p:cTn id="1" dur="indefinite" restart="never" nodeType="tmRoot"/>
+      </p:par>
+    </p:tnLst>
+  </p:timing>
 </p:sld>
 </file>
 
@@ -29867,6 +30585,13 @@
       </p:transition>
     </mc:Fallback>
   </mc:AlternateContent>
+  <p:timing>
+    <p:tnLst>
+      <p:par>
+        <p:cTn id="1" dur="indefinite" restart="never" nodeType="tmRoot"/>
+      </p:par>
+    </p:tnLst>
+  </p:timing>
 </p:sld>
 </file>
 
@@ -30024,6 +30749,13 @@
       </p:transition>
     </mc:Fallback>
   </mc:AlternateContent>
+  <p:timing>
+    <p:tnLst>
+      <p:par>
+        <p:cTn id="1" dur="indefinite" restart="never" nodeType="tmRoot"/>
+      </p:par>
+    </p:tnLst>
+  </p:timing>
 </p:sld>
 </file>
 
@@ -30156,6 +30888,13 @@
       </p:transition>
     </mc:Fallback>
   </mc:AlternateContent>
+  <p:timing>
+    <p:tnLst>
+      <p:par>
+        <p:cTn id="1" dur="indefinite" restart="never" nodeType="tmRoot"/>
+      </p:par>
+    </p:tnLst>
+  </p:timing>
 </p:sld>
 </file>
 
@@ -31436,6 +32175,13 @@
       </p:transition>
     </mc:Fallback>
   </mc:AlternateContent>
+  <p:timing>
+    <p:tnLst>
+      <p:par>
+        <p:cTn id="1" dur="indefinite" restart="never" nodeType="tmRoot"/>
+      </p:par>
+    </p:tnLst>
+  </p:timing>
 </p:sld>
 </file>
 
@@ -31505,6 +32251,13 @@
       </p:transition>
     </mc:Fallback>
   </mc:AlternateContent>
+  <p:timing>
+    <p:tnLst>
+      <p:par>
+        <p:cTn id="1" dur="indefinite" restart="never" nodeType="tmRoot"/>
+      </p:par>
+    </p:tnLst>
+  </p:timing>
 </p:sld>
 </file>
 
@@ -31624,6 +32377,13 @@
       </p:transition>
     </mc:Fallback>
   </mc:AlternateContent>
+  <p:timing>
+    <p:tnLst>
+      <p:par>
+        <p:cTn id="1" dur="indefinite" restart="never" nodeType="tmRoot"/>
+      </p:par>
+    </p:tnLst>
+  </p:timing>
 </p:sld>
 </file>
 
@@ -31757,6 +32517,13 @@
       </p:transition>
     </mc:Fallback>
   </mc:AlternateContent>
+  <p:timing>
+    <p:tnLst>
+      <p:par>
+        <p:cTn id="1" dur="indefinite" restart="never" nodeType="tmRoot"/>
+      </p:par>
+    </p:tnLst>
+  </p:timing>
 </p:sld>
 </file>
 
@@ -32030,6 +32797,13 @@
       </p:transition>
     </mc:Fallback>
   </mc:AlternateContent>
+  <p:timing>
+    <p:tnLst>
+      <p:par>
+        <p:cTn id="1" dur="indefinite" restart="never" nodeType="tmRoot"/>
+      </p:par>
+    </p:tnLst>
+  </p:timing>
 </p:sld>
 </file>
 
@@ -32084,7 +32858,11 @@
           </p:cNvGraphicFramePr>
           <p:nvPr>
             <p:ph sz="quarter" idx="13"/>
-            <p:extLst/>
+            <p:extLst>
+              <p:ext uri="{D42A27DB-BD31-4B8C-83A1-F6EECF244321}">
+                <p14:modId xmlns:p14="http://schemas.microsoft.com/office/powerpoint/2010/main" val="1168526475"/>
+              </p:ext>
+            </p:extLst>
           </p:nvPr>
         </p:nvGraphicFramePr>
         <p:xfrm>
@@ -32601,6 +33379,13 @@
       </p:transition>
     </mc:Fallback>
   </mc:AlternateContent>
+  <p:timing>
+    <p:tnLst>
+      <p:par>
+        <p:cTn id="1" dur="indefinite" restart="never" nodeType="tmRoot"/>
+      </p:par>
+    </p:tnLst>
+  </p:timing>
 </p:sld>
 </file>
 
@@ -32656,7 +33441,11 @@
           </p:cNvGraphicFramePr>
           <p:nvPr>
             <p:ph sz="quarter" idx="13"/>
-            <p:extLst/>
+            <p:extLst>
+              <p:ext uri="{D42A27DB-BD31-4B8C-83A1-F6EECF244321}">
+                <p14:modId xmlns:p14="http://schemas.microsoft.com/office/powerpoint/2010/main" val="1295095864"/>
+              </p:ext>
+            </p:extLst>
           </p:nvPr>
         </p:nvGraphicFramePr>
         <p:xfrm>
@@ -33175,6 +33964,13 @@
       </p:transition>
     </mc:Fallback>
   </mc:AlternateContent>
+  <p:timing>
+    <p:tnLst>
+      <p:par>
+        <p:cTn id="1" dur="indefinite" restart="never" nodeType="tmRoot"/>
+      </p:par>
+    </p:tnLst>
+  </p:timing>
 </p:sld>
 </file>
 
@@ -33422,6 +34218,13 @@
       </p:transition>
     </mc:Fallback>
   </mc:AlternateContent>
+  <p:timing>
+    <p:tnLst>
+      <p:par>
+        <p:cTn id="1" dur="indefinite" restart="never" nodeType="tmRoot"/>
+      </p:par>
+    </p:tnLst>
+  </p:timing>
 </p:sld>
 </file>
 

--- a/final ppt.pptx
+++ b/final ppt.pptx
@@ -4836,35 +4836,35 @@
     </dgm:pt>
   </dgm:ptLst>
   <dgm:cxnLst>
+    <dgm:cxn modelId="{0CE6ECBA-B722-4295-B6B2-5259046092E9}" srcId="{A80ADC32-1240-44A9-8D10-689B131ED7C4}" destId="{549ACBF8-7430-46D9-8339-874950FB366A}" srcOrd="0" destOrd="0" parTransId="{AE219D22-E614-42D9-933D-F2CAABDD96DD}" sibTransId="{FE411B50-16E6-4BFE-BCED-3F3D642BD122}"/>
     <dgm:cxn modelId="{0F6308C2-8074-41F4-83E5-2449CE4AAE42}" type="presOf" srcId="{9AB6D8E7-86BD-4A09-9E94-09503E3538EE}" destId="{158CF9EF-55D6-45A4-8B21-598846198B97}" srcOrd="0" destOrd="0" presId="urn:microsoft.com/office/officeart/2005/8/layout/lProcess3"/>
+    <dgm:cxn modelId="{79F4913A-47C1-458E-800D-449BC8892711}" srcId="{549ACBF8-7430-46D9-8339-874950FB366A}" destId="{4FF48E9C-E9AC-4281-B947-D8FFE3DECE5C}" srcOrd="5" destOrd="0" parTransId="{AD6C5DF5-E1B9-420E-AFE1-5E41149C2570}" sibTransId="{505D2657-8F3B-4007-A1B2-8CCFA7146CF7}"/>
+    <dgm:cxn modelId="{541A2BE4-F605-4139-A89C-0AFB006E6BB0}" srcId="{A0ACE738-1680-49A9-A2CF-D906803B030E}" destId="{2511BAFD-47B8-4760-8EF9-78CFD45E3974}" srcOrd="0" destOrd="0" parTransId="{60989FC9-0B14-4AA6-804D-223E28E67923}" sibTransId="{7C249041-5E17-4F84-990E-5F8426AEC0A6}"/>
+    <dgm:cxn modelId="{636607E7-43C7-4FD0-9749-C9245976A68A}" srcId="{A0ACE738-1680-49A9-A2CF-D906803B030E}" destId="{FF92E042-F1C1-4BC6-BA3F-C741F5ED9AB5}" srcOrd="5" destOrd="0" parTransId="{CD0106D6-F3F8-43D1-90B7-A48B899A1EAD}" sibTransId="{907133C3-2063-49AF-AF0C-9A21E4C33D9E}"/>
+    <dgm:cxn modelId="{7FE338E9-B6F9-4B44-973C-32BFC4F19575}" srcId="{549ACBF8-7430-46D9-8339-874950FB366A}" destId="{4BAAF9E6-4EEA-4F67-B767-038B4C129EF6}" srcOrd="4" destOrd="0" parTransId="{578CCCFE-0959-465C-8C7F-EF451BD3E318}" sibTransId="{0E766B73-2495-4B97-943D-F917B7F53DC7}"/>
+    <dgm:cxn modelId="{0EB28D21-0630-4964-BC16-4FBC0D63EE43}" type="presOf" srcId="{2511BAFD-47B8-4760-8EF9-78CFD45E3974}" destId="{2656222E-D64A-4B08-A85D-221DB764442B}" srcOrd="0" destOrd="0" presId="urn:microsoft.com/office/officeart/2005/8/layout/lProcess3"/>
     <dgm:cxn modelId="{49332112-CAE3-4027-98F7-206072F6C946}" srcId="{A0ACE738-1680-49A9-A2CF-D906803B030E}" destId="{044F67A8-0C65-405B-8D23-00B0415270C1}" srcOrd="4" destOrd="0" parTransId="{6588AB7E-CBD5-4649-B6E3-25B31F5667C4}" sibTransId="{129AFC1F-730B-40DC-ABA7-1CD98C59C6BA}"/>
-    <dgm:cxn modelId="{0CE6ECBA-B722-4295-B6B2-5259046092E9}" srcId="{A80ADC32-1240-44A9-8D10-689B131ED7C4}" destId="{549ACBF8-7430-46D9-8339-874950FB366A}" srcOrd="0" destOrd="0" parTransId="{AE219D22-E614-42D9-933D-F2CAABDD96DD}" sibTransId="{FE411B50-16E6-4BFE-BCED-3F3D642BD122}"/>
+    <dgm:cxn modelId="{4A828D74-D111-447A-AAF9-46D41F51B5E5}" type="presOf" srcId="{083A6C85-6FFB-4B4D-8D74-D8F48FD8829A}" destId="{59ECF31A-0156-405E-9EE6-10BE123BFF6E}" srcOrd="0" destOrd="0" presId="urn:microsoft.com/office/officeart/2005/8/layout/lProcess3"/>
+    <dgm:cxn modelId="{8D96B745-6FC1-441A-84D2-6657BBF939E4}" srcId="{A0ACE738-1680-49A9-A2CF-D906803B030E}" destId="{083A6C85-6FFB-4B4D-8D74-D8F48FD8829A}" srcOrd="1" destOrd="0" parTransId="{B5562EFC-1557-49F8-B505-B45BA63813C6}" sibTransId="{B883A520-9975-45C4-A008-F841CED759DD}"/>
+    <dgm:cxn modelId="{296330D7-E3EA-4CBD-916E-7310BB5EE1B2}" type="presOf" srcId="{4FF48E9C-E9AC-4281-B947-D8FFE3DECE5C}" destId="{1F3A26B7-5C5F-444E-B2F4-81A4EF68D39C}" srcOrd="0" destOrd="0" presId="urn:microsoft.com/office/officeart/2005/8/layout/lProcess3"/>
+    <dgm:cxn modelId="{4E79F56D-4ADA-4856-81A5-13E7B7BB6808}" srcId="{A0ACE738-1680-49A9-A2CF-D906803B030E}" destId="{A00A666A-6AB4-495C-B885-6ABCD9D9C6FB}" srcOrd="2" destOrd="0" parTransId="{6CF900BF-FEA0-4F4C-942D-DC3373394B80}" sibTransId="{37123E94-F4EA-4CA5-9A8F-E637094D8DFC}"/>
+    <dgm:cxn modelId="{1626726C-54F0-46E4-A49B-6BB47C4884DC}" srcId="{A80ADC32-1240-44A9-8D10-689B131ED7C4}" destId="{A0ACE738-1680-49A9-A2CF-D906803B030E}" srcOrd="1" destOrd="0" parTransId="{A4A00D55-2074-405C-AB24-EB32EBA8645F}" sibTransId="{0AB44536-5AE8-4110-849A-66F7C6FC73DB}"/>
+    <dgm:cxn modelId="{595C99A7-D46B-44BB-ABC3-8F077590AD91}" type="presOf" srcId="{4BAAF9E6-4EEA-4F67-B767-038B4C129EF6}" destId="{08E94FF5-BC66-4B8D-8967-BE71F1CB4EDC}" srcOrd="0" destOrd="0" presId="urn:microsoft.com/office/officeart/2005/8/layout/lProcess3"/>
+    <dgm:cxn modelId="{D56F8DFE-165F-40BA-A4E4-4E592B65E34F}" srcId="{549ACBF8-7430-46D9-8339-874950FB366A}" destId="{9AB6D8E7-86BD-4A09-9E94-09503E3538EE}" srcOrd="1" destOrd="0" parTransId="{B4805897-718D-47D9-8410-86FBE07C65A7}" sibTransId="{D9CCF4A3-B52A-43D1-9DCD-6DD1861A3B49}"/>
+    <dgm:cxn modelId="{5A40ECBD-BA98-484B-8866-8211C9586F02}" type="presOf" srcId="{36D39F46-44D7-415F-AAFF-5457B1161AF6}" destId="{0422B60C-0DD5-4DD4-B675-31405221A894}" srcOrd="0" destOrd="0" presId="urn:microsoft.com/office/officeart/2005/8/layout/lProcess3"/>
+    <dgm:cxn modelId="{7896C46A-ACEC-4CF4-86D9-65F52CB87E06}" srcId="{A0ACE738-1680-49A9-A2CF-D906803B030E}" destId="{E2F21A9B-00DA-4D55-B768-C79D3328E3BE}" srcOrd="3" destOrd="0" parTransId="{3FBECDE3-B7DF-41C7-839A-967A79A9E31C}" sibTransId="{34E3A36A-4E21-4CB1-B0F0-55BF2B059753}"/>
     <dgm:cxn modelId="{07F83F7A-C77E-4639-A83D-5FBF94324F41}" type="presOf" srcId="{14588E69-6899-4F1F-B273-599A71EBC9D7}" destId="{1B82D982-125A-4B17-9093-4DD998576D21}" srcOrd="0" destOrd="0" presId="urn:microsoft.com/office/officeart/2005/8/layout/lProcess3"/>
-    <dgm:cxn modelId="{1626726C-54F0-46E4-A49B-6BB47C4884DC}" srcId="{A80ADC32-1240-44A9-8D10-689B131ED7C4}" destId="{A0ACE738-1680-49A9-A2CF-D906803B030E}" srcOrd="1" destOrd="0" parTransId="{A4A00D55-2074-405C-AB24-EB32EBA8645F}" sibTransId="{0AB44536-5AE8-4110-849A-66F7C6FC73DB}"/>
-    <dgm:cxn modelId="{FA10973D-8767-40DD-9300-26136123BDA3}" type="presOf" srcId="{549ACBF8-7430-46D9-8339-874950FB366A}" destId="{8897FB83-C378-44D3-B544-CCCA50E493FA}" srcOrd="0" destOrd="0" presId="urn:microsoft.com/office/officeart/2005/8/layout/lProcess3"/>
+    <dgm:cxn modelId="{38452B9F-079B-43EE-9A1D-BABB5DEF9DA7}" type="presOf" srcId="{E2F21A9B-00DA-4D55-B768-C79D3328E3BE}" destId="{CE31B4AC-3DDB-4EC4-811E-AFA799FA1C15}" srcOrd="0" destOrd="0" presId="urn:microsoft.com/office/officeart/2005/8/layout/lProcess3"/>
     <dgm:cxn modelId="{0452ABD0-B8AF-4389-A49D-B494462EF935}" srcId="{549ACBF8-7430-46D9-8339-874950FB366A}" destId="{14588E69-6899-4F1F-B273-599A71EBC9D7}" srcOrd="2" destOrd="0" parTransId="{EAAB7090-D874-46C5-9CE1-D5E4FBD9834B}" sibTransId="{657EF155-E704-41B9-8E16-2C9B05F162EF}"/>
     <dgm:cxn modelId="{13F4B846-3A4A-44F0-9189-89F28AE9915C}" srcId="{549ACBF8-7430-46D9-8339-874950FB366A}" destId="{B4B2491C-5DBC-436E-866C-A0494F15234A}" srcOrd="0" destOrd="0" parTransId="{C58778CF-5D33-43C0-96C4-1AAE055E3806}" sibTransId="{B9AE3E08-7401-40CF-BDE9-FDEE4A8DCB93}"/>
+    <dgm:cxn modelId="{75F6B27D-A442-4C91-A7A9-A5B8AE199420}" type="presOf" srcId="{044F67A8-0C65-405B-8D23-00B0415270C1}" destId="{120A6866-71AF-4668-87F2-2D737620263E}" srcOrd="0" destOrd="0" presId="urn:microsoft.com/office/officeart/2005/8/layout/lProcess3"/>
     <dgm:cxn modelId="{C3EE9C67-B8B2-4C6A-B4D5-85CA9476923D}" type="presOf" srcId="{A00A666A-6AB4-495C-B885-6ABCD9D9C6FB}" destId="{48765ED3-077E-4B76-A89E-7C26D9BBEBC4}" srcOrd="0" destOrd="0" presId="urn:microsoft.com/office/officeart/2005/8/layout/lProcess3"/>
-    <dgm:cxn modelId="{8D96B745-6FC1-441A-84D2-6657BBF939E4}" srcId="{A0ACE738-1680-49A9-A2CF-D906803B030E}" destId="{083A6C85-6FFB-4B4D-8D74-D8F48FD8829A}" srcOrd="1" destOrd="0" parTransId="{B5562EFC-1557-49F8-B505-B45BA63813C6}" sibTransId="{B883A520-9975-45C4-A008-F841CED759DD}"/>
+    <dgm:cxn modelId="{27387CF2-0AD1-4E7E-AC6B-84278399C2E8}" srcId="{549ACBF8-7430-46D9-8339-874950FB366A}" destId="{36D39F46-44D7-415F-AAFF-5457B1161AF6}" srcOrd="3" destOrd="0" parTransId="{638078A6-F5E3-494B-8E8B-F2155CD16EA1}" sibTransId="{50B78A94-15AC-4F2F-BD07-128463FB03D5}"/>
+    <dgm:cxn modelId="{3B3BC6A7-D0F5-4A43-BBD5-A959D8BFBF5F}" type="presOf" srcId="{A0ACE738-1680-49A9-A2CF-D906803B030E}" destId="{3630A457-5CC4-40A5-A107-01C78963D87C}" srcOrd="0" destOrd="0" presId="urn:microsoft.com/office/officeart/2005/8/layout/lProcess3"/>
     <dgm:cxn modelId="{DD5202E2-8C4D-43A8-BE0D-7D8CF3368668}" type="presOf" srcId="{B4B2491C-5DBC-436E-866C-A0494F15234A}" destId="{E686387D-616A-4F98-990F-FBCDBE8E26E5}" srcOrd="0" destOrd="0" presId="urn:microsoft.com/office/officeart/2005/8/layout/lProcess3"/>
-    <dgm:cxn modelId="{7FE338E9-B6F9-4B44-973C-32BFC4F19575}" srcId="{549ACBF8-7430-46D9-8339-874950FB366A}" destId="{4BAAF9E6-4EEA-4F67-B767-038B4C129EF6}" srcOrd="4" destOrd="0" parTransId="{578CCCFE-0959-465C-8C7F-EF451BD3E318}" sibTransId="{0E766B73-2495-4B97-943D-F917B7F53DC7}"/>
-    <dgm:cxn modelId="{75F6B27D-A442-4C91-A7A9-A5B8AE199420}" type="presOf" srcId="{044F67A8-0C65-405B-8D23-00B0415270C1}" destId="{120A6866-71AF-4668-87F2-2D737620263E}" srcOrd="0" destOrd="0" presId="urn:microsoft.com/office/officeart/2005/8/layout/lProcess3"/>
-    <dgm:cxn modelId="{7896C46A-ACEC-4CF4-86D9-65F52CB87E06}" srcId="{A0ACE738-1680-49A9-A2CF-D906803B030E}" destId="{E2F21A9B-00DA-4D55-B768-C79D3328E3BE}" srcOrd="3" destOrd="0" parTransId="{3FBECDE3-B7DF-41C7-839A-967A79A9E31C}" sibTransId="{34E3A36A-4E21-4CB1-B0F0-55BF2B059753}"/>
-    <dgm:cxn modelId="{595C99A7-D46B-44BB-ABC3-8F077590AD91}" type="presOf" srcId="{4BAAF9E6-4EEA-4F67-B767-038B4C129EF6}" destId="{08E94FF5-BC66-4B8D-8967-BE71F1CB4EDC}" srcOrd="0" destOrd="0" presId="urn:microsoft.com/office/officeart/2005/8/layout/lProcess3"/>
-    <dgm:cxn modelId="{D56F8DFE-165F-40BA-A4E4-4E592B65E34F}" srcId="{549ACBF8-7430-46D9-8339-874950FB366A}" destId="{9AB6D8E7-86BD-4A09-9E94-09503E3538EE}" srcOrd="1" destOrd="0" parTransId="{B4805897-718D-47D9-8410-86FBE07C65A7}" sibTransId="{D9CCF4A3-B52A-43D1-9DCD-6DD1861A3B49}"/>
-    <dgm:cxn modelId="{636607E7-43C7-4FD0-9749-C9245976A68A}" srcId="{A0ACE738-1680-49A9-A2CF-D906803B030E}" destId="{FF92E042-F1C1-4BC6-BA3F-C741F5ED9AB5}" srcOrd="5" destOrd="0" parTransId="{CD0106D6-F3F8-43D1-90B7-A48B899A1EAD}" sibTransId="{907133C3-2063-49AF-AF0C-9A21E4C33D9E}"/>
+    <dgm:cxn modelId="{FA10973D-8767-40DD-9300-26136123BDA3}" type="presOf" srcId="{549ACBF8-7430-46D9-8339-874950FB366A}" destId="{8897FB83-C378-44D3-B544-CCCA50E493FA}" srcOrd="0" destOrd="0" presId="urn:microsoft.com/office/officeart/2005/8/layout/lProcess3"/>
+    <dgm:cxn modelId="{CFBBAB9D-982D-44E2-B39C-0255DD9A634C}" type="presOf" srcId="{A80ADC32-1240-44A9-8D10-689B131ED7C4}" destId="{C4C5BB40-2CB3-4FCC-A7B5-C0179DBBBF29}" srcOrd="0" destOrd="0" presId="urn:microsoft.com/office/officeart/2005/8/layout/lProcess3"/>
     <dgm:cxn modelId="{B1B9AAA5-1748-4253-AA4F-3EA0FC2B3FE7}" type="presOf" srcId="{FF92E042-F1C1-4BC6-BA3F-C741F5ED9AB5}" destId="{86A88084-04D1-453D-9EB9-B02F0C23CC18}" srcOrd="0" destOrd="0" presId="urn:microsoft.com/office/officeart/2005/8/layout/lProcess3"/>
-    <dgm:cxn modelId="{27387CF2-0AD1-4E7E-AC6B-84278399C2E8}" srcId="{549ACBF8-7430-46D9-8339-874950FB366A}" destId="{36D39F46-44D7-415F-AAFF-5457B1161AF6}" srcOrd="3" destOrd="0" parTransId="{638078A6-F5E3-494B-8E8B-F2155CD16EA1}" sibTransId="{50B78A94-15AC-4F2F-BD07-128463FB03D5}"/>
-    <dgm:cxn modelId="{4E79F56D-4ADA-4856-81A5-13E7B7BB6808}" srcId="{A0ACE738-1680-49A9-A2CF-D906803B030E}" destId="{A00A666A-6AB4-495C-B885-6ABCD9D9C6FB}" srcOrd="2" destOrd="0" parTransId="{6CF900BF-FEA0-4F4C-942D-DC3373394B80}" sibTransId="{37123E94-F4EA-4CA5-9A8F-E637094D8DFC}"/>
-    <dgm:cxn modelId="{296330D7-E3EA-4CBD-916E-7310BB5EE1B2}" type="presOf" srcId="{4FF48E9C-E9AC-4281-B947-D8FFE3DECE5C}" destId="{1F3A26B7-5C5F-444E-B2F4-81A4EF68D39C}" srcOrd="0" destOrd="0" presId="urn:microsoft.com/office/officeart/2005/8/layout/lProcess3"/>
-    <dgm:cxn modelId="{CFBBAB9D-982D-44E2-B39C-0255DD9A634C}" type="presOf" srcId="{A80ADC32-1240-44A9-8D10-689B131ED7C4}" destId="{C4C5BB40-2CB3-4FCC-A7B5-C0179DBBBF29}" srcOrd="0" destOrd="0" presId="urn:microsoft.com/office/officeart/2005/8/layout/lProcess3"/>
-    <dgm:cxn modelId="{79F4913A-47C1-458E-800D-449BC8892711}" srcId="{549ACBF8-7430-46D9-8339-874950FB366A}" destId="{4FF48E9C-E9AC-4281-B947-D8FFE3DECE5C}" srcOrd="5" destOrd="0" parTransId="{AD6C5DF5-E1B9-420E-AFE1-5E41149C2570}" sibTransId="{505D2657-8F3B-4007-A1B2-8CCFA7146CF7}"/>
-    <dgm:cxn modelId="{0EB28D21-0630-4964-BC16-4FBC0D63EE43}" type="presOf" srcId="{2511BAFD-47B8-4760-8EF9-78CFD45E3974}" destId="{2656222E-D64A-4B08-A85D-221DB764442B}" srcOrd="0" destOrd="0" presId="urn:microsoft.com/office/officeart/2005/8/layout/lProcess3"/>
-    <dgm:cxn modelId="{5A40ECBD-BA98-484B-8866-8211C9586F02}" type="presOf" srcId="{36D39F46-44D7-415F-AAFF-5457B1161AF6}" destId="{0422B60C-0DD5-4DD4-B675-31405221A894}" srcOrd="0" destOrd="0" presId="urn:microsoft.com/office/officeart/2005/8/layout/lProcess3"/>
-    <dgm:cxn modelId="{38452B9F-079B-43EE-9A1D-BABB5DEF9DA7}" type="presOf" srcId="{E2F21A9B-00DA-4D55-B768-C79D3328E3BE}" destId="{CE31B4AC-3DDB-4EC4-811E-AFA799FA1C15}" srcOrd="0" destOrd="0" presId="urn:microsoft.com/office/officeart/2005/8/layout/lProcess3"/>
-    <dgm:cxn modelId="{3B3BC6A7-D0F5-4A43-BBD5-A959D8BFBF5F}" type="presOf" srcId="{A0ACE738-1680-49A9-A2CF-D906803B030E}" destId="{3630A457-5CC4-40A5-A107-01C78963D87C}" srcOrd="0" destOrd="0" presId="urn:microsoft.com/office/officeart/2005/8/layout/lProcess3"/>
-    <dgm:cxn modelId="{541A2BE4-F605-4139-A89C-0AFB006E6BB0}" srcId="{A0ACE738-1680-49A9-A2CF-D906803B030E}" destId="{2511BAFD-47B8-4760-8EF9-78CFD45E3974}" srcOrd="0" destOrd="0" parTransId="{60989FC9-0B14-4AA6-804D-223E28E67923}" sibTransId="{7C249041-5E17-4F84-990E-5F8426AEC0A6}"/>
-    <dgm:cxn modelId="{4A828D74-D111-447A-AAF9-46D41F51B5E5}" type="presOf" srcId="{083A6C85-6FFB-4B4D-8D74-D8F48FD8829A}" destId="{59ECF31A-0156-405E-9EE6-10BE123BFF6E}" srcOrd="0" destOrd="0" presId="urn:microsoft.com/office/officeart/2005/8/layout/lProcess3"/>
     <dgm:cxn modelId="{71EF369B-BB3F-4696-BAF7-AC2B38808F4B}" type="presParOf" srcId="{C4C5BB40-2CB3-4FCC-A7B5-C0179DBBBF29}" destId="{144BC6F2-0B73-49AC-AC02-AAF3E83C24EB}" srcOrd="0" destOrd="0" presId="urn:microsoft.com/office/officeart/2005/8/layout/lProcess3"/>
     <dgm:cxn modelId="{DF21FEDF-2779-4399-AD79-4A486854C540}" type="presParOf" srcId="{144BC6F2-0B73-49AC-AC02-AAF3E83C24EB}" destId="{8897FB83-C378-44D3-B544-CCCA50E493FA}" srcOrd="0" destOrd="0" presId="urn:microsoft.com/office/officeart/2005/8/layout/lProcess3"/>
     <dgm:cxn modelId="{69232E6A-73F4-4EDF-AA14-54CD52261A0D}" type="presParOf" srcId="{144BC6F2-0B73-49AC-AC02-AAF3E83C24EB}" destId="{25215EDD-48C1-4736-A8BD-0063033D24E7}" srcOrd="1" destOrd="0" presId="urn:microsoft.com/office/officeart/2005/8/layout/lProcess3"/>
@@ -7570,35 +7570,35 @@
     </dgm:pt>
   </dgm:ptLst>
   <dgm:cxnLst>
+    <dgm:cxn modelId="{508A9F6A-C4F1-4147-A5F6-B89293B446E8}" srcId="{082E8A29-955A-4C7C-A174-3E9DCD4DC89B}" destId="{B86124A4-14C7-49C7-A342-9B2C2B94980B}" srcOrd="2" destOrd="0" parTransId="{B2F6F8FA-C3EE-485C-BFEC-A81570DC47D8}" sibTransId="{1114C752-8188-4E63-BFFC-E4081ACE9882}"/>
+    <dgm:cxn modelId="{97004F90-D1DB-4A84-A8AE-504DE1F07341}" srcId="{082E8A29-955A-4C7C-A174-3E9DCD4DC89B}" destId="{97AFB725-9839-43BA-B026-0DD6AA03AD9C}" srcOrd="1" destOrd="0" parTransId="{CC01022B-5039-457F-931E-79459E3C1DC4}" sibTransId="{D5C26250-A06D-4B41-BC14-92648809C21F}"/>
+    <dgm:cxn modelId="{791B5989-F5A5-4021-97F2-55841C5BF713}" type="presOf" srcId="{082E8A29-955A-4C7C-A174-3E9DCD4DC89B}" destId="{8F988417-5085-446A-9534-C8E783FFAC0F}" srcOrd="0" destOrd="0" presId="urn:diagrams.loki3.com/BracketList"/>
+    <dgm:cxn modelId="{633E5193-1DBF-477B-BE52-E2B5EBEB93C6}" type="presOf" srcId="{6D0E5D9F-7263-4526-A227-51301233F549}" destId="{18209124-9853-4B36-9180-55BC384AA84D}" srcOrd="0" destOrd="0" presId="urn:diagrams.loki3.com/BracketList"/>
+    <dgm:cxn modelId="{78C415D6-35DF-45BB-8921-595A1C6CA239}" type="presOf" srcId="{B6E26FFC-9977-4BBC-BEC7-3D6B63754E52}" destId="{74C582AC-97DE-47F1-B2F7-CEAF5C38053B}" srcOrd="0" destOrd="0" presId="urn:diagrams.loki3.com/BracketList"/>
     <dgm:cxn modelId="{4BF436C2-CB7A-454C-A1D2-41BCB7321C26}" type="presOf" srcId="{A97FC57D-50D6-4D43-99C3-06D09820F122}" destId="{22850625-2192-463E-8187-DBB37B4DEEE5}" srcOrd="0" destOrd="3" presId="urn:diagrams.loki3.com/BracketList"/>
-    <dgm:cxn modelId="{78C415D6-35DF-45BB-8921-595A1C6CA239}" type="presOf" srcId="{B6E26FFC-9977-4BBC-BEC7-3D6B63754E52}" destId="{74C582AC-97DE-47F1-B2F7-CEAF5C38053B}" srcOrd="0" destOrd="0" presId="urn:diagrams.loki3.com/BracketList"/>
+    <dgm:cxn modelId="{F454A545-FA11-41F7-9AE3-2B8BC82277C4}" type="presOf" srcId="{23A0DE4A-FE92-496E-B335-3433CEFB74E9}" destId="{22850625-2192-463E-8187-DBB37B4DEEE5}" srcOrd="0" destOrd="0" presId="urn:diagrams.loki3.com/BracketList"/>
+    <dgm:cxn modelId="{17E73148-9C08-4999-B21E-F3C5A0E3FC0C}" srcId="{CF9055CF-8DEB-4A02-949A-DE72B6AC5D37}" destId="{B6E26FFC-9977-4BBC-BEC7-3D6B63754E52}" srcOrd="1" destOrd="0" parTransId="{5CEFBD89-2F4F-4B51-A98A-0F3C86494166}" sibTransId="{48634C00-2335-4923-9072-EB7482323D9C}"/>
+    <dgm:cxn modelId="{C8C462C6-33A3-4E8B-91FE-36DBE92F1C4A}" srcId="{CF9055CF-8DEB-4A02-949A-DE72B6AC5D37}" destId="{6D0E5D9F-7263-4526-A227-51301233F549}" srcOrd="2" destOrd="0" parTransId="{23416D07-25F8-426C-BC65-639E6BCF4D6D}" sibTransId="{DE289E29-1989-4D8E-8AA6-F030105B3F13}"/>
+    <dgm:cxn modelId="{59DDA576-1BA9-49E8-9D1D-361FF667A19A}" srcId="{B6E26FFC-9977-4BBC-BEC7-3D6B63754E52}" destId="{62831651-7C26-466C-BAA4-31EA8D14E47A}" srcOrd="1" destOrd="0" parTransId="{0F3EB6E4-07A5-4199-9C2F-8B91F53579FE}" sibTransId="{0D19FA60-5F9C-420B-AD2F-A0656A7F0783}"/>
+    <dgm:cxn modelId="{FB8541C0-3895-4553-A4C7-34B81A3C4A0B}" srcId="{CF9055CF-8DEB-4A02-949A-DE72B6AC5D37}" destId="{A81358E0-3DE7-41AD-A28C-ABB22548B1F6}" srcOrd="3" destOrd="0" parTransId="{262E0B94-6EA9-4797-B705-959D7B185F91}" sibTransId="{77756FBB-BF6C-4D78-803E-BCC851F1DA03}"/>
+    <dgm:cxn modelId="{67A03D8F-F327-4A9F-ABBC-1EB67EFD1ECB}" srcId="{082E8A29-955A-4C7C-A174-3E9DCD4DC89B}" destId="{23A0DE4A-FE92-496E-B335-3433CEFB74E9}" srcOrd="0" destOrd="0" parTransId="{68935D38-FEDC-4CD3-8002-43CB3944BEAF}" sibTransId="{55DF926D-029A-4E18-95C4-77A5A37CAE40}"/>
+    <dgm:cxn modelId="{3C41F2E0-4620-40B4-9857-68872B278EFB}" srcId="{B6E26FFC-9977-4BBC-BEC7-3D6B63754E52}" destId="{CBCC21F5-552F-4D39-812E-6FCD4A366F58}" srcOrd="0" destOrd="0" parTransId="{4A973A1C-85F1-4969-A536-D29940229E2C}" sibTransId="{3640B940-6901-481F-ADF7-6B77DEEED764}"/>
+    <dgm:cxn modelId="{8910F93B-7180-4A52-9856-879D102D33F8}" srcId="{6D0E5D9F-7263-4526-A227-51301233F549}" destId="{357008B7-F3FD-489F-A410-81C9A9EFE4DA}" srcOrd="1" destOrd="0" parTransId="{ED5EFE54-4C6D-4A88-939B-CE66C6668425}" sibTransId="{87BC108C-4915-4A4B-8565-E4BD28BA3C35}"/>
+    <dgm:cxn modelId="{E3D1E441-6DFB-4005-8B07-84971CD049AF}" type="presOf" srcId="{CF9055CF-8DEB-4A02-949A-DE72B6AC5D37}" destId="{3AD46912-AB30-4540-8DF5-67AC1488F01C}" srcOrd="0" destOrd="0" presId="urn:diagrams.loki3.com/BracketList"/>
+    <dgm:cxn modelId="{E554777F-9CC2-418D-BFE3-2198586BFE02}" type="presOf" srcId="{F3256203-D9D1-492A-B801-68C1A32486F0}" destId="{9DC88600-C3D9-4AA5-B04F-AC7D55D573B0}" srcOrd="0" destOrd="0" presId="urn:diagrams.loki3.com/BracketList"/>
+    <dgm:cxn modelId="{1B8E71B0-2D3A-4AB0-8843-CFDACEDC3198}" srcId="{6D0E5D9F-7263-4526-A227-51301233F549}" destId="{F3256203-D9D1-492A-B801-68C1A32486F0}" srcOrd="0" destOrd="0" parTransId="{E9A20291-2E30-4C14-BB7D-DC095A20ECB6}" sibTransId="{6C9440D0-8847-40C0-98BC-2B5EA5745C3A}"/>
+    <dgm:cxn modelId="{187CA79C-407F-4248-8324-1976688B47A3}" type="presOf" srcId="{62831651-7C26-466C-BAA4-31EA8D14E47A}" destId="{8A77D6A0-09A8-4728-B3F6-2488D599D736}" srcOrd="0" destOrd="1" presId="urn:diagrams.loki3.com/BracketList"/>
+    <dgm:cxn modelId="{A2714790-C7A3-4B92-B748-271A29D614FC}" type="presOf" srcId="{357008B7-F3FD-489F-A410-81C9A9EFE4DA}" destId="{9DC88600-C3D9-4AA5-B04F-AC7D55D573B0}" srcOrd="0" destOrd="1" presId="urn:diagrams.loki3.com/BracketList"/>
+    <dgm:cxn modelId="{2986897A-7787-444F-B6C8-41F3823EF3C1}" srcId="{CF9055CF-8DEB-4A02-949A-DE72B6AC5D37}" destId="{082E8A29-955A-4C7C-A174-3E9DCD4DC89B}" srcOrd="0" destOrd="0" parTransId="{BA7938E6-8DFA-40B7-B4C4-EACC6D85FC31}" sibTransId="{C2176686-D23E-48EB-9D1B-1A1B46236638}"/>
+    <dgm:cxn modelId="{1C5CE732-A00F-4C06-A1A8-B209BC6B496D}" srcId="{A81358E0-3DE7-41AD-A28C-ABB22548B1F6}" destId="{37A7C994-CC74-44DD-8777-ED6736B35821}" srcOrd="0" destOrd="0" parTransId="{03F017E7-7E3C-4E2C-9CEF-B07099F38801}" sibTransId="{118572A4-3B5E-487E-8015-6A319369077F}"/>
+    <dgm:cxn modelId="{D286A548-6BB0-4DED-9FB5-D87042DDBE0A}" srcId="{082E8A29-955A-4C7C-A174-3E9DCD4DC89B}" destId="{A97FC57D-50D6-4D43-99C3-06D09820F122}" srcOrd="3" destOrd="0" parTransId="{5DD877C7-E4D9-4A68-A305-5A7689D3DBE7}" sibTransId="{C17BCABE-BEF2-4CC4-B037-B6B4866665CD}"/>
+    <dgm:cxn modelId="{12609D25-6280-4191-96EC-FC59574CC5FD}" type="presOf" srcId="{B86124A4-14C7-49C7-A342-9B2C2B94980B}" destId="{22850625-2192-463E-8187-DBB37B4DEEE5}" srcOrd="0" destOrd="2" presId="urn:diagrams.loki3.com/BracketList"/>
+    <dgm:cxn modelId="{F89EA6DF-D106-435E-9337-D23286A767A6}" srcId="{B6E26FFC-9977-4BBC-BEC7-3D6B63754E52}" destId="{44B2544A-D122-4B95-A36C-B03D9E272B48}" srcOrd="2" destOrd="0" parTransId="{9EE40E78-C1B8-4A87-A668-53AD816CED24}" sibTransId="{F32DECE0-DC7F-4DCF-A10D-96A117A49197}"/>
+    <dgm:cxn modelId="{F9F24B56-4C40-4CD5-B0B3-335013F9648E}" type="presOf" srcId="{37A7C994-CC74-44DD-8777-ED6736B35821}" destId="{2DDF7FCF-0E74-45B4-9880-0E53C8A0FB81}" srcOrd="0" destOrd="0" presId="urn:diagrams.loki3.com/BracketList"/>
+    <dgm:cxn modelId="{2616D543-291D-4A57-BE47-139E70015B80}" type="presOf" srcId="{44B2544A-D122-4B95-A36C-B03D9E272B48}" destId="{8A77D6A0-09A8-4728-B3F6-2488D599D736}" srcOrd="0" destOrd="2" presId="urn:diagrams.loki3.com/BracketList"/>
+    <dgm:cxn modelId="{40EFBB0B-5BD3-4278-AC4B-0AEBBF83271D}" type="presOf" srcId="{A81358E0-3DE7-41AD-A28C-ABB22548B1F6}" destId="{AE12AEDB-2669-4D1A-914A-BA7EC0BD59A9}" srcOrd="0" destOrd="0" presId="urn:diagrams.loki3.com/BracketList"/>
+    <dgm:cxn modelId="{60685518-1997-4F7B-A98E-F65D7D00962C}" type="presOf" srcId="{CBCC21F5-552F-4D39-812E-6FCD4A366F58}" destId="{8A77D6A0-09A8-4728-B3F6-2488D599D736}" srcOrd="0" destOrd="0" presId="urn:diagrams.loki3.com/BracketList"/>
     <dgm:cxn modelId="{CC727F34-AF53-4AC0-9AD6-357E6D15CB8E}" type="presOf" srcId="{97AFB725-9839-43BA-B026-0DD6AA03AD9C}" destId="{22850625-2192-463E-8187-DBB37B4DEEE5}" srcOrd="0" destOrd="1" presId="urn:diagrams.loki3.com/BracketList"/>
-    <dgm:cxn modelId="{A2714790-C7A3-4B92-B748-271A29D614FC}" type="presOf" srcId="{357008B7-F3FD-489F-A410-81C9A9EFE4DA}" destId="{9DC88600-C3D9-4AA5-B04F-AC7D55D573B0}" srcOrd="0" destOrd="1" presId="urn:diagrams.loki3.com/BracketList"/>
-    <dgm:cxn modelId="{D286A548-6BB0-4DED-9FB5-D87042DDBE0A}" srcId="{082E8A29-955A-4C7C-A174-3E9DCD4DC89B}" destId="{A97FC57D-50D6-4D43-99C3-06D09820F122}" srcOrd="3" destOrd="0" parTransId="{5DD877C7-E4D9-4A68-A305-5A7689D3DBE7}" sibTransId="{C17BCABE-BEF2-4CC4-B037-B6B4866665CD}"/>
-    <dgm:cxn modelId="{187CA79C-407F-4248-8324-1976688B47A3}" type="presOf" srcId="{62831651-7C26-466C-BAA4-31EA8D14E47A}" destId="{8A77D6A0-09A8-4728-B3F6-2488D599D736}" srcOrd="0" destOrd="1" presId="urn:diagrams.loki3.com/BracketList"/>
-    <dgm:cxn modelId="{97004F90-D1DB-4A84-A8AE-504DE1F07341}" srcId="{082E8A29-955A-4C7C-A174-3E9DCD4DC89B}" destId="{97AFB725-9839-43BA-B026-0DD6AA03AD9C}" srcOrd="1" destOrd="0" parTransId="{CC01022B-5039-457F-931E-79459E3C1DC4}" sibTransId="{D5C26250-A06D-4B41-BC14-92648809C21F}"/>
-    <dgm:cxn modelId="{8910F93B-7180-4A52-9856-879D102D33F8}" srcId="{6D0E5D9F-7263-4526-A227-51301233F549}" destId="{357008B7-F3FD-489F-A410-81C9A9EFE4DA}" srcOrd="1" destOrd="0" parTransId="{ED5EFE54-4C6D-4A88-939B-CE66C6668425}" sibTransId="{87BC108C-4915-4A4B-8565-E4BD28BA3C35}"/>
-    <dgm:cxn modelId="{17E73148-9C08-4999-B21E-F3C5A0E3FC0C}" srcId="{CF9055CF-8DEB-4A02-949A-DE72B6AC5D37}" destId="{B6E26FFC-9977-4BBC-BEC7-3D6B63754E52}" srcOrd="1" destOrd="0" parTransId="{5CEFBD89-2F4F-4B51-A98A-0F3C86494166}" sibTransId="{48634C00-2335-4923-9072-EB7482323D9C}"/>
-    <dgm:cxn modelId="{E3D1E441-6DFB-4005-8B07-84971CD049AF}" type="presOf" srcId="{CF9055CF-8DEB-4A02-949A-DE72B6AC5D37}" destId="{3AD46912-AB30-4540-8DF5-67AC1488F01C}" srcOrd="0" destOrd="0" presId="urn:diagrams.loki3.com/BracketList"/>
-    <dgm:cxn modelId="{F9F24B56-4C40-4CD5-B0B3-335013F9648E}" type="presOf" srcId="{37A7C994-CC74-44DD-8777-ED6736B35821}" destId="{2DDF7FCF-0E74-45B4-9880-0E53C8A0FB81}" srcOrd="0" destOrd="0" presId="urn:diagrams.loki3.com/BracketList"/>
-    <dgm:cxn modelId="{12609D25-6280-4191-96EC-FC59574CC5FD}" type="presOf" srcId="{B86124A4-14C7-49C7-A342-9B2C2B94980B}" destId="{22850625-2192-463E-8187-DBB37B4DEEE5}" srcOrd="0" destOrd="2" presId="urn:diagrams.loki3.com/BracketList"/>
-    <dgm:cxn modelId="{1C5CE732-A00F-4C06-A1A8-B209BC6B496D}" srcId="{A81358E0-3DE7-41AD-A28C-ABB22548B1F6}" destId="{37A7C994-CC74-44DD-8777-ED6736B35821}" srcOrd="0" destOrd="0" parTransId="{03F017E7-7E3C-4E2C-9CEF-B07099F38801}" sibTransId="{118572A4-3B5E-487E-8015-6A319369077F}"/>
-    <dgm:cxn modelId="{E554777F-9CC2-418D-BFE3-2198586BFE02}" type="presOf" srcId="{F3256203-D9D1-492A-B801-68C1A32486F0}" destId="{9DC88600-C3D9-4AA5-B04F-AC7D55D573B0}" srcOrd="0" destOrd="0" presId="urn:diagrams.loki3.com/BracketList"/>
-    <dgm:cxn modelId="{3C41F2E0-4620-40B4-9857-68872B278EFB}" srcId="{B6E26FFC-9977-4BBC-BEC7-3D6B63754E52}" destId="{CBCC21F5-552F-4D39-812E-6FCD4A366F58}" srcOrd="0" destOrd="0" parTransId="{4A973A1C-85F1-4969-A536-D29940229E2C}" sibTransId="{3640B940-6901-481F-ADF7-6B77DEEED764}"/>
-    <dgm:cxn modelId="{633E5193-1DBF-477B-BE52-E2B5EBEB93C6}" type="presOf" srcId="{6D0E5D9F-7263-4526-A227-51301233F549}" destId="{18209124-9853-4B36-9180-55BC384AA84D}" srcOrd="0" destOrd="0" presId="urn:diagrams.loki3.com/BracketList"/>
-    <dgm:cxn modelId="{59DDA576-1BA9-49E8-9D1D-361FF667A19A}" srcId="{B6E26FFC-9977-4BBC-BEC7-3D6B63754E52}" destId="{62831651-7C26-466C-BAA4-31EA8D14E47A}" srcOrd="1" destOrd="0" parTransId="{0F3EB6E4-07A5-4199-9C2F-8B91F53579FE}" sibTransId="{0D19FA60-5F9C-420B-AD2F-A0656A7F0783}"/>
-    <dgm:cxn modelId="{60685518-1997-4F7B-A98E-F65D7D00962C}" type="presOf" srcId="{CBCC21F5-552F-4D39-812E-6FCD4A366F58}" destId="{8A77D6A0-09A8-4728-B3F6-2488D599D736}" srcOrd="0" destOrd="0" presId="urn:diagrams.loki3.com/BracketList"/>
-    <dgm:cxn modelId="{FB8541C0-3895-4553-A4C7-34B81A3C4A0B}" srcId="{CF9055CF-8DEB-4A02-949A-DE72B6AC5D37}" destId="{A81358E0-3DE7-41AD-A28C-ABB22548B1F6}" srcOrd="3" destOrd="0" parTransId="{262E0B94-6EA9-4797-B705-959D7B185F91}" sibTransId="{77756FBB-BF6C-4D78-803E-BCC851F1DA03}"/>
-    <dgm:cxn modelId="{F454A545-FA11-41F7-9AE3-2B8BC82277C4}" type="presOf" srcId="{23A0DE4A-FE92-496E-B335-3433CEFB74E9}" destId="{22850625-2192-463E-8187-DBB37B4DEEE5}" srcOrd="0" destOrd="0" presId="urn:diagrams.loki3.com/BracketList"/>
-    <dgm:cxn modelId="{40EFBB0B-5BD3-4278-AC4B-0AEBBF83271D}" type="presOf" srcId="{A81358E0-3DE7-41AD-A28C-ABB22548B1F6}" destId="{AE12AEDB-2669-4D1A-914A-BA7EC0BD59A9}" srcOrd="0" destOrd="